--- a/Course Work/_Презентация Курсовой работы.pptx
+++ b/Course Work/_Презентация Курсовой работы.pptx
@@ -220,7 +220,7 @@
           <a:p>
             <a:fld id="{B04DCA98-92C0-4F48-89D1-3FD303C7CE35}" type="datetimeFigureOut">
               <a:rPr lang="ru-RU" smtClean="0"/>
-              <a:t>11.06.2021</a:t>
+              <a:t>07.07.2021</a:t>
             </a:fld>
             <a:endParaRPr lang="ru-RU"/>
           </a:p>
@@ -709,7 +709,7 @@
             </a:pPr>
             <a:fld id="{F9A2CB3F-9E6C-4531-82DF-EF260906E9D5}" type="datetimeFigureOut">
               <a:rPr lang="ru-RU"/>
-              <a:t>11.06.2021</a:t>
+              <a:t>07.07.2021</a:t>
             </a:fld>
             <a:endParaRPr lang="ru-RU"/>
           </a:p>
@@ -898,7 +898,7 @@
             </a:pPr>
             <a:fld id="{F9A2CB3F-9E6C-4531-82DF-EF260906E9D5}" type="datetimeFigureOut">
               <a:rPr lang="ru-RU"/>
-              <a:t>11.06.2021</a:t>
+              <a:t>07.07.2021</a:t>
             </a:fld>
             <a:endParaRPr lang="ru-RU"/>
           </a:p>
@@ -1097,7 +1097,7 @@
             </a:pPr>
             <a:fld id="{F9A2CB3F-9E6C-4531-82DF-EF260906E9D5}" type="datetimeFigureOut">
               <a:rPr lang="ru-RU"/>
-              <a:t>11.06.2021</a:t>
+              <a:t>07.07.2021</a:t>
             </a:fld>
             <a:endParaRPr lang="ru-RU"/>
           </a:p>
@@ -1316,7 +1316,7 @@
             </a:pPr>
             <a:fld id="{1D8BD707-D9CF-40AE-B4C6-C98DA3205C09}" type="datetimeFigureOut">
               <a:rPr lang="en-US"/>
-              <a:t>6/11/2021</a:t>
+              <a:t>7/7/2021</a:t>
             </a:fld>
             <a:endParaRPr lang="en-US"/>
           </a:p>
@@ -1921,7 +1921,7 @@
             </a:pPr>
             <a:fld id="{1D8BD707-D9CF-40AE-B4C6-C98DA3205C09}" type="datetimeFigureOut">
               <a:rPr lang="en-US"/>
-              <a:t>6/11/2021</a:t>
+              <a:t>7/7/2021</a:t>
             </a:fld>
             <a:endParaRPr lang="en-US"/>
           </a:p>
@@ -2124,7 +2124,7 @@
             </a:pPr>
             <a:fld id="{1D8BD707-D9CF-40AE-B4C6-C98DA3205C09}" type="datetimeFigureOut">
               <a:rPr lang="en-US"/>
-              <a:t>6/11/2021</a:t>
+              <a:t>7/7/2021</a:t>
             </a:fld>
             <a:endParaRPr lang="en-US"/>
           </a:p>
@@ -2545,7 +2545,7 @@
             </a:pPr>
             <a:fld id="{1D8BD707-D9CF-40AE-B4C6-C98DA3205C09}" type="datetimeFigureOut">
               <a:rPr lang="en-US"/>
-              <a:t>6/11/2021</a:t>
+              <a:t>7/7/2021</a:t>
             </a:fld>
             <a:endParaRPr lang="en-US"/>
           </a:p>
@@ -2688,7 +2688,7 @@
             </a:pPr>
             <a:fld id="{1D8BD707-D9CF-40AE-B4C6-C98DA3205C09}" type="datetimeFigureOut">
               <a:rPr lang="en-US"/>
-              <a:t>6/11/2021</a:t>
+              <a:t>7/7/2021</a:t>
             </a:fld>
             <a:endParaRPr lang="en-US"/>
           </a:p>
@@ -2877,7 +2877,7 @@
             </a:pPr>
             <a:fld id="{F9A2CB3F-9E6C-4531-82DF-EF260906E9D5}" type="datetimeFigureOut">
               <a:rPr lang="ru-RU"/>
-              <a:t>11.06.2021</a:t>
+              <a:t>07.07.2021</a:t>
             </a:fld>
             <a:endParaRPr lang="ru-RU"/>
           </a:p>
@@ -3056,7 +3056,7 @@
             </a:pPr>
             <a:fld id="{1D8BD707-D9CF-40AE-B4C6-C98DA3205C09}" type="datetimeFigureOut">
               <a:rPr lang="en-US"/>
-              <a:t>6/11/2021</a:t>
+              <a:t>7/7/2021</a:t>
             </a:fld>
             <a:endParaRPr lang="en-US"/>
           </a:p>
@@ -3264,7 +3264,7 @@
             </a:pPr>
             <a:fld id="{1D8BD707-D9CF-40AE-B4C6-C98DA3205C09}" type="datetimeFigureOut">
               <a:rPr lang="en-US"/>
-              <a:t>6/11/2021</a:t>
+              <a:t>7/7/2021</a:t>
             </a:fld>
             <a:endParaRPr lang="en-US"/>
           </a:p>
@@ -3435,7 +3435,7 @@
             </a:pPr>
             <a:fld id="{1D8BD707-D9CF-40AE-B4C6-C98DA3205C09}" type="datetimeFigureOut">
               <a:rPr lang="en-US"/>
-              <a:t>6/11/2021</a:t>
+              <a:t>7/7/2021</a:t>
             </a:fld>
             <a:endParaRPr lang="en-US"/>
           </a:p>
@@ -3689,7 +3689,7 @@
             </a:pPr>
             <a:fld id="{1D8BD707-D9CF-40AE-B4C6-C98DA3205C09}" type="datetimeFigureOut">
               <a:rPr lang="en-US"/>
-              <a:t>6/11/2021</a:t>
+              <a:t>7/7/2021</a:t>
             </a:fld>
             <a:endParaRPr lang="en-US"/>
           </a:p>
@@ -3798,7 +3798,7 @@
             </a:pPr>
             <a:fld id="{1D8BD707-D9CF-40AE-B4C6-C98DA3205C09}" type="datetimeFigureOut">
               <a:rPr lang="en-US"/>
-              <a:t>6/11/2021</a:t>
+              <a:t>7/7/2021</a:t>
             </a:fld>
             <a:endParaRPr lang="en-US"/>
           </a:p>
@@ -3989,7 +3989,7 @@
             </a:pPr>
             <a:fld id="{1D8BD707-D9CF-40AE-B4C6-C98DA3205C09}" type="datetimeFigureOut">
               <a:rPr lang="en-US"/>
-              <a:t>6/11/2021</a:t>
+              <a:t>7/7/2021</a:t>
             </a:fld>
             <a:endParaRPr lang="en-US"/>
           </a:p>
@@ -4088,7 +4088,7 @@
             </a:pPr>
             <a:fld id="{1D8BD707-D9CF-40AE-B4C6-C98DA3205C09}" type="datetimeFigureOut">
               <a:rPr lang="en-US"/>
-              <a:t>6/11/2021</a:t>
+              <a:t>7/7/2021</a:t>
             </a:fld>
             <a:endParaRPr lang="en-US"/>
           </a:p>
@@ -4230,7 +4230,7 @@
             </a:pPr>
             <a:fld id="{1D8BD707-D9CF-40AE-B4C6-C98DA3205C09}" type="datetimeFigureOut">
               <a:rPr lang="en-US"/>
-              <a:t>6/11/2021</a:t>
+              <a:t>7/7/2021</a:t>
             </a:fld>
             <a:endParaRPr lang="en-US"/>
           </a:p>
@@ -4808,7 +4808,7 @@
             </a:pPr>
             <a:fld id="{F9A2CB3F-9E6C-4531-82DF-EF260906E9D5}" type="datetimeFigureOut">
               <a:rPr lang="ru-RU"/>
-              <a:t>11.06.2021</a:t>
+              <a:t>07.07.2021</a:t>
             </a:fld>
             <a:endParaRPr lang="ru-RU"/>
           </a:p>
@@ -5072,7 +5072,7 @@
             </a:pPr>
             <a:fld id="{F9A2CB3F-9E6C-4531-82DF-EF260906E9D5}" type="datetimeFigureOut">
               <a:rPr lang="ru-RU"/>
-              <a:t>11.06.2021</a:t>
+              <a:t>07.07.2021</a:t>
             </a:fld>
             <a:endParaRPr lang="ru-RU"/>
           </a:p>
@@ -5477,7 +5477,7 @@
             </a:pPr>
             <a:fld id="{F9A2CB3F-9E6C-4531-82DF-EF260906E9D5}" type="datetimeFigureOut">
               <a:rPr lang="ru-RU"/>
-              <a:t>11.06.2021</a:t>
+              <a:t>07.07.2021</a:t>
             </a:fld>
             <a:endParaRPr lang="ru-RU"/>
           </a:p>
@@ -5601,7 +5601,7 @@
             </a:pPr>
             <a:fld id="{F9A2CB3F-9E6C-4531-82DF-EF260906E9D5}" type="datetimeFigureOut">
               <a:rPr lang="ru-RU"/>
-              <a:t>11.06.2021</a:t>
+              <a:t>07.07.2021</a:t>
             </a:fld>
             <a:endParaRPr lang="ru-RU"/>
           </a:p>
@@ -5700,7 +5700,7 @@
             </a:pPr>
             <a:fld id="{F9A2CB3F-9E6C-4531-82DF-EF260906E9D5}" type="datetimeFigureOut">
               <a:rPr lang="ru-RU"/>
-              <a:t>11.06.2021</a:t>
+              <a:t>07.07.2021</a:t>
             </a:fld>
             <a:endParaRPr lang="ru-RU"/>
           </a:p>
@@ -5999,7 +5999,7 @@
             </a:pPr>
             <a:fld id="{F9A2CB3F-9E6C-4531-82DF-EF260906E9D5}" type="datetimeFigureOut">
               <a:rPr lang="ru-RU"/>
-              <a:t>11.06.2021</a:t>
+              <a:t>07.07.2021</a:t>
             </a:fld>
             <a:endParaRPr lang="ru-RU"/>
           </a:p>
@@ -6264,7 +6264,7 @@
             </a:pPr>
             <a:fld id="{F9A2CB3F-9E6C-4531-82DF-EF260906E9D5}" type="datetimeFigureOut">
               <a:rPr lang="ru-RU"/>
-              <a:t>11.06.2021</a:t>
+              <a:t>07.07.2021</a:t>
             </a:fld>
             <a:endParaRPr lang="ru-RU"/>
           </a:p>
@@ -6496,7 +6496,7 @@
             </a:pPr>
             <a:fld id="{F9A2CB3F-9E6C-4531-82DF-EF260906E9D5}" type="datetimeFigureOut">
               <a:rPr lang="ru-RU"/>
-              <a:t>11.06.2021</a:t>
+              <a:t>07.07.2021</a:t>
             </a:fld>
             <a:endParaRPr lang="ru-RU"/>
           </a:p>
@@ -6994,7 +6994,7 @@
             </a:pPr>
             <a:fld id="{1D8BD707-D9CF-40AE-B4C6-C98DA3205C09}" type="datetimeFigureOut">
               <a:rPr lang="en-US"/>
-              <a:t>6/11/2021</a:t>
+              <a:t>7/7/2021</a:t>
             </a:fld>
             <a:endParaRPr lang="en-US"/>
           </a:p>
@@ -7608,7 +7608,7 @@
           <p:cNvPr id="6" name="Рисунок 5">
             <a:extLst>
               <a:ext uri="{FF2B5EF4-FFF2-40B4-BE49-F238E27FC236}">
-                <a16:creationId xmlns:a16="http://schemas.microsoft.com/office/drawing/2014/main" xmlns="" id="{FBE6ED87-35B9-4D44-BD5E-D3A5BFABF05B}"/>
+                <a16:creationId xmlns="" xmlns:a16="http://schemas.microsoft.com/office/drawing/2014/main" id="{FBE6ED87-35B9-4D44-BD5E-D3A5BFABF05B}"/>
               </a:ext>
             </a:extLst>
           </p:cNvPr>
@@ -7637,7 +7637,7 @@
           <p:cNvPr id="7" name="TextBox 35">
             <a:extLst>
               <a:ext uri="{FF2B5EF4-FFF2-40B4-BE49-F238E27FC236}">
-                <a16:creationId xmlns:a16="http://schemas.microsoft.com/office/drawing/2014/main" xmlns="" id="{FFE5BB39-F6A6-43BC-BA7E-53FDB72933B3}"/>
+                <a16:creationId xmlns="" xmlns:a16="http://schemas.microsoft.com/office/drawing/2014/main" id="{FFE5BB39-F6A6-43BC-BA7E-53FDB72933B3}"/>
               </a:ext>
             </a:extLst>
           </p:cNvPr>
@@ -7802,7 +7802,7 @@
           <p:cNvPr id="8" name="TextBox 7">
             <a:extLst>
               <a:ext uri="{FF2B5EF4-FFF2-40B4-BE49-F238E27FC236}">
-                <a16:creationId xmlns:a16="http://schemas.microsoft.com/office/drawing/2014/main" xmlns="" id="{231DDADD-D012-4924-B434-0AFD0AB713F0}"/>
+                <a16:creationId xmlns="" xmlns:a16="http://schemas.microsoft.com/office/drawing/2014/main" id="{231DDADD-D012-4924-B434-0AFD0AB713F0}"/>
               </a:ext>
             </a:extLst>
           </p:cNvPr>
@@ -7933,7 +7933,7 @@
           <p:cNvPr id="18" name="Title 7">
             <a:extLst>
               <a:ext uri="{FF2B5EF4-FFF2-40B4-BE49-F238E27FC236}">
-                <a16:creationId xmlns:a16="http://schemas.microsoft.com/office/drawing/2014/main" xmlns="" id="{E195DE7B-42F0-4CAA-AAB0-D33DB61C53CA}"/>
+                <a16:creationId xmlns="" xmlns:a16="http://schemas.microsoft.com/office/drawing/2014/main" id="{E195DE7B-42F0-4CAA-AAB0-D33DB61C53CA}"/>
               </a:ext>
             </a:extLst>
           </p:cNvPr>
@@ -7993,7 +7993,7 @@
           <p:cNvPr id="4" name="Title 7">
             <a:extLst>
               <a:ext uri="{FF2B5EF4-FFF2-40B4-BE49-F238E27FC236}">
-                <a16:creationId xmlns:a16="http://schemas.microsoft.com/office/drawing/2014/main" xmlns="" id="{E195DE7B-42F0-4CAA-AAB0-D33DB61C53CA}"/>
+                <a16:creationId xmlns="" xmlns:a16="http://schemas.microsoft.com/office/drawing/2014/main" id="{E195DE7B-42F0-4CAA-AAB0-D33DB61C53CA}"/>
               </a:ext>
             </a:extLst>
           </p:cNvPr>
@@ -8099,7 +8099,7 @@
           <p:cNvPr id="18" name="Title 7">
             <a:extLst>
               <a:ext uri="{FF2B5EF4-FFF2-40B4-BE49-F238E27FC236}">
-                <a16:creationId xmlns:a16="http://schemas.microsoft.com/office/drawing/2014/main" xmlns="" id="{E195DE7B-42F0-4CAA-AAB0-D33DB61C53CA}"/>
+                <a16:creationId xmlns="" xmlns:a16="http://schemas.microsoft.com/office/drawing/2014/main" id="{E195DE7B-42F0-4CAA-AAB0-D33DB61C53CA}"/>
               </a:ext>
             </a:extLst>
           </p:cNvPr>
@@ -8191,7 +8191,7 @@
           <p:cNvPr id="4" name="Title 7">
             <a:extLst>
               <a:ext uri="{FF2B5EF4-FFF2-40B4-BE49-F238E27FC236}">
-                <a16:creationId xmlns:a16="http://schemas.microsoft.com/office/drawing/2014/main" xmlns="" id="{E195DE7B-42F0-4CAA-AAB0-D33DB61C53CA}"/>
+                <a16:creationId xmlns="" xmlns:a16="http://schemas.microsoft.com/office/drawing/2014/main" id="{E195DE7B-42F0-4CAA-AAB0-D33DB61C53CA}"/>
               </a:ext>
             </a:extLst>
           </p:cNvPr>
@@ -8512,7 +8512,7 @@
           <p:cNvPr id="17" name="Рисунок 2">
             <a:extLst>
               <a:ext uri="{FF2B5EF4-FFF2-40B4-BE49-F238E27FC236}">
-                <a16:creationId xmlns:a16="http://schemas.microsoft.com/office/drawing/2014/main" xmlns="" id="{0DCCFB52-7D2B-4BA7-8FE3-E7C19E143E4E}"/>
+                <a16:creationId xmlns="" xmlns:a16="http://schemas.microsoft.com/office/drawing/2014/main" id="{0DCCFB52-7D2B-4BA7-8FE3-E7C19E143E4E}"/>
               </a:ext>
             </a:extLst>
           </p:cNvPr>
@@ -8541,7 +8541,7 @@
           <p:cNvPr id="20" name="object 26">
             <a:extLst>
               <a:ext uri="{FF2B5EF4-FFF2-40B4-BE49-F238E27FC236}">
-                <a16:creationId xmlns:a16="http://schemas.microsoft.com/office/drawing/2014/main" xmlns="" id="{4DE54BB7-929A-4B8A-9DA0-D0EEC7053A84}"/>
+                <a16:creationId xmlns="" xmlns:a16="http://schemas.microsoft.com/office/drawing/2014/main" id="{4DE54BB7-929A-4B8A-9DA0-D0EEC7053A84}"/>
               </a:ext>
             </a:extLst>
           </p:cNvPr>
@@ -8600,7 +8600,7 @@
           <p:cNvPr id="22" name="Рисунок 12">
             <a:extLst>
               <a:ext uri="{FF2B5EF4-FFF2-40B4-BE49-F238E27FC236}">
-                <a16:creationId xmlns:a16="http://schemas.microsoft.com/office/drawing/2014/main" xmlns="" id="{436EC55F-517B-4FC1-85F8-ED7FCD662E5D}"/>
+                <a16:creationId xmlns="" xmlns:a16="http://schemas.microsoft.com/office/drawing/2014/main" id="{436EC55F-517B-4FC1-85F8-ED7FCD662E5D}"/>
               </a:ext>
             </a:extLst>
           </p:cNvPr>
@@ -8629,7 +8629,7 @@
           <p:cNvPr id="23" name="object 26">
             <a:extLst>
               <a:ext uri="{FF2B5EF4-FFF2-40B4-BE49-F238E27FC236}">
-                <a16:creationId xmlns:a16="http://schemas.microsoft.com/office/drawing/2014/main" xmlns="" id="{A8F6E936-17AA-460E-A5F3-7295B64C51D9}"/>
+                <a16:creationId xmlns="" xmlns:a16="http://schemas.microsoft.com/office/drawing/2014/main" id="{A8F6E936-17AA-460E-A5F3-7295B64C51D9}"/>
               </a:ext>
             </a:extLst>
           </p:cNvPr>
@@ -8681,7 +8681,7 @@
           <p:cNvPr id="24" name="Рисунок 23">
             <a:extLst>
               <a:ext uri="{FF2B5EF4-FFF2-40B4-BE49-F238E27FC236}">
-                <a16:creationId xmlns:a16="http://schemas.microsoft.com/office/drawing/2014/main" xmlns="" id="{C8D1253D-2E3F-4357-A3C7-FF90F8F21EDF}"/>
+                <a16:creationId xmlns="" xmlns:a16="http://schemas.microsoft.com/office/drawing/2014/main" id="{C8D1253D-2E3F-4357-A3C7-FF90F8F21EDF}"/>
               </a:ext>
             </a:extLst>
           </p:cNvPr>
@@ -8710,7 +8710,7 @@
           <p:cNvPr id="25" name="object 26">
             <a:extLst>
               <a:ext uri="{FF2B5EF4-FFF2-40B4-BE49-F238E27FC236}">
-                <a16:creationId xmlns:a16="http://schemas.microsoft.com/office/drawing/2014/main" xmlns="" id="{00AF5FF0-543F-426D-85A1-4D4DBAB934D8}"/>
+                <a16:creationId xmlns="" xmlns:a16="http://schemas.microsoft.com/office/drawing/2014/main" id="{00AF5FF0-543F-426D-85A1-4D4DBAB934D8}"/>
               </a:ext>
             </a:extLst>
           </p:cNvPr>
@@ -8794,7 +8794,7 @@
           <p:cNvPr id="26" name="object 26">
             <a:extLst>
               <a:ext uri="{FF2B5EF4-FFF2-40B4-BE49-F238E27FC236}">
-                <a16:creationId xmlns:a16="http://schemas.microsoft.com/office/drawing/2014/main" xmlns="" id="{453BB67C-6BE9-45B5-B1FA-AD1EE9AB42E3}"/>
+                <a16:creationId xmlns="" xmlns:a16="http://schemas.microsoft.com/office/drawing/2014/main" id="{453BB67C-6BE9-45B5-B1FA-AD1EE9AB42E3}"/>
               </a:ext>
             </a:extLst>
           </p:cNvPr>
@@ -8874,7 +8874,7 @@
           <p:cNvPr id="15" name="TextBox 14">
             <a:extLst>
               <a:ext uri="{FF2B5EF4-FFF2-40B4-BE49-F238E27FC236}">
-                <a16:creationId xmlns:a16="http://schemas.microsoft.com/office/drawing/2014/main" xmlns="" id="{F4B1282C-1EE6-4516-8528-4C3B699AF9DB}"/>
+                <a16:creationId xmlns="" xmlns:a16="http://schemas.microsoft.com/office/drawing/2014/main" id="{F4B1282C-1EE6-4516-8528-4C3B699AF9DB}"/>
               </a:ext>
             </a:extLst>
           </p:cNvPr>
@@ -8987,7 +8987,7 @@
           <p:cNvPr id="16" name="Рисунок 15">
             <a:extLst>
               <a:ext uri="{FF2B5EF4-FFF2-40B4-BE49-F238E27FC236}">
-                <a16:creationId xmlns:a16="http://schemas.microsoft.com/office/drawing/2014/main" xmlns="" id="{5AE95B28-B2FC-43A5-8B6E-FD95AA24B1B8}"/>
+                <a16:creationId xmlns="" xmlns:a16="http://schemas.microsoft.com/office/drawing/2014/main" id="{5AE95B28-B2FC-43A5-8B6E-FD95AA24B1B8}"/>
               </a:ext>
             </a:extLst>
           </p:cNvPr>
@@ -9016,7 +9016,7 @@
           <p:cNvPr id="27" name="object 26">
             <a:extLst>
               <a:ext uri="{FF2B5EF4-FFF2-40B4-BE49-F238E27FC236}">
-                <a16:creationId xmlns:a16="http://schemas.microsoft.com/office/drawing/2014/main" xmlns="" id="{D96035DE-DB7E-4A03-A568-62EAA55D76F0}"/>
+                <a16:creationId xmlns="" xmlns:a16="http://schemas.microsoft.com/office/drawing/2014/main" id="{D96035DE-DB7E-4A03-A568-62EAA55D76F0}"/>
               </a:ext>
             </a:extLst>
           </p:cNvPr>
@@ -9089,7 +9089,7 @@
           <p:cNvPr id="28" name="Рисунок 10">
             <a:extLst>
               <a:ext uri="{FF2B5EF4-FFF2-40B4-BE49-F238E27FC236}">
-                <a16:creationId xmlns:a16="http://schemas.microsoft.com/office/drawing/2014/main" xmlns="" id="{E7AF1F4B-F93B-4DD5-879F-EC6D90FBB1F0}"/>
+                <a16:creationId xmlns="" xmlns:a16="http://schemas.microsoft.com/office/drawing/2014/main" id="{E7AF1F4B-F93B-4DD5-879F-EC6D90FBB1F0}"/>
               </a:ext>
             </a:extLst>
           </p:cNvPr>
@@ -9118,7 +9118,7 @@
           <p:cNvPr id="29" name="object 26">
             <a:extLst>
               <a:ext uri="{FF2B5EF4-FFF2-40B4-BE49-F238E27FC236}">
-                <a16:creationId xmlns:a16="http://schemas.microsoft.com/office/drawing/2014/main" xmlns="" id="{8A842FD2-7A7C-402A-9652-4A5C911EEBA6}"/>
+                <a16:creationId xmlns="" xmlns:a16="http://schemas.microsoft.com/office/drawing/2014/main" id="{8A842FD2-7A7C-402A-9652-4A5C911EEBA6}"/>
               </a:ext>
             </a:extLst>
           </p:cNvPr>
@@ -9262,7 +9262,7 @@
       </p:sp>
       <p:pic>
         <p:nvPicPr>
-          <p:cNvPr id="5" name="Рисунок 4"/>
+          <p:cNvPr id="3" name="Рисунок 2"/>
           <p:cNvPicPr>
             <a:picLocks noChangeAspect="1"/>
           </p:cNvPicPr>
@@ -9282,8 +9282,8 @@
         </p:blipFill>
         <p:spPr>
           <a:xfrm>
-            <a:off x="1392709" y="800082"/>
-            <a:ext cx="4223139" cy="4645142"/>
+            <a:off x="1129573" y="87849"/>
+            <a:ext cx="5087888" cy="5625803"/>
           </a:xfrm>
           <a:prstGeom prst="rect">
             <a:avLst/>
@@ -9320,7 +9320,7 @@
           <p:cNvPr id="26" name="Text Placeholder 6">
             <a:extLst>
               <a:ext uri="{FF2B5EF4-FFF2-40B4-BE49-F238E27FC236}">
-                <a16:creationId xmlns:a16="http://schemas.microsoft.com/office/drawing/2014/main" xmlns="" id="{ADFA65C8-DB2C-4270-845A-546993EAE8E4}"/>
+                <a16:creationId xmlns="" xmlns:a16="http://schemas.microsoft.com/office/drawing/2014/main" id="{ADFA65C8-DB2C-4270-845A-546993EAE8E4}"/>
               </a:ext>
             </a:extLst>
           </p:cNvPr>
@@ -9531,7 +9531,7 @@
           <p:cNvPr id="27" name="object 26">
             <a:extLst>
               <a:ext uri="{FF2B5EF4-FFF2-40B4-BE49-F238E27FC236}">
-                <a16:creationId xmlns:a16="http://schemas.microsoft.com/office/drawing/2014/main" xmlns="" id="{DD5C6CE0-87F9-47EA-BC0C-34E221B343F1}"/>
+                <a16:creationId xmlns="" xmlns:a16="http://schemas.microsoft.com/office/drawing/2014/main" id="{DD5C6CE0-87F9-47EA-BC0C-34E221B343F1}"/>
               </a:ext>
             </a:extLst>
           </p:cNvPr>
@@ -9567,7 +9567,7 @@
           <p:cNvPr id="29" name="Овал 32">
             <a:extLst>
               <a:ext uri="{FF2B5EF4-FFF2-40B4-BE49-F238E27FC236}">
-                <a16:creationId xmlns:a16="http://schemas.microsoft.com/office/drawing/2014/main" xmlns="" id="{6686EE33-C339-4BAF-B603-2EA81CB3B361}"/>
+                <a16:creationId xmlns="" xmlns:a16="http://schemas.microsoft.com/office/drawing/2014/main" id="{6686EE33-C339-4BAF-B603-2EA81CB3B361}"/>
               </a:ext>
             </a:extLst>
           </p:cNvPr>
@@ -9623,7 +9623,7 @@
           <p:cNvPr id="30" name="Text Placeholder 6">
             <a:extLst>
               <a:ext uri="{FF2B5EF4-FFF2-40B4-BE49-F238E27FC236}">
-                <a16:creationId xmlns:a16="http://schemas.microsoft.com/office/drawing/2014/main" xmlns="" id="{551FBEEF-6CFE-4D83-B064-2FD2F5AE8315}"/>
+                <a16:creationId xmlns="" xmlns:a16="http://schemas.microsoft.com/office/drawing/2014/main" id="{551FBEEF-6CFE-4D83-B064-2FD2F5AE8315}"/>
               </a:ext>
             </a:extLst>
           </p:cNvPr>
@@ -9834,7 +9834,7 @@
           <p:cNvPr id="31" name="object 26">
             <a:extLst>
               <a:ext uri="{FF2B5EF4-FFF2-40B4-BE49-F238E27FC236}">
-                <a16:creationId xmlns:a16="http://schemas.microsoft.com/office/drawing/2014/main" xmlns="" id="{E0D4687E-F657-40E8-9748-B026E6622E09}"/>
+                <a16:creationId xmlns="" xmlns:a16="http://schemas.microsoft.com/office/drawing/2014/main" id="{E0D4687E-F657-40E8-9748-B026E6622E09}"/>
               </a:ext>
             </a:extLst>
           </p:cNvPr>
@@ -9923,7 +9923,7 @@
           <p:cNvPr id="32" name="Овал 32">
             <a:extLst>
               <a:ext uri="{FF2B5EF4-FFF2-40B4-BE49-F238E27FC236}">
-                <a16:creationId xmlns:a16="http://schemas.microsoft.com/office/drawing/2014/main" xmlns="" id="{AF9F00E1-44FD-4D73-A055-5AEA46ECC510}"/>
+                <a16:creationId xmlns="" xmlns:a16="http://schemas.microsoft.com/office/drawing/2014/main" id="{AF9F00E1-44FD-4D73-A055-5AEA46ECC510}"/>
               </a:ext>
             </a:extLst>
           </p:cNvPr>
@@ -9979,7 +9979,7 @@
           <p:cNvPr id="35" name="Text Placeholder 6">
             <a:extLst>
               <a:ext uri="{FF2B5EF4-FFF2-40B4-BE49-F238E27FC236}">
-                <a16:creationId xmlns:a16="http://schemas.microsoft.com/office/drawing/2014/main" xmlns="" id="{73F05052-6FAE-4644-8A21-B5ED91519995}"/>
+                <a16:creationId xmlns="" xmlns:a16="http://schemas.microsoft.com/office/drawing/2014/main" id="{73F05052-6FAE-4644-8A21-B5ED91519995}"/>
               </a:ext>
             </a:extLst>
           </p:cNvPr>
@@ -10189,7 +10189,7 @@
           <p:cNvPr id="36" name="object 26">
             <a:extLst>
               <a:ext uri="{FF2B5EF4-FFF2-40B4-BE49-F238E27FC236}">
-                <a16:creationId xmlns:a16="http://schemas.microsoft.com/office/drawing/2014/main" xmlns="" id="{45041879-81CE-4E4B-99CC-0F987E10D7B8}"/>
+                <a16:creationId xmlns="" xmlns:a16="http://schemas.microsoft.com/office/drawing/2014/main" id="{45041879-81CE-4E4B-99CC-0F987E10D7B8}"/>
               </a:ext>
             </a:extLst>
           </p:cNvPr>
@@ -10310,7 +10310,7 @@
           <p:cNvPr id="37" name="Овал 32">
             <a:extLst>
               <a:ext uri="{FF2B5EF4-FFF2-40B4-BE49-F238E27FC236}">
-                <a16:creationId xmlns:a16="http://schemas.microsoft.com/office/drawing/2014/main" xmlns="" id="{C01C9148-F585-40ED-A7B6-F169D2540C0B}"/>
+                <a16:creationId xmlns="" xmlns:a16="http://schemas.microsoft.com/office/drawing/2014/main" id="{C01C9148-F585-40ED-A7B6-F169D2540C0B}"/>
               </a:ext>
             </a:extLst>
           </p:cNvPr>
@@ -10396,7 +10396,7 @@
           <p:cNvPr id="47" name="object 2">
             <a:extLst>
               <a:ext uri="{FF2B5EF4-FFF2-40B4-BE49-F238E27FC236}">
-                <a16:creationId xmlns:a16="http://schemas.microsoft.com/office/drawing/2014/main" xmlns="" id="{848A309A-4C3E-4A71-A079-FF47B7F9A226}"/>
+                <a16:creationId xmlns="" xmlns:a16="http://schemas.microsoft.com/office/drawing/2014/main" id="{848A309A-4C3E-4A71-A079-FF47B7F9A226}"/>
               </a:ext>
             </a:extLst>
           </p:cNvPr>
@@ -10433,7 +10433,7 @@
           <p:cNvPr id="18" name="Title 7">
             <a:extLst>
               <a:ext uri="{FF2B5EF4-FFF2-40B4-BE49-F238E27FC236}">
-                <a16:creationId xmlns:a16="http://schemas.microsoft.com/office/drawing/2014/main" xmlns="" id="{E195DE7B-42F0-4CAA-AAB0-D33DB61C53CA}"/>
+                <a16:creationId xmlns="" xmlns:a16="http://schemas.microsoft.com/office/drawing/2014/main" id="{E195DE7B-42F0-4CAA-AAB0-D33DB61C53CA}"/>
               </a:ext>
             </a:extLst>
           </p:cNvPr>
@@ -10493,7 +10493,7 @@
           <p:cNvPr id="41" name="object 4">
             <a:extLst>
               <a:ext uri="{FF2B5EF4-FFF2-40B4-BE49-F238E27FC236}">
-                <a16:creationId xmlns:a16="http://schemas.microsoft.com/office/drawing/2014/main" xmlns="" id="{0185576A-0A39-4C7A-B15A-6776F7BBF1ED}"/>
+                <a16:creationId xmlns="" xmlns:a16="http://schemas.microsoft.com/office/drawing/2014/main" id="{0185576A-0A39-4C7A-B15A-6776F7BBF1ED}"/>
               </a:ext>
             </a:extLst>
           </p:cNvPr>
@@ -10686,7 +10686,7 @@
           <p:cNvPr id="48" name="object 4">
             <a:extLst>
               <a:ext uri="{FF2B5EF4-FFF2-40B4-BE49-F238E27FC236}">
-                <a16:creationId xmlns:a16="http://schemas.microsoft.com/office/drawing/2014/main" xmlns="" id="{6D9B929B-4B69-43A2-88BA-CA66983BAB05}"/>
+                <a16:creationId xmlns="" xmlns:a16="http://schemas.microsoft.com/office/drawing/2014/main" id="{6D9B929B-4B69-43A2-88BA-CA66983BAB05}"/>
               </a:ext>
             </a:extLst>
           </p:cNvPr>
@@ -10879,7 +10879,7 @@
           <p:cNvPr id="49" name="object 26">
             <a:extLst>
               <a:ext uri="{FF2B5EF4-FFF2-40B4-BE49-F238E27FC236}">
-                <a16:creationId xmlns:a16="http://schemas.microsoft.com/office/drawing/2014/main" xmlns="" id="{41E6CF51-7C08-4948-BE8D-3AC2595CA00D}"/>
+                <a16:creationId xmlns="" xmlns:a16="http://schemas.microsoft.com/office/drawing/2014/main" id="{41E6CF51-7C08-4948-BE8D-3AC2595CA00D}"/>
               </a:ext>
             </a:extLst>
           </p:cNvPr>
@@ -10945,7 +10945,7 @@
           <p:cNvPr id="50" name="object 26">
             <a:extLst>
               <a:ext uri="{FF2B5EF4-FFF2-40B4-BE49-F238E27FC236}">
-                <a16:creationId xmlns:a16="http://schemas.microsoft.com/office/drawing/2014/main" xmlns="" id="{39F18E2F-64B0-46B3-BFCE-A498DAD536BA}"/>
+                <a16:creationId xmlns="" xmlns:a16="http://schemas.microsoft.com/office/drawing/2014/main" id="{39F18E2F-64B0-46B3-BFCE-A498DAD536BA}"/>
               </a:ext>
             </a:extLst>
           </p:cNvPr>
@@ -11011,7 +11011,7 @@
           <p:cNvPr id="51" name="object 26">
             <a:extLst>
               <a:ext uri="{FF2B5EF4-FFF2-40B4-BE49-F238E27FC236}">
-                <a16:creationId xmlns:a16="http://schemas.microsoft.com/office/drawing/2014/main" xmlns="" id="{BA040D41-001F-4A17-9C83-14A15BEB559D}"/>
+                <a16:creationId xmlns="" xmlns:a16="http://schemas.microsoft.com/office/drawing/2014/main" id="{BA040D41-001F-4A17-9C83-14A15BEB559D}"/>
               </a:ext>
             </a:extLst>
           </p:cNvPr>
@@ -11070,7 +11070,7 @@
           <p:cNvPr id="52" name="object 26">
             <a:extLst>
               <a:ext uri="{FF2B5EF4-FFF2-40B4-BE49-F238E27FC236}">
-                <a16:creationId xmlns:a16="http://schemas.microsoft.com/office/drawing/2014/main" xmlns="" id="{6F3D47F9-FCB5-402A-B391-B395C9BDBB9D}"/>
+                <a16:creationId xmlns="" xmlns:a16="http://schemas.microsoft.com/office/drawing/2014/main" id="{6F3D47F9-FCB5-402A-B391-B395C9BDBB9D}"/>
               </a:ext>
             </a:extLst>
           </p:cNvPr>
@@ -11129,7 +11129,7 @@
           <p:cNvPr id="53" name="TextBox 35">
             <a:extLst>
               <a:ext uri="{FF2B5EF4-FFF2-40B4-BE49-F238E27FC236}">
-                <a16:creationId xmlns:a16="http://schemas.microsoft.com/office/drawing/2014/main" xmlns="" id="{86212FD8-B651-405D-8E12-CCCEB501EED8}"/>
+                <a16:creationId xmlns="" xmlns:a16="http://schemas.microsoft.com/office/drawing/2014/main" id="{86212FD8-B651-405D-8E12-CCCEB501EED8}"/>
               </a:ext>
             </a:extLst>
           </p:cNvPr>
@@ -11210,7 +11210,7 @@
           <p:cNvPr id="54" name="TextBox 36">
             <a:extLst>
               <a:ext uri="{FF2B5EF4-FFF2-40B4-BE49-F238E27FC236}">
-                <a16:creationId xmlns:a16="http://schemas.microsoft.com/office/drawing/2014/main" xmlns="" id="{8AEFDD10-4264-48BB-81BB-E120AE25E70D}"/>
+                <a16:creationId xmlns="" xmlns:a16="http://schemas.microsoft.com/office/drawing/2014/main" id="{8AEFDD10-4264-48BB-81BB-E120AE25E70D}"/>
               </a:ext>
             </a:extLst>
           </p:cNvPr>
@@ -11291,7 +11291,7 @@
           <p:cNvPr id="55" name="TextBox 37">
             <a:extLst>
               <a:ext uri="{FF2B5EF4-FFF2-40B4-BE49-F238E27FC236}">
-                <a16:creationId xmlns:a16="http://schemas.microsoft.com/office/drawing/2014/main" xmlns="" id="{AEF7DEB2-AEE3-41E1-A70D-1D1546A77172}"/>
+                <a16:creationId xmlns="" xmlns:a16="http://schemas.microsoft.com/office/drawing/2014/main" id="{AEF7DEB2-AEE3-41E1-A70D-1D1546A77172}"/>
               </a:ext>
             </a:extLst>
           </p:cNvPr>
@@ -11372,7 +11372,7 @@
           <p:cNvPr id="56" name="TextBox 38">
             <a:extLst>
               <a:ext uri="{FF2B5EF4-FFF2-40B4-BE49-F238E27FC236}">
-                <a16:creationId xmlns:a16="http://schemas.microsoft.com/office/drawing/2014/main" xmlns="" id="{203EE7E6-7D12-40D9-AD45-3AB16EDB4EC8}"/>
+                <a16:creationId xmlns="" xmlns:a16="http://schemas.microsoft.com/office/drawing/2014/main" id="{203EE7E6-7D12-40D9-AD45-3AB16EDB4EC8}"/>
               </a:ext>
             </a:extLst>
           </p:cNvPr>
@@ -11453,7 +11453,7 @@
           <p:cNvPr id="57" name="Рисунок 56">
             <a:extLst>
               <a:ext uri="{FF2B5EF4-FFF2-40B4-BE49-F238E27FC236}">
-                <a16:creationId xmlns:a16="http://schemas.microsoft.com/office/drawing/2014/main" xmlns="" id="{ACBA108A-C7F6-499D-BB64-F455B9BEF036}"/>
+                <a16:creationId xmlns="" xmlns:a16="http://schemas.microsoft.com/office/drawing/2014/main" id="{ACBA108A-C7F6-499D-BB64-F455B9BEF036}"/>
               </a:ext>
             </a:extLst>
           </p:cNvPr>
@@ -11482,7 +11482,7 @@
           <p:cNvPr id="58" name="TextBox 57">
             <a:extLst>
               <a:ext uri="{FF2B5EF4-FFF2-40B4-BE49-F238E27FC236}">
-                <a16:creationId xmlns:a16="http://schemas.microsoft.com/office/drawing/2014/main" xmlns="" id="{7239046A-E6F0-43E6-B176-08CC1BBF49E0}"/>
+                <a16:creationId xmlns="" xmlns:a16="http://schemas.microsoft.com/office/drawing/2014/main" id="{7239046A-E6F0-43E6-B176-08CC1BBF49E0}"/>
               </a:ext>
             </a:extLst>
           </p:cNvPr>
@@ -11558,7 +11558,7 @@
           <p:cNvPr id="59" name="TextBox 38">
             <a:extLst>
               <a:ext uri="{FF2B5EF4-FFF2-40B4-BE49-F238E27FC236}">
-                <a16:creationId xmlns:a16="http://schemas.microsoft.com/office/drawing/2014/main" xmlns="" id="{09B59826-057B-40BA-9DD3-A51250BA277C}"/>
+                <a16:creationId xmlns="" xmlns:a16="http://schemas.microsoft.com/office/drawing/2014/main" id="{09B59826-057B-40BA-9DD3-A51250BA277C}"/>
               </a:ext>
             </a:extLst>
           </p:cNvPr>
@@ -11660,7 +11660,7 @@
           <p:cNvPr id="60" name="object 26">
             <a:extLst>
               <a:ext uri="{FF2B5EF4-FFF2-40B4-BE49-F238E27FC236}">
-                <a16:creationId xmlns:a16="http://schemas.microsoft.com/office/drawing/2014/main" xmlns="" id="{78371297-F4E7-4474-AE73-128ABC84F3F9}"/>
+                <a16:creationId xmlns="" xmlns:a16="http://schemas.microsoft.com/office/drawing/2014/main" id="{78371297-F4E7-4474-AE73-128ABC84F3F9}"/>
               </a:ext>
             </a:extLst>
           </p:cNvPr>
@@ -11733,7 +11733,7 @@
           <p:cNvPr id="61" name="Рисунок 33">
             <a:extLst>
               <a:ext uri="{FF2B5EF4-FFF2-40B4-BE49-F238E27FC236}">
-                <a16:creationId xmlns:a16="http://schemas.microsoft.com/office/drawing/2014/main" xmlns="" id="{03F0A934-8727-4150-AD5E-F9F80D3C5646}"/>
+                <a16:creationId xmlns="" xmlns:a16="http://schemas.microsoft.com/office/drawing/2014/main" id="{03F0A934-8727-4150-AD5E-F9F80D3C5646}"/>
               </a:ext>
             </a:extLst>
           </p:cNvPr>
@@ -11762,7 +11762,7 @@
           <p:cNvPr id="62" name="TextBox 61">
             <a:extLst>
               <a:ext uri="{FF2B5EF4-FFF2-40B4-BE49-F238E27FC236}">
-                <a16:creationId xmlns:a16="http://schemas.microsoft.com/office/drawing/2014/main" xmlns="" id="{CCB2FA9B-B787-4EA3-9CBB-8AD4574C261C}"/>
+                <a16:creationId xmlns="" xmlns:a16="http://schemas.microsoft.com/office/drawing/2014/main" id="{CCB2FA9B-B787-4EA3-9CBB-8AD4574C261C}"/>
               </a:ext>
             </a:extLst>
           </p:cNvPr>
@@ -11875,7 +11875,7 @@
           <p:cNvPr id="18" name="Title 7">
             <a:extLst>
               <a:ext uri="{FF2B5EF4-FFF2-40B4-BE49-F238E27FC236}">
-                <a16:creationId xmlns:a16="http://schemas.microsoft.com/office/drawing/2014/main" xmlns="" id="{E195DE7B-42F0-4CAA-AAB0-D33DB61C53CA}"/>
+                <a16:creationId xmlns="" xmlns:a16="http://schemas.microsoft.com/office/drawing/2014/main" id="{E195DE7B-42F0-4CAA-AAB0-D33DB61C53CA}"/>
               </a:ext>
             </a:extLst>
           </p:cNvPr>
@@ -12153,7 +12153,7 @@
           <p:cNvPr id="18" name="Title 7">
             <a:extLst>
               <a:ext uri="{FF2B5EF4-FFF2-40B4-BE49-F238E27FC236}">
-                <a16:creationId xmlns:a16="http://schemas.microsoft.com/office/drawing/2014/main" xmlns="" id="{E195DE7B-42F0-4CAA-AAB0-D33DB61C53CA}"/>
+                <a16:creationId xmlns="" xmlns:a16="http://schemas.microsoft.com/office/drawing/2014/main" id="{E195DE7B-42F0-4CAA-AAB0-D33DB61C53CA}"/>
               </a:ext>
             </a:extLst>
           </p:cNvPr>
@@ -12524,7 +12524,7 @@
           <p:cNvPr id="18" name="Title 7">
             <a:extLst>
               <a:ext uri="{FF2B5EF4-FFF2-40B4-BE49-F238E27FC236}">
-                <a16:creationId xmlns:a16="http://schemas.microsoft.com/office/drawing/2014/main" xmlns="" id="{E195DE7B-42F0-4CAA-AAB0-D33DB61C53CA}"/>
+                <a16:creationId xmlns="" xmlns:a16="http://schemas.microsoft.com/office/drawing/2014/main" id="{E195DE7B-42F0-4CAA-AAB0-D33DB61C53CA}"/>
               </a:ext>
             </a:extLst>
           </p:cNvPr>
@@ -13754,7 +13754,7 @@
           <p:cNvPr id="18" name="Title 7">
             <a:extLst>
               <a:ext uri="{FF2B5EF4-FFF2-40B4-BE49-F238E27FC236}">
-                <a16:creationId xmlns:a16="http://schemas.microsoft.com/office/drawing/2014/main" xmlns="" id="{E195DE7B-42F0-4CAA-AAB0-D33DB61C53CA}"/>
+                <a16:creationId xmlns="" xmlns:a16="http://schemas.microsoft.com/office/drawing/2014/main" id="{E195DE7B-42F0-4CAA-AAB0-D33DB61C53CA}"/>
               </a:ext>
             </a:extLst>
           </p:cNvPr>
@@ -14528,7 +14528,7 @@
           <p:cNvPr id="18" name="Title 7">
             <a:extLst>
               <a:ext uri="{FF2B5EF4-FFF2-40B4-BE49-F238E27FC236}">
-                <a16:creationId xmlns:a16="http://schemas.microsoft.com/office/drawing/2014/main" xmlns="" id="{E195DE7B-42F0-4CAA-AAB0-D33DB61C53CA}"/>
+                <a16:creationId xmlns="" xmlns:a16="http://schemas.microsoft.com/office/drawing/2014/main" id="{E195DE7B-42F0-4CAA-AAB0-D33DB61C53CA}"/>
               </a:ext>
             </a:extLst>
           </p:cNvPr>

--- a/Course Work/_Презентация Курсовой работы.pptx
+++ b/Course Work/_Презентация Курсовой работы.pptx
@@ -6,7 +6,7 @@
     <p:sldMasterId id="2147483661" r:id="rId2"/>
   </p:sldMasterIdLst>
   <p:notesMasterIdLst>
-    <p:notesMasterId r:id="rId15"/>
+    <p:notesMasterId r:id="rId18"/>
   </p:notesMasterIdLst>
   <p:sldIdLst>
     <p:sldId id="256" r:id="rId3"/>
@@ -20,7 +20,10 @@
     <p:sldId id="357" r:id="rId11"/>
     <p:sldId id="352" r:id="rId12"/>
     <p:sldId id="355" r:id="rId13"/>
-    <p:sldId id="307" r:id="rId14"/>
+    <p:sldId id="358" r:id="rId14"/>
+    <p:sldId id="359" r:id="rId15"/>
+    <p:sldId id="360" r:id="rId16"/>
+    <p:sldId id="307" r:id="rId17"/>
   </p:sldIdLst>
   <p:sldSz cx="12192000" cy="6858000"/>
   <p:notesSz cx="6858000" cy="12192000"/>
@@ -552,7 +555,7 @@
           <a:p>
             <a:fld id="{7B5F47EF-21AF-41BD-AB82-5A4B797CA39E}" type="slidenum">
               <a:rPr lang="ru-RU" smtClean="0"/>
-              <a:t>12</a:t>
+              <a:t>15</a:t>
             </a:fld>
             <a:endParaRPr lang="ru-RU"/>
           </a:p>
@@ -7608,7 +7611,7 @@
           <p:cNvPr id="6" name="Рисунок 5">
             <a:extLst>
               <a:ext uri="{FF2B5EF4-FFF2-40B4-BE49-F238E27FC236}">
-                <a16:creationId xmlns="" xmlns:a16="http://schemas.microsoft.com/office/drawing/2014/main" id="{FBE6ED87-35B9-4D44-BD5E-D3A5BFABF05B}"/>
+                <a16:creationId xmlns:a16="http://schemas.microsoft.com/office/drawing/2014/main" xmlns="" id="{FBE6ED87-35B9-4D44-BD5E-D3A5BFABF05B}"/>
               </a:ext>
             </a:extLst>
           </p:cNvPr>
@@ -7637,7 +7640,7 @@
           <p:cNvPr id="7" name="TextBox 35">
             <a:extLst>
               <a:ext uri="{FF2B5EF4-FFF2-40B4-BE49-F238E27FC236}">
-                <a16:creationId xmlns="" xmlns:a16="http://schemas.microsoft.com/office/drawing/2014/main" id="{FFE5BB39-F6A6-43BC-BA7E-53FDB72933B3}"/>
+                <a16:creationId xmlns:a16="http://schemas.microsoft.com/office/drawing/2014/main" xmlns="" id="{FFE5BB39-F6A6-43BC-BA7E-53FDB72933B3}"/>
               </a:ext>
             </a:extLst>
           </p:cNvPr>
@@ -7802,7 +7805,7 @@
           <p:cNvPr id="8" name="TextBox 7">
             <a:extLst>
               <a:ext uri="{FF2B5EF4-FFF2-40B4-BE49-F238E27FC236}">
-                <a16:creationId xmlns="" xmlns:a16="http://schemas.microsoft.com/office/drawing/2014/main" id="{231DDADD-D012-4924-B434-0AFD0AB713F0}"/>
+                <a16:creationId xmlns:a16="http://schemas.microsoft.com/office/drawing/2014/main" xmlns="" id="{231DDADD-D012-4924-B434-0AFD0AB713F0}"/>
               </a:ext>
             </a:extLst>
           </p:cNvPr>
@@ -7933,7 +7936,7 @@
           <p:cNvPr id="18" name="Title 7">
             <a:extLst>
               <a:ext uri="{FF2B5EF4-FFF2-40B4-BE49-F238E27FC236}">
-                <a16:creationId xmlns="" xmlns:a16="http://schemas.microsoft.com/office/drawing/2014/main" id="{E195DE7B-42F0-4CAA-AAB0-D33DB61C53CA}"/>
+                <a16:creationId xmlns:a16="http://schemas.microsoft.com/office/drawing/2014/main" xmlns="" id="{E195DE7B-42F0-4CAA-AAB0-D33DB61C53CA}"/>
               </a:ext>
             </a:extLst>
           </p:cNvPr>
@@ -7993,7 +7996,7 @@
           <p:cNvPr id="4" name="Title 7">
             <a:extLst>
               <a:ext uri="{FF2B5EF4-FFF2-40B4-BE49-F238E27FC236}">
-                <a16:creationId xmlns="" xmlns:a16="http://schemas.microsoft.com/office/drawing/2014/main" id="{E195DE7B-42F0-4CAA-AAB0-D33DB61C53CA}"/>
+                <a16:creationId xmlns:a16="http://schemas.microsoft.com/office/drawing/2014/main" xmlns="" id="{E195DE7B-42F0-4CAA-AAB0-D33DB61C53CA}"/>
               </a:ext>
             </a:extLst>
           </p:cNvPr>
@@ -8099,7 +8102,7 @@
           <p:cNvPr id="18" name="Title 7">
             <a:extLst>
               <a:ext uri="{FF2B5EF4-FFF2-40B4-BE49-F238E27FC236}">
-                <a16:creationId xmlns="" xmlns:a16="http://schemas.microsoft.com/office/drawing/2014/main" id="{E195DE7B-42F0-4CAA-AAB0-D33DB61C53CA}"/>
+                <a16:creationId xmlns:a16="http://schemas.microsoft.com/office/drawing/2014/main" xmlns="" id="{E195DE7B-42F0-4CAA-AAB0-D33DB61C53CA}"/>
               </a:ext>
             </a:extLst>
           </p:cNvPr>
@@ -8191,7 +8194,7 @@
           <p:cNvPr id="4" name="Title 7">
             <a:extLst>
               <a:ext uri="{FF2B5EF4-FFF2-40B4-BE49-F238E27FC236}">
-                <a16:creationId xmlns="" xmlns:a16="http://schemas.microsoft.com/office/drawing/2014/main" id="{E195DE7B-42F0-4CAA-AAB0-D33DB61C53CA}"/>
+                <a16:creationId xmlns:a16="http://schemas.microsoft.com/office/drawing/2014/main" xmlns="" id="{E195DE7B-42F0-4CAA-AAB0-D33DB61C53CA}"/>
               </a:ext>
             </a:extLst>
           </p:cNvPr>
@@ -8276,6 +8279,2617 @@
 </file>
 
 <file path=ppt/slides/slide12.xml><?xml version="1.0" encoding="utf-8"?>
+<p:sld xmlns:a="http://schemas.openxmlformats.org/drawingml/2006/main" xmlns:r="http://schemas.openxmlformats.org/officeDocument/2006/relationships" xmlns:p="http://schemas.openxmlformats.org/presentationml/2006/main">
+  <p:cSld>
+    <p:spTree>
+      <p:nvGrpSpPr>
+        <p:cNvPr id="1" name=""/>
+        <p:cNvGrpSpPr/>
+        <p:nvPr/>
+      </p:nvGrpSpPr>
+      <p:grpSpPr>
+        <a:xfrm>
+          <a:off x="0" y="0"/>
+          <a:ext cx="0" cy="0"/>
+          <a:chOff x="0" y="0"/>
+          <a:chExt cx="0" cy="0"/>
+        </a:xfrm>
+      </p:grpSpPr>
+      <p:sp>
+        <p:nvSpPr>
+          <p:cNvPr id="2" name="Заголовок 1"/>
+          <p:cNvSpPr>
+            <a:spLocks noGrp="1"/>
+          </p:cNvSpPr>
+          <p:nvPr>
+            <p:ph type="title"/>
+          </p:nvPr>
+        </p:nvSpPr>
+        <p:spPr>
+          <a:xfrm>
+            <a:off x="625703" y="116632"/>
+            <a:ext cx="10728324" cy="543429"/>
+          </a:xfrm>
+        </p:spPr>
+        <p:txBody>
+          <a:bodyPr>
+            <a:normAutofit fontScale="90000"/>
+          </a:bodyPr>
+          <a:lstStyle/>
+          <a:p>
+            <a:r>
+              <a:rPr lang="ru-RU" sz="3600" dirty="0" smtClean="0"/>
+              <a:t>Добавление нового договора и плана платежей</a:t>
+            </a:r>
+            <a:endParaRPr lang="ru-RU" sz="3600" dirty="0"/>
+          </a:p>
+        </p:txBody>
+      </p:sp>
+      <p:sp>
+        <p:nvSpPr>
+          <p:cNvPr id="3" name="TextBox 2"/>
+          <p:cNvSpPr txBox="1"/>
+          <p:nvPr/>
+        </p:nvSpPr>
+        <p:spPr>
+          <a:xfrm>
+            <a:off x="263352" y="660061"/>
+            <a:ext cx="4392488" cy="6047809"/>
+          </a:xfrm>
+          <a:prstGeom prst="rect">
+            <a:avLst/>
+          </a:prstGeom>
+          <a:noFill/>
+        </p:spPr>
+        <p:txBody>
+          <a:bodyPr wrap="square" rtlCol="0">
+            <a:spAutoFit/>
+          </a:bodyPr>
+          <a:lstStyle/>
+          <a:p>
+            <a:r>
+              <a:rPr lang="en-US" sz="900" dirty="0"/>
+              <a:t>CREATE OR REPLACE PROCEDURE c##</a:t>
+            </a:r>
+            <a:r>
+              <a:rPr lang="en-US" sz="900" dirty="0" err="1"/>
+              <a:t>course.pr_create_client</a:t>
+            </a:r>
+            <a:r>
+              <a:rPr lang="en-US" sz="900" dirty="0"/>
+              <a:t> (</a:t>
+            </a:r>
+          </a:p>
+          <a:p>
+            <a:r>
+              <a:rPr lang="en-US" sz="900" dirty="0"/>
+              <a:t>    </a:t>
+            </a:r>
+            <a:r>
+              <a:rPr lang="en-US" sz="900" dirty="0" err="1"/>
+              <a:t>client_name</a:t>
+            </a:r>
+            <a:r>
+              <a:rPr lang="en-US" sz="900" dirty="0"/>
+              <a:t>     IN  varchar2,        -- </a:t>
+            </a:r>
+            <a:r>
+              <a:rPr lang="ru-RU" sz="900" dirty="0"/>
+              <a:t>Клиент ФИО</a:t>
+            </a:r>
+          </a:p>
+          <a:p>
+            <a:r>
+              <a:rPr lang="ru-RU" sz="900" dirty="0"/>
+              <a:t>    </a:t>
+            </a:r>
+            <a:r>
+              <a:rPr lang="en-US" sz="900" dirty="0" err="1"/>
+              <a:t>client_birth</a:t>
+            </a:r>
+            <a:r>
+              <a:rPr lang="en-US" sz="900" dirty="0"/>
+              <a:t>    IN  date,            -- </a:t>
+            </a:r>
+            <a:r>
+              <a:rPr lang="ru-RU" sz="900" dirty="0"/>
+              <a:t>Дата рождения Клиента</a:t>
+            </a:r>
+          </a:p>
+          <a:p>
+            <a:r>
+              <a:rPr lang="ru-RU" sz="900" dirty="0"/>
+              <a:t>    </a:t>
+            </a:r>
+            <a:r>
+              <a:rPr lang="en-US" sz="900" dirty="0" err="1"/>
+              <a:t>client_id</a:t>
+            </a:r>
+            <a:r>
+              <a:rPr lang="en-US" sz="900" dirty="0"/>
+              <a:t>       OUT number</a:t>
+            </a:r>
+          </a:p>
+          <a:p>
+            <a:r>
+              <a:rPr lang="en-US" sz="900" dirty="0"/>
+              <a:t>)</a:t>
+            </a:r>
+          </a:p>
+          <a:p>
+            <a:r>
+              <a:rPr lang="en-US" sz="900" dirty="0"/>
+              <a:t>AS</a:t>
+            </a:r>
+          </a:p>
+          <a:p>
+            <a:r>
+              <a:rPr lang="en-US" sz="900" dirty="0"/>
+              <a:t>    </a:t>
+            </a:r>
+            <a:r>
+              <a:rPr lang="en-US" sz="900" dirty="0" err="1"/>
+              <a:t>client_exists</a:t>
+            </a:r>
+            <a:r>
+              <a:rPr lang="en-US" sz="900" dirty="0"/>
+              <a:t> number := 0;</a:t>
+            </a:r>
+          </a:p>
+          <a:p>
+            <a:r>
+              <a:rPr lang="en-US" sz="900" dirty="0"/>
+              <a:t>BEGIN</a:t>
+            </a:r>
+          </a:p>
+          <a:p>
+            <a:r>
+              <a:rPr lang="en-US" sz="900" dirty="0"/>
+              <a:t>    </a:t>
+            </a:r>
+          </a:p>
+          <a:p>
+            <a:r>
+              <a:rPr lang="en-US" sz="900" dirty="0"/>
+              <a:t>    SELECT</a:t>
+            </a:r>
+          </a:p>
+          <a:p>
+            <a:r>
+              <a:rPr lang="en-US" sz="900" dirty="0"/>
+              <a:t>        COUNT(*) INTO </a:t>
+            </a:r>
+            <a:r>
+              <a:rPr lang="en-US" sz="900" dirty="0" err="1"/>
+              <a:t>client_exists</a:t>
+            </a:r>
+            <a:endParaRPr lang="en-US" sz="900" dirty="0"/>
+          </a:p>
+          <a:p>
+            <a:r>
+              <a:rPr lang="en-US" sz="900" dirty="0"/>
+              <a:t>        FROM c##</a:t>
+            </a:r>
+            <a:r>
+              <a:rPr lang="en-US" sz="900" dirty="0" err="1"/>
+              <a:t>course.client</a:t>
+            </a:r>
+            <a:endParaRPr lang="en-US" sz="900" dirty="0"/>
+          </a:p>
+          <a:p>
+            <a:r>
+              <a:rPr lang="en-US" sz="900" dirty="0"/>
+              <a:t>        WHERE</a:t>
+            </a:r>
+          </a:p>
+          <a:p>
+            <a:r>
+              <a:rPr lang="en-US" sz="900" dirty="0"/>
+              <a:t>            </a:t>
+            </a:r>
+            <a:r>
+              <a:rPr lang="en-US" sz="900" dirty="0" err="1"/>
+              <a:t>cl_name</a:t>
+            </a:r>
+            <a:r>
+              <a:rPr lang="en-US" sz="900" dirty="0"/>
+              <a:t> = </a:t>
+            </a:r>
+            <a:r>
+              <a:rPr lang="en-US" sz="900" dirty="0" err="1"/>
+              <a:t>client_name</a:t>
+            </a:r>
+            <a:r>
+              <a:rPr lang="en-US" sz="900" dirty="0"/>
+              <a:t>;</a:t>
+            </a:r>
+          </a:p>
+          <a:p>
+            <a:r>
+              <a:rPr lang="en-US" sz="900" dirty="0"/>
+              <a:t>    </a:t>
+            </a:r>
+          </a:p>
+          <a:p>
+            <a:r>
+              <a:rPr lang="en-US" sz="900" dirty="0"/>
+              <a:t>    IF </a:t>
+            </a:r>
+            <a:r>
+              <a:rPr lang="en-US" sz="900" dirty="0" err="1"/>
+              <a:t>client_exists</a:t>
+            </a:r>
+            <a:r>
+              <a:rPr lang="en-US" sz="900" dirty="0"/>
+              <a:t> &gt; 0 THEN</a:t>
+            </a:r>
+          </a:p>
+          <a:p>
+            <a:r>
+              <a:rPr lang="en-US" sz="900" dirty="0"/>
+              <a:t>     DBMS_OUTPUT.PUT_LINE('Make select');</a:t>
+            </a:r>
+          </a:p>
+          <a:p>
+            <a:r>
+              <a:rPr lang="en-US" sz="900" dirty="0"/>
+              <a:t>     SELECT</a:t>
+            </a:r>
+          </a:p>
+          <a:p>
+            <a:r>
+              <a:rPr lang="en-US" sz="900" dirty="0"/>
+              <a:t>        id INTO </a:t>
+            </a:r>
+            <a:r>
+              <a:rPr lang="en-US" sz="900" dirty="0" err="1"/>
+              <a:t>client_id</a:t>
+            </a:r>
+            <a:endParaRPr lang="en-US" sz="900" dirty="0"/>
+          </a:p>
+          <a:p>
+            <a:r>
+              <a:rPr lang="en-US" sz="900" dirty="0"/>
+              <a:t>        FROM c##</a:t>
+            </a:r>
+            <a:r>
+              <a:rPr lang="en-US" sz="900" dirty="0" err="1"/>
+              <a:t>course.client</a:t>
+            </a:r>
+            <a:endParaRPr lang="en-US" sz="900" dirty="0"/>
+          </a:p>
+          <a:p>
+            <a:r>
+              <a:rPr lang="en-US" sz="900" dirty="0"/>
+              <a:t>        WHERE</a:t>
+            </a:r>
+          </a:p>
+          <a:p>
+            <a:r>
+              <a:rPr lang="en-US" sz="900" dirty="0"/>
+              <a:t>            </a:t>
+            </a:r>
+            <a:r>
+              <a:rPr lang="en-US" sz="900" dirty="0" err="1"/>
+              <a:t>cl_name</a:t>
+            </a:r>
+            <a:r>
+              <a:rPr lang="en-US" sz="900" dirty="0"/>
+              <a:t> = </a:t>
+            </a:r>
+            <a:r>
+              <a:rPr lang="en-US" sz="900" dirty="0" err="1"/>
+              <a:t>client_name</a:t>
+            </a:r>
+            <a:r>
+              <a:rPr lang="en-US" sz="900" dirty="0"/>
+              <a:t>;   </a:t>
+            </a:r>
+          </a:p>
+          <a:p>
+            <a:r>
+              <a:rPr lang="en-US" sz="900" dirty="0"/>
+              <a:t>    ELSE</a:t>
+            </a:r>
+          </a:p>
+          <a:p>
+            <a:r>
+              <a:rPr lang="en-US" sz="900" dirty="0"/>
+              <a:t>        </a:t>
+            </a:r>
+            <a:r>
+              <a:rPr lang="en-US" sz="900" dirty="0" err="1"/>
+              <a:t>client_id</a:t>
+            </a:r>
+            <a:r>
+              <a:rPr lang="en-US" sz="900" dirty="0"/>
+              <a:t> := c##</a:t>
+            </a:r>
+            <a:r>
+              <a:rPr lang="en-US" sz="900" dirty="0" err="1"/>
+              <a:t>course.seq.nextval</a:t>
+            </a:r>
+            <a:r>
+              <a:rPr lang="en-US" sz="900" dirty="0"/>
+              <a:t>;</a:t>
+            </a:r>
+          </a:p>
+          <a:p>
+            <a:r>
+              <a:rPr lang="en-US" sz="900" dirty="0"/>
+              <a:t>        DBMS_OUTPUT.PUT_LINE('Make insert');</a:t>
+            </a:r>
+          </a:p>
+          <a:p>
+            <a:r>
+              <a:rPr lang="en-US" sz="900" dirty="0"/>
+              <a:t>        INSERT INTO c##</a:t>
+            </a:r>
+            <a:r>
+              <a:rPr lang="en-US" sz="900" dirty="0" err="1"/>
+              <a:t>course.client</a:t>
+            </a:r>
+            <a:endParaRPr lang="en-US" sz="900" dirty="0"/>
+          </a:p>
+          <a:p>
+            <a:r>
+              <a:rPr lang="en-US" sz="900" dirty="0"/>
+              <a:t>            (</a:t>
+            </a:r>
+          </a:p>
+          <a:p>
+            <a:r>
+              <a:rPr lang="en-US" sz="900" dirty="0"/>
+              <a:t>                  id</a:t>
+            </a:r>
+          </a:p>
+          <a:p>
+            <a:r>
+              <a:rPr lang="en-US" sz="900" dirty="0"/>
+              <a:t>                , </a:t>
+            </a:r>
+            <a:r>
+              <a:rPr lang="en-US" sz="900" dirty="0" err="1"/>
+              <a:t>cl_name</a:t>
+            </a:r>
+            <a:endParaRPr lang="en-US" sz="900" dirty="0"/>
+          </a:p>
+          <a:p>
+            <a:r>
+              <a:rPr lang="en-US" sz="900" dirty="0"/>
+              <a:t>                , </a:t>
+            </a:r>
+            <a:r>
+              <a:rPr lang="en-US" sz="900" dirty="0" err="1"/>
+              <a:t>date_birth</a:t>
+            </a:r>
+            <a:endParaRPr lang="en-US" sz="900" dirty="0"/>
+          </a:p>
+          <a:p>
+            <a:r>
+              <a:rPr lang="en-US" sz="900" dirty="0"/>
+              <a:t>            ) VALUES (</a:t>
+            </a:r>
+          </a:p>
+          <a:p>
+            <a:r>
+              <a:rPr lang="en-US" sz="900" dirty="0"/>
+              <a:t>                  </a:t>
+            </a:r>
+            <a:r>
+              <a:rPr lang="en-US" sz="900" dirty="0" err="1"/>
+              <a:t>client_id</a:t>
+            </a:r>
+            <a:endParaRPr lang="en-US" sz="900" dirty="0"/>
+          </a:p>
+          <a:p>
+            <a:r>
+              <a:rPr lang="en-US" sz="900" dirty="0"/>
+              <a:t>                , </a:t>
+            </a:r>
+            <a:r>
+              <a:rPr lang="en-US" sz="900" dirty="0" err="1"/>
+              <a:t>client_name</a:t>
+            </a:r>
+            <a:endParaRPr lang="en-US" sz="900" dirty="0"/>
+          </a:p>
+          <a:p>
+            <a:r>
+              <a:rPr lang="en-US" sz="900" dirty="0"/>
+              <a:t>                , </a:t>
+            </a:r>
+            <a:r>
+              <a:rPr lang="en-US" sz="900" dirty="0" err="1"/>
+              <a:t>client_birth</a:t>
+            </a:r>
+            <a:endParaRPr lang="en-US" sz="900" dirty="0"/>
+          </a:p>
+          <a:p>
+            <a:r>
+              <a:rPr lang="en-US" sz="900" dirty="0"/>
+              <a:t>            );</a:t>
+            </a:r>
+          </a:p>
+          <a:p>
+            <a:r>
+              <a:rPr lang="en-US" sz="900" dirty="0"/>
+              <a:t>            COMMIT;</a:t>
+            </a:r>
+          </a:p>
+          <a:p>
+            <a:r>
+              <a:rPr lang="en-US" sz="900" dirty="0"/>
+              <a:t/>
+            </a:r>
+            <a:br>
+              <a:rPr lang="en-US" sz="900" dirty="0"/>
+            </a:br>
+            <a:r>
+              <a:rPr lang="en-US" sz="900" dirty="0"/>
+              <a:t>    END IF;</a:t>
+            </a:r>
+          </a:p>
+          <a:p>
+            <a:r>
+              <a:rPr lang="en-US" sz="900" dirty="0"/>
+              <a:t>  </a:t>
+            </a:r>
+          </a:p>
+          <a:p>
+            <a:r>
+              <a:rPr lang="en-US" sz="900" dirty="0"/>
+              <a:t>    DBMS_OUTPUT.PUT_LINE('</a:t>
+            </a:r>
+            <a:r>
+              <a:rPr lang="en-US" sz="900" dirty="0" err="1"/>
+              <a:t>client_id</a:t>
+            </a:r>
+            <a:r>
+              <a:rPr lang="en-US" sz="900" dirty="0"/>
+              <a:t> = ' || </a:t>
+            </a:r>
+            <a:r>
+              <a:rPr lang="en-US" sz="900" dirty="0" err="1"/>
+              <a:t>client_id</a:t>
+            </a:r>
+            <a:r>
+              <a:rPr lang="en-US" sz="900" dirty="0"/>
+              <a:t>);</a:t>
+            </a:r>
+          </a:p>
+          <a:p>
+            <a:r>
+              <a:rPr lang="en-US" sz="900" dirty="0"/>
+              <a:t>    RETURN;</a:t>
+            </a:r>
+          </a:p>
+          <a:p>
+            <a:r>
+              <a:rPr lang="en-US" sz="900" dirty="0"/>
+              <a:t/>
+            </a:r>
+            <a:br>
+              <a:rPr lang="en-US" sz="900" dirty="0"/>
+            </a:br>
+            <a:r>
+              <a:rPr lang="en-US" sz="900" dirty="0"/>
+              <a:t>END </a:t>
+            </a:r>
+            <a:r>
+              <a:rPr lang="en-US" sz="900" dirty="0" err="1"/>
+              <a:t>pr_create_client</a:t>
+            </a:r>
+            <a:r>
+              <a:rPr lang="en-US" sz="900" dirty="0"/>
+              <a:t>;</a:t>
+            </a:r>
+          </a:p>
+        </p:txBody>
+      </p:sp>
+    </p:spTree>
+    <p:extLst>
+      <p:ext uri="{BB962C8B-B14F-4D97-AF65-F5344CB8AC3E}">
+        <p14:creationId xmlns:p14="http://schemas.microsoft.com/office/powerpoint/2010/main" val="3602706860"/>
+      </p:ext>
+    </p:extLst>
+  </p:cSld>
+  <p:clrMapOvr>
+    <a:masterClrMapping/>
+  </p:clrMapOvr>
+</p:sld>
+</file>
+
+<file path=ppt/slides/slide13.xml><?xml version="1.0" encoding="utf-8"?>
+<p:sld xmlns:a="http://schemas.openxmlformats.org/drawingml/2006/main" xmlns:r="http://schemas.openxmlformats.org/officeDocument/2006/relationships" xmlns:p="http://schemas.openxmlformats.org/presentationml/2006/main">
+  <p:cSld>
+    <p:spTree>
+      <p:nvGrpSpPr>
+        <p:cNvPr id="1" name=""/>
+        <p:cNvGrpSpPr/>
+        <p:nvPr/>
+      </p:nvGrpSpPr>
+      <p:grpSpPr>
+        <a:xfrm>
+          <a:off x="0" y="0"/>
+          <a:ext cx="0" cy="0"/>
+          <a:chOff x="0" y="0"/>
+          <a:chExt cx="0" cy="0"/>
+        </a:xfrm>
+      </p:grpSpPr>
+      <p:sp>
+        <p:nvSpPr>
+          <p:cNvPr id="2" name="Заголовок 1"/>
+          <p:cNvSpPr>
+            <a:spLocks noGrp="1"/>
+          </p:cNvSpPr>
+          <p:nvPr>
+            <p:ph type="title"/>
+          </p:nvPr>
+        </p:nvSpPr>
+        <p:spPr>
+          <a:xfrm>
+            <a:off x="625703" y="116632"/>
+            <a:ext cx="10728324" cy="543429"/>
+          </a:xfrm>
+        </p:spPr>
+        <p:txBody>
+          <a:bodyPr>
+            <a:normAutofit fontScale="90000"/>
+          </a:bodyPr>
+          <a:lstStyle/>
+          <a:p>
+            <a:r>
+              <a:rPr lang="ru-RU" sz="3600" dirty="0" smtClean="0"/>
+              <a:t>Добавление нового договора и плана платежей</a:t>
+            </a:r>
+            <a:endParaRPr lang="ru-RU" sz="3600" dirty="0"/>
+          </a:p>
+        </p:txBody>
+      </p:sp>
+      <p:sp>
+        <p:nvSpPr>
+          <p:cNvPr id="3" name="TextBox 2"/>
+          <p:cNvSpPr txBox="1"/>
+          <p:nvPr/>
+        </p:nvSpPr>
+        <p:spPr>
+          <a:xfrm>
+            <a:off x="263352" y="660061"/>
+            <a:ext cx="4392488" cy="5770811"/>
+          </a:xfrm>
+          <a:prstGeom prst="rect">
+            <a:avLst/>
+          </a:prstGeom>
+          <a:noFill/>
+        </p:spPr>
+        <p:txBody>
+          <a:bodyPr wrap="square" rtlCol="0">
+            <a:spAutoFit/>
+          </a:bodyPr>
+          <a:lstStyle/>
+          <a:p>
+            <a:r>
+              <a:rPr lang="en-US" sz="900" dirty="0"/>
+              <a:t>CREATE OR REPLACE PROCEDURE c##</a:t>
+            </a:r>
+            <a:r>
+              <a:rPr lang="en-US" sz="900" dirty="0" err="1"/>
+              <a:t>course.pr_create_credit</a:t>
+            </a:r>
+            <a:r>
+              <a:rPr lang="en-US" sz="900" dirty="0"/>
+              <a:t> (</a:t>
+            </a:r>
+          </a:p>
+          <a:p>
+            <a:r>
+              <a:rPr lang="en-US" sz="900" dirty="0"/>
+              <a:t>    </a:t>
+            </a:r>
+            <a:r>
+              <a:rPr lang="en-US" sz="900" dirty="0" err="1"/>
+              <a:t>client_name</a:t>
+            </a:r>
+            <a:r>
+              <a:rPr lang="en-US" sz="900" dirty="0"/>
+              <a:t>     IN varchar2,        -- </a:t>
+            </a:r>
+            <a:r>
+              <a:rPr lang="ru-RU" sz="900" dirty="0"/>
+              <a:t>Клиент ФИО</a:t>
+            </a:r>
+          </a:p>
+          <a:p>
+            <a:r>
+              <a:rPr lang="ru-RU" sz="900" dirty="0"/>
+              <a:t>    </a:t>
+            </a:r>
+            <a:r>
+              <a:rPr lang="en-US" sz="900" dirty="0" err="1"/>
+              <a:t>client_birth</a:t>
+            </a:r>
+            <a:r>
+              <a:rPr lang="en-US" sz="900" dirty="0"/>
+              <a:t>    IN date,            -- </a:t>
+            </a:r>
+            <a:r>
+              <a:rPr lang="ru-RU" sz="900" dirty="0"/>
+              <a:t>Дата рождения Клиента</a:t>
+            </a:r>
+          </a:p>
+          <a:p>
+            <a:r>
+              <a:rPr lang="ru-RU" sz="900" dirty="0"/>
+              <a:t>    </a:t>
+            </a:r>
+            <a:r>
+              <a:rPr lang="en-US" sz="900" dirty="0" err="1"/>
+              <a:t>summa_dog</a:t>
+            </a:r>
+            <a:r>
+              <a:rPr lang="en-US" sz="900" dirty="0"/>
+              <a:t>       IN number,          -- </a:t>
+            </a:r>
+            <a:r>
+              <a:rPr lang="ru-RU" sz="900" dirty="0"/>
+              <a:t>Сумма кредита</a:t>
+            </a:r>
+          </a:p>
+          <a:p>
+            <a:r>
+              <a:rPr lang="ru-RU" sz="900" dirty="0"/>
+              <a:t>    </a:t>
+            </a:r>
+            <a:r>
+              <a:rPr lang="en-US" sz="900" dirty="0" err="1"/>
+              <a:t>persent_dog</a:t>
+            </a:r>
+            <a:r>
+              <a:rPr lang="en-US" sz="900" dirty="0"/>
+              <a:t>     IN number,          -- </a:t>
+            </a:r>
+            <a:r>
+              <a:rPr lang="ru-RU" sz="900" dirty="0"/>
+              <a:t>Годовая процентная ставка</a:t>
+            </a:r>
+          </a:p>
+          <a:p>
+            <a:r>
+              <a:rPr lang="ru-RU" sz="900" dirty="0"/>
+              <a:t>    </a:t>
+            </a:r>
+            <a:r>
+              <a:rPr lang="en-US" sz="900" dirty="0" err="1"/>
+              <a:t>duration_dog</a:t>
+            </a:r>
+            <a:r>
+              <a:rPr lang="en-US" sz="900" dirty="0"/>
+              <a:t>    IN number           -- </a:t>
+            </a:r>
+            <a:r>
+              <a:rPr lang="ru-RU" sz="900" dirty="0"/>
+              <a:t>Срок кредитования месяцев</a:t>
+            </a:r>
+          </a:p>
+          <a:p>
+            <a:r>
+              <a:rPr lang="ru-RU" sz="900" dirty="0"/>
+              <a:t>)</a:t>
+            </a:r>
+          </a:p>
+          <a:p>
+            <a:r>
+              <a:rPr lang="en-US" sz="900" dirty="0"/>
+              <a:t>AS</a:t>
+            </a:r>
+          </a:p>
+          <a:p>
+            <a:r>
+              <a:rPr lang="en-US" sz="900" dirty="0"/>
+              <a:t>    </a:t>
+            </a:r>
+            <a:r>
+              <a:rPr lang="en-US" sz="900" dirty="0" err="1"/>
+              <a:t>client_id</a:t>
+            </a:r>
+            <a:r>
+              <a:rPr lang="en-US" sz="900" dirty="0"/>
+              <a:t>                   number;</a:t>
+            </a:r>
+          </a:p>
+          <a:p>
+            <a:r>
+              <a:rPr lang="en-US" sz="900" dirty="0"/>
+              <a:t>    </a:t>
+            </a:r>
+            <a:r>
+              <a:rPr lang="en-US" sz="900" dirty="0" err="1"/>
+              <a:t>credit_id</a:t>
+            </a:r>
+            <a:r>
+              <a:rPr lang="en-US" sz="900" dirty="0"/>
+              <a:t>                   number;</a:t>
+            </a:r>
+          </a:p>
+          <a:p>
+            <a:r>
+              <a:rPr lang="en-US" sz="900" dirty="0"/>
+              <a:t>    </a:t>
+            </a:r>
+            <a:r>
+              <a:rPr lang="en-US" sz="900" dirty="0" err="1"/>
+              <a:t>collect_plan_id</a:t>
+            </a:r>
+            <a:r>
+              <a:rPr lang="en-US" sz="900" dirty="0"/>
+              <a:t>             number;</a:t>
+            </a:r>
+          </a:p>
+          <a:p>
+            <a:r>
+              <a:rPr lang="en-US" sz="900" dirty="0"/>
+              <a:t>    </a:t>
+            </a:r>
+            <a:r>
+              <a:rPr lang="en-US" sz="900" dirty="0" err="1"/>
+              <a:t>collect_fact_id</a:t>
+            </a:r>
+            <a:r>
+              <a:rPr lang="en-US" sz="900" dirty="0"/>
+              <a:t>             number;</a:t>
+            </a:r>
+          </a:p>
+          <a:p>
+            <a:r>
+              <a:rPr lang="en-US" sz="900" dirty="0"/>
+              <a:t>    </a:t>
+            </a:r>
+            <a:r>
+              <a:rPr lang="en-US" sz="900" dirty="0" err="1"/>
+              <a:t>date_begin</a:t>
+            </a:r>
+            <a:r>
+              <a:rPr lang="en-US" sz="900" dirty="0"/>
+              <a:t>                  date;</a:t>
+            </a:r>
+          </a:p>
+          <a:p>
+            <a:r>
+              <a:rPr lang="en-US" sz="900" dirty="0"/>
+              <a:t>    </a:t>
+            </a:r>
+            <a:r>
+              <a:rPr lang="en-US" sz="900" dirty="0" err="1"/>
+              <a:t>date_end</a:t>
+            </a:r>
+            <a:r>
+              <a:rPr lang="en-US" sz="900" dirty="0"/>
+              <a:t>                    date;</a:t>
+            </a:r>
+          </a:p>
+          <a:p>
+            <a:r>
+              <a:rPr lang="en-US" sz="900" dirty="0"/>
+              <a:t>    </a:t>
+            </a:r>
+            <a:r>
+              <a:rPr lang="en-US" sz="900" dirty="0" err="1"/>
+              <a:t>year_dog</a:t>
+            </a:r>
+            <a:r>
+              <a:rPr lang="en-US" sz="900" dirty="0"/>
+              <a:t>                    varchar2(4);</a:t>
+            </a:r>
+          </a:p>
+          <a:p>
+            <a:r>
+              <a:rPr lang="en-US" sz="900" dirty="0"/>
+              <a:t>    </a:t>
+            </a:r>
+            <a:r>
+              <a:rPr lang="en-US" sz="900" dirty="0" err="1"/>
+              <a:t>num_dog</a:t>
+            </a:r>
+            <a:r>
+              <a:rPr lang="en-US" sz="900" dirty="0"/>
+              <a:t>                     number := 1;</a:t>
+            </a:r>
+          </a:p>
+          <a:p>
+            <a:r>
+              <a:rPr lang="en-US" sz="900" dirty="0"/>
+              <a:t>    </a:t>
+            </a:r>
+            <a:r>
+              <a:rPr lang="en-US" sz="900" dirty="0" err="1"/>
+              <a:t>amount_dog_in_current_year</a:t>
+            </a:r>
+            <a:r>
+              <a:rPr lang="en-US" sz="900" dirty="0"/>
+              <a:t>  number := 0;</a:t>
+            </a:r>
+          </a:p>
+          <a:p>
+            <a:r>
+              <a:rPr lang="en-US" sz="900" dirty="0"/>
+              <a:t>    </a:t>
+            </a:r>
+            <a:r>
+              <a:rPr lang="en-US" sz="900" dirty="0" err="1"/>
+              <a:t>credit_month_percent</a:t>
+            </a:r>
+            <a:r>
+              <a:rPr lang="en-US" sz="900" dirty="0"/>
+              <a:t>        number;     -- </a:t>
+            </a:r>
+            <a:r>
+              <a:rPr lang="ru-RU" sz="900" dirty="0"/>
+              <a:t>ежемесячная процентная ставка</a:t>
+            </a:r>
+          </a:p>
+          <a:p>
+            <a:r>
+              <a:rPr lang="ru-RU" sz="900" dirty="0"/>
+              <a:t>    </a:t>
+            </a:r>
+            <a:r>
+              <a:rPr lang="en-US" sz="900" dirty="0" err="1"/>
+              <a:t>annuit_pay</a:t>
+            </a:r>
+            <a:r>
+              <a:rPr lang="en-US" sz="900" dirty="0"/>
+              <a:t>                  number;     -- </a:t>
+            </a:r>
+            <a:r>
+              <a:rPr lang="ru-RU" sz="900" dirty="0"/>
+              <a:t>размер </a:t>
+            </a:r>
+            <a:r>
+              <a:rPr lang="ru-RU" sz="900" dirty="0" err="1"/>
+              <a:t>аннуитентного</a:t>
+            </a:r>
+            <a:r>
+              <a:rPr lang="ru-RU" sz="900" dirty="0"/>
+              <a:t> платежа</a:t>
+            </a:r>
+          </a:p>
+          <a:p>
+            <a:r>
+              <a:rPr lang="ru-RU" sz="900" dirty="0"/>
+              <a:t>    </a:t>
+            </a:r>
+            <a:r>
+              <a:rPr lang="en-US" sz="900" dirty="0" err="1"/>
+              <a:t>p_date</a:t>
+            </a:r>
+            <a:r>
+              <a:rPr lang="en-US" sz="900" dirty="0"/>
+              <a:t>                      date;       -- </a:t>
+            </a:r>
+            <a:r>
+              <a:rPr lang="ru-RU" sz="900" dirty="0"/>
+              <a:t>планируемая дата </a:t>
+            </a:r>
+            <a:r>
+              <a:rPr lang="ru-RU" sz="900" dirty="0" err="1"/>
+              <a:t>аннуитентного</a:t>
+            </a:r>
+            <a:r>
+              <a:rPr lang="ru-RU" sz="900" dirty="0"/>
+              <a:t> платежа</a:t>
+            </a:r>
+          </a:p>
+          <a:p>
+            <a:r>
+              <a:rPr lang="ru-RU" sz="900" dirty="0"/>
+              <a:t>    </a:t>
+            </a:r>
+            <a:r>
+              <a:rPr lang="en-US" sz="900" dirty="0" err="1"/>
+              <a:t>p_summa_percent</a:t>
+            </a:r>
+            <a:r>
+              <a:rPr lang="en-US" sz="900" dirty="0"/>
+              <a:t>             number;     -- </a:t>
+            </a:r>
+            <a:r>
+              <a:rPr lang="ru-RU" sz="900" dirty="0"/>
+              <a:t>ежемесячное погашение процентов</a:t>
+            </a:r>
+          </a:p>
+          <a:p>
+            <a:r>
+              <a:rPr lang="ru-RU" sz="900" dirty="0"/>
+              <a:t>    </a:t>
+            </a:r>
+            <a:r>
+              <a:rPr lang="en-US" sz="900" dirty="0" err="1"/>
+              <a:t>p_summa_body</a:t>
+            </a:r>
+            <a:r>
+              <a:rPr lang="en-US" sz="900" dirty="0"/>
+              <a:t>                number;     -- </a:t>
+            </a:r>
+            <a:r>
+              <a:rPr lang="ru-RU" sz="900" dirty="0"/>
+              <a:t>ежемесячное погашение кредита</a:t>
+            </a:r>
+          </a:p>
+          <a:p>
+            <a:r>
+              <a:rPr lang="ru-RU" sz="900" dirty="0"/>
+              <a:t>    </a:t>
+            </a:r>
+            <a:r>
+              <a:rPr lang="en-US" sz="900" dirty="0" err="1"/>
+              <a:t>summa_dog_ostat</a:t>
+            </a:r>
+            <a:r>
+              <a:rPr lang="en-US" sz="900" dirty="0"/>
+              <a:t>             number;     -- </a:t>
+            </a:r>
+            <a:r>
+              <a:rPr lang="ru-RU" sz="900" dirty="0"/>
+              <a:t>остаток по кредиту</a:t>
+            </a:r>
+          </a:p>
+          <a:p>
+            <a:r>
+              <a:rPr lang="ru-RU" sz="900" dirty="0"/>
+              <a:t/>
+            </a:r>
+            <a:br>
+              <a:rPr lang="ru-RU" sz="900" dirty="0"/>
+            </a:br>
+            <a:r>
+              <a:rPr lang="en-US" sz="900" dirty="0"/>
+              <a:t>BEGIN</a:t>
+            </a:r>
+          </a:p>
+          <a:p>
+            <a:r>
+              <a:rPr lang="en-US" sz="900" dirty="0"/>
+              <a:t/>
+            </a:r>
+            <a:br>
+              <a:rPr lang="en-US" sz="900" dirty="0"/>
+            </a:br>
+            <a:r>
+              <a:rPr lang="en-US" sz="900" dirty="0"/>
+              <a:t>    </a:t>
+            </a:r>
+            <a:r>
+              <a:rPr lang="en-US" sz="900" dirty="0" smtClean="0"/>
+              <a:t>c</a:t>
+            </a:r>
+            <a:r>
+              <a:rPr lang="en-US" sz="900" dirty="0"/>
+              <a:t>##</a:t>
+            </a:r>
+            <a:r>
+              <a:rPr lang="en-US" sz="900" dirty="0" err="1"/>
+              <a:t>course.pr_create_client</a:t>
+            </a:r>
+            <a:r>
+              <a:rPr lang="en-US" sz="900" dirty="0"/>
+              <a:t>(</a:t>
+            </a:r>
+            <a:r>
+              <a:rPr lang="en-US" sz="900" dirty="0" err="1"/>
+              <a:t>client_name,client_birth,client_id</a:t>
+            </a:r>
+            <a:r>
+              <a:rPr lang="en-US" sz="900" dirty="0"/>
+              <a:t>);</a:t>
+            </a:r>
+          </a:p>
+          <a:p>
+            <a:r>
+              <a:rPr lang="en-US" sz="900" dirty="0"/>
+              <a:t>    </a:t>
+            </a:r>
+          </a:p>
+          <a:p>
+            <a:r>
+              <a:rPr lang="en-US" sz="900" dirty="0"/>
+              <a:t>    </a:t>
+            </a:r>
+            <a:r>
+              <a:rPr lang="en-US" sz="900" dirty="0" err="1"/>
+              <a:t>date_begin</a:t>
+            </a:r>
+            <a:r>
+              <a:rPr lang="en-US" sz="900" dirty="0"/>
+              <a:t> := CURRENT_DATE;</a:t>
+            </a:r>
+          </a:p>
+          <a:p>
+            <a:r>
+              <a:rPr lang="en-US" sz="900" dirty="0"/>
+              <a:t>    </a:t>
+            </a:r>
+            <a:r>
+              <a:rPr lang="en-US" sz="900" dirty="0" err="1"/>
+              <a:t>date_end</a:t>
+            </a:r>
+            <a:r>
+              <a:rPr lang="en-US" sz="900" dirty="0"/>
+              <a:t> := ADD_MONTHS(</a:t>
+            </a:r>
+            <a:r>
+              <a:rPr lang="en-US" sz="900" dirty="0" err="1"/>
+              <a:t>date_begin,duration_dog</a:t>
+            </a:r>
+            <a:r>
+              <a:rPr lang="en-US" sz="900" dirty="0"/>
+              <a:t>);</a:t>
+            </a:r>
+          </a:p>
+          <a:p>
+            <a:r>
+              <a:rPr lang="en-US" sz="900" dirty="0"/>
+              <a:t>    </a:t>
+            </a:r>
+            <a:r>
+              <a:rPr lang="en-US" sz="900" dirty="0" err="1"/>
+              <a:t>year_dog</a:t>
+            </a:r>
+            <a:r>
+              <a:rPr lang="en-US" sz="900" dirty="0"/>
+              <a:t> := TO_CHAR(</a:t>
+            </a:r>
+            <a:r>
+              <a:rPr lang="en-US" sz="900" dirty="0" err="1"/>
+              <a:t>date_begin,'YYYY</a:t>
+            </a:r>
+            <a:r>
+              <a:rPr lang="en-US" sz="900" dirty="0"/>
+              <a:t>');</a:t>
+            </a:r>
+          </a:p>
+          <a:p>
+            <a:r>
+              <a:rPr lang="en-US" sz="900" dirty="0"/>
+              <a:t>    </a:t>
+            </a:r>
+          </a:p>
+          <a:p>
+            <a:r>
+              <a:rPr lang="en-US" sz="900" dirty="0"/>
+              <a:t>    SELECT</a:t>
+            </a:r>
+          </a:p>
+          <a:p>
+            <a:r>
+              <a:rPr lang="en-US" sz="900" dirty="0"/>
+              <a:t>        COUNT(*) INTO </a:t>
+            </a:r>
+            <a:r>
+              <a:rPr lang="en-US" sz="900" dirty="0" err="1"/>
+              <a:t>amount_dog_in_current_year</a:t>
+            </a:r>
+            <a:endParaRPr lang="en-US" sz="900" dirty="0"/>
+          </a:p>
+          <a:p>
+            <a:r>
+              <a:rPr lang="en-US" sz="900" dirty="0"/>
+              <a:t>        FROM c##</a:t>
+            </a:r>
+            <a:r>
+              <a:rPr lang="en-US" sz="900" dirty="0" err="1"/>
+              <a:t>course.pr_credit</a:t>
+            </a:r>
+            <a:endParaRPr lang="en-US" sz="900" dirty="0"/>
+          </a:p>
+          <a:p>
+            <a:r>
+              <a:rPr lang="en-US" sz="900" dirty="0"/>
+              <a:t>        WHERE</a:t>
+            </a:r>
+          </a:p>
+          <a:p>
+            <a:r>
+              <a:rPr lang="en-US" sz="900" dirty="0"/>
+              <a:t>            </a:t>
+            </a:r>
+            <a:r>
+              <a:rPr lang="en-US" sz="900" dirty="0" err="1"/>
+              <a:t>num_dog</a:t>
+            </a:r>
+            <a:r>
+              <a:rPr lang="en-US" sz="900" dirty="0"/>
+              <a:t> LIKE  </a:t>
+            </a:r>
+            <a:r>
+              <a:rPr lang="en-US" sz="900" dirty="0" err="1"/>
+              <a:t>year_dog</a:t>
+            </a:r>
+            <a:r>
+              <a:rPr lang="en-US" sz="900" dirty="0"/>
+              <a:t> || '/%';</a:t>
+            </a:r>
+          </a:p>
+          <a:p>
+            <a:r>
+              <a:rPr lang="en-US" sz="900" dirty="0"/>
+              <a:t/>
+            </a:r>
+            <a:br>
+              <a:rPr lang="en-US" sz="900" dirty="0"/>
+            </a:br>
+            <a:r>
+              <a:rPr lang="en-US" sz="900" dirty="0"/>
+              <a:t>  </a:t>
+            </a:r>
+            <a:r>
+              <a:rPr lang="en-US" sz="900" dirty="0" smtClean="0"/>
+              <a:t>  </a:t>
+            </a:r>
+          </a:p>
+          <a:p>
+            <a:r>
+              <a:rPr lang="en-US" sz="900" dirty="0"/>
+              <a:t>   </a:t>
+            </a:r>
+          </a:p>
+        </p:txBody>
+      </p:sp>
+      <p:sp>
+        <p:nvSpPr>
+          <p:cNvPr id="4" name="TextBox 3"/>
+          <p:cNvSpPr txBox="1"/>
+          <p:nvPr/>
+        </p:nvSpPr>
+        <p:spPr>
+          <a:xfrm>
+            <a:off x="4223792" y="660061"/>
+            <a:ext cx="3456384" cy="5355312"/>
+          </a:xfrm>
+          <a:prstGeom prst="rect">
+            <a:avLst/>
+          </a:prstGeom>
+          <a:noFill/>
+        </p:spPr>
+        <p:txBody>
+          <a:bodyPr wrap="square" rtlCol="0">
+            <a:spAutoFit/>
+          </a:bodyPr>
+          <a:lstStyle/>
+          <a:p>
+            <a:r>
+              <a:rPr lang="en-US" sz="900" dirty="0"/>
+              <a:t>  IF </a:t>
+            </a:r>
+            <a:r>
+              <a:rPr lang="en-US" sz="900" dirty="0" err="1"/>
+              <a:t>amount_dog_in_current_year</a:t>
+            </a:r>
+            <a:r>
+              <a:rPr lang="en-US" sz="900" dirty="0"/>
+              <a:t> &gt; 0 THEN</a:t>
+            </a:r>
+          </a:p>
+          <a:p>
+            <a:r>
+              <a:rPr lang="en-US" sz="900" dirty="0"/>
+              <a:t/>
+            </a:r>
+            <a:br>
+              <a:rPr lang="en-US" sz="900" dirty="0"/>
+            </a:br>
+            <a:r>
+              <a:rPr lang="en-US" sz="900" dirty="0"/>
+              <a:t>        SELECT</a:t>
+            </a:r>
+          </a:p>
+          <a:p>
+            <a:r>
+              <a:rPr lang="en-US" sz="900" dirty="0"/>
+              <a:t>            MAX(TO_NUMBER(REPLACE(</a:t>
+            </a:r>
+            <a:r>
+              <a:rPr lang="en-US" sz="900" dirty="0" err="1"/>
+              <a:t>num_dog</a:t>
+            </a:r>
+            <a:r>
+              <a:rPr lang="en-US" sz="900" dirty="0"/>
+              <a:t>, </a:t>
+            </a:r>
+            <a:r>
+              <a:rPr lang="en-US" sz="900" dirty="0" err="1"/>
+              <a:t>year_dog</a:t>
+            </a:r>
+            <a:r>
+              <a:rPr lang="en-US" sz="900" dirty="0"/>
+              <a:t> || '/',''))) + 1 INTO </a:t>
+            </a:r>
+            <a:r>
+              <a:rPr lang="en-US" sz="900" dirty="0" err="1"/>
+              <a:t>num_dog</a:t>
+            </a:r>
+            <a:endParaRPr lang="en-US" sz="900" dirty="0"/>
+          </a:p>
+          <a:p>
+            <a:r>
+              <a:rPr lang="en-US" sz="900" dirty="0"/>
+              <a:t>            FROM c##</a:t>
+            </a:r>
+            <a:r>
+              <a:rPr lang="en-US" sz="900" dirty="0" err="1"/>
+              <a:t>course.pr_credit</a:t>
+            </a:r>
+            <a:endParaRPr lang="en-US" sz="900" dirty="0"/>
+          </a:p>
+          <a:p>
+            <a:r>
+              <a:rPr lang="en-US" sz="900" dirty="0"/>
+              <a:t>            WHERE</a:t>
+            </a:r>
+          </a:p>
+          <a:p>
+            <a:r>
+              <a:rPr lang="en-US" sz="900" dirty="0"/>
+              <a:t>                </a:t>
+            </a:r>
+            <a:r>
+              <a:rPr lang="en-US" sz="900" dirty="0" err="1"/>
+              <a:t>num_dog</a:t>
+            </a:r>
+            <a:r>
+              <a:rPr lang="en-US" sz="900" dirty="0"/>
+              <a:t> LIKE  </a:t>
+            </a:r>
+            <a:r>
+              <a:rPr lang="en-US" sz="900" dirty="0" err="1"/>
+              <a:t>year_dog</a:t>
+            </a:r>
+            <a:r>
+              <a:rPr lang="en-US" sz="900" dirty="0"/>
+              <a:t> || '/%';</a:t>
+            </a:r>
+          </a:p>
+          <a:p>
+            <a:r>
+              <a:rPr lang="en-US" sz="900" dirty="0"/>
+              <a:t>   </a:t>
+            </a:r>
+          </a:p>
+          <a:p>
+            <a:r>
+              <a:rPr lang="en-US" sz="900" dirty="0"/>
+              <a:t>    END IF;</a:t>
+            </a:r>
+          </a:p>
+          <a:p>
+            <a:r>
+              <a:rPr lang="en-US" sz="900" dirty="0"/>
+              <a:t>   </a:t>
+            </a:r>
+            <a:br>
+              <a:rPr lang="en-US" sz="900" dirty="0"/>
+            </a:br>
+            <a:r>
+              <a:rPr lang="en-US" sz="900" dirty="0"/>
+              <a:t>    SAVEPOINT </a:t>
+            </a:r>
+            <a:r>
+              <a:rPr lang="en-US" sz="900" dirty="0" err="1"/>
+              <a:t>add_dog</a:t>
+            </a:r>
+            <a:r>
+              <a:rPr lang="en-US" sz="900" dirty="0"/>
+              <a:t>;</a:t>
+            </a:r>
+          </a:p>
+          <a:p>
+            <a:r>
+              <a:rPr lang="en-US" sz="900" dirty="0"/>
+              <a:t/>
+            </a:r>
+            <a:br>
+              <a:rPr lang="en-US" sz="900" dirty="0"/>
+            </a:br>
+            <a:r>
+              <a:rPr lang="en-US" sz="900" dirty="0"/>
+              <a:t>    </a:t>
+            </a:r>
+            <a:r>
+              <a:rPr lang="en-US" sz="900" dirty="0" err="1"/>
+              <a:t>credit_id</a:t>
+            </a:r>
+            <a:r>
+              <a:rPr lang="en-US" sz="900" dirty="0"/>
+              <a:t>       := c##</a:t>
+            </a:r>
+            <a:r>
+              <a:rPr lang="en-US" sz="900" dirty="0" err="1"/>
+              <a:t>course.seq.nextval</a:t>
+            </a:r>
+            <a:r>
+              <a:rPr lang="en-US" sz="900" dirty="0"/>
+              <a:t>;</a:t>
+            </a:r>
+          </a:p>
+          <a:p>
+            <a:r>
+              <a:rPr lang="en-US" sz="900" dirty="0"/>
+              <a:t>    </a:t>
+            </a:r>
+            <a:r>
+              <a:rPr lang="en-US" sz="900" dirty="0" err="1"/>
+              <a:t>collect_plan_id</a:t>
+            </a:r>
+            <a:r>
+              <a:rPr lang="en-US" sz="900" dirty="0"/>
+              <a:t> := c##</a:t>
+            </a:r>
+            <a:r>
+              <a:rPr lang="en-US" sz="900" dirty="0" err="1"/>
+              <a:t>course.seq.nextval</a:t>
+            </a:r>
+            <a:r>
+              <a:rPr lang="en-US" sz="900" dirty="0"/>
+              <a:t>;</a:t>
+            </a:r>
+          </a:p>
+          <a:p>
+            <a:r>
+              <a:rPr lang="en-US" sz="900" dirty="0"/>
+              <a:t>    </a:t>
+            </a:r>
+            <a:r>
+              <a:rPr lang="en-US" sz="900" dirty="0" err="1"/>
+              <a:t>collect_fact_id</a:t>
+            </a:r>
+            <a:r>
+              <a:rPr lang="en-US" sz="900" dirty="0"/>
+              <a:t> := c##</a:t>
+            </a:r>
+            <a:r>
+              <a:rPr lang="en-US" sz="900" dirty="0" err="1"/>
+              <a:t>course.seq.nextval</a:t>
+            </a:r>
+            <a:r>
+              <a:rPr lang="en-US" sz="900" dirty="0"/>
+              <a:t>;</a:t>
+            </a:r>
+          </a:p>
+          <a:p>
+            <a:r>
+              <a:rPr lang="en-US" sz="900" dirty="0"/>
+              <a:t>    </a:t>
+            </a:r>
+          </a:p>
+          <a:p>
+            <a:r>
+              <a:rPr lang="en-US" sz="900" dirty="0"/>
+              <a:t>    INSERT INTO c##</a:t>
+            </a:r>
+            <a:r>
+              <a:rPr lang="en-US" sz="900" dirty="0" err="1"/>
+              <a:t>course.pr_credit</a:t>
+            </a:r>
+            <a:endParaRPr lang="en-US" sz="900" dirty="0"/>
+          </a:p>
+          <a:p>
+            <a:r>
+              <a:rPr lang="en-US" sz="900" dirty="0"/>
+              <a:t>    (</a:t>
+            </a:r>
+          </a:p>
+          <a:p>
+            <a:r>
+              <a:rPr lang="en-US" sz="900" dirty="0"/>
+              <a:t>          id</a:t>
+            </a:r>
+          </a:p>
+          <a:p>
+            <a:r>
+              <a:rPr lang="en-US" sz="900" dirty="0"/>
+              <a:t>        , </a:t>
+            </a:r>
+            <a:r>
+              <a:rPr lang="en-US" sz="900" dirty="0" err="1"/>
+              <a:t>num_dog</a:t>
+            </a:r>
+            <a:endParaRPr lang="en-US" sz="900" dirty="0"/>
+          </a:p>
+          <a:p>
+            <a:r>
+              <a:rPr lang="en-US" sz="900" dirty="0"/>
+              <a:t>        , </a:t>
+            </a:r>
+            <a:r>
+              <a:rPr lang="en-US" sz="900" dirty="0" err="1"/>
+              <a:t>summa_dog</a:t>
+            </a:r>
+            <a:endParaRPr lang="en-US" sz="900" dirty="0"/>
+          </a:p>
+          <a:p>
+            <a:r>
+              <a:rPr lang="en-US" sz="900" dirty="0"/>
+              <a:t>        , </a:t>
+            </a:r>
+            <a:r>
+              <a:rPr lang="en-US" sz="900" dirty="0" err="1"/>
+              <a:t>date_begin</a:t>
+            </a:r>
+            <a:endParaRPr lang="en-US" sz="900" dirty="0"/>
+          </a:p>
+          <a:p>
+            <a:r>
+              <a:rPr lang="en-US" sz="900" dirty="0"/>
+              <a:t>        , </a:t>
+            </a:r>
+            <a:r>
+              <a:rPr lang="en-US" sz="900" dirty="0" err="1"/>
+              <a:t>date_end</a:t>
+            </a:r>
+            <a:endParaRPr lang="en-US" sz="900" dirty="0"/>
+          </a:p>
+          <a:p>
+            <a:r>
+              <a:rPr lang="en-US" sz="900" dirty="0"/>
+              <a:t>        , </a:t>
+            </a:r>
+            <a:r>
+              <a:rPr lang="en-US" sz="900" dirty="0" err="1"/>
+              <a:t>id_client</a:t>
+            </a:r>
+            <a:endParaRPr lang="en-US" sz="900" dirty="0"/>
+          </a:p>
+          <a:p>
+            <a:r>
+              <a:rPr lang="en-US" sz="900" dirty="0"/>
+              <a:t>        , </a:t>
+            </a:r>
+            <a:r>
+              <a:rPr lang="en-US" sz="900" dirty="0" err="1"/>
+              <a:t>collect_plan</a:t>
+            </a:r>
+            <a:endParaRPr lang="en-US" sz="900" dirty="0"/>
+          </a:p>
+          <a:p>
+            <a:r>
+              <a:rPr lang="en-US" sz="900" dirty="0"/>
+              <a:t>        , </a:t>
+            </a:r>
+            <a:r>
+              <a:rPr lang="en-US" sz="900" dirty="0" err="1"/>
+              <a:t>collect_fact</a:t>
+            </a:r>
+            <a:endParaRPr lang="en-US" sz="900" dirty="0"/>
+          </a:p>
+          <a:p>
+            <a:r>
+              <a:rPr lang="en-US" sz="900" dirty="0"/>
+              <a:t>    ) VALUES(</a:t>
+            </a:r>
+          </a:p>
+          <a:p>
+            <a:r>
+              <a:rPr lang="en-US" sz="900" dirty="0"/>
+              <a:t>          </a:t>
+            </a:r>
+            <a:r>
+              <a:rPr lang="en-US" sz="900" dirty="0" err="1"/>
+              <a:t>credit_id</a:t>
+            </a:r>
+            <a:endParaRPr lang="en-US" sz="900" dirty="0"/>
+          </a:p>
+          <a:p>
+            <a:r>
+              <a:rPr lang="en-US" sz="900" dirty="0"/>
+              <a:t>        , </a:t>
+            </a:r>
+            <a:r>
+              <a:rPr lang="en-US" sz="900" dirty="0" err="1"/>
+              <a:t>year_dog</a:t>
+            </a:r>
+            <a:r>
+              <a:rPr lang="en-US" sz="900" dirty="0"/>
+              <a:t> || '/' || </a:t>
+            </a:r>
+            <a:r>
+              <a:rPr lang="en-US" sz="900" dirty="0" err="1"/>
+              <a:t>num_dog</a:t>
+            </a:r>
+            <a:endParaRPr lang="en-US" sz="900" dirty="0"/>
+          </a:p>
+          <a:p>
+            <a:r>
+              <a:rPr lang="en-US" sz="900" dirty="0"/>
+              <a:t>        , </a:t>
+            </a:r>
+            <a:r>
+              <a:rPr lang="en-US" sz="900" dirty="0" err="1"/>
+              <a:t>summa_dog</a:t>
+            </a:r>
+            <a:endParaRPr lang="en-US" sz="900" dirty="0"/>
+          </a:p>
+          <a:p>
+            <a:r>
+              <a:rPr lang="en-US" sz="900" dirty="0"/>
+              <a:t>        , </a:t>
+            </a:r>
+            <a:r>
+              <a:rPr lang="en-US" sz="900" dirty="0" err="1"/>
+              <a:t>date_begin</a:t>
+            </a:r>
+            <a:endParaRPr lang="en-US" sz="900" dirty="0"/>
+          </a:p>
+          <a:p>
+            <a:r>
+              <a:rPr lang="en-US" sz="900" dirty="0"/>
+              <a:t>        , </a:t>
+            </a:r>
+            <a:r>
+              <a:rPr lang="en-US" sz="900" dirty="0" err="1"/>
+              <a:t>date_end</a:t>
+            </a:r>
+            <a:endParaRPr lang="en-US" sz="900" dirty="0"/>
+          </a:p>
+          <a:p>
+            <a:r>
+              <a:rPr lang="en-US" sz="900" dirty="0"/>
+              <a:t>        , </a:t>
+            </a:r>
+            <a:r>
+              <a:rPr lang="en-US" sz="900" dirty="0" err="1"/>
+              <a:t>client_id</a:t>
+            </a:r>
+            <a:endParaRPr lang="en-US" sz="900" dirty="0"/>
+          </a:p>
+          <a:p>
+            <a:r>
+              <a:rPr lang="en-US" sz="900" dirty="0"/>
+              <a:t>        , </a:t>
+            </a:r>
+            <a:r>
+              <a:rPr lang="en-US" sz="900" dirty="0" err="1"/>
+              <a:t>collect_plan_id</a:t>
+            </a:r>
+            <a:endParaRPr lang="en-US" sz="900" dirty="0"/>
+          </a:p>
+          <a:p>
+            <a:r>
+              <a:rPr lang="en-US" sz="900" dirty="0"/>
+              <a:t>        , </a:t>
+            </a:r>
+            <a:r>
+              <a:rPr lang="en-US" sz="900" dirty="0" err="1"/>
+              <a:t>collect_fact_id</a:t>
+            </a:r>
+            <a:endParaRPr lang="en-US" sz="900" dirty="0"/>
+          </a:p>
+          <a:p>
+            <a:r>
+              <a:rPr lang="en-US" sz="900" dirty="0"/>
+              <a:t>    );</a:t>
+            </a:r>
+          </a:p>
+          <a:p>
+            <a:r>
+              <a:rPr lang="en-US" sz="900" dirty="0"/>
+              <a:t>  </a:t>
+            </a:r>
+            <a:endParaRPr lang="en-US" sz="900" dirty="0"/>
+          </a:p>
+        </p:txBody>
+      </p:sp>
+      <p:sp>
+        <p:nvSpPr>
+          <p:cNvPr id="5" name="TextBox 4"/>
+          <p:cNvSpPr txBox="1"/>
+          <p:nvPr/>
+        </p:nvSpPr>
+        <p:spPr>
+          <a:xfrm>
+            <a:off x="8006376" y="677009"/>
+            <a:ext cx="3456384" cy="5632311"/>
+          </a:xfrm>
+          <a:prstGeom prst="rect">
+            <a:avLst/>
+          </a:prstGeom>
+          <a:noFill/>
+        </p:spPr>
+        <p:txBody>
+          <a:bodyPr wrap="square" rtlCol="0">
+            <a:spAutoFit/>
+          </a:bodyPr>
+          <a:lstStyle/>
+          <a:p>
+            <a:r>
+              <a:rPr lang="en-US" sz="900" dirty="0"/>
+              <a:t> </a:t>
+            </a:r>
+            <a:r>
+              <a:rPr lang="en-US" sz="900" dirty="0" err="1"/>
+              <a:t>credit_month_percent</a:t>
+            </a:r>
+            <a:r>
+              <a:rPr lang="en-US" sz="900" dirty="0"/>
+              <a:t> := </a:t>
+            </a:r>
+            <a:r>
+              <a:rPr lang="en-US" sz="900" dirty="0" err="1"/>
+              <a:t>persent_dog</a:t>
+            </a:r>
+            <a:r>
+              <a:rPr lang="en-US" sz="900" dirty="0"/>
+              <a:t> / 100 / </a:t>
+            </a:r>
+            <a:r>
+              <a:rPr lang="en-US" sz="900" dirty="0" err="1"/>
+              <a:t>duration_dog</a:t>
+            </a:r>
+            <a:r>
+              <a:rPr lang="en-US" sz="900" dirty="0"/>
+              <a:t>;</a:t>
+            </a:r>
+          </a:p>
+          <a:p>
+            <a:r>
+              <a:rPr lang="en-US" sz="900" dirty="0"/>
+              <a:t>    </a:t>
+            </a:r>
+          </a:p>
+          <a:p>
+            <a:r>
+              <a:rPr lang="en-US" sz="900" dirty="0"/>
+              <a:t>    DBMS_OUTPUT.PUT_LINE('</a:t>
+            </a:r>
+            <a:r>
+              <a:rPr lang="en-US" sz="900" dirty="0" err="1"/>
+              <a:t>credit_month_percent</a:t>
+            </a:r>
+            <a:r>
+              <a:rPr lang="en-US" sz="900" dirty="0"/>
+              <a:t> = ' || </a:t>
+            </a:r>
+            <a:r>
+              <a:rPr lang="en-US" sz="900" dirty="0" err="1"/>
+              <a:t>credit_month_percent</a:t>
+            </a:r>
+            <a:r>
+              <a:rPr lang="en-US" sz="900" dirty="0"/>
+              <a:t>);</a:t>
+            </a:r>
+          </a:p>
+          <a:p>
+            <a:r>
+              <a:rPr lang="en-US" sz="900" dirty="0"/>
+              <a:t>    </a:t>
+            </a:r>
+          </a:p>
+          <a:p>
+            <a:r>
+              <a:rPr lang="en-US" sz="900" dirty="0"/>
+              <a:t>    </a:t>
+            </a:r>
+            <a:r>
+              <a:rPr lang="en-US" sz="900" dirty="0" err="1"/>
+              <a:t>annuit_pay</a:t>
+            </a:r>
+            <a:r>
+              <a:rPr lang="en-US" sz="900" dirty="0"/>
+              <a:t> := ROUND(</a:t>
+            </a:r>
+            <a:r>
+              <a:rPr lang="en-US" sz="900" dirty="0" err="1"/>
+              <a:t>summa_dog</a:t>
+            </a:r>
+            <a:r>
+              <a:rPr lang="en-US" sz="900" dirty="0"/>
+              <a:t> * (</a:t>
+            </a:r>
+            <a:r>
+              <a:rPr lang="en-US" sz="900" dirty="0" err="1"/>
+              <a:t>credit_month_percent</a:t>
+            </a:r>
+            <a:r>
+              <a:rPr lang="en-US" sz="900" dirty="0"/>
+              <a:t> + </a:t>
+            </a:r>
+            <a:r>
+              <a:rPr lang="en-US" sz="900" dirty="0" err="1"/>
+              <a:t>credit_month_percent</a:t>
+            </a:r>
+            <a:r>
+              <a:rPr lang="en-US" sz="900" dirty="0"/>
+              <a:t> / (POWER((1 + </a:t>
+            </a:r>
+            <a:r>
+              <a:rPr lang="en-US" sz="900" dirty="0" err="1"/>
+              <a:t>credit_month_percent</a:t>
+            </a:r>
+            <a:r>
+              <a:rPr lang="en-US" sz="900" dirty="0"/>
+              <a:t>),</a:t>
+            </a:r>
+            <a:r>
+              <a:rPr lang="en-US" sz="900" dirty="0" err="1"/>
+              <a:t>duration_dog</a:t>
+            </a:r>
+            <a:r>
+              <a:rPr lang="en-US" sz="900" dirty="0"/>
+              <a:t>)-1)),2);</a:t>
+            </a:r>
+          </a:p>
+          <a:p>
+            <a:r>
+              <a:rPr lang="en-US" sz="900" dirty="0"/>
+              <a:t>    </a:t>
+            </a:r>
+          </a:p>
+          <a:p>
+            <a:r>
+              <a:rPr lang="en-US" sz="900" dirty="0"/>
+              <a:t>    DBMS_OUTPUT.PUT_LINE('</a:t>
+            </a:r>
+            <a:r>
+              <a:rPr lang="en-US" sz="900" dirty="0" err="1"/>
+              <a:t>annuit_pay</a:t>
+            </a:r>
+            <a:r>
+              <a:rPr lang="en-US" sz="900" dirty="0"/>
+              <a:t> = ' || </a:t>
+            </a:r>
+            <a:r>
+              <a:rPr lang="en-US" sz="900" dirty="0" err="1"/>
+              <a:t>annuit_pay</a:t>
+            </a:r>
+            <a:r>
+              <a:rPr lang="en-US" sz="900" dirty="0"/>
+              <a:t>);</a:t>
+            </a:r>
+          </a:p>
+          <a:p>
+            <a:r>
+              <a:rPr lang="en-US" sz="900" dirty="0"/>
+              <a:t>    </a:t>
+            </a:r>
+          </a:p>
+          <a:p>
+            <a:r>
+              <a:rPr lang="en-US" sz="900" dirty="0"/>
+              <a:t>    </a:t>
+            </a:r>
+            <a:r>
+              <a:rPr lang="en-US" sz="900" dirty="0" err="1"/>
+              <a:t>summa_dog_ostat</a:t>
+            </a:r>
+            <a:r>
+              <a:rPr lang="en-US" sz="900" dirty="0"/>
+              <a:t> := </a:t>
+            </a:r>
+            <a:r>
+              <a:rPr lang="en-US" sz="900" dirty="0" err="1"/>
+              <a:t>summa_dog</a:t>
+            </a:r>
+            <a:r>
+              <a:rPr lang="en-US" sz="900" dirty="0"/>
+              <a:t>;</a:t>
+            </a:r>
+          </a:p>
+          <a:p>
+            <a:r>
+              <a:rPr lang="en-US" sz="900" dirty="0"/>
+              <a:t>    </a:t>
+            </a:r>
+          </a:p>
+          <a:p>
+            <a:r>
+              <a:rPr lang="en-US" sz="900" dirty="0"/>
+              <a:t>    INSERT INTO </a:t>
+            </a:r>
+            <a:r>
+              <a:rPr lang="en-US" sz="900" dirty="0" err="1"/>
+              <a:t>plan_oper</a:t>
+            </a:r>
+            <a:endParaRPr lang="en-US" sz="900" dirty="0"/>
+          </a:p>
+          <a:p>
+            <a:r>
+              <a:rPr lang="en-US" sz="900" dirty="0"/>
+              <a:t>    (</a:t>
+            </a:r>
+          </a:p>
+          <a:p>
+            <a:r>
+              <a:rPr lang="en-US" sz="900" dirty="0"/>
+              <a:t>         </a:t>
+            </a:r>
+            <a:r>
+              <a:rPr lang="en-US" sz="900" dirty="0" err="1"/>
+              <a:t>collection_id</a:t>
+            </a:r>
+            <a:endParaRPr lang="en-US" sz="900" dirty="0"/>
+          </a:p>
+          <a:p>
+            <a:r>
+              <a:rPr lang="en-US" sz="900" dirty="0"/>
+              <a:t>        ,</a:t>
+            </a:r>
+            <a:r>
+              <a:rPr lang="en-US" sz="900" dirty="0" err="1"/>
+              <a:t>p_date</a:t>
+            </a:r>
+            <a:endParaRPr lang="en-US" sz="900" dirty="0"/>
+          </a:p>
+          <a:p>
+            <a:r>
+              <a:rPr lang="en-US" sz="900" dirty="0"/>
+              <a:t>        ,</a:t>
+            </a:r>
+            <a:r>
+              <a:rPr lang="en-US" sz="900" dirty="0" err="1"/>
+              <a:t>p_summa</a:t>
+            </a:r>
+            <a:endParaRPr lang="en-US" sz="900" dirty="0"/>
+          </a:p>
+          <a:p>
+            <a:r>
+              <a:rPr lang="en-US" sz="900" dirty="0"/>
+              <a:t>        ,</a:t>
+            </a:r>
+            <a:r>
+              <a:rPr lang="en-US" sz="900" dirty="0" err="1"/>
+              <a:t>type_oper</a:t>
+            </a:r>
+            <a:endParaRPr lang="en-US" sz="900" dirty="0"/>
+          </a:p>
+          <a:p>
+            <a:r>
+              <a:rPr lang="en-US" sz="900" dirty="0"/>
+              <a:t>    ) VALUES (</a:t>
+            </a:r>
+          </a:p>
+          <a:p>
+            <a:r>
+              <a:rPr lang="en-US" sz="900" dirty="0"/>
+              <a:t>         </a:t>
+            </a:r>
+            <a:r>
+              <a:rPr lang="en-US" sz="900" dirty="0" err="1"/>
+              <a:t>collect_plan_id</a:t>
+            </a:r>
+            <a:endParaRPr lang="en-US" sz="900" dirty="0"/>
+          </a:p>
+          <a:p>
+            <a:r>
+              <a:rPr lang="en-US" sz="900" dirty="0"/>
+              <a:t>        ,</a:t>
+            </a:r>
+            <a:r>
+              <a:rPr lang="en-US" sz="900" dirty="0" err="1"/>
+              <a:t>date_begin</a:t>
+            </a:r>
+            <a:endParaRPr lang="en-US" sz="900" dirty="0"/>
+          </a:p>
+          <a:p>
+            <a:r>
+              <a:rPr lang="en-US" sz="900" dirty="0"/>
+              <a:t>        ,</a:t>
+            </a:r>
+            <a:r>
+              <a:rPr lang="en-US" sz="900" dirty="0" err="1"/>
+              <a:t>summa_dog</a:t>
+            </a:r>
+            <a:endParaRPr lang="en-US" sz="900" dirty="0"/>
+          </a:p>
+          <a:p>
+            <a:r>
+              <a:rPr lang="en-US" sz="900" dirty="0"/>
+              <a:t>        ,'</a:t>
+            </a:r>
+            <a:r>
+              <a:rPr lang="ru-RU" sz="900" dirty="0"/>
+              <a:t>Выдача кредита'</a:t>
+            </a:r>
+          </a:p>
+          <a:p>
+            <a:r>
+              <a:rPr lang="ru-RU" sz="900" dirty="0"/>
+              <a:t>    );</a:t>
+            </a:r>
+          </a:p>
+          <a:p>
+            <a:r>
+              <a:rPr lang="ru-RU" sz="900" dirty="0"/>
+              <a:t>    </a:t>
+            </a:r>
+          </a:p>
+          <a:p>
+            <a:r>
+              <a:rPr lang="ru-RU" sz="900" dirty="0"/>
+              <a:t>    </a:t>
+            </a:r>
+            <a:r>
+              <a:rPr lang="en-US" sz="900" dirty="0"/>
+              <a:t>FOR </a:t>
+            </a:r>
+            <a:r>
+              <a:rPr lang="en-US" sz="900" dirty="0" err="1"/>
+              <a:t>i</a:t>
+            </a:r>
+            <a:r>
+              <a:rPr lang="en-US" sz="900" dirty="0"/>
+              <a:t> IN 1..duration_dog LOOP</a:t>
+            </a:r>
+          </a:p>
+          <a:p>
+            <a:r>
+              <a:rPr lang="en-US" sz="900" dirty="0"/>
+              <a:t>        </a:t>
+            </a:r>
+          </a:p>
+          <a:p>
+            <a:r>
+              <a:rPr lang="en-US" sz="900" dirty="0"/>
+              <a:t>        </a:t>
+            </a:r>
+            <a:r>
+              <a:rPr lang="en-US" sz="900" dirty="0" err="1"/>
+              <a:t>p_date</a:t>
+            </a:r>
+            <a:r>
+              <a:rPr lang="en-US" sz="900" dirty="0"/>
+              <a:t> := ADD_MONTHS(</a:t>
+            </a:r>
+            <a:r>
+              <a:rPr lang="en-US" sz="900" dirty="0" err="1"/>
+              <a:t>date_begin,i</a:t>
+            </a:r>
+            <a:r>
+              <a:rPr lang="en-US" sz="900" dirty="0"/>
+              <a:t>);</a:t>
+            </a:r>
+          </a:p>
+          <a:p>
+            <a:r>
+              <a:rPr lang="en-US" sz="900" dirty="0"/>
+              <a:t>        </a:t>
+            </a:r>
+            <a:r>
+              <a:rPr lang="en-US" sz="900" dirty="0" err="1"/>
+              <a:t>p_summa_percent</a:t>
+            </a:r>
+            <a:r>
+              <a:rPr lang="en-US" sz="900" dirty="0"/>
+              <a:t> := ROUND(</a:t>
+            </a:r>
+            <a:r>
+              <a:rPr lang="en-US" sz="900" dirty="0" err="1"/>
+              <a:t>summa_dog_ostat</a:t>
+            </a:r>
+            <a:r>
+              <a:rPr lang="en-US" sz="900" dirty="0"/>
+              <a:t> * </a:t>
+            </a:r>
+            <a:r>
+              <a:rPr lang="en-US" sz="900" dirty="0" err="1"/>
+              <a:t>credit_month_percent</a:t>
+            </a:r>
+            <a:r>
+              <a:rPr lang="en-US" sz="900" dirty="0"/>
+              <a:t>);</a:t>
+            </a:r>
+          </a:p>
+          <a:p>
+            <a:r>
+              <a:rPr lang="en-US" sz="900" dirty="0"/>
+              <a:t>        </a:t>
+            </a:r>
+            <a:r>
+              <a:rPr lang="en-US" sz="900" dirty="0" err="1"/>
+              <a:t>p_summa_body</a:t>
+            </a:r>
+            <a:r>
+              <a:rPr lang="en-US" sz="900" dirty="0"/>
+              <a:t> := </a:t>
+            </a:r>
+            <a:r>
+              <a:rPr lang="en-US" sz="900" dirty="0" err="1"/>
+              <a:t>annuit_pay</a:t>
+            </a:r>
+            <a:r>
+              <a:rPr lang="en-US" sz="900" dirty="0"/>
+              <a:t> - </a:t>
+            </a:r>
+            <a:r>
+              <a:rPr lang="en-US" sz="900" dirty="0" err="1"/>
+              <a:t>p_summa_percent</a:t>
+            </a:r>
+            <a:r>
+              <a:rPr lang="en-US" sz="900" dirty="0"/>
+              <a:t>;</a:t>
+            </a:r>
+          </a:p>
+          <a:p>
+            <a:r>
+              <a:rPr lang="en-US" sz="900" dirty="0"/>
+              <a:t>        </a:t>
+            </a:r>
+            <a:r>
+              <a:rPr lang="en-US" sz="900" dirty="0" err="1"/>
+              <a:t>summa_dog_ostat</a:t>
+            </a:r>
+            <a:r>
+              <a:rPr lang="en-US" sz="900" dirty="0"/>
+              <a:t> := </a:t>
+            </a:r>
+            <a:r>
+              <a:rPr lang="en-US" sz="900" dirty="0" err="1"/>
+              <a:t>summa_dog_ostat</a:t>
+            </a:r>
+            <a:r>
+              <a:rPr lang="en-US" sz="900" dirty="0"/>
+              <a:t> - </a:t>
+            </a:r>
+            <a:r>
+              <a:rPr lang="en-US" sz="900" dirty="0" err="1"/>
+              <a:t>p_summa_body</a:t>
+            </a:r>
+            <a:r>
+              <a:rPr lang="en-US" sz="900" dirty="0"/>
+              <a:t>;</a:t>
+            </a:r>
+          </a:p>
+          <a:p>
+            <a:r>
+              <a:rPr lang="en-US" sz="900" dirty="0"/>
+              <a:t>        </a:t>
+            </a:r>
+          </a:p>
+          <a:p>
+            <a:r>
+              <a:rPr lang="en-US" sz="900" dirty="0"/>
+              <a:t>        DBMS_OUTPUT.PUT_LINE(</a:t>
+            </a:r>
+            <a:r>
+              <a:rPr lang="en-US" sz="900" dirty="0" err="1"/>
+              <a:t>i</a:t>
+            </a:r>
+            <a:r>
+              <a:rPr lang="en-US" sz="900" dirty="0"/>
+              <a:t> || ' - ' || </a:t>
+            </a:r>
+            <a:r>
+              <a:rPr lang="en-US" sz="900" dirty="0" err="1"/>
+              <a:t>p_date</a:t>
+            </a:r>
+            <a:r>
+              <a:rPr lang="en-US" sz="900" dirty="0"/>
+              <a:t> || ' - ' || </a:t>
+            </a:r>
+            <a:r>
+              <a:rPr lang="en-US" sz="900" dirty="0" err="1"/>
+              <a:t>p_summa_percent</a:t>
+            </a:r>
+            <a:r>
+              <a:rPr lang="en-US" sz="900" dirty="0"/>
+              <a:t> || ' - ' || '</a:t>
+            </a:r>
+            <a:r>
+              <a:rPr lang="ru-RU" sz="900" dirty="0"/>
+              <a:t>Погашение процентов');</a:t>
+            </a:r>
+          </a:p>
+          <a:p>
+            <a:r>
+              <a:rPr lang="ru-RU" sz="900" dirty="0"/>
+              <a:t>        </a:t>
+            </a:r>
+            <a:r>
+              <a:rPr lang="en-US" sz="900" dirty="0"/>
+              <a:t>DBMS_OUTPUT.PUT_LINE(</a:t>
+            </a:r>
+            <a:r>
+              <a:rPr lang="en-US" sz="900" dirty="0" err="1"/>
+              <a:t>i</a:t>
+            </a:r>
+            <a:r>
+              <a:rPr lang="en-US" sz="900" dirty="0"/>
+              <a:t> || ' - ' || </a:t>
+            </a:r>
+            <a:r>
+              <a:rPr lang="en-US" sz="900" dirty="0" err="1"/>
+              <a:t>p_date</a:t>
+            </a:r>
+            <a:r>
+              <a:rPr lang="en-US" sz="900" dirty="0"/>
+              <a:t> || ' - ' || </a:t>
+            </a:r>
+            <a:r>
+              <a:rPr lang="en-US" sz="900" dirty="0" err="1"/>
+              <a:t>p_summa_body</a:t>
+            </a:r>
+            <a:r>
+              <a:rPr lang="en-US" sz="900" dirty="0"/>
+              <a:t> || ' - ' || '</a:t>
+            </a:r>
+            <a:r>
+              <a:rPr lang="ru-RU" sz="900" dirty="0"/>
+              <a:t>Погашение кредита');</a:t>
+            </a:r>
+          </a:p>
+          <a:p>
+            <a:r>
+              <a:rPr lang="ru-RU" sz="900" dirty="0"/>
+              <a:t/>
+            </a:r>
+            <a:br>
+              <a:rPr lang="ru-RU" sz="900" dirty="0"/>
+            </a:br>
+            <a:r>
+              <a:rPr lang="ru-RU" sz="900" dirty="0"/>
+              <a:t>       </a:t>
+            </a:r>
+            <a:endParaRPr lang="en-US" sz="900" dirty="0"/>
+          </a:p>
+        </p:txBody>
+      </p:sp>
+    </p:spTree>
+    <p:extLst>
+      <p:ext uri="{BB962C8B-B14F-4D97-AF65-F5344CB8AC3E}">
+        <p14:creationId xmlns:p14="http://schemas.microsoft.com/office/powerpoint/2010/main" val="924687558"/>
+      </p:ext>
+    </p:extLst>
+  </p:cSld>
+  <p:clrMapOvr>
+    <a:masterClrMapping/>
+  </p:clrMapOvr>
+</p:sld>
+</file>
+
+<file path=ppt/slides/slide14.xml><?xml version="1.0" encoding="utf-8"?>
+<p:sld xmlns:a="http://schemas.openxmlformats.org/drawingml/2006/main" xmlns:r="http://schemas.openxmlformats.org/officeDocument/2006/relationships" xmlns:p="http://schemas.openxmlformats.org/presentationml/2006/main">
+  <p:cSld>
+    <p:spTree>
+      <p:nvGrpSpPr>
+        <p:cNvPr id="1" name=""/>
+        <p:cNvGrpSpPr/>
+        <p:nvPr/>
+      </p:nvGrpSpPr>
+      <p:grpSpPr>
+        <a:xfrm>
+          <a:off x="0" y="0"/>
+          <a:ext cx="0" cy="0"/>
+          <a:chOff x="0" y="0"/>
+          <a:chExt cx="0" cy="0"/>
+        </a:xfrm>
+      </p:grpSpPr>
+      <p:sp>
+        <p:nvSpPr>
+          <p:cNvPr id="2" name="Заголовок 1"/>
+          <p:cNvSpPr>
+            <a:spLocks noGrp="1"/>
+          </p:cNvSpPr>
+          <p:nvPr>
+            <p:ph type="title"/>
+          </p:nvPr>
+        </p:nvSpPr>
+        <p:spPr>
+          <a:xfrm>
+            <a:off x="625703" y="116632"/>
+            <a:ext cx="10728324" cy="543429"/>
+          </a:xfrm>
+        </p:spPr>
+        <p:txBody>
+          <a:bodyPr>
+            <a:normAutofit fontScale="90000"/>
+          </a:bodyPr>
+          <a:lstStyle/>
+          <a:p>
+            <a:r>
+              <a:rPr lang="ru-RU" sz="3600" dirty="0" smtClean="0"/>
+              <a:t>Добавление нового договора и плана платежей</a:t>
+            </a:r>
+            <a:endParaRPr lang="ru-RU" sz="3600" dirty="0"/>
+          </a:p>
+        </p:txBody>
+      </p:sp>
+      <p:sp>
+        <p:nvSpPr>
+          <p:cNvPr id="3" name="TextBox 2"/>
+          <p:cNvSpPr txBox="1"/>
+          <p:nvPr/>
+        </p:nvSpPr>
+        <p:spPr>
+          <a:xfrm>
+            <a:off x="263352" y="660061"/>
+            <a:ext cx="4392488" cy="5770811"/>
+          </a:xfrm>
+          <a:prstGeom prst="rect">
+            <a:avLst/>
+          </a:prstGeom>
+          <a:noFill/>
+        </p:spPr>
+        <p:txBody>
+          <a:bodyPr wrap="square" rtlCol="0">
+            <a:spAutoFit/>
+          </a:bodyPr>
+          <a:lstStyle/>
+          <a:p>
+            <a:r>
+              <a:rPr lang="ru-RU" sz="900" dirty="0"/>
+              <a:t> </a:t>
+            </a:r>
+            <a:r>
+              <a:rPr lang="en-US" sz="900" dirty="0"/>
+              <a:t>INSERT INTO c##</a:t>
+            </a:r>
+            <a:r>
+              <a:rPr lang="en-US" sz="900" dirty="0" err="1"/>
+              <a:t>course.plan_oper</a:t>
+            </a:r>
+            <a:endParaRPr lang="en-US" sz="900" dirty="0"/>
+          </a:p>
+          <a:p>
+            <a:r>
+              <a:rPr lang="en-US" sz="900" dirty="0"/>
+              <a:t>        (</a:t>
+            </a:r>
+          </a:p>
+          <a:p>
+            <a:r>
+              <a:rPr lang="en-US" sz="900" dirty="0"/>
+              <a:t>             </a:t>
+            </a:r>
+            <a:r>
+              <a:rPr lang="en-US" sz="900" dirty="0" err="1"/>
+              <a:t>collection_id</a:t>
+            </a:r>
+            <a:endParaRPr lang="en-US" sz="900" dirty="0"/>
+          </a:p>
+          <a:p>
+            <a:r>
+              <a:rPr lang="en-US" sz="900" dirty="0"/>
+              <a:t>            ,</a:t>
+            </a:r>
+            <a:r>
+              <a:rPr lang="en-US" sz="900" dirty="0" err="1"/>
+              <a:t>p_date</a:t>
+            </a:r>
+            <a:endParaRPr lang="en-US" sz="900" dirty="0"/>
+          </a:p>
+          <a:p>
+            <a:r>
+              <a:rPr lang="en-US" sz="900" dirty="0"/>
+              <a:t>            ,</a:t>
+            </a:r>
+            <a:r>
+              <a:rPr lang="en-US" sz="900" dirty="0" err="1"/>
+              <a:t>p_summa</a:t>
+            </a:r>
+            <a:endParaRPr lang="en-US" sz="900" dirty="0"/>
+          </a:p>
+          <a:p>
+            <a:r>
+              <a:rPr lang="en-US" sz="900" dirty="0"/>
+              <a:t>            ,</a:t>
+            </a:r>
+            <a:r>
+              <a:rPr lang="en-US" sz="900" dirty="0" err="1"/>
+              <a:t>type_oper</a:t>
+            </a:r>
+            <a:endParaRPr lang="en-US" sz="900" dirty="0"/>
+          </a:p>
+          <a:p>
+            <a:r>
+              <a:rPr lang="en-US" sz="900" dirty="0"/>
+              <a:t>        ) VALUES (</a:t>
+            </a:r>
+          </a:p>
+          <a:p>
+            <a:r>
+              <a:rPr lang="en-US" sz="900" dirty="0"/>
+              <a:t>             </a:t>
+            </a:r>
+            <a:r>
+              <a:rPr lang="en-US" sz="900" dirty="0" err="1"/>
+              <a:t>collect_plan_id</a:t>
+            </a:r>
+            <a:endParaRPr lang="en-US" sz="900" dirty="0"/>
+          </a:p>
+          <a:p>
+            <a:r>
+              <a:rPr lang="en-US" sz="900" dirty="0"/>
+              <a:t>            ,</a:t>
+            </a:r>
+            <a:r>
+              <a:rPr lang="en-US" sz="900" dirty="0" err="1"/>
+              <a:t>p_date</a:t>
+            </a:r>
+            <a:endParaRPr lang="en-US" sz="900" dirty="0"/>
+          </a:p>
+          <a:p>
+            <a:r>
+              <a:rPr lang="en-US" sz="900" dirty="0"/>
+              <a:t>            ,</a:t>
+            </a:r>
+            <a:r>
+              <a:rPr lang="en-US" sz="900" dirty="0" err="1"/>
+              <a:t>p_summa_percent</a:t>
+            </a:r>
+            <a:endParaRPr lang="en-US" sz="900" dirty="0"/>
+          </a:p>
+          <a:p>
+            <a:r>
+              <a:rPr lang="en-US" sz="900" dirty="0"/>
+              <a:t>            ,'</a:t>
+            </a:r>
+            <a:r>
+              <a:rPr lang="ru-RU" sz="900" dirty="0"/>
+              <a:t>Погашение процентов'</a:t>
+            </a:r>
+          </a:p>
+          <a:p>
+            <a:r>
+              <a:rPr lang="ru-RU" sz="900" dirty="0"/>
+              <a:t>        );</a:t>
+            </a:r>
+          </a:p>
+          <a:p>
+            <a:r>
+              <a:rPr lang="ru-RU" sz="900" dirty="0"/>
+              <a:t>        </a:t>
+            </a:r>
+            <a:r>
+              <a:rPr lang="en-US" sz="900" dirty="0"/>
+              <a:t>INSERT INTO c##</a:t>
+            </a:r>
+            <a:r>
+              <a:rPr lang="en-US" sz="900" dirty="0" err="1"/>
+              <a:t>course.plan_oper</a:t>
+            </a:r>
+            <a:endParaRPr lang="en-US" sz="900" dirty="0"/>
+          </a:p>
+          <a:p>
+            <a:r>
+              <a:rPr lang="en-US" sz="900" dirty="0"/>
+              <a:t>        (</a:t>
+            </a:r>
+          </a:p>
+          <a:p>
+            <a:r>
+              <a:rPr lang="en-US" sz="900" dirty="0"/>
+              <a:t>             </a:t>
+            </a:r>
+            <a:r>
+              <a:rPr lang="en-US" sz="900" dirty="0" err="1"/>
+              <a:t>collection_id</a:t>
+            </a:r>
+            <a:endParaRPr lang="en-US" sz="900" dirty="0"/>
+          </a:p>
+          <a:p>
+            <a:r>
+              <a:rPr lang="en-US" sz="900" dirty="0"/>
+              <a:t>            ,</a:t>
+            </a:r>
+            <a:r>
+              <a:rPr lang="en-US" sz="900" dirty="0" err="1"/>
+              <a:t>p_date</a:t>
+            </a:r>
+            <a:endParaRPr lang="en-US" sz="900" dirty="0"/>
+          </a:p>
+          <a:p>
+            <a:r>
+              <a:rPr lang="en-US" sz="900" dirty="0"/>
+              <a:t>            ,</a:t>
+            </a:r>
+            <a:r>
+              <a:rPr lang="en-US" sz="900" dirty="0" err="1"/>
+              <a:t>p_summa</a:t>
+            </a:r>
+            <a:endParaRPr lang="en-US" sz="900" dirty="0"/>
+          </a:p>
+          <a:p>
+            <a:r>
+              <a:rPr lang="en-US" sz="900" dirty="0"/>
+              <a:t>            ,</a:t>
+            </a:r>
+            <a:r>
+              <a:rPr lang="en-US" sz="900" dirty="0" err="1"/>
+              <a:t>type_oper</a:t>
+            </a:r>
+            <a:endParaRPr lang="en-US" sz="900" dirty="0"/>
+          </a:p>
+          <a:p>
+            <a:r>
+              <a:rPr lang="en-US" sz="900" dirty="0"/>
+              <a:t>        ) VALUES (</a:t>
+            </a:r>
+          </a:p>
+          <a:p>
+            <a:r>
+              <a:rPr lang="en-US" sz="900" dirty="0"/>
+              <a:t>             </a:t>
+            </a:r>
+            <a:r>
+              <a:rPr lang="en-US" sz="900" dirty="0" err="1"/>
+              <a:t>collect_plan_id</a:t>
+            </a:r>
+            <a:endParaRPr lang="en-US" sz="900" dirty="0"/>
+          </a:p>
+          <a:p>
+            <a:r>
+              <a:rPr lang="en-US" sz="900" dirty="0"/>
+              <a:t>            ,</a:t>
+            </a:r>
+            <a:r>
+              <a:rPr lang="en-US" sz="900" dirty="0" err="1"/>
+              <a:t>p_date</a:t>
+            </a:r>
+            <a:endParaRPr lang="en-US" sz="900" dirty="0"/>
+          </a:p>
+          <a:p>
+            <a:r>
+              <a:rPr lang="en-US" sz="900" dirty="0"/>
+              <a:t>            ,</a:t>
+            </a:r>
+            <a:r>
+              <a:rPr lang="en-US" sz="900" dirty="0" err="1"/>
+              <a:t>p_summa_body</a:t>
+            </a:r>
+            <a:endParaRPr lang="en-US" sz="900" dirty="0"/>
+          </a:p>
+          <a:p>
+            <a:r>
+              <a:rPr lang="en-US" sz="900" dirty="0"/>
+              <a:t>            ,'</a:t>
+            </a:r>
+            <a:r>
+              <a:rPr lang="ru-RU" sz="900" dirty="0"/>
+              <a:t>Погашение кредита'</a:t>
+            </a:r>
+          </a:p>
+          <a:p>
+            <a:r>
+              <a:rPr lang="ru-RU" sz="900" dirty="0"/>
+              <a:t>        );</a:t>
+            </a:r>
+          </a:p>
+          <a:p>
+            <a:r>
+              <a:rPr lang="ru-RU" sz="900" dirty="0"/>
+              <a:t/>
+            </a:r>
+            <a:br>
+              <a:rPr lang="ru-RU" sz="900" dirty="0"/>
+            </a:br>
+            <a:r>
+              <a:rPr lang="ru-RU" sz="900" dirty="0"/>
+              <a:t>        </a:t>
+            </a:r>
+          </a:p>
+          <a:p>
+            <a:r>
+              <a:rPr lang="ru-RU" sz="900" dirty="0"/>
+              <a:t>    </a:t>
+            </a:r>
+            <a:r>
+              <a:rPr lang="en-US" sz="900" dirty="0"/>
+              <a:t>END LOOP;</a:t>
+            </a:r>
+          </a:p>
+          <a:p>
+            <a:r>
+              <a:rPr lang="en-US" sz="900" dirty="0"/>
+              <a:t>    </a:t>
+            </a:r>
+          </a:p>
+          <a:p>
+            <a:r>
+              <a:rPr lang="en-US" sz="900" dirty="0"/>
+              <a:t>    COMMIT;</a:t>
+            </a:r>
+          </a:p>
+          <a:p>
+            <a:r>
+              <a:rPr lang="en-US" sz="900" dirty="0"/>
+              <a:t>    </a:t>
+            </a:r>
+          </a:p>
+          <a:p>
+            <a:r>
+              <a:rPr lang="en-US" sz="900" dirty="0"/>
+              <a:t/>
+            </a:r>
+            <a:br>
+              <a:rPr lang="en-US" sz="900" dirty="0"/>
+            </a:br>
+            <a:r>
+              <a:rPr lang="en-US" sz="900" dirty="0"/>
+              <a:t>EXCEPTION</a:t>
+            </a:r>
+          </a:p>
+          <a:p>
+            <a:r>
+              <a:rPr lang="en-US" sz="900" dirty="0"/>
+              <a:t/>
+            </a:r>
+            <a:br>
+              <a:rPr lang="en-US" sz="900" dirty="0"/>
+            </a:br>
+            <a:r>
+              <a:rPr lang="en-US" sz="900" dirty="0"/>
+              <a:t>    WHEN OTHERS</a:t>
+            </a:r>
+          </a:p>
+          <a:p>
+            <a:r>
+              <a:rPr lang="en-US" sz="900" dirty="0"/>
+              <a:t>    THEN</a:t>
+            </a:r>
+          </a:p>
+          <a:p>
+            <a:r>
+              <a:rPr lang="en-US" sz="900" dirty="0"/>
+              <a:t>        ROLLBACK TO </a:t>
+            </a:r>
+            <a:r>
+              <a:rPr lang="en-US" sz="900" dirty="0" err="1"/>
+              <a:t>add_dog</a:t>
+            </a:r>
+            <a:r>
+              <a:rPr lang="en-US" sz="900" dirty="0"/>
+              <a:t>;</a:t>
+            </a:r>
+          </a:p>
+          <a:p>
+            <a:r>
+              <a:rPr lang="en-US" sz="900"/>
+              <a:t/>
+            </a:r>
+            <a:br>
+              <a:rPr lang="en-US" sz="900"/>
+            </a:br>
+            <a:r>
+              <a:rPr lang="en-US" sz="900"/>
+              <a:t>END;</a:t>
+            </a:r>
+          </a:p>
+          <a:p>
+            <a:r>
+              <a:rPr lang="en-US" sz="900" dirty="0"/>
+              <a:t/>
+            </a:r>
+            <a:br>
+              <a:rPr lang="en-US" sz="900" dirty="0"/>
+            </a:br>
+            <a:r>
+              <a:rPr lang="en-US" sz="900" dirty="0"/>
+              <a:t>  </a:t>
+            </a:r>
+            <a:r>
+              <a:rPr lang="en-US" sz="900" dirty="0" smtClean="0"/>
+              <a:t>  </a:t>
+            </a:r>
+          </a:p>
+          <a:p>
+            <a:r>
+              <a:rPr lang="en-US" sz="900" dirty="0"/>
+              <a:t>   </a:t>
+            </a:r>
+          </a:p>
+        </p:txBody>
+      </p:sp>
+    </p:spTree>
+    <p:extLst>
+      <p:ext uri="{BB962C8B-B14F-4D97-AF65-F5344CB8AC3E}">
+        <p14:creationId xmlns:p14="http://schemas.microsoft.com/office/powerpoint/2010/main" val="159748843"/>
+      </p:ext>
+    </p:extLst>
+  </p:cSld>
+  <p:clrMapOvr>
+    <a:masterClrMapping/>
+  </p:clrMapOvr>
+</p:sld>
+</file>
+
+<file path=ppt/slides/slide15.xml><?xml version="1.0" encoding="utf-8"?>
 <p:sld xmlns:a="http://schemas.openxmlformats.org/drawingml/2006/main" xmlns:r="http://schemas.openxmlformats.org/officeDocument/2006/relationships" xmlns:p="http://schemas.openxmlformats.org/presentationml/2006/main" showMasterPhAnim="0">
   <p:cSld>
     <p:spTree>
@@ -8512,7 +11126,7 @@
           <p:cNvPr id="17" name="Рисунок 2">
             <a:extLst>
               <a:ext uri="{FF2B5EF4-FFF2-40B4-BE49-F238E27FC236}">
-                <a16:creationId xmlns="" xmlns:a16="http://schemas.microsoft.com/office/drawing/2014/main" id="{0DCCFB52-7D2B-4BA7-8FE3-E7C19E143E4E}"/>
+                <a16:creationId xmlns:a16="http://schemas.microsoft.com/office/drawing/2014/main" xmlns="" id="{0DCCFB52-7D2B-4BA7-8FE3-E7C19E143E4E}"/>
               </a:ext>
             </a:extLst>
           </p:cNvPr>
@@ -8541,7 +11155,7 @@
           <p:cNvPr id="20" name="object 26">
             <a:extLst>
               <a:ext uri="{FF2B5EF4-FFF2-40B4-BE49-F238E27FC236}">
-                <a16:creationId xmlns="" xmlns:a16="http://schemas.microsoft.com/office/drawing/2014/main" id="{4DE54BB7-929A-4B8A-9DA0-D0EEC7053A84}"/>
+                <a16:creationId xmlns:a16="http://schemas.microsoft.com/office/drawing/2014/main" xmlns="" id="{4DE54BB7-929A-4B8A-9DA0-D0EEC7053A84}"/>
               </a:ext>
             </a:extLst>
           </p:cNvPr>
@@ -8600,7 +11214,7 @@
           <p:cNvPr id="22" name="Рисунок 12">
             <a:extLst>
               <a:ext uri="{FF2B5EF4-FFF2-40B4-BE49-F238E27FC236}">
-                <a16:creationId xmlns="" xmlns:a16="http://schemas.microsoft.com/office/drawing/2014/main" id="{436EC55F-517B-4FC1-85F8-ED7FCD662E5D}"/>
+                <a16:creationId xmlns:a16="http://schemas.microsoft.com/office/drawing/2014/main" xmlns="" id="{436EC55F-517B-4FC1-85F8-ED7FCD662E5D}"/>
               </a:ext>
             </a:extLst>
           </p:cNvPr>
@@ -8629,7 +11243,7 @@
           <p:cNvPr id="23" name="object 26">
             <a:extLst>
               <a:ext uri="{FF2B5EF4-FFF2-40B4-BE49-F238E27FC236}">
-                <a16:creationId xmlns="" xmlns:a16="http://schemas.microsoft.com/office/drawing/2014/main" id="{A8F6E936-17AA-460E-A5F3-7295B64C51D9}"/>
+                <a16:creationId xmlns:a16="http://schemas.microsoft.com/office/drawing/2014/main" xmlns="" id="{A8F6E936-17AA-460E-A5F3-7295B64C51D9}"/>
               </a:ext>
             </a:extLst>
           </p:cNvPr>
@@ -8681,7 +11295,7 @@
           <p:cNvPr id="24" name="Рисунок 23">
             <a:extLst>
               <a:ext uri="{FF2B5EF4-FFF2-40B4-BE49-F238E27FC236}">
-                <a16:creationId xmlns="" xmlns:a16="http://schemas.microsoft.com/office/drawing/2014/main" id="{C8D1253D-2E3F-4357-A3C7-FF90F8F21EDF}"/>
+                <a16:creationId xmlns:a16="http://schemas.microsoft.com/office/drawing/2014/main" xmlns="" id="{C8D1253D-2E3F-4357-A3C7-FF90F8F21EDF}"/>
               </a:ext>
             </a:extLst>
           </p:cNvPr>
@@ -8710,7 +11324,7 @@
           <p:cNvPr id="25" name="object 26">
             <a:extLst>
               <a:ext uri="{FF2B5EF4-FFF2-40B4-BE49-F238E27FC236}">
-                <a16:creationId xmlns="" xmlns:a16="http://schemas.microsoft.com/office/drawing/2014/main" id="{00AF5FF0-543F-426D-85A1-4D4DBAB934D8}"/>
+                <a16:creationId xmlns:a16="http://schemas.microsoft.com/office/drawing/2014/main" xmlns="" id="{00AF5FF0-543F-426D-85A1-4D4DBAB934D8}"/>
               </a:ext>
             </a:extLst>
           </p:cNvPr>
@@ -8794,7 +11408,7 @@
           <p:cNvPr id="26" name="object 26">
             <a:extLst>
               <a:ext uri="{FF2B5EF4-FFF2-40B4-BE49-F238E27FC236}">
-                <a16:creationId xmlns="" xmlns:a16="http://schemas.microsoft.com/office/drawing/2014/main" id="{453BB67C-6BE9-45B5-B1FA-AD1EE9AB42E3}"/>
+                <a16:creationId xmlns:a16="http://schemas.microsoft.com/office/drawing/2014/main" xmlns="" id="{453BB67C-6BE9-45B5-B1FA-AD1EE9AB42E3}"/>
               </a:ext>
             </a:extLst>
           </p:cNvPr>
@@ -8874,7 +11488,7 @@
           <p:cNvPr id="15" name="TextBox 14">
             <a:extLst>
               <a:ext uri="{FF2B5EF4-FFF2-40B4-BE49-F238E27FC236}">
-                <a16:creationId xmlns="" xmlns:a16="http://schemas.microsoft.com/office/drawing/2014/main" id="{F4B1282C-1EE6-4516-8528-4C3B699AF9DB}"/>
+                <a16:creationId xmlns:a16="http://schemas.microsoft.com/office/drawing/2014/main" xmlns="" id="{F4B1282C-1EE6-4516-8528-4C3B699AF9DB}"/>
               </a:ext>
             </a:extLst>
           </p:cNvPr>
@@ -8987,7 +11601,7 @@
           <p:cNvPr id="16" name="Рисунок 15">
             <a:extLst>
               <a:ext uri="{FF2B5EF4-FFF2-40B4-BE49-F238E27FC236}">
-                <a16:creationId xmlns="" xmlns:a16="http://schemas.microsoft.com/office/drawing/2014/main" id="{5AE95B28-B2FC-43A5-8B6E-FD95AA24B1B8}"/>
+                <a16:creationId xmlns:a16="http://schemas.microsoft.com/office/drawing/2014/main" xmlns="" id="{5AE95B28-B2FC-43A5-8B6E-FD95AA24B1B8}"/>
               </a:ext>
             </a:extLst>
           </p:cNvPr>
@@ -9016,7 +11630,7 @@
           <p:cNvPr id="27" name="object 26">
             <a:extLst>
               <a:ext uri="{FF2B5EF4-FFF2-40B4-BE49-F238E27FC236}">
-                <a16:creationId xmlns="" xmlns:a16="http://schemas.microsoft.com/office/drawing/2014/main" id="{D96035DE-DB7E-4A03-A568-62EAA55D76F0}"/>
+                <a16:creationId xmlns:a16="http://schemas.microsoft.com/office/drawing/2014/main" xmlns="" id="{D96035DE-DB7E-4A03-A568-62EAA55D76F0}"/>
               </a:ext>
             </a:extLst>
           </p:cNvPr>
@@ -9089,7 +11703,7 @@
           <p:cNvPr id="28" name="Рисунок 10">
             <a:extLst>
               <a:ext uri="{FF2B5EF4-FFF2-40B4-BE49-F238E27FC236}">
-                <a16:creationId xmlns="" xmlns:a16="http://schemas.microsoft.com/office/drawing/2014/main" id="{E7AF1F4B-F93B-4DD5-879F-EC6D90FBB1F0}"/>
+                <a16:creationId xmlns:a16="http://schemas.microsoft.com/office/drawing/2014/main" xmlns="" id="{E7AF1F4B-F93B-4DD5-879F-EC6D90FBB1F0}"/>
               </a:ext>
             </a:extLst>
           </p:cNvPr>
@@ -9118,7 +11732,7 @@
           <p:cNvPr id="29" name="object 26">
             <a:extLst>
               <a:ext uri="{FF2B5EF4-FFF2-40B4-BE49-F238E27FC236}">
-                <a16:creationId xmlns="" xmlns:a16="http://schemas.microsoft.com/office/drawing/2014/main" id="{8A842FD2-7A7C-402A-9652-4A5C911EEBA6}"/>
+                <a16:creationId xmlns:a16="http://schemas.microsoft.com/office/drawing/2014/main" xmlns="" id="{8A842FD2-7A7C-402A-9652-4A5C911EEBA6}"/>
               </a:ext>
             </a:extLst>
           </p:cNvPr>
@@ -9320,7 +11934,7 @@
           <p:cNvPr id="26" name="Text Placeholder 6">
             <a:extLst>
               <a:ext uri="{FF2B5EF4-FFF2-40B4-BE49-F238E27FC236}">
-                <a16:creationId xmlns="" xmlns:a16="http://schemas.microsoft.com/office/drawing/2014/main" id="{ADFA65C8-DB2C-4270-845A-546993EAE8E4}"/>
+                <a16:creationId xmlns:a16="http://schemas.microsoft.com/office/drawing/2014/main" xmlns="" id="{ADFA65C8-DB2C-4270-845A-546993EAE8E4}"/>
               </a:ext>
             </a:extLst>
           </p:cNvPr>
@@ -9531,7 +12145,7 @@
           <p:cNvPr id="27" name="object 26">
             <a:extLst>
               <a:ext uri="{FF2B5EF4-FFF2-40B4-BE49-F238E27FC236}">
-                <a16:creationId xmlns="" xmlns:a16="http://schemas.microsoft.com/office/drawing/2014/main" id="{DD5C6CE0-87F9-47EA-BC0C-34E221B343F1}"/>
+                <a16:creationId xmlns:a16="http://schemas.microsoft.com/office/drawing/2014/main" xmlns="" id="{DD5C6CE0-87F9-47EA-BC0C-34E221B343F1}"/>
               </a:ext>
             </a:extLst>
           </p:cNvPr>
@@ -9567,7 +12181,7 @@
           <p:cNvPr id="29" name="Овал 32">
             <a:extLst>
               <a:ext uri="{FF2B5EF4-FFF2-40B4-BE49-F238E27FC236}">
-                <a16:creationId xmlns="" xmlns:a16="http://schemas.microsoft.com/office/drawing/2014/main" id="{6686EE33-C339-4BAF-B603-2EA81CB3B361}"/>
+                <a16:creationId xmlns:a16="http://schemas.microsoft.com/office/drawing/2014/main" xmlns="" id="{6686EE33-C339-4BAF-B603-2EA81CB3B361}"/>
               </a:ext>
             </a:extLst>
           </p:cNvPr>
@@ -9623,7 +12237,7 @@
           <p:cNvPr id="30" name="Text Placeholder 6">
             <a:extLst>
               <a:ext uri="{FF2B5EF4-FFF2-40B4-BE49-F238E27FC236}">
-                <a16:creationId xmlns="" xmlns:a16="http://schemas.microsoft.com/office/drawing/2014/main" id="{551FBEEF-6CFE-4D83-B064-2FD2F5AE8315}"/>
+                <a16:creationId xmlns:a16="http://schemas.microsoft.com/office/drawing/2014/main" xmlns="" id="{551FBEEF-6CFE-4D83-B064-2FD2F5AE8315}"/>
               </a:ext>
             </a:extLst>
           </p:cNvPr>
@@ -9834,7 +12448,7 @@
           <p:cNvPr id="31" name="object 26">
             <a:extLst>
               <a:ext uri="{FF2B5EF4-FFF2-40B4-BE49-F238E27FC236}">
-                <a16:creationId xmlns="" xmlns:a16="http://schemas.microsoft.com/office/drawing/2014/main" id="{E0D4687E-F657-40E8-9748-B026E6622E09}"/>
+                <a16:creationId xmlns:a16="http://schemas.microsoft.com/office/drawing/2014/main" xmlns="" id="{E0D4687E-F657-40E8-9748-B026E6622E09}"/>
               </a:ext>
             </a:extLst>
           </p:cNvPr>
@@ -9923,7 +12537,7 @@
           <p:cNvPr id="32" name="Овал 32">
             <a:extLst>
               <a:ext uri="{FF2B5EF4-FFF2-40B4-BE49-F238E27FC236}">
-                <a16:creationId xmlns="" xmlns:a16="http://schemas.microsoft.com/office/drawing/2014/main" id="{AF9F00E1-44FD-4D73-A055-5AEA46ECC510}"/>
+                <a16:creationId xmlns:a16="http://schemas.microsoft.com/office/drawing/2014/main" xmlns="" id="{AF9F00E1-44FD-4D73-A055-5AEA46ECC510}"/>
               </a:ext>
             </a:extLst>
           </p:cNvPr>
@@ -9979,7 +12593,7 @@
           <p:cNvPr id="35" name="Text Placeholder 6">
             <a:extLst>
               <a:ext uri="{FF2B5EF4-FFF2-40B4-BE49-F238E27FC236}">
-                <a16:creationId xmlns="" xmlns:a16="http://schemas.microsoft.com/office/drawing/2014/main" id="{73F05052-6FAE-4644-8A21-B5ED91519995}"/>
+                <a16:creationId xmlns:a16="http://schemas.microsoft.com/office/drawing/2014/main" xmlns="" id="{73F05052-6FAE-4644-8A21-B5ED91519995}"/>
               </a:ext>
             </a:extLst>
           </p:cNvPr>
@@ -10189,7 +12803,7 @@
           <p:cNvPr id="36" name="object 26">
             <a:extLst>
               <a:ext uri="{FF2B5EF4-FFF2-40B4-BE49-F238E27FC236}">
-                <a16:creationId xmlns="" xmlns:a16="http://schemas.microsoft.com/office/drawing/2014/main" id="{45041879-81CE-4E4B-99CC-0F987E10D7B8}"/>
+                <a16:creationId xmlns:a16="http://schemas.microsoft.com/office/drawing/2014/main" xmlns="" id="{45041879-81CE-4E4B-99CC-0F987E10D7B8}"/>
               </a:ext>
             </a:extLst>
           </p:cNvPr>
@@ -10310,7 +12924,7 @@
           <p:cNvPr id="37" name="Овал 32">
             <a:extLst>
               <a:ext uri="{FF2B5EF4-FFF2-40B4-BE49-F238E27FC236}">
-                <a16:creationId xmlns="" xmlns:a16="http://schemas.microsoft.com/office/drawing/2014/main" id="{C01C9148-F585-40ED-A7B6-F169D2540C0B}"/>
+                <a16:creationId xmlns:a16="http://schemas.microsoft.com/office/drawing/2014/main" xmlns="" id="{C01C9148-F585-40ED-A7B6-F169D2540C0B}"/>
               </a:ext>
             </a:extLst>
           </p:cNvPr>
@@ -10396,7 +13010,7 @@
           <p:cNvPr id="47" name="object 2">
             <a:extLst>
               <a:ext uri="{FF2B5EF4-FFF2-40B4-BE49-F238E27FC236}">
-                <a16:creationId xmlns="" xmlns:a16="http://schemas.microsoft.com/office/drawing/2014/main" id="{848A309A-4C3E-4A71-A079-FF47B7F9A226}"/>
+                <a16:creationId xmlns:a16="http://schemas.microsoft.com/office/drawing/2014/main" xmlns="" id="{848A309A-4C3E-4A71-A079-FF47B7F9A226}"/>
               </a:ext>
             </a:extLst>
           </p:cNvPr>
@@ -10433,7 +13047,7 @@
           <p:cNvPr id="18" name="Title 7">
             <a:extLst>
               <a:ext uri="{FF2B5EF4-FFF2-40B4-BE49-F238E27FC236}">
-                <a16:creationId xmlns="" xmlns:a16="http://schemas.microsoft.com/office/drawing/2014/main" id="{E195DE7B-42F0-4CAA-AAB0-D33DB61C53CA}"/>
+                <a16:creationId xmlns:a16="http://schemas.microsoft.com/office/drawing/2014/main" xmlns="" id="{E195DE7B-42F0-4CAA-AAB0-D33DB61C53CA}"/>
               </a:ext>
             </a:extLst>
           </p:cNvPr>
@@ -10493,7 +13107,7 @@
           <p:cNvPr id="41" name="object 4">
             <a:extLst>
               <a:ext uri="{FF2B5EF4-FFF2-40B4-BE49-F238E27FC236}">
-                <a16:creationId xmlns="" xmlns:a16="http://schemas.microsoft.com/office/drawing/2014/main" id="{0185576A-0A39-4C7A-B15A-6776F7BBF1ED}"/>
+                <a16:creationId xmlns:a16="http://schemas.microsoft.com/office/drawing/2014/main" xmlns="" id="{0185576A-0A39-4C7A-B15A-6776F7BBF1ED}"/>
               </a:ext>
             </a:extLst>
           </p:cNvPr>
@@ -10686,7 +13300,7 @@
           <p:cNvPr id="48" name="object 4">
             <a:extLst>
               <a:ext uri="{FF2B5EF4-FFF2-40B4-BE49-F238E27FC236}">
-                <a16:creationId xmlns="" xmlns:a16="http://schemas.microsoft.com/office/drawing/2014/main" id="{6D9B929B-4B69-43A2-88BA-CA66983BAB05}"/>
+                <a16:creationId xmlns:a16="http://schemas.microsoft.com/office/drawing/2014/main" xmlns="" id="{6D9B929B-4B69-43A2-88BA-CA66983BAB05}"/>
               </a:ext>
             </a:extLst>
           </p:cNvPr>
@@ -10879,7 +13493,7 @@
           <p:cNvPr id="49" name="object 26">
             <a:extLst>
               <a:ext uri="{FF2B5EF4-FFF2-40B4-BE49-F238E27FC236}">
-                <a16:creationId xmlns="" xmlns:a16="http://schemas.microsoft.com/office/drawing/2014/main" id="{41E6CF51-7C08-4948-BE8D-3AC2595CA00D}"/>
+                <a16:creationId xmlns:a16="http://schemas.microsoft.com/office/drawing/2014/main" xmlns="" id="{41E6CF51-7C08-4948-BE8D-3AC2595CA00D}"/>
               </a:ext>
             </a:extLst>
           </p:cNvPr>
@@ -10945,7 +13559,7 @@
           <p:cNvPr id="50" name="object 26">
             <a:extLst>
               <a:ext uri="{FF2B5EF4-FFF2-40B4-BE49-F238E27FC236}">
-                <a16:creationId xmlns="" xmlns:a16="http://schemas.microsoft.com/office/drawing/2014/main" id="{39F18E2F-64B0-46B3-BFCE-A498DAD536BA}"/>
+                <a16:creationId xmlns:a16="http://schemas.microsoft.com/office/drawing/2014/main" xmlns="" id="{39F18E2F-64B0-46B3-BFCE-A498DAD536BA}"/>
               </a:ext>
             </a:extLst>
           </p:cNvPr>
@@ -11011,7 +13625,7 @@
           <p:cNvPr id="51" name="object 26">
             <a:extLst>
               <a:ext uri="{FF2B5EF4-FFF2-40B4-BE49-F238E27FC236}">
-                <a16:creationId xmlns="" xmlns:a16="http://schemas.microsoft.com/office/drawing/2014/main" id="{BA040D41-001F-4A17-9C83-14A15BEB559D}"/>
+                <a16:creationId xmlns:a16="http://schemas.microsoft.com/office/drawing/2014/main" xmlns="" id="{BA040D41-001F-4A17-9C83-14A15BEB559D}"/>
               </a:ext>
             </a:extLst>
           </p:cNvPr>
@@ -11070,7 +13684,7 @@
           <p:cNvPr id="52" name="object 26">
             <a:extLst>
               <a:ext uri="{FF2B5EF4-FFF2-40B4-BE49-F238E27FC236}">
-                <a16:creationId xmlns="" xmlns:a16="http://schemas.microsoft.com/office/drawing/2014/main" id="{6F3D47F9-FCB5-402A-B391-B395C9BDBB9D}"/>
+                <a16:creationId xmlns:a16="http://schemas.microsoft.com/office/drawing/2014/main" xmlns="" id="{6F3D47F9-FCB5-402A-B391-B395C9BDBB9D}"/>
               </a:ext>
             </a:extLst>
           </p:cNvPr>
@@ -11129,7 +13743,7 @@
           <p:cNvPr id="53" name="TextBox 35">
             <a:extLst>
               <a:ext uri="{FF2B5EF4-FFF2-40B4-BE49-F238E27FC236}">
-                <a16:creationId xmlns="" xmlns:a16="http://schemas.microsoft.com/office/drawing/2014/main" id="{86212FD8-B651-405D-8E12-CCCEB501EED8}"/>
+                <a16:creationId xmlns:a16="http://schemas.microsoft.com/office/drawing/2014/main" xmlns="" id="{86212FD8-B651-405D-8E12-CCCEB501EED8}"/>
               </a:ext>
             </a:extLst>
           </p:cNvPr>
@@ -11210,7 +13824,7 @@
           <p:cNvPr id="54" name="TextBox 36">
             <a:extLst>
               <a:ext uri="{FF2B5EF4-FFF2-40B4-BE49-F238E27FC236}">
-                <a16:creationId xmlns="" xmlns:a16="http://schemas.microsoft.com/office/drawing/2014/main" id="{8AEFDD10-4264-48BB-81BB-E120AE25E70D}"/>
+                <a16:creationId xmlns:a16="http://schemas.microsoft.com/office/drawing/2014/main" xmlns="" id="{8AEFDD10-4264-48BB-81BB-E120AE25E70D}"/>
               </a:ext>
             </a:extLst>
           </p:cNvPr>
@@ -11291,7 +13905,7 @@
           <p:cNvPr id="55" name="TextBox 37">
             <a:extLst>
               <a:ext uri="{FF2B5EF4-FFF2-40B4-BE49-F238E27FC236}">
-                <a16:creationId xmlns="" xmlns:a16="http://schemas.microsoft.com/office/drawing/2014/main" id="{AEF7DEB2-AEE3-41E1-A70D-1D1546A77172}"/>
+                <a16:creationId xmlns:a16="http://schemas.microsoft.com/office/drawing/2014/main" xmlns="" id="{AEF7DEB2-AEE3-41E1-A70D-1D1546A77172}"/>
               </a:ext>
             </a:extLst>
           </p:cNvPr>
@@ -11372,7 +13986,7 @@
           <p:cNvPr id="56" name="TextBox 38">
             <a:extLst>
               <a:ext uri="{FF2B5EF4-FFF2-40B4-BE49-F238E27FC236}">
-                <a16:creationId xmlns="" xmlns:a16="http://schemas.microsoft.com/office/drawing/2014/main" id="{203EE7E6-7D12-40D9-AD45-3AB16EDB4EC8}"/>
+                <a16:creationId xmlns:a16="http://schemas.microsoft.com/office/drawing/2014/main" xmlns="" id="{203EE7E6-7D12-40D9-AD45-3AB16EDB4EC8}"/>
               </a:ext>
             </a:extLst>
           </p:cNvPr>
@@ -11453,7 +14067,7 @@
           <p:cNvPr id="57" name="Рисунок 56">
             <a:extLst>
               <a:ext uri="{FF2B5EF4-FFF2-40B4-BE49-F238E27FC236}">
-                <a16:creationId xmlns="" xmlns:a16="http://schemas.microsoft.com/office/drawing/2014/main" id="{ACBA108A-C7F6-499D-BB64-F455B9BEF036}"/>
+                <a16:creationId xmlns:a16="http://schemas.microsoft.com/office/drawing/2014/main" xmlns="" id="{ACBA108A-C7F6-499D-BB64-F455B9BEF036}"/>
               </a:ext>
             </a:extLst>
           </p:cNvPr>
@@ -11482,7 +14096,7 @@
           <p:cNvPr id="58" name="TextBox 57">
             <a:extLst>
               <a:ext uri="{FF2B5EF4-FFF2-40B4-BE49-F238E27FC236}">
-                <a16:creationId xmlns="" xmlns:a16="http://schemas.microsoft.com/office/drawing/2014/main" id="{7239046A-E6F0-43E6-B176-08CC1BBF49E0}"/>
+                <a16:creationId xmlns:a16="http://schemas.microsoft.com/office/drawing/2014/main" xmlns="" id="{7239046A-E6F0-43E6-B176-08CC1BBF49E0}"/>
               </a:ext>
             </a:extLst>
           </p:cNvPr>
@@ -11558,7 +14172,7 @@
           <p:cNvPr id="59" name="TextBox 38">
             <a:extLst>
               <a:ext uri="{FF2B5EF4-FFF2-40B4-BE49-F238E27FC236}">
-                <a16:creationId xmlns="" xmlns:a16="http://schemas.microsoft.com/office/drawing/2014/main" id="{09B59826-057B-40BA-9DD3-A51250BA277C}"/>
+                <a16:creationId xmlns:a16="http://schemas.microsoft.com/office/drawing/2014/main" xmlns="" id="{09B59826-057B-40BA-9DD3-A51250BA277C}"/>
               </a:ext>
             </a:extLst>
           </p:cNvPr>
@@ -11660,7 +14274,7 @@
           <p:cNvPr id="60" name="object 26">
             <a:extLst>
               <a:ext uri="{FF2B5EF4-FFF2-40B4-BE49-F238E27FC236}">
-                <a16:creationId xmlns="" xmlns:a16="http://schemas.microsoft.com/office/drawing/2014/main" id="{78371297-F4E7-4474-AE73-128ABC84F3F9}"/>
+                <a16:creationId xmlns:a16="http://schemas.microsoft.com/office/drawing/2014/main" xmlns="" id="{78371297-F4E7-4474-AE73-128ABC84F3F9}"/>
               </a:ext>
             </a:extLst>
           </p:cNvPr>
@@ -11733,7 +14347,7 @@
           <p:cNvPr id="61" name="Рисунок 33">
             <a:extLst>
               <a:ext uri="{FF2B5EF4-FFF2-40B4-BE49-F238E27FC236}">
-                <a16:creationId xmlns="" xmlns:a16="http://schemas.microsoft.com/office/drawing/2014/main" id="{03F0A934-8727-4150-AD5E-F9F80D3C5646}"/>
+                <a16:creationId xmlns:a16="http://schemas.microsoft.com/office/drawing/2014/main" xmlns="" id="{03F0A934-8727-4150-AD5E-F9F80D3C5646}"/>
               </a:ext>
             </a:extLst>
           </p:cNvPr>
@@ -11762,7 +14376,7 @@
           <p:cNvPr id="62" name="TextBox 61">
             <a:extLst>
               <a:ext uri="{FF2B5EF4-FFF2-40B4-BE49-F238E27FC236}">
-                <a16:creationId xmlns="" xmlns:a16="http://schemas.microsoft.com/office/drawing/2014/main" id="{CCB2FA9B-B787-4EA3-9CBB-8AD4574C261C}"/>
+                <a16:creationId xmlns:a16="http://schemas.microsoft.com/office/drawing/2014/main" xmlns="" id="{CCB2FA9B-B787-4EA3-9CBB-8AD4574C261C}"/>
               </a:ext>
             </a:extLst>
           </p:cNvPr>
@@ -11875,7 +14489,7 @@
           <p:cNvPr id="18" name="Title 7">
             <a:extLst>
               <a:ext uri="{FF2B5EF4-FFF2-40B4-BE49-F238E27FC236}">
-                <a16:creationId xmlns="" xmlns:a16="http://schemas.microsoft.com/office/drawing/2014/main" id="{E195DE7B-42F0-4CAA-AAB0-D33DB61C53CA}"/>
+                <a16:creationId xmlns:a16="http://schemas.microsoft.com/office/drawing/2014/main" xmlns="" id="{E195DE7B-42F0-4CAA-AAB0-D33DB61C53CA}"/>
               </a:ext>
             </a:extLst>
           </p:cNvPr>
@@ -12153,7 +14767,7 @@
           <p:cNvPr id="18" name="Title 7">
             <a:extLst>
               <a:ext uri="{FF2B5EF4-FFF2-40B4-BE49-F238E27FC236}">
-                <a16:creationId xmlns="" xmlns:a16="http://schemas.microsoft.com/office/drawing/2014/main" id="{E195DE7B-42F0-4CAA-AAB0-D33DB61C53CA}"/>
+                <a16:creationId xmlns:a16="http://schemas.microsoft.com/office/drawing/2014/main" xmlns="" id="{E195DE7B-42F0-4CAA-AAB0-D33DB61C53CA}"/>
               </a:ext>
             </a:extLst>
           </p:cNvPr>
@@ -12524,7 +15138,7 @@
           <p:cNvPr id="18" name="Title 7">
             <a:extLst>
               <a:ext uri="{FF2B5EF4-FFF2-40B4-BE49-F238E27FC236}">
-                <a16:creationId xmlns="" xmlns:a16="http://schemas.microsoft.com/office/drawing/2014/main" id="{E195DE7B-42F0-4CAA-AAB0-D33DB61C53CA}"/>
+                <a16:creationId xmlns:a16="http://schemas.microsoft.com/office/drawing/2014/main" xmlns="" id="{E195DE7B-42F0-4CAA-AAB0-D33DB61C53CA}"/>
               </a:ext>
             </a:extLst>
           </p:cNvPr>
@@ -13754,7 +16368,7 @@
           <p:cNvPr id="18" name="Title 7">
             <a:extLst>
               <a:ext uri="{FF2B5EF4-FFF2-40B4-BE49-F238E27FC236}">
-                <a16:creationId xmlns="" xmlns:a16="http://schemas.microsoft.com/office/drawing/2014/main" id="{E195DE7B-42F0-4CAA-AAB0-D33DB61C53CA}"/>
+                <a16:creationId xmlns:a16="http://schemas.microsoft.com/office/drawing/2014/main" xmlns="" id="{E195DE7B-42F0-4CAA-AAB0-D33DB61C53CA}"/>
               </a:ext>
             </a:extLst>
           </p:cNvPr>
@@ -14528,7 +17142,7 @@
           <p:cNvPr id="18" name="Title 7">
             <a:extLst>
               <a:ext uri="{FF2B5EF4-FFF2-40B4-BE49-F238E27FC236}">
-                <a16:creationId xmlns="" xmlns:a16="http://schemas.microsoft.com/office/drawing/2014/main" id="{E195DE7B-42F0-4CAA-AAB0-D33DB61C53CA}"/>
+                <a16:creationId xmlns:a16="http://schemas.microsoft.com/office/drawing/2014/main" xmlns="" id="{E195DE7B-42F0-4CAA-AAB0-D33DB61C53CA}"/>
               </a:ext>
             </a:extLst>
           </p:cNvPr>

--- a/Course Work/_Презентация Курсовой работы.pptx
+++ b/Course Work/_Презентация Курсовой работы.pptx
@@ -10840,14 +10840,14 @@
           </a:p>
           <a:p>
             <a:r>
-              <a:rPr lang="en-US" sz="900"/>
+              <a:rPr lang="en-US" sz="900" dirty="0"/>
               <a:t/>
             </a:r>
             <a:br>
-              <a:rPr lang="en-US" sz="900"/>
+              <a:rPr lang="en-US" sz="900" dirty="0"/>
             </a:br>
             <a:r>
-              <a:rPr lang="en-US" sz="900"/>
+              <a:rPr lang="en-US" sz="900" dirty="0"/>
               <a:t>END;</a:t>
             </a:r>
           </a:p>

--- a/Course Work/_Презентация Курсовой работы.pptx
+++ b/Course Work/_Презентация Курсовой работы.pptx
@@ -7997,7 +7997,31 @@
                   <a:srgbClr val="333F48"/>
                 </a:solidFill>
               </a:rPr>
-              <a:t>1. Импорт данных.</a:t>
+              <a:t>1. Импорт данных</a:t>
+            </a:r>
+            <a:r>
+              <a:rPr lang="ru-RU" sz="3200" dirty="0" smtClean="0">
+                <a:solidFill>
+                  <a:srgbClr val="333F48"/>
+                </a:solidFill>
+              </a:rPr>
+              <a:t>.</a:t>
+            </a:r>
+            <a:r>
+              <a:rPr lang="en-US" sz="3200" dirty="0" smtClean="0">
+                <a:solidFill>
+                  <a:srgbClr val="333F48"/>
+                </a:solidFill>
+              </a:rPr>
+              <a:t> </a:t>
+            </a:r>
+            <a:r>
+              <a:rPr lang="ru-RU" sz="3200" dirty="0" smtClean="0">
+                <a:solidFill>
+                  <a:srgbClr val="333F48"/>
+                </a:solidFill>
+              </a:rPr>
+              <a:t>Процедура. Выполнение по расписанию </a:t>
             </a:r>
             <a:endParaRPr lang="ru-RU" sz="1200" dirty="0"/>
           </a:p>
@@ -8064,8 +8088,8 @@
         </p:nvSpPr>
         <p:spPr>
           <a:xfrm>
-            <a:off x="407368" y="985312"/>
-            <a:ext cx="5328592" cy="2123658"/>
+            <a:off x="335360" y="980728"/>
+            <a:ext cx="5328592" cy="4662815"/>
           </a:xfrm>
           <a:prstGeom prst="rect">
             <a:avLst/>
@@ -8089,140 +8113,19 @@
           <a:lstStyle/>
           <a:p>
             <a:r>
-              <a:rPr lang="ru-RU" sz="1100" dirty="0">
-                <a:latin typeface="Courier New" panose="02070309020205020404" pitchFamily="49" charset="0"/>
-                <a:cs typeface="Courier New" panose="02070309020205020404" pitchFamily="49" charset="0"/>
-              </a:rPr>
-              <a:t>------ Выполняется с </a:t>
-            </a:r>
-            <a:r>
-              <a:rPr lang="ru-RU" sz="1100" dirty="0" err="1">
-                <a:latin typeface="Courier New" panose="02070309020205020404" pitchFamily="49" charset="0"/>
-                <a:cs typeface="Courier New" panose="02070309020205020404" pitchFamily="49" charset="0"/>
-              </a:rPr>
-              <a:t>привелегиями</a:t>
-            </a:r>
-            <a:r>
-              <a:rPr lang="ru-RU" sz="1100" dirty="0">
-                <a:latin typeface="Courier New" panose="02070309020205020404" pitchFamily="49" charset="0"/>
-                <a:cs typeface="Courier New" panose="02070309020205020404" pitchFamily="49" charset="0"/>
-              </a:rPr>
-              <a:t> </a:t>
-            </a:r>
-            <a:endParaRPr lang="ru-RU" sz="1100" dirty="0" smtClean="0">
-              <a:latin typeface="Courier New" panose="02070309020205020404" pitchFamily="49" charset="0"/>
-              <a:cs typeface="Courier New" panose="02070309020205020404" pitchFamily="49" charset="0"/>
-            </a:endParaRPr>
-          </a:p>
-          <a:p>
-            <a:r>
-              <a:rPr lang="ru-RU" sz="1100" dirty="0" smtClean="0">
-                <a:latin typeface="Courier New" panose="02070309020205020404" pitchFamily="49" charset="0"/>
-                <a:cs typeface="Courier New" panose="02070309020205020404" pitchFamily="49" charset="0"/>
-              </a:rPr>
-              <a:t>------ </a:t>
-            </a:r>
-            <a:r>
-              <a:rPr lang="en-US" sz="1100" dirty="0" smtClean="0">
-                <a:latin typeface="Courier New" panose="02070309020205020404" pitchFamily="49" charset="0"/>
-                <a:cs typeface="Courier New" panose="02070309020205020404" pitchFamily="49" charset="0"/>
-              </a:rPr>
-              <a:t>CREATE </a:t>
-            </a:r>
-            <a:r>
               <a:rPr lang="en-US" sz="1100" dirty="0">
                 <a:latin typeface="Courier New" panose="02070309020205020404" pitchFamily="49" charset="0"/>
                 <a:cs typeface="Courier New" panose="02070309020205020404" pitchFamily="49" charset="0"/>
               </a:rPr>
-              <a:t>ANY DIRECTORY/ DROP ANY DIRECTORY.</a:t>
-            </a:r>
-          </a:p>
-          <a:p>
-            <a:r>
-              <a:rPr lang="en-US" sz="1100" dirty="0">
-                <a:latin typeface="Courier New" panose="02070309020205020404" pitchFamily="49" charset="0"/>
-                <a:cs typeface="Courier New" panose="02070309020205020404" pitchFamily="49" charset="0"/>
-              </a:rPr>
-              <a:t>------ GRANT CREATE ANY </a:t>
-            </a:r>
-            <a:r>
-              <a:rPr lang="en-US" sz="1100" dirty="0" smtClean="0">
-                <a:latin typeface="Courier New" panose="02070309020205020404" pitchFamily="49" charset="0"/>
-                <a:cs typeface="Courier New" panose="02070309020205020404" pitchFamily="49" charset="0"/>
-              </a:rPr>
-              <a:t>DIRECTORY</a:t>
-            </a:r>
-            <a:r>
-              <a:rPr lang="en-US" sz="1100" dirty="0">
-                <a:latin typeface="Courier New" panose="02070309020205020404" pitchFamily="49" charset="0"/>
-                <a:cs typeface="Courier New" panose="02070309020205020404" pitchFamily="49" charset="0"/>
-              </a:rPr>
-              <a:t> </a:t>
-            </a:r>
-            <a:r>
-              <a:rPr lang="en-US" sz="1100" dirty="0" smtClean="0">
-                <a:latin typeface="Courier New" panose="02070309020205020404" pitchFamily="49" charset="0"/>
-                <a:cs typeface="Courier New" panose="02070309020205020404" pitchFamily="49" charset="0"/>
-              </a:rPr>
-              <a:t>TO c</a:t>
-            </a:r>
-            <a:r>
-              <a:rPr lang="en-US" sz="1100" dirty="0">
-                <a:latin typeface="Courier New" panose="02070309020205020404" pitchFamily="49" charset="0"/>
-                <a:cs typeface="Courier New" panose="02070309020205020404" pitchFamily="49" charset="0"/>
-              </a:rPr>
-              <a:t>##course</a:t>
-            </a:r>
-            <a:r>
-              <a:rPr lang="en-US" sz="1100" dirty="0" smtClean="0">
-                <a:latin typeface="Courier New" panose="02070309020205020404" pitchFamily="49" charset="0"/>
-                <a:cs typeface="Courier New" panose="02070309020205020404" pitchFamily="49" charset="0"/>
-              </a:rPr>
-              <a:t>; </a:t>
-            </a:r>
-            <a:endParaRPr lang="ru-RU" sz="1100" dirty="0" smtClean="0">
-              <a:latin typeface="Courier New" panose="02070309020205020404" pitchFamily="49" charset="0"/>
-              <a:cs typeface="Courier New" panose="02070309020205020404" pitchFamily="49" charset="0"/>
-            </a:endParaRPr>
-          </a:p>
-          <a:p>
-            <a:r>
-              <a:rPr lang="ru-RU" sz="1100" dirty="0" smtClean="0">
-                <a:latin typeface="Courier New" panose="02070309020205020404" pitchFamily="49" charset="0"/>
-                <a:cs typeface="Courier New" panose="02070309020205020404" pitchFamily="49" charset="0"/>
-              </a:rPr>
-              <a:t>------ </a:t>
-            </a:r>
-            <a:r>
-              <a:rPr lang="en-US" sz="1100" dirty="0" smtClean="0">
-                <a:latin typeface="Courier New" panose="02070309020205020404" pitchFamily="49" charset="0"/>
-                <a:cs typeface="Courier New" panose="02070309020205020404" pitchFamily="49" charset="0"/>
-              </a:rPr>
-              <a:t>GRANT DROP   ANY </a:t>
-            </a:r>
-            <a:r>
-              <a:rPr lang="en-US" sz="1100" dirty="0">
-                <a:latin typeface="Courier New" panose="02070309020205020404" pitchFamily="49" charset="0"/>
-                <a:cs typeface="Courier New" panose="02070309020205020404" pitchFamily="49" charset="0"/>
-              </a:rPr>
-              <a:t>DIRECTORY </a:t>
-            </a:r>
-            <a:r>
-              <a:rPr lang="en-US" sz="1100" dirty="0" smtClean="0">
-                <a:latin typeface="Courier New" panose="02070309020205020404" pitchFamily="49" charset="0"/>
-                <a:cs typeface="Courier New" panose="02070309020205020404" pitchFamily="49" charset="0"/>
-              </a:rPr>
-              <a:t>TO c</a:t>
-            </a:r>
-            <a:r>
-              <a:rPr lang="en-US" sz="1100" dirty="0">
-                <a:latin typeface="Courier New" panose="02070309020205020404" pitchFamily="49" charset="0"/>
-                <a:cs typeface="Courier New" panose="02070309020205020404" pitchFamily="49" charset="0"/>
-              </a:rPr>
-              <a:t>##course;</a:t>
-            </a:r>
-          </a:p>
-          <a:p>
+              <a:t>CREATE OR REPLACE PROCEDURE c##</a:t>
+            </a:r>
+            <a:r>
+              <a:rPr lang="en-US" sz="1100" dirty="0" err="1">
+                <a:latin typeface="Courier New" panose="02070309020205020404" pitchFamily="49" charset="0"/>
+                <a:cs typeface="Courier New" panose="02070309020205020404" pitchFamily="49" charset="0"/>
+              </a:rPr>
+              <a:t>course.pr_import</a:t>
+            </a:r>
             <a:endParaRPr lang="en-US" sz="1100" dirty="0">
               <a:latin typeface="Courier New" panose="02070309020205020404" pitchFamily="49" charset="0"/>
               <a:cs typeface="Courier New" panose="02070309020205020404" pitchFamily="49" charset="0"/>
@@ -8234,43 +8137,7 @@
                 <a:latin typeface="Courier New" panose="02070309020205020404" pitchFamily="49" charset="0"/>
                 <a:cs typeface="Courier New" panose="02070309020205020404" pitchFamily="49" charset="0"/>
               </a:rPr>
-              <a:t>------ 1.5.</a:t>
-            </a:r>
-            <a:r>
-              <a:rPr lang="ru-RU" sz="1100" dirty="0">
-                <a:latin typeface="Courier New" panose="02070309020205020404" pitchFamily="49" charset="0"/>
-                <a:cs typeface="Courier New" panose="02070309020205020404" pitchFamily="49" charset="0"/>
-              </a:rPr>
-              <a:t>Создание объекта "Директория импорта"</a:t>
-            </a:r>
-          </a:p>
-          <a:p>
-            <a:endParaRPr lang="ru-RU" sz="1100" dirty="0">
-              <a:latin typeface="Courier New" panose="02070309020205020404" pitchFamily="49" charset="0"/>
-              <a:cs typeface="Courier New" panose="02070309020205020404" pitchFamily="49" charset="0"/>
-            </a:endParaRPr>
-          </a:p>
-          <a:p>
-            <a:r>
-              <a:rPr lang="en-US" sz="1100" dirty="0">
-                <a:latin typeface="Courier New" panose="02070309020205020404" pitchFamily="49" charset="0"/>
-                <a:cs typeface="Courier New" panose="02070309020205020404" pitchFamily="49" charset="0"/>
-              </a:rPr>
-              <a:t>DROP DIRECTORY </a:t>
-            </a:r>
-            <a:r>
-              <a:rPr lang="en-US" sz="1100" dirty="0" err="1">
-                <a:latin typeface="Courier New" panose="02070309020205020404" pitchFamily="49" charset="0"/>
-                <a:cs typeface="Courier New" panose="02070309020205020404" pitchFamily="49" charset="0"/>
-              </a:rPr>
-              <a:t>directory_import</a:t>
-            </a:r>
-            <a:r>
-              <a:rPr lang="en-US" sz="1100" dirty="0">
-                <a:latin typeface="Courier New" panose="02070309020205020404" pitchFamily="49" charset="0"/>
-                <a:cs typeface="Courier New" panose="02070309020205020404" pitchFamily="49" charset="0"/>
-              </a:rPr>
-              <a:t>;</a:t>
+              <a:t>IS</a:t>
             </a:r>
           </a:p>
           <a:p>
@@ -8285,21 +8152,51 @@
                 <a:latin typeface="Courier New" panose="02070309020205020404" pitchFamily="49" charset="0"/>
                 <a:cs typeface="Courier New" panose="02070309020205020404" pitchFamily="49" charset="0"/>
               </a:rPr>
-              <a:t>CREATE DIRECTORY </a:t>
+              <a:t>BEGIN</a:t>
+            </a:r>
+          </a:p>
+          <a:p>
+            <a:endParaRPr lang="en-US" sz="1100" dirty="0">
+              <a:latin typeface="Courier New" panose="02070309020205020404" pitchFamily="49" charset="0"/>
+              <a:cs typeface="Courier New" panose="02070309020205020404" pitchFamily="49" charset="0"/>
+            </a:endParaRPr>
+          </a:p>
+          <a:p>
+            <a:r>
+              <a:rPr lang="en-US" sz="1100" dirty="0">
+                <a:latin typeface="Courier New" panose="02070309020205020404" pitchFamily="49" charset="0"/>
+                <a:cs typeface="Courier New" panose="02070309020205020404" pitchFamily="49" charset="0"/>
+              </a:rPr>
+              <a:t>------ import or update CLIENT</a:t>
+            </a:r>
+          </a:p>
+          <a:p>
+            <a:endParaRPr lang="en-US" sz="1100" dirty="0">
+              <a:latin typeface="Courier New" panose="02070309020205020404" pitchFamily="49" charset="0"/>
+              <a:cs typeface="Courier New" panose="02070309020205020404" pitchFamily="49" charset="0"/>
+            </a:endParaRPr>
+          </a:p>
+          <a:p>
+            <a:r>
+              <a:rPr lang="en-US" sz="1100" dirty="0">
+                <a:latin typeface="Courier New" panose="02070309020205020404" pitchFamily="49" charset="0"/>
+                <a:cs typeface="Courier New" panose="02070309020205020404" pitchFamily="49" charset="0"/>
+              </a:rPr>
+              <a:t>MERGE INTO c##</a:t>
             </a:r>
             <a:r>
               <a:rPr lang="en-US" sz="1100" dirty="0" err="1">
                 <a:latin typeface="Courier New" panose="02070309020205020404" pitchFamily="49" charset="0"/>
                 <a:cs typeface="Courier New" panose="02070309020205020404" pitchFamily="49" charset="0"/>
               </a:rPr>
-              <a:t>directory_import</a:t>
+              <a:t>course.client</a:t>
             </a:r>
             <a:r>
               <a:rPr lang="en-US" sz="1100" dirty="0">
                 <a:latin typeface="Courier New" panose="02070309020205020404" pitchFamily="49" charset="0"/>
                 <a:cs typeface="Courier New" panose="02070309020205020404" pitchFamily="49" charset="0"/>
               </a:rPr>
-              <a:t> AS 'C:\Temp'; </a:t>
+              <a:t> client</a:t>
             </a:r>
           </a:p>
           <a:p>
@@ -8308,14 +8205,289 @@
                 <a:latin typeface="Courier New" panose="02070309020205020404" pitchFamily="49" charset="0"/>
                 <a:cs typeface="Courier New" panose="02070309020205020404" pitchFamily="49" charset="0"/>
               </a:rPr>
-              <a:t/>
-            </a:r>
-            <a:br>
+              <a:t>    USING c##</a:t>
+            </a:r>
+            <a:r>
+              <a:rPr lang="en-US" sz="1100" dirty="0" err="1">
+                <a:latin typeface="Courier New" panose="02070309020205020404" pitchFamily="49" charset="0"/>
+                <a:cs typeface="Courier New" panose="02070309020205020404" pitchFamily="49" charset="0"/>
+              </a:rPr>
+              <a:t>course.client_external</a:t>
+            </a:r>
+            <a:r>
               <a:rPr lang="en-US" sz="1100" dirty="0">
                 <a:latin typeface="Courier New" panose="02070309020205020404" pitchFamily="49" charset="0"/>
                 <a:cs typeface="Courier New" panose="02070309020205020404" pitchFamily="49" charset="0"/>
               </a:rPr>
-            </a:br>
+              <a:t> </a:t>
+            </a:r>
+            <a:r>
+              <a:rPr lang="en-US" sz="1100" dirty="0" err="1">
+                <a:latin typeface="Courier New" panose="02070309020205020404" pitchFamily="49" charset="0"/>
+                <a:cs typeface="Courier New" panose="02070309020205020404" pitchFamily="49" charset="0"/>
+              </a:rPr>
+              <a:t>client_external</a:t>
+            </a:r>
+            <a:endParaRPr lang="en-US" sz="1100" dirty="0">
+              <a:latin typeface="Courier New" panose="02070309020205020404" pitchFamily="49" charset="0"/>
+              <a:cs typeface="Courier New" panose="02070309020205020404" pitchFamily="49" charset="0"/>
+            </a:endParaRPr>
+          </a:p>
+          <a:p>
+            <a:r>
+              <a:rPr lang="en-US" sz="1100" dirty="0">
+                <a:latin typeface="Courier New" panose="02070309020205020404" pitchFamily="49" charset="0"/>
+                <a:cs typeface="Courier New" panose="02070309020205020404" pitchFamily="49" charset="0"/>
+              </a:rPr>
+              <a:t>        ON (client.id = client_external.id) </a:t>
+            </a:r>
+          </a:p>
+          <a:p>
+            <a:r>
+              <a:rPr lang="en-US" sz="1100" dirty="0">
+                <a:latin typeface="Courier New" panose="02070309020205020404" pitchFamily="49" charset="0"/>
+                <a:cs typeface="Courier New" panose="02070309020205020404" pitchFamily="49" charset="0"/>
+              </a:rPr>
+              <a:t>    WHEN MATCHED THEN</a:t>
+            </a:r>
+          </a:p>
+          <a:p>
+            <a:r>
+              <a:rPr lang="en-US" sz="1100" dirty="0">
+                <a:latin typeface="Courier New" panose="02070309020205020404" pitchFamily="49" charset="0"/>
+                <a:cs typeface="Courier New" panose="02070309020205020404" pitchFamily="49" charset="0"/>
+              </a:rPr>
+              <a:t>        UPDATE SET</a:t>
+            </a:r>
+          </a:p>
+          <a:p>
+            <a:r>
+              <a:rPr lang="en-US" sz="1100" dirty="0">
+                <a:latin typeface="Courier New" panose="02070309020205020404" pitchFamily="49" charset="0"/>
+                <a:cs typeface="Courier New" panose="02070309020205020404" pitchFamily="49" charset="0"/>
+              </a:rPr>
+              <a:t>              </a:t>
+            </a:r>
+            <a:r>
+              <a:rPr lang="en-US" sz="1100" dirty="0" err="1">
+                <a:latin typeface="Courier New" panose="02070309020205020404" pitchFamily="49" charset="0"/>
+                <a:cs typeface="Courier New" panose="02070309020205020404" pitchFamily="49" charset="0"/>
+              </a:rPr>
+              <a:t>client.cl_name</a:t>
+            </a:r>
+            <a:r>
+              <a:rPr lang="en-US" sz="1100" dirty="0">
+                <a:latin typeface="Courier New" panose="02070309020205020404" pitchFamily="49" charset="0"/>
+                <a:cs typeface="Courier New" panose="02070309020205020404" pitchFamily="49" charset="0"/>
+              </a:rPr>
+              <a:t>     = </a:t>
+            </a:r>
+            <a:r>
+              <a:rPr lang="en-US" sz="1100" dirty="0" err="1">
+                <a:latin typeface="Courier New" panose="02070309020205020404" pitchFamily="49" charset="0"/>
+                <a:cs typeface="Courier New" panose="02070309020205020404" pitchFamily="49" charset="0"/>
+              </a:rPr>
+              <a:t>client_external.cl_name</a:t>
+            </a:r>
+            <a:endParaRPr lang="en-US" sz="1100" dirty="0">
+              <a:latin typeface="Courier New" panose="02070309020205020404" pitchFamily="49" charset="0"/>
+              <a:cs typeface="Courier New" panose="02070309020205020404" pitchFamily="49" charset="0"/>
+            </a:endParaRPr>
+          </a:p>
+          <a:p>
+            <a:r>
+              <a:rPr lang="en-US" sz="1100" dirty="0">
+                <a:latin typeface="Courier New" panose="02070309020205020404" pitchFamily="49" charset="0"/>
+                <a:cs typeface="Courier New" panose="02070309020205020404" pitchFamily="49" charset="0"/>
+              </a:rPr>
+              <a:t>            , </a:t>
+            </a:r>
+            <a:r>
+              <a:rPr lang="en-US" sz="1100" dirty="0" err="1">
+                <a:latin typeface="Courier New" panose="02070309020205020404" pitchFamily="49" charset="0"/>
+                <a:cs typeface="Courier New" panose="02070309020205020404" pitchFamily="49" charset="0"/>
+              </a:rPr>
+              <a:t>client.date_birth</a:t>
+            </a:r>
+            <a:r>
+              <a:rPr lang="en-US" sz="1100" dirty="0">
+                <a:latin typeface="Courier New" panose="02070309020205020404" pitchFamily="49" charset="0"/>
+                <a:cs typeface="Courier New" panose="02070309020205020404" pitchFamily="49" charset="0"/>
+              </a:rPr>
+              <a:t>  = </a:t>
+            </a:r>
+            <a:r>
+              <a:rPr lang="en-US" sz="1100" dirty="0" err="1">
+                <a:latin typeface="Courier New" panose="02070309020205020404" pitchFamily="49" charset="0"/>
+                <a:cs typeface="Courier New" panose="02070309020205020404" pitchFamily="49" charset="0"/>
+              </a:rPr>
+              <a:t>client_external.date_birth</a:t>
+            </a:r>
+            <a:endParaRPr lang="en-US" sz="1100" dirty="0">
+              <a:latin typeface="Courier New" panose="02070309020205020404" pitchFamily="49" charset="0"/>
+              <a:cs typeface="Courier New" panose="02070309020205020404" pitchFamily="49" charset="0"/>
+            </a:endParaRPr>
+          </a:p>
+          <a:p>
+            <a:r>
+              <a:rPr lang="en-US" sz="1100" dirty="0">
+                <a:latin typeface="Courier New" panose="02070309020205020404" pitchFamily="49" charset="0"/>
+                <a:cs typeface="Courier New" panose="02070309020205020404" pitchFamily="49" charset="0"/>
+              </a:rPr>
+              <a:t>    WHEN NOT MATCHED THEN</a:t>
+            </a:r>
+          </a:p>
+          <a:p>
+            <a:r>
+              <a:rPr lang="en-US" sz="1100" dirty="0">
+                <a:latin typeface="Courier New" panose="02070309020205020404" pitchFamily="49" charset="0"/>
+                <a:cs typeface="Courier New" panose="02070309020205020404" pitchFamily="49" charset="0"/>
+              </a:rPr>
+              <a:t>        INSERT </a:t>
+            </a:r>
+          </a:p>
+          <a:p>
+            <a:r>
+              <a:rPr lang="en-US" sz="1100" dirty="0">
+                <a:latin typeface="Courier New" panose="02070309020205020404" pitchFamily="49" charset="0"/>
+                <a:cs typeface="Courier New" panose="02070309020205020404" pitchFamily="49" charset="0"/>
+              </a:rPr>
+              <a:t>            (</a:t>
+            </a:r>
+          </a:p>
+          <a:p>
+            <a:r>
+              <a:rPr lang="en-US" sz="1100" dirty="0">
+                <a:latin typeface="Courier New" panose="02070309020205020404" pitchFamily="49" charset="0"/>
+                <a:cs typeface="Courier New" panose="02070309020205020404" pitchFamily="49" charset="0"/>
+              </a:rPr>
+              <a:t>                client.id</a:t>
+            </a:r>
+          </a:p>
+          <a:p>
+            <a:r>
+              <a:rPr lang="en-US" sz="1100" dirty="0">
+                <a:latin typeface="Courier New" panose="02070309020205020404" pitchFamily="49" charset="0"/>
+                <a:cs typeface="Courier New" panose="02070309020205020404" pitchFamily="49" charset="0"/>
+              </a:rPr>
+              <a:t>              , </a:t>
+            </a:r>
+            <a:r>
+              <a:rPr lang="en-US" sz="1100" dirty="0" err="1">
+                <a:latin typeface="Courier New" panose="02070309020205020404" pitchFamily="49" charset="0"/>
+                <a:cs typeface="Courier New" panose="02070309020205020404" pitchFamily="49" charset="0"/>
+              </a:rPr>
+              <a:t>client.cl_name</a:t>
+            </a:r>
+            <a:endParaRPr lang="en-US" sz="1100" dirty="0">
+              <a:latin typeface="Courier New" panose="02070309020205020404" pitchFamily="49" charset="0"/>
+              <a:cs typeface="Courier New" panose="02070309020205020404" pitchFamily="49" charset="0"/>
+            </a:endParaRPr>
+          </a:p>
+          <a:p>
+            <a:r>
+              <a:rPr lang="en-US" sz="1100" dirty="0">
+                <a:latin typeface="Courier New" panose="02070309020205020404" pitchFamily="49" charset="0"/>
+                <a:cs typeface="Courier New" panose="02070309020205020404" pitchFamily="49" charset="0"/>
+              </a:rPr>
+              <a:t>              , </a:t>
+            </a:r>
+            <a:r>
+              <a:rPr lang="en-US" sz="1100" dirty="0" err="1">
+                <a:latin typeface="Courier New" panose="02070309020205020404" pitchFamily="49" charset="0"/>
+                <a:cs typeface="Courier New" panose="02070309020205020404" pitchFamily="49" charset="0"/>
+              </a:rPr>
+              <a:t>client.date_birth</a:t>
+            </a:r>
+            <a:endParaRPr lang="en-US" sz="1100" dirty="0">
+              <a:latin typeface="Courier New" panose="02070309020205020404" pitchFamily="49" charset="0"/>
+              <a:cs typeface="Courier New" panose="02070309020205020404" pitchFamily="49" charset="0"/>
+            </a:endParaRPr>
+          </a:p>
+          <a:p>
+            <a:r>
+              <a:rPr lang="en-US" sz="1100" dirty="0">
+                <a:latin typeface="Courier New" panose="02070309020205020404" pitchFamily="49" charset="0"/>
+                <a:cs typeface="Courier New" panose="02070309020205020404" pitchFamily="49" charset="0"/>
+              </a:rPr>
+              <a:t>            )</a:t>
+            </a:r>
+          </a:p>
+          <a:p>
+            <a:r>
+              <a:rPr lang="en-US" sz="1100" dirty="0">
+                <a:latin typeface="Courier New" panose="02070309020205020404" pitchFamily="49" charset="0"/>
+                <a:cs typeface="Courier New" panose="02070309020205020404" pitchFamily="49" charset="0"/>
+              </a:rPr>
+              <a:t>            VALUES</a:t>
+            </a:r>
+          </a:p>
+          <a:p>
+            <a:r>
+              <a:rPr lang="en-US" sz="1100" dirty="0">
+                <a:latin typeface="Courier New" panose="02070309020205020404" pitchFamily="49" charset="0"/>
+                <a:cs typeface="Courier New" panose="02070309020205020404" pitchFamily="49" charset="0"/>
+              </a:rPr>
+              <a:t>            (</a:t>
+            </a:r>
+          </a:p>
+          <a:p>
+            <a:r>
+              <a:rPr lang="en-US" sz="1100" dirty="0">
+                <a:latin typeface="Courier New" panose="02070309020205020404" pitchFamily="49" charset="0"/>
+                <a:cs typeface="Courier New" panose="02070309020205020404" pitchFamily="49" charset="0"/>
+              </a:rPr>
+              <a:t>                client_external.id</a:t>
+            </a:r>
+          </a:p>
+          <a:p>
+            <a:r>
+              <a:rPr lang="en-US" sz="1100" dirty="0">
+                <a:latin typeface="Courier New" panose="02070309020205020404" pitchFamily="49" charset="0"/>
+                <a:cs typeface="Courier New" panose="02070309020205020404" pitchFamily="49" charset="0"/>
+              </a:rPr>
+              <a:t>              , </a:t>
+            </a:r>
+            <a:r>
+              <a:rPr lang="en-US" sz="1100" dirty="0" err="1">
+                <a:latin typeface="Courier New" panose="02070309020205020404" pitchFamily="49" charset="0"/>
+                <a:cs typeface="Courier New" panose="02070309020205020404" pitchFamily="49" charset="0"/>
+              </a:rPr>
+              <a:t>client_external.cl_name</a:t>
+            </a:r>
+            <a:endParaRPr lang="en-US" sz="1100" dirty="0">
+              <a:latin typeface="Courier New" panose="02070309020205020404" pitchFamily="49" charset="0"/>
+              <a:cs typeface="Courier New" panose="02070309020205020404" pitchFamily="49" charset="0"/>
+            </a:endParaRPr>
+          </a:p>
+          <a:p>
+            <a:r>
+              <a:rPr lang="en-US" sz="1100" dirty="0">
+                <a:latin typeface="Courier New" panose="02070309020205020404" pitchFamily="49" charset="0"/>
+                <a:cs typeface="Courier New" panose="02070309020205020404" pitchFamily="49" charset="0"/>
+              </a:rPr>
+              <a:t>              , </a:t>
+            </a:r>
+            <a:r>
+              <a:rPr lang="en-US" sz="1100" dirty="0" err="1">
+                <a:latin typeface="Courier New" panose="02070309020205020404" pitchFamily="49" charset="0"/>
+                <a:cs typeface="Courier New" panose="02070309020205020404" pitchFamily="49" charset="0"/>
+              </a:rPr>
+              <a:t>client_external.date_birth</a:t>
+            </a:r>
+            <a:endParaRPr lang="en-US" sz="1100" dirty="0">
+              <a:latin typeface="Courier New" panose="02070309020205020404" pitchFamily="49" charset="0"/>
+              <a:cs typeface="Courier New" panose="02070309020205020404" pitchFamily="49" charset="0"/>
+            </a:endParaRPr>
+          </a:p>
+          <a:p>
+            <a:r>
+              <a:rPr lang="en-US" sz="1100" dirty="0">
+                <a:latin typeface="Courier New" panose="02070309020205020404" pitchFamily="49" charset="0"/>
+                <a:cs typeface="Courier New" panose="02070309020205020404" pitchFamily="49" charset="0"/>
+              </a:rPr>
+              <a:t>            );</a:t>
+            </a:r>
             <a:endParaRPr lang="en-US" sz="1100" dirty="0">
               <a:latin typeface="Courier New" panose="02070309020205020404" pitchFamily="49" charset="0"/>
               <a:cs typeface="Courier New" panose="02070309020205020404" pitchFamily="49" charset="0"/>
@@ -8332,7 +8504,7 @@
         <p:spPr>
           <a:xfrm>
             <a:off x="5879976" y="980728"/>
-            <a:ext cx="6120680" cy="4832092"/>
+            <a:ext cx="6120680" cy="5170646"/>
           </a:xfrm>
           <a:prstGeom prst="rect">
             <a:avLst/>
@@ -8356,79 +8528,34 @@
           <a:lstStyle/>
           <a:p>
             <a:r>
-              <a:rPr lang="en-US" sz="1100" dirty="0" smtClean="0">
-                <a:latin typeface="Courier New" panose="02070309020205020404" pitchFamily="49" charset="0"/>
-                <a:cs typeface="Courier New" panose="02070309020205020404" pitchFamily="49" charset="0"/>
-              </a:rPr>
-              <a:t>------</a:t>
-            </a:r>
-            <a:r>
               <a:rPr lang="en-US" sz="1100" dirty="0">
                 <a:latin typeface="Courier New" panose="02070309020205020404" pitchFamily="49" charset="0"/>
                 <a:cs typeface="Courier New" panose="02070309020205020404" pitchFamily="49" charset="0"/>
               </a:rPr>
-              <a:t> </a:t>
-            </a:r>
-            <a:r>
-              <a:rPr lang="ru-RU" sz="1100" dirty="0" smtClean="0">
-                <a:latin typeface="Courier New" panose="02070309020205020404" pitchFamily="49" charset="0"/>
-                <a:cs typeface="Courier New" panose="02070309020205020404" pitchFamily="49" charset="0"/>
-              </a:rPr>
-              <a:t>1.6.Создание</a:t>
-            </a:r>
-            <a:r>
-              <a:rPr lang="ru-RU" sz="1100" dirty="0">
-                <a:latin typeface="Courier New" panose="02070309020205020404" pitchFamily="49" charset="0"/>
-                <a:cs typeface="Courier New" panose="02070309020205020404" pitchFamily="49" charset="0"/>
-              </a:rPr>
-              <a:t> </a:t>
-            </a:r>
-            <a:r>
-              <a:rPr lang="ru-RU" sz="1100" dirty="0" smtClean="0">
-                <a:latin typeface="Courier New" panose="02070309020205020404" pitchFamily="49" charset="0"/>
-                <a:cs typeface="Courier New" panose="02070309020205020404" pitchFamily="49" charset="0"/>
-              </a:rPr>
-              <a:t>внешних таблицы</a:t>
-            </a:r>
-            <a:endParaRPr lang="ru-RU" sz="1100" dirty="0">
-              <a:latin typeface="Courier New" panose="02070309020205020404" pitchFamily="49" charset="0"/>
-              <a:cs typeface="Courier New" panose="02070309020205020404" pitchFamily="49" charset="0"/>
-            </a:endParaRPr>
-          </a:p>
-          <a:p>
-            <a:r>
-              <a:rPr lang="ru-RU" sz="1100" dirty="0">
-                <a:latin typeface="Courier New" panose="02070309020205020404" pitchFamily="49" charset="0"/>
-                <a:cs typeface="Courier New" panose="02070309020205020404" pitchFamily="49" charset="0"/>
-              </a:rPr>
-              <a:t/>
-            </a:r>
-            <a:br>
-              <a:rPr lang="ru-RU" sz="1100" dirty="0">
-                <a:latin typeface="Courier New" panose="02070309020205020404" pitchFamily="49" charset="0"/>
-                <a:cs typeface="Courier New" panose="02070309020205020404" pitchFamily="49" charset="0"/>
-              </a:rPr>
-            </a:br>
+              <a:t>DECLARE</a:t>
+            </a:r>
+          </a:p>
+          <a:p>
             <a:r>
               <a:rPr lang="en-US" sz="1100" dirty="0">
                 <a:latin typeface="Courier New" panose="02070309020205020404" pitchFamily="49" charset="0"/>
                 <a:cs typeface="Courier New" panose="02070309020205020404" pitchFamily="49" charset="0"/>
               </a:rPr>
-              <a:t>CREATE TABLE c##</a:t>
+              <a:t>    </a:t>
             </a:r>
             <a:r>
               <a:rPr lang="en-US" sz="1100" dirty="0" err="1">
                 <a:latin typeface="Courier New" panose="02070309020205020404" pitchFamily="49" charset="0"/>
                 <a:cs typeface="Courier New" panose="02070309020205020404" pitchFamily="49" charset="0"/>
               </a:rPr>
-              <a:t>course.client_external</a:t>
+              <a:t>job_count</a:t>
             </a:r>
             <a:r>
               <a:rPr lang="en-US" sz="1100" dirty="0">
                 <a:latin typeface="Courier New" panose="02070309020205020404" pitchFamily="49" charset="0"/>
                 <a:cs typeface="Courier New" panose="02070309020205020404" pitchFamily="49" charset="0"/>
               </a:rPr>
-              <a:t> (</a:t>
+              <a:t> integer := 0;</a:t>
             </a:r>
           </a:p>
           <a:p>
@@ -8437,69 +8564,10 @@
                 <a:latin typeface="Courier New" panose="02070309020205020404" pitchFamily="49" charset="0"/>
                 <a:cs typeface="Courier New" panose="02070309020205020404" pitchFamily="49" charset="0"/>
               </a:rPr>
-              <a:t>       ID          NUMBER</a:t>
-            </a:r>
-          </a:p>
-          <a:p>
-            <a:r>
-              <a:rPr lang="en-US" sz="1100" dirty="0">
-                <a:latin typeface="Courier New" panose="02070309020205020404" pitchFamily="49" charset="0"/>
-                <a:cs typeface="Courier New" panose="02070309020205020404" pitchFamily="49" charset="0"/>
-              </a:rPr>
-              <a:t>     , CL_NAME     VARCHAR2(100)</a:t>
-            </a:r>
-          </a:p>
-          <a:p>
-            <a:r>
-              <a:rPr lang="en-US" sz="1100" dirty="0">
-                <a:latin typeface="Courier New" panose="02070309020205020404" pitchFamily="49" charset="0"/>
-                <a:cs typeface="Courier New" panose="02070309020205020404" pitchFamily="49" charset="0"/>
-              </a:rPr>
-              <a:t>     , DATE_BIRTH  DATE</a:t>
-            </a:r>
-          </a:p>
-          <a:p>
-            <a:r>
-              <a:rPr lang="en-US" sz="1100" dirty="0">
-                <a:latin typeface="Courier New" panose="02070309020205020404" pitchFamily="49" charset="0"/>
-                <a:cs typeface="Courier New" panose="02070309020205020404" pitchFamily="49" charset="0"/>
-              </a:rPr>
-              <a:t>)</a:t>
-            </a:r>
-          </a:p>
-          <a:p>
-            <a:r>
-              <a:rPr lang="en-US" sz="1100" dirty="0">
-                <a:latin typeface="Courier New" panose="02070309020205020404" pitchFamily="49" charset="0"/>
-                <a:cs typeface="Courier New" panose="02070309020205020404" pitchFamily="49" charset="0"/>
-              </a:rPr>
-              <a:t>ORGANIZATION EXTERNAL</a:t>
-            </a:r>
-          </a:p>
-          <a:p>
-            <a:r>
-              <a:rPr lang="en-US" sz="1100" dirty="0">
-                <a:latin typeface="Courier New" panose="02070309020205020404" pitchFamily="49" charset="0"/>
-                <a:cs typeface="Courier New" panose="02070309020205020404" pitchFamily="49" charset="0"/>
-              </a:rPr>
-              <a:t>(</a:t>
-            </a:r>
-          </a:p>
-          <a:p>
-            <a:r>
-              <a:rPr lang="en-US" sz="1100" dirty="0">
-                <a:latin typeface="Courier New" panose="02070309020205020404" pitchFamily="49" charset="0"/>
-                <a:cs typeface="Courier New" panose="02070309020205020404" pitchFamily="49" charset="0"/>
-              </a:rPr>
-              <a:t>    TYPE </a:t>
-            </a:r>
-            <a:r>
-              <a:rPr lang="en-US" sz="1100" dirty="0" err="1">
-                <a:latin typeface="Courier New" panose="02070309020205020404" pitchFamily="49" charset="0"/>
-                <a:cs typeface="Courier New" panose="02070309020205020404" pitchFamily="49" charset="0"/>
-              </a:rPr>
-              <a:t>oracle_loader</a:t>
-            </a:r>
+              <a:t>BEGIN</a:t>
+            </a:r>
+          </a:p>
+          <a:p>
             <a:endParaRPr lang="en-US" sz="1100" dirty="0">
               <a:latin typeface="Courier New" panose="02070309020205020404" pitchFamily="49" charset="0"/>
               <a:cs typeface="Courier New" panose="02070309020205020404" pitchFamily="49" charset="0"/>
@@ -8511,14 +8579,23 @@
                 <a:latin typeface="Courier New" panose="02070309020205020404" pitchFamily="49" charset="0"/>
                 <a:cs typeface="Courier New" panose="02070309020205020404" pitchFamily="49" charset="0"/>
               </a:rPr>
-              <a:t>    DEFAULT DIRECTORY </a:t>
+              <a:t>    SELECT</a:t>
+            </a:r>
+          </a:p>
+          <a:p>
+            <a:r>
+              <a:rPr lang="en-US" sz="1100" dirty="0">
+                <a:latin typeface="Courier New" panose="02070309020205020404" pitchFamily="49" charset="0"/>
+                <a:cs typeface="Courier New" panose="02070309020205020404" pitchFamily="49" charset="0"/>
+              </a:rPr>
+              <a:t>        COUNT(*) INTO </a:t>
             </a:r>
             <a:r>
               <a:rPr lang="en-US" sz="1100" dirty="0" err="1">
                 <a:latin typeface="Courier New" panose="02070309020205020404" pitchFamily="49" charset="0"/>
                 <a:cs typeface="Courier New" panose="02070309020205020404" pitchFamily="49" charset="0"/>
               </a:rPr>
-              <a:t>directory_import</a:t>
+              <a:t>job_count</a:t>
             </a:r>
             <a:endParaRPr lang="en-US" sz="1100" dirty="0">
               <a:latin typeface="Courier New" panose="02070309020205020404" pitchFamily="49" charset="0"/>
@@ -8531,7 +8608,7 @@
                 <a:latin typeface="Courier New" panose="02070309020205020404" pitchFamily="49" charset="0"/>
                 <a:cs typeface="Courier New" panose="02070309020205020404" pitchFamily="49" charset="0"/>
               </a:rPr>
-              <a:t>    ACCESS PARAMETERS </a:t>
+              <a:t>        FROM ALL_SCHEDULER_JOBS</a:t>
             </a:r>
           </a:p>
           <a:p>
@@ -8540,7 +8617,7 @@
                 <a:latin typeface="Courier New" panose="02070309020205020404" pitchFamily="49" charset="0"/>
                 <a:cs typeface="Courier New" panose="02070309020205020404" pitchFamily="49" charset="0"/>
               </a:rPr>
-              <a:t>    (</a:t>
+              <a:t>        WHERE JOB_NAME = 'JOB_IMPORT';</a:t>
             </a:r>
           </a:p>
           <a:p>
@@ -8549,7 +8626,7 @@
                 <a:latin typeface="Courier New" panose="02070309020205020404" pitchFamily="49" charset="0"/>
                 <a:cs typeface="Courier New" panose="02070309020205020404" pitchFamily="49" charset="0"/>
               </a:rPr>
-              <a:t>        RECORDS DELIMITED BY NEWLINE</a:t>
+              <a:t>        </a:t>
             </a:r>
           </a:p>
           <a:p>
@@ -8558,16 +8635,21 @@
                 <a:latin typeface="Courier New" panose="02070309020205020404" pitchFamily="49" charset="0"/>
                 <a:cs typeface="Courier New" panose="02070309020205020404" pitchFamily="49" charset="0"/>
               </a:rPr>
-              <a:t>        FIELDS TERMINATED BY ';'</a:t>
-            </a:r>
-          </a:p>
-          <a:p>
+              <a:t>    IF </a:t>
+            </a:r>
+            <a:r>
+              <a:rPr lang="en-US" sz="1100" dirty="0" err="1">
+                <a:latin typeface="Courier New" panose="02070309020205020404" pitchFamily="49" charset="0"/>
+                <a:cs typeface="Courier New" panose="02070309020205020404" pitchFamily="49" charset="0"/>
+              </a:rPr>
+              <a:t>job_count</a:t>
+            </a:r>
             <a:r>
               <a:rPr lang="en-US" sz="1100" dirty="0">
                 <a:latin typeface="Courier New" panose="02070309020205020404" pitchFamily="49" charset="0"/>
                 <a:cs typeface="Courier New" panose="02070309020205020404" pitchFamily="49" charset="0"/>
               </a:rPr>
-              <a:t>        (</a:t>
+              <a:t> &gt; 0 THEN</a:t>
             </a:r>
           </a:p>
           <a:p>
@@ -8576,7 +8658,7 @@
                 <a:latin typeface="Courier New" panose="02070309020205020404" pitchFamily="49" charset="0"/>
                 <a:cs typeface="Courier New" panose="02070309020205020404" pitchFamily="49" charset="0"/>
               </a:rPr>
-              <a:t>              ID         </a:t>
+              <a:t>        BEGIN</a:t>
             </a:r>
           </a:p>
           <a:p>
@@ -8585,53 +8667,105 @@
                 <a:latin typeface="Courier New" panose="02070309020205020404" pitchFamily="49" charset="0"/>
                 <a:cs typeface="Courier New" panose="02070309020205020404" pitchFamily="49" charset="0"/>
               </a:rPr>
-              <a:t>            , CL_NAME    </a:t>
-            </a:r>
-          </a:p>
-          <a:p>
+              <a:t>            DBMS_SCHEDULER.DROP_JOB(</a:t>
+            </a:r>
+            <a:r>
+              <a:rPr lang="en-US" sz="1100" dirty="0" err="1">
+                <a:latin typeface="Courier New" panose="02070309020205020404" pitchFamily="49" charset="0"/>
+                <a:cs typeface="Courier New" panose="02070309020205020404" pitchFamily="49" charset="0"/>
+              </a:rPr>
+              <a:t>job_name</a:t>
+            </a:r>
             <a:r>
               <a:rPr lang="en-US" sz="1100" dirty="0">
                 <a:latin typeface="Courier New" panose="02070309020205020404" pitchFamily="49" charset="0"/>
                 <a:cs typeface="Courier New" panose="02070309020205020404" pitchFamily="49" charset="0"/>
               </a:rPr>
-              <a:t>            , DATE_BIRTH CHAR(10) DATE_FORMAT DATE MASK "</a:t>
+              <a:t> =&gt; 'c##</a:t>
             </a:r>
             <a:r>
               <a:rPr lang="en-US" sz="1100" dirty="0" err="1">
                 <a:latin typeface="Courier New" panose="02070309020205020404" pitchFamily="49" charset="0"/>
                 <a:cs typeface="Courier New" panose="02070309020205020404" pitchFamily="49" charset="0"/>
               </a:rPr>
-              <a:t>dd</a:t>
+              <a:t>course.job_import</a:t>
             </a:r>
             <a:r>
               <a:rPr lang="en-US" sz="1100" dirty="0">
                 <a:latin typeface="Courier New" panose="02070309020205020404" pitchFamily="49" charset="0"/>
                 <a:cs typeface="Courier New" panose="02070309020205020404" pitchFamily="49" charset="0"/>
               </a:rPr>
-              <a:t>/mm/</a:t>
+              <a:t>');</a:t>
+            </a:r>
+          </a:p>
+          <a:p>
+            <a:r>
+              <a:rPr lang="en-US" sz="1100" dirty="0">
+                <a:latin typeface="Courier New" panose="02070309020205020404" pitchFamily="49" charset="0"/>
+                <a:cs typeface="Courier New" panose="02070309020205020404" pitchFamily="49" charset="0"/>
+              </a:rPr>
+              <a:t>        END;</a:t>
+            </a:r>
+          </a:p>
+          <a:p>
+            <a:r>
+              <a:rPr lang="en-US" sz="1100" dirty="0">
+                <a:latin typeface="Courier New" panose="02070309020205020404" pitchFamily="49" charset="0"/>
+                <a:cs typeface="Courier New" panose="02070309020205020404" pitchFamily="49" charset="0"/>
+              </a:rPr>
+              <a:t>    END IF;</a:t>
+            </a:r>
+          </a:p>
+          <a:p>
+            <a:endParaRPr lang="en-US" sz="1100" dirty="0">
+              <a:latin typeface="Courier New" panose="02070309020205020404" pitchFamily="49" charset="0"/>
+              <a:cs typeface="Courier New" panose="02070309020205020404" pitchFamily="49" charset="0"/>
+            </a:endParaRPr>
+          </a:p>
+          <a:p>
+            <a:r>
+              <a:rPr lang="en-US" sz="1100" dirty="0">
+                <a:latin typeface="Courier New" panose="02070309020205020404" pitchFamily="49" charset="0"/>
+                <a:cs typeface="Courier New" panose="02070309020205020404" pitchFamily="49" charset="0"/>
+              </a:rPr>
+              <a:t>    DBMS_SCHEDULER.CREATE_JOB (</a:t>
+            </a:r>
+          </a:p>
+          <a:p>
+            <a:r>
+              <a:rPr lang="en-US" sz="1100" dirty="0">
+                <a:latin typeface="Courier New" panose="02070309020205020404" pitchFamily="49" charset="0"/>
+                <a:cs typeface="Courier New" panose="02070309020205020404" pitchFamily="49" charset="0"/>
+              </a:rPr>
+              <a:t>            </a:t>
             </a:r>
             <a:r>
               <a:rPr lang="en-US" sz="1100" dirty="0" err="1">
                 <a:latin typeface="Courier New" panose="02070309020205020404" pitchFamily="49" charset="0"/>
                 <a:cs typeface="Courier New" panose="02070309020205020404" pitchFamily="49" charset="0"/>
               </a:rPr>
-              <a:t>yyyy</a:t>
+              <a:t>job_name</a:t>
             </a:r>
             <a:r>
               <a:rPr lang="en-US" sz="1100" dirty="0">
                 <a:latin typeface="Courier New" panose="02070309020205020404" pitchFamily="49" charset="0"/>
                 <a:cs typeface="Courier New" panose="02070309020205020404" pitchFamily="49" charset="0"/>
               </a:rPr>
-              <a:t>"</a:t>
-            </a:r>
-          </a:p>
-          <a:p>
+              <a:t> =&gt; 'c##</a:t>
+            </a:r>
+            <a:r>
+              <a:rPr lang="en-US" sz="1100" dirty="0" err="1">
+                <a:latin typeface="Courier New" panose="02070309020205020404" pitchFamily="49" charset="0"/>
+                <a:cs typeface="Courier New" panose="02070309020205020404" pitchFamily="49" charset="0"/>
+              </a:rPr>
+              <a:t>course.job_import</a:t>
+            </a:r>
             <a:r>
               <a:rPr lang="en-US" sz="1100" dirty="0">
                 <a:latin typeface="Courier New" panose="02070309020205020404" pitchFamily="49" charset="0"/>
                 <a:cs typeface="Courier New" panose="02070309020205020404" pitchFamily="49" charset="0"/>
               </a:rPr>
-              <a:t>        )</a:t>
+              <a:t>',</a:t>
             </a:r>
           </a:p>
           <a:p>
@@ -8640,16 +8774,21 @@
                 <a:latin typeface="Courier New" panose="02070309020205020404" pitchFamily="49" charset="0"/>
                 <a:cs typeface="Courier New" panose="02070309020205020404" pitchFamily="49" charset="0"/>
               </a:rPr>
-              <a:t>    )</a:t>
-            </a:r>
-          </a:p>
-          <a:p>
+              <a:t>            </a:t>
+            </a:r>
+            <a:r>
+              <a:rPr lang="en-US" sz="1100" dirty="0" err="1">
+                <a:latin typeface="Courier New" panose="02070309020205020404" pitchFamily="49" charset="0"/>
+                <a:cs typeface="Courier New" panose="02070309020205020404" pitchFamily="49" charset="0"/>
+              </a:rPr>
+              <a:t>job_type</a:t>
+            </a:r>
             <a:r>
               <a:rPr lang="en-US" sz="1100" dirty="0">
                 <a:latin typeface="Courier New" panose="02070309020205020404" pitchFamily="49" charset="0"/>
                 <a:cs typeface="Courier New" panose="02070309020205020404" pitchFamily="49" charset="0"/>
               </a:rPr>
-              <a:t>    LOCATION ('client.csv')</a:t>
+              <a:t> =&gt; 'STORED_PROCEDURE',</a:t>
             </a:r>
           </a:p>
           <a:p>
@@ -8658,59 +8797,183 @@
                 <a:latin typeface="Courier New" panose="02070309020205020404" pitchFamily="49" charset="0"/>
                 <a:cs typeface="Courier New" panose="02070309020205020404" pitchFamily="49" charset="0"/>
               </a:rPr>
-              <a:t>)</a:t>
-            </a:r>
-          </a:p>
-          <a:p>
+              <a:t>            </a:t>
+            </a:r>
+            <a:r>
+              <a:rPr lang="en-US" sz="1100" dirty="0" err="1">
+                <a:latin typeface="Courier New" panose="02070309020205020404" pitchFamily="49" charset="0"/>
+                <a:cs typeface="Courier New" panose="02070309020205020404" pitchFamily="49" charset="0"/>
+              </a:rPr>
+              <a:t>job_action</a:t>
+            </a:r>
             <a:r>
               <a:rPr lang="en-US" sz="1100" dirty="0">
                 <a:latin typeface="Courier New" panose="02070309020205020404" pitchFamily="49" charset="0"/>
                 <a:cs typeface="Courier New" panose="02070309020205020404" pitchFamily="49" charset="0"/>
               </a:rPr>
-              <a:t>REJECT LIMIT UNLIMITED</a:t>
-            </a:r>
+              <a:t> =&gt; 'c##</a:t>
+            </a:r>
+            <a:r>
+              <a:rPr lang="en-US" sz="1100" dirty="0" err="1">
+                <a:latin typeface="Courier New" panose="02070309020205020404" pitchFamily="49" charset="0"/>
+                <a:cs typeface="Courier New" panose="02070309020205020404" pitchFamily="49" charset="0"/>
+              </a:rPr>
+              <a:t>course.pr_import</a:t>
+            </a:r>
+            <a:r>
+              <a:rPr lang="en-US" sz="1100" dirty="0">
+                <a:latin typeface="Courier New" panose="02070309020205020404" pitchFamily="49" charset="0"/>
+                <a:cs typeface="Courier New" panose="02070309020205020404" pitchFamily="49" charset="0"/>
+              </a:rPr>
+              <a:t>',</a:t>
+            </a:r>
+          </a:p>
+          <a:p>
+            <a:r>
+              <a:rPr lang="en-US" sz="1100" dirty="0">
+                <a:latin typeface="Courier New" panose="02070309020205020404" pitchFamily="49" charset="0"/>
+                <a:cs typeface="Courier New" panose="02070309020205020404" pitchFamily="49" charset="0"/>
+              </a:rPr>
+              <a:t>            </a:t>
+            </a:r>
+            <a:r>
+              <a:rPr lang="en-US" sz="1100" dirty="0" err="1">
+                <a:latin typeface="Courier New" panose="02070309020205020404" pitchFamily="49" charset="0"/>
+                <a:cs typeface="Courier New" panose="02070309020205020404" pitchFamily="49" charset="0"/>
+              </a:rPr>
+              <a:t>number_of_arguments</a:t>
+            </a:r>
+            <a:r>
+              <a:rPr lang="en-US" sz="1100" dirty="0">
+                <a:latin typeface="Courier New" panose="02070309020205020404" pitchFamily="49" charset="0"/>
+                <a:cs typeface="Courier New" panose="02070309020205020404" pitchFamily="49" charset="0"/>
+              </a:rPr>
+              <a:t> =&gt; 0,</a:t>
+            </a:r>
+          </a:p>
+          <a:p>
+            <a:r>
+              <a:rPr lang="en-US" sz="1100" dirty="0">
+                <a:latin typeface="Courier New" panose="02070309020205020404" pitchFamily="49" charset="0"/>
+                <a:cs typeface="Courier New" panose="02070309020205020404" pitchFamily="49" charset="0"/>
+              </a:rPr>
+              <a:t>            </a:t>
+            </a:r>
+            <a:r>
+              <a:rPr lang="en-US" sz="1100" dirty="0" err="1">
+                <a:latin typeface="Courier New" panose="02070309020205020404" pitchFamily="49" charset="0"/>
+                <a:cs typeface="Courier New" panose="02070309020205020404" pitchFamily="49" charset="0"/>
+              </a:rPr>
+              <a:t>start_date</a:t>
+            </a:r>
+            <a:r>
+              <a:rPr lang="en-US" sz="1100" dirty="0">
+                <a:latin typeface="Courier New" panose="02070309020205020404" pitchFamily="49" charset="0"/>
+                <a:cs typeface="Courier New" panose="02070309020205020404" pitchFamily="49" charset="0"/>
+              </a:rPr>
+              <a:t> =&gt; TO_TIMESTAMP_TZ('2021-07-23 15:52:32.141000000 EUROPE/MOSCOW','YYYY-MM-DD HH24:MI:SS.FF TZR'),</a:t>
+            </a:r>
+          </a:p>
+          <a:p>
+            <a:r>
+              <a:rPr lang="en-US" sz="1100" dirty="0">
+                <a:latin typeface="Courier New" panose="02070309020205020404" pitchFamily="49" charset="0"/>
+                <a:cs typeface="Courier New" panose="02070309020205020404" pitchFamily="49" charset="0"/>
+              </a:rPr>
+              <a:t>            </a:t>
+            </a:r>
+            <a:r>
+              <a:rPr lang="en-US" sz="1100" dirty="0" err="1">
+                <a:latin typeface="Courier New" panose="02070309020205020404" pitchFamily="49" charset="0"/>
+                <a:cs typeface="Courier New" panose="02070309020205020404" pitchFamily="49" charset="0"/>
+              </a:rPr>
+              <a:t>repeat_interval</a:t>
+            </a:r>
+            <a:r>
+              <a:rPr lang="en-US" sz="1100" dirty="0">
+                <a:latin typeface="Courier New" panose="02070309020205020404" pitchFamily="49" charset="0"/>
+                <a:cs typeface="Courier New" panose="02070309020205020404" pitchFamily="49" charset="0"/>
+              </a:rPr>
+              <a:t> =&gt; 'FREQ=HOURLY;INTERVAL=24',</a:t>
+            </a:r>
+          </a:p>
+          <a:p>
+            <a:r>
+              <a:rPr lang="en-US" sz="1100" dirty="0">
+                <a:latin typeface="Courier New" panose="02070309020205020404" pitchFamily="49" charset="0"/>
+                <a:cs typeface="Courier New" panose="02070309020205020404" pitchFamily="49" charset="0"/>
+              </a:rPr>
+              <a:t>            </a:t>
+            </a:r>
+            <a:r>
+              <a:rPr lang="en-US" sz="1100" dirty="0" err="1">
+                <a:latin typeface="Courier New" panose="02070309020205020404" pitchFamily="49" charset="0"/>
+                <a:cs typeface="Courier New" panose="02070309020205020404" pitchFamily="49" charset="0"/>
+              </a:rPr>
+              <a:t>end_date</a:t>
+            </a:r>
+            <a:r>
+              <a:rPr lang="en-US" sz="1100" dirty="0">
+                <a:latin typeface="Courier New" panose="02070309020205020404" pitchFamily="49" charset="0"/>
+                <a:cs typeface="Courier New" panose="02070309020205020404" pitchFamily="49" charset="0"/>
+              </a:rPr>
+              <a:t> =&gt; NULL,</a:t>
+            </a:r>
+          </a:p>
+          <a:p>
+            <a:r>
+              <a:rPr lang="en-US" sz="1100" dirty="0">
+                <a:latin typeface="Courier New" panose="02070309020205020404" pitchFamily="49" charset="0"/>
+                <a:cs typeface="Courier New" panose="02070309020205020404" pitchFamily="49" charset="0"/>
+              </a:rPr>
+              <a:t>            enabled =&gt; TRUE,</a:t>
+            </a:r>
+          </a:p>
+          <a:p>
+            <a:r>
+              <a:rPr lang="en-US" sz="1100" dirty="0">
+                <a:latin typeface="Courier New" panose="02070309020205020404" pitchFamily="49" charset="0"/>
+                <a:cs typeface="Courier New" panose="02070309020205020404" pitchFamily="49" charset="0"/>
+              </a:rPr>
+              <a:t>            </a:t>
+            </a:r>
+            <a:r>
+              <a:rPr lang="en-US" sz="1100" dirty="0" err="1">
+                <a:latin typeface="Courier New" panose="02070309020205020404" pitchFamily="49" charset="0"/>
+                <a:cs typeface="Courier New" panose="02070309020205020404" pitchFamily="49" charset="0"/>
+              </a:rPr>
+              <a:t>auto_drop</a:t>
+            </a:r>
+            <a:r>
+              <a:rPr lang="en-US" sz="1100" dirty="0">
+                <a:latin typeface="Courier New" panose="02070309020205020404" pitchFamily="49" charset="0"/>
+                <a:cs typeface="Courier New" panose="02070309020205020404" pitchFamily="49" charset="0"/>
+              </a:rPr>
+              <a:t> =&gt; FALSE,</a:t>
+            </a:r>
+          </a:p>
+          <a:p>
+            <a:r>
+              <a:rPr lang="en-US" sz="1100" dirty="0">
+                <a:latin typeface="Courier New" panose="02070309020205020404" pitchFamily="49" charset="0"/>
+                <a:cs typeface="Courier New" panose="02070309020205020404" pitchFamily="49" charset="0"/>
+              </a:rPr>
+              <a:t>            comments =&gt; 'Import Job');</a:t>
+            </a:r>
+          </a:p>
+          <a:p>
+            <a:endParaRPr lang="en-US" sz="1100" dirty="0">
+              <a:latin typeface="Courier New" panose="02070309020205020404" pitchFamily="49" charset="0"/>
+              <a:cs typeface="Courier New" panose="02070309020205020404" pitchFamily="49" charset="0"/>
+            </a:endParaRPr>
+          </a:p>
+          <a:p>
             <a:r>
               <a:rPr lang="en-US" sz="1100" dirty="0" smtClean="0">
                 <a:latin typeface="Courier New" panose="02070309020205020404" pitchFamily="49" charset="0"/>
                 <a:cs typeface="Courier New" panose="02070309020205020404" pitchFamily="49" charset="0"/>
               </a:rPr>
-              <a:t>;</a:t>
-            </a:r>
-          </a:p>
-          <a:p>
-            <a:r>
-              <a:rPr lang="en-US" sz="1100" dirty="0" smtClean="0">
-                <a:latin typeface="Courier New" panose="02070309020205020404" pitchFamily="49" charset="0"/>
-                <a:cs typeface="Courier New" panose="02070309020205020404" pitchFamily="49" charset="0"/>
-              </a:rPr>
-              <a:t>...</a:t>
-            </a:r>
-          </a:p>
-          <a:p>
-            <a:r>
-              <a:rPr lang="en-US" sz="1100" dirty="0">
-                <a:latin typeface="Courier New" panose="02070309020205020404" pitchFamily="49" charset="0"/>
-                <a:cs typeface="Courier New" panose="02070309020205020404" pitchFamily="49" charset="0"/>
-              </a:rPr>
-              <a:t>...</a:t>
-            </a:r>
-          </a:p>
-          <a:p>
-            <a:r>
-              <a:rPr lang="en-US" sz="1100" dirty="0">
-                <a:latin typeface="Courier New" panose="02070309020205020404" pitchFamily="49" charset="0"/>
-                <a:cs typeface="Courier New" panose="02070309020205020404" pitchFamily="49" charset="0"/>
-              </a:rPr>
-              <a:t>...</a:t>
-            </a:r>
-          </a:p>
-          <a:p>
-            <a:r>
-              <a:rPr lang="en-US" sz="1100" dirty="0" smtClean="0">
-                <a:latin typeface="Courier New" panose="02070309020205020404" pitchFamily="49" charset="0"/>
-                <a:cs typeface="Courier New" panose="02070309020205020404" pitchFamily="49" charset="0"/>
-              </a:rPr>
-              <a:t>...</a:t>
+              <a:t>END;</a:t>
             </a:r>
             <a:endParaRPr lang="en-US" sz="1100" dirty="0">
               <a:latin typeface="Courier New" panose="02070309020205020404" pitchFamily="49" charset="0"/>
@@ -8751,7 +9014,7 @@
                 </a:solidFill>
                 <a:hlinkClick r:id="rId2"/>
               </a:rPr>
-              <a:t>https://github.com/AndrSor/Course_PLSQL_SB/blob/main/Course%20Work/01.2.%D0%A1%D0%BE%D0%B7%D0%B4%D0%B0%D0%BD%D0%B8%D0%B5%20%D0%B2%D0%BD%D0%B5%D1%88%D0%BD%D0%B8%D1%85%20%D1%82%D0%B0%D0%B1%D0%BB%D0%B8%D1%86.sql</a:t>
+              <a:t>https://github.com/AndrSor/Course_PLSQL_SB/blob/main/Course%20Work/01.3.%D0%98%D0%BC%D0%BF%D0%BE%D1%80%D1%82%20-%20PROCEDURE%20pr_import.sql</a:t>
             </a:r>
             <a:endParaRPr lang="ru-RU" sz="1200" dirty="0">
               <a:solidFill>
@@ -8888,28 +9151,31 @@
               <a:defRPr/>
             </a:pPr>
             <a:r>
-              <a:rPr lang="ru-RU" sz="4000" dirty="0">
+              <a:rPr lang="ru-RU" sz="3200" dirty="0">
                 <a:solidFill>
                   <a:srgbClr val="333F48"/>
                 </a:solidFill>
               </a:rPr>
               <a:t>Создаем новые ТИПЫ для использования</a:t>
             </a:r>
-            <a:endParaRPr lang="ru-RU" sz="1600" dirty="0"/>
           </a:p>
           <a:p>
             <a:pPr>
               <a:defRPr/>
             </a:pPr>
             <a:r>
-              <a:rPr lang="ru-RU" sz="4000" dirty="0" smtClean="0">
+              <a:rPr lang="ru-RU" sz="3200" dirty="0">
                 <a:solidFill>
                   <a:srgbClr val="333F48"/>
                 </a:solidFill>
               </a:rPr>
               <a:t> </a:t>
             </a:r>
-            <a:endParaRPr lang="ru-RU" sz="1600" dirty="0"/>
+            <a:endParaRPr lang="ru-RU" sz="3200" dirty="0">
+              <a:solidFill>
+                <a:srgbClr val="333F48"/>
+              </a:solidFill>
+            </a:endParaRPr>
           </a:p>
         </p:txBody>
       </p:sp>
@@ -9266,28 +9532,26 @@
               <a:defRPr/>
             </a:pPr>
             <a:r>
-              <a:rPr lang="ru-RU" sz="4000" dirty="0" smtClean="0">
+              <a:rPr lang="ru-RU" sz="3200" dirty="0">
                 <a:solidFill>
                   <a:srgbClr val="333F48"/>
                 </a:solidFill>
               </a:rPr>
               <a:t>Функция возвращает таблицу с данными отчета</a:t>
             </a:r>
-            <a:endParaRPr lang="ru-RU" sz="1600" dirty="0"/>
           </a:p>
           <a:p>
             <a:pPr>
               <a:defRPr/>
             </a:pPr>
             <a:r>
-              <a:rPr lang="ru-RU" sz="4000" dirty="0">
+              <a:rPr lang="ru-RU" sz="3200" dirty="0">
                 <a:solidFill>
                   <a:srgbClr val="333F48"/>
                 </a:solidFill>
               </a:rPr>
               <a:t> </a:t>
             </a:r>
-            <a:endParaRPr lang="ru-RU" sz="1600" dirty="0"/>
           </a:p>
         </p:txBody>
       </p:sp>
@@ -10427,6 +10691,13 @@
   <p:clrMapOvr>
     <a:masterClrMapping/>
   </p:clrMapOvr>
+  <p:timing>
+    <p:tnLst>
+      <p:par>
+        <p:cTn id="1" dur="indefinite" restart="never" nodeType="tmRoot"/>
+      </p:par>
+    </p:tnLst>
+  </p:timing>
 </p:sld>
 </file>
 
@@ -10496,7 +10767,7 @@
               <a:defRPr/>
             </a:pPr>
             <a:r>
-              <a:rPr lang="ru-RU" sz="4000" dirty="0" smtClean="0">
+              <a:rPr lang="ru-RU" sz="3200" dirty="0">
                 <a:solidFill>
                   <a:srgbClr val="333F48"/>
                 </a:solidFill>
@@ -10504,7 +10775,7 @@
               <a:t>Функция формирует Отчет (</a:t>
             </a:r>
             <a:r>
-              <a:rPr lang="en-US" sz="4000" dirty="0" smtClean="0">
+              <a:rPr lang="en-US" sz="3200" dirty="0">
                 <a:solidFill>
                   <a:srgbClr val="333F48"/>
                 </a:solidFill>
@@ -10512,28 +10783,26 @@
               <a:t>HTML</a:t>
             </a:r>
             <a:r>
-              <a:rPr lang="ru-RU" sz="4000" dirty="0" smtClean="0">
+              <a:rPr lang="ru-RU" sz="3200" dirty="0">
                 <a:solidFill>
                   <a:srgbClr val="333F48"/>
                 </a:solidFill>
               </a:rPr>
               <a:t>)</a:t>
             </a:r>
-            <a:endParaRPr lang="ru-RU" sz="1600" dirty="0"/>
           </a:p>
           <a:p>
             <a:pPr>
               <a:defRPr/>
             </a:pPr>
             <a:r>
-              <a:rPr lang="ru-RU" sz="4000" dirty="0">
+              <a:rPr lang="ru-RU" sz="3200" dirty="0">
                 <a:solidFill>
                   <a:srgbClr val="333F48"/>
                 </a:solidFill>
               </a:rPr>
               <a:t> </a:t>
             </a:r>
-            <a:endParaRPr lang="ru-RU" sz="1600" dirty="0"/>
           </a:p>
         </p:txBody>
       </p:sp>
@@ -11270,7 +11539,7 @@
               <a:defRPr/>
             </a:pPr>
             <a:r>
-              <a:rPr lang="ru-RU" sz="4000" dirty="0" smtClean="0">
+              <a:rPr lang="ru-RU" sz="3200" dirty="0">
                 <a:solidFill>
                   <a:srgbClr val="333F48"/>
                 </a:solidFill>
@@ -11278,28 +11547,31 @@
               <a:t>Экспорт отчета в </a:t>
             </a:r>
             <a:r>
-              <a:rPr lang="en-US" sz="4000" dirty="0" smtClean="0">
+              <a:rPr lang="en-US" sz="3200" dirty="0">
                 <a:solidFill>
                   <a:srgbClr val="333F48"/>
                 </a:solidFill>
               </a:rPr>
               <a:t>EXCEL</a:t>
             </a:r>
-            <a:endParaRPr lang="ru-RU" sz="1600" dirty="0"/>
+            <a:endParaRPr lang="ru-RU" sz="3200" dirty="0">
+              <a:solidFill>
+                <a:srgbClr val="333F48"/>
+              </a:solidFill>
+            </a:endParaRPr>
           </a:p>
           <a:p>
             <a:pPr>
               <a:defRPr/>
             </a:pPr>
             <a:r>
-              <a:rPr lang="ru-RU" sz="4000" dirty="0">
+              <a:rPr lang="ru-RU" sz="3200" dirty="0">
                 <a:solidFill>
                   <a:srgbClr val="333F48"/>
                 </a:solidFill>
               </a:rPr>
               <a:t> </a:t>
             </a:r>
-            <a:endParaRPr lang="ru-RU" sz="1600" dirty="0"/>
           </a:p>
         </p:txBody>
       </p:sp>
@@ -20241,7 +20513,7 @@
                 </a:solidFill>
                 <a:hlinkClick r:id="rId2"/>
               </a:rPr>
-              <a:t>https://github.com/AndrSor/Course_PLSQL_SB/blob/main/Course%20Work/01.%D0%A1%D0%BE%D0%B7%D0%B4%D0%B0%D0%BD%D0%B8%D0%B5%20%D1%82%D0%B0%D0%B1%D0%BB%D0%B8%D1%86.sql</a:t>
+              <a:t>https://github.com/AndrSor/Course_PLSQL_SB/blob/main/Course%20Work/01.1.%D0%A1%D0%BE%D0%B7%D0%B4%D0%B0%D0%BD%D0%B8%D0%B5%20%D1%82%D0%B0%D0%B1%D0%BB%D0%B8%D1%86.sql</a:t>
             </a:r>
             <a:endParaRPr lang="ru-RU" sz="1200" dirty="0">
               <a:solidFill>

--- a/Course Work/_Презентация Курсовой работы.pptx
+++ b/Course Work/_Презентация Курсовой работы.pptx
@@ -7992,12 +7992,28 @@
               <a:defRPr/>
             </a:pPr>
             <a:r>
+              <a:rPr lang="ru-RU" sz="3200" dirty="0">
+                <a:solidFill>
+                  <a:srgbClr val="333F48"/>
+                </a:solidFill>
+              </a:rPr>
+              <a:t>2</a:t>
+            </a:r>
+            <a:r>
               <a:rPr lang="ru-RU" sz="3200" dirty="0" smtClean="0">
                 <a:solidFill>
                   <a:srgbClr val="333F48"/>
                 </a:solidFill>
               </a:rPr>
-              <a:t>1. Импорт данных</a:t>
+              <a:t>. </a:t>
+            </a:r>
+            <a:r>
+              <a:rPr lang="ru-RU" sz="3200" dirty="0" smtClean="0">
+                <a:solidFill>
+                  <a:srgbClr val="333F48"/>
+                </a:solidFill>
+              </a:rPr>
+              <a:t>Импорт данных</a:t>
             </a:r>
             <a:r>
               <a:rPr lang="ru-RU" sz="3200" dirty="0" smtClean="0">
@@ -17224,7 +17240,7 @@
         </p:nvSpPr>
         <p:spPr bwMode="auto">
           <a:xfrm>
-            <a:off x="-3296" y="639687"/>
+            <a:off x="-849388" y="-260883"/>
             <a:ext cx="11960545" cy="6097906"/>
           </a:xfrm>
           <a:custGeom>
@@ -17485,8 +17501,8 @@
         </p:nvSpPr>
         <p:spPr bwMode="auto">
           <a:xfrm>
-            <a:off x="1415480" y="3158935"/>
-            <a:ext cx="9988893" cy="310919"/>
+            <a:off x="1415480" y="3249594"/>
+            <a:ext cx="9988893" cy="323422"/>
           </a:xfrm>
           <a:prstGeom prst="rect">
             <a:avLst/>
@@ -17526,7 +17542,14 @@
                 <a:latin typeface="SBSansText-Light"/>
                 <a:cs typeface="SBSansText-Light"/>
               </a:rPr>
-              <a:t>через процедуру/ручной интерфейс. </a:t>
+              <a:t>через </a:t>
+            </a:r>
+            <a:r>
+              <a:rPr lang="ru-RU" sz="2000" spc="-10" dirty="0" smtClean="0">
+                <a:latin typeface="SBSansText-Light"/>
+                <a:cs typeface="SBSansText-Light"/>
+              </a:rPr>
+              <a:t>процедуру. </a:t>
             </a:r>
             <a:endParaRPr lang="ru-RU" sz="2000" dirty="0">
               <a:latin typeface="SBSansText-Light"/>
@@ -17551,7 +17574,7 @@
         </p:nvSpPr>
         <p:spPr bwMode="auto">
           <a:xfrm>
-            <a:off x="1343472" y="3984997"/>
+            <a:off x="1343472" y="4329714"/>
             <a:ext cx="9767685" cy="323422"/>
           </a:xfrm>
           <a:prstGeom prst="rect">
@@ -17574,11 +17597,25 @@
               <a:defRPr/>
             </a:pPr>
             <a:r>
+              <a:rPr lang="ru-RU" sz="2000" spc="-10" dirty="0" smtClean="0">
+                <a:latin typeface="SBSansText-Light"/>
+                <a:cs typeface="SBSansText-Light"/>
+              </a:rPr>
+              <a:t>Функции и </a:t>
+            </a:r>
+            <a:r>
+              <a:rPr lang="ru-RU" sz="2000" spc="-10" dirty="0" smtClean="0">
+                <a:latin typeface="SBSansText-Light"/>
+                <a:cs typeface="SBSansText-Light"/>
+              </a:rPr>
+              <a:t> процедуры </a:t>
+            </a:r>
+            <a:r>
               <a:rPr lang="ru-RU" sz="2000" spc="-10" dirty="0">
                 <a:latin typeface="SBSansText-Light"/>
                 <a:cs typeface="SBSansText-Light"/>
               </a:rPr>
-              <a:t>Написание процедур для </a:t>
+              <a:t>для </a:t>
             </a:r>
             <a:r>
               <a:rPr lang="ru-RU" sz="2000" spc="-10" dirty="0" smtClean="0">
@@ -17610,7 +17647,7 @@
         </p:nvSpPr>
         <p:spPr bwMode="auto">
           <a:xfrm>
-            <a:off x="1415480" y="4953669"/>
+            <a:off x="1415480" y="5380856"/>
             <a:ext cx="8539630" cy="640432"/>
           </a:xfrm>
           <a:prstGeom prst="rect">
@@ -17633,11 +17670,11 @@
               <a:defRPr/>
             </a:pPr>
             <a:r>
-              <a:rPr lang="ru-RU" sz="2000" spc="-10" dirty="0">
+              <a:rPr lang="ru-RU" sz="2000" spc="-10" dirty="0" smtClean="0">
                 <a:latin typeface="SBSansText-Light"/>
                 <a:cs typeface="SBSansText-Light"/>
               </a:rPr>
-              <a:t>Написание процедур </a:t>
+              <a:t>Процедуры </a:t>
             </a:r>
             <a:r>
               <a:rPr lang="ru-RU" sz="2000" spc="-10" dirty="0" smtClean="0">
@@ -17750,8 +17787,8 @@
         </p:nvSpPr>
         <p:spPr bwMode="auto">
           <a:xfrm>
-            <a:off x="149319" y="2692377"/>
-            <a:ext cx="3020447" cy="1231106"/>
+            <a:off x="149319" y="2845966"/>
+            <a:ext cx="1266161" cy="1231106"/>
           </a:xfrm>
           <a:prstGeom prst="rect">
             <a:avLst/>
@@ -17831,8 +17868,8 @@
         </p:nvSpPr>
         <p:spPr bwMode="auto">
           <a:xfrm>
-            <a:off x="164058" y="3681299"/>
-            <a:ext cx="3020447" cy="1231106"/>
+            <a:off x="164059" y="3926086"/>
+            <a:ext cx="1179414" cy="1231106"/>
           </a:xfrm>
           <a:prstGeom prst="rect">
             <a:avLst/>
@@ -17912,8 +17949,8 @@
         </p:nvSpPr>
         <p:spPr bwMode="auto">
           <a:xfrm>
-            <a:off x="136316" y="4654897"/>
-            <a:ext cx="3020447" cy="1231106"/>
+            <a:off x="136317" y="5078214"/>
+            <a:ext cx="1279164" cy="1231106"/>
           </a:xfrm>
           <a:prstGeom prst="rect">
             <a:avLst/>
@@ -18076,181 +18113,6 @@
               <a:t>отчет</a:t>
             </a:r>
             <a:endParaRPr lang="ru-RU" sz="2000" spc="-10" dirty="0">
-              <a:latin typeface="SBSansText-Light"/>
-              <a:cs typeface="SBSansText-Light"/>
-            </a:endParaRPr>
-          </a:p>
-        </p:txBody>
-      </p:sp>
-      <p:sp>
-        <p:nvSpPr>
-          <p:cNvPr id="59" name="TextBox 38">
-            <a:extLst>
-              <a:ext uri="{FF2B5EF4-FFF2-40B4-BE49-F238E27FC236}">
-                <a16:creationId xmlns:a16="http://schemas.microsoft.com/office/drawing/2014/main" xmlns="" id="{09B59826-057B-40BA-9DD3-A51250BA277C}"/>
-              </a:ext>
-            </a:extLst>
-          </p:cNvPr>
-          <p:cNvSpPr>
-            <a:spLocks/>
-          </p:cNvSpPr>
-          <p:nvPr/>
-        </p:nvSpPr>
-        <p:spPr bwMode="auto">
-          <a:xfrm>
-            <a:off x="88499" y="5664861"/>
-            <a:ext cx="3020447" cy="1231106"/>
-          </a:xfrm>
-          <a:prstGeom prst="rect">
-            <a:avLst/>
-          </a:prstGeom>
-          <a:noFill/>
-        </p:spPr>
-        <p:txBody>
-          <a:bodyPr wrap="square" lIns="0" tIns="0" rIns="0" bIns="0" rtlCol="0">
-            <a:spAutoFit/>
-          </a:bodyPr>
-          <a:lstStyle/>
-          <a:p>
-            <a:pPr marL="12700">
-              <a:lnSpc>
-                <a:spcPct val="100000"/>
-              </a:lnSpc>
-              <a:spcBef>
-                <a:spcPts val="100"/>
-              </a:spcBef>
-              <a:defRPr/>
-            </a:pPr>
-            <a:r>
-              <a:rPr lang="en-US" sz="8000" b="1" spc="-160" dirty="0">
-                <a:gradFill>
-                  <a:gsLst>
-                    <a:gs pos="19000">
-                      <a:srgbClr val="FAED00"/>
-                    </a:gs>
-                    <a:gs pos="54000">
-                      <a:srgbClr val="00D900"/>
-                    </a:gs>
-                    <a:gs pos="89000">
-                      <a:srgbClr val="0FA8E0"/>
-                    </a:gs>
-                  </a:gsLst>
-                  <a:lin ang="19800000" scaled="0"/>
-                </a:gradFill>
-                <a:latin typeface="SB Sans Display Semibold"/>
-                <a:cs typeface="SB Sans Display Semibold"/>
-              </a:rPr>
-              <a:t>0</a:t>
-            </a:r>
-            <a:r>
-              <a:rPr lang="ru-RU" sz="8000" b="1" spc="-160" dirty="0">
-                <a:gradFill>
-                  <a:gsLst>
-                    <a:gs pos="19000">
-                      <a:srgbClr val="FAED00"/>
-                    </a:gs>
-                    <a:gs pos="54000">
-                      <a:srgbClr val="00D900"/>
-                    </a:gs>
-                    <a:gs pos="89000">
-                      <a:srgbClr val="0FA8E0"/>
-                    </a:gs>
-                  </a:gsLst>
-                  <a:lin ang="19800000" scaled="0"/>
-                </a:gradFill>
-                <a:latin typeface="SB Sans Display Semibold"/>
-                <a:cs typeface="SB Sans Display Semibold"/>
-              </a:rPr>
-              <a:t>5</a:t>
-            </a:r>
-            <a:endParaRPr lang="ru-RU" sz="2500" dirty="0">
-              <a:gradFill>
-                <a:gsLst>
-                  <a:gs pos="19000">
-                    <a:srgbClr val="FAED00"/>
-                  </a:gs>
-                  <a:gs pos="54000">
-                    <a:srgbClr val="00D900"/>
-                  </a:gs>
-                  <a:gs pos="89000">
-                    <a:srgbClr val="0FA8E0"/>
-                  </a:gs>
-                </a:gsLst>
-                <a:lin ang="19800000" scaled="0"/>
-              </a:gradFill>
-              <a:latin typeface="SB Sans Display Light"/>
-              <a:cs typeface="SB Sans Display Light"/>
-            </a:endParaRPr>
-          </a:p>
-        </p:txBody>
-      </p:sp>
-      <p:sp>
-        <p:nvSpPr>
-          <p:cNvPr id="60" name="object 26">
-            <a:extLst>
-              <a:ext uri="{FF2B5EF4-FFF2-40B4-BE49-F238E27FC236}">
-                <a16:creationId xmlns:a16="http://schemas.microsoft.com/office/drawing/2014/main" xmlns="" id="{78371297-F4E7-4474-AE73-128ABC84F3F9}"/>
-              </a:ext>
-            </a:extLst>
-          </p:cNvPr>
-          <p:cNvSpPr>
-            <a:spLocks/>
-          </p:cNvSpPr>
-          <p:nvPr/>
-        </p:nvSpPr>
-        <p:spPr bwMode="auto">
-          <a:xfrm>
-            <a:off x="1343472" y="6081785"/>
-            <a:ext cx="8539630" cy="323422"/>
-          </a:xfrm>
-          <a:prstGeom prst="rect">
-            <a:avLst/>
-          </a:prstGeom>
-        </p:spPr>
-        <p:txBody>
-          <a:bodyPr vert="horz" wrap="square" lIns="0" tIns="6350" rIns="0" bIns="0" rtlCol="0">
-            <a:spAutoFit/>
-          </a:bodyPr>
-          <a:lstStyle/>
-          <a:p>
-            <a:pPr marL="12700" marR="5080">
-              <a:lnSpc>
-                <a:spcPct val="103299"/>
-              </a:lnSpc>
-              <a:spcBef>
-                <a:spcPts val="50"/>
-              </a:spcBef>
-              <a:defRPr/>
-            </a:pPr>
-            <a:r>
-              <a:rPr lang="ru-RU" sz="2000" spc="-10" dirty="0" smtClean="0">
-                <a:latin typeface="SBSansText-Light"/>
-                <a:cs typeface="SBSansText-Light"/>
-              </a:rPr>
-              <a:t>Сохранение проекта на </a:t>
-            </a:r>
-            <a:r>
-              <a:rPr lang="en-US" sz="2000" spc="-10" dirty="0" err="1" smtClean="0">
-                <a:latin typeface="SBSansText-Light"/>
-                <a:cs typeface="SBSansText-Light"/>
-              </a:rPr>
-              <a:t>github</a:t>
-            </a:r>
-            <a:r>
-              <a:rPr lang="ru-RU" sz="2000" spc="-10" dirty="0" smtClean="0">
-                <a:latin typeface="SBSansText-Light"/>
-                <a:cs typeface="SBSansText-Light"/>
-              </a:rPr>
-              <a:t>.</a:t>
-            </a:r>
-            <a:r>
-              <a:rPr lang="en-US" sz="2000" spc="-10" dirty="0" smtClean="0">
-                <a:latin typeface="SBSansText-Light"/>
-                <a:cs typeface="SBSansText-Light"/>
-              </a:rPr>
-              <a:t>com</a:t>
-            </a:r>
-            <a:endParaRPr lang="ru-RU" sz="2000" dirty="0">
               <a:latin typeface="SBSansText-Light"/>
               <a:cs typeface="SBSansText-Light"/>
             </a:endParaRPr>
@@ -21794,12 +21656,28 @@
               <a:defRPr/>
             </a:pPr>
             <a:r>
+              <a:rPr lang="ru-RU" sz="3200" dirty="0">
+                <a:solidFill>
+                  <a:srgbClr val="333F48"/>
+                </a:solidFill>
+              </a:rPr>
+              <a:t>2</a:t>
+            </a:r>
+            <a:r>
               <a:rPr lang="ru-RU" sz="3200" dirty="0" smtClean="0">
                 <a:solidFill>
                   <a:srgbClr val="333F48"/>
                 </a:solidFill>
               </a:rPr>
-              <a:t>1. Подключение(создание) внешних таблиц</a:t>
+              <a:t>. </a:t>
+            </a:r>
+            <a:r>
+              <a:rPr lang="ru-RU" sz="3200" dirty="0" smtClean="0">
+                <a:solidFill>
+                  <a:srgbClr val="333F48"/>
+                </a:solidFill>
+              </a:rPr>
+              <a:t>Подключение(создание) внешних таблиц</a:t>
             </a:r>
             <a:endParaRPr lang="ru-RU" sz="1200" dirty="0"/>
           </a:p>

--- a/Course Work/_Презентация Курсовой работы.pptx
+++ b/Course Work/_Презентация Курсовой работы.pptx
@@ -6,7 +6,7 @@
     <p:sldMasterId id="2147483661" r:id="rId2"/>
   </p:sldMasterIdLst>
   <p:notesMasterIdLst>
-    <p:notesMasterId r:id="rId23"/>
+    <p:notesMasterId r:id="rId24"/>
   </p:notesMasterIdLst>
   <p:sldIdLst>
     <p:sldId id="256" r:id="rId3"/>
@@ -19,16 +19,17 @@
     <p:sldId id="353" r:id="rId10"/>
     <p:sldId id="363" r:id="rId11"/>
     <p:sldId id="364" r:id="rId12"/>
-    <p:sldId id="361" r:id="rId13"/>
-    <p:sldId id="354" r:id="rId14"/>
-    <p:sldId id="356" r:id="rId15"/>
-    <p:sldId id="357" r:id="rId16"/>
-    <p:sldId id="352" r:id="rId17"/>
-    <p:sldId id="355" r:id="rId18"/>
-    <p:sldId id="358" r:id="rId19"/>
-    <p:sldId id="359" r:id="rId20"/>
-    <p:sldId id="360" r:id="rId21"/>
-    <p:sldId id="307" r:id="rId22"/>
+    <p:sldId id="366" r:id="rId13"/>
+    <p:sldId id="361" r:id="rId14"/>
+    <p:sldId id="354" r:id="rId15"/>
+    <p:sldId id="356" r:id="rId16"/>
+    <p:sldId id="357" r:id="rId17"/>
+    <p:sldId id="352" r:id="rId18"/>
+    <p:sldId id="355" r:id="rId19"/>
+    <p:sldId id="358" r:id="rId20"/>
+    <p:sldId id="359" r:id="rId21"/>
+    <p:sldId id="360" r:id="rId22"/>
+    <p:sldId id="307" r:id="rId23"/>
   </p:sldIdLst>
   <p:sldSz cx="12192000" cy="6858000"/>
   <p:notesSz cx="6858000" cy="12192000"/>
@@ -560,7 +561,7 @@
           <a:p>
             <a:fld id="{7B5F47EF-21AF-41BD-AB82-5A4B797CA39E}" type="slidenum">
               <a:rPr lang="ru-RU" smtClean="0"/>
-              <a:t>20</a:t>
+              <a:t>21</a:t>
             </a:fld>
             <a:endParaRPr lang="ru-RU"/>
           </a:p>
@@ -9030,7 +9031,7 @@
                 </a:solidFill>
                 <a:hlinkClick r:id="rId2"/>
               </a:rPr>
-              <a:t>https://github.com/AndrSor/Course_PLSQL_SB/blob/main/Course%20Work/01.3.%D0%98%D0%BC%D0%BF%D0%BE%D1%80%D1%82%20-%20PROCEDURE%20pr_import.sql</a:t>
+              <a:t>https://github.com/AndrSor/Course_PLSQL_SB/blob/main/Course%20Work/02.1.%D0%A1%D0%BE%D0%B7%D0%B4%D0%B0%D0%BD%D0%B8%D0%B5%20%D0%B2%D0%BD%D0%B5%D1%88%D0%BD%D0%B8%D1%85%20%D1%82%D0%B0%D0%B1%D0%BB%D0%B8%D1%86.sql</a:t>
             </a:r>
             <a:endParaRPr lang="ru-RU" sz="1200" dirty="0">
               <a:solidFill>
@@ -9102,6 +9103,1328 @@
 </file>
 
 <file path=ppt/slides/slide11.xml><?xml version="1.0" encoding="utf-8"?>
+<p:sld xmlns:a="http://schemas.openxmlformats.org/drawingml/2006/main" xmlns:r="http://schemas.openxmlformats.org/officeDocument/2006/relationships" xmlns:p="http://schemas.openxmlformats.org/presentationml/2006/main" showMasterPhAnim="0">
+  <p:cSld>
+    <p:spTree>
+      <p:nvGrpSpPr>
+        <p:cNvPr id="1" name=""/>
+        <p:cNvGrpSpPr/>
+        <p:nvPr/>
+      </p:nvGrpSpPr>
+      <p:grpSpPr bwMode="auto">
+        <a:xfrm>
+          <a:off x="0" y="0"/>
+          <a:ext cx="0" cy="0"/>
+          <a:chOff x="0" y="0"/>
+          <a:chExt cx="0" cy="0"/>
+        </a:xfrm>
+      </p:grpSpPr>
+      <p:sp>
+        <p:nvSpPr>
+          <p:cNvPr id="18" name="Title 7">
+            <a:extLst>
+              <a:ext uri="{FF2B5EF4-FFF2-40B4-BE49-F238E27FC236}">
+                <a16:creationId xmlns:a16="http://schemas.microsoft.com/office/drawing/2014/main" xmlns="" id="{E195DE7B-42F0-4CAA-AAB0-D33DB61C53CA}"/>
+              </a:ext>
+            </a:extLst>
+          </p:cNvPr>
+          <p:cNvSpPr>
+            <a:spLocks/>
+          </p:cNvSpPr>
+          <p:nvPr/>
+        </p:nvSpPr>
+        <p:spPr bwMode="auto">
+          <a:xfrm>
+            <a:off x="191344" y="285978"/>
+            <a:ext cx="12169352" cy="550734"/>
+          </a:xfrm>
+          <a:prstGeom prst="rect">
+            <a:avLst/>
+          </a:prstGeom>
+        </p:spPr>
+        <p:txBody>
+          <a:bodyPr lIns="0" tIns="0" rIns="0" bIns="0"/>
+          <a:lstStyle>
+            <a:lvl1pPr algn="l" defTabSz="914400">
+              <a:lnSpc>
+                <a:spcPct val="90000"/>
+              </a:lnSpc>
+              <a:spcBef>
+                <a:spcPts val="0"/>
+              </a:spcBef>
+              <a:buNone/>
+              <a:defRPr sz="4400" b="0" i="0">
+                <a:solidFill>
+                  <a:schemeClr val="tx1"/>
+                </a:solidFill>
+                <a:latin typeface="SB Sans Display Regular"/>
+                <a:ea typeface="+mj-ea"/>
+                <a:cs typeface="+mj-cs"/>
+              </a:defRPr>
+            </a:lvl1pPr>
+          </a:lstStyle>
+          <a:p>
+            <a:pPr>
+              <a:defRPr/>
+            </a:pPr>
+            <a:r>
+              <a:rPr lang="ru-RU" sz="3200" dirty="0" smtClean="0">
+                <a:solidFill>
+                  <a:srgbClr val="333F48"/>
+                </a:solidFill>
+              </a:rPr>
+              <a:t>3</a:t>
+            </a:r>
+            <a:r>
+              <a:rPr lang="ru-RU" sz="3200" dirty="0" smtClean="0">
+                <a:solidFill>
+                  <a:srgbClr val="333F48"/>
+                </a:solidFill>
+              </a:rPr>
+              <a:t>. Функция возвращающая таблицу отчета </a:t>
+            </a:r>
+            <a:endParaRPr lang="ru-RU" sz="1200" dirty="0"/>
+          </a:p>
+          <a:p>
+            <a:pPr>
+              <a:defRPr/>
+            </a:pPr>
+            <a:r>
+              <a:rPr lang="ru-RU" sz="3200" dirty="0" smtClean="0">
+                <a:solidFill>
+                  <a:srgbClr val="333F48"/>
+                </a:solidFill>
+              </a:rPr>
+              <a:t> </a:t>
+            </a:r>
+            <a:endParaRPr lang="ru-RU" sz="1200" dirty="0"/>
+          </a:p>
+        </p:txBody>
+      </p:sp>
+      <p:sp>
+        <p:nvSpPr>
+          <p:cNvPr id="5" name="TextBox 4"/>
+          <p:cNvSpPr txBox="1"/>
+          <p:nvPr/>
+        </p:nvSpPr>
+        <p:spPr>
+          <a:xfrm>
+            <a:off x="5879976" y="614491"/>
+            <a:ext cx="6120680" cy="507831"/>
+          </a:xfrm>
+          <a:prstGeom prst="rect">
+            <a:avLst/>
+          </a:prstGeom>
+          <a:noFill/>
+        </p:spPr>
+        <p:txBody>
+          <a:bodyPr wrap="square" rtlCol="0">
+            <a:spAutoFit/>
+          </a:bodyPr>
+          <a:lstStyle/>
+          <a:p>
+            <a:r>
+              <a:rPr lang="en-US" sz="900" dirty="0"/>
+              <a:t> </a:t>
+            </a:r>
+          </a:p>
+          <a:p>
+            <a:endParaRPr lang="en-US" sz="900" dirty="0"/>
+          </a:p>
+          <a:p>
+            <a:r>
+              <a:rPr lang="en-US" sz="900" dirty="0" smtClean="0"/>
+              <a:t>   </a:t>
+            </a:r>
+            <a:endParaRPr lang="ru-RU" sz="900" dirty="0"/>
+          </a:p>
+        </p:txBody>
+      </p:sp>
+      <p:sp>
+        <p:nvSpPr>
+          <p:cNvPr id="4" name="TextBox 3"/>
+          <p:cNvSpPr txBox="1"/>
+          <p:nvPr/>
+        </p:nvSpPr>
+        <p:spPr>
+          <a:xfrm>
+            <a:off x="335360" y="725502"/>
+            <a:ext cx="5328592" cy="2631490"/>
+          </a:xfrm>
+          <a:prstGeom prst="rect">
+            <a:avLst/>
+          </a:prstGeom>
+          <a:solidFill>
+            <a:schemeClr val="accent2">
+              <a:lumMod val="20000"/>
+              <a:lumOff val="80000"/>
+            </a:schemeClr>
+          </a:solidFill>
+          <a:ln>
+            <a:solidFill>
+              <a:schemeClr val="accent1"/>
+            </a:solidFill>
+          </a:ln>
+        </p:spPr>
+        <p:txBody>
+          <a:bodyPr wrap="square" rtlCol="0">
+            <a:spAutoFit/>
+          </a:bodyPr>
+          <a:lstStyle/>
+          <a:p>
+            <a:r>
+              <a:rPr lang="ru-RU" sz="1100" dirty="0">
+                <a:latin typeface="Courier New" panose="02070309020205020404" pitchFamily="49" charset="0"/>
+                <a:cs typeface="Courier New" panose="02070309020205020404" pitchFamily="49" charset="0"/>
+              </a:rPr>
+              <a:t>------ Создаем типы данных</a:t>
+            </a:r>
+          </a:p>
+          <a:p>
+            <a:endParaRPr lang="ru-RU" sz="1100" dirty="0">
+              <a:latin typeface="Courier New" panose="02070309020205020404" pitchFamily="49" charset="0"/>
+              <a:cs typeface="Courier New" panose="02070309020205020404" pitchFamily="49" charset="0"/>
+            </a:endParaRPr>
+          </a:p>
+          <a:p>
+            <a:r>
+              <a:rPr lang="en-US" sz="1100" dirty="0">
+                <a:latin typeface="Courier New" panose="02070309020205020404" pitchFamily="49" charset="0"/>
+                <a:cs typeface="Courier New" panose="02070309020205020404" pitchFamily="49" charset="0"/>
+              </a:rPr>
+              <a:t>CREATE OR REPLACE TYPE c##</a:t>
+            </a:r>
+            <a:r>
+              <a:rPr lang="en-US" sz="1100" dirty="0" err="1">
+                <a:latin typeface="Courier New" panose="02070309020205020404" pitchFamily="49" charset="0"/>
+                <a:cs typeface="Courier New" panose="02070309020205020404" pitchFamily="49" charset="0"/>
+              </a:rPr>
+              <a:t>course.report_row</a:t>
+            </a:r>
+            <a:r>
+              <a:rPr lang="en-US" sz="1100" dirty="0">
+                <a:latin typeface="Courier New" panose="02070309020205020404" pitchFamily="49" charset="0"/>
+                <a:cs typeface="Courier New" panose="02070309020205020404" pitchFamily="49" charset="0"/>
+              </a:rPr>
+              <a:t> AS OBJECT</a:t>
+            </a:r>
+          </a:p>
+          <a:p>
+            <a:r>
+              <a:rPr lang="en-US" sz="1100" dirty="0">
+                <a:latin typeface="Courier New" panose="02070309020205020404" pitchFamily="49" charset="0"/>
+                <a:cs typeface="Courier New" panose="02070309020205020404" pitchFamily="49" charset="0"/>
+              </a:rPr>
+              <a:t>( </a:t>
+            </a:r>
+          </a:p>
+          <a:p>
+            <a:r>
+              <a:rPr lang="en-US" sz="1100" dirty="0">
+                <a:latin typeface="Courier New" panose="02070309020205020404" pitchFamily="49" charset="0"/>
+                <a:cs typeface="Courier New" panose="02070309020205020404" pitchFamily="49" charset="0"/>
+              </a:rPr>
+              <a:t>      </a:t>
+            </a:r>
+            <a:r>
+              <a:rPr lang="en-US" sz="1100" dirty="0" err="1">
+                <a:latin typeface="Courier New" panose="02070309020205020404" pitchFamily="49" charset="0"/>
+                <a:cs typeface="Courier New" panose="02070309020205020404" pitchFamily="49" charset="0"/>
+              </a:rPr>
+              <a:t>num_dog</a:t>
+            </a:r>
+            <a:r>
+              <a:rPr lang="en-US" sz="1100" dirty="0">
+                <a:latin typeface="Courier New" panose="02070309020205020404" pitchFamily="49" charset="0"/>
+                <a:cs typeface="Courier New" panose="02070309020205020404" pitchFamily="49" charset="0"/>
+              </a:rPr>
+              <a:t>             varchar2(10)</a:t>
+            </a:r>
+          </a:p>
+          <a:p>
+            <a:r>
+              <a:rPr lang="en-US" sz="1100" dirty="0">
+                <a:latin typeface="Courier New" panose="02070309020205020404" pitchFamily="49" charset="0"/>
+                <a:cs typeface="Courier New" panose="02070309020205020404" pitchFamily="49" charset="0"/>
+              </a:rPr>
+              <a:t>    , </a:t>
+            </a:r>
+            <a:r>
+              <a:rPr lang="en-US" sz="1100" dirty="0" err="1">
+                <a:latin typeface="Courier New" panose="02070309020205020404" pitchFamily="49" charset="0"/>
+                <a:cs typeface="Courier New" panose="02070309020205020404" pitchFamily="49" charset="0"/>
+              </a:rPr>
+              <a:t>cl_name</a:t>
+            </a:r>
+            <a:r>
+              <a:rPr lang="en-US" sz="1100" dirty="0">
+                <a:latin typeface="Courier New" panose="02070309020205020404" pitchFamily="49" charset="0"/>
+                <a:cs typeface="Courier New" panose="02070309020205020404" pitchFamily="49" charset="0"/>
+              </a:rPr>
+              <a:t>             varchar2(100)</a:t>
+            </a:r>
+          </a:p>
+          <a:p>
+            <a:r>
+              <a:rPr lang="en-US" sz="1100" dirty="0">
+                <a:latin typeface="Courier New" panose="02070309020205020404" pitchFamily="49" charset="0"/>
+                <a:cs typeface="Courier New" panose="02070309020205020404" pitchFamily="49" charset="0"/>
+              </a:rPr>
+              <a:t>    , </a:t>
+            </a:r>
+            <a:r>
+              <a:rPr lang="en-US" sz="1100" dirty="0" err="1">
+                <a:latin typeface="Courier New" panose="02070309020205020404" pitchFamily="49" charset="0"/>
+                <a:cs typeface="Courier New" panose="02070309020205020404" pitchFamily="49" charset="0"/>
+              </a:rPr>
+              <a:t>summa_dog</a:t>
+            </a:r>
+            <a:r>
+              <a:rPr lang="en-US" sz="1100" dirty="0">
+                <a:latin typeface="Courier New" panose="02070309020205020404" pitchFamily="49" charset="0"/>
+                <a:cs typeface="Courier New" panose="02070309020205020404" pitchFamily="49" charset="0"/>
+              </a:rPr>
+              <a:t>           number</a:t>
+            </a:r>
+          </a:p>
+          <a:p>
+            <a:r>
+              <a:rPr lang="en-US" sz="1100" dirty="0">
+                <a:latin typeface="Courier New" panose="02070309020205020404" pitchFamily="49" charset="0"/>
+                <a:cs typeface="Courier New" panose="02070309020205020404" pitchFamily="49" charset="0"/>
+              </a:rPr>
+              <a:t>    , </a:t>
+            </a:r>
+            <a:r>
+              <a:rPr lang="en-US" sz="1100" dirty="0" err="1">
+                <a:latin typeface="Courier New" panose="02070309020205020404" pitchFamily="49" charset="0"/>
+                <a:cs typeface="Courier New" panose="02070309020205020404" pitchFamily="49" charset="0"/>
+              </a:rPr>
+              <a:t>date_begin</a:t>
+            </a:r>
+            <a:r>
+              <a:rPr lang="en-US" sz="1100" dirty="0">
+                <a:latin typeface="Courier New" panose="02070309020205020404" pitchFamily="49" charset="0"/>
+                <a:cs typeface="Courier New" panose="02070309020205020404" pitchFamily="49" charset="0"/>
+              </a:rPr>
+              <a:t>          date </a:t>
+            </a:r>
+          </a:p>
+          <a:p>
+            <a:r>
+              <a:rPr lang="en-US" sz="1100" dirty="0">
+                <a:latin typeface="Courier New" panose="02070309020205020404" pitchFamily="49" charset="0"/>
+                <a:cs typeface="Courier New" panose="02070309020205020404" pitchFamily="49" charset="0"/>
+              </a:rPr>
+              <a:t>    , </a:t>
+            </a:r>
+            <a:r>
+              <a:rPr lang="en-US" sz="1100" dirty="0" err="1">
+                <a:latin typeface="Courier New" panose="02070309020205020404" pitchFamily="49" charset="0"/>
+                <a:cs typeface="Courier New" panose="02070309020205020404" pitchFamily="49" charset="0"/>
+              </a:rPr>
+              <a:t>date_end</a:t>
+            </a:r>
+            <a:r>
+              <a:rPr lang="en-US" sz="1100" dirty="0">
+                <a:latin typeface="Courier New" panose="02070309020205020404" pitchFamily="49" charset="0"/>
+                <a:cs typeface="Courier New" panose="02070309020205020404" pitchFamily="49" charset="0"/>
+              </a:rPr>
+              <a:t>            date</a:t>
+            </a:r>
+          </a:p>
+          <a:p>
+            <a:r>
+              <a:rPr lang="en-US" sz="1100" dirty="0">
+                <a:latin typeface="Courier New" panose="02070309020205020404" pitchFamily="49" charset="0"/>
+                <a:cs typeface="Courier New" panose="02070309020205020404" pitchFamily="49" charset="0"/>
+              </a:rPr>
+              <a:t>    , </a:t>
+            </a:r>
+            <a:r>
+              <a:rPr lang="en-US" sz="1100" dirty="0" err="1">
+                <a:latin typeface="Courier New" panose="02070309020205020404" pitchFamily="49" charset="0"/>
+                <a:cs typeface="Courier New" panose="02070309020205020404" pitchFamily="49" charset="0"/>
+              </a:rPr>
+              <a:t>ostat_dolg</a:t>
+            </a:r>
+            <a:r>
+              <a:rPr lang="en-US" sz="1100" dirty="0">
+                <a:latin typeface="Courier New" panose="02070309020205020404" pitchFamily="49" charset="0"/>
+                <a:cs typeface="Courier New" panose="02070309020205020404" pitchFamily="49" charset="0"/>
+              </a:rPr>
+              <a:t>          number</a:t>
+            </a:r>
+          </a:p>
+          <a:p>
+            <a:r>
+              <a:rPr lang="en-US" sz="1100" dirty="0">
+                <a:latin typeface="Courier New" panose="02070309020205020404" pitchFamily="49" charset="0"/>
+                <a:cs typeface="Courier New" panose="02070309020205020404" pitchFamily="49" charset="0"/>
+              </a:rPr>
+              <a:t>    , </a:t>
+            </a:r>
+            <a:r>
+              <a:rPr lang="en-US" sz="1100" dirty="0" err="1">
+                <a:latin typeface="Courier New" panose="02070309020205020404" pitchFamily="49" charset="0"/>
+                <a:cs typeface="Courier New" panose="02070309020205020404" pitchFamily="49" charset="0"/>
+              </a:rPr>
+              <a:t>need_pogash_percent</a:t>
+            </a:r>
+            <a:r>
+              <a:rPr lang="en-US" sz="1100" dirty="0">
+                <a:latin typeface="Courier New" panose="02070309020205020404" pitchFamily="49" charset="0"/>
+                <a:cs typeface="Courier New" panose="02070309020205020404" pitchFamily="49" charset="0"/>
+              </a:rPr>
+              <a:t> number</a:t>
+            </a:r>
+          </a:p>
+          <a:p>
+            <a:r>
+              <a:rPr lang="en-US" sz="1100" dirty="0">
+                <a:latin typeface="Courier New" panose="02070309020205020404" pitchFamily="49" charset="0"/>
+                <a:cs typeface="Courier New" panose="02070309020205020404" pitchFamily="49" charset="0"/>
+              </a:rPr>
+              <a:t>);</a:t>
+            </a:r>
+          </a:p>
+          <a:p>
+            <a:endParaRPr lang="en-US" sz="1100" dirty="0">
+              <a:latin typeface="Courier New" panose="02070309020205020404" pitchFamily="49" charset="0"/>
+              <a:cs typeface="Courier New" panose="02070309020205020404" pitchFamily="49" charset="0"/>
+            </a:endParaRPr>
+          </a:p>
+          <a:p>
+            <a:r>
+              <a:rPr lang="en-US" sz="1100" dirty="0">
+                <a:latin typeface="Courier New" panose="02070309020205020404" pitchFamily="49" charset="0"/>
+                <a:cs typeface="Courier New" panose="02070309020205020404" pitchFamily="49" charset="0"/>
+              </a:rPr>
+              <a:t>CREATE OR REPLACE TYPE c##</a:t>
+            </a:r>
+            <a:r>
+              <a:rPr lang="en-US" sz="1100" dirty="0" err="1">
+                <a:latin typeface="Courier New" panose="02070309020205020404" pitchFamily="49" charset="0"/>
+                <a:cs typeface="Courier New" panose="02070309020205020404" pitchFamily="49" charset="0"/>
+              </a:rPr>
+              <a:t>course.table_report</a:t>
+            </a:r>
+            <a:r>
+              <a:rPr lang="en-US" sz="1100" dirty="0">
+                <a:latin typeface="Courier New" panose="02070309020205020404" pitchFamily="49" charset="0"/>
+                <a:cs typeface="Courier New" panose="02070309020205020404" pitchFamily="49" charset="0"/>
+              </a:rPr>
+              <a:t> AS TABLE OF c##</a:t>
+            </a:r>
+            <a:r>
+              <a:rPr lang="en-US" sz="1100" dirty="0" err="1">
+                <a:latin typeface="Courier New" panose="02070309020205020404" pitchFamily="49" charset="0"/>
+                <a:cs typeface="Courier New" panose="02070309020205020404" pitchFamily="49" charset="0"/>
+              </a:rPr>
+              <a:t>course.report_row</a:t>
+            </a:r>
+            <a:r>
+              <a:rPr lang="en-US" sz="1100" dirty="0">
+                <a:latin typeface="Courier New" panose="02070309020205020404" pitchFamily="49" charset="0"/>
+                <a:cs typeface="Courier New" panose="02070309020205020404" pitchFamily="49" charset="0"/>
+              </a:rPr>
+              <a:t>;</a:t>
+            </a:r>
+            <a:endParaRPr lang="en-US" sz="1100" dirty="0">
+              <a:latin typeface="Courier New" panose="02070309020205020404" pitchFamily="49" charset="0"/>
+              <a:cs typeface="Courier New" panose="02070309020205020404" pitchFamily="49" charset="0"/>
+            </a:endParaRPr>
+          </a:p>
+        </p:txBody>
+      </p:sp>
+      <p:sp>
+        <p:nvSpPr>
+          <p:cNvPr id="7" name="TextBox 6"/>
+          <p:cNvSpPr txBox="1"/>
+          <p:nvPr/>
+        </p:nvSpPr>
+        <p:spPr>
+          <a:xfrm>
+            <a:off x="5879976" y="728112"/>
+            <a:ext cx="6120680" cy="5509200"/>
+          </a:xfrm>
+          <a:prstGeom prst="rect">
+            <a:avLst/>
+          </a:prstGeom>
+          <a:solidFill>
+            <a:schemeClr val="accent2">
+              <a:lumMod val="20000"/>
+              <a:lumOff val="80000"/>
+            </a:schemeClr>
+          </a:solidFill>
+          <a:ln>
+            <a:solidFill>
+              <a:schemeClr val="accent1"/>
+            </a:solidFill>
+          </a:ln>
+        </p:spPr>
+        <p:txBody>
+          <a:bodyPr wrap="square" rtlCol="0">
+            <a:spAutoFit/>
+          </a:bodyPr>
+          <a:lstStyle/>
+          <a:p>
+            <a:r>
+              <a:rPr lang="en-US" sz="1100" dirty="0">
+                <a:latin typeface="Courier New" panose="02070309020205020404" pitchFamily="49" charset="0"/>
+                <a:cs typeface="Courier New" panose="02070309020205020404" pitchFamily="49" charset="0"/>
+              </a:rPr>
+              <a:t>CREATE OR REPLACE FUNCTION c##</a:t>
+            </a:r>
+            <a:r>
+              <a:rPr lang="en-US" sz="1100" dirty="0" err="1">
+                <a:latin typeface="Courier New" panose="02070309020205020404" pitchFamily="49" charset="0"/>
+                <a:cs typeface="Courier New" panose="02070309020205020404" pitchFamily="49" charset="0"/>
+              </a:rPr>
+              <a:t>course.fn_get_report</a:t>
+            </a:r>
+            <a:r>
+              <a:rPr lang="en-US" sz="1100" dirty="0">
+                <a:latin typeface="Courier New" panose="02070309020205020404" pitchFamily="49" charset="0"/>
+                <a:cs typeface="Courier New" panose="02070309020205020404" pitchFamily="49" charset="0"/>
+              </a:rPr>
+              <a:t> (</a:t>
+            </a:r>
+            <a:r>
+              <a:rPr lang="en-US" sz="1100" dirty="0" err="1">
+                <a:latin typeface="Courier New" panose="02070309020205020404" pitchFamily="49" charset="0"/>
+                <a:cs typeface="Courier New" panose="02070309020205020404" pitchFamily="49" charset="0"/>
+              </a:rPr>
+              <a:t>report_dt</a:t>
+            </a:r>
+            <a:r>
+              <a:rPr lang="en-US" sz="1100" dirty="0">
+                <a:latin typeface="Courier New" panose="02070309020205020404" pitchFamily="49" charset="0"/>
+                <a:cs typeface="Courier New" panose="02070309020205020404" pitchFamily="49" charset="0"/>
+              </a:rPr>
+              <a:t> DATE)</a:t>
+            </a:r>
+          </a:p>
+          <a:p>
+            <a:r>
+              <a:rPr lang="en-US" sz="1100" dirty="0">
+                <a:latin typeface="Courier New" panose="02070309020205020404" pitchFamily="49" charset="0"/>
+                <a:cs typeface="Courier New" panose="02070309020205020404" pitchFamily="49" charset="0"/>
+              </a:rPr>
+              <a:t>    RETURN c##</a:t>
+            </a:r>
+            <a:r>
+              <a:rPr lang="en-US" sz="1100" dirty="0" err="1">
+                <a:latin typeface="Courier New" panose="02070309020205020404" pitchFamily="49" charset="0"/>
+                <a:cs typeface="Courier New" panose="02070309020205020404" pitchFamily="49" charset="0"/>
+              </a:rPr>
+              <a:t>course.table_report</a:t>
+            </a:r>
+            <a:r>
+              <a:rPr lang="en-US" sz="1100" dirty="0">
+                <a:latin typeface="Courier New" panose="02070309020205020404" pitchFamily="49" charset="0"/>
+                <a:cs typeface="Courier New" panose="02070309020205020404" pitchFamily="49" charset="0"/>
+              </a:rPr>
+              <a:t> PIPELINED</a:t>
+            </a:r>
+          </a:p>
+          <a:p>
+            <a:r>
+              <a:rPr lang="en-US" sz="1100" dirty="0">
+                <a:latin typeface="Courier New" panose="02070309020205020404" pitchFamily="49" charset="0"/>
+                <a:cs typeface="Courier New" panose="02070309020205020404" pitchFamily="49" charset="0"/>
+              </a:rPr>
+              <a:t>    -- </a:t>
+            </a:r>
+            <a:r>
+              <a:rPr lang="ru-RU" sz="1100" dirty="0">
+                <a:latin typeface="Courier New" panose="02070309020205020404" pitchFamily="49" charset="0"/>
+                <a:cs typeface="Courier New" panose="02070309020205020404" pitchFamily="49" charset="0"/>
+              </a:rPr>
+              <a:t>Атрибут </a:t>
+            </a:r>
+            <a:r>
+              <a:rPr lang="en-US" sz="1100" dirty="0">
+                <a:latin typeface="Courier New" panose="02070309020205020404" pitchFamily="49" charset="0"/>
+                <a:cs typeface="Courier New" panose="02070309020205020404" pitchFamily="49" charset="0"/>
+              </a:rPr>
+              <a:t>pipelined </a:t>
+            </a:r>
+            <a:r>
+              <a:rPr lang="ru-RU" sz="1100" dirty="0">
+                <a:latin typeface="Courier New" panose="02070309020205020404" pitchFamily="49" charset="0"/>
+                <a:cs typeface="Courier New" panose="02070309020205020404" pitchFamily="49" charset="0"/>
+              </a:rPr>
+              <a:t>означает, что функция является конвейерной, результат возвращается клиенту немедленно при вызове директивы </a:t>
+            </a:r>
+            <a:r>
+              <a:rPr lang="en-US" sz="1100" dirty="0">
+                <a:latin typeface="Courier New" panose="02070309020205020404" pitchFamily="49" charset="0"/>
+                <a:cs typeface="Courier New" panose="02070309020205020404" pitchFamily="49" charset="0"/>
+              </a:rPr>
+              <a:t>pipe row, </a:t>
+            </a:r>
+          </a:p>
+          <a:p>
+            <a:r>
+              <a:rPr lang="en-US" sz="1100" dirty="0">
+                <a:latin typeface="Courier New" panose="02070309020205020404" pitchFamily="49" charset="0"/>
+                <a:cs typeface="Courier New" panose="02070309020205020404" pitchFamily="49" charset="0"/>
+              </a:rPr>
+              <a:t>    -- </a:t>
+            </a:r>
+            <a:r>
+              <a:rPr lang="ru-RU" sz="1100" dirty="0">
+                <a:latin typeface="Courier New" panose="02070309020205020404" pitchFamily="49" charset="0"/>
+                <a:cs typeface="Courier New" panose="02070309020205020404" pitchFamily="49" charset="0"/>
+              </a:rPr>
+              <a:t>поэтому оператор </a:t>
+            </a:r>
+            <a:r>
+              <a:rPr lang="en-US" sz="1100" dirty="0">
+                <a:latin typeface="Courier New" panose="02070309020205020404" pitchFamily="49" charset="0"/>
+                <a:cs typeface="Courier New" panose="02070309020205020404" pitchFamily="49" charset="0"/>
+              </a:rPr>
+              <a:t>return </a:t>
+            </a:r>
+            <a:r>
+              <a:rPr lang="ru-RU" sz="1100" dirty="0">
+                <a:latin typeface="Courier New" panose="02070309020205020404" pitchFamily="49" charset="0"/>
+                <a:cs typeface="Courier New" panose="02070309020205020404" pitchFamily="49" charset="0"/>
+              </a:rPr>
+              <a:t>необязателен.</a:t>
+            </a:r>
+          </a:p>
+          <a:p>
+            <a:r>
+              <a:rPr lang="ru-RU" sz="1100" dirty="0">
+                <a:latin typeface="Courier New" panose="02070309020205020404" pitchFamily="49" charset="0"/>
+                <a:cs typeface="Courier New" panose="02070309020205020404" pitchFamily="49" charset="0"/>
+              </a:rPr>
+              <a:t>    </a:t>
+            </a:r>
+            <a:r>
+              <a:rPr lang="en-US" sz="1100" dirty="0">
+                <a:latin typeface="Courier New" panose="02070309020205020404" pitchFamily="49" charset="0"/>
+                <a:cs typeface="Courier New" panose="02070309020205020404" pitchFamily="49" charset="0"/>
+              </a:rPr>
+              <a:t>AS</a:t>
+            </a:r>
+          </a:p>
+          <a:p>
+            <a:r>
+              <a:rPr lang="en-US" sz="1100" dirty="0">
+                <a:latin typeface="Courier New" panose="02070309020205020404" pitchFamily="49" charset="0"/>
+                <a:cs typeface="Courier New" panose="02070309020205020404" pitchFamily="49" charset="0"/>
+              </a:rPr>
+              <a:t>        </a:t>
+            </a:r>
+            <a:r>
+              <a:rPr lang="en-US" sz="1100" dirty="0" err="1">
+                <a:latin typeface="Courier New" panose="02070309020205020404" pitchFamily="49" charset="0"/>
+                <a:cs typeface="Courier New" panose="02070309020205020404" pitchFamily="49" charset="0"/>
+              </a:rPr>
+              <a:t>result_table_report</a:t>
+            </a:r>
+            <a:r>
+              <a:rPr lang="en-US" sz="1100" dirty="0">
+                <a:latin typeface="Courier New" panose="02070309020205020404" pitchFamily="49" charset="0"/>
+                <a:cs typeface="Courier New" panose="02070309020205020404" pitchFamily="49" charset="0"/>
+              </a:rPr>
+              <a:t> c##</a:t>
+            </a:r>
+            <a:r>
+              <a:rPr lang="en-US" sz="1100" dirty="0" err="1">
+                <a:latin typeface="Courier New" panose="02070309020205020404" pitchFamily="49" charset="0"/>
+                <a:cs typeface="Courier New" panose="02070309020205020404" pitchFamily="49" charset="0"/>
+              </a:rPr>
+              <a:t>course.table_report</a:t>
+            </a:r>
+            <a:r>
+              <a:rPr lang="en-US" sz="1100" dirty="0">
+                <a:latin typeface="Courier New" panose="02070309020205020404" pitchFamily="49" charset="0"/>
+                <a:cs typeface="Courier New" panose="02070309020205020404" pitchFamily="49" charset="0"/>
+              </a:rPr>
+              <a:t>;</a:t>
+            </a:r>
+          </a:p>
+          <a:p>
+            <a:r>
+              <a:rPr lang="en-US" sz="1100" dirty="0">
+                <a:latin typeface="Courier New" panose="02070309020205020404" pitchFamily="49" charset="0"/>
+                <a:cs typeface="Courier New" panose="02070309020205020404" pitchFamily="49" charset="0"/>
+              </a:rPr>
+              <a:t>BEGIN</a:t>
+            </a:r>
+          </a:p>
+          <a:p>
+            <a:endParaRPr lang="en-US" sz="1100" dirty="0">
+              <a:latin typeface="Courier New" panose="02070309020205020404" pitchFamily="49" charset="0"/>
+              <a:cs typeface="Courier New" panose="02070309020205020404" pitchFamily="49" charset="0"/>
+            </a:endParaRPr>
+          </a:p>
+          <a:p>
+            <a:r>
+              <a:rPr lang="en-US" sz="1100" dirty="0">
+                <a:latin typeface="Courier New" panose="02070309020205020404" pitchFamily="49" charset="0"/>
+                <a:cs typeface="Courier New" panose="02070309020205020404" pitchFamily="49" charset="0"/>
+              </a:rPr>
+              <a:t>SELECT </a:t>
+            </a:r>
+          </a:p>
+          <a:p>
+            <a:r>
+              <a:rPr lang="en-US" sz="1100" dirty="0">
+                <a:latin typeface="Courier New" panose="02070309020205020404" pitchFamily="49" charset="0"/>
+                <a:cs typeface="Courier New" panose="02070309020205020404" pitchFamily="49" charset="0"/>
+              </a:rPr>
+              <a:t>    </a:t>
+            </a:r>
+            <a:r>
+              <a:rPr lang="en-US" sz="1100" dirty="0" smtClean="0">
+                <a:latin typeface="Courier New" panose="02070309020205020404" pitchFamily="49" charset="0"/>
+                <a:cs typeface="Courier New" panose="02070309020205020404" pitchFamily="49" charset="0"/>
+              </a:rPr>
+              <a:t>c</a:t>
+            </a:r>
+            <a:r>
+              <a:rPr lang="en-US" sz="1100" dirty="0">
+                <a:latin typeface="Courier New" panose="02070309020205020404" pitchFamily="49" charset="0"/>
+                <a:cs typeface="Courier New" panose="02070309020205020404" pitchFamily="49" charset="0"/>
+              </a:rPr>
+              <a:t>##</a:t>
+            </a:r>
+            <a:r>
+              <a:rPr lang="en-US" sz="1100" dirty="0" err="1">
+                <a:latin typeface="Courier New" panose="02070309020205020404" pitchFamily="49" charset="0"/>
+                <a:cs typeface="Courier New" panose="02070309020205020404" pitchFamily="49" charset="0"/>
+              </a:rPr>
+              <a:t>course.report_row</a:t>
+            </a:r>
+            <a:endParaRPr lang="en-US" sz="1100" dirty="0">
+              <a:latin typeface="Courier New" panose="02070309020205020404" pitchFamily="49" charset="0"/>
+              <a:cs typeface="Courier New" panose="02070309020205020404" pitchFamily="49" charset="0"/>
+            </a:endParaRPr>
+          </a:p>
+          <a:p>
+            <a:r>
+              <a:rPr lang="en-US" sz="1100" dirty="0">
+                <a:latin typeface="Courier New" panose="02070309020205020404" pitchFamily="49" charset="0"/>
+                <a:cs typeface="Courier New" panose="02070309020205020404" pitchFamily="49" charset="0"/>
+              </a:rPr>
+              <a:t>    </a:t>
+            </a:r>
+            <a:r>
+              <a:rPr lang="en-US" sz="1100" dirty="0" smtClean="0">
+                <a:latin typeface="Courier New" panose="02070309020205020404" pitchFamily="49" charset="0"/>
+                <a:cs typeface="Courier New" panose="02070309020205020404" pitchFamily="49" charset="0"/>
+              </a:rPr>
+              <a:t>(</a:t>
+            </a:r>
+            <a:endParaRPr lang="en-US" sz="1100" dirty="0">
+              <a:latin typeface="Courier New" panose="02070309020205020404" pitchFamily="49" charset="0"/>
+              <a:cs typeface="Courier New" panose="02070309020205020404" pitchFamily="49" charset="0"/>
+            </a:endParaRPr>
+          </a:p>
+          <a:p>
+            <a:r>
+              <a:rPr lang="en-US" sz="1100" dirty="0">
+                <a:latin typeface="Courier New" panose="02070309020205020404" pitchFamily="49" charset="0"/>
+                <a:cs typeface="Courier New" panose="02070309020205020404" pitchFamily="49" charset="0"/>
+              </a:rPr>
+              <a:t>    </a:t>
+            </a:r>
+            <a:r>
+              <a:rPr lang="en-US" sz="1100" dirty="0" smtClean="0">
+                <a:latin typeface="Courier New" panose="02070309020205020404" pitchFamily="49" charset="0"/>
+                <a:cs typeface="Courier New" panose="02070309020205020404" pitchFamily="49" charset="0"/>
+              </a:rPr>
+              <a:t>   </a:t>
+            </a:r>
+            <a:r>
+              <a:rPr lang="en-US" sz="1100" dirty="0" err="1">
+                <a:latin typeface="Courier New" panose="02070309020205020404" pitchFamily="49" charset="0"/>
+                <a:cs typeface="Courier New" panose="02070309020205020404" pitchFamily="49" charset="0"/>
+              </a:rPr>
+              <a:t>dog.num_dog</a:t>
+            </a:r>
+            <a:endParaRPr lang="en-US" sz="1100" dirty="0">
+              <a:latin typeface="Courier New" panose="02070309020205020404" pitchFamily="49" charset="0"/>
+              <a:cs typeface="Courier New" panose="02070309020205020404" pitchFamily="49" charset="0"/>
+            </a:endParaRPr>
+          </a:p>
+          <a:p>
+            <a:r>
+              <a:rPr lang="en-US" sz="1100" dirty="0">
+                <a:latin typeface="Courier New" panose="02070309020205020404" pitchFamily="49" charset="0"/>
+                <a:cs typeface="Courier New" panose="02070309020205020404" pitchFamily="49" charset="0"/>
+              </a:rPr>
+              <a:t>    </a:t>
+            </a:r>
+            <a:r>
+              <a:rPr lang="en-US" sz="1100" dirty="0" smtClean="0">
+                <a:latin typeface="Courier New" panose="02070309020205020404" pitchFamily="49" charset="0"/>
+                <a:cs typeface="Courier New" panose="02070309020205020404" pitchFamily="49" charset="0"/>
+              </a:rPr>
+              <a:t> </a:t>
+            </a:r>
+            <a:r>
+              <a:rPr lang="en-US" sz="1100" dirty="0">
+                <a:latin typeface="Courier New" panose="02070309020205020404" pitchFamily="49" charset="0"/>
+                <a:cs typeface="Courier New" panose="02070309020205020404" pitchFamily="49" charset="0"/>
+              </a:rPr>
+              <a:t>, </a:t>
+            </a:r>
+            <a:r>
+              <a:rPr lang="en-US" sz="1100" dirty="0" err="1">
+                <a:latin typeface="Courier New" panose="02070309020205020404" pitchFamily="49" charset="0"/>
+                <a:cs typeface="Courier New" panose="02070309020205020404" pitchFamily="49" charset="0"/>
+              </a:rPr>
+              <a:t>cli.cl_name</a:t>
+            </a:r>
+            <a:endParaRPr lang="en-US" sz="1100" dirty="0">
+              <a:latin typeface="Courier New" panose="02070309020205020404" pitchFamily="49" charset="0"/>
+              <a:cs typeface="Courier New" panose="02070309020205020404" pitchFamily="49" charset="0"/>
+            </a:endParaRPr>
+          </a:p>
+          <a:p>
+            <a:r>
+              <a:rPr lang="en-US" sz="1100" dirty="0">
+                <a:latin typeface="Courier New" panose="02070309020205020404" pitchFamily="49" charset="0"/>
+                <a:cs typeface="Courier New" panose="02070309020205020404" pitchFamily="49" charset="0"/>
+              </a:rPr>
+              <a:t>    </a:t>
+            </a:r>
+            <a:r>
+              <a:rPr lang="en-US" sz="1100" dirty="0" smtClean="0">
+                <a:latin typeface="Courier New" panose="02070309020205020404" pitchFamily="49" charset="0"/>
+                <a:cs typeface="Courier New" panose="02070309020205020404" pitchFamily="49" charset="0"/>
+              </a:rPr>
+              <a:t> </a:t>
+            </a:r>
+            <a:r>
+              <a:rPr lang="en-US" sz="1100" dirty="0">
+                <a:latin typeface="Courier New" panose="02070309020205020404" pitchFamily="49" charset="0"/>
+                <a:cs typeface="Courier New" panose="02070309020205020404" pitchFamily="49" charset="0"/>
+              </a:rPr>
+              <a:t>, </a:t>
+            </a:r>
+            <a:r>
+              <a:rPr lang="en-US" sz="1100" dirty="0" err="1">
+                <a:latin typeface="Courier New" panose="02070309020205020404" pitchFamily="49" charset="0"/>
+                <a:cs typeface="Courier New" panose="02070309020205020404" pitchFamily="49" charset="0"/>
+              </a:rPr>
+              <a:t>dog.summa_dog</a:t>
+            </a:r>
+            <a:endParaRPr lang="en-US" sz="1100" dirty="0">
+              <a:latin typeface="Courier New" panose="02070309020205020404" pitchFamily="49" charset="0"/>
+              <a:cs typeface="Courier New" panose="02070309020205020404" pitchFamily="49" charset="0"/>
+            </a:endParaRPr>
+          </a:p>
+          <a:p>
+            <a:r>
+              <a:rPr lang="en-US" sz="1100" dirty="0">
+                <a:latin typeface="Courier New" panose="02070309020205020404" pitchFamily="49" charset="0"/>
+                <a:cs typeface="Courier New" panose="02070309020205020404" pitchFamily="49" charset="0"/>
+              </a:rPr>
+              <a:t>    </a:t>
+            </a:r>
+            <a:r>
+              <a:rPr lang="en-US" sz="1100" dirty="0" smtClean="0">
+                <a:latin typeface="Courier New" panose="02070309020205020404" pitchFamily="49" charset="0"/>
+                <a:cs typeface="Courier New" panose="02070309020205020404" pitchFamily="49" charset="0"/>
+              </a:rPr>
+              <a:t> </a:t>
+            </a:r>
+            <a:r>
+              <a:rPr lang="en-US" sz="1100" dirty="0">
+                <a:latin typeface="Courier New" panose="02070309020205020404" pitchFamily="49" charset="0"/>
+                <a:cs typeface="Courier New" panose="02070309020205020404" pitchFamily="49" charset="0"/>
+              </a:rPr>
+              <a:t>, </a:t>
+            </a:r>
+            <a:r>
+              <a:rPr lang="en-US" sz="1100" dirty="0" err="1">
+                <a:latin typeface="Courier New" panose="02070309020205020404" pitchFamily="49" charset="0"/>
+                <a:cs typeface="Courier New" panose="02070309020205020404" pitchFamily="49" charset="0"/>
+              </a:rPr>
+              <a:t>dog.date_begin</a:t>
+            </a:r>
+            <a:endParaRPr lang="en-US" sz="1100" dirty="0">
+              <a:latin typeface="Courier New" panose="02070309020205020404" pitchFamily="49" charset="0"/>
+              <a:cs typeface="Courier New" panose="02070309020205020404" pitchFamily="49" charset="0"/>
+            </a:endParaRPr>
+          </a:p>
+          <a:p>
+            <a:r>
+              <a:rPr lang="en-US" sz="1100" dirty="0">
+                <a:latin typeface="Courier New" panose="02070309020205020404" pitchFamily="49" charset="0"/>
+                <a:cs typeface="Courier New" panose="02070309020205020404" pitchFamily="49" charset="0"/>
+              </a:rPr>
+              <a:t>    </a:t>
+            </a:r>
+            <a:r>
+              <a:rPr lang="en-US" sz="1100" dirty="0" smtClean="0">
+                <a:latin typeface="Courier New" panose="02070309020205020404" pitchFamily="49" charset="0"/>
+                <a:cs typeface="Courier New" panose="02070309020205020404" pitchFamily="49" charset="0"/>
+              </a:rPr>
+              <a:t> </a:t>
+            </a:r>
+            <a:r>
+              <a:rPr lang="en-US" sz="1100" dirty="0">
+                <a:latin typeface="Courier New" panose="02070309020205020404" pitchFamily="49" charset="0"/>
+                <a:cs typeface="Courier New" panose="02070309020205020404" pitchFamily="49" charset="0"/>
+              </a:rPr>
+              <a:t>, </a:t>
+            </a:r>
+            <a:r>
+              <a:rPr lang="en-US" sz="1100" dirty="0" err="1">
+                <a:latin typeface="Courier New" panose="02070309020205020404" pitchFamily="49" charset="0"/>
+                <a:cs typeface="Courier New" panose="02070309020205020404" pitchFamily="49" charset="0"/>
+              </a:rPr>
+              <a:t>dog.date_end</a:t>
+            </a:r>
+            <a:endParaRPr lang="en-US" sz="1100" dirty="0">
+              <a:latin typeface="Courier New" panose="02070309020205020404" pitchFamily="49" charset="0"/>
+              <a:cs typeface="Courier New" panose="02070309020205020404" pitchFamily="49" charset="0"/>
+            </a:endParaRPr>
+          </a:p>
+          <a:p>
+            <a:r>
+              <a:rPr lang="ru-RU" sz="1100" dirty="0" smtClean="0">
+                <a:latin typeface="Courier New" panose="02070309020205020404" pitchFamily="49" charset="0"/>
+                <a:cs typeface="Courier New" panose="02070309020205020404" pitchFamily="49" charset="0"/>
+              </a:rPr>
+              <a:t>     -- </a:t>
+            </a:r>
+            <a:r>
+              <a:rPr lang="ru-RU" sz="1100" dirty="0">
+                <a:latin typeface="Courier New" panose="02070309020205020404" pitchFamily="49" charset="0"/>
+                <a:cs typeface="Courier New" panose="02070309020205020404" pitchFamily="49" charset="0"/>
+              </a:rPr>
+              <a:t>Остаток ссудной задолженности </a:t>
+            </a:r>
+          </a:p>
+          <a:p>
+            <a:r>
+              <a:rPr lang="ru-RU" sz="1100" dirty="0">
+                <a:latin typeface="Courier New" panose="02070309020205020404" pitchFamily="49" charset="0"/>
+                <a:cs typeface="Courier New" panose="02070309020205020404" pitchFamily="49" charset="0"/>
+              </a:rPr>
+              <a:t>     </a:t>
+            </a:r>
+            <a:r>
+              <a:rPr lang="ru-RU" sz="1100" dirty="0" smtClean="0">
+                <a:latin typeface="Courier New" panose="02070309020205020404" pitchFamily="49" charset="0"/>
+                <a:cs typeface="Courier New" panose="02070309020205020404" pitchFamily="49" charset="0"/>
+              </a:rPr>
+              <a:t>, </a:t>
+            </a:r>
+            <a:r>
+              <a:rPr lang="en-US" sz="1100" dirty="0" err="1">
+                <a:latin typeface="Courier New" panose="02070309020205020404" pitchFamily="49" charset="0"/>
+                <a:cs typeface="Courier New" panose="02070309020205020404" pitchFamily="49" charset="0"/>
+              </a:rPr>
+              <a:t>sum_fact.sum_vidano</a:t>
+            </a:r>
+            <a:r>
+              <a:rPr lang="en-US" sz="1100" dirty="0">
+                <a:latin typeface="Courier New" panose="02070309020205020404" pitchFamily="49" charset="0"/>
+                <a:cs typeface="Courier New" panose="02070309020205020404" pitchFamily="49" charset="0"/>
+              </a:rPr>
+              <a:t> - NVL(sum_fact.sum_pogasheno,0)</a:t>
+            </a:r>
+          </a:p>
+          <a:p>
+            <a:r>
+              <a:rPr lang="en-US" sz="1100" dirty="0">
+                <a:latin typeface="Courier New" panose="02070309020205020404" pitchFamily="49" charset="0"/>
+                <a:cs typeface="Courier New" panose="02070309020205020404" pitchFamily="49" charset="0"/>
+              </a:rPr>
+              <a:t>     </a:t>
+            </a:r>
+            <a:r>
+              <a:rPr lang="en-US" sz="1100" dirty="0" smtClean="0">
+                <a:latin typeface="Courier New" panose="02070309020205020404" pitchFamily="49" charset="0"/>
+                <a:cs typeface="Courier New" panose="02070309020205020404" pitchFamily="49" charset="0"/>
+              </a:rPr>
+              <a:t>-- </a:t>
+            </a:r>
+            <a:r>
+              <a:rPr lang="ru-RU" sz="1100" dirty="0">
+                <a:latin typeface="Courier New" panose="02070309020205020404" pitchFamily="49" charset="0"/>
+                <a:cs typeface="Courier New" panose="02070309020205020404" pitchFamily="49" charset="0"/>
+              </a:rPr>
+              <a:t>Сумма предстоящих процентов к </a:t>
+            </a:r>
+            <a:r>
+              <a:rPr lang="ru-RU" sz="1100" dirty="0" smtClean="0">
+                <a:latin typeface="Courier New" panose="02070309020205020404" pitchFamily="49" charset="0"/>
+                <a:cs typeface="Courier New" panose="02070309020205020404" pitchFamily="49" charset="0"/>
+              </a:rPr>
+              <a:t>погашению</a:t>
+            </a:r>
+          </a:p>
+          <a:p>
+            <a:r>
+              <a:rPr lang="ru-RU" sz="1100" dirty="0" smtClean="0">
+                <a:latin typeface="Courier New" panose="02070309020205020404" pitchFamily="49" charset="0"/>
+                <a:cs typeface="Courier New" panose="02070309020205020404" pitchFamily="49" charset="0"/>
+              </a:rPr>
+              <a:t>     </a:t>
+            </a:r>
+            <a:r>
+              <a:rPr lang="en-US" sz="1100" dirty="0" smtClean="0">
+                <a:latin typeface="Courier New" panose="02070309020205020404" pitchFamily="49" charset="0"/>
+                <a:cs typeface="Courier New" panose="02070309020205020404" pitchFamily="49" charset="0"/>
+              </a:rPr>
+              <a:t>NVL(sum_pogasheno_percent_plan.sum_pogasheno_percent_plan,0</a:t>
+            </a:r>
+            <a:r>
+              <a:rPr lang="en-US" sz="1100" dirty="0">
+                <a:latin typeface="Courier New" panose="02070309020205020404" pitchFamily="49" charset="0"/>
+                <a:cs typeface="Courier New" panose="02070309020205020404" pitchFamily="49" charset="0"/>
+              </a:rPr>
+              <a:t>) </a:t>
+            </a:r>
+            <a:r>
+              <a:rPr lang="en-US" sz="1100" dirty="0" smtClean="0">
+                <a:latin typeface="Courier New" panose="02070309020205020404" pitchFamily="49" charset="0"/>
+                <a:cs typeface="Courier New" panose="02070309020205020404" pitchFamily="49" charset="0"/>
+              </a:rPr>
+              <a:t>–</a:t>
+            </a:r>
+            <a:endParaRPr lang="ru-RU" sz="1100" dirty="0" smtClean="0">
+              <a:latin typeface="Courier New" panose="02070309020205020404" pitchFamily="49" charset="0"/>
+              <a:cs typeface="Courier New" panose="02070309020205020404" pitchFamily="49" charset="0"/>
+            </a:endParaRPr>
+          </a:p>
+          <a:p>
+            <a:r>
+              <a:rPr lang="ru-RU" sz="1100" dirty="0" smtClean="0">
+                <a:latin typeface="Courier New" panose="02070309020205020404" pitchFamily="49" charset="0"/>
+                <a:cs typeface="Courier New" panose="02070309020205020404" pitchFamily="49" charset="0"/>
+              </a:rPr>
+              <a:t>     </a:t>
+            </a:r>
+            <a:r>
+              <a:rPr lang="en-US" sz="1100" dirty="0" smtClean="0">
+                <a:latin typeface="Courier New" panose="02070309020205020404" pitchFamily="49" charset="0"/>
+                <a:cs typeface="Courier New" panose="02070309020205020404" pitchFamily="49" charset="0"/>
+              </a:rPr>
+              <a:t>NVL(sum_fact.sum_pogasheno_percent,0)</a:t>
+            </a:r>
+            <a:endParaRPr lang="ru-RU" sz="1100" dirty="0" smtClean="0">
+              <a:latin typeface="Courier New" panose="02070309020205020404" pitchFamily="49" charset="0"/>
+              <a:cs typeface="Courier New" panose="02070309020205020404" pitchFamily="49" charset="0"/>
+            </a:endParaRPr>
+          </a:p>
+          <a:p>
+            <a:r>
+              <a:rPr lang="ru-RU" sz="1100" dirty="0">
+                <a:latin typeface="Courier New" panose="02070309020205020404" pitchFamily="49" charset="0"/>
+                <a:cs typeface="Courier New" panose="02070309020205020404" pitchFamily="49" charset="0"/>
+              </a:rPr>
+              <a:t> </a:t>
+            </a:r>
+            <a:r>
+              <a:rPr lang="ru-RU" sz="1100" dirty="0" smtClean="0">
+                <a:latin typeface="Courier New" panose="02070309020205020404" pitchFamily="49" charset="0"/>
+                <a:cs typeface="Courier New" panose="02070309020205020404" pitchFamily="49" charset="0"/>
+              </a:rPr>
+              <a:t>   </a:t>
+            </a:r>
+            <a:r>
+              <a:rPr lang="en-US" sz="1100" dirty="0" smtClean="0">
+                <a:latin typeface="Courier New" panose="02070309020205020404" pitchFamily="49" charset="0"/>
+                <a:cs typeface="Courier New" panose="02070309020205020404" pitchFamily="49" charset="0"/>
+              </a:rPr>
+              <a:t>)</a:t>
+            </a:r>
+            <a:endParaRPr lang="en-US" sz="1100" dirty="0">
+              <a:latin typeface="Courier New" panose="02070309020205020404" pitchFamily="49" charset="0"/>
+              <a:cs typeface="Courier New" panose="02070309020205020404" pitchFamily="49" charset="0"/>
+            </a:endParaRPr>
+          </a:p>
+          <a:p>
+            <a:r>
+              <a:rPr lang="en-US" sz="1100" dirty="0">
+                <a:latin typeface="Courier New" panose="02070309020205020404" pitchFamily="49" charset="0"/>
+                <a:cs typeface="Courier New" panose="02070309020205020404" pitchFamily="49" charset="0"/>
+              </a:rPr>
+              <a:t>    BULK COLLECT INTO </a:t>
+            </a:r>
+            <a:r>
+              <a:rPr lang="en-US" sz="1100" dirty="0" err="1">
+                <a:latin typeface="Courier New" panose="02070309020205020404" pitchFamily="49" charset="0"/>
+                <a:cs typeface="Courier New" panose="02070309020205020404" pitchFamily="49" charset="0"/>
+              </a:rPr>
+              <a:t>result_table_report</a:t>
+            </a:r>
+            <a:endParaRPr lang="en-US" sz="1100" dirty="0">
+              <a:latin typeface="Courier New" panose="02070309020205020404" pitchFamily="49" charset="0"/>
+              <a:cs typeface="Courier New" panose="02070309020205020404" pitchFamily="49" charset="0"/>
+            </a:endParaRPr>
+          </a:p>
+          <a:p>
+            <a:r>
+              <a:rPr lang="en-US" sz="1100" dirty="0">
+                <a:latin typeface="Courier New" panose="02070309020205020404" pitchFamily="49" charset="0"/>
+                <a:cs typeface="Courier New" panose="02070309020205020404" pitchFamily="49" charset="0"/>
+              </a:rPr>
+              <a:t>    </a:t>
+            </a:r>
+            <a:r>
+              <a:rPr lang="en-US" sz="1100" dirty="0" smtClean="0">
+                <a:latin typeface="Courier New" panose="02070309020205020404" pitchFamily="49" charset="0"/>
+                <a:cs typeface="Courier New" panose="02070309020205020404" pitchFamily="49" charset="0"/>
+              </a:rPr>
+              <a:t>FROM</a:t>
+            </a:r>
+            <a:r>
+              <a:rPr lang="ru-RU" sz="1100" dirty="0" smtClean="0">
+                <a:latin typeface="Courier New" panose="02070309020205020404" pitchFamily="49" charset="0"/>
+                <a:cs typeface="Courier New" panose="02070309020205020404" pitchFamily="49" charset="0"/>
+              </a:rPr>
+              <a:t> </a:t>
+            </a:r>
+            <a:r>
+              <a:rPr lang="en-US" sz="1100" dirty="0" smtClean="0">
+                <a:latin typeface="Courier New" panose="02070309020205020404" pitchFamily="49" charset="0"/>
+                <a:cs typeface="Courier New" panose="02070309020205020404" pitchFamily="49" charset="0"/>
+              </a:rPr>
+              <a:t> </a:t>
+            </a:r>
+            <a:r>
+              <a:rPr lang="en-US" sz="1100" dirty="0">
+                <a:latin typeface="Courier New" panose="02070309020205020404" pitchFamily="49" charset="0"/>
+                <a:cs typeface="Courier New" panose="02070309020205020404" pitchFamily="49" charset="0"/>
+              </a:rPr>
+              <a:t>c##</a:t>
+            </a:r>
+            <a:r>
+              <a:rPr lang="en-US" sz="1100" dirty="0" err="1">
+                <a:latin typeface="Courier New" panose="02070309020205020404" pitchFamily="49" charset="0"/>
+                <a:cs typeface="Courier New" panose="02070309020205020404" pitchFamily="49" charset="0"/>
+              </a:rPr>
+              <a:t>course.pr_credit</a:t>
+            </a:r>
+            <a:r>
+              <a:rPr lang="en-US" sz="1100" dirty="0">
+                <a:latin typeface="Courier New" panose="02070309020205020404" pitchFamily="49" charset="0"/>
+                <a:cs typeface="Courier New" panose="02070309020205020404" pitchFamily="49" charset="0"/>
+              </a:rPr>
+              <a:t> dog</a:t>
+            </a:r>
+          </a:p>
+          <a:p>
+            <a:r>
+              <a:rPr lang="en-US" sz="1100" dirty="0" smtClean="0">
+                <a:latin typeface="Courier New" panose="02070309020205020404" pitchFamily="49" charset="0"/>
+                <a:cs typeface="Courier New" panose="02070309020205020404" pitchFamily="49" charset="0"/>
+              </a:rPr>
+              <a:t>    </a:t>
+            </a:r>
+            <a:r>
+              <a:rPr lang="en-US" sz="1100" dirty="0">
+                <a:latin typeface="Courier New" panose="02070309020205020404" pitchFamily="49" charset="0"/>
+                <a:cs typeface="Courier New" panose="02070309020205020404" pitchFamily="49" charset="0"/>
+              </a:rPr>
+              <a:t>INNER JOIN</a:t>
+            </a:r>
+          </a:p>
+          <a:p>
+            <a:r>
+              <a:rPr lang="en-US" sz="1100" dirty="0">
+                <a:latin typeface="Courier New" panose="02070309020205020404" pitchFamily="49" charset="0"/>
+                <a:cs typeface="Courier New" panose="02070309020205020404" pitchFamily="49" charset="0"/>
+              </a:rPr>
+              <a:t>        c##</a:t>
+            </a:r>
+            <a:r>
+              <a:rPr lang="en-US" sz="1100" dirty="0" err="1">
+                <a:latin typeface="Courier New" panose="02070309020205020404" pitchFamily="49" charset="0"/>
+                <a:cs typeface="Courier New" panose="02070309020205020404" pitchFamily="49" charset="0"/>
+              </a:rPr>
+              <a:t>course.client</a:t>
+            </a:r>
+            <a:r>
+              <a:rPr lang="en-US" sz="1100" dirty="0">
+                <a:latin typeface="Courier New" panose="02070309020205020404" pitchFamily="49" charset="0"/>
+                <a:cs typeface="Courier New" panose="02070309020205020404" pitchFamily="49" charset="0"/>
+              </a:rPr>
+              <a:t> cli</a:t>
+            </a:r>
+          </a:p>
+          <a:p>
+            <a:r>
+              <a:rPr lang="en-US" sz="1100" dirty="0">
+                <a:latin typeface="Courier New" panose="02070309020205020404" pitchFamily="49" charset="0"/>
+                <a:cs typeface="Courier New" panose="02070309020205020404" pitchFamily="49" charset="0"/>
+              </a:rPr>
+              <a:t>        ON (</a:t>
+            </a:r>
+            <a:r>
+              <a:rPr lang="en-US" sz="1100" dirty="0" err="1">
+                <a:latin typeface="Courier New" panose="02070309020205020404" pitchFamily="49" charset="0"/>
+                <a:cs typeface="Courier New" panose="02070309020205020404" pitchFamily="49" charset="0"/>
+              </a:rPr>
+              <a:t>dog.id_client</a:t>
+            </a:r>
+            <a:r>
+              <a:rPr lang="en-US" sz="1100" dirty="0">
+                <a:latin typeface="Courier New" panose="02070309020205020404" pitchFamily="49" charset="0"/>
+                <a:cs typeface="Courier New" panose="02070309020205020404" pitchFamily="49" charset="0"/>
+              </a:rPr>
+              <a:t> = cli.id</a:t>
+            </a:r>
+            <a:r>
+              <a:rPr lang="en-US" sz="1100" dirty="0" smtClean="0">
+                <a:latin typeface="Courier New" panose="02070309020205020404" pitchFamily="49" charset="0"/>
+                <a:cs typeface="Courier New" panose="02070309020205020404" pitchFamily="49" charset="0"/>
+              </a:rPr>
+              <a:t>)</a:t>
+            </a:r>
+            <a:endParaRPr lang="ru-RU" sz="1100" dirty="0" smtClean="0">
+              <a:latin typeface="Courier New" panose="02070309020205020404" pitchFamily="49" charset="0"/>
+              <a:cs typeface="Courier New" panose="02070309020205020404" pitchFamily="49" charset="0"/>
+            </a:endParaRPr>
+          </a:p>
+          <a:p>
+            <a:r>
+              <a:rPr lang="ru-RU" sz="1100" dirty="0" smtClean="0">
+                <a:latin typeface="Courier New" panose="02070309020205020404" pitchFamily="49" charset="0"/>
+                <a:cs typeface="Courier New" panose="02070309020205020404" pitchFamily="49" charset="0"/>
+              </a:rPr>
+              <a:t>...</a:t>
+            </a:r>
+            <a:r>
+              <a:rPr lang="en-US" sz="1100" dirty="0" smtClean="0">
+                <a:latin typeface="Courier New" panose="02070309020205020404" pitchFamily="49" charset="0"/>
+                <a:cs typeface="Courier New" panose="02070309020205020404" pitchFamily="49" charset="0"/>
+              </a:rPr>
+              <a:t>   </a:t>
+            </a:r>
+            <a:endParaRPr lang="en-US" sz="1100" dirty="0">
+              <a:latin typeface="Courier New" panose="02070309020205020404" pitchFamily="49" charset="0"/>
+              <a:cs typeface="Courier New" panose="02070309020205020404" pitchFamily="49" charset="0"/>
+            </a:endParaRPr>
+          </a:p>
+          <a:p>
+            <a:r>
+              <a:rPr lang="en-US" sz="1100" dirty="0">
+                <a:latin typeface="Courier New" panose="02070309020205020404" pitchFamily="49" charset="0"/>
+                <a:cs typeface="Courier New" panose="02070309020205020404" pitchFamily="49" charset="0"/>
+              </a:rPr>
+              <a:t>    </a:t>
+            </a:r>
+          </a:p>
+        </p:txBody>
+      </p:sp>
+      <p:sp>
+        <p:nvSpPr>
+          <p:cNvPr id="6" name="TextBox 5"/>
+          <p:cNvSpPr txBox="1"/>
+          <p:nvPr/>
+        </p:nvSpPr>
+        <p:spPr bwMode="auto">
+          <a:xfrm>
+            <a:off x="335360" y="6309320"/>
+            <a:ext cx="10657184" cy="461665"/>
+          </a:xfrm>
+          <a:prstGeom prst="rect">
+            <a:avLst/>
+          </a:prstGeom>
+          <a:noFill/>
+        </p:spPr>
+        <p:txBody>
+          <a:bodyPr wrap="square" rtlCol="0">
+            <a:spAutoFit/>
+          </a:bodyPr>
+          <a:lstStyle/>
+          <a:p>
+            <a:r>
+              <a:rPr lang="en-US" sz="1200" dirty="0" smtClean="0">
+                <a:solidFill>
+                  <a:schemeClr val="tx2">
+                    <a:lumMod val="60000"/>
+                    <a:lumOff val="40000"/>
+                  </a:schemeClr>
+                </a:solidFill>
+                <a:hlinkClick r:id="rId2"/>
+              </a:rPr>
+              <a:t>https://github.com/AndrSor/Course_PLSQL_SB/blob/main/Course%20Work/02.1.%D0%A1%D0%BE%D0%B7%D0%B4%D0%B0%D0%BD%D0%B8%D0%B5%20%D0%B2%D0%BD%D0%B5%D1%88%D0%BD%D0%B8%D1%85%20%D1%82%D0%B0%D0%B1%D0%BB%D0%B8%D1%86.sql</a:t>
+            </a:r>
+            <a:endParaRPr lang="ru-RU" sz="1200" dirty="0">
+              <a:solidFill>
+                <a:schemeClr val="tx2">
+                  <a:lumMod val="60000"/>
+                  <a:lumOff val="40000"/>
+                </a:schemeClr>
+              </a:solidFill>
+            </a:endParaRPr>
+          </a:p>
+        </p:txBody>
+      </p:sp>
+      <p:sp>
+        <p:nvSpPr>
+          <p:cNvPr id="8" name="TextBox 7"/>
+          <p:cNvSpPr txBox="1"/>
+          <p:nvPr/>
+        </p:nvSpPr>
+        <p:spPr bwMode="auto">
+          <a:xfrm>
+            <a:off x="335360" y="5939988"/>
+            <a:ext cx="4608512" cy="369332"/>
+          </a:xfrm>
+          <a:prstGeom prst="rect">
+            <a:avLst/>
+          </a:prstGeom>
+          <a:noFill/>
+        </p:spPr>
+        <p:txBody>
+          <a:bodyPr wrap="square" rtlCol="0">
+            <a:spAutoFit/>
+          </a:bodyPr>
+          <a:lstStyle/>
+          <a:p>
+            <a:r>
+              <a:rPr lang="ru-RU" dirty="0" smtClean="0"/>
+              <a:t>Ссылка на код скри</a:t>
+            </a:r>
+            <a:r>
+              <a:rPr lang="ru-RU" dirty="0"/>
+              <a:t>п</a:t>
+            </a:r>
+            <a:r>
+              <a:rPr lang="ru-RU" dirty="0" smtClean="0"/>
+              <a:t>та:</a:t>
+            </a:r>
+            <a:endParaRPr lang="ru-RU" dirty="0"/>
+          </a:p>
+        </p:txBody>
+      </p:sp>
+    </p:spTree>
+    <p:extLst>
+      <p:ext uri="{BB962C8B-B14F-4D97-AF65-F5344CB8AC3E}">
+        <p14:creationId xmlns:p14="http://schemas.microsoft.com/office/powerpoint/2010/main" val="460338939"/>
+      </p:ext>
+    </p:extLst>
+  </p:cSld>
+  <p:clrMapOvr>
+    <a:masterClrMapping/>
+  </p:clrMapOvr>
+  <p:timing>
+    <p:tnLst>
+      <p:par>
+        <p:cTn id="1" dur="indefinite" restart="never" nodeType="tmRoot"/>
+      </p:par>
+    </p:tnLst>
+  </p:timing>
+</p:sld>
+</file>
+
+<file path=ppt/slides/slide12.xml><?xml version="1.0" encoding="utf-8"?>
 <p:sld xmlns:a="http://schemas.openxmlformats.org/drawingml/2006/main" xmlns:r="http://schemas.openxmlformats.org/officeDocument/2006/relationships" xmlns:p="http://schemas.openxmlformats.org/presentationml/2006/main" showMasterPhAnim="0">
   <p:cSld>
     <p:spTree>
@@ -9482,7 +10805,7 @@
 </p:sld>
 </file>
 
-<file path=ppt/slides/slide12.xml><?xml version="1.0" encoding="utf-8"?>
+<file path=ppt/slides/slide13.xml><?xml version="1.0" encoding="utf-8"?>
 <p:sld xmlns:a="http://schemas.openxmlformats.org/drawingml/2006/main" xmlns:r="http://schemas.openxmlformats.org/officeDocument/2006/relationships" xmlns:p="http://schemas.openxmlformats.org/presentationml/2006/main" showMasterPhAnim="0">
   <p:cSld>
     <p:spTree>
@@ -10714,778 +12037,6 @@
       </p:par>
     </p:tnLst>
   </p:timing>
-</p:sld>
-</file>
-
-<file path=ppt/slides/slide13.xml><?xml version="1.0" encoding="utf-8"?>
-<p:sld xmlns:a="http://schemas.openxmlformats.org/drawingml/2006/main" xmlns:r="http://schemas.openxmlformats.org/officeDocument/2006/relationships" xmlns:p="http://schemas.openxmlformats.org/presentationml/2006/main" showMasterPhAnim="0">
-  <p:cSld>
-    <p:spTree>
-      <p:nvGrpSpPr>
-        <p:cNvPr id="1" name=""/>
-        <p:cNvGrpSpPr/>
-        <p:nvPr/>
-      </p:nvGrpSpPr>
-      <p:grpSpPr bwMode="auto">
-        <a:xfrm>
-          <a:off x="0" y="0"/>
-          <a:ext cx="0" cy="0"/>
-          <a:chOff x="0" y="0"/>
-          <a:chExt cx="0" cy="0"/>
-        </a:xfrm>
-      </p:grpSpPr>
-      <p:sp>
-        <p:nvSpPr>
-          <p:cNvPr id="18" name="Title 7">
-            <a:extLst>
-              <a:ext uri="{FF2B5EF4-FFF2-40B4-BE49-F238E27FC236}">
-                <a16:creationId xmlns:a16="http://schemas.microsoft.com/office/drawing/2014/main" xmlns="" id="{E195DE7B-42F0-4CAA-AAB0-D33DB61C53CA}"/>
-              </a:ext>
-            </a:extLst>
-          </p:cNvPr>
-          <p:cNvSpPr>
-            <a:spLocks/>
-          </p:cNvSpPr>
-          <p:nvPr/>
-        </p:nvSpPr>
-        <p:spPr bwMode="auto">
-          <a:xfrm>
-            <a:off x="191344" y="285978"/>
-            <a:ext cx="11017224" cy="694750"/>
-          </a:xfrm>
-          <a:prstGeom prst="rect">
-            <a:avLst/>
-          </a:prstGeom>
-        </p:spPr>
-        <p:txBody>
-          <a:bodyPr lIns="0" tIns="0" rIns="0" bIns="0"/>
-          <a:lstStyle>
-            <a:lvl1pPr algn="l" defTabSz="914400">
-              <a:lnSpc>
-                <a:spcPct val="90000"/>
-              </a:lnSpc>
-              <a:spcBef>
-                <a:spcPts val="0"/>
-              </a:spcBef>
-              <a:buNone/>
-              <a:defRPr sz="4400" b="0" i="0">
-                <a:solidFill>
-                  <a:schemeClr val="tx1"/>
-                </a:solidFill>
-                <a:latin typeface="SB Sans Display Regular"/>
-                <a:ea typeface="+mj-ea"/>
-                <a:cs typeface="+mj-cs"/>
-              </a:defRPr>
-            </a:lvl1pPr>
-          </a:lstStyle>
-          <a:p>
-            <a:pPr>
-              <a:defRPr/>
-            </a:pPr>
-            <a:r>
-              <a:rPr lang="ru-RU" sz="3200" dirty="0">
-                <a:solidFill>
-                  <a:srgbClr val="333F48"/>
-                </a:solidFill>
-              </a:rPr>
-              <a:t>Функция формирует Отчет (</a:t>
-            </a:r>
-            <a:r>
-              <a:rPr lang="en-US" sz="3200" dirty="0">
-                <a:solidFill>
-                  <a:srgbClr val="333F48"/>
-                </a:solidFill>
-              </a:rPr>
-              <a:t>HTML</a:t>
-            </a:r>
-            <a:r>
-              <a:rPr lang="ru-RU" sz="3200" dirty="0">
-                <a:solidFill>
-                  <a:srgbClr val="333F48"/>
-                </a:solidFill>
-              </a:rPr>
-              <a:t>)</a:t>
-            </a:r>
-          </a:p>
-          <a:p>
-            <a:pPr>
-              <a:defRPr/>
-            </a:pPr>
-            <a:r>
-              <a:rPr lang="ru-RU" sz="3200" dirty="0">
-                <a:solidFill>
-                  <a:srgbClr val="333F48"/>
-                </a:solidFill>
-              </a:rPr>
-              <a:t> </a:t>
-            </a:r>
-          </a:p>
-        </p:txBody>
-      </p:sp>
-      <p:sp>
-        <p:nvSpPr>
-          <p:cNvPr id="2" name="TextBox 1"/>
-          <p:cNvSpPr txBox="1"/>
-          <p:nvPr/>
-        </p:nvSpPr>
-        <p:spPr>
-          <a:xfrm>
-            <a:off x="119336" y="836712"/>
-            <a:ext cx="10081120" cy="6601807"/>
-          </a:xfrm>
-          <a:prstGeom prst="rect">
-            <a:avLst/>
-          </a:prstGeom>
-          <a:noFill/>
-        </p:spPr>
-        <p:txBody>
-          <a:bodyPr wrap="square" rtlCol="0">
-            <a:spAutoFit/>
-          </a:bodyPr>
-          <a:lstStyle/>
-          <a:p>
-            <a:r>
-              <a:rPr lang="en-US" sz="900" dirty="0"/>
-              <a:t>CREATE OR REPLACE PROCEDURE c##</a:t>
-            </a:r>
-            <a:r>
-              <a:rPr lang="en-US" sz="900" dirty="0" err="1"/>
-              <a:t>course.pr_make_report</a:t>
-            </a:r>
-            <a:r>
-              <a:rPr lang="en-US" sz="900" dirty="0"/>
-              <a:t> (</a:t>
-            </a:r>
-            <a:r>
-              <a:rPr lang="en-US" sz="900" dirty="0" err="1"/>
-              <a:t>report_dt</a:t>
-            </a:r>
-            <a:r>
-              <a:rPr lang="en-US" sz="900" dirty="0"/>
-              <a:t> IN DATE)</a:t>
-            </a:r>
-          </a:p>
-          <a:p>
-            <a:r>
-              <a:rPr lang="en-US" sz="900" dirty="0" smtClean="0"/>
-              <a:t>AS</a:t>
-            </a:r>
-            <a:endParaRPr lang="en-US" sz="900" dirty="0"/>
-          </a:p>
-          <a:p>
-            <a:r>
-              <a:rPr lang="en-US" sz="900" dirty="0"/>
-              <a:t>    t NUMBER := 0;</a:t>
-            </a:r>
-          </a:p>
-          <a:p>
-            <a:r>
-              <a:rPr lang="en-US" sz="900" dirty="0"/>
-              <a:t>BEGIN</a:t>
-            </a:r>
-          </a:p>
-          <a:p>
-            <a:r>
-              <a:rPr lang="en-US" sz="900" dirty="0" smtClean="0"/>
-              <a:t>    </a:t>
-            </a:r>
-            <a:r>
-              <a:rPr lang="en-US" sz="900" dirty="0"/>
-              <a:t>t := 0;</a:t>
-            </a:r>
-          </a:p>
-          <a:p>
-            <a:r>
-              <a:rPr lang="en-US" sz="900" dirty="0" smtClean="0"/>
-              <a:t>DBMS_OUTPUT.PUT_LINE</a:t>
-            </a:r>
-            <a:r>
-              <a:rPr lang="en-US" sz="900" dirty="0"/>
-              <a:t>('&lt;html </a:t>
-            </a:r>
-            <a:r>
-              <a:rPr lang="en-US" sz="900" dirty="0" err="1"/>
-              <a:t>xmlns:o</a:t>
-            </a:r>
-            <a:r>
-              <a:rPr lang="en-US" sz="900" dirty="0"/>
-              <a:t>="</a:t>
-            </a:r>
-            <a:r>
-              <a:rPr lang="en-US" sz="900" dirty="0" err="1"/>
-              <a:t>urn:schemas-microsoft-com:office:office</a:t>
-            </a:r>
-            <a:r>
-              <a:rPr lang="en-US" sz="900" dirty="0"/>
-              <a:t>" </a:t>
-            </a:r>
-            <a:r>
-              <a:rPr lang="en-US" sz="900" dirty="0" err="1"/>
-              <a:t>xmlns:x</a:t>
-            </a:r>
-            <a:r>
-              <a:rPr lang="en-US" sz="900" dirty="0"/>
-              <a:t>="</a:t>
-            </a:r>
-            <a:r>
-              <a:rPr lang="en-US" sz="900" dirty="0" err="1"/>
-              <a:t>urn:schemas-microsoft-com:office:excel</a:t>
-            </a:r>
-            <a:r>
-              <a:rPr lang="en-US" sz="900" dirty="0"/>
-              <a:t>" </a:t>
-            </a:r>
-            <a:r>
-              <a:rPr lang="en-US" sz="900" dirty="0" err="1"/>
-              <a:t>xmlns</a:t>
-            </a:r>
-            <a:r>
-              <a:rPr lang="en-US" sz="900" dirty="0"/>
-              <a:t>="http://www.w3.org/TR/REC-html40"&gt;');</a:t>
-            </a:r>
-          </a:p>
-          <a:p>
-            <a:r>
-              <a:rPr lang="en-US" sz="900" dirty="0"/>
-              <a:t> </a:t>
-            </a:r>
-            <a:r>
-              <a:rPr lang="en-US" sz="900" dirty="0" smtClean="0"/>
-              <a:t>   …………..</a:t>
-            </a:r>
-          </a:p>
-          <a:p>
-            <a:r>
-              <a:rPr lang="en-US" sz="900" dirty="0" smtClean="0"/>
-              <a:t>    DBMS_OUTPUT.PUT_LINE</a:t>
-            </a:r>
-            <a:r>
-              <a:rPr lang="en-US" sz="900" dirty="0"/>
-              <a:t>('&lt;/head&gt;');</a:t>
-            </a:r>
-          </a:p>
-          <a:p>
-            <a:r>
-              <a:rPr lang="en-US" sz="900" dirty="0"/>
-              <a:t>    DBMS_OUTPUT.PUT_LINE('&lt;body&gt;');</a:t>
-            </a:r>
-          </a:p>
-          <a:p>
-            <a:r>
-              <a:rPr lang="en-US" sz="900" dirty="0"/>
-              <a:t>    DBMS_OUTPUT.PUT_LINE('&lt;style&gt;col{</a:t>
-            </a:r>
-            <a:r>
-              <a:rPr lang="en-US" sz="900" dirty="0" err="1"/>
-              <a:t>mso-width-source:auto</a:t>
-            </a:r>
-            <a:r>
-              <a:rPr lang="en-US" sz="900" dirty="0"/>
-              <a:t>}</a:t>
-            </a:r>
-            <a:r>
-              <a:rPr lang="en-US" sz="900" dirty="0" err="1"/>
-              <a:t>br</a:t>
-            </a:r>
-            <a:r>
-              <a:rPr lang="en-US" sz="900" dirty="0"/>
-              <a:t>{</a:t>
-            </a:r>
-            <a:r>
-              <a:rPr lang="en-US" sz="900" dirty="0" err="1"/>
-              <a:t>mso-data-placement:same-cell</a:t>
-            </a:r>
-            <a:r>
-              <a:rPr lang="en-US" sz="900" dirty="0"/>
-              <a:t>}td{font-size:8pt;vertical-align:bottom}&lt;/style&gt;');</a:t>
-            </a:r>
-          </a:p>
-          <a:p>
-            <a:r>
-              <a:rPr lang="en-US" sz="900" dirty="0"/>
-              <a:t>    DBMS_OUTPUT.PUT_LINE('&lt;table&gt;');</a:t>
-            </a:r>
-          </a:p>
-          <a:p>
-            <a:r>
-              <a:rPr lang="en-US" sz="900" dirty="0"/>
-              <a:t>    DBMS_OUTPUT.PUT_LINE('&lt;</a:t>
-            </a:r>
-            <a:r>
-              <a:rPr lang="en-US" sz="900" dirty="0" err="1"/>
-              <a:t>tr</a:t>
-            </a:r>
-            <a:r>
-              <a:rPr lang="en-US" sz="900" dirty="0"/>
-              <a:t>&gt;');</a:t>
-            </a:r>
-          </a:p>
-          <a:p>
-            <a:r>
-              <a:rPr lang="en-US" sz="900" dirty="0"/>
-              <a:t>    DBMS_OUTPUT.PUT_LINE('&lt;td </a:t>
-            </a:r>
-            <a:r>
-              <a:rPr lang="en-US" sz="900" dirty="0" err="1"/>
-              <a:t>bgcolor</a:t>
-            </a:r>
-            <a:r>
-              <a:rPr lang="en-US" sz="900" dirty="0"/>
-              <a:t>="#DDDDFF" style="border-color:#000000;border-style:solid;border-width:.5pt .5pt .5pt .5pt"&gt;№ </a:t>
-            </a:r>
-            <a:r>
-              <a:rPr lang="ru-RU" sz="900" dirty="0" err="1"/>
-              <a:t>п.п</a:t>
-            </a:r>
-            <a:r>
-              <a:rPr lang="ru-RU" sz="900" dirty="0"/>
-              <a:t>.&lt;/</a:t>
-            </a:r>
-            <a:r>
-              <a:rPr lang="en-US" sz="900" dirty="0"/>
-              <a:t>td&gt;');</a:t>
-            </a:r>
-          </a:p>
-          <a:p>
-            <a:r>
-              <a:rPr lang="en-US" sz="900" dirty="0"/>
-              <a:t>    DBMS_OUTPUT.PUT_LINE('&lt;td </a:t>
-            </a:r>
-            <a:r>
-              <a:rPr lang="en-US" sz="900" dirty="0" err="1"/>
-              <a:t>bgcolor</a:t>
-            </a:r>
-            <a:r>
-              <a:rPr lang="en-US" sz="900" dirty="0"/>
-              <a:t>="#DDDDFF" style="border-color:#000000;border-style:solid;border-width:.5pt .5pt .5pt  0pt"&gt;</a:t>
-            </a:r>
-            <a:r>
-              <a:rPr lang="ru-RU" sz="900" dirty="0"/>
-              <a:t>Номер договора&lt;/</a:t>
-            </a:r>
-            <a:r>
-              <a:rPr lang="en-US" sz="900" dirty="0"/>
-              <a:t>td&gt;');</a:t>
-            </a:r>
-          </a:p>
-          <a:p>
-            <a:r>
-              <a:rPr lang="en-US" sz="900" dirty="0"/>
-              <a:t>    DBMS_OUTPUT.PUT_LINE('&lt;td </a:t>
-            </a:r>
-            <a:r>
-              <a:rPr lang="en-US" sz="900" dirty="0" err="1"/>
-              <a:t>bgcolor</a:t>
-            </a:r>
-            <a:r>
-              <a:rPr lang="en-US" sz="900" dirty="0"/>
-              <a:t>="#DDDDFF" style="border-color:#000000;border-style:solid;border-width:.5pt .5pt .5pt  0pt"&gt;</a:t>
-            </a:r>
-            <a:r>
-              <a:rPr lang="ru-RU" sz="900" dirty="0"/>
-              <a:t>ФИО клиента&lt;/</a:t>
-            </a:r>
-            <a:r>
-              <a:rPr lang="en-US" sz="900" dirty="0"/>
-              <a:t>td&gt;');</a:t>
-            </a:r>
-          </a:p>
-          <a:p>
-            <a:r>
-              <a:rPr lang="en-US" sz="900" dirty="0"/>
-              <a:t>    DBMS_OUTPUT.PUT_LINE('&lt;td </a:t>
-            </a:r>
-            <a:r>
-              <a:rPr lang="en-US" sz="900" dirty="0" err="1"/>
-              <a:t>bgcolor</a:t>
-            </a:r>
-            <a:r>
-              <a:rPr lang="en-US" sz="900" dirty="0"/>
-              <a:t>="#DDDDFF" style="border-color:#000000;border-style:solid;border-width:.5pt .5pt .5pt  0pt"&gt;</a:t>
-            </a:r>
-            <a:r>
-              <a:rPr lang="ru-RU" sz="900" dirty="0"/>
-              <a:t>Сумма договора&lt;/</a:t>
-            </a:r>
-            <a:r>
-              <a:rPr lang="en-US" sz="900" dirty="0"/>
-              <a:t>td&gt;');</a:t>
-            </a:r>
-          </a:p>
-          <a:p>
-            <a:r>
-              <a:rPr lang="en-US" sz="900" dirty="0"/>
-              <a:t>    DBMS_OUTPUT.PUT_LINE('&lt;td </a:t>
-            </a:r>
-            <a:r>
-              <a:rPr lang="en-US" sz="900" dirty="0" err="1"/>
-              <a:t>bgcolor</a:t>
-            </a:r>
-            <a:r>
-              <a:rPr lang="en-US" sz="900" dirty="0"/>
-              <a:t>="#DDDDFF" style="border-color:#000000;border-style:solid;border-width:.5pt .5pt .5pt  0pt"&gt;</a:t>
-            </a:r>
-            <a:r>
-              <a:rPr lang="ru-RU" sz="900" dirty="0"/>
-              <a:t>Дата начала договора&lt;/</a:t>
-            </a:r>
-            <a:r>
-              <a:rPr lang="en-US" sz="900" dirty="0"/>
-              <a:t>td&gt;');</a:t>
-            </a:r>
-          </a:p>
-          <a:p>
-            <a:r>
-              <a:rPr lang="en-US" sz="900" dirty="0"/>
-              <a:t>    DBMS_OUTPUT.PUT_LINE('&lt;td </a:t>
-            </a:r>
-            <a:r>
-              <a:rPr lang="en-US" sz="900" dirty="0" err="1"/>
-              <a:t>bgcolor</a:t>
-            </a:r>
-            <a:r>
-              <a:rPr lang="en-US" sz="900" dirty="0"/>
-              <a:t>="#DDDDFF" style="border-color:#000000;border-style:solid;border-width:.5pt .5pt .5pt  0pt"&gt;</a:t>
-            </a:r>
-            <a:r>
-              <a:rPr lang="ru-RU" sz="900" dirty="0"/>
-              <a:t>Дата окончания договора&lt;/</a:t>
-            </a:r>
-            <a:r>
-              <a:rPr lang="en-US" sz="900" dirty="0"/>
-              <a:t>td&gt;');</a:t>
-            </a:r>
-          </a:p>
-          <a:p>
-            <a:r>
-              <a:rPr lang="en-US" sz="900" dirty="0"/>
-              <a:t>    DBMS_OUTPUT.PUT_LINE('&lt;td </a:t>
-            </a:r>
-            <a:r>
-              <a:rPr lang="en-US" sz="900" dirty="0" err="1"/>
-              <a:t>bgcolor</a:t>
-            </a:r>
-            <a:r>
-              <a:rPr lang="en-US" sz="900" dirty="0"/>
-              <a:t>="#DDDDFF" style="border-color:#000000;border-style:solid;border-width:.5pt .5pt .5pt  0pt"&gt;</a:t>
-            </a:r>
-            <a:r>
-              <a:rPr lang="ru-RU" sz="900" dirty="0"/>
-              <a:t>Остаток ссудной задолженности&lt;/</a:t>
-            </a:r>
-            <a:r>
-              <a:rPr lang="en-US" sz="900" dirty="0"/>
-              <a:t>td&gt;');</a:t>
-            </a:r>
-          </a:p>
-          <a:p>
-            <a:r>
-              <a:rPr lang="en-US" sz="900" dirty="0"/>
-              <a:t>    DBMS_OUTPUT.PUT_LINE('&lt;td </a:t>
-            </a:r>
-            <a:r>
-              <a:rPr lang="en-US" sz="900" dirty="0" err="1"/>
-              <a:t>bgcolor</a:t>
-            </a:r>
-            <a:r>
-              <a:rPr lang="en-US" sz="900" dirty="0"/>
-              <a:t>="#DDDDFF" style="border-color:#000000;border-style:solid;border-width:.5pt .5pt .5pt  0pt"&gt;</a:t>
-            </a:r>
-            <a:r>
-              <a:rPr lang="ru-RU" sz="900" dirty="0"/>
-              <a:t>Сумма предстоящих процентов к погашению&lt;/</a:t>
-            </a:r>
-            <a:r>
-              <a:rPr lang="en-US" sz="900" dirty="0"/>
-              <a:t>td&gt;');</a:t>
-            </a:r>
-          </a:p>
-          <a:p>
-            <a:r>
-              <a:rPr lang="en-US" sz="900" dirty="0"/>
-              <a:t>    DBMS_OUTPUT.PUT_LINE('&lt;/</a:t>
-            </a:r>
-            <a:r>
-              <a:rPr lang="en-US" sz="900" dirty="0" err="1"/>
-              <a:t>tr</a:t>
-            </a:r>
-            <a:r>
-              <a:rPr lang="en-US" sz="900" dirty="0"/>
-              <a:t>&gt;');</a:t>
-            </a:r>
-          </a:p>
-          <a:p>
-            <a:r>
-              <a:rPr lang="en-US" sz="900" dirty="0"/>
-              <a:t>      </a:t>
-            </a:r>
-          </a:p>
-          <a:p>
-            <a:r>
-              <a:rPr lang="en-US" sz="900" dirty="0"/>
-              <a:t>    FOR </a:t>
-            </a:r>
-            <a:r>
-              <a:rPr lang="en-US" sz="900" dirty="0" err="1"/>
-              <a:t>i</a:t>
-            </a:r>
-            <a:r>
-              <a:rPr lang="en-US" sz="900" dirty="0"/>
-              <a:t> IN (</a:t>
-            </a:r>
-          </a:p>
-          <a:p>
-            <a:r>
-              <a:rPr lang="en-US" sz="900" dirty="0"/>
-              <a:t>        SELECT * FROM c##</a:t>
-            </a:r>
-            <a:r>
-              <a:rPr lang="en-US" sz="900" dirty="0" err="1"/>
-              <a:t>course.fn_get_report</a:t>
-            </a:r>
-            <a:r>
-              <a:rPr lang="en-US" sz="900" dirty="0"/>
-              <a:t> (</a:t>
-            </a:r>
-            <a:r>
-              <a:rPr lang="en-US" sz="900" dirty="0" err="1"/>
-              <a:t>report_dt</a:t>
-            </a:r>
-            <a:r>
-              <a:rPr lang="en-US" sz="900" dirty="0"/>
-              <a:t>)</a:t>
-            </a:r>
-          </a:p>
-          <a:p>
-            <a:r>
-              <a:rPr lang="en-US" sz="900" dirty="0"/>
-              <a:t>    ) LOOP</a:t>
-            </a:r>
-          </a:p>
-          <a:p>
-            <a:r>
-              <a:rPr lang="en-US" sz="900" dirty="0" smtClean="0"/>
-              <a:t>    </a:t>
-            </a:r>
-          </a:p>
-          <a:p>
-            <a:pPr lvl="1"/>
-            <a:r>
-              <a:rPr lang="en-US" sz="900" dirty="0" smtClean="0"/>
-              <a:t>    t := t + 1;</a:t>
-            </a:r>
-          </a:p>
-          <a:p>
-            <a:pPr lvl="1"/>
-            <a:r>
-              <a:rPr lang="en-US" sz="900" dirty="0" smtClean="0"/>
-              <a:t>    </a:t>
-            </a:r>
-            <a:r>
-              <a:rPr lang="en-US" sz="900" dirty="0"/>
-              <a:t>DBMS_OUTPUT.PUT_LINE('&lt;</a:t>
-            </a:r>
-            <a:r>
-              <a:rPr lang="en-US" sz="900" dirty="0" err="1"/>
-              <a:t>tr</a:t>
-            </a:r>
-            <a:r>
-              <a:rPr lang="en-US" sz="900" dirty="0"/>
-              <a:t>&gt;');</a:t>
-            </a:r>
-          </a:p>
-          <a:p>
-            <a:pPr lvl="1"/>
-            <a:r>
-              <a:rPr lang="en-US" sz="900" dirty="0"/>
-              <a:t>    DBMS_OUTPUT.PUT_LINE('&lt;td style="border-color:#000000;border-style:solid;border-width:.5pt .5pt .5pt .5pt;text-align:right"&gt;' || t || '&lt;/td&gt;');</a:t>
-            </a:r>
-          </a:p>
-          <a:p>
-            <a:pPr lvl="1"/>
-            <a:r>
-              <a:rPr lang="en-US" sz="900" dirty="0"/>
-              <a:t>    DBMS_OUTPUT.PUT_LINE('&lt;td style="border-color:#000000;border-style:solid;border-width:.5pt .5pt .5pt  0pt"&gt;' || </a:t>
-            </a:r>
-            <a:r>
-              <a:rPr lang="en-US" sz="900" dirty="0" err="1"/>
-              <a:t>i.num_dog</a:t>
-            </a:r>
-            <a:r>
-              <a:rPr lang="en-US" sz="900" dirty="0"/>
-              <a:t> || '&lt;/td&gt;');</a:t>
-            </a:r>
-          </a:p>
-          <a:p>
-            <a:pPr lvl="1"/>
-            <a:r>
-              <a:rPr lang="en-US" sz="900" dirty="0"/>
-              <a:t>    DBMS_OUTPUT.PUT_LINE('&lt;td style="border-color:#000000;border-style:solid;border-width:.5pt .5pt .5pt  0pt"&gt;' || </a:t>
-            </a:r>
-            <a:r>
-              <a:rPr lang="en-US" sz="900" dirty="0" err="1"/>
-              <a:t>i.cl_name</a:t>
-            </a:r>
-            <a:r>
-              <a:rPr lang="en-US" sz="900" dirty="0"/>
-              <a:t> || '&lt;/td&gt;');</a:t>
-            </a:r>
-          </a:p>
-          <a:p>
-            <a:pPr lvl="1"/>
-            <a:r>
-              <a:rPr lang="en-US" sz="900" dirty="0"/>
-              <a:t>    DBMS_OUTPUT.PUT_LINE('&lt;td style="border-color:#000000;border-style:solid;border-width:.5pt .5pt .5pt  0pt;mso-number-format:''Standard'';text-align:right"&gt;' || </a:t>
-            </a:r>
-            <a:r>
-              <a:rPr lang="en-US" sz="900" dirty="0" err="1"/>
-              <a:t>i.summa_dog</a:t>
-            </a:r>
-            <a:r>
-              <a:rPr lang="en-US" sz="900" dirty="0"/>
-              <a:t> || '&lt;/td&gt;');</a:t>
-            </a:r>
-          </a:p>
-          <a:p>
-            <a:pPr lvl="1"/>
-            <a:r>
-              <a:rPr lang="en-US" sz="900" dirty="0"/>
-              <a:t>    DBMS_OUTPUT.PUT_LINE('&lt;td style="border-color:#000000;border-style:solid;border-width:.5pt .5pt .5pt  0pt;text-align:right"&gt;' || </a:t>
-            </a:r>
-            <a:r>
-              <a:rPr lang="en-US" sz="900" dirty="0" err="1"/>
-              <a:t>i.date_begin</a:t>
-            </a:r>
-            <a:r>
-              <a:rPr lang="en-US" sz="900" dirty="0"/>
-              <a:t> || '&lt;/td&gt;');</a:t>
-            </a:r>
-          </a:p>
-          <a:p>
-            <a:pPr lvl="1"/>
-            <a:r>
-              <a:rPr lang="en-US" sz="900" dirty="0"/>
-              <a:t>    DBMS_OUTPUT.PUT_LINE('&lt;td style="border-color:#000000;border-style:solid;border-width:.5pt .5pt .5pt  0pt;text-align:right"&gt;'  || </a:t>
-            </a:r>
-            <a:r>
-              <a:rPr lang="en-US" sz="900" dirty="0" err="1"/>
-              <a:t>i.date_end</a:t>
-            </a:r>
-            <a:r>
-              <a:rPr lang="en-US" sz="900" dirty="0"/>
-              <a:t> ||  '&lt;/td&gt;');</a:t>
-            </a:r>
-          </a:p>
-          <a:p>
-            <a:pPr lvl="1"/>
-            <a:r>
-              <a:rPr lang="en-US" sz="900" dirty="0"/>
-              <a:t>    DBMS_OUTPUT.PUT_LINE('&lt;td style="border-color:#000000;border-style:solid;border-width:.5pt .5pt .5pt  0pt;mso-number-format:''Standard'';text-align:right"&gt;' || </a:t>
-            </a:r>
-            <a:r>
-              <a:rPr lang="en-US" sz="900" dirty="0" err="1"/>
-              <a:t>i.ostat_dolg</a:t>
-            </a:r>
-            <a:r>
-              <a:rPr lang="en-US" sz="900" dirty="0"/>
-              <a:t> || '&lt;/td&gt;');</a:t>
-            </a:r>
-          </a:p>
-          <a:p>
-            <a:pPr lvl="1"/>
-            <a:r>
-              <a:rPr lang="en-US" sz="900" dirty="0"/>
-              <a:t>    DBMS_OUTPUT.PUT_LINE('&lt;td style="border-color:#000000;border-style:solid;border-width:.5pt .5pt .5pt  0pt;mso-number-format:''Standard'';text-align:right"&gt;' || </a:t>
-            </a:r>
-            <a:r>
-              <a:rPr lang="en-US" sz="900" dirty="0" err="1"/>
-              <a:t>i.need_pogash_percent</a:t>
-            </a:r>
-            <a:r>
-              <a:rPr lang="en-US" sz="900" dirty="0"/>
-              <a:t> || '&lt;/td&gt;');</a:t>
-            </a:r>
-          </a:p>
-          <a:p>
-            <a:pPr lvl="1"/>
-            <a:r>
-              <a:rPr lang="en-US" sz="900" dirty="0"/>
-              <a:t>    DBMS_OUTPUT.PUT_LINE('&lt;/</a:t>
-            </a:r>
-            <a:r>
-              <a:rPr lang="en-US" sz="900" dirty="0" err="1"/>
-              <a:t>tr</a:t>
-            </a:r>
-            <a:r>
-              <a:rPr lang="en-US" sz="900" dirty="0"/>
-              <a:t>&gt;');</a:t>
-            </a:r>
-          </a:p>
-          <a:p>
-            <a:r>
-              <a:rPr lang="en-US" sz="900" dirty="0" smtClean="0"/>
-              <a:t>    END </a:t>
-            </a:r>
-            <a:r>
-              <a:rPr lang="en-US" sz="900" dirty="0"/>
-              <a:t>LOOP;</a:t>
-            </a:r>
-          </a:p>
-          <a:p>
-            <a:r>
-              <a:rPr lang="en-US" sz="900" dirty="0" smtClean="0"/>
-              <a:t>    DBMS_OUTPUT.PUT_LINE</a:t>
-            </a:r>
-            <a:r>
-              <a:rPr lang="en-US" sz="900" dirty="0"/>
-              <a:t>('&lt;/table&gt;');</a:t>
-            </a:r>
-          </a:p>
-          <a:p>
-            <a:r>
-              <a:rPr lang="en-US" sz="900" dirty="0"/>
-              <a:t>    DBMS_OUTPUT.PUT_LINE('&lt;/table&gt;');</a:t>
-            </a:r>
-          </a:p>
-          <a:p>
-            <a:r>
-              <a:rPr lang="en-US" sz="900" dirty="0"/>
-              <a:t>    DBMS_OUTPUT.PUT_LINE('&lt;/html&gt;');</a:t>
-            </a:r>
-          </a:p>
-          <a:p>
-            <a:endParaRPr lang="en-US" sz="900" dirty="0"/>
-          </a:p>
-          <a:p>
-            <a:r>
-              <a:rPr lang="en-US" sz="900" dirty="0"/>
-              <a:t>END;</a:t>
-            </a:r>
-          </a:p>
-          <a:p>
-            <a:endParaRPr lang="en-US" sz="900" dirty="0"/>
-          </a:p>
-          <a:p>
-            <a:r>
-              <a:rPr lang="en-US" sz="900" dirty="0"/>
-              <a:t>    </a:t>
-            </a:r>
-          </a:p>
-          <a:p>
-            <a:endParaRPr lang="en-US" sz="900" dirty="0"/>
-          </a:p>
-        </p:txBody>
-      </p:sp>
-    </p:spTree>
-    <p:extLst>
-      <p:ext uri="{BB962C8B-B14F-4D97-AF65-F5344CB8AC3E}">
-        <p14:creationId xmlns:p14="http://schemas.microsoft.com/office/powerpoint/2010/main" val="193762697"/>
-      </p:ext>
-    </p:extLst>
-  </p:cSld>
-  <p:clrMapOvr>
-    <a:masterClrMapping/>
-  </p:clrMapOvr>
 </p:sld>
 </file>
 
@@ -11560,7 +12111,7 @@
                   <a:srgbClr val="333F48"/>
                 </a:solidFill>
               </a:rPr>
-              <a:t>Экспорт отчета в </a:t>
+              <a:t>Функция формирует Отчет (</a:t>
             </a:r>
             <a:r>
               <a:rPr lang="en-US" sz="3200" dirty="0">
@@ -11568,13 +12119,16 @@
                   <a:srgbClr val="333F48"/>
                 </a:solidFill>
               </a:rPr>
-              <a:t>EXCEL</a:t>
-            </a:r>
-            <a:endParaRPr lang="ru-RU" sz="3200" dirty="0">
-              <a:solidFill>
-                <a:srgbClr val="333F48"/>
-              </a:solidFill>
-            </a:endParaRPr>
+              <a:t>HTML</a:t>
+            </a:r>
+            <a:r>
+              <a:rPr lang="ru-RU" sz="3200" dirty="0">
+                <a:solidFill>
+                  <a:srgbClr val="333F48"/>
+                </a:solidFill>
+              </a:rPr>
+              <a:t>)</a:t>
+            </a:r>
           </a:p>
           <a:p>
             <a:pPr>
@@ -11600,7 +12154,7 @@
         <p:spPr>
           <a:xfrm>
             <a:off x="119336" y="836712"/>
-            <a:ext cx="10081120" cy="3139321"/>
+            <a:ext cx="10081120" cy="6601807"/>
           </a:xfrm>
           <a:prstGeom prst="rect">
             <a:avLst/>
@@ -11615,112 +12169,620 @@
           <a:p>
             <a:r>
               <a:rPr lang="en-US" sz="900" dirty="0"/>
-              <a:t>SET FEEDBACK OFF</a:t>
-            </a:r>
-          </a:p>
-          <a:p>
-            <a:r>
-              <a:rPr lang="en-US" sz="900" dirty="0"/>
-              <a:t>SET ECHO OFF</a:t>
-            </a:r>
-          </a:p>
-          <a:p>
-            <a:r>
-              <a:rPr lang="en-US" sz="900" dirty="0"/>
-              <a:t>SET VERIFY OFF</a:t>
-            </a:r>
-          </a:p>
-          <a:p>
-            <a:r>
-              <a:rPr lang="en-US" sz="900" dirty="0"/>
-              <a:t>SET SERVEROUTPUT ON</a:t>
-            </a:r>
-          </a:p>
-          <a:p>
-            <a:r>
-              <a:rPr lang="en-US" sz="900" dirty="0"/>
-              <a:t>/</a:t>
-            </a:r>
-          </a:p>
-          <a:p>
-            <a:r>
-              <a:rPr lang="en-US" sz="900" dirty="0"/>
-              <a:t>REM </a:t>
+              <a:t>CREATE OR REPLACE PROCEDURE c##</a:t>
+            </a:r>
+            <a:r>
+              <a:rPr lang="en-US" sz="900" dirty="0" err="1"/>
+              <a:t>course.pr_make_report</a:t>
+            </a:r>
+            <a:r>
+              <a:rPr lang="en-US" sz="900" dirty="0"/>
+              <a:t> (</a:t>
+            </a:r>
+            <a:r>
+              <a:rPr lang="en-US" sz="900" dirty="0" err="1"/>
+              <a:t>report_dt</a:t>
+            </a:r>
+            <a:r>
+              <a:rPr lang="en-US" sz="900" dirty="0"/>
+              <a:t> IN DATE)</a:t>
+            </a:r>
+          </a:p>
+          <a:p>
+            <a:r>
+              <a:rPr lang="en-US" sz="900" dirty="0" smtClean="0"/>
+              <a:t>AS</a:t>
+            </a:r>
+            <a:endParaRPr lang="en-US" sz="900" dirty="0"/>
+          </a:p>
+          <a:p>
+            <a:r>
+              <a:rPr lang="en-US" sz="900" dirty="0"/>
+              <a:t>    t NUMBER := 0;</a:t>
+            </a:r>
+          </a:p>
+          <a:p>
+            <a:r>
+              <a:rPr lang="en-US" sz="900" dirty="0"/>
+              <a:t>BEGIN</a:t>
+            </a:r>
+          </a:p>
+          <a:p>
+            <a:r>
+              <a:rPr lang="en-US" sz="900" dirty="0" smtClean="0"/>
+              <a:t>    </a:t>
+            </a:r>
+            <a:r>
+              <a:rPr lang="en-US" sz="900" dirty="0"/>
+              <a:t>t := 0;</a:t>
+            </a:r>
+          </a:p>
+          <a:p>
+            <a:r>
+              <a:rPr lang="en-US" sz="900" dirty="0" smtClean="0"/>
+              <a:t>DBMS_OUTPUT.PUT_LINE</a:t>
+            </a:r>
+            <a:r>
+              <a:rPr lang="en-US" sz="900" dirty="0"/>
+              <a:t>('&lt;html </a:t>
+            </a:r>
+            <a:r>
+              <a:rPr lang="en-US" sz="900" dirty="0" err="1"/>
+              <a:t>xmlns:o</a:t>
+            </a:r>
+            <a:r>
+              <a:rPr lang="en-US" sz="900" dirty="0"/>
+              <a:t>="</a:t>
+            </a:r>
+            <a:r>
+              <a:rPr lang="en-US" sz="900" dirty="0" err="1"/>
+              <a:t>urn:schemas-microsoft-com:office:office</a:t>
+            </a:r>
+            <a:r>
+              <a:rPr lang="en-US" sz="900" dirty="0"/>
+              <a:t>" </a:t>
+            </a:r>
+            <a:r>
+              <a:rPr lang="en-US" sz="900" dirty="0" err="1"/>
+              <a:t>xmlns:x</a:t>
+            </a:r>
+            <a:r>
+              <a:rPr lang="en-US" sz="900" dirty="0"/>
+              <a:t>="</a:t>
+            </a:r>
+            <a:r>
+              <a:rPr lang="en-US" sz="900" dirty="0" err="1"/>
+              <a:t>urn:schemas-microsoft-com:office:excel</a:t>
+            </a:r>
+            <a:r>
+              <a:rPr lang="en-US" sz="900" dirty="0"/>
+              <a:t>" </a:t>
+            </a:r>
+            <a:r>
+              <a:rPr lang="en-US" sz="900" dirty="0" err="1"/>
+              <a:t>xmlns</a:t>
+            </a:r>
+            <a:r>
+              <a:rPr lang="en-US" sz="900" dirty="0"/>
+              <a:t>="http://www.w3.org/TR/REC-html40"&gt;');</a:t>
+            </a:r>
+          </a:p>
+          <a:p>
+            <a:r>
+              <a:rPr lang="en-US" sz="900" dirty="0"/>
+              <a:t> </a:t>
+            </a:r>
+            <a:r>
+              <a:rPr lang="en-US" sz="900" dirty="0" smtClean="0"/>
+              <a:t>   …………..</a:t>
+            </a:r>
+          </a:p>
+          <a:p>
+            <a:r>
+              <a:rPr lang="en-US" sz="900" dirty="0" smtClean="0"/>
+              <a:t>    DBMS_OUTPUT.PUT_LINE</a:t>
+            </a:r>
+            <a:r>
+              <a:rPr lang="en-US" sz="900" dirty="0"/>
+              <a:t>('&lt;/head&gt;');</a:t>
+            </a:r>
+          </a:p>
+          <a:p>
+            <a:r>
+              <a:rPr lang="en-US" sz="900" dirty="0"/>
+              <a:t>    DBMS_OUTPUT.PUT_LINE('&lt;body&gt;');</a:t>
+            </a:r>
+          </a:p>
+          <a:p>
+            <a:r>
+              <a:rPr lang="en-US" sz="900" dirty="0"/>
+              <a:t>    DBMS_OUTPUT.PUT_LINE('&lt;style&gt;col{</a:t>
+            </a:r>
+            <a:r>
+              <a:rPr lang="en-US" sz="900" dirty="0" err="1"/>
+              <a:t>mso-width-source:auto</a:t>
+            </a:r>
+            <a:r>
+              <a:rPr lang="en-US" sz="900" dirty="0"/>
+              <a:t>}</a:t>
+            </a:r>
+            <a:r>
+              <a:rPr lang="en-US" sz="900" dirty="0" err="1"/>
+              <a:t>br</a:t>
+            </a:r>
+            <a:r>
+              <a:rPr lang="en-US" sz="900" dirty="0"/>
+              <a:t>{</a:t>
+            </a:r>
+            <a:r>
+              <a:rPr lang="en-US" sz="900" dirty="0" err="1"/>
+              <a:t>mso-data-placement:same-cell</a:t>
+            </a:r>
+            <a:r>
+              <a:rPr lang="en-US" sz="900" dirty="0"/>
+              <a:t>}td{font-size:8pt;vertical-align:bottom}&lt;/style&gt;');</a:t>
+            </a:r>
+          </a:p>
+          <a:p>
+            <a:r>
+              <a:rPr lang="en-US" sz="900" dirty="0"/>
+              <a:t>    DBMS_OUTPUT.PUT_LINE('&lt;table&gt;');</a:t>
+            </a:r>
+          </a:p>
+          <a:p>
+            <a:r>
+              <a:rPr lang="en-US" sz="900" dirty="0"/>
+              <a:t>    DBMS_OUTPUT.PUT_LINE('&lt;</a:t>
+            </a:r>
+            <a:r>
+              <a:rPr lang="en-US" sz="900" dirty="0" err="1"/>
+              <a:t>tr</a:t>
+            </a:r>
+            <a:r>
+              <a:rPr lang="en-US" sz="900" dirty="0"/>
+              <a:t>&gt;');</a:t>
+            </a:r>
+          </a:p>
+          <a:p>
+            <a:r>
+              <a:rPr lang="en-US" sz="900" dirty="0"/>
+              <a:t>    DBMS_OUTPUT.PUT_LINE('&lt;td </a:t>
+            </a:r>
+            <a:r>
+              <a:rPr lang="en-US" sz="900" dirty="0" err="1"/>
+              <a:t>bgcolor</a:t>
+            </a:r>
+            <a:r>
+              <a:rPr lang="en-US" sz="900" dirty="0"/>
+              <a:t>="#DDDDFF" style="border-color:#000000;border-style:solid;border-width:.5pt .5pt .5pt .5pt"&gt;№ </a:t>
+            </a:r>
+            <a:r>
+              <a:rPr lang="ru-RU" sz="900" dirty="0" err="1"/>
+              <a:t>п.п</a:t>
             </a:r>
             <a:r>
               <a:rPr lang="ru-RU" sz="900" dirty="0"/>
-              <a:t>Запрашиваем Дату отчета</a:t>
-            </a:r>
-          </a:p>
-          <a:p>
-            <a:r>
-              <a:rPr lang="en-US" sz="900" dirty="0"/>
-              <a:t>DEFINE </a:t>
-            </a:r>
-            <a:r>
-              <a:rPr lang="en-US" sz="900" dirty="0" err="1"/>
-              <a:t>dt</a:t>
-            </a:r>
-            <a:r>
-              <a:rPr lang="en-US" sz="900" dirty="0"/>
-              <a:t> = &amp;1</a:t>
-            </a:r>
-          </a:p>
-          <a:p>
-            <a:r>
-              <a:rPr lang="en-US" sz="900" dirty="0"/>
-              <a:t>REM </a:t>
+              <a:t>.&lt;/</a:t>
+            </a:r>
+            <a:r>
+              <a:rPr lang="en-US" sz="900" dirty="0"/>
+              <a:t>td&gt;');</a:t>
+            </a:r>
+          </a:p>
+          <a:p>
+            <a:r>
+              <a:rPr lang="en-US" sz="900" dirty="0"/>
+              <a:t>    DBMS_OUTPUT.PUT_LINE('&lt;td </a:t>
+            </a:r>
+            <a:r>
+              <a:rPr lang="en-US" sz="900" dirty="0" err="1"/>
+              <a:t>bgcolor</a:t>
+            </a:r>
+            <a:r>
+              <a:rPr lang="en-US" sz="900" dirty="0"/>
+              <a:t>="#DDDDFF" style="border-color:#000000;border-style:solid;border-width:.5pt .5pt .5pt  0pt"&gt;</a:t>
             </a:r>
             <a:r>
               <a:rPr lang="ru-RU" sz="900" dirty="0"/>
-              <a:t>Имя файла отчета отражает Дату отчета</a:t>
-            </a:r>
-          </a:p>
-          <a:p>
-            <a:r>
-              <a:rPr lang="en-US" sz="900" dirty="0"/>
-              <a:t>DEFINE </a:t>
-            </a:r>
-            <a:r>
-              <a:rPr lang="en-US" sz="900" dirty="0" err="1"/>
-              <a:t>spool_file</a:t>
-            </a:r>
-            <a:r>
-              <a:rPr lang="en-US" sz="900" dirty="0"/>
-              <a:t> = 'c:\Temp\&amp;</a:t>
-            </a:r>
-            <a:r>
-              <a:rPr lang="en-US" sz="900" dirty="0" err="1"/>
-              <a:t>dt</a:t>
-            </a:r>
-            <a:r>
-              <a:rPr lang="en-US" sz="900" dirty="0"/>
-              <a:t>..</a:t>
-            </a:r>
-            <a:r>
-              <a:rPr lang="en-US" sz="900" dirty="0" err="1"/>
-              <a:t>xls</a:t>
-            </a:r>
-            <a:r>
-              <a:rPr lang="en-US" sz="900" dirty="0"/>
-              <a:t>'</a:t>
-            </a:r>
-          </a:p>
-          <a:p>
-            <a:r>
-              <a:rPr lang="en-US" sz="900" dirty="0"/>
-              <a:t>SPOOL &amp;</a:t>
-            </a:r>
-            <a:r>
-              <a:rPr lang="en-US" sz="900" dirty="0" err="1"/>
-              <a:t>spool_file</a:t>
-            </a:r>
+              <a:t>Номер договора&lt;/</a:t>
+            </a:r>
+            <a:r>
+              <a:rPr lang="en-US" sz="900" dirty="0"/>
+              <a:t>td&gt;');</a:t>
+            </a:r>
+          </a:p>
+          <a:p>
+            <a:r>
+              <a:rPr lang="en-US" sz="900" dirty="0"/>
+              <a:t>    DBMS_OUTPUT.PUT_LINE('&lt;td </a:t>
+            </a:r>
+            <a:r>
+              <a:rPr lang="en-US" sz="900" dirty="0" err="1"/>
+              <a:t>bgcolor</a:t>
+            </a:r>
+            <a:r>
+              <a:rPr lang="en-US" sz="900" dirty="0"/>
+              <a:t>="#DDDDFF" style="border-color:#000000;border-style:solid;border-width:.5pt .5pt .5pt  0pt"&gt;</a:t>
+            </a:r>
+            <a:r>
+              <a:rPr lang="ru-RU" sz="900" dirty="0"/>
+              <a:t>ФИО клиента&lt;/</a:t>
+            </a:r>
+            <a:r>
+              <a:rPr lang="en-US" sz="900" dirty="0"/>
+              <a:t>td&gt;');</a:t>
+            </a:r>
+          </a:p>
+          <a:p>
+            <a:r>
+              <a:rPr lang="en-US" sz="900" dirty="0"/>
+              <a:t>    DBMS_OUTPUT.PUT_LINE('&lt;td </a:t>
+            </a:r>
+            <a:r>
+              <a:rPr lang="en-US" sz="900" dirty="0" err="1"/>
+              <a:t>bgcolor</a:t>
+            </a:r>
+            <a:r>
+              <a:rPr lang="en-US" sz="900" dirty="0"/>
+              <a:t>="#DDDDFF" style="border-color:#000000;border-style:solid;border-width:.5pt .5pt .5pt  0pt"&gt;</a:t>
+            </a:r>
+            <a:r>
+              <a:rPr lang="ru-RU" sz="900" dirty="0"/>
+              <a:t>Сумма договора&lt;/</a:t>
+            </a:r>
+            <a:r>
+              <a:rPr lang="en-US" sz="900" dirty="0"/>
+              <a:t>td&gt;');</a:t>
+            </a:r>
+          </a:p>
+          <a:p>
+            <a:r>
+              <a:rPr lang="en-US" sz="900" dirty="0"/>
+              <a:t>    DBMS_OUTPUT.PUT_LINE('&lt;td </a:t>
+            </a:r>
+            <a:r>
+              <a:rPr lang="en-US" sz="900" dirty="0" err="1"/>
+              <a:t>bgcolor</a:t>
+            </a:r>
+            <a:r>
+              <a:rPr lang="en-US" sz="900" dirty="0"/>
+              <a:t>="#DDDDFF" style="border-color:#000000;border-style:solid;border-width:.5pt .5pt .5pt  0pt"&gt;</a:t>
+            </a:r>
+            <a:r>
+              <a:rPr lang="ru-RU" sz="900" dirty="0"/>
+              <a:t>Дата начала договора&lt;/</a:t>
+            </a:r>
+            <a:r>
+              <a:rPr lang="en-US" sz="900" dirty="0"/>
+              <a:t>td&gt;');</a:t>
+            </a:r>
+          </a:p>
+          <a:p>
+            <a:r>
+              <a:rPr lang="en-US" sz="900" dirty="0"/>
+              <a:t>    DBMS_OUTPUT.PUT_LINE('&lt;td </a:t>
+            </a:r>
+            <a:r>
+              <a:rPr lang="en-US" sz="900" dirty="0" err="1"/>
+              <a:t>bgcolor</a:t>
+            </a:r>
+            <a:r>
+              <a:rPr lang="en-US" sz="900" dirty="0"/>
+              <a:t>="#DDDDFF" style="border-color:#000000;border-style:solid;border-width:.5pt .5pt .5pt  0pt"&gt;</a:t>
+            </a:r>
+            <a:r>
+              <a:rPr lang="ru-RU" sz="900" dirty="0"/>
+              <a:t>Дата окончания договора&lt;/</a:t>
+            </a:r>
+            <a:r>
+              <a:rPr lang="en-US" sz="900" dirty="0"/>
+              <a:t>td&gt;');</a:t>
+            </a:r>
+          </a:p>
+          <a:p>
+            <a:r>
+              <a:rPr lang="en-US" sz="900" dirty="0"/>
+              <a:t>    DBMS_OUTPUT.PUT_LINE('&lt;td </a:t>
+            </a:r>
+            <a:r>
+              <a:rPr lang="en-US" sz="900" dirty="0" err="1"/>
+              <a:t>bgcolor</a:t>
+            </a:r>
+            <a:r>
+              <a:rPr lang="en-US" sz="900" dirty="0"/>
+              <a:t>="#DDDDFF" style="border-color:#000000;border-style:solid;border-width:.5pt .5pt .5pt  0pt"&gt;</a:t>
+            </a:r>
+            <a:r>
+              <a:rPr lang="ru-RU" sz="900" dirty="0"/>
+              <a:t>Остаток ссудной задолженности&lt;/</a:t>
+            </a:r>
+            <a:r>
+              <a:rPr lang="en-US" sz="900" dirty="0"/>
+              <a:t>td&gt;');</a:t>
+            </a:r>
+          </a:p>
+          <a:p>
+            <a:r>
+              <a:rPr lang="en-US" sz="900" dirty="0"/>
+              <a:t>    DBMS_OUTPUT.PUT_LINE('&lt;td </a:t>
+            </a:r>
+            <a:r>
+              <a:rPr lang="en-US" sz="900" dirty="0" err="1"/>
+              <a:t>bgcolor</a:t>
+            </a:r>
+            <a:r>
+              <a:rPr lang="en-US" sz="900" dirty="0"/>
+              <a:t>="#DDDDFF" style="border-color:#000000;border-style:solid;border-width:.5pt .5pt .5pt  0pt"&gt;</a:t>
+            </a:r>
+            <a:r>
+              <a:rPr lang="ru-RU" sz="900" dirty="0"/>
+              <a:t>Сумма предстоящих процентов к погашению&lt;/</a:t>
+            </a:r>
+            <a:r>
+              <a:rPr lang="en-US" sz="900" dirty="0"/>
+              <a:t>td&gt;');</a:t>
+            </a:r>
+          </a:p>
+          <a:p>
+            <a:r>
+              <a:rPr lang="en-US" sz="900" dirty="0"/>
+              <a:t>    DBMS_OUTPUT.PUT_LINE('&lt;/</a:t>
+            </a:r>
+            <a:r>
+              <a:rPr lang="en-US" sz="900" dirty="0" err="1"/>
+              <a:t>tr</a:t>
+            </a:r>
+            <a:r>
+              <a:rPr lang="en-US" sz="900" dirty="0"/>
+              <a:t>&gt;');</a:t>
+            </a:r>
+          </a:p>
+          <a:p>
+            <a:r>
+              <a:rPr lang="en-US" sz="900" dirty="0"/>
+              <a:t>      </a:t>
+            </a:r>
+          </a:p>
+          <a:p>
+            <a:r>
+              <a:rPr lang="en-US" sz="900" dirty="0"/>
+              <a:t>    FOR </a:t>
+            </a:r>
+            <a:r>
+              <a:rPr lang="en-US" sz="900" dirty="0" err="1"/>
+              <a:t>i</a:t>
+            </a:r>
+            <a:r>
+              <a:rPr lang="en-US" sz="900" dirty="0"/>
+              <a:t> IN (</a:t>
+            </a:r>
+          </a:p>
+          <a:p>
+            <a:r>
+              <a:rPr lang="en-US" sz="900" dirty="0"/>
+              <a:t>        SELECT * FROM c##</a:t>
+            </a:r>
+            <a:r>
+              <a:rPr lang="en-US" sz="900" dirty="0" err="1"/>
+              <a:t>course.fn_get_report</a:t>
+            </a:r>
+            <a:r>
+              <a:rPr lang="en-US" sz="900" dirty="0"/>
+              <a:t> (</a:t>
+            </a:r>
+            <a:r>
+              <a:rPr lang="en-US" sz="900" dirty="0" err="1"/>
+              <a:t>report_dt</a:t>
+            </a:r>
+            <a:r>
+              <a:rPr lang="en-US" sz="900" dirty="0"/>
+              <a:t>)</a:t>
+            </a:r>
+          </a:p>
+          <a:p>
+            <a:r>
+              <a:rPr lang="en-US" sz="900" dirty="0"/>
+              <a:t>    ) LOOP</a:t>
+            </a:r>
+          </a:p>
+          <a:p>
+            <a:r>
+              <a:rPr lang="en-US" sz="900" dirty="0" smtClean="0"/>
+              <a:t>    </a:t>
+            </a:r>
+          </a:p>
+          <a:p>
+            <a:pPr lvl="1"/>
+            <a:r>
+              <a:rPr lang="en-US" sz="900" dirty="0" smtClean="0"/>
+              <a:t>    t := t + 1;</a:t>
+            </a:r>
+          </a:p>
+          <a:p>
+            <a:pPr lvl="1"/>
+            <a:r>
+              <a:rPr lang="en-US" sz="900" dirty="0" smtClean="0"/>
+              <a:t>    </a:t>
+            </a:r>
+            <a:r>
+              <a:rPr lang="en-US" sz="900" dirty="0"/>
+              <a:t>DBMS_OUTPUT.PUT_LINE('&lt;</a:t>
+            </a:r>
+            <a:r>
+              <a:rPr lang="en-US" sz="900" dirty="0" err="1"/>
+              <a:t>tr</a:t>
+            </a:r>
+            <a:r>
+              <a:rPr lang="en-US" sz="900" dirty="0"/>
+              <a:t>&gt;');</a:t>
+            </a:r>
+          </a:p>
+          <a:p>
+            <a:pPr lvl="1"/>
+            <a:r>
+              <a:rPr lang="en-US" sz="900" dirty="0"/>
+              <a:t>    DBMS_OUTPUT.PUT_LINE('&lt;td style="border-color:#000000;border-style:solid;border-width:.5pt .5pt .5pt .5pt;text-align:right"&gt;' || t || '&lt;/td&gt;');</a:t>
+            </a:r>
+          </a:p>
+          <a:p>
+            <a:pPr lvl="1"/>
+            <a:r>
+              <a:rPr lang="en-US" sz="900" dirty="0"/>
+              <a:t>    DBMS_OUTPUT.PUT_LINE('&lt;td style="border-color:#000000;border-style:solid;border-width:.5pt .5pt .5pt  0pt"&gt;' || </a:t>
+            </a:r>
+            <a:r>
+              <a:rPr lang="en-US" sz="900" dirty="0" err="1"/>
+              <a:t>i.num_dog</a:t>
+            </a:r>
+            <a:r>
+              <a:rPr lang="en-US" sz="900" dirty="0"/>
+              <a:t> || '&lt;/td&gt;');</a:t>
+            </a:r>
+          </a:p>
+          <a:p>
+            <a:pPr lvl="1"/>
+            <a:r>
+              <a:rPr lang="en-US" sz="900" dirty="0"/>
+              <a:t>    DBMS_OUTPUT.PUT_LINE('&lt;td style="border-color:#000000;border-style:solid;border-width:.5pt .5pt .5pt  0pt"&gt;' || </a:t>
+            </a:r>
+            <a:r>
+              <a:rPr lang="en-US" sz="900" dirty="0" err="1"/>
+              <a:t>i.cl_name</a:t>
+            </a:r>
+            <a:r>
+              <a:rPr lang="en-US" sz="900" dirty="0"/>
+              <a:t> || '&lt;/td&gt;');</a:t>
+            </a:r>
+          </a:p>
+          <a:p>
+            <a:pPr lvl="1"/>
+            <a:r>
+              <a:rPr lang="en-US" sz="900" dirty="0"/>
+              <a:t>    DBMS_OUTPUT.PUT_LINE('&lt;td style="border-color:#000000;border-style:solid;border-width:.5pt .5pt .5pt  0pt;mso-number-format:''Standard'';text-align:right"&gt;' || </a:t>
+            </a:r>
+            <a:r>
+              <a:rPr lang="en-US" sz="900" dirty="0" err="1"/>
+              <a:t>i.summa_dog</a:t>
+            </a:r>
+            <a:r>
+              <a:rPr lang="en-US" sz="900" dirty="0"/>
+              <a:t> || '&lt;/td&gt;');</a:t>
+            </a:r>
+          </a:p>
+          <a:p>
+            <a:pPr lvl="1"/>
+            <a:r>
+              <a:rPr lang="en-US" sz="900" dirty="0"/>
+              <a:t>    DBMS_OUTPUT.PUT_LINE('&lt;td style="border-color:#000000;border-style:solid;border-width:.5pt .5pt .5pt  0pt;text-align:right"&gt;' || </a:t>
+            </a:r>
+            <a:r>
+              <a:rPr lang="en-US" sz="900" dirty="0" err="1"/>
+              <a:t>i.date_begin</a:t>
+            </a:r>
+            <a:r>
+              <a:rPr lang="en-US" sz="900" dirty="0"/>
+              <a:t> || '&lt;/td&gt;');</a:t>
+            </a:r>
+          </a:p>
+          <a:p>
+            <a:pPr lvl="1"/>
+            <a:r>
+              <a:rPr lang="en-US" sz="900" dirty="0"/>
+              <a:t>    DBMS_OUTPUT.PUT_LINE('&lt;td style="border-color:#000000;border-style:solid;border-width:.5pt .5pt .5pt  0pt;text-align:right"&gt;'  || </a:t>
+            </a:r>
+            <a:r>
+              <a:rPr lang="en-US" sz="900" dirty="0" err="1"/>
+              <a:t>i.date_end</a:t>
+            </a:r>
+            <a:r>
+              <a:rPr lang="en-US" sz="900" dirty="0"/>
+              <a:t> ||  '&lt;/td&gt;');</a:t>
+            </a:r>
+          </a:p>
+          <a:p>
+            <a:pPr lvl="1"/>
+            <a:r>
+              <a:rPr lang="en-US" sz="900" dirty="0"/>
+              <a:t>    DBMS_OUTPUT.PUT_LINE('&lt;td style="border-color:#000000;border-style:solid;border-width:.5pt .5pt .5pt  0pt;mso-number-format:''Standard'';text-align:right"&gt;' || </a:t>
+            </a:r>
+            <a:r>
+              <a:rPr lang="en-US" sz="900" dirty="0" err="1"/>
+              <a:t>i.ostat_dolg</a:t>
+            </a:r>
+            <a:r>
+              <a:rPr lang="en-US" sz="900" dirty="0"/>
+              <a:t> || '&lt;/td&gt;');</a:t>
+            </a:r>
+          </a:p>
+          <a:p>
+            <a:pPr lvl="1"/>
+            <a:r>
+              <a:rPr lang="en-US" sz="900" dirty="0"/>
+              <a:t>    DBMS_OUTPUT.PUT_LINE('&lt;td style="border-color:#000000;border-style:solid;border-width:.5pt .5pt .5pt  0pt;mso-number-format:''Standard'';text-align:right"&gt;' || </a:t>
+            </a:r>
+            <a:r>
+              <a:rPr lang="en-US" sz="900" dirty="0" err="1"/>
+              <a:t>i.need_pogash_percent</a:t>
+            </a:r>
+            <a:r>
+              <a:rPr lang="en-US" sz="900" dirty="0"/>
+              <a:t> || '&lt;/td&gt;');</a:t>
+            </a:r>
+          </a:p>
+          <a:p>
+            <a:pPr lvl="1"/>
+            <a:r>
+              <a:rPr lang="en-US" sz="900" dirty="0"/>
+              <a:t>    DBMS_OUTPUT.PUT_LINE('&lt;/</a:t>
+            </a:r>
+            <a:r>
+              <a:rPr lang="en-US" sz="900" dirty="0" err="1"/>
+              <a:t>tr</a:t>
+            </a:r>
+            <a:r>
+              <a:rPr lang="en-US" sz="900" dirty="0"/>
+              <a:t>&gt;');</a:t>
+            </a:r>
+          </a:p>
+          <a:p>
+            <a:r>
+              <a:rPr lang="en-US" sz="900" dirty="0" smtClean="0"/>
+              <a:t>    END </a:t>
+            </a:r>
+            <a:r>
+              <a:rPr lang="en-US" sz="900" dirty="0"/>
+              <a:t>LOOP;</a:t>
+            </a:r>
+          </a:p>
+          <a:p>
+            <a:r>
+              <a:rPr lang="en-US" sz="900" dirty="0" smtClean="0"/>
+              <a:t>    DBMS_OUTPUT.PUT_LINE</a:t>
+            </a:r>
+            <a:r>
+              <a:rPr lang="en-US" sz="900" dirty="0"/>
+              <a:t>('&lt;/table&gt;');</a:t>
+            </a:r>
+          </a:p>
+          <a:p>
+            <a:r>
+              <a:rPr lang="en-US" sz="900" dirty="0"/>
+              <a:t>    DBMS_OUTPUT.PUT_LINE('&lt;/table&gt;');</a:t>
+            </a:r>
+          </a:p>
+          <a:p>
+            <a:r>
+              <a:rPr lang="en-US" sz="900" dirty="0"/>
+              <a:t>    DBMS_OUTPUT.PUT_LINE('&lt;/html&gt;');</a:t>
+            </a:r>
+          </a:p>
+          <a:p>
             <a:endParaRPr lang="en-US" sz="900" dirty="0"/>
           </a:p>
           <a:p>
             <a:r>
               <a:rPr lang="en-US" sz="900" dirty="0"/>
-              <a:t>/</a:t>
+              <a:t>END;</a:t>
             </a:r>
           </a:p>
           <a:p>
@@ -11729,100 +12791,18 @@
           <a:p>
             <a:r>
               <a:rPr lang="en-US" sz="900" dirty="0"/>
-              <a:t>BEGIN</a:t>
+              <a:t>    </a:t>
             </a:r>
           </a:p>
           <a:p>
             <a:endParaRPr lang="en-US" sz="900" dirty="0"/>
-          </a:p>
-          <a:p>
-            <a:r>
-              <a:rPr lang="en-US" sz="900" dirty="0"/>
-              <a:t>    FOR </a:t>
-            </a:r>
-            <a:r>
-              <a:rPr lang="en-US" sz="900" dirty="0" err="1"/>
-              <a:t>i</a:t>
-            </a:r>
-            <a:r>
-              <a:rPr lang="en-US" sz="900" dirty="0"/>
-              <a:t> IN (select c##</a:t>
-            </a:r>
-            <a:r>
-              <a:rPr lang="en-US" sz="900" dirty="0" err="1"/>
-              <a:t>course.fn_make_report</a:t>
-            </a:r>
-            <a:r>
-              <a:rPr lang="en-US" sz="900" dirty="0"/>
-              <a:t> (</a:t>
-            </a:r>
-            <a:r>
-              <a:rPr lang="en-US" sz="900" dirty="0" err="1"/>
-              <a:t>to_date</a:t>
-            </a:r>
-            <a:r>
-              <a:rPr lang="en-US" sz="900" dirty="0"/>
-              <a:t>('&amp;</a:t>
-            </a:r>
-            <a:r>
-              <a:rPr lang="en-US" sz="900" dirty="0" err="1"/>
-              <a:t>dt</a:t>
-            </a:r>
-            <a:r>
-              <a:rPr lang="en-US" sz="900" dirty="0"/>
-              <a:t>','DD.MM.YYYY')) AS </a:t>
-            </a:r>
-            <a:r>
-              <a:rPr lang="en-US" sz="900" dirty="0" err="1"/>
-              <a:t>st</a:t>
-            </a:r>
-            <a:r>
-              <a:rPr lang="en-US" sz="900" dirty="0"/>
-              <a:t> FROM dual) LOOP</a:t>
-            </a:r>
-          </a:p>
-          <a:p>
-            <a:r>
-              <a:rPr lang="en-US" sz="900" dirty="0"/>
-              <a:t>        DBMS_OUTPUT.PUT_LINE(i.st);</a:t>
-            </a:r>
-          </a:p>
-          <a:p>
-            <a:r>
-              <a:rPr lang="en-US" sz="900" dirty="0"/>
-              <a:t>    END LOOP;</a:t>
-            </a:r>
-          </a:p>
-          <a:p>
-            <a:endParaRPr lang="en-US" sz="900" dirty="0"/>
-          </a:p>
-          <a:p>
-            <a:r>
-              <a:rPr lang="en-US" sz="900" dirty="0"/>
-              <a:t>END;</a:t>
-            </a:r>
-          </a:p>
-          <a:p>
-            <a:r>
-              <a:rPr lang="en-US" sz="900" dirty="0"/>
-              <a:t>/</a:t>
-            </a:r>
-          </a:p>
-          <a:p>
-            <a:endParaRPr lang="en-US" sz="900" dirty="0"/>
-          </a:p>
-          <a:p>
-            <a:r>
-              <a:rPr lang="en-US" sz="900" dirty="0"/>
-              <a:t>SPOOL OFF</a:t>
-            </a:r>
           </a:p>
         </p:txBody>
       </p:sp>
     </p:spTree>
     <p:extLst>
       <p:ext uri="{BB962C8B-B14F-4D97-AF65-F5344CB8AC3E}">
-        <p14:creationId xmlns:p14="http://schemas.microsoft.com/office/powerpoint/2010/main" val="375274688"/>
+        <p14:creationId xmlns:p14="http://schemas.microsoft.com/office/powerpoint/2010/main" val="193762697"/>
       </p:ext>
     </p:extLst>
   </p:cSld>
@@ -11866,7 +12846,7 @@
         <p:spPr bwMode="auto">
           <a:xfrm>
             <a:off x="191344" y="285978"/>
-            <a:ext cx="12169352" cy="694750"/>
+            <a:ext cx="11017224" cy="694750"/>
           </a:xfrm>
           <a:prstGeom prst="rect">
             <a:avLst/>
@@ -11898,97 +12878,274 @@
               <a:defRPr/>
             </a:pPr>
             <a:r>
-              <a:rPr lang="ru-RU" sz="4000" dirty="0">
+              <a:rPr lang="ru-RU" sz="3200" dirty="0">
                 <a:solidFill>
                   <a:srgbClr val="333F48"/>
                 </a:solidFill>
               </a:rPr>
-              <a:t>Пример отчета</a:t>
-            </a:r>
-            <a:endParaRPr lang="ru-RU" sz="1600" dirty="0"/>
+              <a:t>Экспорт отчета в </a:t>
+            </a:r>
+            <a:r>
+              <a:rPr lang="en-US" sz="3200" dirty="0">
+                <a:solidFill>
+                  <a:srgbClr val="333F48"/>
+                </a:solidFill>
+              </a:rPr>
+              <a:t>EXCEL</a:t>
+            </a:r>
+            <a:endParaRPr lang="ru-RU" sz="3200" dirty="0">
+              <a:solidFill>
+                <a:srgbClr val="333F48"/>
+              </a:solidFill>
+            </a:endParaRPr>
+          </a:p>
+          <a:p>
+            <a:pPr>
+              <a:defRPr/>
+            </a:pPr>
+            <a:r>
+              <a:rPr lang="ru-RU" sz="3200" dirty="0">
+                <a:solidFill>
+                  <a:srgbClr val="333F48"/>
+                </a:solidFill>
+              </a:rPr>
+              <a:t> </a:t>
+            </a:r>
           </a:p>
         </p:txBody>
       </p:sp>
       <p:sp>
         <p:nvSpPr>
-          <p:cNvPr id="4" name="Title 7">
-            <a:extLst>
-              <a:ext uri="{FF2B5EF4-FFF2-40B4-BE49-F238E27FC236}">
-                <a16:creationId xmlns:a16="http://schemas.microsoft.com/office/drawing/2014/main" xmlns="" id="{E195DE7B-42F0-4CAA-AAB0-D33DB61C53CA}"/>
-              </a:ext>
-            </a:extLst>
-          </p:cNvPr>
-          <p:cNvSpPr>
-            <a:spLocks/>
-          </p:cNvSpPr>
+          <p:cNvPr id="2" name="TextBox 1"/>
+          <p:cNvSpPr txBox="1"/>
           <p:nvPr/>
         </p:nvSpPr>
-        <p:spPr bwMode="auto">
+        <p:spPr>
           <a:xfrm>
-            <a:off x="551384" y="2348880"/>
-            <a:ext cx="10244945" cy="1600029"/>
+            <a:off x="119336" y="836712"/>
+            <a:ext cx="10081120" cy="3139321"/>
           </a:xfrm>
           <a:prstGeom prst="rect">
             <a:avLst/>
           </a:prstGeom>
+          <a:noFill/>
         </p:spPr>
         <p:txBody>
-          <a:bodyPr lIns="0" tIns="0" rIns="0" bIns="0"/>
-          <a:lstStyle>
-            <a:lvl1pPr algn="l" defTabSz="914400">
-              <a:lnSpc>
-                <a:spcPct val="90000"/>
-              </a:lnSpc>
-              <a:spcBef>
-                <a:spcPts val="0"/>
-              </a:spcBef>
-              <a:buNone/>
-              <a:defRPr sz="4400" b="0" i="0">
-                <a:solidFill>
-                  <a:schemeClr val="tx1"/>
-                </a:solidFill>
-                <a:latin typeface="SB Sans Display Regular"/>
-                <a:ea typeface="+mj-ea"/>
-                <a:cs typeface="+mj-cs"/>
-              </a:defRPr>
-            </a:lvl1pPr>
-          </a:lstStyle>
-          <a:p>
-            <a:pPr>
-              <a:defRPr/>
-            </a:pPr>
-            <a:endParaRPr lang="ru-RU" sz="1600" dirty="0"/>
+          <a:bodyPr wrap="square" rtlCol="0">
+            <a:spAutoFit/>
+          </a:bodyPr>
+          <a:lstStyle/>
+          <a:p>
+            <a:r>
+              <a:rPr lang="en-US" sz="900" dirty="0"/>
+              <a:t>SET FEEDBACK OFF</a:t>
+            </a:r>
+          </a:p>
+          <a:p>
+            <a:r>
+              <a:rPr lang="en-US" sz="900" dirty="0"/>
+              <a:t>SET ECHO OFF</a:t>
+            </a:r>
+          </a:p>
+          <a:p>
+            <a:r>
+              <a:rPr lang="en-US" sz="900" dirty="0"/>
+              <a:t>SET VERIFY OFF</a:t>
+            </a:r>
+          </a:p>
+          <a:p>
+            <a:r>
+              <a:rPr lang="en-US" sz="900" dirty="0"/>
+              <a:t>SET SERVEROUTPUT ON</a:t>
+            </a:r>
+          </a:p>
+          <a:p>
+            <a:r>
+              <a:rPr lang="en-US" sz="900" dirty="0"/>
+              <a:t>/</a:t>
+            </a:r>
+          </a:p>
+          <a:p>
+            <a:r>
+              <a:rPr lang="en-US" sz="900" dirty="0"/>
+              <a:t>REM </a:t>
+            </a:r>
+            <a:r>
+              <a:rPr lang="ru-RU" sz="900" dirty="0"/>
+              <a:t>Запрашиваем Дату отчета</a:t>
+            </a:r>
+          </a:p>
+          <a:p>
+            <a:r>
+              <a:rPr lang="en-US" sz="900" dirty="0"/>
+              <a:t>DEFINE </a:t>
+            </a:r>
+            <a:r>
+              <a:rPr lang="en-US" sz="900" dirty="0" err="1"/>
+              <a:t>dt</a:t>
+            </a:r>
+            <a:r>
+              <a:rPr lang="en-US" sz="900" dirty="0"/>
+              <a:t> = &amp;1</a:t>
+            </a:r>
+          </a:p>
+          <a:p>
+            <a:r>
+              <a:rPr lang="en-US" sz="900" dirty="0"/>
+              <a:t>REM </a:t>
+            </a:r>
+            <a:r>
+              <a:rPr lang="ru-RU" sz="900" dirty="0"/>
+              <a:t>Имя файла отчета отражает Дату отчета</a:t>
+            </a:r>
+          </a:p>
+          <a:p>
+            <a:r>
+              <a:rPr lang="en-US" sz="900" dirty="0"/>
+              <a:t>DEFINE </a:t>
+            </a:r>
+            <a:r>
+              <a:rPr lang="en-US" sz="900" dirty="0" err="1"/>
+              <a:t>spool_file</a:t>
+            </a:r>
+            <a:r>
+              <a:rPr lang="en-US" sz="900" dirty="0"/>
+              <a:t> = 'c:\Temp\&amp;</a:t>
+            </a:r>
+            <a:r>
+              <a:rPr lang="en-US" sz="900" dirty="0" err="1"/>
+              <a:t>dt</a:t>
+            </a:r>
+            <a:r>
+              <a:rPr lang="en-US" sz="900" dirty="0"/>
+              <a:t>..</a:t>
+            </a:r>
+            <a:r>
+              <a:rPr lang="en-US" sz="900" dirty="0" err="1"/>
+              <a:t>xls</a:t>
+            </a:r>
+            <a:r>
+              <a:rPr lang="en-US" sz="900" dirty="0"/>
+              <a:t>'</a:t>
+            </a:r>
+          </a:p>
+          <a:p>
+            <a:r>
+              <a:rPr lang="en-US" sz="900" dirty="0"/>
+              <a:t>SPOOL &amp;</a:t>
+            </a:r>
+            <a:r>
+              <a:rPr lang="en-US" sz="900" dirty="0" err="1"/>
+              <a:t>spool_file</a:t>
+            </a:r>
+            <a:endParaRPr lang="en-US" sz="900" dirty="0"/>
+          </a:p>
+          <a:p>
+            <a:r>
+              <a:rPr lang="en-US" sz="900" dirty="0"/>
+              <a:t>/</a:t>
+            </a:r>
+          </a:p>
+          <a:p>
+            <a:endParaRPr lang="en-US" sz="900" dirty="0"/>
+          </a:p>
+          <a:p>
+            <a:r>
+              <a:rPr lang="en-US" sz="900" dirty="0"/>
+              <a:t>BEGIN</a:t>
+            </a:r>
+          </a:p>
+          <a:p>
+            <a:endParaRPr lang="en-US" sz="900" dirty="0"/>
+          </a:p>
+          <a:p>
+            <a:r>
+              <a:rPr lang="en-US" sz="900" dirty="0"/>
+              <a:t>    FOR </a:t>
+            </a:r>
+            <a:r>
+              <a:rPr lang="en-US" sz="900" dirty="0" err="1"/>
+              <a:t>i</a:t>
+            </a:r>
+            <a:r>
+              <a:rPr lang="en-US" sz="900" dirty="0"/>
+              <a:t> IN (select c##</a:t>
+            </a:r>
+            <a:r>
+              <a:rPr lang="en-US" sz="900" dirty="0" err="1"/>
+              <a:t>course.fn_make_report</a:t>
+            </a:r>
+            <a:r>
+              <a:rPr lang="en-US" sz="900" dirty="0"/>
+              <a:t> (</a:t>
+            </a:r>
+            <a:r>
+              <a:rPr lang="en-US" sz="900" dirty="0" err="1"/>
+              <a:t>to_date</a:t>
+            </a:r>
+            <a:r>
+              <a:rPr lang="en-US" sz="900" dirty="0"/>
+              <a:t>('&amp;</a:t>
+            </a:r>
+            <a:r>
+              <a:rPr lang="en-US" sz="900" dirty="0" err="1"/>
+              <a:t>dt</a:t>
+            </a:r>
+            <a:r>
+              <a:rPr lang="en-US" sz="900" dirty="0"/>
+              <a:t>','DD.MM.YYYY')) AS </a:t>
+            </a:r>
+            <a:r>
+              <a:rPr lang="en-US" sz="900" dirty="0" err="1"/>
+              <a:t>st</a:t>
+            </a:r>
+            <a:r>
+              <a:rPr lang="en-US" sz="900" dirty="0"/>
+              <a:t> FROM dual) LOOP</a:t>
+            </a:r>
+          </a:p>
+          <a:p>
+            <a:r>
+              <a:rPr lang="en-US" sz="900" dirty="0"/>
+              <a:t>        DBMS_OUTPUT.PUT_LINE(i.st);</a:t>
+            </a:r>
+          </a:p>
+          <a:p>
+            <a:r>
+              <a:rPr lang="en-US" sz="900" dirty="0"/>
+              <a:t>    END LOOP;</a:t>
+            </a:r>
+          </a:p>
+          <a:p>
+            <a:endParaRPr lang="en-US" sz="900" dirty="0"/>
+          </a:p>
+          <a:p>
+            <a:r>
+              <a:rPr lang="en-US" sz="900" dirty="0"/>
+              <a:t>END;</a:t>
+            </a:r>
+          </a:p>
+          <a:p>
+            <a:r>
+              <a:rPr lang="en-US" sz="900" dirty="0"/>
+              <a:t>/</a:t>
+            </a:r>
+          </a:p>
+          <a:p>
+            <a:endParaRPr lang="en-US" sz="900" dirty="0"/>
+          </a:p>
+          <a:p>
+            <a:r>
+              <a:rPr lang="en-US" sz="900" dirty="0"/>
+              <a:t>SPOOL OFF</a:t>
+            </a:r>
           </a:p>
         </p:txBody>
       </p:sp>
-      <p:pic>
-        <p:nvPicPr>
-          <p:cNvPr id="2" name="Рисунок 1"/>
-          <p:cNvPicPr>
-            <a:picLocks noChangeAspect="1"/>
-          </p:cNvPicPr>
-          <p:nvPr/>
-        </p:nvPicPr>
-        <p:blipFill>
-          <a:blip r:embed="rId2"/>
-          <a:stretch>
-            <a:fillRect/>
-          </a:stretch>
-        </p:blipFill>
-        <p:spPr>
-          <a:xfrm>
-            <a:off x="193856" y="980728"/>
-            <a:ext cx="7915275" cy="5505450"/>
-          </a:xfrm>
-          <a:prstGeom prst="rect">
-            <a:avLst/>
-          </a:prstGeom>
-        </p:spPr>
-      </p:pic>
     </p:spTree>
     <p:extLst>
       <p:ext uri="{BB962C8B-B14F-4D97-AF65-F5344CB8AC3E}">
-        <p14:creationId xmlns:p14="http://schemas.microsoft.com/office/powerpoint/2010/main" val="3303264672"/>
+        <p14:creationId xmlns:p14="http://schemas.microsoft.com/office/powerpoint/2010/main" val="375274688"/>
       </p:ext>
     </p:extLst>
   </p:cSld>
@@ -12069,39 +13226,7 @@
                   <a:srgbClr val="333F48"/>
                 </a:solidFill>
               </a:rPr>
-              <a:t>Пример </a:t>
-            </a:r>
-            <a:r>
-              <a:rPr lang="ru-RU" sz="4000" dirty="0" smtClean="0">
-                <a:solidFill>
-                  <a:srgbClr val="333F48"/>
-                </a:solidFill>
-              </a:rPr>
-              <a:t>отчета</a:t>
-            </a:r>
-            <a:r>
-              <a:rPr lang="en-US" sz="4000" dirty="0" smtClean="0">
-                <a:solidFill>
-                  <a:srgbClr val="333F48"/>
-                </a:solidFill>
-              </a:rPr>
-              <a:t> </a:t>
-            </a:r>
-            <a:r>
-              <a:rPr lang="ru-RU" sz="4000" dirty="0" smtClean="0">
-                <a:solidFill>
-                  <a:srgbClr val="333F48"/>
-                </a:solidFill>
-              </a:rPr>
-              <a:t>при экспорте в </a:t>
-            </a:r>
-            <a:r>
-              <a:rPr lang="en-US" sz="4000" dirty="0" smtClean="0">
-                <a:solidFill>
-                  <a:srgbClr val="333F48"/>
-                </a:solidFill>
-              </a:rPr>
-              <a:t>Excel</a:t>
+              <a:t>Пример отчета</a:t>
             </a:r>
             <a:endParaRPr lang="ru-RU" sz="1600" dirty="0"/>
           </a:p>
@@ -12161,6 +13286,204 @@
       </p:sp>
       <p:pic>
         <p:nvPicPr>
+          <p:cNvPr id="2" name="Рисунок 1"/>
+          <p:cNvPicPr>
+            <a:picLocks noChangeAspect="1"/>
+          </p:cNvPicPr>
+          <p:nvPr/>
+        </p:nvPicPr>
+        <p:blipFill>
+          <a:blip r:embed="rId2"/>
+          <a:stretch>
+            <a:fillRect/>
+          </a:stretch>
+        </p:blipFill>
+        <p:spPr>
+          <a:xfrm>
+            <a:off x="193856" y="980728"/>
+            <a:ext cx="7915275" cy="5505450"/>
+          </a:xfrm>
+          <a:prstGeom prst="rect">
+            <a:avLst/>
+          </a:prstGeom>
+        </p:spPr>
+      </p:pic>
+    </p:spTree>
+    <p:extLst>
+      <p:ext uri="{BB962C8B-B14F-4D97-AF65-F5344CB8AC3E}">
+        <p14:creationId xmlns:p14="http://schemas.microsoft.com/office/powerpoint/2010/main" val="3303264672"/>
+      </p:ext>
+    </p:extLst>
+  </p:cSld>
+  <p:clrMapOvr>
+    <a:masterClrMapping/>
+  </p:clrMapOvr>
+</p:sld>
+</file>
+
+<file path=ppt/slides/slide17.xml><?xml version="1.0" encoding="utf-8"?>
+<p:sld xmlns:a="http://schemas.openxmlformats.org/drawingml/2006/main" xmlns:r="http://schemas.openxmlformats.org/officeDocument/2006/relationships" xmlns:p="http://schemas.openxmlformats.org/presentationml/2006/main" showMasterPhAnim="0">
+  <p:cSld>
+    <p:spTree>
+      <p:nvGrpSpPr>
+        <p:cNvPr id="1" name=""/>
+        <p:cNvGrpSpPr/>
+        <p:nvPr/>
+      </p:nvGrpSpPr>
+      <p:grpSpPr bwMode="auto">
+        <a:xfrm>
+          <a:off x="0" y="0"/>
+          <a:ext cx="0" cy="0"/>
+          <a:chOff x="0" y="0"/>
+          <a:chExt cx="0" cy="0"/>
+        </a:xfrm>
+      </p:grpSpPr>
+      <p:sp>
+        <p:nvSpPr>
+          <p:cNvPr id="18" name="Title 7">
+            <a:extLst>
+              <a:ext uri="{FF2B5EF4-FFF2-40B4-BE49-F238E27FC236}">
+                <a16:creationId xmlns:a16="http://schemas.microsoft.com/office/drawing/2014/main" xmlns="" id="{E195DE7B-42F0-4CAA-AAB0-D33DB61C53CA}"/>
+              </a:ext>
+            </a:extLst>
+          </p:cNvPr>
+          <p:cNvSpPr>
+            <a:spLocks/>
+          </p:cNvSpPr>
+          <p:nvPr/>
+        </p:nvSpPr>
+        <p:spPr bwMode="auto">
+          <a:xfrm>
+            <a:off x="191344" y="285978"/>
+            <a:ext cx="12169352" cy="694750"/>
+          </a:xfrm>
+          <a:prstGeom prst="rect">
+            <a:avLst/>
+          </a:prstGeom>
+        </p:spPr>
+        <p:txBody>
+          <a:bodyPr lIns="0" tIns="0" rIns="0" bIns="0"/>
+          <a:lstStyle>
+            <a:lvl1pPr algn="l" defTabSz="914400">
+              <a:lnSpc>
+                <a:spcPct val="90000"/>
+              </a:lnSpc>
+              <a:spcBef>
+                <a:spcPts val="0"/>
+              </a:spcBef>
+              <a:buNone/>
+              <a:defRPr sz="4400" b="0" i="0">
+                <a:solidFill>
+                  <a:schemeClr val="tx1"/>
+                </a:solidFill>
+                <a:latin typeface="SB Sans Display Regular"/>
+                <a:ea typeface="+mj-ea"/>
+                <a:cs typeface="+mj-cs"/>
+              </a:defRPr>
+            </a:lvl1pPr>
+          </a:lstStyle>
+          <a:p>
+            <a:pPr>
+              <a:defRPr/>
+            </a:pPr>
+            <a:r>
+              <a:rPr lang="ru-RU" sz="4000" dirty="0">
+                <a:solidFill>
+                  <a:srgbClr val="333F48"/>
+                </a:solidFill>
+              </a:rPr>
+              <a:t>Пример </a:t>
+            </a:r>
+            <a:r>
+              <a:rPr lang="ru-RU" sz="4000" dirty="0" smtClean="0">
+                <a:solidFill>
+                  <a:srgbClr val="333F48"/>
+                </a:solidFill>
+              </a:rPr>
+              <a:t>отчета</a:t>
+            </a:r>
+            <a:r>
+              <a:rPr lang="en-US" sz="4000" dirty="0" smtClean="0">
+                <a:solidFill>
+                  <a:srgbClr val="333F48"/>
+                </a:solidFill>
+              </a:rPr>
+              <a:t> </a:t>
+            </a:r>
+            <a:r>
+              <a:rPr lang="ru-RU" sz="4000" dirty="0" smtClean="0">
+                <a:solidFill>
+                  <a:srgbClr val="333F48"/>
+                </a:solidFill>
+              </a:rPr>
+              <a:t>при экспорте в </a:t>
+            </a:r>
+            <a:r>
+              <a:rPr lang="en-US" sz="4000" dirty="0" smtClean="0">
+                <a:solidFill>
+                  <a:srgbClr val="333F48"/>
+                </a:solidFill>
+              </a:rPr>
+              <a:t>Excel</a:t>
+            </a:r>
+            <a:endParaRPr lang="ru-RU" sz="1600" dirty="0"/>
+          </a:p>
+        </p:txBody>
+      </p:sp>
+      <p:sp>
+        <p:nvSpPr>
+          <p:cNvPr id="4" name="Title 7">
+            <a:extLst>
+              <a:ext uri="{FF2B5EF4-FFF2-40B4-BE49-F238E27FC236}">
+                <a16:creationId xmlns:a16="http://schemas.microsoft.com/office/drawing/2014/main" xmlns="" id="{E195DE7B-42F0-4CAA-AAB0-D33DB61C53CA}"/>
+              </a:ext>
+            </a:extLst>
+          </p:cNvPr>
+          <p:cNvSpPr>
+            <a:spLocks/>
+          </p:cNvSpPr>
+          <p:nvPr/>
+        </p:nvSpPr>
+        <p:spPr bwMode="auto">
+          <a:xfrm>
+            <a:off x="551384" y="2348880"/>
+            <a:ext cx="10244945" cy="1600029"/>
+          </a:xfrm>
+          <a:prstGeom prst="rect">
+            <a:avLst/>
+          </a:prstGeom>
+        </p:spPr>
+        <p:txBody>
+          <a:bodyPr lIns="0" tIns="0" rIns="0" bIns="0"/>
+          <a:lstStyle>
+            <a:lvl1pPr algn="l" defTabSz="914400">
+              <a:lnSpc>
+                <a:spcPct val="90000"/>
+              </a:lnSpc>
+              <a:spcBef>
+                <a:spcPts val="0"/>
+              </a:spcBef>
+              <a:buNone/>
+              <a:defRPr sz="4400" b="0" i="0">
+                <a:solidFill>
+                  <a:schemeClr val="tx1"/>
+                </a:solidFill>
+                <a:latin typeface="SB Sans Display Regular"/>
+                <a:ea typeface="+mj-ea"/>
+                <a:cs typeface="+mj-cs"/>
+              </a:defRPr>
+            </a:lvl1pPr>
+          </a:lstStyle>
+          <a:p>
+            <a:pPr>
+              <a:defRPr/>
+            </a:pPr>
+            <a:endParaRPr lang="ru-RU" sz="1600" dirty="0"/>
+          </a:p>
+        </p:txBody>
+      </p:sp>
+      <p:pic>
+        <p:nvPicPr>
           <p:cNvPr id="3" name="Рисунок 2"/>
           <p:cNvPicPr>
             <a:picLocks noChangeAspect="1"/>
@@ -12187,527 +13510,6 @@
     <p:extLst>
       <p:ext uri="{BB962C8B-B14F-4D97-AF65-F5344CB8AC3E}">
         <p14:creationId xmlns:p14="http://schemas.microsoft.com/office/powerpoint/2010/main" val="1676160522"/>
-      </p:ext>
-    </p:extLst>
-  </p:cSld>
-  <p:clrMapOvr>
-    <a:masterClrMapping/>
-  </p:clrMapOvr>
-</p:sld>
-</file>
-
-<file path=ppt/slides/slide17.xml><?xml version="1.0" encoding="utf-8"?>
-<p:sld xmlns:a="http://schemas.openxmlformats.org/drawingml/2006/main" xmlns:r="http://schemas.openxmlformats.org/officeDocument/2006/relationships" xmlns:p="http://schemas.openxmlformats.org/presentationml/2006/main">
-  <p:cSld>
-    <p:spTree>
-      <p:nvGrpSpPr>
-        <p:cNvPr id="1" name=""/>
-        <p:cNvGrpSpPr/>
-        <p:nvPr/>
-      </p:nvGrpSpPr>
-      <p:grpSpPr>
-        <a:xfrm>
-          <a:off x="0" y="0"/>
-          <a:ext cx="0" cy="0"/>
-          <a:chOff x="0" y="0"/>
-          <a:chExt cx="0" cy="0"/>
-        </a:xfrm>
-      </p:grpSpPr>
-      <p:sp>
-        <p:nvSpPr>
-          <p:cNvPr id="2" name="Заголовок 1"/>
-          <p:cNvSpPr>
-            <a:spLocks noGrp="1"/>
-          </p:cNvSpPr>
-          <p:nvPr>
-            <p:ph type="title"/>
-          </p:nvPr>
-        </p:nvSpPr>
-        <p:spPr>
-          <a:xfrm>
-            <a:off x="625703" y="116632"/>
-            <a:ext cx="10728324" cy="543429"/>
-          </a:xfrm>
-        </p:spPr>
-        <p:txBody>
-          <a:bodyPr>
-            <a:normAutofit fontScale="90000"/>
-          </a:bodyPr>
-          <a:lstStyle/>
-          <a:p>
-            <a:r>
-              <a:rPr lang="ru-RU" sz="3600" dirty="0" smtClean="0"/>
-              <a:t>Добавление нового договора и плана платежей</a:t>
-            </a:r>
-            <a:endParaRPr lang="ru-RU" sz="3600" dirty="0"/>
-          </a:p>
-        </p:txBody>
-      </p:sp>
-      <p:sp>
-        <p:nvSpPr>
-          <p:cNvPr id="3" name="TextBox 2"/>
-          <p:cNvSpPr txBox="1"/>
-          <p:nvPr/>
-        </p:nvSpPr>
-        <p:spPr>
-          <a:xfrm>
-            <a:off x="263352" y="660061"/>
-            <a:ext cx="4392488" cy="6047809"/>
-          </a:xfrm>
-          <a:prstGeom prst="rect">
-            <a:avLst/>
-          </a:prstGeom>
-          <a:noFill/>
-        </p:spPr>
-        <p:txBody>
-          <a:bodyPr wrap="square" rtlCol="0">
-            <a:spAutoFit/>
-          </a:bodyPr>
-          <a:lstStyle/>
-          <a:p>
-            <a:r>
-              <a:rPr lang="en-US" sz="900" dirty="0"/>
-              <a:t>CREATE OR REPLACE PROCEDURE c##</a:t>
-            </a:r>
-            <a:r>
-              <a:rPr lang="en-US" sz="900" dirty="0" err="1"/>
-              <a:t>course.pr_create_client</a:t>
-            </a:r>
-            <a:r>
-              <a:rPr lang="en-US" sz="900" dirty="0"/>
-              <a:t> (</a:t>
-            </a:r>
-          </a:p>
-          <a:p>
-            <a:r>
-              <a:rPr lang="en-US" sz="900" dirty="0"/>
-              <a:t>    </a:t>
-            </a:r>
-            <a:r>
-              <a:rPr lang="en-US" sz="900" dirty="0" err="1"/>
-              <a:t>client_name</a:t>
-            </a:r>
-            <a:r>
-              <a:rPr lang="en-US" sz="900" dirty="0"/>
-              <a:t>     IN  varchar2,        -- </a:t>
-            </a:r>
-            <a:r>
-              <a:rPr lang="ru-RU" sz="900" dirty="0"/>
-              <a:t>Клиент ФИО</a:t>
-            </a:r>
-          </a:p>
-          <a:p>
-            <a:r>
-              <a:rPr lang="ru-RU" sz="900" dirty="0"/>
-              <a:t>    </a:t>
-            </a:r>
-            <a:r>
-              <a:rPr lang="en-US" sz="900" dirty="0" err="1"/>
-              <a:t>client_birth</a:t>
-            </a:r>
-            <a:r>
-              <a:rPr lang="en-US" sz="900" dirty="0"/>
-              <a:t>    IN  date,            -- </a:t>
-            </a:r>
-            <a:r>
-              <a:rPr lang="ru-RU" sz="900" dirty="0"/>
-              <a:t>Дата рождения Клиента</a:t>
-            </a:r>
-          </a:p>
-          <a:p>
-            <a:r>
-              <a:rPr lang="ru-RU" sz="900" dirty="0"/>
-              <a:t>    </a:t>
-            </a:r>
-            <a:r>
-              <a:rPr lang="en-US" sz="900" dirty="0" err="1"/>
-              <a:t>client_id</a:t>
-            </a:r>
-            <a:r>
-              <a:rPr lang="en-US" sz="900" dirty="0"/>
-              <a:t>       OUT number</a:t>
-            </a:r>
-          </a:p>
-          <a:p>
-            <a:r>
-              <a:rPr lang="en-US" sz="900" dirty="0"/>
-              <a:t>)</a:t>
-            </a:r>
-          </a:p>
-          <a:p>
-            <a:r>
-              <a:rPr lang="en-US" sz="900" dirty="0"/>
-              <a:t>AS</a:t>
-            </a:r>
-          </a:p>
-          <a:p>
-            <a:r>
-              <a:rPr lang="en-US" sz="900" dirty="0"/>
-              <a:t>    </a:t>
-            </a:r>
-            <a:r>
-              <a:rPr lang="en-US" sz="900" dirty="0" err="1"/>
-              <a:t>client_exists</a:t>
-            </a:r>
-            <a:r>
-              <a:rPr lang="en-US" sz="900" dirty="0"/>
-              <a:t> number := 0;</a:t>
-            </a:r>
-          </a:p>
-          <a:p>
-            <a:r>
-              <a:rPr lang="en-US" sz="900" dirty="0"/>
-              <a:t>BEGIN</a:t>
-            </a:r>
-          </a:p>
-          <a:p>
-            <a:r>
-              <a:rPr lang="en-US" sz="900" dirty="0"/>
-              <a:t>    </a:t>
-            </a:r>
-          </a:p>
-          <a:p>
-            <a:r>
-              <a:rPr lang="en-US" sz="900" dirty="0"/>
-              <a:t>    SELECT</a:t>
-            </a:r>
-          </a:p>
-          <a:p>
-            <a:r>
-              <a:rPr lang="en-US" sz="900" dirty="0"/>
-              <a:t>        COUNT(*) INTO </a:t>
-            </a:r>
-            <a:r>
-              <a:rPr lang="en-US" sz="900" dirty="0" err="1"/>
-              <a:t>client_exists</a:t>
-            </a:r>
-            <a:endParaRPr lang="en-US" sz="900" dirty="0"/>
-          </a:p>
-          <a:p>
-            <a:r>
-              <a:rPr lang="en-US" sz="900" dirty="0"/>
-              <a:t>        FROM c##</a:t>
-            </a:r>
-            <a:r>
-              <a:rPr lang="en-US" sz="900" dirty="0" err="1"/>
-              <a:t>course.client</a:t>
-            </a:r>
-            <a:endParaRPr lang="en-US" sz="900" dirty="0"/>
-          </a:p>
-          <a:p>
-            <a:r>
-              <a:rPr lang="en-US" sz="900" dirty="0"/>
-              <a:t>        WHERE</a:t>
-            </a:r>
-          </a:p>
-          <a:p>
-            <a:r>
-              <a:rPr lang="en-US" sz="900" dirty="0"/>
-              <a:t>            </a:t>
-            </a:r>
-            <a:r>
-              <a:rPr lang="en-US" sz="900" dirty="0" err="1"/>
-              <a:t>cl_name</a:t>
-            </a:r>
-            <a:r>
-              <a:rPr lang="en-US" sz="900" dirty="0"/>
-              <a:t> = </a:t>
-            </a:r>
-            <a:r>
-              <a:rPr lang="en-US" sz="900" dirty="0" err="1"/>
-              <a:t>client_name</a:t>
-            </a:r>
-            <a:r>
-              <a:rPr lang="en-US" sz="900" dirty="0"/>
-              <a:t>;</a:t>
-            </a:r>
-          </a:p>
-          <a:p>
-            <a:r>
-              <a:rPr lang="en-US" sz="900" dirty="0"/>
-              <a:t>    </a:t>
-            </a:r>
-          </a:p>
-          <a:p>
-            <a:r>
-              <a:rPr lang="en-US" sz="900" dirty="0"/>
-              <a:t>    IF </a:t>
-            </a:r>
-            <a:r>
-              <a:rPr lang="en-US" sz="900" dirty="0" err="1"/>
-              <a:t>client_exists</a:t>
-            </a:r>
-            <a:r>
-              <a:rPr lang="en-US" sz="900" dirty="0"/>
-              <a:t> &gt; 0 THEN</a:t>
-            </a:r>
-          </a:p>
-          <a:p>
-            <a:r>
-              <a:rPr lang="en-US" sz="900" dirty="0"/>
-              <a:t>     DBMS_OUTPUT.PUT_LINE('Make select');</a:t>
-            </a:r>
-          </a:p>
-          <a:p>
-            <a:r>
-              <a:rPr lang="en-US" sz="900" dirty="0"/>
-              <a:t>     SELECT</a:t>
-            </a:r>
-          </a:p>
-          <a:p>
-            <a:r>
-              <a:rPr lang="en-US" sz="900" dirty="0"/>
-              <a:t>        id INTO </a:t>
-            </a:r>
-            <a:r>
-              <a:rPr lang="en-US" sz="900" dirty="0" err="1"/>
-              <a:t>client_id</a:t>
-            </a:r>
-            <a:endParaRPr lang="en-US" sz="900" dirty="0"/>
-          </a:p>
-          <a:p>
-            <a:r>
-              <a:rPr lang="en-US" sz="900" dirty="0"/>
-              <a:t>        FROM c##</a:t>
-            </a:r>
-            <a:r>
-              <a:rPr lang="en-US" sz="900" dirty="0" err="1"/>
-              <a:t>course.client</a:t>
-            </a:r>
-            <a:endParaRPr lang="en-US" sz="900" dirty="0"/>
-          </a:p>
-          <a:p>
-            <a:r>
-              <a:rPr lang="en-US" sz="900" dirty="0"/>
-              <a:t>        WHERE</a:t>
-            </a:r>
-          </a:p>
-          <a:p>
-            <a:r>
-              <a:rPr lang="en-US" sz="900" dirty="0"/>
-              <a:t>            </a:t>
-            </a:r>
-            <a:r>
-              <a:rPr lang="en-US" sz="900" dirty="0" err="1"/>
-              <a:t>cl_name</a:t>
-            </a:r>
-            <a:r>
-              <a:rPr lang="en-US" sz="900" dirty="0"/>
-              <a:t> = </a:t>
-            </a:r>
-            <a:r>
-              <a:rPr lang="en-US" sz="900" dirty="0" err="1"/>
-              <a:t>client_name</a:t>
-            </a:r>
-            <a:r>
-              <a:rPr lang="en-US" sz="900" dirty="0"/>
-              <a:t>;   </a:t>
-            </a:r>
-          </a:p>
-          <a:p>
-            <a:r>
-              <a:rPr lang="en-US" sz="900" dirty="0"/>
-              <a:t>    ELSE</a:t>
-            </a:r>
-          </a:p>
-          <a:p>
-            <a:r>
-              <a:rPr lang="en-US" sz="900" dirty="0"/>
-              <a:t>        </a:t>
-            </a:r>
-            <a:r>
-              <a:rPr lang="en-US" sz="900" dirty="0" err="1"/>
-              <a:t>client_id</a:t>
-            </a:r>
-            <a:r>
-              <a:rPr lang="en-US" sz="900" dirty="0"/>
-              <a:t> := c##</a:t>
-            </a:r>
-            <a:r>
-              <a:rPr lang="en-US" sz="900" dirty="0" err="1"/>
-              <a:t>course.seq.nextval</a:t>
-            </a:r>
-            <a:r>
-              <a:rPr lang="en-US" sz="900" dirty="0"/>
-              <a:t>;</a:t>
-            </a:r>
-          </a:p>
-          <a:p>
-            <a:r>
-              <a:rPr lang="en-US" sz="900" dirty="0"/>
-              <a:t>        DBMS_OUTPUT.PUT_LINE('Make insert');</a:t>
-            </a:r>
-          </a:p>
-          <a:p>
-            <a:r>
-              <a:rPr lang="en-US" sz="900" dirty="0"/>
-              <a:t>        INSERT INTO c##</a:t>
-            </a:r>
-            <a:r>
-              <a:rPr lang="en-US" sz="900" dirty="0" err="1"/>
-              <a:t>course.client</a:t>
-            </a:r>
-            <a:endParaRPr lang="en-US" sz="900" dirty="0"/>
-          </a:p>
-          <a:p>
-            <a:r>
-              <a:rPr lang="en-US" sz="900" dirty="0"/>
-              <a:t>            (</a:t>
-            </a:r>
-          </a:p>
-          <a:p>
-            <a:r>
-              <a:rPr lang="en-US" sz="900" dirty="0"/>
-              <a:t>                  id</a:t>
-            </a:r>
-          </a:p>
-          <a:p>
-            <a:r>
-              <a:rPr lang="en-US" sz="900" dirty="0"/>
-              <a:t>                , </a:t>
-            </a:r>
-            <a:r>
-              <a:rPr lang="en-US" sz="900" dirty="0" err="1"/>
-              <a:t>cl_name</a:t>
-            </a:r>
-            <a:endParaRPr lang="en-US" sz="900" dirty="0"/>
-          </a:p>
-          <a:p>
-            <a:r>
-              <a:rPr lang="en-US" sz="900" dirty="0"/>
-              <a:t>                , </a:t>
-            </a:r>
-            <a:r>
-              <a:rPr lang="en-US" sz="900" dirty="0" err="1"/>
-              <a:t>date_birth</a:t>
-            </a:r>
-            <a:endParaRPr lang="en-US" sz="900" dirty="0"/>
-          </a:p>
-          <a:p>
-            <a:r>
-              <a:rPr lang="en-US" sz="900" dirty="0"/>
-              <a:t>            ) VALUES (</a:t>
-            </a:r>
-          </a:p>
-          <a:p>
-            <a:r>
-              <a:rPr lang="en-US" sz="900" dirty="0"/>
-              <a:t>                  </a:t>
-            </a:r>
-            <a:r>
-              <a:rPr lang="en-US" sz="900" dirty="0" err="1"/>
-              <a:t>client_id</a:t>
-            </a:r>
-            <a:endParaRPr lang="en-US" sz="900" dirty="0"/>
-          </a:p>
-          <a:p>
-            <a:r>
-              <a:rPr lang="en-US" sz="900" dirty="0"/>
-              <a:t>                , </a:t>
-            </a:r>
-            <a:r>
-              <a:rPr lang="en-US" sz="900" dirty="0" err="1"/>
-              <a:t>client_name</a:t>
-            </a:r>
-            <a:endParaRPr lang="en-US" sz="900" dirty="0"/>
-          </a:p>
-          <a:p>
-            <a:r>
-              <a:rPr lang="en-US" sz="900" dirty="0"/>
-              <a:t>                , </a:t>
-            </a:r>
-            <a:r>
-              <a:rPr lang="en-US" sz="900" dirty="0" err="1"/>
-              <a:t>client_birth</a:t>
-            </a:r>
-            <a:endParaRPr lang="en-US" sz="900" dirty="0"/>
-          </a:p>
-          <a:p>
-            <a:r>
-              <a:rPr lang="en-US" sz="900" dirty="0"/>
-              <a:t>            );</a:t>
-            </a:r>
-          </a:p>
-          <a:p>
-            <a:r>
-              <a:rPr lang="en-US" sz="900" dirty="0"/>
-              <a:t>            COMMIT;</a:t>
-            </a:r>
-          </a:p>
-          <a:p>
-            <a:r>
-              <a:rPr lang="en-US" sz="900" dirty="0"/>
-              <a:t/>
-            </a:r>
-            <a:br>
-              <a:rPr lang="en-US" sz="900" dirty="0"/>
-            </a:br>
-            <a:r>
-              <a:rPr lang="en-US" sz="900" dirty="0"/>
-              <a:t>    END IF;</a:t>
-            </a:r>
-          </a:p>
-          <a:p>
-            <a:r>
-              <a:rPr lang="en-US" sz="900" dirty="0"/>
-              <a:t>  </a:t>
-            </a:r>
-          </a:p>
-          <a:p>
-            <a:r>
-              <a:rPr lang="en-US" sz="900" dirty="0"/>
-              <a:t>    DBMS_OUTPUT.PUT_LINE('</a:t>
-            </a:r>
-            <a:r>
-              <a:rPr lang="en-US" sz="900" dirty="0" err="1"/>
-              <a:t>client_id</a:t>
-            </a:r>
-            <a:r>
-              <a:rPr lang="en-US" sz="900" dirty="0"/>
-              <a:t> = ' || </a:t>
-            </a:r>
-            <a:r>
-              <a:rPr lang="en-US" sz="900" dirty="0" err="1"/>
-              <a:t>client_id</a:t>
-            </a:r>
-            <a:r>
-              <a:rPr lang="en-US" sz="900" dirty="0"/>
-              <a:t>);</a:t>
-            </a:r>
-          </a:p>
-          <a:p>
-            <a:r>
-              <a:rPr lang="en-US" sz="900" dirty="0"/>
-              <a:t>    RETURN;</a:t>
-            </a:r>
-          </a:p>
-          <a:p>
-            <a:r>
-              <a:rPr lang="en-US" sz="900" dirty="0"/>
-              <a:t/>
-            </a:r>
-            <a:br>
-              <a:rPr lang="en-US" sz="900" dirty="0"/>
-            </a:br>
-            <a:r>
-              <a:rPr lang="en-US" sz="900" dirty="0"/>
-              <a:t>END </a:t>
-            </a:r>
-            <a:r>
-              <a:rPr lang="en-US" sz="900" dirty="0" err="1"/>
-              <a:t>pr_create_client</a:t>
-            </a:r>
-            <a:r>
-              <a:rPr lang="en-US" sz="900" dirty="0"/>
-              <a:t>;</a:t>
-            </a:r>
-          </a:p>
-        </p:txBody>
-      </p:sp>
-    </p:spTree>
-    <p:extLst>
-      <p:ext uri="{BB962C8B-B14F-4D97-AF65-F5344CB8AC3E}">
-        <p14:creationId xmlns:p14="http://schemas.microsoft.com/office/powerpoint/2010/main" val="3602706860"/>
       </p:ext>
     </p:extLst>
   </p:cSld>
@@ -12773,7 +13575,7 @@
         <p:spPr>
           <a:xfrm>
             <a:off x="263352" y="660061"/>
-            <a:ext cx="4392488" cy="5770811"/>
+            <a:ext cx="4392488" cy="6047809"/>
           </a:xfrm>
           <a:prstGeom prst="rect">
             <a:avLst/>
@@ -12792,7 +13594,7 @@
             </a:r>
             <a:r>
               <a:rPr lang="en-US" sz="900" dirty="0" err="1"/>
-              <a:t>course.pr_create_credit</a:t>
+              <a:t>course.pr_create_client</a:t>
             </a:r>
             <a:r>
               <a:rPr lang="en-US" sz="900" dirty="0"/>
@@ -12810,7 +13612,7 @@
             </a:r>
             <a:r>
               <a:rPr lang="en-US" sz="900" dirty="0"/>
-              <a:t>     IN varchar2,        -- </a:t>
+              <a:t>     IN  varchar2,        -- </a:t>
             </a:r>
             <a:r>
               <a:rPr lang="ru-RU" sz="900" dirty="0"/>
@@ -12828,7 +13630,7 @@
             </a:r>
             <a:r>
               <a:rPr lang="en-US" sz="900" dirty="0"/>
-              <a:t>    IN date,            -- </a:t>
+              <a:t>    IN  date,            -- </a:t>
             </a:r>
             <a:r>
               <a:rPr lang="ru-RU" sz="900" dirty="0"/>
@@ -12842,63 +13644,105 @@
             </a:r>
             <a:r>
               <a:rPr lang="en-US" sz="900" dirty="0" err="1"/>
-              <a:t>summa_dog</a:t>
-            </a:r>
-            <a:r>
-              <a:rPr lang="en-US" sz="900" dirty="0"/>
-              <a:t>       IN number,          -- </a:t>
-            </a:r>
-            <a:r>
-              <a:rPr lang="ru-RU" sz="900" dirty="0"/>
-              <a:t>Сумма кредита</a:t>
-            </a:r>
-          </a:p>
-          <a:p>
-            <a:r>
-              <a:rPr lang="ru-RU" sz="900" dirty="0"/>
+              <a:t>client_id</a:t>
+            </a:r>
+            <a:r>
+              <a:rPr lang="en-US" sz="900" dirty="0"/>
+              <a:t>       OUT number</a:t>
+            </a:r>
+          </a:p>
+          <a:p>
+            <a:r>
+              <a:rPr lang="en-US" sz="900" dirty="0"/>
+              <a:t>)</a:t>
+            </a:r>
+          </a:p>
+          <a:p>
+            <a:r>
+              <a:rPr lang="en-US" sz="900" dirty="0"/>
+              <a:t>AS</a:t>
+            </a:r>
+          </a:p>
+          <a:p>
+            <a:r>
+              <a:rPr lang="en-US" sz="900" dirty="0"/>
               <a:t>    </a:t>
             </a:r>
             <a:r>
               <a:rPr lang="en-US" sz="900" dirty="0" err="1"/>
-              <a:t>persent_dog</a:t>
-            </a:r>
-            <a:r>
-              <a:rPr lang="en-US" sz="900" dirty="0"/>
-              <a:t>     IN number,          -- </a:t>
-            </a:r>
-            <a:r>
-              <a:rPr lang="ru-RU" sz="900" dirty="0"/>
-              <a:t>Годовая процентная ставка</a:t>
-            </a:r>
-          </a:p>
-          <a:p>
-            <a:r>
-              <a:rPr lang="ru-RU" sz="900" dirty="0"/>
+              <a:t>client_exists</a:t>
+            </a:r>
+            <a:r>
+              <a:rPr lang="en-US" sz="900" dirty="0"/>
+              <a:t> number := 0;</a:t>
+            </a:r>
+          </a:p>
+          <a:p>
+            <a:r>
+              <a:rPr lang="en-US" sz="900" dirty="0"/>
+              <a:t>BEGIN</a:t>
+            </a:r>
+          </a:p>
+          <a:p>
+            <a:r>
+              <a:rPr lang="en-US" sz="900" dirty="0"/>
               <a:t>    </a:t>
             </a:r>
-            <a:r>
-              <a:rPr lang="en-US" sz="900" dirty="0" err="1"/>
-              <a:t>duration_dog</a:t>
-            </a:r>
-            <a:r>
-              <a:rPr lang="en-US" sz="900" dirty="0"/>
-              <a:t>    IN number           -- </a:t>
-            </a:r>
-            <a:r>
-              <a:rPr lang="ru-RU" sz="900" dirty="0"/>
-              <a:t>Срок кредитования месяцев</a:t>
-            </a:r>
-          </a:p>
-          <a:p>
-            <a:r>
-              <a:rPr lang="ru-RU" sz="900" dirty="0"/>
-              <a:t>)</a:t>
-            </a:r>
-          </a:p>
-          <a:p>
-            <a:r>
-              <a:rPr lang="en-US" sz="900" dirty="0"/>
-              <a:t>AS</a:t>
+          </a:p>
+          <a:p>
+            <a:r>
+              <a:rPr lang="en-US" sz="900" dirty="0"/>
+              <a:t>    SELECT</a:t>
+            </a:r>
+          </a:p>
+          <a:p>
+            <a:r>
+              <a:rPr lang="en-US" sz="900" dirty="0"/>
+              <a:t>        COUNT(*) INTO </a:t>
+            </a:r>
+            <a:r>
+              <a:rPr lang="en-US" sz="900" dirty="0" err="1"/>
+              <a:t>client_exists</a:t>
+            </a:r>
+            <a:endParaRPr lang="en-US" sz="900" dirty="0"/>
+          </a:p>
+          <a:p>
+            <a:r>
+              <a:rPr lang="en-US" sz="900" dirty="0"/>
+              <a:t>        FROM c##</a:t>
+            </a:r>
+            <a:r>
+              <a:rPr lang="en-US" sz="900" dirty="0" err="1"/>
+              <a:t>course.client</a:t>
+            </a:r>
+            <a:endParaRPr lang="en-US" sz="900" dirty="0"/>
+          </a:p>
+          <a:p>
+            <a:r>
+              <a:rPr lang="en-US" sz="900" dirty="0"/>
+              <a:t>        WHERE</a:t>
+            </a:r>
+          </a:p>
+          <a:p>
+            <a:r>
+              <a:rPr lang="en-US" sz="900" dirty="0"/>
+              <a:t>            </a:t>
+            </a:r>
+            <a:r>
+              <a:rPr lang="en-US" sz="900" dirty="0" err="1"/>
+              <a:t>cl_name</a:t>
+            </a:r>
+            <a:r>
+              <a:rPr lang="en-US" sz="900" dirty="0"/>
+              <a:t> = </a:t>
+            </a:r>
+            <a:r>
+              <a:rPr lang="en-US" sz="900" dirty="0" err="1"/>
+              <a:t>client_name</a:t>
+            </a:r>
+            <a:r>
+              <a:rPr lang="en-US" sz="900" dirty="0"/>
+              <a:t>;</a:t>
             </a:r>
           </a:p>
           <a:p>
@@ -12906,262 +13750,258 @@
               <a:rPr lang="en-US" sz="900" dirty="0"/>
               <a:t>    </a:t>
             </a:r>
+          </a:p>
+          <a:p>
+            <a:r>
+              <a:rPr lang="en-US" sz="900" dirty="0"/>
+              <a:t>    IF </a:t>
+            </a:r>
+            <a:r>
+              <a:rPr lang="en-US" sz="900" dirty="0" err="1"/>
+              <a:t>client_exists</a:t>
+            </a:r>
+            <a:r>
+              <a:rPr lang="en-US" sz="900" dirty="0"/>
+              <a:t> &gt; 0 THEN</a:t>
+            </a:r>
+          </a:p>
+          <a:p>
+            <a:r>
+              <a:rPr lang="en-US" sz="900" dirty="0"/>
+              <a:t>     DBMS_OUTPUT.PUT_LINE('Make select');</a:t>
+            </a:r>
+          </a:p>
+          <a:p>
+            <a:r>
+              <a:rPr lang="en-US" sz="900" dirty="0"/>
+              <a:t>     SELECT</a:t>
+            </a:r>
+          </a:p>
+          <a:p>
+            <a:r>
+              <a:rPr lang="en-US" sz="900" dirty="0"/>
+              <a:t>        id INTO </a:t>
+            </a:r>
             <a:r>
               <a:rPr lang="en-US" sz="900" dirty="0" err="1"/>
               <a:t>client_id</a:t>
             </a:r>
-            <a:r>
-              <a:rPr lang="en-US" sz="900" dirty="0"/>
-              <a:t>                   number;</a:t>
-            </a:r>
-          </a:p>
-          <a:p>
-            <a:r>
-              <a:rPr lang="en-US" sz="900" dirty="0"/>
-              <a:t>    </a:t>
-            </a:r>
-            <a:r>
-              <a:rPr lang="en-US" sz="900" dirty="0" err="1"/>
-              <a:t>credit_id</a:t>
-            </a:r>
-            <a:r>
-              <a:rPr lang="en-US" sz="900" dirty="0"/>
-              <a:t>                   number;</a:t>
-            </a:r>
-          </a:p>
-          <a:p>
-            <a:r>
-              <a:rPr lang="en-US" sz="900" dirty="0"/>
-              <a:t>    </a:t>
-            </a:r>
-            <a:r>
-              <a:rPr lang="en-US" sz="900" dirty="0" err="1"/>
-              <a:t>collect_plan_id</a:t>
-            </a:r>
-            <a:r>
-              <a:rPr lang="en-US" sz="900" dirty="0"/>
-              <a:t>             number;</a:t>
-            </a:r>
-          </a:p>
-          <a:p>
-            <a:r>
-              <a:rPr lang="en-US" sz="900" dirty="0"/>
-              <a:t>    </a:t>
-            </a:r>
-            <a:r>
-              <a:rPr lang="en-US" sz="900" dirty="0" err="1"/>
-              <a:t>collect_fact_id</a:t>
-            </a:r>
-            <a:r>
-              <a:rPr lang="en-US" sz="900" dirty="0"/>
-              <a:t>             number;</a:t>
-            </a:r>
-          </a:p>
-          <a:p>
-            <a:r>
-              <a:rPr lang="en-US" sz="900" dirty="0"/>
-              <a:t>    </a:t>
-            </a:r>
-            <a:r>
-              <a:rPr lang="en-US" sz="900" dirty="0" err="1"/>
-              <a:t>date_begin</a:t>
-            </a:r>
-            <a:r>
-              <a:rPr lang="en-US" sz="900" dirty="0"/>
-              <a:t>                  date;</a:t>
-            </a:r>
-          </a:p>
-          <a:p>
-            <a:r>
-              <a:rPr lang="en-US" sz="900" dirty="0"/>
-              <a:t>    </a:t>
-            </a:r>
-            <a:r>
-              <a:rPr lang="en-US" sz="900" dirty="0" err="1"/>
-              <a:t>date_end</a:t>
-            </a:r>
-            <a:r>
-              <a:rPr lang="en-US" sz="900" dirty="0"/>
-              <a:t>                    date;</a:t>
-            </a:r>
-          </a:p>
-          <a:p>
-            <a:r>
-              <a:rPr lang="en-US" sz="900" dirty="0"/>
-              <a:t>    </a:t>
-            </a:r>
-            <a:r>
-              <a:rPr lang="en-US" sz="900" dirty="0" err="1"/>
-              <a:t>year_dog</a:t>
-            </a:r>
-            <a:r>
-              <a:rPr lang="en-US" sz="900" dirty="0"/>
-              <a:t>                    varchar2(4);</a:t>
-            </a:r>
-          </a:p>
-          <a:p>
-            <a:r>
-              <a:rPr lang="en-US" sz="900" dirty="0"/>
-              <a:t>    </a:t>
-            </a:r>
-            <a:r>
-              <a:rPr lang="en-US" sz="900" dirty="0" err="1"/>
-              <a:t>num_dog</a:t>
-            </a:r>
-            <a:r>
-              <a:rPr lang="en-US" sz="900" dirty="0"/>
-              <a:t>                     number := 1;</a:t>
-            </a:r>
-          </a:p>
-          <a:p>
-            <a:r>
-              <a:rPr lang="en-US" sz="900" dirty="0"/>
-              <a:t>    </a:t>
-            </a:r>
-            <a:r>
-              <a:rPr lang="en-US" sz="900" dirty="0" err="1"/>
-              <a:t>amount_dog_in_current_year</a:t>
-            </a:r>
-            <a:r>
-              <a:rPr lang="en-US" sz="900" dirty="0"/>
-              <a:t>  number := 0;</a:t>
-            </a:r>
-          </a:p>
-          <a:p>
-            <a:r>
-              <a:rPr lang="en-US" sz="900" dirty="0"/>
-              <a:t>    </a:t>
-            </a:r>
-            <a:r>
-              <a:rPr lang="en-US" sz="900" dirty="0" err="1"/>
-              <a:t>credit_month_percent</a:t>
-            </a:r>
-            <a:r>
-              <a:rPr lang="en-US" sz="900" dirty="0"/>
-              <a:t>        number;     -- </a:t>
-            </a:r>
-            <a:r>
-              <a:rPr lang="ru-RU" sz="900" dirty="0"/>
-              <a:t>ежемесячная процентная ставка</a:t>
-            </a:r>
-          </a:p>
-          <a:p>
-            <a:r>
-              <a:rPr lang="ru-RU" sz="900" dirty="0"/>
-              <a:t>    </a:t>
-            </a:r>
-            <a:r>
-              <a:rPr lang="en-US" sz="900" dirty="0" err="1"/>
-              <a:t>annuit_pay</a:t>
-            </a:r>
-            <a:r>
-              <a:rPr lang="en-US" sz="900" dirty="0"/>
-              <a:t>                  number;     -- </a:t>
-            </a:r>
-            <a:r>
-              <a:rPr lang="ru-RU" sz="900" dirty="0"/>
-              <a:t>размер </a:t>
-            </a:r>
-            <a:r>
-              <a:rPr lang="ru-RU" sz="900" dirty="0" err="1"/>
-              <a:t>аннуитентного</a:t>
-            </a:r>
-            <a:r>
-              <a:rPr lang="ru-RU" sz="900" dirty="0"/>
-              <a:t> платежа</a:t>
-            </a:r>
-          </a:p>
-          <a:p>
-            <a:r>
-              <a:rPr lang="ru-RU" sz="900" dirty="0"/>
-              <a:t>    </a:t>
-            </a:r>
-            <a:r>
-              <a:rPr lang="en-US" sz="900" dirty="0" err="1"/>
-              <a:t>p_date</a:t>
-            </a:r>
-            <a:r>
-              <a:rPr lang="en-US" sz="900" dirty="0"/>
-              <a:t>                      date;       -- </a:t>
-            </a:r>
-            <a:r>
-              <a:rPr lang="ru-RU" sz="900" dirty="0"/>
-              <a:t>планируемая дата </a:t>
-            </a:r>
-            <a:r>
-              <a:rPr lang="ru-RU" sz="900" dirty="0" err="1"/>
-              <a:t>аннуитентного</a:t>
-            </a:r>
-            <a:r>
-              <a:rPr lang="ru-RU" sz="900" dirty="0"/>
-              <a:t> платежа</a:t>
-            </a:r>
-          </a:p>
-          <a:p>
-            <a:r>
-              <a:rPr lang="ru-RU" sz="900" dirty="0"/>
-              <a:t>    </a:t>
-            </a:r>
-            <a:r>
-              <a:rPr lang="en-US" sz="900" dirty="0" err="1"/>
-              <a:t>p_summa_percent</a:t>
-            </a:r>
-            <a:r>
-              <a:rPr lang="en-US" sz="900" dirty="0"/>
-              <a:t>             number;     -- </a:t>
-            </a:r>
-            <a:r>
-              <a:rPr lang="ru-RU" sz="900" dirty="0"/>
-              <a:t>ежемесячное погашение процентов</a:t>
-            </a:r>
-          </a:p>
-          <a:p>
-            <a:r>
-              <a:rPr lang="ru-RU" sz="900" dirty="0"/>
-              <a:t>    </a:t>
-            </a:r>
-            <a:r>
-              <a:rPr lang="en-US" sz="900" dirty="0" err="1"/>
-              <a:t>p_summa_body</a:t>
-            </a:r>
-            <a:r>
-              <a:rPr lang="en-US" sz="900" dirty="0"/>
-              <a:t>                number;     -- </a:t>
-            </a:r>
-            <a:r>
-              <a:rPr lang="ru-RU" sz="900" dirty="0"/>
-              <a:t>ежемесячное погашение кредита</a:t>
-            </a:r>
-          </a:p>
-          <a:p>
-            <a:r>
-              <a:rPr lang="ru-RU" sz="900" dirty="0"/>
-              <a:t>    </a:t>
-            </a:r>
-            <a:r>
-              <a:rPr lang="en-US" sz="900" dirty="0" err="1"/>
-              <a:t>summa_dog_ostat</a:t>
-            </a:r>
-            <a:r>
-              <a:rPr lang="en-US" sz="900" dirty="0"/>
-              <a:t>             number;     -- </a:t>
-            </a:r>
-            <a:r>
-              <a:rPr lang="ru-RU" sz="900" dirty="0"/>
-              <a:t>остаток по кредиту</a:t>
-            </a:r>
-          </a:p>
-          <a:p>
-            <a:r>
-              <a:rPr lang="ru-RU" sz="900" dirty="0"/>
+            <a:endParaRPr lang="en-US" sz="900" dirty="0"/>
+          </a:p>
+          <a:p>
+            <a:r>
+              <a:rPr lang="en-US" sz="900" dirty="0"/>
+              <a:t>        FROM c##</a:t>
+            </a:r>
+            <a:r>
+              <a:rPr lang="en-US" sz="900" dirty="0" err="1"/>
+              <a:t>course.client</a:t>
+            </a:r>
+            <a:endParaRPr lang="en-US" sz="900" dirty="0"/>
+          </a:p>
+          <a:p>
+            <a:r>
+              <a:rPr lang="en-US" sz="900" dirty="0"/>
+              <a:t>        WHERE</a:t>
+            </a:r>
+          </a:p>
+          <a:p>
+            <a:r>
+              <a:rPr lang="en-US" sz="900" dirty="0"/>
+              <a:t>            </a:t>
+            </a:r>
+            <a:r>
+              <a:rPr lang="en-US" sz="900" dirty="0" err="1"/>
+              <a:t>cl_name</a:t>
+            </a:r>
+            <a:r>
+              <a:rPr lang="en-US" sz="900" dirty="0"/>
+              <a:t> = </a:t>
+            </a:r>
+            <a:r>
+              <a:rPr lang="en-US" sz="900" dirty="0" err="1"/>
+              <a:t>client_name</a:t>
+            </a:r>
+            <a:r>
+              <a:rPr lang="en-US" sz="900" dirty="0"/>
+              <a:t>;   </a:t>
+            </a:r>
+          </a:p>
+          <a:p>
+            <a:r>
+              <a:rPr lang="en-US" sz="900" dirty="0"/>
+              <a:t>    ELSE</a:t>
+            </a:r>
+          </a:p>
+          <a:p>
+            <a:r>
+              <a:rPr lang="en-US" sz="900" dirty="0"/>
+              <a:t>        </a:t>
+            </a:r>
+            <a:r>
+              <a:rPr lang="en-US" sz="900" dirty="0" err="1"/>
+              <a:t>client_id</a:t>
+            </a:r>
+            <a:r>
+              <a:rPr lang="en-US" sz="900" dirty="0"/>
+              <a:t> := c##</a:t>
+            </a:r>
+            <a:r>
+              <a:rPr lang="en-US" sz="900" dirty="0" err="1"/>
+              <a:t>course.seq.nextval</a:t>
+            </a:r>
+            <a:r>
+              <a:rPr lang="en-US" sz="900" dirty="0"/>
+              <a:t>;</a:t>
+            </a:r>
+          </a:p>
+          <a:p>
+            <a:r>
+              <a:rPr lang="en-US" sz="900" dirty="0"/>
+              <a:t>        DBMS_OUTPUT.PUT_LINE('Make insert');</a:t>
+            </a:r>
+          </a:p>
+          <a:p>
+            <a:r>
+              <a:rPr lang="en-US" sz="900" dirty="0"/>
+              <a:t>        INSERT INTO c##</a:t>
+            </a:r>
+            <a:r>
+              <a:rPr lang="en-US" sz="900" dirty="0" err="1"/>
+              <a:t>course.client</a:t>
+            </a:r>
+            <a:endParaRPr lang="en-US" sz="900" dirty="0"/>
+          </a:p>
+          <a:p>
+            <a:r>
+              <a:rPr lang="en-US" sz="900" dirty="0"/>
+              <a:t>            (</a:t>
+            </a:r>
+          </a:p>
+          <a:p>
+            <a:r>
+              <a:rPr lang="en-US" sz="900" dirty="0"/>
+              <a:t>                  id</a:t>
+            </a:r>
+          </a:p>
+          <a:p>
+            <a:r>
+              <a:rPr lang="en-US" sz="900" dirty="0"/>
+              <a:t>                , </a:t>
+            </a:r>
+            <a:r>
+              <a:rPr lang="en-US" sz="900" dirty="0" err="1"/>
+              <a:t>cl_name</a:t>
+            </a:r>
+            <a:endParaRPr lang="en-US" sz="900" dirty="0"/>
+          </a:p>
+          <a:p>
+            <a:r>
+              <a:rPr lang="en-US" sz="900" dirty="0"/>
+              <a:t>                , </a:t>
+            </a:r>
+            <a:r>
+              <a:rPr lang="en-US" sz="900" dirty="0" err="1"/>
+              <a:t>date_birth</a:t>
+            </a:r>
+            <a:endParaRPr lang="en-US" sz="900" dirty="0"/>
+          </a:p>
+          <a:p>
+            <a:r>
+              <a:rPr lang="en-US" sz="900" dirty="0"/>
+              <a:t>            ) VALUES (</a:t>
+            </a:r>
+          </a:p>
+          <a:p>
+            <a:r>
+              <a:rPr lang="en-US" sz="900" dirty="0"/>
+              <a:t>                  </a:t>
+            </a:r>
+            <a:r>
+              <a:rPr lang="en-US" sz="900" dirty="0" err="1"/>
+              <a:t>client_id</a:t>
+            </a:r>
+            <a:endParaRPr lang="en-US" sz="900" dirty="0"/>
+          </a:p>
+          <a:p>
+            <a:r>
+              <a:rPr lang="en-US" sz="900" dirty="0"/>
+              <a:t>                , </a:t>
+            </a:r>
+            <a:r>
+              <a:rPr lang="en-US" sz="900" dirty="0" err="1"/>
+              <a:t>client_name</a:t>
+            </a:r>
+            <a:endParaRPr lang="en-US" sz="900" dirty="0"/>
+          </a:p>
+          <a:p>
+            <a:r>
+              <a:rPr lang="en-US" sz="900" dirty="0"/>
+              <a:t>                , </a:t>
+            </a:r>
+            <a:r>
+              <a:rPr lang="en-US" sz="900" dirty="0" err="1"/>
+              <a:t>client_birth</a:t>
+            </a:r>
+            <a:endParaRPr lang="en-US" sz="900" dirty="0"/>
+          </a:p>
+          <a:p>
+            <a:r>
+              <a:rPr lang="en-US" sz="900" dirty="0"/>
+              <a:t>            );</a:t>
+            </a:r>
+          </a:p>
+          <a:p>
+            <a:r>
+              <a:rPr lang="en-US" sz="900" dirty="0"/>
+              <a:t>            COMMIT;</a:t>
+            </a:r>
+          </a:p>
+          <a:p>
+            <a:r>
+              <a:rPr lang="en-US" sz="900" dirty="0"/>
               <a:t/>
             </a:r>
             <a:br>
-              <a:rPr lang="ru-RU" sz="900" dirty="0"/>
+              <a:rPr lang="en-US" sz="900" dirty="0"/>
             </a:br>
             <a:r>
               <a:rPr lang="en-US" sz="900" dirty="0"/>
-              <a:t>BEGIN</a:t>
+              <a:t>    END IF;</a:t>
+            </a:r>
+          </a:p>
+          <a:p>
+            <a:r>
+              <a:rPr lang="en-US" sz="900" dirty="0"/>
+              <a:t>  </a:t>
+            </a:r>
+          </a:p>
+          <a:p>
+            <a:r>
+              <a:rPr lang="en-US" sz="900" dirty="0"/>
+              <a:t>    DBMS_OUTPUT.PUT_LINE('</a:t>
+            </a:r>
+            <a:r>
+              <a:rPr lang="en-US" sz="900" dirty="0" err="1"/>
+              <a:t>client_id</a:t>
+            </a:r>
+            <a:r>
+              <a:rPr lang="en-US" sz="900" dirty="0"/>
+              <a:t> = ' || </a:t>
+            </a:r>
+            <a:r>
+              <a:rPr lang="en-US" sz="900" dirty="0" err="1"/>
+              <a:t>client_id</a:t>
+            </a:r>
+            <a:r>
+              <a:rPr lang="en-US" sz="900" dirty="0"/>
+              <a:t>);</a:t>
+            </a:r>
+          </a:p>
+          <a:p>
+            <a:r>
+              <a:rPr lang="en-US" sz="900" dirty="0"/>
+              <a:t>    RETURN;</a:t>
             </a:r>
           </a:p>
           <a:p>
@@ -13174,1183 +14014,23 @@
             </a:br>
             <a:r>
               <a:rPr lang="en-US" sz="900" dirty="0"/>
-              <a:t>    </a:t>
-            </a:r>
-            <a:r>
-              <a:rPr lang="en-US" sz="900" dirty="0" smtClean="0"/>
-              <a:t>c</a:t>
-            </a:r>
-            <a:r>
-              <a:rPr lang="en-US" sz="900" dirty="0"/>
-              <a:t>##</a:t>
-            </a:r>
-            <a:r>
-              <a:rPr lang="en-US" sz="900" dirty="0" err="1"/>
-              <a:t>course.pr_create_client</a:t>
-            </a:r>
-            <a:r>
-              <a:rPr lang="en-US" sz="900" dirty="0"/>
-              <a:t>(</a:t>
-            </a:r>
-            <a:r>
-              <a:rPr lang="en-US" sz="900" dirty="0" err="1"/>
-              <a:t>client_name,client_birth,client_id</a:t>
-            </a:r>
-            <a:r>
-              <a:rPr lang="en-US" sz="900" dirty="0"/>
-              <a:t>);</a:t>
-            </a:r>
-          </a:p>
-          <a:p>
-            <a:r>
-              <a:rPr lang="en-US" sz="900" dirty="0"/>
-              <a:t>    </a:t>
-            </a:r>
-          </a:p>
-          <a:p>
-            <a:r>
-              <a:rPr lang="en-US" sz="900" dirty="0"/>
-              <a:t>    </a:t>
-            </a:r>
-            <a:r>
-              <a:rPr lang="en-US" sz="900" dirty="0" err="1"/>
-              <a:t>date_begin</a:t>
-            </a:r>
-            <a:r>
-              <a:rPr lang="en-US" sz="900" dirty="0"/>
-              <a:t> := CURRENT_DATE;</a:t>
-            </a:r>
-          </a:p>
-          <a:p>
-            <a:r>
-              <a:rPr lang="en-US" sz="900" dirty="0"/>
-              <a:t>    </a:t>
-            </a:r>
-            <a:r>
-              <a:rPr lang="en-US" sz="900" dirty="0" err="1"/>
-              <a:t>date_end</a:t>
-            </a:r>
-            <a:r>
-              <a:rPr lang="en-US" sz="900" dirty="0"/>
-              <a:t> := ADD_MONTHS(</a:t>
-            </a:r>
-            <a:r>
-              <a:rPr lang="en-US" sz="900" dirty="0" err="1"/>
-              <a:t>date_begin,duration_dog</a:t>
-            </a:r>
-            <a:r>
-              <a:rPr lang="en-US" sz="900" dirty="0"/>
-              <a:t>);</a:t>
-            </a:r>
-          </a:p>
-          <a:p>
-            <a:r>
-              <a:rPr lang="en-US" sz="900" dirty="0"/>
-              <a:t>    </a:t>
-            </a:r>
-            <a:r>
-              <a:rPr lang="en-US" sz="900" dirty="0" err="1"/>
-              <a:t>year_dog</a:t>
-            </a:r>
-            <a:r>
-              <a:rPr lang="en-US" sz="900" dirty="0"/>
-              <a:t> := TO_CHAR(</a:t>
-            </a:r>
-            <a:r>
-              <a:rPr lang="en-US" sz="900" dirty="0" err="1"/>
-              <a:t>date_begin,'YYYY</a:t>
-            </a:r>
-            <a:r>
-              <a:rPr lang="en-US" sz="900" dirty="0"/>
-              <a:t>');</a:t>
-            </a:r>
-          </a:p>
-          <a:p>
-            <a:r>
-              <a:rPr lang="en-US" sz="900" dirty="0"/>
-              <a:t>    </a:t>
-            </a:r>
-          </a:p>
-          <a:p>
-            <a:r>
-              <a:rPr lang="en-US" sz="900" dirty="0"/>
-              <a:t>    SELECT</a:t>
-            </a:r>
-          </a:p>
-          <a:p>
-            <a:r>
-              <a:rPr lang="en-US" sz="900" dirty="0"/>
-              <a:t>        COUNT(*) INTO </a:t>
-            </a:r>
-            <a:r>
-              <a:rPr lang="en-US" sz="900" dirty="0" err="1"/>
-              <a:t>amount_dog_in_current_year</a:t>
-            </a:r>
-            <a:endParaRPr lang="en-US" sz="900" dirty="0"/>
-          </a:p>
-          <a:p>
-            <a:r>
-              <a:rPr lang="en-US" sz="900" dirty="0"/>
-              <a:t>        FROM c##</a:t>
-            </a:r>
-            <a:r>
-              <a:rPr lang="en-US" sz="900" dirty="0" err="1"/>
-              <a:t>course.pr_credit</a:t>
-            </a:r>
-            <a:endParaRPr lang="en-US" sz="900" dirty="0"/>
-          </a:p>
-          <a:p>
-            <a:r>
-              <a:rPr lang="en-US" sz="900" dirty="0"/>
-              <a:t>        WHERE</a:t>
-            </a:r>
-          </a:p>
-          <a:p>
-            <a:r>
-              <a:rPr lang="en-US" sz="900" dirty="0"/>
-              <a:t>            </a:t>
-            </a:r>
-            <a:r>
-              <a:rPr lang="en-US" sz="900" dirty="0" err="1"/>
-              <a:t>num_dog</a:t>
-            </a:r>
-            <a:r>
-              <a:rPr lang="en-US" sz="900" dirty="0"/>
-              <a:t> LIKE  </a:t>
-            </a:r>
-            <a:r>
-              <a:rPr lang="en-US" sz="900" dirty="0" err="1"/>
-              <a:t>year_dog</a:t>
-            </a:r>
-            <a:r>
-              <a:rPr lang="en-US" sz="900" dirty="0"/>
-              <a:t> || '/%';</a:t>
-            </a:r>
-          </a:p>
-          <a:p>
-            <a:r>
-              <a:rPr lang="en-US" sz="900" dirty="0"/>
-              <a:t/>
-            </a:r>
-            <a:br>
-              <a:rPr lang="en-US" sz="900" dirty="0"/>
-            </a:br>
-            <a:r>
-              <a:rPr lang="en-US" sz="900" dirty="0"/>
-              <a:t>  </a:t>
-            </a:r>
-            <a:r>
-              <a:rPr lang="en-US" sz="900" dirty="0" smtClean="0"/>
-              <a:t>  </a:t>
-            </a:r>
-          </a:p>
-          <a:p>
-            <a:r>
-              <a:rPr lang="en-US" sz="900" dirty="0"/>
-              <a:t>   </a:t>
-            </a:r>
-          </a:p>
-        </p:txBody>
-      </p:sp>
-      <p:sp>
-        <p:nvSpPr>
-          <p:cNvPr id="4" name="TextBox 3"/>
-          <p:cNvSpPr txBox="1"/>
-          <p:nvPr/>
-        </p:nvSpPr>
-        <p:spPr>
-          <a:xfrm>
-            <a:off x="4223792" y="660061"/>
-            <a:ext cx="3456384" cy="5355312"/>
-          </a:xfrm>
-          <a:prstGeom prst="rect">
-            <a:avLst/>
-          </a:prstGeom>
-          <a:noFill/>
-        </p:spPr>
-        <p:txBody>
-          <a:bodyPr wrap="square" rtlCol="0">
-            <a:spAutoFit/>
-          </a:bodyPr>
-          <a:lstStyle/>
-          <a:p>
-            <a:r>
-              <a:rPr lang="en-US" sz="900" dirty="0"/>
-              <a:t>  IF </a:t>
-            </a:r>
-            <a:r>
-              <a:rPr lang="en-US" sz="900" dirty="0" err="1"/>
-              <a:t>amount_dog_in_current_year</a:t>
-            </a:r>
-            <a:r>
-              <a:rPr lang="en-US" sz="900" dirty="0"/>
-              <a:t> &gt; 0 THEN</a:t>
-            </a:r>
-          </a:p>
-          <a:p>
-            <a:r>
-              <a:rPr lang="en-US" sz="900" dirty="0"/>
-              <a:t/>
-            </a:r>
-            <a:br>
-              <a:rPr lang="en-US" sz="900" dirty="0"/>
-            </a:br>
-            <a:r>
-              <a:rPr lang="en-US" sz="900" dirty="0"/>
-              <a:t>        SELECT</a:t>
-            </a:r>
-          </a:p>
-          <a:p>
-            <a:r>
-              <a:rPr lang="en-US" sz="900" dirty="0"/>
-              <a:t>            MAX(TO_NUMBER(REPLACE(</a:t>
-            </a:r>
-            <a:r>
-              <a:rPr lang="en-US" sz="900" dirty="0" err="1"/>
-              <a:t>num_dog</a:t>
-            </a:r>
-            <a:r>
-              <a:rPr lang="en-US" sz="900" dirty="0"/>
-              <a:t>, </a:t>
-            </a:r>
-            <a:r>
-              <a:rPr lang="en-US" sz="900" dirty="0" err="1"/>
-              <a:t>year_dog</a:t>
-            </a:r>
-            <a:r>
-              <a:rPr lang="en-US" sz="900" dirty="0"/>
-              <a:t> || '/',''))) + 1 INTO </a:t>
-            </a:r>
-            <a:r>
-              <a:rPr lang="en-US" sz="900" dirty="0" err="1"/>
-              <a:t>num_dog</a:t>
-            </a:r>
-            <a:endParaRPr lang="en-US" sz="900" dirty="0"/>
-          </a:p>
-          <a:p>
-            <a:r>
-              <a:rPr lang="en-US" sz="900" dirty="0"/>
-              <a:t>            FROM c##</a:t>
-            </a:r>
-            <a:r>
-              <a:rPr lang="en-US" sz="900" dirty="0" err="1"/>
-              <a:t>course.pr_credit</a:t>
-            </a:r>
-            <a:endParaRPr lang="en-US" sz="900" dirty="0"/>
-          </a:p>
-          <a:p>
-            <a:r>
-              <a:rPr lang="en-US" sz="900" dirty="0"/>
-              <a:t>            WHERE</a:t>
-            </a:r>
-          </a:p>
-          <a:p>
-            <a:r>
-              <a:rPr lang="en-US" sz="900" dirty="0"/>
-              <a:t>                </a:t>
-            </a:r>
-            <a:r>
-              <a:rPr lang="en-US" sz="900" dirty="0" err="1"/>
-              <a:t>num_dog</a:t>
-            </a:r>
-            <a:r>
-              <a:rPr lang="en-US" sz="900" dirty="0"/>
-              <a:t> LIKE  </a:t>
-            </a:r>
-            <a:r>
-              <a:rPr lang="en-US" sz="900" dirty="0" err="1"/>
-              <a:t>year_dog</a:t>
-            </a:r>
-            <a:r>
-              <a:rPr lang="en-US" sz="900" dirty="0"/>
-              <a:t> || '/%';</a:t>
-            </a:r>
-          </a:p>
-          <a:p>
-            <a:r>
-              <a:rPr lang="en-US" sz="900" dirty="0"/>
-              <a:t>   </a:t>
-            </a:r>
-          </a:p>
-          <a:p>
-            <a:r>
-              <a:rPr lang="en-US" sz="900" dirty="0"/>
-              <a:t>    END IF;</a:t>
-            </a:r>
-          </a:p>
-          <a:p>
-            <a:r>
-              <a:rPr lang="en-US" sz="900" dirty="0"/>
-              <a:t>   </a:t>
-            </a:r>
-            <a:br>
-              <a:rPr lang="en-US" sz="900" dirty="0"/>
-            </a:br>
-            <a:r>
-              <a:rPr lang="en-US" sz="900" dirty="0"/>
-              <a:t>    SAVEPOINT </a:t>
-            </a:r>
-            <a:r>
-              <a:rPr lang="en-US" sz="900" dirty="0" err="1"/>
-              <a:t>add_dog</a:t>
+              <a:t>END </a:t>
+            </a:r>
+            <a:r>
+              <a:rPr lang="en-US" sz="900" dirty="0" err="1"/>
+              <a:t>pr_create_client</a:t>
             </a:r>
             <a:r>
               <a:rPr lang="en-US" sz="900" dirty="0"/>
               <a:t>;</a:t>
             </a:r>
-          </a:p>
-          <a:p>
-            <a:r>
-              <a:rPr lang="en-US" sz="900" dirty="0"/>
-              <a:t/>
-            </a:r>
-            <a:br>
-              <a:rPr lang="en-US" sz="900" dirty="0"/>
-            </a:br>
-            <a:r>
-              <a:rPr lang="en-US" sz="900" dirty="0"/>
-              <a:t>    </a:t>
-            </a:r>
-            <a:r>
-              <a:rPr lang="en-US" sz="900" dirty="0" err="1"/>
-              <a:t>credit_id</a:t>
-            </a:r>
-            <a:r>
-              <a:rPr lang="en-US" sz="900" dirty="0"/>
-              <a:t>       := c##</a:t>
-            </a:r>
-            <a:r>
-              <a:rPr lang="en-US" sz="900" dirty="0" err="1"/>
-              <a:t>course.seq.nextval</a:t>
-            </a:r>
-            <a:r>
-              <a:rPr lang="en-US" sz="900" dirty="0"/>
-              <a:t>;</a:t>
-            </a:r>
-          </a:p>
-          <a:p>
-            <a:r>
-              <a:rPr lang="en-US" sz="900" dirty="0"/>
-              <a:t>    </a:t>
-            </a:r>
-            <a:r>
-              <a:rPr lang="en-US" sz="900" dirty="0" err="1"/>
-              <a:t>collect_plan_id</a:t>
-            </a:r>
-            <a:r>
-              <a:rPr lang="en-US" sz="900" dirty="0"/>
-              <a:t> := c##</a:t>
-            </a:r>
-            <a:r>
-              <a:rPr lang="en-US" sz="900" dirty="0" err="1"/>
-              <a:t>course.seq.nextval</a:t>
-            </a:r>
-            <a:r>
-              <a:rPr lang="en-US" sz="900" dirty="0"/>
-              <a:t>;</a:t>
-            </a:r>
-          </a:p>
-          <a:p>
-            <a:r>
-              <a:rPr lang="en-US" sz="900" dirty="0"/>
-              <a:t>    </a:t>
-            </a:r>
-            <a:r>
-              <a:rPr lang="en-US" sz="900" dirty="0" err="1"/>
-              <a:t>collect_fact_id</a:t>
-            </a:r>
-            <a:r>
-              <a:rPr lang="en-US" sz="900" dirty="0"/>
-              <a:t> := c##</a:t>
-            </a:r>
-            <a:r>
-              <a:rPr lang="en-US" sz="900" dirty="0" err="1"/>
-              <a:t>course.seq.nextval</a:t>
-            </a:r>
-            <a:r>
-              <a:rPr lang="en-US" sz="900" dirty="0"/>
-              <a:t>;</a:t>
-            </a:r>
-          </a:p>
-          <a:p>
-            <a:r>
-              <a:rPr lang="en-US" sz="900" dirty="0"/>
-              <a:t>    </a:t>
-            </a:r>
-          </a:p>
-          <a:p>
-            <a:r>
-              <a:rPr lang="en-US" sz="900" dirty="0"/>
-              <a:t>    INSERT INTO c##</a:t>
-            </a:r>
-            <a:r>
-              <a:rPr lang="en-US" sz="900" dirty="0" err="1"/>
-              <a:t>course.pr_credit</a:t>
-            </a:r>
-            <a:endParaRPr lang="en-US" sz="900" dirty="0"/>
-          </a:p>
-          <a:p>
-            <a:r>
-              <a:rPr lang="en-US" sz="900" dirty="0"/>
-              <a:t>    (</a:t>
-            </a:r>
-          </a:p>
-          <a:p>
-            <a:r>
-              <a:rPr lang="en-US" sz="900" dirty="0"/>
-              <a:t>          id</a:t>
-            </a:r>
-          </a:p>
-          <a:p>
-            <a:r>
-              <a:rPr lang="en-US" sz="900" dirty="0"/>
-              <a:t>        , </a:t>
-            </a:r>
-            <a:r>
-              <a:rPr lang="en-US" sz="900" dirty="0" err="1"/>
-              <a:t>num_dog</a:t>
-            </a:r>
-            <a:endParaRPr lang="en-US" sz="900" dirty="0"/>
-          </a:p>
-          <a:p>
-            <a:r>
-              <a:rPr lang="en-US" sz="900" dirty="0"/>
-              <a:t>        , </a:t>
-            </a:r>
-            <a:r>
-              <a:rPr lang="en-US" sz="900" dirty="0" err="1"/>
-              <a:t>summa_dog</a:t>
-            </a:r>
-            <a:endParaRPr lang="en-US" sz="900" dirty="0"/>
-          </a:p>
-          <a:p>
-            <a:r>
-              <a:rPr lang="en-US" sz="900" dirty="0"/>
-              <a:t>        , </a:t>
-            </a:r>
-            <a:r>
-              <a:rPr lang="en-US" sz="900" dirty="0" err="1"/>
-              <a:t>date_begin</a:t>
-            </a:r>
-            <a:endParaRPr lang="en-US" sz="900" dirty="0"/>
-          </a:p>
-          <a:p>
-            <a:r>
-              <a:rPr lang="en-US" sz="900" dirty="0"/>
-              <a:t>        , </a:t>
-            </a:r>
-            <a:r>
-              <a:rPr lang="en-US" sz="900" dirty="0" err="1"/>
-              <a:t>date_end</a:t>
-            </a:r>
-            <a:endParaRPr lang="en-US" sz="900" dirty="0"/>
-          </a:p>
-          <a:p>
-            <a:r>
-              <a:rPr lang="en-US" sz="900" dirty="0"/>
-              <a:t>        , </a:t>
-            </a:r>
-            <a:r>
-              <a:rPr lang="en-US" sz="900" dirty="0" err="1"/>
-              <a:t>id_client</a:t>
-            </a:r>
-            <a:endParaRPr lang="en-US" sz="900" dirty="0"/>
-          </a:p>
-          <a:p>
-            <a:r>
-              <a:rPr lang="en-US" sz="900" dirty="0"/>
-              <a:t>        , </a:t>
-            </a:r>
-            <a:r>
-              <a:rPr lang="en-US" sz="900" dirty="0" err="1"/>
-              <a:t>collect_plan</a:t>
-            </a:r>
-            <a:endParaRPr lang="en-US" sz="900" dirty="0"/>
-          </a:p>
-          <a:p>
-            <a:r>
-              <a:rPr lang="en-US" sz="900" dirty="0"/>
-              <a:t>        , </a:t>
-            </a:r>
-            <a:r>
-              <a:rPr lang="en-US" sz="900" dirty="0" err="1"/>
-              <a:t>collect_fact</a:t>
-            </a:r>
-            <a:endParaRPr lang="en-US" sz="900" dirty="0"/>
-          </a:p>
-          <a:p>
-            <a:r>
-              <a:rPr lang="en-US" sz="900" dirty="0"/>
-              <a:t>    ) VALUES(</a:t>
-            </a:r>
-          </a:p>
-          <a:p>
-            <a:r>
-              <a:rPr lang="en-US" sz="900" dirty="0"/>
-              <a:t>          </a:t>
-            </a:r>
-            <a:r>
-              <a:rPr lang="en-US" sz="900" dirty="0" err="1"/>
-              <a:t>credit_id</a:t>
-            </a:r>
-            <a:endParaRPr lang="en-US" sz="900" dirty="0"/>
-          </a:p>
-          <a:p>
-            <a:r>
-              <a:rPr lang="en-US" sz="900" dirty="0"/>
-              <a:t>        , </a:t>
-            </a:r>
-            <a:r>
-              <a:rPr lang="en-US" sz="900" dirty="0" err="1"/>
-              <a:t>year_dog</a:t>
-            </a:r>
-            <a:r>
-              <a:rPr lang="en-US" sz="900" dirty="0"/>
-              <a:t> || '/' || </a:t>
-            </a:r>
-            <a:r>
-              <a:rPr lang="en-US" sz="900" dirty="0" err="1"/>
-              <a:t>num_dog</a:t>
-            </a:r>
-            <a:endParaRPr lang="en-US" sz="900" dirty="0"/>
-          </a:p>
-          <a:p>
-            <a:r>
-              <a:rPr lang="en-US" sz="900" dirty="0"/>
-              <a:t>        , </a:t>
-            </a:r>
-            <a:r>
-              <a:rPr lang="en-US" sz="900" dirty="0" err="1"/>
-              <a:t>summa_dog</a:t>
-            </a:r>
-            <a:endParaRPr lang="en-US" sz="900" dirty="0"/>
-          </a:p>
-          <a:p>
-            <a:r>
-              <a:rPr lang="en-US" sz="900" dirty="0"/>
-              <a:t>        , </a:t>
-            </a:r>
-            <a:r>
-              <a:rPr lang="en-US" sz="900" dirty="0" err="1"/>
-              <a:t>date_begin</a:t>
-            </a:r>
-            <a:endParaRPr lang="en-US" sz="900" dirty="0"/>
-          </a:p>
-          <a:p>
-            <a:r>
-              <a:rPr lang="en-US" sz="900" dirty="0"/>
-              <a:t>        , </a:t>
-            </a:r>
-            <a:r>
-              <a:rPr lang="en-US" sz="900" dirty="0" err="1"/>
-              <a:t>date_end</a:t>
-            </a:r>
-            <a:endParaRPr lang="en-US" sz="900" dirty="0"/>
-          </a:p>
-          <a:p>
-            <a:r>
-              <a:rPr lang="en-US" sz="900" dirty="0"/>
-              <a:t>        , </a:t>
-            </a:r>
-            <a:r>
-              <a:rPr lang="en-US" sz="900" dirty="0" err="1"/>
-              <a:t>client_id</a:t>
-            </a:r>
-            <a:endParaRPr lang="en-US" sz="900" dirty="0"/>
-          </a:p>
-          <a:p>
-            <a:r>
-              <a:rPr lang="en-US" sz="900" dirty="0"/>
-              <a:t>        , </a:t>
-            </a:r>
-            <a:r>
-              <a:rPr lang="en-US" sz="900" dirty="0" err="1"/>
-              <a:t>collect_plan_id</a:t>
-            </a:r>
-            <a:endParaRPr lang="en-US" sz="900" dirty="0"/>
-          </a:p>
-          <a:p>
-            <a:r>
-              <a:rPr lang="en-US" sz="900" dirty="0"/>
-              <a:t>        , </a:t>
-            </a:r>
-            <a:r>
-              <a:rPr lang="en-US" sz="900" dirty="0" err="1"/>
-              <a:t>collect_fact_id</a:t>
-            </a:r>
-            <a:endParaRPr lang="en-US" sz="900" dirty="0"/>
-          </a:p>
-          <a:p>
-            <a:r>
-              <a:rPr lang="en-US" sz="900" dirty="0"/>
-              <a:t>    );</a:t>
-            </a:r>
-          </a:p>
-          <a:p>
-            <a:r>
-              <a:rPr lang="en-US" sz="900" dirty="0"/>
-              <a:t>  </a:t>
-            </a:r>
-          </a:p>
-        </p:txBody>
-      </p:sp>
-      <p:sp>
-        <p:nvSpPr>
-          <p:cNvPr id="5" name="TextBox 4"/>
-          <p:cNvSpPr txBox="1"/>
-          <p:nvPr/>
-        </p:nvSpPr>
-        <p:spPr>
-          <a:xfrm>
-            <a:off x="8006376" y="677009"/>
-            <a:ext cx="3456384" cy="5632311"/>
-          </a:xfrm>
-          <a:prstGeom prst="rect">
-            <a:avLst/>
-          </a:prstGeom>
-          <a:noFill/>
-        </p:spPr>
-        <p:txBody>
-          <a:bodyPr wrap="square" rtlCol="0">
-            <a:spAutoFit/>
-          </a:bodyPr>
-          <a:lstStyle/>
-          <a:p>
-            <a:r>
-              <a:rPr lang="en-US" sz="900" dirty="0"/>
-              <a:t> </a:t>
-            </a:r>
-            <a:r>
-              <a:rPr lang="en-US" sz="900" dirty="0" err="1"/>
-              <a:t>credit_month_percent</a:t>
-            </a:r>
-            <a:r>
-              <a:rPr lang="en-US" sz="900" dirty="0"/>
-              <a:t> := </a:t>
-            </a:r>
-            <a:r>
-              <a:rPr lang="en-US" sz="900" dirty="0" err="1"/>
-              <a:t>persent_dog</a:t>
-            </a:r>
-            <a:r>
-              <a:rPr lang="en-US" sz="900" dirty="0"/>
-              <a:t> / 100 / </a:t>
-            </a:r>
-            <a:r>
-              <a:rPr lang="en-US" sz="900" dirty="0" err="1"/>
-              <a:t>duration_dog</a:t>
-            </a:r>
-            <a:r>
-              <a:rPr lang="en-US" sz="900" dirty="0"/>
-              <a:t>;</a:t>
-            </a:r>
-          </a:p>
-          <a:p>
-            <a:r>
-              <a:rPr lang="en-US" sz="900" dirty="0"/>
-              <a:t>    </a:t>
-            </a:r>
-          </a:p>
-          <a:p>
-            <a:r>
-              <a:rPr lang="en-US" sz="900" dirty="0"/>
-              <a:t>    DBMS_OUTPUT.PUT_LINE('</a:t>
-            </a:r>
-            <a:r>
-              <a:rPr lang="en-US" sz="900" dirty="0" err="1"/>
-              <a:t>credit_month_percent</a:t>
-            </a:r>
-            <a:r>
-              <a:rPr lang="en-US" sz="900" dirty="0"/>
-              <a:t> = ' || </a:t>
-            </a:r>
-            <a:r>
-              <a:rPr lang="en-US" sz="900" dirty="0" err="1"/>
-              <a:t>credit_month_percent</a:t>
-            </a:r>
-            <a:r>
-              <a:rPr lang="en-US" sz="900" dirty="0"/>
-              <a:t>);</a:t>
-            </a:r>
-          </a:p>
-          <a:p>
-            <a:r>
-              <a:rPr lang="en-US" sz="900" dirty="0"/>
-              <a:t>    </a:t>
-            </a:r>
-          </a:p>
-          <a:p>
-            <a:r>
-              <a:rPr lang="en-US" sz="900" dirty="0"/>
-              <a:t>    </a:t>
-            </a:r>
-            <a:r>
-              <a:rPr lang="en-US" sz="900" dirty="0" err="1"/>
-              <a:t>annuit_pay</a:t>
-            </a:r>
-            <a:r>
-              <a:rPr lang="en-US" sz="900" dirty="0"/>
-              <a:t> := ROUND(</a:t>
-            </a:r>
-            <a:r>
-              <a:rPr lang="en-US" sz="900" dirty="0" err="1"/>
-              <a:t>summa_dog</a:t>
-            </a:r>
-            <a:r>
-              <a:rPr lang="en-US" sz="900" dirty="0"/>
-              <a:t> * (</a:t>
-            </a:r>
-            <a:r>
-              <a:rPr lang="en-US" sz="900" dirty="0" err="1"/>
-              <a:t>credit_month_percent</a:t>
-            </a:r>
-            <a:r>
-              <a:rPr lang="en-US" sz="900" dirty="0"/>
-              <a:t> + </a:t>
-            </a:r>
-            <a:r>
-              <a:rPr lang="en-US" sz="900" dirty="0" err="1"/>
-              <a:t>credit_month_percent</a:t>
-            </a:r>
-            <a:r>
-              <a:rPr lang="en-US" sz="900" dirty="0"/>
-              <a:t> / (POWER((1 + </a:t>
-            </a:r>
-            <a:r>
-              <a:rPr lang="en-US" sz="900" dirty="0" err="1"/>
-              <a:t>credit_month_percent</a:t>
-            </a:r>
-            <a:r>
-              <a:rPr lang="en-US" sz="900" dirty="0"/>
-              <a:t>),</a:t>
-            </a:r>
-            <a:r>
-              <a:rPr lang="en-US" sz="900" dirty="0" err="1"/>
-              <a:t>duration_dog</a:t>
-            </a:r>
-            <a:r>
-              <a:rPr lang="en-US" sz="900" dirty="0"/>
-              <a:t>)-1)),2);</a:t>
-            </a:r>
-          </a:p>
-          <a:p>
-            <a:r>
-              <a:rPr lang="en-US" sz="900" dirty="0"/>
-              <a:t>    </a:t>
-            </a:r>
-          </a:p>
-          <a:p>
-            <a:r>
-              <a:rPr lang="en-US" sz="900" dirty="0"/>
-              <a:t>    DBMS_OUTPUT.PUT_LINE('</a:t>
-            </a:r>
-            <a:r>
-              <a:rPr lang="en-US" sz="900" dirty="0" err="1"/>
-              <a:t>annuit_pay</a:t>
-            </a:r>
-            <a:r>
-              <a:rPr lang="en-US" sz="900" dirty="0"/>
-              <a:t> = ' || </a:t>
-            </a:r>
-            <a:r>
-              <a:rPr lang="en-US" sz="900" dirty="0" err="1"/>
-              <a:t>annuit_pay</a:t>
-            </a:r>
-            <a:r>
-              <a:rPr lang="en-US" sz="900" dirty="0"/>
-              <a:t>);</a:t>
-            </a:r>
-          </a:p>
-          <a:p>
-            <a:r>
-              <a:rPr lang="en-US" sz="900" dirty="0"/>
-              <a:t>    </a:t>
-            </a:r>
-          </a:p>
-          <a:p>
-            <a:r>
-              <a:rPr lang="en-US" sz="900" dirty="0"/>
-              <a:t>    </a:t>
-            </a:r>
-            <a:r>
-              <a:rPr lang="en-US" sz="900" dirty="0" err="1"/>
-              <a:t>summa_dog_ostat</a:t>
-            </a:r>
-            <a:r>
-              <a:rPr lang="en-US" sz="900" dirty="0"/>
-              <a:t> := </a:t>
-            </a:r>
-            <a:r>
-              <a:rPr lang="en-US" sz="900" dirty="0" err="1"/>
-              <a:t>summa_dog</a:t>
-            </a:r>
-            <a:r>
-              <a:rPr lang="en-US" sz="900" dirty="0"/>
-              <a:t>;</a:t>
-            </a:r>
-          </a:p>
-          <a:p>
-            <a:r>
-              <a:rPr lang="en-US" sz="900" dirty="0"/>
-              <a:t>    </a:t>
-            </a:r>
-          </a:p>
-          <a:p>
-            <a:r>
-              <a:rPr lang="en-US" sz="900" dirty="0"/>
-              <a:t>    INSERT INTO </a:t>
-            </a:r>
-            <a:r>
-              <a:rPr lang="en-US" sz="900" dirty="0" err="1"/>
-              <a:t>plan_oper</a:t>
-            </a:r>
-            <a:endParaRPr lang="en-US" sz="900" dirty="0"/>
-          </a:p>
-          <a:p>
-            <a:r>
-              <a:rPr lang="en-US" sz="900" dirty="0"/>
-              <a:t>    (</a:t>
-            </a:r>
-          </a:p>
-          <a:p>
-            <a:r>
-              <a:rPr lang="en-US" sz="900" dirty="0"/>
-              <a:t>         </a:t>
-            </a:r>
-            <a:r>
-              <a:rPr lang="en-US" sz="900" dirty="0" err="1"/>
-              <a:t>collection_id</a:t>
-            </a:r>
-            <a:endParaRPr lang="en-US" sz="900" dirty="0"/>
-          </a:p>
-          <a:p>
-            <a:r>
-              <a:rPr lang="en-US" sz="900" dirty="0"/>
-              <a:t>        ,</a:t>
-            </a:r>
-            <a:r>
-              <a:rPr lang="en-US" sz="900" dirty="0" err="1"/>
-              <a:t>p_date</a:t>
-            </a:r>
-            <a:endParaRPr lang="en-US" sz="900" dirty="0"/>
-          </a:p>
-          <a:p>
-            <a:r>
-              <a:rPr lang="en-US" sz="900" dirty="0"/>
-              <a:t>        ,</a:t>
-            </a:r>
-            <a:r>
-              <a:rPr lang="en-US" sz="900" dirty="0" err="1"/>
-              <a:t>p_summa</a:t>
-            </a:r>
-            <a:endParaRPr lang="en-US" sz="900" dirty="0"/>
-          </a:p>
-          <a:p>
-            <a:r>
-              <a:rPr lang="en-US" sz="900" dirty="0"/>
-              <a:t>        ,</a:t>
-            </a:r>
-            <a:r>
-              <a:rPr lang="en-US" sz="900" dirty="0" err="1"/>
-              <a:t>type_oper</a:t>
-            </a:r>
-            <a:endParaRPr lang="en-US" sz="900" dirty="0"/>
-          </a:p>
-          <a:p>
-            <a:r>
-              <a:rPr lang="en-US" sz="900" dirty="0"/>
-              <a:t>    ) VALUES (</a:t>
-            </a:r>
-          </a:p>
-          <a:p>
-            <a:r>
-              <a:rPr lang="en-US" sz="900" dirty="0"/>
-              <a:t>         </a:t>
-            </a:r>
-            <a:r>
-              <a:rPr lang="en-US" sz="900" dirty="0" err="1"/>
-              <a:t>collect_plan_id</a:t>
-            </a:r>
-            <a:endParaRPr lang="en-US" sz="900" dirty="0"/>
-          </a:p>
-          <a:p>
-            <a:r>
-              <a:rPr lang="en-US" sz="900" dirty="0"/>
-              <a:t>        ,</a:t>
-            </a:r>
-            <a:r>
-              <a:rPr lang="en-US" sz="900" dirty="0" err="1"/>
-              <a:t>date_begin</a:t>
-            </a:r>
-            <a:endParaRPr lang="en-US" sz="900" dirty="0"/>
-          </a:p>
-          <a:p>
-            <a:r>
-              <a:rPr lang="en-US" sz="900" dirty="0"/>
-              <a:t>        ,</a:t>
-            </a:r>
-            <a:r>
-              <a:rPr lang="en-US" sz="900" dirty="0" err="1"/>
-              <a:t>summa_dog</a:t>
-            </a:r>
-            <a:endParaRPr lang="en-US" sz="900" dirty="0"/>
-          </a:p>
-          <a:p>
-            <a:r>
-              <a:rPr lang="en-US" sz="900" dirty="0"/>
-              <a:t>        ,'</a:t>
-            </a:r>
-            <a:r>
-              <a:rPr lang="ru-RU" sz="900" dirty="0"/>
-              <a:t>Выдача кредита'</a:t>
-            </a:r>
-          </a:p>
-          <a:p>
-            <a:r>
-              <a:rPr lang="ru-RU" sz="900" dirty="0"/>
-              <a:t>    );</a:t>
-            </a:r>
-          </a:p>
-          <a:p>
-            <a:r>
-              <a:rPr lang="ru-RU" sz="900" dirty="0"/>
-              <a:t>    </a:t>
-            </a:r>
-          </a:p>
-          <a:p>
-            <a:r>
-              <a:rPr lang="ru-RU" sz="900" dirty="0"/>
-              <a:t>    </a:t>
-            </a:r>
-            <a:r>
-              <a:rPr lang="en-US" sz="900" dirty="0"/>
-              <a:t>FOR </a:t>
-            </a:r>
-            <a:r>
-              <a:rPr lang="en-US" sz="900" dirty="0" err="1"/>
-              <a:t>i</a:t>
-            </a:r>
-            <a:r>
-              <a:rPr lang="en-US" sz="900" dirty="0"/>
-              <a:t> IN 1..duration_dog LOOP</a:t>
-            </a:r>
-          </a:p>
-          <a:p>
-            <a:r>
-              <a:rPr lang="en-US" sz="900" dirty="0"/>
-              <a:t>        </a:t>
-            </a:r>
-          </a:p>
-          <a:p>
-            <a:r>
-              <a:rPr lang="en-US" sz="900" dirty="0"/>
-              <a:t>        </a:t>
-            </a:r>
-            <a:r>
-              <a:rPr lang="en-US" sz="900" dirty="0" err="1"/>
-              <a:t>p_date</a:t>
-            </a:r>
-            <a:r>
-              <a:rPr lang="en-US" sz="900" dirty="0"/>
-              <a:t> := ADD_MONTHS(</a:t>
-            </a:r>
-            <a:r>
-              <a:rPr lang="en-US" sz="900" dirty="0" err="1"/>
-              <a:t>date_begin,i</a:t>
-            </a:r>
-            <a:r>
-              <a:rPr lang="en-US" sz="900" dirty="0"/>
-              <a:t>);</a:t>
-            </a:r>
-          </a:p>
-          <a:p>
-            <a:r>
-              <a:rPr lang="en-US" sz="900" dirty="0"/>
-              <a:t>        </a:t>
-            </a:r>
-            <a:r>
-              <a:rPr lang="en-US" sz="900" dirty="0" err="1"/>
-              <a:t>p_summa_percent</a:t>
-            </a:r>
-            <a:r>
-              <a:rPr lang="en-US" sz="900" dirty="0"/>
-              <a:t> := ROUND(</a:t>
-            </a:r>
-            <a:r>
-              <a:rPr lang="en-US" sz="900" dirty="0" err="1"/>
-              <a:t>summa_dog_ostat</a:t>
-            </a:r>
-            <a:r>
-              <a:rPr lang="en-US" sz="900" dirty="0"/>
-              <a:t> * </a:t>
-            </a:r>
-            <a:r>
-              <a:rPr lang="en-US" sz="900" dirty="0" err="1"/>
-              <a:t>credit_month_percent</a:t>
-            </a:r>
-            <a:r>
-              <a:rPr lang="en-US" sz="900" dirty="0"/>
-              <a:t>);</a:t>
-            </a:r>
-          </a:p>
-          <a:p>
-            <a:r>
-              <a:rPr lang="en-US" sz="900" dirty="0"/>
-              <a:t>        </a:t>
-            </a:r>
-            <a:r>
-              <a:rPr lang="en-US" sz="900" dirty="0" err="1"/>
-              <a:t>p_summa_body</a:t>
-            </a:r>
-            <a:r>
-              <a:rPr lang="en-US" sz="900" dirty="0"/>
-              <a:t> := </a:t>
-            </a:r>
-            <a:r>
-              <a:rPr lang="en-US" sz="900" dirty="0" err="1"/>
-              <a:t>annuit_pay</a:t>
-            </a:r>
-            <a:r>
-              <a:rPr lang="en-US" sz="900" dirty="0"/>
-              <a:t> - </a:t>
-            </a:r>
-            <a:r>
-              <a:rPr lang="en-US" sz="900" dirty="0" err="1"/>
-              <a:t>p_summa_percent</a:t>
-            </a:r>
-            <a:r>
-              <a:rPr lang="en-US" sz="900" dirty="0"/>
-              <a:t>;</a:t>
-            </a:r>
-          </a:p>
-          <a:p>
-            <a:r>
-              <a:rPr lang="en-US" sz="900" dirty="0"/>
-              <a:t>        </a:t>
-            </a:r>
-            <a:r>
-              <a:rPr lang="en-US" sz="900" dirty="0" err="1"/>
-              <a:t>summa_dog_ostat</a:t>
-            </a:r>
-            <a:r>
-              <a:rPr lang="en-US" sz="900" dirty="0"/>
-              <a:t> := </a:t>
-            </a:r>
-            <a:r>
-              <a:rPr lang="en-US" sz="900" dirty="0" err="1"/>
-              <a:t>summa_dog_ostat</a:t>
-            </a:r>
-            <a:r>
-              <a:rPr lang="en-US" sz="900" dirty="0"/>
-              <a:t> - </a:t>
-            </a:r>
-            <a:r>
-              <a:rPr lang="en-US" sz="900" dirty="0" err="1"/>
-              <a:t>p_summa_body</a:t>
-            </a:r>
-            <a:r>
-              <a:rPr lang="en-US" sz="900" dirty="0"/>
-              <a:t>;</a:t>
-            </a:r>
-          </a:p>
-          <a:p>
-            <a:r>
-              <a:rPr lang="en-US" sz="900" dirty="0"/>
-              <a:t>        </a:t>
-            </a:r>
-          </a:p>
-          <a:p>
-            <a:r>
-              <a:rPr lang="en-US" sz="900" dirty="0"/>
-              <a:t>        DBMS_OUTPUT.PUT_LINE(</a:t>
-            </a:r>
-            <a:r>
-              <a:rPr lang="en-US" sz="900" dirty="0" err="1"/>
-              <a:t>i</a:t>
-            </a:r>
-            <a:r>
-              <a:rPr lang="en-US" sz="900" dirty="0"/>
-              <a:t> || ' - ' || </a:t>
-            </a:r>
-            <a:r>
-              <a:rPr lang="en-US" sz="900" dirty="0" err="1"/>
-              <a:t>p_date</a:t>
-            </a:r>
-            <a:r>
-              <a:rPr lang="en-US" sz="900" dirty="0"/>
-              <a:t> || ' - ' || </a:t>
-            </a:r>
-            <a:r>
-              <a:rPr lang="en-US" sz="900" dirty="0" err="1"/>
-              <a:t>p_summa_percent</a:t>
-            </a:r>
-            <a:r>
-              <a:rPr lang="en-US" sz="900" dirty="0"/>
-              <a:t> || ' - ' || '</a:t>
-            </a:r>
-            <a:r>
-              <a:rPr lang="ru-RU" sz="900" dirty="0"/>
-              <a:t>Погашение процентов');</a:t>
-            </a:r>
-          </a:p>
-          <a:p>
-            <a:r>
-              <a:rPr lang="ru-RU" sz="900" dirty="0"/>
-              <a:t>        </a:t>
-            </a:r>
-            <a:r>
-              <a:rPr lang="en-US" sz="900" dirty="0"/>
-              <a:t>DBMS_OUTPUT.PUT_LINE(</a:t>
-            </a:r>
-            <a:r>
-              <a:rPr lang="en-US" sz="900" dirty="0" err="1"/>
-              <a:t>i</a:t>
-            </a:r>
-            <a:r>
-              <a:rPr lang="en-US" sz="900" dirty="0"/>
-              <a:t> || ' - ' || </a:t>
-            </a:r>
-            <a:r>
-              <a:rPr lang="en-US" sz="900" dirty="0" err="1"/>
-              <a:t>p_date</a:t>
-            </a:r>
-            <a:r>
-              <a:rPr lang="en-US" sz="900" dirty="0"/>
-              <a:t> || ' - ' || </a:t>
-            </a:r>
-            <a:r>
-              <a:rPr lang="en-US" sz="900" dirty="0" err="1"/>
-              <a:t>p_summa_body</a:t>
-            </a:r>
-            <a:r>
-              <a:rPr lang="en-US" sz="900" dirty="0"/>
-              <a:t> || ' - ' || '</a:t>
-            </a:r>
-            <a:r>
-              <a:rPr lang="ru-RU" sz="900" dirty="0"/>
-              <a:t>Погашение кредита');</a:t>
-            </a:r>
-          </a:p>
-          <a:p>
-            <a:r>
-              <a:rPr lang="ru-RU" sz="900" dirty="0"/>
-              <a:t/>
-            </a:r>
-            <a:br>
-              <a:rPr lang="ru-RU" sz="900" dirty="0"/>
-            </a:br>
-            <a:r>
-              <a:rPr lang="ru-RU" sz="900" dirty="0"/>
-              <a:t>       </a:t>
-            </a:r>
-            <a:endParaRPr lang="en-US" sz="900" dirty="0"/>
           </a:p>
         </p:txBody>
       </p:sp>
     </p:spTree>
     <p:extLst>
       <p:ext uri="{BB962C8B-B14F-4D97-AF65-F5344CB8AC3E}">
-        <p14:creationId xmlns:p14="http://schemas.microsoft.com/office/powerpoint/2010/main" val="924687558"/>
+        <p14:creationId xmlns:p14="http://schemas.microsoft.com/office/powerpoint/2010/main" val="3602706860"/>
       </p:ext>
     </p:extLst>
   </p:cSld>
@@ -14430,242 +14110,368 @@
           <a:lstStyle/>
           <a:p>
             <a:r>
+              <a:rPr lang="en-US" sz="900" dirty="0"/>
+              <a:t>CREATE OR REPLACE PROCEDURE c##</a:t>
+            </a:r>
+            <a:r>
+              <a:rPr lang="en-US" sz="900" dirty="0" err="1"/>
+              <a:t>course.pr_create_credit</a:t>
+            </a:r>
+            <a:r>
+              <a:rPr lang="en-US" sz="900" dirty="0"/>
+              <a:t> (</a:t>
+            </a:r>
+          </a:p>
+          <a:p>
+            <a:r>
+              <a:rPr lang="en-US" sz="900" dirty="0"/>
+              <a:t>    </a:t>
+            </a:r>
+            <a:r>
+              <a:rPr lang="en-US" sz="900" dirty="0" err="1"/>
+              <a:t>client_name</a:t>
+            </a:r>
+            <a:r>
+              <a:rPr lang="en-US" sz="900" dirty="0"/>
+              <a:t>     IN varchar2,        -- </a:t>
+            </a:r>
+            <a:r>
               <a:rPr lang="ru-RU" sz="900" dirty="0"/>
-              <a:t> </a:t>
-            </a:r>
-            <a:r>
-              <a:rPr lang="en-US" sz="900" dirty="0"/>
-              <a:t>INSERT INTO c##</a:t>
-            </a:r>
-            <a:r>
-              <a:rPr lang="en-US" sz="900" dirty="0" err="1"/>
-              <a:t>course.plan_oper</a:t>
-            </a:r>
-            <a:endParaRPr lang="en-US" sz="900" dirty="0"/>
-          </a:p>
-          <a:p>
-            <a:r>
-              <a:rPr lang="en-US" sz="900" dirty="0"/>
-              <a:t>        (</a:t>
-            </a:r>
-          </a:p>
-          <a:p>
-            <a:r>
-              <a:rPr lang="en-US" sz="900" dirty="0"/>
-              <a:t>             </a:t>
-            </a:r>
-            <a:r>
-              <a:rPr lang="en-US" sz="900" dirty="0" err="1"/>
-              <a:t>collection_id</a:t>
-            </a:r>
-            <a:endParaRPr lang="en-US" sz="900" dirty="0"/>
-          </a:p>
-          <a:p>
-            <a:r>
-              <a:rPr lang="en-US" sz="900" dirty="0"/>
-              <a:t>            ,</a:t>
+              <a:t>Клиент ФИО</a:t>
+            </a:r>
+          </a:p>
+          <a:p>
+            <a:r>
+              <a:rPr lang="ru-RU" sz="900" dirty="0"/>
+              <a:t>    </a:t>
+            </a:r>
+            <a:r>
+              <a:rPr lang="en-US" sz="900" dirty="0" err="1"/>
+              <a:t>client_birth</a:t>
+            </a:r>
+            <a:r>
+              <a:rPr lang="en-US" sz="900" dirty="0"/>
+              <a:t>    IN date,            -- </a:t>
+            </a:r>
+            <a:r>
+              <a:rPr lang="ru-RU" sz="900" dirty="0"/>
+              <a:t>Дата рождения Клиента</a:t>
+            </a:r>
+          </a:p>
+          <a:p>
+            <a:r>
+              <a:rPr lang="ru-RU" sz="900" dirty="0"/>
+              <a:t>    </a:t>
+            </a:r>
+            <a:r>
+              <a:rPr lang="en-US" sz="900" dirty="0" err="1"/>
+              <a:t>summa_dog</a:t>
+            </a:r>
+            <a:r>
+              <a:rPr lang="en-US" sz="900" dirty="0"/>
+              <a:t>       IN number,          -- </a:t>
+            </a:r>
+            <a:r>
+              <a:rPr lang="ru-RU" sz="900" dirty="0"/>
+              <a:t>Сумма кредита</a:t>
+            </a:r>
+          </a:p>
+          <a:p>
+            <a:r>
+              <a:rPr lang="ru-RU" sz="900" dirty="0"/>
+              <a:t>    </a:t>
+            </a:r>
+            <a:r>
+              <a:rPr lang="en-US" sz="900" dirty="0" err="1"/>
+              <a:t>persent_dog</a:t>
+            </a:r>
+            <a:r>
+              <a:rPr lang="en-US" sz="900" dirty="0"/>
+              <a:t>     IN number,          -- </a:t>
+            </a:r>
+            <a:r>
+              <a:rPr lang="ru-RU" sz="900" dirty="0"/>
+              <a:t>Годовая процентная ставка</a:t>
+            </a:r>
+          </a:p>
+          <a:p>
+            <a:r>
+              <a:rPr lang="ru-RU" sz="900" dirty="0"/>
+              <a:t>    </a:t>
+            </a:r>
+            <a:r>
+              <a:rPr lang="en-US" sz="900" dirty="0" err="1"/>
+              <a:t>duration_dog</a:t>
+            </a:r>
+            <a:r>
+              <a:rPr lang="en-US" sz="900" dirty="0"/>
+              <a:t>    IN number           -- </a:t>
+            </a:r>
+            <a:r>
+              <a:rPr lang="ru-RU" sz="900" dirty="0"/>
+              <a:t>Срок кредитования месяцев</a:t>
+            </a:r>
+          </a:p>
+          <a:p>
+            <a:r>
+              <a:rPr lang="ru-RU" sz="900" dirty="0"/>
+              <a:t>)</a:t>
+            </a:r>
+          </a:p>
+          <a:p>
+            <a:r>
+              <a:rPr lang="en-US" sz="900" dirty="0"/>
+              <a:t>AS</a:t>
+            </a:r>
+          </a:p>
+          <a:p>
+            <a:r>
+              <a:rPr lang="en-US" sz="900" dirty="0"/>
+              <a:t>    </a:t>
+            </a:r>
+            <a:r>
+              <a:rPr lang="en-US" sz="900" dirty="0" err="1"/>
+              <a:t>client_id</a:t>
+            </a:r>
+            <a:r>
+              <a:rPr lang="en-US" sz="900" dirty="0"/>
+              <a:t>                   number;</a:t>
+            </a:r>
+          </a:p>
+          <a:p>
+            <a:r>
+              <a:rPr lang="en-US" sz="900" dirty="0"/>
+              <a:t>    </a:t>
+            </a:r>
+            <a:r>
+              <a:rPr lang="en-US" sz="900" dirty="0" err="1"/>
+              <a:t>credit_id</a:t>
+            </a:r>
+            <a:r>
+              <a:rPr lang="en-US" sz="900" dirty="0"/>
+              <a:t>                   number;</a:t>
+            </a:r>
+          </a:p>
+          <a:p>
+            <a:r>
+              <a:rPr lang="en-US" sz="900" dirty="0"/>
+              <a:t>    </a:t>
+            </a:r>
+            <a:r>
+              <a:rPr lang="en-US" sz="900" dirty="0" err="1"/>
+              <a:t>collect_plan_id</a:t>
+            </a:r>
+            <a:r>
+              <a:rPr lang="en-US" sz="900" dirty="0"/>
+              <a:t>             number;</a:t>
+            </a:r>
+          </a:p>
+          <a:p>
+            <a:r>
+              <a:rPr lang="en-US" sz="900" dirty="0"/>
+              <a:t>    </a:t>
+            </a:r>
+            <a:r>
+              <a:rPr lang="en-US" sz="900" dirty="0" err="1"/>
+              <a:t>collect_fact_id</a:t>
+            </a:r>
+            <a:r>
+              <a:rPr lang="en-US" sz="900" dirty="0"/>
+              <a:t>             number;</a:t>
+            </a:r>
+          </a:p>
+          <a:p>
+            <a:r>
+              <a:rPr lang="en-US" sz="900" dirty="0"/>
+              <a:t>    </a:t>
+            </a:r>
+            <a:r>
+              <a:rPr lang="en-US" sz="900" dirty="0" err="1"/>
+              <a:t>date_begin</a:t>
+            </a:r>
+            <a:r>
+              <a:rPr lang="en-US" sz="900" dirty="0"/>
+              <a:t>                  date;</a:t>
+            </a:r>
+          </a:p>
+          <a:p>
+            <a:r>
+              <a:rPr lang="en-US" sz="900" dirty="0"/>
+              <a:t>    </a:t>
+            </a:r>
+            <a:r>
+              <a:rPr lang="en-US" sz="900" dirty="0" err="1"/>
+              <a:t>date_end</a:t>
+            </a:r>
+            <a:r>
+              <a:rPr lang="en-US" sz="900" dirty="0"/>
+              <a:t>                    date;</a:t>
+            </a:r>
+          </a:p>
+          <a:p>
+            <a:r>
+              <a:rPr lang="en-US" sz="900" dirty="0"/>
+              <a:t>    </a:t>
+            </a:r>
+            <a:r>
+              <a:rPr lang="en-US" sz="900" dirty="0" err="1"/>
+              <a:t>year_dog</a:t>
+            </a:r>
+            <a:r>
+              <a:rPr lang="en-US" sz="900" dirty="0"/>
+              <a:t>                    varchar2(4);</a:t>
+            </a:r>
+          </a:p>
+          <a:p>
+            <a:r>
+              <a:rPr lang="en-US" sz="900" dirty="0"/>
+              <a:t>    </a:t>
+            </a:r>
+            <a:r>
+              <a:rPr lang="en-US" sz="900" dirty="0" err="1"/>
+              <a:t>num_dog</a:t>
+            </a:r>
+            <a:r>
+              <a:rPr lang="en-US" sz="900" dirty="0"/>
+              <a:t>                     number := 1;</a:t>
+            </a:r>
+          </a:p>
+          <a:p>
+            <a:r>
+              <a:rPr lang="en-US" sz="900" dirty="0"/>
+              <a:t>    </a:t>
+            </a:r>
+            <a:r>
+              <a:rPr lang="en-US" sz="900" dirty="0" err="1"/>
+              <a:t>amount_dog_in_current_year</a:t>
+            </a:r>
+            <a:r>
+              <a:rPr lang="en-US" sz="900" dirty="0"/>
+              <a:t>  number := 0;</a:t>
+            </a:r>
+          </a:p>
+          <a:p>
+            <a:r>
+              <a:rPr lang="en-US" sz="900" dirty="0"/>
+              <a:t>    </a:t>
+            </a:r>
+            <a:r>
+              <a:rPr lang="en-US" sz="900" dirty="0" err="1"/>
+              <a:t>credit_month_percent</a:t>
+            </a:r>
+            <a:r>
+              <a:rPr lang="en-US" sz="900" dirty="0"/>
+              <a:t>        number;     -- </a:t>
+            </a:r>
+            <a:r>
+              <a:rPr lang="ru-RU" sz="900" dirty="0"/>
+              <a:t>ежемесячная процентная ставка</a:t>
+            </a:r>
+          </a:p>
+          <a:p>
+            <a:r>
+              <a:rPr lang="ru-RU" sz="900" dirty="0"/>
+              <a:t>    </a:t>
+            </a:r>
+            <a:r>
+              <a:rPr lang="en-US" sz="900" dirty="0" err="1"/>
+              <a:t>annuit_pay</a:t>
+            </a:r>
+            <a:r>
+              <a:rPr lang="en-US" sz="900" dirty="0"/>
+              <a:t>                  number;     -- </a:t>
+            </a:r>
+            <a:r>
+              <a:rPr lang="ru-RU" sz="900" dirty="0"/>
+              <a:t>размер </a:t>
+            </a:r>
+            <a:r>
+              <a:rPr lang="ru-RU" sz="900" dirty="0" err="1"/>
+              <a:t>аннуитентного</a:t>
+            </a:r>
+            <a:r>
+              <a:rPr lang="ru-RU" sz="900" dirty="0"/>
+              <a:t> платежа</a:t>
+            </a:r>
+          </a:p>
+          <a:p>
+            <a:r>
+              <a:rPr lang="ru-RU" sz="900" dirty="0"/>
+              <a:t>    </a:t>
             </a:r>
             <a:r>
               <a:rPr lang="en-US" sz="900" dirty="0" err="1"/>
               <a:t>p_date</a:t>
             </a:r>
-            <a:endParaRPr lang="en-US" sz="900" dirty="0"/>
-          </a:p>
-          <a:p>
-            <a:r>
-              <a:rPr lang="en-US" sz="900" dirty="0"/>
-              <a:t>            ,</a:t>
-            </a:r>
-            <a:r>
-              <a:rPr lang="en-US" sz="900" dirty="0" err="1"/>
-              <a:t>p_summa</a:t>
-            </a:r>
-            <a:endParaRPr lang="en-US" sz="900" dirty="0"/>
-          </a:p>
-          <a:p>
-            <a:r>
-              <a:rPr lang="en-US" sz="900" dirty="0"/>
-              <a:t>            ,</a:t>
-            </a:r>
-            <a:r>
-              <a:rPr lang="en-US" sz="900" dirty="0" err="1"/>
-              <a:t>type_oper</a:t>
-            </a:r>
-            <a:endParaRPr lang="en-US" sz="900" dirty="0"/>
-          </a:p>
-          <a:p>
-            <a:r>
-              <a:rPr lang="en-US" sz="900" dirty="0"/>
-              <a:t>        ) VALUES (</a:t>
-            </a:r>
-          </a:p>
-          <a:p>
-            <a:r>
-              <a:rPr lang="en-US" sz="900" dirty="0"/>
-              <a:t>             </a:t>
-            </a:r>
-            <a:r>
-              <a:rPr lang="en-US" sz="900" dirty="0" err="1"/>
-              <a:t>collect_plan_id</a:t>
-            </a:r>
-            <a:endParaRPr lang="en-US" sz="900" dirty="0"/>
-          </a:p>
-          <a:p>
-            <a:r>
-              <a:rPr lang="en-US" sz="900" dirty="0"/>
-              <a:t>            ,</a:t>
-            </a:r>
-            <a:r>
-              <a:rPr lang="en-US" sz="900" dirty="0" err="1"/>
-              <a:t>p_date</a:t>
-            </a:r>
-            <a:endParaRPr lang="en-US" sz="900" dirty="0"/>
-          </a:p>
-          <a:p>
-            <a:r>
-              <a:rPr lang="en-US" sz="900" dirty="0"/>
-              <a:t>            ,</a:t>
+            <a:r>
+              <a:rPr lang="en-US" sz="900" dirty="0"/>
+              <a:t>                      date;       -- </a:t>
+            </a:r>
+            <a:r>
+              <a:rPr lang="ru-RU" sz="900" dirty="0"/>
+              <a:t>планируемая дата </a:t>
+            </a:r>
+            <a:r>
+              <a:rPr lang="ru-RU" sz="900" dirty="0" err="1"/>
+              <a:t>аннуитентного</a:t>
+            </a:r>
+            <a:r>
+              <a:rPr lang="ru-RU" sz="900" dirty="0"/>
+              <a:t> платежа</a:t>
+            </a:r>
+          </a:p>
+          <a:p>
+            <a:r>
+              <a:rPr lang="ru-RU" sz="900" dirty="0"/>
+              <a:t>    </a:t>
             </a:r>
             <a:r>
               <a:rPr lang="en-US" sz="900" dirty="0" err="1"/>
               <a:t>p_summa_percent</a:t>
             </a:r>
-            <a:endParaRPr lang="en-US" sz="900" dirty="0"/>
-          </a:p>
-          <a:p>
-            <a:r>
-              <a:rPr lang="en-US" sz="900" dirty="0"/>
-              <a:t>            ,'</a:t>
+            <a:r>
+              <a:rPr lang="en-US" sz="900" dirty="0"/>
+              <a:t>             number;     -- </a:t>
             </a:r>
             <a:r>
               <a:rPr lang="ru-RU" sz="900" dirty="0"/>
-              <a:t>Погашение процентов'</a:t>
+              <a:t>ежемесячное погашение процентов</a:t>
             </a:r>
           </a:p>
           <a:p>
             <a:r>
               <a:rPr lang="ru-RU" sz="900" dirty="0"/>
-              <a:t>        );</a:t>
-            </a:r>
-          </a:p>
-          <a:p>
+              <a:t>    </a:t>
+            </a:r>
+            <a:r>
+              <a:rPr lang="en-US" sz="900" dirty="0" err="1"/>
+              <a:t>p_summa_body</a:t>
+            </a:r>
+            <a:r>
+              <a:rPr lang="en-US" sz="900" dirty="0"/>
+              <a:t>                number;     -- </a:t>
+            </a:r>
             <a:r>
               <a:rPr lang="ru-RU" sz="900" dirty="0"/>
-              <a:t>        </a:t>
-            </a:r>
-            <a:r>
-              <a:rPr lang="en-US" sz="900" dirty="0"/>
-              <a:t>INSERT INTO c##</a:t>
-            </a:r>
-            <a:r>
-              <a:rPr lang="en-US" sz="900" dirty="0" err="1"/>
-              <a:t>course.plan_oper</a:t>
-            </a:r>
-            <a:endParaRPr lang="en-US" sz="900" dirty="0"/>
-          </a:p>
-          <a:p>
-            <a:r>
-              <a:rPr lang="en-US" sz="900" dirty="0"/>
-              <a:t>        (</a:t>
-            </a:r>
-          </a:p>
-          <a:p>
-            <a:r>
-              <a:rPr lang="en-US" sz="900" dirty="0"/>
-              <a:t>             </a:t>
-            </a:r>
-            <a:r>
-              <a:rPr lang="en-US" sz="900" dirty="0" err="1"/>
-              <a:t>collection_id</a:t>
-            </a:r>
-            <a:endParaRPr lang="en-US" sz="900" dirty="0"/>
-          </a:p>
-          <a:p>
-            <a:r>
-              <a:rPr lang="en-US" sz="900" dirty="0"/>
-              <a:t>            ,</a:t>
-            </a:r>
-            <a:r>
-              <a:rPr lang="en-US" sz="900" dirty="0" err="1"/>
-              <a:t>p_date</a:t>
-            </a:r>
-            <a:endParaRPr lang="en-US" sz="900" dirty="0"/>
-          </a:p>
-          <a:p>
-            <a:r>
-              <a:rPr lang="en-US" sz="900" dirty="0"/>
-              <a:t>            ,</a:t>
-            </a:r>
-            <a:r>
-              <a:rPr lang="en-US" sz="900" dirty="0" err="1"/>
-              <a:t>p_summa</a:t>
-            </a:r>
-            <a:endParaRPr lang="en-US" sz="900" dirty="0"/>
-          </a:p>
-          <a:p>
-            <a:r>
-              <a:rPr lang="en-US" sz="900" dirty="0"/>
-              <a:t>            ,</a:t>
-            </a:r>
-            <a:r>
-              <a:rPr lang="en-US" sz="900" dirty="0" err="1"/>
-              <a:t>type_oper</a:t>
-            </a:r>
-            <a:endParaRPr lang="en-US" sz="900" dirty="0"/>
-          </a:p>
-          <a:p>
-            <a:r>
-              <a:rPr lang="en-US" sz="900" dirty="0"/>
-              <a:t>        ) VALUES (</a:t>
-            </a:r>
-          </a:p>
-          <a:p>
-            <a:r>
-              <a:rPr lang="en-US" sz="900" dirty="0"/>
-              <a:t>             </a:t>
-            </a:r>
-            <a:r>
-              <a:rPr lang="en-US" sz="900" dirty="0" err="1"/>
-              <a:t>collect_plan_id</a:t>
-            </a:r>
-            <a:endParaRPr lang="en-US" sz="900" dirty="0"/>
-          </a:p>
-          <a:p>
-            <a:r>
-              <a:rPr lang="en-US" sz="900" dirty="0"/>
-              <a:t>            ,</a:t>
-            </a:r>
-            <a:r>
-              <a:rPr lang="en-US" sz="900" dirty="0" err="1"/>
-              <a:t>p_date</a:t>
-            </a:r>
-            <a:endParaRPr lang="en-US" sz="900" dirty="0"/>
-          </a:p>
-          <a:p>
-            <a:r>
-              <a:rPr lang="en-US" sz="900" dirty="0"/>
-              <a:t>            ,</a:t>
-            </a:r>
-            <a:r>
-              <a:rPr lang="en-US" sz="900" dirty="0" err="1"/>
-              <a:t>p_summa_body</a:t>
-            </a:r>
-            <a:endParaRPr lang="en-US" sz="900" dirty="0"/>
-          </a:p>
-          <a:p>
-            <a:r>
-              <a:rPr lang="en-US" sz="900" dirty="0"/>
-              <a:t>            ,'</a:t>
-            </a:r>
+              <a:t>ежемесячное погашение кредита</a:t>
+            </a:r>
+          </a:p>
+          <a:p>
             <a:r>
               <a:rPr lang="ru-RU" sz="900" dirty="0"/>
-              <a:t>Погашение кредита'</a:t>
-            </a:r>
-          </a:p>
-          <a:p>
+              <a:t>    </a:t>
+            </a:r>
+            <a:r>
+              <a:rPr lang="en-US" sz="900" dirty="0" err="1"/>
+              <a:t>summa_dog_ostat</a:t>
+            </a:r>
+            <a:r>
+              <a:rPr lang="en-US" sz="900" dirty="0"/>
+              <a:t>             number;     -- </a:t>
+            </a:r>
             <a:r>
               <a:rPr lang="ru-RU" sz="900" dirty="0"/>
-              <a:t>        );</a:t>
+              <a:t>остаток по кредиту</a:t>
             </a:r>
           </a:p>
           <a:p>
@@ -14677,126 +14483,1197 @@
               <a:rPr lang="ru-RU" sz="900" dirty="0"/>
             </a:br>
             <a:r>
+              <a:rPr lang="en-US" sz="900" dirty="0"/>
+              <a:t>BEGIN</a:t>
+            </a:r>
+          </a:p>
+          <a:p>
+            <a:r>
+              <a:rPr lang="en-US" sz="900" dirty="0"/>
+              <a:t/>
+            </a:r>
+            <a:br>
+              <a:rPr lang="en-US" sz="900" dirty="0"/>
+            </a:br>
+            <a:r>
+              <a:rPr lang="en-US" sz="900" dirty="0"/>
+              <a:t>    </a:t>
+            </a:r>
+            <a:r>
+              <a:rPr lang="en-US" sz="900" dirty="0" smtClean="0"/>
+              <a:t>c</a:t>
+            </a:r>
+            <a:r>
+              <a:rPr lang="en-US" sz="900" dirty="0"/>
+              <a:t>##</a:t>
+            </a:r>
+            <a:r>
+              <a:rPr lang="en-US" sz="900" dirty="0" err="1"/>
+              <a:t>course.pr_create_client</a:t>
+            </a:r>
+            <a:r>
+              <a:rPr lang="en-US" sz="900" dirty="0"/>
+              <a:t>(</a:t>
+            </a:r>
+            <a:r>
+              <a:rPr lang="en-US" sz="900" dirty="0" err="1"/>
+              <a:t>client_name,client_birth,client_id</a:t>
+            </a:r>
+            <a:r>
+              <a:rPr lang="en-US" sz="900" dirty="0"/>
+              <a:t>);</a:t>
+            </a:r>
+          </a:p>
+          <a:p>
+            <a:r>
+              <a:rPr lang="en-US" sz="900" dirty="0"/>
+              <a:t>    </a:t>
+            </a:r>
+          </a:p>
+          <a:p>
+            <a:r>
+              <a:rPr lang="en-US" sz="900" dirty="0"/>
+              <a:t>    </a:t>
+            </a:r>
+            <a:r>
+              <a:rPr lang="en-US" sz="900" dirty="0" err="1"/>
+              <a:t>date_begin</a:t>
+            </a:r>
+            <a:r>
+              <a:rPr lang="en-US" sz="900" dirty="0"/>
+              <a:t> := CURRENT_DATE;</a:t>
+            </a:r>
+          </a:p>
+          <a:p>
+            <a:r>
+              <a:rPr lang="en-US" sz="900" dirty="0"/>
+              <a:t>    </a:t>
+            </a:r>
+            <a:r>
+              <a:rPr lang="en-US" sz="900" dirty="0" err="1"/>
+              <a:t>date_end</a:t>
+            </a:r>
+            <a:r>
+              <a:rPr lang="en-US" sz="900" dirty="0"/>
+              <a:t> := ADD_MONTHS(</a:t>
+            </a:r>
+            <a:r>
+              <a:rPr lang="en-US" sz="900" dirty="0" err="1"/>
+              <a:t>date_begin,duration_dog</a:t>
+            </a:r>
+            <a:r>
+              <a:rPr lang="en-US" sz="900" dirty="0"/>
+              <a:t>);</a:t>
+            </a:r>
+          </a:p>
+          <a:p>
+            <a:r>
+              <a:rPr lang="en-US" sz="900" dirty="0"/>
+              <a:t>    </a:t>
+            </a:r>
+            <a:r>
+              <a:rPr lang="en-US" sz="900" dirty="0" err="1"/>
+              <a:t>year_dog</a:t>
+            </a:r>
+            <a:r>
+              <a:rPr lang="en-US" sz="900" dirty="0"/>
+              <a:t> := TO_CHAR(</a:t>
+            </a:r>
+            <a:r>
+              <a:rPr lang="en-US" sz="900" dirty="0" err="1"/>
+              <a:t>date_begin,'YYYY</a:t>
+            </a:r>
+            <a:r>
+              <a:rPr lang="en-US" sz="900" dirty="0"/>
+              <a:t>');</a:t>
+            </a:r>
+          </a:p>
+          <a:p>
+            <a:r>
+              <a:rPr lang="en-US" sz="900" dirty="0"/>
+              <a:t>    </a:t>
+            </a:r>
+          </a:p>
+          <a:p>
+            <a:r>
+              <a:rPr lang="en-US" sz="900" dirty="0"/>
+              <a:t>    SELECT</a:t>
+            </a:r>
+          </a:p>
+          <a:p>
+            <a:r>
+              <a:rPr lang="en-US" sz="900" dirty="0"/>
+              <a:t>        COUNT(*) INTO </a:t>
+            </a:r>
+            <a:r>
+              <a:rPr lang="en-US" sz="900" dirty="0" err="1"/>
+              <a:t>amount_dog_in_current_year</a:t>
+            </a:r>
+            <a:endParaRPr lang="en-US" sz="900" dirty="0"/>
+          </a:p>
+          <a:p>
+            <a:r>
+              <a:rPr lang="en-US" sz="900" dirty="0"/>
+              <a:t>        FROM c##</a:t>
+            </a:r>
+            <a:r>
+              <a:rPr lang="en-US" sz="900" dirty="0" err="1"/>
+              <a:t>course.pr_credit</a:t>
+            </a:r>
+            <a:endParaRPr lang="en-US" sz="900" dirty="0"/>
+          </a:p>
+          <a:p>
+            <a:r>
+              <a:rPr lang="en-US" sz="900" dirty="0"/>
+              <a:t>        WHERE</a:t>
+            </a:r>
+          </a:p>
+          <a:p>
+            <a:r>
+              <a:rPr lang="en-US" sz="900" dirty="0"/>
+              <a:t>            </a:t>
+            </a:r>
+            <a:r>
+              <a:rPr lang="en-US" sz="900" dirty="0" err="1"/>
+              <a:t>num_dog</a:t>
+            </a:r>
+            <a:r>
+              <a:rPr lang="en-US" sz="900" dirty="0"/>
+              <a:t> LIKE  </a:t>
+            </a:r>
+            <a:r>
+              <a:rPr lang="en-US" sz="900" dirty="0" err="1"/>
+              <a:t>year_dog</a:t>
+            </a:r>
+            <a:r>
+              <a:rPr lang="en-US" sz="900" dirty="0"/>
+              <a:t> || '/%';</a:t>
+            </a:r>
+          </a:p>
+          <a:p>
+            <a:r>
+              <a:rPr lang="en-US" sz="900" dirty="0"/>
+              <a:t/>
+            </a:r>
+            <a:br>
+              <a:rPr lang="en-US" sz="900" dirty="0"/>
+            </a:br>
+            <a:r>
+              <a:rPr lang="en-US" sz="900" dirty="0"/>
+              <a:t>  </a:t>
+            </a:r>
+            <a:r>
+              <a:rPr lang="en-US" sz="900" dirty="0" smtClean="0"/>
+              <a:t>  </a:t>
+            </a:r>
+          </a:p>
+          <a:p>
+            <a:r>
+              <a:rPr lang="en-US" sz="900" dirty="0"/>
+              <a:t>   </a:t>
+            </a:r>
+          </a:p>
+        </p:txBody>
+      </p:sp>
+      <p:sp>
+        <p:nvSpPr>
+          <p:cNvPr id="4" name="TextBox 3"/>
+          <p:cNvSpPr txBox="1"/>
+          <p:nvPr/>
+        </p:nvSpPr>
+        <p:spPr>
+          <a:xfrm>
+            <a:off x="4223792" y="660061"/>
+            <a:ext cx="3456384" cy="5355312"/>
+          </a:xfrm>
+          <a:prstGeom prst="rect">
+            <a:avLst/>
+          </a:prstGeom>
+          <a:noFill/>
+        </p:spPr>
+        <p:txBody>
+          <a:bodyPr wrap="square" rtlCol="0">
+            <a:spAutoFit/>
+          </a:bodyPr>
+          <a:lstStyle/>
+          <a:p>
+            <a:r>
+              <a:rPr lang="en-US" sz="900" dirty="0"/>
+              <a:t>  IF </a:t>
+            </a:r>
+            <a:r>
+              <a:rPr lang="en-US" sz="900" dirty="0" err="1"/>
+              <a:t>amount_dog_in_current_year</a:t>
+            </a:r>
+            <a:r>
+              <a:rPr lang="en-US" sz="900" dirty="0"/>
+              <a:t> &gt; 0 THEN</a:t>
+            </a:r>
+          </a:p>
+          <a:p>
+            <a:r>
+              <a:rPr lang="en-US" sz="900" dirty="0"/>
+              <a:t/>
+            </a:r>
+            <a:br>
+              <a:rPr lang="en-US" sz="900" dirty="0"/>
+            </a:br>
+            <a:r>
+              <a:rPr lang="en-US" sz="900" dirty="0"/>
+              <a:t>        SELECT</a:t>
+            </a:r>
+          </a:p>
+          <a:p>
+            <a:r>
+              <a:rPr lang="en-US" sz="900" dirty="0"/>
+              <a:t>            MAX(TO_NUMBER(REPLACE(</a:t>
+            </a:r>
+            <a:r>
+              <a:rPr lang="en-US" sz="900" dirty="0" err="1"/>
+              <a:t>num_dog</a:t>
+            </a:r>
+            <a:r>
+              <a:rPr lang="en-US" sz="900" dirty="0"/>
+              <a:t>, </a:t>
+            </a:r>
+            <a:r>
+              <a:rPr lang="en-US" sz="900" dirty="0" err="1"/>
+              <a:t>year_dog</a:t>
+            </a:r>
+            <a:r>
+              <a:rPr lang="en-US" sz="900" dirty="0"/>
+              <a:t> || '/',''))) + 1 INTO </a:t>
+            </a:r>
+            <a:r>
+              <a:rPr lang="en-US" sz="900" dirty="0" err="1"/>
+              <a:t>num_dog</a:t>
+            </a:r>
+            <a:endParaRPr lang="en-US" sz="900" dirty="0"/>
+          </a:p>
+          <a:p>
+            <a:r>
+              <a:rPr lang="en-US" sz="900" dirty="0"/>
+              <a:t>            FROM c##</a:t>
+            </a:r>
+            <a:r>
+              <a:rPr lang="en-US" sz="900" dirty="0" err="1"/>
+              <a:t>course.pr_credit</a:t>
+            </a:r>
+            <a:endParaRPr lang="en-US" sz="900" dirty="0"/>
+          </a:p>
+          <a:p>
+            <a:r>
+              <a:rPr lang="en-US" sz="900" dirty="0"/>
+              <a:t>            WHERE</a:t>
+            </a:r>
+          </a:p>
+          <a:p>
+            <a:r>
+              <a:rPr lang="en-US" sz="900" dirty="0"/>
+              <a:t>                </a:t>
+            </a:r>
+            <a:r>
+              <a:rPr lang="en-US" sz="900" dirty="0" err="1"/>
+              <a:t>num_dog</a:t>
+            </a:r>
+            <a:r>
+              <a:rPr lang="en-US" sz="900" dirty="0"/>
+              <a:t> LIKE  </a:t>
+            </a:r>
+            <a:r>
+              <a:rPr lang="en-US" sz="900" dirty="0" err="1"/>
+              <a:t>year_dog</a:t>
+            </a:r>
+            <a:r>
+              <a:rPr lang="en-US" sz="900" dirty="0"/>
+              <a:t> || '/%';</a:t>
+            </a:r>
+          </a:p>
+          <a:p>
+            <a:r>
+              <a:rPr lang="en-US" sz="900" dirty="0"/>
+              <a:t>   </a:t>
+            </a:r>
+          </a:p>
+          <a:p>
+            <a:r>
+              <a:rPr lang="en-US" sz="900" dirty="0"/>
+              <a:t>    END IF;</a:t>
+            </a:r>
+          </a:p>
+          <a:p>
+            <a:r>
+              <a:rPr lang="en-US" sz="900" dirty="0"/>
+              <a:t>   </a:t>
+            </a:r>
+            <a:br>
+              <a:rPr lang="en-US" sz="900" dirty="0"/>
+            </a:br>
+            <a:r>
+              <a:rPr lang="en-US" sz="900" dirty="0"/>
+              <a:t>    SAVEPOINT </a:t>
+            </a:r>
+            <a:r>
+              <a:rPr lang="en-US" sz="900" dirty="0" err="1"/>
+              <a:t>add_dog</a:t>
+            </a:r>
+            <a:r>
+              <a:rPr lang="en-US" sz="900" dirty="0"/>
+              <a:t>;</a:t>
+            </a:r>
+          </a:p>
+          <a:p>
+            <a:r>
+              <a:rPr lang="en-US" sz="900" dirty="0"/>
+              <a:t/>
+            </a:r>
+            <a:br>
+              <a:rPr lang="en-US" sz="900" dirty="0"/>
+            </a:br>
+            <a:r>
+              <a:rPr lang="en-US" sz="900" dirty="0"/>
+              <a:t>    </a:t>
+            </a:r>
+            <a:r>
+              <a:rPr lang="en-US" sz="900" dirty="0" err="1"/>
+              <a:t>credit_id</a:t>
+            </a:r>
+            <a:r>
+              <a:rPr lang="en-US" sz="900" dirty="0"/>
+              <a:t>       := c##</a:t>
+            </a:r>
+            <a:r>
+              <a:rPr lang="en-US" sz="900" dirty="0" err="1"/>
+              <a:t>course.seq.nextval</a:t>
+            </a:r>
+            <a:r>
+              <a:rPr lang="en-US" sz="900" dirty="0"/>
+              <a:t>;</a:t>
+            </a:r>
+          </a:p>
+          <a:p>
+            <a:r>
+              <a:rPr lang="en-US" sz="900" dirty="0"/>
+              <a:t>    </a:t>
+            </a:r>
+            <a:r>
+              <a:rPr lang="en-US" sz="900" dirty="0" err="1"/>
+              <a:t>collect_plan_id</a:t>
+            </a:r>
+            <a:r>
+              <a:rPr lang="en-US" sz="900" dirty="0"/>
+              <a:t> := c##</a:t>
+            </a:r>
+            <a:r>
+              <a:rPr lang="en-US" sz="900" dirty="0" err="1"/>
+              <a:t>course.seq.nextval</a:t>
+            </a:r>
+            <a:r>
+              <a:rPr lang="en-US" sz="900" dirty="0"/>
+              <a:t>;</a:t>
+            </a:r>
+          </a:p>
+          <a:p>
+            <a:r>
+              <a:rPr lang="en-US" sz="900" dirty="0"/>
+              <a:t>    </a:t>
+            </a:r>
+            <a:r>
+              <a:rPr lang="en-US" sz="900" dirty="0" err="1"/>
+              <a:t>collect_fact_id</a:t>
+            </a:r>
+            <a:r>
+              <a:rPr lang="en-US" sz="900" dirty="0"/>
+              <a:t> := c##</a:t>
+            </a:r>
+            <a:r>
+              <a:rPr lang="en-US" sz="900" dirty="0" err="1"/>
+              <a:t>course.seq.nextval</a:t>
+            </a:r>
+            <a:r>
+              <a:rPr lang="en-US" sz="900" dirty="0"/>
+              <a:t>;</a:t>
+            </a:r>
+          </a:p>
+          <a:p>
+            <a:r>
+              <a:rPr lang="en-US" sz="900" dirty="0"/>
+              <a:t>    </a:t>
+            </a:r>
+          </a:p>
+          <a:p>
+            <a:r>
+              <a:rPr lang="en-US" sz="900" dirty="0"/>
+              <a:t>    INSERT INTO c##</a:t>
+            </a:r>
+            <a:r>
+              <a:rPr lang="en-US" sz="900" dirty="0" err="1"/>
+              <a:t>course.pr_credit</a:t>
+            </a:r>
+            <a:endParaRPr lang="en-US" sz="900" dirty="0"/>
+          </a:p>
+          <a:p>
+            <a:r>
+              <a:rPr lang="en-US" sz="900" dirty="0"/>
+              <a:t>    (</a:t>
+            </a:r>
+          </a:p>
+          <a:p>
+            <a:r>
+              <a:rPr lang="en-US" sz="900" dirty="0"/>
+              <a:t>          id</a:t>
+            </a:r>
+          </a:p>
+          <a:p>
+            <a:r>
+              <a:rPr lang="en-US" sz="900" dirty="0"/>
+              <a:t>        , </a:t>
+            </a:r>
+            <a:r>
+              <a:rPr lang="en-US" sz="900" dirty="0" err="1"/>
+              <a:t>num_dog</a:t>
+            </a:r>
+            <a:endParaRPr lang="en-US" sz="900" dirty="0"/>
+          </a:p>
+          <a:p>
+            <a:r>
+              <a:rPr lang="en-US" sz="900" dirty="0"/>
+              <a:t>        , </a:t>
+            </a:r>
+            <a:r>
+              <a:rPr lang="en-US" sz="900" dirty="0" err="1"/>
+              <a:t>summa_dog</a:t>
+            </a:r>
+            <a:endParaRPr lang="en-US" sz="900" dirty="0"/>
+          </a:p>
+          <a:p>
+            <a:r>
+              <a:rPr lang="en-US" sz="900" dirty="0"/>
+              <a:t>        , </a:t>
+            </a:r>
+            <a:r>
+              <a:rPr lang="en-US" sz="900" dirty="0" err="1"/>
+              <a:t>date_begin</a:t>
+            </a:r>
+            <a:endParaRPr lang="en-US" sz="900" dirty="0"/>
+          </a:p>
+          <a:p>
+            <a:r>
+              <a:rPr lang="en-US" sz="900" dirty="0"/>
+              <a:t>        , </a:t>
+            </a:r>
+            <a:r>
+              <a:rPr lang="en-US" sz="900" dirty="0" err="1"/>
+              <a:t>date_end</a:t>
+            </a:r>
+            <a:endParaRPr lang="en-US" sz="900" dirty="0"/>
+          </a:p>
+          <a:p>
+            <a:r>
+              <a:rPr lang="en-US" sz="900" dirty="0"/>
+              <a:t>        , </a:t>
+            </a:r>
+            <a:r>
+              <a:rPr lang="en-US" sz="900" dirty="0" err="1"/>
+              <a:t>id_client</a:t>
+            </a:r>
+            <a:endParaRPr lang="en-US" sz="900" dirty="0"/>
+          </a:p>
+          <a:p>
+            <a:r>
+              <a:rPr lang="en-US" sz="900" dirty="0"/>
+              <a:t>        , </a:t>
+            </a:r>
+            <a:r>
+              <a:rPr lang="en-US" sz="900" dirty="0" err="1"/>
+              <a:t>collect_plan</a:t>
+            </a:r>
+            <a:endParaRPr lang="en-US" sz="900" dirty="0"/>
+          </a:p>
+          <a:p>
+            <a:r>
+              <a:rPr lang="en-US" sz="900" dirty="0"/>
+              <a:t>        , </a:t>
+            </a:r>
+            <a:r>
+              <a:rPr lang="en-US" sz="900" dirty="0" err="1"/>
+              <a:t>collect_fact</a:t>
+            </a:r>
+            <a:endParaRPr lang="en-US" sz="900" dirty="0"/>
+          </a:p>
+          <a:p>
+            <a:r>
+              <a:rPr lang="en-US" sz="900" dirty="0"/>
+              <a:t>    ) VALUES(</a:t>
+            </a:r>
+          </a:p>
+          <a:p>
+            <a:r>
+              <a:rPr lang="en-US" sz="900" dirty="0"/>
+              <a:t>          </a:t>
+            </a:r>
+            <a:r>
+              <a:rPr lang="en-US" sz="900" dirty="0" err="1"/>
+              <a:t>credit_id</a:t>
+            </a:r>
+            <a:endParaRPr lang="en-US" sz="900" dirty="0"/>
+          </a:p>
+          <a:p>
+            <a:r>
+              <a:rPr lang="en-US" sz="900" dirty="0"/>
+              <a:t>        , </a:t>
+            </a:r>
+            <a:r>
+              <a:rPr lang="en-US" sz="900" dirty="0" err="1"/>
+              <a:t>year_dog</a:t>
+            </a:r>
+            <a:r>
+              <a:rPr lang="en-US" sz="900" dirty="0"/>
+              <a:t> || '/' || </a:t>
+            </a:r>
+            <a:r>
+              <a:rPr lang="en-US" sz="900" dirty="0" err="1"/>
+              <a:t>num_dog</a:t>
+            </a:r>
+            <a:endParaRPr lang="en-US" sz="900" dirty="0"/>
+          </a:p>
+          <a:p>
+            <a:r>
+              <a:rPr lang="en-US" sz="900" dirty="0"/>
+              <a:t>        , </a:t>
+            </a:r>
+            <a:r>
+              <a:rPr lang="en-US" sz="900" dirty="0" err="1"/>
+              <a:t>summa_dog</a:t>
+            </a:r>
+            <a:endParaRPr lang="en-US" sz="900" dirty="0"/>
+          </a:p>
+          <a:p>
+            <a:r>
+              <a:rPr lang="en-US" sz="900" dirty="0"/>
+              <a:t>        , </a:t>
+            </a:r>
+            <a:r>
+              <a:rPr lang="en-US" sz="900" dirty="0" err="1"/>
+              <a:t>date_begin</a:t>
+            </a:r>
+            <a:endParaRPr lang="en-US" sz="900" dirty="0"/>
+          </a:p>
+          <a:p>
+            <a:r>
+              <a:rPr lang="en-US" sz="900" dirty="0"/>
+              <a:t>        , </a:t>
+            </a:r>
+            <a:r>
+              <a:rPr lang="en-US" sz="900" dirty="0" err="1"/>
+              <a:t>date_end</a:t>
+            </a:r>
+            <a:endParaRPr lang="en-US" sz="900" dirty="0"/>
+          </a:p>
+          <a:p>
+            <a:r>
+              <a:rPr lang="en-US" sz="900" dirty="0"/>
+              <a:t>        , </a:t>
+            </a:r>
+            <a:r>
+              <a:rPr lang="en-US" sz="900" dirty="0" err="1"/>
+              <a:t>client_id</a:t>
+            </a:r>
+            <a:endParaRPr lang="en-US" sz="900" dirty="0"/>
+          </a:p>
+          <a:p>
+            <a:r>
+              <a:rPr lang="en-US" sz="900" dirty="0"/>
+              <a:t>        , </a:t>
+            </a:r>
+            <a:r>
+              <a:rPr lang="en-US" sz="900" dirty="0" err="1"/>
+              <a:t>collect_plan_id</a:t>
+            </a:r>
+            <a:endParaRPr lang="en-US" sz="900" dirty="0"/>
+          </a:p>
+          <a:p>
+            <a:r>
+              <a:rPr lang="en-US" sz="900" dirty="0"/>
+              <a:t>        , </a:t>
+            </a:r>
+            <a:r>
+              <a:rPr lang="en-US" sz="900" dirty="0" err="1"/>
+              <a:t>collect_fact_id</a:t>
+            </a:r>
+            <a:endParaRPr lang="en-US" sz="900" dirty="0"/>
+          </a:p>
+          <a:p>
+            <a:r>
+              <a:rPr lang="en-US" sz="900" dirty="0"/>
+              <a:t>    );</a:t>
+            </a:r>
+          </a:p>
+          <a:p>
+            <a:r>
+              <a:rPr lang="en-US" sz="900" dirty="0"/>
+              <a:t>  </a:t>
+            </a:r>
+          </a:p>
+        </p:txBody>
+      </p:sp>
+      <p:sp>
+        <p:nvSpPr>
+          <p:cNvPr id="5" name="TextBox 4"/>
+          <p:cNvSpPr txBox="1"/>
+          <p:nvPr/>
+        </p:nvSpPr>
+        <p:spPr>
+          <a:xfrm>
+            <a:off x="8006376" y="677009"/>
+            <a:ext cx="3456384" cy="5632311"/>
+          </a:xfrm>
+          <a:prstGeom prst="rect">
+            <a:avLst/>
+          </a:prstGeom>
+          <a:noFill/>
+        </p:spPr>
+        <p:txBody>
+          <a:bodyPr wrap="square" rtlCol="0">
+            <a:spAutoFit/>
+          </a:bodyPr>
+          <a:lstStyle/>
+          <a:p>
+            <a:r>
+              <a:rPr lang="en-US" sz="900" dirty="0"/>
+              <a:t> </a:t>
+            </a:r>
+            <a:r>
+              <a:rPr lang="en-US" sz="900" dirty="0" err="1"/>
+              <a:t>credit_month_percent</a:t>
+            </a:r>
+            <a:r>
+              <a:rPr lang="en-US" sz="900" dirty="0"/>
+              <a:t> := </a:t>
+            </a:r>
+            <a:r>
+              <a:rPr lang="en-US" sz="900" dirty="0" err="1"/>
+              <a:t>persent_dog</a:t>
+            </a:r>
+            <a:r>
+              <a:rPr lang="en-US" sz="900" dirty="0"/>
+              <a:t> / 100 / </a:t>
+            </a:r>
+            <a:r>
+              <a:rPr lang="en-US" sz="900" dirty="0" err="1"/>
+              <a:t>duration_dog</a:t>
+            </a:r>
+            <a:r>
+              <a:rPr lang="en-US" sz="900" dirty="0"/>
+              <a:t>;</a:t>
+            </a:r>
+          </a:p>
+          <a:p>
+            <a:r>
+              <a:rPr lang="en-US" sz="900" dirty="0"/>
+              <a:t>    </a:t>
+            </a:r>
+          </a:p>
+          <a:p>
+            <a:r>
+              <a:rPr lang="en-US" sz="900" dirty="0"/>
+              <a:t>    DBMS_OUTPUT.PUT_LINE('</a:t>
+            </a:r>
+            <a:r>
+              <a:rPr lang="en-US" sz="900" dirty="0" err="1"/>
+              <a:t>credit_month_percent</a:t>
+            </a:r>
+            <a:r>
+              <a:rPr lang="en-US" sz="900" dirty="0"/>
+              <a:t> = ' || </a:t>
+            </a:r>
+            <a:r>
+              <a:rPr lang="en-US" sz="900" dirty="0" err="1"/>
+              <a:t>credit_month_percent</a:t>
+            </a:r>
+            <a:r>
+              <a:rPr lang="en-US" sz="900" dirty="0"/>
+              <a:t>);</a:t>
+            </a:r>
+          </a:p>
+          <a:p>
+            <a:r>
+              <a:rPr lang="en-US" sz="900" dirty="0"/>
+              <a:t>    </a:t>
+            </a:r>
+          </a:p>
+          <a:p>
+            <a:r>
+              <a:rPr lang="en-US" sz="900" dirty="0"/>
+              <a:t>    </a:t>
+            </a:r>
+            <a:r>
+              <a:rPr lang="en-US" sz="900" dirty="0" err="1"/>
+              <a:t>annuit_pay</a:t>
+            </a:r>
+            <a:r>
+              <a:rPr lang="en-US" sz="900" dirty="0"/>
+              <a:t> := ROUND(</a:t>
+            </a:r>
+            <a:r>
+              <a:rPr lang="en-US" sz="900" dirty="0" err="1"/>
+              <a:t>summa_dog</a:t>
+            </a:r>
+            <a:r>
+              <a:rPr lang="en-US" sz="900" dirty="0"/>
+              <a:t> * (</a:t>
+            </a:r>
+            <a:r>
+              <a:rPr lang="en-US" sz="900" dirty="0" err="1"/>
+              <a:t>credit_month_percent</a:t>
+            </a:r>
+            <a:r>
+              <a:rPr lang="en-US" sz="900" dirty="0"/>
+              <a:t> + </a:t>
+            </a:r>
+            <a:r>
+              <a:rPr lang="en-US" sz="900" dirty="0" err="1"/>
+              <a:t>credit_month_percent</a:t>
+            </a:r>
+            <a:r>
+              <a:rPr lang="en-US" sz="900" dirty="0"/>
+              <a:t> / (POWER((1 + </a:t>
+            </a:r>
+            <a:r>
+              <a:rPr lang="en-US" sz="900" dirty="0" err="1"/>
+              <a:t>credit_month_percent</a:t>
+            </a:r>
+            <a:r>
+              <a:rPr lang="en-US" sz="900" dirty="0"/>
+              <a:t>),</a:t>
+            </a:r>
+            <a:r>
+              <a:rPr lang="en-US" sz="900" dirty="0" err="1"/>
+              <a:t>duration_dog</a:t>
+            </a:r>
+            <a:r>
+              <a:rPr lang="en-US" sz="900" dirty="0"/>
+              <a:t>)-1)),2);</a:t>
+            </a:r>
+          </a:p>
+          <a:p>
+            <a:r>
+              <a:rPr lang="en-US" sz="900" dirty="0"/>
+              <a:t>    </a:t>
+            </a:r>
+          </a:p>
+          <a:p>
+            <a:r>
+              <a:rPr lang="en-US" sz="900" dirty="0"/>
+              <a:t>    DBMS_OUTPUT.PUT_LINE('</a:t>
+            </a:r>
+            <a:r>
+              <a:rPr lang="en-US" sz="900" dirty="0" err="1"/>
+              <a:t>annuit_pay</a:t>
+            </a:r>
+            <a:r>
+              <a:rPr lang="en-US" sz="900" dirty="0"/>
+              <a:t> = ' || </a:t>
+            </a:r>
+            <a:r>
+              <a:rPr lang="en-US" sz="900" dirty="0" err="1"/>
+              <a:t>annuit_pay</a:t>
+            </a:r>
+            <a:r>
+              <a:rPr lang="en-US" sz="900" dirty="0"/>
+              <a:t>);</a:t>
+            </a:r>
+          </a:p>
+          <a:p>
+            <a:r>
+              <a:rPr lang="en-US" sz="900" dirty="0"/>
+              <a:t>    </a:t>
+            </a:r>
+          </a:p>
+          <a:p>
+            <a:r>
+              <a:rPr lang="en-US" sz="900" dirty="0"/>
+              <a:t>    </a:t>
+            </a:r>
+            <a:r>
+              <a:rPr lang="en-US" sz="900" dirty="0" err="1"/>
+              <a:t>summa_dog_ostat</a:t>
+            </a:r>
+            <a:r>
+              <a:rPr lang="en-US" sz="900" dirty="0"/>
+              <a:t> := </a:t>
+            </a:r>
+            <a:r>
+              <a:rPr lang="en-US" sz="900" dirty="0" err="1"/>
+              <a:t>summa_dog</a:t>
+            </a:r>
+            <a:r>
+              <a:rPr lang="en-US" sz="900" dirty="0"/>
+              <a:t>;</a:t>
+            </a:r>
+          </a:p>
+          <a:p>
+            <a:r>
+              <a:rPr lang="en-US" sz="900" dirty="0"/>
+              <a:t>    </a:t>
+            </a:r>
+          </a:p>
+          <a:p>
+            <a:r>
+              <a:rPr lang="en-US" sz="900" dirty="0"/>
+              <a:t>    INSERT INTO </a:t>
+            </a:r>
+            <a:r>
+              <a:rPr lang="en-US" sz="900" dirty="0" err="1"/>
+              <a:t>plan_oper</a:t>
+            </a:r>
+            <a:endParaRPr lang="en-US" sz="900" dirty="0"/>
+          </a:p>
+          <a:p>
+            <a:r>
+              <a:rPr lang="en-US" sz="900" dirty="0"/>
+              <a:t>    (</a:t>
+            </a:r>
+          </a:p>
+          <a:p>
+            <a:r>
+              <a:rPr lang="en-US" sz="900" dirty="0"/>
+              <a:t>         </a:t>
+            </a:r>
+            <a:r>
+              <a:rPr lang="en-US" sz="900" dirty="0" err="1"/>
+              <a:t>collection_id</a:t>
+            </a:r>
+            <a:endParaRPr lang="en-US" sz="900" dirty="0"/>
+          </a:p>
+          <a:p>
+            <a:r>
+              <a:rPr lang="en-US" sz="900" dirty="0"/>
+              <a:t>        ,</a:t>
+            </a:r>
+            <a:r>
+              <a:rPr lang="en-US" sz="900" dirty="0" err="1"/>
+              <a:t>p_date</a:t>
+            </a:r>
+            <a:endParaRPr lang="en-US" sz="900" dirty="0"/>
+          </a:p>
+          <a:p>
+            <a:r>
+              <a:rPr lang="en-US" sz="900" dirty="0"/>
+              <a:t>        ,</a:t>
+            </a:r>
+            <a:r>
+              <a:rPr lang="en-US" sz="900" dirty="0" err="1"/>
+              <a:t>p_summa</a:t>
+            </a:r>
+            <a:endParaRPr lang="en-US" sz="900" dirty="0"/>
+          </a:p>
+          <a:p>
+            <a:r>
+              <a:rPr lang="en-US" sz="900" dirty="0"/>
+              <a:t>        ,</a:t>
+            </a:r>
+            <a:r>
+              <a:rPr lang="en-US" sz="900" dirty="0" err="1"/>
+              <a:t>type_oper</a:t>
+            </a:r>
+            <a:endParaRPr lang="en-US" sz="900" dirty="0"/>
+          </a:p>
+          <a:p>
+            <a:r>
+              <a:rPr lang="en-US" sz="900" dirty="0"/>
+              <a:t>    ) VALUES (</a:t>
+            </a:r>
+          </a:p>
+          <a:p>
+            <a:r>
+              <a:rPr lang="en-US" sz="900" dirty="0"/>
+              <a:t>         </a:t>
+            </a:r>
+            <a:r>
+              <a:rPr lang="en-US" sz="900" dirty="0" err="1"/>
+              <a:t>collect_plan_id</a:t>
+            </a:r>
+            <a:endParaRPr lang="en-US" sz="900" dirty="0"/>
+          </a:p>
+          <a:p>
+            <a:r>
+              <a:rPr lang="en-US" sz="900" dirty="0"/>
+              <a:t>        ,</a:t>
+            </a:r>
+            <a:r>
+              <a:rPr lang="en-US" sz="900" dirty="0" err="1"/>
+              <a:t>date_begin</a:t>
+            </a:r>
+            <a:endParaRPr lang="en-US" sz="900" dirty="0"/>
+          </a:p>
+          <a:p>
+            <a:r>
+              <a:rPr lang="en-US" sz="900" dirty="0"/>
+              <a:t>        ,</a:t>
+            </a:r>
+            <a:r>
+              <a:rPr lang="en-US" sz="900" dirty="0" err="1"/>
+              <a:t>summa_dog</a:t>
+            </a:r>
+            <a:endParaRPr lang="en-US" sz="900" dirty="0"/>
+          </a:p>
+          <a:p>
+            <a:r>
+              <a:rPr lang="en-US" sz="900" dirty="0"/>
+              <a:t>        ,'</a:t>
+            </a:r>
+            <a:r>
+              <a:rPr lang="ru-RU" sz="900" dirty="0"/>
+              <a:t>Выдача кредита'</a:t>
+            </a:r>
+          </a:p>
+          <a:p>
+            <a:r>
+              <a:rPr lang="ru-RU" sz="900" dirty="0"/>
+              <a:t>    );</a:t>
+            </a:r>
+          </a:p>
+          <a:p>
+            <a:r>
+              <a:rPr lang="ru-RU" sz="900" dirty="0"/>
+              <a:t>    </a:t>
+            </a:r>
+          </a:p>
+          <a:p>
+            <a:r>
+              <a:rPr lang="ru-RU" sz="900" dirty="0"/>
+              <a:t>    </a:t>
+            </a:r>
+            <a:r>
+              <a:rPr lang="en-US" sz="900" dirty="0"/>
+              <a:t>FOR </a:t>
+            </a:r>
+            <a:r>
+              <a:rPr lang="en-US" sz="900" dirty="0" err="1"/>
+              <a:t>i</a:t>
+            </a:r>
+            <a:r>
+              <a:rPr lang="en-US" sz="900" dirty="0"/>
+              <a:t> IN 1..duration_dog LOOP</a:t>
+            </a:r>
+          </a:p>
+          <a:p>
+            <a:r>
+              <a:rPr lang="en-US" sz="900" dirty="0"/>
+              <a:t>        </a:t>
+            </a:r>
+          </a:p>
+          <a:p>
+            <a:r>
+              <a:rPr lang="en-US" sz="900" dirty="0"/>
+              <a:t>        </a:t>
+            </a:r>
+            <a:r>
+              <a:rPr lang="en-US" sz="900" dirty="0" err="1"/>
+              <a:t>p_date</a:t>
+            </a:r>
+            <a:r>
+              <a:rPr lang="en-US" sz="900" dirty="0"/>
+              <a:t> := ADD_MONTHS(</a:t>
+            </a:r>
+            <a:r>
+              <a:rPr lang="en-US" sz="900" dirty="0" err="1"/>
+              <a:t>date_begin,i</a:t>
+            </a:r>
+            <a:r>
+              <a:rPr lang="en-US" sz="900" dirty="0"/>
+              <a:t>);</a:t>
+            </a:r>
+          </a:p>
+          <a:p>
+            <a:r>
+              <a:rPr lang="en-US" sz="900" dirty="0"/>
+              <a:t>        </a:t>
+            </a:r>
+            <a:r>
+              <a:rPr lang="en-US" sz="900" dirty="0" err="1"/>
+              <a:t>p_summa_percent</a:t>
+            </a:r>
+            <a:r>
+              <a:rPr lang="en-US" sz="900" dirty="0"/>
+              <a:t> := ROUND(</a:t>
+            </a:r>
+            <a:r>
+              <a:rPr lang="en-US" sz="900" dirty="0" err="1"/>
+              <a:t>summa_dog_ostat</a:t>
+            </a:r>
+            <a:r>
+              <a:rPr lang="en-US" sz="900" dirty="0"/>
+              <a:t> * </a:t>
+            </a:r>
+            <a:r>
+              <a:rPr lang="en-US" sz="900" dirty="0" err="1"/>
+              <a:t>credit_month_percent</a:t>
+            </a:r>
+            <a:r>
+              <a:rPr lang="en-US" sz="900" dirty="0"/>
+              <a:t>);</a:t>
+            </a:r>
+          </a:p>
+          <a:p>
+            <a:r>
+              <a:rPr lang="en-US" sz="900" dirty="0"/>
+              <a:t>        </a:t>
+            </a:r>
+            <a:r>
+              <a:rPr lang="en-US" sz="900" dirty="0" err="1"/>
+              <a:t>p_summa_body</a:t>
+            </a:r>
+            <a:r>
+              <a:rPr lang="en-US" sz="900" dirty="0"/>
+              <a:t> := </a:t>
+            </a:r>
+            <a:r>
+              <a:rPr lang="en-US" sz="900" dirty="0" err="1"/>
+              <a:t>annuit_pay</a:t>
+            </a:r>
+            <a:r>
+              <a:rPr lang="en-US" sz="900" dirty="0"/>
+              <a:t> - </a:t>
+            </a:r>
+            <a:r>
+              <a:rPr lang="en-US" sz="900" dirty="0" err="1"/>
+              <a:t>p_summa_percent</a:t>
+            </a:r>
+            <a:r>
+              <a:rPr lang="en-US" sz="900" dirty="0"/>
+              <a:t>;</a:t>
+            </a:r>
+          </a:p>
+          <a:p>
+            <a:r>
+              <a:rPr lang="en-US" sz="900" dirty="0"/>
+              <a:t>        </a:t>
+            </a:r>
+            <a:r>
+              <a:rPr lang="en-US" sz="900" dirty="0" err="1"/>
+              <a:t>summa_dog_ostat</a:t>
+            </a:r>
+            <a:r>
+              <a:rPr lang="en-US" sz="900" dirty="0"/>
+              <a:t> := </a:t>
+            </a:r>
+            <a:r>
+              <a:rPr lang="en-US" sz="900" dirty="0" err="1"/>
+              <a:t>summa_dog_ostat</a:t>
+            </a:r>
+            <a:r>
+              <a:rPr lang="en-US" sz="900" dirty="0"/>
+              <a:t> - </a:t>
+            </a:r>
+            <a:r>
+              <a:rPr lang="en-US" sz="900" dirty="0" err="1"/>
+              <a:t>p_summa_body</a:t>
+            </a:r>
+            <a:r>
+              <a:rPr lang="en-US" sz="900" dirty="0"/>
+              <a:t>;</a:t>
+            </a:r>
+          </a:p>
+          <a:p>
+            <a:r>
+              <a:rPr lang="en-US" sz="900" dirty="0"/>
+              <a:t>        </a:t>
+            </a:r>
+          </a:p>
+          <a:p>
+            <a:r>
+              <a:rPr lang="en-US" sz="900" dirty="0"/>
+              <a:t>        DBMS_OUTPUT.PUT_LINE(</a:t>
+            </a:r>
+            <a:r>
+              <a:rPr lang="en-US" sz="900" dirty="0" err="1"/>
+              <a:t>i</a:t>
+            </a:r>
+            <a:r>
+              <a:rPr lang="en-US" sz="900" dirty="0"/>
+              <a:t> || ' - ' || </a:t>
+            </a:r>
+            <a:r>
+              <a:rPr lang="en-US" sz="900" dirty="0" err="1"/>
+              <a:t>p_date</a:t>
+            </a:r>
+            <a:r>
+              <a:rPr lang="en-US" sz="900" dirty="0"/>
+              <a:t> || ' - ' || </a:t>
+            </a:r>
+            <a:r>
+              <a:rPr lang="en-US" sz="900" dirty="0" err="1"/>
+              <a:t>p_summa_percent</a:t>
+            </a:r>
+            <a:r>
+              <a:rPr lang="en-US" sz="900" dirty="0"/>
+              <a:t> || ' - ' || '</a:t>
+            </a:r>
+            <a:r>
+              <a:rPr lang="ru-RU" sz="900" dirty="0"/>
+              <a:t>Погашение процентов');</a:t>
+            </a:r>
+          </a:p>
+          <a:p>
+            <a:r>
               <a:rPr lang="ru-RU" sz="900" dirty="0"/>
               <a:t>        </a:t>
             </a:r>
-          </a:p>
-          <a:p>
+            <a:r>
+              <a:rPr lang="en-US" sz="900" dirty="0"/>
+              <a:t>DBMS_OUTPUT.PUT_LINE(</a:t>
+            </a:r>
+            <a:r>
+              <a:rPr lang="en-US" sz="900" dirty="0" err="1"/>
+              <a:t>i</a:t>
+            </a:r>
+            <a:r>
+              <a:rPr lang="en-US" sz="900" dirty="0"/>
+              <a:t> || ' - ' || </a:t>
+            </a:r>
+            <a:r>
+              <a:rPr lang="en-US" sz="900" dirty="0" err="1"/>
+              <a:t>p_date</a:t>
+            </a:r>
+            <a:r>
+              <a:rPr lang="en-US" sz="900" dirty="0"/>
+              <a:t> || ' - ' || </a:t>
+            </a:r>
+            <a:r>
+              <a:rPr lang="en-US" sz="900" dirty="0" err="1"/>
+              <a:t>p_summa_body</a:t>
+            </a:r>
+            <a:r>
+              <a:rPr lang="en-US" sz="900" dirty="0"/>
+              <a:t> || ' - ' || '</a:t>
+            </a:r>
             <a:r>
               <a:rPr lang="ru-RU" sz="900" dirty="0"/>
-              <a:t>    </a:t>
-            </a:r>
-            <a:r>
-              <a:rPr lang="en-US" sz="900" dirty="0"/>
-              <a:t>END LOOP;</a:t>
-            </a:r>
-          </a:p>
-          <a:p>
-            <a:r>
-              <a:rPr lang="en-US" sz="900" dirty="0"/>
-              <a:t>    </a:t>
-            </a:r>
-          </a:p>
-          <a:p>
-            <a:r>
-              <a:rPr lang="en-US" sz="900" dirty="0"/>
-              <a:t>    COMMIT;</a:t>
-            </a:r>
-          </a:p>
-          <a:p>
-            <a:r>
-              <a:rPr lang="en-US" sz="900" dirty="0"/>
-              <a:t>    </a:t>
-            </a:r>
-          </a:p>
-          <a:p>
-            <a:r>
-              <a:rPr lang="en-US" sz="900" dirty="0"/>
+              <a:t>Погашение кредита');</a:t>
+            </a:r>
+          </a:p>
+          <a:p>
+            <a:r>
+              <a:rPr lang="ru-RU" sz="900" dirty="0"/>
               <a:t/>
             </a:r>
             <a:br>
-              <a:rPr lang="en-US" sz="900" dirty="0"/>
+              <a:rPr lang="ru-RU" sz="900" dirty="0"/>
             </a:br>
             <a:r>
-              <a:rPr lang="en-US" sz="900" dirty="0"/>
-              <a:t>EXCEPTION</a:t>
-            </a:r>
-          </a:p>
-          <a:p>
-            <a:r>
-              <a:rPr lang="en-US" sz="900" dirty="0"/>
-              <a:t/>
-            </a:r>
-            <a:br>
-              <a:rPr lang="en-US" sz="900" dirty="0"/>
-            </a:br>
-            <a:r>
-              <a:rPr lang="en-US" sz="900" dirty="0"/>
-              <a:t>    WHEN OTHERS</a:t>
-            </a:r>
-          </a:p>
-          <a:p>
-            <a:r>
-              <a:rPr lang="en-US" sz="900" dirty="0"/>
-              <a:t>    THEN</a:t>
-            </a:r>
-          </a:p>
-          <a:p>
-            <a:r>
-              <a:rPr lang="en-US" sz="900" dirty="0"/>
-              <a:t>        ROLLBACK TO </a:t>
-            </a:r>
-            <a:r>
-              <a:rPr lang="en-US" sz="900" dirty="0" err="1"/>
-              <a:t>add_dog</a:t>
-            </a:r>
-            <a:r>
-              <a:rPr lang="en-US" sz="900" dirty="0"/>
-              <a:t>;</a:t>
-            </a:r>
-          </a:p>
-          <a:p>
-            <a:r>
-              <a:rPr lang="en-US" sz="900" dirty="0"/>
-              <a:t/>
-            </a:r>
-            <a:br>
-              <a:rPr lang="en-US" sz="900" dirty="0"/>
-            </a:br>
-            <a:r>
-              <a:rPr lang="en-US" sz="900" dirty="0"/>
-              <a:t>END;</a:t>
-            </a:r>
-          </a:p>
-          <a:p>
-            <a:r>
-              <a:rPr lang="en-US" sz="900" dirty="0"/>
-              <a:t/>
-            </a:r>
-            <a:br>
-              <a:rPr lang="en-US" sz="900" dirty="0"/>
-            </a:br>
-            <a:r>
-              <a:rPr lang="en-US" sz="900" dirty="0"/>
-              <a:t>  </a:t>
-            </a:r>
-            <a:r>
-              <a:rPr lang="en-US" sz="900" dirty="0" smtClean="0"/>
-              <a:t>  </a:t>
-            </a:r>
-          </a:p>
-          <a:p>
-            <a:r>
-              <a:rPr lang="en-US" sz="900" dirty="0"/>
-              <a:t>   </a:t>
-            </a:r>
+              <a:rPr lang="ru-RU" sz="900" dirty="0"/>
+              <a:t>       </a:t>
+            </a:r>
+            <a:endParaRPr lang="en-US" sz="900" dirty="0"/>
           </a:p>
         </p:txBody>
       </p:sp>
     </p:spTree>
     <p:extLst>
       <p:ext uri="{BB962C8B-B14F-4D97-AF65-F5344CB8AC3E}">
-        <p14:creationId xmlns:p14="http://schemas.microsoft.com/office/powerpoint/2010/main" val="159748843"/>
+        <p14:creationId xmlns:p14="http://schemas.microsoft.com/office/powerpoint/2010/main" val="924687558"/>
       </p:ext>
     </p:extLst>
   </p:cSld>
@@ -15729,6 +16606,452 @@
 </file>
 
 <file path=ppt/slides/slide20.xml><?xml version="1.0" encoding="utf-8"?>
+<p:sld xmlns:a="http://schemas.openxmlformats.org/drawingml/2006/main" xmlns:r="http://schemas.openxmlformats.org/officeDocument/2006/relationships" xmlns:p="http://schemas.openxmlformats.org/presentationml/2006/main">
+  <p:cSld>
+    <p:spTree>
+      <p:nvGrpSpPr>
+        <p:cNvPr id="1" name=""/>
+        <p:cNvGrpSpPr/>
+        <p:nvPr/>
+      </p:nvGrpSpPr>
+      <p:grpSpPr>
+        <a:xfrm>
+          <a:off x="0" y="0"/>
+          <a:ext cx="0" cy="0"/>
+          <a:chOff x="0" y="0"/>
+          <a:chExt cx="0" cy="0"/>
+        </a:xfrm>
+      </p:grpSpPr>
+      <p:sp>
+        <p:nvSpPr>
+          <p:cNvPr id="2" name="Заголовок 1"/>
+          <p:cNvSpPr>
+            <a:spLocks noGrp="1"/>
+          </p:cNvSpPr>
+          <p:nvPr>
+            <p:ph type="title"/>
+          </p:nvPr>
+        </p:nvSpPr>
+        <p:spPr>
+          <a:xfrm>
+            <a:off x="625703" y="116632"/>
+            <a:ext cx="10728324" cy="543429"/>
+          </a:xfrm>
+        </p:spPr>
+        <p:txBody>
+          <a:bodyPr>
+            <a:normAutofit fontScale="90000"/>
+          </a:bodyPr>
+          <a:lstStyle/>
+          <a:p>
+            <a:r>
+              <a:rPr lang="ru-RU" sz="3600" dirty="0" smtClean="0"/>
+              <a:t>Добавление нового договора и плана платежей</a:t>
+            </a:r>
+            <a:endParaRPr lang="ru-RU" sz="3600" dirty="0"/>
+          </a:p>
+        </p:txBody>
+      </p:sp>
+      <p:sp>
+        <p:nvSpPr>
+          <p:cNvPr id="3" name="TextBox 2"/>
+          <p:cNvSpPr txBox="1"/>
+          <p:nvPr/>
+        </p:nvSpPr>
+        <p:spPr>
+          <a:xfrm>
+            <a:off x="263352" y="660061"/>
+            <a:ext cx="4392488" cy="5770811"/>
+          </a:xfrm>
+          <a:prstGeom prst="rect">
+            <a:avLst/>
+          </a:prstGeom>
+          <a:noFill/>
+        </p:spPr>
+        <p:txBody>
+          <a:bodyPr wrap="square" rtlCol="0">
+            <a:spAutoFit/>
+          </a:bodyPr>
+          <a:lstStyle/>
+          <a:p>
+            <a:r>
+              <a:rPr lang="ru-RU" sz="900" dirty="0"/>
+              <a:t> </a:t>
+            </a:r>
+            <a:r>
+              <a:rPr lang="en-US" sz="900" dirty="0"/>
+              <a:t>INSERT INTO c##</a:t>
+            </a:r>
+            <a:r>
+              <a:rPr lang="en-US" sz="900" dirty="0" err="1"/>
+              <a:t>course.plan_oper</a:t>
+            </a:r>
+            <a:endParaRPr lang="en-US" sz="900" dirty="0"/>
+          </a:p>
+          <a:p>
+            <a:r>
+              <a:rPr lang="en-US" sz="900" dirty="0"/>
+              <a:t>        (</a:t>
+            </a:r>
+          </a:p>
+          <a:p>
+            <a:r>
+              <a:rPr lang="en-US" sz="900" dirty="0"/>
+              <a:t>             </a:t>
+            </a:r>
+            <a:r>
+              <a:rPr lang="en-US" sz="900" dirty="0" err="1"/>
+              <a:t>collection_id</a:t>
+            </a:r>
+            <a:endParaRPr lang="en-US" sz="900" dirty="0"/>
+          </a:p>
+          <a:p>
+            <a:r>
+              <a:rPr lang="en-US" sz="900" dirty="0"/>
+              <a:t>            ,</a:t>
+            </a:r>
+            <a:r>
+              <a:rPr lang="en-US" sz="900" dirty="0" err="1"/>
+              <a:t>p_date</a:t>
+            </a:r>
+            <a:endParaRPr lang="en-US" sz="900" dirty="0"/>
+          </a:p>
+          <a:p>
+            <a:r>
+              <a:rPr lang="en-US" sz="900" dirty="0"/>
+              <a:t>            ,</a:t>
+            </a:r>
+            <a:r>
+              <a:rPr lang="en-US" sz="900" dirty="0" err="1"/>
+              <a:t>p_summa</a:t>
+            </a:r>
+            <a:endParaRPr lang="en-US" sz="900" dirty="0"/>
+          </a:p>
+          <a:p>
+            <a:r>
+              <a:rPr lang="en-US" sz="900" dirty="0"/>
+              <a:t>            ,</a:t>
+            </a:r>
+            <a:r>
+              <a:rPr lang="en-US" sz="900" dirty="0" err="1"/>
+              <a:t>type_oper</a:t>
+            </a:r>
+            <a:endParaRPr lang="en-US" sz="900" dirty="0"/>
+          </a:p>
+          <a:p>
+            <a:r>
+              <a:rPr lang="en-US" sz="900" dirty="0"/>
+              <a:t>        ) VALUES (</a:t>
+            </a:r>
+          </a:p>
+          <a:p>
+            <a:r>
+              <a:rPr lang="en-US" sz="900" dirty="0"/>
+              <a:t>             </a:t>
+            </a:r>
+            <a:r>
+              <a:rPr lang="en-US" sz="900" dirty="0" err="1"/>
+              <a:t>collect_plan_id</a:t>
+            </a:r>
+            <a:endParaRPr lang="en-US" sz="900" dirty="0"/>
+          </a:p>
+          <a:p>
+            <a:r>
+              <a:rPr lang="en-US" sz="900" dirty="0"/>
+              <a:t>            ,</a:t>
+            </a:r>
+            <a:r>
+              <a:rPr lang="en-US" sz="900" dirty="0" err="1"/>
+              <a:t>p_date</a:t>
+            </a:r>
+            <a:endParaRPr lang="en-US" sz="900" dirty="0"/>
+          </a:p>
+          <a:p>
+            <a:r>
+              <a:rPr lang="en-US" sz="900" dirty="0"/>
+              <a:t>            ,</a:t>
+            </a:r>
+            <a:r>
+              <a:rPr lang="en-US" sz="900" dirty="0" err="1"/>
+              <a:t>p_summa_percent</a:t>
+            </a:r>
+            <a:endParaRPr lang="en-US" sz="900" dirty="0"/>
+          </a:p>
+          <a:p>
+            <a:r>
+              <a:rPr lang="en-US" sz="900" dirty="0"/>
+              <a:t>            ,'</a:t>
+            </a:r>
+            <a:r>
+              <a:rPr lang="ru-RU" sz="900" dirty="0"/>
+              <a:t>Погашение процентов'</a:t>
+            </a:r>
+          </a:p>
+          <a:p>
+            <a:r>
+              <a:rPr lang="ru-RU" sz="900" dirty="0"/>
+              <a:t>        );</a:t>
+            </a:r>
+          </a:p>
+          <a:p>
+            <a:r>
+              <a:rPr lang="ru-RU" sz="900" dirty="0"/>
+              <a:t>        </a:t>
+            </a:r>
+            <a:r>
+              <a:rPr lang="en-US" sz="900" dirty="0"/>
+              <a:t>INSERT INTO c##</a:t>
+            </a:r>
+            <a:r>
+              <a:rPr lang="en-US" sz="900" dirty="0" err="1"/>
+              <a:t>course.plan_oper</a:t>
+            </a:r>
+            <a:endParaRPr lang="en-US" sz="900" dirty="0"/>
+          </a:p>
+          <a:p>
+            <a:r>
+              <a:rPr lang="en-US" sz="900" dirty="0"/>
+              <a:t>        (</a:t>
+            </a:r>
+          </a:p>
+          <a:p>
+            <a:r>
+              <a:rPr lang="en-US" sz="900" dirty="0"/>
+              <a:t>             </a:t>
+            </a:r>
+            <a:r>
+              <a:rPr lang="en-US" sz="900" dirty="0" err="1"/>
+              <a:t>collection_id</a:t>
+            </a:r>
+            <a:endParaRPr lang="en-US" sz="900" dirty="0"/>
+          </a:p>
+          <a:p>
+            <a:r>
+              <a:rPr lang="en-US" sz="900" dirty="0"/>
+              <a:t>            ,</a:t>
+            </a:r>
+            <a:r>
+              <a:rPr lang="en-US" sz="900" dirty="0" err="1"/>
+              <a:t>p_date</a:t>
+            </a:r>
+            <a:endParaRPr lang="en-US" sz="900" dirty="0"/>
+          </a:p>
+          <a:p>
+            <a:r>
+              <a:rPr lang="en-US" sz="900" dirty="0"/>
+              <a:t>            ,</a:t>
+            </a:r>
+            <a:r>
+              <a:rPr lang="en-US" sz="900" dirty="0" err="1"/>
+              <a:t>p_summa</a:t>
+            </a:r>
+            <a:endParaRPr lang="en-US" sz="900" dirty="0"/>
+          </a:p>
+          <a:p>
+            <a:r>
+              <a:rPr lang="en-US" sz="900" dirty="0"/>
+              <a:t>            ,</a:t>
+            </a:r>
+            <a:r>
+              <a:rPr lang="en-US" sz="900" dirty="0" err="1"/>
+              <a:t>type_oper</a:t>
+            </a:r>
+            <a:endParaRPr lang="en-US" sz="900" dirty="0"/>
+          </a:p>
+          <a:p>
+            <a:r>
+              <a:rPr lang="en-US" sz="900" dirty="0"/>
+              <a:t>        ) VALUES (</a:t>
+            </a:r>
+          </a:p>
+          <a:p>
+            <a:r>
+              <a:rPr lang="en-US" sz="900" dirty="0"/>
+              <a:t>             </a:t>
+            </a:r>
+            <a:r>
+              <a:rPr lang="en-US" sz="900" dirty="0" err="1"/>
+              <a:t>collect_plan_id</a:t>
+            </a:r>
+            <a:endParaRPr lang="en-US" sz="900" dirty="0"/>
+          </a:p>
+          <a:p>
+            <a:r>
+              <a:rPr lang="en-US" sz="900" dirty="0"/>
+              <a:t>            ,</a:t>
+            </a:r>
+            <a:r>
+              <a:rPr lang="en-US" sz="900" dirty="0" err="1"/>
+              <a:t>p_date</a:t>
+            </a:r>
+            <a:endParaRPr lang="en-US" sz="900" dirty="0"/>
+          </a:p>
+          <a:p>
+            <a:r>
+              <a:rPr lang="en-US" sz="900" dirty="0"/>
+              <a:t>            ,</a:t>
+            </a:r>
+            <a:r>
+              <a:rPr lang="en-US" sz="900" dirty="0" err="1"/>
+              <a:t>p_summa_body</a:t>
+            </a:r>
+            <a:endParaRPr lang="en-US" sz="900" dirty="0"/>
+          </a:p>
+          <a:p>
+            <a:r>
+              <a:rPr lang="en-US" sz="900" dirty="0"/>
+              <a:t>            ,'</a:t>
+            </a:r>
+            <a:r>
+              <a:rPr lang="ru-RU" sz="900" dirty="0"/>
+              <a:t>Погашение кредита'</a:t>
+            </a:r>
+          </a:p>
+          <a:p>
+            <a:r>
+              <a:rPr lang="ru-RU" sz="900" dirty="0"/>
+              <a:t>        );</a:t>
+            </a:r>
+          </a:p>
+          <a:p>
+            <a:r>
+              <a:rPr lang="ru-RU" sz="900" dirty="0"/>
+              <a:t/>
+            </a:r>
+            <a:br>
+              <a:rPr lang="ru-RU" sz="900" dirty="0"/>
+            </a:br>
+            <a:r>
+              <a:rPr lang="ru-RU" sz="900" dirty="0"/>
+              <a:t>        </a:t>
+            </a:r>
+          </a:p>
+          <a:p>
+            <a:r>
+              <a:rPr lang="ru-RU" sz="900" dirty="0"/>
+              <a:t>    </a:t>
+            </a:r>
+            <a:r>
+              <a:rPr lang="en-US" sz="900" dirty="0"/>
+              <a:t>END LOOP;</a:t>
+            </a:r>
+          </a:p>
+          <a:p>
+            <a:r>
+              <a:rPr lang="en-US" sz="900" dirty="0"/>
+              <a:t>    </a:t>
+            </a:r>
+          </a:p>
+          <a:p>
+            <a:r>
+              <a:rPr lang="en-US" sz="900" dirty="0"/>
+              <a:t>    COMMIT;</a:t>
+            </a:r>
+          </a:p>
+          <a:p>
+            <a:r>
+              <a:rPr lang="en-US" sz="900" dirty="0"/>
+              <a:t>    </a:t>
+            </a:r>
+          </a:p>
+          <a:p>
+            <a:r>
+              <a:rPr lang="en-US" sz="900" dirty="0"/>
+              <a:t/>
+            </a:r>
+            <a:br>
+              <a:rPr lang="en-US" sz="900" dirty="0"/>
+            </a:br>
+            <a:r>
+              <a:rPr lang="en-US" sz="900" dirty="0"/>
+              <a:t>EXCEPTION</a:t>
+            </a:r>
+          </a:p>
+          <a:p>
+            <a:r>
+              <a:rPr lang="en-US" sz="900" dirty="0"/>
+              <a:t/>
+            </a:r>
+            <a:br>
+              <a:rPr lang="en-US" sz="900" dirty="0"/>
+            </a:br>
+            <a:r>
+              <a:rPr lang="en-US" sz="900" dirty="0"/>
+              <a:t>    WHEN OTHERS</a:t>
+            </a:r>
+          </a:p>
+          <a:p>
+            <a:r>
+              <a:rPr lang="en-US" sz="900" dirty="0"/>
+              <a:t>    THEN</a:t>
+            </a:r>
+          </a:p>
+          <a:p>
+            <a:r>
+              <a:rPr lang="en-US" sz="900" dirty="0"/>
+              <a:t>        ROLLBACK TO </a:t>
+            </a:r>
+            <a:r>
+              <a:rPr lang="en-US" sz="900" dirty="0" err="1"/>
+              <a:t>add_dog</a:t>
+            </a:r>
+            <a:r>
+              <a:rPr lang="en-US" sz="900" dirty="0"/>
+              <a:t>;</a:t>
+            </a:r>
+          </a:p>
+          <a:p>
+            <a:r>
+              <a:rPr lang="en-US" sz="900" dirty="0"/>
+              <a:t/>
+            </a:r>
+            <a:br>
+              <a:rPr lang="en-US" sz="900" dirty="0"/>
+            </a:br>
+            <a:r>
+              <a:rPr lang="en-US" sz="900" dirty="0"/>
+              <a:t>END;</a:t>
+            </a:r>
+          </a:p>
+          <a:p>
+            <a:r>
+              <a:rPr lang="en-US" sz="900" dirty="0"/>
+              <a:t/>
+            </a:r>
+            <a:br>
+              <a:rPr lang="en-US" sz="900" dirty="0"/>
+            </a:br>
+            <a:r>
+              <a:rPr lang="en-US" sz="900" dirty="0"/>
+              <a:t>  </a:t>
+            </a:r>
+            <a:r>
+              <a:rPr lang="en-US" sz="900" dirty="0" smtClean="0"/>
+              <a:t>  </a:t>
+            </a:r>
+          </a:p>
+          <a:p>
+            <a:r>
+              <a:rPr lang="en-US" sz="900" dirty="0"/>
+              <a:t>   </a:t>
+            </a:r>
+          </a:p>
+        </p:txBody>
+      </p:sp>
+    </p:spTree>
+    <p:extLst>
+      <p:ext uri="{BB962C8B-B14F-4D97-AF65-F5344CB8AC3E}">
+        <p14:creationId xmlns:p14="http://schemas.microsoft.com/office/powerpoint/2010/main" val="159748843"/>
+      </p:ext>
+    </p:extLst>
+  </p:cSld>
+  <p:clrMapOvr>
+    <a:masterClrMapping/>
+  </p:clrMapOvr>
+</p:sld>
+</file>
+
+<file path=ppt/slides/slide21.xml><?xml version="1.0" encoding="utf-8"?>
 <p:sld xmlns:a="http://schemas.openxmlformats.org/drawingml/2006/main" xmlns:r="http://schemas.openxmlformats.org/officeDocument/2006/relationships" xmlns:p="http://schemas.openxmlformats.org/presentationml/2006/main" showMasterPhAnim="0">
   <p:cSld>
     <p:spTree>
@@ -20375,7 +21698,7 @@
                 </a:solidFill>
                 <a:hlinkClick r:id="rId2"/>
               </a:rPr>
-              <a:t>https://github.com/AndrSor/Course_PLSQL_SB/blob/main/Course%20Work/01.1.%D0%A1%D0%BE%D0%B7%D0%B4%D0%B0%D0%BD%D0%B8%D0%B5%20%D1%82%D0%B0%D0%B1%D0%BB%D0%B8%D1%86.sql</a:t>
+              <a:t>https://github.com/AndrSor/Course_PLSQL_SB/blob/main/Course%20Work/01.%D0%A1%D0%BE%D0%B7%D0%B4%D0%B0%D0%BD%D0%B8%D0%B5%20%D1%82%D0%B0%D0%B1%D0%BB%D0%B8%D1%86.sql</a:t>
             </a:r>
             <a:endParaRPr lang="ru-RU" sz="1200" dirty="0">
               <a:solidFill>
@@ -22431,7 +23754,7 @@
                 </a:solidFill>
                 <a:hlinkClick r:id="rId2"/>
               </a:rPr>
-              <a:t>https://github.com/AndrSor/Course_PLSQL_SB/blob/main/Course%20Work/01.2.%D0%A1%D0%BE%D0%B7%D0%B4%D0%B0%D0%BD%D0%B8%D0%B5%20%D0%B2%D0%BD%D0%B5%D1%88%D0%BD%D0%B8%D1%85%20%D1%82%D0%B0%D0%B1%D0%BB%D0%B8%D1%86.sql</a:t>
+              <a:t>https://github.com/AndrSor/Course_PLSQL_SB/blob/main/Course%20Work/02.1.%D0%A1%D0%BE%D0%B7%D0%B4%D0%B0%D0%BD%D0%B8%D0%B5%20%D0%B2%D0%BD%D0%B5%D1%88%D0%BD%D0%B8%D1%85%20%D1%82%D0%B0%D0%B1%D0%BB%D0%B8%D1%86.sql</a:t>
             </a:r>
             <a:endParaRPr lang="ru-RU" sz="1200" dirty="0">
               <a:solidFill>

--- a/Course Work/_Презентация Курсовой работы.pptx
+++ b/Course Work/_Презентация Курсовой работы.pptx
@@ -15327,7 +15327,18 @@
                 </a:solidFill>
                 <a:hlinkClick r:id="rId2"/>
               </a:rPr>
-              <a:t>https://github.com/AndrSor/Course_PLSQL_SB/blob/main/Course%20Work/04.2.%D0%9D%D0%BE%D0%B2%D1%8B%D0%B9%20%D0%B8%D0%BB%D0%B8%20%D1%81%D1%83%D1%89%D0%B5%D1%81%D1%82%D0%B2%D1%83%D1%8E%D1%89%D0%B8%D0%B9%20%D0%BA%D0%BB%D0%B8%D0%B5%D0%BD%D1%82.sql</a:t>
+              <a:t>https://github.com/AndrSor/Course_PLSQL_SB/blob/main/Course%20Work/04.4.%D0%97%D0%B0%D0%BF%D1%83%D1%81%D0%BA%20%D1%81%D0%BE%D0%B7%D0%B4%D0%B0%D0%BD%D0%B8%D1%8F.sql</a:t>
+            </a:r>
+            <a:r>
+              <a:rPr lang="en-US" sz="1200" dirty="0" smtClean="0">
+                <a:solidFill>
+                  <a:schemeClr val="tx2">
+                    <a:lumMod val="60000"/>
+                    <a:lumOff val="40000"/>
+                  </a:schemeClr>
+                </a:solidFill>
+              </a:rPr>
+              <a:t> </a:t>
             </a:r>
             <a:endParaRPr lang="ru-RU" sz="1200" dirty="0">
               <a:solidFill>

--- a/Course Work/_Презентация Курсовой работы.pptx
+++ b/Course Work/_Презентация Курсовой работы.pptx
@@ -6,7 +6,7 @@
     <p:sldMasterId id="2147483661" r:id="rId2"/>
   </p:sldMasterIdLst>
   <p:notesMasterIdLst>
-    <p:notesMasterId r:id="rId20"/>
+    <p:notesMasterId r:id="rId21"/>
   </p:notesMasterIdLst>
   <p:sldIdLst>
     <p:sldId id="256" r:id="rId3"/>
@@ -21,11 +21,12 @@
     <p:sldId id="364" r:id="rId12"/>
     <p:sldId id="366" r:id="rId13"/>
     <p:sldId id="367" r:id="rId14"/>
-    <p:sldId id="368" r:id="rId15"/>
-    <p:sldId id="369" r:id="rId16"/>
-    <p:sldId id="370" r:id="rId17"/>
-    <p:sldId id="371" r:id="rId18"/>
-    <p:sldId id="307" r:id="rId19"/>
+    <p:sldId id="372" r:id="rId15"/>
+    <p:sldId id="368" r:id="rId16"/>
+    <p:sldId id="369" r:id="rId17"/>
+    <p:sldId id="370" r:id="rId18"/>
+    <p:sldId id="371" r:id="rId19"/>
+    <p:sldId id="307" r:id="rId20"/>
   </p:sldIdLst>
   <p:sldSz cx="12192000" cy="6858000"/>
   <p:notesSz cx="6858000" cy="12192000"/>
@@ -225,7 +226,7 @@
           <a:p>
             <a:fld id="{B04DCA98-92C0-4F48-89D1-3FD303C7CE35}" type="datetimeFigureOut">
               <a:rPr lang="ru-RU" smtClean="0"/>
-              <a:t>19.07.2021</a:t>
+              <a:t>22.07.2021</a:t>
             </a:fld>
             <a:endParaRPr lang="ru-RU"/>
           </a:p>
@@ -557,7 +558,7 @@
           <a:p>
             <a:fld id="{7B5F47EF-21AF-41BD-AB82-5A4B797CA39E}" type="slidenum">
               <a:rPr lang="ru-RU" smtClean="0"/>
-              <a:t>17</a:t>
+              <a:t>18</a:t>
             </a:fld>
             <a:endParaRPr lang="ru-RU"/>
           </a:p>
@@ -714,7 +715,7 @@
             </a:pPr>
             <a:fld id="{F9A2CB3F-9E6C-4531-82DF-EF260906E9D5}" type="datetimeFigureOut">
               <a:rPr lang="ru-RU"/>
-              <a:t>19.07.2021</a:t>
+              <a:t>22.07.2021</a:t>
             </a:fld>
             <a:endParaRPr lang="ru-RU"/>
           </a:p>
@@ -903,7 +904,7 @@
             </a:pPr>
             <a:fld id="{F9A2CB3F-9E6C-4531-82DF-EF260906E9D5}" type="datetimeFigureOut">
               <a:rPr lang="ru-RU"/>
-              <a:t>19.07.2021</a:t>
+              <a:t>22.07.2021</a:t>
             </a:fld>
             <a:endParaRPr lang="ru-RU"/>
           </a:p>
@@ -1102,7 +1103,7 @@
             </a:pPr>
             <a:fld id="{F9A2CB3F-9E6C-4531-82DF-EF260906E9D5}" type="datetimeFigureOut">
               <a:rPr lang="ru-RU"/>
-              <a:t>19.07.2021</a:t>
+              <a:t>22.07.2021</a:t>
             </a:fld>
             <a:endParaRPr lang="ru-RU"/>
           </a:p>
@@ -1321,7 +1322,7 @@
             </a:pPr>
             <a:fld id="{1D8BD707-D9CF-40AE-B4C6-C98DA3205C09}" type="datetimeFigureOut">
               <a:rPr lang="en-US"/>
-              <a:t>7/19/2021</a:t>
+              <a:t>7/22/2021</a:t>
             </a:fld>
             <a:endParaRPr lang="en-US"/>
           </a:p>
@@ -1926,7 +1927,7 @@
             </a:pPr>
             <a:fld id="{1D8BD707-D9CF-40AE-B4C6-C98DA3205C09}" type="datetimeFigureOut">
               <a:rPr lang="en-US"/>
-              <a:t>7/19/2021</a:t>
+              <a:t>7/22/2021</a:t>
             </a:fld>
             <a:endParaRPr lang="en-US"/>
           </a:p>
@@ -2129,7 +2130,7 @@
             </a:pPr>
             <a:fld id="{1D8BD707-D9CF-40AE-B4C6-C98DA3205C09}" type="datetimeFigureOut">
               <a:rPr lang="en-US"/>
-              <a:t>7/19/2021</a:t>
+              <a:t>7/22/2021</a:t>
             </a:fld>
             <a:endParaRPr lang="en-US"/>
           </a:p>
@@ -2550,7 +2551,7 @@
             </a:pPr>
             <a:fld id="{1D8BD707-D9CF-40AE-B4C6-C98DA3205C09}" type="datetimeFigureOut">
               <a:rPr lang="en-US"/>
-              <a:t>7/19/2021</a:t>
+              <a:t>7/22/2021</a:t>
             </a:fld>
             <a:endParaRPr lang="en-US"/>
           </a:p>
@@ -2693,7 +2694,7 @@
             </a:pPr>
             <a:fld id="{1D8BD707-D9CF-40AE-B4C6-C98DA3205C09}" type="datetimeFigureOut">
               <a:rPr lang="en-US"/>
-              <a:t>7/19/2021</a:t>
+              <a:t>7/22/2021</a:t>
             </a:fld>
             <a:endParaRPr lang="en-US"/>
           </a:p>
@@ -2882,7 +2883,7 @@
             </a:pPr>
             <a:fld id="{F9A2CB3F-9E6C-4531-82DF-EF260906E9D5}" type="datetimeFigureOut">
               <a:rPr lang="ru-RU"/>
-              <a:t>19.07.2021</a:t>
+              <a:t>22.07.2021</a:t>
             </a:fld>
             <a:endParaRPr lang="ru-RU"/>
           </a:p>
@@ -3061,7 +3062,7 @@
             </a:pPr>
             <a:fld id="{1D8BD707-D9CF-40AE-B4C6-C98DA3205C09}" type="datetimeFigureOut">
               <a:rPr lang="en-US"/>
-              <a:t>7/19/2021</a:t>
+              <a:t>7/22/2021</a:t>
             </a:fld>
             <a:endParaRPr lang="en-US"/>
           </a:p>
@@ -3269,7 +3270,7 @@
             </a:pPr>
             <a:fld id="{1D8BD707-D9CF-40AE-B4C6-C98DA3205C09}" type="datetimeFigureOut">
               <a:rPr lang="en-US"/>
-              <a:t>7/19/2021</a:t>
+              <a:t>7/22/2021</a:t>
             </a:fld>
             <a:endParaRPr lang="en-US"/>
           </a:p>
@@ -3440,7 +3441,7 @@
             </a:pPr>
             <a:fld id="{1D8BD707-D9CF-40AE-B4C6-C98DA3205C09}" type="datetimeFigureOut">
               <a:rPr lang="en-US"/>
-              <a:t>7/19/2021</a:t>
+              <a:t>7/22/2021</a:t>
             </a:fld>
             <a:endParaRPr lang="en-US"/>
           </a:p>
@@ -3694,7 +3695,7 @@
             </a:pPr>
             <a:fld id="{1D8BD707-D9CF-40AE-B4C6-C98DA3205C09}" type="datetimeFigureOut">
               <a:rPr lang="en-US"/>
-              <a:t>7/19/2021</a:t>
+              <a:t>7/22/2021</a:t>
             </a:fld>
             <a:endParaRPr lang="en-US"/>
           </a:p>
@@ -3803,7 +3804,7 @@
             </a:pPr>
             <a:fld id="{1D8BD707-D9CF-40AE-B4C6-C98DA3205C09}" type="datetimeFigureOut">
               <a:rPr lang="en-US"/>
-              <a:t>7/19/2021</a:t>
+              <a:t>7/22/2021</a:t>
             </a:fld>
             <a:endParaRPr lang="en-US"/>
           </a:p>
@@ -3994,7 +3995,7 @@
             </a:pPr>
             <a:fld id="{1D8BD707-D9CF-40AE-B4C6-C98DA3205C09}" type="datetimeFigureOut">
               <a:rPr lang="en-US"/>
-              <a:t>7/19/2021</a:t>
+              <a:t>7/22/2021</a:t>
             </a:fld>
             <a:endParaRPr lang="en-US"/>
           </a:p>
@@ -4093,7 +4094,7 @@
             </a:pPr>
             <a:fld id="{1D8BD707-D9CF-40AE-B4C6-C98DA3205C09}" type="datetimeFigureOut">
               <a:rPr lang="en-US"/>
-              <a:t>7/19/2021</a:t>
+              <a:t>7/22/2021</a:t>
             </a:fld>
             <a:endParaRPr lang="en-US"/>
           </a:p>
@@ -4235,7 +4236,7 @@
             </a:pPr>
             <a:fld id="{1D8BD707-D9CF-40AE-B4C6-C98DA3205C09}" type="datetimeFigureOut">
               <a:rPr lang="en-US"/>
-              <a:t>7/19/2021</a:t>
+              <a:t>7/22/2021</a:t>
             </a:fld>
             <a:endParaRPr lang="en-US"/>
           </a:p>
@@ -4813,7 +4814,7 @@
             </a:pPr>
             <a:fld id="{F9A2CB3F-9E6C-4531-82DF-EF260906E9D5}" type="datetimeFigureOut">
               <a:rPr lang="ru-RU"/>
-              <a:t>19.07.2021</a:t>
+              <a:t>22.07.2021</a:t>
             </a:fld>
             <a:endParaRPr lang="ru-RU"/>
           </a:p>
@@ -5077,7 +5078,7 @@
             </a:pPr>
             <a:fld id="{F9A2CB3F-9E6C-4531-82DF-EF260906E9D5}" type="datetimeFigureOut">
               <a:rPr lang="ru-RU"/>
-              <a:t>19.07.2021</a:t>
+              <a:t>22.07.2021</a:t>
             </a:fld>
             <a:endParaRPr lang="ru-RU"/>
           </a:p>
@@ -5482,7 +5483,7 @@
             </a:pPr>
             <a:fld id="{F9A2CB3F-9E6C-4531-82DF-EF260906E9D5}" type="datetimeFigureOut">
               <a:rPr lang="ru-RU"/>
-              <a:t>19.07.2021</a:t>
+              <a:t>22.07.2021</a:t>
             </a:fld>
             <a:endParaRPr lang="ru-RU"/>
           </a:p>
@@ -5606,7 +5607,7 @@
             </a:pPr>
             <a:fld id="{F9A2CB3F-9E6C-4531-82DF-EF260906E9D5}" type="datetimeFigureOut">
               <a:rPr lang="ru-RU"/>
-              <a:t>19.07.2021</a:t>
+              <a:t>22.07.2021</a:t>
             </a:fld>
             <a:endParaRPr lang="ru-RU"/>
           </a:p>
@@ -5705,7 +5706,7 @@
             </a:pPr>
             <a:fld id="{F9A2CB3F-9E6C-4531-82DF-EF260906E9D5}" type="datetimeFigureOut">
               <a:rPr lang="ru-RU"/>
-              <a:t>19.07.2021</a:t>
+              <a:t>22.07.2021</a:t>
             </a:fld>
             <a:endParaRPr lang="ru-RU"/>
           </a:p>
@@ -6004,7 +6005,7 @@
             </a:pPr>
             <a:fld id="{F9A2CB3F-9E6C-4531-82DF-EF260906E9D5}" type="datetimeFigureOut">
               <a:rPr lang="ru-RU"/>
-              <a:t>19.07.2021</a:t>
+              <a:t>22.07.2021</a:t>
             </a:fld>
             <a:endParaRPr lang="ru-RU"/>
           </a:p>
@@ -6269,7 +6270,7 @@
             </a:pPr>
             <a:fld id="{F9A2CB3F-9E6C-4531-82DF-EF260906E9D5}" type="datetimeFigureOut">
               <a:rPr lang="ru-RU"/>
-              <a:t>19.07.2021</a:t>
+              <a:t>22.07.2021</a:t>
             </a:fld>
             <a:endParaRPr lang="ru-RU"/>
           </a:p>
@@ -6501,7 +6502,7 @@
             </a:pPr>
             <a:fld id="{F9A2CB3F-9E6C-4531-82DF-EF260906E9D5}" type="datetimeFigureOut">
               <a:rPr lang="ru-RU"/>
-              <a:t>19.07.2021</a:t>
+              <a:t>22.07.2021</a:t>
             </a:fld>
             <a:endParaRPr lang="ru-RU"/>
           </a:p>
@@ -6999,7 +7000,7 @@
             </a:pPr>
             <a:fld id="{1D8BD707-D9CF-40AE-B4C6-C98DA3205C09}" type="datetimeFigureOut">
               <a:rPr lang="en-US"/>
-              <a:t>7/19/2021</a:t>
+              <a:t>7/22/2021</a:t>
             </a:fld>
             <a:endParaRPr lang="en-US"/>
           </a:p>
@@ -7613,7 +7614,7 @@
           <p:cNvPr id="6" name="Рисунок 5">
             <a:extLst>
               <a:ext uri="{FF2B5EF4-FFF2-40B4-BE49-F238E27FC236}">
-                <a16:creationId xmlns:a16="http://schemas.microsoft.com/office/drawing/2014/main" xmlns="" id="{FBE6ED87-35B9-4D44-BD5E-D3A5BFABF05B}"/>
+                <a16:creationId xmlns="" xmlns:a16="http://schemas.microsoft.com/office/drawing/2014/main" id="{FBE6ED87-35B9-4D44-BD5E-D3A5BFABF05B}"/>
               </a:ext>
             </a:extLst>
           </p:cNvPr>
@@ -7642,7 +7643,7 @@
           <p:cNvPr id="7" name="TextBox 35">
             <a:extLst>
               <a:ext uri="{FF2B5EF4-FFF2-40B4-BE49-F238E27FC236}">
-                <a16:creationId xmlns:a16="http://schemas.microsoft.com/office/drawing/2014/main" xmlns="" id="{FFE5BB39-F6A6-43BC-BA7E-53FDB72933B3}"/>
+                <a16:creationId xmlns="" xmlns:a16="http://schemas.microsoft.com/office/drawing/2014/main" id="{FFE5BB39-F6A6-43BC-BA7E-53FDB72933B3}"/>
               </a:ext>
             </a:extLst>
           </p:cNvPr>
@@ -7807,7 +7808,7 @@
           <p:cNvPr id="8" name="TextBox 7">
             <a:extLst>
               <a:ext uri="{FF2B5EF4-FFF2-40B4-BE49-F238E27FC236}">
-                <a16:creationId xmlns:a16="http://schemas.microsoft.com/office/drawing/2014/main" xmlns="" id="{231DDADD-D012-4924-B434-0AFD0AB713F0}"/>
+                <a16:creationId xmlns="" xmlns:a16="http://schemas.microsoft.com/office/drawing/2014/main" id="{231DDADD-D012-4924-B434-0AFD0AB713F0}"/>
               </a:ext>
             </a:extLst>
           </p:cNvPr>
@@ -7945,7 +7946,7 @@
           <p:cNvPr id="18" name="Title 7">
             <a:extLst>
               <a:ext uri="{FF2B5EF4-FFF2-40B4-BE49-F238E27FC236}">
-                <a16:creationId xmlns:a16="http://schemas.microsoft.com/office/drawing/2014/main" xmlns="" id="{E195DE7B-42F0-4CAA-AAB0-D33DB61C53CA}"/>
+                <a16:creationId xmlns="" xmlns:a16="http://schemas.microsoft.com/office/drawing/2014/main" id="{E195DE7B-42F0-4CAA-AAB0-D33DB61C53CA}"/>
               </a:ext>
             </a:extLst>
           </p:cNvPr>
@@ -8002,23 +8003,7 @@
                   <a:srgbClr val="333F48"/>
                 </a:solidFill>
               </a:rPr>
-              <a:t>. </a:t>
-            </a:r>
-            <a:r>
-              <a:rPr lang="ru-RU" sz="3200" dirty="0" smtClean="0">
-                <a:solidFill>
-                  <a:srgbClr val="333F48"/>
-                </a:solidFill>
-              </a:rPr>
-              <a:t>Импорт данных</a:t>
-            </a:r>
-            <a:r>
-              <a:rPr lang="ru-RU" sz="3200" dirty="0" smtClean="0">
-                <a:solidFill>
-                  <a:srgbClr val="333F48"/>
-                </a:solidFill>
-              </a:rPr>
-              <a:t>.</a:t>
+              <a:t>. Импорт данных.</a:t>
             </a:r>
             <a:r>
               <a:rPr lang="en-US" sz="3200" dirty="0" smtClean="0">
@@ -8501,10 +8486,6 @@
               </a:rPr>
               <a:t>            );</a:t>
             </a:r>
-            <a:endParaRPr lang="en-US" sz="1100" dirty="0">
-              <a:latin typeface="Courier New" panose="02070309020205020404" pitchFamily="49" charset="0"/>
-              <a:cs typeface="Courier New" panose="02070309020205020404" pitchFamily="49" charset="0"/>
-            </a:endParaRPr>
           </a:p>
         </p:txBody>
       </p:sp>
@@ -9120,7 +9101,7 @@
           <p:cNvPr id="18" name="Title 7">
             <a:extLst>
               <a:ext uri="{FF2B5EF4-FFF2-40B4-BE49-F238E27FC236}">
-                <a16:creationId xmlns:a16="http://schemas.microsoft.com/office/drawing/2014/main" xmlns="" id="{E195DE7B-42F0-4CAA-AAB0-D33DB61C53CA}"/>
+                <a16:creationId xmlns="" xmlns:a16="http://schemas.microsoft.com/office/drawing/2014/main" id="{E195DE7B-42F0-4CAA-AAB0-D33DB61C53CA}"/>
               </a:ext>
             </a:extLst>
           </p:cNvPr>
@@ -9169,15 +9150,7 @@
                   <a:srgbClr val="333F48"/>
                 </a:solidFill>
               </a:rPr>
-              <a:t>3</a:t>
-            </a:r>
-            <a:r>
-              <a:rPr lang="ru-RU" sz="3200" dirty="0" smtClean="0">
-                <a:solidFill>
-                  <a:srgbClr val="333F48"/>
-                </a:solidFill>
-              </a:rPr>
-              <a:t>. Функция возвращающая таблицу отчета </a:t>
+              <a:t>3. Функция возвращающая таблицу отчета </a:t>
             </a:r>
             <a:endParaRPr lang="ru-RU" sz="1200" dirty="0"/>
           </a:p>
@@ -9526,10 +9499,6 @@
               </a:rPr>
               <a:t>;</a:t>
             </a:r>
-            <a:endParaRPr lang="en-US" sz="1100" dirty="0">
-              <a:latin typeface="Courier New" panose="02070309020205020404" pitchFamily="49" charset="0"/>
-              <a:cs typeface="Courier New" panose="02070309020205020404" pitchFamily="49" charset="0"/>
-            </a:endParaRPr>
           </a:p>
         </p:txBody>
       </p:sp>
@@ -10466,7 +10435,7 @@
           <p:cNvPr id="18" name="Title 7">
             <a:extLst>
               <a:ext uri="{FF2B5EF4-FFF2-40B4-BE49-F238E27FC236}">
-                <a16:creationId xmlns:a16="http://schemas.microsoft.com/office/drawing/2014/main" xmlns="" id="{E195DE7B-42F0-4CAA-AAB0-D33DB61C53CA}"/>
+                <a16:creationId xmlns="" xmlns:a16="http://schemas.microsoft.com/office/drawing/2014/main" id="{E195DE7B-42F0-4CAA-AAB0-D33DB61C53CA}"/>
               </a:ext>
             </a:extLst>
           </p:cNvPr>
@@ -10515,31 +10484,7 @@
                   <a:srgbClr val="333F48"/>
                 </a:solidFill>
               </a:rPr>
-              <a:t>3</a:t>
-            </a:r>
-            <a:r>
-              <a:rPr lang="ru-RU" sz="3200" dirty="0" smtClean="0">
-                <a:solidFill>
-                  <a:srgbClr val="333F48"/>
-                </a:solidFill>
-              </a:rPr>
-              <a:t>. </a:t>
-            </a:r>
-            <a:r>
-              <a:rPr lang="ru-RU" sz="3200" dirty="0" smtClean="0">
-                <a:solidFill>
-                  <a:srgbClr val="333F48"/>
-                </a:solidFill>
-              </a:rPr>
-              <a:t>Процедура экспортирует таблицу отчета в файл</a:t>
-            </a:r>
-            <a:r>
-              <a:rPr lang="ru-RU" sz="3200" dirty="0" smtClean="0">
-                <a:solidFill>
-                  <a:srgbClr val="333F48"/>
-                </a:solidFill>
-              </a:rPr>
-              <a:t> </a:t>
+              <a:t>3. Процедура экспортирует таблицу отчета в файл </a:t>
             </a:r>
             <a:endParaRPr lang="ru-RU" sz="1200" dirty="0"/>
           </a:p>
@@ -11257,7 +11202,7 @@
           <p:cNvPr id="18" name="Title 7">
             <a:extLst>
               <a:ext uri="{FF2B5EF4-FFF2-40B4-BE49-F238E27FC236}">
-                <a16:creationId xmlns:a16="http://schemas.microsoft.com/office/drawing/2014/main" xmlns="" id="{E195DE7B-42F0-4CAA-AAB0-D33DB61C53CA}"/>
+                <a16:creationId xmlns="" xmlns:a16="http://schemas.microsoft.com/office/drawing/2014/main" id="{E195DE7B-42F0-4CAA-AAB0-D33DB61C53CA}"/>
               </a:ext>
             </a:extLst>
           </p:cNvPr>
@@ -11301,20 +11246,12 @@
               <a:defRPr/>
             </a:pPr>
             <a:r>
-              <a:rPr lang="en-US" sz="3200" dirty="0">
-                <a:solidFill>
-                  <a:srgbClr val="333F48"/>
-                </a:solidFill>
-              </a:rPr>
-              <a:t>4</a:t>
-            </a:r>
-            <a:r>
               <a:rPr lang="ru-RU" sz="3200" dirty="0" smtClean="0">
                 <a:solidFill>
                   <a:srgbClr val="333F48"/>
                 </a:solidFill>
               </a:rPr>
-              <a:t>. </a:t>
+              <a:t>3. </a:t>
             </a:r>
             <a:r>
               <a:rPr lang="ru-RU" sz="3200" dirty="0" smtClean="0">
@@ -11322,15 +11259,7 @@
                   <a:srgbClr val="333F48"/>
                 </a:solidFill>
               </a:rPr>
-              <a:t>Создаем последовательность</a:t>
-            </a:r>
-            <a:r>
-              <a:rPr lang="ru-RU" sz="3200" dirty="0" smtClean="0">
-                <a:solidFill>
-                  <a:srgbClr val="333F48"/>
-                </a:solidFill>
-              </a:rPr>
-              <a:t> </a:t>
+              <a:t>Объединение в ПАКЕТ </a:t>
             </a:r>
             <a:endParaRPr lang="ru-RU" sz="1200" dirty="0"/>
           </a:p>
@@ -11398,13 +11327,13 @@
         <p:spPr>
           <a:xfrm>
             <a:off x="335360" y="725502"/>
-            <a:ext cx="5328592" cy="4832092"/>
+            <a:ext cx="5328592" cy="3477875"/>
           </a:xfrm>
           <a:prstGeom prst="rect">
             <a:avLst/>
           </a:prstGeom>
           <a:solidFill>
-            <a:schemeClr val="accent3">
+            <a:schemeClr val="accent2">
               <a:lumMod val="20000"/>
               <a:lumOff val="80000"/>
             </a:schemeClr>
@@ -11422,59 +11351,227 @@
           <a:lstStyle/>
           <a:p>
             <a:r>
-              <a:rPr lang="ru-RU" sz="1100" dirty="0">
-                <a:latin typeface="Courier New" panose="02070309020205020404" pitchFamily="49" charset="0"/>
-                <a:cs typeface="Courier New" panose="02070309020205020404" pitchFamily="49" charset="0"/>
-              </a:rPr>
-              <a:t>-- Идентификаторы во всех таблицах уникальны</a:t>
-            </a:r>
-          </a:p>
-          <a:p>
-            <a:r>
-              <a:rPr lang="ru-RU" sz="1100" dirty="0">
-                <a:latin typeface="Courier New" panose="02070309020205020404" pitchFamily="49" charset="0"/>
-                <a:cs typeface="Courier New" panose="02070309020205020404" pitchFamily="49" charset="0"/>
-              </a:rPr>
-              <a:t>-- Создаем одну последовательность генерирующую</a:t>
-            </a:r>
-          </a:p>
-          <a:p>
-            <a:r>
-              <a:rPr lang="ru-RU" sz="1100" dirty="0">
-                <a:latin typeface="Courier New" panose="02070309020205020404" pitchFamily="49" charset="0"/>
-                <a:cs typeface="Courier New" panose="02070309020205020404" pitchFamily="49" charset="0"/>
-              </a:rPr>
-              <a:t>-- </a:t>
-            </a:r>
-            <a:r>
-              <a:rPr lang="ru-RU" sz="1100" dirty="0" err="1">
-                <a:latin typeface="Courier New" panose="02070309020205020404" pitchFamily="49" charset="0"/>
-                <a:cs typeface="Courier New" panose="02070309020205020404" pitchFamily="49" charset="0"/>
-              </a:rPr>
-              <a:t>индентификаторы</a:t>
-            </a:r>
-            <a:r>
-              <a:rPr lang="ru-RU" sz="1100" dirty="0">
-                <a:latin typeface="Courier New" panose="02070309020205020404" pitchFamily="49" charset="0"/>
-                <a:cs typeface="Courier New" panose="02070309020205020404" pitchFamily="49" charset="0"/>
-              </a:rPr>
-              <a:t> для всех таблиц</a:t>
-            </a:r>
-          </a:p>
-          <a:p>
-            <a:r>
-              <a:rPr lang="ru-RU" sz="1100" dirty="0">
-                <a:latin typeface="Courier New" panose="02070309020205020404" pitchFamily="49" charset="0"/>
-                <a:cs typeface="Courier New" panose="02070309020205020404" pitchFamily="49" charset="0"/>
-              </a:rPr>
-              <a:t>-- со стартовым значением максимальный </a:t>
-            </a:r>
-            <a:r>
-              <a:rPr lang="en-US" sz="1100" dirty="0">
-                <a:latin typeface="Courier New" panose="02070309020205020404" pitchFamily="49" charset="0"/>
-                <a:cs typeface="Courier New" panose="02070309020205020404" pitchFamily="49" charset="0"/>
-              </a:rPr>
-              <a:t>ID + 1</a:t>
+              <a:rPr lang="en-US" sz="1100" dirty="0">
+                <a:latin typeface="Courier New" panose="02070309020205020404" pitchFamily="49" charset="0"/>
+                <a:cs typeface="Courier New" panose="02070309020205020404" pitchFamily="49" charset="0"/>
+              </a:rPr>
+              <a:t>CREATE OR REPLACE PACKAGE c##</a:t>
+            </a:r>
+            <a:r>
+              <a:rPr lang="en-US" sz="1100" dirty="0" err="1">
+                <a:latin typeface="Courier New" panose="02070309020205020404" pitchFamily="49" charset="0"/>
+                <a:cs typeface="Courier New" panose="02070309020205020404" pitchFamily="49" charset="0"/>
+              </a:rPr>
+              <a:t>course.pk_credit_report</a:t>
+            </a:r>
+            <a:r>
+              <a:rPr lang="en-US" sz="1100" dirty="0">
+                <a:latin typeface="Courier New" panose="02070309020205020404" pitchFamily="49" charset="0"/>
+                <a:cs typeface="Courier New" panose="02070309020205020404" pitchFamily="49" charset="0"/>
+              </a:rPr>
+              <a:t> AS   </a:t>
+            </a:r>
+          </a:p>
+          <a:p>
+            <a:r>
+              <a:rPr lang="en-US" sz="1100" dirty="0">
+                <a:latin typeface="Courier New" panose="02070309020205020404" pitchFamily="49" charset="0"/>
+                <a:cs typeface="Courier New" panose="02070309020205020404" pitchFamily="49" charset="0"/>
+              </a:rPr>
+              <a:t>    TYPE </a:t>
+            </a:r>
+            <a:r>
+              <a:rPr lang="en-US" sz="1100" dirty="0" err="1">
+                <a:latin typeface="Courier New" panose="02070309020205020404" pitchFamily="49" charset="0"/>
+                <a:cs typeface="Courier New" panose="02070309020205020404" pitchFamily="49" charset="0"/>
+              </a:rPr>
+              <a:t>report_row</a:t>
+            </a:r>
+            <a:r>
+              <a:rPr lang="en-US" sz="1100" dirty="0">
+                <a:latin typeface="Courier New" panose="02070309020205020404" pitchFamily="49" charset="0"/>
+                <a:cs typeface="Courier New" panose="02070309020205020404" pitchFamily="49" charset="0"/>
+              </a:rPr>
+              <a:t> IS RECORD</a:t>
+            </a:r>
+          </a:p>
+          <a:p>
+            <a:r>
+              <a:rPr lang="en-US" sz="1100" dirty="0">
+                <a:latin typeface="Courier New" panose="02070309020205020404" pitchFamily="49" charset="0"/>
+                <a:cs typeface="Courier New" panose="02070309020205020404" pitchFamily="49" charset="0"/>
+              </a:rPr>
+              <a:t>    ( </a:t>
+            </a:r>
+          </a:p>
+          <a:p>
+            <a:r>
+              <a:rPr lang="en-US" sz="1100" dirty="0">
+                <a:latin typeface="Courier New" panose="02070309020205020404" pitchFamily="49" charset="0"/>
+                <a:cs typeface="Courier New" panose="02070309020205020404" pitchFamily="49" charset="0"/>
+              </a:rPr>
+              <a:t>          </a:t>
+            </a:r>
+            <a:r>
+              <a:rPr lang="en-US" sz="1100" dirty="0" err="1">
+                <a:latin typeface="Courier New" panose="02070309020205020404" pitchFamily="49" charset="0"/>
+                <a:cs typeface="Courier New" panose="02070309020205020404" pitchFamily="49" charset="0"/>
+              </a:rPr>
+              <a:t>num_dog</a:t>
+            </a:r>
+            <a:r>
+              <a:rPr lang="en-US" sz="1100" dirty="0">
+                <a:latin typeface="Courier New" panose="02070309020205020404" pitchFamily="49" charset="0"/>
+                <a:cs typeface="Courier New" panose="02070309020205020404" pitchFamily="49" charset="0"/>
+              </a:rPr>
+              <a:t>             varchar2(10)</a:t>
+            </a:r>
+          </a:p>
+          <a:p>
+            <a:r>
+              <a:rPr lang="en-US" sz="1100" dirty="0">
+                <a:latin typeface="Courier New" panose="02070309020205020404" pitchFamily="49" charset="0"/>
+                <a:cs typeface="Courier New" panose="02070309020205020404" pitchFamily="49" charset="0"/>
+              </a:rPr>
+              <a:t>        , </a:t>
+            </a:r>
+            <a:r>
+              <a:rPr lang="en-US" sz="1100" dirty="0" err="1">
+                <a:latin typeface="Courier New" panose="02070309020205020404" pitchFamily="49" charset="0"/>
+                <a:cs typeface="Courier New" panose="02070309020205020404" pitchFamily="49" charset="0"/>
+              </a:rPr>
+              <a:t>cl_name</a:t>
+            </a:r>
+            <a:r>
+              <a:rPr lang="en-US" sz="1100" dirty="0">
+                <a:latin typeface="Courier New" panose="02070309020205020404" pitchFamily="49" charset="0"/>
+                <a:cs typeface="Courier New" panose="02070309020205020404" pitchFamily="49" charset="0"/>
+              </a:rPr>
+              <a:t>             varchar2(100)</a:t>
+            </a:r>
+          </a:p>
+          <a:p>
+            <a:r>
+              <a:rPr lang="en-US" sz="1100" dirty="0">
+                <a:latin typeface="Courier New" panose="02070309020205020404" pitchFamily="49" charset="0"/>
+                <a:cs typeface="Courier New" panose="02070309020205020404" pitchFamily="49" charset="0"/>
+              </a:rPr>
+              <a:t>        , </a:t>
+            </a:r>
+            <a:r>
+              <a:rPr lang="en-US" sz="1100" dirty="0" err="1">
+                <a:latin typeface="Courier New" panose="02070309020205020404" pitchFamily="49" charset="0"/>
+                <a:cs typeface="Courier New" panose="02070309020205020404" pitchFamily="49" charset="0"/>
+              </a:rPr>
+              <a:t>summa_dog</a:t>
+            </a:r>
+            <a:r>
+              <a:rPr lang="en-US" sz="1100" dirty="0">
+                <a:latin typeface="Courier New" panose="02070309020205020404" pitchFamily="49" charset="0"/>
+                <a:cs typeface="Courier New" panose="02070309020205020404" pitchFamily="49" charset="0"/>
+              </a:rPr>
+              <a:t>           number</a:t>
+            </a:r>
+          </a:p>
+          <a:p>
+            <a:r>
+              <a:rPr lang="en-US" sz="1100" dirty="0">
+                <a:latin typeface="Courier New" panose="02070309020205020404" pitchFamily="49" charset="0"/>
+                <a:cs typeface="Courier New" panose="02070309020205020404" pitchFamily="49" charset="0"/>
+              </a:rPr>
+              <a:t>        , </a:t>
+            </a:r>
+            <a:r>
+              <a:rPr lang="en-US" sz="1100" dirty="0" err="1">
+                <a:latin typeface="Courier New" panose="02070309020205020404" pitchFamily="49" charset="0"/>
+                <a:cs typeface="Courier New" panose="02070309020205020404" pitchFamily="49" charset="0"/>
+              </a:rPr>
+              <a:t>date_begin</a:t>
+            </a:r>
+            <a:r>
+              <a:rPr lang="en-US" sz="1100" dirty="0">
+                <a:latin typeface="Courier New" panose="02070309020205020404" pitchFamily="49" charset="0"/>
+                <a:cs typeface="Courier New" panose="02070309020205020404" pitchFamily="49" charset="0"/>
+              </a:rPr>
+              <a:t>          date </a:t>
+            </a:r>
+          </a:p>
+          <a:p>
+            <a:r>
+              <a:rPr lang="en-US" sz="1100" dirty="0">
+                <a:latin typeface="Courier New" panose="02070309020205020404" pitchFamily="49" charset="0"/>
+                <a:cs typeface="Courier New" panose="02070309020205020404" pitchFamily="49" charset="0"/>
+              </a:rPr>
+              <a:t>        , </a:t>
+            </a:r>
+            <a:r>
+              <a:rPr lang="en-US" sz="1100" dirty="0" err="1">
+                <a:latin typeface="Courier New" panose="02070309020205020404" pitchFamily="49" charset="0"/>
+                <a:cs typeface="Courier New" panose="02070309020205020404" pitchFamily="49" charset="0"/>
+              </a:rPr>
+              <a:t>date_end</a:t>
+            </a:r>
+            <a:r>
+              <a:rPr lang="en-US" sz="1100" dirty="0">
+                <a:latin typeface="Courier New" panose="02070309020205020404" pitchFamily="49" charset="0"/>
+                <a:cs typeface="Courier New" panose="02070309020205020404" pitchFamily="49" charset="0"/>
+              </a:rPr>
+              <a:t>            date</a:t>
+            </a:r>
+          </a:p>
+          <a:p>
+            <a:r>
+              <a:rPr lang="en-US" sz="1100" dirty="0">
+                <a:latin typeface="Courier New" panose="02070309020205020404" pitchFamily="49" charset="0"/>
+                <a:cs typeface="Courier New" panose="02070309020205020404" pitchFamily="49" charset="0"/>
+              </a:rPr>
+              <a:t>        , </a:t>
+            </a:r>
+            <a:r>
+              <a:rPr lang="en-US" sz="1100" dirty="0" err="1">
+                <a:latin typeface="Courier New" panose="02070309020205020404" pitchFamily="49" charset="0"/>
+                <a:cs typeface="Courier New" panose="02070309020205020404" pitchFamily="49" charset="0"/>
+              </a:rPr>
+              <a:t>ostat_dolg</a:t>
+            </a:r>
+            <a:r>
+              <a:rPr lang="en-US" sz="1100" dirty="0">
+                <a:latin typeface="Courier New" panose="02070309020205020404" pitchFamily="49" charset="0"/>
+                <a:cs typeface="Courier New" panose="02070309020205020404" pitchFamily="49" charset="0"/>
+              </a:rPr>
+              <a:t>          number</a:t>
+            </a:r>
+          </a:p>
+          <a:p>
+            <a:r>
+              <a:rPr lang="en-US" sz="1100" dirty="0">
+                <a:latin typeface="Courier New" panose="02070309020205020404" pitchFamily="49" charset="0"/>
+                <a:cs typeface="Courier New" panose="02070309020205020404" pitchFamily="49" charset="0"/>
+              </a:rPr>
+              <a:t>        , </a:t>
+            </a:r>
+            <a:r>
+              <a:rPr lang="en-US" sz="1100" dirty="0" err="1">
+                <a:latin typeface="Courier New" panose="02070309020205020404" pitchFamily="49" charset="0"/>
+                <a:cs typeface="Courier New" panose="02070309020205020404" pitchFamily="49" charset="0"/>
+              </a:rPr>
+              <a:t>need_pogash_percent</a:t>
+            </a:r>
+            <a:r>
+              <a:rPr lang="en-US" sz="1100" dirty="0">
+                <a:latin typeface="Courier New" panose="02070309020205020404" pitchFamily="49" charset="0"/>
+                <a:cs typeface="Courier New" panose="02070309020205020404" pitchFamily="49" charset="0"/>
+              </a:rPr>
+              <a:t> number</a:t>
+            </a:r>
+          </a:p>
+          <a:p>
+            <a:r>
+              <a:rPr lang="en-US" sz="1100" dirty="0">
+                <a:latin typeface="Courier New" panose="02070309020205020404" pitchFamily="49" charset="0"/>
+                <a:cs typeface="Courier New" panose="02070309020205020404" pitchFamily="49" charset="0"/>
+              </a:rPr>
+              <a:t>    );</a:t>
             </a:r>
           </a:p>
           <a:p>
@@ -11489,7 +11586,35 @@
                 <a:latin typeface="Courier New" panose="02070309020205020404" pitchFamily="49" charset="0"/>
                 <a:cs typeface="Courier New" panose="02070309020205020404" pitchFamily="49" charset="0"/>
               </a:rPr>
-              <a:t>DECLARE</a:t>
+              <a:t>    TYPE </a:t>
+            </a:r>
+            <a:r>
+              <a:rPr lang="en-US" sz="1100" dirty="0" err="1">
+                <a:latin typeface="Courier New" panose="02070309020205020404" pitchFamily="49" charset="0"/>
+                <a:cs typeface="Courier New" panose="02070309020205020404" pitchFamily="49" charset="0"/>
+              </a:rPr>
+              <a:t>table_report</a:t>
+            </a:r>
+            <a:r>
+              <a:rPr lang="en-US" sz="1100" dirty="0">
+                <a:latin typeface="Courier New" panose="02070309020205020404" pitchFamily="49" charset="0"/>
+                <a:cs typeface="Courier New" panose="02070309020205020404" pitchFamily="49" charset="0"/>
+              </a:rPr>
+              <a:t> IS TABLE OF </a:t>
+            </a:r>
+            <a:r>
+              <a:rPr lang="en-US" sz="1100" dirty="0" err="1">
+                <a:latin typeface="Courier New" panose="02070309020205020404" pitchFamily="49" charset="0"/>
+                <a:cs typeface="Courier New" panose="02070309020205020404" pitchFamily="49" charset="0"/>
+              </a:rPr>
+              <a:t>report_row</a:t>
+            </a:r>
+            <a:r>
+              <a:rPr lang="en-US" sz="1100" dirty="0">
+                <a:latin typeface="Courier New" panose="02070309020205020404" pitchFamily="49" charset="0"/>
+                <a:cs typeface="Courier New" panose="02070309020205020404" pitchFamily="49" charset="0"/>
+              </a:rPr>
+              <a:t>;</a:t>
             </a:r>
           </a:p>
           <a:p>
@@ -11500,19 +11625,56 @@
               </a:rPr>
               <a:t>    </a:t>
             </a:r>
+          </a:p>
+          <a:p>
+            <a:r>
+              <a:rPr lang="en-US" sz="1100" dirty="0">
+                <a:latin typeface="Courier New" panose="02070309020205020404" pitchFamily="49" charset="0"/>
+                <a:cs typeface="Courier New" panose="02070309020205020404" pitchFamily="49" charset="0"/>
+              </a:rPr>
+              <a:t>    FUNCTION </a:t>
+            </a:r>
             <a:r>
               <a:rPr lang="en-US" sz="1100" dirty="0" err="1">
                 <a:latin typeface="Courier New" panose="02070309020205020404" pitchFamily="49" charset="0"/>
                 <a:cs typeface="Courier New" panose="02070309020205020404" pitchFamily="49" charset="0"/>
               </a:rPr>
-              <a:t>count_all_id</a:t>
-            </a:r>
-            <a:r>
-              <a:rPr lang="en-US" sz="1100" dirty="0">
-                <a:latin typeface="Courier New" panose="02070309020205020404" pitchFamily="49" charset="0"/>
-                <a:cs typeface="Courier New" panose="02070309020205020404" pitchFamily="49" charset="0"/>
-              </a:rPr>
-              <a:t>        NUMBER;</a:t>
+              <a:t>fn_get_report</a:t>
+            </a:r>
+            <a:r>
+              <a:rPr lang="en-US" sz="1100" dirty="0">
+                <a:latin typeface="Courier New" panose="02070309020205020404" pitchFamily="49" charset="0"/>
+                <a:cs typeface="Courier New" panose="02070309020205020404" pitchFamily="49" charset="0"/>
+              </a:rPr>
+              <a:t> (</a:t>
+            </a:r>
+            <a:r>
+              <a:rPr lang="en-US" sz="1100" dirty="0" err="1">
+                <a:latin typeface="Courier New" panose="02070309020205020404" pitchFamily="49" charset="0"/>
+                <a:cs typeface="Courier New" panose="02070309020205020404" pitchFamily="49" charset="0"/>
+              </a:rPr>
+              <a:t>report_dt</a:t>
+            </a:r>
+            <a:r>
+              <a:rPr lang="en-US" sz="1100" dirty="0">
+                <a:latin typeface="Courier New" panose="02070309020205020404" pitchFamily="49" charset="0"/>
+                <a:cs typeface="Courier New" panose="02070309020205020404" pitchFamily="49" charset="0"/>
+              </a:rPr>
+              <a:t> DATE) RETURN </a:t>
+            </a:r>
+            <a:r>
+              <a:rPr lang="en-US" sz="1100" dirty="0" err="1">
+                <a:latin typeface="Courier New" panose="02070309020205020404" pitchFamily="49" charset="0"/>
+                <a:cs typeface="Courier New" panose="02070309020205020404" pitchFamily="49" charset="0"/>
+              </a:rPr>
+              <a:t>table_report</a:t>
+            </a:r>
+            <a:r>
+              <a:rPr lang="en-US" sz="1100" dirty="0">
+                <a:latin typeface="Courier New" panose="02070309020205020404" pitchFamily="49" charset="0"/>
+                <a:cs typeface="Courier New" panose="02070309020205020404" pitchFamily="49" charset="0"/>
+              </a:rPr>
+              <a:t>;</a:t>
             </a:r>
           </a:p>
           <a:p>
@@ -11523,19 +11685,42 @@
               </a:rPr>
               <a:t>    </a:t>
             </a:r>
+          </a:p>
+          <a:p>
+            <a:r>
+              <a:rPr lang="en-US" sz="1100" dirty="0">
+                <a:latin typeface="Courier New" panose="02070309020205020404" pitchFamily="49" charset="0"/>
+                <a:cs typeface="Courier New" panose="02070309020205020404" pitchFamily="49" charset="0"/>
+              </a:rPr>
+              <a:t>    PROCEDURE </a:t>
+            </a:r>
             <a:r>
               <a:rPr lang="en-US" sz="1100" dirty="0" err="1">
                 <a:latin typeface="Courier New" panose="02070309020205020404" pitchFamily="49" charset="0"/>
                 <a:cs typeface="Courier New" panose="02070309020205020404" pitchFamily="49" charset="0"/>
               </a:rPr>
-              <a:t>count_distinct_id</a:t>
-            </a:r>
-            <a:r>
-              <a:rPr lang="en-US" sz="1100" dirty="0">
-                <a:latin typeface="Courier New" panose="02070309020205020404" pitchFamily="49" charset="0"/>
-                <a:cs typeface="Courier New" panose="02070309020205020404" pitchFamily="49" charset="0"/>
-              </a:rPr>
-              <a:t>   NUMBER;</a:t>
+              <a:t>pr_make_report</a:t>
+            </a:r>
+            <a:r>
+              <a:rPr lang="en-US" sz="1100" dirty="0">
+                <a:latin typeface="Courier New" panose="02070309020205020404" pitchFamily="49" charset="0"/>
+                <a:cs typeface="Courier New" panose="02070309020205020404" pitchFamily="49" charset="0"/>
+              </a:rPr>
+              <a:t> (</a:t>
+            </a:r>
+            <a:r>
+              <a:rPr lang="en-US" sz="1100" dirty="0" err="1">
+                <a:latin typeface="Courier New" panose="02070309020205020404" pitchFamily="49" charset="0"/>
+                <a:cs typeface="Courier New" panose="02070309020205020404" pitchFamily="49" charset="0"/>
+              </a:rPr>
+              <a:t>report_dt</a:t>
+            </a:r>
+            <a:r>
+              <a:rPr lang="en-US" sz="1100" dirty="0">
+                <a:latin typeface="Courier New" panose="02070309020205020404" pitchFamily="49" charset="0"/>
+                <a:cs typeface="Courier New" panose="02070309020205020404" pitchFamily="49" charset="0"/>
+              </a:rPr>
+              <a:t> IN DATE);</a:t>
             </a:r>
           </a:p>
           <a:p>
@@ -11546,125 +11731,21 @@
               </a:rPr>
               <a:t>    </a:t>
             </a:r>
+          </a:p>
+          <a:p>
+            <a:r>
+              <a:rPr lang="en-US" sz="1100" dirty="0">
+                <a:latin typeface="Courier New" panose="02070309020205020404" pitchFamily="49" charset="0"/>
+                <a:cs typeface="Courier New" panose="02070309020205020404" pitchFamily="49" charset="0"/>
+              </a:rPr>
+              <a:t>END </a:t>
+            </a:r>
             <a:r>
               <a:rPr lang="en-US" sz="1100" dirty="0" err="1">
                 <a:latin typeface="Courier New" panose="02070309020205020404" pitchFamily="49" charset="0"/>
                 <a:cs typeface="Courier New" panose="02070309020205020404" pitchFamily="49" charset="0"/>
               </a:rPr>
-              <a:t>start_id</a:t>
-            </a:r>
-            <a:r>
-              <a:rPr lang="en-US" sz="1100" dirty="0">
-                <a:latin typeface="Courier New" panose="02070309020205020404" pitchFamily="49" charset="0"/>
-                <a:cs typeface="Courier New" panose="02070309020205020404" pitchFamily="49" charset="0"/>
-              </a:rPr>
-              <a:t>            NUMBER;</a:t>
-            </a:r>
-          </a:p>
-          <a:p>
-            <a:r>
-              <a:rPr lang="en-US" sz="1100" dirty="0">
-                <a:latin typeface="Courier New" panose="02070309020205020404" pitchFamily="49" charset="0"/>
-                <a:cs typeface="Courier New" panose="02070309020205020404" pitchFamily="49" charset="0"/>
-              </a:rPr>
-              <a:t>    </a:t>
-            </a:r>
-            <a:r>
-              <a:rPr lang="en-US" sz="1100" dirty="0" err="1">
-                <a:latin typeface="Courier New" panose="02070309020205020404" pitchFamily="49" charset="0"/>
-                <a:cs typeface="Courier New" panose="02070309020205020404" pitchFamily="49" charset="0"/>
-              </a:rPr>
-              <a:t>sequence_exist</a:t>
-            </a:r>
-            <a:r>
-              <a:rPr lang="en-US" sz="1100" dirty="0">
-                <a:latin typeface="Courier New" panose="02070309020205020404" pitchFamily="49" charset="0"/>
-                <a:cs typeface="Courier New" panose="02070309020205020404" pitchFamily="49" charset="0"/>
-              </a:rPr>
-              <a:t>      NUMBER := 0;</a:t>
-            </a:r>
-          </a:p>
-          <a:p>
-            <a:r>
-              <a:rPr lang="en-US" sz="1100" dirty="0">
-                <a:latin typeface="Courier New" panose="02070309020205020404" pitchFamily="49" charset="0"/>
-                <a:cs typeface="Courier New" panose="02070309020205020404" pitchFamily="49" charset="0"/>
-              </a:rPr>
-              <a:t>BEGIN</a:t>
-            </a:r>
-          </a:p>
-          <a:p>
-            <a:endParaRPr lang="en-US" sz="1100" dirty="0">
-              <a:latin typeface="Courier New" panose="02070309020205020404" pitchFamily="49" charset="0"/>
-              <a:cs typeface="Courier New" panose="02070309020205020404" pitchFamily="49" charset="0"/>
-            </a:endParaRPr>
-          </a:p>
-          <a:p>
-            <a:r>
-              <a:rPr lang="en-US" sz="1100" dirty="0">
-                <a:latin typeface="Courier New" panose="02070309020205020404" pitchFamily="49" charset="0"/>
-                <a:cs typeface="Courier New" panose="02070309020205020404" pitchFamily="49" charset="0"/>
-              </a:rPr>
-              <a:t>    SELECT</a:t>
-            </a:r>
-          </a:p>
-          <a:p>
-            <a:r>
-              <a:rPr lang="en-US" sz="1100" dirty="0">
-                <a:latin typeface="Courier New" panose="02070309020205020404" pitchFamily="49" charset="0"/>
-                <a:cs typeface="Courier New" panose="02070309020205020404" pitchFamily="49" charset="0"/>
-              </a:rPr>
-              <a:t>        COUNT(id) INTO </a:t>
-            </a:r>
-            <a:r>
-              <a:rPr lang="en-US" sz="1100" dirty="0" err="1">
-                <a:latin typeface="Courier New" panose="02070309020205020404" pitchFamily="49" charset="0"/>
-                <a:cs typeface="Courier New" panose="02070309020205020404" pitchFamily="49" charset="0"/>
-              </a:rPr>
-              <a:t>count_all_id</a:t>
-            </a:r>
-            <a:endParaRPr lang="en-US" sz="1100" dirty="0">
-              <a:latin typeface="Courier New" panose="02070309020205020404" pitchFamily="49" charset="0"/>
-              <a:cs typeface="Courier New" panose="02070309020205020404" pitchFamily="49" charset="0"/>
-            </a:endParaRPr>
-          </a:p>
-          <a:p>
-            <a:r>
-              <a:rPr lang="en-US" sz="1100" dirty="0">
-                <a:latin typeface="Courier New" panose="02070309020205020404" pitchFamily="49" charset="0"/>
-                <a:cs typeface="Courier New" panose="02070309020205020404" pitchFamily="49" charset="0"/>
-              </a:rPr>
-              <a:t>        FROM </a:t>
-            </a:r>
-          </a:p>
-          <a:p>
-            <a:r>
-              <a:rPr lang="en-US" sz="1100" dirty="0">
-                <a:latin typeface="Courier New" panose="02070309020205020404" pitchFamily="49" charset="0"/>
-                <a:cs typeface="Courier New" panose="02070309020205020404" pitchFamily="49" charset="0"/>
-              </a:rPr>
-              <a:t>            c##</a:t>
-            </a:r>
-            <a:r>
-              <a:rPr lang="en-US" sz="1100" dirty="0" err="1">
-                <a:latin typeface="Courier New" panose="02070309020205020404" pitchFamily="49" charset="0"/>
-                <a:cs typeface="Courier New" panose="02070309020205020404" pitchFamily="49" charset="0"/>
-              </a:rPr>
-              <a:t>course.v_all_id</a:t>
-            </a:r>
-            <a:r>
-              <a:rPr lang="en-US" sz="1100" dirty="0">
-                <a:latin typeface="Courier New" panose="02070309020205020404" pitchFamily="49" charset="0"/>
-                <a:cs typeface="Courier New" panose="02070309020205020404" pitchFamily="49" charset="0"/>
-              </a:rPr>
-              <a:t> </a:t>
-            </a:r>
-            <a:r>
-              <a:rPr lang="en-US" sz="1100" dirty="0" err="1">
-                <a:latin typeface="Courier New" panose="02070309020205020404" pitchFamily="49" charset="0"/>
-                <a:cs typeface="Courier New" panose="02070309020205020404" pitchFamily="49" charset="0"/>
-              </a:rPr>
-              <a:t>v_all_id</a:t>
+              <a:t>pk_credit_report</a:t>
             </a:r>
             <a:r>
               <a:rPr lang="en-US" sz="1100" dirty="0">
@@ -11672,213 +11753,6 @@
                 <a:cs typeface="Courier New" panose="02070309020205020404" pitchFamily="49" charset="0"/>
               </a:rPr>
               <a:t>;</a:t>
-            </a:r>
-          </a:p>
-          <a:p>
-            <a:r>
-              <a:rPr lang="en-US" sz="1100" dirty="0">
-                <a:latin typeface="Courier New" panose="02070309020205020404" pitchFamily="49" charset="0"/>
-                <a:cs typeface="Courier New" panose="02070309020205020404" pitchFamily="49" charset="0"/>
-              </a:rPr>
-              <a:t>    </a:t>
-            </a:r>
-          </a:p>
-          <a:p>
-            <a:r>
-              <a:rPr lang="en-US" sz="1100" dirty="0">
-                <a:latin typeface="Courier New" panose="02070309020205020404" pitchFamily="49" charset="0"/>
-                <a:cs typeface="Courier New" panose="02070309020205020404" pitchFamily="49" charset="0"/>
-              </a:rPr>
-              <a:t>    SELECT</a:t>
-            </a:r>
-          </a:p>
-          <a:p>
-            <a:r>
-              <a:rPr lang="en-US" sz="1100" dirty="0">
-                <a:latin typeface="Courier New" panose="02070309020205020404" pitchFamily="49" charset="0"/>
-                <a:cs typeface="Courier New" panose="02070309020205020404" pitchFamily="49" charset="0"/>
-              </a:rPr>
-              <a:t>        COUNT(DISTINCT id) INTO </a:t>
-            </a:r>
-            <a:r>
-              <a:rPr lang="en-US" sz="1100" dirty="0" err="1">
-                <a:latin typeface="Courier New" panose="02070309020205020404" pitchFamily="49" charset="0"/>
-                <a:cs typeface="Courier New" panose="02070309020205020404" pitchFamily="49" charset="0"/>
-              </a:rPr>
-              <a:t>count_distinct_id</a:t>
-            </a:r>
-            <a:endParaRPr lang="en-US" sz="1100" dirty="0">
-              <a:latin typeface="Courier New" panose="02070309020205020404" pitchFamily="49" charset="0"/>
-              <a:cs typeface="Courier New" panose="02070309020205020404" pitchFamily="49" charset="0"/>
-            </a:endParaRPr>
-          </a:p>
-          <a:p>
-            <a:r>
-              <a:rPr lang="en-US" sz="1100" dirty="0">
-                <a:latin typeface="Courier New" panose="02070309020205020404" pitchFamily="49" charset="0"/>
-                <a:cs typeface="Courier New" panose="02070309020205020404" pitchFamily="49" charset="0"/>
-              </a:rPr>
-              <a:t>        FROM</a:t>
-            </a:r>
-          </a:p>
-          <a:p>
-            <a:r>
-              <a:rPr lang="en-US" sz="1100" dirty="0">
-                <a:latin typeface="Courier New" panose="02070309020205020404" pitchFamily="49" charset="0"/>
-                <a:cs typeface="Courier New" panose="02070309020205020404" pitchFamily="49" charset="0"/>
-              </a:rPr>
-              <a:t>            c##</a:t>
-            </a:r>
-            <a:r>
-              <a:rPr lang="en-US" sz="1100" dirty="0" err="1">
-                <a:latin typeface="Courier New" panose="02070309020205020404" pitchFamily="49" charset="0"/>
-                <a:cs typeface="Courier New" panose="02070309020205020404" pitchFamily="49" charset="0"/>
-              </a:rPr>
-              <a:t>course.v_all_id</a:t>
-            </a:r>
-            <a:r>
-              <a:rPr lang="en-US" sz="1100" dirty="0">
-                <a:latin typeface="Courier New" panose="02070309020205020404" pitchFamily="49" charset="0"/>
-                <a:cs typeface="Courier New" panose="02070309020205020404" pitchFamily="49" charset="0"/>
-              </a:rPr>
-              <a:t> </a:t>
-            </a:r>
-            <a:r>
-              <a:rPr lang="en-US" sz="1100" dirty="0" err="1">
-                <a:latin typeface="Courier New" panose="02070309020205020404" pitchFamily="49" charset="0"/>
-                <a:cs typeface="Courier New" panose="02070309020205020404" pitchFamily="49" charset="0"/>
-              </a:rPr>
-              <a:t>v_all_id</a:t>
-            </a:r>
-            <a:r>
-              <a:rPr lang="en-US" sz="1100" dirty="0">
-                <a:latin typeface="Courier New" panose="02070309020205020404" pitchFamily="49" charset="0"/>
-                <a:cs typeface="Courier New" panose="02070309020205020404" pitchFamily="49" charset="0"/>
-              </a:rPr>
-              <a:t>;</a:t>
-            </a:r>
-          </a:p>
-          <a:p>
-            <a:r>
-              <a:rPr lang="en-US" sz="1100" dirty="0">
-                <a:latin typeface="Courier New" panose="02070309020205020404" pitchFamily="49" charset="0"/>
-                <a:cs typeface="Courier New" panose="02070309020205020404" pitchFamily="49" charset="0"/>
-              </a:rPr>
-              <a:t>        </a:t>
-            </a:r>
-          </a:p>
-          <a:p>
-            <a:r>
-              <a:rPr lang="en-US" sz="1100" dirty="0">
-                <a:latin typeface="Courier New" panose="02070309020205020404" pitchFamily="49" charset="0"/>
-                <a:cs typeface="Courier New" panose="02070309020205020404" pitchFamily="49" charset="0"/>
-              </a:rPr>
-              <a:t>    IF (</a:t>
-            </a:r>
-            <a:r>
-              <a:rPr lang="en-US" sz="1100" dirty="0" err="1">
-                <a:latin typeface="Courier New" panose="02070309020205020404" pitchFamily="49" charset="0"/>
-                <a:cs typeface="Courier New" panose="02070309020205020404" pitchFamily="49" charset="0"/>
-              </a:rPr>
-              <a:t>count_distinct_id</a:t>
-            </a:r>
-            <a:r>
-              <a:rPr lang="en-US" sz="1100" dirty="0">
-                <a:latin typeface="Courier New" panose="02070309020205020404" pitchFamily="49" charset="0"/>
-                <a:cs typeface="Courier New" panose="02070309020205020404" pitchFamily="49" charset="0"/>
-              </a:rPr>
-              <a:t> = </a:t>
-            </a:r>
-            <a:r>
-              <a:rPr lang="en-US" sz="1100" dirty="0" err="1">
-                <a:latin typeface="Courier New" panose="02070309020205020404" pitchFamily="49" charset="0"/>
-                <a:cs typeface="Courier New" panose="02070309020205020404" pitchFamily="49" charset="0"/>
-              </a:rPr>
-              <a:t>count_all_id</a:t>
-            </a:r>
-            <a:r>
-              <a:rPr lang="en-US" sz="1100" dirty="0">
-                <a:latin typeface="Courier New" panose="02070309020205020404" pitchFamily="49" charset="0"/>
-                <a:cs typeface="Courier New" panose="02070309020205020404" pitchFamily="49" charset="0"/>
-              </a:rPr>
-              <a:t>) THEN</a:t>
-            </a:r>
-          </a:p>
-          <a:p>
-            <a:r>
-              <a:rPr lang="en-US" sz="1100" dirty="0">
-                <a:latin typeface="Courier New" panose="02070309020205020404" pitchFamily="49" charset="0"/>
-                <a:cs typeface="Courier New" panose="02070309020205020404" pitchFamily="49" charset="0"/>
-              </a:rPr>
-              <a:t>    </a:t>
-            </a:r>
-          </a:p>
-          <a:p>
-            <a:r>
-              <a:rPr lang="en-US" sz="1100" dirty="0">
-                <a:latin typeface="Courier New" panose="02070309020205020404" pitchFamily="49" charset="0"/>
-                <a:cs typeface="Courier New" panose="02070309020205020404" pitchFamily="49" charset="0"/>
-              </a:rPr>
-              <a:t>            SELECT</a:t>
-            </a:r>
-          </a:p>
-          <a:p>
-            <a:r>
-              <a:rPr lang="en-US" sz="1100" dirty="0">
-                <a:latin typeface="Courier New" panose="02070309020205020404" pitchFamily="49" charset="0"/>
-                <a:cs typeface="Courier New" panose="02070309020205020404" pitchFamily="49" charset="0"/>
-              </a:rPr>
-              <a:t>                MAX(id) + 1 INTO </a:t>
-            </a:r>
-            <a:r>
-              <a:rPr lang="en-US" sz="1100" dirty="0" err="1">
-                <a:latin typeface="Courier New" panose="02070309020205020404" pitchFamily="49" charset="0"/>
-                <a:cs typeface="Courier New" panose="02070309020205020404" pitchFamily="49" charset="0"/>
-              </a:rPr>
-              <a:t>start_id</a:t>
-            </a:r>
-            <a:endParaRPr lang="en-US" sz="1100" dirty="0">
-              <a:latin typeface="Courier New" panose="02070309020205020404" pitchFamily="49" charset="0"/>
-              <a:cs typeface="Courier New" panose="02070309020205020404" pitchFamily="49" charset="0"/>
-            </a:endParaRPr>
-          </a:p>
-          <a:p>
-            <a:r>
-              <a:rPr lang="en-US" sz="1100" dirty="0">
-                <a:latin typeface="Courier New" panose="02070309020205020404" pitchFamily="49" charset="0"/>
-                <a:cs typeface="Courier New" panose="02070309020205020404" pitchFamily="49" charset="0"/>
-              </a:rPr>
-              <a:t>                FROM c##</a:t>
-            </a:r>
-            <a:r>
-              <a:rPr lang="en-US" sz="1100" dirty="0" err="1">
-                <a:latin typeface="Courier New" panose="02070309020205020404" pitchFamily="49" charset="0"/>
-                <a:cs typeface="Courier New" panose="02070309020205020404" pitchFamily="49" charset="0"/>
-              </a:rPr>
-              <a:t>course.v_all_id</a:t>
-            </a:r>
-            <a:r>
-              <a:rPr lang="en-US" sz="1100" dirty="0">
-                <a:latin typeface="Courier New" panose="02070309020205020404" pitchFamily="49" charset="0"/>
-                <a:cs typeface="Courier New" panose="02070309020205020404" pitchFamily="49" charset="0"/>
-              </a:rPr>
-              <a:t>;</a:t>
-            </a:r>
-          </a:p>
-          <a:p>
-            <a:r>
-              <a:rPr lang="ru-RU" sz="1100" dirty="0" smtClean="0">
-                <a:latin typeface="Courier New" panose="02070309020205020404" pitchFamily="49" charset="0"/>
-                <a:cs typeface="Courier New" panose="02070309020205020404" pitchFamily="49" charset="0"/>
-              </a:rPr>
-              <a:t>...</a:t>
-            </a:r>
-            <a:r>
-              <a:rPr lang="en-US" sz="1100" dirty="0" smtClean="0">
-                <a:latin typeface="Courier New" panose="02070309020205020404" pitchFamily="49" charset="0"/>
-                <a:cs typeface="Courier New" panose="02070309020205020404" pitchFamily="49" charset="0"/>
-              </a:rPr>
-              <a:t>                </a:t>
             </a:r>
             <a:endParaRPr lang="en-US" sz="1100" dirty="0">
               <a:latin typeface="Courier New" panose="02070309020205020404" pitchFamily="49" charset="0"/>
@@ -11896,13 +11770,13 @@
         <p:spPr>
           <a:xfrm>
             <a:off x="5879976" y="728112"/>
-            <a:ext cx="6120680" cy="4154984"/>
+            <a:ext cx="6120680" cy="4493538"/>
           </a:xfrm>
           <a:prstGeom prst="rect">
             <a:avLst/>
           </a:prstGeom>
           <a:solidFill>
-            <a:schemeClr val="accent3">
+            <a:schemeClr val="accent2">
               <a:lumMod val="20000"/>
               <a:lumOff val="80000"/>
             </a:schemeClr>
@@ -11924,15 +11798,70 @@
                 <a:latin typeface="Courier New" panose="02070309020205020404" pitchFamily="49" charset="0"/>
                 <a:cs typeface="Courier New" panose="02070309020205020404" pitchFamily="49" charset="0"/>
               </a:rPr>
-              <a:t>CREATE OR REPLACE VIEW c##</a:t>
+              <a:t>DECLARE</a:t>
+            </a:r>
+          </a:p>
+          <a:p>
+            <a:r>
+              <a:rPr lang="en-US" sz="1100" dirty="0">
+                <a:latin typeface="Courier New" panose="02070309020205020404" pitchFamily="49" charset="0"/>
+                <a:cs typeface="Courier New" panose="02070309020205020404" pitchFamily="49" charset="0"/>
+              </a:rPr>
+              <a:t>    </a:t>
             </a:r>
             <a:r>
               <a:rPr lang="en-US" sz="1100" dirty="0" err="1">
                 <a:latin typeface="Courier New" panose="02070309020205020404" pitchFamily="49" charset="0"/>
                 <a:cs typeface="Courier New" panose="02070309020205020404" pitchFamily="49" charset="0"/>
               </a:rPr>
-              <a:t>course.v_all_id</a:t>
-            </a:r>
+              <a:t>report_out</a:t>
+            </a:r>
+            <a:r>
+              <a:rPr lang="en-US" sz="1100" dirty="0">
+                <a:latin typeface="Courier New" panose="02070309020205020404" pitchFamily="49" charset="0"/>
+                <a:cs typeface="Courier New" panose="02070309020205020404" pitchFamily="49" charset="0"/>
+              </a:rPr>
+              <a:t> c##</a:t>
+            </a:r>
+            <a:r>
+              <a:rPr lang="en-US" sz="1100" dirty="0" err="1">
+                <a:latin typeface="Courier New" panose="02070309020205020404" pitchFamily="49" charset="0"/>
+                <a:cs typeface="Courier New" panose="02070309020205020404" pitchFamily="49" charset="0"/>
+              </a:rPr>
+              <a:t>course.pk_credit_report.table_report</a:t>
+            </a:r>
+            <a:r>
+              <a:rPr lang="en-US" sz="1100" dirty="0">
+                <a:latin typeface="Courier New" panose="02070309020205020404" pitchFamily="49" charset="0"/>
+                <a:cs typeface="Courier New" panose="02070309020205020404" pitchFamily="49" charset="0"/>
+              </a:rPr>
+              <a:t> :=c##</a:t>
+            </a:r>
+            <a:r>
+              <a:rPr lang="en-US" sz="1100" dirty="0" err="1">
+                <a:latin typeface="Courier New" panose="02070309020205020404" pitchFamily="49" charset="0"/>
+                <a:cs typeface="Courier New" panose="02070309020205020404" pitchFamily="49" charset="0"/>
+              </a:rPr>
+              <a:t>course.pk_credit_report.table_report</a:t>
+            </a:r>
+            <a:r>
+              <a:rPr lang="en-US" sz="1100" dirty="0">
+                <a:latin typeface="Courier New" panose="02070309020205020404" pitchFamily="49" charset="0"/>
+                <a:cs typeface="Courier New" panose="02070309020205020404" pitchFamily="49" charset="0"/>
+              </a:rPr>
+              <a:t>();</a:t>
+            </a:r>
+          </a:p>
+          <a:p>
+            <a:r>
+              <a:rPr lang="en-US" sz="1100" dirty="0">
+                <a:latin typeface="Courier New" panose="02070309020205020404" pitchFamily="49" charset="0"/>
+                <a:cs typeface="Courier New" panose="02070309020205020404" pitchFamily="49" charset="0"/>
+              </a:rPr>
+              <a:t>BEGIN</a:t>
+            </a:r>
+          </a:p>
+          <a:p>
             <a:endParaRPr lang="en-US" sz="1100" dirty="0">
               <a:latin typeface="Courier New" panose="02070309020205020404" pitchFamily="49" charset="0"/>
               <a:cs typeface="Courier New" panose="02070309020205020404" pitchFamily="49" charset="0"/>
@@ -11944,7 +11873,35 @@
                 <a:latin typeface="Courier New" panose="02070309020205020404" pitchFamily="49" charset="0"/>
                 <a:cs typeface="Courier New" panose="02070309020205020404" pitchFamily="49" charset="0"/>
               </a:rPr>
-              <a:t>AS</a:t>
+              <a:t>    </a:t>
+            </a:r>
+            <a:r>
+              <a:rPr lang="en-US" sz="1100" dirty="0" err="1">
+                <a:latin typeface="Courier New" panose="02070309020205020404" pitchFamily="49" charset="0"/>
+                <a:cs typeface="Courier New" panose="02070309020205020404" pitchFamily="49" charset="0"/>
+              </a:rPr>
+              <a:t>report_out</a:t>
+            </a:r>
+            <a:r>
+              <a:rPr lang="en-US" sz="1100" dirty="0">
+                <a:latin typeface="Courier New" panose="02070309020205020404" pitchFamily="49" charset="0"/>
+                <a:cs typeface="Courier New" panose="02070309020205020404" pitchFamily="49" charset="0"/>
+              </a:rPr>
+              <a:t> :=  c##</a:t>
+            </a:r>
+            <a:r>
+              <a:rPr lang="en-US" sz="1100" dirty="0" err="1">
+                <a:latin typeface="Courier New" panose="02070309020205020404" pitchFamily="49" charset="0"/>
+                <a:cs typeface="Courier New" panose="02070309020205020404" pitchFamily="49" charset="0"/>
+              </a:rPr>
+              <a:t>course.pk_credit_report.fn_get_report</a:t>
+            </a:r>
+            <a:r>
+              <a:rPr lang="en-US" sz="1100" dirty="0">
+                <a:latin typeface="Courier New" panose="02070309020205020404" pitchFamily="49" charset="0"/>
+                <a:cs typeface="Courier New" panose="02070309020205020404" pitchFamily="49" charset="0"/>
+              </a:rPr>
+              <a:t> (TO_DATE('10.10.2020','DD.MM.YYYY'));</a:t>
             </a:r>
           </a:p>
           <a:p>
@@ -11954,120 +11911,6 @@
             </a:endParaRPr>
           </a:p>
           <a:p>
-            <a:r>
-              <a:rPr lang="en-US" sz="1100" dirty="0">
-                <a:latin typeface="Courier New" panose="02070309020205020404" pitchFamily="49" charset="0"/>
-                <a:cs typeface="Courier New" panose="02070309020205020404" pitchFamily="49" charset="0"/>
-              </a:rPr>
-              <a:t>        SELECT</a:t>
-            </a:r>
-          </a:p>
-          <a:p>
-            <a:r>
-              <a:rPr lang="en-US" sz="1100" dirty="0">
-                <a:latin typeface="Courier New" panose="02070309020205020404" pitchFamily="49" charset="0"/>
-                <a:cs typeface="Courier New" panose="02070309020205020404" pitchFamily="49" charset="0"/>
-              </a:rPr>
-              <a:t>            id</a:t>
-            </a:r>
-          </a:p>
-          <a:p>
-            <a:r>
-              <a:rPr lang="en-US" sz="1100" dirty="0">
-                <a:latin typeface="Courier New" panose="02070309020205020404" pitchFamily="49" charset="0"/>
-                <a:cs typeface="Courier New" panose="02070309020205020404" pitchFamily="49" charset="0"/>
-              </a:rPr>
-              <a:t>            FROM c##</a:t>
-            </a:r>
-            <a:r>
-              <a:rPr lang="en-US" sz="1100" dirty="0" err="1">
-                <a:latin typeface="Courier New" panose="02070309020205020404" pitchFamily="49" charset="0"/>
-                <a:cs typeface="Courier New" panose="02070309020205020404" pitchFamily="49" charset="0"/>
-              </a:rPr>
-              <a:t>course.client</a:t>
-            </a:r>
-            <a:r>
-              <a:rPr lang="en-US" sz="1100" dirty="0">
-                <a:latin typeface="Courier New" panose="02070309020205020404" pitchFamily="49" charset="0"/>
-                <a:cs typeface="Courier New" panose="02070309020205020404" pitchFamily="49" charset="0"/>
-              </a:rPr>
-              <a:t> client</a:t>
-            </a:r>
-          </a:p>
-          <a:p>
-            <a:r>
-              <a:rPr lang="en-US" sz="1100" dirty="0">
-                <a:latin typeface="Courier New" panose="02070309020205020404" pitchFamily="49" charset="0"/>
-                <a:cs typeface="Courier New" panose="02070309020205020404" pitchFamily="49" charset="0"/>
-              </a:rPr>
-              <a:t>        </a:t>
-            </a:r>
-          </a:p>
-          <a:p>
-            <a:r>
-              <a:rPr lang="en-US" sz="1100" dirty="0">
-                <a:latin typeface="Courier New" panose="02070309020205020404" pitchFamily="49" charset="0"/>
-                <a:cs typeface="Courier New" panose="02070309020205020404" pitchFamily="49" charset="0"/>
-              </a:rPr>
-              <a:t>        UNION ALL</a:t>
-            </a:r>
-          </a:p>
-          <a:p>
-            <a:r>
-              <a:rPr lang="en-US" sz="1100" dirty="0">
-                <a:latin typeface="Courier New" panose="02070309020205020404" pitchFamily="49" charset="0"/>
-                <a:cs typeface="Courier New" panose="02070309020205020404" pitchFamily="49" charset="0"/>
-              </a:rPr>
-              <a:t>        </a:t>
-            </a:r>
-          </a:p>
-          <a:p>
-            <a:r>
-              <a:rPr lang="en-US" sz="1100" dirty="0">
-                <a:latin typeface="Courier New" panose="02070309020205020404" pitchFamily="49" charset="0"/>
-                <a:cs typeface="Courier New" panose="02070309020205020404" pitchFamily="49" charset="0"/>
-              </a:rPr>
-              <a:t>        SELECT</a:t>
-            </a:r>
-          </a:p>
-          <a:p>
-            <a:r>
-              <a:rPr lang="en-US" sz="1100" dirty="0">
-                <a:latin typeface="Courier New" panose="02070309020205020404" pitchFamily="49" charset="0"/>
-                <a:cs typeface="Courier New" panose="02070309020205020404" pitchFamily="49" charset="0"/>
-              </a:rPr>
-              <a:t>            id</a:t>
-            </a:r>
-          </a:p>
-          <a:p>
-            <a:r>
-              <a:rPr lang="en-US" sz="1100" dirty="0">
-                <a:latin typeface="Courier New" panose="02070309020205020404" pitchFamily="49" charset="0"/>
-                <a:cs typeface="Courier New" panose="02070309020205020404" pitchFamily="49" charset="0"/>
-              </a:rPr>
-              <a:t>            FROM c##</a:t>
-            </a:r>
-            <a:r>
-              <a:rPr lang="en-US" sz="1100" dirty="0" err="1">
-                <a:latin typeface="Courier New" panose="02070309020205020404" pitchFamily="49" charset="0"/>
-                <a:cs typeface="Courier New" panose="02070309020205020404" pitchFamily="49" charset="0"/>
-              </a:rPr>
-              <a:t>course.pr_credit</a:t>
-            </a:r>
-            <a:r>
-              <a:rPr lang="en-US" sz="1100" dirty="0">
-                <a:latin typeface="Courier New" panose="02070309020205020404" pitchFamily="49" charset="0"/>
-                <a:cs typeface="Courier New" panose="02070309020205020404" pitchFamily="49" charset="0"/>
-              </a:rPr>
-              <a:t> </a:t>
-            </a:r>
-            <a:r>
-              <a:rPr lang="en-US" sz="1100" dirty="0" err="1">
-                <a:latin typeface="Courier New" panose="02070309020205020404" pitchFamily="49" charset="0"/>
-                <a:cs typeface="Courier New" panose="02070309020205020404" pitchFamily="49" charset="0"/>
-              </a:rPr>
-              <a:t>pr_credit</a:t>
-            </a:r>
             <a:endParaRPr lang="en-US" sz="1100" dirty="0">
               <a:latin typeface="Courier New" panose="02070309020205020404" pitchFamily="49" charset="0"/>
               <a:cs typeface="Courier New" panose="02070309020205020404" pitchFamily="49" charset="0"/>
@@ -12079,16 +11922,21 @@
                 <a:latin typeface="Courier New" panose="02070309020205020404" pitchFamily="49" charset="0"/>
                 <a:cs typeface="Courier New" panose="02070309020205020404" pitchFamily="49" charset="0"/>
               </a:rPr>
-              <a:t>            </a:t>
-            </a:r>
-          </a:p>
-          <a:p>
-            <a:r>
-              <a:rPr lang="en-US" sz="1100" dirty="0">
-                <a:latin typeface="Courier New" panose="02070309020205020404" pitchFamily="49" charset="0"/>
-                <a:cs typeface="Courier New" panose="02070309020205020404" pitchFamily="49" charset="0"/>
-              </a:rPr>
-              <a:t>        UNION ALL</a:t>
+              <a:t>    FOR </a:t>
+            </a:r>
+            <a:r>
+              <a:rPr lang="en-US" sz="1100" dirty="0" err="1">
+                <a:latin typeface="Courier New" panose="02070309020205020404" pitchFamily="49" charset="0"/>
+                <a:cs typeface="Courier New" panose="02070309020205020404" pitchFamily="49" charset="0"/>
+              </a:rPr>
+              <a:t>i</a:t>
+            </a:r>
+            <a:r>
+              <a:rPr lang="en-US" sz="1100" dirty="0">
+                <a:latin typeface="Courier New" panose="02070309020205020404" pitchFamily="49" charset="0"/>
+                <a:cs typeface="Courier New" panose="02070309020205020404" pitchFamily="49" charset="0"/>
+              </a:rPr>
+              <a:t> IN 1..report_out.COUNT LOOP</a:t>
             </a:r>
           </a:p>
           <a:p>
@@ -12106,82 +11954,275 @@
                 <a:latin typeface="Courier New" panose="02070309020205020404" pitchFamily="49" charset="0"/>
                 <a:cs typeface="Courier New" panose="02070309020205020404" pitchFamily="49" charset="0"/>
               </a:rPr>
-              <a:t>        SELECT</a:t>
-            </a:r>
-          </a:p>
-          <a:p>
-            <a:r>
-              <a:rPr lang="en-US" sz="1100" dirty="0">
-                <a:latin typeface="Courier New" panose="02070309020205020404" pitchFamily="49" charset="0"/>
-                <a:cs typeface="Courier New" panose="02070309020205020404" pitchFamily="49" charset="0"/>
-              </a:rPr>
-              <a:t>            </a:t>
+              <a:t>        DBMS_OUTPUT.PUT_LINE(</a:t>
+            </a:r>
+          </a:p>
+          <a:p>
+            <a:r>
+              <a:rPr lang="en-US" sz="1100" dirty="0">
+                <a:latin typeface="Courier New" panose="02070309020205020404" pitchFamily="49" charset="0"/>
+                <a:cs typeface="Courier New" panose="02070309020205020404" pitchFamily="49" charset="0"/>
+              </a:rPr>
+              <a:t>               RPAD(</a:t>
             </a:r>
             <a:r>
               <a:rPr lang="en-US" sz="1100" dirty="0" err="1">
                 <a:latin typeface="Courier New" panose="02070309020205020404" pitchFamily="49" charset="0"/>
                 <a:cs typeface="Courier New" panose="02070309020205020404" pitchFamily="49" charset="0"/>
               </a:rPr>
-              <a:t>collect_plan</a:t>
-            </a:r>
-            <a:r>
-              <a:rPr lang="en-US" sz="1100" dirty="0">
-                <a:latin typeface="Courier New" panose="02070309020205020404" pitchFamily="49" charset="0"/>
-                <a:cs typeface="Courier New" panose="02070309020205020404" pitchFamily="49" charset="0"/>
-              </a:rPr>
-              <a:t> AS id</a:t>
-            </a:r>
-          </a:p>
-          <a:p>
-            <a:r>
-              <a:rPr lang="en-US" sz="1100" dirty="0">
-                <a:latin typeface="Courier New" panose="02070309020205020404" pitchFamily="49" charset="0"/>
-                <a:cs typeface="Courier New" panose="02070309020205020404" pitchFamily="49" charset="0"/>
-              </a:rPr>
-              <a:t>            FROM c##</a:t>
+              <a:t>report_out</a:t>
+            </a:r>
+            <a:r>
+              <a:rPr lang="en-US" sz="1100" dirty="0">
+                <a:latin typeface="Courier New" panose="02070309020205020404" pitchFamily="49" charset="0"/>
+                <a:cs typeface="Courier New" panose="02070309020205020404" pitchFamily="49" charset="0"/>
+              </a:rPr>
+              <a:t>(</a:t>
             </a:r>
             <a:r>
               <a:rPr lang="en-US" sz="1100" dirty="0" err="1">
                 <a:latin typeface="Courier New" panose="02070309020205020404" pitchFamily="49" charset="0"/>
                 <a:cs typeface="Courier New" panose="02070309020205020404" pitchFamily="49" charset="0"/>
               </a:rPr>
-              <a:t>course.pr_credit</a:t>
-            </a:r>
-            <a:r>
-              <a:rPr lang="en-US" sz="1100" dirty="0">
-                <a:latin typeface="Courier New" panose="02070309020205020404" pitchFamily="49" charset="0"/>
-                <a:cs typeface="Courier New" panose="02070309020205020404" pitchFamily="49" charset="0"/>
-              </a:rPr>
-              <a:t> </a:t>
+              <a:t>i</a:t>
+            </a:r>
+            <a:r>
+              <a:rPr lang="en-US" sz="1100" dirty="0">
+                <a:latin typeface="Courier New" panose="02070309020205020404" pitchFamily="49" charset="0"/>
+                <a:cs typeface="Courier New" panose="02070309020205020404" pitchFamily="49" charset="0"/>
+              </a:rPr>
+              <a:t>).num_dog,10,' ')</a:t>
+            </a:r>
+          </a:p>
+          <a:p>
+            <a:r>
+              <a:rPr lang="en-US" sz="1100" dirty="0">
+                <a:latin typeface="Courier New" panose="02070309020205020404" pitchFamily="49" charset="0"/>
+                <a:cs typeface="Courier New" panose="02070309020205020404" pitchFamily="49" charset="0"/>
+              </a:rPr>
+              <a:t>            || RPAD(</a:t>
             </a:r>
             <a:r>
               <a:rPr lang="en-US" sz="1100" dirty="0" err="1">
                 <a:latin typeface="Courier New" panose="02070309020205020404" pitchFamily="49" charset="0"/>
                 <a:cs typeface="Courier New" panose="02070309020205020404" pitchFamily="49" charset="0"/>
               </a:rPr>
-              <a:t>pr_credit</a:t>
-            </a:r>
-            <a:endParaRPr lang="en-US" sz="1100" dirty="0">
-              <a:latin typeface="Courier New" panose="02070309020205020404" pitchFamily="49" charset="0"/>
-              <a:cs typeface="Courier New" panose="02070309020205020404" pitchFamily="49" charset="0"/>
-            </a:endParaRPr>
-          </a:p>
-          <a:p>
-            <a:r>
-              <a:rPr lang="en-US" sz="1100" dirty="0">
-                <a:latin typeface="Courier New" panose="02070309020205020404" pitchFamily="49" charset="0"/>
-                <a:cs typeface="Courier New" panose="02070309020205020404" pitchFamily="49" charset="0"/>
-              </a:rPr>
-              <a:t>            </a:t>
-            </a:r>
-          </a:p>
-          <a:p>
-            <a:r>
-              <a:rPr lang="en-US" sz="1100" dirty="0">
-                <a:latin typeface="Courier New" panose="02070309020205020404" pitchFamily="49" charset="0"/>
-                <a:cs typeface="Courier New" panose="02070309020205020404" pitchFamily="49" charset="0"/>
-              </a:rPr>
-              <a:t>        UNION ALL</a:t>
+              <a:t>report_out</a:t>
+            </a:r>
+            <a:r>
+              <a:rPr lang="en-US" sz="1100" dirty="0">
+                <a:latin typeface="Courier New" panose="02070309020205020404" pitchFamily="49" charset="0"/>
+                <a:cs typeface="Courier New" panose="02070309020205020404" pitchFamily="49" charset="0"/>
+              </a:rPr>
+              <a:t>(</a:t>
+            </a:r>
+            <a:r>
+              <a:rPr lang="en-US" sz="1100" dirty="0" err="1">
+                <a:latin typeface="Courier New" panose="02070309020205020404" pitchFamily="49" charset="0"/>
+                <a:cs typeface="Courier New" panose="02070309020205020404" pitchFamily="49" charset="0"/>
+              </a:rPr>
+              <a:t>i</a:t>
+            </a:r>
+            <a:r>
+              <a:rPr lang="en-US" sz="1100" dirty="0">
+                <a:latin typeface="Courier New" panose="02070309020205020404" pitchFamily="49" charset="0"/>
+                <a:cs typeface="Courier New" panose="02070309020205020404" pitchFamily="49" charset="0"/>
+              </a:rPr>
+              <a:t>).cl_name,40,' ')</a:t>
+            </a:r>
+          </a:p>
+          <a:p>
+            <a:r>
+              <a:rPr lang="en-US" sz="1100" dirty="0">
+                <a:latin typeface="Courier New" panose="02070309020205020404" pitchFamily="49" charset="0"/>
+                <a:cs typeface="Courier New" panose="02070309020205020404" pitchFamily="49" charset="0"/>
+              </a:rPr>
+              <a:t>            || RPAD(TO_CHAR(</a:t>
+            </a:r>
+            <a:r>
+              <a:rPr lang="en-US" sz="1100" dirty="0" err="1">
+                <a:latin typeface="Courier New" panose="02070309020205020404" pitchFamily="49" charset="0"/>
+                <a:cs typeface="Courier New" panose="02070309020205020404" pitchFamily="49" charset="0"/>
+              </a:rPr>
+              <a:t>report_out</a:t>
+            </a:r>
+            <a:r>
+              <a:rPr lang="en-US" sz="1100" dirty="0">
+                <a:latin typeface="Courier New" panose="02070309020205020404" pitchFamily="49" charset="0"/>
+                <a:cs typeface="Courier New" panose="02070309020205020404" pitchFamily="49" charset="0"/>
+              </a:rPr>
+              <a:t>(</a:t>
+            </a:r>
+            <a:r>
+              <a:rPr lang="en-US" sz="1100" dirty="0" err="1">
+                <a:latin typeface="Courier New" panose="02070309020205020404" pitchFamily="49" charset="0"/>
+                <a:cs typeface="Courier New" panose="02070309020205020404" pitchFamily="49" charset="0"/>
+              </a:rPr>
+              <a:t>i</a:t>
+            </a:r>
+            <a:r>
+              <a:rPr lang="en-US" sz="1100" dirty="0">
+                <a:latin typeface="Courier New" panose="02070309020205020404" pitchFamily="49" charset="0"/>
+                <a:cs typeface="Courier New" panose="02070309020205020404" pitchFamily="49" charset="0"/>
+              </a:rPr>
+              <a:t>).summa_dog,'9999990.99'),15,' ')</a:t>
+            </a:r>
+          </a:p>
+          <a:p>
+            <a:r>
+              <a:rPr lang="en-US" sz="1100" dirty="0">
+                <a:latin typeface="Courier New" panose="02070309020205020404" pitchFamily="49" charset="0"/>
+                <a:cs typeface="Courier New" panose="02070309020205020404" pitchFamily="49" charset="0"/>
+              </a:rPr>
+              <a:t>            || RPAD(</a:t>
+            </a:r>
+            <a:r>
+              <a:rPr lang="en-US" sz="1100" dirty="0" err="1">
+                <a:latin typeface="Courier New" panose="02070309020205020404" pitchFamily="49" charset="0"/>
+                <a:cs typeface="Courier New" panose="02070309020205020404" pitchFamily="49" charset="0"/>
+              </a:rPr>
+              <a:t>report_out</a:t>
+            </a:r>
+            <a:r>
+              <a:rPr lang="en-US" sz="1100" dirty="0">
+                <a:latin typeface="Courier New" panose="02070309020205020404" pitchFamily="49" charset="0"/>
+                <a:cs typeface="Courier New" panose="02070309020205020404" pitchFamily="49" charset="0"/>
+              </a:rPr>
+              <a:t>(</a:t>
+            </a:r>
+            <a:r>
+              <a:rPr lang="en-US" sz="1100" dirty="0" err="1">
+                <a:latin typeface="Courier New" panose="02070309020205020404" pitchFamily="49" charset="0"/>
+                <a:cs typeface="Courier New" panose="02070309020205020404" pitchFamily="49" charset="0"/>
+              </a:rPr>
+              <a:t>i</a:t>
+            </a:r>
+            <a:r>
+              <a:rPr lang="en-US" sz="1100" dirty="0">
+                <a:latin typeface="Courier New" panose="02070309020205020404" pitchFamily="49" charset="0"/>
+                <a:cs typeface="Courier New" panose="02070309020205020404" pitchFamily="49" charset="0"/>
+              </a:rPr>
+              <a:t>).date_begin,10,' ')</a:t>
+            </a:r>
+          </a:p>
+          <a:p>
+            <a:r>
+              <a:rPr lang="en-US" sz="1100" dirty="0">
+                <a:latin typeface="Courier New" panose="02070309020205020404" pitchFamily="49" charset="0"/>
+                <a:cs typeface="Courier New" panose="02070309020205020404" pitchFamily="49" charset="0"/>
+              </a:rPr>
+              <a:t>            || RPAD(</a:t>
+            </a:r>
+            <a:r>
+              <a:rPr lang="en-US" sz="1100" dirty="0" err="1">
+                <a:latin typeface="Courier New" panose="02070309020205020404" pitchFamily="49" charset="0"/>
+                <a:cs typeface="Courier New" panose="02070309020205020404" pitchFamily="49" charset="0"/>
+              </a:rPr>
+              <a:t>report_out</a:t>
+            </a:r>
+            <a:r>
+              <a:rPr lang="en-US" sz="1100" dirty="0">
+                <a:latin typeface="Courier New" panose="02070309020205020404" pitchFamily="49" charset="0"/>
+                <a:cs typeface="Courier New" panose="02070309020205020404" pitchFamily="49" charset="0"/>
+              </a:rPr>
+              <a:t>(</a:t>
+            </a:r>
+            <a:r>
+              <a:rPr lang="en-US" sz="1100" dirty="0" err="1">
+                <a:latin typeface="Courier New" panose="02070309020205020404" pitchFamily="49" charset="0"/>
+                <a:cs typeface="Courier New" panose="02070309020205020404" pitchFamily="49" charset="0"/>
+              </a:rPr>
+              <a:t>i</a:t>
+            </a:r>
+            <a:r>
+              <a:rPr lang="en-US" sz="1100" dirty="0">
+                <a:latin typeface="Courier New" panose="02070309020205020404" pitchFamily="49" charset="0"/>
+                <a:cs typeface="Courier New" panose="02070309020205020404" pitchFamily="49" charset="0"/>
+              </a:rPr>
+              <a:t>).date_end,10,' ')</a:t>
+            </a:r>
+          </a:p>
+          <a:p>
+            <a:r>
+              <a:rPr lang="en-US" sz="1100" dirty="0">
+                <a:latin typeface="Courier New" panose="02070309020205020404" pitchFamily="49" charset="0"/>
+                <a:cs typeface="Courier New" panose="02070309020205020404" pitchFamily="49" charset="0"/>
+              </a:rPr>
+              <a:t>            || RPAD(TO_CHAR(</a:t>
+            </a:r>
+            <a:r>
+              <a:rPr lang="en-US" sz="1100" dirty="0" err="1">
+                <a:latin typeface="Courier New" panose="02070309020205020404" pitchFamily="49" charset="0"/>
+                <a:cs typeface="Courier New" panose="02070309020205020404" pitchFamily="49" charset="0"/>
+              </a:rPr>
+              <a:t>report_out</a:t>
+            </a:r>
+            <a:r>
+              <a:rPr lang="en-US" sz="1100" dirty="0">
+                <a:latin typeface="Courier New" panose="02070309020205020404" pitchFamily="49" charset="0"/>
+                <a:cs typeface="Courier New" panose="02070309020205020404" pitchFamily="49" charset="0"/>
+              </a:rPr>
+              <a:t>(</a:t>
+            </a:r>
+            <a:r>
+              <a:rPr lang="en-US" sz="1100" dirty="0" err="1">
+                <a:latin typeface="Courier New" panose="02070309020205020404" pitchFamily="49" charset="0"/>
+                <a:cs typeface="Courier New" panose="02070309020205020404" pitchFamily="49" charset="0"/>
+              </a:rPr>
+              <a:t>i</a:t>
+            </a:r>
+            <a:r>
+              <a:rPr lang="en-US" sz="1100" dirty="0">
+                <a:latin typeface="Courier New" panose="02070309020205020404" pitchFamily="49" charset="0"/>
+                <a:cs typeface="Courier New" panose="02070309020205020404" pitchFamily="49" charset="0"/>
+              </a:rPr>
+              <a:t>).ostat_dolg,'9999990.00'),15,' ')</a:t>
+            </a:r>
+          </a:p>
+          <a:p>
+            <a:r>
+              <a:rPr lang="en-US" sz="1100" dirty="0">
+                <a:latin typeface="Courier New" panose="02070309020205020404" pitchFamily="49" charset="0"/>
+                <a:cs typeface="Courier New" panose="02070309020205020404" pitchFamily="49" charset="0"/>
+              </a:rPr>
+              <a:t>            || RPAD(TO_CHAR(</a:t>
+            </a:r>
+            <a:r>
+              <a:rPr lang="en-US" sz="1100" dirty="0" err="1">
+                <a:latin typeface="Courier New" panose="02070309020205020404" pitchFamily="49" charset="0"/>
+                <a:cs typeface="Courier New" panose="02070309020205020404" pitchFamily="49" charset="0"/>
+              </a:rPr>
+              <a:t>report_out</a:t>
+            </a:r>
+            <a:r>
+              <a:rPr lang="en-US" sz="1100" dirty="0">
+                <a:latin typeface="Courier New" panose="02070309020205020404" pitchFamily="49" charset="0"/>
+                <a:cs typeface="Courier New" panose="02070309020205020404" pitchFamily="49" charset="0"/>
+              </a:rPr>
+              <a:t>(</a:t>
+            </a:r>
+            <a:r>
+              <a:rPr lang="en-US" sz="1100" dirty="0" err="1">
+                <a:latin typeface="Courier New" panose="02070309020205020404" pitchFamily="49" charset="0"/>
+                <a:cs typeface="Courier New" panose="02070309020205020404" pitchFamily="49" charset="0"/>
+              </a:rPr>
+              <a:t>i</a:t>
+            </a:r>
+            <a:r>
+              <a:rPr lang="en-US" sz="1100" dirty="0">
+                <a:latin typeface="Courier New" panose="02070309020205020404" pitchFamily="49" charset="0"/>
+                <a:cs typeface="Courier New" panose="02070309020205020404" pitchFamily="49" charset="0"/>
+              </a:rPr>
+              <a:t>).need_pogash_percent,'9999990.99'),15,' ')</a:t>
+            </a:r>
+          </a:p>
+          <a:p>
+            <a:r>
+              <a:rPr lang="en-US" sz="1100" dirty="0">
+                <a:latin typeface="Courier New" panose="02070309020205020404" pitchFamily="49" charset="0"/>
+                <a:cs typeface="Courier New" panose="02070309020205020404" pitchFamily="49" charset="0"/>
+              </a:rPr>
+              <a:t>        );</a:t>
             </a:r>
           </a:p>
           <a:p>
@@ -12199,67 +12240,16 @@
                 <a:latin typeface="Courier New" panose="02070309020205020404" pitchFamily="49" charset="0"/>
                 <a:cs typeface="Courier New" panose="02070309020205020404" pitchFamily="49" charset="0"/>
               </a:rPr>
-              <a:t>        SELECT </a:t>
-            </a:r>
-          </a:p>
-          <a:p>
-            <a:r>
-              <a:rPr lang="en-US" sz="1100" dirty="0">
-                <a:latin typeface="Courier New" panose="02070309020205020404" pitchFamily="49" charset="0"/>
-                <a:cs typeface="Courier New" panose="02070309020205020404" pitchFamily="49" charset="0"/>
-              </a:rPr>
-              <a:t>            </a:t>
-            </a:r>
-            <a:r>
-              <a:rPr lang="en-US" sz="1100" dirty="0" err="1">
-                <a:latin typeface="Courier New" panose="02070309020205020404" pitchFamily="49" charset="0"/>
-                <a:cs typeface="Courier New" panose="02070309020205020404" pitchFamily="49" charset="0"/>
-              </a:rPr>
-              <a:t>collect_fact</a:t>
-            </a:r>
-            <a:r>
-              <a:rPr lang="en-US" sz="1100" dirty="0">
-                <a:latin typeface="Courier New" panose="02070309020205020404" pitchFamily="49" charset="0"/>
-                <a:cs typeface="Courier New" panose="02070309020205020404" pitchFamily="49" charset="0"/>
-              </a:rPr>
-              <a:t> AS id</a:t>
-            </a:r>
-          </a:p>
-          <a:p>
-            <a:r>
-              <a:rPr lang="en-US" sz="1100" dirty="0">
-                <a:latin typeface="Courier New" panose="02070309020205020404" pitchFamily="49" charset="0"/>
-                <a:cs typeface="Courier New" panose="02070309020205020404" pitchFamily="49" charset="0"/>
-              </a:rPr>
-              <a:t>            FROM c##</a:t>
-            </a:r>
-            <a:r>
-              <a:rPr lang="en-US" sz="1100" dirty="0" err="1">
-                <a:latin typeface="Courier New" panose="02070309020205020404" pitchFamily="49" charset="0"/>
-                <a:cs typeface="Courier New" panose="02070309020205020404" pitchFamily="49" charset="0"/>
-              </a:rPr>
-              <a:t>course.pr_credit</a:t>
-            </a:r>
-            <a:r>
-              <a:rPr lang="en-US" sz="1100" dirty="0">
-                <a:latin typeface="Courier New" panose="02070309020205020404" pitchFamily="49" charset="0"/>
-                <a:cs typeface="Courier New" panose="02070309020205020404" pitchFamily="49" charset="0"/>
-              </a:rPr>
-              <a:t> </a:t>
-            </a:r>
-            <a:r>
-              <a:rPr lang="en-US" sz="1100" dirty="0" err="1" smtClean="0">
-                <a:latin typeface="Courier New" panose="02070309020205020404" pitchFamily="49" charset="0"/>
-                <a:cs typeface="Courier New" panose="02070309020205020404" pitchFamily="49" charset="0"/>
-              </a:rPr>
-              <a:t>pr_credit</a:t>
-            </a:r>
-            <a:r>
-              <a:rPr lang="en-US" sz="1100" dirty="0" smtClean="0">
-                <a:latin typeface="Courier New" panose="02070309020205020404" pitchFamily="49" charset="0"/>
-                <a:cs typeface="Courier New" panose="02070309020205020404" pitchFamily="49" charset="0"/>
-              </a:rPr>
-              <a:t>;</a:t>
+              <a:t>    END LOOP;</a:t>
+            </a:r>
+          </a:p>
+          <a:p>
+            <a:r>
+              <a:rPr lang="en-US" sz="1100" dirty="0">
+                <a:latin typeface="Courier New" panose="02070309020205020404" pitchFamily="49" charset="0"/>
+                <a:cs typeface="Courier New" panose="02070309020205020404" pitchFamily="49" charset="0"/>
+              </a:rPr>
+              <a:t>END;</a:t>
             </a:r>
             <a:endParaRPr lang="en-US" sz="1100" dirty="0">
               <a:latin typeface="Courier New" panose="02070309020205020404" pitchFamily="49" charset="0"/>
@@ -12277,7 +12267,7 @@
         <p:spPr bwMode="auto">
           <a:xfrm>
             <a:off x="307850" y="6309320"/>
-            <a:ext cx="10657184" cy="461665"/>
+            <a:ext cx="10657184" cy="276999"/>
           </a:xfrm>
           <a:prstGeom prst="rect">
             <a:avLst/>
@@ -12300,7 +12290,7 @@
                 </a:solidFill>
                 <a:hlinkClick r:id="rId2"/>
               </a:rPr>
-              <a:t>https://github.com/AndrSor/Course_PLSQL_SB/blob/main/Course%20Work/04.1.%D0%A1%D0%BE%D0%B7%D0%B4%D0%B0%D0%B5%D0%BC%20%D0%BF%D0%BE%D1%81%D0%BB%D0%B5%D0%B4%D0%BE%D0%B2%D0%B0%D1%82%D0%B5%D0%BB%D1%8C%D0%BD%D0%BE%D1%81%D1%82%D1%8C.sql</a:t>
+              <a:t>https://github.com/AndrSor/Course_PLSQL_SB/blob/main/Course%20Work/03.3.CREATE%20PACKAGE.sql</a:t>
             </a:r>
             <a:endParaRPr lang="ru-RU" sz="1200" dirty="0">
               <a:solidFill>
@@ -12354,7 +12344,7 @@
     </p:spTree>
     <p:extLst>
       <p:ext uri="{BB962C8B-B14F-4D97-AF65-F5344CB8AC3E}">
-        <p14:creationId xmlns:p14="http://schemas.microsoft.com/office/powerpoint/2010/main" val="1599170103"/>
+        <p14:creationId xmlns:p14="http://schemas.microsoft.com/office/powerpoint/2010/main" val="314225480"/>
       </p:ext>
     </p:extLst>
   </p:cSld>
@@ -12393,7 +12383,7 @@
           <p:cNvPr id="18" name="Title 7">
             <a:extLst>
               <a:ext uri="{FF2B5EF4-FFF2-40B4-BE49-F238E27FC236}">
-                <a16:creationId xmlns:a16="http://schemas.microsoft.com/office/drawing/2014/main" xmlns="" id="{E195DE7B-42F0-4CAA-AAB0-D33DB61C53CA}"/>
+                <a16:creationId xmlns="" xmlns:a16="http://schemas.microsoft.com/office/drawing/2014/main" id="{E195DE7B-42F0-4CAA-AAB0-D33DB61C53CA}"/>
               </a:ext>
             </a:extLst>
           </p:cNvPr>
@@ -12450,15 +12440,7 @@
                   <a:srgbClr val="333F48"/>
                 </a:solidFill>
               </a:rPr>
-              <a:t>. </a:t>
-            </a:r>
-            <a:r>
-              <a:rPr lang="ru-RU" sz="3200" dirty="0" smtClean="0">
-                <a:solidFill>
-                  <a:srgbClr val="333F48"/>
-                </a:solidFill>
-              </a:rPr>
-              <a:t>Процедура создает и возвращает клиента</a:t>
+              <a:t>. Создаем последовательность </a:t>
             </a:r>
             <a:endParaRPr lang="ru-RU" sz="1200" dirty="0"/>
           </a:p>
@@ -12526,7 +12508,7 @@
         <p:spPr>
           <a:xfrm>
             <a:off x="335360" y="725502"/>
-            <a:ext cx="5328592" cy="3985706"/>
+            <a:ext cx="5328592" cy="4832092"/>
           </a:xfrm>
           <a:prstGeom prst="rect">
             <a:avLst/>
@@ -12550,121 +12532,62 @@
           <a:lstStyle/>
           <a:p>
             <a:r>
-              <a:rPr lang="en-US" sz="1100" dirty="0">
-                <a:latin typeface="Courier New" panose="02070309020205020404" pitchFamily="49" charset="0"/>
-                <a:cs typeface="Courier New" panose="02070309020205020404" pitchFamily="49" charset="0"/>
-              </a:rPr>
-              <a:t>CREATE OR REPLACE PROCEDURE c##</a:t>
-            </a:r>
-            <a:r>
-              <a:rPr lang="en-US" sz="1100" dirty="0" err="1">
-                <a:latin typeface="Courier New" panose="02070309020205020404" pitchFamily="49" charset="0"/>
-                <a:cs typeface="Courier New" panose="02070309020205020404" pitchFamily="49" charset="0"/>
-              </a:rPr>
-              <a:t>course.pr_create_client</a:t>
-            </a:r>
-            <a:r>
-              <a:rPr lang="en-US" sz="1100" dirty="0">
-                <a:latin typeface="Courier New" panose="02070309020205020404" pitchFamily="49" charset="0"/>
-                <a:cs typeface="Courier New" panose="02070309020205020404" pitchFamily="49" charset="0"/>
-              </a:rPr>
-              <a:t> (</a:t>
-            </a:r>
-          </a:p>
-          <a:p>
-            <a:r>
-              <a:rPr lang="en-US" sz="1100" dirty="0">
-                <a:latin typeface="Courier New" panose="02070309020205020404" pitchFamily="49" charset="0"/>
-                <a:cs typeface="Courier New" panose="02070309020205020404" pitchFamily="49" charset="0"/>
-              </a:rPr>
-              <a:t>    </a:t>
-            </a:r>
-            <a:r>
-              <a:rPr lang="en-US" sz="1100" dirty="0" err="1">
-                <a:latin typeface="Courier New" panose="02070309020205020404" pitchFamily="49" charset="0"/>
-                <a:cs typeface="Courier New" panose="02070309020205020404" pitchFamily="49" charset="0"/>
-              </a:rPr>
-              <a:t>client_name</a:t>
-            </a:r>
-            <a:r>
-              <a:rPr lang="en-US" sz="1100" dirty="0">
-                <a:latin typeface="Courier New" panose="02070309020205020404" pitchFamily="49" charset="0"/>
-                <a:cs typeface="Courier New" panose="02070309020205020404" pitchFamily="49" charset="0"/>
-              </a:rPr>
-              <a:t>     IN  varchar2,        -- </a:t>
-            </a:r>
-            <a:r>
-              <a:rPr lang="en-US" sz="1100" dirty="0" err="1">
-                <a:latin typeface="Courier New" panose="02070309020205020404" pitchFamily="49" charset="0"/>
-                <a:cs typeface="Courier New" panose="02070309020205020404" pitchFamily="49" charset="0"/>
-              </a:rPr>
-              <a:t>Клиент</a:t>
-            </a:r>
-            <a:r>
-              <a:rPr lang="en-US" sz="1100" dirty="0">
-                <a:latin typeface="Courier New" panose="02070309020205020404" pitchFamily="49" charset="0"/>
-                <a:cs typeface="Courier New" panose="02070309020205020404" pitchFamily="49" charset="0"/>
-              </a:rPr>
-              <a:t> ФИО</a:t>
-            </a:r>
-          </a:p>
-          <a:p>
-            <a:r>
-              <a:rPr lang="en-US" sz="1100" dirty="0">
-                <a:latin typeface="Courier New" panose="02070309020205020404" pitchFamily="49" charset="0"/>
-                <a:cs typeface="Courier New" panose="02070309020205020404" pitchFamily="49" charset="0"/>
-              </a:rPr>
-              <a:t>    </a:t>
-            </a:r>
-            <a:r>
-              <a:rPr lang="en-US" sz="1100" dirty="0" err="1">
-                <a:latin typeface="Courier New" panose="02070309020205020404" pitchFamily="49" charset="0"/>
-                <a:cs typeface="Courier New" panose="02070309020205020404" pitchFamily="49" charset="0"/>
-              </a:rPr>
-              <a:t>client_birth</a:t>
-            </a:r>
-            <a:r>
-              <a:rPr lang="en-US" sz="1100" dirty="0">
-                <a:latin typeface="Courier New" panose="02070309020205020404" pitchFamily="49" charset="0"/>
-                <a:cs typeface="Courier New" panose="02070309020205020404" pitchFamily="49" charset="0"/>
-              </a:rPr>
-              <a:t>    IN  date,            -- </a:t>
-            </a:r>
-            <a:r>
-              <a:rPr lang="en-US" sz="1100" dirty="0" err="1">
-                <a:latin typeface="Courier New" panose="02070309020205020404" pitchFamily="49" charset="0"/>
-                <a:cs typeface="Courier New" panose="02070309020205020404" pitchFamily="49" charset="0"/>
-              </a:rPr>
-              <a:t>Дата</a:t>
-            </a:r>
-            <a:r>
-              <a:rPr lang="en-US" sz="1100" dirty="0">
-                <a:latin typeface="Courier New" panose="02070309020205020404" pitchFamily="49" charset="0"/>
-                <a:cs typeface="Courier New" panose="02070309020205020404" pitchFamily="49" charset="0"/>
-              </a:rPr>
-              <a:t> </a:t>
-            </a:r>
-            <a:r>
-              <a:rPr lang="en-US" sz="1100" dirty="0" err="1">
-                <a:latin typeface="Courier New" panose="02070309020205020404" pitchFamily="49" charset="0"/>
-                <a:cs typeface="Courier New" panose="02070309020205020404" pitchFamily="49" charset="0"/>
-              </a:rPr>
-              <a:t>рождения</a:t>
-            </a:r>
-            <a:r>
-              <a:rPr lang="en-US" sz="1100" dirty="0">
-                <a:latin typeface="Courier New" panose="02070309020205020404" pitchFamily="49" charset="0"/>
-                <a:cs typeface="Courier New" panose="02070309020205020404" pitchFamily="49" charset="0"/>
-              </a:rPr>
-              <a:t> </a:t>
-            </a:r>
-            <a:r>
-              <a:rPr lang="en-US" sz="1100" dirty="0" err="1">
-                <a:latin typeface="Courier New" panose="02070309020205020404" pitchFamily="49" charset="0"/>
-                <a:cs typeface="Courier New" panose="02070309020205020404" pitchFamily="49" charset="0"/>
-              </a:rPr>
-              <a:t>Клиента</a:t>
-            </a:r>
+              <a:rPr lang="ru-RU" sz="1100" dirty="0">
+                <a:latin typeface="Courier New" panose="02070309020205020404" pitchFamily="49" charset="0"/>
+                <a:cs typeface="Courier New" panose="02070309020205020404" pitchFamily="49" charset="0"/>
+              </a:rPr>
+              <a:t>-- Идентификаторы во всех таблицах уникальны</a:t>
+            </a:r>
+          </a:p>
+          <a:p>
+            <a:r>
+              <a:rPr lang="ru-RU" sz="1100" dirty="0">
+                <a:latin typeface="Courier New" panose="02070309020205020404" pitchFamily="49" charset="0"/>
+                <a:cs typeface="Courier New" panose="02070309020205020404" pitchFamily="49" charset="0"/>
+              </a:rPr>
+              <a:t>-- Создаем одну последовательность генерирующую</a:t>
+            </a:r>
+          </a:p>
+          <a:p>
+            <a:r>
+              <a:rPr lang="ru-RU" sz="1100" dirty="0">
+                <a:latin typeface="Courier New" panose="02070309020205020404" pitchFamily="49" charset="0"/>
+                <a:cs typeface="Courier New" panose="02070309020205020404" pitchFamily="49" charset="0"/>
+              </a:rPr>
+              <a:t>-- </a:t>
+            </a:r>
+            <a:r>
+              <a:rPr lang="ru-RU" sz="1100" dirty="0" err="1">
+                <a:latin typeface="Courier New" panose="02070309020205020404" pitchFamily="49" charset="0"/>
+                <a:cs typeface="Courier New" panose="02070309020205020404" pitchFamily="49" charset="0"/>
+              </a:rPr>
+              <a:t>индентификаторы</a:t>
+            </a:r>
+            <a:r>
+              <a:rPr lang="ru-RU" sz="1100" dirty="0">
+                <a:latin typeface="Courier New" panose="02070309020205020404" pitchFamily="49" charset="0"/>
+                <a:cs typeface="Courier New" panose="02070309020205020404" pitchFamily="49" charset="0"/>
+              </a:rPr>
+              <a:t> для всех таблиц</a:t>
+            </a:r>
+          </a:p>
+          <a:p>
+            <a:r>
+              <a:rPr lang="ru-RU" sz="1100" dirty="0">
+                <a:latin typeface="Courier New" panose="02070309020205020404" pitchFamily="49" charset="0"/>
+                <a:cs typeface="Courier New" panose="02070309020205020404" pitchFamily="49" charset="0"/>
+              </a:rPr>
+              <a:t>-- со стартовым значением максимальный </a:t>
+            </a:r>
+            <a:r>
+              <a:rPr lang="en-US" sz="1100" dirty="0">
+                <a:latin typeface="Courier New" panose="02070309020205020404" pitchFamily="49" charset="0"/>
+                <a:cs typeface="Courier New" panose="02070309020205020404" pitchFamily="49" charset="0"/>
+              </a:rPr>
+              <a:t>ID + 1</a:t>
+            </a:r>
+          </a:p>
+          <a:p>
             <a:endParaRPr lang="en-US" sz="1100" dirty="0">
               <a:latin typeface="Courier New" panose="02070309020205020404" pitchFamily="49" charset="0"/>
               <a:cs typeface="Courier New" panose="02070309020205020404" pitchFamily="49" charset="0"/>
@@ -12676,6 +12599,15 @@
                 <a:latin typeface="Courier New" panose="02070309020205020404" pitchFamily="49" charset="0"/>
                 <a:cs typeface="Courier New" panose="02070309020205020404" pitchFamily="49" charset="0"/>
               </a:rPr>
+              <a:t>DECLARE</a:t>
+            </a:r>
+          </a:p>
+          <a:p>
+            <a:r>
+              <a:rPr lang="en-US" sz="1100" dirty="0">
+                <a:latin typeface="Courier New" panose="02070309020205020404" pitchFamily="49" charset="0"/>
+                <a:cs typeface="Courier New" panose="02070309020205020404" pitchFamily="49" charset="0"/>
+              </a:rPr>
               <a:t>    </a:t>
             </a:r>
             <a:r>
@@ -12683,32 +12615,14 @@
                 <a:latin typeface="Courier New" panose="02070309020205020404" pitchFamily="49" charset="0"/>
                 <a:cs typeface="Courier New" panose="02070309020205020404" pitchFamily="49" charset="0"/>
               </a:rPr>
-              <a:t>client_id</a:t>
-            </a:r>
-            <a:r>
-              <a:rPr lang="en-US" sz="1100" dirty="0">
-                <a:latin typeface="Courier New" panose="02070309020205020404" pitchFamily="49" charset="0"/>
-                <a:cs typeface="Courier New" panose="02070309020205020404" pitchFamily="49" charset="0"/>
-              </a:rPr>
-              <a:t>       OUT number</a:t>
-            </a:r>
-          </a:p>
-          <a:p>
-            <a:r>
-              <a:rPr lang="en-US" sz="1100" dirty="0">
-                <a:latin typeface="Courier New" panose="02070309020205020404" pitchFamily="49" charset="0"/>
-                <a:cs typeface="Courier New" panose="02070309020205020404" pitchFamily="49" charset="0"/>
-              </a:rPr>
-              <a:t>)</a:t>
-            </a:r>
-          </a:p>
-          <a:p>
-            <a:r>
-              <a:rPr lang="en-US" sz="1100" dirty="0">
-                <a:latin typeface="Courier New" panose="02070309020205020404" pitchFamily="49" charset="0"/>
-                <a:cs typeface="Courier New" panose="02070309020205020404" pitchFamily="49" charset="0"/>
-              </a:rPr>
-              <a:t>AS</a:t>
+              <a:t>count_all_id</a:t>
+            </a:r>
+            <a:r>
+              <a:rPr lang="en-US" sz="1100" dirty="0">
+                <a:latin typeface="Courier New" panose="02070309020205020404" pitchFamily="49" charset="0"/>
+                <a:cs typeface="Courier New" panose="02070309020205020404" pitchFamily="49" charset="0"/>
+              </a:rPr>
+              <a:t>        NUMBER;</a:t>
             </a:r>
           </a:p>
           <a:p>
@@ -12724,14 +12638,60 @@
                 <a:latin typeface="Courier New" panose="02070309020205020404" pitchFamily="49" charset="0"/>
                 <a:cs typeface="Courier New" panose="02070309020205020404" pitchFamily="49" charset="0"/>
               </a:rPr>
-              <a:t>client_exists</a:t>
-            </a:r>
-            <a:r>
-              <a:rPr lang="en-US" sz="1100" dirty="0">
-                <a:latin typeface="Courier New" panose="02070309020205020404" pitchFamily="49" charset="0"/>
-                <a:cs typeface="Courier New" panose="02070309020205020404" pitchFamily="49" charset="0"/>
-              </a:rPr>
-              <a:t> number := 0;</a:t>
+              <a:t>count_distinct_id</a:t>
+            </a:r>
+            <a:r>
+              <a:rPr lang="en-US" sz="1100" dirty="0">
+                <a:latin typeface="Courier New" panose="02070309020205020404" pitchFamily="49" charset="0"/>
+                <a:cs typeface="Courier New" panose="02070309020205020404" pitchFamily="49" charset="0"/>
+              </a:rPr>
+              <a:t>   NUMBER;</a:t>
+            </a:r>
+          </a:p>
+          <a:p>
+            <a:r>
+              <a:rPr lang="en-US" sz="1100" dirty="0">
+                <a:latin typeface="Courier New" panose="02070309020205020404" pitchFamily="49" charset="0"/>
+                <a:cs typeface="Courier New" panose="02070309020205020404" pitchFamily="49" charset="0"/>
+              </a:rPr>
+              <a:t>    </a:t>
+            </a:r>
+            <a:r>
+              <a:rPr lang="en-US" sz="1100" dirty="0" err="1">
+                <a:latin typeface="Courier New" panose="02070309020205020404" pitchFamily="49" charset="0"/>
+                <a:cs typeface="Courier New" panose="02070309020205020404" pitchFamily="49" charset="0"/>
+              </a:rPr>
+              <a:t>start_id</a:t>
+            </a:r>
+            <a:r>
+              <a:rPr lang="en-US" sz="1100" dirty="0">
+                <a:latin typeface="Courier New" panose="02070309020205020404" pitchFamily="49" charset="0"/>
+                <a:cs typeface="Courier New" panose="02070309020205020404" pitchFamily="49" charset="0"/>
+              </a:rPr>
+              <a:t>            NUMBER;</a:t>
+            </a:r>
+          </a:p>
+          <a:p>
+            <a:r>
+              <a:rPr lang="en-US" sz="1100" dirty="0">
+                <a:latin typeface="Courier New" panose="02070309020205020404" pitchFamily="49" charset="0"/>
+                <a:cs typeface="Courier New" panose="02070309020205020404" pitchFamily="49" charset="0"/>
+              </a:rPr>
+              <a:t>    </a:t>
+            </a:r>
+            <a:r>
+              <a:rPr lang="en-US" sz="1100" dirty="0" err="1">
+                <a:latin typeface="Courier New" panose="02070309020205020404" pitchFamily="49" charset="0"/>
+                <a:cs typeface="Courier New" panose="02070309020205020404" pitchFamily="49" charset="0"/>
+              </a:rPr>
+              <a:t>sequence_exist</a:t>
+            </a:r>
+            <a:r>
+              <a:rPr lang="en-US" sz="1100" dirty="0">
+                <a:latin typeface="Courier New" panose="02070309020205020404" pitchFamily="49" charset="0"/>
+                <a:cs typeface="Courier New" panose="02070309020205020404" pitchFamily="49" charset="0"/>
+              </a:rPr>
+              <a:t>      NUMBER := 0;</a:t>
             </a:r>
           </a:p>
           <a:p>
@@ -12744,38 +12704,6 @@
             </a:r>
           </a:p>
           <a:p>
-            <a:r>
-              <a:rPr lang="en-US" sz="1100" dirty="0">
-                <a:latin typeface="Courier New" panose="02070309020205020404" pitchFamily="49" charset="0"/>
-                <a:cs typeface="Courier New" panose="02070309020205020404" pitchFamily="49" charset="0"/>
-              </a:rPr>
-              <a:t>    </a:t>
-            </a:r>
-          </a:p>
-          <a:p>
-            <a:r>
-              <a:rPr lang="en-US" sz="1100" dirty="0">
-                <a:latin typeface="Courier New" panose="02070309020205020404" pitchFamily="49" charset="0"/>
-                <a:cs typeface="Courier New" panose="02070309020205020404" pitchFamily="49" charset="0"/>
-              </a:rPr>
-              <a:t>    SELECT</a:t>
-            </a:r>
-          </a:p>
-          <a:p>
-            <a:r>
-              <a:rPr lang="en-US" sz="1100" dirty="0">
-                <a:latin typeface="Courier New" panose="02070309020205020404" pitchFamily="49" charset="0"/>
-                <a:cs typeface="Courier New" panose="02070309020205020404" pitchFamily="49" charset="0"/>
-              </a:rPr>
-              <a:t>        COUNT(*) INTO </a:t>
-            </a:r>
-            <a:r>
-              <a:rPr lang="en-US" sz="1100" dirty="0" err="1">
-                <a:latin typeface="Courier New" panose="02070309020205020404" pitchFamily="49" charset="0"/>
-                <a:cs typeface="Courier New" panose="02070309020205020404" pitchFamily="49" charset="0"/>
-              </a:rPr>
-              <a:t>client_exists</a:t>
-            </a:r>
             <a:endParaRPr lang="en-US" sz="1100" dirty="0">
               <a:latin typeface="Courier New" panose="02070309020205020404" pitchFamily="49" charset="0"/>
               <a:cs typeface="Courier New" panose="02070309020205020404" pitchFamily="49" charset="0"/>
@@ -12787,14 +12715,23 @@
                 <a:latin typeface="Courier New" panose="02070309020205020404" pitchFamily="49" charset="0"/>
                 <a:cs typeface="Courier New" panose="02070309020205020404" pitchFamily="49" charset="0"/>
               </a:rPr>
-              <a:t>        FROM c##</a:t>
+              <a:t>    SELECT</a:t>
+            </a:r>
+          </a:p>
+          <a:p>
+            <a:r>
+              <a:rPr lang="en-US" sz="1100" dirty="0">
+                <a:latin typeface="Courier New" panose="02070309020205020404" pitchFamily="49" charset="0"/>
+                <a:cs typeface="Courier New" panose="02070309020205020404" pitchFamily="49" charset="0"/>
+              </a:rPr>
+              <a:t>        COUNT(id) INTO </a:t>
             </a:r>
             <a:r>
               <a:rPr lang="en-US" sz="1100" dirty="0" err="1">
                 <a:latin typeface="Courier New" panose="02070309020205020404" pitchFamily="49" charset="0"/>
                 <a:cs typeface="Courier New" panose="02070309020205020404" pitchFamily="49" charset="0"/>
               </a:rPr>
-              <a:t>course.client</a:t>
+              <a:t>count_all_id</a:t>
             </a:r>
             <a:endParaRPr lang="en-US" sz="1100" dirty="0">
               <a:latin typeface="Courier New" panose="02070309020205020404" pitchFamily="49" charset="0"/>
@@ -12807,37 +12744,37 @@
                 <a:latin typeface="Courier New" panose="02070309020205020404" pitchFamily="49" charset="0"/>
                 <a:cs typeface="Courier New" panose="02070309020205020404" pitchFamily="49" charset="0"/>
               </a:rPr>
-              <a:t>        WHERE</a:t>
-            </a:r>
-          </a:p>
-          <a:p>
-            <a:r>
-              <a:rPr lang="en-US" sz="1100" dirty="0">
-                <a:latin typeface="Courier New" panose="02070309020205020404" pitchFamily="49" charset="0"/>
-                <a:cs typeface="Courier New" panose="02070309020205020404" pitchFamily="49" charset="0"/>
-              </a:rPr>
-              <a:t>            </a:t>
+              <a:t>        FROM </a:t>
+            </a:r>
+          </a:p>
+          <a:p>
+            <a:r>
+              <a:rPr lang="en-US" sz="1100" dirty="0">
+                <a:latin typeface="Courier New" panose="02070309020205020404" pitchFamily="49" charset="0"/>
+                <a:cs typeface="Courier New" panose="02070309020205020404" pitchFamily="49" charset="0"/>
+              </a:rPr>
+              <a:t>            c##</a:t>
             </a:r>
             <a:r>
               <a:rPr lang="en-US" sz="1100" dirty="0" err="1">
                 <a:latin typeface="Courier New" panose="02070309020205020404" pitchFamily="49" charset="0"/>
                 <a:cs typeface="Courier New" panose="02070309020205020404" pitchFamily="49" charset="0"/>
               </a:rPr>
-              <a:t>cl_name</a:t>
-            </a:r>
-            <a:r>
-              <a:rPr lang="en-US" sz="1100" dirty="0">
-                <a:latin typeface="Courier New" panose="02070309020205020404" pitchFamily="49" charset="0"/>
-                <a:cs typeface="Courier New" panose="02070309020205020404" pitchFamily="49" charset="0"/>
-              </a:rPr>
-              <a:t> = </a:t>
+              <a:t>course.v_all_id</a:t>
+            </a:r>
+            <a:r>
+              <a:rPr lang="en-US" sz="1100" dirty="0">
+                <a:latin typeface="Courier New" panose="02070309020205020404" pitchFamily="49" charset="0"/>
+                <a:cs typeface="Courier New" panose="02070309020205020404" pitchFamily="49" charset="0"/>
+              </a:rPr>
+              <a:t> </a:t>
             </a:r>
             <a:r>
               <a:rPr lang="en-US" sz="1100" dirty="0" err="1">
                 <a:latin typeface="Courier New" panose="02070309020205020404" pitchFamily="49" charset="0"/>
                 <a:cs typeface="Courier New" panose="02070309020205020404" pitchFamily="49" charset="0"/>
               </a:rPr>
-              <a:t>client_name</a:t>
+              <a:t>v_all_id</a:t>
             </a:r>
             <a:r>
               <a:rPr lang="en-US" sz="1100" dirty="0">
@@ -12862,46 +12799,23 @@
                 <a:latin typeface="Courier New" panose="02070309020205020404" pitchFamily="49" charset="0"/>
                 <a:cs typeface="Courier New" panose="02070309020205020404" pitchFamily="49" charset="0"/>
               </a:rPr>
-              <a:t>    IF </a:t>
+              <a:t>    SELECT</a:t>
+            </a:r>
+          </a:p>
+          <a:p>
+            <a:r>
+              <a:rPr lang="en-US" sz="1100" dirty="0">
+                <a:latin typeface="Courier New" panose="02070309020205020404" pitchFamily="49" charset="0"/>
+                <a:cs typeface="Courier New" panose="02070309020205020404" pitchFamily="49" charset="0"/>
+              </a:rPr>
+              <a:t>        COUNT(DISTINCT id) INTO </a:t>
             </a:r>
             <a:r>
               <a:rPr lang="en-US" sz="1100" dirty="0" err="1">
                 <a:latin typeface="Courier New" panose="02070309020205020404" pitchFamily="49" charset="0"/>
                 <a:cs typeface="Courier New" panose="02070309020205020404" pitchFamily="49" charset="0"/>
               </a:rPr>
-              <a:t>client_exists</a:t>
-            </a:r>
-            <a:r>
-              <a:rPr lang="en-US" sz="1100" dirty="0">
-                <a:latin typeface="Courier New" panose="02070309020205020404" pitchFamily="49" charset="0"/>
-                <a:cs typeface="Courier New" panose="02070309020205020404" pitchFamily="49" charset="0"/>
-              </a:rPr>
-              <a:t> &gt; 0 THEN</a:t>
-            </a:r>
-          </a:p>
-          <a:p>
-            <a:r>
-              <a:rPr lang="en-US" sz="1100" dirty="0">
-                <a:latin typeface="Courier New" panose="02070309020205020404" pitchFamily="49" charset="0"/>
-                <a:cs typeface="Courier New" panose="02070309020205020404" pitchFamily="49" charset="0"/>
-              </a:rPr>
-              <a:t>     SELECT</a:t>
-            </a:r>
-          </a:p>
-          <a:p>
-            <a:r>
-              <a:rPr lang="en-US" sz="1100" dirty="0">
-                <a:latin typeface="Courier New" panose="02070309020205020404" pitchFamily="49" charset="0"/>
-                <a:cs typeface="Courier New" panose="02070309020205020404" pitchFamily="49" charset="0"/>
-              </a:rPr>
-              <a:t>        id INTO </a:t>
-            </a:r>
-            <a:r>
-              <a:rPr lang="en-US" sz="1100" dirty="0" err="1">
-                <a:latin typeface="Courier New" panose="02070309020205020404" pitchFamily="49" charset="0"/>
-                <a:cs typeface="Courier New" panose="02070309020205020404" pitchFamily="49" charset="0"/>
-              </a:rPr>
-              <a:t>client_id</a:t>
+              <a:t>count_distinct_id</a:t>
             </a:r>
             <a:endParaRPr lang="en-US" sz="1100" dirty="0">
               <a:latin typeface="Courier New" panose="02070309020205020404" pitchFamily="49" charset="0"/>
@@ -12914,14 +12828,124 @@
                 <a:latin typeface="Courier New" panose="02070309020205020404" pitchFamily="49" charset="0"/>
                 <a:cs typeface="Courier New" panose="02070309020205020404" pitchFamily="49" charset="0"/>
               </a:rPr>
-              <a:t>        FROM c##</a:t>
+              <a:t>        FROM</a:t>
+            </a:r>
+          </a:p>
+          <a:p>
+            <a:r>
+              <a:rPr lang="en-US" sz="1100" dirty="0">
+                <a:latin typeface="Courier New" panose="02070309020205020404" pitchFamily="49" charset="0"/>
+                <a:cs typeface="Courier New" panose="02070309020205020404" pitchFamily="49" charset="0"/>
+              </a:rPr>
+              <a:t>            c##</a:t>
             </a:r>
             <a:r>
               <a:rPr lang="en-US" sz="1100" dirty="0" err="1">
                 <a:latin typeface="Courier New" panose="02070309020205020404" pitchFamily="49" charset="0"/>
                 <a:cs typeface="Courier New" panose="02070309020205020404" pitchFamily="49" charset="0"/>
               </a:rPr>
-              <a:t>course.client</a:t>
+              <a:t>course.v_all_id</a:t>
+            </a:r>
+            <a:r>
+              <a:rPr lang="en-US" sz="1100" dirty="0">
+                <a:latin typeface="Courier New" panose="02070309020205020404" pitchFamily="49" charset="0"/>
+                <a:cs typeface="Courier New" panose="02070309020205020404" pitchFamily="49" charset="0"/>
+              </a:rPr>
+              <a:t> </a:t>
+            </a:r>
+            <a:r>
+              <a:rPr lang="en-US" sz="1100" dirty="0" err="1">
+                <a:latin typeface="Courier New" panose="02070309020205020404" pitchFamily="49" charset="0"/>
+                <a:cs typeface="Courier New" panose="02070309020205020404" pitchFamily="49" charset="0"/>
+              </a:rPr>
+              <a:t>v_all_id</a:t>
+            </a:r>
+            <a:r>
+              <a:rPr lang="en-US" sz="1100" dirty="0">
+                <a:latin typeface="Courier New" panose="02070309020205020404" pitchFamily="49" charset="0"/>
+                <a:cs typeface="Courier New" panose="02070309020205020404" pitchFamily="49" charset="0"/>
+              </a:rPr>
+              <a:t>;</a:t>
+            </a:r>
+          </a:p>
+          <a:p>
+            <a:r>
+              <a:rPr lang="en-US" sz="1100" dirty="0">
+                <a:latin typeface="Courier New" panose="02070309020205020404" pitchFamily="49" charset="0"/>
+                <a:cs typeface="Courier New" panose="02070309020205020404" pitchFamily="49" charset="0"/>
+              </a:rPr>
+              <a:t>        </a:t>
+            </a:r>
+          </a:p>
+          <a:p>
+            <a:r>
+              <a:rPr lang="en-US" sz="1100" dirty="0">
+                <a:latin typeface="Courier New" panose="02070309020205020404" pitchFamily="49" charset="0"/>
+                <a:cs typeface="Courier New" panose="02070309020205020404" pitchFamily="49" charset="0"/>
+              </a:rPr>
+              <a:t>    IF (</a:t>
+            </a:r>
+            <a:r>
+              <a:rPr lang="en-US" sz="1100" dirty="0" err="1">
+                <a:latin typeface="Courier New" panose="02070309020205020404" pitchFamily="49" charset="0"/>
+                <a:cs typeface="Courier New" panose="02070309020205020404" pitchFamily="49" charset="0"/>
+              </a:rPr>
+              <a:t>count_distinct_id</a:t>
+            </a:r>
+            <a:r>
+              <a:rPr lang="en-US" sz="1100" dirty="0">
+                <a:latin typeface="Courier New" panose="02070309020205020404" pitchFamily="49" charset="0"/>
+                <a:cs typeface="Courier New" panose="02070309020205020404" pitchFamily="49" charset="0"/>
+              </a:rPr>
+              <a:t> = </a:t>
+            </a:r>
+            <a:r>
+              <a:rPr lang="en-US" sz="1100" dirty="0" err="1">
+                <a:latin typeface="Courier New" panose="02070309020205020404" pitchFamily="49" charset="0"/>
+                <a:cs typeface="Courier New" panose="02070309020205020404" pitchFamily="49" charset="0"/>
+              </a:rPr>
+              <a:t>count_all_id</a:t>
+            </a:r>
+            <a:r>
+              <a:rPr lang="en-US" sz="1100" dirty="0">
+                <a:latin typeface="Courier New" panose="02070309020205020404" pitchFamily="49" charset="0"/>
+                <a:cs typeface="Courier New" panose="02070309020205020404" pitchFamily="49" charset="0"/>
+              </a:rPr>
+              <a:t>) THEN</a:t>
+            </a:r>
+          </a:p>
+          <a:p>
+            <a:r>
+              <a:rPr lang="en-US" sz="1100" dirty="0">
+                <a:latin typeface="Courier New" panose="02070309020205020404" pitchFamily="49" charset="0"/>
+                <a:cs typeface="Courier New" panose="02070309020205020404" pitchFamily="49" charset="0"/>
+              </a:rPr>
+              <a:t>    </a:t>
+            </a:r>
+          </a:p>
+          <a:p>
+            <a:r>
+              <a:rPr lang="en-US" sz="1100" dirty="0">
+                <a:latin typeface="Courier New" panose="02070309020205020404" pitchFamily="49" charset="0"/>
+                <a:cs typeface="Courier New" panose="02070309020205020404" pitchFamily="49" charset="0"/>
+              </a:rPr>
+              <a:t>            SELECT</a:t>
+            </a:r>
+          </a:p>
+          <a:p>
+            <a:r>
+              <a:rPr lang="en-US" sz="1100" dirty="0">
+                <a:latin typeface="Courier New" panose="02070309020205020404" pitchFamily="49" charset="0"/>
+                <a:cs typeface="Courier New" panose="02070309020205020404" pitchFamily="49" charset="0"/>
+              </a:rPr>
+              <a:t>                MAX(id) + 1 INTO </a:t>
+            </a:r>
+            <a:r>
+              <a:rPr lang="en-US" sz="1100" dirty="0" err="1">
+                <a:latin typeface="Courier New" panose="02070309020205020404" pitchFamily="49" charset="0"/>
+                <a:cs typeface="Courier New" panose="02070309020205020404" pitchFamily="49" charset="0"/>
+              </a:rPr>
+              <a:t>start_id</a:t>
             </a:r>
             <a:endParaRPr lang="en-US" sz="1100" dirty="0">
               <a:latin typeface="Courier New" panose="02070309020205020404" pitchFamily="49" charset="0"/>
@@ -12934,49 +12958,22 @@
                 <a:latin typeface="Courier New" panose="02070309020205020404" pitchFamily="49" charset="0"/>
                 <a:cs typeface="Courier New" panose="02070309020205020404" pitchFamily="49" charset="0"/>
               </a:rPr>
-              <a:t>        WHERE</a:t>
-            </a:r>
-          </a:p>
-          <a:p>
-            <a:r>
-              <a:rPr lang="en-US" sz="1100" dirty="0">
-                <a:latin typeface="Courier New" panose="02070309020205020404" pitchFamily="49" charset="0"/>
-                <a:cs typeface="Courier New" panose="02070309020205020404" pitchFamily="49" charset="0"/>
-              </a:rPr>
-              <a:t>            </a:t>
+              <a:t>                FROM c##</a:t>
             </a:r>
             <a:r>
               <a:rPr lang="en-US" sz="1100" dirty="0" err="1">
                 <a:latin typeface="Courier New" panose="02070309020205020404" pitchFamily="49" charset="0"/>
                 <a:cs typeface="Courier New" panose="02070309020205020404" pitchFamily="49" charset="0"/>
               </a:rPr>
-              <a:t>cl_name</a:t>
-            </a:r>
-            <a:r>
-              <a:rPr lang="en-US" sz="1100" dirty="0">
-                <a:latin typeface="Courier New" panose="02070309020205020404" pitchFamily="49" charset="0"/>
-                <a:cs typeface="Courier New" panose="02070309020205020404" pitchFamily="49" charset="0"/>
-              </a:rPr>
-              <a:t> = </a:t>
-            </a:r>
-            <a:r>
-              <a:rPr lang="en-US" sz="1100" dirty="0" err="1">
-                <a:latin typeface="Courier New" panose="02070309020205020404" pitchFamily="49" charset="0"/>
-                <a:cs typeface="Courier New" panose="02070309020205020404" pitchFamily="49" charset="0"/>
-              </a:rPr>
-              <a:t>client_name</a:t>
-            </a:r>
-            <a:r>
-              <a:rPr lang="en-US" sz="1100" dirty="0" smtClean="0">
+              <a:t>course.v_all_id</a:t>
+            </a:r>
+            <a:r>
+              <a:rPr lang="en-US" sz="1100" dirty="0">
                 <a:latin typeface="Courier New" panose="02070309020205020404" pitchFamily="49" charset="0"/>
                 <a:cs typeface="Courier New" panose="02070309020205020404" pitchFamily="49" charset="0"/>
               </a:rPr>
               <a:t>;</a:t>
             </a:r>
-            <a:endParaRPr lang="ru-RU" sz="1100" dirty="0" smtClean="0">
-              <a:latin typeface="Courier New" panose="02070309020205020404" pitchFamily="49" charset="0"/>
-              <a:cs typeface="Courier New" panose="02070309020205020404" pitchFamily="49" charset="0"/>
-            </a:endParaRPr>
           </a:p>
           <a:p>
             <a:r>
@@ -13009,7 +13006,7 @@
         <p:spPr>
           <a:xfrm>
             <a:off x="5879976" y="728112"/>
-            <a:ext cx="6120680" cy="3308598"/>
+            <a:ext cx="6120680" cy="4154984"/>
           </a:xfrm>
           <a:prstGeom prst="rect">
             <a:avLst/>
@@ -13037,60 +13034,14 @@
                 <a:latin typeface="Courier New" panose="02070309020205020404" pitchFamily="49" charset="0"/>
                 <a:cs typeface="Courier New" panose="02070309020205020404" pitchFamily="49" charset="0"/>
               </a:rPr>
-              <a:t>ELSE</a:t>
-            </a:r>
-          </a:p>
-          <a:p>
-            <a:r>
-              <a:rPr lang="en-US" sz="1100" dirty="0">
-                <a:latin typeface="Courier New" panose="02070309020205020404" pitchFamily="49" charset="0"/>
-                <a:cs typeface="Courier New" panose="02070309020205020404" pitchFamily="49" charset="0"/>
-              </a:rPr>
-              <a:t>        </a:t>
+              <a:t>CREATE OR REPLACE VIEW c##</a:t>
             </a:r>
             <a:r>
               <a:rPr lang="en-US" sz="1100" dirty="0" err="1">
                 <a:latin typeface="Courier New" panose="02070309020205020404" pitchFamily="49" charset="0"/>
                 <a:cs typeface="Courier New" panose="02070309020205020404" pitchFamily="49" charset="0"/>
               </a:rPr>
-              <a:t>client_id</a:t>
-            </a:r>
-            <a:r>
-              <a:rPr lang="en-US" sz="1100" dirty="0">
-                <a:latin typeface="Courier New" panose="02070309020205020404" pitchFamily="49" charset="0"/>
-                <a:cs typeface="Courier New" panose="02070309020205020404" pitchFamily="49" charset="0"/>
-              </a:rPr>
-              <a:t> := c##</a:t>
-            </a:r>
-            <a:r>
-              <a:rPr lang="en-US" sz="1100" dirty="0" err="1">
-                <a:latin typeface="Courier New" panose="02070309020205020404" pitchFamily="49" charset="0"/>
-                <a:cs typeface="Courier New" panose="02070309020205020404" pitchFamily="49" charset="0"/>
-              </a:rPr>
-              <a:t>course.seq.nextval</a:t>
-            </a:r>
-            <a:r>
-              <a:rPr lang="en-US" sz="1100" dirty="0">
-                <a:latin typeface="Courier New" panose="02070309020205020404" pitchFamily="49" charset="0"/>
-                <a:cs typeface="Courier New" panose="02070309020205020404" pitchFamily="49" charset="0"/>
-              </a:rPr>
-              <a:t>;</a:t>
-            </a:r>
-          </a:p>
-          <a:p>
-            <a:r>
-              <a:rPr lang="en-US" sz="1100" dirty="0">
-                <a:latin typeface="Courier New" panose="02070309020205020404" pitchFamily="49" charset="0"/>
-                <a:cs typeface="Courier New" panose="02070309020205020404" pitchFamily="49" charset="0"/>
-              </a:rPr>
-              <a:t>        INSERT INTO c##</a:t>
-            </a:r>
-            <a:r>
-              <a:rPr lang="en-US" sz="1100" dirty="0" err="1">
-                <a:latin typeface="Courier New" panose="02070309020205020404" pitchFamily="49" charset="0"/>
-                <a:cs typeface="Courier New" panose="02070309020205020404" pitchFamily="49" charset="0"/>
-              </a:rPr>
-              <a:t>course.client</a:t>
+              <a:t>course.v_all_id</a:t>
             </a:r>
             <a:endParaRPr lang="en-US" sz="1100" dirty="0">
               <a:latin typeface="Courier New" panose="02070309020205020404" pitchFamily="49" charset="0"/>
@@ -13103,33 +13054,10 @@
                 <a:latin typeface="Courier New" panose="02070309020205020404" pitchFamily="49" charset="0"/>
                 <a:cs typeface="Courier New" panose="02070309020205020404" pitchFamily="49" charset="0"/>
               </a:rPr>
-              <a:t>            (</a:t>
-            </a:r>
-          </a:p>
-          <a:p>
-            <a:r>
-              <a:rPr lang="en-US" sz="1100" dirty="0">
-                <a:latin typeface="Courier New" panose="02070309020205020404" pitchFamily="49" charset="0"/>
-                <a:cs typeface="Courier New" panose="02070309020205020404" pitchFamily="49" charset="0"/>
-              </a:rPr>
-              <a:t>                  id</a:t>
-            </a:r>
-          </a:p>
-          <a:p>
-            <a:r>
-              <a:rPr lang="en-US" sz="1100" dirty="0">
-                <a:latin typeface="Courier New" panose="02070309020205020404" pitchFamily="49" charset="0"/>
-                <a:cs typeface="Courier New" panose="02070309020205020404" pitchFamily="49" charset="0"/>
-              </a:rPr>
-              <a:t>                , </a:t>
-            </a:r>
-            <a:r>
-              <a:rPr lang="en-US" sz="1100" dirty="0" err="1">
-                <a:latin typeface="Courier New" panose="02070309020205020404" pitchFamily="49" charset="0"/>
-                <a:cs typeface="Courier New" panose="02070309020205020404" pitchFamily="49" charset="0"/>
-              </a:rPr>
-              <a:t>cl_name</a:t>
-            </a:r>
+              <a:t>AS</a:t>
+            </a:r>
+          </a:p>
+          <a:p>
             <a:endParaRPr lang="en-US" sz="1100" dirty="0">
               <a:latin typeface="Courier New" panose="02070309020205020404" pitchFamily="49" charset="0"/>
               <a:cs typeface="Courier New" panose="02070309020205020404" pitchFamily="49" charset="0"/>
@@ -13141,14 +13069,114 @@
                 <a:latin typeface="Courier New" panose="02070309020205020404" pitchFamily="49" charset="0"/>
                 <a:cs typeface="Courier New" panose="02070309020205020404" pitchFamily="49" charset="0"/>
               </a:rPr>
-              <a:t>                , </a:t>
+              <a:t>        SELECT</a:t>
+            </a:r>
+          </a:p>
+          <a:p>
+            <a:r>
+              <a:rPr lang="en-US" sz="1100" dirty="0">
+                <a:latin typeface="Courier New" panose="02070309020205020404" pitchFamily="49" charset="0"/>
+                <a:cs typeface="Courier New" panose="02070309020205020404" pitchFamily="49" charset="0"/>
+              </a:rPr>
+              <a:t>            id</a:t>
+            </a:r>
+          </a:p>
+          <a:p>
+            <a:r>
+              <a:rPr lang="en-US" sz="1100" dirty="0">
+                <a:latin typeface="Courier New" panose="02070309020205020404" pitchFamily="49" charset="0"/>
+                <a:cs typeface="Courier New" panose="02070309020205020404" pitchFamily="49" charset="0"/>
+              </a:rPr>
+              <a:t>            FROM c##</a:t>
             </a:r>
             <a:r>
               <a:rPr lang="en-US" sz="1100" dirty="0" err="1">
                 <a:latin typeface="Courier New" panose="02070309020205020404" pitchFamily="49" charset="0"/>
                 <a:cs typeface="Courier New" panose="02070309020205020404" pitchFamily="49" charset="0"/>
               </a:rPr>
-              <a:t>date_birth</a:t>
+              <a:t>course.client</a:t>
+            </a:r>
+            <a:r>
+              <a:rPr lang="en-US" sz="1100" dirty="0">
+                <a:latin typeface="Courier New" panose="02070309020205020404" pitchFamily="49" charset="0"/>
+                <a:cs typeface="Courier New" panose="02070309020205020404" pitchFamily="49" charset="0"/>
+              </a:rPr>
+              <a:t> client</a:t>
+            </a:r>
+          </a:p>
+          <a:p>
+            <a:r>
+              <a:rPr lang="en-US" sz="1100" dirty="0">
+                <a:latin typeface="Courier New" panose="02070309020205020404" pitchFamily="49" charset="0"/>
+                <a:cs typeface="Courier New" panose="02070309020205020404" pitchFamily="49" charset="0"/>
+              </a:rPr>
+              <a:t>        </a:t>
+            </a:r>
+          </a:p>
+          <a:p>
+            <a:r>
+              <a:rPr lang="en-US" sz="1100" dirty="0">
+                <a:latin typeface="Courier New" panose="02070309020205020404" pitchFamily="49" charset="0"/>
+                <a:cs typeface="Courier New" panose="02070309020205020404" pitchFamily="49" charset="0"/>
+              </a:rPr>
+              <a:t>        UNION ALL</a:t>
+            </a:r>
+          </a:p>
+          <a:p>
+            <a:r>
+              <a:rPr lang="en-US" sz="1100" dirty="0">
+                <a:latin typeface="Courier New" panose="02070309020205020404" pitchFamily="49" charset="0"/>
+                <a:cs typeface="Courier New" panose="02070309020205020404" pitchFamily="49" charset="0"/>
+              </a:rPr>
+              <a:t>        </a:t>
+            </a:r>
+          </a:p>
+          <a:p>
+            <a:r>
+              <a:rPr lang="en-US" sz="1100" dirty="0">
+                <a:latin typeface="Courier New" panose="02070309020205020404" pitchFamily="49" charset="0"/>
+                <a:cs typeface="Courier New" panose="02070309020205020404" pitchFamily="49" charset="0"/>
+              </a:rPr>
+              <a:t>        SELECT</a:t>
+            </a:r>
+          </a:p>
+          <a:p>
+            <a:r>
+              <a:rPr lang="en-US" sz="1100" dirty="0">
+                <a:latin typeface="Courier New" panose="02070309020205020404" pitchFamily="49" charset="0"/>
+                <a:cs typeface="Courier New" panose="02070309020205020404" pitchFamily="49" charset="0"/>
+              </a:rPr>
+              <a:t>            id</a:t>
+            </a:r>
+          </a:p>
+          <a:p>
+            <a:r>
+              <a:rPr lang="en-US" sz="1100" dirty="0">
+                <a:latin typeface="Courier New" panose="02070309020205020404" pitchFamily="49" charset="0"/>
+                <a:cs typeface="Courier New" panose="02070309020205020404" pitchFamily="49" charset="0"/>
+              </a:rPr>
+              <a:t>            FROM c##</a:t>
+            </a:r>
+            <a:r>
+              <a:rPr lang="en-US" sz="1100" dirty="0" err="1">
+                <a:latin typeface="Courier New" panose="02070309020205020404" pitchFamily="49" charset="0"/>
+                <a:cs typeface="Courier New" panose="02070309020205020404" pitchFamily="49" charset="0"/>
+              </a:rPr>
+              <a:t>course.pr_credit</a:t>
+            </a:r>
+            <a:r>
+              <a:rPr lang="en-US" sz="1100" dirty="0">
+                <a:latin typeface="Courier New" panose="02070309020205020404" pitchFamily="49" charset="0"/>
+                <a:cs typeface="Courier New" panose="02070309020205020404" pitchFamily="49" charset="0"/>
+              </a:rPr>
+              <a:t> </a:t>
+            </a:r>
+            <a:r>
+              <a:rPr lang="en-US" sz="1100" dirty="0" err="1">
+                <a:latin typeface="Courier New" panose="02070309020205020404" pitchFamily="49" charset="0"/>
+                <a:cs typeface="Courier New" panose="02070309020205020404" pitchFamily="49" charset="0"/>
+              </a:rPr>
+              <a:t>pr_credit</a:t>
             </a:r>
             <a:endParaRPr lang="en-US" sz="1100" dirty="0">
               <a:latin typeface="Courier New" panose="02070309020205020404" pitchFamily="49" charset="0"/>
@@ -13161,23 +13189,87 @@
                 <a:latin typeface="Courier New" panose="02070309020205020404" pitchFamily="49" charset="0"/>
                 <a:cs typeface="Courier New" panose="02070309020205020404" pitchFamily="49" charset="0"/>
               </a:rPr>
-              <a:t>            ) VALUES (</a:t>
-            </a:r>
-          </a:p>
-          <a:p>
-            <a:r>
-              <a:rPr lang="en-US" sz="1100" dirty="0">
-                <a:latin typeface="Courier New" panose="02070309020205020404" pitchFamily="49" charset="0"/>
-                <a:cs typeface="Courier New" panose="02070309020205020404" pitchFamily="49" charset="0"/>
-              </a:rPr>
-              <a:t>                  </a:t>
+              <a:t>            </a:t>
+            </a:r>
+          </a:p>
+          <a:p>
+            <a:r>
+              <a:rPr lang="en-US" sz="1100" dirty="0">
+                <a:latin typeface="Courier New" panose="02070309020205020404" pitchFamily="49" charset="0"/>
+                <a:cs typeface="Courier New" panose="02070309020205020404" pitchFamily="49" charset="0"/>
+              </a:rPr>
+              <a:t>        UNION ALL</a:t>
+            </a:r>
+          </a:p>
+          <a:p>
+            <a:r>
+              <a:rPr lang="en-US" sz="1100" dirty="0">
+                <a:latin typeface="Courier New" panose="02070309020205020404" pitchFamily="49" charset="0"/>
+                <a:cs typeface="Courier New" panose="02070309020205020404" pitchFamily="49" charset="0"/>
+              </a:rPr>
+              <a:t>        </a:t>
+            </a:r>
+          </a:p>
+          <a:p>
+            <a:r>
+              <a:rPr lang="en-US" sz="1100" dirty="0">
+                <a:latin typeface="Courier New" panose="02070309020205020404" pitchFamily="49" charset="0"/>
+                <a:cs typeface="Courier New" panose="02070309020205020404" pitchFamily="49" charset="0"/>
+              </a:rPr>
+              <a:t>        SELECT</a:t>
+            </a:r>
+          </a:p>
+          <a:p>
+            <a:r>
+              <a:rPr lang="en-US" sz="1100" dirty="0">
+                <a:latin typeface="Courier New" panose="02070309020205020404" pitchFamily="49" charset="0"/>
+                <a:cs typeface="Courier New" panose="02070309020205020404" pitchFamily="49" charset="0"/>
+              </a:rPr>
+              <a:t>            </a:t>
             </a:r>
             <a:r>
               <a:rPr lang="en-US" sz="1100" dirty="0" err="1">
                 <a:latin typeface="Courier New" panose="02070309020205020404" pitchFamily="49" charset="0"/>
                 <a:cs typeface="Courier New" panose="02070309020205020404" pitchFamily="49" charset="0"/>
               </a:rPr>
-              <a:t>client_id</a:t>
+              <a:t>collect_plan</a:t>
+            </a:r>
+            <a:r>
+              <a:rPr lang="en-US" sz="1100" dirty="0">
+                <a:latin typeface="Courier New" panose="02070309020205020404" pitchFamily="49" charset="0"/>
+                <a:cs typeface="Courier New" panose="02070309020205020404" pitchFamily="49" charset="0"/>
+              </a:rPr>
+              <a:t> AS id</a:t>
+            </a:r>
+          </a:p>
+          <a:p>
+            <a:r>
+              <a:rPr lang="en-US" sz="1100" dirty="0">
+                <a:latin typeface="Courier New" panose="02070309020205020404" pitchFamily="49" charset="0"/>
+                <a:cs typeface="Courier New" panose="02070309020205020404" pitchFamily="49" charset="0"/>
+              </a:rPr>
+              <a:t>            FROM c##</a:t>
+            </a:r>
+            <a:r>
+              <a:rPr lang="en-US" sz="1100" dirty="0" err="1">
+                <a:latin typeface="Courier New" panose="02070309020205020404" pitchFamily="49" charset="0"/>
+                <a:cs typeface="Courier New" panose="02070309020205020404" pitchFamily="49" charset="0"/>
+              </a:rPr>
+              <a:t>course.pr_credit</a:t>
+            </a:r>
+            <a:r>
+              <a:rPr lang="en-US" sz="1100" dirty="0">
+                <a:latin typeface="Courier New" panose="02070309020205020404" pitchFamily="49" charset="0"/>
+                <a:cs typeface="Courier New" panose="02070309020205020404" pitchFamily="49" charset="0"/>
+              </a:rPr>
+              <a:t> </a:t>
+            </a:r>
+            <a:r>
+              <a:rPr lang="en-US" sz="1100" dirty="0" err="1">
+                <a:latin typeface="Courier New" panose="02070309020205020404" pitchFamily="49" charset="0"/>
+                <a:cs typeface="Courier New" panose="02070309020205020404" pitchFamily="49" charset="0"/>
+              </a:rPr>
+              <a:t>pr_credit</a:t>
             </a:r>
             <a:endParaRPr lang="en-US" sz="1100" dirty="0">
               <a:latin typeface="Courier New" panose="02070309020205020404" pitchFamily="49" charset="0"/>
@@ -13190,119 +13282,99 @@
                 <a:latin typeface="Courier New" panose="02070309020205020404" pitchFamily="49" charset="0"/>
                 <a:cs typeface="Courier New" panose="02070309020205020404" pitchFamily="49" charset="0"/>
               </a:rPr>
-              <a:t>                , </a:t>
+              <a:t>            </a:t>
+            </a:r>
+          </a:p>
+          <a:p>
+            <a:r>
+              <a:rPr lang="en-US" sz="1100" dirty="0">
+                <a:latin typeface="Courier New" panose="02070309020205020404" pitchFamily="49" charset="0"/>
+                <a:cs typeface="Courier New" panose="02070309020205020404" pitchFamily="49" charset="0"/>
+              </a:rPr>
+              <a:t>        UNION ALL</a:t>
+            </a:r>
+          </a:p>
+          <a:p>
+            <a:r>
+              <a:rPr lang="en-US" sz="1100" dirty="0">
+                <a:latin typeface="Courier New" panose="02070309020205020404" pitchFamily="49" charset="0"/>
+                <a:cs typeface="Courier New" panose="02070309020205020404" pitchFamily="49" charset="0"/>
+              </a:rPr>
+              <a:t>        </a:t>
+            </a:r>
+          </a:p>
+          <a:p>
+            <a:r>
+              <a:rPr lang="en-US" sz="1100" dirty="0">
+                <a:latin typeface="Courier New" panose="02070309020205020404" pitchFamily="49" charset="0"/>
+                <a:cs typeface="Courier New" panose="02070309020205020404" pitchFamily="49" charset="0"/>
+              </a:rPr>
+              <a:t>        SELECT </a:t>
+            </a:r>
+          </a:p>
+          <a:p>
+            <a:r>
+              <a:rPr lang="en-US" sz="1100" dirty="0">
+                <a:latin typeface="Courier New" panose="02070309020205020404" pitchFamily="49" charset="0"/>
+                <a:cs typeface="Courier New" panose="02070309020205020404" pitchFamily="49" charset="0"/>
+              </a:rPr>
+              <a:t>            </a:t>
             </a:r>
             <a:r>
               <a:rPr lang="en-US" sz="1100" dirty="0" err="1">
                 <a:latin typeface="Courier New" panose="02070309020205020404" pitchFamily="49" charset="0"/>
                 <a:cs typeface="Courier New" panose="02070309020205020404" pitchFamily="49" charset="0"/>
               </a:rPr>
-              <a:t>client_name</a:t>
+              <a:t>collect_fact</a:t>
+            </a:r>
+            <a:r>
+              <a:rPr lang="en-US" sz="1100" dirty="0">
+                <a:latin typeface="Courier New" panose="02070309020205020404" pitchFamily="49" charset="0"/>
+                <a:cs typeface="Courier New" panose="02070309020205020404" pitchFamily="49" charset="0"/>
+              </a:rPr>
+              <a:t> AS id</a:t>
+            </a:r>
+          </a:p>
+          <a:p>
+            <a:r>
+              <a:rPr lang="en-US" sz="1100" dirty="0">
+                <a:latin typeface="Courier New" panose="02070309020205020404" pitchFamily="49" charset="0"/>
+                <a:cs typeface="Courier New" panose="02070309020205020404" pitchFamily="49" charset="0"/>
+              </a:rPr>
+              <a:t>            FROM c##</a:t>
+            </a:r>
+            <a:r>
+              <a:rPr lang="en-US" sz="1100" dirty="0" err="1">
+                <a:latin typeface="Courier New" panose="02070309020205020404" pitchFamily="49" charset="0"/>
+                <a:cs typeface="Courier New" panose="02070309020205020404" pitchFamily="49" charset="0"/>
+              </a:rPr>
+              <a:t>course.pr_credit</a:t>
+            </a:r>
+            <a:r>
+              <a:rPr lang="en-US" sz="1100" dirty="0">
+                <a:latin typeface="Courier New" panose="02070309020205020404" pitchFamily="49" charset="0"/>
+                <a:cs typeface="Courier New" panose="02070309020205020404" pitchFamily="49" charset="0"/>
+              </a:rPr>
+              <a:t> </a:t>
+            </a:r>
+            <a:r>
+              <a:rPr lang="en-US" sz="1100" dirty="0" err="1" smtClean="0">
+                <a:latin typeface="Courier New" panose="02070309020205020404" pitchFamily="49" charset="0"/>
+                <a:cs typeface="Courier New" panose="02070309020205020404" pitchFamily="49" charset="0"/>
+              </a:rPr>
+              <a:t>pr_credit</a:t>
+            </a:r>
+            <a:r>
+              <a:rPr lang="en-US" sz="1100" dirty="0" smtClean="0">
+                <a:latin typeface="Courier New" panose="02070309020205020404" pitchFamily="49" charset="0"/>
+                <a:cs typeface="Courier New" panose="02070309020205020404" pitchFamily="49" charset="0"/>
+              </a:rPr>
+              <a:t>;</a:t>
             </a:r>
             <a:endParaRPr lang="en-US" sz="1100" dirty="0">
               <a:latin typeface="Courier New" panose="02070309020205020404" pitchFamily="49" charset="0"/>
               <a:cs typeface="Courier New" panose="02070309020205020404" pitchFamily="49" charset="0"/>
             </a:endParaRPr>
-          </a:p>
-          <a:p>
-            <a:r>
-              <a:rPr lang="en-US" sz="1100" dirty="0">
-                <a:latin typeface="Courier New" panose="02070309020205020404" pitchFamily="49" charset="0"/>
-                <a:cs typeface="Courier New" panose="02070309020205020404" pitchFamily="49" charset="0"/>
-              </a:rPr>
-              <a:t>                , </a:t>
-            </a:r>
-            <a:r>
-              <a:rPr lang="en-US" sz="1100" dirty="0" err="1">
-                <a:latin typeface="Courier New" panose="02070309020205020404" pitchFamily="49" charset="0"/>
-                <a:cs typeface="Courier New" panose="02070309020205020404" pitchFamily="49" charset="0"/>
-              </a:rPr>
-              <a:t>client_birth</a:t>
-            </a:r>
-            <a:endParaRPr lang="en-US" sz="1100" dirty="0">
-              <a:latin typeface="Courier New" panose="02070309020205020404" pitchFamily="49" charset="0"/>
-              <a:cs typeface="Courier New" panose="02070309020205020404" pitchFamily="49" charset="0"/>
-            </a:endParaRPr>
-          </a:p>
-          <a:p>
-            <a:r>
-              <a:rPr lang="en-US" sz="1100" dirty="0">
-                <a:latin typeface="Courier New" panose="02070309020205020404" pitchFamily="49" charset="0"/>
-                <a:cs typeface="Courier New" panose="02070309020205020404" pitchFamily="49" charset="0"/>
-              </a:rPr>
-              <a:t>            );</a:t>
-            </a:r>
-          </a:p>
-          <a:p>
-            <a:r>
-              <a:rPr lang="en-US" sz="1100" dirty="0">
-                <a:latin typeface="Courier New" panose="02070309020205020404" pitchFamily="49" charset="0"/>
-                <a:cs typeface="Courier New" panose="02070309020205020404" pitchFamily="49" charset="0"/>
-              </a:rPr>
-              <a:t>            COMMIT;</a:t>
-            </a:r>
-          </a:p>
-          <a:p>
-            <a:endParaRPr lang="en-US" sz="1100" dirty="0">
-              <a:latin typeface="Courier New" panose="02070309020205020404" pitchFamily="49" charset="0"/>
-              <a:cs typeface="Courier New" panose="02070309020205020404" pitchFamily="49" charset="0"/>
-            </a:endParaRPr>
-          </a:p>
-          <a:p>
-            <a:r>
-              <a:rPr lang="en-US" sz="1100" dirty="0">
-                <a:latin typeface="Courier New" panose="02070309020205020404" pitchFamily="49" charset="0"/>
-                <a:cs typeface="Courier New" panose="02070309020205020404" pitchFamily="49" charset="0"/>
-              </a:rPr>
-              <a:t>    END IF;</a:t>
-            </a:r>
-          </a:p>
-          <a:p>
-            <a:r>
-              <a:rPr lang="en-US" sz="1100" dirty="0">
-                <a:latin typeface="Courier New" panose="02070309020205020404" pitchFamily="49" charset="0"/>
-                <a:cs typeface="Courier New" panose="02070309020205020404" pitchFamily="49" charset="0"/>
-              </a:rPr>
-              <a:t>  </a:t>
-            </a:r>
-          </a:p>
-          <a:p>
-            <a:r>
-              <a:rPr lang="en-US" sz="1100" dirty="0">
-                <a:latin typeface="Courier New" panose="02070309020205020404" pitchFamily="49" charset="0"/>
-                <a:cs typeface="Courier New" panose="02070309020205020404" pitchFamily="49" charset="0"/>
-              </a:rPr>
-              <a:t>    RETURN;</a:t>
-            </a:r>
-          </a:p>
-          <a:p>
-            <a:endParaRPr lang="en-US" sz="1100" dirty="0">
-              <a:latin typeface="Courier New" panose="02070309020205020404" pitchFamily="49" charset="0"/>
-              <a:cs typeface="Courier New" panose="02070309020205020404" pitchFamily="49" charset="0"/>
-            </a:endParaRPr>
-          </a:p>
-          <a:p>
-            <a:r>
-              <a:rPr lang="en-US" sz="1100" dirty="0">
-                <a:latin typeface="Courier New" panose="02070309020205020404" pitchFamily="49" charset="0"/>
-                <a:cs typeface="Courier New" panose="02070309020205020404" pitchFamily="49" charset="0"/>
-              </a:rPr>
-              <a:t>END </a:t>
-            </a:r>
-            <a:r>
-              <a:rPr lang="en-US" sz="1100" dirty="0" err="1">
-                <a:latin typeface="Courier New" panose="02070309020205020404" pitchFamily="49" charset="0"/>
-                <a:cs typeface="Courier New" panose="02070309020205020404" pitchFamily="49" charset="0"/>
-              </a:rPr>
-              <a:t>pr_create_client</a:t>
-            </a:r>
-            <a:r>
-              <a:rPr lang="en-US" sz="1100" dirty="0">
-                <a:latin typeface="Courier New" panose="02070309020205020404" pitchFamily="49" charset="0"/>
-                <a:cs typeface="Courier New" panose="02070309020205020404" pitchFamily="49" charset="0"/>
-              </a:rPr>
-              <a:t>;</a:t>
-            </a:r>
           </a:p>
         </p:txBody>
       </p:sp>
@@ -13338,7 +13410,7 @@
                 </a:solidFill>
                 <a:hlinkClick r:id="rId2"/>
               </a:rPr>
-              <a:t>https://github.com/AndrSor/Course_PLSQL_SB/blob/main/Course%20Work/04.2.%D0%9D%D0%BE%D0%B2%D1%8B%D0%B9%20%D0%B8%D0%BB%D0%B8%20%D1%81%D1%83%D1%89%D0%B5%D1%81%D1%82%D0%B2%D1%83%D1%8E%D1%89%D0%B8%D0%B9%20%D0%BA%D0%BB%D0%B8%D0%B5%D0%BD%D1%82.sql</a:t>
+              <a:t>https://github.com/AndrSor/Course_PLSQL_SB/blob/main/Course%20Work/04.1.%D0%A1%D0%BE%D0%B7%D0%B4%D0%B0%D0%B5%D0%BC%20%D0%BF%D0%BE%D1%81%D0%BB%D0%B5%D0%B4%D0%BE%D0%B2%D0%B0%D1%82%D0%B5%D0%BB%D1%8C%D0%BD%D0%BE%D1%81%D1%82%D1%8C.sql</a:t>
             </a:r>
             <a:endParaRPr lang="ru-RU" sz="1200" dirty="0">
               <a:solidFill>
@@ -13392,7 +13464,7 @@
     </p:spTree>
     <p:extLst>
       <p:ext uri="{BB962C8B-B14F-4D97-AF65-F5344CB8AC3E}">
-        <p14:creationId xmlns:p14="http://schemas.microsoft.com/office/powerpoint/2010/main" val="539797188"/>
+        <p14:creationId xmlns:p14="http://schemas.microsoft.com/office/powerpoint/2010/main" val="1599170103"/>
       </p:ext>
     </p:extLst>
   </p:cSld>
@@ -13431,7 +13503,7 @@
           <p:cNvPr id="18" name="Title 7">
             <a:extLst>
               <a:ext uri="{FF2B5EF4-FFF2-40B4-BE49-F238E27FC236}">
-                <a16:creationId xmlns:a16="http://schemas.microsoft.com/office/drawing/2014/main" xmlns="" id="{E195DE7B-42F0-4CAA-AAB0-D33DB61C53CA}"/>
+                <a16:creationId xmlns="" xmlns:a16="http://schemas.microsoft.com/office/drawing/2014/main" id="{E195DE7B-42F0-4CAA-AAB0-D33DB61C53CA}"/>
               </a:ext>
             </a:extLst>
           </p:cNvPr>
@@ -13488,15 +13560,1037 @@
                   <a:srgbClr val="333F48"/>
                 </a:solidFill>
               </a:rPr>
-              <a:t>. </a:t>
-            </a:r>
+              <a:t>. Процедура создает и возвращает клиента</a:t>
+            </a:r>
+            <a:endParaRPr lang="ru-RU" sz="1200" dirty="0"/>
+          </a:p>
+          <a:p>
+            <a:pPr>
+              <a:defRPr/>
+            </a:pPr>
             <a:r>
               <a:rPr lang="ru-RU" sz="3200" dirty="0" smtClean="0">
                 <a:solidFill>
                   <a:srgbClr val="333F48"/>
                 </a:solidFill>
               </a:rPr>
-              <a:t>Новый договор и плановый график</a:t>
+              <a:t> </a:t>
+            </a:r>
+            <a:endParaRPr lang="ru-RU" sz="1200" dirty="0"/>
+          </a:p>
+        </p:txBody>
+      </p:sp>
+      <p:sp>
+        <p:nvSpPr>
+          <p:cNvPr id="5" name="TextBox 4"/>
+          <p:cNvSpPr txBox="1"/>
+          <p:nvPr/>
+        </p:nvSpPr>
+        <p:spPr>
+          <a:xfrm>
+            <a:off x="5879976" y="614491"/>
+            <a:ext cx="6120680" cy="507831"/>
+          </a:xfrm>
+          <a:prstGeom prst="rect">
+            <a:avLst/>
+          </a:prstGeom>
+          <a:noFill/>
+        </p:spPr>
+        <p:txBody>
+          <a:bodyPr wrap="square" rtlCol="0">
+            <a:spAutoFit/>
+          </a:bodyPr>
+          <a:lstStyle/>
+          <a:p>
+            <a:r>
+              <a:rPr lang="en-US" sz="900" dirty="0"/>
+              <a:t> </a:t>
+            </a:r>
+          </a:p>
+          <a:p>
+            <a:endParaRPr lang="en-US" sz="900" dirty="0"/>
+          </a:p>
+          <a:p>
+            <a:r>
+              <a:rPr lang="en-US" sz="900" dirty="0" smtClean="0"/>
+              <a:t>   </a:t>
+            </a:r>
+            <a:endParaRPr lang="ru-RU" sz="900" dirty="0"/>
+          </a:p>
+        </p:txBody>
+      </p:sp>
+      <p:sp>
+        <p:nvSpPr>
+          <p:cNvPr id="4" name="TextBox 3"/>
+          <p:cNvSpPr txBox="1"/>
+          <p:nvPr/>
+        </p:nvSpPr>
+        <p:spPr>
+          <a:xfrm>
+            <a:off x="335360" y="725502"/>
+            <a:ext cx="5328592" cy="3985706"/>
+          </a:xfrm>
+          <a:prstGeom prst="rect">
+            <a:avLst/>
+          </a:prstGeom>
+          <a:solidFill>
+            <a:schemeClr val="accent3">
+              <a:lumMod val="20000"/>
+              <a:lumOff val="80000"/>
+            </a:schemeClr>
+          </a:solidFill>
+          <a:ln>
+            <a:solidFill>
+              <a:schemeClr val="accent1"/>
+            </a:solidFill>
+          </a:ln>
+        </p:spPr>
+        <p:txBody>
+          <a:bodyPr wrap="square" rtlCol="0">
+            <a:spAutoFit/>
+          </a:bodyPr>
+          <a:lstStyle/>
+          <a:p>
+            <a:r>
+              <a:rPr lang="en-US" sz="1100" dirty="0">
+                <a:latin typeface="Courier New" panose="02070309020205020404" pitchFamily="49" charset="0"/>
+                <a:cs typeface="Courier New" panose="02070309020205020404" pitchFamily="49" charset="0"/>
+              </a:rPr>
+              <a:t>CREATE OR REPLACE PROCEDURE c##</a:t>
+            </a:r>
+            <a:r>
+              <a:rPr lang="en-US" sz="1100" dirty="0" err="1">
+                <a:latin typeface="Courier New" panose="02070309020205020404" pitchFamily="49" charset="0"/>
+                <a:cs typeface="Courier New" panose="02070309020205020404" pitchFamily="49" charset="0"/>
+              </a:rPr>
+              <a:t>course.pr_create_client</a:t>
+            </a:r>
+            <a:r>
+              <a:rPr lang="en-US" sz="1100" dirty="0">
+                <a:latin typeface="Courier New" panose="02070309020205020404" pitchFamily="49" charset="0"/>
+                <a:cs typeface="Courier New" panose="02070309020205020404" pitchFamily="49" charset="0"/>
+              </a:rPr>
+              <a:t> (</a:t>
+            </a:r>
+          </a:p>
+          <a:p>
+            <a:r>
+              <a:rPr lang="en-US" sz="1100" dirty="0">
+                <a:latin typeface="Courier New" panose="02070309020205020404" pitchFamily="49" charset="0"/>
+                <a:cs typeface="Courier New" panose="02070309020205020404" pitchFamily="49" charset="0"/>
+              </a:rPr>
+              <a:t>    </a:t>
+            </a:r>
+            <a:r>
+              <a:rPr lang="en-US" sz="1100" dirty="0" err="1">
+                <a:latin typeface="Courier New" panose="02070309020205020404" pitchFamily="49" charset="0"/>
+                <a:cs typeface="Courier New" panose="02070309020205020404" pitchFamily="49" charset="0"/>
+              </a:rPr>
+              <a:t>client_name</a:t>
+            </a:r>
+            <a:r>
+              <a:rPr lang="en-US" sz="1100" dirty="0">
+                <a:latin typeface="Courier New" panose="02070309020205020404" pitchFamily="49" charset="0"/>
+                <a:cs typeface="Courier New" panose="02070309020205020404" pitchFamily="49" charset="0"/>
+              </a:rPr>
+              <a:t>     IN  varchar2,        -- </a:t>
+            </a:r>
+            <a:r>
+              <a:rPr lang="en-US" sz="1100" dirty="0" err="1">
+                <a:latin typeface="Courier New" panose="02070309020205020404" pitchFamily="49" charset="0"/>
+                <a:cs typeface="Courier New" panose="02070309020205020404" pitchFamily="49" charset="0"/>
+              </a:rPr>
+              <a:t>Клиент</a:t>
+            </a:r>
+            <a:r>
+              <a:rPr lang="en-US" sz="1100" dirty="0">
+                <a:latin typeface="Courier New" panose="02070309020205020404" pitchFamily="49" charset="0"/>
+                <a:cs typeface="Courier New" panose="02070309020205020404" pitchFamily="49" charset="0"/>
+              </a:rPr>
+              <a:t> ФИО</a:t>
+            </a:r>
+          </a:p>
+          <a:p>
+            <a:r>
+              <a:rPr lang="en-US" sz="1100" dirty="0">
+                <a:latin typeface="Courier New" panose="02070309020205020404" pitchFamily="49" charset="0"/>
+                <a:cs typeface="Courier New" panose="02070309020205020404" pitchFamily="49" charset="0"/>
+              </a:rPr>
+              <a:t>    </a:t>
+            </a:r>
+            <a:r>
+              <a:rPr lang="en-US" sz="1100" dirty="0" err="1">
+                <a:latin typeface="Courier New" panose="02070309020205020404" pitchFamily="49" charset="0"/>
+                <a:cs typeface="Courier New" panose="02070309020205020404" pitchFamily="49" charset="0"/>
+              </a:rPr>
+              <a:t>client_birth</a:t>
+            </a:r>
+            <a:r>
+              <a:rPr lang="en-US" sz="1100" dirty="0">
+                <a:latin typeface="Courier New" panose="02070309020205020404" pitchFamily="49" charset="0"/>
+                <a:cs typeface="Courier New" panose="02070309020205020404" pitchFamily="49" charset="0"/>
+              </a:rPr>
+              <a:t>    IN  date,            -- </a:t>
+            </a:r>
+            <a:r>
+              <a:rPr lang="en-US" sz="1100" dirty="0" err="1">
+                <a:latin typeface="Courier New" panose="02070309020205020404" pitchFamily="49" charset="0"/>
+                <a:cs typeface="Courier New" panose="02070309020205020404" pitchFamily="49" charset="0"/>
+              </a:rPr>
+              <a:t>Дата</a:t>
+            </a:r>
+            <a:r>
+              <a:rPr lang="en-US" sz="1100" dirty="0">
+                <a:latin typeface="Courier New" panose="02070309020205020404" pitchFamily="49" charset="0"/>
+                <a:cs typeface="Courier New" panose="02070309020205020404" pitchFamily="49" charset="0"/>
+              </a:rPr>
+              <a:t> </a:t>
+            </a:r>
+            <a:r>
+              <a:rPr lang="en-US" sz="1100" dirty="0" err="1">
+                <a:latin typeface="Courier New" panose="02070309020205020404" pitchFamily="49" charset="0"/>
+                <a:cs typeface="Courier New" panose="02070309020205020404" pitchFamily="49" charset="0"/>
+              </a:rPr>
+              <a:t>рождения</a:t>
+            </a:r>
+            <a:r>
+              <a:rPr lang="en-US" sz="1100" dirty="0">
+                <a:latin typeface="Courier New" panose="02070309020205020404" pitchFamily="49" charset="0"/>
+                <a:cs typeface="Courier New" panose="02070309020205020404" pitchFamily="49" charset="0"/>
+              </a:rPr>
+              <a:t> </a:t>
+            </a:r>
+            <a:r>
+              <a:rPr lang="en-US" sz="1100" dirty="0" err="1">
+                <a:latin typeface="Courier New" panose="02070309020205020404" pitchFamily="49" charset="0"/>
+                <a:cs typeface="Courier New" panose="02070309020205020404" pitchFamily="49" charset="0"/>
+              </a:rPr>
+              <a:t>Клиента</a:t>
+            </a:r>
+            <a:endParaRPr lang="en-US" sz="1100" dirty="0">
+              <a:latin typeface="Courier New" panose="02070309020205020404" pitchFamily="49" charset="0"/>
+              <a:cs typeface="Courier New" panose="02070309020205020404" pitchFamily="49" charset="0"/>
+            </a:endParaRPr>
+          </a:p>
+          <a:p>
+            <a:r>
+              <a:rPr lang="en-US" sz="1100" dirty="0">
+                <a:latin typeface="Courier New" panose="02070309020205020404" pitchFamily="49" charset="0"/>
+                <a:cs typeface="Courier New" panose="02070309020205020404" pitchFamily="49" charset="0"/>
+              </a:rPr>
+              <a:t>    </a:t>
+            </a:r>
+            <a:r>
+              <a:rPr lang="en-US" sz="1100" dirty="0" err="1">
+                <a:latin typeface="Courier New" panose="02070309020205020404" pitchFamily="49" charset="0"/>
+                <a:cs typeface="Courier New" panose="02070309020205020404" pitchFamily="49" charset="0"/>
+              </a:rPr>
+              <a:t>client_id</a:t>
+            </a:r>
+            <a:r>
+              <a:rPr lang="en-US" sz="1100" dirty="0">
+                <a:latin typeface="Courier New" panose="02070309020205020404" pitchFamily="49" charset="0"/>
+                <a:cs typeface="Courier New" panose="02070309020205020404" pitchFamily="49" charset="0"/>
+              </a:rPr>
+              <a:t>       OUT number</a:t>
+            </a:r>
+          </a:p>
+          <a:p>
+            <a:r>
+              <a:rPr lang="en-US" sz="1100" dirty="0">
+                <a:latin typeface="Courier New" panose="02070309020205020404" pitchFamily="49" charset="0"/>
+                <a:cs typeface="Courier New" panose="02070309020205020404" pitchFamily="49" charset="0"/>
+              </a:rPr>
+              <a:t>)</a:t>
+            </a:r>
+          </a:p>
+          <a:p>
+            <a:r>
+              <a:rPr lang="en-US" sz="1100" dirty="0">
+                <a:latin typeface="Courier New" panose="02070309020205020404" pitchFamily="49" charset="0"/>
+                <a:cs typeface="Courier New" panose="02070309020205020404" pitchFamily="49" charset="0"/>
+              </a:rPr>
+              <a:t>AS</a:t>
+            </a:r>
+          </a:p>
+          <a:p>
+            <a:r>
+              <a:rPr lang="en-US" sz="1100" dirty="0">
+                <a:latin typeface="Courier New" panose="02070309020205020404" pitchFamily="49" charset="0"/>
+                <a:cs typeface="Courier New" panose="02070309020205020404" pitchFamily="49" charset="0"/>
+              </a:rPr>
+              <a:t>    </a:t>
+            </a:r>
+            <a:r>
+              <a:rPr lang="en-US" sz="1100" dirty="0" err="1">
+                <a:latin typeface="Courier New" panose="02070309020205020404" pitchFamily="49" charset="0"/>
+                <a:cs typeface="Courier New" panose="02070309020205020404" pitchFamily="49" charset="0"/>
+              </a:rPr>
+              <a:t>client_exists</a:t>
+            </a:r>
+            <a:r>
+              <a:rPr lang="en-US" sz="1100" dirty="0">
+                <a:latin typeface="Courier New" panose="02070309020205020404" pitchFamily="49" charset="0"/>
+                <a:cs typeface="Courier New" panose="02070309020205020404" pitchFamily="49" charset="0"/>
+              </a:rPr>
+              <a:t> number := 0;</a:t>
+            </a:r>
+          </a:p>
+          <a:p>
+            <a:r>
+              <a:rPr lang="en-US" sz="1100" dirty="0">
+                <a:latin typeface="Courier New" panose="02070309020205020404" pitchFamily="49" charset="0"/>
+                <a:cs typeface="Courier New" panose="02070309020205020404" pitchFamily="49" charset="0"/>
+              </a:rPr>
+              <a:t>BEGIN</a:t>
+            </a:r>
+          </a:p>
+          <a:p>
+            <a:r>
+              <a:rPr lang="en-US" sz="1100" dirty="0">
+                <a:latin typeface="Courier New" panose="02070309020205020404" pitchFamily="49" charset="0"/>
+                <a:cs typeface="Courier New" panose="02070309020205020404" pitchFamily="49" charset="0"/>
+              </a:rPr>
+              <a:t>    </a:t>
+            </a:r>
+          </a:p>
+          <a:p>
+            <a:r>
+              <a:rPr lang="en-US" sz="1100" dirty="0">
+                <a:latin typeface="Courier New" panose="02070309020205020404" pitchFamily="49" charset="0"/>
+                <a:cs typeface="Courier New" panose="02070309020205020404" pitchFamily="49" charset="0"/>
+              </a:rPr>
+              <a:t>    SELECT</a:t>
+            </a:r>
+          </a:p>
+          <a:p>
+            <a:r>
+              <a:rPr lang="en-US" sz="1100" dirty="0">
+                <a:latin typeface="Courier New" panose="02070309020205020404" pitchFamily="49" charset="0"/>
+                <a:cs typeface="Courier New" panose="02070309020205020404" pitchFamily="49" charset="0"/>
+              </a:rPr>
+              <a:t>        COUNT(*) INTO </a:t>
+            </a:r>
+            <a:r>
+              <a:rPr lang="en-US" sz="1100" dirty="0" err="1">
+                <a:latin typeface="Courier New" panose="02070309020205020404" pitchFamily="49" charset="0"/>
+                <a:cs typeface="Courier New" panose="02070309020205020404" pitchFamily="49" charset="0"/>
+              </a:rPr>
+              <a:t>client_exists</a:t>
+            </a:r>
+            <a:endParaRPr lang="en-US" sz="1100" dirty="0">
+              <a:latin typeface="Courier New" panose="02070309020205020404" pitchFamily="49" charset="0"/>
+              <a:cs typeface="Courier New" panose="02070309020205020404" pitchFamily="49" charset="0"/>
+            </a:endParaRPr>
+          </a:p>
+          <a:p>
+            <a:r>
+              <a:rPr lang="en-US" sz="1100" dirty="0">
+                <a:latin typeface="Courier New" panose="02070309020205020404" pitchFamily="49" charset="0"/>
+                <a:cs typeface="Courier New" panose="02070309020205020404" pitchFamily="49" charset="0"/>
+              </a:rPr>
+              <a:t>        FROM c##</a:t>
+            </a:r>
+            <a:r>
+              <a:rPr lang="en-US" sz="1100" dirty="0" err="1">
+                <a:latin typeface="Courier New" panose="02070309020205020404" pitchFamily="49" charset="0"/>
+                <a:cs typeface="Courier New" panose="02070309020205020404" pitchFamily="49" charset="0"/>
+              </a:rPr>
+              <a:t>course.client</a:t>
+            </a:r>
+            <a:endParaRPr lang="en-US" sz="1100" dirty="0">
+              <a:latin typeface="Courier New" panose="02070309020205020404" pitchFamily="49" charset="0"/>
+              <a:cs typeface="Courier New" panose="02070309020205020404" pitchFamily="49" charset="0"/>
+            </a:endParaRPr>
+          </a:p>
+          <a:p>
+            <a:r>
+              <a:rPr lang="en-US" sz="1100" dirty="0">
+                <a:latin typeface="Courier New" panose="02070309020205020404" pitchFamily="49" charset="0"/>
+                <a:cs typeface="Courier New" panose="02070309020205020404" pitchFamily="49" charset="0"/>
+              </a:rPr>
+              <a:t>        WHERE</a:t>
+            </a:r>
+          </a:p>
+          <a:p>
+            <a:r>
+              <a:rPr lang="en-US" sz="1100" dirty="0">
+                <a:latin typeface="Courier New" panose="02070309020205020404" pitchFamily="49" charset="0"/>
+                <a:cs typeface="Courier New" panose="02070309020205020404" pitchFamily="49" charset="0"/>
+              </a:rPr>
+              <a:t>            </a:t>
+            </a:r>
+            <a:r>
+              <a:rPr lang="en-US" sz="1100" dirty="0" err="1">
+                <a:latin typeface="Courier New" panose="02070309020205020404" pitchFamily="49" charset="0"/>
+                <a:cs typeface="Courier New" panose="02070309020205020404" pitchFamily="49" charset="0"/>
+              </a:rPr>
+              <a:t>cl_name</a:t>
+            </a:r>
+            <a:r>
+              <a:rPr lang="en-US" sz="1100" dirty="0">
+                <a:latin typeface="Courier New" panose="02070309020205020404" pitchFamily="49" charset="0"/>
+                <a:cs typeface="Courier New" panose="02070309020205020404" pitchFamily="49" charset="0"/>
+              </a:rPr>
+              <a:t> = </a:t>
+            </a:r>
+            <a:r>
+              <a:rPr lang="en-US" sz="1100" dirty="0" err="1">
+                <a:latin typeface="Courier New" panose="02070309020205020404" pitchFamily="49" charset="0"/>
+                <a:cs typeface="Courier New" panose="02070309020205020404" pitchFamily="49" charset="0"/>
+              </a:rPr>
+              <a:t>client_name</a:t>
+            </a:r>
+            <a:r>
+              <a:rPr lang="en-US" sz="1100" dirty="0">
+                <a:latin typeface="Courier New" panose="02070309020205020404" pitchFamily="49" charset="0"/>
+                <a:cs typeface="Courier New" panose="02070309020205020404" pitchFamily="49" charset="0"/>
+              </a:rPr>
+              <a:t>;</a:t>
+            </a:r>
+          </a:p>
+          <a:p>
+            <a:r>
+              <a:rPr lang="en-US" sz="1100" dirty="0">
+                <a:latin typeface="Courier New" panose="02070309020205020404" pitchFamily="49" charset="0"/>
+                <a:cs typeface="Courier New" panose="02070309020205020404" pitchFamily="49" charset="0"/>
+              </a:rPr>
+              <a:t>    </a:t>
+            </a:r>
+          </a:p>
+          <a:p>
+            <a:r>
+              <a:rPr lang="en-US" sz="1100" dirty="0">
+                <a:latin typeface="Courier New" panose="02070309020205020404" pitchFamily="49" charset="0"/>
+                <a:cs typeface="Courier New" panose="02070309020205020404" pitchFamily="49" charset="0"/>
+              </a:rPr>
+              <a:t>    IF </a:t>
+            </a:r>
+            <a:r>
+              <a:rPr lang="en-US" sz="1100" dirty="0" err="1">
+                <a:latin typeface="Courier New" panose="02070309020205020404" pitchFamily="49" charset="0"/>
+                <a:cs typeface="Courier New" panose="02070309020205020404" pitchFamily="49" charset="0"/>
+              </a:rPr>
+              <a:t>client_exists</a:t>
+            </a:r>
+            <a:r>
+              <a:rPr lang="en-US" sz="1100" dirty="0">
+                <a:latin typeface="Courier New" panose="02070309020205020404" pitchFamily="49" charset="0"/>
+                <a:cs typeface="Courier New" panose="02070309020205020404" pitchFamily="49" charset="0"/>
+              </a:rPr>
+              <a:t> &gt; 0 THEN</a:t>
+            </a:r>
+          </a:p>
+          <a:p>
+            <a:r>
+              <a:rPr lang="en-US" sz="1100" dirty="0">
+                <a:latin typeface="Courier New" panose="02070309020205020404" pitchFamily="49" charset="0"/>
+                <a:cs typeface="Courier New" panose="02070309020205020404" pitchFamily="49" charset="0"/>
+              </a:rPr>
+              <a:t>     SELECT</a:t>
+            </a:r>
+          </a:p>
+          <a:p>
+            <a:r>
+              <a:rPr lang="en-US" sz="1100" dirty="0">
+                <a:latin typeface="Courier New" panose="02070309020205020404" pitchFamily="49" charset="0"/>
+                <a:cs typeface="Courier New" panose="02070309020205020404" pitchFamily="49" charset="0"/>
+              </a:rPr>
+              <a:t>        id INTO </a:t>
+            </a:r>
+            <a:r>
+              <a:rPr lang="en-US" sz="1100" dirty="0" err="1">
+                <a:latin typeface="Courier New" panose="02070309020205020404" pitchFamily="49" charset="0"/>
+                <a:cs typeface="Courier New" panose="02070309020205020404" pitchFamily="49" charset="0"/>
+              </a:rPr>
+              <a:t>client_id</a:t>
+            </a:r>
+            <a:endParaRPr lang="en-US" sz="1100" dirty="0">
+              <a:latin typeface="Courier New" panose="02070309020205020404" pitchFamily="49" charset="0"/>
+              <a:cs typeface="Courier New" panose="02070309020205020404" pitchFamily="49" charset="0"/>
+            </a:endParaRPr>
+          </a:p>
+          <a:p>
+            <a:r>
+              <a:rPr lang="en-US" sz="1100" dirty="0">
+                <a:latin typeface="Courier New" panose="02070309020205020404" pitchFamily="49" charset="0"/>
+                <a:cs typeface="Courier New" panose="02070309020205020404" pitchFamily="49" charset="0"/>
+              </a:rPr>
+              <a:t>        FROM c##</a:t>
+            </a:r>
+            <a:r>
+              <a:rPr lang="en-US" sz="1100" dirty="0" err="1">
+                <a:latin typeface="Courier New" panose="02070309020205020404" pitchFamily="49" charset="0"/>
+                <a:cs typeface="Courier New" panose="02070309020205020404" pitchFamily="49" charset="0"/>
+              </a:rPr>
+              <a:t>course.client</a:t>
+            </a:r>
+            <a:endParaRPr lang="en-US" sz="1100" dirty="0">
+              <a:latin typeface="Courier New" panose="02070309020205020404" pitchFamily="49" charset="0"/>
+              <a:cs typeface="Courier New" panose="02070309020205020404" pitchFamily="49" charset="0"/>
+            </a:endParaRPr>
+          </a:p>
+          <a:p>
+            <a:r>
+              <a:rPr lang="en-US" sz="1100" dirty="0">
+                <a:latin typeface="Courier New" panose="02070309020205020404" pitchFamily="49" charset="0"/>
+                <a:cs typeface="Courier New" panose="02070309020205020404" pitchFamily="49" charset="0"/>
+              </a:rPr>
+              <a:t>        WHERE</a:t>
+            </a:r>
+          </a:p>
+          <a:p>
+            <a:r>
+              <a:rPr lang="en-US" sz="1100" dirty="0">
+                <a:latin typeface="Courier New" panose="02070309020205020404" pitchFamily="49" charset="0"/>
+                <a:cs typeface="Courier New" panose="02070309020205020404" pitchFamily="49" charset="0"/>
+              </a:rPr>
+              <a:t>            </a:t>
+            </a:r>
+            <a:r>
+              <a:rPr lang="en-US" sz="1100" dirty="0" err="1">
+                <a:latin typeface="Courier New" panose="02070309020205020404" pitchFamily="49" charset="0"/>
+                <a:cs typeface="Courier New" panose="02070309020205020404" pitchFamily="49" charset="0"/>
+              </a:rPr>
+              <a:t>cl_name</a:t>
+            </a:r>
+            <a:r>
+              <a:rPr lang="en-US" sz="1100" dirty="0">
+                <a:latin typeface="Courier New" panose="02070309020205020404" pitchFamily="49" charset="0"/>
+                <a:cs typeface="Courier New" panose="02070309020205020404" pitchFamily="49" charset="0"/>
+              </a:rPr>
+              <a:t> = </a:t>
+            </a:r>
+            <a:r>
+              <a:rPr lang="en-US" sz="1100" dirty="0" err="1">
+                <a:latin typeface="Courier New" panose="02070309020205020404" pitchFamily="49" charset="0"/>
+                <a:cs typeface="Courier New" panose="02070309020205020404" pitchFamily="49" charset="0"/>
+              </a:rPr>
+              <a:t>client_name</a:t>
+            </a:r>
+            <a:r>
+              <a:rPr lang="en-US" sz="1100" dirty="0" smtClean="0">
+                <a:latin typeface="Courier New" panose="02070309020205020404" pitchFamily="49" charset="0"/>
+                <a:cs typeface="Courier New" panose="02070309020205020404" pitchFamily="49" charset="0"/>
+              </a:rPr>
+              <a:t>;</a:t>
+            </a:r>
+            <a:endParaRPr lang="ru-RU" sz="1100" dirty="0" smtClean="0">
+              <a:latin typeface="Courier New" panose="02070309020205020404" pitchFamily="49" charset="0"/>
+              <a:cs typeface="Courier New" panose="02070309020205020404" pitchFamily="49" charset="0"/>
+            </a:endParaRPr>
+          </a:p>
+          <a:p>
+            <a:r>
+              <a:rPr lang="ru-RU" sz="1100" dirty="0" smtClean="0">
+                <a:latin typeface="Courier New" panose="02070309020205020404" pitchFamily="49" charset="0"/>
+                <a:cs typeface="Courier New" panose="02070309020205020404" pitchFamily="49" charset="0"/>
+              </a:rPr>
+              <a:t>...</a:t>
+            </a:r>
+            <a:r>
+              <a:rPr lang="en-US" sz="1100" dirty="0" smtClean="0">
+                <a:latin typeface="Courier New" panose="02070309020205020404" pitchFamily="49" charset="0"/>
+                <a:cs typeface="Courier New" panose="02070309020205020404" pitchFamily="49" charset="0"/>
+              </a:rPr>
+              <a:t>                </a:t>
+            </a:r>
+            <a:endParaRPr lang="en-US" sz="1100" dirty="0">
+              <a:latin typeface="Courier New" panose="02070309020205020404" pitchFamily="49" charset="0"/>
+              <a:cs typeface="Courier New" panose="02070309020205020404" pitchFamily="49" charset="0"/>
+            </a:endParaRPr>
+          </a:p>
+        </p:txBody>
+      </p:sp>
+      <p:sp>
+        <p:nvSpPr>
+          <p:cNvPr id="7" name="TextBox 6"/>
+          <p:cNvSpPr txBox="1"/>
+          <p:nvPr/>
+        </p:nvSpPr>
+        <p:spPr>
+          <a:xfrm>
+            <a:off x="5879976" y="728112"/>
+            <a:ext cx="6120680" cy="3308598"/>
+          </a:xfrm>
+          <a:prstGeom prst="rect">
+            <a:avLst/>
+          </a:prstGeom>
+          <a:solidFill>
+            <a:schemeClr val="accent3">
+              <a:lumMod val="20000"/>
+              <a:lumOff val="80000"/>
+            </a:schemeClr>
+          </a:solidFill>
+          <a:ln>
+            <a:solidFill>
+              <a:schemeClr val="accent1"/>
+            </a:solidFill>
+          </a:ln>
+        </p:spPr>
+        <p:txBody>
+          <a:bodyPr wrap="square" rtlCol="0">
+            <a:spAutoFit/>
+          </a:bodyPr>
+          <a:lstStyle/>
+          <a:p>
+            <a:r>
+              <a:rPr lang="en-US" sz="1100" dirty="0">
+                <a:latin typeface="Courier New" panose="02070309020205020404" pitchFamily="49" charset="0"/>
+                <a:cs typeface="Courier New" panose="02070309020205020404" pitchFamily="49" charset="0"/>
+              </a:rPr>
+              <a:t>ELSE</a:t>
+            </a:r>
+          </a:p>
+          <a:p>
+            <a:r>
+              <a:rPr lang="en-US" sz="1100" dirty="0">
+                <a:latin typeface="Courier New" panose="02070309020205020404" pitchFamily="49" charset="0"/>
+                <a:cs typeface="Courier New" panose="02070309020205020404" pitchFamily="49" charset="0"/>
+              </a:rPr>
+              <a:t>        </a:t>
+            </a:r>
+            <a:r>
+              <a:rPr lang="en-US" sz="1100" dirty="0" err="1">
+                <a:latin typeface="Courier New" panose="02070309020205020404" pitchFamily="49" charset="0"/>
+                <a:cs typeface="Courier New" panose="02070309020205020404" pitchFamily="49" charset="0"/>
+              </a:rPr>
+              <a:t>client_id</a:t>
+            </a:r>
+            <a:r>
+              <a:rPr lang="en-US" sz="1100" dirty="0">
+                <a:latin typeface="Courier New" panose="02070309020205020404" pitchFamily="49" charset="0"/>
+                <a:cs typeface="Courier New" panose="02070309020205020404" pitchFamily="49" charset="0"/>
+              </a:rPr>
+              <a:t> := c##</a:t>
+            </a:r>
+            <a:r>
+              <a:rPr lang="en-US" sz="1100" dirty="0" err="1">
+                <a:latin typeface="Courier New" panose="02070309020205020404" pitchFamily="49" charset="0"/>
+                <a:cs typeface="Courier New" panose="02070309020205020404" pitchFamily="49" charset="0"/>
+              </a:rPr>
+              <a:t>course.seq.nextval</a:t>
+            </a:r>
+            <a:r>
+              <a:rPr lang="en-US" sz="1100" dirty="0">
+                <a:latin typeface="Courier New" panose="02070309020205020404" pitchFamily="49" charset="0"/>
+                <a:cs typeface="Courier New" panose="02070309020205020404" pitchFamily="49" charset="0"/>
+              </a:rPr>
+              <a:t>;</a:t>
+            </a:r>
+          </a:p>
+          <a:p>
+            <a:r>
+              <a:rPr lang="en-US" sz="1100" dirty="0">
+                <a:latin typeface="Courier New" panose="02070309020205020404" pitchFamily="49" charset="0"/>
+                <a:cs typeface="Courier New" panose="02070309020205020404" pitchFamily="49" charset="0"/>
+              </a:rPr>
+              <a:t>        INSERT INTO c##</a:t>
+            </a:r>
+            <a:r>
+              <a:rPr lang="en-US" sz="1100" dirty="0" err="1">
+                <a:latin typeface="Courier New" panose="02070309020205020404" pitchFamily="49" charset="0"/>
+                <a:cs typeface="Courier New" panose="02070309020205020404" pitchFamily="49" charset="0"/>
+              </a:rPr>
+              <a:t>course.client</a:t>
+            </a:r>
+            <a:endParaRPr lang="en-US" sz="1100" dirty="0">
+              <a:latin typeface="Courier New" panose="02070309020205020404" pitchFamily="49" charset="0"/>
+              <a:cs typeface="Courier New" panose="02070309020205020404" pitchFamily="49" charset="0"/>
+            </a:endParaRPr>
+          </a:p>
+          <a:p>
+            <a:r>
+              <a:rPr lang="en-US" sz="1100" dirty="0">
+                <a:latin typeface="Courier New" panose="02070309020205020404" pitchFamily="49" charset="0"/>
+                <a:cs typeface="Courier New" panose="02070309020205020404" pitchFamily="49" charset="0"/>
+              </a:rPr>
+              <a:t>            (</a:t>
+            </a:r>
+          </a:p>
+          <a:p>
+            <a:r>
+              <a:rPr lang="en-US" sz="1100" dirty="0">
+                <a:latin typeface="Courier New" panose="02070309020205020404" pitchFamily="49" charset="0"/>
+                <a:cs typeface="Courier New" panose="02070309020205020404" pitchFamily="49" charset="0"/>
+              </a:rPr>
+              <a:t>                  id</a:t>
+            </a:r>
+          </a:p>
+          <a:p>
+            <a:r>
+              <a:rPr lang="en-US" sz="1100" dirty="0">
+                <a:latin typeface="Courier New" panose="02070309020205020404" pitchFamily="49" charset="0"/>
+                <a:cs typeface="Courier New" panose="02070309020205020404" pitchFamily="49" charset="0"/>
+              </a:rPr>
+              <a:t>                , </a:t>
+            </a:r>
+            <a:r>
+              <a:rPr lang="en-US" sz="1100" dirty="0" err="1">
+                <a:latin typeface="Courier New" panose="02070309020205020404" pitchFamily="49" charset="0"/>
+                <a:cs typeface="Courier New" panose="02070309020205020404" pitchFamily="49" charset="0"/>
+              </a:rPr>
+              <a:t>cl_name</a:t>
+            </a:r>
+            <a:endParaRPr lang="en-US" sz="1100" dirty="0">
+              <a:latin typeface="Courier New" panose="02070309020205020404" pitchFamily="49" charset="0"/>
+              <a:cs typeface="Courier New" panose="02070309020205020404" pitchFamily="49" charset="0"/>
+            </a:endParaRPr>
+          </a:p>
+          <a:p>
+            <a:r>
+              <a:rPr lang="en-US" sz="1100" dirty="0">
+                <a:latin typeface="Courier New" panose="02070309020205020404" pitchFamily="49" charset="0"/>
+                <a:cs typeface="Courier New" panose="02070309020205020404" pitchFamily="49" charset="0"/>
+              </a:rPr>
+              <a:t>                , </a:t>
+            </a:r>
+            <a:r>
+              <a:rPr lang="en-US" sz="1100" dirty="0" err="1">
+                <a:latin typeface="Courier New" panose="02070309020205020404" pitchFamily="49" charset="0"/>
+                <a:cs typeface="Courier New" panose="02070309020205020404" pitchFamily="49" charset="0"/>
+              </a:rPr>
+              <a:t>date_birth</a:t>
+            </a:r>
+            <a:endParaRPr lang="en-US" sz="1100" dirty="0">
+              <a:latin typeface="Courier New" panose="02070309020205020404" pitchFamily="49" charset="0"/>
+              <a:cs typeface="Courier New" panose="02070309020205020404" pitchFamily="49" charset="0"/>
+            </a:endParaRPr>
+          </a:p>
+          <a:p>
+            <a:r>
+              <a:rPr lang="en-US" sz="1100" dirty="0">
+                <a:latin typeface="Courier New" panose="02070309020205020404" pitchFamily="49" charset="0"/>
+                <a:cs typeface="Courier New" panose="02070309020205020404" pitchFamily="49" charset="0"/>
+              </a:rPr>
+              <a:t>            ) VALUES (</a:t>
+            </a:r>
+          </a:p>
+          <a:p>
+            <a:r>
+              <a:rPr lang="en-US" sz="1100" dirty="0">
+                <a:latin typeface="Courier New" panose="02070309020205020404" pitchFamily="49" charset="0"/>
+                <a:cs typeface="Courier New" panose="02070309020205020404" pitchFamily="49" charset="0"/>
+              </a:rPr>
+              <a:t>                  </a:t>
+            </a:r>
+            <a:r>
+              <a:rPr lang="en-US" sz="1100" dirty="0" err="1">
+                <a:latin typeface="Courier New" panose="02070309020205020404" pitchFamily="49" charset="0"/>
+                <a:cs typeface="Courier New" panose="02070309020205020404" pitchFamily="49" charset="0"/>
+              </a:rPr>
+              <a:t>client_id</a:t>
+            </a:r>
+            <a:endParaRPr lang="en-US" sz="1100" dirty="0">
+              <a:latin typeface="Courier New" panose="02070309020205020404" pitchFamily="49" charset="0"/>
+              <a:cs typeface="Courier New" panose="02070309020205020404" pitchFamily="49" charset="0"/>
+            </a:endParaRPr>
+          </a:p>
+          <a:p>
+            <a:r>
+              <a:rPr lang="en-US" sz="1100" dirty="0">
+                <a:latin typeface="Courier New" panose="02070309020205020404" pitchFamily="49" charset="0"/>
+                <a:cs typeface="Courier New" panose="02070309020205020404" pitchFamily="49" charset="0"/>
+              </a:rPr>
+              <a:t>                , </a:t>
+            </a:r>
+            <a:r>
+              <a:rPr lang="en-US" sz="1100" dirty="0" err="1">
+                <a:latin typeface="Courier New" panose="02070309020205020404" pitchFamily="49" charset="0"/>
+                <a:cs typeface="Courier New" panose="02070309020205020404" pitchFamily="49" charset="0"/>
+              </a:rPr>
+              <a:t>client_name</a:t>
+            </a:r>
+            <a:endParaRPr lang="en-US" sz="1100" dirty="0">
+              <a:latin typeface="Courier New" panose="02070309020205020404" pitchFamily="49" charset="0"/>
+              <a:cs typeface="Courier New" panose="02070309020205020404" pitchFamily="49" charset="0"/>
+            </a:endParaRPr>
+          </a:p>
+          <a:p>
+            <a:r>
+              <a:rPr lang="en-US" sz="1100" dirty="0">
+                <a:latin typeface="Courier New" panose="02070309020205020404" pitchFamily="49" charset="0"/>
+                <a:cs typeface="Courier New" panose="02070309020205020404" pitchFamily="49" charset="0"/>
+              </a:rPr>
+              <a:t>                , </a:t>
+            </a:r>
+            <a:r>
+              <a:rPr lang="en-US" sz="1100" dirty="0" err="1">
+                <a:latin typeface="Courier New" panose="02070309020205020404" pitchFamily="49" charset="0"/>
+                <a:cs typeface="Courier New" panose="02070309020205020404" pitchFamily="49" charset="0"/>
+              </a:rPr>
+              <a:t>client_birth</a:t>
+            </a:r>
+            <a:endParaRPr lang="en-US" sz="1100" dirty="0">
+              <a:latin typeface="Courier New" panose="02070309020205020404" pitchFamily="49" charset="0"/>
+              <a:cs typeface="Courier New" panose="02070309020205020404" pitchFamily="49" charset="0"/>
+            </a:endParaRPr>
+          </a:p>
+          <a:p>
+            <a:r>
+              <a:rPr lang="en-US" sz="1100" dirty="0">
+                <a:latin typeface="Courier New" panose="02070309020205020404" pitchFamily="49" charset="0"/>
+                <a:cs typeface="Courier New" panose="02070309020205020404" pitchFamily="49" charset="0"/>
+              </a:rPr>
+              <a:t>            );</a:t>
+            </a:r>
+          </a:p>
+          <a:p>
+            <a:r>
+              <a:rPr lang="en-US" sz="1100" dirty="0">
+                <a:latin typeface="Courier New" panose="02070309020205020404" pitchFamily="49" charset="0"/>
+                <a:cs typeface="Courier New" panose="02070309020205020404" pitchFamily="49" charset="0"/>
+              </a:rPr>
+              <a:t>            COMMIT;</a:t>
+            </a:r>
+          </a:p>
+          <a:p>
+            <a:endParaRPr lang="en-US" sz="1100" dirty="0">
+              <a:latin typeface="Courier New" panose="02070309020205020404" pitchFamily="49" charset="0"/>
+              <a:cs typeface="Courier New" panose="02070309020205020404" pitchFamily="49" charset="0"/>
+            </a:endParaRPr>
+          </a:p>
+          <a:p>
+            <a:r>
+              <a:rPr lang="en-US" sz="1100" dirty="0">
+                <a:latin typeface="Courier New" panose="02070309020205020404" pitchFamily="49" charset="0"/>
+                <a:cs typeface="Courier New" panose="02070309020205020404" pitchFamily="49" charset="0"/>
+              </a:rPr>
+              <a:t>    END IF;</a:t>
+            </a:r>
+          </a:p>
+          <a:p>
+            <a:r>
+              <a:rPr lang="en-US" sz="1100" dirty="0">
+                <a:latin typeface="Courier New" panose="02070309020205020404" pitchFamily="49" charset="0"/>
+                <a:cs typeface="Courier New" panose="02070309020205020404" pitchFamily="49" charset="0"/>
+              </a:rPr>
+              <a:t>  </a:t>
+            </a:r>
+          </a:p>
+          <a:p>
+            <a:r>
+              <a:rPr lang="en-US" sz="1100" dirty="0">
+                <a:latin typeface="Courier New" panose="02070309020205020404" pitchFamily="49" charset="0"/>
+                <a:cs typeface="Courier New" panose="02070309020205020404" pitchFamily="49" charset="0"/>
+              </a:rPr>
+              <a:t>    RETURN;</a:t>
+            </a:r>
+          </a:p>
+          <a:p>
+            <a:endParaRPr lang="en-US" sz="1100" dirty="0">
+              <a:latin typeface="Courier New" panose="02070309020205020404" pitchFamily="49" charset="0"/>
+              <a:cs typeface="Courier New" panose="02070309020205020404" pitchFamily="49" charset="0"/>
+            </a:endParaRPr>
+          </a:p>
+          <a:p>
+            <a:r>
+              <a:rPr lang="en-US" sz="1100" dirty="0">
+                <a:latin typeface="Courier New" panose="02070309020205020404" pitchFamily="49" charset="0"/>
+                <a:cs typeface="Courier New" panose="02070309020205020404" pitchFamily="49" charset="0"/>
+              </a:rPr>
+              <a:t>END </a:t>
+            </a:r>
+            <a:r>
+              <a:rPr lang="en-US" sz="1100" dirty="0" err="1">
+                <a:latin typeface="Courier New" panose="02070309020205020404" pitchFamily="49" charset="0"/>
+                <a:cs typeface="Courier New" panose="02070309020205020404" pitchFamily="49" charset="0"/>
+              </a:rPr>
+              <a:t>pr_create_client</a:t>
+            </a:r>
+            <a:r>
+              <a:rPr lang="en-US" sz="1100" dirty="0">
+                <a:latin typeface="Courier New" panose="02070309020205020404" pitchFamily="49" charset="0"/>
+                <a:cs typeface="Courier New" panose="02070309020205020404" pitchFamily="49" charset="0"/>
+              </a:rPr>
+              <a:t>;</a:t>
+            </a:r>
+          </a:p>
+        </p:txBody>
+      </p:sp>
+      <p:sp>
+        <p:nvSpPr>
+          <p:cNvPr id="6" name="TextBox 5"/>
+          <p:cNvSpPr txBox="1"/>
+          <p:nvPr/>
+        </p:nvSpPr>
+        <p:spPr bwMode="auto">
+          <a:xfrm>
+            <a:off x="307850" y="6309320"/>
+            <a:ext cx="10657184" cy="461665"/>
+          </a:xfrm>
+          <a:prstGeom prst="rect">
+            <a:avLst/>
+          </a:prstGeom>
+          <a:noFill/>
+        </p:spPr>
+        <p:txBody>
+          <a:bodyPr wrap="square" rtlCol="0">
+            <a:spAutoFit/>
+          </a:bodyPr>
+          <a:lstStyle/>
+          <a:p>
+            <a:r>
+              <a:rPr lang="en-US" sz="1200" dirty="0" smtClean="0">
+                <a:solidFill>
+                  <a:schemeClr val="tx2">
+                    <a:lumMod val="60000"/>
+                    <a:lumOff val="40000"/>
+                  </a:schemeClr>
+                </a:solidFill>
+                <a:hlinkClick r:id="rId2"/>
+              </a:rPr>
+              <a:t>https://github.com/AndrSor/Course_PLSQL_SB/blob/main/Course%20Work/04.2.%D0%9D%D0%BE%D0%B2%D1%8B%D0%B9%20%D0%B8%D0%BB%D0%B8%20%D1%81%D1%83%D1%89%D0%B5%D1%81%D1%82%D0%B2%D1%83%D1%8E%D1%89%D0%B8%D0%B9%20%D0%BA%D0%BB%D0%B8%D0%B5%D0%BD%D1%82.sql</a:t>
+            </a:r>
+            <a:endParaRPr lang="ru-RU" sz="1200" dirty="0">
+              <a:solidFill>
+                <a:schemeClr val="tx2">
+                  <a:lumMod val="60000"/>
+                  <a:lumOff val="40000"/>
+                </a:schemeClr>
+              </a:solidFill>
+            </a:endParaRPr>
+          </a:p>
+        </p:txBody>
+      </p:sp>
+      <p:sp>
+        <p:nvSpPr>
+          <p:cNvPr id="8" name="TextBox 7"/>
+          <p:cNvSpPr txBox="1"/>
+          <p:nvPr/>
+        </p:nvSpPr>
+        <p:spPr bwMode="auto">
+          <a:xfrm>
+            <a:off x="335360" y="5939988"/>
+            <a:ext cx="4608512" cy="369332"/>
+          </a:xfrm>
+          <a:prstGeom prst="rect">
+            <a:avLst/>
+          </a:prstGeom>
+          <a:noFill/>
+        </p:spPr>
+        <p:txBody>
+          <a:bodyPr wrap="square" rtlCol="0">
+            <a:spAutoFit/>
+          </a:bodyPr>
+          <a:lstStyle/>
+          <a:p>
+            <a:r>
+              <a:rPr lang="ru-RU" dirty="0" smtClean="0"/>
+              <a:t>Ссылка на код скри</a:t>
+            </a:r>
+            <a:r>
+              <a:rPr lang="ru-RU" dirty="0"/>
+              <a:t>п</a:t>
+            </a:r>
+            <a:r>
+              <a:rPr lang="ru-RU" dirty="0" smtClean="0"/>
+              <a:t>та:</a:t>
+            </a:r>
+            <a:endParaRPr lang="ru-RU" dirty="0"/>
+          </a:p>
+        </p:txBody>
+      </p:sp>
+    </p:spTree>
+    <p:extLst>
+      <p:ext uri="{BB962C8B-B14F-4D97-AF65-F5344CB8AC3E}">
+        <p14:creationId xmlns:p14="http://schemas.microsoft.com/office/powerpoint/2010/main" val="539797188"/>
+      </p:ext>
+    </p:extLst>
+  </p:cSld>
+  <p:clrMapOvr>
+    <a:masterClrMapping/>
+  </p:clrMapOvr>
+  <p:timing>
+    <p:tnLst>
+      <p:par>
+        <p:cTn id="1" dur="indefinite" restart="never" nodeType="tmRoot"/>
+      </p:par>
+    </p:tnLst>
+  </p:timing>
+</p:sld>
+</file>
+
+<file path=ppt/slides/slide16.xml><?xml version="1.0" encoding="utf-8"?>
+<p:sld xmlns:a="http://schemas.openxmlformats.org/drawingml/2006/main" xmlns:r="http://schemas.openxmlformats.org/officeDocument/2006/relationships" xmlns:p="http://schemas.openxmlformats.org/presentationml/2006/main" showMasterPhAnim="0">
+  <p:cSld>
+    <p:spTree>
+      <p:nvGrpSpPr>
+        <p:cNvPr id="1" name=""/>
+        <p:cNvGrpSpPr/>
+        <p:nvPr/>
+      </p:nvGrpSpPr>
+      <p:grpSpPr bwMode="auto">
+        <a:xfrm>
+          <a:off x="0" y="0"/>
+          <a:ext cx="0" cy="0"/>
+          <a:chOff x="0" y="0"/>
+          <a:chExt cx="0" cy="0"/>
+        </a:xfrm>
+      </p:grpSpPr>
+      <p:sp>
+        <p:nvSpPr>
+          <p:cNvPr id="18" name="Title 7">
+            <a:extLst>
+              <a:ext uri="{FF2B5EF4-FFF2-40B4-BE49-F238E27FC236}">
+                <a16:creationId xmlns="" xmlns:a16="http://schemas.microsoft.com/office/drawing/2014/main" id="{E195DE7B-42F0-4CAA-AAB0-D33DB61C53CA}"/>
+              </a:ext>
+            </a:extLst>
+          </p:cNvPr>
+          <p:cNvSpPr>
+            <a:spLocks/>
+          </p:cNvSpPr>
+          <p:nvPr/>
+        </p:nvSpPr>
+        <p:spPr bwMode="auto">
+          <a:xfrm>
+            <a:off x="191344" y="285978"/>
+            <a:ext cx="12169352" cy="550734"/>
+          </a:xfrm>
+          <a:prstGeom prst="rect">
+            <a:avLst/>
+          </a:prstGeom>
+        </p:spPr>
+        <p:txBody>
+          <a:bodyPr lIns="0" tIns="0" rIns="0" bIns="0"/>
+          <a:lstStyle>
+            <a:lvl1pPr algn="l" defTabSz="914400">
+              <a:lnSpc>
+                <a:spcPct val="90000"/>
+              </a:lnSpc>
+              <a:spcBef>
+                <a:spcPts val="0"/>
+              </a:spcBef>
+              <a:buNone/>
+              <a:defRPr sz="4400" b="0" i="0">
+                <a:solidFill>
+                  <a:schemeClr val="tx1"/>
+                </a:solidFill>
+                <a:latin typeface="SB Sans Display Regular"/>
+                <a:ea typeface="+mj-ea"/>
+                <a:cs typeface="+mj-cs"/>
+              </a:defRPr>
+            </a:lvl1pPr>
+          </a:lstStyle>
+          <a:p>
+            <a:pPr>
+              <a:defRPr/>
+            </a:pPr>
+            <a:r>
+              <a:rPr lang="en-US" sz="3200" dirty="0">
+                <a:solidFill>
+                  <a:srgbClr val="333F48"/>
+                </a:solidFill>
+              </a:rPr>
+              <a:t>4</a:t>
+            </a:r>
+            <a:r>
+              <a:rPr lang="ru-RU" sz="3200" dirty="0" smtClean="0">
+                <a:solidFill>
+                  <a:srgbClr val="333F48"/>
+                </a:solidFill>
+              </a:rPr>
+              <a:t>. Новый договор и плановый график</a:t>
             </a:r>
             <a:endParaRPr lang="ru-RU" sz="1200" dirty="0"/>
           </a:p>
@@ -13690,10 +14784,6 @@
               <a:rPr lang="ru-RU" sz="2000" dirty="0"/>
               <a:t> платёж, который не изменяется в течение всего периода погашения кредита);</a:t>
             </a:r>
-            <a:r>
-              <a:rPr lang="ru-RU" sz="2000" dirty="0"/>
-              <a:t/>
-            </a:r>
             <a:br>
               <a:rPr lang="ru-RU" sz="2000" dirty="0"/>
             </a:br>
@@ -13705,10 +14795,6 @@
               <a:rPr lang="ru-RU" sz="2000" dirty="0"/>
               <a:t> – сумма кредита;</a:t>
             </a:r>
-            <a:r>
-              <a:rPr lang="ru-RU" sz="2000" dirty="0"/>
-              <a:t/>
-            </a:r>
             <a:br>
               <a:rPr lang="ru-RU" sz="2000" dirty="0"/>
             </a:br>
@@ -13719,10 +14805,6 @@
             <a:r>
               <a:rPr lang="ru-RU" sz="2000" dirty="0"/>
               <a:t> – ежемесячная процентная ставка (рассчитывается по следующей формуле: годовая процентная ставка/100/12);</a:t>
-            </a:r>
-            <a:r>
-              <a:rPr lang="ru-RU" sz="2000" dirty="0"/>
-              <a:t/>
             </a:r>
             <a:br>
               <a:rPr lang="ru-RU" sz="2000" dirty="0"/>
@@ -14740,7 +15822,7 @@
 </p:sld>
 </file>
 
-<file path=ppt/slides/slide16.xml><?xml version="1.0" encoding="utf-8"?>
+<file path=ppt/slides/slide17.xml><?xml version="1.0" encoding="utf-8"?>
 <p:sld xmlns:a="http://schemas.openxmlformats.org/drawingml/2006/main" xmlns:r="http://schemas.openxmlformats.org/officeDocument/2006/relationships" xmlns:p="http://schemas.openxmlformats.org/presentationml/2006/main" showMasterPhAnim="0">
   <p:cSld>
     <p:spTree>
@@ -14762,7 +15844,7 @@
           <p:cNvPr id="18" name="Title 7">
             <a:extLst>
               <a:ext uri="{FF2B5EF4-FFF2-40B4-BE49-F238E27FC236}">
-                <a16:creationId xmlns:a16="http://schemas.microsoft.com/office/drawing/2014/main" xmlns="" id="{E195DE7B-42F0-4CAA-AAB0-D33DB61C53CA}"/>
+                <a16:creationId xmlns="" xmlns:a16="http://schemas.microsoft.com/office/drawing/2014/main" id="{E195DE7B-42F0-4CAA-AAB0-D33DB61C53CA}"/>
               </a:ext>
             </a:extLst>
           </p:cNvPr>
@@ -15433,7 +16515,7 @@
 </p:sld>
 </file>
 
-<file path=ppt/slides/slide17.xml><?xml version="1.0" encoding="utf-8"?>
+<file path=ppt/slides/slide18.xml><?xml version="1.0" encoding="utf-8"?>
 <p:sld xmlns:a="http://schemas.openxmlformats.org/drawingml/2006/main" xmlns:r="http://schemas.openxmlformats.org/officeDocument/2006/relationships" xmlns:p="http://schemas.openxmlformats.org/presentationml/2006/main" showMasterPhAnim="0">
   <p:cSld>
     <p:spTree>
@@ -15677,7 +16759,7 @@
           <p:cNvPr id="17" name="Рисунок 2">
             <a:extLst>
               <a:ext uri="{FF2B5EF4-FFF2-40B4-BE49-F238E27FC236}">
-                <a16:creationId xmlns:a16="http://schemas.microsoft.com/office/drawing/2014/main" xmlns="" id="{0DCCFB52-7D2B-4BA7-8FE3-E7C19E143E4E}"/>
+                <a16:creationId xmlns="" xmlns:a16="http://schemas.microsoft.com/office/drawing/2014/main" id="{0DCCFB52-7D2B-4BA7-8FE3-E7C19E143E4E}"/>
               </a:ext>
             </a:extLst>
           </p:cNvPr>
@@ -15706,7 +16788,7 @@
           <p:cNvPr id="20" name="object 26">
             <a:extLst>
               <a:ext uri="{FF2B5EF4-FFF2-40B4-BE49-F238E27FC236}">
-                <a16:creationId xmlns:a16="http://schemas.microsoft.com/office/drawing/2014/main" xmlns="" id="{4DE54BB7-929A-4B8A-9DA0-D0EEC7053A84}"/>
+                <a16:creationId xmlns="" xmlns:a16="http://schemas.microsoft.com/office/drawing/2014/main" id="{4DE54BB7-929A-4B8A-9DA0-D0EEC7053A84}"/>
               </a:ext>
             </a:extLst>
           </p:cNvPr>
@@ -15765,7 +16847,7 @@
           <p:cNvPr id="22" name="Рисунок 12">
             <a:extLst>
               <a:ext uri="{FF2B5EF4-FFF2-40B4-BE49-F238E27FC236}">
-                <a16:creationId xmlns:a16="http://schemas.microsoft.com/office/drawing/2014/main" xmlns="" id="{436EC55F-517B-4FC1-85F8-ED7FCD662E5D}"/>
+                <a16:creationId xmlns="" xmlns:a16="http://schemas.microsoft.com/office/drawing/2014/main" id="{436EC55F-517B-4FC1-85F8-ED7FCD662E5D}"/>
               </a:ext>
             </a:extLst>
           </p:cNvPr>
@@ -15794,7 +16876,7 @@
           <p:cNvPr id="23" name="object 26">
             <a:extLst>
               <a:ext uri="{FF2B5EF4-FFF2-40B4-BE49-F238E27FC236}">
-                <a16:creationId xmlns:a16="http://schemas.microsoft.com/office/drawing/2014/main" xmlns="" id="{A8F6E936-17AA-460E-A5F3-7295B64C51D9}"/>
+                <a16:creationId xmlns="" xmlns:a16="http://schemas.microsoft.com/office/drawing/2014/main" id="{A8F6E936-17AA-460E-A5F3-7295B64C51D9}"/>
               </a:ext>
             </a:extLst>
           </p:cNvPr>
@@ -15846,7 +16928,7 @@
           <p:cNvPr id="24" name="Рисунок 23">
             <a:extLst>
               <a:ext uri="{FF2B5EF4-FFF2-40B4-BE49-F238E27FC236}">
-                <a16:creationId xmlns:a16="http://schemas.microsoft.com/office/drawing/2014/main" xmlns="" id="{C8D1253D-2E3F-4357-A3C7-FF90F8F21EDF}"/>
+                <a16:creationId xmlns="" xmlns:a16="http://schemas.microsoft.com/office/drawing/2014/main" id="{C8D1253D-2E3F-4357-A3C7-FF90F8F21EDF}"/>
               </a:ext>
             </a:extLst>
           </p:cNvPr>
@@ -15875,7 +16957,7 @@
           <p:cNvPr id="25" name="object 26">
             <a:extLst>
               <a:ext uri="{FF2B5EF4-FFF2-40B4-BE49-F238E27FC236}">
-                <a16:creationId xmlns:a16="http://schemas.microsoft.com/office/drawing/2014/main" xmlns="" id="{00AF5FF0-543F-426D-85A1-4D4DBAB934D8}"/>
+                <a16:creationId xmlns="" xmlns:a16="http://schemas.microsoft.com/office/drawing/2014/main" id="{00AF5FF0-543F-426D-85A1-4D4DBAB934D8}"/>
               </a:ext>
             </a:extLst>
           </p:cNvPr>
@@ -15945,14 +17027,7 @@
                 <a:latin typeface="SBSansText-Light"/>
                 <a:cs typeface="SBSansText-Light"/>
               </a:rPr>
-              <a:t>(ДГТУ</a:t>
-            </a:r>
-            <a:r>
-              <a:rPr lang="ru-RU" sz="2000" spc="-5" dirty="0" smtClean="0">
-                <a:latin typeface="SBSansText-Light"/>
-                <a:cs typeface="SBSansText-Light"/>
-              </a:rPr>
-              <a:t>)</a:t>
+              <a:t>(ДГТУ)</a:t>
             </a:r>
           </a:p>
         </p:txBody>
@@ -15962,7 +17037,7 @@
           <p:cNvPr id="26" name="object 26">
             <a:extLst>
               <a:ext uri="{FF2B5EF4-FFF2-40B4-BE49-F238E27FC236}">
-                <a16:creationId xmlns:a16="http://schemas.microsoft.com/office/drawing/2014/main" xmlns="" id="{453BB67C-6BE9-45B5-B1FA-AD1EE9AB42E3}"/>
+                <a16:creationId xmlns="" xmlns:a16="http://schemas.microsoft.com/office/drawing/2014/main" id="{453BB67C-6BE9-45B5-B1FA-AD1EE9AB42E3}"/>
               </a:ext>
             </a:extLst>
           </p:cNvPr>
@@ -16042,7 +17117,7 @@
           <p:cNvPr id="15" name="TextBox 14">
             <a:extLst>
               <a:ext uri="{FF2B5EF4-FFF2-40B4-BE49-F238E27FC236}">
-                <a16:creationId xmlns:a16="http://schemas.microsoft.com/office/drawing/2014/main" xmlns="" id="{F4B1282C-1EE6-4516-8528-4C3B699AF9DB}"/>
+                <a16:creationId xmlns="" xmlns:a16="http://schemas.microsoft.com/office/drawing/2014/main" id="{F4B1282C-1EE6-4516-8528-4C3B699AF9DB}"/>
               </a:ext>
             </a:extLst>
           </p:cNvPr>
@@ -16155,7 +17230,7 @@
           <p:cNvPr id="16" name="Рисунок 15">
             <a:extLst>
               <a:ext uri="{FF2B5EF4-FFF2-40B4-BE49-F238E27FC236}">
-                <a16:creationId xmlns:a16="http://schemas.microsoft.com/office/drawing/2014/main" xmlns="" id="{5AE95B28-B2FC-43A5-8B6E-FD95AA24B1B8}"/>
+                <a16:creationId xmlns="" xmlns:a16="http://schemas.microsoft.com/office/drawing/2014/main" id="{5AE95B28-B2FC-43A5-8B6E-FD95AA24B1B8}"/>
               </a:ext>
             </a:extLst>
           </p:cNvPr>
@@ -16184,7 +17259,7 @@
           <p:cNvPr id="27" name="object 26">
             <a:extLst>
               <a:ext uri="{FF2B5EF4-FFF2-40B4-BE49-F238E27FC236}">
-                <a16:creationId xmlns:a16="http://schemas.microsoft.com/office/drawing/2014/main" xmlns="" id="{D96035DE-DB7E-4A03-A568-62EAA55D76F0}"/>
+                <a16:creationId xmlns="" xmlns:a16="http://schemas.microsoft.com/office/drawing/2014/main" id="{D96035DE-DB7E-4A03-A568-62EAA55D76F0}"/>
               </a:ext>
             </a:extLst>
           </p:cNvPr>
@@ -16257,7 +17332,7 @@
           <p:cNvPr id="28" name="Рисунок 10">
             <a:extLst>
               <a:ext uri="{FF2B5EF4-FFF2-40B4-BE49-F238E27FC236}">
-                <a16:creationId xmlns:a16="http://schemas.microsoft.com/office/drawing/2014/main" xmlns="" id="{E7AF1F4B-F93B-4DD5-879F-EC6D90FBB1F0}"/>
+                <a16:creationId xmlns="" xmlns:a16="http://schemas.microsoft.com/office/drawing/2014/main" id="{E7AF1F4B-F93B-4DD5-879F-EC6D90FBB1F0}"/>
               </a:ext>
             </a:extLst>
           </p:cNvPr>
@@ -16286,7 +17361,7 @@
           <p:cNvPr id="29" name="object 26">
             <a:extLst>
               <a:ext uri="{FF2B5EF4-FFF2-40B4-BE49-F238E27FC236}">
-                <a16:creationId xmlns:a16="http://schemas.microsoft.com/office/drawing/2014/main" xmlns="" id="{8A842FD2-7A7C-402A-9652-4A5C911EEBA6}"/>
+                <a16:creationId xmlns="" xmlns:a16="http://schemas.microsoft.com/office/drawing/2014/main" id="{8A842FD2-7A7C-402A-9652-4A5C911EEBA6}"/>
               </a:ext>
             </a:extLst>
           </p:cNvPr>
@@ -16331,14 +17406,7 @@
                 <a:latin typeface="SBSansText-Light"/>
                 <a:cs typeface="SBSansText-Light"/>
               </a:rPr>
-              <a:t>базы </a:t>
-            </a:r>
-            <a:r>
-              <a:rPr lang="ru-RU" sz="2000" spc="-5" dirty="0" smtClean="0">
-                <a:latin typeface="SBSansText-Light"/>
-                <a:cs typeface="SBSansText-Light"/>
-              </a:rPr>
-              <a:t>данных</a:t>
+              <a:t>базы данных</a:t>
             </a:r>
             <a:endParaRPr lang="ru-RU" sz="2000" spc="-5" dirty="0">
               <a:latin typeface="SBSansText-Light"/>
@@ -16499,7 +17567,7 @@
           <p:cNvPr id="26" name="Text Placeholder 6">
             <a:extLst>
               <a:ext uri="{FF2B5EF4-FFF2-40B4-BE49-F238E27FC236}">
-                <a16:creationId xmlns:a16="http://schemas.microsoft.com/office/drawing/2014/main" xmlns="" id="{ADFA65C8-DB2C-4270-845A-546993EAE8E4}"/>
+                <a16:creationId xmlns="" xmlns:a16="http://schemas.microsoft.com/office/drawing/2014/main" id="{ADFA65C8-DB2C-4270-845A-546993EAE8E4}"/>
               </a:ext>
             </a:extLst>
           </p:cNvPr>
@@ -16710,7 +17778,7 @@
           <p:cNvPr id="27" name="object 26">
             <a:extLst>
               <a:ext uri="{FF2B5EF4-FFF2-40B4-BE49-F238E27FC236}">
-                <a16:creationId xmlns:a16="http://schemas.microsoft.com/office/drawing/2014/main" xmlns="" id="{DD5C6CE0-87F9-47EA-BC0C-34E221B343F1}"/>
+                <a16:creationId xmlns="" xmlns:a16="http://schemas.microsoft.com/office/drawing/2014/main" id="{DD5C6CE0-87F9-47EA-BC0C-34E221B343F1}"/>
               </a:ext>
             </a:extLst>
           </p:cNvPr>
@@ -16746,7 +17814,7 @@
           <p:cNvPr id="29" name="Овал 32">
             <a:extLst>
               <a:ext uri="{FF2B5EF4-FFF2-40B4-BE49-F238E27FC236}">
-                <a16:creationId xmlns:a16="http://schemas.microsoft.com/office/drawing/2014/main" xmlns="" id="{6686EE33-C339-4BAF-B603-2EA81CB3B361}"/>
+                <a16:creationId xmlns="" xmlns:a16="http://schemas.microsoft.com/office/drawing/2014/main" id="{6686EE33-C339-4BAF-B603-2EA81CB3B361}"/>
               </a:ext>
             </a:extLst>
           </p:cNvPr>
@@ -16802,7 +17870,7 @@
           <p:cNvPr id="30" name="Text Placeholder 6">
             <a:extLst>
               <a:ext uri="{FF2B5EF4-FFF2-40B4-BE49-F238E27FC236}">
-                <a16:creationId xmlns:a16="http://schemas.microsoft.com/office/drawing/2014/main" xmlns="" id="{551FBEEF-6CFE-4D83-B064-2FD2F5AE8315}"/>
+                <a16:creationId xmlns="" xmlns:a16="http://schemas.microsoft.com/office/drawing/2014/main" id="{551FBEEF-6CFE-4D83-B064-2FD2F5AE8315}"/>
               </a:ext>
             </a:extLst>
           </p:cNvPr>
@@ -17013,7 +18081,7 @@
           <p:cNvPr id="31" name="object 26">
             <a:extLst>
               <a:ext uri="{FF2B5EF4-FFF2-40B4-BE49-F238E27FC236}">
-                <a16:creationId xmlns:a16="http://schemas.microsoft.com/office/drawing/2014/main" xmlns="" id="{E0D4687E-F657-40E8-9748-B026E6622E09}"/>
+                <a16:creationId xmlns="" xmlns:a16="http://schemas.microsoft.com/office/drawing/2014/main" id="{E0D4687E-F657-40E8-9748-B026E6622E09}"/>
               </a:ext>
             </a:extLst>
           </p:cNvPr>
@@ -17122,7 +18190,7 @@
           <p:cNvPr id="32" name="Овал 32">
             <a:extLst>
               <a:ext uri="{FF2B5EF4-FFF2-40B4-BE49-F238E27FC236}">
-                <a16:creationId xmlns:a16="http://schemas.microsoft.com/office/drawing/2014/main" xmlns="" id="{AF9F00E1-44FD-4D73-A055-5AEA46ECC510}"/>
+                <a16:creationId xmlns="" xmlns:a16="http://schemas.microsoft.com/office/drawing/2014/main" id="{AF9F00E1-44FD-4D73-A055-5AEA46ECC510}"/>
               </a:ext>
             </a:extLst>
           </p:cNvPr>
@@ -17178,7 +18246,7 @@
           <p:cNvPr id="35" name="Text Placeholder 6">
             <a:extLst>
               <a:ext uri="{FF2B5EF4-FFF2-40B4-BE49-F238E27FC236}">
-                <a16:creationId xmlns:a16="http://schemas.microsoft.com/office/drawing/2014/main" xmlns="" id="{73F05052-6FAE-4644-8A21-B5ED91519995}"/>
+                <a16:creationId xmlns="" xmlns:a16="http://schemas.microsoft.com/office/drawing/2014/main" id="{73F05052-6FAE-4644-8A21-B5ED91519995}"/>
               </a:ext>
             </a:extLst>
           </p:cNvPr>
@@ -17388,7 +18456,7 @@
           <p:cNvPr id="36" name="object 26">
             <a:extLst>
               <a:ext uri="{FF2B5EF4-FFF2-40B4-BE49-F238E27FC236}">
-                <a16:creationId xmlns:a16="http://schemas.microsoft.com/office/drawing/2014/main" xmlns="" id="{45041879-81CE-4E4B-99CC-0F987E10D7B8}"/>
+                <a16:creationId xmlns="" xmlns:a16="http://schemas.microsoft.com/office/drawing/2014/main" id="{45041879-81CE-4E4B-99CC-0F987E10D7B8}"/>
               </a:ext>
             </a:extLst>
           </p:cNvPr>
@@ -17414,19 +18482,11 @@
           <a:p>
             <a:r>
               <a:rPr lang="ru-RU" sz="2000" dirty="0" smtClean="0"/>
-              <a:t>Администрирование</a:t>
-            </a:r>
-            <a:r>
-              <a:rPr lang="ru-RU" sz="2000" dirty="0" smtClean="0"/>
-              <a:t>: </a:t>
+              <a:t>Администрирование: </a:t>
             </a:r>
             <a:r>
               <a:rPr lang="en-US" sz="2000" dirty="0" smtClean="0"/>
-              <a:t>Windows</a:t>
-            </a:r>
-            <a:r>
-              <a:rPr lang="en-US" sz="2000" dirty="0" smtClean="0"/>
-              <a:t>, </a:t>
+              <a:t>Windows, </a:t>
             </a:r>
             <a:r>
               <a:rPr lang="en-US" sz="2000" dirty="0"/>
@@ -17450,11 +18510,7 @@
             </a:r>
             <a:r>
               <a:rPr lang="en-US" sz="2000" dirty="0" smtClean="0"/>
-              <a:t>SharePoint, </a:t>
-            </a:r>
-            <a:r>
-              <a:rPr lang="en-US" sz="2000" dirty="0" smtClean="0"/>
-              <a:t>Hyper-V,</a:t>
+              <a:t>SharePoint, Hyper-V,</a:t>
             </a:r>
             <a:endParaRPr lang="ru-RU" sz="2000" dirty="0" smtClean="0"/>
           </a:p>
@@ -17540,7 +18596,7 @@
           <p:cNvPr id="37" name="Овал 32">
             <a:extLst>
               <a:ext uri="{FF2B5EF4-FFF2-40B4-BE49-F238E27FC236}">
-                <a16:creationId xmlns:a16="http://schemas.microsoft.com/office/drawing/2014/main" xmlns="" id="{C01C9148-F585-40ED-A7B6-F169D2540C0B}"/>
+                <a16:creationId xmlns="" xmlns:a16="http://schemas.microsoft.com/office/drawing/2014/main" id="{C01C9148-F585-40ED-A7B6-F169D2540C0B}"/>
               </a:ext>
             </a:extLst>
           </p:cNvPr>
@@ -17633,7 +18689,7 @@
           <p:cNvPr id="47" name="object 2">
             <a:extLst>
               <a:ext uri="{FF2B5EF4-FFF2-40B4-BE49-F238E27FC236}">
-                <a16:creationId xmlns:a16="http://schemas.microsoft.com/office/drawing/2014/main" xmlns="" id="{848A309A-4C3E-4A71-A079-FF47B7F9A226}"/>
+                <a16:creationId xmlns="" xmlns:a16="http://schemas.microsoft.com/office/drawing/2014/main" id="{848A309A-4C3E-4A71-A079-FF47B7F9A226}"/>
               </a:ext>
             </a:extLst>
           </p:cNvPr>
@@ -17670,7 +18726,7 @@
           <p:cNvPr id="18" name="Title 7">
             <a:extLst>
               <a:ext uri="{FF2B5EF4-FFF2-40B4-BE49-F238E27FC236}">
-                <a16:creationId xmlns:a16="http://schemas.microsoft.com/office/drawing/2014/main" xmlns="" id="{E195DE7B-42F0-4CAA-AAB0-D33DB61C53CA}"/>
+                <a16:creationId xmlns="" xmlns:a16="http://schemas.microsoft.com/office/drawing/2014/main" id="{E195DE7B-42F0-4CAA-AAB0-D33DB61C53CA}"/>
               </a:ext>
             </a:extLst>
           </p:cNvPr>
@@ -17730,7 +18786,7 @@
           <p:cNvPr id="41" name="object 4">
             <a:extLst>
               <a:ext uri="{FF2B5EF4-FFF2-40B4-BE49-F238E27FC236}">
-                <a16:creationId xmlns:a16="http://schemas.microsoft.com/office/drawing/2014/main" xmlns="" id="{0185576A-0A39-4C7A-B15A-6776F7BBF1ED}"/>
+                <a16:creationId xmlns="" xmlns:a16="http://schemas.microsoft.com/office/drawing/2014/main" id="{0185576A-0A39-4C7A-B15A-6776F7BBF1ED}"/>
               </a:ext>
             </a:extLst>
           </p:cNvPr>
@@ -17923,7 +18979,7 @@
           <p:cNvPr id="48" name="object 4">
             <a:extLst>
               <a:ext uri="{FF2B5EF4-FFF2-40B4-BE49-F238E27FC236}">
-                <a16:creationId xmlns:a16="http://schemas.microsoft.com/office/drawing/2014/main" xmlns="" id="{6D9B929B-4B69-43A2-88BA-CA66983BAB05}"/>
+                <a16:creationId xmlns="" xmlns:a16="http://schemas.microsoft.com/office/drawing/2014/main" id="{6D9B929B-4B69-43A2-88BA-CA66983BAB05}"/>
               </a:ext>
             </a:extLst>
           </p:cNvPr>
@@ -18116,7 +19172,7 @@
           <p:cNvPr id="49" name="object 26">
             <a:extLst>
               <a:ext uri="{FF2B5EF4-FFF2-40B4-BE49-F238E27FC236}">
-                <a16:creationId xmlns:a16="http://schemas.microsoft.com/office/drawing/2014/main" xmlns="" id="{41E6CF51-7C08-4948-BE8D-3AC2595CA00D}"/>
+                <a16:creationId xmlns="" xmlns:a16="http://schemas.microsoft.com/office/drawing/2014/main" id="{41E6CF51-7C08-4948-BE8D-3AC2595CA00D}"/>
               </a:ext>
             </a:extLst>
           </p:cNvPr>
@@ -18182,7 +19238,7 @@
           <p:cNvPr id="50" name="object 26">
             <a:extLst>
               <a:ext uri="{FF2B5EF4-FFF2-40B4-BE49-F238E27FC236}">
-                <a16:creationId xmlns:a16="http://schemas.microsoft.com/office/drawing/2014/main" xmlns="" id="{39F18E2F-64B0-46B3-BFCE-A498DAD536BA}"/>
+                <a16:creationId xmlns="" xmlns:a16="http://schemas.microsoft.com/office/drawing/2014/main" id="{39F18E2F-64B0-46B3-BFCE-A498DAD536BA}"/>
               </a:ext>
             </a:extLst>
           </p:cNvPr>
@@ -18255,7 +19311,7 @@
           <p:cNvPr id="51" name="object 26">
             <a:extLst>
               <a:ext uri="{FF2B5EF4-FFF2-40B4-BE49-F238E27FC236}">
-                <a16:creationId xmlns:a16="http://schemas.microsoft.com/office/drawing/2014/main" xmlns="" id="{BA040D41-001F-4A17-9C83-14A15BEB559D}"/>
+                <a16:creationId xmlns="" xmlns:a16="http://schemas.microsoft.com/office/drawing/2014/main" id="{BA040D41-001F-4A17-9C83-14A15BEB559D}"/>
               </a:ext>
             </a:extLst>
           </p:cNvPr>
@@ -18293,14 +19349,7 @@
                 <a:latin typeface="SBSansText-Light"/>
                 <a:cs typeface="SBSansText-Light"/>
               </a:rPr>
-              <a:t>Функции и </a:t>
-            </a:r>
-            <a:r>
-              <a:rPr lang="ru-RU" sz="2000" spc="-10" dirty="0" smtClean="0">
-                <a:latin typeface="SBSansText-Light"/>
-                <a:cs typeface="SBSansText-Light"/>
-              </a:rPr>
-              <a:t> процедуры </a:t>
+              <a:t>Функции и  процедуры </a:t>
             </a:r>
             <a:r>
               <a:rPr lang="ru-RU" sz="2000" spc="-10" dirty="0">
@@ -18328,7 +19377,7 @@
           <p:cNvPr id="52" name="object 26">
             <a:extLst>
               <a:ext uri="{FF2B5EF4-FFF2-40B4-BE49-F238E27FC236}">
-                <a16:creationId xmlns:a16="http://schemas.microsoft.com/office/drawing/2014/main" xmlns="" id="{6F3D47F9-FCB5-402A-B391-B395C9BDBB9D}"/>
+                <a16:creationId xmlns="" xmlns:a16="http://schemas.microsoft.com/office/drawing/2014/main" id="{6F3D47F9-FCB5-402A-B391-B395C9BDBB9D}"/>
               </a:ext>
             </a:extLst>
           </p:cNvPr>
@@ -18366,14 +19415,7 @@
                 <a:latin typeface="SBSansText-Light"/>
                 <a:cs typeface="SBSansText-Light"/>
               </a:rPr>
-              <a:t>Процедуры </a:t>
-            </a:r>
-            <a:r>
-              <a:rPr lang="ru-RU" sz="2000" spc="-10" dirty="0" smtClean="0">
-                <a:latin typeface="SBSansText-Light"/>
-                <a:cs typeface="SBSansText-Light"/>
-              </a:rPr>
-              <a:t>открытия договора, построения графика, выдачи и погашения кредита.</a:t>
+              <a:t>Процедуры открытия договора, построения графика, выдачи и погашения кредита.</a:t>
             </a:r>
             <a:endParaRPr lang="ru-RU" sz="2000" dirty="0">
               <a:latin typeface="SBSansText-Light"/>
@@ -18387,7 +19429,7 @@
           <p:cNvPr id="53" name="TextBox 35">
             <a:extLst>
               <a:ext uri="{FF2B5EF4-FFF2-40B4-BE49-F238E27FC236}">
-                <a16:creationId xmlns:a16="http://schemas.microsoft.com/office/drawing/2014/main" xmlns="" id="{86212FD8-B651-405D-8E12-CCCEB501EED8}"/>
+                <a16:creationId xmlns="" xmlns:a16="http://schemas.microsoft.com/office/drawing/2014/main" id="{86212FD8-B651-405D-8E12-CCCEB501EED8}"/>
               </a:ext>
             </a:extLst>
           </p:cNvPr>
@@ -18468,7 +19510,7 @@
           <p:cNvPr id="54" name="TextBox 36">
             <a:extLst>
               <a:ext uri="{FF2B5EF4-FFF2-40B4-BE49-F238E27FC236}">
-                <a16:creationId xmlns:a16="http://schemas.microsoft.com/office/drawing/2014/main" xmlns="" id="{8AEFDD10-4264-48BB-81BB-E120AE25E70D}"/>
+                <a16:creationId xmlns="" xmlns:a16="http://schemas.microsoft.com/office/drawing/2014/main" id="{8AEFDD10-4264-48BB-81BB-E120AE25E70D}"/>
               </a:ext>
             </a:extLst>
           </p:cNvPr>
@@ -18549,7 +19591,7 @@
           <p:cNvPr id="55" name="TextBox 37">
             <a:extLst>
               <a:ext uri="{FF2B5EF4-FFF2-40B4-BE49-F238E27FC236}">
-                <a16:creationId xmlns:a16="http://schemas.microsoft.com/office/drawing/2014/main" xmlns="" id="{AEF7DEB2-AEE3-41E1-A70D-1D1546A77172}"/>
+                <a16:creationId xmlns="" xmlns:a16="http://schemas.microsoft.com/office/drawing/2014/main" id="{AEF7DEB2-AEE3-41E1-A70D-1D1546A77172}"/>
               </a:ext>
             </a:extLst>
           </p:cNvPr>
@@ -18630,7 +19672,7 @@
           <p:cNvPr id="56" name="TextBox 38">
             <a:extLst>
               <a:ext uri="{FF2B5EF4-FFF2-40B4-BE49-F238E27FC236}">
-                <a16:creationId xmlns:a16="http://schemas.microsoft.com/office/drawing/2014/main" xmlns="" id="{203EE7E6-7D12-40D9-AD45-3AB16EDB4EC8}"/>
+                <a16:creationId xmlns="" xmlns:a16="http://schemas.microsoft.com/office/drawing/2014/main" id="{203EE7E6-7D12-40D9-AD45-3AB16EDB4EC8}"/>
               </a:ext>
             </a:extLst>
           </p:cNvPr>
@@ -18711,7 +19753,7 @@
           <p:cNvPr id="57" name="Рисунок 56">
             <a:extLst>
               <a:ext uri="{FF2B5EF4-FFF2-40B4-BE49-F238E27FC236}">
-                <a16:creationId xmlns:a16="http://schemas.microsoft.com/office/drawing/2014/main" xmlns="" id="{ACBA108A-C7F6-499D-BB64-F455B9BEF036}"/>
+                <a16:creationId xmlns="" xmlns:a16="http://schemas.microsoft.com/office/drawing/2014/main" id="{ACBA108A-C7F6-499D-BB64-F455B9BEF036}"/>
               </a:ext>
             </a:extLst>
           </p:cNvPr>
@@ -18740,7 +19782,7 @@
           <p:cNvPr id="58" name="TextBox 57">
             <a:extLst>
               <a:ext uri="{FF2B5EF4-FFF2-40B4-BE49-F238E27FC236}">
-                <a16:creationId xmlns:a16="http://schemas.microsoft.com/office/drawing/2014/main" xmlns="" id="{7239046A-E6F0-43E6-B176-08CC1BBF49E0}"/>
+                <a16:creationId xmlns="" xmlns:a16="http://schemas.microsoft.com/office/drawing/2014/main" id="{7239046A-E6F0-43E6-B176-08CC1BBF49E0}"/>
               </a:ext>
             </a:extLst>
           </p:cNvPr>
@@ -18816,7 +19858,7 @@
           <p:cNvPr id="61" name="Рисунок 33">
             <a:extLst>
               <a:ext uri="{FF2B5EF4-FFF2-40B4-BE49-F238E27FC236}">
-                <a16:creationId xmlns:a16="http://schemas.microsoft.com/office/drawing/2014/main" xmlns="" id="{03F0A934-8727-4150-AD5E-F9F80D3C5646}"/>
+                <a16:creationId xmlns="" xmlns:a16="http://schemas.microsoft.com/office/drawing/2014/main" id="{03F0A934-8727-4150-AD5E-F9F80D3C5646}"/>
               </a:ext>
             </a:extLst>
           </p:cNvPr>
@@ -18845,7 +19887,7 @@
           <p:cNvPr id="62" name="TextBox 61">
             <a:extLst>
               <a:ext uri="{FF2B5EF4-FFF2-40B4-BE49-F238E27FC236}">
-                <a16:creationId xmlns:a16="http://schemas.microsoft.com/office/drawing/2014/main" xmlns="" id="{CCB2FA9B-B787-4EA3-9CBB-8AD4574C261C}"/>
+                <a16:creationId xmlns="" xmlns:a16="http://schemas.microsoft.com/office/drawing/2014/main" id="{CCB2FA9B-B787-4EA3-9CBB-8AD4574C261C}"/>
               </a:ext>
             </a:extLst>
           </p:cNvPr>
@@ -18918,7 +19960,7 @@
           <p:cNvPr id="18" name="Title 7">
             <a:extLst>
               <a:ext uri="{FF2B5EF4-FFF2-40B4-BE49-F238E27FC236}">
-                <a16:creationId xmlns:a16="http://schemas.microsoft.com/office/drawing/2014/main" xmlns="" id="{E195DE7B-42F0-4CAA-AAB0-D33DB61C53CA}"/>
+                <a16:creationId xmlns="" xmlns:a16="http://schemas.microsoft.com/office/drawing/2014/main" id="{E195DE7B-42F0-4CAA-AAB0-D33DB61C53CA}"/>
               </a:ext>
             </a:extLst>
           </p:cNvPr>
@@ -19201,7 +20243,6 @@
               <a:rPr lang="ru-RU" dirty="0"/>
               <a:t>Необходимо разработать процесс, который загружает данную выгрузку в хранилище данных с учетом показанных ниже взаимосвязей и строит отчет о состоянии кредитного портфеля.</a:t>
             </a:r>
-            <a:endParaRPr lang="ru-RU" dirty="0"/>
           </a:p>
         </p:txBody>
       </p:sp>
@@ -19397,7 +20438,7 @@
           <p:cNvPr id="18" name="Title 7">
             <a:extLst>
               <a:ext uri="{FF2B5EF4-FFF2-40B4-BE49-F238E27FC236}">
-                <a16:creationId xmlns:a16="http://schemas.microsoft.com/office/drawing/2014/main" xmlns="" id="{E195DE7B-42F0-4CAA-AAB0-D33DB61C53CA}"/>
+                <a16:creationId xmlns="" xmlns:a16="http://schemas.microsoft.com/office/drawing/2014/main" id="{E195DE7B-42F0-4CAA-AAB0-D33DB61C53CA}"/>
               </a:ext>
             </a:extLst>
           </p:cNvPr>
@@ -19863,7 +20904,7 @@
           <p:cNvPr id="18" name="Title 7">
             <a:extLst>
               <a:ext uri="{FF2B5EF4-FFF2-40B4-BE49-F238E27FC236}">
-                <a16:creationId xmlns:a16="http://schemas.microsoft.com/office/drawing/2014/main" xmlns="" id="{E195DE7B-42F0-4CAA-AAB0-D33DB61C53CA}"/>
+                <a16:creationId xmlns="" xmlns:a16="http://schemas.microsoft.com/office/drawing/2014/main" id="{E195DE7B-42F0-4CAA-AAB0-D33DB61C53CA}"/>
               </a:ext>
             </a:extLst>
           </p:cNvPr>
@@ -21152,7 +22193,7 @@
           <p:cNvPr id="18" name="Title 7">
             <a:extLst>
               <a:ext uri="{FF2B5EF4-FFF2-40B4-BE49-F238E27FC236}">
-                <a16:creationId xmlns:a16="http://schemas.microsoft.com/office/drawing/2014/main" xmlns="" id="{E195DE7B-42F0-4CAA-AAB0-D33DB61C53CA}"/>
+                <a16:creationId xmlns="" xmlns:a16="http://schemas.microsoft.com/office/drawing/2014/main" id="{E195DE7B-42F0-4CAA-AAB0-D33DB61C53CA}"/>
               </a:ext>
             </a:extLst>
           </p:cNvPr>
@@ -22304,7 +23345,7 @@
           <p:cNvPr id="18" name="Title 7">
             <a:extLst>
               <a:ext uri="{FF2B5EF4-FFF2-40B4-BE49-F238E27FC236}">
-                <a16:creationId xmlns:a16="http://schemas.microsoft.com/office/drawing/2014/main" xmlns="" id="{E195DE7B-42F0-4CAA-AAB0-D33DB61C53CA}"/>
+                <a16:creationId xmlns="" xmlns:a16="http://schemas.microsoft.com/office/drawing/2014/main" id="{E195DE7B-42F0-4CAA-AAB0-D33DB61C53CA}"/>
               </a:ext>
             </a:extLst>
           </p:cNvPr>
@@ -22361,15 +23402,7 @@
                   <a:srgbClr val="333F48"/>
                 </a:solidFill>
               </a:rPr>
-              <a:t>. </a:t>
-            </a:r>
-            <a:r>
-              <a:rPr lang="ru-RU" sz="3200" dirty="0" smtClean="0">
-                <a:solidFill>
-                  <a:srgbClr val="333F48"/>
-                </a:solidFill>
-              </a:rPr>
-              <a:t>Подключение(создание) внешних таблиц</a:t>
+              <a:t>. Подключение(создание) внешних таблиц</a:t>
             </a:r>
             <a:endParaRPr lang="ru-RU" sz="1200" dirty="0"/>
           </a:p>

--- a/Course Work/_Презентация Курсовой работы.pptx
+++ b/Course Work/_Презентация Курсовой работы.pptx
@@ -126,6 +126,36 @@
     </a:lvl9pPr>
   </p:defaultTextStyle>
   <p:extLst>
+    <p:ext uri="{521415D9-36F7-43E2-AB2F-B90AF26B5E84}">
+      <p14:sectionLst xmlns:p14="http://schemas.microsoft.com/office/powerpoint/2010/main">
+        <p14:section name="Раздел по умолчанию" id="{E27B38A5-C036-4F10-BC45-B925FB2ABF65}">
+          <p14:sldIdLst>
+            <p14:sldId id="256"/>
+            <p14:sldId id="347"/>
+            <p14:sldId id="348"/>
+            <p14:sldId id="349"/>
+            <p14:sldId id="306"/>
+            <p14:sldId id="365"/>
+            <p14:sldId id="362"/>
+            <p14:sldId id="353"/>
+            <p14:sldId id="363"/>
+            <p14:sldId id="364"/>
+            <p14:sldId id="366"/>
+            <p14:sldId id="367"/>
+          </p14:sldIdLst>
+        </p14:section>
+        <p14:section name="Раздел без заголовка" id="{39799A2C-EDB7-4624-8384-C6D5F273811A}">
+          <p14:sldIdLst>
+            <p14:sldId id="372"/>
+            <p14:sldId id="368"/>
+            <p14:sldId id="369"/>
+            <p14:sldId id="370"/>
+            <p14:sldId id="371"/>
+            <p14:sldId id="307"/>
+          </p14:sldIdLst>
+        </p14:section>
+      </p14:sectionLst>
+    </p:ext>
     <p:ext uri="{EFAFB233-063F-42B5-8137-9DF3F51BA10A}">
       <p15:sldGuideLst xmlns:p15="http://schemas.microsoft.com/office/powerpoint/2012/main">
         <p15:guide id="1" orient="horz" pos="2160">
@@ -226,7 +256,7 @@
           <a:p>
             <a:fld id="{B04DCA98-92C0-4F48-89D1-3FD303C7CE35}" type="datetimeFigureOut">
               <a:rPr lang="ru-RU" smtClean="0"/>
-              <a:t>22.07.2021</a:t>
+              <a:t>10.08.2021</a:t>
             </a:fld>
             <a:endParaRPr lang="ru-RU"/>
           </a:p>
@@ -715,7 +745,7 @@
             </a:pPr>
             <a:fld id="{F9A2CB3F-9E6C-4531-82DF-EF260906E9D5}" type="datetimeFigureOut">
               <a:rPr lang="ru-RU"/>
-              <a:t>22.07.2021</a:t>
+              <a:t>10.08.2021</a:t>
             </a:fld>
             <a:endParaRPr lang="ru-RU"/>
           </a:p>
@@ -904,7 +934,7 @@
             </a:pPr>
             <a:fld id="{F9A2CB3F-9E6C-4531-82DF-EF260906E9D5}" type="datetimeFigureOut">
               <a:rPr lang="ru-RU"/>
-              <a:t>22.07.2021</a:t>
+              <a:t>10.08.2021</a:t>
             </a:fld>
             <a:endParaRPr lang="ru-RU"/>
           </a:p>
@@ -1103,7 +1133,7 @@
             </a:pPr>
             <a:fld id="{F9A2CB3F-9E6C-4531-82DF-EF260906E9D5}" type="datetimeFigureOut">
               <a:rPr lang="ru-RU"/>
-              <a:t>22.07.2021</a:t>
+              <a:t>10.08.2021</a:t>
             </a:fld>
             <a:endParaRPr lang="ru-RU"/>
           </a:p>
@@ -1322,7 +1352,7 @@
             </a:pPr>
             <a:fld id="{1D8BD707-D9CF-40AE-B4C6-C98DA3205C09}" type="datetimeFigureOut">
               <a:rPr lang="en-US"/>
-              <a:t>7/22/2021</a:t>
+              <a:t>8/10/2021</a:t>
             </a:fld>
             <a:endParaRPr lang="en-US"/>
           </a:p>
@@ -1927,7 +1957,7 @@
             </a:pPr>
             <a:fld id="{1D8BD707-D9CF-40AE-B4C6-C98DA3205C09}" type="datetimeFigureOut">
               <a:rPr lang="en-US"/>
-              <a:t>7/22/2021</a:t>
+              <a:t>8/10/2021</a:t>
             </a:fld>
             <a:endParaRPr lang="en-US"/>
           </a:p>
@@ -2130,7 +2160,7 @@
             </a:pPr>
             <a:fld id="{1D8BD707-D9CF-40AE-B4C6-C98DA3205C09}" type="datetimeFigureOut">
               <a:rPr lang="en-US"/>
-              <a:t>7/22/2021</a:t>
+              <a:t>8/10/2021</a:t>
             </a:fld>
             <a:endParaRPr lang="en-US"/>
           </a:p>
@@ -2551,7 +2581,7 @@
             </a:pPr>
             <a:fld id="{1D8BD707-D9CF-40AE-B4C6-C98DA3205C09}" type="datetimeFigureOut">
               <a:rPr lang="en-US"/>
-              <a:t>7/22/2021</a:t>
+              <a:t>8/10/2021</a:t>
             </a:fld>
             <a:endParaRPr lang="en-US"/>
           </a:p>
@@ -2694,7 +2724,7 @@
             </a:pPr>
             <a:fld id="{1D8BD707-D9CF-40AE-B4C6-C98DA3205C09}" type="datetimeFigureOut">
               <a:rPr lang="en-US"/>
-              <a:t>7/22/2021</a:t>
+              <a:t>8/10/2021</a:t>
             </a:fld>
             <a:endParaRPr lang="en-US"/>
           </a:p>
@@ -2883,7 +2913,7 @@
             </a:pPr>
             <a:fld id="{F9A2CB3F-9E6C-4531-82DF-EF260906E9D5}" type="datetimeFigureOut">
               <a:rPr lang="ru-RU"/>
-              <a:t>22.07.2021</a:t>
+              <a:t>10.08.2021</a:t>
             </a:fld>
             <a:endParaRPr lang="ru-RU"/>
           </a:p>
@@ -3062,7 +3092,7 @@
             </a:pPr>
             <a:fld id="{1D8BD707-D9CF-40AE-B4C6-C98DA3205C09}" type="datetimeFigureOut">
               <a:rPr lang="en-US"/>
-              <a:t>7/22/2021</a:t>
+              <a:t>8/10/2021</a:t>
             </a:fld>
             <a:endParaRPr lang="en-US"/>
           </a:p>
@@ -3270,7 +3300,7 @@
             </a:pPr>
             <a:fld id="{1D8BD707-D9CF-40AE-B4C6-C98DA3205C09}" type="datetimeFigureOut">
               <a:rPr lang="en-US"/>
-              <a:t>7/22/2021</a:t>
+              <a:t>8/10/2021</a:t>
             </a:fld>
             <a:endParaRPr lang="en-US"/>
           </a:p>
@@ -3441,7 +3471,7 @@
             </a:pPr>
             <a:fld id="{1D8BD707-D9CF-40AE-B4C6-C98DA3205C09}" type="datetimeFigureOut">
               <a:rPr lang="en-US"/>
-              <a:t>7/22/2021</a:t>
+              <a:t>8/10/2021</a:t>
             </a:fld>
             <a:endParaRPr lang="en-US"/>
           </a:p>
@@ -3695,7 +3725,7 @@
             </a:pPr>
             <a:fld id="{1D8BD707-D9CF-40AE-B4C6-C98DA3205C09}" type="datetimeFigureOut">
               <a:rPr lang="en-US"/>
-              <a:t>7/22/2021</a:t>
+              <a:t>8/10/2021</a:t>
             </a:fld>
             <a:endParaRPr lang="en-US"/>
           </a:p>
@@ -3804,7 +3834,7 @@
             </a:pPr>
             <a:fld id="{1D8BD707-D9CF-40AE-B4C6-C98DA3205C09}" type="datetimeFigureOut">
               <a:rPr lang="en-US"/>
-              <a:t>7/22/2021</a:t>
+              <a:t>8/10/2021</a:t>
             </a:fld>
             <a:endParaRPr lang="en-US"/>
           </a:p>
@@ -3995,7 +4025,7 @@
             </a:pPr>
             <a:fld id="{1D8BD707-D9CF-40AE-B4C6-C98DA3205C09}" type="datetimeFigureOut">
               <a:rPr lang="en-US"/>
-              <a:t>7/22/2021</a:t>
+              <a:t>8/10/2021</a:t>
             </a:fld>
             <a:endParaRPr lang="en-US"/>
           </a:p>
@@ -4094,7 +4124,7 @@
             </a:pPr>
             <a:fld id="{1D8BD707-D9CF-40AE-B4C6-C98DA3205C09}" type="datetimeFigureOut">
               <a:rPr lang="en-US"/>
-              <a:t>7/22/2021</a:t>
+              <a:t>8/10/2021</a:t>
             </a:fld>
             <a:endParaRPr lang="en-US"/>
           </a:p>
@@ -4236,7 +4266,7 @@
             </a:pPr>
             <a:fld id="{1D8BD707-D9CF-40AE-B4C6-C98DA3205C09}" type="datetimeFigureOut">
               <a:rPr lang="en-US"/>
-              <a:t>7/22/2021</a:t>
+              <a:t>8/10/2021</a:t>
             </a:fld>
             <a:endParaRPr lang="en-US"/>
           </a:p>
@@ -4814,7 +4844,7 @@
             </a:pPr>
             <a:fld id="{F9A2CB3F-9E6C-4531-82DF-EF260906E9D5}" type="datetimeFigureOut">
               <a:rPr lang="ru-RU"/>
-              <a:t>22.07.2021</a:t>
+              <a:t>10.08.2021</a:t>
             </a:fld>
             <a:endParaRPr lang="ru-RU"/>
           </a:p>
@@ -5078,7 +5108,7 @@
             </a:pPr>
             <a:fld id="{F9A2CB3F-9E6C-4531-82DF-EF260906E9D5}" type="datetimeFigureOut">
               <a:rPr lang="ru-RU"/>
-              <a:t>22.07.2021</a:t>
+              <a:t>10.08.2021</a:t>
             </a:fld>
             <a:endParaRPr lang="ru-RU"/>
           </a:p>
@@ -5483,7 +5513,7 @@
             </a:pPr>
             <a:fld id="{F9A2CB3F-9E6C-4531-82DF-EF260906E9D5}" type="datetimeFigureOut">
               <a:rPr lang="ru-RU"/>
-              <a:t>22.07.2021</a:t>
+              <a:t>10.08.2021</a:t>
             </a:fld>
             <a:endParaRPr lang="ru-RU"/>
           </a:p>
@@ -5607,7 +5637,7 @@
             </a:pPr>
             <a:fld id="{F9A2CB3F-9E6C-4531-82DF-EF260906E9D5}" type="datetimeFigureOut">
               <a:rPr lang="ru-RU"/>
-              <a:t>22.07.2021</a:t>
+              <a:t>10.08.2021</a:t>
             </a:fld>
             <a:endParaRPr lang="ru-RU"/>
           </a:p>
@@ -5706,7 +5736,7 @@
             </a:pPr>
             <a:fld id="{F9A2CB3F-9E6C-4531-82DF-EF260906E9D5}" type="datetimeFigureOut">
               <a:rPr lang="ru-RU"/>
-              <a:t>22.07.2021</a:t>
+              <a:t>10.08.2021</a:t>
             </a:fld>
             <a:endParaRPr lang="ru-RU"/>
           </a:p>
@@ -6005,7 +6035,7 @@
             </a:pPr>
             <a:fld id="{F9A2CB3F-9E6C-4531-82DF-EF260906E9D5}" type="datetimeFigureOut">
               <a:rPr lang="ru-RU"/>
-              <a:t>22.07.2021</a:t>
+              <a:t>10.08.2021</a:t>
             </a:fld>
             <a:endParaRPr lang="ru-RU"/>
           </a:p>
@@ -6270,7 +6300,7 @@
             </a:pPr>
             <a:fld id="{F9A2CB3F-9E6C-4531-82DF-EF260906E9D5}" type="datetimeFigureOut">
               <a:rPr lang="ru-RU"/>
-              <a:t>22.07.2021</a:t>
+              <a:t>10.08.2021</a:t>
             </a:fld>
             <a:endParaRPr lang="ru-RU"/>
           </a:p>
@@ -6502,7 +6532,7 @@
             </a:pPr>
             <a:fld id="{F9A2CB3F-9E6C-4531-82DF-EF260906E9D5}" type="datetimeFigureOut">
               <a:rPr lang="ru-RU"/>
-              <a:t>22.07.2021</a:t>
+              <a:t>10.08.2021</a:t>
             </a:fld>
             <a:endParaRPr lang="ru-RU"/>
           </a:p>
@@ -7000,7 +7030,7 @@
             </a:pPr>
             <a:fld id="{1D8BD707-D9CF-40AE-B4C6-C98DA3205C09}" type="datetimeFigureOut">
               <a:rPr lang="en-US"/>
-              <a:t>7/22/2021</a:t>
+              <a:t>8/10/2021</a:t>
             </a:fld>
             <a:endParaRPr lang="en-US"/>
           </a:p>
@@ -11251,15 +11281,7 @@
                   <a:srgbClr val="333F48"/>
                 </a:solidFill>
               </a:rPr>
-              <a:t>3. </a:t>
-            </a:r>
-            <a:r>
-              <a:rPr lang="ru-RU" sz="3200" dirty="0" smtClean="0">
-                <a:solidFill>
-                  <a:srgbClr val="333F48"/>
-                </a:solidFill>
-              </a:rPr>
-              <a:t>Объединение в ПАКЕТ </a:t>
+              <a:t>3. План Запроса </a:t>
             </a:r>
             <a:endParaRPr lang="ru-RU" sz="1200" dirty="0"/>
           </a:p>
@@ -11326,8 +11348,8 @@
         </p:nvSpPr>
         <p:spPr>
           <a:xfrm>
-            <a:off x="335360" y="725502"/>
-            <a:ext cx="5328592" cy="3477875"/>
+            <a:off x="317532" y="980728"/>
+            <a:ext cx="10369152" cy="2970044"/>
           </a:xfrm>
           <a:prstGeom prst="rect">
             <a:avLst/>
@@ -11355,906 +11377,152 @@
                 <a:latin typeface="Courier New" panose="02070309020205020404" pitchFamily="49" charset="0"/>
                 <a:cs typeface="Courier New" panose="02070309020205020404" pitchFamily="49" charset="0"/>
               </a:rPr>
-              <a:t>CREATE OR REPLACE PACKAGE c##</a:t>
-            </a:r>
-            <a:r>
-              <a:rPr lang="en-US" sz="1100" dirty="0" err="1">
-                <a:latin typeface="Courier New" panose="02070309020205020404" pitchFamily="49" charset="0"/>
-                <a:cs typeface="Courier New" panose="02070309020205020404" pitchFamily="49" charset="0"/>
-              </a:rPr>
-              <a:t>course.pk_credit_report</a:t>
-            </a:r>
-            <a:r>
-              <a:rPr lang="en-US" sz="1100" dirty="0">
-                <a:latin typeface="Courier New" panose="02070309020205020404" pitchFamily="49" charset="0"/>
-                <a:cs typeface="Courier New" panose="02070309020205020404" pitchFamily="49" charset="0"/>
-              </a:rPr>
-              <a:t> AS   </a:t>
-            </a:r>
-          </a:p>
-          <a:p>
-            <a:r>
-              <a:rPr lang="en-US" sz="1100" dirty="0">
-                <a:latin typeface="Courier New" panose="02070309020205020404" pitchFamily="49" charset="0"/>
-                <a:cs typeface="Courier New" panose="02070309020205020404" pitchFamily="49" charset="0"/>
-              </a:rPr>
-              <a:t>    TYPE </a:t>
-            </a:r>
-            <a:r>
-              <a:rPr lang="en-US" sz="1100" dirty="0" err="1">
-                <a:latin typeface="Courier New" panose="02070309020205020404" pitchFamily="49" charset="0"/>
-                <a:cs typeface="Courier New" panose="02070309020205020404" pitchFamily="49" charset="0"/>
-              </a:rPr>
-              <a:t>report_row</a:t>
-            </a:r>
-            <a:r>
-              <a:rPr lang="en-US" sz="1100" dirty="0">
-                <a:latin typeface="Courier New" panose="02070309020205020404" pitchFamily="49" charset="0"/>
-                <a:cs typeface="Courier New" panose="02070309020205020404" pitchFamily="49" charset="0"/>
-              </a:rPr>
-              <a:t> IS RECORD</a:t>
-            </a:r>
-          </a:p>
-          <a:p>
-            <a:r>
-              <a:rPr lang="en-US" sz="1100" dirty="0">
-                <a:latin typeface="Courier New" panose="02070309020205020404" pitchFamily="49" charset="0"/>
-                <a:cs typeface="Courier New" panose="02070309020205020404" pitchFamily="49" charset="0"/>
-              </a:rPr>
-              <a:t>    ( </a:t>
-            </a:r>
-          </a:p>
-          <a:p>
-            <a:r>
-              <a:rPr lang="en-US" sz="1100" dirty="0">
-                <a:latin typeface="Courier New" panose="02070309020205020404" pitchFamily="49" charset="0"/>
-                <a:cs typeface="Courier New" panose="02070309020205020404" pitchFamily="49" charset="0"/>
-              </a:rPr>
-              <a:t>          </a:t>
-            </a:r>
-            <a:r>
-              <a:rPr lang="en-US" sz="1100" dirty="0" err="1">
-                <a:latin typeface="Courier New" panose="02070309020205020404" pitchFamily="49" charset="0"/>
-                <a:cs typeface="Courier New" panose="02070309020205020404" pitchFamily="49" charset="0"/>
-              </a:rPr>
-              <a:t>num_dog</a:t>
-            </a:r>
-            <a:r>
-              <a:rPr lang="en-US" sz="1100" dirty="0">
-                <a:latin typeface="Courier New" panose="02070309020205020404" pitchFamily="49" charset="0"/>
-                <a:cs typeface="Courier New" panose="02070309020205020404" pitchFamily="49" charset="0"/>
-              </a:rPr>
-              <a:t>             varchar2(10)</a:t>
-            </a:r>
-          </a:p>
-          <a:p>
-            <a:r>
-              <a:rPr lang="en-US" sz="1100" dirty="0">
-                <a:latin typeface="Courier New" panose="02070309020205020404" pitchFamily="49" charset="0"/>
-                <a:cs typeface="Courier New" panose="02070309020205020404" pitchFamily="49" charset="0"/>
-              </a:rPr>
-              <a:t>        , </a:t>
-            </a:r>
-            <a:r>
-              <a:rPr lang="en-US" sz="1100" dirty="0" err="1">
-                <a:latin typeface="Courier New" panose="02070309020205020404" pitchFamily="49" charset="0"/>
-                <a:cs typeface="Courier New" panose="02070309020205020404" pitchFamily="49" charset="0"/>
-              </a:rPr>
-              <a:t>cl_name</a:t>
-            </a:r>
-            <a:r>
-              <a:rPr lang="en-US" sz="1100" dirty="0">
-                <a:latin typeface="Courier New" panose="02070309020205020404" pitchFamily="49" charset="0"/>
-                <a:cs typeface="Courier New" panose="02070309020205020404" pitchFamily="49" charset="0"/>
-              </a:rPr>
-              <a:t>             varchar2(100)</a:t>
-            </a:r>
-          </a:p>
-          <a:p>
-            <a:r>
-              <a:rPr lang="en-US" sz="1100" dirty="0">
-                <a:latin typeface="Courier New" panose="02070309020205020404" pitchFamily="49" charset="0"/>
-                <a:cs typeface="Courier New" panose="02070309020205020404" pitchFamily="49" charset="0"/>
-              </a:rPr>
-              <a:t>        , </a:t>
-            </a:r>
-            <a:r>
-              <a:rPr lang="en-US" sz="1100" dirty="0" err="1">
-                <a:latin typeface="Courier New" panose="02070309020205020404" pitchFamily="49" charset="0"/>
-                <a:cs typeface="Courier New" panose="02070309020205020404" pitchFamily="49" charset="0"/>
-              </a:rPr>
-              <a:t>summa_dog</a:t>
-            </a:r>
-            <a:r>
-              <a:rPr lang="en-US" sz="1100" dirty="0">
-                <a:latin typeface="Courier New" panose="02070309020205020404" pitchFamily="49" charset="0"/>
-                <a:cs typeface="Courier New" panose="02070309020205020404" pitchFamily="49" charset="0"/>
-              </a:rPr>
-              <a:t>           number</a:t>
-            </a:r>
-          </a:p>
-          <a:p>
-            <a:r>
-              <a:rPr lang="en-US" sz="1100" dirty="0">
-                <a:latin typeface="Courier New" panose="02070309020205020404" pitchFamily="49" charset="0"/>
-                <a:cs typeface="Courier New" panose="02070309020205020404" pitchFamily="49" charset="0"/>
-              </a:rPr>
-              <a:t>        , </a:t>
-            </a:r>
-            <a:r>
-              <a:rPr lang="en-US" sz="1100" dirty="0" err="1">
-                <a:latin typeface="Courier New" panose="02070309020205020404" pitchFamily="49" charset="0"/>
-                <a:cs typeface="Courier New" panose="02070309020205020404" pitchFamily="49" charset="0"/>
-              </a:rPr>
-              <a:t>date_begin</a:t>
-            </a:r>
-            <a:r>
-              <a:rPr lang="en-US" sz="1100" dirty="0">
-                <a:latin typeface="Courier New" panose="02070309020205020404" pitchFamily="49" charset="0"/>
-                <a:cs typeface="Courier New" panose="02070309020205020404" pitchFamily="49" charset="0"/>
-              </a:rPr>
-              <a:t>          date </a:t>
-            </a:r>
-          </a:p>
-          <a:p>
-            <a:r>
-              <a:rPr lang="en-US" sz="1100" dirty="0">
-                <a:latin typeface="Courier New" panose="02070309020205020404" pitchFamily="49" charset="0"/>
-                <a:cs typeface="Courier New" panose="02070309020205020404" pitchFamily="49" charset="0"/>
-              </a:rPr>
-              <a:t>        , </a:t>
-            </a:r>
-            <a:r>
-              <a:rPr lang="en-US" sz="1100" dirty="0" err="1">
-                <a:latin typeface="Courier New" panose="02070309020205020404" pitchFamily="49" charset="0"/>
-                <a:cs typeface="Courier New" panose="02070309020205020404" pitchFamily="49" charset="0"/>
-              </a:rPr>
-              <a:t>date_end</a:t>
-            </a:r>
-            <a:r>
-              <a:rPr lang="en-US" sz="1100" dirty="0">
-                <a:latin typeface="Courier New" panose="02070309020205020404" pitchFamily="49" charset="0"/>
-                <a:cs typeface="Courier New" panose="02070309020205020404" pitchFamily="49" charset="0"/>
-              </a:rPr>
-              <a:t>            date</a:t>
-            </a:r>
-          </a:p>
-          <a:p>
-            <a:r>
-              <a:rPr lang="en-US" sz="1100" dirty="0">
-                <a:latin typeface="Courier New" panose="02070309020205020404" pitchFamily="49" charset="0"/>
-                <a:cs typeface="Courier New" panose="02070309020205020404" pitchFamily="49" charset="0"/>
-              </a:rPr>
-              <a:t>        , </a:t>
-            </a:r>
-            <a:r>
-              <a:rPr lang="en-US" sz="1100" dirty="0" err="1">
-                <a:latin typeface="Courier New" panose="02070309020205020404" pitchFamily="49" charset="0"/>
-                <a:cs typeface="Courier New" panose="02070309020205020404" pitchFamily="49" charset="0"/>
-              </a:rPr>
-              <a:t>ostat_dolg</a:t>
-            </a:r>
-            <a:r>
-              <a:rPr lang="en-US" sz="1100" dirty="0">
-                <a:latin typeface="Courier New" panose="02070309020205020404" pitchFamily="49" charset="0"/>
-                <a:cs typeface="Courier New" panose="02070309020205020404" pitchFamily="49" charset="0"/>
-              </a:rPr>
-              <a:t>          number</a:t>
-            </a:r>
-          </a:p>
-          <a:p>
-            <a:r>
-              <a:rPr lang="en-US" sz="1100" dirty="0">
-                <a:latin typeface="Courier New" panose="02070309020205020404" pitchFamily="49" charset="0"/>
-                <a:cs typeface="Courier New" panose="02070309020205020404" pitchFamily="49" charset="0"/>
-              </a:rPr>
-              <a:t>        , </a:t>
-            </a:r>
-            <a:r>
-              <a:rPr lang="en-US" sz="1100" dirty="0" err="1">
-                <a:latin typeface="Courier New" panose="02070309020205020404" pitchFamily="49" charset="0"/>
-                <a:cs typeface="Courier New" panose="02070309020205020404" pitchFamily="49" charset="0"/>
-              </a:rPr>
-              <a:t>need_pogash_percent</a:t>
-            </a:r>
-            <a:r>
-              <a:rPr lang="en-US" sz="1100" dirty="0">
-                <a:latin typeface="Courier New" panose="02070309020205020404" pitchFamily="49" charset="0"/>
-                <a:cs typeface="Courier New" panose="02070309020205020404" pitchFamily="49" charset="0"/>
-              </a:rPr>
-              <a:t> number</a:t>
-            </a:r>
-          </a:p>
-          <a:p>
-            <a:r>
-              <a:rPr lang="en-US" sz="1100" dirty="0">
-                <a:latin typeface="Courier New" panose="02070309020205020404" pitchFamily="49" charset="0"/>
-                <a:cs typeface="Courier New" panose="02070309020205020404" pitchFamily="49" charset="0"/>
-              </a:rPr>
-              <a:t>    );</a:t>
-            </a:r>
-          </a:p>
-          <a:p>
-            <a:endParaRPr lang="en-US" sz="1100" dirty="0">
-              <a:latin typeface="Courier New" panose="02070309020205020404" pitchFamily="49" charset="0"/>
-              <a:cs typeface="Courier New" panose="02070309020205020404" pitchFamily="49" charset="0"/>
-            </a:endParaRPr>
-          </a:p>
-          <a:p>
-            <a:r>
-              <a:rPr lang="en-US" sz="1100" dirty="0">
-                <a:latin typeface="Courier New" panose="02070309020205020404" pitchFamily="49" charset="0"/>
-                <a:cs typeface="Courier New" panose="02070309020205020404" pitchFamily="49" charset="0"/>
-              </a:rPr>
-              <a:t>    TYPE </a:t>
-            </a:r>
-            <a:r>
-              <a:rPr lang="en-US" sz="1100" dirty="0" err="1">
-                <a:latin typeface="Courier New" panose="02070309020205020404" pitchFamily="49" charset="0"/>
-                <a:cs typeface="Courier New" panose="02070309020205020404" pitchFamily="49" charset="0"/>
-              </a:rPr>
-              <a:t>table_report</a:t>
-            </a:r>
-            <a:r>
-              <a:rPr lang="en-US" sz="1100" dirty="0">
-                <a:latin typeface="Courier New" panose="02070309020205020404" pitchFamily="49" charset="0"/>
-                <a:cs typeface="Courier New" panose="02070309020205020404" pitchFamily="49" charset="0"/>
-              </a:rPr>
-              <a:t> IS TABLE OF </a:t>
-            </a:r>
-            <a:r>
-              <a:rPr lang="en-US" sz="1100" dirty="0" err="1">
-                <a:latin typeface="Courier New" panose="02070309020205020404" pitchFamily="49" charset="0"/>
-                <a:cs typeface="Courier New" panose="02070309020205020404" pitchFamily="49" charset="0"/>
-              </a:rPr>
-              <a:t>report_row</a:t>
-            </a:r>
-            <a:r>
-              <a:rPr lang="en-US" sz="1100" dirty="0">
-                <a:latin typeface="Courier New" panose="02070309020205020404" pitchFamily="49" charset="0"/>
-                <a:cs typeface="Courier New" panose="02070309020205020404" pitchFamily="49" charset="0"/>
-              </a:rPr>
-              <a:t>;</a:t>
-            </a:r>
-          </a:p>
-          <a:p>
-            <a:r>
-              <a:rPr lang="en-US" sz="1100" dirty="0">
-                <a:latin typeface="Courier New" panose="02070309020205020404" pitchFamily="49" charset="0"/>
-                <a:cs typeface="Courier New" panose="02070309020205020404" pitchFamily="49" charset="0"/>
-              </a:rPr>
-              <a:t>    </a:t>
-            </a:r>
-          </a:p>
-          <a:p>
-            <a:r>
-              <a:rPr lang="en-US" sz="1100" dirty="0">
-                <a:latin typeface="Courier New" panose="02070309020205020404" pitchFamily="49" charset="0"/>
-                <a:cs typeface="Courier New" panose="02070309020205020404" pitchFamily="49" charset="0"/>
-              </a:rPr>
-              <a:t>    FUNCTION </a:t>
-            </a:r>
-            <a:r>
-              <a:rPr lang="en-US" sz="1100" dirty="0" err="1">
-                <a:latin typeface="Courier New" panose="02070309020205020404" pitchFamily="49" charset="0"/>
-                <a:cs typeface="Courier New" panose="02070309020205020404" pitchFamily="49" charset="0"/>
-              </a:rPr>
-              <a:t>fn_get_report</a:t>
-            </a:r>
-            <a:r>
-              <a:rPr lang="en-US" sz="1100" dirty="0">
-                <a:latin typeface="Courier New" panose="02070309020205020404" pitchFamily="49" charset="0"/>
-                <a:cs typeface="Courier New" panose="02070309020205020404" pitchFamily="49" charset="0"/>
-              </a:rPr>
-              <a:t> (</a:t>
-            </a:r>
-            <a:r>
-              <a:rPr lang="en-US" sz="1100" dirty="0" err="1">
-                <a:latin typeface="Courier New" panose="02070309020205020404" pitchFamily="49" charset="0"/>
-                <a:cs typeface="Courier New" panose="02070309020205020404" pitchFamily="49" charset="0"/>
-              </a:rPr>
-              <a:t>report_dt</a:t>
-            </a:r>
-            <a:r>
-              <a:rPr lang="en-US" sz="1100" dirty="0">
-                <a:latin typeface="Courier New" panose="02070309020205020404" pitchFamily="49" charset="0"/>
-                <a:cs typeface="Courier New" panose="02070309020205020404" pitchFamily="49" charset="0"/>
-              </a:rPr>
-              <a:t> DATE) RETURN </a:t>
-            </a:r>
-            <a:r>
-              <a:rPr lang="en-US" sz="1100" dirty="0" err="1">
-                <a:latin typeface="Courier New" panose="02070309020205020404" pitchFamily="49" charset="0"/>
-                <a:cs typeface="Courier New" panose="02070309020205020404" pitchFamily="49" charset="0"/>
-              </a:rPr>
-              <a:t>table_report</a:t>
-            </a:r>
-            <a:r>
-              <a:rPr lang="en-US" sz="1100" dirty="0">
-                <a:latin typeface="Courier New" panose="02070309020205020404" pitchFamily="49" charset="0"/>
-                <a:cs typeface="Courier New" panose="02070309020205020404" pitchFamily="49" charset="0"/>
-              </a:rPr>
-              <a:t>;</a:t>
-            </a:r>
-          </a:p>
-          <a:p>
-            <a:r>
-              <a:rPr lang="en-US" sz="1100" dirty="0">
-                <a:latin typeface="Courier New" panose="02070309020205020404" pitchFamily="49" charset="0"/>
-                <a:cs typeface="Courier New" panose="02070309020205020404" pitchFamily="49" charset="0"/>
-              </a:rPr>
-              <a:t>    </a:t>
-            </a:r>
-          </a:p>
-          <a:p>
-            <a:r>
-              <a:rPr lang="en-US" sz="1100" dirty="0">
-                <a:latin typeface="Courier New" panose="02070309020205020404" pitchFamily="49" charset="0"/>
-                <a:cs typeface="Courier New" panose="02070309020205020404" pitchFamily="49" charset="0"/>
-              </a:rPr>
-              <a:t>    PROCEDURE </a:t>
-            </a:r>
-            <a:r>
-              <a:rPr lang="en-US" sz="1100" dirty="0" err="1">
-                <a:latin typeface="Courier New" panose="02070309020205020404" pitchFamily="49" charset="0"/>
-                <a:cs typeface="Courier New" panose="02070309020205020404" pitchFamily="49" charset="0"/>
-              </a:rPr>
-              <a:t>pr_make_report</a:t>
-            </a:r>
-            <a:r>
-              <a:rPr lang="en-US" sz="1100" dirty="0">
-                <a:latin typeface="Courier New" panose="02070309020205020404" pitchFamily="49" charset="0"/>
-                <a:cs typeface="Courier New" panose="02070309020205020404" pitchFamily="49" charset="0"/>
-              </a:rPr>
-              <a:t> (</a:t>
-            </a:r>
-            <a:r>
-              <a:rPr lang="en-US" sz="1100" dirty="0" err="1">
-                <a:latin typeface="Courier New" panose="02070309020205020404" pitchFamily="49" charset="0"/>
-                <a:cs typeface="Courier New" panose="02070309020205020404" pitchFamily="49" charset="0"/>
-              </a:rPr>
-              <a:t>report_dt</a:t>
-            </a:r>
-            <a:r>
-              <a:rPr lang="en-US" sz="1100" dirty="0">
-                <a:latin typeface="Courier New" panose="02070309020205020404" pitchFamily="49" charset="0"/>
-                <a:cs typeface="Courier New" panose="02070309020205020404" pitchFamily="49" charset="0"/>
-              </a:rPr>
-              <a:t> IN DATE);</a:t>
-            </a:r>
-          </a:p>
-          <a:p>
-            <a:r>
-              <a:rPr lang="en-US" sz="1100" dirty="0">
-                <a:latin typeface="Courier New" panose="02070309020205020404" pitchFamily="49" charset="0"/>
-                <a:cs typeface="Courier New" panose="02070309020205020404" pitchFamily="49" charset="0"/>
-              </a:rPr>
-              <a:t>    </a:t>
-            </a:r>
-          </a:p>
-          <a:p>
-            <a:r>
-              <a:rPr lang="en-US" sz="1100" dirty="0">
-                <a:latin typeface="Courier New" panose="02070309020205020404" pitchFamily="49" charset="0"/>
-                <a:cs typeface="Courier New" panose="02070309020205020404" pitchFamily="49" charset="0"/>
-              </a:rPr>
-              <a:t>END </a:t>
-            </a:r>
-            <a:r>
-              <a:rPr lang="en-US" sz="1100" dirty="0" err="1">
-                <a:latin typeface="Courier New" panose="02070309020205020404" pitchFamily="49" charset="0"/>
-                <a:cs typeface="Courier New" panose="02070309020205020404" pitchFamily="49" charset="0"/>
-              </a:rPr>
-              <a:t>pk_credit_report</a:t>
-            </a:r>
-            <a:r>
-              <a:rPr lang="en-US" sz="1100" dirty="0">
-                <a:latin typeface="Courier New" panose="02070309020205020404" pitchFamily="49" charset="0"/>
-                <a:cs typeface="Courier New" panose="02070309020205020404" pitchFamily="49" charset="0"/>
-              </a:rPr>
-              <a:t>;</a:t>
-            </a:r>
-            <a:endParaRPr lang="en-US" sz="1100" dirty="0">
-              <a:latin typeface="Courier New" panose="02070309020205020404" pitchFamily="49" charset="0"/>
-              <a:cs typeface="Courier New" panose="02070309020205020404" pitchFamily="49" charset="0"/>
-            </a:endParaRPr>
-          </a:p>
-        </p:txBody>
-      </p:sp>
-      <p:sp>
-        <p:nvSpPr>
-          <p:cNvPr id="7" name="TextBox 6"/>
-          <p:cNvSpPr txBox="1"/>
-          <p:nvPr/>
-        </p:nvSpPr>
-        <p:spPr>
-          <a:xfrm>
-            <a:off x="5879976" y="728112"/>
-            <a:ext cx="6120680" cy="4493538"/>
-          </a:xfrm>
-          <a:prstGeom prst="rect">
-            <a:avLst/>
-          </a:prstGeom>
-          <a:solidFill>
-            <a:schemeClr val="accent2">
-              <a:lumMod val="20000"/>
-              <a:lumOff val="80000"/>
-            </a:schemeClr>
-          </a:solidFill>
-          <a:ln>
-            <a:solidFill>
-              <a:schemeClr val="accent1"/>
-            </a:solidFill>
-          </a:ln>
-        </p:spPr>
-        <p:txBody>
-          <a:bodyPr wrap="square" rtlCol="0">
-            <a:spAutoFit/>
-          </a:bodyPr>
-          <a:lstStyle/>
-          <a:p>
-            <a:r>
-              <a:rPr lang="en-US" sz="1100" dirty="0">
-                <a:latin typeface="Courier New" panose="02070309020205020404" pitchFamily="49" charset="0"/>
-                <a:cs typeface="Courier New" panose="02070309020205020404" pitchFamily="49" charset="0"/>
-              </a:rPr>
-              <a:t>DECLARE</a:t>
-            </a:r>
-          </a:p>
-          <a:p>
-            <a:r>
-              <a:rPr lang="en-US" sz="1100" dirty="0">
-                <a:latin typeface="Courier New" panose="02070309020205020404" pitchFamily="49" charset="0"/>
-                <a:cs typeface="Courier New" panose="02070309020205020404" pitchFamily="49" charset="0"/>
-              </a:rPr>
-              <a:t>    </a:t>
-            </a:r>
-            <a:r>
-              <a:rPr lang="en-US" sz="1100" dirty="0" err="1">
-                <a:latin typeface="Courier New" panose="02070309020205020404" pitchFamily="49" charset="0"/>
-                <a:cs typeface="Courier New" panose="02070309020205020404" pitchFamily="49" charset="0"/>
-              </a:rPr>
-              <a:t>report_out</a:t>
-            </a:r>
-            <a:r>
-              <a:rPr lang="en-US" sz="1100" dirty="0">
-                <a:latin typeface="Courier New" panose="02070309020205020404" pitchFamily="49" charset="0"/>
-                <a:cs typeface="Courier New" panose="02070309020205020404" pitchFamily="49" charset="0"/>
-              </a:rPr>
-              <a:t> c##</a:t>
-            </a:r>
-            <a:r>
-              <a:rPr lang="en-US" sz="1100" dirty="0" err="1">
-                <a:latin typeface="Courier New" panose="02070309020205020404" pitchFamily="49" charset="0"/>
-                <a:cs typeface="Courier New" panose="02070309020205020404" pitchFamily="49" charset="0"/>
-              </a:rPr>
-              <a:t>course.pk_credit_report.table_report</a:t>
-            </a:r>
-            <a:r>
-              <a:rPr lang="en-US" sz="1100" dirty="0">
-                <a:latin typeface="Courier New" panose="02070309020205020404" pitchFamily="49" charset="0"/>
-                <a:cs typeface="Courier New" panose="02070309020205020404" pitchFamily="49" charset="0"/>
-              </a:rPr>
-              <a:t> :=c##</a:t>
-            </a:r>
-            <a:r>
-              <a:rPr lang="en-US" sz="1100" dirty="0" err="1">
-                <a:latin typeface="Courier New" panose="02070309020205020404" pitchFamily="49" charset="0"/>
-                <a:cs typeface="Courier New" panose="02070309020205020404" pitchFamily="49" charset="0"/>
-              </a:rPr>
-              <a:t>course.pk_credit_report.table_report</a:t>
-            </a:r>
-            <a:r>
-              <a:rPr lang="en-US" sz="1100" dirty="0">
-                <a:latin typeface="Courier New" panose="02070309020205020404" pitchFamily="49" charset="0"/>
-                <a:cs typeface="Courier New" panose="02070309020205020404" pitchFamily="49" charset="0"/>
-              </a:rPr>
-              <a:t>();</a:t>
-            </a:r>
-          </a:p>
-          <a:p>
-            <a:r>
-              <a:rPr lang="en-US" sz="1100" dirty="0">
-                <a:latin typeface="Courier New" panose="02070309020205020404" pitchFamily="49" charset="0"/>
-                <a:cs typeface="Courier New" panose="02070309020205020404" pitchFamily="49" charset="0"/>
-              </a:rPr>
-              <a:t>BEGIN</a:t>
-            </a:r>
-          </a:p>
-          <a:p>
-            <a:endParaRPr lang="en-US" sz="1100" dirty="0">
-              <a:latin typeface="Courier New" panose="02070309020205020404" pitchFamily="49" charset="0"/>
-              <a:cs typeface="Courier New" panose="02070309020205020404" pitchFamily="49" charset="0"/>
-            </a:endParaRPr>
-          </a:p>
-          <a:p>
-            <a:r>
-              <a:rPr lang="en-US" sz="1100" dirty="0">
-                <a:latin typeface="Courier New" panose="02070309020205020404" pitchFamily="49" charset="0"/>
-                <a:cs typeface="Courier New" panose="02070309020205020404" pitchFamily="49" charset="0"/>
-              </a:rPr>
-              <a:t>    </a:t>
-            </a:r>
-            <a:r>
-              <a:rPr lang="en-US" sz="1100" dirty="0" err="1">
-                <a:latin typeface="Courier New" panose="02070309020205020404" pitchFamily="49" charset="0"/>
-                <a:cs typeface="Courier New" panose="02070309020205020404" pitchFamily="49" charset="0"/>
-              </a:rPr>
-              <a:t>report_out</a:t>
-            </a:r>
-            <a:r>
-              <a:rPr lang="en-US" sz="1100" dirty="0">
-                <a:latin typeface="Courier New" panose="02070309020205020404" pitchFamily="49" charset="0"/>
-                <a:cs typeface="Courier New" panose="02070309020205020404" pitchFamily="49" charset="0"/>
-              </a:rPr>
-              <a:t> :=  c##</a:t>
-            </a:r>
-            <a:r>
-              <a:rPr lang="en-US" sz="1100" dirty="0" err="1">
-                <a:latin typeface="Courier New" panose="02070309020205020404" pitchFamily="49" charset="0"/>
-                <a:cs typeface="Courier New" panose="02070309020205020404" pitchFamily="49" charset="0"/>
-              </a:rPr>
-              <a:t>course.pk_credit_report.fn_get_report</a:t>
-            </a:r>
-            <a:r>
-              <a:rPr lang="en-US" sz="1100" dirty="0">
-                <a:latin typeface="Courier New" panose="02070309020205020404" pitchFamily="49" charset="0"/>
-                <a:cs typeface="Courier New" panose="02070309020205020404" pitchFamily="49" charset="0"/>
-              </a:rPr>
-              <a:t> (TO_DATE('10.10.2020','DD.MM.YYYY'));</a:t>
-            </a:r>
-          </a:p>
-          <a:p>
-            <a:endParaRPr lang="en-US" sz="1100" dirty="0">
-              <a:latin typeface="Courier New" panose="02070309020205020404" pitchFamily="49" charset="0"/>
-              <a:cs typeface="Courier New" panose="02070309020205020404" pitchFamily="49" charset="0"/>
-            </a:endParaRPr>
-          </a:p>
-          <a:p>
-            <a:endParaRPr lang="en-US" sz="1100" dirty="0">
-              <a:latin typeface="Courier New" panose="02070309020205020404" pitchFamily="49" charset="0"/>
-              <a:cs typeface="Courier New" panose="02070309020205020404" pitchFamily="49" charset="0"/>
-            </a:endParaRPr>
-          </a:p>
-          <a:p>
-            <a:r>
-              <a:rPr lang="en-US" sz="1100" dirty="0">
-                <a:latin typeface="Courier New" panose="02070309020205020404" pitchFamily="49" charset="0"/>
-                <a:cs typeface="Courier New" panose="02070309020205020404" pitchFamily="49" charset="0"/>
-              </a:rPr>
-              <a:t>    FOR </a:t>
-            </a:r>
-            <a:r>
-              <a:rPr lang="en-US" sz="1100" dirty="0" err="1">
-                <a:latin typeface="Courier New" panose="02070309020205020404" pitchFamily="49" charset="0"/>
-                <a:cs typeface="Courier New" panose="02070309020205020404" pitchFamily="49" charset="0"/>
-              </a:rPr>
-              <a:t>i</a:t>
-            </a:r>
-            <a:r>
-              <a:rPr lang="en-US" sz="1100" dirty="0">
-                <a:latin typeface="Courier New" panose="02070309020205020404" pitchFamily="49" charset="0"/>
-                <a:cs typeface="Courier New" panose="02070309020205020404" pitchFamily="49" charset="0"/>
-              </a:rPr>
-              <a:t> IN 1..report_out.COUNT LOOP</a:t>
-            </a:r>
-          </a:p>
-          <a:p>
-            <a:r>
-              <a:rPr lang="en-US" sz="1100" dirty="0">
-                <a:latin typeface="Courier New" panose="02070309020205020404" pitchFamily="49" charset="0"/>
-                <a:cs typeface="Courier New" panose="02070309020205020404" pitchFamily="49" charset="0"/>
-              </a:rPr>
-              <a:t>        </a:t>
-            </a:r>
-          </a:p>
-          <a:p>
-            <a:r>
-              <a:rPr lang="en-US" sz="1100" dirty="0">
-                <a:latin typeface="Courier New" panose="02070309020205020404" pitchFamily="49" charset="0"/>
-                <a:cs typeface="Courier New" panose="02070309020205020404" pitchFamily="49" charset="0"/>
-              </a:rPr>
-              <a:t>        DBMS_OUTPUT.PUT_LINE(</a:t>
-            </a:r>
-          </a:p>
-          <a:p>
-            <a:r>
-              <a:rPr lang="en-US" sz="1100" dirty="0">
-                <a:latin typeface="Courier New" panose="02070309020205020404" pitchFamily="49" charset="0"/>
-                <a:cs typeface="Courier New" panose="02070309020205020404" pitchFamily="49" charset="0"/>
-              </a:rPr>
-              <a:t>               RPAD(</a:t>
-            </a:r>
-            <a:r>
-              <a:rPr lang="en-US" sz="1100" dirty="0" err="1">
-                <a:latin typeface="Courier New" panose="02070309020205020404" pitchFamily="49" charset="0"/>
-                <a:cs typeface="Courier New" panose="02070309020205020404" pitchFamily="49" charset="0"/>
-              </a:rPr>
-              <a:t>report_out</a:t>
-            </a:r>
-            <a:r>
-              <a:rPr lang="en-US" sz="1100" dirty="0">
-                <a:latin typeface="Courier New" panose="02070309020205020404" pitchFamily="49" charset="0"/>
-                <a:cs typeface="Courier New" panose="02070309020205020404" pitchFamily="49" charset="0"/>
-              </a:rPr>
-              <a:t>(</a:t>
-            </a:r>
-            <a:r>
-              <a:rPr lang="en-US" sz="1100" dirty="0" err="1">
-                <a:latin typeface="Courier New" panose="02070309020205020404" pitchFamily="49" charset="0"/>
-                <a:cs typeface="Courier New" panose="02070309020205020404" pitchFamily="49" charset="0"/>
-              </a:rPr>
-              <a:t>i</a:t>
-            </a:r>
-            <a:r>
-              <a:rPr lang="en-US" sz="1100" dirty="0">
-                <a:latin typeface="Courier New" panose="02070309020205020404" pitchFamily="49" charset="0"/>
-                <a:cs typeface="Courier New" panose="02070309020205020404" pitchFamily="49" charset="0"/>
-              </a:rPr>
-              <a:t>).num_dog,10,' ')</a:t>
-            </a:r>
-          </a:p>
-          <a:p>
-            <a:r>
-              <a:rPr lang="en-US" sz="1100" dirty="0">
-                <a:latin typeface="Courier New" panose="02070309020205020404" pitchFamily="49" charset="0"/>
-                <a:cs typeface="Courier New" panose="02070309020205020404" pitchFamily="49" charset="0"/>
-              </a:rPr>
-              <a:t>            || RPAD(</a:t>
-            </a:r>
-            <a:r>
-              <a:rPr lang="en-US" sz="1100" dirty="0" err="1">
-                <a:latin typeface="Courier New" panose="02070309020205020404" pitchFamily="49" charset="0"/>
-                <a:cs typeface="Courier New" panose="02070309020205020404" pitchFamily="49" charset="0"/>
-              </a:rPr>
-              <a:t>report_out</a:t>
-            </a:r>
-            <a:r>
-              <a:rPr lang="en-US" sz="1100" dirty="0">
-                <a:latin typeface="Courier New" panose="02070309020205020404" pitchFamily="49" charset="0"/>
-                <a:cs typeface="Courier New" panose="02070309020205020404" pitchFamily="49" charset="0"/>
-              </a:rPr>
-              <a:t>(</a:t>
-            </a:r>
-            <a:r>
-              <a:rPr lang="en-US" sz="1100" dirty="0" err="1">
-                <a:latin typeface="Courier New" panose="02070309020205020404" pitchFamily="49" charset="0"/>
-                <a:cs typeface="Courier New" panose="02070309020205020404" pitchFamily="49" charset="0"/>
-              </a:rPr>
-              <a:t>i</a:t>
-            </a:r>
-            <a:r>
-              <a:rPr lang="en-US" sz="1100" dirty="0">
-                <a:latin typeface="Courier New" panose="02070309020205020404" pitchFamily="49" charset="0"/>
-                <a:cs typeface="Courier New" panose="02070309020205020404" pitchFamily="49" charset="0"/>
-              </a:rPr>
-              <a:t>).cl_name,40,' ')</a:t>
-            </a:r>
-          </a:p>
-          <a:p>
-            <a:r>
-              <a:rPr lang="en-US" sz="1100" dirty="0">
-                <a:latin typeface="Courier New" panose="02070309020205020404" pitchFamily="49" charset="0"/>
-                <a:cs typeface="Courier New" panose="02070309020205020404" pitchFamily="49" charset="0"/>
-              </a:rPr>
-              <a:t>            || RPAD(TO_CHAR(</a:t>
-            </a:r>
-            <a:r>
-              <a:rPr lang="en-US" sz="1100" dirty="0" err="1">
-                <a:latin typeface="Courier New" panose="02070309020205020404" pitchFamily="49" charset="0"/>
-                <a:cs typeface="Courier New" panose="02070309020205020404" pitchFamily="49" charset="0"/>
-              </a:rPr>
-              <a:t>report_out</a:t>
-            </a:r>
-            <a:r>
-              <a:rPr lang="en-US" sz="1100" dirty="0">
-                <a:latin typeface="Courier New" panose="02070309020205020404" pitchFamily="49" charset="0"/>
-                <a:cs typeface="Courier New" panose="02070309020205020404" pitchFamily="49" charset="0"/>
-              </a:rPr>
-              <a:t>(</a:t>
-            </a:r>
-            <a:r>
-              <a:rPr lang="en-US" sz="1100" dirty="0" err="1">
-                <a:latin typeface="Courier New" panose="02070309020205020404" pitchFamily="49" charset="0"/>
-                <a:cs typeface="Courier New" panose="02070309020205020404" pitchFamily="49" charset="0"/>
-              </a:rPr>
-              <a:t>i</a:t>
-            </a:r>
-            <a:r>
-              <a:rPr lang="en-US" sz="1100" dirty="0">
-                <a:latin typeface="Courier New" panose="02070309020205020404" pitchFamily="49" charset="0"/>
-                <a:cs typeface="Courier New" panose="02070309020205020404" pitchFamily="49" charset="0"/>
-              </a:rPr>
-              <a:t>).summa_dog,'9999990.99'),15,' ')</a:t>
-            </a:r>
-          </a:p>
-          <a:p>
-            <a:r>
-              <a:rPr lang="en-US" sz="1100" dirty="0">
-                <a:latin typeface="Courier New" panose="02070309020205020404" pitchFamily="49" charset="0"/>
-                <a:cs typeface="Courier New" panose="02070309020205020404" pitchFamily="49" charset="0"/>
-              </a:rPr>
-              <a:t>            || RPAD(</a:t>
-            </a:r>
-            <a:r>
-              <a:rPr lang="en-US" sz="1100" dirty="0" err="1">
-                <a:latin typeface="Courier New" panose="02070309020205020404" pitchFamily="49" charset="0"/>
-                <a:cs typeface="Courier New" panose="02070309020205020404" pitchFamily="49" charset="0"/>
-              </a:rPr>
-              <a:t>report_out</a:t>
-            </a:r>
-            <a:r>
-              <a:rPr lang="en-US" sz="1100" dirty="0">
-                <a:latin typeface="Courier New" panose="02070309020205020404" pitchFamily="49" charset="0"/>
-                <a:cs typeface="Courier New" panose="02070309020205020404" pitchFamily="49" charset="0"/>
-              </a:rPr>
-              <a:t>(</a:t>
-            </a:r>
-            <a:r>
-              <a:rPr lang="en-US" sz="1100" dirty="0" err="1">
-                <a:latin typeface="Courier New" panose="02070309020205020404" pitchFamily="49" charset="0"/>
-                <a:cs typeface="Courier New" panose="02070309020205020404" pitchFamily="49" charset="0"/>
-              </a:rPr>
-              <a:t>i</a:t>
-            </a:r>
-            <a:r>
-              <a:rPr lang="en-US" sz="1100" dirty="0">
-                <a:latin typeface="Courier New" panose="02070309020205020404" pitchFamily="49" charset="0"/>
-                <a:cs typeface="Courier New" panose="02070309020205020404" pitchFamily="49" charset="0"/>
-              </a:rPr>
-              <a:t>).date_begin,10,' ')</a:t>
-            </a:r>
-          </a:p>
-          <a:p>
-            <a:r>
-              <a:rPr lang="en-US" sz="1100" dirty="0">
-                <a:latin typeface="Courier New" panose="02070309020205020404" pitchFamily="49" charset="0"/>
-                <a:cs typeface="Courier New" panose="02070309020205020404" pitchFamily="49" charset="0"/>
-              </a:rPr>
-              <a:t>            || RPAD(</a:t>
-            </a:r>
-            <a:r>
-              <a:rPr lang="en-US" sz="1100" dirty="0" err="1">
-                <a:latin typeface="Courier New" panose="02070309020205020404" pitchFamily="49" charset="0"/>
-                <a:cs typeface="Courier New" panose="02070309020205020404" pitchFamily="49" charset="0"/>
-              </a:rPr>
-              <a:t>report_out</a:t>
-            </a:r>
-            <a:r>
-              <a:rPr lang="en-US" sz="1100" dirty="0">
-                <a:latin typeface="Courier New" panose="02070309020205020404" pitchFamily="49" charset="0"/>
-                <a:cs typeface="Courier New" panose="02070309020205020404" pitchFamily="49" charset="0"/>
-              </a:rPr>
-              <a:t>(</a:t>
-            </a:r>
-            <a:r>
-              <a:rPr lang="en-US" sz="1100" dirty="0" err="1">
-                <a:latin typeface="Courier New" panose="02070309020205020404" pitchFamily="49" charset="0"/>
-                <a:cs typeface="Courier New" panose="02070309020205020404" pitchFamily="49" charset="0"/>
-              </a:rPr>
-              <a:t>i</a:t>
-            </a:r>
-            <a:r>
-              <a:rPr lang="en-US" sz="1100" dirty="0">
-                <a:latin typeface="Courier New" panose="02070309020205020404" pitchFamily="49" charset="0"/>
-                <a:cs typeface="Courier New" panose="02070309020205020404" pitchFamily="49" charset="0"/>
-              </a:rPr>
-              <a:t>).date_end,10,' ')</a:t>
-            </a:r>
-          </a:p>
-          <a:p>
-            <a:r>
-              <a:rPr lang="en-US" sz="1100" dirty="0">
-                <a:latin typeface="Courier New" panose="02070309020205020404" pitchFamily="49" charset="0"/>
-                <a:cs typeface="Courier New" panose="02070309020205020404" pitchFamily="49" charset="0"/>
-              </a:rPr>
-              <a:t>            || RPAD(TO_CHAR(</a:t>
-            </a:r>
-            <a:r>
-              <a:rPr lang="en-US" sz="1100" dirty="0" err="1">
-                <a:latin typeface="Courier New" panose="02070309020205020404" pitchFamily="49" charset="0"/>
-                <a:cs typeface="Courier New" panose="02070309020205020404" pitchFamily="49" charset="0"/>
-              </a:rPr>
-              <a:t>report_out</a:t>
-            </a:r>
-            <a:r>
-              <a:rPr lang="en-US" sz="1100" dirty="0">
-                <a:latin typeface="Courier New" panose="02070309020205020404" pitchFamily="49" charset="0"/>
-                <a:cs typeface="Courier New" panose="02070309020205020404" pitchFamily="49" charset="0"/>
-              </a:rPr>
-              <a:t>(</a:t>
-            </a:r>
-            <a:r>
-              <a:rPr lang="en-US" sz="1100" dirty="0" err="1">
-                <a:latin typeface="Courier New" panose="02070309020205020404" pitchFamily="49" charset="0"/>
-                <a:cs typeface="Courier New" panose="02070309020205020404" pitchFamily="49" charset="0"/>
-              </a:rPr>
-              <a:t>i</a:t>
-            </a:r>
-            <a:r>
-              <a:rPr lang="en-US" sz="1100" dirty="0">
-                <a:latin typeface="Courier New" panose="02070309020205020404" pitchFamily="49" charset="0"/>
-                <a:cs typeface="Courier New" panose="02070309020205020404" pitchFamily="49" charset="0"/>
-              </a:rPr>
-              <a:t>).ostat_dolg,'9999990.00'),15,' ')</a:t>
-            </a:r>
-          </a:p>
-          <a:p>
-            <a:r>
-              <a:rPr lang="en-US" sz="1100" dirty="0">
-                <a:latin typeface="Courier New" panose="02070309020205020404" pitchFamily="49" charset="0"/>
-                <a:cs typeface="Courier New" panose="02070309020205020404" pitchFamily="49" charset="0"/>
-              </a:rPr>
-              <a:t>            || RPAD(TO_CHAR(</a:t>
-            </a:r>
-            <a:r>
-              <a:rPr lang="en-US" sz="1100" dirty="0" err="1">
-                <a:latin typeface="Courier New" panose="02070309020205020404" pitchFamily="49" charset="0"/>
-                <a:cs typeface="Courier New" panose="02070309020205020404" pitchFamily="49" charset="0"/>
-              </a:rPr>
-              <a:t>report_out</a:t>
-            </a:r>
-            <a:r>
-              <a:rPr lang="en-US" sz="1100" dirty="0">
-                <a:latin typeface="Courier New" panose="02070309020205020404" pitchFamily="49" charset="0"/>
-                <a:cs typeface="Courier New" panose="02070309020205020404" pitchFamily="49" charset="0"/>
-              </a:rPr>
-              <a:t>(</a:t>
-            </a:r>
-            <a:r>
-              <a:rPr lang="en-US" sz="1100" dirty="0" err="1">
-                <a:latin typeface="Courier New" panose="02070309020205020404" pitchFamily="49" charset="0"/>
-                <a:cs typeface="Courier New" panose="02070309020205020404" pitchFamily="49" charset="0"/>
-              </a:rPr>
-              <a:t>i</a:t>
-            </a:r>
-            <a:r>
-              <a:rPr lang="en-US" sz="1100" dirty="0">
-                <a:latin typeface="Courier New" panose="02070309020205020404" pitchFamily="49" charset="0"/>
-                <a:cs typeface="Courier New" panose="02070309020205020404" pitchFamily="49" charset="0"/>
-              </a:rPr>
-              <a:t>).need_pogash_percent,'9999990.99'),15,' ')</a:t>
-            </a:r>
-          </a:p>
-          <a:p>
-            <a:r>
-              <a:rPr lang="en-US" sz="1100" dirty="0">
-                <a:latin typeface="Courier New" panose="02070309020205020404" pitchFamily="49" charset="0"/>
-                <a:cs typeface="Courier New" panose="02070309020205020404" pitchFamily="49" charset="0"/>
-              </a:rPr>
-              <a:t>        );</a:t>
-            </a:r>
-          </a:p>
-          <a:p>
-            <a:r>
-              <a:rPr lang="en-US" sz="1100" dirty="0">
-                <a:latin typeface="Courier New" panose="02070309020205020404" pitchFamily="49" charset="0"/>
-                <a:cs typeface="Courier New" panose="02070309020205020404" pitchFamily="49" charset="0"/>
-              </a:rPr>
-              <a:t>        </a:t>
-            </a:r>
-          </a:p>
-          <a:p>
-            <a:r>
-              <a:rPr lang="en-US" sz="1100" dirty="0">
-                <a:latin typeface="Courier New" panose="02070309020205020404" pitchFamily="49" charset="0"/>
-                <a:cs typeface="Courier New" panose="02070309020205020404" pitchFamily="49" charset="0"/>
-              </a:rPr>
-              <a:t>    END LOOP;</a:t>
-            </a:r>
-          </a:p>
-          <a:p>
-            <a:r>
-              <a:rPr lang="en-US" sz="1100" dirty="0">
-                <a:latin typeface="Courier New" panose="02070309020205020404" pitchFamily="49" charset="0"/>
-                <a:cs typeface="Courier New" panose="02070309020205020404" pitchFamily="49" charset="0"/>
-              </a:rPr>
-              <a:t>END;</a:t>
-            </a:r>
-            <a:endParaRPr lang="en-US" sz="1100" dirty="0">
-              <a:latin typeface="Courier New" panose="02070309020205020404" pitchFamily="49" charset="0"/>
-              <a:cs typeface="Courier New" panose="02070309020205020404" pitchFamily="49" charset="0"/>
-            </a:endParaRPr>
+              <a:t>-------------------------------------------------------------------------------------</a:t>
+            </a:r>
+          </a:p>
+          <a:p>
+            <a:r>
+              <a:rPr lang="en-US" sz="1100" dirty="0">
+                <a:latin typeface="Courier New" panose="02070309020205020404" pitchFamily="49" charset="0"/>
+                <a:cs typeface="Courier New" panose="02070309020205020404" pitchFamily="49" charset="0"/>
+              </a:rPr>
+              <a:t>| Id  | Operation               | Name      | Rows  | Bytes | Cost (%CPU)| Time     |</a:t>
+            </a:r>
+          </a:p>
+          <a:p>
+            <a:r>
+              <a:rPr lang="en-US" sz="1100" dirty="0">
+                <a:latin typeface="Courier New" panose="02070309020205020404" pitchFamily="49" charset="0"/>
+                <a:cs typeface="Courier New" panose="02070309020205020404" pitchFamily="49" charset="0"/>
+              </a:rPr>
+              <a:t>-------------------------------------------------------------------------------------</a:t>
+            </a:r>
+          </a:p>
+          <a:p>
+            <a:r>
+              <a:rPr lang="en-US" sz="1100" dirty="0">
+                <a:latin typeface="Courier New" panose="02070309020205020404" pitchFamily="49" charset="0"/>
+                <a:cs typeface="Courier New" panose="02070309020205020404" pitchFamily="49" charset="0"/>
+              </a:rPr>
+              <a:t>|   0 | SELECT STATEMENT        |           |    14 |  2576 |    17  (18)| 00:00:01 |</a:t>
+            </a:r>
+          </a:p>
+          <a:p>
+            <a:r>
+              <a:rPr lang="en-US" sz="1100" dirty="0">
+                <a:latin typeface="Courier New" panose="02070309020205020404" pitchFamily="49" charset="0"/>
+                <a:cs typeface="Courier New" panose="02070309020205020404" pitchFamily="49" charset="0"/>
+              </a:rPr>
+              <a:t>|   1 |  SORT ORDER BY          |           |    14 |  2576 |    17  (18)| 00:00:01 |</a:t>
+            </a:r>
+          </a:p>
+          <a:p>
+            <a:r>
+              <a:rPr lang="en-US" sz="1100" dirty="0">
+                <a:latin typeface="Courier New" panose="02070309020205020404" pitchFamily="49" charset="0"/>
+                <a:cs typeface="Courier New" panose="02070309020205020404" pitchFamily="49" charset="0"/>
+              </a:rPr>
+              <a:t>|*  2 |   HASH JOIN             |           |    14 |  2576 |    16  (13)| 00:00:01 |</a:t>
+            </a:r>
+          </a:p>
+          <a:p>
+            <a:r>
+              <a:rPr lang="en-US" sz="1100" dirty="0">
+                <a:latin typeface="Courier New" panose="02070309020205020404" pitchFamily="49" charset="0"/>
+                <a:cs typeface="Courier New" panose="02070309020205020404" pitchFamily="49" charset="0"/>
+              </a:rPr>
+              <a:t>|*  3 |    HASH JOIN OUTER      |           |    14 |  1736 |    13  (16)| 00:00:01 |</a:t>
+            </a:r>
+          </a:p>
+          <a:p>
+            <a:r>
+              <a:rPr lang="en-US" sz="1100" dirty="0">
+                <a:latin typeface="Courier New" panose="02070309020205020404" pitchFamily="49" charset="0"/>
+                <a:cs typeface="Courier New" panose="02070309020205020404" pitchFamily="49" charset="0"/>
+              </a:rPr>
+              <a:t>|*  4 |     HASH JOIN OUTER     |           |    14 |  1064 |     9  (12)| 00:00:01 |</a:t>
+            </a:r>
+          </a:p>
+          <a:p>
+            <a:r>
+              <a:rPr lang="en-US" sz="1100" dirty="0">
+                <a:latin typeface="Courier New" panose="02070309020205020404" pitchFamily="49" charset="0"/>
+                <a:cs typeface="Courier New" panose="02070309020205020404" pitchFamily="49" charset="0"/>
+              </a:rPr>
+              <a:t>|*  5 |      TABLE ACCESS FULL  | PR_CREDIT |    14 |   756 |     3   (0)| 00:00:01 |</a:t>
+            </a:r>
+          </a:p>
+          <a:p>
+            <a:r>
+              <a:rPr lang="en-US" sz="1100" dirty="0">
+                <a:latin typeface="Courier New" panose="02070309020205020404" pitchFamily="49" charset="0"/>
+                <a:cs typeface="Courier New" panose="02070309020205020404" pitchFamily="49" charset="0"/>
+              </a:rPr>
+              <a:t>|   6 |      VIEW               |           |    18 |   396 |     6  (17)| 00:00:01 |</a:t>
+            </a:r>
+          </a:p>
+          <a:p>
+            <a:r>
+              <a:rPr lang="en-US" sz="1100" dirty="0">
+                <a:latin typeface="Courier New" panose="02070309020205020404" pitchFamily="49" charset="0"/>
+                <a:cs typeface="Courier New" panose="02070309020205020404" pitchFamily="49" charset="0"/>
+              </a:rPr>
+              <a:t>|   7 |       HASH GROUP BY     |           |    18 |  1044 |     6  (17)| 00:00:01 |</a:t>
+            </a:r>
+          </a:p>
+          <a:p>
+            <a:r>
+              <a:rPr lang="en-US" sz="1100" dirty="0">
+                <a:latin typeface="Courier New" panose="02070309020205020404" pitchFamily="49" charset="0"/>
+                <a:cs typeface="Courier New" panose="02070309020205020404" pitchFamily="49" charset="0"/>
+              </a:rPr>
+              <a:t>|*  8 |        TABLE ACCESS FULL| PLAN_OPER |    31 |  1798 |     5   (0)| 00:00:01 |</a:t>
+            </a:r>
+          </a:p>
+          <a:p>
+            <a:r>
+              <a:rPr lang="en-US" sz="1100" dirty="0">
+                <a:latin typeface="Courier New" panose="02070309020205020404" pitchFamily="49" charset="0"/>
+                <a:cs typeface="Courier New" panose="02070309020205020404" pitchFamily="49" charset="0"/>
+              </a:rPr>
+              <a:t>|   9 |     VIEW                |           |    22 |  1056 |     4  (25)| 00:00:01 |</a:t>
+            </a:r>
+          </a:p>
+          <a:p>
+            <a:r>
+              <a:rPr lang="en-US" sz="1100" dirty="0">
+                <a:latin typeface="Courier New" panose="02070309020205020404" pitchFamily="49" charset="0"/>
+                <a:cs typeface="Courier New" panose="02070309020205020404" pitchFamily="49" charset="0"/>
+              </a:rPr>
+              <a:t>|  10 |      HASH GROUP BY      |           |    22 |  1254 |     4  (25)| 00:00:01 |</a:t>
+            </a:r>
+          </a:p>
+          <a:p>
+            <a:r>
+              <a:rPr lang="en-US" sz="1100" dirty="0">
+                <a:latin typeface="Courier New" panose="02070309020205020404" pitchFamily="49" charset="0"/>
+                <a:cs typeface="Courier New" panose="02070309020205020404" pitchFamily="49" charset="0"/>
+              </a:rPr>
+              <a:t>|* 11 |       TABLE ACCESS FULL | FACT_OPER |    66 |  3762 |     3   (0)| 00:00:01 |</a:t>
+            </a:r>
+          </a:p>
+          <a:p>
+            <a:r>
+              <a:rPr lang="en-US" sz="1100" dirty="0">
+                <a:latin typeface="Courier New" panose="02070309020205020404" pitchFamily="49" charset="0"/>
+                <a:cs typeface="Courier New" panose="02070309020205020404" pitchFamily="49" charset="0"/>
+              </a:rPr>
+              <a:t>|  12 |    TABLE ACCESS FULL    | CLIENT    |    24 |  1440 |     3   (0)| 00:00:01 |</a:t>
+            </a:r>
+          </a:p>
+          <a:p>
+            <a:r>
+              <a:rPr lang="en-US" sz="1100" dirty="0">
+                <a:latin typeface="Courier New" panose="02070309020205020404" pitchFamily="49" charset="0"/>
+                <a:cs typeface="Courier New" panose="02070309020205020404" pitchFamily="49" charset="0"/>
+              </a:rPr>
+              <a:t>-------------------------------------------------------------------------------------</a:t>
+            </a:r>
           </a:p>
         </p:txBody>
       </p:sp>
@@ -12267,7 +11535,7 @@
         <p:spPr bwMode="auto">
           <a:xfrm>
             <a:off x="307850" y="6309320"/>
-            <a:ext cx="10657184" cy="276999"/>
+            <a:ext cx="10657184" cy="461665"/>
           </a:xfrm>
           <a:prstGeom prst="rect">
             <a:avLst/>
@@ -12281,7 +11549,7 @@
           <a:lstStyle/>
           <a:p>
             <a:r>
-              <a:rPr lang="en-US" sz="1200" dirty="0" smtClean="0">
+              <a:rPr lang="en-US" sz="1200" smtClean="0">
                 <a:solidFill>
                   <a:schemeClr val="tx2">
                     <a:lumMod val="60000"/>
@@ -12290,7 +11558,7 @@
                 </a:solidFill>
                 <a:hlinkClick r:id="rId2"/>
               </a:rPr>
-              <a:t>https://github.com/AndrSor/Course_PLSQL_SB/blob/main/Course%20Work/03.3.CREATE%20PACKAGE.sql</a:t>
+              <a:t>https://github.com/AndrSor/Course_PLSQL_SB/blob/main/Course%20Work/03.4.%D0%9F%D0%BB%D0%B0%D0%BD%20%D0%B7%D0%B0%D0%BF%D1%80%D0%BE%D1%81%D0%B0.sql</a:t>
             </a:r>
             <a:endParaRPr lang="ru-RU" sz="1200" dirty="0">
               <a:solidFill>
@@ -22310,7 +21578,7 @@
         <p:spPr>
           <a:xfrm>
             <a:off x="407368" y="985312"/>
-            <a:ext cx="4968552" cy="4662815"/>
+            <a:ext cx="4968552" cy="5170646"/>
           </a:xfrm>
           <a:prstGeom prst="rect">
             <a:avLst/>
@@ -22543,7 +21811,7 @@
               <a:t>CREATE INDEX c##</a:t>
             </a:r>
             <a:r>
-              <a:rPr lang="en-US" sz="1100" dirty="0" err="1">
+              <a:rPr lang="en-US" sz="1100" dirty="0" err="1" smtClean="0">
                 <a:latin typeface="Courier New" panose="02070309020205020404" pitchFamily="49" charset="0"/>
                 <a:cs typeface="Courier New" panose="02070309020205020404" pitchFamily="49" charset="0"/>
               </a:rPr>
@@ -22590,6 +21858,80 @@
               </a:rPr>
               <a:t>);</a:t>
             </a:r>
+          </a:p>
+          <a:p>
+            <a:endParaRPr lang="en-US" sz="1100" dirty="0" smtClean="0">
+              <a:latin typeface="Courier New" panose="02070309020205020404" pitchFamily="49" charset="0"/>
+              <a:cs typeface="Courier New" panose="02070309020205020404" pitchFamily="49" charset="0"/>
+            </a:endParaRPr>
+          </a:p>
+          <a:p>
+            <a:r>
+              <a:rPr lang="en-US" sz="1100" dirty="0">
+                <a:latin typeface="Courier New" panose="02070309020205020404" pitchFamily="49" charset="0"/>
+                <a:cs typeface="Courier New" panose="02070309020205020404" pitchFamily="49" charset="0"/>
+              </a:rPr>
+              <a:t>CREATE INDEX c##</a:t>
+            </a:r>
+            <a:r>
+              <a:rPr lang="en-US" sz="1100" dirty="0" err="1" smtClean="0">
+                <a:latin typeface="Courier New" panose="02070309020205020404" pitchFamily="49" charset="0"/>
+                <a:cs typeface="Courier New" panose="02070309020205020404" pitchFamily="49" charset="0"/>
+              </a:rPr>
+              <a:t>course.idx_fact_oper_f_date</a:t>
+            </a:r>
+            <a:endParaRPr lang="en-US" sz="1100" dirty="0">
+              <a:latin typeface="Courier New" panose="02070309020205020404" pitchFamily="49" charset="0"/>
+              <a:cs typeface="Courier New" panose="02070309020205020404" pitchFamily="49" charset="0"/>
+            </a:endParaRPr>
+          </a:p>
+          <a:p>
+            <a:r>
+              <a:rPr lang="en-US" sz="1100" dirty="0">
+                <a:latin typeface="Courier New" panose="02070309020205020404" pitchFamily="49" charset="0"/>
+                <a:cs typeface="Courier New" panose="02070309020205020404" pitchFamily="49" charset="0"/>
+              </a:rPr>
+              <a:t>    ON c##</a:t>
+            </a:r>
+            <a:r>
+              <a:rPr lang="en-US" sz="1100" dirty="0" err="1">
+                <a:latin typeface="Courier New" panose="02070309020205020404" pitchFamily="49" charset="0"/>
+                <a:cs typeface="Courier New" panose="02070309020205020404" pitchFamily="49" charset="0"/>
+              </a:rPr>
+              <a:t>course.fact_oper</a:t>
+            </a:r>
+            <a:r>
+              <a:rPr lang="en-US" sz="1100" dirty="0">
+                <a:latin typeface="Courier New" panose="02070309020205020404" pitchFamily="49" charset="0"/>
+                <a:cs typeface="Courier New" panose="02070309020205020404" pitchFamily="49" charset="0"/>
+              </a:rPr>
+              <a:t> </a:t>
+            </a:r>
+            <a:r>
+              <a:rPr lang="en-US" sz="1100" dirty="0" smtClean="0">
+                <a:latin typeface="Courier New" panose="02070309020205020404" pitchFamily="49" charset="0"/>
+                <a:cs typeface="Courier New" panose="02070309020205020404" pitchFamily="49" charset="0"/>
+              </a:rPr>
+              <a:t>(</a:t>
+            </a:r>
+            <a:r>
+              <a:rPr lang="en-US" sz="1100" dirty="0" err="1" smtClean="0">
+                <a:latin typeface="Courier New" panose="02070309020205020404" pitchFamily="49" charset="0"/>
+                <a:cs typeface="Courier New" panose="02070309020205020404" pitchFamily="49" charset="0"/>
+              </a:rPr>
+              <a:t>f_date</a:t>
+            </a:r>
+            <a:r>
+              <a:rPr lang="en-US" sz="1100" dirty="0" smtClean="0">
+                <a:latin typeface="Courier New" panose="02070309020205020404" pitchFamily="49" charset="0"/>
+                <a:cs typeface="Courier New" panose="02070309020205020404" pitchFamily="49" charset="0"/>
+              </a:rPr>
+              <a:t>);</a:t>
+            </a:r>
+            <a:endParaRPr lang="en-US" sz="1100" dirty="0">
+              <a:latin typeface="Courier New" panose="02070309020205020404" pitchFamily="49" charset="0"/>
+              <a:cs typeface="Courier New" panose="02070309020205020404" pitchFamily="49" charset="0"/>
+            </a:endParaRPr>
           </a:p>
           <a:p>
             <a:r>
@@ -22803,7 +22145,7 @@
         <p:spPr>
           <a:xfrm>
             <a:off x="5519936" y="980728"/>
-            <a:ext cx="5904656" cy="4832092"/>
+            <a:ext cx="5904656" cy="5170646"/>
           </a:xfrm>
           <a:prstGeom prst="rect">
             <a:avLst/>
@@ -23093,12 +22435,80 @@
               <a:t>collection_id</a:t>
             </a:r>
             <a:r>
-              <a:rPr lang="en-US" sz="1100" dirty="0">
+              <a:rPr lang="en-US" sz="1100" dirty="0" smtClean="0">
                 <a:latin typeface="Courier New" panose="02070309020205020404" pitchFamily="49" charset="0"/>
                 <a:cs typeface="Courier New" panose="02070309020205020404" pitchFamily="49" charset="0"/>
               </a:rPr>
               <a:t>);</a:t>
             </a:r>
+          </a:p>
+          <a:p>
+            <a:r>
+              <a:rPr lang="en-US" sz="1100" dirty="0">
+                <a:latin typeface="Courier New" panose="02070309020205020404" pitchFamily="49" charset="0"/>
+                <a:cs typeface="Courier New" panose="02070309020205020404" pitchFamily="49" charset="0"/>
+              </a:rPr>
+              <a:t>CREATE INDEX c##</a:t>
+            </a:r>
+            <a:r>
+              <a:rPr lang="en-US" sz="1100" dirty="0" err="1" smtClean="0">
+                <a:latin typeface="Courier New" panose="02070309020205020404" pitchFamily="49" charset="0"/>
+                <a:cs typeface="Courier New" panose="02070309020205020404" pitchFamily="49" charset="0"/>
+              </a:rPr>
+              <a:t>course.idx_plan_oper_p_date</a:t>
+            </a:r>
+            <a:endParaRPr lang="en-US" sz="1100" dirty="0">
+              <a:latin typeface="Courier New" panose="02070309020205020404" pitchFamily="49" charset="0"/>
+              <a:cs typeface="Courier New" panose="02070309020205020404" pitchFamily="49" charset="0"/>
+            </a:endParaRPr>
+          </a:p>
+          <a:p>
+            <a:r>
+              <a:rPr lang="en-US" sz="1100" dirty="0">
+                <a:latin typeface="Courier New" panose="02070309020205020404" pitchFamily="49" charset="0"/>
+                <a:cs typeface="Courier New" panose="02070309020205020404" pitchFamily="49" charset="0"/>
+              </a:rPr>
+              <a:t>    ON c##</a:t>
+            </a:r>
+            <a:r>
+              <a:rPr lang="en-US" sz="1100" dirty="0" err="1">
+                <a:latin typeface="Courier New" panose="02070309020205020404" pitchFamily="49" charset="0"/>
+                <a:cs typeface="Courier New" panose="02070309020205020404" pitchFamily="49" charset="0"/>
+              </a:rPr>
+              <a:t>course.plan_oper</a:t>
+            </a:r>
+            <a:r>
+              <a:rPr lang="en-US" sz="1100" dirty="0">
+                <a:latin typeface="Courier New" panose="02070309020205020404" pitchFamily="49" charset="0"/>
+                <a:cs typeface="Courier New" panose="02070309020205020404" pitchFamily="49" charset="0"/>
+              </a:rPr>
+              <a:t> </a:t>
+            </a:r>
+            <a:r>
+              <a:rPr lang="en-US" sz="1100" dirty="0" smtClean="0">
+                <a:latin typeface="Courier New" panose="02070309020205020404" pitchFamily="49" charset="0"/>
+                <a:cs typeface="Courier New" panose="02070309020205020404" pitchFamily="49" charset="0"/>
+              </a:rPr>
+              <a:t>(</a:t>
+            </a:r>
+            <a:r>
+              <a:rPr lang="en-US" sz="1100" dirty="0" err="1" smtClean="0">
+                <a:latin typeface="Courier New" panose="02070309020205020404" pitchFamily="49" charset="0"/>
+                <a:cs typeface="Courier New" panose="02070309020205020404" pitchFamily="49" charset="0"/>
+              </a:rPr>
+              <a:t>p_date</a:t>
+            </a:r>
+            <a:r>
+              <a:rPr lang="en-US" sz="1100" dirty="0" smtClean="0">
+                <a:latin typeface="Courier New" panose="02070309020205020404" pitchFamily="49" charset="0"/>
+                <a:cs typeface="Courier New" panose="02070309020205020404" pitchFamily="49" charset="0"/>
+              </a:rPr>
+              <a:t>);</a:t>
+            </a:r>
+            <a:endParaRPr lang="en-US" sz="1100" dirty="0">
+              <a:latin typeface="Courier New" panose="02070309020205020404" pitchFamily="49" charset="0"/>
+              <a:cs typeface="Courier New" panose="02070309020205020404" pitchFamily="49" charset="0"/>
+            </a:endParaRPr>
           </a:p>
           <a:p>
             <a:r>

--- a/Course Work/_Презентация Курсовой работы.pptx
+++ b/Course Work/_Презентация Курсовой работы.pptx
@@ -6,7 +6,7 @@
     <p:sldMasterId id="2147483661" r:id="rId2"/>
   </p:sldMasterIdLst>
   <p:notesMasterIdLst>
-    <p:notesMasterId r:id="rId21"/>
+    <p:notesMasterId r:id="rId24"/>
   </p:notesMasterIdLst>
   <p:sldIdLst>
     <p:sldId id="256" r:id="rId3"/>
@@ -22,11 +22,14 @@
     <p:sldId id="366" r:id="rId13"/>
     <p:sldId id="367" r:id="rId14"/>
     <p:sldId id="372" r:id="rId15"/>
-    <p:sldId id="368" r:id="rId16"/>
-    <p:sldId id="369" r:id="rId17"/>
-    <p:sldId id="370" r:id="rId18"/>
-    <p:sldId id="371" r:id="rId19"/>
-    <p:sldId id="307" r:id="rId20"/>
+    <p:sldId id="373" r:id="rId16"/>
+    <p:sldId id="374" r:id="rId17"/>
+    <p:sldId id="375" r:id="rId18"/>
+    <p:sldId id="368" r:id="rId19"/>
+    <p:sldId id="369" r:id="rId20"/>
+    <p:sldId id="370" r:id="rId21"/>
+    <p:sldId id="371" r:id="rId22"/>
+    <p:sldId id="307" r:id="rId23"/>
   </p:sldIdLst>
   <p:sldSz cx="12192000" cy="6858000"/>
   <p:notesSz cx="6858000" cy="12192000"/>
@@ -147,6 +150,9 @@
         <p14:section name="Раздел без заголовка" id="{39799A2C-EDB7-4624-8384-C6D5F273811A}">
           <p14:sldIdLst>
             <p14:sldId id="372"/>
+            <p14:sldId id="373"/>
+            <p14:sldId id="374"/>
+            <p14:sldId id="375"/>
             <p14:sldId id="368"/>
             <p14:sldId id="369"/>
             <p14:sldId id="370"/>
@@ -256,7 +262,7 @@
           <a:p>
             <a:fld id="{B04DCA98-92C0-4F48-89D1-3FD303C7CE35}" type="datetimeFigureOut">
               <a:rPr lang="ru-RU" smtClean="0"/>
-              <a:t>10.08.2021</a:t>
+              <a:t>12.08.2021</a:t>
             </a:fld>
             <a:endParaRPr lang="ru-RU"/>
           </a:p>
@@ -588,7 +594,7 @@
           <a:p>
             <a:fld id="{7B5F47EF-21AF-41BD-AB82-5A4B797CA39E}" type="slidenum">
               <a:rPr lang="ru-RU" smtClean="0"/>
-              <a:t>18</a:t>
+              <a:t>21</a:t>
             </a:fld>
             <a:endParaRPr lang="ru-RU"/>
           </a:p>
@@ -745,7 +751,7 @@
             </a:pPr>
             <a:fld id="{F9A2CB3F-9E6C-4531-82DF-EF260906E9D5}" type="datetimeFigureOut">
               <a:rPr lang="ru-RU"/>
-              <a:t>10.08.2021</a:t>
+              <a:t>12.08.2021</a:t>
             </a:fld>
             <a:endParaRPr lang="ru-RU"/>
           </a:p>
@@ -934,7 +940,7 @@
             </a:pPr>
             <a:fld id="{F9A2CB3F-9E6C-4531-82DF-EF260906E9D5}" type="datetimeFigureOut">
               <a:rPr lang="ru-RU"/>
-              <a:t>10.08.2021</a:t>
+              <a:t>12.08.2021</a:t>
             </a:fld>
             <a:endParaRPr lang="ru-RU"/>
           </a:p>
@@ -1133,7 +1139,7 @@
             </a:pPr>
             <a:fld id="{F9A2CB3F-9E6C-4531-82DF-EF260906E9D5}" type="datetimeFigureOut">
               <a:rPr lang="ru-RU"/>
-              <a:t>10.08.2021</a:t>
+              <a:t>12.08.2021</a:t>
             </a:fld>
             <a:endParaRPr lang="ru-RU"/>
           </a:p>
@@ -1352,7 +1358,7 @@
             </a:pPr>
             <a:fld id="{1D8BD707-D9CF-40AE-B4C6-C98DA3205C09}" type="datetimeFigureOut">
               <a:rPr lang="en-US"/>
-              <a:t>8/10/2021</a:t>
+              <a:t>8/12/2021</a:t>
             </a:fld>
             <a:endParaRPr lang="en-US"/>
           </a:p>
@@ -1957,7 +1963,7 @@
             </a:pPr>
             <a:fld id="{1D8BD707-D9CF-40AE-B4C6-C98DA3205C09}" type="datetimeFigureOut">
               <a:rPr lang="en-US"/>
-              <a:t>8/10/2021</a:t>
+              <a:t>8/12/2021</a:t>
             </a:fld>
             <a:endParaRPr lang="en-US"/>
           </a:p>
@@ -2160,7 +2166,7 @@
             </a:pPr>
             <a:fld id="{1D8BD707-D9CF-40AE-B4C6-C98DA3205C09}" type="datetimeFigureOut">
               <a:rPr lang="en-US"/>
-              <a:t>8/10/2021</a:t>
+              <a:t>8/12/2021</a:t>
             </a:fld>
             <a:endParaRPr lang="en-US"/>
           </a:p>
@@ -2581,7 +2587,7 @@
             </a:pPr>
             <a:fld id="{1D8BD707-D9CF-40AE-B4C6-C98DA3205C09}" type="datetimeFigureOut">
               <a:rPr lang="en-US"/>
-              <a:t>8/10/2021</a:t>
+              <a:t>8/12/2021</a:t>
             </a:fld>
             <a:endParaRPr lang="en-US"/>
           </a:p>
@@ -2724,7 +2730,7 @@
             </a:pPr>
             <a:fld id="{1D8BD707-D9CF-40AE-B4C6-C98DA3205C09}" type="datetimeFigureOut">
               <a:rPr lang="en-US"/>
-              <a:t>8/10/2021</a:t>
+              <a:t>8/12/2021</a:t>
             </a:fld>
             <a:endParaRPr lang="en-US"/>
           </a:p>
@@ -2913,7 +2919,7 @@
             </a:pPr>
             <a:fld id="{F9A2CB3F-9E6C-4531-82DF-EF260906E9D5}" type="datetimeFigureOut">
               <a:rPr lang="ru-RU"/>
-              <a:t>10.08.2021</a:t>
+              <a:t>12.08.2021</a:t>
             </a:fld>
             <a:endParaRPr lang="ru-RU"/>
           </a:p>
@@ -3092,7 +3098,7 @@
             </a:pPr>
             <a:fld id="{1D8BD707-D9CF-40AE-B4C6-C98DA3205C09}" type="datetimeFigureOut">
               <a:rPr lang="en-US"/>
-              <a:t>8/10/2021</a:t>
+              <a:t>8/12/2021</a:t>
             </a:fld>
             <a:endParaRPr lang="en-US"/>
           </a:p>
@@ -3300,7 +3306,7 @@
             </a:pPr>
             <a:fld id="{1D8BD707-D9CF-40AE-B4C6-C98DA3205C09}" type="datetimeFigureOut">
               <a:rPr lang="en-US"/>
-              <a:t>8/10/2021</a:t>
+              <a:t>8/12/2021</a:t>
             </a:fld>
             <a:endParaRPr lang="en-US"/>
           </a:p>
@@ -3471,7 +3477,7 @@
             </a:pPr>
             <a:fld id="{1D8BD707-D9CF-40AE-B4C6-C98DA3205C09}" type="datetimeFigureOut">
               <a:rPr lang="en-US"/>
-              <a:t>8/10/2021</a:t>
+              <a:t>8/12/2021</a:t>
             </a:fld>
             <a:endParaRPr lang="en-US"/>
           </a:p>
@@ -3725,7 +3731,7 @@
             </a:pPr>
             <a:fld id="{1D8BD707-D9CF-40AE-B4C6-C98DA3205C09}" type="datetimeFigureOut">
               <a:rPr lang="en-US"/>
-              <a:t>8/10/2021</a:t>
+              <a:t>8/12/2021</a:t>
             </a:fld>
             <a:endParaRPr lang="en-US"/>
           </a:p>
@@ -3834,7 +3840,7 @@
             </a:pPr>
             <a:fld id="{1D8BD707-D9CF-40AE-B4C6-C98DA3205C09}" type="datetimeFigureOut">
               <a:rPr lang="en-US"/>
-              <a:t>8/10/2021</a:t>
+              <a:t>8/12/2021</a:t>
             </a:fld>
             <a:endParaRPr lang="en-US"/>
           </a:p>
@@ -4025,7 +4031,7 @@
             </a:pPr>
             <a:fld id="{1D8BD707-D9CF-40AE-B4C6-C98DA3205C09}" type="datetimeFigureOut">
               <a:rPr lang="en-US"/>
-              <a:t>8/10/2021</a:t>
+              <a:t>8/12/2021</a:t>
             </a:fld>
             <a:endParaRPr lang="en-US"/>
           </a:p>
@@ -4124,7 +4130,7 @@
             </a:pPr>
             <a:fld id="{1D8BD707-D9CF-40AE-B4C6-C98DA3205C09}" type="datetimeFigureOut">
               <a:rPr lang="en-US"/>
-              <a:t>8/10/2021</a:t>
+              <a:t>8/12/2021</a:t>
             </a:fld>
             <a:endParaRPr lang="en-US"/>
           </a:p>
@@ -4266,7 +4272,7 @@
             </a:pPr>
             <a:fld id="{1D8BD707-D9CF-40AE-B4C6-C98DA3205C09}" type="datetimeFigureOut">
               <a:rPr lang="en-US"/>
-              <a:t>8/10/2021</a:t>
+              <a:t>8/12/2021</a:t>
             </a:fld>
             <a:endParaRPr lang="en-US"/>
           </a:p>
@@ -4844,7 +4850,7 @@
             </a:pPr>
             <a:fld id="{F9A2CB3F-9E6C-4531-82DF-EF260906E9D5}" type="datetimeFigureOut">
               <a:rPr lang="ru-RU"/>
-              <a:t>10.08.2021</a:t>
+              <a:t>12.08.2021</a:t>
             </a:fld>
             <a:endParaRPr lang="ru-RU"/>
           </a:p>
@@ -5108,7 +5114,7 @@
             </a:pPr>
             <a:fld id="{F9A2CB3F-9E6C-4531-82DF-EF260906E9D5}" type="datetimeFigureOut">
               <a:rPr lang="ru-RU"/>
-              <a:t>10.08.2021</a:t>
+              <a:t>12.08.2021</a:t>
             </a:fld>
             <a:endParaRPr lang="ru-RU"/>
           </a:p>
@@ -5513,7 +5519,7 @@
             </a:pPr>
             <a:fld id="{F9A2CB3F-9E6C-4531-82DF-EF260906E9D5}" type="datetimeFigureOut">
               <a:rPr lang="ru-RU"/>
-              <a:t>10.08.2021</a:t>
+              <a:t>12.08.2021</a:t>
             </a:fld>
             <a:endParaRPr lang="ru-RU"/>
           </a:p>
@@ -5637,7 +5643,7 @@
             </a:pPr>
             <a:fld id="{F9A2CB3F-9E6C-4531-82DF-EF260906E9D5}" type="datetimeFigureOut">
               <a:rPr lang="ru-RU"/>
-              <a:t>10.08.2021</a:t>
+              <a:t>12.08.2021</a:t>
             </a:fld>
             <a:endParaRPr lang="ru-RU"/>
           </a:p>
@@ -5736,7 +5742,7 @@
             </a:pPr>
             <a:fld id="{F9A2CB3F-9E6C-4531-82DF-EF260906E9D5}" type="datetimeFigureOut">
               <a:rPr lang="ru-RU"/>
-              <a:t>10.08.2021</a:t>
+              <a:t>12.08.2021</a:t>
             </a:fld>
             <a:endParaRPr lang="ru-RU"/>
           </a:p>
@@ -6035,7 +6041,7 @@
             </a:pPr>
             <a:fld id="{F9A2CB3F-9E6C-4531-82DF-EF260906E9D5}" type="datetimeFigureOut">
               <a:rPr lang="ru-RU"/>
-              <a:t>10.08.2021</a:t>
+              <a:t>12.08.2021</a:t>
             </a:fld>
             <a:endParaRPr lang="ru-RU"/>
           </a:p>
@@ -6300,7 +6306,7 @@
             </a:pPr>
             <a:fld id="{F9A2CB3F-9E6C-4531-82DF-EF260906E9D5}" type="datetimeFigureOut">
               <a:rPr lang="ru-RU"/>
-              <a:t>10.08.2021</a:t>
+              <a:t>12.08.2021</a:t>
             </a:fld>
             <a:endParaRPr lang="ru-RU"/>
           </a:p>
@@ -6532,7 +6538,7 @@
             </a:pPr>
             <a:fld id="{F9A2CB3F-9E6C-4531-82DF-EF260906E9D5}" type="datetimeFigureOut">
               <a:rPr lang="ru-RU"/>
-              <a:t>10.08.2021</a:t>
+              <a:t>12.08.2021</a:t>
             </a:fld>
             <a:endParaRPr lang="ru-RU"/>
           </a:p>
@@ -7030,7 +7036,7 @@
             </a:pPr>
             <a:fld id="{1D8BD707-D9CF-40AE-B4C6-C98DA3205C09}" type="datetimeFigureOut">
               <a:rPr lang="en-US"/>
-              <a:t>8/10/2021</a:t>
+              <a:t>8/12/2021</a:t>
             </a:fld>
             <a:endParaRPr lang="en-US"/>
           </a:p>
@@ -11349,7 +11355,7 @@
         <p:spPr>
           <a:xfrm>
             <a:off x="317532" y="980728"/>
-            <a:ext cx="10369152" cy="2970044"/>
+            <a:ext cx="10369152" cy="3139321"/>
           </a:xfrm>
           <a:prstGeom prst="rect">
             <a:avLst/>
@@ -11377,152 +11383,172 @@
                 <a:latin typeface="Courier New" panose="02070309020205020404" pitchFamily="49" charset="0"/>
                 <a:cs typeface="Courier New" panose="02070309020205020404" pitchFamily="49" charset="0"/>
               </a:rPr>
-              <a:t>-------------------------------------------------------------------------------------</a:t>
-            </a:r>
-          </a:p>
-          <a:p>
-            <a:r>
-              <a:rPr lang="en-US" sz="1100" dirty="0">
-                <a:latin typeface="Courier New" panose="02070309020205020404" pitchFamily="49" charset="0"/>
-                <a:cs typeface="Courier New" panose="02070309020205020404" pitchFamily="49" charset="0"/>
-              </a:rPr>
-              <a:t>| Id  | Operation               | Name      | Rows  | Bytes | Cost (%CPU)| Time     |</a:t>
-            </a:r>
-          </a:p>
-          <a:p>
-            <a:r>
-              <a:rPr lang="en-US" sz="1100" dirty="0">
-                <a:latin typeface="Courier New" panose="02070309020205020404" pitchFamily="49" charset="0"/>
-                <a:cs typeface="Courier New" panose="02070309020205020404" pitchFamily="49" charset="0"/>
-              </a:rPr>
-              <a:t>-------------------------------------------------------------------------------------</a:t>
-            </a:r>
-          </a:p>
-          <a:p>
-            <a:r>
-              <a:rPr lang="en-US" sz="1100" dirty="0">
-                <a:latin typeface="Courier New" panose="02070309020205020404" pitchFamily="49" charset="0"/>
-                <a:cs typeface="Courier New" panose="02070309020205020404" pitchFamily="49" charset="0"/>
-              </a:rPr>
-              <a:t>|   0 | SELECT STATEMENT        |           |    14 |  2576 |    17  (18)| 00:00:01 |</a:t>
-            </a:r>
-          </a:p>
-          <a:p>
-            <a:r>
-              <a:rPr lang="en-US" sz="1100" dirty="0">
-                <a:latin typeface="Courier New" panose="02070309020205020404" pitchFamily="49" charset="0"/>
-                <a:cs typeface="Courier New" panose="02070309020205020404" pitchFamily="49" charset="0"/>
-              </a:rPr>
-              <a:t>|   1 |  SORT ORDER BY          |           |    14 |  2576 |    17  (18)| 00:00:01 |</a:t>
-            </a:r>
-          </a:p>
-          <a:p>
-            <a:r>
-              <a:rPr lang="en-US" sz="1100" dirty="0">
-                <a:latin typeface="Courier New" panose="02070309020205020404" pitchFamily="49" charset="0"/>
-                <a:cs typeface="Courier New" panose="02070309020205020404" pitchFamily="49" charset="0"/>
-              </a:rPr>
-              <a:t>|*  2 |   HASH JOIN             |           |    14 |  2576 |    16  (13)| 00:00:01 |</a:t>
-            </a:r>
-          </a:p>
-          <a:p>
-            <a:r>
-              <a:rPr lang="en-US" sz="1100" dirty="0">
-                <a:latin typeface="Courier New" panose="02070309020205020404" pitchFamily="49" charset="0"/>
-                <a:cs typeface="Courier New" panose="02070309020205020404" pitchFamily="49" charset="0"/>
-              </a:rPr>
-              <a:t>|*  3 |    HASH JOIN OUTER      |           |    14 |  1736 |    13  (16)| 00:00:01 |</a:t>
-            </a:r>
-          </a:p>
-          <a:p>
-            <a:r>
-              <a:rPr lang="en-US" sz="1100" dirty="0">
-                <a:latin typeface="Courier New" panose="02070309020205020404" pitchFamily="49" charset="0"/>
-                <a:cs typeface="Courier New" panose="02070309020205020404" pitchFamily="49" charset="0"/>
-              </a:rPr>
-              <a:t>|*  4 |     HASH JOIN OUTER     |           |    14 |  1064 |     9  (12)| 00:00:01 |</a:t>
-            </a:r>
-          </a:p>
-          <a:p>
-            <a:r>
-              <a:rPr lang="en-US" sz="1100" dirty="0">
-                <a:latin typeface="Courier New" panose="02070309020205020404" pitchFamily="49" charset="0"/>
-                <a:cs typeface="Courier New" panose="02070309020205020404" pitchFamily="49" charset="0"/>
-              </a:rPr>
-              <a:t>|*  5 |      TABLE ACCESS FULL  | PR_CREDIT |    14 |   756 |     3   (0)| 00:00:01 |</a:t>
-            </a:r>
-          </a:p>
-          <a:p>
-            <a:r>
-              <a:rPr lang="en-US" sz="1100" dirty="0">
-                <a:latin typeface="Courier New" panose="02070309020205020404" pitchFamily="49" charset="0"/>
-                <a:cs typeface="Courier New" panose="02070309020205020404" pitchFamily="49" charset="0"/>
-              </a:rPr>
-              <a:t>|   6 |      VIEW               |           |    18 |   396 |     6  (17)| 00:00:01 |</a:t>
-            </a:r>
-          </a:p>
-          <a:p>
-            <a:r>
-              <a:rPr lang="en-US" sz="1100" dirty="0">
-                <a:latin typeface="Courier New" panose="02070309020205020404" pitchFamily="49" charset="0"/>
-                <a:cs typeface="Courier New" panose="02070309020205020404" pitchFamily="49" charset="0"/>
-              </a:rPr>
-              <a:t>|   7 |       HASH GROUP BY     |           |    18 |  1044 |     6  (17)| 00:00:01 |</a:t>
-            </a:r>
-          </a:p>
-          <a:p>
-            <a:r>
-              <a:rPr lang="en-US" sz="1100" dirty="0">
-                <a:latin typeface="Courier New" panose="02070309020205020404" pitchFamily="49" charset="0"/>
-                <a:cs typeface="Courier New" panose="02070309020205020404" pitchFamily="49" charset="0"/>
-              </a:rPr>
-              <a:t>|*  8 |        TABLE ACCESS FULL| PLAN_OPER |    31 |  1798 |     5   (0)| 00:00:01 |</a:t>
-            </a:r>
-          </a:p>
-          <a:p>
-            <a:r>
-              <a:rPr lang="en-US" sz="1100" dirty="0">
-                <a:latin typeface="Courier New" panose="02070309020205020404" pitchFamily="49" charset="0"/>
-                <a:cs typeface="Courier New" panose="02070309020205020404" pitchFamily="49" charset="0"/>
-              </a:rPr>
-              <a:t>|   9 |     VIEW                |           |    22 |  1056 |     4  (25)| 00:00:01 |</a:t>
-            </a:r>
-          </a:p>
-          <a:p>
-            <a:r>
-              <a:rPr lang="en-US" sz="1100" dirty="0">
-                <a:latin typeface="Courier New" panose="02070309020205020404" pitchFamily="49" charset="0"/>
-                <a:cs typeface="Courier New" panose="02070309020205020404" pitchFamily="49" charset="0"/>
-              </a:rPr>
-              <a:t>|  10 |      HASH GROUP BY      |           |    22 |  1254 |     4  (25)| 00:00:01 |</a:t>
-            </a:r>
-          </a:p>
-          <a:p>
-            <a:r>
-              <a:rPr lang="en-US" sz="1100" dirty="0">
-                <a:latin typeface="Courier New" panose="02070309020205020404" pitchFamily="49" charset="0"/>
-                <a:cs typeface="Courier New" panose="02070309020205020404" pitchFamily="49" charset="0"/>
-              </a:rPr>
-              <a:t>|* 11 |       TABLE ACCESS FULL | FACT_OPER |    66 |  3762 |     3   (0)| 00:00:01 |</a:t>
-            </a:r>
-          </a:p>
-          <a:p>
-            <a:r>
-              <a:rPr lang="en-US" sz="1100" dirty="0">
-                <a:latin typeface="Courier New" panose="02070309020205020404" pitchFamily="49" charset="0"/>
-                <a:cs typeface="Courier New" panose="02070309020205020404" pitchFamily="49" charset="0"/>
-              </a:rPr>
-              <a:t>|  12 |    TABLE ACCESS FULL    | CLIENT    |    24 |  1440 |     3   (0)| 00:00:01 |</a:t>
-            </a:r>
-          </a:p>
-          <a:p>
-            <a:r>
-              <a:rPr lang="en-US" sz="1100" dirty="0">
-                <a:latin typeface="Courier New" panose="02070309020205020404" pitchFamily="49" charset="0"/>
-                <a:cs typeface="Courier New" panose="02070309020205020404" pitchFamily="49" charset="0"/>
-              </a:rPr>
-              <a:t>-------------------------------------------------------------------------------------</a:t>
-            </a:r>
+              <a:t>------------------------------------------------------------------------------------------------------------------</a:t>
+            </a:r>
+          </a:p>
+          <a:p>
+            <a:r>
+              <a:rPr lang="en-US" sz="1100" dirty="0">
+                <a:latin typeface="Courier New" panose="02070309020205020404" pitchFamily="49" charset="0"/>
+                <a:cs typeface="Courier New" panose="02070309020205020404" pitchFamily="49" charset="0"/>
+              </a:rPr>
+              <a:t>| Id  | Operation                                 | Name                 | Rows  | Bytes | Cost (%CPU)| Time     |</a:t>
+            </a:r>
+          </a:p>
+          <a:p>
+            <a:r>
+              <a:rPr lang="en-US" sz="1100" dirty="0">
+                <a:latin typeface="Courier New" panose="02070309020205020404" pitchFamily="49" charset="0"/>
+                <a:cs typeface="Courier New" panose="02070309020205020404" pitchFamily="49" charset="0"/>
+              </a:rPr>
+              <a:t>------------------------------------------------------------------------------------------------------------------</a:t>
+            </a:r>
+          </a:p>
+          <a:p>
+            <a:r>
+              <a:rPr lang="en-US" sz="1100" dirty="0">
+                <a:latin typeface="Courier New" panose="02070309020205020404" pitchFamily="49" charset="0"/>
+                <a:cs typeface="Courier New" panose="02070309020205020404" pitchFamily="49" charset="0"/>
+              </a:rPr>
+              <a:t>|   0 | SELECT STATEMENT                          |                      |    14 |  2576 |    16  (19)| 00:00:01 |</a:t>
+            </a:r>
+          </a:p>
+          <a:p>
+            <a:r>
+              <a:rPr lang="en-US" sz="1100" dirty="0">
+                <a:latin typeface="Courier New" panose="02070309020205020404" pitchFamily="49" charset="0"/>
+                <a:cs typeface="Courier New" panose="02070309020205020404" pitchFamily="49" charset="0"/>
+              </a:rPr>
+              <a:t>|   1 |  SORT ORDER BY                            |                      |    14 |  2576 |    16  (19)| 00:00:01 |</a:t>
+            </a:r>
+          </a:p>
+          <a:p>
+            <a:r>
+              <a:rPr lang="en-US" sz="1100" dirty="0">
+                <a:latin typeface="Courier New" panose="02070309020205020404" pitchFamily="49" charset="0"/>
+                <a:cs typeface="Courier New" panose="02070309020205020404" pitchFamily="49" charset="0"/>
+              </a:rPr>
+              <a:t>|*  2 |   HASH JOIN                               |                      |    14 |  2576 |    15  (14)| 00:00:01 |</a:t>
+            </a:r>
+          </a:p>
+          <a:p>
+            <a:r>
+              <a:rPr lang="en-US" sz="1100" dirty="0">
+                <a:latin typeface="Courier New" panose="02070309020205020404" pitchFamily="49" charset="0"/>
+                <a:cs typeface="Courier New" panose="02070309020205020404" pitchFamily="49" charset="0"/>
+              </a:rPr>
+              <a:t>|*  3 |    HASH JOIN OUTER                        |                      |    14 |  1736 |    12  (17)| 00:00:01 |</a:t>
+            </a:r>
+          </a:p>
+          <a:p>
+            <a:r>
+              <a:rPr lang="en-US" sz="1100" dirty="0">
+                <a:latin typeface="Courier New" panose="02070309020205020404" pitchFamily="49" charset="0"/>
+                <a:cs typeface="Courier New" panose="02070309020205020404" pitchFamily="49" charset="0"/>
+              </a:rPr>
+              <a:t>|*  4 |     HASH JOIN OUTER                       |                      |    14 |  1064 |     9  (12)| 00:00:01 |</a:t>
+            </a:r>
+          </a:p>
+          <a:p>
+            <a:r>
+              <a:rPr lang="en-US" sz="1100" dirty="0">
+                <a:latin typeface="Courier New" panose="02070309020205020404" pitchFamily="49" charset="0"/>
+                <a:cs typeface="Courier New" panose="02070309020205020404" pitchFamily="49" charset="0"/>
+              </a:rPr>
+              <a:t>|*  5 |      TABLE ACCESS FULL                    | PR_CREDIT            |    14 |   756 |     3   (0)| 00:00:01 </a:t>
+            </a:r>
+            <a:r>
+              <a:rPr lang="en-US" sz="1100" dirty="0" smtClean="0">
+                <a:latin typeface="Courier New" panose="02070309020205020404" pitchFamily="49" charset="0"/>
+                <a:cs typeface="Courier New" panose="02070309020205020404" pitchFamily="49" charset="0"/>
+              </a:rPr>
+              <a:t>|</a:t>
+            </a:r>
+          </a:p>
+          <a:p>
+            <a:r>
+              <a:rPr lang="en-US" sz="1100" dirty="0">
+                <a:latin typeface="Courier New" panose="02070309020205020404" pitchFamily="49" charset="0"/>
+                <a:cs typeface="Courier New" panose="02070309020205020404" pitchFamily="49" charset="0"/>
+              </a:rPr>
+              <a:t>|   6 |      VIEW                                 |                      |    18 |   396 |     6  (17)| 00:00:01 |</a:t>
+            </a:r>
+          </a:p>
+          <a:p>
+            <a:r>
+              <a:rPr lang="en-US" sz="1100" dirty="0">
+                <a:latin typeface="Courier New" panose="02070309020205020404" pitchFamily="49" charset="0"/>
+                <a:cs typeface="Courier New" panose="02070309020205020404" pitchFamily="49" charset="0"/>
+              </a:rPr>
+              <a:t>|   7 |       HASH GROUP BY                       |                      |    18 |  1044 |     6  (17)| 00:00:01 |</a:t>
+            </a:r>
+          </a:p>
+          <a:p>
+            <a:r>
+              <a:rPr lang="en-US" sz="1100" dirty="0">
+                <a:latin typeface="Courier New" panose="02070309020205020404" pitchFamily="49" charset="0"/>
+                <a:cs typeface="Courier New" panose="02070309020205020404" pitchFamily="49" charset="0"/>
+              </a:rPr>
+              <a:t>|*  8 |        TABLE ACCESS BY INDEX ROWID BATCHED| PLAN_OPER            |    31 |  1798 |     5   (0)| 00:00:01 |</a:t>
+            </a:r>
+          </a:p>
+          <a:p>
+            <a:r>
+              <a:rPr lang="en-US" sz="1100" dirty="0">
+                <a:latin typeface="Courier New" panose="02070309020205020404" pitchFamily="49" charset="0"/>
+                <a:cs typeface="Courier New" panose="02070309020205020404" pitchFamily="49" charset="0"/>
+              </a:rPr>
+              <a:t>|*  9 |         INDEX RANGE SCAN                  | IDX_PLAN_OPER_P_DATE |    67 |       |     2   (0)| 00:00:01 |</a:t>
+            </a:r>
+          </a:p>
+          <a:p>
+            <a:r>
+              <a:rPr lang="en-US" sz="1100" dirty="0">
+                <a:latin typeface="Courier New" panose="02070309020205020404" pitchFamily="49" charset="0"/>
+                <a:cs typeface="Courier New" panose="02070309020205020404" pitchFamily="49" charset="0"/>
+              </a:rPr>
+              <a:t>|  10 |     VIEW                                  |                      |    22 |  1056 |     3  (34)| 00:00:01 |</a:t>
+            </a:r>
+          </a:p>
+          <a:p>
+            <a:r>
+              <a:rPr lang="en-US" sz="1100" dirty="0">
+                <a:latin typeface="Courier New" panose="02070309020205020404" pitchFamily="49" charset="0"/>
+                <a:cs typeface="Courier New" panose="02070309020205020404" pitchFamily="49" charset="0"/>
+              </a:rPr>
+              <a:t>|  11 |      HASH GROUP BY                        |                      |    22 |  1254 |     3  (34)| 00:00:01 |</a:t>
+            </a:r>
+          </a:p>
+          <a:p>
+            <a:r>
+              <a:rPr lang="en-US" sz="1100" dirty="0">
+                <a:latin typeface="Courier New" panose="02070309020205020404" pitchFamily="49" charset="0"/>
+                <a:cs typeface="Courier New" panose="02070309020205020404" pitchFamily="49" charset="0"/>
+              </a:rPr>
+              <a:t>|  12 |       TABLE ACCESS BY INDEX ROWID BATCHED | FACT_OPER            |    66 |  3762 |     2   (0)| 00:00:01 |</a:t>
+            </a:r>
+          </a:p>
+          <a:p>
+            <a:r>
+              <a:rPr lang="en-US" sz="1100" dirty="0">
+                <a:latin typeface="Courier New" panose="02070309020205020404" pitchFamily="49" charset="0"/>
+                <a:cs typeface="Courier New" panose="02070309020205020404" pitchFamily="49" charset="0"/>
+              </a:rPr>
+              <a:t>|* 13 |        INDEX RANGE SCAN                   | IDX_FACT_OPER_F_DATE |    66 |       |     1   (0)| 00:00:01 |</a:t>
+            </a:r>
+          </a:p>
+          <a:p>
+            <a:r>
+              <a:rPr lang="en-US" sz="1100" dirty="0">
+                <a:latin typeface="Courier New" panose="02070309020205020404" pitchFamily="49" charset="0"/>
+                <a:cs typeface="Courier New" panose="02070309020205020404" pitchFamily="49" charset="0"/>
+              </a:rPr>
+              <a:t>|  14 |    TABLE ACCESS FULL                      | CLIENT               |    24 |  1440 |     3   (0)| 00:00:01 |</a:t>
+            </a:r>
+            <a:endParaRPr lang="en-US" sz="1100" dirty="0">
+              <a:latin typeface="Courier New" panose="02070309020205020404" pitchFamily="49" charset="0"/>
+              <a:cs typeface="Courier New" panose="02070309020205020404" pitchFamily="49" charset="0"/>
+            </a:endParaRPr>
           </a:p>
         </p:txBody>
       </p:sp>
@@ -11663,7 +11689,7 @@
         <p:spPr bwMode="auto">
           <a:xfrm>
             <a:off x="191344" y="285978"/>
-            <a:ext cx="12169352" cy="550734"/>
+            <a:ext cx="11521280" cy="982782"/>
           </a:xfrm>
           <a:prstGeom prst="rect">
             <a:avLst/>
@@ -11695,21 +11721,52 @@
               <a:defRPr/>
             </a:pPr>
             <a:r>
+              <a:rPr lang="ru-RU" sz="3200" dirty="0" smtClean="0">
+                <a:solidFill>
+                  <a:srgbClr val="333F48"/>
+                </a:solidFill>
+              </a:rPr>
+              <a:t>3. </a:t>
+            </a:r>
+            <a:r>
+              <a:rPr lang="ru-RU" sz="3200" dirty="0" smtClean="0">
+                <a:solidFill>
+                  <a:srgbClr val="333F48"/>
+                </a:solidFill>
+              </a:rPr>
+              <a:t>Вариант: Пакет содержит процедуру, возвращающую</a:t>
+            </a:r>
+          </a:p>
+          <a:p>
+            <a:pPr>
+              <a:defRPr/>
+            </a:pPr>
+            <a:r>
+              <a:rPr lang="ru-RU" sz="3200" dirty="0" smtClean="0">
+                <a:solidFill>
+                  <a:srgbClr val="333F48"/>
+                </a:solidFill>
+              </a:rPr>
+              <a:t>отчет в виде </a:t>
+            </a:r>
+            <a:r>
               <a:rPr lang="en-US" sz="3200" dirty="0">
                 <a:solidFill>
                   <a:srgbClr val="333F48"/>
                 </a:solidFill>
               </a:rPr>
-              <a:t>4</a:t>
-            </a:r>
-            <a:r>
-              <a:rPr lang="ru-RU" sz="3200" dirty="0" smtClean="0">
-                <a:solidFill>
-                  <a:srgbClr val="333F48"/>
-                </a:solidFill>
-              </a:rPr>
-              <a:t>. Создаем последовательность </a:t>
-            </a:r>
+              <a:t>REFCURSOR</a:t>
+            </a:r>
+            <a:endParaRPr lang="ru-RU" sz="3200" dirty="0" smtClean="0">
+              <a:solidFill>
+                <a:srgbClr val="333F48"/>
+              </a:solidFill>
+            </a:endParaRPr>
+          </a:p>
+          <a:p>
+            <a:pPr>
+              <a:defRPr/>
+            </a:pPr>
             <a:endParaRPr lang="ru-RU" sz="1200" dirty="0"/>
           </a:p>
           <a:p>
@@ -11775,14 +11832,14 @@
         </p:nvSpPr>
         <p:spPr>
           <a:xfrm>
-            <a:off x="335360" y="725502"/>
-            <a:ext cx="5328592" cy="4832092"/>
+            <a:off x="335360" y="1259699"/>
+            <a:ext cx="10369152" cy="4662815"/>
           </a:xfrm>
           <a:prstGeom prst="rect">
             <a:avLst/>
           </a:prstGeom>
           <a:solidFill>
-            <a:schemeClr val="accent3">
+            <a:schemeClr val="accent2">
               <a:lumMod val="20000"/>
               <a:lumOff val="80000"/>
             </a:schemeClr>
@@ -11800,59 +11857,11 @@
           <a:lstStyle/>
           <a:p>
             <a:r>
-              <a:rPr lang="ru-RU" sz="1100" dirty="0">
-                <a:latin typeface="Courier New" panose="02070309020205020404" pitchFamily="49" charset="0"/>
-                <a:cs typeface="Courier New" panose="02070309020205020404" pitchFamily="49" charset="0"/>
-              </a:rPr>
-              <a:t>-- Идентификаторы во всех таблицах уникальны</a:t>
-            </a:r>
-          </a:p>
-          <a:p>
-            <a:r>
-              <a:rPr lang="ru-RU" sz="1100" dirty="0">
-                <a:latin typeface="Courier New" panose="02070309020205020404" pitchFamily="49" charset="0"/>
-                <a:cs typeface="Courier New" panose="02070309020205020404" pitchFamily="49" charset="0"/>
-              </a:rPr>
-              <a:t>-- Создаем одну последовательность генерирующую</a:t>
-            </a:r>
-          </a:p>
-          <a:p>
-            <a:r>
-              <a:rPr lang="ru-RU" sz="1100" dirty="0">
-                <a:latin typeface="Courier New" panose="02070309020205020404" pitchFamily="49" charset="0"/>
-                <a:cs typeface="Courier New" panose="02070309020205020404" pitchFamily="49" charset="0"/>
-              </a:rPr>
-              <a:t>-- </a:t>
-            </a:r>
-            <a:r>
-              <a:rPr lang="ru-RU" sz="1100" dirty="0" err="1">
-                <a:latin typeface="Courier New" panose="02070309020205020404" pitchFamily="49" charset="0"/>
-                <a:cs typeface="Courier New" panose="02070309020205020404" pitchFamily="49" charset="0"/>
-              </a:rPr>
-              <a:t>индентификаторы</a:t>
-            </a:r>
-            <a:r>
-              <a:rPr lang="ru-RU" sz="1100" dirty="0">
-                <a:latin typeface="Courier New" panose="02070309020205020404" pitchFamily="49" charset="0"/>
-                <a:cs typeface="Courier New" panose="02070309020205020404" pitchFamily="49" charset="0"/>
-              </a:rPr>
-              <a:t> для всех таблиц</a:t>
-            </a:r>
-          </a:p>
-          <a:p>
-            <a:r>
-              <a:rPr lang="ru-RU" sz="1100" dirty="0">
-                <a:latin typeface="Courier New" panose="02070309020205020404" pitchFamily="49" charset="0"/>
-                <a:cs typeface="Courier New" panose="02070309020205020404" pitchFamily="49" charset="0"/>
-              </a:rPr>
-              <a:t>-- со стартовым значением максимальный </a:t>
-            </a:r>
-            <a:r>
-              <a:rPr lang="en-US" sz="1100" dirty="0">
-                <a:latin typeface="Courier New" panose="02070309020205020404" pitchFamily="49" charset="0"/>
-                <a:cs typeface="Courier New" panose="02070309020205020404" pitchFamily="49" charset="0"/>
-              </a:rPr>
-              <a:t>ID + 1</a:t>
+              <a:rPr lang="en-US" sz="1100" dirty="0">
+                <a:latin typeface="Courier New" panose="02070309020205020404" pitchFamily="49" charset="0"/>
+                <a:cs typeface="Courier New" panose="02070309020205020404" pitchFamily="49" charset="0"/>
+              </a:rPr>
+              <a:t>CREATE OR REPLACE PACKAGE c##course.pk_credit_report2 AS   </a:t>
             </a:r>
           </a:p>
           <a:p>
@@ -11867,7 +11876,49 @@
                 <a:latin typeface="Courier New" panose="02070309020205020404" pitchFamily="49" charset="0"/>
                 <a:cs typeface="Courier New" panose="02070309020205020404" pitchFamily="49" charset="0"/>
               </a:rPr>
-              <a:t>DECLARE</a:t>
+              <a:t>    PROCEDURE </a:t>
+            </a:r>
+            <a:r>
+              <a:rPr lang="en-US" sz="1100" dirty="0" err="1">
+                <a:latin typeface="Courier New" panose="02070309020205020404" pitchFamily="49" charset="0"/>
+                <a:cs typeface="Courier New" panose="02070309020205020404" pitchFamily="49" charset="0"/>
+              </a:rPr>
+              <a:t>get_report</a:t>
+            </a:r>
+            <a:r>
+              <a:rPr lang="en-US" sz="1100" dirty="0">
+                <a:latin typeface="Courier New" panose="02070309020205020404" pitchFamily="49" charset="0"/>
+                <a:cs typeface="Courier New" panose="02070309020205020404" pitchFamily="49" charset="0"/>
+              </a:rPr>
+              <a:t>(</a:t>
+            </a:r>
+            <a:r>
+              <a:rPr lang="en-US" sz="1100" dirty="0" err="1">
+                <a:latin typeface="Courier New" panose="02070309020205020404" pitchFamily="49" charset="0"/>
+                <a:cs typeface="Courier New" panose="02070309020205020404" pitchFamily="49" charset="0"/>
+              </a:rPr>
+              <a:t>report_dt</a:t>
+            </a:r>
+            <a:r>
+              <a:rPr lang="en-US" sz="1100" dirty="0">
+                <a:latin typeface="Courier New" panose="02070309020205020404" pitchFamily="49" charset="0"/>
+                <a:cs typeface="Courier New" panose="02070309020205020404" pitchFamily="49" charset="0"/>
+              </a:rPr>
+              <a:t> DATE, </a:t>
+            </a:r>
+            <a:r>
+              <a:rPr lang="en-US" sz="1100" dirty="0" err="1">
+                <a:latin typeface="Courier New" panose="02070309020205020404" pitchFamily="49" charset="0"/>
+                <a:cs typeface="Courier New" panose="02070309020205020404" pitchFamily="49" charset="0"/>
+              </a:rPr>
+              <a:t>r_c</a:t>
+            </a:r>
+            <a:r>
+              <a:rPr lang="en-US" sz="1100" dirty="0">
+                <a:latin typeface="Courier New" panose="02070309020205020404" pitchFamily="49" charset="0"/>
+                <a:cs typeface="Courier New" panose="02070309020205020404" pitchFamily="49" charset="0"/>
+              </a:rPr>
+              <a:t> OUT SYS_REFCURSOR);</a:t>
             </a:r>
           </a:p>
           <a:p>
@@ -11878,97 +11929,23 @@
               </a:rPr>
               <a:t>    </a:t>
             </a:r>
-            <a:r>
-              <a:rPr lang="en-US" sz="1100" dirty="0" err="1">
-                <a:latin typeface="Courier New" panose="02070309020205020404" pitchFamily="49" charset="0"/>
-                <a:cs typeface="Courier New" panose="02070309020205020404" pitchFamily="49" charset="0"/>
-              </a:rPr>
-              <a:t>count_all_id</a:t>
-            </a:r>
-            <a:r>
-              <a:rPr lang="en-US" sz="1100" dirty="0">
-                <a:latin typeface="Courier New" panose="02070309020205020404" pitchFamily="49" charset="0"/>
-                <a:cs typeface="Courier New" panose="02070309020205020404" pitchFamily="49" charset="0"/>
-              </a:rPr>
-              <a:t>        NUMBER;</a:t>
-            </a:r>
-          </a:p>
-          <a:p>
-            <a:r>
-              <a:rPr lang="en-US" sz="1100" dirty="0">
-                <a:latin typeface="Courier New" panose="02070309020205020404" pitchFamily="49" charset="0"/>
-                <a:cs typeface="Courier New" panose="02070309020205020404" pitchFamily="49" charset="0"/>
-              </a:rPr>
-              <a:t>    </a:t>
-            </a:r>
-            <a:r>
-              <a:rPr lang="en-US" sz="1100" dirty="0" err="1">
-                <a:latin typeface="Courier New" panose="02070309020205020404" pitchFamily="49" charset="0"/>
-                <a:cs typeface="Courier New" panose="02070309020205020404" pitchFamily="49" charset="0"/>
-              </a:rPr>
-              <a:t>count_distinct_id</a:t>
-            </a:r>
-            <a:r>
-              <a:rPr lang="en-US" sz="1100" dirty="0">
-                <a:latin typeface="Courier New" panose="02070309020205020404" pitchFamily="49" charset="0"/>
-                <a:cs typeface="Courier New" panose="02070309020205020404" pitchFamily="49" charset="0"/>
-              </a:rPr>
-              <a:t>   NUMBER;</a:t>
-            </a:r>
-          </a:p>
-          <a:p>
-            <a:r>
-              <a:rPr lang="en-US" sz="1100" dirty="0">
-                <a:latin typeface="Courier New" panose="02070309020205020404" pitchFamily="49" charset="0"/>
-                <a:cs typeface="Courier New" panose="02070309020205020404" pitchFamily="49" charset="0"/>
-              </a:rPr>
-              <a:t>    </a:t>
-            </a:r>
-            <a:r>
-              <a:rPr lang="en-US" sz="1100" dirty="0" err="1">
-                <a:latin typeface="Courier New" panose="02070309020205020404" pitchFamily="49" charset="0"/>
-                <a:cs typeface="Courier New" panose="02070309020205020404" pitchFamily="49" charset="0"/>
-              </a:rPr>
-              <a:t>start_id</a:t>
-            </a:r>
-            <a:r>
-              <a:rPr lang="en-US" sz="1100" dirty="0">
-                <a:latin typeface="Courier New" panose="02070309020205020404" pitchFamily="49" charset="0"/>
-                <a:cs typeface="Courier New" panose="02070309020205020404" pitchFamily="49" charset="0"/>
-              </a:rPr>
-              <a:t>            NUMBER;</a:t>
-            </a:r>
-          </a:p>
-          <a:p>
-            <a:r>
-              <a:rPr lang="en-US" sz="1100" dirty="0">
-                <a:latin typeface="Courier New" panose="02070309020205020404" pitchFamily="49" charset="0"/>
-                <a:cs typeface="Courier New" panose="02070309020205020404" pitchFamily="49" charset="0"/>
-              </a:rPr>
-              <a:t>    </a:t>
-            </a:r>
-            <a:r>
-              <a:rPr lang="en-US" sz="1100" dirty="0" err="1">
-                <a:latin typeface="Courier New" panose="02070309020205020404" pitchFamily="49" charset="0"/>
-                <a:cs typeface="Courier New" panose="02070309020205020404" pitchFamily="49" charset="0"/>
-              </a:rPr>
-              <a:t>sequence_exist</a:t>
-            </a:r>
-            <a:r>
-              <a:rPr lang="en-US" sz="1100" dirty="0">
-                <a:latin typeface="Courier New" panose="02070309020205020404" pitchFamily="49" charset="0"/>
-                <a:cs typeface="Courier New" panose="02070309020205020404" pitchFamily="49" charset="0"/>
-              </a:rPr>
-              <a:t>      NUMBER := 0;</a:t>
-            </a:r>
-          </a:p>
-          <a:p>
-            <a:r>
-              <a:rPr lang="en-US" sz="1100" dirty="0">
-                <a:latin typeface="Courier New" panose="02070309020205020404" pitchFamily="49" charset="0"/>
-                <a:cs typeface="Courier New" panose="02070309020205020404" pitchFamily="49" charset="0"/>
-              </a:rPr>
-              <a:t>BEGIN</a:t>
+          </a:p>
+          <a:p>
+            <a:r>
+              <a:rPr lang="en-US" sz="1100" dirty="0">
+                <a:latin typeface="Courier New" panose="02070309020205020404" pitchFamily="49" charset="0"/>
+                <a:cs typeface="Courier New" panose="02070309020205020404" pitchFamily="49" charset="0"/>
+              </a:rPr>
+              <a:t>END pk_credit_report2;</a:t>
+            </a:r>
+          </a:p>
+          <a:p>
+            <a:r>
+              <a:rPr lang="en-US" sz="1100" dirty="0">
+                <a:latin typeface="Courier New" panose="02070309020205020404" pitchFamily="49" charset="0"/>
+                <a:cs typeface="Courier New" panose="02070309020205020404" pitchFamily="49" charset="0"/>
+              </a:rPr>
+              <a:t>/</a:t>
             </a:r>
           </a:p>
           <a:p>
@@ -11978,29 +11955,6 @@
             </a:endParaRPr>
           </a:p>
           <a:p>
-            <a:r>
-              <a:rPr lang="en-US" sz="1100" dirty="0">
-                <a:latin typeface="Courier New" panose="02070309020205020404" pitchFamily="49" charset="0"/>
-                <a:cs typeface="Courier New" panose="02070309020205020404" pitchFamily="49" charset="0"/>
-              </a:rPr>
-              <a:t>    SELECT</a:t>
-            </a:r>
-          </a:p>
-          <a:p>
-            <a:r>
-              <a:rPr lang="en-US" sz="1100" dirty="0">
-                <a:latin typeface="Courier New" panose="02070309020205020404" pitchFamily="49" charset="0"/>
-                <a:cs typeface="Courier New" panose="02070309020205020404" pitchFamily="49" charset="0"/>
-              </a:rPr>
-              <a:t>        COUNT(id) INTO </a:t>
-            </a:r>
-            <a:r>
-              <a:rPr lang="en-US" sz="1100" dirty="0" err="1">
-                <a:latin typeface="Courier New" panose="02070309020205020404" pitchFamily="49" charset="0"/>
-                <a:cs typeface="Courier New" panose="02070309020205020404" pitchFamily="49" charset="0"/>
-              </a:rPr>
-              <a:t>count_all_id</a:t>
-            </a:r>
             <a:endParaRPr lang="en-US" sz="1100" dirty="0">
               <a:latin typeface="Courier New" panose="02070309020205020404" pitchFamily="49" charset="0"/>
               <a:cs typeface="Courier New" panose="02070309020205020404" pitchFamily="49" charset="0"/>
@@ -12012,79 +11966,70 @@
                 <a:latin typeface="Courier New" panose="02070309020205020404" pitchFamily="49" charset="0"/>
                 <a:cs typeface="Courier New" panose="02070309020205020404" pitchFamily="49" charset="0"/>
               </a:rPr>
-              <a:t>        FROM </a:t>
-            </a:r>
-          </a:p>
-          <a:p>
-            <a:r>
-              <a:rPr lang="en-US" sz="1100" dirty="0">
-                <a:latin typeface="Courier New" panose="02070309020205020404" pitchFamily="49" charset="0"/>
-                <a:cs typeface="Courier New" panose="02070309020205020404" pitchFamily="49" charset="0"/>
-              </a:rPr>
-              <a:t>            c##</a:t>
+              <a:t>CREATE OR REPLACE PACKAGE BODY c##course.pk_credit_report2 AS</a:t>
+            </a:r>
+          </a:p>
+          <a:p>
+            <a:r>
+              <a:rPr lang="en-US" sz="1100" dirty="0">
+                <a:latin typeface="Courier New" panose="02070309020205020404" pitchFamily="49" charset="0"/>
+                <a:cs typeface="Courier New" panose="02070309020205020404" pitchFamily="49" charset="0"/>
+              </a:rPr>
+              <a:t>    </a:t>
+            </a:r>
+          </a:p>
+          <a:p>
+            <a:r>
+              <a:rPr lang="en-US" sz="1100" dirty="0">
+                <a:latin typeface="Courier New" panose="02070309020205020404" pitchFamily="49" charset="0"/>
+                <a:cs typeface="Courier New" panose="02070309020205020404" pitchFamily="49" charset="0"/>
+              </a:rPr>
+              <a:t>    PROCEDURE </a:t>
             </a:r>
             <a:r>
               <a:rPr lang="en-US" sz="1100" dirty="0" err="1">
                 <a:latin typeface="Courier New" panose="02070309020205020404" pitchFamily="49" charset="0"/>
                 <a:cs typeface="Courier New" panose="02070309020205020404" pitchFamily="49" charset="0"/>
               </a:rPr>
-              <a:t>course.v_all_id</a:t>
-            </a:r>
-            <a:r>
-              <a:rPr lang="en-US" sz="1100" dirty="0">
-                <a:latin typeface="Courier New" panose="02070309020205020404" pitchFamily="49" charset="0"/>
-                <a:cs typeface="Courier New" panose="02070309020205020404" pitchFamily="49" charset="0"/>
-              </a:rPr>
-              <a:t> </a:t>
+              <a:t>get_report</a:t>
+            </a:r>
+            <a:r>
+              <a:rPr lang="en-US" sz="1100" dirty="0">
+                <a:latin typeface="Courier New" panose="02070309020205020404" pitchFamily="49" charset="0"/>
+                <a:cs typeface="Courier New" panose="02070309020205020404" pitchFamily="49" charset="0"/>
+              </a:rPr>
+              <a:t> (</a:t>
             </a:r>
             <a:r>
               <a:rPr lang="en-US" sz="1100" dirty="0" err="1">
                 <a:latin typeface="Courier New" panose="02070309020205020404" pitchFamily="49" charset="0"/>
                 <a:cs typeface="Courier New" panose="02070309020205020404" pitchFamily="49" charset="0"/>
               </a:rPr>
-              <a:t>v_all_id</a:t>
-            </a:r>
-            <a:r>
-              <a:rPr lang="en-US" sz="1100" dirty="0">
-                <a:latin typeface="Courier New" panose="02070309020205020404" pitchFamily="49" charset="0"/>
-                <a:cs typeface="Courier New" panose="02070309020205020404" pitchFamily="49" charset="0"/>
-              </a:rPr>
-              <a:t>;</a:t>
-            </a:r>
-          </a:p>
-          <a:p>
-            <a:r>
-              <a:rPr lang="en-US" sz="1100" dirty="0">
-                <a:latin typeface="Courier New" panose="02070309020205020404" pitchFamily="49" charset="0"/>
-                <a:cs typeface="Courier New" panose="02070309020205020404" pitchFamily="49" charset="0"/>
-              </a:rPr>
-              <a:t>    </a:t>
-            </a:r>
-          </a:p>
-          <a:p>
-            <a:r>
-              <a:rPr lang="en-US" sz="1100" dirty="0">
-                <a:latin typeface="Courier New" panose="02070309020205020404" pitchFamily="49" charset="0"/>
-                <a:cs typeface="Courier New" panose="02070309020205020404" pitchFamily="49" charset="0"/>
-              </a:rPr>
-              <a:t>    SELECT</a:t>
-            </a:r>
-          </a:p>
-          <a:p>
-            <a:r>
-              <a:rPr lang="en-US" sz="1100" dirty="0">
-                <a:latin typeface="Courier New" panose="02070309020205020404" pitchFamily="49" charset="0"/>
-                <a:cs typeface="Courier New" panose="02070309020205020404" pitchFamily="49" charset="0"/>
-              </a:rPr>
-              <a:t>        COUNT(DISTINCT id) INTO </a:t>
+              <a:t>report_dt</a:t>
+            </a:r>
+            <a:r>
+              <a:rPr lang="en-US" sz="1100" dirty="0">
+                <a:latin typeface="Courier New" panose="02070309020205020404" pitchFamily="49" charset="0"/>
+                <a:cs typeface="Courier New" panose="02070309020205020404" pitchFamily="49" charset="0"/>
+              </a:rPr>
+              <a:t> DATE, </a:t>
             </a:r>
             <a:r>
               <a:rPr lang="en-US" sz="1100" dirty="0" err="1">
                 <a:latin typeface="Courier New" panose="02070309020205020404" pitchFamily="49" charset="0"/>
                 <a:cs typeface="Courier New" panose="02070309020205020404" pitchFamily="49" charset="0"/>
               </a:rPr>
-              <a:t>count_distinct_id</a:t>
-            </a:r>
+              <a:t>r_c</a:t>
+            </a:r>
+            <a:r>
+              <a:rPr lang="en-US" sz="1100" dirty="0">
+                <a:latin typeface="Courier New" panose="02070309020205020404" pitchFamily="49" charset="0"/>
+                <a:cs typeface="Courier New" panose="02070309020205020404" pitchFamily="49" charset="0"/>
+              </a:rPr>
+              <a:t> OUT SYS_REFCURSOR)</a:t>
+            </a:r>
+          </a:p>
+          <a:p>
             <a:endParaRPr lang="en-US" sz="1100" dirty="0">
               <a:latin typeface="Courier New" panose="02070309020205020404" pitchFamily="49" charset="0"/>
               <a:cs typeface="Courier New" panose="02070309020205020404" pitchFamily="49" charset="0"/>
@@ -12096,124 +12041,87 @@
                 <a:latin typeface="Courier New" panose="02070309020205020404" pitchFamily="49" charset="0"/>
                 <a:cs typeface="Courier New" panose="02070309020205020404" pitchFamily="49" charset="0"/>
               </a:rPr>
-              <a:t>        FROM</a:t>
-            </a:r>
-          </a:p>
-          <a:p>
-            <a:r>
-              <a:rPr lang="en-US" sz="1100" dirty="0">
-                <a:latin typeface="Courier New" panose="02070309020205020404" pitchFamily="49" charset="0"/>
-                <a:cs typeface="Courier New" panose="02070309020205020404" pitchFamily="49" charset="0"/>
-              </a:rPr>
-              <a:t>            c##</a:t>
+              <a:t>    AS</a:t>
+            </a:r>
+          </a:p>
+          <a:p>
+            <a:r>
+              <a:rPr lang="en-US" sz="1100" dirty="0">
+                <a:latin typeface="Courier New" panose="02070309020205020404" pitchFamily="49" charset="0"/>
+                <a:cs typeface="Courier New" panose="02070309020205020404" pitchFamily="49" charset="0"/>
+              </a:rPr>
+              <a:t>    </a:t>
+            </a:r>
+          </a:p>
+          <a:p>
+            <a:r>
+              <a:rPr lang="en-US" sz="1100" dirty="0">
+                <a:latin typeface="Courier New" panose="02070309020205020404" pitchFamily="49" charset="0"/>
+                <a:cs typeface="Courier New" panose="02070309020205020404" pitchFamily="49" charset="0"/>
+              </a:rPr>
+              <a:t>    BEGIN</a:t>
+            </a:r>
+          </a:p>
+          <a:p>
+            <a:r>
+              <a:rPr lang="en-US" sz="1100" dirty="0">
+                <a:latin typeface="Courier New" panose="02070309020205020404" pitchFamily="49" charset="0"/>
+                <a:cs typeface="Courier New" panose="02070309020205020404" pitchFamily="49" charset="0"/>
+              </a:rPr>
+              <a:t>        OPEN </a:t>
             </a:r>
             <a:r>
               <a:rPr lang="en-US" sz="1100" dirty="0" err="1">
                 <a:latin typeface="Courier New" panose="02070309020205020404" pitchFamily="49" charset="0"/>
                 <a:cs typeface="Courier New" panose="02070309020205020404" pitchFamily="49" charset="0"/>
               </a:rPr>
-              <a:t>course.v_all_id</a:t>
-            </a:r>
-            <a:r>
-              <a:rPr lang="en-US" sz="1100" dirty="0">
-                <a:latin typeface="Courier New" panose="02070309020205020404" pitchFamily="49" charset="0"/>
-                <a:cs typeface="Courier New" panose="02070309020205020404" pitchFamily="49" charset="0"/>
-              </a:rPr>
-              <a:t> </a:t>
+              <a:t>r_c</a:t>
+            </a:r>
+            <a:r>
+              <a:rPr lang="en-US" sz="1100" dirty="0">
+                <a:latin typeface="Courier New" panose="02070309020205020404" pitchFamily="49" charset="0"/>
+                <a:cs typeface="Courier New" panose="02070309020205020404" pitchFamily="49" charset="0"/>
+              </a:rPr>
+              <a:t> FOR</a:t>
+            </a:r>
+          </a:p>
+          <a:p>
+            <a:r>
+              <a:rPr lang="en-US" sz="1100" dirty="0">
+                <a:latin typeface="Courier New" panose="02070309020205020404" pitchFamily="49" charset="0"/>
+                <a:cs typeface="Courier New" panose="02070309020205020404" pitchFamily="49" charset="0"/>
+              </a:rPr>
+              <a:t>                    SELECT</a:t>
+            </a:r>
+          </a:p>
+          <a:p>
+            <a:r>
+              <a:rPr lang="en-US" sz="1100" dirty="0">
+                <a:latin typeface="Courier New" panose="02070309020205020404" pitchFamily="49" charset="0"/>
+                <a:cs typeface="Courier New" panose="02070309020205020404" pitchFamily="49" charset="0"/>
+              </a:rPr>
+              <a:t>                          </a:t>
             </a:r>
             <a:r>
               <a:rPr lang="en-US" sz="1100" dirty="0" err="1">
                 <a:latin typeface="Courier New" panose="02070309020205020404" pitchFamily="49" charset="0"/>
                 <a:cs typeface="Courier New" panose="02070309020205020404" pitchFamily="49" charset="0"/>
               </a:rPr>
-              <a:t>v_all_id</a:t>
-            </a:r>
-            <a:r>
-              <a:rPr lang="en-US" sz="1100" dirty="0">
-                <a:latin typeface="Courier New" panose="02070309020205020404" pitchFamily="49" charset="0"/>
-                <a:cs typeface="Courier New" panose="02070309020205020404" pitchFamily="49" charset="0"/>
-              </a:rPr>
-              <a:t>;</a:t>
-            </a:r>
-          </a:p>
-          <a:p>
-            <a:r>
-              <a:rPr lang="en-US" sz="1100" dirty="0">
-                <a:latin typeface="Courier New" panose="02070309020205020404" pitchFamily="49" charset="0"/>
-                <a:cs typeface="Courier New" panose="02070309020205020404" pitchFamily="49" charset="0"/>
-              </a:rPr>
-              <a:t>        </a:t>
-            </a:r>
-          </a:p>
-          <a:p>
-            <a:r>
-              <a:rPr lang="en-US" sz="1100" dirty="0">
-                <a:latin typeface="Courier New" panose="02070309020205020404" pitchFamily="49" charset="0"/>
-                <a:cs typeface="Courier New" panose="02070309020205020404" pitchFamily="49" charset="0"/>
-              </a:rPr>
-              <a:t>    IF (</a:t>
+              <a:t>dog.num_dog</a:t>
+            </a:r>
+            <a:r>
+              <a:rPr lang="en-US" sz="1100" dirty="0">
+                <a:latin typeface="Courier New" panose="02070309020205020404" pitchFamily="49" charset="0"/>
+                <a:cs typeface="Courier New" panose="02070309020205020404" pitchFamily="49" charset="0"/>
+              </a:rPr>
+              <a:t>                       AS </a:t>
             </a:r>
             <a:r>
               <a:rPr lang="en-US" sz="1100" dirty="0" err="1">
                 <a:latin typeface="Courier New" panose="02070309020205020404" pitchFamily="49" charset="0"/>
                 <a:cs typeface="Courier New" panose="02070309020205020404" pitchFamily="49" charset="0"/>
               </a:rPr>
-              <a:t>count_distinct_id</a:t>
-            </a:r>
-            <a:r>
-              <a:rPr lang="en-US" sz="1100" dirty="0">
-                <a:latin typeface="Courier New" panose="02070309020205020404" pitchFamily="49" charset="0"/>
-                <a:cs typeface="Courier New" panose="02070309020205020404" pitchFamily="49" charset="0"/>
-              </a:rPr>
-              <a:t> = </a:t>
-            </a:r>
-            <a:r>
-              <a:rPr lang="en-US" sz="1100" dirty="0" err="1">
-                <a:latin typeface="Courier New" panose="02070309020205020404" pitchFamily="49" charset="0"/>
-                <a:cs typeface="Courier New" panose="02070309020205020404" pitchFamily="49" charset="0"/>
-              </a:rPr>
-              <a:t>count_all_id</a:t>
-            </a:r>
-            <a:r>
-              <a:rPr lang="en-US" sz="1100" dirty="0">
-                <a:latin typeface="Courier New" panose="02070309020205020404" pitchFamily="49" charset="0"/>
-                <a:cs typeface="Courier New" panose="02070309020205020404" pitchFamily="49" charset="0"/>
-              </a:rPr>
-              <a:t>) THEN</a:t>
-            </a:r>
-          </a:p>
-          <a:p>
-            <a:r>
-              <a:rPr lang="en-US" sz="1100" dirty="0">
-                <a:latin typeface="Courier New" panose="02070309020205020404" pitchFamily="49" charset="0"/>
-                <a:cs typeface="Courier New" panose="02070309020205020404" pitchFamily="49" charset="0"/>
-              </a:rPr>
-              <a:t>    </a:t>
-            </a:r>
-          </a:p>
-          <a:p>
-            <a:r>
-              <a:rPr lang="en-US" sz="1100" dirty="0">
-                <a:latin typeface="Courier New" panose="02070309020205020404" pitchFamily="49" charset="0"/>
-                <a:cs typeface="Courier New" panose="02070309020205020404" pitchFamily="49" charset="0"/>
-              </a:rPr>
-              <a:t>            SELECT</a:t>
-            </a:r>
-          </a:p>
-          <a:p>
-            <a:r>
-              <a:rPr lang="en-US" sz="1100" dirty="0">
-                <a:latin typeface="Courier New" panose="02070309020205020404" pitchFamily="49" charset="0"/>
-                <a:cs typeface="Courier New" panose="02070309020205020404" pitchFamily="49" charset="0"/>
-              </a:rPr>
-              <a:t>                MAX(id) + 1 INTO </a:t>
-            </a:r>
-            <a:r>
-              <a:rPr lang="en-US" sz="1100" dirty="0" err="1">
-                <a:latin typeface="Courier New" panose="02070309020205020404" pitchFamily="49" charset="0"/>
-                <a:cs typeface="Courier New" panose="02070309020205020404" pitchFamily="49" charset="0"/>
-              </a:rPr>
-              <a:t>start_id</a:t>
+              <a:t>num_dog</a:t>
             </a:r>
             <a:endParaRPr lang="en-US" sz="1100" dirty="0">
               <a:latin typeface="Courier New" panose="02070309020205020404" pitchFamily="49" charset="0"/>
@@ -12226,90 +12134,62 @@
                 <a:latin typeface="Courier New" panose="02070309020205020404" pitchFamily="49" charset="0"/>
                 <a:cs typeface="Courier New" panose="02070309020205020404" pitchFamily="49" charset="0"/>
               </a:rPr>
-              <a:t>                FROM c##</a:t>
+              <a:t>                        , </a:t>
             </a:r>
             <a:r>
               <a:rPr lang="en-US" sz="1100" dirty="0" err="1">
                 <a:latin typeface="Courier New" panose="02070309020205020404" pitchFamily="49" charset="0"/>
                 <a:cs typeface="Courier New" panose="02070309020205020404" pitchFamily="49" charset="0"/>
               </a:rPr>
-              <a:t>course.v_all_id</a:t>
-            </a:r>
-            <a:r>
-              <a:rPr lang="en-US" sz="1100" dirty="0">
-                <a:latin typeface="Courier New" panose="02070309020205020404" pitchFamily="49" charset="0"/>
-                <a:cs typeface="Courier New" panose="02070309020205020404" pitchFamily="49" charset="0"/>
-              </a:rPr>
-              <a:t>;</a:t>
-            </a:r>
-          </a:p>
-          <a:p>
-            <a:r>
-              <a:rPr lang="ru-RU" sz="1100" dirty="0" smtClean="0">
-                <a:latin typeface="Courier New" panose="02070309020205020404" pitchFamily="49" charset="0"/>
-                <a:cs typeface="Courier New" panose="02070309020205020404" pitchFamily="49" charset="0"/>
-              </a:rPr>
-              <a:t>...</a:t>
-            </a:r>
-            <a:r>
-              <a:rPr lang="en-US" sz="1100" dirty="0" smtClean="0">
-                <a:latin typeface="Courier New" panose="02070309020205020404" pitchFamily="49" charset="0"/>
-                <a:cs typeface="Courier New" panose="02070309020205020404" pitchFamily="49" charset="0"/>
-              </a:rPr>
-              <a:t>                </a:t>
+              <a:t>cli.cl_name</a:t>
+            </a:r>
+            <a:r>
+              <a:rPr lang="en-US" sz="1100" dirty="0">
+                <a:latin typeface="Courier New" panose="02070309020205020404" pitchFamily="49" charset="0"/>
+                <a:cs typeface="Courier New" panose="02070309020205020404" pitchFamily="49" charset="0"/>
+              </a:rPr>
+              <a:t>                       AS </a:t>
+            </a:r>
+            <a:r>
+              <a:rPr lang="en-US" sz="1100" dirty="0" err="1">
+                <a:latin typeface="Courier New" panose="02070309020205020404" pitchFamily="49" charset="0"/>
+                <a:cs typeface="Courier New" panose="02070309020205020404" pitchFamily="49" charset="0"/>
+              </a:rPr>
+              <a:t>cl_name</a:t>
             </a:r>
             <a:endParaRPr lang="en-US" sz="1100" dirty="0">
               <a:latin typeface="Courier New" panose="02070309020205020404" pitchFamily="49" charset="0"/>
               <a:cs typeface="Courier New" panose="02070309020205020404" pitchFamily="49" charset="0"/>
             </a:endParaRPr>
           </a:p>
-        </p:txBody>
-      </p:sp>
-      <p:sp>
-        <p:nvSpPr>
-          <p:cNvPr id="7" name="TextBox 6"/>
-          <p:cNvSpPr txBox="1"/>
-          <p:nvPr/>
-        </p:nvSpPr>
-        <p:spPr>
-          <a:xfrm>
-            <a:off x="5879976" y="728112"/>
-            <a:ext cx="6120680" cy="4154984"/>
-          </a:xfrm>
-          <a:prstGeom prst="rect">
-            <a:avLst/>
-          </a:prstGeom>
-          <a:solidFill>
-            <a:schemeClr val="accent3">
-              <a:lumMod val="20000"/>
-              <a:lumOff val="80000"/>
-            </a:schemeClr>
-          </a:solidFill>
-          <a:ln>
-            <a:solidFill>
-              <a:schemeClr val="accent1"/>
-            </a:solidFill>
-          </a:ln>
-        </p:spPr>
-        <p:txBody>
-          <a:bodyPr wrap="square" rtlCol="0">
-            <a:spAutoFit/>
-          </a:bodyPr>
-          <a:lstStyle/>
-          <a:p>
-            <a:r>
-              <a:rPr lang="en-US" sz="1100" dirty="0">
-                <a:latin typeface="Courier New" panose="02070309020205020404" pitchFamily="49" charset="0"/>
-                <a:cs typeface="Courier New" panose="02070309020205020404" pitchFamily="49" charset="0"/>
-              </a:rPr>
-              <a:t>CREATE OR REPLACE VIEW c##</a:t>
+          <a:p>
+            <a:r>
+              <a:rPr lang="en-US" sz="1100" dirty="0">
+                <a:latin typeface="Courier New" panose="02070309020205020404" pitchFamily="49" charset="0"/>
+                <a:cs typeface="Courier New" panose="02070309020205020404" pitchFamily="49" charset="0"/>
+              </a:rPr>
+              <a:t>                        , </a:t>
             </a:r>
             <a:r>
               <a:rPr lang="en-US" sz="1100" dirty="0" err="1">
                 <a:latin typeface="Courier New" panose="02070309020205020404" pitchFamily="49" charset="0"/>
                 <a:cs typeface="Courier New" panose="02070309020205020404" pitchFamily="49" charset="0"/>
               </a:rPr>
-              <a:t>course.v_all_id</a:t>
+              <a:t>dog.summa_dog</a:t>
+            </a:r>
+            <a:r>
+              <a:rPr lang="en-US" sz="1100" dirty="0">
+                <a:latin typeface="Courier New" panose="02070309020205020404" pitchFamily="49" charset="0"/>
+                <a:cs typeface="Courier New" panose="02070309020205020404" pitchFamily="49" charset="0"/>
+              </a:rPr>
+              <a:t>                     AS </a:t>
+            </a:r>
+            <a:r>
+              <a:rPr lang="en-US" sz="1100" dirty="0" err="1">
+                <a:latin typeface="Courier New" panose="02070309020205020404" pitchFamily="49" charset="0"/>
+                <a:cs typeface="Courier New" panose="02070309020205020404" pitchFamily="49" charset="0"/>
+              </a:rPr>
+              <a:t>summa_dog</a:t>
             </a:r>
             <a:endParaRPr lang="en-US" sz="1100" dirty="0">
               <a:latin typeface="Courier New" panose="02070309020205020404" pitchFamily="49" charset="0"/>
@@ -12322,10 +12202,29 @@
                 <a:latin typeface="Courier New" panose="02070309020205020404" pitchFamily="49" charset="0"/>
                 <a:cs typeface="Courier New" panose="02070309020205020404" pitchFamily="49" charset="0"/>
               </a:rPr>
-              <a:t>AS</a:t>
-            </a:r>
-          </a:p>
-          <a:p>
+              <a:t>                        , </a:t>
+            </a:r>
+            <a:r>
+              <a:rPr lang="en-US" sz="1100" dirty="0" err="1">
+                <a:latin typeface="Courier New" panose="02070309020205020404" pitchFamily="49" charset="0"/>
+                <a:cs typeface="Courier New" panose="02070309020205020404" pitchFamily="49" charset="0"/>
+              </a:rPr>
+              <a:t>dog.date_begin</a:t>
+            </a:r>
+            <a:r>
+              <a:rPr lang="en-US" sz="1100" dirty="0">
+                <a:latin typeface="Courier New" panose="02070309020205020404" pitchFamily="49" charset="0"/>
+                <a:cs typeface="Courier New" panose="02070309020205020404" pitchFamily="49" charset="0"/>
+              </a:rPr>
+              <a:t>                    AS </a:t>
+            </a:r>
+            <a:r>
+              <a:rPr lang="en-US" sz="1100" dirty="0" err="1">
+                <a:latin typeface="Courier New" panose="02070309020205020404" pitchFamily="49" charset="0"/>
+                <a:cs typeface="Courier New" panose="02070309020205020404" pitchFamily="49" charset="0"/>
+              </a:rPr>
+              <a:t>date_begin</a:t>
+            </a:r>
             <a:endParaRPr lang="en-US" sz="1100" dirty="0">
               <a:latin typeface="Courier New" panose="02070309020205020404" pitchFamily="49" charset="0"/>
               <a:cs typeface="Courier New" panose="02070309020205020404" pitchFamily="49" charset="0"/>
@@ -12337,114 +12236,28 @@
                 <a:latin typeface="Courier New" panose="02070309020205020404" pitchFamily="49" charset="0"/>
                 <a:cs typeface="Courier New" panose="02070309020205020404" pitchFamily="49" charset="0"/>
               </a:rPr>
-              <a:t>        SELECT</a:t>
-            </a:r>
-          </a:p>
-          <a:p>
-            <a:r>
-              <a:rPr lang="en-US" sz="1100" dirty="0">
-                <a:latin typeface="Courier New" panose="02070309020205020404" pitchFamily="49" charset="0"/>
-                <a:cs typeface="Courier New" panose="02070309020205020404" pitchFamily="49" charset="0"/>
-              </a:rPr>
-              <a:t>            id</a:t>
-            </a:r>
-          </a:p>
-          <a:p>
-            <a:r>
-              <a:rPr lang="en-US" sz="1100" dirty="0">
-                <a:latin typeface="Courier New" panose="02070309020205020404" pitchFamily="49" charset="0"/>
-                <a:cs typeface="Courier New" panose="02070309020205020404" pitchFamily="49" charset="0"/>
-              </a:rPr>
-              <a:t>            FROM c##</a:t>
+              <a:t>                        , </a:t>
             </a:r>
             <a:r>
               <a:rPr lang="en-US" sz="1100" dirty="0" err="1">
                 <a:latin typeface="Courier New" panose="02070309020205020404" pitchFamily="49" charset="0"/>
                 <a:cs typeface="Courier New" panose="02070309020205020404" pitchFamily="49" charset="0"/>
               </a:rPr>
-              <a:t>course.client</a:t>
-            </a:r>
-            <a:r>
-              <a:rPr lang="en-US" sz="1100" dirty="0">
-                <a:latin typeface="Courier New" panose="02070309020205020404" pitchFamily="49" charset="0"/>
-                <a:cs typeface="Courier New" panose="02070309020205020404" pitchFamily="49" charset="0"/>
-              </a:rPr>
-              <a:t> client</a:t>
-            </a:r>
-          </a:p>
-          <a:p>
-            <a:r>
-              <a:rPr lang="en-US" sz="1100" dirty="0">
-                <a:latin typeface="Courier New" panose="02070309020205020404" pitchFamily="49" charset="0"/>
-                <a:cs typeface="Courier New" panose="02070309020205020404" pitchFamily="49" charset="0"/>
-              </a:rPr>
-              <a:t>        </a:t>
-            </a:r>
-          </a:p>
-          <a:p>
-            <a:r>
-              <a:rPr lang="en-US" sz="1100" dirty="0">
-                <a:latin typeface="Courier New" panose="02070309020205020404" pitchFamily="49" charset="0"/>
-                <a:cs typeface="Courier New" panose="02070309020205020404" pitchFamily="49" charset="0"/>
-              </a:rPr>
-              <a:t>        UNION ALL</a:t>
-            </a:r>
-          </a:p>
-          <a:p>
-            <a:r>
-              <a:rPr lang="en-US" sz="1100" dirty="0">
-                <a:latin typeface="Courier New" panose="02070309020205020404" pitchFamily="49" charset="0"/>
-                <a:cs typeface="Courier New" panose="02070309020205020404" pitchFamily="49" charset="0"/>
-              </a:rPr>
-              <a:t>        </a:t>
-            </a:r>
-          </a:p>
-          <a:p>
-            <a:r>
-              <a:rPr lang="en-US" sz="1100" dirty="0">
-                <a:latin typeface="Courier New" panose="02070309020205020404" pitchFamily="49" charset="0"/>
-                <a:cs typeface="Courier New" panose="02070309020205020404" pitchFamily="49" charset="0"/>
-              </a:rPr>
-              <a:t>        SELECT</a:t>
-            </a:r>
-          </a:p>
-          <a:p>
-            <a:r>
-              <a:rPr lang="en-US" sz="1100" dirty="0">
-                <a:latin typeface="Courier New" panose="02070309020205020404" pitchFamily="49" charset="0"/>
-                <a:cs typeface="Courier New" panose="02070309020205020404" pitchFamily="49" charset="0"/>
-              </a:rPr>
-              <a:t>            id</a:t>
-            </a:r>
-          </a:p>
-          <a:p>
-            <a:r>
-              <a:rPr lang="en-US" sz="1100" dirty="0">
-                <a:latin typeface="Courier New" panose="02070309020205020404" pitchFamily="49" charset="0"/>
-                <a:cs typeface="Courier New" panose="02070309020205020404" pitchFamily="49" charset="0"/>
-              </a:rPr>
-              <a:t>            FROM c##</a:t>
+              <a:t>dog.date_end</a:t>
+            </a:r>
+            <a:r>
+              <a:rPr lang="en-US" sz="1100" dirty="0">
+                <a:latin typeface="Courier New" panose="02070309020205020404" pitchFamily="49" charset="0"/>
+                <a:cs typeface="Courier New" panose="02070309020205020404" pitchFamily="49" charset="0"/>
+              </a:rPr>
+              <a:t>                      AS </a:t>
             </a:r>
             <a:r>
               <a:rPr lang="en-US" sz="1100" dirty="0" err="1">
                 <a:latin typeface="Courier New" panose="02070309020205020404" pitchFamily="49" charset="0"/>
                 <a:cs typeface="Courier New" panose="02070309020205020404" pitchFamily="49" charset="0"/>
               </a:rPr>
-              <a:t>course.pr_credit</a:t>
-            </a:r>
-            <a:r>
-              <a:rPr lang="en-US" sz="1100" dirty="0">
-                <a:latin typeface="Courier New" panose="02070309020205020404" pitchFamily="49" charset="0"/>
-                <a:cs typeface="Courier New" panose="02070309020205020404" pitchFamily="49" charset="0"/>
-              </a:rPr>
-              <a:t> </a:t>
-            </a:r>
-            <a:r>
-              <a:rPr lang="en-US" sz="1100" dirty="0" err="1">
-                <a:latin typeface="Courier New" panose="02070309020205020404" pitchFamily="49" charset="0"/>
-                <a:cs typeface="Courier New" panose="02070309020205020404" pitchFamily="49" charset="0"/>
-              </a:rPr>
-              <a:t>pr_credit</a:t>
+              <a:t>date_end</a:t>
             </a:r>
             <a:endParaRPr lang="en-US" sz="1100" dirty="0">
               <a:latin typeface="Courier New" panose="02070309020205020404" pitchFamily="49" charset="0"/>
@@ -12457,87 +12270,37 @@
                 <a:latin typeface="Courier New" panose="02070309020205020404" pitchFamily="49" charset="0"/>
                 <a:cs typeface="Courier New" panose="02070309020205020404" pitchFamily="49" charset="0"/>
               </a:rPr>
-              <a:t>            </a:t>
-            </a:r>
-          </a:p>
-          <a:p>
-            <a:r>
-              <a:rPr lang="en-US" sz="1100" dirty="0">
-                <a:latin typeface="Courier New" panose="02070309020205020404" pitchFamily="49" charset="0"/>
-                <a:cs typeface="Courier New" panose="02070309020205020404" pitchFamily="49" charset="0"/>
-              </a:rPr>
-              <a:t>        UNION ALL</a:t>
-            </a:r>
-          </a:p>
-          <a:p>
-            <a:r>
-              <a:rPr lang="en-US" sz="1100" dirty="0">
-                <a:latin typeface="Courier New" panose="02070309020205020404" pitchFamily="49" charset="0"/>
-                <a:cs typeface="Courier New" panose="02070309020205020404" pitchFamily="49" charset="0"/>
-              </a:rPr>
-              <a:t>        </a:t>
-            </a:r>
-          </a:p>
-          <a:p>
-            <a:r>
-              <a:rPr lang="en-US" sz="1100" dirty="0">
-                <a:latin typeface="Courier New" panose="02070309020205020404" pitchFamily="49" charset="0"/>
-                <a:cs typeface="Courier New" panose="02070309020205020404" pitchFamily="49" charset="0"/>
-              </a:rPr>
-              <a:t>        SELECT</a:t>
-            </a:r>
-          </a:p>
-          <a:p>
-            <a:r>
-              <a:rPr lang="en-US" sz="1100" dirty="0">
-                <a:latin typeface="Courier New" panose="02070309020205020404" pitchFamily="49" charset="0"/>
-                <a:cs typeface="Courier New" panose="02070309020205020404" pitchFamily="49" charset="0"/>
-              </a:rPr>
-              <a:t>            </a:t>
+              <a:t>                        , </a:t>
             </a:r>
             <a:r>
               <a:rPr lang="en-US" sz="1100" dirty="0" err="1">
                 <a:latin typeface="Courier New" panose="02070309020205020404" pitchFamily="49" charset="0"/>
                 <a:cs typeface="Courier New" panose="02070309020205020404" pitchFamily="49" charset="0"/>
               </a:rPr>
-              <a:t>collect_plan</a:t>
-            </a:r>
-            <a:r>
-              <a:rPr lang="en-US" sz="1100" dirty="0">
-                <a:latin typeface="Courier New" panose="02070309020205020404" pitchFamily="49" charset="0"/>
-                <a:cs typeface="Courier New" panose="02070309020205020404" pitchFamily="49" charset="0"/>
-              </a:rPr>
-              <a:t> AS id</a:t>
-            </a:r>
-          </a:p>
-          <a:p>
-            <a:r>
-              <a:rPr lang="en-US" sz="1100" dirty="0">
-                <a:latin typeface="Courier New" panose="02070309020205020404" pitchFamily="49" charset="0"/>
-                <a:cs typeface="Courier New" panose="02070309020205020404" pitchFamily="49" charset="0"/>
-              </a:rPr>
-              <a:t>            FROM c##</a:t>
+              <a:t>sum_fact.sum_vidano</a:t>
+            </a:r>
+            <a:r>
+              <a:rPr lang="en-US" sz="1100" dirty="0">
+                <a:latin typeface="Courier New" panose="02070309020205020404" pitchFamily="49" charset="0"/>
+                <a:cs typeface="Courier New" panose="02070309020205020404" pitchFamily="49" charset="0"/>
+              </a:rPr>
+              <a:t> - NVL(sum_fact.sum_pogasheno,0)</a:t>
+            </a:r>
+          </a:p>
+          <a:p>
+            <a:r>
+              <a:rPr lang="en-US" sz="1100" dirty="0">
+                <a:latin typeface="Courier New" panose="02070309020205020404" pitchFamily="49" charset="0"/>
+                <a:cs typeface="Courier New" panose="02070309020205020404" pitchFamily="49" charset="0"/>
+              </a:rPr>
+              <a:t>                                                            AS </a:t>
             </a:r>
             <a:r>
               <a:rPr lang="en-US" sz="1100" dirty="0" err="1">
                 <a:latin typeface="Courier New" panose="02070309020205020404" pitchFamily="49" charset="0"/>
                 <a:cs typeface="Courier New" panose="02070309020205020404" pitchFamily="49" charset="0"/>
               </a:rPr>
-              <a:t>course.pr_credit</a:t>
-            </a:r>
-            <a:r>
-              <a:rPr lang="en-US" sz="1100" dirty="0">
-                <a:latin typeface="Courier New" panose="02070309020205020404" pitchFamily="49" charset="0"/>
-                <a:cs typeface="Courier New" panose="02070309020205020404" pitchFamily="49" charset="0"/>
-              </a:rPr>
-              <a:t> </a:t>
-            </a:r>
-            <a:r>
-              <a:rPr lang="en-US" sz="1100" dirty="0" err="1">
-                <a:latin typeface="Courier New" panose="02070309020205020404" pitchFamily="49" charset="0"/>
-                <a:cs typeface="Courier New" panose="02070309020205020404" pitchFamily="49" charset="0"/>
-              </a:rPr>
-              <a:t>pr_credit</a:t>
+              <a:t>ostat_dolg</a:t>
             </a:r>
             <a:endParaRPr lang="en-US" sz="1100" dirty="0">
               <a:latin typeface="Courier New" panose="02070309020205020404" pitchFamily="49" charset="0"/>
@@ -12550,94 +12313,23 @@
                 <a:latin typeface="Courier New" panose="02070309020205020404" pitchFamily="49" charset="0"/>
                 <a:cs typeface="Courier New" panose="02070309020205020404" pitchFamily="49" charset="0"/>
               </a:rPr>
-              <a:t>            </a:t>
-            </a:r>
-          </a:p>
-          <a:p>
-            <a:r>
-              <a:rPr lang="en-US" sz="1100" dirty="0">
-                <a:latin typeface="Courier New" panose="02070309020205020404" pitchFamily="49" charset="0"/>
-                <a:cs typeface="Courier New" panose="02070309020205020404" pitchFamily="49" charset="0"/>
-              </a:rPr>
-              <a:t>        UNION ALL</a:t>
-            </a:r>
-          </a:p>
-          <a:p>
-            <a:r>
-              <a:rPr lang="en-US" sz="1100" dirty="0">
-                <a:latin typeface="Courier New" panose="02070309020205020404" pitchFamily="49" charset="0"/>
-                <a:cs typeface="Courier New" panose="02070309020205020404" pitchFamily="49" charset="0"/>
-              </a:rPr>
-              <a:t>        </a:t>
-            </a:r>
-          </a:p>
-          <a:p>
-            <a:r>
-              <a:rPr lang="en-US" sz="1100" dirty="0">
-                <a:latin typeface="Courier New" panose="02070309020205020404" pitchFamily="49" charset="0"/>
-                <a:cs typeface="Courier New" panose="02070309020205020404" pitchFamily="49" charset="0"/>
-              </a:rPr>
-              <a:t>        SELECT </a:t>
-            </a:r>
-          </a:p>
-          <a:p>
-            <a:r>
-              <a:rPr lang="en-US" sz="1100" dirty="0">
-                <a:latin typeface="Courier New" panose="02070309020205020404" pitchFamily="49" charset="0"/>
-                <a:cs typeface="Courier New" panose="02070309020205020404" pitchFamily="49" charset="0"/>
-              </a:rPr>
-              <a:t>            </a:t>
+              <a:t>                        , NVL(sum_pogasheno_percent_plan.sum_pogasheno_percent_plan,0) - NVL(sum_fact.sum_pogasheno_percent,0)</a:t>
+            </a:r>
+          </a:p>
+          <a:p>
+            <a:r>
+              <a:rPr lang="en-US" sz="1100" dirty="0">
+                <a:latin typeface="Courier New" panose="02070309020205020404" pitchFamily="49" charset="0"/>
+                <a:cs typeface="Courier New" panose="02070309020205020404" pitchFamily="49" charset="0"/>
+              </a:rPr>
+              <a:t>                                                            AS </a:t>
             </a:r>
             <a:r>
               <a:rPr lang="en-US" sz="1100" dirty="0" err="1">
                 <a:latin typeface="Courier New" panose="02070309020205020404" pitchFamily="49" charset="0"/>
                 <a:cs typeface="Courier New" panose="02070309020205020404" pitchFamily="49" charset="0"/>
               </a:rPr>
-              <a:t>collect_fact</a:t>
-            </a:r>
-            <a:r>
-              <a:rPr lang="en-US" sz="1100" dirty="0">
-                <a:latin typeface="Courier New" panose="02070309020205020404" pitchFamily="49" charset="0"/>
-                <a:cs typeface="Courier New" panose="02070309020205020404" pitchFamily="49" charset="0"/>
-              </a:rPr>
-              <a:t> AS id</a:t>
-            </a:r>
-          </a:p>
-          <a:p>
-            <a:r>
-              <a:rPr lang="en-US" sz="1100" dirty="0">
-                <a:latin typeface="Courier New" panose="02070309020205020404" pitchFamily="49" charset="0"/>
-                <a:cs typeface="Courier New" panose="02070309020205020404" pitchFamily="49" charset="0"/>
-              </a:rPr>
-              <a:t>            FROM c##</a:t>
-            </a:r>
-            <a:r>
-              <a:rPr lang="en-US" sz="1100" dirty="0" err="1">
-                <a:latin typeface="Courier New" panose="02070309020205020404" pitchFamily="49" charset="0"/>
-                <a:cs typeface="Courier New" panose="02070309020205020404" pitchFamily="49" charset="0"/>
-              </a:rPr>
-              <a:t>course.pr_credit</a:t>
-            </a:r>
-            <a:r>
-              <a:rPr lang="en-US" sz="1100" dirty="0">
-                <a:latin typeface="Courier New" panose="02070309020205020404" pitchFamily="49" charset="0"/>
-                <a:cs typeface="Courier New" panose="02070309020205020404" pitchFamily="49" charset="0"/>
-              </a:rPr>
-              <a:t> </a:t>
-            </a:r>
-            <a:r>
-              <a:rPr lang="en-US" sz="1100" dirty="0" err="1" smtClean="0">
-                <a:latin typeface="Courier New" panose="02070309020205020404" pitchFamily="49" charset="0"/>
-                <a:cs typeface="Courier New" panose="02070309020205020404" pitchFamily="49" charset="0"/>
-              </a:rPr>
-              <a:t>pr_credit</a:t>
-            </a:r>
-            <a:r>
-              <a:rPr lang="en-US" sz="1100" dirty="0" smtClean="0">
-                <a:latin typeface="Courier New" panose="02070309020205020404" pitchFamily="49" charset="0"/>
-                <a:cs typeface="Courier New" panose="02070309020205020404" pitchFamily="49" charset="0"/>
-              </a:rPr>
-              <a:t>;</a:t>
+              <a:t>need_pogash_percent</a:t>
             </a:r>
             <a:endParaRPr lang="en-US" sz="1100" dirty="0">
               <a:latin typeface="Courier New" panose="02070309020205020404" pitchFamily="49" charset="0"/>
@@ -12655,7 +12347,7 @@
         <p:spPr bwMode="auto">
           <a:xfrm>
             <a:off x="307850" y="6309320"/>
-            <a:ext cx="10657184" cy="461665"/>
+            <a:ext cx="10657184" cy="276999"/>
           </a:xfrm>
           <a:prstGeom prst="rect">
             <a:avLst/>
@@ -12678,7 +12370,7 @@
                 </a:solidFill>
                 <a:hlinkClick r:id="rId2"/>
               </a:rPr>
-              <a:t>https://github.com/AndrSor/Course_PLSQL_SB/blob/main/Course%20Work/04.1.%D0%A1%D0%BE%D0%B7%D0%B4%D0%B0%D0%B5%D0%BC%20%D0%BF%D0%BE%D1%81%D0%BB%D0%B5%D0%B4%D0%BE%D0%B2%D0%B0%D1%82%D0%B5%D0%BB%D1%8C%D0%BD%D0%BE%D1%81%D1%82%D1%8C.sql</a:t>
+              <a:t>https://github.com/AndrSor/Course_PLSQL_SB/blob/main/Course%20Work/03.5.CREATE%20PACKAGE_on_refcursor.sql</a:t>
             </a:r>
             <a:endParaRPr lang="ru-RU" sz="1200" dirty="0">
               <a:solidFill>
@@ -12732,7 +12424,7 @@
     </p:spTree>
     <p:extLst>
       <p:ext uri="{BB962C8B-B14F-4D97-AF65-F5344CB8AC3E}">
-        <p14:creationId xmlns:p14="http://schemas.microsoft.com/office/powerpoint/2010/main" val="1599170103"/>
+        <p14:creationId xmlns:p14="http://schemas.microsoft.com/office/powerpoint/2010/main" val="16166380"/>
       </p:ext>
     </p:extLst>
   </p:cSld>
@@ -12783,7 +12475,7 @@
         <p:spPr bwMode="auto">
           <a:xfrm>
             <a:off x="191344" y="285978"/>
-            <a:ext cx="12169352" cy="550734"/>
+            <a:ext cx="11521280" cy="586915"/>
           </a:xfrm>
           <a:prstGeom prst="rect">
             <a:avLst/>
@@ -12815,21 +12507,39 @@
               <a:defRPr/>
             </a:pPr>
             <a:r>
-              <a:rPr lang="en-US" sz="3200" dirty="0">
-                <a:solidFill>
-                  <a:srgbClr val="333F48"/>
-                </a:solidFill>
-              </a:rPr>
-              <a:t>4</a:t>
-            </a:r>
-            <a:r>
               <a:rPr lang="ru-RU" sz="3200" dirty="0" smtClean="0">
                 <a:solidFill>
                   <a:srgbClr val="333F48"/>
                 </a:solidFill>
               </a:rPr>
-              <a:t>. Процедура создает и возвращает клиента</a:t>
-            </a:r>
+              <a:t>3. </a:t>
+            </a:r>
+            <a:r>
+              <a:rPr lang="ru-RU" sz="3200" dirty="0" smtClean="0">
+                <a:solidFill>
+                  <a:srgbClr val="333F48"/>
+                </a:solidFill>
+              </a:rPr>
+              <a:t>Тест процедуры возвращающей </a:t>
+            </a:r>
+            <a:r>
+              <a:rPr lang="en-US" sz="3200" dirty="0" smtClean="0">
+                <a:solidFill>
+                  <a:srgbClr val="333F48"/>
+                </a:solidFill>
+              </a:rPr>
+              <a:t>REFCURSOR</a:t>
+            </a:r>
+            <a:endParaRPr lang="ru-RU" sz="3200" dirty="0" smtClean="0">
+              <a:solidFill>
+                <a:srgbClr val="333F48"/>
+              </a:solidFill>
+            </a:endParaRPr>
+          </a:p>
+          <a:p>
+            <a:pPr>
+              <a:defRPr/>
+            </a:pPr>
             <a:endParaRPr lang="ru-RU" sz="1200" dirty="0"/>
           </a:p>
           <a:p>
@@ -12895,14 +12605,14 @@
         </p:nvSpPr>
         <p:spPr>
           <a:xfrm>
-            <a:off x="335360" y="725502"/>
-            <a:ext cx="5328592" cy="3985706"/>
+            <a:off x="327998" y="707305"/>
+            <a:ext cx="11384625" cy="5001369"/>
           </a:xfrm>
           <a:prstGeom prst="rect">
             <a:avLst/>
           </a:prstGeom>
           <a:solidFill>
-            <a:schemeClr val="accent3">
+            <a:schemeClr val="accent2">
               <a:lumMod val="20000"/>
               <a:lumOff val="80000"/>
             </a:schemeClr>
@@ -12924,21 +12634,53 @@
                 <a:latin typeface="Courier New" panose="02070309020205020404" pitchFamily="49" charset="0"/>
                 <a:cs typeface="Courier New" panose="02070309020205020404" pitchFamily="49" charset="0"/>
               </a:rPr>
-              <a:t>CREATE OR REPLACE PROCEDURE c##</a:t>
+              <a:t>DECLARE</a:t>
+            </a:r>
+          </a:p>
+          <a:p>
+            <a:r>
+              <a:rPr lang="en-US" sz="1100" dirty="0">
+                <a:latin typeface="Courier New" panose="02070309020205020404" pitchFamily="49" charset="0"/>
+                <a:cs typeface="Courier New" panose="02070309020205020404" pitchFamily="49" charset="0"/>
+              </a:rPr>
+              <a:t>    </a:t>
+            </a:r>
+            <a:r>
+              <a:rPr lang="en-US" sz="1100" b="1" dirty="0" err="1">
+                <a:latin typeface="Courier New" panose="02070309020205020404" pitchFamily="49" charset="0"/>
+                <a:cs typeface="Courier New" panose="02070309020205020404" pitchFamily="49" charset="0"/>
+              </a:rPr>
+              <a:t>ref_cursor</a:t>
+            </a:r>
+            <a:r>
+              <a:rPr lang="en-US" sz="1100" b="1" dirty="0">
+                <a:latin typeface="Courier New" panose="02070309020205020404" pitchFamily="49" charset="0"/>
+                <a:cs typeface="Courier New" panose="02070309020205020404" pitchFamily="49" charset="0"/>
+              </a:rPr>
+              <a:t>              SYS_REFCURSOR;</a:t>
+            </a:r>
+          </a:p>
+          <a:p>
+            <a:r>
+              <a:rPr lang="en-US" sz="1100" dirty="0">
+                <a:latin typeface="Courier New" panose="02070309020205020404" pitchFamily="49" charset="0"/>
+                <a:cs typeface="Courier New" panose="02070309020205020404" pitchFamily="49" charset="0"/>
+              </a:rPr>
+              <a:t>    </a:t>
             </a:r>
             <a:r>
               <a:rPr lang="en-US" sz="1100" dirty="0" err="1">
                 <a:latin typeface="Courier New" panose="02070309020205020404" pitchFamily="49" charset="0"/>
                 <a:cs typeface="Courier New" panose="02070309020205020404" pitchFamily="49" charset="0"/>
               </a:rPr>
-              <a:t>course.pr_create_client</a:t>
-            </a:r>
-            <a:r>
-              <a:rPr lang="en-US" sz="1100" dirty="0">
-                <a:latin typeface="Courier New" panose="02070309020205020404" pitchFamily="49" charset="0"/>
-                <a:cs typeface="Courier New" panose="02070309020205020404" pitchFamily="49" charset="0"/>
-              </a:rPr>
-              <a:t> (</a:t>
+              <a:t>num_dog</a:t>
+            </a:r>
+            <a:r>
+              <a:rPr lang="en-US" sz="1100" dirty="0">
+                <a:latin typeface="Courier New" panose="02070309020205020404" pitchFamily="49" charset="0"/>
+                <a:cs typeface="Courier New" panose="02070309020205020404" pitchFamily="49" charset="0"/>
+              </a:rPr>
+              <a:t>                 VARCHAR(100);</a:t>
             </a:r>
           </a:p>
           <a:p>
@@ -12954,28 +12696,37 @@
                 <a:latin typeface="Courier New" panose="02070309020205020404" pitchFamily="49" charset="0"/>
                 <a:cs typeface="Courier New" panose="02070309020205020404" pitchFamily="49" charset="0"/>
               </a:rPr>
-              <a:t>client_name</a:t>
-            </a:r>
-            <a:r>
-              <a:rPr lang="en-US" sz="1100" dirty="0">
-                <a:latin typeface="Courier New" panose="02070309020205020404" pitchFamily="49" charset="0"/>
-                <a:cs typeface="Courier New" panose="02070309020205020404" pitchFamily="49" charset="0"/>
-              </a:rPr>
-              <a:t>     IN  varchar2,        -- </a:t>
+              <a:t>cl_name</a:t>
+            </a:r>
+            <a:r>
+              <a:rPr lang="en-US" sz="1100" dirty="0">
+                <a:latin typeface="Courier New" panose="02070309020205020404" pitchFamily="49" charset="0"/>
+                <a:cs typeface="Courier New" panose="02070309020205020404" pitchFamily="49" charset="0"/>
+              </a:rPr>
+              <a:t>                 VARCHAR2(100);</a:t>
+            </a:r>
+          </a:p>
+          <a:p>
+            <a:r>
+              <a:rPr lang="en-US" sz="1100" dirty="0">
+                <a:latin typeface="Courier New" panose="02070309020205020404" pitchFamily="49" charset="0"/>
+                <a:cs typeface="Courier New" panose="02070309020205020404" pitchFamily="49" charset="0"/>
+              </a:rPr>
+              <a:t>    </a:t>
             </a:r>
             <a:r>
               <a:rPr lang="en-US" sz="1100" dirty="0" err="1">
                 <a:latin typeface="Courier New" panose="02070309020205020404" pitchFamily="49" charset="0"/>
                 <a:cs typeface="Courier New" panose="02070309020205020404" pitchFamily="49" charset="0"/>
               </a:rPr>
-              <a:t>Клиент</a:t>
-            </a:r>
-            <a:r>
-              <a:rPr lang="en-US" sz="1100" dirty="0">
-                <a:latin typeface="Courier New" panose="02070309020205020404" pitchFamily="49" charset="0"/>
-                <a:cs typeface="Courier New" panose="02070309020205020404" pitchFamily="49" charset="0"/>
-              </a:rPr>
-              <a:t> ФИО</a:t>
+              <a:t>summ_dog</a:t>
+            </a:r>
+            <a:r>
+              <a:rPr lang="en-US" sz="1100" dirty="0">
+                <a:latin typeface="Courier New" panose="02070309020205020404" pitchFamily="49" charset="0"/>
+                <a:cs typeface="Courier New" panose="02070309020205020404" pitchFamily="49" charset="0"/>
+              </a:rPr>
+              <a:t>                NUMBER;</a:t>
             </a:r>
           </a:p>
           <a:p>
@@ -12991,49 +12742,92 @@
                 <a:latin typeface="Courier New" panose="02070309020205020404" pitchFamily="49" charset="0"/>
                 <a:cs typeface="Courier New" panose="02070309020205020404" pitchFamily="49" charset="0"/>
               </a:rPr>
-              <a:t>client_birth</a:t>
-            </a:r>
-            <a:r>
-              <a:rPr lang="en-US" sz="1100" dirty="0">
-                <a:latin typeface="Courier New" panose="02070309020205020404" pitchFamily="49" charset="0"/>
-                <a:cs typeface="Courier New" panose="02070309020205020404" pitchFamily="49" charset="0"/>
-              </a:rPr>
-              <a:t>    IN  date,            -- </a:t>
+              <a:t>date_begin</a:t>
+            </a:r>
+            <a:r>
+              <a:rPr lang="en-US" sz="1100" dirty="0">
+                <a:latin typeface="Courier New" panose="02070309020205020404" pitchFamily="49" charset="0"/>
+                <a:cs typeface="Courier New" panose="02070309020205020404" pitchFamily="49" charset="0"/>
+              </a:rPr>
+              <a:t>              DATE;</a:t>
+            </a:r>
+          </a:p>
+          <a:p>
+            <a:r>
+              <a:rPr lang="en-US" sz="1100" dirty="0">
+                <a:latin typeface="Courier New" panose="02070309020205020404" pitchFamily="49" charset="0"/>
+                <a:cs typeface="Courier New" panose="02070309020205020404" pitchFamily="49" charset="0"/>
+              </a:rPr>
+              <a:t>    </a:t>
             </a:r>
             <a:r>
               <a:rPr lang="en-US" sz="1100" dirty="0" err="1">
                 <a:latin typeface="Courier New" panose="02070309020205020404" pitchFamily="49" charset="0"/>
                 <a:cs typeface="Courier New" panose="02070309020205020404" pitchFamily="49" charset="0"/>
               </a:rPr>
-              <a:t>Дата</a:t>
-            </a:r>
-            <a:r>
-              <a:rPr lang="en-US" sz="1100" dirty="0">
-                <a:latin typeface="Courier New" panose="02070309020205020404" pitchFamily="49" charset="0"/>
-                <a:cs typeface="Courier New" panose="02070309020205020404" pitchFamily="49" charset="0"/>
-              </a:rPr>
-              <a:t> </a:t>
+              <a:t>date_end</a:t>
+            </a:r>
+            <a:r>
+              <a:rPr lang="en-US" sz="1100" dirty="0">
+                <a:latin typeface="Courier New" panose="02070309020205020404" pitchFamily="49" charset="0"/>
+                <a:cs typeface="Courier New" panose="02070309020205020404" pitchFamily="49" charset="0"/>
+              </a:rPr>
+              <a:t>                DATE;</a:t>
+            </a:r>
+          </a:p>
+          <a:p>
+            <a:r>
+              <a:rPr lang="en-US" sz="1100" dirty="0">
+                <a:latin typeface="Courier New" panose="02070309020205020404" pitchFamily="49" charset="0"/>
+                <a:cs typeface="Courier New" panose="02070309020205020404" pitchFamily="49" charset="0"/>
+              </a:rPr>
+              <a:t>    </a:t>
             </a:r>
             <a:r>
               <a:rPr lang="en-US" sz="1100" dirty="0" err="1">
                 <a:latin typeface="Courier New" panose="02070309020205020404" pitchFamily="49" charset="0"/>
                 <a:cs typeface="Courier New" panose="02070309020205020404" pitchFamily="49" charset="0"/>
               </a:rPr>
-              <a:t>рождения</a:t>
-            </a:r>
-            <a:r>
-              <a:rPr lang="en-US" sz="1100" dirty="0">
-                <a:latin typeface="Courier New" panose="02070309020205020404" pitchFamily="49" charset="0"/>
-                <a:cs typeface="Courier New" panose="02070309020205020404" pitchFamily="49" charset="0"/>
-              </a:rPr>
-              <a:t> </a:t>
+              <a:t>ostat_dolg</a:t>
+            </a:r>
+            <a:r>
+              <a:rPr lang="en-US" sz="1100" dirty="0">
+                <a:latin typeface="Courier New" panose="02070309020205020404" pitchFamily="49" charset="0"/>
+                <a:cs typeface="Courier New" panose="02070309020205020404" pitchFamily="49" charset="0"/>
+              </a:rPr>
+              <a:t>              NUMBER;</a:t>
+            </a:r>
+          </a:p>
+          <a:p>
+            <a:r>
+              <a:rPr lang="en-US" sz="1100" dirty="0">
+                <a:latin typeface="Courier New" panose="02070309020205020404" pitchFamily="49" charset="0"/>
+                <a:cs typeface="Courier New" panose="02070309020205020404" pitchFamily="49" charset="0"/>
+              </a:rPr>
+              <a:t>    </a:t>
             </a:r>
             <a:r>
               <a:rPr lang="en-US" sz="1100" dirty="0" err="1">
                 <a:latin typeface="Courier New" panose="02070309020205020404" pitchFamily="49" charset="0"/>
                 <a:cs typeface="Courier New" panose="02070309020205020404" pitchFamily="49" charset="0"/>
               </a:rPr>
-              <a:t>Клиента</a:t>
+              <a:t>need_pogash_percent</a:t>
+            </a:r>
+            <a:r>
+              <a:rPr lang="en-US" sz="1100" dirty="0">
+                <a:latin typeface="Courier New" panose="02070309020205020404" pitchFamily="49" charset="0"/>
+                <a:cs typeface="Courier New" panose="02070309020205020404" pitchFamily="49" charset="0"/>
+              </a:rPr>
+              <a:t>     NUMBER;</a:t>
+            </a:r>
+          </a:p>
+          <a:p>
+            <a:r>
+              <a:rPr lang="en-US" sz="1100" dirty="0" smtClean="0">
+                <a:latin typeface="Courier New" panose="02070309020205020404" pitchFamily="49" charset="0"/>
+                <a:cs typeface="Courier New" panose="02070309020205020404" pitchFamily="49" charset="0"/>
+              </a:rPr>
+              <a:t>BEGIN</a:t>
             </a:r>
             <a:endParaRPr lang="en-US" sz="1100" dirty="0">
               <a:latin typeface="Courier New" panose="02070309020205020404" pitchFamily="49" charset="0"/>
@@ -13042,109 +12836,83 @@
           </a:p>
           <a:p>
             <a:r>
-              <a:rPr lang="en-US" sz="1100" dirty="0">
+              <a:rPr lang="en-US" sz="1100" dirty="0" smtClean="0">
                 <a:latin typeface="Courier New" panose="02070309020205020404" pitchFamily="49" charset="0"/>
                 <a:cs typeface="Courier New" panose="02070309020205020404" pitchFamily="49" charset="0"/>
               </a:rPr>
               <a:t>    </a:t>
             </a:r>
             <a:r>
+              <a:rPr lang="en-US" sz="1100" dirty="0">
+                <a:latin typeface="Courier New" panose="02070309020205020404" pitchFamily="49" charset="0"/>
+                <a:cs typeface="Courier New" panose="02070309020205020404" pitchFamily="49" charset="0"/>
+              </a:rPr>
+              <a:t>c##course.pk_credit_report2.get_report (</a:t>
+            </a:r>
+            <a:r>
               <a:rPr lang="en-US" sz="1100" dirty="0" err="1">
                 <a:latin typeface="Courier New" panose="02070309020205020404" pitchFamily="49" charset="0"/>
                 <a:cs typeface="Courier New" panose="02070309020205020404" pitchFamily="49" charset="0"/>
               </a:rPr>
-              <a:t>client_id</a:t>
-            </a:r>
-            <a:r>
-              <a:rPr lang="en-US" sz="1100" dirty="0">
-                <a:latin typeface="Courier New" panose="02070309020205020404" pitchFamily="49" charset="0"/>
-                <a:cs typeface="Courier New" panose="02070309020205020404" pitchFamily="49" charset="0"/>
-              </a:rPr>
-              <a:t>       OUT number</a:t>
-            </a:r>
-          </a:p>
-          <a:p>
-            <a:r>
-              <a:rPr lang="en-US" sz="1100" dirty="0">
-                <a:latin typeface="Courier New" panose="02070309020205020404" pitchFamily="49" charset="0"/>
-                <a:cs typeface="Courier New" panose="02070309020205020404" pitchFamily="49" charset="0"/>
-              </a:rPr>
-              <a:t>)</a:t>
-            </a:r>
-          </a:p>
-          <a:p>
-            <a:r>
-              <a:rPr lang="en-US" sz="1100" dirty="0">
-                <a:latin typeface="Courier New" panose="02070309020205020404" pitchFamily="49" charset="0"/>
-                <a:cs typeface="Courier New" panose="02070309020205020404" pitchFamily="49" charset="0"/>
-              </a:rPr>
-              <a:t>AS</a:t>
-            </a:r>
-          </a:p>
-          <a:p>
-            <a:r>
-              <a:rPr lang="en-US" sz="1100" dirty="0">
-                <a:latin typeface="Courier New" panose="02070309020205020404" pitchFamily="49" charset="0"/>
-                <a:cs typeface="Courier New" panose="02070309020205020404" pitchFamily="49" charset="0"/>
-              </a:rPr>
-              <a:t>    </a:t>
+              <a:t>report_dt</a:t>
+            </a:r>
+            <a:r>
+              <a:rPr lang="en-US" sz="1100" dirty="0">
+                <a:latin typeface="Courier New" panose="02070309020205020404" pitchFamily="49" charset="0"/>
+                <a:cs typeface="Courier New" panose="02070309020205020404" pitchFamily="49" charset="0"/>
+              </a:rPr>
+              <a:t> =&gt; TO_DATE('10.10.2020','DD.MM.YYYY'),</a:t>
             </a:r>
             <a:r>
               <a:rPr lang="en-US" sz="1100" dirty="0" err="1">
                 <a:latin typeface="Courier New" panose="02070309020205020404" pitchFamily="49" charset="0"/>
                 <a:cs typeface="Courier New" panose="02070309020205020404" pitchFamily="49" charset="0"/>
               </a:rPr>
-              <a:t>client_exists</a:t>
-            </a:r>
-            <a:r>
-              <a:rPr lang="en-US" sz="1100" dirty="0">
-                <a:latin typeface="Courier New" panose="02070309020205020404" pitchFamily="49" charset="0"/>
-                <a:cs typeface="Courier New" panose="02070309020205020404" pitchFamily="49" charset="0"/>
-              </a:rPr>
-              <a:t> number := 0;</a:t>
-            </a:r>
-          </a:p>
-          <a:p>
-            <a:r>
-              <a:rPr lang="en-US" sz="1100" dirty="0">
-                <a:latin typeface="Courier New" panose="02070309020205020404" pitchFamily="49" charset="0"/>
-                <a:cs typeface="Courier New" panose="02070309020205020404" pitchFamily="49" charset="0"/>
-              </a:rPr>
-              <a:t>BEGIN</a:t>
-            </a:r>
-          </a:p>
-          <a:p>
-            <a:r>
-              <a:rPr lang="en-US" sz="1100" dirty="0">
-                <a:latin typeface="Courier New" panose="02070309020205020404" pitchFamily="49" charset="0"/>
-                <a:cs typeface="Courier New" panose="02070309020205020404" pitchFamily="49" charset="0"/>
-              </a:rPr>
-              <a:t>    </a:t>
-            </a:r>
-          </a:p>
-          <a:p>
-            <a:r>
-              <a:rPr lang="en-US" sz="1100" dirty="0">
-                <a:latin typeface="Courier New" panose="02070309020205020404" pitchFamily="49" charset="0"/>
-                <a:cs typeface="Courier New" panose="02070309020205020404" pitchFamily="49" charset="0"/>
-              </a:rPr>
-              <a:t>    SELECT</a:t>
-            </a:r>
-          </a:p>
-          <a:p>
-            <a:r>
-              <a:rPr lang="en-US" sz="1100" dirty="0">
-                <a:latin typeface="Courier New" panose="02070309020205020404" pitchFamily="49" charset="0"/>
-                <a:cs typeface="Courier New" panose="02070309020205020404" pitchFamily="49" charset="0"/>
-              </a:rPr>
-              <a:t>        COUNT(*) INTO </a:t>
+              <a:t>r_c</a:t>
+            </a:r>
+            <a:r>
+              <a:rPr lang="en-US" sz="1100" dirty="0">
+                <a:latin typeface="Courier New" panose="02070309020205020404" pitchFamily="49" charset="0"/>
+                <a:cs typeface="Courier New" panose="02070309020205020404" pitchFamily="49" charset="0"/>
+              </a:rPr>
+              <a:t> =&gt; </a:t>
             </a:r>
             <a:r>
               <a:rPr lang="en-US" sz="1100" dirty="0" err="1">
                 <a:latin typeface="Courier New" panose="02070309020205020404" pitchFamily="49" charset="0"/>
                 <a:cs typeface="Courier New" panose="02070309020205020404" pitchFamily="49" charset="0"/>
               </a:rPr>
-              <a:t>client_exists</a:t>
+              <a:t>ref_cursor</a:t>
+            </a:r>
+            <a:r>
+              <a:rPr lang="en-US" sz="1100" dirty="0">
+                <a:latin typeface="Courier New" panose="02070309020205020404" pitchFamily="49" charset="0"/>
+                <a:cs typeface="Courier New" panose="02070309020205020404" pitchFamily="49" charset="0"/>
+              </a:rPr>
+              <a:t>);</a:t>
+            </a:r>
+          </a:p>
+          <a:p>
+            <a:r>
+              <a:rPr lang="ru-RU" sz="1100" dirty="0">
+                <a:latin typeface="Courier New" panose="02070309020205020404" pitchFamily="49" charset="0"/>
+                <a:cs typeface="Courier New" panose="02070309020205020404" pitchFamily="49" charset="0"/>
+              </a:rPr>
+              <a:t> </a:t>
+            </a:r>
+            <a:r>
+              <a:rPr lang="ru-RU" sz="1100" dirty="0" smtClean="0">
+                <a:latin typeface="Courier New" panose="02070309020205020404" pitchFamily="49" charset="0"/>
+                <a:cs typeface="Courier New" panose="02070309020205020404" pitchFamily="49" charset="0"/>
+              </a:rPr>
+              <a:t>   </a:t>
+            </a:r>
+            <a:r>
+              <a:rPr lang="en-US" sz="1100" dirty="0" smtClean="0">
+                <a:latin typeface="Courier New" panose="02070309020205020404" pitchFamily="49" charset="0"/>
+                <a:cs typeface="Courier New" panose="02070309020205020404" pitchFamily="49" charset="0"/>
+              </a:rPr>
+              <a:t>LOOP</a:t>
             </a:r>
             <a:endParaRPr lang="en-US" sz="1100" dirty="0">
               <a:latin typeface="Courier New" panose="02070309020205020404" pitchFamily="49" charset="0"/>
@@ -13157,14 +12925,84 @@
                 <a:latin typeface="Courier New" panose="02070309020205020404" pitchFamily="49" charset="0"/>
                 <a:cs typeface="Courier New" panose="02070309020205020404" pitchFamily="49" charset="0"/>
               </a:rPr>
-              <a:t>        FROM c##</a:t>
+              <a:t>        FETCH </a:t>
             </a:r>
             <a:r>
               <a:rPr lang="en-US" sz="1100" dirty="0" err="1">
                 <a:latin typeface="Courier New" panose="02070309020205020404" pitchFamily="49" charset="0"/>
                 <a:cs typeface="Courier New" panose="02070309020205020404" pitchFamily="49" charset="0"/>
               </a:rPr>
-              <a:t>course.client</a:t>
+              <a:t>ref_cursor</a:t>
+            </a:r>
+            <a:r>
+              <a:rPr lang="en-US" sz="1100" dirty="0">
+                <a:latin typeface="Courier New" panose="02070309020205020404" pitchFamily="49" charset="0"/>
+                <a:cs typeface="Courier New" panose="02070309020205020404" pitchFamily="49" charset="0"/>
+              </a:rPr>
+              <a:t> INTO</a:t>
+            </a:r>
+          </a:p>
+          <a:p>
+            <a:r>
+              <a:rPr lang="en-US" sz="1100" dirty="0">
+                <a:latin typeface="Courier New" panose="02070309020205020404" pitchFamily="49" charset="0"/>
+                <a:cs typeface="Courier New" panose="02070309020205020404" pitchFamily="49" charset="0"/>
+              </a:rPr>
+              <a:t>             </a:t>
+            </a:r>
+            <a:r>
+              <a:rPr lang="en-US" sz="1100" dirty="0" err="1" smtClean="0">
+                <a:latin typeface="Courier New" panose="02070309020205020404" pitchFamily="49" charset="0"/>
+                <a:cs typeface="Courier New" panose="02070309020205020404" pitchFamily="49" charset="0"/>
+              </a:rPr>
+              <a:t>num_dog</a:t>
+            </a:r>
+            <a:endParaRPr lang="en-US" sz="1100" dirty="0" smtClean="0">
+              <a:latin typeface="Courier New" panose="02070309020205020404" pitchFamily="49" charset="0"/>
+              <a:cs typeface="Courier New" panose="02070309020205020404" pitchFamily="49" charset="0"/>
+            </a:endParaRPr>
+          </a:p>
+          <a:p>
+            <a:r>
+              <a:rPr lang="en-US" sz="1100" dirty="0" smtClean="0">
+                <a:latin typeface="Courier New" panose="02070309020205020404" pitchFamily="49" charset="0"/>
+                <a:cs typeface="Courier New" panose="02070309020205020404" pitchFamily="49" charset="0"/>
+              </a:rPr>
+              <a:t>            ,</a:t>
+            </a:r>
+            <a:r>
+              <a:rPr lang="en-US" sz="1100" dirty="0" err="1" smtClean="0">
+                <a:latin typeface="Courier New" panose="02070309020205020404" pitchFamily="49" charset="0"/>
+                <a:cs typeface="Courier New" panose="02070309020205020404" pitchFamily="49" charset="0"/>
+              </a:rPr>
+              <a:t>cl_name</a:t>
+            </a:r>
+            <a:endParaRPr lang="en-US" sz="1100" dirty="0" smtClean="0">
+              <a:latin typeface="Courier New" panose="02070309020205020404" pitchFamily="49" charset="0"/>
+              <a:cs typeface="Courier New" panose="02070309020205020404" pitchFamily="49" charset="0"/>
+            </a:endParaRPr>
+          </a:p>
+          <a:p>
+            <a:r>
+              <a:rPr lang="en-US" sz="1100" dirty="0" smtClean="0">
+                <a:latin typeface="Courier New" panose="02070309020205020404" pitchFamily="49" charset="0"/>
+                <a:cs typeface="Courier New" panose="02070309020205020404" pitchFamily="49" charset="0"/>
+              </a:rPr>
+              <a:t>            </a:t>
+            </a:r>
+            <a:r>
+              <a:rPr lang="en-US" sz="1100" dirty="0">
+                <a:latin typeface="Courier New" panose="02070309020205020404" pitchFamily="49" charset="0"/>
+                <a:cs typeface="Courier New" panose="02070309020205020404" pitchFamily="49" charset="0"/>
+              </a:rPr>
+              <a:t>,</a:t>
+            </a:r>
+            <a:r>
+              <a:rPr lang="en-US" sz="1100" dirty="0" err="1">
+                <a:latin typeface="Courier New" panose="02070309020205020404" pitchFamily="49" charset="0"/>
+                <a:cs typeface="Courier New" panose="02070309020205020404" pitchFamily="49" charset="0"/>
+              </a:rPr>
+              <a:t>summ_dog</a:t>
             </a:r>
             <a:endParaRPr lang="en-US" sz="1100" dirty="0">
               <a:latin typeface="Courier New" panose="02070309020205020404" pitchFamily="49" charset="0"/>
@@ -13177,101 +13015,14 @@
                 <a:latin typeface="Courier New" panose="02070309020205020404" pitchFamily="49" charset="0"/>
                 <a:cs typeface="Courier New" panose="02070309020205020404" pitchFamily="49" charset="0"/>
               </a:rPr>
-              <a:t>        WHERE</a:t>
-            </a:r>
-          </a:p>
-          <a:p>
-            <a:r>
-              <a:rPr lang="en-US" sz="1100" dirty="0">
-                <a:latin typeface="Courier New" panose="02070309020205020404" pitchFamily="49" charset="0"/>
-                <a:cs typeface="Courier New" panose="02070309020205020404" pitchFamily="49" charset="0"/>
-              </a:rPr>
-              <a:t>            </a:t>
+              <a:t>            ,</a:t>
             </a:r>
             <a:r>
               <a:rPr lang="en-US" sz="1100" dirty="0" err="1">
                 <a:latin typeface="Courier New" panose="02070309020205020404" pitchFamily="49" charset="0"/>
                 <a:cs typeface="Courier New" panose="02070309020205020404" pitchFamily="49" charset="0"/>
               </a:rPr>
-              <a:t>cl_name</a:t>
-            </a:r>
-            <a:r>
-              <a:rPr lang="en-US" sz="1100" dirty="0">
-                <a:latin typeface="Courier New" panose="02070309020205020404" pitchFamily="49" charset="0"/>
-                <a:cs typeface="Courier New" panose="02070309020205020404" pitchFamily="49" charset="0"/>
-              </a:rPr>
-              <a:t> = </a:t>
-            </a:r>
-            <a:r>
-              <a:rPr lang="en-US" sz="1100" dirty="0" err="1">
-                <a:latin typeface="Courier New" panose="02070309020205020404" pitchFamily="49" charset="0"/>
-                <a:cs typeface="Courier New" panose="02070309020205020404" pitchFamily="49" charset="0"/>
-              </a:rPr>
-              <a:t>client_name</a:t>
-            </a:r>
-            <a:r>
-              <a:rPr lang="en-US" sz="1100" dirty="0">
-                <a:latin typeface="Courier New" panose="02070309020205020404" pitchFamily="49" charset="0"/>
-                <a:cs typeface="Courier New" panose="02070309020205020404" pitchFamily="49" charset="0"/>
-              </a:rPr>
-              <a:t>;</a:t>
-            </a:r>
-          </a:p>
-          <a:p>
-            <a:r>
-              <a:rPr lang="en-US" sz="1100" dirty="0">
-                <a:latin typeface="Courier New" panose="02070309020205020404" pitchFamily="49" charset="0"/>
-                <a:cs typeface="Courier New" panose="02070309020205020404" pitchFamily="49" charset="0"/>
-              </a:rPr>
-              <a:t>    </a:t>
-            </a:r>
-          </a:p>
-          <a:p>
-            <a:r>
-              <a:rPr lang="en-US" sz="1100" dirty="0">
-                <a:latin typeface="Courier New" panose="02070309020205020404" pitchFamily="49" charset="0"/>
-                <a:cs typeface="Courier New" panose="02070309020205020404" pitchFamily="49" charset="0"/>
-              </a:rPr>
-              <a:t>    IF </a:t>
-            </a:r>
-            <a:r>
-              <a:rPr lang="en-US" sz="1100" dirty="0" err="1">
-                <a:latin typeface="Courier New" panose="02070309020205020404" pitchFamily="49" charset="0"/>
-                <a:cs typeface="Courier New" panose="02070309020205020404" pitchFamily="49" charset="0"/>
-              </a:rPr>
-              <a:t>client_exists</a:t>
-            </a:r>
-            <a:r>
-              <a:rPr lang="en-US" sz="1100" dirty="0">
-                <a:latin typeface="Courier New" panose="02070309020205020404" pitchFamily="49" charset="0"/>
-                <a:cs typeface="Courier New" panose="02070309020205020404" pitchFamily="49" charset="0"/>
-              </a:rPr>
-              <a:t> &gt; 0 THEN</a:t>
-            </a:r>
-          </a:p>
-          <a:p>
-            <a:r>
-              <a:rPr lang="en-US" sz="1100" dirty="0">
-                <a:latin typeface="Courier New" panose="02070309020205020404" pitchFamily="49" charset="0"/>
-                <a:cs typeface="Courier New" panose="02070309020205020404" pitchFamily="49" charset="0"/>
-              </a:rPr>
-              <a:t>     SELECT</a:t>
-            </a:r>
-          </a:p>
-          <a:p>
-            <a:r>
-              <a:rPr lang="en-US" sz="1100" dirty="0">
-                <a:latin typeface="Courier New" panose="02070309020205020404" pitchFamily="49" charset="0"/>
-                <a:cs typeface="Courier New" panose="02070309020205020404" pitchFamily="49" charset="0"/>
-              </a:rPr>
-              <a:t>        id INTO </a:t>
-            </a:r>
-            <a:r>
-              <a:rPr lang="en-US" sz="1100" dirty="0" err="1">
-                <a:latin typeface="Courier New" panose="02070309020205020404" pitchFamily="49" charset="0"/>
-                <a:cs typeface="Courier New" panose="02070309020205020404" pitchFamily="49" charset="0"/>
-              </a:rPr>
-              <a:t>client_id</a:t>
+              <a:t>date_begin</a:t>
             </a:r>
             <a:endParaRPr lang="en-US" sz="1100" dirty="0">
               <a:latin typeface="Courier New" panose="02070309020205020404" pitchFamily="49" charset="0"/>
@@ -13284,14 +13035,14 @@
                 <a:latin typeface="Courier New" panose="02070309020205020404" pitchFamily="49" charset="0"/>
                 <a:cs typeface="Courier New" panose="02070309020205020404" pitchFamily="49" charset="0"/>
               </a:rPr>
-              <a:t>        FROM c##</a:t>
+              <a:t>            ,</a:t>
             </a:r>
             <a:r>
               <a:rPr lang="en-US" sz="1100" dirty="0" err="1">
                 <a:latin typeface="Courier New" panose="02070309020205020404" pitchFamily="49" charset="0"/>
                 <a:cs typeface="Courier New" panose="02070309020205020404" pitchFamily="49" charset="0"/>
               </a:rPr>
-              <a:t>course.client</a:t>
+              <a:t>date_end</a:t>
             </a:r>
             <a:endParaRPr lang="en-US" sz="1100" dirty="0">
               <a:latin typeface="Courier New" panose="02070309020205020404" pitchFamily="49" charset="0"/>
@@ -13304,163 +13055,41 @@
                 <a:latin typeface="Courier New" panose="02070309020205020404" pitchFamily="49" charset="0"/>
                 <a:cs typeface="Courier New" panose="02070309020205020404" pitchFamily="49" charset="0"/>
               </a:rPr>
-              <a:t>        WHERE</a:t>
-            </a:r>
-          </a:p>
-          <a:p>
-            <a:r>
-              <a:rPr lang="en-US" sz="1100" dirty="0">
-                <a:latin typeface="Courier New" panose="02070309020205020404" pitchFamily="49" charset="0"/>
-                <a:cs typeface="Courier New" panose="02070309020205020404" pitchFamily="49" charset="0"/>
-              </a:rPr>
-              <a:t>            </a:t>
+              <a:t>            ,</a:t>
             </a:r>
             <a:r>
               <a:rPr lang="en-US" sz="1100" dirty="0" err="1">
                 <a:latin typeface="Courier New" panose="02070309020205020404" pitchFamily="49" charset="0"/>
                 <a:cs typeface="Courier New" panose="02070309020205020404" pitchFamily="49" charset="0"/>
               </a:rPr>
-              <a:t>cl_name</a:t>
-            </a:r>
-            <a:r>
-              <a:rPr lang="en-US" sz="1100" dirty="0">
-                <a:latin typeface="Courier New" panose="02070309020205020404" pitchFamily="49" charset="0"/>
-                <a:cs typeface="Courier New" panose="02070309020205020404" pitchFamily="49" charset="0"/>
-              </a:rPr>
-              <a:t> = </a:t>
-            </a:r>
-            <a:r>
-              <a:rPr lang="en-US" sz="1100" dirty="0" err="1">
-                <a:latin typeface="Courier New" panose="02070309020205020404" pitchFamily="49" charset="0"/>
-                <a:cs typeface="Courier New" panose="02070309020205020404" pitchFamily="49" charset="0"/>
-              </a:rPr>
-              <a:t>client_name</a:t>
-            </a:r>
-            <a:r>
-              <a:rPr lang="en-US" sz="1100" dirty="0" smtClean="0">
-                <a:latin typeface="Courier New" panose="02070309020205020404" pitchFamily="49" charset="0"/>
-                <a:cs typeface="Courier New" panose="02070309020205020404" pitchFamily="49" charset="0"/>
-              </a:rPr>
-              <a:t>;</a:t>
-            </a:r>
-            <a:endParaRPr lang="ru-RU" sz="1100" dirty="0" smtClean="0">
-              <a:latin typeface="Courier New" panose="02070309020205020404" pitchFamily="49" charset="0"/>
-              <a:cs typeface="Courier New" panose="02070309020205020404" pitchFamily="49" charset="0"/>
-            </a:endParaRPr>
-          </a:p>
-          <a:p>
-            <a:r>
-              <a:rPr lang="ru-RU" sz="1100" dirty="0" smtClean="0">
-                <a:latin typeface="Courier New" panose="02070309020205020404" pitchFamily="49" charset="0"/>
-                <a:cs typeface="Courier New" panose="02070309020205020404" pitchFamily="49" charset="0"/>
-              </a:rPr>
-              <a:t>...</a:t>
-            </a:r>
-            <a:r>
-              <a:rPr lang="en-US" sz="1100" dirty="0" smtClean="0">
-                <a:latin typeface="Courier New" panose="02070309020205020404" pitchFamily="49" charset="0"/>
-                <a:cs typeface="Courier New" panose="02070309020205020404" pitchFamily="49" charset="0"/>
-              </a:rPr>
-              <a:t>                </a:t>
+              <a:t>ostat_dolg</a:t>
             </a:r>
             <a:endParaRPr lang="en-US" sz="1100" dirty="0">
               <a:latin typeface="Courier New" panose="02070309020205020404" pitchFamily="49" charset="0"/>
               <a:cs typeface="Courier New" panose="02070309020205020404" pitchFamily="49" charset="0"/>
             </a:endParaRPr>
           </a:p>
-        </p:txBody>
-      </p:sp>
-      <p:sp>
-        <p:nvSpPr>
-          <p:cNvPr id="7" name="TextBox 6"/>
-          <p:cNvSpPr txBox="1"/>
-          <p:nvPr/>
-        </p:nvSpPr>
-        <p:spPr>
-          <a:xfrm>
-            <a:off x="5879976" y="728112"/>
-            <a:ext cx="6120680" cy="3308598"/>
-          </a:xfrm>
-          <a:prstGeom prst="rect">
-            <a:avLst/>
-          </a:prstGeom>
-          <a:solidFill>
-            <a:schemeClr val="accent3">
-              <a:lumMod val="20000"/>
-              <a:lumOff val="80000"/>
-            </a:schemeClr>
-          </a:solidFill>
-          <a:ln>
-            <a:solidFill>
-              <a:schemeClr val="accent1"/>
-            </a:solidFill>
-          </a:ln>
-        </p:spPr>
-        <p:txBody>
-          <a:bodyPr wrap="square" rtlCol="0">
-            <a:spAutoFit/>
-          </a:bodyPr>
-          <a:lstStyle/>
-          <a:p>
-            <a:r>
-              <a:rPr lang="en-US" sz="1100" dirty="0">
-                <a:latin typeface="Courier New" panose="02070309020205020404" pitchFamily="49" charset="0"/>
-                <a:cs typeface="Courier New" panose="02070309020205020404" pitchFamily="49" charset="0"/>
-              </a:rPr>
-              <a:t>ELSE</a:t>
-            </a:r>
-          </a:p>
-          <a:p>
-            <a:r>
-              <a:rPr lang="en-US" sz="1100" dirty="0">
-                <a:latin typeface="Courier New" panose="02070309020205020404" pitchFamily="49" charset="0"/>
-                <a:cs typeface="Courier New" panose="02070309020205020404" pitchFamily="49" charset="0"/>
-              </a:rPr>
-              <a:t>        </a:t>
-            </a:r>
-            <a:r>
-              <a:rPr lang="en-US" sz="1100" dirty="0" err="1">
-                <a:latin typeface="Courier New" panose="02070309020205020404" pitchFamily="49" charset="0"/>
-                <a:cs typeface="Courier New" panose="02070309020205020404" pitchFamily="49" charset="0"/>
-              </a:rPr>
-              <a:t>client_id</a:t>
-            </a:r>
-            <a:r>
-              <a:rPr lang="en-US" sz="1100" dirty="0">
-                <a:latin typeface="Courier New" panose="02070309020205020404" pitchFamily="49" charset="0"/>
-                <a:cs typeface="Courier New" panose="02070309020205020404" pitchFamily="49" charset="0"/>
-              </a:rPr>
-              <a:t> := c##</a:t>
-            </a:r>
-            <a:r>
-              <a:rPr lang="en-US" sz="1100" dirty="0" err="1">
-                <a:latin typeface="Courier New" panose="02070309020205020404" pitchFamily="49" charset="0"/>
-                <a:cs typeface="Courier New" panose="02070309020205020404" pitchFamily="49" charset="0"/>
-              </a:rPr>
-              <a:t>course.seq.nextval</a:t>
-            </a:r>
-            <a:r>
-              <a:rPr lang="en-US" sz="1100" dirty="0">
+          <a:p>
+            <a:r>
+              <a:rPr lang="en-US" sz="1100" dirty="0">
+                <a:latin typeface="Courier New" panose="02070309020205020404" pitchFamily="49" charset="0"/>
+                <a:cs typeface="Courier New" panose="02070309020205020404" pitchFamily="49" charset="0"/>
+              </a:rPr>
+              <a:t>            ,</a:t>
+            </a:r>
+            <a:r>
+              <a:rPr lang="en-US" sz="1100" dirty="0" err="1" smtClean="0">
+                <a:latin typeface="Courier New" panose="02070309020205020404" pitchFamily="49" charset="0"/>
+                <a:cs typeface="Courier New" panose="02070309020205020404" pitchFamily="49" charset="0"/>
+              </a:rPr>
+              <a:t>need_pogash_percent</a:t>
+            </a:r>
+            <a:r>
+              <a:rPr lang="en-US" sz="1100" dirty="0" smtClean="0">
                 <a:latin typeface="Courier New" panose="02070309020205020404" pitchFamily="49" charset="0"/>
                 <a:cs typeface="Courier New" panose="02070309020205020404" pitchFamily="49" charset="0"/>
               </a:rPr>
               <a:t>;</a:t>
-            </a:r>
-          </a:p>
-          <a:p>
-            <a:r>
-              <a:rPr lang="en-US" sz="1100" dirty="0">
-                <a:latin typeface="Courier New" panose="02070309020205020404" pitchFamily="49" charset="0"/>
-                <a:cs typeface="Courier New" panose="02070309020205020404" pitchFamily="49" charset="0"/>
-              </a:rPr>
-              <a:t>        INSERT INTO c##</a:t>
-            </a:r>
-            <a:r>
-              <a:rPr lang="en-US" sz="1100" dirty="0" err="1">
-                <a:latin typeface="Courier New" panose="02070309020205020404" pitchFamily="49" charset="0"/>
-                <a:cs typeface="Courier New" panose="02070309020205020404" pitchFamily="49" charset="0"/>
-              </a:rPr>
-              <a:t>course.client</a:t>
             </a:r>
             <a:endParaRPr lang="en-US" sz="1100" dirty="0">
               <a:latin typeface="Courier New" panose="02070309020205020404" pitchFamily="49" charset="0"/>
@@ -13473,206 +13102,266 @@
                 <a:latin typeface="Courier New" panose="02070309020205020404" pitchFamily="49" charset="0"/>
                 <a:cs typeface="Courier New" panose="02070309020205020404" pitchFamily="49" charset="0"/>
               </a:rPr>
-              <a:t>            (</a:t>
-            </a:r>
-          </a:p>
-          <a:p>
-            <a:r>
-              <a:rPr lang="en-US" sz="1100" dirty="0">
-                <a:latin typeface="Courier New" panose="02070309020205020404" pitchFamily="49" charset="0"/>
-                <a:cs typeface="Courier New" panose="02070309020205020404" pitchFamily="49" charset="0"/>
-              </a:rPr>
-              <a:t>                  id</a:t>
-            </a:r>
-          </a:p>
-          <a:p>
-            <a:r>
-              <a:rPr lang="en-US" sz="1100" dirty="0">
-                <a:latin typeface="Courier New" panose="02070309020205020404" pitchFamily="49" charset="0"/>
-                <a:cs typeface="Courier New" panose="02070309020205020404" pitchFamily="49" charset="0"/>
-              </a:rPr>
-              <a:t>                , </a:t>
+              <a:t>        EXIT WHEN </a:t>
             </a:r>
             <a:r>
               <a:rPr lang="en-US" sz="1100" dirty="0" err="1">
                 <a:latin typeface="Courier New" panose="02070309020205020404" pitchFamily="49" charset="0"/>
                 <a:cs typeface="Courier New" panose="02070309020205020404" pitchFamily="49" charset="0"/>
               </a:rPr>
+              <a:t>ref_cursor%NOTFOUND</a:t>
+            </a:r>
+            <a:r>
+              <a:rPr lang="en-US" sz="1100" dirty="0">
+                <a:latin typeface="Courier New" panose="02070309020205020404" pitchFamily="49" charset="0"/>
+                <a:cs typeface="Courier New" panose="02070309020205020404" pitchFamily="49" charset="0"/>
+              </a:rPr>
+              <a:t>; </a:t>
+            </a:r>
+          </a:p>
+          <a:p>
+            <a:r>
+              <a:rPr lang="ru-RU" sz="1100" dirty="0" smtClean="0">
+                <a:latin typeface="Courier New" panose="02070309020205020404" pitchFamily="49" charset="0"/>
+                <a:cs typeface="Courier New" panose="02070309020205020404" pitchFamily="49" charset="0"/>
+              </a:rPr>
+              <a:t>            </a:t>
+            </a:r>
+            <a:r>
+              <a:rPr lang="en-US" sz="1100" dirty="0" smtClean="0">
+                <a:latin typeface="Courier New" panose="02070309020205020404" pitchFamily="49" charset="0"/>
+                <a:cs typeface="Courier New" panose="02070309020205020404" pitchFamily="49" charset="0"/>
+              </a:rPr>
+              <a:t>DBMS_OUTPUT.PUT_LINE</a:t>
+            </a:r>
+            <a:r>
+              <a:rPr lang="en-US" sz="1100" dirty="0">
+                <a:latin typeface="Courier New" panose="02070309020205020404" pitchFamily="49" charset="0"/>
+                <a:cs typeface="Courier New" panose="02070309020205020404" pitchFamily="49" charset="0"/>
+              </a:rPr>
+              <a:t>(</a:t>
+            </a:r>
+          </a:p>
+          <a:p>
+            <a:r>
+              <a:rPr lang="en-US" sz="1100" dirty="0">
+                <a:latin typeface="Courier New" panose="02070309020205020404" pitchFamily="49" charset="0"/>
+                <a:cs typeface="Courier New" panose="02070309020205020404" pitchFamily="49" charset="0"/>
+              </a:rPr>
+              <a:t>               RPAD(num_dog,10,' ')</a:t>
+            </a:r>
+          </a:p>
+          <a:p>
+            <a:r>
+              <a:rPr lang="en-US" sz="1100" b="1" dirty="0" smtClean="0">
+                <a:solidFill>
+                  <a:srgbClr val="C00000"/>
+                </a:solidFill>
+                <a:latin typeface="Courier New" panose="02070309020205020404" pitchFamily="49" charset="0"/>
+                <a:cs typeface="Courier New" panose="02070309020205020404" pitchFamily="49" charset="0"/>
+              </a:rPr>
+              <a:t>|| </a:t>
+            </a:r>
+            <a:r>
+              <a:rPr lang="en-US" sz="1100" b="1" dirty="0">
+                <a:solidFill>
+                  <a:srgbClr val="C00000"/>
+                </a:solidFill>
+                <a:latin typeface="Courier New" panose="02070309020205020404" pitchFamily="49" charset="0"/>
+                <a:cs typeface="Courier New" panose="02070309020205020404" pitchFamily="49" charset="0"/>
+              </a:rPr>
+              <a:t>RPAD(c##</a:t>
+            </a:r>
+            <a:r>
+              <a:rPr lang="en-US" sz="1100" b="1" dirty="0" err="1">
+                <a:solidFill>
+                  <a:srgbClr val="C00000"/>
+                </a:solidFill>
+                <a:latin typeface="Courier New" panose="02070309020205020404" pitchFamily="49" charset="0"/>
+                <a:cs typeface="Courier New" panose="02070309020205020404" pitchFamily="49" charset="0"/>
+              </a:rPr>
+              <a:t>course.split.get</a:t>
+            </a:r>
+            <a:r>
+              <a:rPr lang="en-US" sz="1100" b="1" dirty="0">
+                <a:solidFill>
+                  <a:srgbClr val="C00000"/>
+                </a:solidFill>
+                <a:latin typeface="Courier New" panose="02070309020205020404" pitchFamily="49" charset="0"/>
+                <a:cs typeface="Courier New" panose="02070309020205020404" pitchFamily="49" charset="0"/>
+              </a:rPr>
+              <a:t>(</a:t>
+            </a:r>
+            <a:r>
+              <a:rPr lang="en-US" sz="1100" b="1" dirty="0" err="1">
+                <a:solidFill>
+                  <a:srgbClr val="C00000"/>
+                </a:solidFill>
+                <a:latin typeface="Courier New" panose="02070309020205020404" pitchFamily="49" charset="0"/>
+                <a:cs typeface="Courier New" panose="02070309020205020404" pitchFamily="49" charset="0"/>
+              </a:rPr>
               <a:t>cl_name</a:t>
+            </a:r>
+            <a:r>
+              <a:rPr lang="en-US" sz="1100" b="1" dirty="0">
+                <a:solidFill>
+                  <a:srgbClr val="C00000"/>
+                </a:solidFill>
+                <a:latin typeface="Courier New" panose="02070309020205020404" pitchFamily="49" charset="0"/>
+                <a:cs typeface="Courier New" panose="02070309020205020404" pitchFamily="49" charset="0"/>
+              </a:rPr>
+              <a:t>,' ',1)||' '||c##</a:t>
+            </a:r>
+            <a:r>
+              <a:rPr lang="en-US" sz="1100" b="1" dirty="0" err="1">
+                <a:solidFill>
+                  <a:srgbClr val="C00000"/>
+                </a:solidFill>
+                <a:latin typeface="Courier New" panose="02070309020205020404" pitchFamily="49" charset="0"/>
+                <a:cs typeface="Courier New" panose="02070309020205020404" pitchFamily="49" charset="0"/>
+              </a:rPr>
+              <a:t>course.split.get</a:t>
+            </a:r>
+            <a:r>
+              <a:rPr lang="en-US" sz="1100" b="1" dirty="0">
+                <a:solidFill>
+                  <a:srgbClr val="C00000"/>
+                </a:solidFill>
+                <a:latin typeface="Courier New" panose="02070309020205020404" pitchFamily="49" charset="0"/>
+                <a:cs typeface="Courier New" panose="02070309020205020404" pitchFamily="49" charset="0"/>
+              </a:rPr>
+              <a:t>(</a:t>
+            </a:r>
+            <a:r>
+              <a:rPr lang="en-US" sz="1100" b="1" dirty="0" err="1">
+                <a:solidFill>
+                  <a:srgbClr val="C00000"/>
+                </a:solidFill>
+                <a:latin typeface="Courier New" panose="02070309020205020404" pitchFamily="49" charset="0"/>
+                <a:cs typeface="Courier New" panose="02070309020205020404" pitchFamily="49" charset="0"/>
+              </a:rPr>
+              <a:t>cl_name</a:t>
+            </a:r>
+            <a:r>
+              <a:rPr lang="en-US" sz="1100" b="1" dirty="0">
+                <a:solidFill>
+                  <a:srgbClr val="C00000"/>
+                </a:solidFill>
+                <a:latin typeface="Courier New" panose="02070309020205020404" pitchFamily="49" charset="0"/>
+                <a:cs typeface="Courier New" panose="02070309020205020404" pitchFamily="49" charset="0"/>
+              </a:rPr>
+              <a:t>,' ',2)||' '||c##</a:t>
+            </a:r>
+            <a:r>
+              <a:rPr lang="en-US" sz="1100" b="1" dirty="0" err="1">
+                <a:solidFill>
+                  <a:srgbClr val="C00000"/>
+                </a:solidFill>
+                <a:latin typeface="Courier New" panose="02070309020205020404" pitchFamily="49" charset="0"/>
+                <a:cs typeface="Courier New" panose="02070309020205020404" pitchFamily="49" charset="0"/>
+              </a:rPr>
+              <a:t>course.split.get</a:t>
+            </a:r>
+            <a:r>
+              <a:rPr lang="en-US" sz="1100" b="1" dirty="0">
+                <a:solidFill>
+                  <a:srgbClr val="C00000"/>
+                </a:solidFill>
+                <a:latin typeface="Courier New" panose="02070309020205020404" pitchFamily="49" charset="0"/>
+                <a:cs typeface="Courier New" panose="02070309020205020404" pitchFamily="49" charset="0"/>
+              </a:rPr>
+              <a:t>(</a:t>
+            </a:r>
+            <a:r>
+              <a:rPr lang="en-US" sz="1100" b="1" dirty="0" err="1">
+                <a:solidFill>
+                  <a:srgbClr val="C00000"/>
+                </a:solidFill>
+                <a:latin typeface="Courier New" panose="02070309020205020404" pitchFamily="49" charset="0"/>
+                <a:cs typeface="Courier New" panose="02070309020205020404" pitchFamily="49" charset="0"/>
+              </a:rPr>
+              <a:t>cl_name</a:t>
+            </a:r>
+            <a:r>
+              <a:rPr lang="en-US" sz="1100" b="1" dirty="0">
+                <a:solidFill>
+                  <a:srgbClr val="C00000"/>
+                </a:solidFill>
+                <a:latin typeface="Courier New" panose="02070309020205020404" pitchFamily="49" charset="0"/>
+                <a:cs typeface="Courier New" panose="02070309020205020404" pitchFamily="49" charset="0"/>
+              </a:rPr>
+              <a:t>,' ',0),40,' ')</a:t>
+            </a:r>
+          </a:p>
+          <a:p>
+            <a:r>
+              <a:rPr lang="en-US" sz="1100" dirty="0">
+                <a:latin typeface="Courier New" panose="02070309020205020404" pitchFamily="49" charset="0"/>
+                <a:cs typeface="Courier New" panose="02070309020205020404" pitchFamily="49" charset="0"/>
+              </a:rPr>
+              <a:t>            || RPAD(TO_CHAR(summ_dog,'9999990.99'),15,' ')</a:t>
+            </a:r>
+          </a:p>
+          <a:p>
+            <a:r>
+              <a:rPr lang="en-US" sz="1100" dirty="0">
+                <a:latin typeface="Courier New" panose="02070309020205020404" pitchFamily="49" charset="0"/>
+                <a:cs typeface="Courier New" panose="02070309020205020404" pitchFamily="49" charset="0"/>
+              </a:rPr>
+              <a:t>            || RPAD(date_begin,10,' ')</a:t>
+            </a:r>
+          </a:p>
+          <a:p>
+            <a:r>
+              <a:rPr lang="en-US" sz="1100" dirty="0">
+                <a:latin typeface="Courier New" panose="02070309020205020404" pitchFamily="49" charset="0"/>
+                <a:cs typeface="Courier New" panose="02070309020205020404" pitchFamily="49" charset="0"/>
+              </a:rPr>
+              <a:t>            || RPAD(date_end,10,' ')</a:t>
+            </a:r>
+          </a:p>
+          <a:p>
+            <a:r>
+              <a:rPr lang="en-US" sz="1100" dirty="0">
+                <a:latin typeface="Courier New" panose="02070309020205020404" pitchFamily="49" charset="0"/>
+                <a:cs typeface="Courier New" panose="02070309020205020404" pitchFamily="49" charset="0"/>
+              </a:rPr>
+              <a:t>            || RPAD(TO_CHAR(ostat_dolg,'9999990.00'),15,' ')</a:t>
+            </a:r>
+          </a:p>
+          <a:p>
+            <a:r>
+              <a:rPr lang="en-US" sz="1100" dirty="0">
+                <a:latin typeface="Courier New" panose="02070309020205020404" pitchFamily="49" charset="0"/>
+                <a:cs typeface="Courier New" panose="02070309020205020404" pitchFamily="49" charset="0"/>
+              </a:rPr>
+              <a:t>            || RPAD(TO_CHAR(need_pogash_percent,'9999990.99'),15,' </a:t>
+            </a:r>
+            <a:r>
+              <a:rPr lang="en-US" sz="1100" dirty="0" smtClean="0">
+                <a:latin typeface="Courier New" panose="02070309020205020404" pitchFamily="49" charset="0"/>
+                <a:cs typeface="Courier New" panose="02070309020205020404" pitchFamily="49" charset="0"/>
+              </a:rPr>
+              <a:t>')</a:t>
+            </a:r>
+            <a:r>
+              <a:rPr lang="ru-RU" sz="1100" dirty="0" smtClean="0">
+                <a:latin typeface="Courier New" panose="02070309020205020404" pitchFamily="49" charset="0"/>
+                <a:cs typeface="Courier New" panose="02070309020205020404" pitchFamily="49" charset="0"/>
+              </a:rPr>
+              <a:t>)</a:t>
+            </a:r>
+            <a:r>
+              <a:rPr lang="en-US" sz="1100" dirty="0" smtClean="0">
+                <a:latin typeface="Courier New" panose="02070309020205020404" pitchFamily="49" charset="0"/>
+                <a:cs typeface="Courier New" panose="02070309020205020404" pitchFamily="49" charset="0"/>
+              </a:rPr>
+              <a:t>;</a:t>
             </a:r>
             <a:endParaRPr lang="en-US" sz="1100" dirty="0">
               <a:latin typeface="Courier New" panose="02070309020205020404" pitchFamily="49" charset="0"/>
               <a:cs typeface="Courier New" panose="02070309020205020404" pitchFamily="49" charset="0"/>
             </a:endParaRPr>
-          </a:p>
-          <a:p>
-            <a:r>
-              <a:rPr lang="en-US" sz="1100" dirty="0">
-                <a:latin typeface="Courier New" panose="02070309020205020404" pitchFamily="49" charset="0"/>
-                <a:cs typeface="Courier New" panose="02070309020205020404" pitchFamily="49" charset="0"/>
-              </a:rPr>
-              <a:t>                , </a:t>
-            </a:r>
-            <a:r>
-              <a:rPr lang="en-US" sz="1100" dirty="0" err="1">
-                <a:latin typeface="Courier New" panose="02070309020205020404" pitchFamily="49" charset="0"/>
-                <a:cs typeface="Courier New" panose="02070309020205020404" pitchFamily="49" charset="0"/>
-              </a:rPr>
-              <a:t>date_birth</a:t>
-            </a:r>
-            <a:endParaRPr lang="en-US" sz="1100" dirty="0">
-              <a:latin typeface="Courier New" panose="02070309020205020404" pitchFamily="49" charset="0"/>
-              <a:cs typeface="Courier New" panose="02070309020205020404" pitchFamily="49" charset="0"/>
-            </a:endParaRPr>
-          </a:p>
-          <a:p>
-            <a:r>
-              <a:rPr lang="en-US" sz="1100" dirty="0">
-                <a:latin typeface="Courier New" panose="02070309020205020404" pitchFamily="49" charset="0"/>
-                <a:cs typeface="Courier New" panose="02070309020205020404" pitchFamily="49" charset="0"/>
-              </a:rPr>
-              <a:t>            ) VALUES (</a:t>
-            </a:r>
-          </a:p>
-          <a:p>
-            <a:r>
-              <a:rPr lang="en-US" sz="1100" dirty="0">
-                <a:latin typeface="Courier New" panose="02070309020205020404" pitchFamily="49" charset="0"/>
-                <a:cs typeface="Courier New" panose="02070309020205020404" pitchFamily="49" charset="0"/>
-              </a:rPr>
-              <a:t>                  </a:t>
-            </a:r>
-            <a:r>
-              <a:rPr lang="en-US" sz="1100" dirty="0" err="1">
-                <a:latin typeface="Courier New" panose="02070309020205020404" pitchFamily="49" charset="0"/>
-                <a:cs typeface="Courier New" panose="02070309020205020404" pitchFamily="49" charset="0"/>
-              </a:rPr>
-              <a:t>client_id</a:t>
-            </a:r>
-            <a:endParaRPr lang="en-US" sz="1100" dirty="0">
-              <a:latin typeface="Courier New" panose="02070309020205020404" pitchFamily="49" charset="0"/>
-              <a:cs typeface="Courier New" panose="02070309020205020404" pitchFamily="49" charset="0"/>
-            </a:endParaRPr>
-          </a:p>
-          <a:p>
-            <a:r>
-              <a:rPr lang="en-US" sz="1100" dirty="0">
-                <a:latin typeface="Courier New" panose="02070309020205020404" pitchFamily="49" charset="0"/>
-                <a:cs typeface="Courier New" panose="02070309020205020404" pitchFamily="49" charset="0"/>
-              </a:rPr>
-              <a:t>                , </a:t>
-            </a:r>
-            <a:r>
-              <a:rPr lang="en-US" sz="1100" dirty="0" err="1">
-                <a:latin typeface="Courier New" panose="02070309020205020404" pitchFamily="49" charset="0"/>
-                <a:cs typeface="Courier New" panose="02070309020205020404" pitchFamily="49" charset="0"/>
-              </a:rPr>
-              <a:t>client_name</a:t>
-            </a:r>
-            <a:endParaRPr lang="en-US" sz="1100" dirty="0">
-              <a:latin typeface="Courier New" panose="02070309020205020404" pitchFamily="49" charset="0"/>
-              <a:cs typeface="Courier New" panose="02070309020205020404" pitchFamily="49" charset="0"/>
-            </a:endParaRPr>
-          </a:p>
-          <a:p>
-            <a:r>
-              <a:rPr lang="en-US" sz="1100" dirty="0">
-                <a:latin typeface="Courier New" panose="02070309020205020404" pitchFamily="49" charset="0"/>
-                <a:cs typeface="Courier New" panose="02070309020205020404" pitchFamily="49" charset="0"/>
-              </a:rPr>
-              <a:t>                , </a:t>
-            </a:r>
-            <a:r>
-              <a:rPr lang="en-US" sz="1100" dirty="0" err="1">
-                <a:latin typeface="Courier New" panose="02070309020205020404" pitchFamily="49" charset="0"/>
-                <a:cs typeface="Courier New" panose="02070309020205020404" pitchFamily="49" charset="0"/>
-              </a:rPr>
-              <a:t>client_birth</a:t>
-            </a:r>
-            <a:endParaRPr lang="en-US" sz="1100" dirty="0">
-              <a:latin typeface="Courier New" panose="02070309020205020404" pitchFamily="49" charset="0"/>
-              <a:cs typeface="Courier New" panose="02070309020205020404" pitchFamily="49" charset="0"/>
-            </a:endParaRPr>
-          </a:p>
-          <a:p>
-            <a:r>
-              <a:rPr lang="en-US" sz="1100" dirty="0">
-                <a:latin typeface="Courier New" panose="02070309020205020404" pitchFamily="49" charset="0"/>
-                <a:cs typeface="Courier New" panose="02070309020205020404" pitchFamily="49" charset="0"/>
-              </a:rPr>
-              <a:t>            );</a:t>
-            </a:r>
-          </a:p>
-          <a:p>
-            <a:r>
-              <a:rPr lang="en-US" sz="1100" dirty="0">
-                <a:latin typeface="Courier New" panose="02070309020205020404" pitchFamily="49" charset="0"/>
-                <a:cs typeface="Courier New" panose="02070309020205020404" pitchFamily="49" charset="0"/>
-              </a:rPr>
-              <a:t>            COMMIT;</a:t>
-            </a:r>
-          </a:p>
-          <a:p>
-            <a:endParaRPr lang="en-US" sz="1100" dirty="0">
-              <a:latin typeface="Courier New" panose="02070309020205020404" pitchFamily="49" charset="0"/>
-              <a:cs typeface="Courier New" panose="02070309020205020404" pitchFamily="49" charset="0"/>
-            </a:endParaRPr>
-          </a:p>
-          <a:p>
-            <a:r>
-              <a:rPr lang="en-US" sz="1100" dirty="0">
-                <a:latin typeface="Courier New" panose="02070309020205020404" pitchFamily="49" charset="0"/>
-                <a:cs typeface="Courier New" panose="02070309020205020404" pitchFamily="49" charset="0"/>
-              </a:rPr>
-              <a:t>    END IF;</a:t>
-            </a:r>
-          </a:p>
-          <a:p>
-            <a:r>
-              <a:rPr lang="en-US" sz="1100" dirty="0">
-                <a:latin typeface="Courier New" panose="02070309020205020404" pitchFamily="49" charset="0"/>
-                <a:cs typeface="Courier New" panose="02070309020205020404" pitchFamily="49" charset="0"/>
-              </a:rPr>
-              <a:t>  </a:t>
-            </a:r>
-          </a:p>
-          <a:p>
-            <a:r>
-              <a:rPr lang="en-US" sz="1100" dirty="0">
-                <a:latin typeface="Courier New" panose="02070309020205020404" pitchFamily="49" charset="0"/>
-                <a:cs typeface="Courier New" panose="02070309020205020404" pitchFamily="49" charset="0"/>
-              </a:rPr>
-              <a:t>    RETURN;</a:t>
-            </a:r>
-          </a:p>
-          <a:p>
-            <a:endParaRPr lang="en-US" sz="1100" dirty="0">
-              <a:latin typeface="Courier New" panose="02070309020205020404" pitchFamily="49" charset="0"/>
-              <a:cs typeface="Courier New" panose="02070309020205020404" pitchFamily="49" charset="0"/>
-            </a:endParaRPr>
-          </a:p>
-          <a:p>
-            <a:r>
-              <a:rPr lang="en-US" sz="1100" dirty="0">
-                <a:latin typeface="Courier New" panose="02070309020205020404" pitchFamily="49" charset="0"/>
-                <a:cs typeface="Courier New" panose="02070309020205020404" pitchFamily="49" charset="0"/>
-              </a:rPr>
-              <a:t>END </a:t>
-            </a:r>
-            <a:r>
-              <a:rPr lang="en-US" sz="1100" dirty="0" err="1">
-                <a:latin typeface="Courier New" panose="02070309020205020404" pitchFamily="49" charset="0"/>
-                <a:cs typeface="Courier New" panose="02070309020205020404" pitchFamily="49" charset="0"/>
-              </a:rPr>
-              <a:t>pr_create_client</a:t>
-            </a:r>
-            <a:r>
-              <a:rPr lang="en-US" sz="1100" dirty="0">
-                <a:latin typeface="Courier New" panose="02070309020205020404" pitchFamily="49" charset="0"/>
-                <a:cs typeface="Courier New" panose="02070309020205020404" pitchFamily="49" charset="0"/>
-              </a:rPr>
-              <a:t>;</a:t>
-            </a:r>
           </a:p>
         </p:txBody>
       </p:sp>
@@ -13685,7 +13374,7 @@
         <p:spPr bwMode="auto">
           <a:xfrm>
             <a:off x="307850" y="6309320"/>
-            <a:ext cx="10657184" cy="461665"/>
+            <a:ext cx="10657184" cy="276999"/>
           </a:xfrm>
           <a:prstGeom prst="rect">
             <a:avLst/>
@@ -13708,7 +13397,7 @@
                 </a:solidFill>
                 <a:hlinkClick r:id="rId2"/>
               </a:rPr>
-              <a:t>https://github.com/AndrSor/Course_PLSQL_SB/blob/main/Course%20Work/04.2.%D0%9D%D0%BE%D0%B2%D1%8B%D0%B9%20%D0%B8%D0%BB%D0%B8%20%D1%81%D1%83%D1%89%D0%B5%D1%81%D1%82%D0%B2%D1%83%D1%8E%D1%89%D0%B8%D0%B9%20%D0%BA%D0%BB%D0%B8%D0%B5%D0%BD%D1%82.sql</a:t>
+              <a:t>https://github.com/AndrSor/Course_PLSQL_SB/blob/main/Course%20Work/03.7.TEST%20PACKAGE_on_refcursor.sql</a:t>
             </a:r>
             <a:endParaRPr lang="ru-RU" sz="1200" dirty="0">
               <a:solidFill>
@@ -13762,7 +13451,7 @@
     </p:spTree>
     <p:extLst>
       <p:ext uri="{BB962C8B-B14F-4D97-AF65-F5344CB8AC3E}">
-        <p14:creationId xmlns:p14="http://schemas.microsoft.com/office/powerpoint/2010/main" val="539797188"/>
+        <p14:creationId xmlns:p14="http://schemas.microsoft.com/office/powerpoint/2010/main" val="3177334253"/>
       </p:ext>
     </p:extLst>
   </p:cSld>
@@ -13813,7 +13502,7 @@
         <p:spPr bwMode="auto">
           <a:xfrm>
             <a:off x="191344" y="285978"/>
-            <a:ext cx="12169352" cy="550734"/>
+            <a:ext cx="11521280" cy="586915"/>
           </a:xfrm>
           <a:prstGeom prst="rect">
             <a:avLst/>
@@ -13845,21 +13534,39 @@
               <a:defRPr/>
             </a:pPr>
             <a:r>
-              <a:rPr lang="en-US" sz="3200" dirty="0">
-                <a:solidFill>
-                  <a:srgbClr val="333F48"/>
-                </a:solidFill>
-              </a:rPr>
-              <a:t>4</a:t>
-            </a:r>
-            <a:r>
               <a:rPr lang="ru-RU" sz="3200" dirty="0" smtClean="0">
                 <a:solidFill>
                   <a:srgbClr val="333F48"/>
                 </a:solidFill>
               </a:rPr>
-              <a:t>. Новый договор и плановый график</a:t>
-            </a:r>
+              <a:t>3. </a:t>
+            </a:r>
+            <a:r>
+              <a:rPr lang="ru-RU" sz="3200" dirty="0" smtClean="0">
+                <a:solidFill>
+                  <a:srgbClr val="333F48"/>
+                </a:solidFill>
+              </a:rPr>
+              <a:t>Тест процедуры возвращающей </a:t>
+            </a:r>
+            <a:r>
+              <a:rPr lang="en-US" sz="3200" dirty="0" smtClean="0">
+                <a:solidFill>
+                  <a:srgbClr val="333F48"/>
+                </a:solidFill>
+              </a:rPr>
+              <a:t>REFCURSOR</a:t>
+            </a:r>
+            <a:endParaRPr lang="ru-RU" sz="3200" dirty="0" smtClean="0">
+              <a:solidFill>
+                <a:srgbClr val="333F48"/>
+              </a:solidFill>
+            </a:endParaRPr>
+          </a:p>
+          <a:p>
+            <a:pPr>
+              <a:defRPr/>
+            </a:pPr>
             <a:endParaRPr lang="ru-RU" sz="1200" dirty="0"/>
           </a:p>
           <a:p>
@@ -13925,14 +13632,14 @@
         </p:nvSpPr>
         <p:spPr>
           <a:xfrm>
-            <a:off x="335360" y="725502"/>
-            <a:ext cx="4969346" cy="5016758"/>
+            <a:off x="327998" y="992049"/>
+            <a:ext cx="11384625" cy="2292935"/>
           </a:xfrm>
           <a:prstGeom prst="rect">
             <a:avLst/>
           </a:prstGeom>
           <a:solidFill>
-            <a:schemeClr val="accent3">
+            <a:schemeClr val="accent2">
               <a:lumMod val="20000"/>
               <a:lumOff val="80000"/>
             </a:schemeClr>
@@ -13950,149 +13657,275 @@
           <a:lstStyle/>
           <a:p>
             <a:r>
-              <a:rPr lang="ru-RU" sz="2000" b="1" dirty="0">
-                <a:solidFill>
-                  <a:srgbClr val="C00000"/>
-                </a:solidFill>
-              </a:rPr>
-              <a:t>Формула расчета </a:t>
-            </a:r>
-            <a:r>
-              <a:rPr lang="ru-RU" sz="2000" b="1" dirty="0" err="1">
-                <a:solidFill>
-                  <a:srgbClr val="C00000"/>
-                </a:solidFill>
-              </a:rPr>
-              <a:t>аннуитетных</a:t>
-            </a:r>
-            <a:r>
-              <a:rPr lang="ru-RU" sz="2000" b="1" dirty="0">
-                <a:solidFill>
-                  <a:srgbClr val="C00000"/>
-                </a:solidFill>
+              <a:rPr lang="ru-RU" sz="1100" dirty="0">
+                <a:latin typeface="Courier New" panose="02070309020205020404" pitchFamily="49" charset="0"/>
+                <a:cs typeface="Courier New" panose="02070309020205020404" pitchFamily="49" charset="0"/>
+              </a:rPr>
+              <a:t>2021/1    Александр Александрович </a:t>
+            </a:r>
+            <a:r>
+              <a:rPr lang="ru-RU" sz="1100" dirty="0" err="1">
+                <a:latin typeface="Courier New" panose="02070309020205020404" pitchFamily="49" charset="0"/>
+                <a:cs typeface="Courier New" panose="02070309020205020404" pitchFamily="49" charset="0"/>
+              </a:rPr>
+              <a:t>Петропуло</a:t>
+            </a:r>
+            <a:r>
+              <a:rPr lang="ru-RU" sz="1100" dirty="0">
+                <a:latin typeface="Courier New" panose="02070309020205020404" pitchFamily="49" charset="0"/>
+                <a:cs typeface="Courier New" panose="02070309020205020404" pitchFamily="49" charset="0"/>
+              </a:rPr>
+              <a:t>         210000.00    03.06.20  02.05.21    133636.00           0.00    </a:t>
+            </a:r>
+          </a:p>
+          <a:p>
+            <a:r>
+              <a:rPr lang="ru-RU" sz="1100" dirty="0">
+                <a:latin typeface="Courier New" panose="02070309020205020404" pitchFamily="49" charset="0"/>
+                <a:cs typeface="Courier New" panose="02070309020205020404" pitchFamily="49" charset="0"/>
+              </a:rPr>
+              <a:t>2021/2    Константин Иванович </a:t>
+            </a:r>
+            <a:r>
+              <a:rPr lang="ru-RU" sz="1100" dirty="0" err="1">
+                <a:latin typeface="Courier New" panose="02070309020205020404" pitchFamily="49" charset="0"/>
+                <a:cs typeface="Courier New" panose="02070309020205020404" pitchFamily="49" charset="0"/>
+              </a:rPr>
+              <a:t>Крок</a:t>
+            </a:r>
+            <a:r>
+              <a:rPr lang="ru-RU" sz="1100" dirty="0">
+                <a:latin typeface="Courier New" panose="02070309020205020404" pitchFamily="49" charset="0"/>
+                <a:cs typeface="Courier New" panose="02070309020205020404" pitchFamily="49" charset="0"/>
+              </a:rPr>
+              <a:t>                  240000.00    27.06.20  27.03.21    159999.00           0.00    </a:t>
+            </a:r>
+          </a:p>
+          <a:p>
+            <a:r>
+              <a:rPr lang="ru-RU" sz="1100" dirty="0">
+                <a:latin typeface="Courier New" panose="02070309020205020404" pitchFamily="49" charset="0"/>
+                <a:cs typeface="Courier New" panose="02070309020205020404" pitchFamily="49" charset="0"/>
+              </a:rPr>
+              <a:t>2021/3    Константин Иванович </a:t>
+            </a:r>
+            <a:r>
+              <a:rPr lang="ru-RU" sz="1100" dirty="0" err="1">
+                <a:latin typeface="Courier New" panose="02070309020205020404" pitchFamily="49" charset="0"/>
+                <a:cs typeface="Courier New" panose="02070309020205020404" pitchFamily="49" charset="0"/>
+              </a:rPr>
+              <a:t>Крок</a:t>
+            </a:r>
+            <a:r>
+              <a:rPr lang="ru-RU" sz="1100" dirty="0">
+                <a:latin typeface="Courier New" panose="02070309020205020404" pitchFamily="49" charset="0"/>
+                <a:cs typeface="Courier New" panose="02070309020205020404" pitchFamily="49" charset="0"/>
+              </a:rPr>
+              <a:t>                  260000.00    05.07.20  05.05.21    185867.93           0.00    </a:t>
+            </a:r>
+          </a:p>
+          <a:p>
+            <a:r>
+              <a:rPr lang="ru-RU" sz="1100" dirty="0">
+                <a:latin typeface="Courier New" panose="02070309020205020404" pitchFamily="49" charset="0"/>
+                <a:cs typeface="Courier New" panose="02070309020205020404" pitchFamily="49" charset="0"/>
+              </a:rPr>
+              <a:t>2021/4    Роман Константинович Поджарый             210000.00    09.07.20  06.03.21    134059.83           0.00    </a:t>
+            </a:r>
+          </a:p>
+          <a:p>
+            <a:r>
+              <a:rPr lang="ru-RU" sz="1100" dirty="0">
+                <a:latin typeface="Courier New" panose="02070309020205020404" pitchFamily="49" charset="0"/>
+                <a:cs typeface="Courier New" panose="02070309020205020404" pitchFamily="49" charset="0"/>
+              </a:rPr>
+              <a:t>2021/6    Игорь Валериевич Юнцов                    260000.00    17.07.20  17.07.21    216666.00           0.00    </a:t>
+            </a:r>
+          </a:p>
+          <a:p>
+            <a:r>
+              <a:rPr lang="ru-RU" sz="1100" dirty="0">
+                <a:latin typeface="Courier New" panose="02070309020205020404" pitchFamily="49" charset="0"/>
+                <a:cs typeface="Courier New" panose="02070309020205020404" pitchFamily="49" charset="0"/>
+              </a:rPr>
+              <a:t>2021/5    Александр </a:t>
+            </a:r>
+            <a:r>
+              <a:rPr lang="ru-RU" sz="1100" dirty="0" err="1">
+                <a:latin typeface="Courier New" panose="02070309020205020404" pitchFamily="49" charset="0"/>
+                <a:cs typeface="Courier New" panose="02070309020205020404" pitchFamily="49" charset="0"/>
+              </a:rPr>
+              <a:t>Михаилович</a:t>
+            </a:r>
+            <a:r>
+              <a:rPr lang="ru-RU" sz="1100" dirty="0">
+                <a:latin typeface="Courier New" panose="02070309020205020404" pitchFamily="49" charset="0"/>
+                <a:cs typeface="Courier New" panose="02070309020205020404" pitchFamily="49" charset="0"/>
               </a:rPr>
               <a:t> </a:t>
             </a:r>
             <a:r>
-              <a:rPr lang="ru-RU" sz="2000" b="1" dirty="0" smtClean="0">
-                <a:solidFill>
-                  <a:srgbClr val="C00000"/>
-                </a:solidFill>
-              </a:rPr>
-              <a:t>платежей</a:t>
-            </a:r>
-          </a:p>
-          <a:p>
-            <a:endParaRPr lang="ru-RU" sz="2000" b="1" dirty="0">
-              <a:solidFill>
-                <a:srgbClr val="C00000"/>
-              </a:solidFill>
-              <a:latin typeface="Courier New" panose="02070309020205020404" pitchFamily="49" charset="0"/>
-              <a:cs typeface="Courier New" panose="02070309020205020404" pitchFamily="49" charset="0"/>
-            </a:endParaRPr>
-          </a:p>
-          <a:p>
-            <a:endParaRPr lang="ru-RU" sz="2000" b="1" dirty="0" smtClean="0">
-              <a:solidFill>
-                <a:srgbClr val="C00000"/>
-              </a:solidFill>
-              <a:latin typeface="Courier New" panose="02070309020205020404" pitchFamily="49" charset="0"/>
-              <a:cs typeface="Courier New" panose="02070309020205020404" pitchFamily="49" charset="0"/>
-            </a:endParaRPr>
-          </a:p>
-          <a:p>
-            <a:endParaRPr lang="ru-RU" sz="2000" b="1" dirty="0">
-              <a:solidFill>
-                <a:srgbClr val="C00000"/>
-              </a:solidFill>
-              <a:latin typeface="Courier New" panose="02070309020205020404" pitchFamily="49" charset="0"/>
-              <a:cs typeface="Courier New" panose="02070309020205020404" pitchFamily="49" charset="0"/>
-            </a:endParaRPr>
-          </a:p>
-          <a:p>
-            <a:endParaRPr lang="ru-RU" sz="2000" b="1" dirty="0" smtClean="0">
-              <a:solidFill>
-                <a:srgbClr val="C00000"/>
-              </a:solidFill>
-              <a:latin typeface="Courier New" panose="02070309020205020404" pitchFamily="49" charset="0"/>
-              <a:cs typeface="Courier New" panose="02070309020205020404" pitchFamily="49" charset="0"/>
-            </a:endParaRPr>
-          </a:p>
-          <a:p>
-            <a:endParaRPr lang="ru-RU" sz="2000" b="1" dirty="0">
-              <a:solidFill>
-                <a:srgbClr val="C00000"/>
-              </a:solidFill>
-              <a:latin typeface="Courier New" panose="02070309020205020404" pitchFamily="49" charset="0"/>
-              <a:cs typeface="Courier New" panose="02070309020205020404" pitchFamily="49" charset="0"/>
-            </a:endParaRPr>
-          </a:p>
-          <a:p>
-            <a:r>
-              <a:rPr lang="ru-RU" sz="2000" b="1" i="1" dirty="0"/>
-              <a:t>P</a:t>
-            </a:r>
-            <a:r>
-              <a:rPr lang="ru-RU" sz="2000" dirty="0"/>
-              <a:t> – ежемесячный платёж по </a:t>
-            </a:r>
-            <a:r>
-              <a:rPr lang="ru-RU" sz="2000" dirty="0" err="1"/>
-              <a:t>аннуитетному</a:t>
-            </a:r>
-            <a:r>
-              <a:rPr lang="ru-RU" sz="2000" dirty="0"/>
-              <a:t> кредиту (тот самый </a:t>
-            </a:r>
-            <a:r>
-              <a:rPr lang="ru-RU" sz="2000" dirty="0" err="1"/>
-              <a:t>аннуитетный</a:t>
-            </a:r>
-            <a:r>
-              <a:rPr lang="ru-RU" sz="2000" dirty="0"/>
-              <a:t> платёж, который не изменяется в течение всего периода погашения кредита);</a:t>
-            </a:r>
-            <a:br>
-              <a:rPr lang="ru-RU" sz="2000" dirty="0"/>
-            </a:br>
-            <a:r>
-              <a:rPr lang="ru-RU" sz="2000" b="1" i="1" dirty="0"/>
-              <a:t>S</a:t>
-            </a:r>
-            <a:r>
-              <a:rPr lang="ru-RU" sz="2000" dirty="0"/>
-              <a:t> – сумма кредита;</a:t>
-            </a:r>
-            <a:br>
-              <a:rPr lang="ru-RU" sz="2000" dirty="0"/>
-            </a:br>
-            <a:r>
-              <a:rPr lang="ru-RU" sz="2000" b="1" i="1" dirty="0"/>
-              <a:t>i</a:t>
-            </a:r>
-            <a:r>
-              <a:rPr lang="ru-RU" sz="2000" dirty="0"/>
-              <a:t> – ежемесячная процентная ставка (рассчитывается по следующей формуле: годовая процентная ставка/100/12);</a:t>
-            </a:r>
-            <a:br>
-              <a:rPr lang="ru-RU" sz="2000" dirty="0"/>
-            </a:br>
-            <a:r>
-              <a:rPr lang="ru-RU" sz="2000" b="1" i="1" dirty="0"/>
-              <a:t>n</a:t>
-            </a:r>
-            <a:r>
-              <a:rPr lang="ru-RU" sz="2000" dirty="0"/>
-              <a:t> – срок, на который берётся кредит (указывается количество месяцев</a:t>
-            </a:r>
-            <a:r>
-              <a:rPr lang="ru-RU" sz="2000" dirty="0" smtClean="0"/>
-              <a:t>).</a:t>
-            </a:r>
-            <a:endParaRPr lang="ru-RU" sz="2000" b="1" dirty="0">
-              <a:solidFill>
-                <a:srgbClr val="C00000"/>
-              </a:solidFill>
+              <a:rPr lang="ru-RU" sz="1100" dirty="0" err="1">
+                <a:latin typeface="Courier New" panose="02070309020205020404" pitchFamily="49" charset="0"/>
+                <a:cs typeface="Courier New" panose="02070309020205020404" pitchFamily="49" charset="0"/>
+              </a:rPr>
+              <a:t>Велдин</a:t>
+            </a:r>
+            <a:r>
+              <a:rPr lang="ru-RU" sz="1100" dirty="0">
+                <a:latin typeface="Courier New" panose="02070309020205020404" pitchFamily="49" charset="0"/>
+                <a:cs typeface="Courier New" panose="02070309020205020404" pitchFamily="49" charset="0"/>
+              </a:rPr>
+              <a:t>               230000.00    17.07.20  17.07.21    194435.07           0.00    </a:t>
+            </a:r>
+          </a:p>
+          <a:p>
+            <a:r>
+              <a:rPr lang="ru-RU" sz="1100" dirty="0">
+                <a:latin typeface="Courier New" panose="02070309020205020404" pitchFamily="49" charset="0"/>
+                <a:cs typeface="Courier New" panose="02070309020205020404" pitchFamily="49" charset="0"/>
+              </a:rPr>
+              <a:t>2021/8    Валерий Кириллович </a:t>
+            </a:r>
+            <a:r>
+              <a:rPr lang="ru-RU" sz="1100" dirty="0" err="1">
+                <a:latin typeface="Courier New" panose="02070309020205020404" pitchFamily="49" charset="0"/>
+                <a:cs typeface="Courier New" panose="02070309020205020404" pitchFamily="49" charset="0"/>
+              </a:rPr>
+              <a:t>Кеменев</a:t>
+            </a:r>
+            <a:r>
+              <a:rPr lang="ru-RU" sz="1100" dirty="0">
+                <a:latin typeface="Courier New" panose="02070309020205020404" pitchFamily="49" charset="0"/>
+                <a:cs typeface="Courier New" panose="02070309020205020404" pitchFamily="49" charset="0"/>
+              </a:rPr>
+              <a:t>                260000.00    22.07.20  22.05.21    210998.73           0.00    </a:t>
+            </a:r>
+          </a:p>
+          <a:p>
+            <a:r>
+              <a:rPr lang="ru-RU" sz="1100" dirty="0">
+                <a:latin typeface="Courier New" panose="02070309020205020404" pitchFamily="49" charset="0"/>
+                <a:cs typeface="Courier New" panose="02070309020205020404" pitchFamily="49" charset="0"/>
+              </a:rPr>
+              <a:t>2021/7    Михаил Антонович </a:t>
+            </a:r>
+            <a:r>
+              <a:rPr lang="ru-RU" sz="1100" dirty="0" err="1">
+                <a:latin typeface="Courier New" panose="02070309020205020404" pitchFamily="49" charset="0"/>
+                <a:cs typeface="Courier New" panose="02070309020205020404" pitchFamily="49" charset="0"/>
+              </a:rPr>
+              <a:t>Городиловский</a:t>
+            </a:r>
+            <a:r>
+              <a:rPr lang="ru-RU" sz="1100" dirty="0">
+                <a:latin typeface="Courier New" panose="02070309020205020404" pitchFamily="49" charset="0"/>
+                <a:cs typeface="Courier New" panose="02070309020205020404" pitchFamily="49" charset="0"/>
+              </a:rPr>
+              <a:t>            230000.00    22.07.20  22.04.21    181471.82           0.00    </a:t>
+            </a:r>
+          </a:p>
+          <a:p>
+            <a:r>
+              <a:rPr lang="ru-RU" sz="1100" dirty="0">
+                <a:latin typeface="Courier New" panose="02070309020205020404" pitchFamily="49" charset="0"/>
+                <a:cs typeface="Courier New" panose="02070309020205020404" pitchFamily="49" charset="0"/>
+              </a:rPr>
+              <a:t>2021/9    Александр Дмитриевич </a:t>
+            </a:r>
+            <a:r>
+              <a:rPr lang="ru-RU" sz="1100" dirty="0" err="1">
+                <a:latin typeface="Courier New" panose="02070309020205020404" pitchFamily="49" charset="0"/>
+                <a:cs typeface="Courier New" panose="02070309020205020404" pitchFamily="49" charset="0"/>
+              </a:rPr>
+              <a:t>Штыкашов</a:t>
+            </a:r>
+            <a:r>
+              <a:rPr lang="ru-RU" sz="1100" dirty="0">
+                <a:latin typeface="Courier New" panose="02070309020205020404" pitchFamily="49" charset="0"/>
+                <a:cs typeface="Courier New" panose="02070309020205020404" pitchFamily="49" charset="0"/>
+              </a:rPr>
+              <a:t>             250000.00    07.08.20  07.08.21    188443.44           0.00    </a:t>
+            </a:r>
+          </a:p>
+          <a:p>
+            <a:r>
+              <a:rPr lang="ru-RU" sz="1100" dirty="0">
+                <a:latin typeface="Courier New" panose="02070309020205020404" pitchFamily="49" charset="0"/>
+                <a:cs typeface="Courier New" panose="02070309020205020404" pitchFamily="49" charset="0"/>
+              </a:rPr>
+              <a:t>2021/10   Василий Васильевич </a:t>
+            </a:r>
+            <a:r>
+              <a:rPr lang="ru-RU" sz="1100" dirty="0" err="1">
+                <a:latin typeface="Courier New" panose="02070309020205020404" pitchFamily="49" charset="0"/>
+                <a:cs typeface="Courier New" panose="02070309020205020404" pitchFamily="49" charset="0"/>
+              </a:rPr>
+              <a:t>Гуляков</a:t>
+            </a:r>
+            <a:r>
+              <a:rPr lang="ru-RU" sz="1100" dirty="0">
+                <a:latin typeface="Courier New" panose="02070309020205020404" pitchFamily="49" charset="0"/>
+                <a:cs typeface="Courier New" panose="02070309020205020404" pitchFamily="49" charset="0"/>
+              </a:rPr>
+              <a:t>                260000.00    08.08.20  08.04.21    197746.05           0.00    </a:t>
+            </a:r>
+          </a:p>
+          <a:p>
+            <a:r>
+              <a:rPr lang="ru-RU" sz="1100" dirty="0">
+                <a:latin typeface="Courier New" panose="02070309020205020404" pitchFamily="49" charset="0"/>
+                <a:cs typeface="Courier New" panose="02070309020205020404" pitchFamily="49" charset="0"/>
+              </a:rPr>
+              <a:t>2021/11   Василий Иванович Омелюшкин                240000.00    22.08.20  22.05.21    213333.00           0.00    </a:t>
+            </a:r>
+          </a:p>
+          <a:p>
+            <a:r>
+              <a:rPr lang="ru-RU" sz="1100" dirty="0">
+                <a:latin typeface="Courier New" panose="02070309020205020404" pitchFamily="49" charset="0"/>
+                <a:cs typeface="Courier New" panose="02070309020205020404" pitchFamily="49" charset="0"/>
+              </a:rPr>
+              <a:t>2021/12   Игорь Петрович </a:t>
+            </a:r>
+            <a:r>
+              <a:rPr lang="ru-RU" sz="1100" dirty="0" err="1">
+                <a:latin typeface="Courier New" panose="02070309020205020404" pitchFamily="49" charset="0"/>
+                <a:cs typeface="Courier New" panose="02070309020205020404" pitchFamily="49" charset="0"/>
+              </a:rPr>
+              <a:t>Манвелян</a:t>
+            </a:r>
+            <a:r>
+              <a:rPr lang="ru-RU" sz="1100" dirty="0">
+                <a:latin typeface="Courier New" panose="02070309020205020404" pitchFamily="49" charset="0"/>
+                <a:cs typeface="Courier New" panose="02070309020205020404" pitchFamily="49" charset="0"/>
+              </a:rPr>
+              <a:t>                   260000.00    11.09.20  11.08.21    260000.00           0.00    </a:t>
+            </a:r>
+          </a:p>
+          <a:p>
+            <a:r>
+              <a:rPr lang="ru-RU" sz="1100" dirty="0">
+                <a:latin typeface="Courier New" panose="02070309020205020404" pitchFamily="49" charset="0"/>
+                <a:cs typeface="Courier New" panose="02070309020205020404" pitchFamily="49" charset="0"/>
+              </a:rPr>
+              <a:t>2021/13   Владимир Владимирович </a:t>
+            </a:r>
+            <a:r>
+              <a:rPr lang="ru-RU" sz="1100" dirty="0" err="1">
+                <a:latin typeface="Courier New" panose="02070309020205020404" pitchFamily="49" charset="0"/>
+                <a:cs typeface="Courier New" panose="02070309020205020404" pitchFamily="49" charset="0"/>
+              </a:rPr>
+              <a:t>Хандрамайло</a:t>
+            </a:r>
+            <a:r>
+              <a:rPr lang="ru-RU" sz="1100" dirty="0">
+                <a:latin typeface="Courier New" panose="02070309020205020404" pitchFamily="49" charset="0"/>
+                <a:cs typeface="Courier New" panose="02070309020205020404" pitchFamily="49" charset="0"/>
+              </a:rPr>
+              <a:t>         260000.00    25.09.20  23.05.21    260000.00           0.00 </a:t>
+            </a:r>
+            <a:endParaRPr lang="en-US" sz="1100" dirty="0">
               <a:latin typeface="Courier New" panose="02070309020205020404" pitchFamily="49" charset="0"/>
               <a:cs typeface="Courier New" panose="02070309020205020404" pitchFamily="49" charset="0"/>
             </a:endParaRPr>
@@ -14107,14 +13940,14 @@
         </p:nvSpPr>
         <p:spPr>
           <a:xfrm>
-            <a:off x="5448722" y="728112"/>
-            <a:ext cx="6551934" cy="5001369"/>
+            <a:off x="327998" y="3562851"/>
+            <a:ext cx="11384625" cy="1954381"/>
           </a:xfrm>
           <a:prstGeom prst="rect">
             <a:avLst/>
           </a:prstGeom>
           <a:solidFill>
-            <a:schemeClr val="accent3">
+            <a:schemeClr val="accent2">
               <a:lumMod val="20000"/>
               <a:lumOff val="80000"/>
             </a:schemeClr>
@@ -14132,780 +13965,54 @@
           <a:lstStyle/>
           <a:p>
             <a:r>
-              <a:rPr lang="en-US" sz="1100" dirty="0">
-                <a:latin typeface="Courier New" panose="02070309020205020404" pitchFamily="49" charset="0"/>
-                <a:cs typeface="Courier New" panose="02070309020205020404" pitchFamily="49" charset="0"/>
-              </a:rPr>
-              <a:t>CREATE OR REPLACE PROCEDURE c##</a:t>
-            </a:r>
-            <a:r>
-              <a:rPr lang="en-US" sz="1100" dirty="0" err="1">
-                <a:latin typeface="Courier New" panose="02070309020205020404" pitchFamily="49" charset="0"/>
-                <a:cs typeface="Courier New" panose="02070309020205020404" pitchFamily="49" charset="0"/>
-              </a:rPr>
-              <a:t>course.pr_create_credit</a:t>
-            </a:r>
-            <a:r>
-              <a:rPr lang="en-US" sz="1100" dirty="0">
-                <a:latin typeface="Courier New" panose="02070309020205020404" pitchFamily="49" charset="0"/>
-                <a:cs typeface="Courier New" panose="02070309020205020404" pitchFamily="49" charset="0"/>
-              </a:rPr>
-              <a:t> (</a:t>
-            </a:r>
-          </a:p>
-          <a:p>
-            <a:r>
-              <a:rPr lang="en-US" sz="1100" dirty="0">
-                <a:latin typeface="Courier New" panose="02070309020205020404" pitchFamily="49" charset="0"/>
-                <a:cs typeface="Courier New" panose="02070309020205020404" pitchFamily="49" charset="0"/>
-              </a:rPr>
-              <a:t>    </a:t>
-            </a:r>
-            <a:r>
-              <a:rPr lang="en-US" sz="1100" dirty="0" err="1">
-                <a:latin typeface="Courier New" panose="02070309020205020404" pitchFamily="49" charset="0"/>
-                <a:cs typeface="Courier New" panose="02070309020205020404" pitchFamily="49" charset="0"/>
-              </a:rPr>
-              <a:t>client_name</a:t>
-            </a:r>
-            <a:r>
-              <a:rPr lang="en-US" sz="1100" dirty="0">
-                <a:latin typeface="Courier New" panose="02070309020205020404" pitchFamily="49" charset="0"/>
-                <a:cs typeface="Courier New" panose="02070309020205020404" pitchFamily="49" charset="0"/>
-              </a:rPr>
-              <a:t>     IN varchar2,        -- </a:t>
+              <a:rPr lang="ru-RU" sz="1100" dirty="0" smtClean="0">
+                <a:latin typeface="Courier New" panose="02070309020205020404" pitchFamily="49" charset="0"/>
+                <a:cs typeface="Courier New" panose="02070309020205020404" pitchFamily="49" charset="0"/>
+              </a:rPr>
+              <a:t>/* </a:t>
             </a:r>
             <a:r>
               <a:rPr lang="ru-RU" sz="1100" dirty="0">
                 <a:latin typeface="Courier New" panose="02070309020205020404" pitchFamily="49" charset="0"/>
                 <a:cs typeface="Courier New" panose="02070309020205020404" pitchFamily="49" charset="0"/>
               </a:rPr>
-              <a:t>Клиент ФИО</a:t>
-            </a:r>
-          </a:p>
-          <a:p>
+              <a:t>Пакет </a:t>
+            </a:r>
+            <a:r>
+              <a:rPr lang="en-US" sz="1100" dirty="0">
+                <a:latin typeface="Courier New" panose="02070309020205020404" pitchFamily="49" charset="0"/>
+                <a:cs typeface="Courier New" panose="02070309020205020404" pitchFamily="49" charset="0"/>
+              </a:rPr>
+              <a:t>SPLIT </a:t>
+            </a:r>
             <a:r>
               <a:rPr lang="ru-RU" sz="1100" dirty="0">
                 <a:latin typeface="Courier New" panose="02070309020205020404" pitchFamily="49" charset="0"/>
                 <a:cs typeface="Courier New" panose="02070309020205020404" pitchFamily="49" charset="0"/>
               </a:rPr>
-              <a:t>    </a:t>
-            </a:r>
-            <a:r>
-              <a:rPr lang="en-US" sz="1100" dirty="0" err="1">
-                <a:latin typeface="Courier New" panose="02070309020205020404" pitchFamily="49" charset="0"/>
-                <a:cs typeface="Courier New" panose="02070309020205020404" pitchFamily="49" charset="0"/>
-              </a:rPr>
-              <a:t>client_birth</a:t>
-            </a:r>
-            <a:r>
-              <a:rPr lang="en-US" sz="1100" dirty="0">
-                <a:latin typeface="Courier New" panose="02070309020205020404" pitchFamily="49" charset="0"/>
-                <a:cs typeface="Courier New" panose="02070309020205020404" pitchFamily="49" charset="0"/>
-              </a:rPr>
-              <a:t>    IN date,            -- </a:t>
-            </a:r>
-            <a:r>
-              <a:rPr lang="ru-RU" sz="1100" dirty="0">
-                <a:latin typeface="Courier New" panose="02070309020205020404" pitchFamily="49" charset="0"/>
-                <a:cs typeface="Courier New" panose="02070309020205020404" pitchFamily="49" charset="0"/>
-              </a:rPr>
-              <a:t>Дата рождения Клиента</a:t>
-            </a:r>
-          </a:p>
-          <a:p>
-            <a:r>
-              <a:rPr lang="ru-RU" sz="1100" dirty="0">
-                <a:latin typeface="Courier New" panose="02070309020205020404" pitchFamily="49" charset="0"/>
-                <a:cs typeface="Courier New" panose="02070309020205020404" pitchFamily="49" charset="0"/>
-              </a:rPr>
-              <a:t>    </a:t>
-            </a:r>
-            <a:r>
-              <a:rPr lang="en-US" sz="1100" dirty="0" err="1">
-                <a:latin typeface="Courier New" panose="02070309020205020404" pitchFamily="49" charset="0"/>
-                <a:cs typeface="Courier New" panose="02070309020205020404" pitchFamily="49" charset="0"/>
-              </a:rPr>
-              <a:t>summa_dog</a:t>
-            </a:r>
-            <a:r>
-              <a:rPr lang="en-US" sz="1100" dirty="0">
-                <a:latin typeface="Courier New" panose="02070309020205020404" pitchFamily="49" charset="0"/>
-                <a:cs typeface="Courier New" panose="02070309020205020404" pitchFamily="49" charset="0"/>
-              </a:rPr>
-              <a:t>       IN number,          -- </a:t>
-            </a:r>
-            <a:r>
-              <a:rPr lang="ru-RU" sz="1100" dirty="0">
-                <a:latin typeface="Courier New" panose="02070309020205020404" pitchFamily="49" charset="0"/>
-                <a:cs typeface="Courier New" panose="02070309020205020404" pitchFamily="49" charset="0"/>
-              </a:rPr>
-              <a:t>Сумма кредита</a:t>
-            </a:r>
-          </a:p>
-          <a:p>
-            <a:r>
-              <a:rPr lang="ru-RU" sz="1100" dirty="0">
-                <a:latin typeface="Courier New" panose="02070309020205020404" pitchFamily="49" charset="0"/>
-                <a:cs typeface="Courier New" panose="02070309020205020404" pitchFamily="49" charset="0"/>
-              </a:rPr>
-              <a:t>    </a:t>
-            </a:r>
-            <a:r>
-              <a:rPr lang="en-US" sz="1100" dirty="0" err="1">
-                <a:latin typeface="Courier New" panose="02070309020205020404" pitchFamily="49" charset="0"/>
-                <a:cs typeface="Courier New" panose="02070309020205020404" pitchFamily="49" charset="0"/>
-              </a:rPr>
-              <a:t>persent_dog</a:t>
-            </a:r>
-            <a:r>
-              <a:rPr lang="en-US" sz="1100" dirty="0">
-                <a:latin typeface="Courier New" panose="02070309020205020404" pitchFamily="49" charset="0"/>
-                <a:cs typeface="Courier New" panose="02070309020205020404" pitchFamily="49" charset="0"/>
-              </a:rPr>
-              <a:t>     IN number,          -- </a:t>
-            </a:r>
-            <a:r>
-              <a:rPr lang="ru-RU" sz="1100" dirty="0">
-                <a:latin typeface="Courier New" panose="02070309020205020404" pitchFamily="49" charset="0"/>
-                <a:cs typeface="Courier New" panose="02070309020205020404" pitchFamily="49" charset="0"/>
-              </a:rPr>
-              <a:t>Годовая процентная ставка</a:t>
-            </a:r>
-          </a:p>
-          <a:p>
-            <a:r>
-              <a:rPr lang="ru-RU" sz="1100" dirty="0">
-                <a:latin typeface="Courier New" panose="02070309020205020404" pitchFamily="49" charset="0"/>
-                <a:cs typeface="Courier New" panose="02070309020205020404" pitchFamily="49" charset="0"/>
-              </a:rPr>
-              <a:t>    </a:t>
-            </a:r>
-            <a:r>
-              <a:rPr lang="en-US" sz="1100" dirty="0" err="1">
-                <a:latin typeface="Courier New" panose="02070309020205020404" pitchFamily="49" charset="0"/>
-                <a:cs typeface="Courier New" panose="02070309020205020404" pitchFamily="49" charset="0"/>
-              </a:rPr>
-              <a:t>duration_dog</a:t>
-            </a:r>
-            <a:r>
-              <a:rPr lang="en-US" sz="1100" dirty="0">
-                <a:latin typeface="Courier New" panose="02070309020205020404" pitchFamily="49" charset="0"/>
-                <a:cs typeface="Courier New" panose="02070309020205020404" pitchFamily="49" charset="0"/>
-              </a:rPr>
-              <a:t>    IN number           -- </a:t>
-            </a:r>
-            <a:r>
-              <a:rPr lang="ru-RU" sz="1100" dirty="0">
-                <a:latin typeface="Courier New" panose="02070309020205020404" pitchFamily="49" charset="0"/>
-                <a:cs typeface="Courier New" panose="02070309020205020404" pitchFamily="49" charset="0"/>
-              </a:rPr>
-              <a:t>Срок кредитования месяцев</a:t>
-            </a:r>
-          </a:p>
-          <a:p>
-            <a:r>
-              <a:rPr lang="ru-RU" sz="1100" dirty="0">
-                <a:latin typeface="Courier New" panose="02070309020205020404" pitchFamily="49" charset="0"/>
-                <a:cs typeface="Courier New" panose="02070309020205020404" pitchFamily="49" charset="0"/>
-              </a:rPr>
-              <a:t>)</a:t>
-            </a:r>
-          </a:p>
-          <a:p>
-            <a:r>
-              <a:rPr lang="en-US" sz="1100" dirty="0">
-                <a:latin typeface="Courier New" panose="02070309020205020404" pitchFamily="49" charset="0"/>
-                <a:cs typeface="Courier New" panose="02070309020205020404" pitchFamily="49" charset="0"/>
-              </a:rPr>
-              <a:t>AS</a:t>
-            </a:r>
-          </a:p>
-          <a:p>
-            <a:r>
-              <a:rPr lang="en-US" sz="1100" dirty="0">
+              <a:t>с перегруженной функцией  </a:t>
+            </a:r>
+            <a:r>
+              <a:rPr lang="en-US" sz="1100" dirty="0" smtClean="0">
+                <a:latin typeface="Courier New" panose="02070309020205020404" pitchFamily="49" charset="0"/>
+                <a:cs typeface="Courier New" panose="02070309020205020404" pitchFamily="49" charset="0"/>
+              </a:rPr>
+              <a:t>GET</a:t>
+            </a:r>
+            <a:r>
+              <a:rPr lang="ru-RU" sz="1100" dirty="0" smtClean="0">
                 <a:latin typeface="Courier New" panose="02070309020205020404" pitchFamily="49" charset="0"/>
                 <a:cs typeface="Courier New" panose="02070309020205020404" pitchFamily="49" charset="0"/>
               </a:rPr>
               <a:t> </a:t>
             </a:r>
             <a:r>
-              <a:rPr lang="en-US" sz="1100" dirty="0" err="1" smtClean="0">
-                <a:latin typeface="Courier New" panose="02070309020205020404" pitchFamily="49" charset="0"/>
-                <a:cs typeface="Courier New" panose="02070309020205020404" pitchFamily="49" charset="0"/>
-              </a:rPr>
-              <a:t>client_id</a:t>
-            </a:r>
-            <a:r>
               <a:rPr lang="en-US" sz="1100" dirty="0" smtClean="0">
                 <a:latin typeface="Courier New" panose="02070309020205020404" pitchFamily="49" charset="0"/>
                 <a:cs typeface="Courier New" panose="02070309020205020404" pitchFamily="49" charset="0"/>
               </a:rPr>
-              <a:t>                   </a:t>
-            </a:r>
-            <a:r>
-              <a:rPr lang="en-US" sz="1100" dirty="0">
-                <a:latin typeface="Courier New" panose="02070309020205020404" pitchFamily="49" charset="0"/>
-                <a:cs typeface="Courier New" panose="02070309020205020404" pitchFamily="49" charset="0"/>
-              </a:rPr>
-              <a:t>number;</a:t>
-            </a:r>
-          </a:p>
-          <a:p>
-            <a:r>
-              <a:rPr lang="en-US" sz="1100" dirty="0">
-                <a:latin typeface="Courier New" panose="02070309020205020404" pitchFamily="49" charset="0"/>
-                <a:cs typeface="Courier New" panose="02070309020205020404" pitchFamily="49" charset="0"/>
-              </a:rPr>
-              <a:t> </a:t>
-            </a:r>
-            <a:r>
-              <a:rPr lang="en-US" sz="1100" dirty="0" err="1" smtClean="0">
-                <a:latin typeface="Courier New" panose="02070309020205020404" pitchFamily="49" charset="0"/>
-                <a:cs typeface="Courier New" panose="02070309020205020404" pitchFamily="49" charset="0"/>
-              </a:rPr>
-              <a:t>credit_id</a:t>
-            </a:r>
-            <a:r>
-              <a:rPr lang="en-US" sz="1100" dirty="0" smtClean="0">
-                <a:latin typeface="Courier New" panose="02070309020205020404" pitchFamily="49" charset="0"/>
-                <a:cs typeface="Courier New" panose="02070309020205020404" pitchFamily="49" charset="0"/>
-              </a:rPr>
-              <a:t>                   </a:t>
-            </a:r>
-            <a:r>
-              <a:rPr lang="en-US" sz="1100" dirty="0">
-                <a:latin typeface="Courier New" panose="02070309020205020404" pitchFamily="49" charset="0"/>
-                <a:cs typeface="Courier New" panose="02070309020205020404" pitchFamily="49" charset="0"/>
-              </a:rPr>
-              <a:t>number;</a:t>
-            </a:r>
-          </a:p>
-          <a:p>
-            <a:r>
-              <a:rPr lang="en-US" sz="1100" dirty="0">
-                <a:latin typeface="Courier New" panose="02070309020205020404" pitchFamily="49" charset="0"/>
-                <a:cs typeface="Courier New" panose="02070309020205020404" pitchFamily="49" charset="0"/>
-              </a:rPr>
-              <a:t> </a:t>
-            </a:r>
-            <a:r>
-              <a:rPr lang="en-US" sz="1100" dirty="0" err="1" smtClean="0">
-                <a:latin typeface="Courier New" panose="02070309020205020404" pitchFamily="49" charset="0"/>
-                <a:cs typeface="Courier New" panose="02070309020205020404" pitchFamily="49" charset="0"/>
-              </a:rPr>
-              <a:t>collect_plan_id</a:t>
-            </a:r>
-            <a:r>
-              <a:rPr lang="en-US" sz="1100" dirty="0" smtClean="0">
-                <a:latin typeface="Courier New" panose="02070309020205020404" pitchFamily="49" charset="0"/>
-                <a:cs typeface="Courier New" panose="02070309020205020404" pitchFamily="49" charset="0"/>
-              </a:rPr>
-              <a:t>             </a:t>
-            </a:r>
-            <a:r>
-              <a:rPr lang="en-US" sz="1100" dirty="0">
-                <a:latin typeface="Courier New" panose="02070309020205020404" pitchFamily="49" charset="0"/>
-                <a:cs typeface="Courier New" panose="02070309020205020404" pitchFamily="49" charset="0"/>
-              </a:rPr>
-              <a:t>number;</a:t>
-            </a:r>
-          </a:p>
-          <a:p>
-            <a:r>
-              <a:rPr lang="en-US" sz="1100" dirty="0">
-                <a:latin typeface="Courier New" panose="02070309020205020404" pitchFamily="49" charset="0"/>
-                <a:cs typeface="Courier New" panose="02070309020205020404" pitchFamily="49" charset="0"/>
-              </a:rPr>
-              <a:t> </a:t>
-            </a:r>
-            <a:r>
-              <a:rPr lang="en-US" sz="1100" dirty="0" err="1" smtClean="0">
-                <a:latin typeface="Courier New" panose="02070309020205020404" pitchFamily="49" charset="0"/>
-                <a:cs typeface="Courier New" panose="02070309020205020404" pitchFamily="49" charset="0"/>
-              </a:rPr>
-              <a:t>collect_fact_id</a:t>
-            </a:r>
-            <a:r>
-              <a:rPr lang="en-US" sz="1100" dirty="0" smtClean="0">
-                <a:latin typeface="Courier New" panose="02070309020205020404" pitchFamily="49" charset="0"/>
-                <a:cs typeface="Courier New" panose="02070309020205020404" pitchFamily="49" charset="0"/>
-              </a:rPr>
-              <a:t>             </a:t>
-            </a:r>
-            <a:r>
-              <a:rPr lang="en-US" sz="1100" dirty="0">
-                <a:latin typeface="Courier New" panose="02070309020205020404" pitchFamily="49" charset="0"/>
-                <a:cs typeface="Courier New" panose="02070309020205020404" pitchFamily="49" charset="0"/>
-              </a:rPr>
-              <a:t>number;</a:t>
-            </a:r>
-          </a:p>
-          <a:p>
-            <a:r>
-              <a:rPr lang="en-US" sz="1100" dirty="0">
-                <a:latin typeface="Courier New" panose="02070309020205020404" pitchFamily="49" charset="0"/>
-                <a:cs typeface="Courier New" panose="02070309020205020404" pitchFamily="49" charset="0"/>
-              </a:rPr>
-              <a:t> </a:t>
-            </a:r>
-            <a:r>
-              <a:rPr lang="en-US" sz="1100" dirty="0" err="1" smtClean="0">
-                <a:latin typeface="Courier New" panose="02070309020205020404" pitchFamily="49" charset="0"/>
-                <a:cs typeface="Courier New" panose="02070309020205020404" pitchFamily="49" charset="0"/>
-              </a:rPr>
-              <a:t>date_begin</a:t>
-            </a:r>
-            <a:r>
-              <a:rPr lang="en-US" sz="1100" dirty="0" smtClean="0">
-                <a:latin typeface="Courier New" panose="02070309020205020404" pitchFamily="49" charset="0"/>
-                <a:cs typeface="Courier New" panose="02070309020205020404" pitchFamily="49" charset="0"/>
-              </a:rPr>
-              <a:t>                  </a:t>
-            </a:r>
-            <a:r>
-              <a:rPr lang="en-US" sz="1100" dirty="0">
-                <a:latin typeface="Courier New" panose="02070309020205020404" pitchFamily="49" charset="0"/>
-                <a:cs typeface="Courier New" panose="02070309020205020404" pitchFamily="49" charset="0"/>
-              </a:rPr>
-              <a:t>date;</a:t>
-            </a:r>
-          </a:p>
-          <a:p>
-            <a:r>
-              <a:rPr lang="en-US" sz="1100" dirty="0">
-                <a:latin typeface="Courier New" panose="02070309020205020404" pitchFamily="49" charset="0"/>
-                <a:cs typeface="Courier New" panose="02070309020205020404" pitchFamily="49" charset="0"/>
-              </a:rPr>
-              <a:t> </a:t>
-            </a:r>
-            <a:r>
-              <a:rPr lang="en-US" sz="1100" dirty="0" err="1" smtClean="0">
-                <a:latin typeface="Courier New" panose="02070309020205020404" pitchFamily="49" charset="0"/>
-                <a:cs typeface="Courier New" panose="02070309020205020404" pitchFamily="49" charset="0"/>
-              </a:rPr>
-              <a:t>date_end</a:t>
-            </a:r>
-            <a:r>
-              <a:rPr lang="en-US" sz="1100" dirty="0" smtClean="0">
-                <a:latin typeface="Courier New" panose="02070309020205020404" pitchFamily="49" charset="0"/>
-                <a:cs typeface="Courier New" panose="02070309020205020404" pitchFamily="49" charset="0"/>
-              </a:rPr>
-              <a:t>                    </a:t>
-            </a:r>
-            <a:r>
-              <a:rPr lang="en-US" sz="1100" dirty="0">
-                <a:latin typeface="Courier New" panose="02070309020205020404" pitchFamily="49" charset="0"/>
-                <a:cs typeface="Courier New" panose="02070309020205020404" pitchFamily="49" charset="0"/>
-              </a:rPr>
-              <a:t>date;</a:t>
-            </a:r>
-          </a:p>
-          <a:p>
-            <a:r>
-              <a:rPr lang="en-US" sz="1100" dirty="0">
-                <a:latin typeface="Courier New" panose="02070309020205020404" pitchFamily="49" charset="0"/>
-                <a:cs typeface="Courier New" panose="02070309020205020404" pitchFamily="49" charset="0"/>
-              </a:rPr>
-              <a:t> </a:t>
-            </a:r>
-            <a:r>
-              <a:rPr lang="en-US" sz="1100" dirty="0" err="1" smtClean="0">
-                <a:latin typeface="Courier New" panose="02070309020205020404" pitchFamily="49" charset="0"/>
-                <a:cs typeface="Courier New" panose="02070309020205020404" pitchFamily="49" charset="0"/>
-              </a:rPr>
-              <a:t>year_dog</a:t>
-            </a:r>
-            <a:r>
-              <a:rPr lang="en-US" sz="1100" dirty="0" smtClean="0">
-                <a:latin typeface="Courier New" panose="02070309020205020404" pitchFamily="49" charset="0"/>
-                <a:cs typeface="Courier New" panose="02070309020205020404" pitchFamily="49" charset="0"/>
-              </a:rPr>
-              <a:t>                    </a:t>
-            </a:r>
-            <a:r>
-              <a:rPr lang="en-US" sz="1100" dirty="0">
-                <a:latin typeface="Courier New" panose="02070309020205020404" pitchFamily="49" charset="0"/>
-                <a:cs typeface="Courier New" panose="02070309020205020404" pitchFamily="49" charset="0"/>
-              </a:rPr>
-              <a:t>varchar2(4);</a:t>
-            </a:r>
-          </a:p>
-          <a:p>
-            <a:r>
-              <a:rPr lang="en-US" sz="1100" dirty="0">
-                <a:latin typeface="Courier New" panose="02070309020205020404" pitchFamily="49" charset="0"/>
-                <a:cs typeface="Courier New" panose="02070309020205020404" pitchFamily="49" charset="0"/>
-              </a:rPr>
-              <a:t> </a:t>
-            </a:r>
-            <a:r>
-              <a:rPr lang="en-US" sz="1100" dirty="0" err="1" smtClean="0">
-                <a:latin typeface="Courier New" panose="02070309020205020404" pitchFamily="49" charset="0"/>
-                <a:cs typeface="Courier New" panose="02070309020205020404" pitchFamily="49" charset="0"/>
-              </a:rPr>
-              <a:t>num_dog</a:t>
-            </a:r>
-            <a:r>
-              <a:rPr lang="en-US" sz="1100" dirty="0" smtClean="0">
-                <a:latin typeface="Courier New" panose="02070309020205020404" pitchFamily="49" charset="0"/>
-                <a:cs typeface="Courier New" panose="02070309020205020404" pitchFamily="49" charset="0"/>
-              </a:rPr>
-              <a:t>                     </a:t>
-            </a:r>
-            <a:r>
-              <a:rPr lang="en-US" sz="1100" dirty="0">
-                <a:latin typeface="Courier New" panose="02070309020205020404" pitchFamily="49" charset="0"/>
-                <a:cs typeface="Courier New" panose="02070309020205020404" pitchFamily="49" charset="0"/>
-              </a:rPr>
-              <a:t>number := 1;</a:t>
-            </a:r>
-          </a:p>
-          <a:p>
-            <a:r>
-              <a:rPr lang="en-US" sz="1100" dirty="0">
-                <a:latin typeface="Courier New" panose="02070309020205020404" pitchFamily="49" charset="0"/>
-                <a:cs typeface="Courier New" panose="02070309020205020404" pitchFamily="49" charset="0"/>
-              </a:rPr>
-              <a:t> </a:t>
-            </a:r>
-            <a:r>
-              <a:rPr lang="en-US" sz="1100" dirty="0" err="1" smtClean="0">
-                <a:latin typeface="Courier New" panose="02070309020205020404" pitchFamily="49" charset="0"/>
-                <a:cs typeface="Courier New" panose="02070309020205020404" pitchFamily="49" charset="0"/>
-              </a:rPr>
-              <a:t>amount_dog_in_current_year</a:t>
-            </a:r>
-            <a:r>
-              <a:rPr lang="en-US" sz="1100" dirty="0" smtClean="0">
-                <a:latin typeface="Courier New" panose="02070309020205020404" pitchFamily="49" charset="0"/>
-                <a:cs typeface="Courier New" panose="02070309020205020404" pitchFamily="49" charset="0"/>
-              </a:rPr>
-              <a:t>  </a:t>
-            </a:r>
-            <a:r>
-              <a:rPr lang="en-US" sz="1100" dirty="0">
-                <a:latin typeface="Courier New" panose="02070309020205020404" pitchFamily="49" charset="0"/>
-                <a:cs typeface="Courier New" panose="02070309020205020404" pitchFamily="49" charset="0"/>
-              </a:rPr>
-              <a:t>number := 0;</a:t>
-            </a:r>
-          </a:p>
-          <a:p>
-            <a:r>
-              <a:rPr lang="en-US" sz="1100" dirty="0">
-                <a:latin typeface="Courier New" panose="02070309020205020404" pitchFamily="49" charset="0"/>
-                <a:cs typeface="Courier New" panose="02070309020205020404" pitchFamily="49" charset="0"/>
-              </a:rPr>
-              <a:t> </a:t>
-            </a:r>
-            <a:r>
-              <a:rPr lang="en-US" sz="1100" dirty="0" err="1" smtClean="0">
-                <a:latin typeface="Courier New" panose="02070309020205020404" pitchFamily="49" charset="0"/>
-                <a:cs typeface="Courier New" panose="02070309020205020404" pitchFamily="49" charset="0"/>
-              </a:rPr>
-              <a:t>credit_month_percent</a:t>
-            </a:r>
-            <a:r>
-              <a:rPr lang="en-US" sz="1100" dirty="0" smtClean="0">
-                <a:latin typeface="Courier New" panose="02070309020205020404" pitchFamily="49" charset="0"/>
-                <a:cs typeface="Courier New" panose="02070309020205020404" pitchFamily="49" charset="0"/>
-              </a:rPr>
-              <a:t>        </a:t>
-            </a:r>
-            <a:r>
-              <a:rPr lang="en-US" sz="1100" dirty="0">
-                <a:latin typeface="Courier New" panose="02070309020205020404" pitchFamily="49" charset="0"/>
-                <a:cs typeface="Courier New" panose="02070309020205020404" pitchFamily="49" charset="0"/>
-              </a:rPr>
-              <a:t>number;   </a:t>
-            </a:r>
-            <a:r>
-              <a:rPr lang="en-US" sz="1100" dirty="0" smtClean="0">
-                <a:latin typeface="Courier New" panose="02070309020205020404" pitchFamily="49" charset="0"/>
-                <a:cs typeface="Courier New" panose="02070309020205020404" pitchFamily="49" charset="0"/>
-              </a:rPr>
-              <a:t>-- </a:t>
-            </a:r>
-            <a:r>
-              <a:rPr lang="ru-RU" sz="1100" dirty="0">
-                <a:latin typeface="Courier New" panose="02070309020205020404" pitchFamily="49" charset="0"/>
-                <a:cs typeface="Courier New" panose="02070309020205020404" pitchFamily="49" charset="0"/>
-              </a:rPr>
-              <a:t>ежемесячная процентная ставка</a:t>
-            </a:r>
-          </a:p>
-          <a:p>
-            <a:r>
-              <a:rPr lang="ru-RU" sz="1100" dirty="0">
-                <a:latin typeface="Courier New" panose="02070309020205020404" pitchFamily="49" charset="0"/>
-                <a:cs typeface="Courier New" panose="02070309020205020404" pitchFamily="49" charset="0"/>
-              </a:rPr>
-              <a:t> </a:t>
-            </a:r>
-            <a:r>
-              <a:rPr lang="en-US" sz="1100" dirty="0" err="1" smtClean="0">
-                <a:latin typeface="Courier New" panose="02070309020205020404" pitchFamily="49" charset="0"/>
-                <a:cs typeface="Courier New" panose="02070309020205020404" pitchFamily="49" charset="0"/>
-              </a:rPr>
-              <a:t>annuit_pay</a:t>
-            </a:r>
-            <a:r>
-              <a:rPr lang="en-US" sz="1100" dirty="0" smtClean="0">
-                <a:latin typeface="Courier New" panose="02070309020205020404" pitchFamily="49" charset="0"/>
-                <a:cs typeface="Courier New" panose="02070309020205020404" pitchFamily="49" charset="0"/>
-              </a:rPr>
-              <a:t>                  </a:t>
-            </a:r>
-            <a:r>
-              <a:rPr lang="en-US" sz="1100" dirty="0">
-                <a:latin typeface="Courier New" panose="02070309020205020404" pitchFamily="49" charset="0"/>
-                <a:cs typeface="Courier New" panose="02070309020205020404" pitchFamily="49" charset="0"/>
-              </a:rPr>
-              <a:t>number;   </a:t>
-            </a:r>
-            <a:r>
-              <a:rPr lang="en-US" sz="1100" dirty="0" smtClean="0">
-                <a:latin typeface="Courier New" panose="02070309020205020404" pitchFamily="49" charset="0"/>
-                <a:cs typeface="Courier New" panose="02070309020205020404" pitchFamily="49" charset="0"/>
-              </a:rPr>
-              <a:t>-- </a:t>
-            </a:r>
-            <a:r>
-              <a:rPr lang="ru-RU" sz="1100" dirty="0">
-                <a:latin typeface="Courier New" panose="02070309020205020404" pitchFamily="49" charset="0"/>
-                <a:cs typeface="Courier New" panose="02070309020205020404" pitchFamily="49" charset="0"/>
-              </a:rPr>
-              <a:t>размер </a:t>
-            </a:r>
-            <a:r>
-              <a:rPr lang="ru-RU" sz="1100" dirty="0" err="1">
-                <a:latin typeface="Courier New" panose="02070309020205020404" pitchFamily="49" charset="0"/>
-                <a:cs typeface="Courier New" panose="02070309020205020404" pitchFamily="49" charset="0"/>
-              </a:rPr>
-              <a:t>аннуитентного</a:t>
-            </a:r>
-            <a:r>
-              <a:rPr lang="ru-RU" sz="1100" dirty="0">
-                <a:latin typeface="Courier New" panose="02070309020205020404" pitchFamily="49" charset="0"/>
-                <a:cs typeface="Courier New" panose="02070309020205020404" pitchFamily="49" charset="0"/>
-              </a:rPr>
-              <a:t> платежа</a:t>
-            </a:r>
-          </a:p>
-          <a:p>
-            <a:r>
-              <a:rPr lang="ru-RU" sz="1100" dirty="0">
-                <a:latin typeface="Courier New" panose="02070309020205020404" pitchFamily="49" charset="0"/>
-                <a:cs typeface="Courier New" panose="02070309020205020404" pitchFamily="49" charset="0"/>
-              </a:rPr>
-              <a:t> </a:t>
-            </a:r>
-            <a:r>
-              <a:rPr lang="en-US" sz="1100" dirty="0" err="1" smtClean="0">
-                <a:latin typeface="Courier New" panose="02070309020205020404" pitchFamily="49" charset="0"/>
-                <a:cs typeface="Courier New" panose="02070309020205020404" pitchFamily="49" charset="0"/>
-              </a:rPr>
-              <a:t>p_date</a:t>
-            </a:r>
-            <a:r>
-              <a:rPr lang="en-US" sz="1100" dirty="0" smtClean="0">
-                <a:latin typeface="Courier New" panose="02070309020205020404" pitchFamily="49" charset="0"/>
-                <a:cs typeface="Courier New" panose="02070309020205020404" pitchFamily="49" charset="0"/>
-              </a:rPr>
-              <a:t>                      </a:t>
-            </a:r>
-            <a:r>
-              <a:rPr lang="en-US" sz="1100" dirty="0">
-                <a:latin typeface="Courier New" panose="02070309020205020404" pitchFamily="49" charset="0"/>
-                <a:cs typeface="Courier New" panose="02070309020205020404" pitchFamily="49" charset="0"/>
-              </a:rPr>
-              <a:t>date;     </a:t>
-            </a:r>
-            <a:r>
-              <a:rPr lang="en-US" sz="1100" dirty="0" smtClean="0">
-                <a:latin typeface="Courier New" panose="02070309020205020404" pitchFamily="49" charset="0"/>
-                <a:cs typeface="Courier New" panose="02070309020205020404" pitchFamily="49" charset="0"/>
-              </a:rPr>
-              <a:t>-- </a:t>
-            </a:r>
-            <a:r>
-              <a:rPr lang="ru-RU" sz="1100" dirty="0" err="1" smtClean="0">
-                <a:latin typeface="Courier New" panose="02070309020205020404" pitchFamily="49" charset="0"/>
-                <a:cs typeface="Courier New" panose="02070309020205020404" pitchFamily="49" charset="0"/>
-              </a:rPr>
-              <a:t>план.дата</a:t>
-            </a:r>
-            <a:r>
-              <a:rPr lang="ru-RU" sz="1100" dirty="0" smtClean="0">
-                <a:latin typeface="Courier New" panose="02070309020205020404" pitchFamily="49" charset="0"/>
-                <a:cs typeface="Courier New" panose="02070309020205020404" pitchFamily="49" charset="0"/>
-              </a:rPr>
-              <a:t> </a:t>
-            </a:r>
-            <a:r>
-              <a:rPr lang="ru-RU" sz="1100" dirty="0" err="1">
-                <a:latin typeface="Courier New" panose="02070309020205020404" pitchFamily="49" charset="0"/>
-                <a:cs typeface="Courier New" panose="02070309020205020404" pitchFamily="49" charset="0"/>
-              </a:rPr>
-              <a:t>аннуитентного</a:t>
-            </a:r>
-            <a:r>
-              <a:rPr lang="ru-RU" sz="1100" dirty="0">
-                <a:latin typeface="Courier New" panose="02070309020205020404" pitchFamily="49" charset="0"/>
-                <a:cs typeface="Courier New" panose="02070309020205020404" pitchFamily="49" charset="0"/>
-              </a:rPr>
-              <a:t> платежа</a:t>
-            </a:r>
-          </a:p>
-          <a:p>
-            <a:r>
-              <a:rPr lang="ru-RU" sz="1100" dirty="0">
-                <a:latin typeface="Courier New" panose="02070309020205020404" pitchFamily="49" charset="0"/>
-                <a:cs typeface="Courier New" panose="02070309020205020404" pitchFamily="49" charset="0"/>
-              </a:rPr>
-              <a:t> </a:t>
-            </a:r>
-            <a:r>
-              <a:rPr lang="en-US" sz="1100" dirty="0" err="1" smtClean="0">
-                <a:latin typeface="Courier New" panose="02070309020205020404" pitchFamily="49" charset="0"/>
-                <a:cs typeface="Courier New" panose="02070309020205020404" pitchFamily="49" charset="0"/>
-              </a:rPr>
-              <a:t>p_summa_percent</a:t>
-            </a:r>
-            <a:r>
-              <a:rPr lang="en-US" sz="1100" dirty="0" smtClean="0">
-                <a:latin typeface="Courier New" panose="02070309020205020404" pitchFamily="49" charset="0"/>
-                <a:cs typeface="Courier New" panose="02070309020205020404" pitchFamily="49" charset="0"/>
-              </a:rPr>
-              <a:t>             </a:t>
-            </a:r>
-            <a:r>
-              <a:rPr lang="en-US" sz="1100" dirty="0">
-                <a:latin typeface="Courier New" panose="02070309020205020404" pitchFamily="49" charset="0"/>
-                <a:cs typeface="Courier New" panose="02070309020205020404" pitchFamily="49" charset="0"/>
-              </a:rPr>
-              <a:t>number;   </a:t>
-            </a:r>
-            <a:r>
-              <a:rPr lang="en-US" sz="1100" dirty="0" smtClean="0">
-                <a:latin typeface="Courier New" panose="02070309020205020404" pitchFamily="49" charset="0"/>
-                <a:cs typeface="Courier New" panose="02070309020205020404" pitchFamily="49" charset="0"/>
-              </a:rPr>
-              <a:t>-- </a:t>
-            </a:r>
-            <a:r>
-              <a:rPr lang="ru-RU" sz="1100" dirty="0">
-                <a:latin typeface="Courier New" panose="02070309020205020404" pitchFamily="49" charset="0"/>
-                <a:cs typeface="Courier New" panose="02070309020205020404" pitchFamily="49" charset="0"/>
-              </a:rPr>
-              <a:t>ежемесячное погашение процентов</a:t>
-            </a:r>
-          </a:p>
-          <a:p>
-            <a:r>
-              <a:rPr lang="ru-RU" sz="1100" dirty="0">
-                <a:latin typeface="Courier New" panose="02070309020205020404" pitchFamily="49" charset="0"/>
-                <a:cs typeface="Courier New" panose="02070309020205020404" pitchFamily="49" charset="0"/>
-              </a:rPr>
-              <a:t> </a:t>
-            </a:r>
-            <a:r>
-              <a:rPr lang="en-US" sz="1100" dirty="0" err="1" smtClean="0">
-                <a:latin typeface="Courier New" panose="02070309020205020404" pitchFamily="49" charset="0"/>
-                <a:cs typeface="Courier New" panose="02070309020205020404" pitchFamily="49" charset="0"/>
-              </a:rPr>
-              <a:t>p_summa_body</a:t>
-            </a:r>
-            <a:r>
-              <a:rPr lang="en-US" sz="1100" dirty="0" smtClean="0">
-                <a:latin typeface="Courier New" panose="02070309020205020404" pitchFamily="49" charset="0"/>
-                <a:cs typeface="Courier New" panose="02070309020205020404" pitchFamily="49" charset="0"/>
-              </a:rPr>
-              <a:t>                </a:t>
-            </a:r>
-            <a:r>
-              <a:rPr lang="en-US" sz="1100" dirty="0">
-                <a:latin typeface="Courier New" panose="02070309020205020404" pitchFamily="49" charset="0"/>
-                <a:cs typeface="Courier New" panose="02070309020205020404" pitchFamily="49" charset="0"/>
-              </a:rPr>
-              <a:t>number;   </a:t>
-            </a:r>
-            <a:r>
-              <a:rPr lang="en-US" sz="1100" dirty="0" smtClean="0">
-                <a:latin typeface="Courier New" panose="02070309020205020404" pitchFamily="49" charset="0"/>
-                <a:cs typeface="Courier New" panose="02070309020205020404" pitchFamily="49" charset="0"/>
-              </a:rPr>
-              <a:t>-- </a:t>
-            </a:r>
-            <a:r>
-              <a:rPr lang="ru-RU" sz="1100" dirty="0">
-                <a:latin typeface="Courier New" panose="02070309020205020404" pitchFamily="49" charset="0"/>
-                <a:cs typeface="Courier New" panose="02070309020205020404" pitchFamily="49" charset="0"/>
-              </a:rPr>
-              <a:t>ежемесячное погашение кредита</a:t>
-            </a:r>
-          </a:p>
-          <a:p>
-            <a:r>
-              <a:rPr lang="ru-RU" sz="1100" dirty="0">
-                <a:latin typeface="Courier New" panose="02070309020205020404" pitchFamily="49" charset="0"/>
-                <a:cs typeface="Courier New" panose="02070309020205020404" pitchFamily="49" charset="0"/>
-              </a:rPr>
-              <a:t> </a:t>
-            </a:r>
-            <a:r>
-              <a:rPr lang="en-US" sz="1100" dirty="0" err="1" smtClean="0">
-                <a:latin typeface="Courier New" panose="02070309020205020404" pitchFamily="49" charset="0"/>
-                <a:cs typeface="Courier New" panose="02070309020205020404" pitchFamily="49" charset="0"/>
-              </a:rPr>
-              <a:t>summa_dog_ostat</a:t>
-            </a:r>
-            <a:r>
-              <a:rPr lang="en-US" sz="1100" dirty="0" smtClean="0">
-                <a:latin typeface="Courier New" panose="02070309020205020404" pitchFamily="49" charset="0"/>
-                <a:cs typeface="Courier New" panose="02070309020205020404" pitchFamily="49" charset="0"/>
-              </a:rPr>
-              <a:t>             </a:t>
-            </a:r>
-            <a:r>
-              <a:rPr lang="en-US" sz="1100" dirty="0">
-                <a:latin typeface="Courier New" panose="02070309020205020404" pitchFamily="49" charset="0"/>
-                <a:cs typeface="Courier New" panose="02070309020205020404" pitchFamily="49" charset="0"/>
-              </a:rPr>
-              <a:t>number;   </a:t>
-            </a:r>
-            <a:r>
-              <a:rPr lang="en-US" sz="1100" dirty="0" smtClean="0">
-                <a:latin typeface="Courier New" panose="02070309020205020404" pitchFamily="49" charset="0"/>
-                <a:cs typeface="Courier New" panose="02070309020205020404" pitchFamily="49" charset="0"/>
-              </a:rPr>
-              <a:t>-- </a:t>
-            </a:r>
-            <a:r>
-              <a:rPr lang="ru-RU" sz="1100" dirty="0">
-                <a:latin typeface="Courier New" panose="02070309020205020404" pitchFamily="49" charset="0"/>
-                <a:cs typeface="Courier New" panose="02070309020205020404" pitchFamily="49" charset="0"/>
-              </a:rPr>
-              <a:t>остаток по кредиту</a:t>
-            </a:r>
-          </a:p>
-          <a:p>
-            <a:endParaRPr lang="ru-RU" sz="1100" dirty="0">
-              <a:latin typeface="Courier New" panose="02070309020205020404" pitchFamily="49" charset="0"/>
-              <a:cs typeface="Courier New" panose="02070309020205020404" pitchFamily="49" charset="0"/>
-            </a:endParaRPr>
-          </a:p>
-          <a:p>
-            <a:r>
-              <a:rPr lang="en-US" sz="1100" dirty="0">
-                <a:latin typeface="Courier New" panose="02070309020205020404" pitchFamily="49" charset="0"/>
-                <a:cs typeface="Courier New" panose="02070309020205020404" pitchFamily="49" charset="0"/>
-              </a:rPr>
-              <a:t>BEGIN</a:t>
-            </a:r>
-          </a:p>
-          <a:p>
+              <a:t>*/</a:t>
+            </a:r>
             <a:endParaRPr lang="en-US" sz="1100" dirty="0">
               <a:latin typeface="Courier New" panose="02070309020205020404" pitchFamily="49" charset="0"/>
               <a:cs typeface="Courier New" panose="02070309020205020404" pitchFamily="49" charset="0"/>
@@ -14913,40 +14020,69 @@
           </a:p>
           <a:p>
             <a:r>
-              <a:rPr lang="en-US" sz="1100" dirty="0">
-                <a:latin typeface="Courier New" panose="02070309020205020404" pitchFamily="49" charset="0"/>
-                <a:cs typeface="Courier New" panose="02070309020205020404" pitchFamily="49" charset="0"/>
-              </a:rPr>
-              <a:t>    c##</a:t>
+              <a:rPr lang="en-US" sz="1100" dirty="0" smtClean="0">
+                <a:latin typeface="Courier New" panose="02070309020205020404" pitchFamily="49" charset="0"/>
+                <a:cs typeface="Courier New" panose="02070309020205020404" pitchFamily="49" charset="0"/>
+              </a:rPr>
+              <a:t>CREATE </a:t>
+            </a:r>
+            <a:r>
+              <a:rPr lang="en-US" sz="1100" dirty="0">
+                <a:latin typeface="Courier New" panose="02070309020205020404" pitchFamily="49" charset="0"/>
+                <a:cs typeface="Courier New" panose="02070309020205020404" pitchFamily="49" charset="0"/>
+              </a:rPr>
+              <a:t>OR REPLACE PACKAGE c##</a:t>
             </a:r>
             <a:r>
               <a:rPr lang="en-US" sz="1100" dirty="0" err="1">
                 <a:latin typeface="Courier New" panose="02070309020205020404" pitchFamily="49" charset="0"/>
                 <a:cs typeface="Courier New" panose="02070309020205020404" pitchFamily="49" charset="0"/>
               </a:rPr>
-              <a:t>course.pr_create_client</a:t>
-            </a:r>
-            <a:r>
-              <a:rPr lang="en-US" sz="1100" dirty="0">
-                <a:latin typeface="Courier New" panose="02070309020205020404" pitchFamily="49" charset="0"/>
-                <a:cs typeface="Courier New" panose="02070309020205020404" pitchFamily="49" charset="0"/>
-              </a:rPr>
-              <a:t>(</a:t>
+              <a:t>course.split</a:t>
+            </a:r>
+            <a:r>
+              <a:rPr lang="en-US" sz="1100" dirty="0">
+                <a:latin typeface="Courier New" panose="02070309020205020404" pitchFamily="49" charset="0"/>
+                <a:cs typeface="Courier New" panose="02070309020205020404" pitchFamily="49" charset="0"/>
+              </a:rPr>
+              <a:t> AS</a:t>
+            </a:r>
+          </a:p>
+          <a:p>
+            <a:r>
+              <a:rPr lang="ru-RU" sz="1100" dirty="0" smtClean="0">
+                <a:latin typeface="Courier New" panose="02070309020205020404" pitchFamily="49" charset="0"/>
+                <a:cs typeface="Courier New" panose="02070309020205020404" pitchFamily="49" charset="0"/>
+              </a:rPr>
+              <a:t>    </a:t>
+            </a:r>
+            <a:r>
+              <a:rPr lang="en-US" sz="1100" dirty="0" smtClean="0">
+                <a:latin typeface="Courier New" panose="02070309020205020404" pitchFamily="49" charset="0"/>
+                <a:cs typeface="Courier New" panose="02070309020205020404" pitchFamily="49" charset="0"/>
+              </a:rPr>
+              <a:t>TYPE </a:t>
             </a:r>
             <a:r>
               <a:rPr lang="en-US" sz="1100" dirty="0" err="1">
                 <a:latin typeface="Courier New" panose="02070309020205020404" pitchFamily="49" charset="0"/>
                 <a:cs typeface="Courier New" panose="02070309020205020404" pitchFamily="49" charset="0"/>
               </a:rPr>
-              <a:t>client_name,client_birth,client_id</a:t>
-            </a:r>
-            <a:r>
-              <a:rPr lang="en-US" sz="1100" dirty="0">
-                <a:latin typeface="Courier New" panose="02070309020205020404" pitchFamily="49" charset="0"/>
-                <a:cs typeface="Courier New" panose="02070309020205020404" pitchFamily="49" charset="0"/>
-              </a:rPr>
-              <a:t>);</a:t>
-            </a:r>
+              <a:t>arr</a:t>
+            </a:r>
+            <a:r>
+              <a:rPr lang="en-US" sz="1100" dirty="0">
+                <a:latin typeface="Courier New" panose="02070309020205020404" pitchFamily="49" charset="0"/>
+                <a:cs typeface="Courier New" panose="02070309020205020404" pitchFamily="49" charset="0"/>
+              </a:rPr>
+              <a:t> IS TABLE OF CLOB INDEX BY PLS_INTEGER;</a:t>
+            </a:r>
+          </a:p>
+          <a:p>
+            <a:endParaRPr lang="ru-RU" sz="1100" dirty="0" smtClean="0">
+              <a:latin typeface="Courier New" panose="02070309020205020404" pitchFamily="49" charset="0"/>
+              <a:cs typeface="Courier New" panose="02070309020205020404" pitchFamily="49" charset="0"/>
+            </a:endParaRPr>
           </a:p>
           <a:p>
             <a:r>
@@ -14954,25 +14090,280 @@
                 <a:latin typeface="Courier New" panose="02070309020205020404" pitchFamily="49" charset="0"/>
                 <a:cs typeface="Courier New" panose="02070309020205020404" pitchFamily="49" charset="0"/>
               </a:rPr>
-              <a:t>...</a:t>
+              <a:t>    </a:t>
+            </a:r>
+            <a:r>
+              <a:rPr lang="en-US" sz="1100" dirty="0" smtClean="0">
+                <a:latin typeface="Courier New" panose="02070309020205020404" pitchFamily="49" charset="0"/>
+                <a:cs typeface="Courier New" panose="02070309020205020404" pitchFamily="49" charset="0"/>
+              </a:rPr>
+              <a:t>-- </a:t>
+            </a:r>
+            <a:r>
+              <a:rPr lang="en-US" sz="1100" dirty="0">
+                <a:latin typeface="Courier New" panose="02070309020205020404" pitchFamily="49" charset="0"/>
+                <a:cs typeface="Courier New" panose="02070309020205020404" pitchFamily="49" charset="0"/>
+              </a:rPr>
+              <a:t>get return Index of Collection</a:t>
+            </a:r>
+          </a:p>
+          <a:p>
+            <a:r>
+              <a:rPr lang="en-US" sz="1100" dirty="0">
+                <a:latin typeface="Courier New" panose="02070309020205020404" pitchFamily="49" charset="0"/>
+                <a:cs typeface="Courier New" panose="02070309020205020404" pitchFamily="49" charset="0"/>
+              </a:rPr>
+              <a:t>    FUNCTION </a:t>
+            </a:r>
+            <a:r>
+              <a:rPr lang="en-US" sz="1100" dirty="0" smtClean="0">
+                <a:latin typeface="Courier New" panose="02070309020205020404" pitchFamily="49" charset="0"/>
+                <a:cs typeface="Courier New" panose="02070309020205020404" pitchFamily="49" charset="0"/>
+              </a:rPr>
+              <a:t>get</a:t>
+            </a:r>
+            <a:r>
+              <a:rPr lang="ru-RU" sz="1100" dirty="0" smtClean="0">
+                <a:latin typeface="Courier New" panose="02070309020205020404" pitchFamily="49" charset="0"/>
+                <a:cs typeface="Courier New" panose="02070309020205020404" pitchFamily="49" charset="0"/>
+              </a:rPr>
+              <a:t> (</a:t>
+            </a:r>
+            <a:r>
+              <a:rPr lang="en-US" sz="1100" dirty="0" err="1" smtClean="0">
+                <a:latin typeface="Courier New" panose="02070309020205020404" pitchFamily="49" charset="0"/>
+                <a:cs typeface="Courier New" panose="02070309020205020404" pitchFamily="49" charset="0"/>
+              </a:rPr>
+              <a:t>str</a:t>
+            </a:r>
+            <a:r>
+              <a:rPr lang="ru-RU" sz="1100" dirty="0" smtClean="0">
+                <a:latin typeface="Courier New" panose="02070309020205020404" pitchFamily="49" charset="0"/>
+                <a:cs typeface="Courier New" panose="02070309020205020404" pitchFamily="49" charset="0"/>
+              </a:rPr>
+              <a:t> </a:t>
+            </a:r>
+            <a:r>
+              <a:rPr lang="en-US" sz="1100" dirty="0" smtClean="0">
+                <a:latin typeface="Courier New" panose="02070309020205020404" pitchFamily="49" charset="0"/>
+                <a:cs typeface="Courier New" panose="02070309020205020404" pitchFamily="49" charset="0"/>
+              </a:rPr>
+              <a:t>CLOB</a:t>
+            </a:r>
+            <a:r>
+              <a:rPr lang="ru-RU" sz="1100" dirty="0" smtClean="0">
+                <a:latin typeface="Courier New" panose="02070309020205020404" pitchFamily="49" charset="0"/>
+                <a:cs typeface="Courier New" panose="02070309020205020404" pitchFamily="49" charset="0"/>
+              </a:rPr>
+              <a:t>, </a:t>
+            </a:r>
+            <a:r>
+              <a:rPr lang="en-US" sz="1100" dirty="0" err="1" smtClean="0">
+                <a:latin typeface="Courier New" panose="02070309020205020404" pitchFamily="49" charset="0"/>
+                <a:cs typeface="Courier New" panose="02070309020205020404" pitchFamily="49" charset="0"/>
+              </a:rPr>
+              <a:t>delim</a:t>
+            </a:r>
+            <a:r>
+              <a:rPr lang="ru-RU" sz="1100" dirty="0" smtClean="0">
+                <a:latin typeface="Courier New" panose="02070309020205020404" pitchFamily="49" charset="0"/>
+                <a:cs typeface="Courier New" panose="02070309020205020404" pitchFamily="49" charset="0"/>
+              </a:rPr>
+              <a:t> </a:t>
+            </a:r>
+            <a:r>
+              <a:rPr lang="en-US" sz="1100" dirty="0" smtClean="0">
+                <a:latin typeface="Courier New" panose="02070309020205020404" pitchFamily="49" charset="0"/>
+                <a:cs typeface="Courier New" panose="02070309020205020404" pitchFamily="49" charset="0"/>
+              </a:rPr>
+              <a:t>CLOB,</a:t>
+            </a:r>
+            <a:r>
+              <a:rPr lang="ru-RU" sz="1100" dirty="0" smtClean="0">
+                <a:latin typeface="Courier New" panose="02070309020205020404" pitchFamily="49" charset="0"/>
+                <a:cs typeface="Courier New" panose="02070309020205020404" pitchFamily="49" charset="0"/>
+              </a:rPr>
+              <a:t> </a:t>
+            </a:r>
+            <a:r>
+              <a:rPr lang="en-US" sz="1100" dirty="0" err="1" smtClean="0">
+                <a:latin typeface="Courier New" panose="02070309020205020404" pitchFamily="49" charset="0"/>
+                <a:cs typeface="Courier New" panose="02070309020205020404" pitchFamily="49" charset="0"/>
+              </a:rPr>
+              <a:t>get_index</a:t>
+            </a:r>
+            <a:r>
+              <a:rPr lang="en-US" sz="1100" dirty="0" smtClean="0">
+                <a:latin typeface="Courier New" panose="02070309020205020404" pitchFamily="49" charset="0"/>
+                <a:cs typeface="Courier New" panose="02070309020205020404" pitchFamily="49" charset="0"/>
+              </a:rPr>
+              <a:t> PLS_INTEGER</a:t>
+            </a:r>
+            <a:r>
+              <a:rPr lang="ru-RU" sz="1100" dirty="0" smtClean="0">
+                <a:latin typeface="Courier New" panose="02070309020205020404" pitchFamily="49" charset="0"/>
+                <a:cs typeface="Courier New" panose="02070309020205020404" pitchFamily="49" charset="0"/>
+              </a:rPr>
+              <a:t>)</a:t>
             </a:r>
             <a:endParaRPr lang="en-US" sz="1100" dirty="0">
               <a:latin typeface="Courier New" panose="02070309020205020404" pitchFamily="49" charset="0"/>
               <a:cs typeface="Courier New" panose="02070309020205020404" pitchFamily="49" charset="0"/>
             </a:endParaRPr>
           </a:p>
+          <a:p>
+            <a:r>
+              <a:rPr lang="en-US" sz="1100" dirty="0">
+                <a:latin typeface="Courier New" panose="02070309020205020404" pitchFamily="49" charset="0"/>
+                <a:cs typeface="Courier New" panose="02070309020205020404" pitchFamily="49" charset="0"/>
+              </a:rPr>
+              <a:t>        RETURN CLOB;</a:t>
+            </a:r>
+          </a:p>
+          <a:p>
+            <a:endParaRPr lang="ru-RU" sz="1100" dirty="0" smtClean="0">
+              <a:latin typeface="Courier New" panose="02070309020205020404" pitchFamily="49" charset="0"/>
+              <a:cs typeface="Courier New" panose="02070309020205020404" pitchFamily="49" charset="0"/>
+            </a:endParaRPr>
+          </a:p>
+          <a:p>
+            <a:r>
+              <a:rPr lang="ru-RU" sz="1100" dirty="0" smtClean="0">
+                <a:latin typeface="Courier New" panose="02070309020205020404" pitchFamily="49" charset="0"/>
+                <a:cs typeface="Courier New" panose="02070309020205020404" pitchFamily="49" charset="0"/>
+              </a:rPr>
+              <a:t>    </a:t>
+            </a:r>
+            <a:r>
+              <a:rPr lang="en-US" sz="1100" dirty="0" smtClean="0">
+                <a:latin typeface="Courier New" panose="02070309020205020404" pitchFamily="49" charset="0"/>
+                <a:cs typeface="Courier New" panose="02070309020205020404" pitchFamily="49" charset="0"/>
+              </a:rPr>
+              <a:t>-- </a:t>
+            </a:r>
+            <a:r>
+              <a:rPr lang="en-US" sz="1100" dirty="0" err="1">
+                <a:latin typeface="Courier New" panose="02070309020205020404" pitchFamily="49" charset="0"/>
+                <a:cs typeface="Courier New" panose="02070309020205020404" pitchFamily="49" charset="0"/>
+              </a:rPr>
+              <a:t>getArr</a:t>
+            </a:r>
+            <a:r>
+              <a:rPr lang="en-US" sz="1100" dirty="0">
+                <a:latin typeface="Courier New" panose="02070309020205020404" pitchFamily="49" charset="0"/>
+                <a:cs typeface="Courier New" panose="02070309020205020404" pitchFamily="49" charset="0"/>
+              </a:rPr>
+              <a:t> return Collection</a:t>
+            </a:r>
+          </a:p>
+          <a:p>
+            <a:r>
+              <a:rPr lang="en-US" sz="1100" dirty="0">
+                <a:latin typeface="Courier New" panose="02070309020205020404" pitchFamily="49" charset="0"/>
+                <a:cs typeface="Courier New" panose="02070309020205020404" pitchFamily="49" charset="0"/>
+              </a:rPr>
+              <a:t>    FUNCTION </a:t>
+            </a:r>
+            <a:r>
+              <a:rPr lang="en-US" sz="1100" dirty="0" smtClean="0">
+                <a:latin typeface="Courier New" panose="02070309020205020404" pitchFamily="49" charset="0"/>
+                <a:cs typeface="Courier New" panose="02070309020205020404" pitchFamily="49" charset="0"/>
+              </a:rPr>
+              <a:t>get (</a:t>
+            </a:r>
+            <a:r>
+              <a:rPr lang="en-US" sz="1100" dirty="0" err="1" smtClean="0">
+                <a:latin typeface="Courier New" panose="02070309020205020404" pitchFamily="49" charset="0"/>
+                <a:cs typeface="Courier New" panose="02070309020205020404" pitchFamily="49" charset="0"/>
+              </a:rPr>
+              <a:t>str</a:t>
+            </a:r>
+            <a:r>
+              <a:rPr lang="ru-RU" sz="1100" dirty="0" smtClean="0">
+                <a:latin typeface="Courier New" panose="02070309020205020404" pitchFamily="49" charset="0"/>
+                <a:cs typeface="Courier New" panose="02070309020205020404" pitchFamily="49" charset="0"/>
+              </a:rPr>
+              <a:t> </a:t>
+            </a:r>
+            <a:r>
+              <a:rPr lang="en-US" sz="1100" dirty="0" smtClean="0">
+                <a:latin typeface="Courier New" panose="02070309020205020404" pitchFamily="49" charset="0"/>
+                <a:cs typeface="Courier New" panose="02070309020205020404" pitchFamily="49" charset="0"/>
+              </a:rPr>
+              <a:t>CLOB,</a:t>
+            </a:r>
+            <a:r>
+              <a:rPr lang="ru-RU" sz="1100" dirty="0" smtClean="0">
+                <a:latin typeface="Courier New" panose="02070309020205020404" pitchFamily="49" charset="0"/>
+                <a:cs typeface="Courier New" panose="02070309020205020404" pitchFamily="49" charset="0"/>
+              </a:rPr>
+              <a:t> </a:t>
+            </a:r>
+            <a:r>
+              <a:rPr lang="en-US" sz="1100" dirty="0" err="1" smtClean="0">
+                <a:latin typeface="Courier New" panose="02070309020205020404" pitchFamily="49" charset="0"/>
+                <a:cs typeface="Courier New" panose="02070309020205020404" pitchFamily="49" charset="0"/>
+              </a:rPr>
+              <a:t>delim</a:t>
+            </a:r>
+            <a:r>
+              <a:rPr lang="ru-RU" sz="1100" dirty="0">
+                <a:latin typeface="Courier New" panose="02070309020205020404" pitchFamily="49" charset="0"/>
+                <a:cs typeface="Courier New" panose="02070309020205020404" pitchFamily="49" charset="0"/>
+              </a:rPr>
+              <a:t> </a:t>
+            </a:r>
+            <a:r>
+              <a:rPr lang="en-US" sz="1100" dirty="0" smtClean="0">
+                <a:latin typeface="Courier New" panose="02070309020205020404" pitchFamily="49" charset="0"/>
+                <a:cs typeface="Courier New" panose="02070309020205020404" pitchFamily="49" charset="0"/>
+              </a:rPr>
+              <a:t>CLOB)</a:t>
+            </a:r>
+            <a:endParaRPr lang="en-US" sz="1100" dirty="0">
+              <a:latin typeface="Courier New" panose="02070309020205020404" pitchFamily="49" charset="0"/>
+              <a:cs typeface="Courier New" panose="02070309020205020404" pitchFamily="49" charset="0"/>
+            </a:endParaRPr>
+          </a:p>
+          <a:p>
+            <a:r>
+              <a:rPr lang="en-US" sz="1100" dirty="0">
+                <a:latin typeface="Courier New" panose="02070309020205020404" pitchFamily="49" charset="0"/>
+                <a:cs typeface="Courier New" panose="02070309020205020404" pitchFamily="49" charset="0"/>
+              </a:rPr>
+              <a:t>        RETURN </a:t>
+            </a:r>
+            <a:r>
+              <a:rPr lang="en-US" sz="1100" dirty="0" err="1">
+                <a:latin typeface="Courier New" panose="02070309020205020404" pitchFamily="49" charset="0"/>
+                <a:cs typeface="Courier New" panose="02070309020205020404" pitchFamily="49" charset="0"/>
+              </a:rPr>
+              <a:t>arr</a:t>
+            </a:r>
+            <a:r>
+              <a:rPr lang="en-US" sz="1100" dirty="0">
+                <a:latin typeface="Courier New" panose="02070309020205020404" pitchFamily="49" charset="0"/>
+                <a:cs typeface="Courier New" panose="02070309020205020404" pitchFamily="49" charset="0"/>
+              </a:rPr>
+              <a:t>;</a:t>
+            </a:r>
+            <a:endParaRPr lang="en-US" sz="1100" dirty="0">
+              <a:latin typeface="Courier New" panose="02070309020205020404" pitchFamily="49" charset="0"/>
+              <a:cs typeface="Courier New" panose="02070309020205020404" pitchFamily="49" charset="0"/>
+            </a:endParaRPr>
+          </a:p>
         </p:txBody>
       </p:sp>
       <p:sp>
         <p:nvSpPr>
-          <p:cNvPr id="6" name="TextBox 5"/>
+          <p:cNvPr id="9" name="TextBox 8"/>
           <p:cNvSpPr txBox="1"/>
           <p:nvPr/>
         </p:nvSpPr>
         <p:spPr bwMode="auto">
           <a:xfrm>
             <a:off x="307850" y="6309320"/>
-            <a:ext cx="10657184" cy="461665"/>
+            <a:ext cx="10657184" cy="276999"/>
           </a:xfrm>
           <a:prstGeom prst="rect">
             <a:avLst/>
@@ -14995,7 +14386,7 @@
                 </a:solidFill>
                 <a:hlinkClick r:id="rId2"/>
               </a:rPr>
-              <a:t>https://github.com/AndrSor/Course_PLSQL_SB/blob/main/Course%20Work/04.2.%D0%9D%D0%BE%D0%B2%D1%8B%D0%B9%20%D0%B8%D0%BB%D0%B8%20%D1%81%D1%83%D1%89%D0%B5%D1%81%D1%82%D0%B2%D1%83%D1%8E%D1%89%D0%B8%D0%B9%20%D0%BA%D0%BB%D0%B8%D0%B5%D0%BD%D1%82.sql</a:t>
+              <a:t>https://github.com/AndrSor/Course_PLSQL_SB/blob/main/Course%20Work/03.6.CREATE%20PACKAE%20SPLIT.sql</a:t>
             </a:r>
             <a:endParaRPr lang="ru-RU" sz="1200" dirty="0">
               <a:solidFill>
@@ -15010,7 +14401,7 @@
       </p:sp>
       <p:sp>
         <p:nvSpPr>
-          <p:cNvPr id="8" name="TextBox 7"/>
+          <p:cNvPr id="10" name="TextBox 9"/>
           <p:cNvSpPr txBox="1"/>
           <p:nvPr/>
         </p:nvSpPr>
@@ -15032,48 +14423,16 @@
           <a:p>
             <a:r>
               <a:rPr lang="ru-RU" dirty="0" smtClean="0"/>
-              <a:t>Ссылка на код скри</a:t>
-            </a:r>
-            <a:r>
-              <a:rPr lang="ru-RU" dirty="0"/>
-              <a:t>п</a:t>
-            </a:r>
-            <a:r>
-              <a:rPr lang="ru-RU" dirty="0" smtClean="0"/>
-              <a:t>та:</a:t>
+              <a:t>Ссылка на код скрипта:</a:t>
             </a:r>
             <a:endParaRPr lang="ru-RU" dirty="0"/>
           </a:p>
         </p:txBody>
       </p:sp>
-      <p:pic>
-        <p:nvPicPr>
-          <p:cNvPr id="3" name="Рисунок 2"/>
-          <p:cNvPicPr>
-            <a:picLocks noChangeAspect="1"/>
-          </p:cNvPicPr>
-          <p:nvPr/>
-        </p:nvPicPr>
-        <p:blipFill>
-          <a:blip r:embed="rId3"/>
-          <a:stretch>
-            <a:fillRect/>
-          </a:stretch>
-        </p:blipFill>
-        <p:spPr>
-          <a:xfrm>
-            <a:off x="479376" y="1177469"/>
-            <a:ext cx="4610100" cy="1285875"/>
-          </a:xfrm>
-          <a:prstGeom prst="rect">
-            <a:avLst/>
-          </a:prstGeom>
-        </p:spPr>
-      </p:pic>
     </p:spTree>
     <p:extLst>
       <p:ext uri="{BB962C8B-B14F-4D97-AF65-F5344CB8AC3E}">
-        <p14:creationId xmlns:p14="http://schemas.microsoft.com/office/powerpoint/2010/main" val="546599934"/>
+        <p14:creationId xmlns:p14="http://schemas.microsoft.com/office/powerpoint/2010/main" val="2762770843"/>
       </p:ext>
     </p:extLst>
   </p:cSld>
@@ -15169,7 +14528,7 @@
                   <a:srgbClr val="333F48"/>
                 </a:solidFill>
               </a:rPr>
-              <a:t>. Проверка</a:t>
+              <a:t>. Создаем последовательность </a:t>
             </a:r>
             <a:endParaRPr lang="ru-RU" sz="1200" dirty="0"/>
           </a:p>
@@ -15237,7 +14596,7 @@
         <p:spPr>
           <a:xfrm>
             <a:off x="335360" y="725502"/>
-            <a:ext cx="5760640" cy="4616648"/>
+            <a:ext cx="5328592" cy="4832092"/>
           </a:xfrm>
           <a:prstGeom prst="rect">
             <a:avLst/>
@@ -15261,177 +14620,70 @@
           <a:lstStyle/>
           <a:p>
             <a:r>
-              <a:rPr lang="en-US" sz="1400" dirty="0">
-                <a:latin typeface="Courier New" panose="02070309020205020404" pitchFamily="49" charset="0"/>
-                <a:cs typeface="Courier New" panose="02070309020205020404" pitchFamily="49" charset="0"/>
-              </a:rPr>
-              <a:t>ACCEPT </a:t>
-            </a:r>
-            <a:r>
-              <a:rPr lang="en-US" sz="1400" dirty="0" err="1">
-                <a:latin typeface="Courier New" panose="02070309020205020404" pitchFamily="49" charset="0"/>
-                <a:cs typeface="Courier New" panose="02070309020205020404" pitchFamily="49" charset="0"/>
-              </a:rPr>
-              <a:t>client_name</a:t>
-            </a:r>
-            <a:r>
-              <a:rPr lang="en-US" sz="1400" dirty="0">
-                <a:latin typeface="Courier New" panose="02070309020205020404" pitchFamily="49" charset="0"/>
-                <a:cs typeface="Courier New" panose="02070309020205020404" pitchFamily="49" charset="0"/>
-              </a:rPr>
-              <a:t> PROMPT '</a:t>
-            </a:r>
-            <a:r>
-              <a:rPr lang="ru-RU" sz="1400" dirty="0">
-                <a:latin typeface="Courier New" panose="02070309020205020404" pitchFamily="49" charset="0"/>
-                <a:cs typeface="Courier New" panose="02070309020205020404" pitchFamily="49" charset="0"/>
-              </a:rPr>
-              <a:t>ФИО клиента:  ';</a:t>
-            </a:r>
-          </a:p>
-          <a:p>
-            <a:r>
-              <a:rPr lang="en-US" sz="1400" dirty="0">
-                <a:latin typeface="Courier New" panose="02070309020205020404" pitchFamily="49" charset="0"/>
-                <a:cs typeface="Courier New" panose="02070309020205020404" pitchFamily="49" charset="0"/>
-              </a:rPr>
-              <a:t>ACCEPT </a:t>
-            </a:r>
-            <a:r>
-              <a:rPr lang="en-US" sz="1400" dirty="0" err="1">
-                <a:latin typeface="Courier New" panose="02070309020205020404" pitchFamily="49" charset="0"/>
-                <a:cs typeface="Courier New" panose="02070309020205020404" pitchFamily="49" charset="0"/>
-              </a:rPr>
-              <a:t>client_birth</a:t>
-            </a:r>
-            <a:r>
-              <a:rPr lang="en-US" sz="1400" dirty="0">
-                <a:latin typeface="Courier New" panose="02070309020205020404" pitchFamily="49" charset="0"/>
-                <a:cs typeface="Courier New" panose="02070309020205020404" pitchFamily="49" charset="0"/>
-              </a:rPr>
-              <a:t> DATE FORMAT '</a:t>
-            </a:r>
-            <a:r>
-              <a:rPr lang="en-US" sz="1400" dirty="0" err="1">
-                <a:latin typeface="Courier New" panose="02070309020205020404" pitchFamily="49" charset="0"/>
-                <a:cs typeface="Courier New" panose="02070309020205020404" pitchFamily="49" charset="0"/>
-              </a:rPr>
-              <a:t>dd.mm.yyyy</a:t>
-            </a:r>
-            <a:r>
-              <a:rPr lang="en-US" sz="1400" dirty="0">
-                <a:latin typeface="Courier New" panose="02070309020205020404" pitchFamily="49" charset="0"/>
-                <a:cs typeface="Courier New" panose="02070309020205020404" pitchFamily="49" charset="0"/>
-              </a:rPr>
-              <a:t>' PROMPT '</a:t>
-            </a:r>
-            <a:r>
-              <a:rPr lang="ru-RU" sz="1400" dirty="0">
-                <a:latin typeface="Courier New" panose="02070309020205020404" pitchFamily="49" charset="0"/>
-                <a:cs typeface="Courier New" panose="02070309020205020404" pitchFamily="49" charset="0"/>
-              </a:rPr>
-              <a:t>Дата рождения клиента в формате ДД.ММ.ГГГГ:  ';</a:t>
-            </a:r>
-          </a:p>
-          <a:p>
-            <a:r>
-              <a:rPr lang="en-US" sz="1400" dirty="0">
-                <a:latin typeface="Courier New" panose="02070309020205020404" pitchFamily="49" charset="0"/>
-                <a:cs typeface="Courier New" panose="02070309020205020404" pitchFamily="49" charset="0"/>
-              </a:rPr>
-              <a:t>ACCEPT </a:t>
-            </a:r>
-            <a:r>
-              <a:rPr lang="en-US" sz="1400" dirty="0" err="1">
-                <a:latin typeface="Courier New" panose="02070309020205020404" pitchFamily="49" charset="0"/>
-                <a:cs typeface="Courier New" panose="02070309020205020404" pitchFamily="49" charset="0"/>
-              </a:rPr>
-              <a:t>summa_dog</a:t>
-            </a:r>
-            <a:r>
-              <a:rPr lang="en-US" sz="1400" dirty="0">
-                <a:latin typeface="Courier New" panose="02070309020205020404" pitchFamily="49" charset="0"/>
-                <a:cs typeface="Courier New" panose="02070309020205020404" pitchFamily="49" charset="0"/>
-              </a:rPr>
-              <a:t> PROMPT '</a:t>
-            </a:r>
-            <a:r>
-              <a:rPr lang="ru-RU" sz="1400" dirty="0">
-                <a:latin typeface="Courier New" panose="02070309020205020404" pitchFamily="49" charset="0"/>
-                <a:cs typeface="Courier New" panose="02070309020205020404" pitchFamily="49" charset="0"/>
-              </a:rPr>
-              <a:t>Сумма кредита:  ';</a:t>
-            </a:r>
-          </a:p>
-          <a:p>
-            <a:r>
-              <a:rPr lang="en-US" sz="1400" dirty="0">
-                <a:latin typeface="Courier New" panose="02070309020205020404" pitchFamily="49" charset="0"/>
-                <a:cs typeface="Courier New" panose="02070309020205020404" pitchFamily="49" charset="0"/>
-              </a:rPr>
-              <a:t>ACCEPT </a:t>
-            </a:r>
-            <a:r>
-              <a:rPr lang="en-US" sz="1400" dirty="0" err="1">
-                <a:latin typeface="Courier New" panose="02070309020205020404" pitchFamily="49" charset="0"/>
-                <a:cs typeface="Courier New" panose="02070309020205020404" pitchFamily="49" charset="0"/>
-              </a:rPr>
-              <a:t>persent_dog</a:t>
-            </a:r>
-            <a:r>
-              <a:rPr lang="en-US" sz="1400" dirty="0">
-                <a:latin typeface="Courier New" panose="02070309020205020404" pitchFamily="49" charset="0"/>
-                <a:cs typeface="Courier New" panose="02070309020205020404" pitchFamily="49" charset="0"/>
-              </a:rPr>
-              <a:t> PROMPT '</a:t>
-            </a:r>
-            <a:r>
-              <a:rPr lang="ru-RU" sz="1400" dirty="0">
-                <a:latin typeface="Courier New" panose="02070309020205020404" pitchFamily="49" charset="0"/>
-                <a:cs typeface="Courier New" panose="02070309020205020404" pitchFamily="49" charset="0"/>
-              </a:rPr>
-              <a:t>Годовая процентная ставка:  ';</a:t>
-            </a:r>
-          </a:p>
-          <a:p>
-            <a:r>
-              <a:rPr lang="en-US" sz="1400" dirty="0">
-                <a:latin typeface="Courier New" panose="02070309020205020404" pitchFamily="49" charset="0"/>
-                <a:cs typeface="Courier New" panose="02070309020205020404" pitchFamily="49" charset="0"/>
-              </a:rPr>
-              <a:t>ACCEPT </a:t>
-            </a:r>
-            <a:r>
-              <a:rPr lang="en-US" sz="1400" dirty="0" err="1">
-                <a:latin typeface="Courier New" panose="02070309020205020404" pitchFamily="49" charset="0"/>
-                <a:cs typeface="Courier New" panose="02070309020205020404" pitchFamily="49" charset="0"/>
-              </a:rPr>
-              <a:t>duration_dog</a:t>
-            </a:r>
-            <a:r>
-              <a:rPr lang="en-US" sz="1400" dirty="0">
-                <a:latin typeface="Courier New" panose="02070309020205020404" pitchFamily="49" charset="0"/>
-                <a:cs typeface="Courier New" panose="02070309020205020404" pitchFamily="49" charset="0"/>
-              </a:rPr>
-              <a:t> PROMPT '</a:t>
-            </a:r>
-            <a:r>
-              <a:rPr lang="ru-RU" sz="1400" dirty="0">
-                <a:latin typeface="Courier New" panose="02070309020205020404" pitchFamily="49" charset="0"/>
-                <a:cs typeface="Courier New" panose="02070309020205020404" pitchFamily="49" charset="0"/>
-              </a:rPr>
-              <a:t>Срок кредитования месяцев:  ';</a:t>
-            </a:r>
-          </a:p>
-          <a:p>
-            <a:endParaRPr lang="ru-RU" sz="1400" dirty="0">
+              <a:rPr lang="ru-RU" sz="1100" dirty="0">
+                <a:latin typeface="Courier New" panose="02070309020205020404" pitchFamily="49" charset="0"/>
+                <a:cs typeface="Courier New" panose="02070309020205020404" pitchFamily="49" charset="0"/>
+              </a:rPr>
+              <a:t>-- Идентификаторы во всех таблицах уникальны</a:t>
+            </a:r>
+          </a:p>
+          <a:p>
+            <a:r>
+              <a:rPr lang="ru-RU" sz="1100" dirty="0">
+                <a:latin typeface="Courier New" panose="02070309020205020404" pitchFamily="49" charset="0"/>
+                <a:cs typeface="Courier New" panose="02070309020205020404" pitchFamily="49" charset="0"/>
+              </a:rPr>
+              <a:t>-- Создаем одну последовательность генерирующую</a:t>
+            </a:r>
+          </a:p>
+          <a:p>
+            <a:r>
+              <a:rPr lang="ru-RU" sz="1100" dirty="0">
+                <a:latin typeface="Courier New" panose="02070309020205020404" pitchFamily="49" charset="0"/>
+                <a:cs typeface="Courier New" panose="02070309020205020404" pitchFamily="49" charset="0"/>
+              </a:rPr>
+              <a:t>-- </a:t>
+            </a:r>
+            <a:r>
+              <a:rPr lang="ru-RU" sz="1100" dirty="0" err="1">
+                <a:latin typeface="Courier New" panose="02070309020205020404" pitchFamily="49" charset="0"/>
+                <a:cs typeface="Courier New" panose="02070309020205020404" pitchFamily="49" charset="0"/>
+              </a:rPr>
+              <a:t>индентификаторы</a:t>
+            </a:r>
+            <a:r>
+              <a:rPr lang="ru-RU" sz="1100" dirty="0">
+                <a:latin typeface="Courier New" panose="02070309020205020404" pitchFamily="49" charset="0"/>
+                <a:cs typeface="Courier New" panose="02070309020205020404" pitchFamily="49" charset="0"/>
+              </a:rPr>
+              <a:t> для всех таблиц</a:t>
+            </a:r>
+          </a:p>
+          <a:p>
+            <a:r>
+              <a:rPr lang="ru-RU" sz="1100" dirty="0">
+                <a:latin typeface="Courier New" panose="02070309020205020404" pitchFamily="49" charset="0"/>
+                <a:cs typeface="Courier New" panose="02070309020205020404" pitchFamily="49" charset="0"/>
+              </a:rPr>
+              <a:t>-- со стартовым значением максимальный </a:t>
+            </a:r>
+            <a:r>
+              <a:rPr lang="en-US" sz="1100" dirty="0">
+                <a:latin typeface="Courier New" panose="02070309020205020404" pitchFamily="49" charset="0"/>
+                <a:cs typeface="Courier New" panose="02070309020205020404" pitchFamily="49" charset="0"/>
+              </a:rPr>
+              <a:t>ID + 1</a:t>
+            </a:r>
+          </a:p>
+          <a:p>
+            <a:endParaRPr lang="en-US" sz="1100" dirty="0">
               <a:latin typeface="Courier New" panose="02070309020205020404" pitchFamily="49" charset="0"/>
               <a:cs typeface="Courier New" panose="02070309020205020404" pitchFamily="49" charset="0"/>
             </a:endParaRPr>
           </a:p>
           <a:p>
             <a:r>
-              <a:rPr lang="en-US" sz="1400" dirty="0">
+              <a:rPr lang="en-US" sz="1100" dirty="0">
                 <a:latin typeface="Courier New" panose="02070309020205020404" pitchFamily="49" charset="0"/>
                 <a:cs typeface="Courier New" panose="02070309020205020404" pitchFamily="49" charset="0"/>
               </a:rPr>
@@ -15440,30 +14692,99 @@
           </a:p>
           <a:p>
             <a:r>
-              <a:rPr lang="en-US" sz="1400" dirty="0">
+              <a:rPr lang="en-US" sz="1100" dirty="0">
                 <a:latin typeface="Courier New" panose="02070309020205020404" pitchFamily="49" charset="0"/>
                 <a:cs typeface="Courier New" panose="02070309020205020404" pitchFamily="49" charset="0"/>
               </a:rPr>
               <a:t>    </a:t>
             </a:r>
             <a:r>
-              <a:rPr lang="en-US" sz="1400" dirty="0" err="1">
-                <a:latin typeface="Courier New" panose="02070309020205020404" pitchFamily="49" charset="0"/>
-                <a:cs typeface="Courier New" panose="02070309020205020404" pitchFamily="49" charset="0"/>
-              </a:rPr>
-              <a:t>dogovor_out</a:t>
-            </a:r>
-            <a:r>
-              <a:rPr lang="en-US" sz="1400" dirty="0">
-                <a:latin typeface="Courier New" panose="02070309020205020404" pitchFamily="49" charset="0"/>
-                <a:cs typeface="Courier New" panose="02070309020205020404" pitchFamily="49" charset="0"/>
-              </a:rPr>
-              <a:t> varchar(15) := '';</a:t>
-            </a:r>
-          </a:p>
-          <a:p>
-            <a:r>
-              <a:rPr lang="en-US" sz="1400" dirty="0">
+              <a:rPr lang="en-US" sz="1100" dirty="0" err="1">
+                <a:latin typeface="Courier New" panose="02070309020205020404" pitchFamily="49" charset="0"/>
+                <a:cs typeface="Courier New" panose="02070309020205020404" pitchFamily="49" charset="0"/>
+              </a:rPr>
+              <a:t>count_all_id</a:t>
+            </a:r>
+            <a:r>
+              <a:rPr lang="en-US" sz="1100" dirty="0">
+                <a:latin typeface="Courier New" panose="02070309020205020404" pitchFamily="49" charset="0"/>
+                <a:cs typeface="Courier New" panose="02070309020205020404" pitchFamily="49" charset="0"/>
+              </a:rPr>
+              <a:t>        NUMBER;</a:t>
+            </a:r>
+          </a:p>
+          <a:p>
+            <a:r>
+              <a:rPr lang="en-US" sz="1100" dirty="0">
+                <a:latin typeface="Courier New" panose="02070309020205020404" pitchFamily="49" charset="0"/>
+                <a:cs typeface="Courier New" panose="02070309020205020404" pitchFamily="49" charset="0"/>
+              </a:rPr>
+              <a:t>    </a:t>
+            </a:r>
+            <a:r>
+              <a:rPr lang="en-US" sz="1100" dirty="0" err="1">
+                <a:latin typeface="Courier New" panose="02070309020205020404" pitchFamily="49" charset="0"/>
+                <a:cs typeface="Courier New" panose="02070309020205020404" pitchFamily="49" charset="0"/>
+              </a:rPr>
+              <a:t>count_distinct_id</a:t>
+            </a:r>
+            <a:r>
+              <a:rPr lang="en-US" sz="1100" dirty="0">
+                <a:latin typeface="Courier New" panose="02070309020205020404" pitchFamily="49" charset="0"/>
+                <a:cs typeface="Courier New" panose="02070309020205020404" pitchFamily="49" charset="0"/>
+              </a:rPr>
+              <a:t>   NUMBER;</a:t>
+            </a:r>
+          </a:p>
+          <a:p>
+            <a:r>
+              <a:rPr lang="en-US" sz="1100" dirty="0">
+                <a:latin typeface="Courier New" panose="02070309020205020404" pitchFamily="49" charset="0"/>
+                <a:cs typeface="Courier New" panose="02070309020205020404" pitchFamily="49" charset="0"/>
+              </a:rPr>
+              <a:t>    </a:t>
+            </a:r>
+            <a:r>
+              <a:rPr lang="en-US" sz="1100" dirty="0" err="1">
+                <a:latin typeface="Courier New" panose="02070309020205020404" pitchFamily="49" charset="0"/>
+                <a:cs typeface="Courier New" panose="02070309020205020404" pitchFamily="49" charset="0"/>
+              </a:rPr>
+              <a:t>start_id</a:t>
+            </a:r>
+            <a:r>
+              <a:rPr lang="en-US" sz="1100" dirty="0">
+                <a:latin typeface="Courier New" panose="02070309020205020404" pitchFamily="49" charset="0"/>
+                <a:cs typeface="Courier New" panose="02070309020205020404" pitchFamily="49" charset="0"/>
+              </a:rPr>
+              <a:t>            NUMBER;</a:t>
+            </a:r>
+          </a:p>
+          <a:p>
+            <a:r>
+              <a:rPr lang="en-US" sz="1100" dirty="0">
+                <a:latin typeface="Courier New" panose="02070309020205020404" pitchFamily="49" charset="0"/>
+                <a:cs typeface="Courier New" panose="02070309020205020404" pitchFamily="49" charset="0"/>
+              </a:rPr>
+              <a:t>    </a:t>
+            </a:r>
+            <a:r>
+              <a:rPr lang="en-US" sz="1100" dirty="0" err="1">
+                <a:latin typeface="Courier New" panose="02070309020205020404" pitchFamily="49" charset="0"/>
+                <a:cs typeface="Courier New" panose="02070309020205020404" pitchFamily="49" charset="0"/>
+              </a:rPr>
+              <a:t>sequence_exist</a:t>
+            </a:r>
+            <a:r>
+              <a:rPr lang="en-US" sz="1100" dirty="0">
+                <a:latin typeface="Courier New" panose="02070309020205020404" pitchFamily="49" charset="0"/>
+                <a:cs typeface="Courier New" panose="02070309020205020404" pitchFamily="49" charset="0"/>
+              </a:rPr>
+              <a:t>      NUMBER := 0;</a:t>
+            </a:r>
+          </a:p>
+          <a:p>
+            <a:r>
+              <a:rPr lang="en-US" sz="1100" dirty="0">
                 <a:latin typeface="Courier New" panose="02070309020205020404" pitchFamily="49" charset="0"/>
                 <a:cs typeface="Courier New" panose="02070309020205020404" pitchFamily="49" charset="0"/>
               </a:rPr>
@@ -15471,177 +14792,677 @@
             </a:r>
           </a:p>
           <a:p>
-            <a:endParaRPr lang="en-US" sz="1400" dirty="0">
+            <a:endParaRPr lang="en-US" sz="1100" dirty="0">
               <a:latin typeface="Courier New" panose="02070309020205020404" pitchFamily="49" charset="0"/>
               <a:cs typeface="Courier New" panose="02070309020205020404" pitchFamily="49" charset="0"/>
             </a:endParaRPr>
           </a:p>
           <a:p>
             <a:r>
-              <a:rPr lang="en-US" sz="1400" dirty="0">
-                <a:latin typeface="Courier New" panose="02070309020205020404" pitchFamily="49" charset="0"/>
-                <a:cs typeface="Courier New" panose="02070309020205020404" pitchFamily="49" charset="0"/>
-              </a:rPr>
-              <a:t>    c##</a:t>
-            </a:r>
-            <a:r>
-              <a:rPr lang="en-US" sz="1400" dirty="0" err="1">
-                <a:latin typeface="Courier New" panose="02070309020205020404" pitchFamily="49" charset="0"/>
-                <a:cs typeface="Courier New" panose="02070309020205020404" pitchFamily="49" charset="0"/>
-              </a:rPr>
-              <a:t>course.pr_create_credit</a:t>
-            </a:r>
-            <a:r>
-              <a:rPr lang="en-US" sz="1400" dirty="0">
-                <a:latin typeface="Courier New" panose="02070309020205020404" pitchFamily="49" charset="0"/>
-                <a:cs typeface="Courier New" panose="02070309020205020404" pitchFamily="49" charset="0"/>
-              </a:rPr>
-              <a:t> (</a:t>
-            </a:r>
-          </a:p>
-          <a:p>
-            <a:r>
-              <a:rPr lang="en-US" sz="1400" dirty="0">
-                <a:latin typeface="Courier New" panose="02070309020205020404" pitchFamily="49" charset="0"/>
-                <a:cs typeface="Courier New" panose="02070309020205020404" pitchFamily="49" charset="0"/>
-              </a:rPr>
-              <a:t>         '&amp;</a:t>
-            </a:r>
-            <a:r>
-              <a:rPr lang="en-US" sz="1400" dirty="0" err="1">
-                <a:latin typeface="Courier New" panose="02070309020205020404" pitchFamily="49" charset="0"/>
-                <a:cs typeface="Courier New" panose="02070309020205020404" pitchFamily="49" charset="0"/>
-              </a:rPr>
-              <a:t>client_name</a:t>
-            </a:r>
-            <a:r>
-              <a:rPr lang="en-US" sz="1400" dirty="0">
-                <a:latin typeface="Courier New" panose="02070309020205020404" pitchFamily="49" charset="0"/>
-                <a:cs typeface="Courier New" panose="02070309020205020404" pitchFamily="49" charset="0"/>
-              </a:rPr>
-              <a:t>'</a:t>
-            </a:r>
-          </a:p>
-          <a:p>
-            <a:r>
-              <a:rPr lang="en-US" sz="1400" dirty="0">
-                <a:latin typeface="Courier New" panose="02070309020205020404" pitchFamily="49" charset="0"/>
-                <a:cs typeface="Courier New" panose="02070309020205020404" pitchFamily="49" charset="0"/>
-              </a:rPr>
-              <a:t>        ,TO_DATE('&amp;</a:t>
-            </a:r>
-            <a:r>
-              <a:rPr lang="en-US" sz="1400" dirty="0" err="1">
-                <a:latin typeface="Courier New" panose="02070309020205020404" pitchFamily="49" charset="0"/>
-                <a:cs typeface="Courier New" panose="02070309020205020404" pitchFamily="49" charset="0"/>
-              </a:rPr>
-              <a:t>client_birth','DD.MM.YYYY</a:t>
-            </a:r>
-            <a:r>
-              <a:rPr lang="en-US" sz="1400" dirty="0">
-                <a:latin typeface="Courier New" panose="02070309020205020404" pitchFamily="49" charset="0"/>
-                <a:cs typeface="Courier New" panose="02070309020205020404" pitchFamily="49" charset="0"/>
-              </a:rPr>
-              <a:t>')</a:t>
-            </a:r>
-          </a:p>
-          <a:p>
-            <a:r>
-              <a:rPr lang="en-US" sz="1400" dirty="0">
-                <a:latin typeface="Courier New" panose="02070309020205020404" pitchFamily="49" charset="0"/>
-                <a:cs typeface="Courier New" panose="02070309020205020404" pitchFamily="49" charset="0"/>
-              </a:rPr>
-              <a:t>        ,TO_NUMBER('&amp;</a:t>
-            </a:r>
-            <a:r>
-              <a:rPr lang="en-US" sz="1400" dirty="0" err="1">
-                <a:latin typeface="Courier New" panose="02070309020205020404" pitchFamily="49" charset="0"/>
-                <a:cs typeface="Courier New" panose="02070309020205020404" pitchFamily="49" charset="0"/>
-              </a:rPr>
-              <a:t>summa_dog</a:t>
-            </a:r>
-            <a:r>
-              <a:rPr lang="en-US" sz="1400" dirty="0">
-                <a:latin typeface="Courier New" panose="02070309020205020404" pitchFamily="49" charset="0"/>
-                <a:cs typeface="Courier New" panose="02070309020205020404" pitchFamily="49" charset="0"/>
-              </a:rPr>
-              <a:t>')</a:t>
-            </a:r>
-          </a:p>
-          <a:p>
-            <a:r>
-              <a:rPr lang="en-US" sz="1400" dirty="0">
-                <a:latin typeface="Courier New" panose="02070309020205020404" pitchFamily="49" charset="0"/>
-                <a:cs typeface="Courier New" panose="02070309020205020404" pitchFamily="49" charset="0"/>
-              </a:rPr>
-              <a:t>        ,TO_NUMBER('&amp;</a:t>
-            </a:r>
-            <a:r>
-              <a:rPr lang="en-US" sz="1400" dirty="0" err="1">
-                <a:latin typeface="Courier New" panose="02070309020205020404" pitchFamily="49" charset="0"/>
-                <a:cs typeface="Courier New" panose="02070309020205020404" pitchFamily="49" charset="0"/>
-              </a:rPr>
-              <a:t>persent_dog</a:t>
-            </a:r>
-            <a:r>
-              <a:rPr lang="en-US" sz="1400" dirty="0">
-                <a:latin typeface="Courier New" panose="02070309020205020404" pitchFamily="49" charset="0"/>
-                <a:cs typeface="Courier New" panose="02070309020205020404" pitchFamily="49" charset="0"/>
-              </a:rPr>
-              <a:t>')</a:t>
-            </a:r>
-          </a:p>
-          <a:p>
-            <a:r>
-              <a:rPr lang="en-US" sz="1400" dirty="0">
-                <a:latin typeface="Courier New" panose="02070309020205020404" pitchFamily="49" charset="0"/>
-                <a:cs typeface="Courier New" panose="02070309020205020404" pitchFamily="49" charset="0"/>
-              </a:rPr>
-              <a:t>        ,TO_NUMBER('&amp;</a:t>
-            </a:r>
-            <a:r>
-              <a:rPr lang="en-US" sz="1400" dirty="0" err="1">
-                <a:latin typeface="Courier New" panose="02070309020205020404" pitchFamily="49" charset="0"/>
-                <a:cs typeface="Courier New" panose="02070309020205020404" pitchFamily="49" charset="0"/>
-              </a:rPr>
-              <a:t>duration_dog</a:t>
-            </a:r>
-            <a:r>
-              <a:rPr lang="en-US" sz="1400" dirty="0">
-                <a:latin typeface="Courier New" panose="02070309020205020404" pitchFamily="49" charset="0"/>
-                <a:cs typeface="Courier New" panose="02070309020205020404" pitchFamily="49" charset="0"/>
-              </a:rPr>
-              <a:t>')</a:t>
-            </a:r>
-          </a:p>
-          <a:p>
-            <a:r>
-              <a:rPr lang="en-US" sz="1400" dirty="0">
-                <a:latin typeface="Courier New" panose="02070309020205020404" pitchFamily="49" charset="0"/>
-                <a:cs typeface="Courier New" panose="02070309020205020404" pitchFamily="49" charset="0"/>
-              </a:rPr>
-              <a:t>        ,</a:t>
-            </a:r>
-            <a:r>
-              <a:rPr lang="en-US" sz="1400" dirty="0" err="1">
-                <a:latin typeface="Courier New" panose="02070309020205020404" pitchFamily="49" charset="0"/>
-                <a:cs typeface="Courier New" panose="02070309020205020404" pitchFamily="49" charset="0"/>
-              </a:rPr>
-              <a:t>dogovor_out</a:t>
-            </a:r>
-            <a:endParaRPr lang="en-US" sz="1400" dirty="0">
+              <a:rPr lang="en-US" sz="1100" dirty="0">
+                <a:latin typeface="Courier New" panose="02070309020205020404" pitchFamily="49" charset="0"/>
+                <a:cs typeface="Courier New" panose="02070309020205020404" pitchFamily="49" charset="0"/>
+              </a:rPr>
+              <a:t>    SELECT</a:t>
+            </a:r>
+          </a:p>
+          <a:p>
+            <a:r>
+              <a:rPr lang="en-US" sz="1100" dirty="0">
+                <a:latin typeface="Courier New" panose="02070309020205020404" pitchFamily="49" charset="0"/>
+                <a:cs typeface="Courier New" panose="02070309020205020404" pitchFamily="49" charset="0"/>
+              </a:rPr>
+              <a:t>        COUNT(id) INTO </a:t>
+            </a:r>
+            <a:r>
+              <a:rPr lang="en-US" sz="1100" dirty="0" err="1">
+                <a:latin typeface="Courier New" panose="02070309020205020404" pitchFamily="49" charset="0"/>
+                <a:cs typeface="Courier New" panose="02070309020205020404" pitchFamily="49" charset="0"/>
+              </a:rPr>
+              <a:t>count_all_id</a:t>
+            </a:r>
+            <a:endParaRPr lang="en-US" sz="1100" dirty="0">
               <a:latin typeface="Courier New" panose="02070309020205020404" pitchFamily="49" charset="0"/>
               <a:cs typeface="Courier New" panose="02070309020205020404" pitchFamily="49" charset="0"/>
             </a:endParaRPr>
           </a:p>
           <a:p>
             <a:r>
-              <a:rPr lang="en-US" sz="1400" dirty="0">
-                <a:latin typeface="Courier New" panose="02070309020205020404" pitchFamily="49" charset="0"/>
-                <a:cs typeface="Courier New" panose="02070309020205020404" pitchFamily="49" charset="0"/>
-              </a:rPr>
-              <a:t>    );</a:t>
-            </a:r>
+              <a:rPr lang="en-US" sz="1100" dirty="0">
+                <a:latin typeface="Courier New" panose="02070309020205020404" pitchFamily="49" charset="0"/>
+                <a:cs typeface="Courier New" panose="02070309020205020404" pitchFamily="49" charset="0"/>
+              </a:rPr>
+              <a:t>        FROM </a:t>
+            </a:r>
+          </a:p>
+          <a:p>
+            <a:r>
+              <a:rPr lang="en-US" sz="1100" dirty="0">
+                <a:latin typeface="Courier New" panose="02070309020205020404" pitchFamily="49" charset="0"/>
+                <a:cs typeface="Courier New" panose="02070309020205020404" pitchFamily="49" charset="0"/>
+              </a:rPr>
+              <a:t>            c##</a:t>
+            </a:r>
+            <a:r>
+              <a:rPr lang="en-US" sz="1100" dirty="0" err="1">
+                <a:latin typeface="Courier New" panose="02070309020205020404" pitchFamily="49" charset="0"/>
+                <a:cs typeface="Courier New" panose="02070309020205020404" pitchFamily="49" charset="0"/>
+              </a:rPr>
+              <a:t>course.v_all_id</a:t>
+            </a:r>
+            <a:r>
+              <a:rPr lang="en-US" sz="1100" dirty="0">
+                <a:latin typeface="Courier New" panose="02070309020205020404" pitchFamily="49" charset="0"/>
+                <a:cs typeface="Courier New" panose="02070309020205020404" pitchFamily="49" charset="0"/>
+              </a:rPr>
+              <a:t> </a:t>
+            </a:r>
+            <a:r>
+              <a:rPr lang="en-US" sz="1100" dirty="0" err="1">
+                <a:latin typeface="Courier New" panose="02070309020205020404" pitchFamily="49" charset="0"/>
+                <a:cs typeface="Courier New" panose="02070309020205020404" pitchFamily="49" charset="0"/>
+              </a:rPr>
+              <a:t>v_all_id</a:t>
+            </a:r>
+            <a:r>
+              <a:rPr lang="en-US" sz="1100" dirty="0">
+                <a:latin typeface="Courier New" panose="02070309020205020404" pitchFamily="49" charset="0"/>
+                <a:cs typeface="Courier New" panose="02070309020205020404" pitchFamily="49" charset="0"/>
+              </a:rPr>
+              <a:t>;</a:t>
+            </a:r>
+          </a:p>
+          <a:p>
+            <a:r>
+              <a:rPr lang="en-US" sz="1100" dirty="0">
+                <a:latin typeface="Courier New" panose="02070309020205020404" pitchFamily="49" charset="0"/>
+                <a:cs typeface="Courier New" panose="02070309020205020404" pitchFamily="49" charset="0"/>
+              </a:rPr>
+              <a:t>    </a:t>
+            </a:r>
+          </a:p>
+          <a:p>
+            <a:r>
+              <a:rPr lang="en-US" sz="1100" dirty="0">
+                <a:latin typeface="Courier New" panose="02070309020205020404" pitchFamily="49" charset="0"/>
+                <a:cs typeface="Courier New" panose="02070309020205020404" pitchFamily="49" charset="0"/>
+              </a:rPr>
+              <a:t>    SELECT</a:t>
+            </a:r>
+          </a:p>
+          <a:p>
+            <a:r>
+              <a:rPr lang="en-US" sz="1100" dirty="0">
+                <a:latin typeface="Courier New" panose="02070309020205020404" pitchFamily="49" charset="0"/>
+                <a:cs typeface="Courier New" panose="02070309020205020404" pitchFamily="49" charset="0"/>
+              </a:rPr>
+              <a:t>        COUNT(DISTINCT id) INTO </a:t>
+            </a:r>
+            <a:r>
+              <a:rPr lang="en-US" sz="1100" dirty="0" err="1">
+                <a:latin typeface="Courier New" panose="02070309020205020404" pitchFamily="49" charset="0"/>
+                <a:cs typeface="Courier New" panose="02070309020205020404" pitchFamily="49" charset="0"/>
+              </a:rPr>
+              <a:t>count_distinct_id</a:t>
+            </a:r>
+            <a:endParaRPr lang="en-US" sz="1100" dirty="0">
+              <a:latin typeface="Courier New" panose="02070309020205020404" pitchFamily="49" charset="0"/>
+              <a:cs typeface="Courier New" panose="02070309020205020404" pitchFamily="49" charset="0"/>
+            </a:endParaRPr>
+          </a:p>
+          <a:p>
+            <a:r>
+              <a:rPr lang="en-US" sz="1100" dirty="0">
+                <a:latin typeface="Courier New" panose="02070309020205020404" pitchFamily="49" charset="0"/>
+                <a:cs typeface="Courier New" panose="02070309020205020404" pitchFamily="49" charset="0"/>
+              </a:rPr>
+              <a:t>        FROM</a:t>
+            </a:r>
+          </a:p>
+          <a:p>
+            <a:r>
+              <a:rPr lang="en-US" sz="1100" dirty="0">
+                <a:latin typeface="Courier New" panose="02070309020205020404" pitchFamily="49" charset="0"/>
+                <a:cs typeface="Courier New" panose="02070309020205020404" pitchFamily="49" charset="0"/>
+              </a:rPr>
+              <a:t>            c##</a:t>
+            </a:r>
+            <a:r>
+              <a:rPr lang="en-US" sz="1100" dirty="0" err="1">
+                <a:latin typeface="Courier New" panose="02070309020205020404" pitchFamily="49" charset="0"/>
+                <a:cs typeface="Courier New" panose="02070309020205020404" pitchFamily="49" charset="0"/>
+              </a:rPr>
+              <a:t>course.v_all_id</a:t>
+            </a:r>
+            <a:r>
+              <a:rPr lang="en-US" sz="1100" dirty="0">
+                <a:latin typeface="Courier New" panose="02070309020205020404" pitchFamily="49" charset="0"/>
+                <a:cs typeface="Courier New" panose="02070309020205020404" pitchFamily="49" charset="0"/>
+              </a:rPr>
+              <a:t> </a:t>
+            </a:r>
+            <a:r>
+              <a:rPr lang="en-US" sz="1100" dirty="0" err="1">
+                <a:latin typeface="Courier New" panose="02070309020205020404" pitchFamily="49" charset="0"/>
+                <a:cs typeface="Courier New" panose="02070309020205020404" pitchFamily="49" charset="0"/>
+              </a:rPr>
+              <a:t>v_all_id</a:t>
+            </a:r>
+            <a:r>
+              <a:rPr lang="en-US" sz="1100" dirty="0">
+                <a:latin typeface="Courier New" panose="02070309020205020404" pitchFamily="49" charset="0"/>
+                <a:cs typeface="Courier New" panose="02070309020205020404" pitchFamily="49" charset="0"/>
+              </a:rPr>
+              <a:t>;</a:t>
+            </a:r>
+          </a:p>
+          <a:p>
+            <a:r>
+              <a:rPr lang="en-US" sz="1100" dirty="0">
+                <a:latin typeface="Courier New" panose="02070309020205020404" pitchFamily="49" charset="0"/>
+                <a:cs typeface="Courier New" panose="02070309020205020404" pitchFamily="49" charset="0"/>
+              </a:rPr>
+              <a:t>        </a:t>
+            </a:r>
+          </a:p>
+          <a:p>
+            <a:r>
+              <a:rPr lang="en-US" sz="1100" dirty="0">
+                <a:latin typeface="Courier New" panose="02070309020205020404" pitchFamily="49" charset="0"/>
+                <a:cs typeface="Courier New" panose="02070309020205020404" pitchFamily="49" charset="0"/>
+              </a:rPr>
+              <a:t>    IF (</a:t>
+            </a:r>
+            <a:r>
+              <a:rPr lang="en-US" sz="1100" dirty="0" err="1">
+                <a:latin typeface="Courier New" panose="02070309020205020404" pitchFamily="49" charset="0"/>
+                <a:cs typeface="Courier New" panose="02070309020205020404" pitchFamily="49" charset="0"/>
+              </a:rPr>
+              <a:t>count_distinct_id</a:t>
+            </a:r>
+            <a:r>
+              <a:rPr lang="en-US" sz="1100" dirty="0">
+                <a:latin typeface="Courier New" panose="02070309020205020404" pitchFamily="49" charset="0"/>
+                <a:cs typeface="Courier New" panose="02070309020205020404" pitchFamily="49" charset="0"/>
+              </a:rPr>
+              <a:t> = </a:t>
+            </a:r>
+            <a:r>
+              <a:rPr lang="en-US" sz="1100" dirty="0" err="1">
+                <a:latin typeface="Courier New" panose="02070309020205020404" pitchFamily="49" charset="0"/>
+                <a:cs typeface="Courier New" panose="02070309020205020404" pitchFamily="49" charset="0"/>
+              </a:rPr>
+              <a:t>count_all_id</a:t>
+            </a:r>
+            <a:r>
+              <a:rPr lang="en-US" sz="1100" dirty="0">
+                <a:latin typeface="Courier New" panose="02070309020205020404" pitchFamily="49" charset="0"/>
+                <a:cs typeface="Courier New" panose="02070309020205020404" pitchFamily="49" charset="0"/>
+              </a:rPr>
+              <a:t>) THEN</a:t>
+            </a:r>
+          </a:p>
+          <a:p>
+            <a:r>
+              <a:rPr lang="en-US" sz="1100" dirty="0">
+                <a:latin typeface="Courier New" panose="02070309020205020404" pitchFamily="49" charset="0"/>
+                <a:cs typeface="Courier New" panose="02070309020205020404" pitchFamily="49" charset="0"/>
+              </a:rPr>
+              <a:t>    </a:t>
+            </a:r>
+          </a:p>
+          <a:p>
+            <a:r>
+              <a:rPr lang="en-US" sz="1100" dirty="0">
+                <a:latin typeface="Courier New" panose="02070309020205020404" pitchFamily="49" charset="0"/>
+                <a:cs typeface="Courier New" panose="02070309020205020404" pitchFamily="49" charset="0"/>
+              </a:rPr>
+              <a:t>            SELECT</a:t>
+            </a:r>
+          </a:p>
+          <a:p>
+            <a:r>
+              <a:rPr lang="en-US" sz="1100" dirty="0">
+                <a:latin typeface="Courier New" panose="02070309020205020404" pitchFamily="49" charset="0"/>
+                <a:cs typeface="Courier New" panose="02070309020205020404" pitchFamily="49" charset="0"/>
+              </a:rPr>
+              <a:t>                MAX(id) + 1 INTO </a:t>
+            </a:r>
+            <a:r>
+              <a:rPr lang="en-US" sz="1100" dirty="0" err="1">
+                <a:latin typeface="Courier New" panose="02070309020205020404" pitchFamily="49" charset="0"/>
+                <a:cs typeface="Courier New" panose="02070309020205020404" pitchFamily="49" charset="0"/>
+              </a:rPr>
+              <a:t>start_id</a:t>
+            </a:r>
+            <a:endParaRPr lang="en-US" sz="1100" dirty="0">
+              <a:latin typeface="Courier New" panose="02070309020205020404" pitchFamily="49" charset="0"/>
+              <a:cs typeface="Courier New" panose="02070309020205020404" pitchFamily="49" charset="0"/>
+            </a:endParaRPr>
+          </a:p>
+          <a:p>
+            <a:r>
+              <a:rPr lang="en-US" sz="1100" dirty="0">
+                <a:latin typeface="Courier New" panose="02070309020205020404" pitchFamily="49" charset="0"/>
+                <a:cs typeface="Courier New" panose="02070309020205020404" pitchFamily="49" charset="0"/>
+              </a:rPr>
+              <a:t>                FROM c##</a:t>
+            </a:r>
+            <a:r>
+              <a:rPr lang="en-US" sz="1100" dirty="0" err="1">
+                <a:latin typeface="Courier New" panose="02070309020205020404" pitchFamily="49" charset="0"/>
+                <a:cs typeface="Courier New" panose="02070309020205020404" pitchFamily="49" charset="0"/>
+              </a:rPr>
+              <a:t>course.v_all_id</a:t>
+            </a:r>
+            <a:r>
+              <a:rPr lang="en-US" sz="1100" dirty="0">
+                <a:latin typeface="Courier New" panose="02070309020205020404" pitchFamily="49" charset="0"/>
+                <a:cs typeface="Courier New" panose="02070309020205020404" pitchFamily="49" charset="0"/>
+              </a:rPr>
+              <a:t>;</a:t>
+            </a:r>
+          </a:p>
+          <a:p>
+            <a:r>
+              <a:rPr lang="ru-RU" sz="1100" dirty="0" smtClean="0">
+                <a:latin typeface="Courier New" panose="02070309020205020404" pitchFamily="49" charset="0"/>
+                <a:cs typeface="Courier New" panose="02070309020205020404" pitchFamily="49" charset="0"/>
+              </a:rPr>
+              <a:t>...</a:t>
+            </a:r>
+            <a:r>
+              <a:rPr lang="en-US" sz="1100" dirty="0" smtClean="0">
+                <a:latin typeface="Courier New" panose="02070309020205020404" pitchFamily="49" charset="0"/>
+                <a:cs typeface="Courier New" panose="02070309020205020404" pitchFamily="49" charset="0"/>
+              </a:rPr>
+              <a:t>                </a:t>
+            </a:r>
+            <a:endParaRPr lang="en-US" sz="1100" dirty="0">
+              <a:latin typeface="Courier New" panose="02070309020205020404" pitchFamily="49" charset="0"/>
+              <a:cs typeface="Courier New" panose="02070309020205020404" pitchFamily="49" charset="0"/>
+            </a:endParaRPr>
+          </a:p>
+        </p:txBody>
+      </p:sp>
+      <p:sp>
+        <p:nvSpPr>
+          <p:cNvPr id="7" name="TextBox 6"/>
+          <p:cNvSpPr txBox="1"/>
+          <p:nvPr/>
+        </p:nvSpPr>
+        <p:spPr>
+          <a:xfrm>
+            <a:off x="5879976" y="728112"/>
+            <a:ext cx="6120680" cy="4154984"/>
+          </a:xfrm>
+          <a:prstGeom prst="rect">
+            <a:avLst/>
+          </a:prstGeom>
+          <a:solidFill>
+            <a:schemeClr val="accent3">
+              <a:lumMod val="20000"/>
+              <a:lumOff val="80000"/>
+            </a:schemeClr>
+          </a:solidFill>
+          <a:ln>
+            <a:solidFill>
+              <a:schemeClr val="accent1"/>
+            </a:solidFill>
+          </a:ln>
+        </p:spPr>
+        <p:txBody>
+          <a:bodyPr wrap="square" rtlCol="0">
+            <a:spAutoFit/>
+          </a:bodyPr>
+          <a:lstStyle/>
+          <a:p>
+            <a:r>
+              <a:rPr lang="en-US" sz="1100" dirty="0">
+                <a:latin typeface="Courier New" panose="02070309020205020404" pitchFamily="49" charset="0"/>
+                <a:cs typeface="Courier New" panose="02070309020205020404" pitchFamily="49" charset="0"/>
+              </a:rPr>
+              <a:t>CREATE OR REPLACE VIEW c##</a:t>
+            </a:r>
+            <a:r>
+              <a:rPr lang="en-US" sz="1100" dirty="0" err="1">
+                <a:latin typeface="Courier New" panose="02070309020205020404" pitchFamily="49" charset="0"/>
+                <a:cs typeface="Courier New" panose="02070309020205020404" pitchFamily="49" charset="0"/>
+              </a:rPr>
+              <a:t>course.v_all_id</a:t>
+            </a:r>
+            <a:endParaRPr lang="en-US" sz="1100" dirty="0">
+              <a:latin typeface="Courier New" panose="02070309020205020404" pitchFamily="49" charset="0"/>
+              <a:cs typeface="Courier New" panose="02070309020205020404" pitchFamily="49" charset="0"/>
+            </a:endParaRPr>
+          </a:p>
+          <a:p>
+            <a:r>
+              <a:rPr lang="en-US" sz="1100" dirty="0">
+                <a:latin typeface="Courier New" panose="02070309020205020404" pitchFamily="49" charset="0"/>
+                <a:cs typeface="Courier New" panose="02070309020205020404" pitchFamily="49" charset="0"/>
+              </a:rPr>
+              <a:t>AS</a:t>
+            </a:r>
+          </a:p>
+          <a:p>
+            <a:endParaRPr lang="en-US" sz="1100" dirty="0">
+              <a:latin typeface="Courier New" panose="02070309020205020404" pitchFamily="49" charset="0"/>
+              <a:cs typeface="Courier New" panose="02070309020205020404" pitchFamily="49" charset="0"/>
+            </a:endParaRPr>
+          </a:p>
+          <a:p>
+            <a:r>
+              <a:rPr lang="en-US" sz="1100" dirty="0">
+                <a:latin typeface="Courier New" panose="02070309020205020404" pitchFamily="49" charset="0"/>
+                <a:cs typeface="Courier New" panose="02070309020205020404" pitchFamily="49" charset="0"/>
+              </a:rPr>
+              <a:t>        SELECT</a:t>
+            </a:r>
+          </a:p>
+          <a:p>
+            <a:r>
+              <a:rPr lang="en-US" sz="1100" dirty="0">
+                <a:latin typeface="Courier New" panose="02070309020205020404" pitchFamily="49" charset="0"/>
+                <a:cs typeface="Courier New" panose="02070309020205020404" pitchFamily="49" charset="0"/>
+              </a:rPr>
+              <a:t>            id</a:t>
+            </a:r>
+          </a:p>
+          <a:p>
+            <a:r>
+              <a:rPr lang="en-US" sz="1100" dirty="0">
+                <a:latin typeface="Courier New" panose="02070309020205020404" pitchFamily="49" charset="0"/>
+                <a:cs typeface="Courier New" panose="02070309020205020404" pitchFamily="49" charset="0"/>
+              </a:rPr>
+              <a:t>            FROM c##</a:t>
+            </a:r>
+            <a:r>
+              <a:rPr lang="en-US" sz="1100" dirty="0" err="1">
+                <a:latin typeface="Courier New" panose="02070309020205020404" pitchFamily="49" charset="0"/>
+                <a:cs typeface="Courier New" panose="02070309020205020404" pitchFamily="49" charset="0"/>
+              </a:rPr>
+              <a:t>course.client</a:t>
+            </a:r>
+            <a:r>
+              <a:rPr lang="en-US" sz="1100" dirty="0">
+                <a:latin typeface="Courier New" panose="02070309020205020404" pitchFamily="49" charset="0"/>
+                <a:cs typeface="Courier New" panose="02070309020205020404" pitchFamily="49" charset="0"/>
+              </a:rPr>
+              <a:t> client</a:t>
+            </a:r>
+          </a:p>
+          <a:p>
+            <a:r>
+              <a:rPr lang="en-US" sz="1100" dirty="0">
+                <a:latin typeface="Courier New" panose="02070309020205020404" pitchFamily="49" charset="0"/>
+                <a:cs typeface="Courier New" panose="02070309020205020404" pitchFamily="49" charset="0"/>
+              </a:rPr>
+              <a:t>        </a:t>
+            </a:r>
+          </a:p>
+          <a:p>
+            <a:r>
+              <a:rPr lang="en-US" sz="1100" dirty="0">
+                <a:latin typeface="Courier New" panose="02070309020205020404" pitchFamily="49" charset="0"/>
+                <a:cs typeface="Courier New" panose="02070309020205020404" pitchFamily="49" charset="0"/>
+              </a:rPr>
+              <a:t>        UNION ALL</a:t>
+            </a:r>
+          </a:p>
+          <a:p>
+            <a:r>
+              <a:rPr lang="en-US" sz="1100" dirty="0">
+                <a:latin typeface="Courier New" panose="02070309020205020404" pitchFamily="49" charset="0"/>
+                <a:cs typeface="Courier New" panose="02070309020205020404" pitchFamily="49" charset="0"/>
+              </a:rPr>
+              <a:t>        </a:t>
+            </a:r>
+          </a:p>
+          <a:p>
+            <a:r>
+              <a:rPr lang="en-US" sz="1100" dirty="0">
+                <a:latin typeface="Courier New" panose="02070309020205020404" pitchFamily="49" charset="0"/>
+                <a:cs typeface="Courier New" panose="02070309020205020404" pitchFamily="49" charset="0"/>
+              </a:rPr>
+              <a:t>        SELECT</a:t>
+            </a:r>
+          </a:p>
+          <a:p>
+            <a:r>
+              <a:rPr lang="en-US" sz="1100" dirty="0">
+                <a:latin typeface="Courier New" panose="02070309020205020404" pitchFamily="49" charset="0"/>
+                <a:cs typeface="Courier New" panose="02070309020205020404" pitchFamily="49" charset="0"/>
+              </a:rPr>
+              <a:t>            id</a:t>
+            </a:r>
+          </a:p>
+          <a:p>
+            <a:r>
+              <a:rPr lang="en-US" sz="1100" dirty="0">
+                <a:latin typeface="Courier New" panose="02070309020205020404" pitchFamily="49" charset="0"/>
+                <a:cs typeface="Courier New" panose="02070309020205020404" pitchFamily="49" charset="0"/>
+              </a:rPr>
+              <a:t>            FROM c##</a:t>
+            </a:r>
+            <a:r>
+              <a:rPr lang="en-US" sz="1100" dirty="0" err="1">
+                <a:latin typeface="Courier New" panose="02070309020205020404" pitchFamily="49" charset="0"/>
+                <a:cs typeface="Courier New" panose="02070309020205020404" pitchFamily="49" charset="0"/>
+              </a:rPr>
+              <a:t>course.pr_credit</a:t>
+            </a:r>
+            <a:r>
+              <a:rPr lang="en-US" sz="1100" dirty="0">
+                <a:latin typeface="Courier New" panose="02070309020205020404" pitchFamily="49" charset="0"/>
+                <a:cs typeface="Courier New" panose="02070309020205020404" pitchFamily="49" charset="0"/>
+              </a:rPr>
+              <a:t> </a:t>
+            </a:r>
+            <a:r>
+              <a:rPr lang="en-US" sz="1100" dirty="0" err="1">
+                <a:latin typeface="Courier New" panose="02070309020205020404" pitchFamily="49" charset="0"/>
+                <a:cs typeface="Courier New" panose="02070309020205020404" pitchFamily="49" charset="0"/>
+              </a:rPr>
+              <a:t>pr_credit</a:t>
+            </a:r>
+            <a:endParaRPr lang="en-US" sz="1100" dirty="0">
+              <a:latin typeface="Courier New" panose="02070309020205020404" pitchFamily="49" charset="0"/>
+              <a:cs typeface="Courier New" panose="02070309020205020404" pitchFamily="49" charset="0"/>
+            </a:endParaRPr>
+          </a:p>
+          <a:p>
+            <a:r>
+              <a:rPr lang="en-US" sz="1100" dirty="0">
+                <a:latin typeface="Courier New" panose="02070309020205020404" pitchFamily="49" charset="0"/>
+                <a:cs typeface="Courier New" panose="02070309020205020404" pitchFamily="49" charset="0"/>
+              </a:rPr>
+              <a:t>            </a:t>
+            </a:r>
+          </a:p>
+          <a:p>
+            <a:r>
+              <a:rPr lang="en-US" sz="1100" dirty="0">
+                <a:latin typeface="Courier New" panose="02070309020205020404" pitchFamily="49" charset="0"/>
+                <a:cs typeface="Courier New" panose="02070309020205020404" pitchFamily="49" charset="0"/>
+              </a:rPr>
+              <a:t>        UNION ALL</a:t>
+            </a:r>
+          </a:p>
+          <a:p>
+            <a:r>
+              <a:rPr lang="en-US" sz="1100" dirty="0">
+                <a:latin typeface="Courier New" panose="02070309020205020404" pitchFamily="49" charset="0"/>
+                <a:cs typeface="Courier New" panose="02070309020205020404" pitchFamily="49" charset="0"/>
+              </a:rPr>
+              <a:t>        </a:t>
+            </a:r>
+          </a:p>
+          <a:p>
+            <a:r>
+              <a:rPr lang="en-US" sz="1100" dirty="0">
+                <a:latin typeface="Courier New" panose="02070309020205020404" pitchFamily="49" charset="0"/>
+                <a:cs typeface="Courier New" panose="02070309020205020404" pitchFamily="49" charset="0"/>
+              </a:rPr>
+              <a:t>        SELECT</a:t>
+            </a:r>
+          </a:p>
+          <a:p>
+            <a:r>
+              <a:rPr lang="en-US" sz="1100" dirty="0">
+                <a:latin typeface="Courier New" panose="02070309020205020404" pitchFamily="49" charset="0"/>
+                <a:cs typeface="Courier New" panose="02070309020205020404" pitchFamily="49" charset="0"/>
+              </a:rPr>
+              <a:t>            </a:t>
+            </a:r>
+            <a:r>
+              <a:rPr lang="en-US" sz="1100" dirty="0" err="1">
+                <a:latin typeface="Courier New" panose="02070309020205020404" pitchFamily="49" charset="0"/>
+                <a:cs typeface="Courier New" panose="02070309020205020404" pitchFamily="49" charset="0"/>
+              </a:rPr>
+              <a:t>collect_plan</a:t>
+            </a:r>
+            <a:r>
+              <a:rPr lang="en-US" sz="1100" dirty="0">
+                <a:latin typeface="Courier New" panose="02070309020205020404" pitchFamily="49" charset="0"/>
+                <a:cs typeface="Courier New" panose="02070309020205020404" pitchFamily="49" charset="0"/>
+              </a:rPr>
+              <a:t> AS id</a:t>
+            </a:r>
+          </a:p>
+          <a:p>
+            <a:r>
+              <a:rPr lang="en-US" sz="1100" dirty="0">
+                <a:latin typeface="Courier New" panose="02070309020205020404" pitchFamily="49" charset="0"/>
+                <a:cs typeface="Courier New" panose="02070309020205020404" pitchFamily="49" charset="0"/>
+              </a:rPr>
+              <a:t>            FROM c##</a:t>
+            </a:r>
+            <a:r>
+              <a:rPr lang="en-US" sz="1100" dirty="0" err="1">
+                <a:latin typeface="Courier New" panose="02070309020205020404" pitchFamily="49" charset="0"/>
+                <a:cs typeface="Courier New" panose="02070309020205020404" pitchFamily="49" charset="0"/>
+              </a:rPr>
+              <a:t>course.pr_credit</a:t>
+            </a:r>
+            <a:r>
+              <a:rPr lang="en-US" sz="1100" dirty="0">
+                <a:latin typeface="Courier New" panose="02070309020205020404" pitchFamily="49" charset="0"/>
+                <a:cs typeface="Courier New" panose="02070309020205020404" pitchFamily="49" charset="0"/>
+              </a:rPr>
+              <a:t> </a:t>
+            </a:r>
+            <a:r>
+              <a:rPr lang="en-US" sz="1100" dirty="0" err="1">
+                <a:latin typeface="Courier New" panose="02070309020205020404" pitchFamily="49" charset="0"/>
+                <a:cs typeface="Courier New" panose="02070309020205020404" pitchFamily="49" charset="0"/>
+              </a:rPr>
+              <a:t>pr_credit</a:t>
+            </a:r>
+            <a:endParaRPr lang="en-US" sz="1100" dirty="0">
+              <a:latin typeface="Courier New" panose="02070309020205020404" pitchFamily="49" charset="0"/>
+              <a:cs typeface="Courier New" panose="02070309020205020404" pitchFamily="49" charset="0"/>
+            </a:endParaRPr>
+          </a:p>
+          <a:p>
+            <a:r>
+              <a:rPr lang="en-US" sz="1100" dirty="0">
+                <a:latin typeface="Courier New" panose="02070309020205020404" pitchFamily="49" charset="0"/>
+                <a:cs typeface="Courier New" panose="02070309020205020404" pitchFamily="49" charset="0"/>
+              </a:rPr>
+              <a:t>            </a:t>
+            </a:r>
+          </a:p>
+          <a:p>
+            <a:r>
+              <a:rPr lang="en-US" sz="1100" dirty="0">
+                <a:latin typeface="Courier New" panose="02070309020205020404" pitchFamily="49" charset="0"/>
+                <a:cs typeface="Courier New" panose="02070309020205020404" pitchFamily="49" charset="0"/>
+              </a:rPr>
+              <a:t>        UNION ALL</a:t>
+            </a:r>
+          </a:p>
+          <a:p>
+            <a:r>
+              <a:rPr lang="en-US" sz="1100" dirty="0">
+                <a:latin typeface="Courier New" panose="02070309020205020404" pitchFamily="49" charset="0"/>
+                <a:cs typeface="Courier New" panose="02070309020205020404" pitchFamily="49" charset="0"/>
+              </a:rPr>
+              <a:t>        </a:t>
+            </a:r>
+          </a:p>
+          <a:p>
+            <a:r>
+              <a:rPr lang="en-US" sz="1100" dirty="0">
+                <a:latin typeface="Courier New" panose="02070309020205020404" pitchFamily="49" charset="0"/>
+                <a:cs typeface="Courier New" panose="02070309020205020404" pitchFamily="49" charset="0"/>
+              </a:rPr>
+              <a:t>        SELECT </a:t>
+            </a:r>
+          </a:p>
+          <a:p>
+            <a:r>
+              <a:rPr lang="en-US" sz="1100" dirty="0">
+                <a:latin typeface="Courier New" panose="02070309020205020404" pitchFamily="49" charset="0"/>
+                <a:cs typeface="Courier New" panose="02070309020205020404" pitchFamily="49" charset="0"/>
+              </a:rPr>
+              <a:t>            </a:t>
+            </a:r>
+            <a:r>
+              <a:rPr lang="en-US" sz="1100" dirty="0" err="1">
+                <a:latin typeface="Courier New" panose="02070309020205020404" pitchFamily="49" charset="0"/>
+                <a:cs typeface="Courier New" panose="02070309020205020404" pitchFamily="49" charset="0"/>
+              </a:rPr>
+              <a:t>collect_fact</a:t>
+            </a:r>
+            <a:r>
+              <a:rPr lang="en-US" sz="1100" dirty="0">
+                <a:latin typeface="Courier New" panose="02070309020205020404" pitchFamily="49" charset="0"/>
+                <a:cs typeface="Courier New" panose="02070309020205020404" pitchFamily="49" charset="0"/>
+              </a:rPr>
+              <a:t> AS id</a:t>
+            </a:r>
+          </a:p>
+          <a:p>
+            <a:r>
+              <a:rPr lang="en-US" sz="1100" dirty="0">
+                <a:latin typeface="Courier New" panose="02070309020205020404" pitchFamily="49" charset="0"/>
+                <a:cs typeface="Courier New" panose="02070309020205020404" pitchFamily="49" charset="0"/>
+              </a:rPr>
+              <a:t>            FROM c##</a:t>
+            </a:r>
+            <a:r>
+              <a:rPr lang="en-US" sz="1100" dirty="0" err="1">
+                <a:latin typeface="Courier New" panose="02070309020205020404" pitchFamily="49" charset="0"/>
+                <a:cs typeface="Courier New" panose="02070309020205020404" pitchFamily="49" charset="0"/>
+              </a:rPr>
+              <a:t>course.pr_credit</a:t>
+            </a:r>
+            <a:r>
+              <a:rPr lang="en-US" sz="1100" dirty="0">
+                <a:latin typeface="Courier New" panose="02070309020205020404" pitchFamily="49" charset="0"/>
+                <a:cs typeface="Courier New" panose="02070309020205020404" pitchFamily="49" charset="0"/>
+              </a:rPr>
+              <a:t> </a:t>
+            </a:r>
+            <a:r>
+              <a:rPr lang="en-US" sz="1100" dirty="0" err="1" smtClean="0">
+                <a:latin typeface="Courier New" panose="02070309020205020404" pitchFamily="49" charset="0"/>
+                <a:cs typeface="Courier New" panose="02070309020205020404" pitchFamily="49" charset="0"/>
+              </a:rPr>
+              <a:t>pr_credit</a:t>
+            </a:r>
+            <a:r>
+              <a:rPr lang="en-US" sz="1100" dirty="0" smtClean="0">
+                <a:latin typeface="Courier New" panose="02070309020205020404" pitchFamily="49" charset="0"/>
+                <a:cs typeface="Courier New" panose="02070309020205020404" pitchFamily="49" charset="0"/>
+              </a:rPr>
+              <a:t>;</a:t>
+            </a:r>
+            <a:endParaRPr lang="en-US" sz="1100" dirty="0">
+              <a:latin typeface="Courier New" panose="02070309020205020404" pitchFamily="49" charset="0"/>
+              <a:cs typeface="Courier New" panose="02070309020205020404" pitchFamily="49" charset="0"/>
+            </a:endParaRPr>
           </a:p>
         </p:txBody>
       </p:sp>
@@ -15677,18 +15498,7 @@
                 </a:solidFill>
                 <a:hlinkClick r:id="rId2"/>
               </a:rPr>
-              <a:t>https://github.com/AndrSor/Course_PLSQL_SB/blob/main/Course%20Work/04.4.%D0%97%D0%B0%D0%BF%D1%83%D1%81%D0%BA%20%D1%81%D0%BE%D0%B7%D0%B4%D0%B0%D0%BD%D0%B8%D1%8F.sql</a:t>
-            </a:r>
-            <a:r>
-              <a:rPr lang="en-US" sz="1200" dirty="0" smtClean="0">
-                <a:solidFill>
-                  <a:schemeClr val="tx2">
-                    <a:lumMod val="60000"/>
-                    <a:lumOff val="40000"/>
-                  </a:schemeClr>
-                </a:solidFill>
-              </a:rPr>
-              <a:t> </a:t>
+              <a:t>https://github.com/AndrSor/Course_PLSQL_SB/blob/main/Course%20Work/04.1.%D0%A1%D0%BE%D0%B7%D0%B4%D0%B0%D0%B5%D0%BC%20%D0%BF%D0%BE%D1%81%D0%BB%D0%B5%D0%B4%D0%BE%D0%B2%D0%B0%D1%82%D0%B5%D0%BB%D1%8C%D0%BD%D0%BE%D1%81%D1%82%D1%8C.sql</a:t>
             </a:r>
             <a:endParaRPr lang="ru-RU" sz="1200" dirty="0">
               <a:solidFill>
@@ -15739,34 +15549,10 @@
           </a:p>
         </p:txBody>
       </p:sp>
-      <p:pic>
-        <p:nvPicPr>
-          <p:cNvPr id="2" name="Рисунок 1"/>
-          <p:cNvPicPr>
-            <a:picLocks noChangeAspect="1"/>
-          </p:cNvPicPr>
-          <p:nvPr/>
-        </p:nvPicPr>
-        <p:blipFill>
-          <a:blip r:embed="rId3"/>
-          <a:stretch>
-            <a:fillRect/>
-          </a:stretch>
-        </p:blipFill>
-        <p:spPr>
-          <a:xfrm>
-            <a:off x="6384032" y="731179"/>
-            <a:ext cx="4381500" cy="5067300"/>
-          </a:xfrm>
-          <a:prstGeom prst="rect">
-            <a:avLst/>
-          </a:prstGeom>
-        </p:spPr>
-      </p:pic>
     </p:spTree>
     <p:extLst>
       <p:ext uri="{BB962C8B-B14F-4D97-AF65-F5344CB8AC3E}">
-        <p14:creationId xmlns:p14="http://schemas.microsoft.com/office/powerpoint/2010/main" val="4074556296"/>
+        <p14:creationId xmlns:p14="http://schemas.microsoft.com/office/powerpoint/2010/main" val="1599170103"/>
       </p:ext>
     </p:extLst>
   </p:cSld>
@@ -15802,7 +15588,13 @@
       </p:grpSpPr>
       <p:sp>
         <p:nvSpPr>
-          <p:cNvPr id="4" name="Заголовок 4"/>
+          <p:cNvPr id="18" name="Title 7">
+            <a:extLst>
+              <a:ext uri="{FF2B5EF4-FFF2-40B4-BE49-F238E27FC236}">
+                <a16:creationId xmlns="" xmlns:a16="http://schemas.microsoft.com/office/drawing/2014/main" id="{E195DE7B-42F0-4CAA-AAB0-D33DB61C53CA}"/>
+              </a:ext>
+            </a:extLst>
+          </p:cNvPr>
           <p:cNvSpPr>
             <a:spLocks/>
           </p:cNvSpPr>
@@ -15810,70 +15602,979 @@
         </p:nvSpPr>
         <p:spPr bwMode="auto">
           <a:xfrm>
-            <a:off x="462443" y="2996952"/>
-            <a:ext cx="11161240" cy="1326541"/>
+            <a:off x="191344" y="285978"/>
+            <a:ext cx="12169352" cy="550734"/>
           </a:xfrm>
           <a:prstGeom prst="rect">
             <a:avLst/>
           </a:prstGeom>
         </p:spPr>
         <p:txBody>
-          <a:bodyPr vert="horz" lIns="0" tIns="0" rIns="0" bIns="0" anchor="t" anchorCtr="0"/>
+          <a:bodyPr lIns="0" tIns="0" rIns="0" bIns="0"/>
           <a:lstStyle>
-            <a:lvl1pPr>
-              <a:defRPr sz="6000" b="0" i="0">
-                <a:latin typeface="SB Sans Display Light"/>
-                <a:ea typeface="+mj-ea"/>
-                <a:cs typeface="SB Sans Display Light"/>
-              </a:defRPr>
-            </a:lvl1pPr>
-          </a:lstStyle>
-          <a:p>
-            <a:pPr algn="ctr">
-              <a:defRPr/>
-            </a:pPr>
-            <a:r>
-              <a:rPr lang="ru-RU" sz="5400" b="1" dirty="0">
-                <a:solidFill>
-                  <a:srgbClr val="333F48"/>
-                </a:solidFill>
-                <a:latin typeface="SB Sans Display Semibold"/>
-              </a:rPr>
-              <a:t>Спасибо за внимание!</a:t>
-            </a:r>
-            <a:r>
-              <a:rPr lang="en-US" sz="6000" i="0" u="none" strike="noStrike" cap="none" spc="0" dirty="0">
-                <a:ln>
-                  <a:noFill/>
-                </a:ln>
-                <a:solidFill>
-                  <a:srgbClr val="333F48"/>
-                </a:solidFill>
-                <a:latin typeface="SB Sans Display Light"/>
-                <a:ea typeface="+mj-ea"/>
-                <a:cs typeface="SB Sans Display Light"/>
-              </a:rPr>
-              <a:t> </a:t>
-            </a:r>
-            <a:endParaRPr lang="ru-RU" sz="1600" dirty="0"/>
-          </a:p>
-          <a:p>
-            <a:pPr marL="0" marR="0" lvl="0" indent="0" algn="ctr" defTabSz="914400">
+            <a:lvl1pPr algn="l" defTabSz="914400">
               <a:lnSpc>
-                <a:spcPct val="100000"/>
+                <a:spcPct val="90000"/>
               </a:lnSpc>
               <a:spcBef>
                 <a:spcPts val="0"/>
               </a:spcBef>
-              <a:spcAft>
-                <a:spcPts val="0"/>
-              </a:spcAft>
-              <a:buClrTx/>
-              <a:buSzTx/>
-              <a:buFontTx/>
               <a:buNone/>
+              <a:defRPr sz="4400" b="0" i="0">
+                <a:solidFill>
+                  <a:schemeClr val="tx1"/>
+                </a:solidFill>
+                <a:latin typeface="SB Sans Display Regular"/>
+                <a:ea typeface="+mj-ea"/>
+                <a:cs typeface="+mj-cs"/>
+              </a:defRPr>
+            </a:lvl1pPr>
+          </a:lstStyle>
+          <a:p>
+            <a:pPr>
               <a:defRPr/>
             </a:pPr>
+            <a:r>
+              <a:rPr lang="en-US" sz="3200" dirty="0">
+                <a:solidFill>
+                  <a:srgbClr val="333F48"/>
+                </a:solidFill>
+              </a:rPr>
+              <a:t>4</a:t>
+            </a:r>
+            <a:r>
+              <a:rPr lang="ru-RU" sz="3200" dirty="0" smtClean="0">
+                <a:solidFill>
+                  <a:srgbClr val="333F48"/>
+                </a:solidFill>
+              </a:rPr>
+              <a:t>. Процедура создает и возвращает клиента</a:t>
+            </a:r>
+            <a:endParaRPr lang="ru-RU" sz="1200" dirty="0"/>
+          </a:p>
+          <a:p>
+            <a:pPr>
+              <a:defRPr/>
+            </a:pPr>
+            <a:r>
+              <a:rPr lang="ru-RU" sz="3200" dirty="0" smtClean="0">
+                <a:solidFill>
+                  <a:srgbClr val="333F48"/>
+                </a:solidFill>
+              </a:rPr>
+              <a:t> </a:t>
+            </a:r>
+            <a:endParaRPr lang="ru-RU" sz="1200" dirty="0"/>
+          </a:p>
+        </p:txBody>
+      </p:sp>
+      <p:sp>
+        <p:nvSpPr>
+          <p:cNvPr id="5" name="TextBox 4"/>
+          <p:cNvSpPr txBox="1"/>
+          <p:nvPr/>
+        </p:nvSpPr>
+        <p:spPr>
+          <a:xfrm>
+            <a:off x="5879976" y="614491"/>
+            <a:ext cx="6120680" cy="507831"/>
+          </a:xfrm>
+          <a:prstGeom prst="rect">
+            <a:avLst/>
+          </a:prstGeom>
+          <a:noFill/>
+        </p:spPr>
+        <p:txBody>
+          <a:bodyPr wrap="square" rtlCol="0">
+            <a:spAutoFit/>
+          </a:bodyPr>
+          <a:lstStyle/>
+          <a:p>
+            <a:r>
+              <a:rPr lang="en-US" sz="900" dirty="0"/>
+              <a:t> </a:t>
+            </a:r>
+          </a:p>
+          <a:p>
+            <a:endParaRPr lang="en-US" sz="900" dirty="0"/>
+          </a:p>
+          <a:p>
+            <a:r>
+              <a:rPr lang="en-US" sz="900" dirty="0" smtClean="0"/>
+              <a:t>   </a:t>
+            </a:r>
+            <a:endParaRPr lang="ru-RU" sz="900" dirty="0"/>
+          </a:p>
+        </p:txBody>
+      </p:sp>
+      <p:sp>
+        <p:nvSpPr>
+          <p:cNvPr id="4" name="TextBox 3"/>
+          <p:cNvSpPr txBox="1"/>
+          <p:nvPr/>
+        </p:nvSpPr>
+        <p:spPr>
+          <a:xfrm>
+            <a:off x="335360" y="725502"/>
+            <a:ext cx="5328592" cy="3985706"/>
+          </a:xfrm>
+          <a:prstGeom prst="rect">
+            <a:avLst/>
+          </a:prstGeom>
+          <a:solidFill>
+            <a:schemeClr val="accent3">
+              <a:lumMod val="20000"/>
+              <a:lumOff val="80000"/>
+            </a:schemeClr>
+          </a:solidFill>
+          <a:ln>
+            <a:solidFill>
+              <a:schemeClr val="accent1"/>
+            </a:solidFill>
+          </a:ln>
+        </p:spPr>
+        <p:txBody>
+          <a:bodyPr wrap="square" rtlCol="0">
+            <a:spAutoFit/>
+          </a:bodyPr>
+          <a:lstStyle/>
+          <a:p>
+            <a:r>
+              <a:rPr lang="en-US" sz="1100" dirty="0">
+                <a:latin typeface="Courier New" panose="02070309020205020404" pitchFamily="49" charset="0"/>
+                <a:cs typeface="Courier New" panose="02070309020205020404" pitchFamily="49" charset="0"/>
+              </a:rPr>
+              <a:t>CREATE OR REPLACE PROCEDURE c##</a:t>
+            </a:r>
+            <a:r>
+              <a:rPr lang="en-US" sz="1100" dirty="0" err="1">
+                <a:latin typeface="Courier New" panose="02070309020205020404" pitchFamily="49" charset="0"/>
+                <a:cs typeface="Courier New" panose="02070309020205020404" pitchFamily="49" charset="0"/>
+              </a:rPr>
+              <a:t>course.pr_create_client</a:t>
+            </a:r>
+            <a:r>
+              <a:rPr lang="en-US" sz="1100" dirty="0">
+                <a:latin typeface="Courier New" panose="02070309020205020404" pitchFamily="49" charset="0"/>
+                <a:cs typeface="Courier New" panose="02070309020205020404" pitchFamily="49" charset="0"/>
+              </a:rPr>
+              <a:t> (</a:t>
+            </a:r>
+          </a:p>
+          <a:p>
+            <a:r>
+              <a:rPr lang="en-US" sz="1100" dirty="0">
+                <a:latin typeface="Courier New" panose="02070309020205020404" pitchFamily="49" charset="0"/>
+                <a:cs typeface="Courier New" panose="02070309020205020404" pitchFamily="49" charset="0"/>
+              </a:rPr>
+              <a:t>    </a:t>
+            </a:r>
+            <a:r>
+              <a:rPr lang="en-US" sz="1100" dirty="0" err="1">
+                <a:latin typeface="Courier New" panose="02070309020205020404" pitchFamily="49" charset="0"/>
+                <a:cs typeface="Courier New" panose="02070309020205020404" pitchFamily="49" charset="0"/>
+              </a:rPr>
+              <a:t>client_name</a:t>
+            </a:r>
+            <a:r>
+              <a:rPr lang="en-US" sz="1100" dirty="0">
+                <a:latin typeface="Courier New" panose="02070309020205020404" pitchFamily="49" charset="0"/>
+                <a:cs typeface="Courier New" panose="02070309020205020404" pitchFamily="49" charset="0"/>
+              </a:rPr>
+              <a:t>     IN  varchar2,        -- </a:t>
+            </a:r>
+            <a:r>
+              <a:rPr lang="en-US" sz="1100" dirty="0" err="1">
+                <a:latin typeface="Courier New" panose="02070309020205020404" pitchFamily="49" charset="0"/>
+                <a:cs typeface="Courier New" panose="02070309020205020404" pitchFamily="49" charset="0"/>
+              </a:rPr>
+              <a:t>Клиент</a:t>
+            </a:r>
+            <a:r>
+              <a:rPr lang="en-US" sz="1100" dirty="0">
+                <a:latin typeface="Courier New" panose="02070309020205020404" pitchFamily="49" charset="0"/>
+                <a:cs typeface="Courier New" panose="02070309020205020404" pitchFamily="49" charset="0"/>
+              </a:rPr>
+              <a:t> ФИО</a:t>
+            </a:r>
+          </a:p>
+          <a:p>
+            <a:r>
+              <a:rPr lang="en-US" sz="1100" dirty="0">
+                <a:latin typeface="Courier New" panose="02070309020205020404" pitchFamily="49" charset="0"/>
+                <a:cs typeface="Courier New" panose="02070309020205020404" pitchFamily="49" charset="0"/>
+              </a:rPr>
+              <a:t>    </a:t>
+            </a:r>
+            <a:r>
+              <a:rPr lang="en-US" sz="1100" dirty="0" err="1">
+                <a:latin typeface="Courier New" panose="02070309020205020404" pitchFamily="49" charset="0"/>
+                <a:cs typeface="Courier New" panose="02070309020205020404" pitchFamily="49" charset="0"/>
+              </a:rPr>
+              <a:t>client_birth</a:t>
+            </a:r>
+            <a:r>
+              <a:rPr lang="en-US" sz="1100" dirty="0">
+                <a:latin typeface="Courier New" panose="02070309020205020404" pitchFamily="49" charset="0"/>
+                <a:cs typeface="Courier New" panose="02070309020205020404" pitchFamily="49" charset="0"/>
+              </a:rPr>
+              <a:t>    IN  date,            -- </a:t>
+            </a:r>
+            <a:r>
+              <a:rPr lang="en-US" sz="1100" dirty="0" err="1">
+                <a:latin typeface="Courier New" panose="02070309020205020404" pitchFamily="49" charset="0"/>
+                <a:cs typeface="Courier New" panose="02070309020205020404" pitchFamily="49" charset="0"/>
+              </a:rPr>
+              <a:t>Дата</a:t>
+            </a:r>
+            <a:r>
+              <a:rPr lang="en-US" sz="1100" dirty="0">
+                <a:latin typeface="Courier New" panose="02070309020205020404" pitchFamily="49" charset="0"/>
+                <a:cs typeface="Courier New" panose="02070309020205020404" pitchFamily="49" charset="0"/>
+              </a:rPr>
+              <a:t> </a:t>
+            </a:r>
+            <a:r>
+              <a:rPr lang="en-US" sz="1100" dirty="0" err="1">
+                <a:latin typeface="Courier New" panose="02070309020205020404" pitchFamily="49" charset="0"/>
+                <a:cs typeface="Courier New" panose="02070309020205020404" pitchFamily="49" charset="0"/>
+              </a:rPr>
+              <a:t>рождения</a:t>
+            </a:r>
+            <a:r>
+              <a:rPr lang="en-US" sz="1100" dirty="0">
+                <a:latin typeface="Courier New" panose="02070309020205020404" pitchFamily="49" charset="0"/>
+                <a:cs typeface="Courier New" panose="02070309020205020404" pitchFamily="49" charset="0"/>
+              </a:rPr>
+              <a:t> </a:t>
+            </a:r>
+            <a:r>
+              <a:rPr lang="en-US" sz="1100" dirty="0" err="1">
+                <a:latin typeface="Courier New" panose="02070309020205020404" pitchFamily="49" charset="0"/>
+                <a:cs typeface="Courier New" panose="02070309020205020404" pitchFamily="49" charset="0"/>
+              </a:rPr>
+              <a:t>Клиента</a:t>
+            </a:r>
+            <a:endParaRPr lang="en-US" sz="1100" dirty="0">
+              <a:latin typeface="Courier New" panose="02070309020205020404" pitchFamily="49" charset="0"/>
+              <a:cs typeface="Courier New" panose="02070309020205020404" pitchFamily="49" charset="0"/>
+            </a:endParaRPr>
+          </a:p>
+          <a:p>
+            <a:r>
+              <a:rPr lang="en-US" sz="1100" dirty="0">
+                <a:latin typeface="Courier New" panose="02070309020205020404" pitchFamily="49" charset="0"/>
+                <a:cs typeface="Courier New" panose="02070309020205020404" pitchFamily="49" charset="0"/>
+              </a:rPr>
+              <a:t>    </a:t>
+            </a:r>
+            <a:r>
+              <a:rPr lang="en-US" sz="1100" dirty="0" err="1">
+                <a:latin typeface="Courier New" panose="02070309020205020404" pitchFamily="49" charset="0"/>
+                <a:cs typeface="Courier New" panose="02070309020205020404" pitchFamily="49" charset="0"/>
+              </a:rPr>
+              <a:t>client_id</a:t>
+            </a:r>
+            <a:r>
+              <a:rPr lang="en-US" sz="1100" dirty="0">
+                <a:latin typeface="Courier New" panose="02070309020205020404" pitchFamily="49" charset="0"/>
+                <a:cs typeface="Courier New" panose="02070309020205020404" pitchFamily="49" charset="0"/>
+              </a:rPr>
+              <a:t>       OUT number</a:t>
+            </a:r>
+          </a:p>
+          <a:p>
+            <a:r>
+              <a:rPr lang="en-US" sz="1100" dirty="0">
+                <a:latin typeface="Courier New" panose="02070309020205020404" pitchFamily="49" charset="0"/>
+                <a:cs typeface="Courier New" panose="02070309020205020404" pitchFamily="49" charset="0"/>
+              </a:rPr>
+              <a:t>)</a:t>
+            </a:r>
+          </a:p>
+          <a:p>
+            <a:r>
+              <a:rPr lang="en-US" sz="1100" dirty="0">
+                <a:latin typeface="Courier New" panose="02070309020205020404" pitchFamily="49" charset="0"/>
+                <a:cs typeface="Courier New" panose="02070309020205020404" pitchFamily="49" charset="0"/>
+              </a:rPr>
+              <a:t>AS</a:t>
+            </a:r>
+          </a:p>
+          <a:p>
+            <a:r>
+              <a:rPr lang="en-US" sz="1100" dirty="0">
+                <a:latin typeface="Courier New" panose="02070309020205020404" pitchFamily="49" charset="0"/>
+                <a:cs typeface="Courier New" panose="02070309020205020404" pitchFamily="49" charset="0"/>
+              </a:rPr>
+              <a:t>    </a:t>
+            </a:r>
+            <a:r>
+              <a:rPr lang="en-US" sz="1100" dirty="0" err="1">
+                <a:latin typeface="Courier New" panose="02070309020205020404" pitchFamily="49" charset="0"/>
+                <a:cs typeface="Courier New" panose="02070309020205020404" pitchFamily="49" charset="0"/>
+              </a:rPr>
+              <a:t>client_exists</a:t>
+            </a:r>
+            <a:r>
+              <a:rPr lang="en-US" sz="1100" dirty="0">
+                <a:latin typeface="Courier New" panose="02070309020205020404" pitchFamily="49" charset="0"/>
+                <a:cs typeface="Courier New" panose="02070309020205020404" pitchFamily="49" charset="0"/>
+              </a:rPr>
+              <a:t> number := 0;</a:t>
+            </a:r>
+          </a:p>
+          <a:p>
+            <a:r>
+              <a:rPr lang="en-US" sz="1100" dirty="0">
+                <a:latin typeface="Courier New" panose="02070309020205020404" pitchFamily="49" charset="0"/>
+                <a:cs typeface="Courier New" panose="02070309020205020404" pitchFamily="49" charset="0"/>
+              </a:rPr>
+              <a:t>BEGIN</a:t>
+            </a:r>
+          </a:p>
+          <a:p>
+            <a:r>
+              <a:rPr lang="en-US" sz="1100" dirty="0">
+                <a:latin typeface="Courier New" panose="02070309020205020404" pitchFamily="49" charset="0"/>
+                <a:cs typeface="Courier New" panose="02070309020205020404" pitchFamily="49" charset="0"/>
+              </a:rPr>
+              <a:t>    </a:t>
+            </a:r>
+          </a:p>
+          <a:p>
+            <a:r>
+              <a:rPr lang="en-US" sz="1100" dirty="0">
+                <a:latin typeface="Courier New" panose="02070309020205020404" pitchFamily="49" charset="0"/>
+                <a:cs typeface="Courier New" panose="02070309020205020404" pitchFamily="49" charset="0"/>
+              </a:rPr>
+              <a:t>    SELECT</a:t>
+            </a:r>
+          </a:p>
+          <a:p>
+            <a:r>
+              <a:rPr lang="en-US" sz="1100" dirty="0">
+                <a:latin typeface="Courier New" panose="02070309020205020404" pitchFamily="49" charset="0"/>
+                <a:cs typeface="Courier New" panose="02070309020205020404" pitchFamily="49" charset="0"/>
+              </a:rPr>
+              <a:t>        COUNT(*) INTO </a:t>
+            </a:r>
+            <a:r>
+              <a:rPr lang="en-US" sz="1100" dirty="0" err="1">
+                <a:latin typeface="Courier New" panose="02070309020205020404" pitchFamily="49" charset="0"/>
+                <a:cs typeface="Courier New" panose="02070309020205020404" pitchFamily="49" charset="0"/>
+              </a:rPr>
+              <a:t>client_exists</a:t>
+            </a:r>
+            <a:endParaRPr lang="en-US" sz="1100" dirty="0">
+              <a:latin typeface="Courier New" panose="02070309020205020404" pitchFamily="49" charset="0"/>
+              <a:cs typeface="Courier New" panose="02070309020205020404" pitchFamily="49" charset="0"/>
+            </a:endParaRPr>
+          </a:p>
+          <a:p>
+            <a:r>
+              <a:rPr lang="en-US" sz="1100" dirty="0">
+                <a:latin typeface="Courier New" panose="02070309020205020404" pitchFamily="49" charset="0"/>
+                <a:cs typeface="Courier New" panose="02070309020205020404" pitchFamily="49" charset="0"/>
+              </a:rPr>
+              <a:t>        FROM c##</a:t>
+            </a:r>
+            <a:r>
+              <a:rPr lang="en-US" sz="1100" dirty="0" err="1">
+                <a:latin typeface="Courier New" panose="02070309020205020404" pitchFamily="49" charset="0"/>
+                <a:cs typeface="Courier New" panose="02070309020205020404" pitchFamily="49" charset="0"/>
+              </a:rPr>
+              <a:t>course.client</a:t>
+            </a:r>
+            <a:endParaRPr lang="en-US" sz="1100" dirty="0">
+              <a:latin typeface="Courier New" panose="02070309020205020404" pitchFamily="49" charset="0"/>
+              <a:cs typeface="Courier New" panose="02070309020205020404" pitchFamily="49" charset="0"/>
+            </a:endParaRPr>
+          </a:p>
+          <a:p>
+            <a:r>
+              <a:rPr lang="en-US" sz="1100" dirty="0">
+                <a:latin typeface="Courier New" panose="02070309020205020404" pitchFamily="49" charset="0"/>
+                <a:cs typeface="Courier New" panose="02070309020205020404" pitchFamily="49" charset="0"/>
+              </a:rPr>
+              <a:t>        WHERE</a:t>
+            </a:r>
+          </a:p>
+          <a:p>
+            <a:r>
+              <a:rPr lang="en-US" sz="1100" dirty="0">
+                <a:latin typeface="Courier New" panose="02070309020205020404" pitchFamily="49" charset="0"/>
+                <a:cs typeface="Courier New" panose="02070309020205020404" pitchFamily="49" charset="0"/>
+              </a:rPr>
+              <a:t>            </a:t>
+            </a:r>
+            <a:r>
+              <a:rPr lang="en-US" sz="1100" dirty="0" err="1">
+                <a:latin typeface="Courier New" panose="02070309020205020404" pitchFamily="49" charset="0"/>
+                <a:cs typeface="Courier New" panose="02070309020205020404" pitchFamily="49" charset="0"/>
+              </a:rPr>
+              <a:t>cl_name</a:t>
+            </a:r>
+            <a:r>
+              <a:rPr lang="en-US" sz="1100" dirty="0">
+                <a:latin typeface="Courier New" panose="02070309020205020404" pitchFamily="49" charset="0"/>
+                <a:cs typeface="Courier New" panose="02070309020205020404" pitchFamily="49" charset="0"/>
+              </a:rPr>
+              <a:t> = </a:t>
+            </a:r>
+            <a:r>
+              <a:rPr lang="en-US" sz="1100" dirty="0" err="1">
+                <a:latin typeface="Courier New" panose="02070309020205020404" pitchFamily="49" charset="0"/>
+                <a:cs typeface="Courier New" panose="02070309020205020404" pitchFamily="49" charset="0"/>
+              </a:rPr>
+              <a:t>client_name</a:t>
+            </a:r>
+            <a:r>
+              <a:rPr lang="en-US" sz="1100" dirty="0">
+                <a:latin typeface="Courier New" panose="02070309020205020404" pitchFamily="49" charset="0"/>
+                <a:cs typeface="Courier New" panose="02070309020205020404" pitchFamily="49" charset="0"/>
+              </a:rPr>
+              <a:t>;</a:t>
+            </a:r>
+          </a:p>
+          <a:p>
+            <a:r>
+              <a:rPr lang="en-US" sz="1100" dirty="0">
+                <a:latin typeface="Courier New" panose="02070309020205020404" pitchFamily="49" charset="0"/>
+                <a:cs typeface="Courier New" panose="02070309020205020404" pitchFamily="49" charset="0"/>
+              </a:rPr>
+              <a:t>    </a:t>
+            </a:r>
+          </a:p>
+          <a:p>
+            <a:r>
+              <a:rPr lang="en-US" sz="1100" dirty="0">
+                <a:latin typeface="Courier New" panose="02070309020205020404" pitchFamily="49" charset="0"/>
+                <a:cs typeface="Courier New" panose="02070309020205020404" pitchFamily="49" charset="0"/>
+              </a:rPr>
+              <a:t>    IF </a:t>
+            </a:r>
+            <a:r>
+              <a:rPr lang="en-US" sz="1100" dirty="0" err="1">
+                <a:latin typeface="Courier New" panose="02070309020205020404" pitchFamily="49" charset="0"/>
+                <a:cs typeface="Courier New" panose="02070309020205020404" pitchFamily="49" charset="0"/>
+              </a:rPr>
+              <a:t>client_exists</a:t>
+            </a:r>
+            <a:r>
+              <a:rPr lang="en-US" sz="1100" dirty="0">
+                <a:latin typeface="Courier New" panose="02070309020205020404" pitchFamily="49" charset="0"/>
+                <a:cs typeface="Courier New" panose="02070309020205020404" pitchFamily="49" charset="0"/>
+              </a:rPr>
+              <a:t> &gt; 0 THEN</a:t>
+            </a:r>
+          </a:p>
+          <a:p>
+            <a:r>
+              <a:rPr lang="en-US" sz="1100" dirty="0">
+                <a:latin typeface="Courier New" panose="02070309020205020404" pitchFamily="49" charset="0"/>
+                <a:cs typeface="Courier New" panose="02070309020205020404" pitchFamily="49" charset="0"/>
+              </a:rPr>
+              <a:t>     SELECT</a:t>
+            </a:r>
+          </a:p>
+          <a:p>
+            <a:r>
+              <a:rPr lang="en-US" sz="1100" dirty="0">
+                <a:latin typeface="Courier New" panose="02070309020205020404" pitchFamily="49" charset="0"/>
+                <a:cs typeface="Courier New" panose="02070309020205020404" pitchFamily="49" charset="0"/>
+              </a:rPr>
+              <a:t>        id INTO </a:t>
+            </a:r>
+            <a:r>
+              <a:rPr lang="en-US" sz="1100" dirty="0" err="1">
+                <a:latin typeface="Courier New" panose="02070309020205020404" pitchFamily="49" charset="0"/>
+                <a:cs typeface="Courier New" panose="02070309020205020404" pitchFamily="49" charset="0"/>
+              </a:rPr>
+              <a:t>client_id</a:t>
+            </a:r>
+            <a:endParaRPr lang="en-US" sz="1100" dirty="0">
+              <a:latin typeface="Courier New" panose="02070309020205020404" pitchFamily="49" charset="0"/>
+              <a:cs typeface="Courier New" panose="02070309020205020404" pitchFamily="49" charset="0"/>
+            </a:endParaRPr>
+          </a:p>
+          <a:p>
+            <a:r>
+              <a:rPr lang="en-US" sz="1100" dirty="0">
+                <a:latin typeface="Courier New" panose="02070309020205020404" pitchFamily="49" charset="0"/>
+                <a:cs typeface="Courier New" panose="02070309020205020404" pitchFamily="49" charset="0"/>
+              </a:rPr>
+              <a:t>        FROM c##</a:t>
+            </a:r>
+            <a:r>
+              <a:rPr lang="en-US" sz="1100" dirty="0" err="1">
+                <a:latin typeface="Courier New" panose="02070309020205020404" pitchFamily="49" charset="0"/>
+                <a:cs typeface="Courier New" panose="02070309020205020404" pitchFamily="49" charset="0"/>
+              </a:rPr>
+              <a:t>course.client</a:t>
+            </a:r>
+            <a:endParaRPr lang="en-US" sz="1100" dirty="0">
+              <a:latin typeface="Courier New" panose="02070309020205020404" pitchFamily="49" charset="0"/>
+              <a:cs typeface="Courier New" panose="02070309020205020404" pitchFamily="49" charset="0"/>
+            </a:endParaRPr>
+          </a:p>
+          <a:p>
+            <a:r>
+              <a:rPr lang="en-US" sz="1100" dirty="0">
+                <a:latin typeface="Courier New" panose="02070309020205020404" pitchFamily="49" charset="0"/>
+                <a:cs typeface="Courier New" panose="02070309020205020404" pitchFamily="49" charset="0"/>
+              </a:rPr>
+              <a:t>        WHERE</a:t>
+            </a:r>
+          </a:p>
+          <a:p>
+            <a:r>
+              <a:rPr lang="en-US" sz="1100" dirty="0">
+                <a:latin typeface="Courier New" panose="02070309020205020404" pitchFamily="49" charset="0"/>
+                <a:cs typeface="Courier New" panose="02070309020205020404" pitchFamily="49" charset="0"/>
+              </a:rPr>
+              <a:t>            </a:t>
+            </a:r>
+            <a:r>
+              <a:rPr lang="en-US" sz="1100" dirty="0" err="1">
+                <a:latin typeface="Courier New" panose="02070309020205020404" pitchFamily="49" charset="0"/>
+                <a:cs typeface="Courier New" panose="02070309020205020404" pitchFamily="49" charset="0"/>
+              </a:rPr>
+              <a:t>cl_name</a:t>
+            </a:r>
+            <a:r>
+              <a:rPr lang="en-US" sz="1100" dirty="0">
+                <a:latin typeface="Courier New" panose="02070309020205020404" pitchFamily="49" charset="0"/>
+                <a:cs typeface="Courier New" panose="02070309020205020404" pitchFamily="49" charset="0"/>
+              </a:rPr>
+              <a:t> = </a:t>
+            </a:r>
+            <a:r>
+              <a:rPr lang="en-US" sz="1100" dirty="0" err="1">
+                <a:latin typeface="Courier New" panose="02070309020205020404" pitchFamily="49" charset="0"/>
+                <a:cs typeface="Courier New" panose="02070309020205020404" pitchFamily="49" charset="0"/>
+              </a:rPr>
+              <a:t>client_name</a:t>
+            </a:r>
+            <a:r>
+              <a:rPr lang="en-US" sz="1100" dirty="0" smtClean="0">
+                <a:latin typeface="Courier New" panose="02070309020205020404" pitchFamily="49" charset="0"/>
+                <a:cs typeface="Courier New" panose="02070309020205020404" pitchFamily="49" charset="0"/>
+              </a:rPr>
+              <a:t>;</a:t>
+            </a:r>
+            <a:endParaRPr lang="ru-RU" sz="1100" dirty="0" smtClean="0">
+              <a:latin typeface="Courier New" panose="02070309020205020404" pitchFamily="49" charset="0"/>
+              <a:cs typeface="Courier New" panose="02070309020205020404" pitchFamily="49" charset="0"/>
+            </a:endParaRPr>
+          </a:p>
+          <a:p>
+            <a:r>
+              <a:rPr lang="ru-RU" sz="1100" dirty="0" smtClean="0">
+                <a:latin typeface="Courier New" panose="02070309020205020404" pitchFamily="49" charset="0"/>
+                <a:cs typeface="Courier New" panose="02070309020205020404" pitchFamily="49" charset="0"/>
+              </a:rPr>
+              <a:t>...</a:t>
+            </a:r>
+            <a:r>
+              <a:rPr lang="en-US" sz="1100" dirty="0" smtClean="0">
+                <a:latin typeface="Courier New" panose="02070309020205020404" pitchFamily="49" charset="0"/>
+                <a:cs typeface="Courier New" panose="02070309020205020404" pitchFamily="49" charset="0"/>
+              </a:rPr>
+              <a:t>                </a:t>
+            </a:r>
+            <a:endParaRPr lang="en-US" sz="1100" dirty="0">
+              <a:latin typeface="Courier New" panose="02070309020205020404" pitchFamily="49" charset="0"/>
+              <a:cs typeface="Courier New" panose="02070309020205020404" pitchFamily="49" charset="0"/>
+            </a:endParaRPr>
+          </a:p>
+        </p:txBody>
+      </p:sp>
+      <p:sp>
+        <p:nvSpPr>
+          <p:cNvPr id="7" name="TextBox 6"/>
+          <p:cNvSpPr txBox="1"/>
+          <p:nvPr/>
+        </p:nvSpPr>
+        <p:spPr>
+          <a:xfrm>
+            <a:off x="5879976" y="728112"/>
+            <a:ext cx="6120680" cy="3308598"/>
+          </a:xfrm>
+          <a:prstGeom prst="rect">
+            <a:avLst/>
+          </a:prstGeom>
+          <a:solidFill>
+            <a:schemeClr val="accent3">
+              <a:lumMod val="20000"/>
+              <a:lumOff val="80000"/>
+            </a:schemeClr>
+          </a:solidFill>
+          <a:ln>
+            <a:solidFill>
+              <a:schemeClr val="accent1"/>
+            </a:solidFill>
+          </a:ln>
+        </p:spPr>
+        <p:txBody>
+          <a:bodyPr wrap="square" rtlCol="0">
+            <a:spAutoFit/>
+          </a:bodyPr>
+          <a:lstStyle/>
+          <a:p>
+            <a:r>
+              <a:rPr lang="en-US" sz="1100" dirty="0">
+                <a:latin typeface="Courier New" panose="02070309020205020404" pitchFamily="49" charset="0"/>
+                <a:cs typeface="Courier New" panose="02070309020205020404" pitchFamily="49" charset="0"/>
+              </a:rPr>
+              <a:t>ELSE</a:t>
+            </a:r>
+          </a:p>
+          <a:p>
+            <a:r>
+              <a:rPr lang="en-US" sz="1100" dirty="0">
+                <a:latin typeface="Courier New" panose="02070309020205020404" pitchFamily="49" charset="0"/>
+                <a:cs typeface="Courier New" panose="02070309020205020404" pitchFamily="49" charset="0"/>
+              </a:rPr>
+              <a:t>        </a:t>
+            </a:r>
+            <a:r>
+              <a:rPr lang="en-US" sz="1100" dirty="0" err="1">
+                <a:latin typeface="Courier New" panose="02070309020205020404" pitchFamily="49" charset="0"/>
+                <a:cs typeface="Courier New" panose="02070309020205020404" pitchFamily="49" charset="0"/>
+              </a:rPr>
+              <a:t>client_id</a:t>
+            </a:r>
+            <a:r>
+              <a:rPr lang="en-US" sz="1100" dirty="0">
+                <a:latin typeface="Courier New" panose="02070309020205020404" pitchFamily="49" charset="0"/>
+                <a:cs typeface="Courier New" panose="02070309020205020404" pitchFamily="49" charset="0"/>
+              </a:rPr>
+              <a:t> := c##</a:t>
+            </a:r>
+            <a:r>
+              <a:rPr lang="en-US" sz="1100" dirty="0" err="1">
+                <a:latin typeface="Courier New" panose="02070309020205020404" pitchFamily="49" charset="0"/>
+                <a:cs typeface="Courier New" panose="02070309020205020404" pitchFamily="49" charset="0"/>
+              </a:rPr>
+              <a:t>course.seq.nextval</a:t>
+            </a:r>
+            <a:r>
+              <a:rPr lang="en-US" sz="1100" dirty="0">
+                <a:latin typeface="Courier New" panose="02070309020205020404" pitchFamily="49" charset="0"/>
+                <a:cs typeface="Courier New" panose="02070309020205020404" pitchFamily="49" charset="0"/>
+              </a:rPr>
+              <a:t>;</a:t>
+            </a:r>
+          </a:p>
+          <a:p>
+            <a:r>
+              <a:rPr lang="en-US" sz="1100" dirty="0">
+                <a:latin typeface="Courier New" panose="02070309020205020404" pitchFamily="49" charset="0"/>
+                <a:cs typeface="Courier New" panose="02070309020205020404" pitchFamily="49" charset="0"/>
+              </a:rPr>
+              <a:t>        INSERT INTO c##</a:t>
+            </a:r>
+            <a:r>
+              <a:rPr lang="en-US" sz="1100" dirty="0" err="1">
+                <a:latin typeface="Courier New" panose="02070309020205020404" pitchFamily="49" charset="0"/>
+                <a:cs typeface="Courier New" panose="02070309020205020404" pitchFamily="49" charset="0"/>
+              </a:rPr>
+              <a:t>course.client</a:t>
+            </a:r>
+            <a:endParaRPr lang="en-US" sz="1100" dirty="0">
+              <a:latin typeface="Courier New" panose="02070309020205020404" pitchFamily="49" charset="0"/>
+              <a:cs typeface="Courier New" panose="02070309020205020404" pitchFamily="49" charset="0"/>
+            </a:endParaRPr>
+          </a:p>
+          <a:p>
+            <a:r>
+              <a:rPr lang="en-US" sz="1100" dirty="0">
+                <a:latin typeface="Courier New" panose="02070309020205020404" pitchFamily="49" charset="0"/>
+                <a:cs typeface="Courier New" panose="02070309020205020404" pitchFamily="49" charset="0"/>
+              </a:rPr>
+              <a:t>            (</a:t>
+            </a:r>
+          </a:p>
+          <a:p>
+            <a:r>
+              <a:rPr lang="en-US" sz="1100" dirty="0">
+                <a:latin typeface="Courier New" panose="02070309020205020404" pitchFamily="49" charset="0"/>
+                <a:cs typeface="Courier New" panose="02070309020205020404" pitchFamily="49" charset="0"/>
+              </a:rPr>
+              <a:t>                  id</a:t>
+            </a:r>
+          </a:p>
+          <a:p>
+            <a:r>
+              <a:rPr lang="en-US" sz="1100" dirty="0">
+                <a:latin typeface="Courier New" panose="02070309020205020404" pitchFamily="49" charset="0"/>
+                <a:cs typeface="Courier New" panose="02070309020205020404" pitchFamily="49" charset="0"/>
+              </a:rPr>
+              <a:t>                , </a:t>
+            </a:r>
+            <a:r>
+              <a:rPr lang="en-US" sz="1100" dirty="0" err="1">
+                <a:latin typeface="Courier New" panose="02070309020205020404" pitchFamily="49" charset="0"/>
+                <a:cs typeface="Courier New" panose="02070309020205020404" pitchFamily="49" charset="0"/>
+              </a:rPr>
+              <a:t>cl_name</a:t>
+            </a:r>
+            <a:endParaRPr lang="en-US" sz="1100" dirty="0">
+              <a:latin typeface="Courier New" panose="02070309020205020404" pitchFamily="49" charset="0"/>
+              <a:cs typeface="Courier New" panose="02070309020205020404" pitchFamily="49" charset="0"/>
+            </a:endParaRPr>
+          </a:p>
+          <a:p>
+            <a:r>
+              <a:rPr lang="en-US" sz="1100" dirty="0">
+                <a:latin typeface="Courier New" panose="02070309020205020404" pitchFamily="49" charset="0"/>
+                <a:cs typeface="Courier New" panose="02070309020205020404" pitchFamily="49" charset="0"/>
+              </a:rPr>
+              <a:t>                , </a:t>
+            </a:r>
+            <a:r>
+              <a:rPr lang="en-US" sz="1100" dirty="0" err="1">
+                <a:latin typeface="Courier New" panose="02070309020205020404" pitchFamily="49" charset="0"/>
+                <a:cs typeface="Courier New" panose="02070309020205020404" pitchFamily="49" charset="0"/>
+              </a:rPr>
+              <a:t>date_birth</a:t>
+            </a:r>
+            <a:endParaRPr lang="en-US" sz="1100" dirty="0">
+              <a:latin typeface="Courier New" panose="02070309020205020404" pitchFamily="49" charset="0"/>
+              <a:cs typeface="Courier New" panose="02070309020205020404" pitchFamily="49" charset="0"/>
+            </a:endParaRPr>
+          </a:p>
+          <a:p>
+            <a:r>
+              <a:rPr lang="en-US" sz="1100" dirty="0">
+                <a:latin typeface="Courier New" panose="02070309020205020404" pitchFamily="49" charset="0"/>
+                <a:cs typeface="Courier New" panose="02070309020205020404" pitchFamily="49" charset="0"/>
+              </a:rPr>
+              <a:t>            ) VALUES (</a:t>
+            </a:r>
+          </a:p>
+          <a:p>
+            <a:r>
+              <a:rPr lang="en-US" sz="1100" dirty="0">
+                <a:latin typeface="Courier New" panose="02070309020205020404" pitchFamily="49" charset="0"/>
+                <a:cs typeface="Courier New" panose="02070309020205020404" pitchFamily="49" charset="0"/>
+              </a:rPr>
+              <a:t>                  </a:t>
+            </a:r>
+            <a:r>
+              <a:rPr lang="en-US" sz="1100" dirty="0" err="1">
+                <a:latin typeface="Courier New" panose="02070309020205020404" pitchFamily="49" charset="0"/>
+                <a:cs typeface="Courier New" panose="02070309020205020404" pitchFamily="49" charset="0"/>
+              </a:rPr>
+              <a:t>client_id</a:t>
+            </a:r>
+            <a:endParaRPr lang="en-US" sz="1100" dirty="0">
+              <a:latin typeface="Courier New" panose="02070309020205020404" pitchFamily="49" charset="0"/>
+              <a:cs typeface="Courier New" panose="02070309020205020404" pitchFamily="49" charset="0"/>
+            </a:endParaRPr>
+          </a:p>
+          <a:p>
+            <a:r>
+              <a:rPr lang="en-US" sz="1100" dirty="0">
+                <a:latin typeface="Courier New" panose="02070309020205020404" pitchFamily="49" charset="0"/>
+                <a:cs typeface="Courier New" panose="02070309020205020404" pitchFamily="49" charset="0"/>
+              </a:rPr>
+              <a:t>                , </a:t>
+            </a:r>
+            <a:r>
+              <a:rPr lang="en-US" sz="1100" dirty="0" err="1">
+                <a:latin typeface="Courier New" panose="02070309020205020404" pitchFamily="49" charset="0"/>
+                <a:cs typeface="Courier New" panose="02070309020205020404" pitchFamily="49" charset="0"/>
+              </a:rPr>
+              <a:t>client_name</a:t>
+            </a:r>
+            <a:endParaRPr lang="en-US" sz="1100" dirty="0">
+              <a:latin typeface="Courier New" panose="02070309020205020404" pitchFamily="49" charset="0"/>
+              <a:cs typeface="Courier New" panose="02070309020205020404" pitchFamily="49" charset="0"/>
+            </a:endParaRPr>
+          </a:p>
+          <a:p>
+            <a:r>
+              <a:rPr lang="en-US" sz="1100" dirty="0">
+                <a:latin typeface="Courier New" panose="02070309020205020404" pitchFamily="49" charset="0"/>
+                <a:cs typeface="Courier New" panose="02070309020205020404" pitchFamily="49" charset="0"/>
+              </a:rPr>
+              <a:t>                , </a:t>
+            </a:r>
+            <a:r>
+              <a:rPr lang="en-US" sz="1100" dirty="0" err="1">
+                <a:latin typeface="Courier New" panose="02070309020205020404" pitchFamily="49" charset="0"/>
+                <a:cs typeface="Courier New" panose="02070309020205020404" pitchFamily="49" charset="0"/>
+              </a:rPr>
+              <a:t>client_birth</a:t>
+            </a:r>
+            <a:endParaRPr lang="en-US" sz="1100" dirty="0">
+              <a:latin typeface="Courier New" panose="02070309020205020404" pitchFamily="49" charset="0"/>
+              <a:cs typeface="Courier New" panose="02070309020205020404" pitchFamily="49" charset="0"/>
+            </a:endParaRPr>
+          </a:p>
+          <a:p>
+            <a:r>
+              <a:rPr lang="en-US" sz="1100" dirty="0">
+                <a:latin typeface="Courier New" panose="02070309020205020404" pitchFamily="49" charset="0"/>
+                <a:cs typeface="Courier New" panose="02070309020205020404" pitchFamily="49" charset="0"/>
+              </a:rPr>
+              <a:t>            );</a:t>
+            </a:r>
+          </a:p>
+          <a:p>
+            <a:r>
+              <a:rPr lang="en-US" sz="1100" dirty="0">
+                <a:latin typeface="Courier New" panose="02070309020205020404" pitchFamily="49" charset="0"/>
+                <a:cs typeface="Courier New" panose="02070309020205020404" pitchFamily="49" charset="0"/>
+              </a:rPr>
+              <a:t>            COMMIT;</a:t>
+            </a:r>
+          </a:p>
+          <a:p>
+            <a:endParaRPr lang="en-US" sz="1100" dirty="0">
+              <a:latin typeface="Courier New" panose="02070309020205020404" pitchFamily="49" charset="0"/>
+              <a:cs typeface="Courier New" panose="02070309020205020404" pitchFamily="49" charset="0"/>
+            </a:endParaRPr>
+          </a:p>
+          <a:p>
+            <a:r>
+              <a:rPr lang="en-US" sz="1100" dirty="0">
+                <a:latin typeface="Courier New" panose="02070309020205020404" pitchFamily="49" charset="0"/>
+                <a:cs typeface="Courier New" panose="02070309020205020404" pitchFamily="49" charset="0"/>
+              </a:rPr>
+              <a:t>    END IF;</a:t>
+            </a:r>
+          </a:p>
+          <a:p>
+            <a:r>
+              <a:rPr lang="en-US" sz="1100" dirty="0">
+                <a:latin typeface="Courier New" panose="02070309020205020404" pitchFamily="49" charset="0"/>
+                <a:cs typeface="Courier New" panose="02070309020205020404" pitchFamily="49" charset="0"/>
+              </a:rPr>
+              <a:t>  </a:t>
+            </a:r>
+          </a:p>
+          <a:p>
+            <a:r>
+              <a:rPr lang="en-US" sz="1100" dirty="0">
+                <a:latin typeface="Courier New" panose="02070309020205020404" pitchFamily="49" charset="0"/>
+                <a:cs typeface="Courier New" panose="02070309020205020404" pitchFamily="49" charset="0"/>
+              </a:rPr>
+              <a:t>    RETURN;</a:t>
+            </a:r>
+          </a:p>
+          <a:p>
+            <a:endParaRPr lang="en-US" sz="1100" dirty="0">
+              <a:latin typeface="Courier New" panose="02070309020205020404" pitchFamily="49" charset="0"/>
+              <a:cs typeface="Courier New" panose="02070309020205020404" pitchFamily="49" charset="0"/>
+            </a:endParaRPr>
+          </a:p>
+          <a:p>
+            <a:r>
+              <a:rPr lang="en-US" sz="1100" dirty="0">
+                <a:latin typeface="Courier New" panose="02070309020205020404" pitchFamily="49" charset="0"/>
+                <a:cs typeface="Courier New" panose="02070309020205020404" pitchFamily="49" charset="0"/>
+              </a:rPr>
+              <a:t>END </a:t>
+            </a:r>
+            <a:r>
+              <a:rPr lang="en-US" sz="1100" dirty="0" err="1">
+                <a:latin typeface="Courier New" panose="02070309020205020404" pitchFamily="49" charset="0"/>
+                <a:cs typeface="Courier New" panose="02070309020205020404" pitchFamily="49" charset="0"/>
+              </a:rPr>
+              <a:t>pr_create_client</a:t>
+            </a:r>
+            <a:r>
+              <a:rPr lang="en-US" sz="1100" dirty="0">
+                <a:latin typeface="Courier New" panose="02070309020205020404" pitchFamily="49" charset="0"/>
+                <a:cs typeface="Courier New" panose="02070309020205020404" pitchFamily="49" charset="0"/>
+              </a:rPr>
+              <a:t>;</a:t>
+            </a:r>
+          </a:p>
+        </p:txBody>
+      </p:sp>
+      <p:sp>
+        <p:nvSpPr>
+          <p:cNvPr id="6" name="TextBox 5"/>
+          <p:cNvSpPr txBox="1"/>
+          <p:nvPr/>
+        </p:nvSpPr>
+        <p:spPr bwMode="auto">
+          <a:xfrm>
+            <a:off x="307850" y="6309320"/>
+            <a:ext cx="10657184" cy="461665"/>
+          </a:xfrm>
+          <a:prstGeom prst="rect">
+            <a:avLst/>
+          </a:prstGeom>
+          <a:noFill/>
+        </p:spPr>
+        <p:txBody>
+          <a:bodyPr wrap="square" rtlCol="0">
+            <a:spAutoFit/>
+          </a:bodyPr>
+          <a:lstStyle/>
+          <a:p>
+            <a:r>
+              <a:rPr lang="en-US" sz="1200" dirty="0" smtClean="0">
+                <a:solidFill>
+                  <a:schemeClr val="tx2">
+                    <a:lumMod val="60000"/>
+                    <a:lumOff val="40000"/>
+                  </a:schemeClr>
+                </a:solidFill>
+                <a:hlinkClick r:id="rId2"/>
+              </a:rPr>
+              <a:t>https://github.com/AndrSor/Course_PLSQL_SB/blob/main/Course%20Work/04.2.%D0%9D%D0%BE%D0%B2%D1%8B%D0%B9%20%D0%B8%D0%BB%D0%B8%20%D1%81%D1%83%D1%89%D0%B5%D1%81%D1%82%D0%B2%D1%83%D1%8E%D1%89%D0%B8%D0%B9%20%D0%BA%D0%BB%D0%B8%D0%B5%D0%BD%D1%82.sql</a:t>
+            </a:r>
+            <a:endParaRPr lang="ru-RU" sz="1200" dirty="0">
+              <a:solidFill>
+                <a:schemeClr val="tx2">
+                  <a:lumMod val="60000"/>
+                  <a:lumOff val="40000"/>
+                </a:schemeClr>
+              </a:solidFill>
+            </a:endParaRPr>
+          </a:p>
+        </p:txBody>
+      </p:sp>
+      <p:sp>
+        <p:nvSpPr>
+          <p:cNvPr id="8" name="TextBox 7"/>
+          <p:cNvSpPr txBox="1"/>
+          <p:nvPr/>
+        </p:nvSpPr>
+        <p:spPr bwMode="auto">
+          <a:xfrm>
+            <a:off x="335360" y="5939988"/>
+            <a:ext cx="4608512" cy="369332"/>
+          </a:xfrm>
+          <a:prstGeom prst="rect">
+            <a:avLst/>
+          </a:prstGeom>
+          <a:noFill/>
+        </p:spPr>
+        <p:txBody>
+          <a:bodyPr wrap="square" rtlCol="0">
+            <a:spAutoFit/>
+          </a:bodyPr>
+          <a:lstStyle/>
+          <a:p>
+            <a:r>
+              <a:rPr lang="ru-RU" dirty="0" smtClean="0"/>
+              <a:t>Ссылка на код скри</a:t>
+            </a:r>
+            <a:r>
+              <a:rPr lang="ru-RU" dirty="0"/>
+              <a:t>п</a:t>
+            </a:r>
+            <a:r>
+              <a:rPr lang="ru-RU" dirty="0" smtClean="0"/>
+              <a:t>та:</a:t>
+            </a:r>
             <a:endParaRPr lang="ru-RU" dirty="0"/>
           </a:p>
         </p:txBody>
@@ -15881,7 +16582,1318 @@
     </p:spTree>
     <p:extLst>
       <p:ext uri="{BB962C8B-B14F-4D97-AF65-F5344CB8AC3E}">
-        <p14:creationId xmlns:p14="http://schemas.microsoft.com/office/powerpoint/2010/main" val="1458184671"/>
+        <p14:creationId xmlns:p14="http://schemas.microsoft.com/office/powerpoint/2010/main" val="539797188"/>
+      </p:ext>
+    </p:extLst>
+  </p:cSld>
+  <p:clrMapOvr>
+    <a:masterClrMapping/>
+  </p:clrMapOvr>
+  <p:timing>
+    <p:tnLst>
+      <p:par>
+        <p:cTn id="1" dur="indefinite" restart="never" nodeType="tmRoot"/>
+      </p:par>
+    </p:tnLst>
+  </p:timing>
+</p:sld>
+</file>
+
+<file path=ppt/slides/slide19.xml><?xml version="1.0" encoding="utf-8"?>
+<p:sld xmlns:a="http://schemas.openxmlformats.org/drawingml/2006/main" xmlns:r="http://schemas.openxmlformats.org/officeDocument/2006/relationships" xmlns:p="http://schemas.openxmlformats.org/presentationml/2006/main" showMasterPhAnim="0">
+  <p:cSld>
+    <p:spTree>
+      <p:nvGrpSpPr>
+        <p:cNvPr id="1" name=""/>
+        <p:cNvGrpSpPr/>
+        <p:nvPr/>
+      </p:nvGrpSpPr>
+      <p:grpSpPr bwMode="auto">
+        <a:xfrm>
+          <a:off x="0" y="0"/>
+          <a:ext cx="0" cy="0"/>
+          <a:chOff x="0" y="0"/>
+          <a:chExt cx="0" cy="0"/>
+        </a:xfrm>
+      </p:grpSpPr>
+      <p:sp>
+        <p:nvSpPr>
+          <p:cNvPr id="18" name="Title 7">
+            <a:extLst>
+              <a:ext uri="{FF2B5EF4-FFF2-40B4-BE49-F238E27FC236}">
+                <a16:creationId xmlns="" xmlns:a16="http://schemas.microsoft.com/office/drawing/2014/main" id="{E195DE7B-42F0-4CAA-AAB0-D33DB61C53CA}"/>
+              </a:ext>
+            </a:extLst>
+          </p:cNvPr>
+          <p:cNvSpPr>
+            <a:spLocks/>
+          </p:cNvSpPr>
+          <p:nvPr/>
+        </p:nvSpPr>
+        <p:spPr bwMode="auto">
+          <a:xfrm>
+            <a:off x="191344" y="285978"/>
+            <a:ext cx="12169352" cy="550734"/>
+          </a:xfrm>
+          <a:prstGeom prst="rect">
+            <a:avLst/>
+          </a:prstGeom>
+        </p:spPr>
+        <p:txBody>
+          <a:bodyPr lIns="0" tIns="0" rIns="0" bIns="0"/>
+          <a:lstStyle>
+            <a:lvl1pPr algn="l" defTabSz="914400">
+              <a:lnSpc>
+                <a:spcPct val="90000"/>
+              </a:lnSpc>
+              <a:spcBef>
+                <a:spcPts val="0"/>
+              </a:spcBef>
+              <a:buNone/>
+              <a:defRPr sz="4400" b="0" i="0">
+                <a:solidFill>
+                  <a:schemeClr val="tx1"/>
+                </a:solidFill>
+                <a:latin typeface="SB Sans Display Regular"/>
+                <a:ea typeface="+mj-ea"/>
+                <a:cs typeface="+mj-cs"/>
+              </a:defRPr>
+            </a:lvl1pPr>
+          </a:lstStyle>
+          <a:p>
+            <a:pPr>
+              <a:defRPr/>
+            </a:pPr>
+            <a:r>
+              <a:rPr lang="en-US" sz="3200" dirty="0">
+                <a:solidFill>
+                  <a:srgbClr val="333F48"/>
+                </a:solidFill>
+              </a:rPr>
+              <a:t>4</a:t>
+            </a:r>
+            <a:r>
+              <a:rPr lang="ru-RU" sz="3200" dirty="0" smtClean="0">
+                <a:solidFill>
+                  <a:srgbClr val="333F48"/>
+                </a:solidFill>
+              </a:rPr>
+              <a:t>. Новый договор и плановый график</a:t>
+            </a:r>
+            <a:endParaRPr lang="ru-RU" sz="1200" dirty="0"/>
+          </a:p>
+          <a:p>
+            <a:pPr>
+              <a:defRPr/>
+            </a:pPr>
+            <a:r>
+              <a:rPr lang="ru-RU" sz="3200" dirty="0" smtClean="0">
+                <a:solidFill>
+                  <a:srgbClr val="333F48"/>
+                </a:solidFill>
+              </a:rPr>
+              <a:t> </a:t>
+            </a:r>
+            <a:endParaRPr lang="ru-RU" sz="1200" dirty="0"/>
+          </a:p>
+        </p:txBody>
+      </p:sp>
+      <p:sp>
+        <p:nvSpPr>
+          <p:cNvPr id="5" name="TextBox 4"/>
+          <p:cNvSpPr txBox="1"/>
+          <p:nvPr/>
+        </p:nvSpPr>
+        <p:spPr>
+          <a:xfrm>
+            <a:off x="5879976" y="614491"/>
+            <a:ext cx="6120680" cy="507831"/>
+          </a:xfrm>
+          <a:prstGeom prst="rect">
+            <a:avLst/>
+          </a:prstGeom>
+          <a:noFill/>
+        </p:spPr>
+        <p:txBody>
+          <a:bodyPr wrap="square" rtlCol="0">
+            <a:spAutoFit/>
+          </a:bodyPr>
+          <a:lstStyle/>
+          <a:p>
+            <a:r>
+              <a:rPr lang="en-US" sz="900" dirty="0"/>
+              <a:t> </a:t>
+            </a:r>
+          </a:p>
+          <a:p>
+            <a:endParaRPr lang="en-US" sz="900" dirty="0"/>
+          </a:p>
+          <a:p>
+            <a:r>
+              <a:rPr lang="en-US" sz="900" dirty="0" smtClean="0"/>
+              <a:t>   </a:t>
+            </a:r>
+            <a:endParaRPr lang="ru-RU" sz="900" dirty="0"/>
+          </a:p>
+        </p:txBody>
+      </p:sp>
+      <p:sp>
+        <p:nvSpPr>
+          <p:cNvPr id="4" name="TextBox 3"/>
+          <p:cNvSpPr txBox="1"/>
+          <p:nvPr/>
+        </p:nvSpPr>
+        <p:spPr>
+          <a:xfrm>
+            <a:off x="335360" y="725502"/>
+            <a:ext cx="4969346" cy="5016758"/>
+          </a:xfrm>
+          <a:prstGeom prst="rect">
+            <a:avLst/>
+          </a:prstGeom>
+          <a:solidFill>
+            <a:schemeClr val="accent3">
+              <a:lumMod val="20000"/>
+              <a:lumOff val="80000"/>
+            </a:schemeClr>
+          </a:solidFill>
+          <a:ln>
+            <a:solidFill>
+              <a:schemeClr val="accent1"/>
+            </a:solidFill>
+          </a:ln>
+        </p:spPr>
+        <p:txBody>
+          <a:bodyPr wrap="square" rtlCol="0">
+            <a:spAutoFit/>
+          </a:bodyPr>
+          <a:lstStyle/>
+          <a:p>
+            <a:r>
+              <a:rPr lang="ru-RU" sz="2000" b="1" dirty="0">
+                <a:solidFill>
+                  <a:srgbClr val="C00000"/>
+                </a:solidFill>
+              </a:rPr>
+              <a:t>Формула расчета </a:t>
+            </a:r>
+            <a:r>
+              <a:rPr lang="ru-RU" sz="2000" b="1" dirty="0" err="1">
+                <a:solidFill>
+                  <a:srgbClr val="C00000"/>
+                </a:solidFill>
+              </a:rPr>
+              <a:t>аннуитетных</a:t>
+            </a:r>
+            <a:r>
+              <a:rPr lang="ru-RU" sz="2000" b="1" dirty="0">
+                <a:solidFill>
+                  <a:srgbClr val="C00000"/>
+                </a:solidFill>
+              </a:rPr>
+              <a:t> </a:t>
+            </a:r>
+            <a:r>
+              <a:rPr lang="ru-RU" sz="2000" b="1" dirty="0" smtClean="0">
+                <a:solidFill>
+                  <a:srgbClr val="C00000"/>
+                </a:solidFill>
+              </a:rPr>
+              <a:t>платежей</a:t>
+            </a:r>
+          </a:p>
+          <a:p>
+            <a:endParaRPr lang="ru-RU" sz="2000" b="1" dirty="0">
+              <a:solidFill>
+                <a:srgbClr val="C00000"/>
+              </a:solidFill>
+              <a:latin typeface="Courier New" panose="02070309020205020404" pitchFamily="49" charset="0"/>
+              <a:cs typeface="Courier New" panose="02070309020205020404" pitchFamily="49" charset="0"/>
+            </a:endParaRPr>
+          </a:p>
+          <a:p>
+            <a:endParaRPr lang="ru-RU" sz="2000" b="1" dirty="0" smtClean="0">
+              <a:solidFill>
+                <a:srgbClr val="C00000"/>
+              </a:solidFill>
+              <a:latin typeface="Courier New" panose="02070309020205020404" pitchFamily="49" charset="0"/>
+              <a:cs typeface="Courier New" panose="02070309020205020404" pitchFamily="49" charset="0"/>
+            </a:endParaRPr>
+          </a:p>
+          <a:p>
+            <a:endParaRPr lang="ru-RU" sz="2000" b="1" dirty="0">
+              <a:solidFill>
+                <a:srgbClr val="C00000"/>
+              </a:solidFill>
+              <a:latin typeface="Courier New" panose="02070309020205020404" pitchFamily="49" charset="0"/>
+              <a:cs typeface="Courier New" panose="02070309020205020404" pitchFamily="49" charset="0"/>
+            </a:endParaRPr>
+          </a:p>
+          <a:p>
+            <a:endParaRPr lang="ru-RU" sz="2000" b="1" dirty="0" smtClean="0">
+              <a:solidFill>
+                <a:srgbClr val="C00000"/>
+              </a:solidFill>
+              <a:latin typeface="Courier New" panose="02070309020205020404" pitchFamily="49" charset="0"/>
+              <a:cs typeface="Courier New" panose="02070309020205020404" pitchFamily="49" charset="0"/>
+            </a:endParaRPr>
+          </a:p>
+          <a:p>
+            <a:endParaRPr lang="ru-RU" sz="2000" b="1" dirty="0">
+              <a:solidFill>
+                <a:srgbClr val="C00000"/>
+              </a:solidFill>
+              <a:latin typeface="Courier New" panose="02070309020205020404" pitchFamily="49" charset="0"/>
+              <a:cs typeface="Courier New" panose="02070309020205020404" pitchFamily="49" charset="0"/>
+            </a:endParaRPr>
+          </a:p>
+          <a:p>
+            <a:r>
+              <a:rPr lang="ru-RU" sz="2000" b="1" i="1" dirty="0"/>
+              <a:t>P</a:t>
+            </a:r>
+            <a:r>
+              <a:rPr lang="ru-RU" sz="2000" dirty="0"/>
+              <a:t> – ежемесячный платёж по </a:t>
+            </a:r>
+            <a:r>
+              <a:rPr lang="ru-RU" sz="2000" dirty="0" err="1"/>
+              <a:t>аннуитетному</a:t>
+            </a:r>
+            <a:r>
+              <a:rPr lang="ru-RU" sz="2000" dirty="0"/>
+              <a:t> кредиту (тот самый </a:t>
+            </a:r>
+            <a:r>
+              <a:rPr lang="ru-RU" sz="2000" dirty="0" err="1"/>
+              <a:t>аннуитетный</a:t>
+            </a:r>
+            <a:r>
+              <a:rPr lang="ru-RU" sz="2000" dirty="0"/>
+              <a:t> платёж, который не изменяется в течение всего периода погашения кредита);</a:t>
+            </a:r>
+            <a:br>
+              <a:rPr lang="ru-RU" sz="2000" dirty="0"/>
+            </a:br>
+            <a:r>
+              <a:rPr lang="ru-RU" sz="2000" b="1" i="1" dirty="0"/>
+              <a:t>S</a:t>
+            </a:r>
+            <a:r>
+              <a:rPr lang="ru-RU" sz="2000" dirty="0"/>
+              <a:t> – сумма кредита;</a:t>
+            </a:r>
+            <a:br>
+              <a:rPr lang="ru-RU" sz="2000" dirty="0"/>
+            </a:br>
+            <a:r>
+              <a:rPr lang="ru-RU" sz="2000" b="1" i="1" dirty="0"/>
+              <a:t>i</a:t>
+            </a:r>
+            <a:r>
+              <a:rPr lang="ru-RU" sz="2000" dirty="0"/>
+              <a:t> – ежемесячная процентная ставка (рассчитывается по следующей формуле: годовая процентная ставка/100/12);</a:t>
+            </a:r>
+            <a:br>
+              <a:rPr lang="ru-RU" sz="2000" dirty="0"/>
+            </a:br>
+            <a:r>
+              <a:rPr lang="ru-RU" sz="2000" b="1" i="1" dirty="0"/>
+              <a:t>n</a:t>
+            </a:r>
+            <a:r>
+              <a:rPr lang="ru-RU" sz="2000" dirty="0"/>
+              <a:t> – срок, на который берётся кредит (указывается количество месяцев</a:t>
+            </a:r>
+            <a:r>
+              <a:rPr lang="ru-RU" sz="2000" dirty="0" smtClean="0"/>
+              <a:t>).</a:t>
+            </a:r>
+            <a:endParaRPr lang="ru-RU" sz="2000" b="1" dirty="0">
+              <a:solidFill>
+                <a:srgbClr val="C00000"/>
+              </a:solidFill>
+              <a:latin typeface="Courier New" panose="02070309020205020404" pitchFamily="49" charset="0"/>
+              <a:cs typeface="Courier New" panose="02070309020205020404" pitchFamily="49" charset="0"/>
+            </a:endParaRPr>
+          </a:p>
+        </p:txBody>
+      </p:sp>
+      <p:sp>
+        <p:nvSpPr>
+          <p:cNvPr id="7" name="TextBox 6"/>
+          <p:cNvSpPr txBox="1"/>
+          <p:nvPr/>
+        </p:nvSpPr>
+        <p:spPr>
+          <a:xfrm>
+            <a:off x="5448722" y="728112"/>
+            <a:ext cx="6551934" cy="5001369"/>
+          </a:xfrm>
+          <a:prstGeom prst="rect">
+            <a:avLst/>
+          </a:prstGeom>
+          <a:solidFill>
+            <a:schemeClr val="accent3">
+              <a:lumMod val="20000"/>
+              <a:lumOff val="80000"/>
+            </a:schemeClr>
+          </a:solidFill>
+          <a:ln>
+            <a:solidFill>
+              <a:schemeClr val="accent1"/>
+            </a:solidFill>
+          </a:ln>
+        </p:spPr>
+        <p:txBody>
+          <a:bodyPr wrap="square" rtlCol="0">
+            <a:spAutoFit/>
+          </a:bodyPr>
+          <a:lstStyle/>
+          <a:p>
+            <a:r>
+              <a:rPr lang="en-US" sz="1100" dirty="0">
+                <a:latin typeface="Courier New" panose="02070309020205020404" pitchFamily="49" charset="0"/>
+                <a:cs typeface="Courier New" panose="02070309020205020404" pitchFamily="49" charset="0"/>
+              </a:rPr>
+              <a:t>CREATE OR REPLACE PROCEDURE c##</a:t>
+            </a:r>
+            <a:r>
+              <a:rPr lang="en-US" sz="1100" dirty="0" err="1">
+                <a:latin typeface="Courier New" panose="02070309020205020404" pitchFamily="49" charset="0"/>
+                <a:cs typeface="Courier New" panose="02070309020205020404" pitchFamily="49" charset="0"/>
+              </a:rPr>
+              <a:t>course.pr_create_credit</a:t>
+            </a:r>
+            <a:r>
+              <a:rPr lang="en-US" sz="1100" dirty="0">
+                <a:latin typeface="Courier New" panose="02070309020205020404" pitchFamily="49" charset="0"/>
+                <a:cs typeface="Courier New" panose="02070309020205020404" pitchFamily="49" charset="0"/>
+              </a:rPr>
+              <a:t> (</a:t>
+            </a:r>
+          </a:p>
+          <a:p>
+            <a:r>
+              <a:rPr lang="en-US" sz="1100" dirty="0">
+                <a:latin typeface="Courier New" panose="02070309020205020404" pitchFamily="49" charset="0"/>
+                <a:cs typeface="Courier New" panose="02070309020205020404" pitchFamily="49" charset="0"/>
+              </a:rPr>
+              <a:t>    </a:t>
+            </a:r>
+            <a:r>
+              <a:rPr lang="en-US" sz="1100" dirty="0" err="1">
+                <a:latin typeface="Courier New" panose="02070309020205020404" pitchFamily="49" charset="0"/>
+                <a:cs typeface="Courier New" panose="02070309020205020404" pitchFamily="49" charset="0"/>
+              </a:rPr>
+              <a:t>client_name</a:t>
+            </a:r>
+            <a:r>
+              <a:rPr lang="en-US" sz="1100" dirty="0">
+                <a:latin typeface="Courier New" panose="02070309020205020404" pitchFamily="49" charset="0"/>
+                <a:cs typeface="Courier New" panose="02070309020205020404" pitchFamily="49" charset="0"/>
+              </a:rPr>
+              <a:t>     IN varchar2,        -- </a:t>
+            </a:r>
+            <a:r>
+              <a:rPr lang="ru-RU" sz="1100" dirty="0">
+                <a:latin typeface="Courier New" panose="02070309020205020404" pitchFamily="49" charset="0"/>
+                <a:cs typeface="Courier New" panose="02070309020205020404" pitchFamily="49" charset="0"/>
+              </a:rPr>
+              <a:t>Клиент ФИО</a:t>
+            </a:r>
+          </a:p>
+          <a:p>
+            <a:r>
+              <a:rPr lang="ru-RU" sz="1100" dirty="0">
+                <a:latin typeface="Courier New" panose="02070309020205020404" pitchFamily="49" charset="0"/>
+                <a:cs typeface="Courier New" panose="02070309020205020404" pitchFamily="49" charset="0"/>
+              </a:rPr>
+              <a:t>    </a:t>
+            </a:r>
+            <a:r>
+              <a:rPr lang="en-US" sz="1100" dirty="0" err="1">
+                <a:latin typeface="Courier New" panose="02070309020205020404" pitchFamily="49" charset="0"/>
+                <a:cs typeface="Courier New" panose="02070309020205020404" pitchFamily="49" charset="0"/>
+              </a:rPr>
+              <a:t>client_birth</a:t>
+            </a:r>
+            <a:r>
+              <a:rPr lang="en-US" sz="1100" dirty="0">
+                <a:latin typeface="Courier New" panose="02070309020205020404" pitchFamily="49" charset="0"/>
+                <a:cs typeface="Courier New" panose="02070309020205020404" pitchFamily="49" charset="0"/>
+              </a:rPr>
+              <a:t>    IN date,            -- </a:t>
+            </a:r>
+            <a:r>
+              <a:rPr lang="ru-RU" sz="1100" dirty="0">
+                <a:latin typeface="Courier New" panose="02070309020205020404" pitchFamily="49" charset="0"/>
+                <a:cs typeface="Courier New" panose="02070309020205020404" pitchFamily="49" charset="0"/>
+              </a:rPr>
+              <a:t>Дата рождения Клиента</a:t>
+            </a:r>
+          </a:p>
+          <a:p>
+            <a:r>
+              <a:rPr lang="ru-RU" sz="1100" dirty="0">
+                <a:latin typeface="Courier New" panose="02070309020205020404" pitchFamily="49" charset="0"/>
+                <a:cs typeface="Courier New" panose="02070309020205020404" pitchFamily="49" charset="0"/>
+              </a:rPr>
+              <a:t>    </a:t>
+            </a:r>
+            <a:r>
+              <a:rPr lang="en-US" sz="1100" dirty="0" err="1">
+                <a:latin typeface="Courier New" panose="02070309020205020404" pitchFamily="49" charset="0"/>
+                <a:cs typeface="Courier New" panose="02070309020205020404" pitchFamily="49" charset="0"/>
+              </a:rPr>
+              <a:t>summa_dog</a:t>
+            </a:r>
+            <a:r>
+              <a:rPr lang="en-US" sz="1100" dirty="0">
+                <a:latin typeface="Courier New" panose="02070309020205020404" pitchFamily="49" charset="0"/>
+                <a:cs typeface="Courier New" panose="02070309020205020404" pitchFamily="49" charset="0"/>
+              </a:rPr>
+              <a:t>       IN number,          -- </a:t>
+            </a:r>
+            <a:r>
+              <a:rPr lang="ru-RU" sz="1100" dirty="0">
+                <a:latin typeface="Courier New" panose="02070309020205020404" pitchFamily="49" charset="0"/>
+                <a:cs typeface="Courier New" panose="02070309020205020404" pitchFamily="49" charset="0"/>
+              </a:rPr>
+              <a:t>Сумма кредита</a:t>
+            </a:r>
+          </a:p>
+          <a:p>
+            <a:r>
+              <a:rPr lang="ru-RU" sz="1100" dirty="0">
+                <a:latin typeface="Courier New" panose="02070309020205020404" pitchFamily="49" charset="0"/>
+                <a:cs typeface="Courier New" panose="02070309020205020404" pitchFamily="49" charset="0"/>
+              </a:rPr>
+              <a:t>    </a:t>
+            </a:r>
+            <a:r>
+              <a:rPr lang="en-US" sz="1100" dirty="0" err="1">
+                <a:latin typeface="Courier New" panose="02070309020205020404" pitchFamily="49" charset="0"/>
+                <a:cs typeface="Courier New" panose="02070309020205020404" pitchFamily="49" charset="0"/>
+              </a:rPr>
+              <a:t>persent_dog</a:t>
+            </a:r>
+            <a:r>
+              <a:rPr lang="en-US" sz="1100" dirty="0">
+                <a:latin typeface="Courier New" panose="02070309020205020404" pitchFamily="49" charset="0"/>
+                <a:cs typeface="Courier New" panose="02070309020205020404" pitchFamily="49" charset="0"/>
+              </a:rPr>
+              <a:t>     IN number,          -- </a:t>
+            </a:r>
+            <a:r>
+              <a:rPr lang="ru-RU" sz="1100" dirty="0">
+                <a:latin typeface="Courier New" panose="02070309020205020404" pitchFamily="49" charset="0"/>
+                <a:cs typeface="Courier New" panose="02070309020205020404" pitchFamily="49" charset="0"/>
+              </a:rPr>
+              <a:t>Годовая процентная ставка</a:t>
+            </a:r>
+          </a:p>
+          <a:p>
+            <a:r>
+              <a:rPr lang="ru-RU" sz="1100" dirty="0">
+                <a:latin typeface="Courier New" panose="02070309020205020404" pitchFamily="49" charset="0"/>
+                <a:cs typeface="Courier New" panose="02070309020205020404" pitchFamily="49" charset="0"/>
+              </a:rPr>
+              <a:t>    </a:t>
+            </a:r>
+            <a:r>
+              <a:rPr lang="en-US" sz="1100" dirty="0" err="1">
+                <a:latin typeface="Courier New" panose="02070309020205020404" pitchFamily="49" charset="0"/>
+                <a:cs typeface="Courier New" panose="02070309020205020404" pitchFamily="49" charset="0"/>
+              </a:rPr>
+              <a:t>duration_dog</a:t>
+            </a:r>
+            <a:r>
+              <a:rPr lang="en-US" sz="1100" dirty="0">
+                <a:latin typeface="Courier New" panose="02070309020205020404" pitchFamily="49" charset="0"/>
+                <a:cs typeface="Courier New" panose="02070309020205020404" pitchFamily="49" charset="0"/>
+              </a:rPr>
+              <a:t>    IN number           -- </a:t>
+            </a:r>
+            <a:r>
+              <a:rPr lang="ru-RU" sz="1100" dirty="0">
+                <a:latin typeface="Courier New" panose="02070309020205020404" pitchFamily="49" charset="0"/>
+                <a:cs typeface="Courier New" panose="02070309020205020404" pitchFamily="49" charset="0"/>
+              </a:rPr>
+              <a:t>Срок кредитования месяцев</a:t>
+            </a:r>
+          </a:p>
+          <a:p>
+            <a:r>
+              <a:rPr lang="ru-RU" sz="1100" dirty="0">
+                <a:latin typeface="Courier New" panose="02070309020205020404" pitchFamily="49" charset="0"/>
+                <a:cs typeface="Courier New" panose="02070309020205020404" pitchFamily="49" charset="0"/>
+              </a:rPr>
+              <a:t>)</a:t>
+            </a:r>
+          </a:p>
+          <a:p>
+            <a:r>
+              <a:rPr lang="en-US" sz="1100" dirty="0">
+                <a:latin typeface="Courier New" panose="02070309020205020404" pitchFamily="49" charset="0"/>
+                <a:cs typeface="Courier New" panose="02070309020205020404" pitchFamily="49" charset="0"/>
+              </a:rPr>
+              <a:t>AS</a:t>
+            </a:r>
+          </a:p>
+          <a:p>
+            <a:r>
+              <a:rPr lang="en-US" sz="1100" dirty="0">
+                <a:latin typeface="Courier New" panose="02070309020205020404" pitchFamily="49" charset="0"/>
+                <a:cs typeface="Courier New" panose="02070309020205020404" pitchFamily="49" charset="0"/>
+              </a:rPr>
+              <a:t> </a:t>
+            </a:r>
+            <a:r>
+              <a:rPr lang="en-US" sz="1100" dirty="0" err="1" smtClean="0">
+                <a:latin typeface="Courier New" panose="02070309020205020404" pitchFamily="49" charset="0"/>
+                <a:cs typeface="Courier New" panose="02070309020205020404" pitchFamily="49" charset="0"/>
+              </a:rPr>
+              <a:t>client_id</a:t>
+            </a:r>
+            <a:r>
+              <a:rPr lang="en-US" sz="1100" dirty="0" smtClean="0">
+                <a:latin typeface="Courier New" panose="02070309020205020404" pitchFamily="49" charset="0"/>
+                <a:cs typeface="Courier New" panose="02070309020205020404" pitchFamily="49" charset="0"/>
+              </a:rPr>
+              <a:t>                   </a:t>
+            </a:r>
+            <a:r>
+              <a:rPr lang="en-US" sz="1100" dirty="0">
+                <a:latin typeface="Courier New" panose="02070309020205020404" pitchFamily="49" charset="0"/>
+                <a:cs typeface="Courier New" panose="02070309020205020404" pitchFamily="49" charset="0"/>
+              </a:rPr>
+              <a:t>number;</a:t>
+            </a:r>
+          </a:p>
+          <a:p>
+            <a:r>
+              <a:rPr lang="en-US" sz="1100" dirty="0">
+                <a:latin typeface="Courier New" panose="02070309020205020404" pitchFamily="49" charset="0"/>
+                <a:cs typeface="Courier New" panose="02070309020205020404" pitchFamily="49" charset="0"/>
+              </a:rPr>
+              <a:t> </a:t>
+            </a:r>
+            <a:r>
+              <a:rPr lang="en-US" sz="1100" dirty="0" err="1" smtClean="0">
+                <a:latin typeface="Courier New" panose="02070309020205020404" pitchFamily="49" charset="0"/>
+                <a:cs typeface="Courier New" panose="02070309020205020404" pitchFamily="49" charset="0"/>
+              </a:rPr>
+              <a:t>credit_id</a:t>
+            </a:r>
+            <a:r>
+              <a:rPr lang="en-US" sz="1100" dirty="0" smtClean="0">
+                <a:latin typeface="Courier New" panose="02070309020205020404" pitchFamily="49" charset="0"/>
+                <a:cs typeface="Courier New" panose="02070309020205020404" pitchFamily="49" charset="0"/>
+              </a:rPr>
+              <a:t>                   </a:t>
+            </a:r>
+            <a:r>
+              <a:rPr lang="en-US" sz="1100" dirty="0">
+                <a:latin typeface="Courier New" panose="02070309020205020404" pitchFamily="49" charset="0"/>
+                <a:cs typeface="Courier New" panose="02070309020205020404" pitchFamily="49" charset="0"/>
+              </a:rPr>
+              <a:t>number;</a:t>
+            </a:r>
+          </a:p>
+          <a:p>
+            <a:r>
+              <a:rPr lang="en-US" sz="1100" dirty="0">
+                <a:latin typeface="Courier New" panose="02070309020205020404" pitchFamily="49" charset="0"/>
+                <a:cs typeface="Courier New" panose="02070309020205020404" pitchFamily="49" charset="0"/>
+              </a:rPr>
+              <a:t> </a:t>
+            </a:r>
+            <a:r>
+              <a:rPr lang="en-US" sz="1100" dirty="0" err="1" smtClean="0">
+                <a:latin typeface="Courier New" panose="02070309020205020404" pitchFamily="49" charset="0"/>
+                <a:cs typeface="Courier New" panose="02070309020205020404" pitchFamily="49" charset="0"/>
+              </a:rPr>
+              <a:t>collect_plan_id</a:t>
+            </a:r>
+            <a:r>
+              <a:rPr lang="en-US" sz="1100" dirty="0" smtClean="0">
+                <a:latin typeface="Courier New" panose="02070309020205020404" pitchFamily="49" charset="0"/>
+                <a:cs typeface="Courier New" panose="02070309020205020404" pitchFamily="49" charset="0"/>
+              </a:rPr>
+              <a:t>             </a:t>
+            </a:r>
+            <a:r>
+              <a:rPr lang="en-US" sz="1100" dirty="0">
+                <a:latin typeface="Courier New" panose="02070309020205020404" pitchFamily="49" charset="0"/>
+                <a:cs typeface="Courier New" panose="02070309020205020404" pitchFamily="49" charset="0"/>
+              </a:rPr>
+              <a:t>number;</a:t>
+            </a:r>
+          </a:p>
+          <a:p>
+            <a:r>
+              <a:rPr lang="en-US" sz="1100" dirty="0">
+                <a:latin typeface="Courier New" panose="02070309020205020404" pitchFamily="49" charset="0"/>
+                <a:cs typeface="Courier New" panose="02070309020205020404" pitchFamily="49" charset="0"/>
+              </a:rPr>
+              <a:t> </a:t>
+            </a:r>
+            <a:r>
+              <a:rPr lang="en-US" sz="1100" dirty="0" err="1" smtClean="0">
+                <a:latin typeface="Courier New" panose="02070309020205020404" pitchFamily="49" charset="0"/>
+                <a:cs typeface="Courier New" panose="02070309020205020404" pitchFamily="49" charset="0"/>
+              </a:rPr>
+              <a:t>collect_fact_id</a:t>
+            </a:r>
+            <a:r>
+              <a:rPr lang="en-US" sz="1100" dirty="0" smtClean="0">
+                <a:latin typeface="Courier New" panose="02070309020205020404" pitchFamily="49" charset="0"/>
+                <a:cs typeface="Courier New" panose="02070309020205020404" pitchFamily="49" charset="0"/>
+              </a:rPr>
+              <a:t>             </a:t>
+            </a:r>
+            <a:r>
+              <a:rPr lang="en-US" sz="1100" dirty="0">
+                <a:latin typeface="Courier New" panose="02070309020205020404" pitchFamily="49" charset="0"/>
+                <a:cs typeface="Courier New" panose="02070309020205020404" pitchFamily="49" charset="0"/>
+              </a:rPr>
+              <a:t>number;</a:t>
+            </a:r>
+          </a:p>
+          <a:p>
+            <a:r>
+              <a:rPr lang="en-US" sz="1100" dirty="0">
+                <a:latin typeface="Courier New" panose="02070309020205020404" pitchFamily="49" charset="0"/>
+                <a:cs typeface="Courier New" panose="02070309020205020404" pitchFamily="49" charset="0"/>
+              </a:rPr>
+              <a:t> </a:t>
+            </a:r>
+            <a:r>
+              <a:rPr lang="en-US" sz="1100" dirty="0" err="1" smtClean="0">
+                <a:latin typeface="Courier New" panose="02070309020205020404" pitchFamily="49" charset="0"/>
+                <a:cs typeface="Courier New" panose="02070309020205020404" pitchFamily="49" charset="0"/>
+              </a:rPr>
+              <a:t>date_begin</a:t>
+            </a:r>
+            <a:r>
+              <a:rPr lang="en-US" sz="1100" dirty="0" smtClean="0">
+                <a:latin typeface="Courier New" panose="02070309020205020404" pitchFamily="49" charset="0"/>
+                <a:cs typeface="Courier New" panose="02070309020205020404" pitchFamily="49" charset="0"/>
+              </a:rPr>
+              <a:t>                  </a:t>
+            </a:r>
+            <a:r>
+              <a:rPr lang="en-US" sz="1100" dirty="0">
+                <a:latin typeface="Courier New" panose="02070309020205020404" pitchFamily="49" charset="0"/>
+                <a:cs typeface="Courier New" panose="02070309020205020404" pitchFamily="49" charset="0"/>
+              </a:rPr>
+              <a:t>date;</a:t>
+            </a:r>
+          </a:p>
+          <a:p>
+            <a:r>
+              <a:rPr lang="en-US" sz="1100" dirty="0">
+                <a:latin typeface="Courier New" panose="02070309020205020404" pitchFamily="49" charset="0"/>
+                <a:cs typeface="Courier New" panose="02070309020205020404" pitchFamily="49" charset="0"/>
+              </a:rPr>
+              <a:t> </a:t>
+            </a:r>
+            <a:r>
+              <a:rPr lang="en-US" sz="1100" dirty="0" err="1" smtClean="0">
+                <a:latin typeface="Courier New" panose="02070309020205020404" pitchFamily="49" charset="0"/>
+                <a:cs typeface="Courier New" panose="02070309020205020404" pitchFamily="49" charset="0"/>
+              </a:rPr>
+              <a:t>date_end</a:t>
+            </a:r>
+            <a:r>
+              <a:rPr lang="en-US" sz="1100" dirty="0" smtClean="0">
+                <a:latin typeface="Courier New" panose="02070309020205020404" pitchFamily="49" charset="0"/>
+                <a:cs typeface="Courier New" panose="02070309020205020404" pitchFamily="49" charset="0"/>
+              </a:rPr>
+              <a:t>                    </a:t>
+            </a:r>
+            <a:r>
+              <a:rPr lang="en-US" sz="1100" dirty="0">
+                <a:latin typeface="Courier New" panose="02070309020205020404" pitchFamily="49" charset="0"/>
+                <a:cs typeface="Courier New" panose="02070309020205020404" pitchFamily="49" charset="0"/>
+              </a:rPr>
+              <a:t>date;</a:t>
+            </a:r>
+          </a:p>
+          <a:p>
+            <a:r>
+              <a:rPr lang="en-US" sz="1100" dirty="0">
+                <a:latin typeface="Courier New" panose="02070309020205020404" pitchFamily="49" charset="0"/>
+                <a:cs typeface="Courier New" panose="02070309020205020404" pitchFamily="49" charset="0"/>
+              </a:rPr>
+              <a:t> </a:t>
+            </a:r>
+            <a:r>
+              <a:rPr lang="en-US" sz="1100" dirty="0" err="1" smtClean="0">
+                <a:latin typeface="Courier New" panose="02070309020205020404" pitchFamily="49" charset="0"/>
+                <a:cs typeface="Courier New" panose="02070309020205020404" pitchFamily="49" charset="0"/>
+              </a:rPr>
+              <a:t>year_dog</a:t>
+            </a:r>
+            <a:r>
+              <a:rPr lang="en-US" sz="1100" dirty="0" smtClean="0">
+                <a:latin typeface="Courier New" panose="02070309020205020404" pitchFamily="49" charset="0"/>
+                <a:cs typeface="Courier New" panose="02070309020205020404" pitchFamily="49" charset="0"/>
+              </a:rPr>
+              <a:t>                    </a:t>
+            </a:r>
+            <a:r>
+              <a:rPr lang="en-US" sz="1100" dirty="0">
+                <a:latin typeface="Courier New" panose="02070309020205020404" pitchFamily="49" charset="0"/>
+                <a:cs typeface="Courier New" panose="02070309020205020404" pitchFamily="49" charset="0"/>
+              </a:rPr>
+              <a:t>varchar2(4);</a:t>
+            </a:r>
+          </a:p>
+          <a:p>
+            <a:r>
+              <a:rPr lang="en-US" sz="1100" dirty="0">
+                <a:latin typeface="Courier New" panose="02070309020205020404" pitchFamily="49" charset="0"/>
+                <a:cs typeface="Courier New" panose="02070309020205020404" pitchFamily="49" charset="0"/>
+              </a:rPr>
+              <a:t> </a:t>
+            </a:r>
+            <a:r>
+              <a:rPr lang="en-US" sz="1100" dirty="0" err="1" smtClean="0">
+                <a:latin typeface="Courier New" panose="02070309020205020404" pitchFamily="49" charset="0"/>
+                <a:cs typeface="Courier New" panose="02070309020205020404" pitchFamily="49" charset="0"/>
+              </a:rPr>
+              <a:t>num_dog</a:t>
+            </a:r>
+            <a:r>
+              <a:rPr lang="en-US" sz="1100" dirty="0" smtClean="0">
+                <a:latin typeface="Courier New" panose="02070309020205020404" pitchFamily="49" charset="0"/>
+                <a:cs typeface="Courier New" panose="02070309020205020404" pitchFamily="49" charset="0"/>
+              </a:rPr>
+              <a:t>                     </a:t>
+            </a:r>
+            <a:r>
+              <a:rPr lang="en-US" sz="1100" dirty="0">
+                <a:latin typeface="Courier New" panose="02070309020205020404" pitchFamily="49" charset="0"/>
+                <a:cs typeface="Courier New" panose="02070309020205020404" pitchFamily="49" charset="0"/>
+              </a:rPr>
+              <a:t>number := 1;</a:t>
+            </a:r>
+          </a:p>
+          <a:p>
+            <a:r>
+              <a:rPr lang="en-US" sz="1100" dirty="0">
+                <a:latin typeface="Courier New" panose="02070309020205020404" pitchFamily="49" charset="0"/>
+                <a:cs typeface="Courier New" panose="02070309020205020404" pitchFamily="49" charset="0"/>
+              </a:rPr>
+              <a:t> </a:t>
+            </a:r>
+            <a:r>
+              <a:rPr lang="en-US" sz="1100" dirty="0" err="1" smtClean="0">
+                <a:latin typeface="Courier New" panose="02070309020205020404" pitchFamily="49" charset="0"/>
+                <a:cs typeface="Courier New" panose="02070309020205020404" pitchFamily="49" charset="0"/>
+              </a:rPr>
+              <a:t>amount_dog_in_current_year</a:t>
+            </a:r>
+            <a:r>
+              <a:rPr lang="en-US" sz="1100" dirty="0" smtClean="0">
+                <a:latin typeface="Courier New" panose="02070309020205020404" pitchFamily="49" charset="0"/>
+                <a:cs typeface="Courier New" panose="02070309020205020404" pitchFamily="49" charset="0"/>
+              </a:rPr>
+              <a:t>  </a:t>
+            </a:r>
+            <a:r>
+              <a:rPr lang="en-US" sz="1100" dirty="0">
+                <a:latin typeface="Courier New" panose="02070309020205020404" pitchFamily="49" charset="0"/>
+                <a:cs typeface="Courier New" panose="02070309020205020404" pitchFamily="49" charset="0"/>
+              </a:rPr>
+              <a:t>number := 0;</a:t>
+            </a:r>
+          </a:p>
+          <a:p>
+            <a:r>
+              <a:rPr lang="en-US" sz="1100" dirty="0">
+                <a:latin typeface="Courier New" panose="02070309020205020404" pitchFamily="49" charset="0"/>
+                <a:cs typeface="Courier New" panose="02070309020205020404" pitchFamily="49" charset="0"/>
+              </a:rPr>
+              <a:t> </a:t>
+            </a:r>
+            <a:r>
+              <a:rPr lang="en-US" sz="1100" dirty="0" err="1" smtClean="0">
+                <a:latin typeface="Courier New" panose="02070309020205020404" pitchFamily="49" charset="0"/>
+                <a:cs typeface="Courier New" panose="02070309020205020404" pitchFamily="49" charset="0"/>
+              </a:rPr>
+              <a:t>credit_month_percent</a:t>
+            </a:r>
+            <a:r>
+              <a:rPr lang="en-US" sz="1100" dirty="0" smtClean="0">
+                <a:latin typeface="Courier New" panose="02070309020205020404" pitchFamily="49" charset="0"/>
+                <a:cs typeface="Courier New" panose="02070309020205020404" pitchFamily="49" charset="0"/>
+              </a:rPr>
+              <a:t>        </a:t>
+            </a:r>
+            <a:r>
+              <a:rPr lang="en-US" sz="1100" dirty="0">
+                <a:latin typeface="Courier New" panose="02070309020205020404" pitchFamily="49" charset="0"/>
+                <a:cs typeface="Courier New" panose="02070309020205020404" pitchFamily="49" charset="0"/>
+              </a:rPr>
+              <a:t>number;   </a:t>
+            </a:r>
+            <a:r>
+              <a:rPr lang="en-US" sz="1100" dirty="0" smtClean="0">
+                <a:latin typeface="Courier New" panose="02070309020205020404" pitchFamily="49" charset="0"/>
+                <a:cs typeface="Courier New" panose="02070309020205020404" pitchFamily="49" charset="0"/>
+              </a:rPr>
+              <a:t>-- </a:t>
+            </a:r>
+            <a:r>
+              <a:rPr lang="ru-RU" sz="1100" dirty="0">
+                <a:latin typeface="Courier New" panose="02070309020205020404" pitchFamily="49" charset="0"/>
+                <a:cs typeface="Courier New" panose="02070309020205020404" pitchFamily="49" charset="0"/>
+              </a:rPr>
+              <a:t>ежемесячная процентная ставка</a:t>
+            </a:r>
+          </a:p>
+          <a:p>
+            <a:r>
+              <a:rPr lang="ru-RU" sz="1100" dirty="0">
+                <a:latin typeface="Courier New" panose="02070309020205020404" pitchFamily="49" charset="0"/>
+                <a:cs typeface="Courier New" panose="02070309020205020404" pitchFamily="49" charset="0"/>
+              </a:rPr>
+              <a:t> </a:t>
+            </a:r>
+            <a:r>
+              <a:rPr lang="en-US" sz="1100" dirty="0" err="1" smtClean="0">
+                <a:latin typeface="Courier New" panose="02070309020205020404" pitchFamily="49" charset="0"/>
+                <a:cs typeface="Courier New" panose="02070309020205020404" pitchFamily="49" charset="0"/>
+              </a:rPr>
+              <a:t>annuit_pay</a:t>
+            </a:r>
+            <a:r>
+              <a:rPr lang="en-US" sz="1100" dirty="0" smtClean="0">
+                <a:latin typeface="Courier New" panose="02070309020205020404" pitchFamily="49" charset="0"/>
+                <a:cs typeface="Courier New" panose="02070309020205020404" pitchFamily="49" charset="0"/>
+              </a:rPr>
+              <a:t>                  </a:t>
+            </a:r>
+            <a:r>
+              <a:rPr lang="en-US" sz="1100" dirty="0">
+                <a:latin typeface="Courier New" panose="02070309020205020404" pitchFamily="49" charset="0"/>
+                <a:cs typeface="Courier New" panose="02070309020205020404" pitchFamily="49" charset="0"/>
+              </a:rPr>
+              <a:t>number;   </a:t>
+            </a:r>
+            <a:r>
+              <a:rPr lang="en-US" sz="1100" dirty="0" smtClean="0">
+                <a:latin typeface="Courier New" panose="02070309020205020404" pitchFamily="49" charset="0"/>
+                <a:cs typeface="Courier New" panose="02070309020205020404" pitchFamily="49" charset="0"/>
+              </a:rPr>
+              <a:t>-- </a:t>
+            </a:r>
+            <a:r>
+              <a:rPr lang="ru-RU" sz="1100" dirty="0">
+                <a:latin typeface="Courier New" panose="02070309020205020404" pitchFamily="49" charset="0"/>
+                <a:cs typeface="Courier New" panose="02070309020205020404" pitchFamily="49" charset="0"/>
+              </a:rPr>
+              <a:t>размер </a:t>
+            </a:r>
+            <a:r>
+              <a:rPr lang="ru-RU" sz="1100" dirty="0" err="1">
+                <a:latin typeface="Courier New" panose="02070309020205020404" pitchFamily="49" charset="0"/>
+                <a:cs typeface="Courier New" panose="02070309020205020404" pitchFamily="49" charset="0"/>
+              </a:rPr>
+              <a:t>аннуитентного</a:t>
+            </a:r>
+            <a:r>
+              <a:rPr lang="ru-RU" sz="1100" dirty="0">
+                <a:latin typeface="Courier New" panose="02070309020205020404" pitchFamily="49" charset="0"/>
+                <a:cs typeface="Courier New" panose="02070309020205020404" pitchFamily="49" charset="0"/>
+              </a:rPr>
+              <a:t> платежа</a:t>
+            </a:r>
+          </a:p>
+          <a:p>
+            <a:r>
+              <a:rPr lang="ru-RU" sz="1100" dirty="0">
+                <a:latin typeface="Courier New" panose="02070309020205020404" pitchFamily="49" charset="0"/>
+                <a:cs typeface="Courier New" panose="02070309020205020404" pitchFamily="49" charset="0"/>
+              </a:rPr>
+              <a:t> </a:t>
+            </a:r>
+            <a:r>
+              <a:rPr lang="en-US" sz="1100" dirty="0" err="1" smtClean="0">
+                <a:latin typeface="Courier New" panose="02070309020205020404" pitchFamily="49" charset="0"/>
+                <a:cs typeface="Courier New" panose="02070309020205020404" pitchFamily="49" charset="0"/>
+              </a:rPr>
+              <a:t>p_date</a:t>
+            </a:r>
+            <a:r>
+              <a:rPr lang="en-US" sz="1100" dirty="0" smtClean="0">
+                <a:latin typeface="Courier New" panose="02070309020205020404" pitchFamily="49" charset="0"/>
+                <a:cs typeface="Courier New" panose="02070309020205020404" pitchFamily="49" charset="0"/>
+              </a:rPr>
+              <a:t>                      </a:t>
+            </a:r>
+            <a:r>
+              <a:rPr lang="en-US" sz="1100" dirty="0">
+                <a:latin typeface="Courier New" panose="02070309020205020404" pitchFamily="49" charset="0"/>
+                <a:cs typeface="Courier New" panose="02070309020205020404" pitchFamily="49" charset="0"/>
+              </a:rPr>
+              <a:t>date;     </a:t>
+            </a:r>
+            <a:r>
+              <a:rPr lang="en-US" sz="1100" dirty="0" smtClean="0">
+                <a:latin typeface="Courier New" panose="02070309020205020404" pitchFamily="49" charset="0"/>
+                <a:cs typeface="Courier New" panose="02070309020205020404" pitchFamily="49" charset="0"/>
+              </a:rPr>
+              <a:t>-- </a:t>
+            </a:r>
+            <a:r>
+              <a:rPr lang="ru-RU" sz="1100" dirty="0" err="1" smtClean="0">
+                <a:latin typeface="Courier New" panose="02070309020205020404" pitchFamily="49" charset="0"/>
+                <a:cs typeface="Courier New" panose="02070309020205020404" pitchFamily="49" charset="0"/>
+              </a:rPr>
+              <a:t>план.дата</a:t>
+            </a:r>
+            <a:r>
+              <a:rPr lang="ru-RU" sz="1100" dirty="0" smtClean="0">
+                <a:latin typeface="Courier New" panose="02070309020205020404" pitchFamily="49" charset="0"/>
+                <a:cs typeface="Courier New" panose="02070309020205020404" pitchFamily="49" charset="0"/>
+              </a:rPr>
+              <a:t> </a:t>
+            </a:r>
+            <a:r>
+              <a:rPr lang="ru-RU" sz="1100" dirty="0" err="1">
+                <a:latin typeface="Courier New" panose="02070309020205020404" pitchFamily="49" charset="0"/>
+                <a:cs typeface="Courier New" panose="02070309020205020404" pitchFamily="49" charset="0"/>
+              </a:rPr>
+              <a:t>аннуитентного</a:t>
+            </a:r>
+            <a:r>
+              <a:rPr lang="ru-RU" sz="1100" dirty="0">
+                <a:latin typeface="Courier New" panose="02070309020205020404" pitchFamily="49" charset="0"/>
+                <a:cs typeface="Courier New" panose="02070309020205020404" pitchFamily="49" charset="0"/>
+              </a:rPr>
+              <a:t> платежа</a:t>
+            </a:r>
+          </a:p>
+          <a:p>
+            <a:r>
+              <a:rPr lang="ru-RU" sz="1100" dirty="0">
+                <a:latin typeface="Courier New" panose="02070309020205020404" pitchFamily="49" charset="0"/>
+                <a:cs typeface="Courier New" panose="02070309020205020404" pitchFamily="49" charset="0"/>
+              </a:rPr>
+              <a:t> </a:t>
+            </a:r>
+            <a:r>
+              <a:rPr lang="en-US" sz="1100" dirty="0" err="1" smtClean="0">
+                <a:latin typeface="Courier New" panose="02070309020205020404" pitchFamily="49" charset="0"/>
+                <a:cs typeface="Courier New" panose="02070309020205020404" pitchFamily="49" charset="0"/>
+              </a:rPr>
+              <a:t>p_summa_percent</a:t>
+            </a:r>
+            <a:r>
+              <a:rPr lang="en-US" sz="1100" dirty="0" smtClean="0">
+                <a:latin typeface="Courier New" panose="02070309020205020404" pitchFamily="49" charset="0"/>
+                <a:cs typeface="Courier New" panose="02070309020205020404" pitchFamily="49" charset="0"/>
+              </a:rPr>
+              <a:t>             </a:t>
+            </a:r>
+            <a:r>
+              <a:rPr lang="en-US" sz="1100" dirty="0">
+                <a:latin typeface="Courier New" panose="02070309020205020404" pitchFamily="49" charset="0"/>
+                <a:cs typeface="Courier New" panose="02070309020205020404" pitchFamily="49" charset="0"/>
+              </a:rPr>
+              <a:t>number;   </a:t>
+            </a:r>
+            <a:r>
+              <a:rPr lang="en-US" sz="1100" dirty="0" smtClean="0">
+                <a:latin typeface="Courier New" panose="02070309020205020404" pitchFamily="49" charset="0"/>
+                <a:cs typeface="Courier New" panose="02070309020205020404" pitchFamily="49" charset="0"/>
+              </a:rPr>
+              <a:t>-- </a:t>
+            </a:r>
+            <a:r>
+              <a:rPr lang="ru-RU" sz="1100" dirty="0">
+                <a:latin typeface="Courier New" panose="02070309020205020404" pitchFamily="49" charset="0"/>
+                <a:cs typeface="Courier New" panose="02070309020205020404" pitchFamily="49" charset="0"/>
+              </a:rPr>
+              <a:t>ежемесячное погашение процентов</a:t>
+            </a:r>
+          </a:p>
+          <a:p>
+            <a:r>
+              <a:rPr lang="ru-RU" sz="1100" dirty="0">
+                <a:latin typeface="Courier New" panose="02070309020205020404" pitchFamily="49" charset="0"/>
+                <a:cs typeface="Courier New" panose="02070309020205020404" pitchFamily="49" charset="0"/>
+              </a:rPr>
+              <a:t> </a:t>
+            </a:r>
+            <a:r>
+              <a:rPr lang="en-US" sz="1100" dirty="0" err="1" smtClean="0">
+                <a:latin typeface="Courier New" panose="02070309020205020404" pitchFamily="49" charset="0"/>
+                <a:cs typeface="Courier New" panose="02070309020205020404" pitchFamily="49" charset="0"/>
+              </a:rPr>
+              <a:t>p_summa_body</a:t>
+            </a:r>
+            <a:r>
+              <a:rPr lang="en-US" sz="1100" dirty="0" smtClean="0">
+                <a:latin typeface="Courier New" panose="02070309020205020404" pitchFamily="49" charset="0"/>
+                <a:cs typeface="Courier New" panose="02070309020205020404" pitchFamily="49" charset="0"/>
+              </a:rPr>
+              <a:t>                </a:t>
+            </a:r>
+            <a:r>
+              <a:rPr lang="en-US" sz="1100" dirty="0">
+                <a:latin typeface="Courier New" panose="02070309020205020404" pitchFamily="49" charset="0"/>
+                <a:cs typeface="Courier New" panose="02070309020205020404" pitchFamily="49" charset="0"/>
+              </a:rPr>
+              <a:t>number;   </a:t>
+            </a:r>
+            <a:r>
+              <a:rPr lang="en-US" sz="1100" dirty="0" smtClean="0">
+                <a:latin typeface="Courier New" panose="02070309020205020404" pitchFamily="49" charset="0"/>
+                <a:cs typeface="Courier New" panose="02070309020205020404" pitchFamily="49" charset="0"/>
+              </a:rPr>
+              <a:t>-- </a:t>
+            </a:r>
+            <a:r>
+              <a:rPr lang="ru-RU" sz="1100" dirty="0">
+                <a:latin typeface="Courier New" panose="02070309020205020404" pitchFamily="49" charset="0"/>
+                <a:cs typeface="Courier New" panose="02070309020205020404" pitchFamily="49" charset="0"/>
+              </a:rPr>
+              <a:t>ежемесячное погашение кредита</a:t>
+            </a:r>
+          </a:p>
+          <a:p>
+            <a:r>
+              <a:rPr lang="ru-RU" sz="1100" dirty="0">
+                <a:latin typeface="Courier New" panose="02070309020205020404" pitchFamily="49" charset="0"/>
+                <a:cs typeface="Courier New" panose="02070309020205020404" pitchFamily="49" charset="0"/>
+              </a:rPr>
+              <a:t> </a:t>
+            </a:r>
+            <a:r>
+              <a:rPr lang="en-US" sz="1100" dirty="0" err="1" smtClean="0">
+                <a:latin typeface="Courier New" panose="02070309020205020404" pitchFamily="49" charset="0"/>
+                <a:cs typeface="Courier New" panose="02070309020205020404" pitchFamily="49" charset="0"/>
+              </a:rPr>
+              <a:t>summa_dog_ostat</a:t>
+            </a:r>
+            <a:r>
+              <a:rPr lang="en-US" sz="1100" dirty="0" smtClean="0">
+                <a:latin typeface="Courier New" panose="02070309020205020404" pitchFamily="49" charset="0"/>
+                <a:cs typeface="Courier New" panose="02070309020205020404" pitchFamily="49" charset="0"/>
+              </a:rPr>
+              <a:t>             </a:t>
+            </a:r>
+            <a:r>
+              <a:rPr lang="en-US" sz="1100" dirty="0">
+                <a:latin typeface="Courier New" panose="02070309020205020404" pitchFamily="49" charset="0"/>
+                <a:cs typeface="Courier New" panose="02070309020205020404" pitchFamily="49" charset="0"/>
+              </a:rPr>
+              <a:t>number;   </a:t>
+            </a:r>
+            <a:r>
+              <a:rPr lang="en-US" sz="1100" dirty="0" smtClean="0">
+                <a:latin typeface="Courier New" panose="02070309020205020404" pitchFamily="49" charset="0"/>
+                <a:cs typeface="Courier New" panose="02070309020205020404" pitchFamily="49" charset="0"/>
+              </a:rPr>
+              <a:t>-- </a:t>
+            </a:r>
+            <a:r>
+              <a:rPr lang="ru-RU" sz="1100" dirty="0">
+                <a:latin typeface="Courier New" panose="02070309020205020404" pitchFamily="49" charset="0"/>
+                <a:cs typeface="Courier New" panose="02070309020205020404" pitchFamily="49" charset="0"/>
+              </a:rPr>
+              <a:t>остаток по кредиту</a:t>
+            </a:r>
+          </a:p>
+          <a:p>
+            <a:endParaRPr lang="ru-RU" sz="1100" dirty="0">
+              <a:latin typeface="Courier New" panose="02070309020205020404" pitchFamily="49" charset="0"/>
+              <a:cs typeface="Courier New" panose="02070309020205020404" pitchFamily="49" charset="0"/>
+            </a:endParaRPr>
+          </a:p>
+          <a:p>
+            <a:r>
+              <a:rPr lang="en-US" sz="1100" dirty="0">
+                <a:latin typeface="Courier New" panose="02070309020205020404" pitchFamily="49" charset="0"/>
+                <a:cs typeface="Courier New" panose="02070309020205020404" pitchFamily="49" charset="0"/>
+              </a:rPr>
+              <a:t>BEGIN</a:t>
+            </a:r>
+          </a:p>
+          <a:p>
+            <a:endParaRPr lang="en-US" sz="1100" dirty="0">
+              <a:latin typeface="Courier New" panose="02070309020205020404" pitchFamily="49" charset="0"/>
+              <a:cs typeface="Courier New" panose="02070309020205020404" pitchFamily="49" charset="0"/>
+            </a:endParaRPr>
+          </a:p>
+          <a:p>
+            <a:r>
+              <a:rPr lang="en-US" sz="1100" dirty="0">
+                <a:latin typeface="Courier New" panose="02070309020205020404" pitchFamily="49" charset="0"/>
+                <a:cs typeface="Courier New" panose="02070309020205020404" pitchFamily="49" charset="0"/>
+              </a:rPr>
+              <a:t>    c##</a:t>
+            </a:r>
+            <a:r>
+              <a:rPr lang="en-US" sz="1100" dirty="0" err="1">
+                <a:latin typeface="Courier New" panose="02070309020205020404" pitchFamily="49" charset="0"/>
+                <a:cs typeface="Courier New" panose="02070309020205020404" pitchFamily="49" charset="0"/>
+              </a:rPr>
+              <a:t>course.pr_create_client</a:t>
+            </a:r>
+            <a:r>
+              <a:rPr lang="en-US" sz="1100" dirty="0">
+                <a:latin typeface="Courier New" panose="02070309020205020404" pitchFamily="49" charset="0"/>
+                <a:cs typeface="Courier New" panose="02070309020205020404" pitchFamily="49" charset="0"/>
+              </a:rPr>
+              <a:t>(</a:t>
+            </a:r>
+            <a:r>
+              <a:rPr lang="en-US" sz="1100" dirty="0" err="1">
+                <a:latin typeface="Courier New" panose="02070309020205020404" pitchFamily="49" charset="0"/>
+                <a:cs typeface="Courier New" panose="02070309020205020404" pitchFamily="49" charset="0"/>
+              </a:rPr>
+              <a:t>client_name,client_birth,client_id</a:t>
+            </a:r>
+            <a:r>
+              <a:rPr lang="en-US" sz="1100" dirty="0">
+                <a:latin typeface="Courier New" panose="02070309020205020404" pitchFamily="49" charset="0"/>
+                <a:cs typeface="Courier New" panose="02070309020205020404" pitchFamily="49" charset="0"/>
+              </a:rPr>
+              <a:t>);</a:t>
+            </a:r>
+          </a:p>
+          <a:p>
+            <a:r>
+              <a:rPr lang="ru-RU" sz="1100" dirty="0" smtClean="0">
+                <a:latin typeface="Courier New" panose="02070309020205020404" pitchFamily="49" charset="0"/>
+                <a:cs typeface="Courier New" panose="02070309020205020404" pitchFamily="49" charset="0"/>
+              </a:rPr>
+              <a:t>...</a:t>
+            </a:r>
+            <a:endParaRPr lang="en-US" sz="1100" dirty="0">
+              <a:latin typeface="Courier New" panose="02070309020205020404" pitchFamily="49" charset="0"/>
+              <a:cs typeface="Courier New" panose="02070309020205020404" pitchFamily="49" charset="0"/>
+            </a:endParaRPr>
+          </a:p>
+        </p:txBody>
+      </p:sp>
+      <p:sp>
+        <p:nvSpPr>
+          <p:cNvPr id="6" name="TextBox 5"/>
+          <p:cNvSpPr txBox="1"/>
+          <p:nvPr/>
+        </p:nvSpPr>
+        <p:spPr bwMode="auto">
+          <a:xfrm>
+            <a:off x="307850" y="6309320"/>
+            <a:ext cx="10657184" cy="461665"/>
+          </a:xfrm>
+          <a:prstGeom prst="rect">
+            <a:avLst/>
+          </a:prstGeom>
+          <a:noFill/>
+        </p:spPr>
+        <p:txBody>
+          <a:bodyPr wrap="square" rtlCol="0">
+            <a:spAutoFit/>
+          </a:bodyPr>
+          <a:lstStyle/>
+          <a:p>
+            <a:r>
+              <a:rPr lang="en-US" sz="1200" dirty="0" smtClean="0">
+                <a:solidFill>
+                  <a:schemeClr val="tx2">
+                    <a:lumMod val="60000"/>
+                    <a:lumOff val="40000"/>
+                  </a:schemeClr>
+                </a:solidFill>
+                <a:hlinkClick r:id="rId2"/>
+              </a:rPr>
+              <a:t>https://github.com/AndrSor/Course_PLSQL_SB/blob/main/Course%20Work/04.2.%D0%9D%D0%BE%D0%B2%D1%8B%D0%B9%20%D0%B8%D0%BB%D0%B8%20%D1%81%D1%83%D1%89%D0%B5%D1%81%D1%82%D0%B2%D1%83%D1%8E%D1%89%D0%B8%D0%B9%20%D0%BA%D0%BB%D0%B8%D0%B5%D0%BD%D1%82.sql</a:t>
+            </a:r>
+            <a:endParaRPr lang="ru-RU" sz="1200" dirty="0">
+              <a:solidFill>
+                <a:schemeClr val="tx2">
+                  <a:lumMod val="60000"/>
+                  <a:lumOff val="40000"/>
+                </a:schemeClr>
+              </a:solidFill>
+            </a:endParaRPr>
+          </a:p>
+        </p:txBody>
+      </p:sp>
+      <p:sp>
+        <p:nvSpPr>
+          <p:cNvPr id="8" name="TextBox 7"/>
+          <p:cNvSpPr txBox="1"/>
+          <p:nvPr/>
+        </p:nvSpPr>
+        <p:spPr bwMode="auto">
+          <a:xfrm>
+            <a:off x="335360" y="5939988"/>
+            <a:ext cx="4608512" cy="369332"/>
+          </a:xfrm>
+          <a:prstGeom prst="rect">
+            <a:avLst/>
+          </a:prstGeom>
+          <a:noFill/>
+        </p:spPr>
+        <p:txBody>
+          <a:bodyPr wrap="square" rtlCol="0">
+            <a:spAutoFit/>
+          </a:bodyPr>
+          <a:lstStyle/>
+          <a:p>
+            <a:r>
+              <a:rPr lang="ru-RU" dirty="0" smtClean="0"/>
+              <a:t>Ссылка на код скри</a:t>
+            </a:r>
+            <a:r>
+              <a:rPr lang="ru-RU" dirty="0"/>
+              <a:t>п</a:t>
+            </a:r>
+            <a:r>
+              <a:rPr lang="ru-RU" dirty="0" smtClean="0"/>
+              <a:t>та:</a:t>
+            </a:r>
+            <a:endParaRPr lang="ru-RU" dirty="0"/>
+          </a:p>
+        </p:txBody>
+      </p:sp>
+      <p:pic>
+        <p:nvPicPr>
+          <p:cNvPr id="3" name="Рисунок 2"/>
+          <p:cNvPicPr>
+            <a:picLocks noChangeAspect="1"/>
+          </p:cNvPicPr>
+          <p:nvPr/>
+        </p:nvPicPr>
+        <p:blipFill>
+          <a:blip r:embed="rId3"/>
+          <a:stretch>
+            <a:fillRect/>
+          </a:stretch>
+        </p:blipFill>
+        <p:spPr>
+          <a:xfrm>
+            <a:off x="479376" y="1177469"/>
+            <a:ext cx="4610100" cy="1285875"/>
+          </a:xfrm>
+          <a:prstGeom prst="rect">
+            <a:avLst/>
+          </a:prstGeom>
+        </p:spPr>
+      </p:pic>
+    </p:spTree>
+    <p:extLst>
+      <p:ext uri="{BB962C8B-B14F-4D97-AF65-F5344CB8AC3E}">
+        <p14:creationId xmlns:p14="http://schemas.microsoft.com/office/powerpoint/2010/main" val="546599934"/>
       </p:ext>
     </p:extLst>
   </p:cSld>
@@ -16595,94 +18607,6 @@
           </a:p>
         </p:txBody>
       </p:sp>
-      <p:pic>
-        <p:nvPicPr>
-          <p:cNvPr id="28" name="Рисунок 10">
-            <a:extLst>
-              <a:ext uri="{FF2B5EF4-FFF2-40B4-BE49-F238E27FC236}">
-                <a16:creationId xmlns="" xmlns:a16="http://schemas.microsoft.com/office/drawing/2014/main" id="{E7AF1F4B-F93B-4DD5-879F-EC6D90FBB1F0}"/>
-              </a:ext>
-            </a:extLst>
-          </p:cNvPr>
-          <p:cNvPicPr>
-            <a:picLocks noChangeAspect="1"/>
-          </p:cNvPicPr>
-          <p:nvPr/>
-        </p:nvPicPr>
-        <p:blipFill>
-          <a:blip r:embed="rId6"/>
-          <a:srcRect l="20475" t="26879" r="30179" b="20793"/>
-          <a:stretch/>
-        </p:blipFill>
-        <p:spPr bwMode="auto">
-          <a:xfrm rot="16199999">
-            <a:off x="188715" y="5562891"/>
-            <a:ext cx="1257119" cy="1333099"/>
-          </a:xfrm>
-          <a:prstGeom prst="rect">
-            <a:avLst/>
-          </a:prstGeom>
-        </p:spPr>
-      </p:pic>
-      <p:sp>
-        <p:nvSpPr>
-          <p:cNvPr id="29" name="object 26">
-            <a:extLst>
-              <a:ext uri="{FF2B5EF4-FFF2-40B4-BE49-F238E27FC236}">
-                <a16:creationId xmlns="" xmlns:a16="http://schemas.microsoft.com/office/drawing/2014/main" id="{8A842FD2-7A7C-402A-9652-4A5C911EEBA6}"/>
-              </a:ext>
-            </a:extLst>
-          </p:cNvPr>
-          <p:cNvSpPr>
-            <a:spLocks/>
-          </p:cNvSpPr>
-          <p:nvPr/>
-        </p:nvSpPr>
-        <p:spPr bwMode="auto">
-          <a:xfrm>
-            <a:off x="1631504" y="5884912"/>
-            <a:ext cx="4590791" cy="640432"/>
-          </a:xfrm>
-          <a:prstGeom prst="rect">
-            <a:avLst/>
-          </a:prstGeom>
-        </p:spPr>
-        <p:txBody>
-          <a:bodyPr vert="horz" wrap="square" lIns="0" tIns="6350" rIns="0" bIns="0" rtlCol="0">
-            <a:spAutoFit/>
-          </a:bodyPr>
-          <a:lstStyle/>
-          <a:p>
-            <a:pPr marL="12700" marR="5080">
-              <a:lnSpc>
-                <a:spcPct val="103299"/>
-              </a:lnSpc>
-              <a:spcBef>
-                <a:spcPts val="50"/>
-              </a:spcBef>
-              <a:defRPr/>
-            </a:pPr>
-            <a:r>
-              <a:rPr lang="ru-RU" sz="2000" spc="-5" dirty="0">
-                <a:latin typeface="SBSansText-Light"/>
-                <a:cs typeface="SBSansText-Light"/>
-              </a:rPr>
-              <a:t>Обожаю программирование и </a:t>
-            </a:r>
-            <a:r>
-              <a:rPr lang="ru-RU" sz="2000" spc="-5" dirty="0" smtClean="0">
-                <a:latin typeface="SBSansText-Light"/>
-                <a:cs typeface="SBSansText-Light"/>
-              </a:rPr>
-              <a:t>базы данных</a:t>
-            </a:r>
-            <a:endParaRPr lang="ru-RU" sz="2000" spc="-5" dirty="0">
-              <a:latin typeface="SBSansText-Light"/>
-              <a:cs typeface="SBSansText-Light"/>
-            </a:endParaRPr>
-          </a:p>
-        </p:txBody>
-      </p:sp>
       <p:sp>
         <p:nvSpPr>
           <p:cNvPr id="2" name="Прямоугольник 1"/>
@@ -16777,7 +18701,7 @@
           <p:nvPr/>
         </p:nvPicPr>
         <p:blipFill>
-          <a:blip r:embed="rId7" cstate="print">
+          <a:blip r:embed="rId6" cstate="print">
             <a:extLst>
               <a:ext uri="{28A0092B-C50C-407E-A947-70E740481C1C}">
                 <a14:useLocalDpi xmlns:a14="http://schemas.microsoft.com/office/drawing/2010/main" val="0"/>
@@ -16799,6 +18723,814 @@
         </p:spPr>
       </p:pic>
     </p:spTree>
+  </p:cSld>
+  <p:clrMapOvr>
+    <a:masterClrMapping/>
+  </p:clrMapOvr>
+  <p:timing>
+    <p:tnLst>
+      <p:par>
+        <p:cTn id="1" dur="indefinite" restart="never" nodeType="tmRoot"/>
+      </p:par>
+    </p:tnLst>
+  </p:timing>
+</p:sld>
+</file>
+
+<file path=ppt/slides/slide20.xml><?xml version="1.0" encoding="utf-8"?>
+<p:sld xmlns:a="http://schemas.openxmlformats.org/drawingml/2006/main" xmlns:r="http://schemas.openxmlformats.org/officeDocument/2006/relationships" xmlns:p="http://schemas.openxmlformats.org/presentationml/2006/main" showMasterPhAnim="0">
+  <p:cSld>
+    <p:spTree>
+      <p:nvGrpSpPr>
+        <p:cNvPr id="1" name=""/>
+        <p:cNvGrpSpPr/>
+        <p:nvPr/>
+      </p:nvGrpSpPr>
+      <p:grpSpPr bwMode="auto">
+        <a:xfrm>
+          <a:off x="0" y="0"/>
+          <a:ext cx="0" cy="0"/>
+          <a:chOff x="0" y="0"/>
+          <a:chExt cx="0" cy="0"/>
+        </a:xfrm>
+      </p:grpSpPr>
+      <p:sp>
+        <p:nvSpPr>
+          <p:cNvPr id="18" name="Title 7">
+            <a:extLst>
+              <a:ext uri="{FF2B5EF4-FFF2-40B4-BE49-F238E27FC236}">
+                <a16:creationId xmlns="" xmlns:a16="http://schemas.microsoft.com/office/drawing/2014/main" id="{E195DE7B-42F0-4CAA-AAB0-D33DB61C53CA}"/>
+              </a:ext>
+            </a:extLst>
+          </p:cNvPr>
+          <p:cNvSpPr>
+            <a:spLocks/>
+          </p:cNvSpPr>
+          <p:nvPr/>
+        </p:nvSpPr>
+        <p:spPr bwMode="auto">
+          <a:xfrm>
+            <a:off x="191344" y="285978"/>
+            <a:ext cx="12169352" cy="550734"/>
+          </a:xfrm>
+          <a:prstGeom prst="rect">
+            <a:avLst/>
+          </a:prstGeom>
+        </p:spPr>
+        <p:txBody>
+          <a:bodyPr lIns="0" tIns="0" rIns="0" bIns="0"/>
+          <a:lstStyle>
+            <a:lvl1pPr algn="l" defTabSz="914400">
+              <a:lnSpc>
+                <a:spcPct val="90000"/>
+              </a:lnSpc>
+              <a:spcBef>
+                <a:spcPts val="0"/>
+              </a:spcBef>
+              <a:buNone/>
+              <a:defRPr sz="4400" b="0" i="0">
+                <a:solidFill>
+                  <a:schemeClr val="tx1"/>
+                </a:solidFill>
+                <a:latin typeface="SB Sans Display Regular"/>
+                <a:ea typeface="+mj-ea"/>
+                <a:cs typeface="+mj-cs"/>
+              </a:defRPr>
+            </a:lvl1pPr>
+          </a:lstStyle>
+          <a:p>
+            <a:pPr>
+              <a:defRPr/>
+            </a:pPr>
+            <a:r>
+              <a:rPr lang="en-US" sz="3200" dirty="0">
+                <a:solidFill>
+                  <a:srgbClr val="333F48"/>
+                </a:solidFill>
+              </a:rPr>
+              <a:t>4</a:t>
+            </a:r>
+            <a:r>
+              <a:rPr lang="ru-RU" sz="3200" dirty="0" smtClean="0">
+                <a:solidFill>
+                  <a:srgbClr val="333F48"/>
+                </a:solidFill>
+              </a:rPr>
+              <a:t>. Проверка</a:t>
+            </a:r>
+            <a:endParaRPr lang="ru-RU" sz="1200" dirty="0"/>
+          </a:p>
+          <a:p>
+            <a:pPr>
+              <a:defRPr/>
+            </a:pPr>
+            <a:r>
+              <a:rPr lang="ru-RU" sz="3200" dirty="0" smtClean="0">
+                <a:solidFill>
+                  <a:srgbClr val="333F48"/>
+                </a:solidFill>
+              </a:rPr>
+              <a:t> </a:t>
+            </a:r>
+            <a:endParaRPr lang="ru-RU" sz="1200" dirty="0"/>
+          </a:p>
+        </p:txBody>
+      </p:sp>
+      <p:sp>
+        <p:nvSpPr>
+          <p:cNvPr id="5" name="TextBox 4"/>
+          <p:cNvSpPr txBox="1"/>
+          <p:nvPr/>
+        </p:nvSpPr>
+        <p:spPr>
+          <a:xfrm>
+            <a:off x="5879976" y="614491"/>
+            <a:ext cx="6120680" cy="507831"/>
+          </a:xfrm>
+          <a:prstGeom prst="rect">
+            <a:avLst/>
+          </a:prstGeom>
+          <a:noFill/>
+        </p:spPr>
+        <p:txBody>
+          <a:bodyPr wrap="square" rtlCol="0">
+            <a:spAutoFit/>
+          </a:bodyPr>
+          <a:lstStyle/>
+          <a:p>
+            <a:r>
+              <a:rPr lang="en-US" sz="900" dirty="0"/>
+              <a:t> </a:t>
+            </a:r>
+          </a:p>
+          <a:p>
+            <a:endParaRPr lang="en-US" sz="900" dirty="0"/>
+          </a:p>
+          <a:p>
+            <a:r>
+              <a:rPr lang="en-US" sz="900" dirty="0" smtClean="0"/>
+              <a:t>   </a:t>
+            </a:r>
+            <a:endParaRPr lang="ru-RU" sz="900" dirty="0"/>
+          </a:p>
+        </p:txBody>
+      </p:sp>
+      <p:sp>
+        <p:nvSpPr>
+          <p:cNvPr id="4" name="TextBox 3"/>
+          <p:cNvSpPr txBox="1"/>
+          <p:nvPr/>
+        </p:nvSpPr>
+        <p:spPr>
+          <a:xfrm>
+            <a:off x="335360" y="725502"/>
+            <a:ext cx="5760640" cy="4616648"/>
+          </a:xfrm>
+          <a:prstGeom prst="rect">
+            <a:avLst/>
+          </a:prstGeom>
+          <a:solidFill>
+            <a:schemeClr val="accent3">
+              <a:lumMod val="20000"/>
+              <a:lumOff val="80000"/>
+            </a:schemeClr>
+          </a:solidFill>
+          <a:ln>
+            <a:solidFill>
+              <a:schemeClr val="accent1"/>
+            </a:solidFill>
+          </a:ln>
+        </p:spPr>
+        <p:txBody>
+          <a:bodyPr wrap="square" rtlCol="0">
+            <a:spAutoFit/>
+          </a:bodyPr>
+          <a:lstStyle/>
+          <a:p>
+            <a:r>
+              <a:rPr lang="en-US" sz="1400" dirty="0">
+                <a:latin typeface="Courier New" panose="02070309020205020404" pitchFamily="49" charset="0"/>
+                <a:cs typeface="Courier New" panose="02070309020205020404" pitchFamily="49" charset="0"/>
+              </a:rPr>
+              <a:t>ACCEPT </a:t>
+            </a:r>
+            <a:r>
+              <a:rPr lang="en-US" sz="1400" dirty="0" err="1">
+                <a:latin typeface="Courier New" panose="02070309020205020404" pitchFamily="49" charset="0"/>
+                <a:cs typeface="Courier New" panose="02070309020205020404" pitchFamily="49" charset="0"/>
+              </a:rPr>
+              <a:t>client_name</a:t>
+            </a:r>
+            <a:r>
+              <a:rPr lang="en-US" sz="1400" dirty="0">
+                <a:latin typeface="Courier New" panose="02070309020205020404" pitchFamily="49" charset="0"/>
+                <a:cs typeface="Courier New" panose="02070309020205020404" pitchFamily="49" charset="0"/>
+              </a:rPr>
+              <a:t> PROMPT '</a:t>
+            </a:r>
+            <a:r>
+              <a:rPr lang="ru-RU" sz="1400" dirty="0">
+                <a:latin typeface="Courier New" panose="02070309020205020404" pitchFamily="49" charset="0"/>
+                <a:cs typeface="Courier New" panose="02070309020205020404" pitchFamily="49" charset="0"/>
+              </a:rPr>
+              <a:t>ФИО клиента:  ';</a:t>
+            </a:r>
+          </a:p>
+          <a:p>
+            <a:r>
+              <a:rPr lang="en-US" sz="1400" dirty="0">
+                <a:latin typeface="Courier New" panose="02070309020205020404" pitchFamily="49" charset="0"/>
+                <a:cs typeface="Courier New" panose="02070309020205020404" pitchFamily="49" charset="0"/>
+              </a:rPr>
+              <a:t>ACCEPT </a:t>
+            </a:r>
+            <a:r>
+              <a:rPr lang="en-US" sz="1400" dirty="0" err="1">
+                <a:latin typeface="Courier New" panose="02070309020205020404" pitchFamily="49" charset="0"/>
+                <a:cs typeface="Courier New" panose="02070309020205020404" pitchFamily="49" charset="0"/>
+              </a:rPr>
+              <a:t>client_birth</a:t>
+            </a:r>
+            <a:r>
+              <a:rPr lang="en-US" sz="1400" dirty="0">
+                <a:latin typeface="Courier New" panose="02070309020205020404" pitchFamily="49" charset="0"/>
+                <a:cs typeface="Courier New" panose="02070309020205020404" pitchFamily="49" charset="0"/>
+              </a:rPr>
+              <a:t> DATE FORMAT '</a:t>
+            </a:r>
+            <a:r>
+              <a:rPr lang="en-US" sz="1400" dirty="0" err="1">
+                <a:latin typeface="Courier New" panose="02070309020205020404" pitchFamily="49" charset="0"/>
+                <a:cs typeface="Courier New" panose="02070309020205020404" pitchFamily="49" charset="0"/>
+              </a:rPr>
+              <a:t>dd.mm.yyyy</a:t>
+            </a:r>
+            <a:r>
+              <a:rPr lang="en-US" sz="1400" dirty="0">
+                <a:latin typeface="Courier New" panose="02070309020205020404" pitchFamily="49" charset="0"/>
+                <a:cs typeface="Courier New" panose="02070309020205020404" pitchFamily="49" charset="0"/>
+              </a:rPr>
+              <a:t>' PROMPT '</a:t>
+            </a:r>
+            <a:r>
+              <a:rPr lang="ru-RU" sz="1400" dirty="0">
+                <a:latin typeface="Courier New" panose="02070309020205020404" pitchFamily="49" charset="0"/>
+                <a:cs typeface="Courier New" panose="02070309020205020404" pitchFamily="49" charset="0"/>
+              </a:rPr>
+              <a:t>Дата рождения клиента в формате ДД.ММ.ГГГГ:  ';</a:t>
+            </a:r>
+          </a:p>
+          <a:p>
+            <a:r>
+              <a:rPr lang="en-US" sz="1400" dirty="0">
+                <a:latin typeface="Courier New" panose="02070309020205020404" pitchFamily="49" charset="0"/>
+                <a:cs typeface="Courier New" panose="02070309020205020404" pitchFamily="49" charset="0"/>
+              </a:rPr>
+              <a:t>ACCEPT </a:t>
+            </a:r>
+            <a:r>
+              <a:rPr lang="en-US" sz="1400" dirty="0" err="1">
+                <a:latin typeface="Courier New" panose="02070309020205020404" pitchFamily="49" charset="0"/>
+                <a:cs typeface="Courier New" panose="02070309020205020404" pitchFamily="49" charset="0"/>
+              </a:rPr>
+              <a:t>summa_dog</a:t>
+            </a:r>
+            <a:r>
+              <a:rPr lang="en-US" sz="1400" dirty="0">
+                <a:latin typeface="Courier New" panose="02070309020205020404" pitchFamily="49" charset="0"/>
+                <a:cs typeface="Courier New" panose="02070309020205020404" pitchFamily="49" charset="0"/>
+              </a:rPr>
+              <a:t> PROMPT '</a:t>
+            </a:r>
+            <a:r>
+              <a:rPr lang="ru-RU" sz="1400" dirty="0">
+                <a:latin typeface="Courier New" panose="02070309020205020404" pitchFamily="49" charset="0"/>
+                <a:cs typeface="Courier New" panose="02070309020205020404" pitchFamily="49" charset="0"/>
+              </a:rPr>
+              <a:t>Сумма кредита:  ';</a:t>
+            </a:r>
+          </a:p>
+          <a:p>
+            <a:r>
+              <a:rPr lang="en-US" sz="1400" dirty="0">
+                <a:latin typeface="Courier New" panose="02070309020205020404" pitchFamily="49" charset="0"/>
+                <a:cs typeface="Courier New" panose="02070309020205020404" pitchFamily="49" charset="0"/>
+              </a:rPr>
+              <a:t>ACCEPT </a:t>
+            </a:r>
+            <a:r>
+              <a:rPr lang="en-US" sz="1400" dirty="0" err="1">
+                <a:latin typeface="Courier New" panose="02070309020205020404" pitchFamily="49" charset="0"/>
+                <a:cs typeface="Courier New" panose="02070309020205020404" pitchFamily="49" charset="0"/>
+              </a:rPr>
+              <a:t>persent_dog</a:t>
+            </a:r>
+            <a:r>
+              <a:rPr lang="en-US" sz="1400" dirty="0">
+                <a:latin typeface="Courier New" panose="02070309020205020404" pitchFamily="49" charset="0"/>
+                <a:cs typeface="Courier New" panose="02070309020205020404" pitchFamily="49" charset="0"/>
+              </a:rPr>
+              <a:t> PROMPT '</a:t>
+            </a:r>
+            <a:r>
+              <a:rPr lang="ru-RU" sz="1400" dirty="0">
+                <a:latin typeface="Courier New" panose="02070309020205020404" pitchFamily="49" charset="0"/>
+                <a:cs typeface="Courier New" panose="02070309020205020404" pitchFamily="49" charset="0"/>
+              </a:rPr>
+              <a:t>Годовая процентная ставка:  ';</a:t>
+            </a:r>
+          </a:p>
+          <a:p>
+            <a:r>
+              <a:rPr lang="en-US" sz="1400" dirty="0">
+                <a:latin typeface="Courier New" panose="02070309020205020404" pitchFamily="49" charset="0"/>
+                <a:cs typeface="Courier New" panose="02070309020205020404" pitchFamily="49" charset="0"/>
+              </a:rPr>
+              <a:t>ACCEPT </a:t>
+            </a:r>
+            <a:r>
+              <a:rPr lang="en-US" sz="1400" dirty="0" err="1">
+                <a:latin typeface="Courier New" panose="02070309020205020404" pitchFamily="49" charset="0"/>
+                <a:cs typeface="Courier New" panose="02070309020205020404" pitchFamily="49" charset="0"/>
+              </a:rPr>
+              <a:t>duration_dog</a:t>
+            </a:r>
+            <a:r>
+              <a:rPr lang="en-US" sz="1400" dirty="0">
+                <a:latin typeface="Courier New" panose="02070309020205020404" pitchFamily="49" charset="0"/>
+                <a:cs typeface="Courier New" panose="02070309020205020404" pitchFamily="49" charset="0"/>
+              </a:rPr>
+              <a:t> PROMPT '</a:t>
+            </a:r>
+            <a:r>
+              <a:rPr lang="ru-RU" sz="1400" dirty="0">
+                <a:latin typeface="Courier New" panose="02070309020205020404" pitchFamily="49" charset="0"/>
+                <a:cs typeface="Courier New" panose="02070309020205020404" pitchFamily="49" charset="0"/>
+              </a:rPr>
+              <a:t>Срок кредитования месяцев:  ';</a:t>
+            </a:r>
+          </a:p>
+          <a:p>
+            <a:endParaRPr lang="ru-RU" sz="1400" dirty="0">
+              <a:latin typeface="Courier New" panose="02070309020205020404" pitchFamily="49" charset="0"/>
+              <a:cs typeface="Courier New" panose="02070309020205020404" pitchFamily="49" charset="0"/>
+            </a:endParaRPr>
+          </a:p>
+          <a:p>
+            <a:r>
+              <a:rPr lang="en-US" sz="1400" dirty="0">
+                <a:latin typeface="Courier New" panose="02070309020205020404" pitchFamily="49" charset="0"/>
+                <a:cs typeface="Courier New" panose="02070309020205020404" pitchFamily="49" charset="0"/>
+              </a:rPr>
+              <a:t>DECLARE</a:t>
+            </a:r>
+          </a:p>
+          <a:p>
+            <a:r>
+              <a:rPr lang="en-US" sz="1400" dirty="0">
+                <a:latin typeface="Courier New" panose="02070309020205020404" pitchFamily="49" charset="0"/>
+                <a:cs typeface="Courier New" panose="02070309020205020404" pitchFamily="49" charset="0"/>
+              </a:rPr>
+              <a:t>    </a:t>
+            </a:r>
+            <a:r>
+              <a:rPr lang="en-US" sz="1400" dirty="0" err="1">
+                <a:latin typeface="Courier New" panose="02070309020205020404" pitchFamily="49" charset="0"/>
+                <a:cs typeface="Courier New" panose="02070309020205020404" pitchFamily="49" charset="0"/>
+              </a:rPr>
+              <a:t>dogovor_out</a:t>
+            </a:r>
+            <a:r>
+              <a:rPr lang="en-US" sz="1400" dirty="0">
+                <a:latin typeface="Courier New" panose="02070309020205020404" pitchFamily="49" charset="0"/>
+                <a:cs typeface="Courier New" panose="02070309020205020404" pitchFamily="49" charset="0"/>
+              </a:rPr>
+              <a:t> varchar(15) := '';</a:t>
+            </a:r>
+          </a:p>
+          <a:p>
+            <a:r>
+              <a:rPr lang="en-US" sz="1400" dirty="0">
+                <a:latin typeface="Courier New" panose="02070309020205020404" pitchFamily="49" charset="0"/>
+                <a:cs typeface="Courier New" panose="02070309020205020404" pitchFamily="49" charset="0"/>
+              </a:rPr>
+              <a:t>BEGIN</a:t>
+            </a:r>
+          </a:p>
+          <a:p>
+            <a:endParaRPr lang="en-US" sz="1400" dirty="0">
+              <a:latin typeface="Courier New" panose="02070309020205020404" pitchFamily="49" charset="0"/>
+              <a:cs typeface="Courier New" panose="02070309020205020404" pitchFamily="49" charset="0"/>
+            </a:endParaRPr>
+          </a:p>
+          <a:p>
+            <a:r>
+              <a:rPr lang="en-US" sz="1400" dirty="0">
+                <a:latin typeface="Courier New" panose="02070309020205020404" pitchFamily="49" charset="0"/>
+                <a:cs typeface="Courier New" panose="02070309020205020404" pitchFamily="49" charset="0"/>
+              </a:rPr>
+              <a:t>    c##</a:t>
+            </a:r>
+            <a:r>
+              <a:rPr lang="en-US" sz="1400" dirty="0" err="1">
+                <a:latin typeface="Courier New" panose="02070309020205020404" pitchFamily="49" charset="0"/>
+                <a:cs typeface="Courier New" panose="02070309020205020404" pitchFamily="49" charset="0"/>
+              </a:rPr>
+              <a:t>course.pr_create_credit</a:t>
+            </a:r>
+            <a:r>
+              <a:rPr lang="en-US" sz="1400" dirty="0">
+                <a:latin typeface="Courier New" panose="02070309020205020404" pitchFamily="49" charset="0"/>
+                <a:cs typeface="Courier New" panose="02070309020205020404" pitchFamily="49" charset="0"/>
+              </a:rPr>
+              <a:t> (</a:t>
+            </a:r>
+          </a:p>
+          <a:p>
+            <a:r>
+              <a:rPr lang="en-US" sz="1400" dirty="0">
+                <a:latin typeface="Courier New" panose="02070309020205020404" pitchFamily="49" charset="0"/>
+                <a:cs typeface="Courier New" panose="02070309020205020404" pitchFamily="49" charset="0"/>
+              </a:rPr>
+              <a:t>         '&amp;</a:t>
+            </a:r>
+            <a:r>
+              <a:rPr lang="en-US" sz="1400" dirty="0" err="1">
+                <a:latin typeface="Courier New" panose="02070309020205020404" pitchFamily="49" charset="0"/>
+                <a:cs typeface="Courier New" panose="02070309020205020404" pitchFamily="49" charset="0"/>
+              </a:rPr>
+              <a:t>client_name</a:t>
+            </a:r>
+            <a:r>
+              <a:rPr lang="en-US" sz="1400" dirty="0">
+                <a:latin typeface="Courier New" panose="02070309020205020404" pitchFamily="49" charset="0"/>
+                <a:cs typeface="Courier New" panose="02070309020205020404" pitchFamily="49" charset="0"/>
+              </a:rPr>
+              <a:t>'</a:t>
+            </a:r>
+          </a:p>
+          <a:p>
+            <a:r>
+              <a:rPr lang="en-US" sz="1400" dirty="0">
+                <a:latin typeface="Courier New" panose="02070309020205020404" pitchFamily="49" charset="0"/>
+                <a:cs typeface="Courier New" panose="02070309020205020404" pitchFamily="49" charset="0"/>
+              </a:rPr>
+              <a:t>        ,TO_DATE('&amp;</a:t>
+            </a:r>
+            <a:r>
+              <a:rPr lang="en-US" sz="1400" dirty="0" err="1">
+                <a:latin typeface="Courier New" panose="02070309020205020404" pitchFamily="49" charset="0"/>
+                <a:cs typeface="Courier New" panose="02070309020205020404" pitchFamily="49" charset="0"/>
+              </a:rPr>
+              <a:t>client_birth','DD.MM.YYYY</a:t>
+            </a:r>
+            <a:r>
+              <a:rPr lang="en-US" sz="1400" dirty="0">
+                <a:latin typeface="Courier New" panose="02070309020205020404" pitchFamily="49" charset="0"/>
+                <a:cs typeface="Courier New" panose="02070309020205020404" pitchFamily="49" charset="0"/>
+              </a:rPr>
+              <a:t>')</a:t>
+            </a:r>
+          </a:p>
+          <a:p>
+            <a:r>
+              <a:rPr lang="en-US" sz="1400" dirty="0">
+                <a:latin typeface="Courier New" panose="02070309020205020404" pitchFamily="49" charset="0"/>
+                <a:cs typeface="Courier New" panose="02070309020205020404" pitchFamily="49" charset="0"/>
+              </a:rPr>
+              <a:t>        ,TO_NUMBER('&amp;</a:t>
+            </a:r>
+            <a:r>
+              <a:rPr lang="en-US" sz="1400" dirty="0" err="1">
+                <a:latin typeface="Courier New" panose="02070309020205020404" pitchFamily="49" charset="0"/>
+                <a:cs typeface="Courier New" panose="02070309020205020404" pitchFamily="49" charset="0"/>
+              </a:rPr>
+              <a:t>summa_dog</a:t>
+            </a:r>
+            <a:r>
+              <a:rPr lang="en-US" sz="1400" dirty="0">
+                <a:latin typeface="Courier New" panose="02070309020205020404" pitchFamily="49" charset="0"/>
+                <a:cs typeface="Courier New" panose="02070309020205020404" pitchFamily="49" charset="0"/>
+              </a:rPr>
+              <a:t>')</a:t>
+            </a:r>
+          </a:p>
+          <a:p>
+            <a:r>
+              <a:rPr lang="en-US" sz="1400" dirty="0">
+                <a:latin typeface="Courier New" panose="02070309020205020404" pitchFamily="49" charset="0"/>
+                <a:cs typeface="Courier New" panose="02070309020205020404" pitchFamily="49" charset="0"/>
+              </a:rPr>
+              <a:t>        ,TO_NUMBER('&amp;</a:t>
+            </a:r>
+            <a:r>
+              <a:rPr lang="en-US" sz="1400" dirty="0" err="1">
+                <a:latin typeface="Courier New" panose="02070309020205020404" pitchFamily="49" charset="0"/>
+                <a:cs typeface="Courier New" panose="02070309020205020404" pitchFamily="49" charset="0"/>
+              </a:rPr>
+              <a:t>persent_dog</a:t>
+            </a:r>
+            <a:r>
+              <a:rPr lang="en-US" sz="1400" dirty="0">
+                <a:latin typeface="Courier New" panose="02070309020205020404" pitchFamily="49" charset="0"/>
+                <a:cs typeface="Courier New" panose="02070309020205020404" pitchFamily="49" charset="0"/>
+              </a:rPr>
+              <a:t>')</a:t>
+            </a:r>
+          </a:p>
+          <a:p>
+            <a:r>
+              <a:rPr lang="en-US" sz="1400" dirty="0">
+                <a:latin typeface="Courier New" panose="02070309020205020404" pitchFamily="49" charset="0"/>
+                <a:cs typeface="Courier New" panose="02070309020205020404" pitchFamily="49" charset="0"/>
+              </a:rPr>
+              <a:t>        ,TO_NUMBER('&amp;</a:t>
+            </a:r>
+            <a:r>
+              <a:rPr lang="en-US" sz="1400" dirty="0" err="1">
+                <a:latin typeface="Courier New" panose="02070309020205020404" pitchFamily="49" charset="0"/>
+                <a:cs typeface="Courier New" panose="02070309020205020404" pitchFamily="49" charset="0"/>
+              </a:rPr>
+              <a:t>duration_dog</a:t>
+            </a:r>
+            <a:r>
+              <a:rPr lang="en-US" sz="1400" dirty="0">
+                <a:latin typeface="Courier New" panose="02070309020205020404" pitchFamily="49" charset="0"/>
+                <a:cs typeface="Courier New" panose="02070309020205020404" pitchFamily="49" charset="0"/>
+              </a:rPr>
+              <a:t>')</a:t>
+            </a:r>
+          </a:p>
+          <a:p>
+            <a:r>
+              <a:rPr lang="en-US" sz="1400" dirty="0">
+                <a:latin typeface="Courier New" panose="02070309020205020404" pitchFamily="49" charset="0"/>
+                <a:cs typeface="Courier New" panose="02070309020205020404" pitchFamily="49" charset="0"/>
+              </a:rPr>
+              <a:t>        ,</a:t>
+            </a:r>
+            <a:r>
+              <a:rPr lang="en-US" sz="1400" dirty="0" err="1">
+                <a:latin typeface="Courier New" panose="02070309020205020404" pitchFamily="49" charset="0"/>
+                <a:cs typeface="Courier New" panose="02070309020205020404" pitchFamily="49" charset="0"/>
+              </a:rPr>
+              <a:t>dogovor_out</a:t>
+            </a:r>
+            <a:endParaRPr lang="en-US" sz="1400" dirty="0">
+              <a:latin typeface="Courier New" panose="02070309020205020404" pitchFamily="49" charset="0"/>
+              <a:cs typeface="Courier New" panose="02070309020205020404" pitchFamily="49" charset="0"/>
+            </a:endParaRPr>
+          </a:p>
+          <a:p>
+            <a:r>
+              <a:rPr lang="en-US" sz="1400" dirty="0">
+                <a:latin typeface="Courier New" panose="02070309020205020404" pitchFamily="49" charset="0"/>
+                <a:cs typeface="Courier New" panose="02070309020205020404" pitchFamily="49" charset="0"/>
+              </a:rPr>
+              <a:t>    );</a:t>
+            </a:r>
+          </a:p>
+        </p:txBody>
+      </p:sp>
+      <p:sp>
+        <p:nvSpPr>
+          <p:cNvPr id="6" name="TextBox 5"/>
+          <p:cNvSpPr txBox="1"/>
+          <p:nvPr/>
+        </p:nvSpPr>
+        <p:spPr bwMode="auto">
+          <a:xfrm>
+            <a:off x="307850" y="6309320"/>
+            <a:ext cx="10657184" cy="461665"/>
+          </a:xfrm>
+          <a:prstGeom prst="rect">
+            <a:avLst/>
+          </a:prstGeom>
+          <a:noFill/>
+        </p:spPr>
+        <p:txBody>
+          <a:bodyPr wrap="square" rtlCol="0">
+            <a:spAutoFit/>
+          </a:bodyPr>
+          <a:lstStyle/>
+          <a:p>
+            <a:r>
+              <a:rPr lang="en-US" sz="1200" dirty="0" smtClean="0">
+                <a:solidFill>
+                  <a:schemeClr val="tx2">
+                    <a:lumMod val="60000"/>
+                    <a:lumOff val="40000"/>
+                  </a:schemeClr>
+                </a:solidFill>
+                <a:hlinkClick r:id="rId2"/>
+              </a:rPr>
+              <a:t>https://github.com/AndrSor/Course_PLSQL_SB/blob/main/Course%20Work/04.4.%D0%97%D0%B0%D0%BF%D1%83%D1%81%D0%BA%20%D1%81%D0%BE%D0%B7%D0%B4%D0%B0%D0%BD%D0%B8%D1%8F.sql</a:t>
+            </a:r>
+            <a:r>
+              <a:rPr lang="en-US" sz="1200" dirty="0" smtClean="0">
+                <a:solidFill>
+                  <a:schemeClr val="tx2">
+                    <a:lumMod val="60000"/>
+                    <a:lumOff val="40000"/>
+                  </a:schemeClr>
+                </a:solidFill>
+              </a:rPr>
+              <a:t> </a:t>
+            </a:r>
+            <a:endParaRPr lang="ru-RU" sz="1200" dirty="0">
+              <a:solidFill>
+                <a:schemeClr val="tx2">
+                  <a:lumMod val="60000"/>
+                  <a:lumOff val="40000"/>
+                </a:schemeClr>
+              </a:solidFill>
+            </a:endParaRPr>
+          </a:p>
+        </p:txBody>
+      </p:sp>
+      <p:sp>
+        <p:nvSpPr>
+          <p:cNvPr id="8" name="TextBox 7"/>
+          <p:cNvSpPr txBox="1"/>
+          <p:nvPr/>
+        </p:nvSpPr>
+        <p:spPr bwMode="auto">
+          <a:xfrm>
+            <a:off x="335360" y="5939988"/>
+            <a:ext cx="4608512" cy="369332"/>
+          </a:xfrm>
+          <a:prstGeom prst="rect">
+            <a:avLst/>
+          </a:prstGeom>
+          <a:noFill/>
+        </p:spPr>
+        <p:txBody>
+          <a:bodyPr wrap="square" rtlCol="0">
+            <a:spAutoFit/>
+          </a:bodyPr>
+          <a:lstStyle/>
+          <a:p>
+            <a:r>
+              <a:rPr lang="ru-RU" dirty="0" smtClean="0"/>
+              <a:t>Ссылка на код скри</a:t>
+            </a:r>
+            <a:r>
+              <a:rPr lang="ru-RU" dirty="0"/>
+              <a:t>п</a:t>
+            </a:r>
+            <a:r>
+              <a:rPr lang="ru-RU" dirty="0" smtClean="0"/>
+              <a:t>та:</a:t>
+            </a:r>
+            <a:endParaRPr lang="ru-RU" dirty="0"/>
+          </a:p>
+        </p:txBody>
+      </p:sp>
+      <p:pic>
+        <p:nvPicPr>
+          <p:cNvPr id="2" name="Рисунок 1"/>
+          <p:cNvPicPr>
+            <a:picLocks noChangeAspect="1"/>
+          </p:cNvPicPr>
+          <p:nvPr/>
+        </p:nvPicPr>
+        <p:blipFill>
+          <a:blip r:embed="rId3"/>
+          <a:stretch>
+            <a:fillRect/>
+          </a:stretch>
+        </p:blipFill>
+        <p:spPr>
+          <a:xfrm>
+            <a:off x="6384032" y="731179"/>
+            <a:ext cx="4381500" cy="5067300"/>
+          </a:xfrm>
+          <a:prstGeom prst="rect">
+            <a:avLst/>
+          </a:prstGeom>
+        </p:spPr>
+      </p:pic>
+    </p:spTree>
+    <p:extLst>
+      <p:ext uri="{BB962C8B-B14F-4D97-AF65-F5344CB8AC3E}">
+        <p14:creationId xmlns:p14="http://schemas.microsoft.com/office/powerpoint/2010/main" val="4074556296"/>
+      </p:ext>
+    </p:extLst>
+  </p:cSld>
+  <p:clrMapOvr>
+    <a:masterClrMapping/>
+  </p:clrMapOvr>
+  <p:timing>
+    <p:tnLst>
+      <p:par>
+        <p:cTn id="1" dur="indefinite" restart="never" nodeType="tmRoot"/>
+      </p:par>
+    </p:tnLst>
+  </p:timing>
+</p:sld>
+</file>
+
+<file path=ppt/slides/slide21.xml><?xml version="1.0" encoding="utf-8"?>
+<p:sld xmlns:a="http://schemas.openxmlformats.org/drawingml/2006/main" xmlns:r="http://schemas.openxmlformats.org/officeDocument/2006/relationships" xmlns:p="http://schemas.openxmlformats.org/presentationml/2006/main" showMasterPhAnim="0">
+  <p:cSld>
+    <p:spTree>
+      <p:nvGrpSpPr>
+        <p:cNvPr id="1" name=""/>
+        <p:cNvGrpSpPr/>
+        <p:nvPr/>
+      </p:nvGrpSpPr>
+      <p:grpSpPr bwMode="auto">
+        <a:xfrm>
+          <a:off x="0" y="0"/>
+          <a:ext cx="0" cy="0"/>
+          <a:chOff x="0" y="0"/>
+          <a:chExt cx="0" cy="0"/>
+        </a:xfrm>
+      </p:grpSpPr>
+      <p:sp>
+        <p:nvSpPr>
+          <p:cNvPr id="4" name="Заголовок 4"/>
+          <p:cNvSpPr>
+            <a:spLocks/>
+          </p:cNvSpPr>
+          <p:nvPr/>
+        </p:nvSpPr>
+        <p:spPr bwMode="auto">
+          <a:xfrm>
+            <a:off x="462443" y="2996952"/>
+            <a:ext cx="11161240" cy="1326541"/>
+          </a:xfrm>
+          <a:prstGeom prst="rect">
+            <a:avLst/>
+          </a:prstGeom>
+        </p:spPr>
+        <p:txBody>
+          <a:bodyPr vert="horz" lIns="0" tIns="0" rIns="0" bIns="0" anchor="t" anchorCtr="0"/>
+          <a:lstStyle>
+            <a:lvl1pPr>
+              <a:defRPr sz="6000" b="0" i="0">
+                <a:latin typeface="SB Sans Display Light"/>
+                <a:ea typeface="+mj-ea"/>
+                <a:cs typeface="SB Sans Display Light"/>
+              </a:defRPr>
+            </a:lvl1pPr>
+          </a:lstStyle>
+          <a:p>
+            <a:pPr algn="ctr">
+              <a:defRPr/>
+            </a:pPr>
+            <a:r>
+              <a:rPr lang="ru-RU" sz="5400" b="1" dirty="0">
+                <a:solidFill>
+                  <a:srgbClr val="333F48"/>
+                </a:solidFill>
+                <a:latin typeface="SB Sans Display Semibold"/>
+              </a:rPr>
+              <a:t>Спасибо за внимание!</a:t>
+            </a:r>
+            <a:r>
+              <a:rPr lang="en-US" sz="6000" i="0" u="none" strike="noStrike" cap="none" spc="0" dirty="0">
+                <a:ln>
+                  <a:noFill/>
+                </a:ln>
+                <a:solidFill>
+                  <a:srgbClr val="333F48"/>
+                </a:solidFill>
+                <a:latin typeface="SB Sans Display Light"/>
+                <a:ea typeface="+mj-ea"/>
+                <a:cs typeface="SB Sans Display Light"/>
+              </a:rPr>
+              <a:t> </a:t>
+            </a:r>
+            <a:endParaRPr lang="ru-RU" sz="1600" dirty="0"/>
+          </a:p>
+          <a:p>
+            <a:pPr marL="0" marR="0" lvl="0" indent="0" algn="ctr" defTabSz="914400">
+              <a:lnSpc>
+                <a:spcPct val="100000"/>
+              </a:lnSpc>
+              <a:spcBef>
+                <a:spcPts val="0"/>
+              </a:spcBef>
+              <a:spcAft>
+                <a:spcPts val="0"/>
+              </a:spcAft>
+              <a:buClrTx/>
+              <a:buSzTx/>
+              <a:buFontTx/>
+              <a:buNone/>
+              <a:defRPr/>
+            </a:pPr>
+            <a:endParaRPr lang="ru-RU" dirty="0"/>
+          </a:p>
+        </p:txBody>
+      </p:sp>
+    </p:spTree>
+    <p:extLst>
+      <p:ext uri="{BB962C8B-B14F-4D97-AF65-F5344CB8AC3E}">
+        <p14:creationId xmlns:p14="http://schemas.microsoft.com/office/powerpoint/2010/main" val="1458184671"/>
+      </p:ext>
+    </p:extLst>
   </p:cSld>
   <p:clrMapOvr>
     <a:masterClrMapping/>

--- a/Course Work/_Презентация Курсовой работы.pptx
+++ b/Course Work/_Презентация Курсовой работы.pptx
@@ -6,7 +6,7 @@
     <p:sldMasterId id="2147483661" r:id="rId2"/>
   </p:sldMasterIdLst>
   <p:notesMasterIdLst>
-    <p:notesMasterId r:id="rId24"/>
+    <p:notesMasterId r:id="rId25"/>
   </p:notesMasterIdLst>
   <p:sldIdLst>
     <p:sldId id="256" r:id="rId3"/>
@@ -19,17 +19,18 @@
     <p:sldId id="353" r:id="rId10"/>
     <p:sldId id="363" r:id="rId11"/>
     <p:sldId id="364" r:id="rId12"/>
-    <p:sldId id="366" r:id="rId13"/>
-    <p:sldId id="367" r:id="rId14"/>
-    <p:sldId id="372" r:id="rId15"/>
-    <p:sldId id="373" r:id="rId16"/>
-    <p:sldId id="374" r:id="rId17"/>
-    <p:sldId id="375" r:id="rId18"/>
-    <p:sldId id="368" r:id="rId19"/>
-    <p:sldId id="369" r:id="rId20"/>
-    <p:sldId id="370" r:id="rId21"/>
-    <p:sldId id="371" r:id="rId22"/>
-    <p:sldId id="307" r:id="rId23"/>
+    <p:sldId id="376" r:id="rId13"/>
+    <p:sldId id="366" r:id="rId14"/>
+    <p:sldId id="367" r:id="rId15"/>
+    <p:sldId id="372" r:id="rId16"/>
+    <p:sldId id="373" r:id="rId17"/>
+    <p:sldId id="374" r:id="rId18"/>
+    <p:sldId id="375" r:id="rId19"/>
+    <p:sldId id="368" r:id="rId20"/>
+    <p:sldId id="369" r:id="rId21"/>
+    <p:sldId id="370" r:id="rId22"/>
+    <p:sldId id="371" r:id="rId23"/>
+    <p:sldId id="307" r:id="rId24"/>
   </p:sldIdLst>
   <p:sldSz cx="12192000" cy="6858000"/>
   <p:notesSz cx="6858000" cy="12192000"/>
@@ -143,6 +144,7 @@
             <p14:sldId id="353"/>
             <p14:sldId id="363"/>
             <p14:sldId id="364"/>
+            <p14:sldId id="376"/>
             <p14:sldId id="366"/>
             <p14:sldId id="367"/>
           </p14:sldIdLst>
@@ -262,7 +264,7 @@
           <a:p>
             <a:fld id="{B04DCA98-92C0-4F48-89D1-3FD303C7CE35}" type="datetimeFigureOut">
               <a:rPr lang="ru-RU" smtClean="0"/>
-              <a:t>12.08.2021</a:t>
+              <a:t>13.08.2021</a:t>
             </a:fld>
             <a:endParaRPr lang="ru-RU"/>
           </a:p>
@@ -594,7 +596,7 @@
           <a:p>
             <a:fld id="{7B5F47EF-21AF-41BD-AB82-5A4B797CA39E}" type="slidenum">
               <a:rPr lang="ru-RU" smtClean="0"/>
-              <a:t>21</a:t>
+              <a:t>22</a:t>
             </a:fld>
             <a:endParaRPr lang="ru-RU"/>
           </a:p>
@@ -751,7 +753,7 @@
             </a:pPr>
             <a:fld id="{F9A2CB3F-9E6C-4531-82DF-EF260906E9D5}" type="datetimeFigureOut">
               <a:rPr lang="ru-RU"/>
-              <a:t>12.08.2021</a:t>
+              <a:t>13.08.2021</a:t>
             </a:fld>
             <a:endParaRPr lang="ru-RU"/>
           </a:p>
@@ -940,7 +942,7 @@
             </a:pPr>
             <a:fld id="{F9A2CB3F-9E6C-4531-82DF-EF260906E9D5}" type="datetimeFigureOut">
               <a:rPr lang="ru-RU"/>
-              <a:t>12.08.2021</a:t>
+              <a:t>13.08.2021</a:t>
             </a:fld>
             <a:endParaRPr lang="ru-RU"/>
           </a:p>
@@ -1139,7 +1141,7 @@
             </a:pPr>
             <a:fld id="{F9A2CB3F-9E6C-4531-82DF-EF260906E9D5}" type="datetimeFigureOut">
               <a:rPr lang="ru-RU"/>
-              <a:t>12.08.2021</a:t>
+              <a:t>13.08.2021</a:t>
             </a:fld>
             <a:endParaRPr lang="ru-RU"/>
           </a:p>
@@ -1358,7 +1360,7 @@
             </a:pPr>
             <a:fld id="{1D8BD707-D9CF-40AE-B4C6-C98DA3205C09}" type="datetimeFigureOut">
               <a:rPr lang="en-US"/>
-              <a:t>8/12/2021</a:t>
+              <a:t>8/13/2021</a:t>
             </a:fld>
             <a:endParaRPr lang="en-US"/>
           </a:p>
@@ -1963,7 +1965,7 @@
             </a:pPr>
             <a:fld id="{1D8BD707-D9CF-40AE-B4C6-C98DA3205C09}" type="datetimeFigureOut">
               <a:rPr lang="en-US"/>
-              <a:t>8/12/2021</a:t>
+              <a:t>8/13/2021</a:t>
             </a:fld>
             <a:endParaRPr lang="en-US"/>
           </a:p>
@@ -2166,7 +2168,7 @@
             </a:pPr>
             <a:fld id="{1D8BD707-D9CF-40AE-B4C6-C98DA3205C09}" type="datetimeFigureOut">
               <a:rPr lang="en-US"/>
-              <a:t>8/12/2021</a:t>
+              <a:t>8/13/2021</a:t>
             </a:fld>
             <a:endParaRPr lang="en-US"/>
           </a:p>
@@ -2587,7 +2589,7 @@
             </a:pPr>
             <a:fld id="{1D8BD707-D9CF-40AE-B4C6-C98DA3205C09}" type="datetimeFigureOut">
               <a:rPr lang="en-US"/>
-              <a:t>8/12/2021</a:t>
+              <a:t>8/13/2021</a:t>
             </a:fld>
             <a:endParaRPr lang="en-US"/>
           </a:p>
@@ -2730,7 +2732,7 @@
             </a:pPr>
             <a:fld id="{1D8BD707-D9CF-40AE-B4C6-C98DA3205C09}" type="datetimeFigureOut">
               <a:rPr lang="en-US"/>
-              <a:t>8/12/2021</a:t>
+              <a:t>8/13/2021</a:t>
             </a:fld>
             <a:endParaRPr lang="en-US"/>
           </a:p>
@@ -2919,7 +2921,7 @@
             </a:pPr>
             <a:fld id="{F9A2CB3F-9E6C-4531-82DF-EF260906E9D5}" type="datetimeFigureOut">
               <a:rPr lang="ru-RU"/>
-              <a:t>12.08.2021</a:t>
+              <a:t>13.08.2021</a:t>
             </a:fld>
             <a:endParaRPr lang="ru-RU"/>
           </a:p>
@@ -3098,7 +3100,7 @@
             </a:pPr>
             <a:fld id="{1D8BD707-D9CF-40AE-B4C6-C98DA3205C09}" type="datetimeFigureOut">
               <a:rPr lang="en-US"/>
-              <a:t>8/12/2021</a:t>
+              <a:t>8/13/2021</a:t>
             </a:fld>
             <a:endParaRPr lang="en-US"/>
           </a:p>
@@ -3306,7 +3308,7 @@
             </a:pPr>
             <a:fld id="{1D8BD707-D9CF-40AE-B4C6-C98DA3205C09}" type="datetimeFigureOut">
               <a:rPr lang="en-US"/>
-              <a:t>8/12/2021</a:t>
+              <a:t>8/13/2021</a:t>
             </a:fld>
             <a:endParaRPr lang="en-US"/>
           </a:p>
@@ -3477,7 +3479,7 @@
             </a:pPr>
             <a:fld id="{1D8BD707-D9CF-40AE-B4C6-C98DA3205C09}" type="datetimeFigureOut">
               <a:rPr lang="en-US"/>
-              <a:t>8/12/2021</a:t>
+              <a:t>8/13/2021</a:t>
             </a:fld>
             <a:endParaRPr lang="en-US"/>
           </a:p>
@@ -3731,7 +3733,7 @@
             </a:pPr>
             <a:fld id="{1D8BD707-D9CF-40AE-B4C6-C98DA3205C09}" type="datetimeFigureOut">
               <a:rPr lang="en-US"/>
-              <a:t>8/12/2021</a:t>
+              <a:t>8/13/2021</a:t>
             </a:fld>
             <a:endParaRPr lang="en-US"/>
           </a:p>
@@ -3840,7 +3842,7 @@
             </a:pPr>
             <a:fld id="{1D8BD707-D9CF-40AE-B4C6-C98DA3205C09}" type="datetimeFigureOut">
               <a:rPr lang="en-US"/>
-              <a:t>8/12/2021</a:t>
+              <a:t>8/13/2021</a:t>
             </a:fld>
             <a:endParaRPr lang="en-US"/>
           </a:p>
@@ -4031,7 +4033,7 @@
             </a:pPr>
             <a:fld id="{1D8BD707-D9CF-40AE-B4C6-C98DA3205C09}" type="datetimeFigureOut">
               <a:rPr lang="en-US"/>
-              <a:t>8/12/2021</a:t>
+              <a:t>8/13/2021</a:t>
             </a:fld>
             <a:endParaRPr lang="en-US"/>
           </a:p>
@@ -4130,7 +4132,7 @@
             </a:pPr>
             <a:fld id="{1D8BD707-D9CF-40AE-B4C6-C98DA3205C09}" type="datetimeFigureOut">
               <a:rPr lang="en-US"/>
-              <a:t>8/12/2021</a:t>
+              <a:t>8/13/2021</a:t>
             </a:fld>
             <a:endParaRPr lang="en-US"/>
           </a:p>
@@ -4272,7 +4274,7 @@
             </a:pPr>
             <a:fld id="{1D8BD707-D9CF-40AE-B4C6-C98DA3205C09}" type="datetimeFigureOut">
               <a:rPr lang="en-US"/>
-              <a:t>8/12/2021</a:t>
+              <a:t>8/13/2021</a:t>
             </a:fld>
             <a:endParaRPr lang="en-US"/>
           </a:p>
@@ -4850,7 +4852,7 @@
             </a:pPr>
             <a:fld id="{F9A2CB3F-9E6C-4531-82DF-EF260906E9D5}" type="datetimeFigureOut">
               <a:rPr lang="ru-RU"/>
-              <a:t>12.08.2021</a:t>
+              <a:t>13.08.2021</a:t>
             </a:fld>
             <a:endParaRPr lang="ru-RU"/>
           </a:p>
@@ -5114,7 +5116,7 @@
             </a:pPr>
             <a:fld id="{F9A2CB3F-9E6C-4531-82DF-EF260906E9D5}" type="datetimeFigureOut">
               <a:rPr lang="ru-RU"/>
-              <a:t>12.08.2021</a:t>
+              <a:t>13.08.2021</a:t>
             </a:fld>
             <a:endParaRPr lang="ru-RU"/>
           </a:p>
@@ -5519,7 +5521,7 @@
             </a:pPr>
             <a:fld id="{F9A2CB3F-9E6C-4531-82DF-EF260906E9D5}" type="datetimeFigureOut">
               <a:rPr lang="ru-RU"/>
-              <a:t>12.08.2021</a:t>
+              <a:t>13.08.2021</a:t>
             </a:fld>
             <a:endParaRPr lang="ru-RU"/>
           </a:p>
@@ -5643,7 +5645,7 @@
             </a:pPr>
             <a:fld id="{F9A2CB3F-9E6C-4531-82DF-EF260906E9D5}" type="datetimeFigureOut">
               <a:rPr lang="ru-RU"/>
-              <a:t>12.08.2021</a:t>
+              <a:t>13.08.2021</a:t>
             </a:fld>
             <a:endParaRPr lang="ru-RU"/>
           </a:p>
@@ -5742,7 +5744,7 @@
             </a:pPr>
             <a:fld id="{F9A2CB3F-9E6C-4531-82DF-EF260906E9D5}" type="datetimeFigureOut">
               <a:rPr lang="ru-RU"/>
-              <a:t>12.08.2021</a:t>
+              <a:t>13.08.2021</a:t>
             </a:fld>
             <a:endParaRPr lang="ru-RU"/>
           </a:p>
@@ -6041,7 +6043,7 @@
             </a:pPr>
             <a:fld id="{F9A2CB3F-9E6C-4531-82DF-EF260906E9D5}" type="datetimeFigureOut">
               <a:rPr lang="ru-RU"/>
-              <a:t>12.08.2021</a:t>
+              <a:t>13.08.2021</a:t>
             </a:fld>
             <a:endParaRPr lang="ru-RU"/>
           </a:p>
@@ -6306,7 +6308,7 @@
             </a:pPr>
             <a:fld id="{F9A2CB3F-9E6C-4531-82DF-EF260906E9D5}" type="datetimeFigureOut">
               <a:rPr lang="ru-RU"/>
-              <a:t>12.08.2021</a:t>
+              <a:t>13.08.2021</a:t>
             </a:fld>
             <a:endParaRPr lang="ru-RU"/>
           </a:p>
@@ -6538,7 +6540,7 @@
             </a:pPr>
             <a:fld id="{F9A2CB3F-9E6C-4531-82DF-EF260906E9D5}" type="datetimeFigureOut">
               <a:rPr lang="ru-RU"/>
-              <a:t>12.08.2021</a:t>
+              <a:t>13.08.2021</a:t>
             </a:fld>
             <a:endParaRPr lang="ru-RU"/>
           </a:p>
@@ -7036,7 +7038,7 @@
             </a:pPr>
             <a:fld id="{1D8BD707-D9CF-40AE-B4C6-C98DA3205C09}" type="datetimeFigureOut">
               <a:rPr lang="en-US"/>
-              <a:t>8/12/2021</a:t>
+              <a:t>8/13/2021</a:t>
             </a:fld>
             <a:endParaRPr lang="en-US"/>
           </a:p>
@@ -7650,7 +7652,7 @@
           <p:cNvPr id="6" name="Рисунок 5">
             <a:extLst>
               <a:ext uri="{FF2B5EF4-FFF2-40B4-BE49-F238E27FC236}">
-                <a16:creationId xmlns="" xmlns:a16="http://schemas.microsoft.com/office/drawing/2014/main" id="{FBE6ED87-35B9-4D44-BD5E-D3A5BFABF05B}"/>
+                <a16:creationId xmlns:a16="http://schemas.microsoft.com/office/drawing/2014/main" xmlns="" id="{FBE6ED87-35B9-4D44-BD5E-D3A5BFABF05B}"/>
               </a:ext>
             </a:extLst>
           </p:cNvPr>
@@ -7679,7 +7681,7 @@
           <p:cNvPr id="7" name="TextBox 35">
             <a:extLst>
               <a:ext uri="{FF2B5EF4-FFF2-40B4-BE49-F238E27FC236}">
-                <a16:creationId xmlns="" xmlns:a16="http://schemas.microsoft.com/office/drawing/2014/main" id="{FFE5BB39-F6A6-43BC-BA7E-53FDB72933B3}"/>
+                <a16:creationId xmlns:a16="http://schemas.microsoft.com/office/drawing/2014/main" xmlns="" id="{FFE5BB39-F6A6-43BC-BA7E-53FDB72933B3}"/>
               </a:ext>
             </a:extLst>
           </p:cNvPr>
@@ -7844,7 +7846,7 @@
           <p:cNvPr id="8" name="TextBox 7">
             <a:extLst>
               <a:ext uri="{FF2B5EF4-FFF2-40B4-BE49-F238E27FC236}">
-                <a16:creationId xmlns="" xmlns:a16="http://schemas.microsoft.com/office/drawing/2014/main" id="{231DDADD-D012-4924-B434-0AFD0AB713F0}"/>
+                <a16:creationId xmlns:a16="http://schemas.microsoft.com/office/drawing/2014/main" xmlns="" id="{231DDADD-D012-4924-B434-0AFD0AB713F0}"/>
               </a:ext>
             </a:extLst>
           </p:cNvPr>
@@ -7982,7 +7984,7 @@
           <p:cNvPr id="18" name="Title 7">
             <a:extLst>
               <a:ext uri="{FF2B5EF4-FFF2-40B4-BE49-F238E27FC236}">
-                <a16:creationId xmlns="" xmlns:a16="http://schemas.microsoft.com/office/drawing/2014/main" id="{E195DE7B-42F0-4CAA-AAB0-D33DB61C53CA}"/>
+                <a16:creationId xmlns:a16="http://schemas.microsoft.com/office/drawing/2014/main" xmlns="" id="{E195DE7B-42F0-4CAA-AAB0-D33DB61C53CA}"/>
               </a:ext>
             </a:extLst>
           </p:cNvPr>
@@ -9137,7 +9139,7 @@
           <p:cNvPr id="18" name="Title 7">
             <a:extLst>
               <a:ext uri="{FF2B5EF4-FFF2-40B4-BE49-F238E27FC236}">
-                <a16:creationId xmlns="" xmlns:a16="http://schemas.microsoft.com/office/drawing/2014/main" id="{E195DE7B-42F0-4CAA-AAB0-D33DB61C53CA}"/>
+                <a16:creationId xmlns:a16="http://schemas.microsoft.com/office/drawing/2014/main" xmlns="" id="{E195DE7B-42F0-4CAA-AAB0-D33DB61C53CA}"/>
               </a:ext>
             </a:extLst>
           </p:cNvPr>
@@ -9186,7 +9188,31 @@
                   <a:srgbClr val="333F48"/>
                 </a:solidFill>
               </a:rPr>
-              <a:t>3. Функция возвращающая таблицу отчета </a:t>
+              <a:t>3. </a:t>
+            </a:r>
+            <a:r>
+              <a:rPr lang="ru-RU" sz="3200" dirty="0" smtClean="0">
+                <a:solidFill>
+                  <a:srgbClr val="333F48"/>
+                </a:solidFill>
+              </a:rPr>
+              <a:t>Основной  запрос. </a:t>
+            </a:r>
+            <a:r>
+              <a:rPr lang="ru-RU" sz="3200" dirty="0" smtClean="0">
+                <a:solidFill>
+                  <a:srgbClr val="333F48"/>
+                </a:solidFill>
+              </a:rPr>
+              <a:t>План </a:t>
+            </a:r>
+            <a:r>
+              <a:rPr lang="ru-RU" sz="3200" dirty="0" smtClean="0">
+                <a:solidFill>
+                  <a:srgbClr val="333F48"/>
+                </a:solidFill>
+              </a:rPr>
+              <a:t>Запроса </a:t>
             </a:r>
             <a:endParaRPr lang="ru-RU" sz="1200" dirty="0"/>
           </a:p>
@@ -9253,8 +9279,8 @@
         </p:nvSpPr>
         <p:spPr>
           <a:xfrm>
-            <a:off x="335360" y="725502"/>
-            <a:ext cx="5328592" cy="2631490"/>
+            <a:off x="317532" y="980728"/>
+            <a:ext cx="10369152" cy="3139321"/>
           </a:xfrm>
           <a:prstGeom prst="rect">
             <a:avLst/>
@@ -9278,262 +9304,171 @@
           <a:lstStyle/>
           <a:p>
             <a:r>
-              <a:rPr lang="ru-RU" sz="1100" dirty="0">
-                <a:latin typeface="Courier New" panose="02070309020205020404" pitchFamily="49" charset="0"/>
-                <a:cs typeface="Courier New" panose="02070309020205020404" pitchFamily="49" charset="0"/>
-              </a:rPr>
-              <a:t>------ Создаем типы данных</a:t>
-            </a:r>
-          </a:p>
-          <a:p>
-            <a:endParaRPr lang="ru-RU" sz="1100" dirty="0">
-              <a:latin typeface="Courier New" panose="02070309020205020404" pitchFamily="49" charset="0"/>
-              <a:cs typeface="Courier New" panose="02070309020205020404" pitchFamily="49" charset="0"/>
-            </a:endParaRPr>
-          </a:p>
-          <a:p>
-            <a:r>
-              <a:rPr lang="en-US" sz="1100" dirty="0">
-                <a:latin typeface="Courier New" panose="02070309020205020404" pitchFamily="49" charset="0"/>
-                <a:cs typeface="Courier New" panose="02070309020205020404" pitchFamily="49" charset="0"/>
-              </a:rPr>
-              <a:t>CREATE OR REPLACE TYPE c##</a:t>
-            </a:r>
-            <a:r>
-              <a:rPr lang="en-US" sz="1100" dirty="0" err="1">
-                <a:latin typeface="Courier New" panose="02070309020205020404" pitchFamily="49" charset="0"/>
-                <a:cs typeface="Courier New" panose="02070309020205020404" pitchFamily="49" charset="0"/>
-              </a:rPr>
-              <a:t>course.report_row</a:t>
-            </a:r>
-            <a:r>
-              <a:rPr lang="en-US" sz="1100" dirty="0">
-                <a:latin typeface="Courier New" panose="02070309020205020404" pitchFamily="49" charset="0"/>
-                <a:cs typeface="Courier New" panose="02070309020205020404" pitchFamily="49" charset="0"/>
-              </a:rPr>
-              <a:t> AS OBJECT</a:t>
-            </a:r>
-          </a:p>
-          <a:p>
-            <a:r>
-              <a:rPr lang="en-US" sz="1100" dirty="0">
-                <a:latin typeface="Courier New" panose="02070309020205020404" pitchFamily="49" charset="0"/>
-                <a:cs typeface="Courier New" panose="02070309020205020404" pitchFamily="49" charset="0"/>
-              </a:rPr>
-              <a:t>( </a:t>
-            </a:r>
-          </a:p>
-          <a:p>
-            <a:r>
-              <a:rPr lang="en-US" sz="1100" dirty="0">
-                <a:latin typeface="Courier New" panose="02070309020205020404" pitchFamily="49" charset="0"/>
-                <a:cs typeface="Courier New" panose="02070309020205020404" pitchFamily="49" charset="0"/>
-              </a:rPr>
-              <a:t>      </a:t>
-            </a:r>
-            <a:r>
-              <a:rPr lang="en-US" sz="1100" dirty="0" err="1">
-                <a:latin typeface="Courier New" panose="02070309020205020404" pitchFamily="49" charset="0"/>
-                <a:cs typeface="Courier New" panose="02070309020205020404" pitchFamily="49" charset="0"/>
-              </a:rPr>
-              <a:t>num_dog</a:t>
-            </a:r>
-            <a:r>
-              <a:rPr lang="en-US" sz="1100" dirty="0">
-                <a:latin typeface="Courier New" panose="02070309020205020404" pitchFamily="49" charset="0"/>
-                <a:cs typeface="Courier New" panose="02070309020205020404" pitchFamily="49" charset="0"/>
-              </a:rPr>
-              <a:t>             varchar2(10)</a:t>
-            </a:r>
-          </a:p>
-          <a:p>
-            <a:r>
-              <a:rPr lang="en-US" sz="1100" dirty="0">
-                <a:latin typeface="Courier New" panose="02070309020205020404" pitchFamily="49" charset="0"/>
-                <a:cs typeface="Courier New" panose="02070309020205020404" pitchFamily="49" charset="0"/>
-              </a:rPr>
-              <a:t>    , </a:t>
-            </a:r>
-            <a:r>
-              <a:rPr lang="en-US" sz="1100" dirty="0" err="1">
-                <a:latin typeface="Courier New" panose="02070309020205020404" pitchFamily="49" charset="0"/>
-                <a:cs typeface="Courier New" panose="02070309020205020404" pitchFamily="49" charset="0"/>
-              </a:rPr>
-              <a:t>cl_name</a:t>
-            </a:r>
-            <a:r>
-              <a:rPr lang="en-US" sz="1100" dirty="0">
-                <a:latin typeface="Courier New" panose="02070309020205020404" pitchFamily="49" charset="0"/>
-                <a:cs typeface="Courier New" panose="02070309020205020404" pitchFamily="49" charset="0"/>
-              </a:rPr>
-              <a:t>             varchar2(100)</a:t>
-            </a:r>
-          </a:p>
-          <a:p>
-            <a:r>
-              <a:rPr lang="en-US" sz="1100" dirty="0">
-                <a:latin typeface="Courier New" panose="02070309020205020404" pitchFamily="49" charset="0"/>
-                <a:cs typeface="Courier New" panose="02070309020205020404" pitchFamily="49" charset="0"/>
-              </a:rPr>
-              <a:t>    , </a:t>
-            </a:r>
-            <a:r>
-              <a:rPr lang="en-US" sz="1100" dirty="0" err="1">
-                <a:latin typeface="Courier New" panose="02070309020205020404" pitchFamily="49" charset="0"/>
-                <a:cs typeface="Courier New" panose="02070309020205020404" pitchFamily="49" charset="0"/>
-              </a:rPr>
-              <a:t>summa_dog</a:t>
-            </a:r>
-            <a:r>
-              <a:rPr lang="en-US" sz="1100" dirty="0">
-                <a:latin typeface="Courier New" panose="02070309020205020404" pitchFamily="49" charset="0"/>
-                <a:cs typeface="Courier New" panose="02070309020205020404" pitchFamily="49" charset="0"/>
-              </a:rPr>
-              <a:t>           number</a:t>
-            </a:r>
-          </a:p>
-          <a:p>
-            <a:r>
-              <a:rPr lang="en-US" sz="1100" dirty="0">
-                <a:latin typeface="Courier New" panose="02070309020205020404" pitchFamily="49" charset="0"/>
-                <a:cs typeface="Courier New" panose="02070309020205020404" pitchFamily="49" charset="0"/>
-              </a:rPr>
-              <a:t>    , </a:t>
-            </a:r>
-            <a:r>
-              <a:rPr lang="en-US" sz="1100" dirty="0" err="1">
-                <a:latin typeface="Courier New" panose="02070309020205020404" pitchFamily="49" charset="0"/>
-                <a:cs typeface="Courier New" panose="02070309020205020404" pitchFamily="49" charset="0"/>
-              </a:rPr>
-              <a:t>date_begin</a:t>
-            </a:r>
-            <a:r>
-              <a:rPr lang="en-US" sz="1100" dirty="0">
-                <a:latin typeface="Courier New" panose="02070309020205020404" pitchFamily="49" charset="0"/>
-                <a:cs typeface="Courier New" panose="02070309020205020404" pitchFamily="49" charset="0"/>
-              </a:rPr>
-              <a:t>          date </a:t>
-            </a:r>
-          </a:p>
-          <a:p>
-            <a:r>
-              <a:rPr lang="en-US" sz="1100" dirty="0">
-                <a:latin typeface="Courier New" panose="02070309020205020404" pitchFamily="49" charset="0"/>
-                <a:cs typeface="Courier New" panose="02070309020205020404" pitchFamily="49" charset="0"/>
-              </a:rPr>
-              <a:t>    , </a:t>
-            </a:r>
-            <a:r>
-              <a:rPr lang="en-US" sz="1100" dirty="0" err="1">
-                <a:latin typeface="Courier New" panose="02070309020205020404" pitchFamily="49" charset="0"/>
-                <a:cs typeface="Courier New" panose="02070309020205020404" pitchFamily="49" charset="0"/>
-              </a:rPr>
-              <a:t>date_end</a:t>
-            </a:r>
-            <a:r>
-              <a:rPr lang="en-US" sz="1100" dirty="0">
-                <a:latin typeface="Courier New" panose="02070309020205020404" pitchFamily="49" charset="0"/>
-                <a:cs typeface="Courier New" panose="02070309020205020404" pitchFamily="49" charset="0"/>
-              </a:rPr>
-              <a:t>            date</a:t>
-            </a:r>
-          </a:p>
-          <a:p>
-            <a:r>
-              <a:rPr lang="en-US" sz="1100" dirty="0">
-                <a:latin typeface="Courier New" panose="02070309020205020404" pitchFamily="49" charset="0"/>
-                <a:cs typeface="Courier New" panose="02070309020205020404" pitchFamily="49" charset="0"/>
-              </a:rPr>
-              <a:t>    , </a:t>
-            </a:r>
-            <a:r>
-              <a:rPr lang="en-US" sz="1100" dirty="0" err="1">
-                <a:latin typeface="Courier New" panose="02070309020205020404" pitchFamily="49" charset="0"/>
-                <a:cs typeface="Courier New" panose="02070309020205020404" pitchFamily="49" charset="0"/>
-              </a:rPr>
-              <a:t>ostat_dolg</a:t>
-            </a:r>
-            <a:r>
-              <a:rPr lang="en-US" sz="1100" dirty="0">
-                <a:latin typeface="Courier New" panose="02070309020205020404" pitchFamily="49" charset="0"/>
-                <a:cs typeface="Courier New" panose="02070309020205020404" pitchFamily="49" charset="0"/>
-              </a:rPr>
-              <a:t>          number</a:t>
-            </a:r>
-          </a:p>
-          <a:p>
-            <a:r>
-              <a:rPr lang="en-US" sz="1100" dirty="0">
-                <a:latin typeface="Courier New" panose="02070309020205020404" pitchFamily="49" charset="0"/>
-                <a:cs typeface="Courier New" panose="02070309020205020404" pitchFamily="49" charset="0"/>
-              </a:rPr>
-              <a:t>    , </a:t>
-            </a:r>
-            <a:r>
-              <a:rPr lang="en-US" sz="1100" dirty="0" err="1">
-                <a:latin typeface="Courier New" panose="02070309020205020404" pitchFamily="49" charset="0"/>
-                <a:cs typeface="Courier New" panose="02070309020205020404" pitchFamily="49" charset="0"/>
-              </a:rPr>
-              <a:t>need_pogash_percent</a:t>
-            </a:r>
-            <a:r>
-              <a:rPr lang="en-US" sz="1100" dirty="0">
-                <a:latin typeface="Courier New" panose="02070309020205020404" pitchFamily="49" charset="0"/>
-                <a:cs typeface="Courier New" panose="02070309020205020404" pitchFamily="49" charset="0"/>
-              </a:rPr>
-              <a:t> number</a:t>
-            </a:r>
-          </a:p>
-          <a:p>
-            <a:r>
-              <a:rPr lang="en-US" sz="1100" dirty="0">
-                <a:latin typeface="Courier New" panose="02070309020205020404" pitchFamily="49" charset="0"/>
-                <a:cs typeface="Courier New" panose="02070309020205020404" pitchFamily="49" charset="0"/>
-              </a:rPr>
-              <a:t>);</a:t>
-            </a:r>
-          </a:p>
-          <a:p>
-            <a:endParaRPr lang="en-US" sz="1100" dirty="0">
-              <a:latin typeface="Courier New" panose="02070309020205020404" pitchFamily="49" charset="0"/>
-              <a:cs typeface="Courier New" panose="02070309020205020404" pitchFamily="49" charset="0"/>
-            </a:endParaRPr>
-          </a:p>
-          <a:p>
-            <a:r>
-              <a:rPr lang="en-US" sz="1100" dirty="0">
-                <a:latin typeface="Courier New" panose="02070309020205020404" pitchFamily="49" charset="0"/>
-                <a:cs typeface="Courier New" panose="02070309020205020404" pitchFamily="49" charset="0"/>
-              </a:rPr>
-              <a:t>CREATE OR REPLACE TYPE c##</a:t>
-            </a:r>
-            <a:r>
-              <a:rPr lang="en-US" sz="1100" dirty="0" err="1">
-                <a:latin typeface="Courier New" panose="02070309020205020404" pitchFamily="49" charset="0"/>
-                <a:cs typeface="Courier New" panose="02070309020205020404" pitchFamily="49" charset="0"/>
-              </a:rPr>
-              <a:t>course.table_report</a:t>
-            </a:r>
-            <a:r>
-              <a:rPr lang="en-US" sz="1100" dirty="0">
-                <a:latin typeface="Courier New" panose="02070309020205020404" pitchFamily="49" charset="0"/>
-                <a:cs typeface="Courier New" panose="02070309020205020404" pitchFamily="49" charset="0"/>
-              </a:rPr>
-              <a:t> AS TABLE OF c##</a:t>
-            </a:r>
-            <a:r>
-              <a:rPr lang="en-US" sz="1100" dirty="0" err="1">
-                <a:latin typeface="Courier New" panose="02070309020205020404" pitchFamily="49" charset="0"/>
-                <a:cs typeface="Courier New" panose="02070309020205020404" pitchFamily="49" charset="0"/>
-              </a:rPr>
-              <a:t>course.report_row</a:t>
-            </a:r>
-            <a:r>
-              <a:rPr lang="en-US" sz="1100" dirty="0">
-                <a:latin typeface="Courier New" panose="02070309020205020404" pitchFamily="49" charset="0"/>
-                <a:cs typeface="Courier New" panose="02070309020205020404" pitchFamily="49" charset="0"/>
-              </a:rPr>
-              <a:t>;</a:t>
+              <a:rPr lang="en-US" sz="1100" dirty="0">
+                <a:latin typeface="Courier New" panose="02070309020205020404" pitchFamily="49" charset="0"/>
+                <a:cs typeface="Courier New" panose="02070309020205020404" pitchFamily="49" charset="0"/>
+              </a:rPr>
+              <a:t>------------------------------------------------------------------------------------------------------------------</a:t>
+            </a:r>
+          </a:p>
+          <a:p>
+            <a:r>
+              <a:rPr lang="en-US" sz="1100" dirty="0">
+                <a:latin typeface="Courier New" panose="02070309020205020404" pitchFamily="49" charset="0"/>
+                <a:cs typeface="Courier New" panose="02070309020205020404" pitchFamily="49" charset="0"/>
+              </a:rPr>
+              <a:t>| Id  | Operation                                 | Name                 | Rows  | Bytes | Cost (%CPU)| Time     |</a:t>
+            </a:r>
+          </a:p>
+          <a:p>
+            <a:r>
+              <a:rPr lang="en-US" sz="1100" dirty="0">
+                <a:latin typeface="Courier New" panose="02070309020205020404" pitchFamily="49" charset="0"/>
+                <a:cs typeface="Courier New" panose="02070309020205020404" pitchFamily="49" charset="0"/>
+              </a:rPr>
+              <a:t>------------------------------------------------------------------------------------------------------------------</a:t>
+            </a:r>
+          </a:p>
+          <a:p>
+            <a:r>
+              <a:rPr lang="en-US" sz="1100" dirty="0">
+                <a:latin typeface="Courier New" panose="02070309020205020404" pitchFamily="49" charset="0"/>
+                <a:cs typeface="Courier New" panose="02070309020205020404" pitchFamily="49" charset="0"/>
+              </a:rPr>
+              <a:t>|   0 | SELECT STATEMENT                          |                      |    14 |  2576 |    16  (19)| 00:00:01 |</a:t>
+            </a:r>
+          </a:p>
+          <a:p>
+            <a:r>
+              <a:rPr lang="en-US" sz="1100" dirty="0">
+                <a:latin typeface="Courier New" panose="02070309020205020404" pitchFamily="49" charset="0"/>
+                <a:cs typeface="Courier New" panose="02070309020205020404" pitchFamily="49" charset="0"/>
+              </a:rPr>
+              <a:t>|   1 |  SORT ORDER BY                            |                      |    14 |  2576 |    16  (19)| 00:00:01 |</a:t>
+            </a:r>
+          </a:p>
+          <a:p>
+            <a:r>
+              <a:rPr lang="en-US" sz="1100" dirty="0">
+                <a:latin typeface="Courier New" panose="02070309020205020404" pitchFamily="49" charset="0"/>
+                <a:cs typeface="Courier New" panose="02070309020205020404" pitchFamily="49" charset="0"/>
+              </a:rPr>
+              <a:t>|*  2 |   HASH JOIN                               |                      |    14 |  2576 |    15  (14)| 00:00:01 |</a:t>
+            </a:r>
+          </a:p>
+          <a:p>
+            <a:r>
+              <a:rPr lang="en-US" sz="1100" dirty="0">
+                <a:latin typeface="Courier New" panose="02070309020205020404" pitchFamily="49" charset="0"/>
+                <a:cs typeface="Courier New" panose="02070309020205020404" pitchFamily="49" charset="0"/>
+              </a:rPr>
+              <a:t>|*  3 |    HASH JOIN OUTER                        |                      |    14 |  1736 |    12  (17)| 00:00:01 |</a:t>
+            </a:r>
+          </a:p>
+          <a:p>
+            <a:r>
+              <a:rPr lang="en-US" sz="1100" dirty="0">
+                <a:latin typeface="Courier New" panose="02070309020205020404" pitchFamily="49" charset="0"/>
+                <a:cs typeface="Courier New" panose="02070309020205020404" pitchFamily="49" charset="0"/>
+              </a:rPr>
+              <a:t>|*  4 |     HASH JOIN OUTER                       |                      |    14 |  1064 |     9  (12)| 00:00:01 |</a:t>
+            </a:r>
+          </a:p>
+          <a:p>
+            <a:r>
+              <a:rPr lang="en-US" sz="1100" dirty="0">
+                <a:latin typeface="Courier New" panose="02070309020205020404" pitchFamily="49" charset="0"/>
+                <a:cs typeface="Courier New" panose="02070309020205020404" pitchFamily="49" charset="0"/>
+              </a:rPr>
+              <a:t>|*  5 |      TABLE ACCESS FULL                    | PR_CREDIT            |    14 |   756 |     3   (0)| 00:00:01 </a:t>
+            </a:r>
+            <a:r>
+              <a:rPr lang="en-US" sz="1100" dirty="0" smtClean="0">
+                <a:latin typeface="Courier New" panose="02070309020205020404" pitchFamily="49" charset="0"/>
+                <a:cs typeface="Courier New" panose="02070309020205020404" pitchFamily="49" charset="0"/>
+              </a:rPr>
+              <a:t>|</a:t>
+            </a:r>
+          </a:p>
+          <a:p>
+            <a:r>
+              <a:rPr lang="en-US" sz="1100" dirty="0">
+                <a:latin typeface="Courier New" panose="02070309020205020404" pitchFamily="49" charset="0"/>
+                <a:cs typeface="Courier New" panose="02070309020205020404" pitchFamily="49" charset="0"/>
+              </a:rPr>
+              <a:t>|   6 |      VIEW                                 |                      |    18 |   396 |     6  (17)| 00:00:01 |</a:t>
+            </a:r>
+          </a:p>
+          <a:p>
+            <a:r>
+              <a:rPr lang="en-US" sz="1100" dirty="0">
+                <a:latin typeface="Courier New" panose="02070309020205020404" pitchFamily="49" charset="0"/>
+                <a:cs typeface="Courier New" panose="02070309020205020404" pitchFamily="49" charset="0"/>
+              </a:rPr>
+              <a:t>|   7 |       HASH GROUP BY                       |                      |    18 |  1044 |     6  (17)| 00:00:01 |</a:t>
+            </a:r>
+          </a:p>
+          <a:p>
+            <a:r>
+              <a:rPr lang="en-US" sz="1100" dirty="0">
+                <a:latin typeface="Courier New" panose="02070309020205020404" pitchFamily="49" charset="0"/>
+                <a:cs typeface="Courier New" panose="02070309020205020404" pitchFamily="49" charset="0"/>
+              </a:rPr>
+              <a:t>|*  8 |        TABLE ACCESS BY INDEX ROWID BATCHED| PLAN_OPER            |    31 |  1798 |     5   (0)| 00:00:01 |</a:t>
+            </a:r>
+          </a:p>
+          <a:p>
+            <a:r>
+              <a:rPr lang="en-US" sz="1100" dirty="0">
+                <a:latin typeface="Courier New" panose="02070309020205020404" pitchFamily="49" charset="0"/>
+                <a:cs typeface="Courier New" panose="02070309020205020404" pitchFamily="49" charset="0"/>
+              </a:rPr>
+              <a:t>|*  9 |         INDEX RANGE SCAN                  | IDX_PLAN_OPER_P_DATE |    67 |       |     2   (0)| 00:00:01 |</a:t>
+            </a:r>
+          </a:p>
+          <a:p>
+            <a:r>
+              <a:rPr lang="en-US" sz="1100" dirty="0">
+                <a:latin typeface="Courier New" panose="02070309020205020404" pitchFamily="49" charset="0"/>
+                <a:cs typeface="Courier New" panose="02070309020205020404" pitchFamily="49" charset="0"/>
+              </a:rPr>
+              <a:t>|  10 |     VIEW                                  |                      |    22 |  1056 |     3  (34)| 00:00:01 |</a:t>
+            </a:r>
+          </a:p>
+          <a:p>
+            <a:r>
+              <a:rPr lang="en-US" sz="1100" dirty="0">
+                <a:latin typeface="Courier New" panose="02070309020205020404" pitchFamily="49" charset="0"/>
+                <a:cs typeface="Courier New" panose="02070309020205020404" pitchFamily="49" charset="0"/>
+              </a:rPr>
+              <a:t>|  11 |      HASH GROUP BY                        |                      |    22 |  1254 |     3  (34)| 00:00:01 |</a:t>
+            </a:r>
+          </a:p>
+          <a:p>
+            <a:r>
+              <a:rPr lang="en-US" sz="1100" dirty="0">
+                <a:latin typeface="Courier New" panose="02070309020205020404" pitchFamily="49" charset="0"/>
+                <a:cs typeface="Courier New" panose="02070309020205020404" pitchFamily="49" charset="0"/>
+              </a:rPr>
+              <a:t>|  12 |       TABLE ACCESS BY INDEX ROWID BATCHED | FACT_OPER            |    66 |  3762 |     2   (0)| 00:00:01 |</a:t>
+            </a:r>
+          </a:p>
+          <a:p>
+            <a:r>
+              <a:rPr lang="en-US" sz="1100" dirty="0">
+                <a:latin typeface="Courier New" panose="02070309020205020404" pitchFamily="49" charset="0"/>
+                <a:cs typeface="Courier New" panose="02070309020205020404" pitchFamily="49" charset="0"/>
+              </a:rPr>
+              <a:t>|* 13 |        INDEX RANGE SCAN                   | IDX_FACT_OPER_F_DATE |    66 |       |     1   (0)| 00:00:01 |</a:t>
+            </a:r>
+          </a:p>
+          <a:p>
+            <a:r>
+              <a:rPr lang="en-US" sz="1100" dirty="0">
+                <a:latin typeface="Courier New" panose="02070309020205020404" pitchFamily="49" charset="0"/>
+                <a:cs typeface="Courier New" panose="02070309020205020404" pitchFamily="49" charset="0"/>
+              </a:rPr>
+              <a:t>|  14 |    TABLE ACCESS FULL                      | CLIENT               |    24 |  1440 |     3   (0)| 00:00:01 |</a:t>
             </a:r>
           </a:p>
         </p:txBody>
@@ -9546,8 +9481,8 @@
         </p:nvSpPr>
         <p:spPr bwMode="auto">
           <a:xfrm>
-            <a:off x="267299" y="6268274"/>
-            <a:ext cx="10657184" cy="276999"/>
+            <a:off x="307850" y="6309320"/>
+            <a:ext cx="10657184" cy="461665"/>
           </a:xfrm>
           <a:prstGeom prst="rect">
             <a:avLst/>
@@ -9561,7 +9496,7 @@
           <a:lstStyle/>
           <a:p>
             <a:r>
-              <a:rPr lang="en-US" sz="1200" dirty="0" smtClean="0">
+              <a:rPr lang="en-US" sz="1200" smtClean="0">
                 <a:solidFill>
                   <a:schemeClr val="tx2">
                     <a:lumMod val="60000"/>
@@ -9570,7 +9505,7 @@
                 </a:solidFill>
                 <a:hlinkClick r:id="rId2"/>
               </a:rPr>
-              <a:t>https://github.com/AndrSor/Course_PLSQL_SB/blob/main/Course%20Work/03.1.FUNCTION%20fn_get_report.sql</a:t>
+              <a:t>https://github.com/AndrSor/Course_PLSQL_SB/blob/main/Course%20Work/03.4.%D0%9F%D0%BB%D0%B0%D0%BD%20%D0%B7%D0%B0%D0%BF%D1%80%D0%BE%D1%81%D0%B0.sql</a:t>
             </a:r>
             <a:endParaRPr lang="ru-RU" sz="1200" dirty="0">
               <a:solidFill>
@@ -9621,818 +9556,10 @@
           </a:p>
         </p:txBody>
       </p:sp>
-      <p:pic>
-        <p:nvPicPr>
-          <p:cNvPr id="2" name="Рисунок 1"/>
-          <p:cNvPicPr>
-            <a:picLocks noChangeAspect="1"/>
-          </p:cNvPicPr>
-          <p:nvPr/>
-        </p:nvPicPr>
-        <p:blipFill>
-          <a:blip r:embed="rId3"/>
-          <a:stretch>
-            <a:fillRect/>
-          </a:stretch>
-        </p:blipFill>
-        <p:spPr>
-          <a:xfrm>
-            <a:off x="263352" y="3747994"/>
-            <a:ext cx="5760640" cy="1769238"/>
-          </a:xfrm>
-          <a:prstGeom prst="rect">
-            <a:avLst/>
-          </a:prstGeom>
-        </p:spPr>
-      </p:pic>
-      <p:sp>
-        <p:nvSpPr>
-          <p:cNvPr id="7" name="TextBox 6"/>
-          <p:cNvSpPr txBox="1"/>
-          <p:nvPr/>
-        </p:nvSpPr>
-        <p:spPr>
-          <a:xfrm>
-            <a:off x="5879976" y="728112"/>
-            <a:ext cx="6120680" cy="5509200"/>
-          </a:xfrm>
-          <a:prstGeom prst="rect">
-            <a:avLst/>
-          </a:prstGeom>
-          <a:solidFill>
-            <a:schemeClr val="accent2">
-              <a:lumMod val="20000"/>
-              <a:lumOff val="80000"/>
-            </a:schemeClr>
-          </a:solidFill>
-          <a:ln>
-            <a:solidFill>
-              <a:schemeClr val="accent1"/>
-            </a:solidFill>
-          </a:ln>
-        </p:spPr>
-        <p:txBody>
-          <a:bodyPr wrap="square" rtlCol="0">
-            <a:spAutoFit/>
-          </a:bodyPr>
-          <a:lstStyle/>
-          <a:p>
-            <a:r>
-              <a:rPr lang="en-US" sz="1100" dirty="0">
-                <a:latin typeface="Courier New" panose="02070309020205020404" pitchFamily="49" charset="0"/>
-                <a:cs typeface="Courier New" panose="02070309020205020404" pitchFamily="49" charset="0"/>
-              </a:rPr>
-              <a:t>CREATE OR REPLACE FUNCTION c##</a:t>
-            </a:r>
-            <a:r>
-              <a:rPr lang="en-US" sz="1100" dirty="0" err="1">
-                <a:latin typeface="Courier New" panose="02070309020205020404" pitchFamily="49" charset="0"/>
-                <a:cs typeface="Courier New" panose="02070309020205020404" pitchFamily="49" charset="0"/>
-              </a:rPr>
-              <a:t>course.fn_get_report</a:t>
-            </a:r>
-            <a:r>
-              <a:rPr lang="en-US" sz="1100" dirty="0">
-                <a:latin typeface="Courier New" panose="02070309020205020404" pitchFamily="49" charset="0"/>
-                <a:cs typeface="Courier New" panose="02070309020205020404" pitchFamily="49" charset="0"/>
-              </a:rPr>
-              <a:t> (</a:t>
-            </a:r>
-            <a:r>
-              <a:rPr lang="en-US" sz="1100" dirty="0" err="1">
-                <a:latin typeface="Courier New" panose="02070309020205020404" pitchFamily="49" charset="0"/>
-                <a:cs typeface="Courier New" panose="02070309020205020404" pitchFamily="49" charset="0"/>
-              </a:rPr>
-              <a:t>report_dt</a:t>
-            </a:r>
-            <a:r>
-              <a:rPr lang="en-US" sz="1100" dirty="0">
-                <a:latin typeface="Courier New" panose="02070309020205020404" pitchFamily="49" charset="0"/>
-                <a:cs typeface="Courier New" panose="02070309020205020404" pitchFamily="49" charset="0"/>
-              </a:rPr>
-              <a:t> DATE)</a:t>
-            </a:r>
-          </a:p>
-          <a:p>
-            <a:r>
-              <a:rPr lang="en-US" sz="1100" dirty="0">
-                <a:latin typeface="Courier New" panose="02070309020205020404" pitchFamily="49" charset="0"/>
-                <a:cs typeface="Courier New" panose="02070309020205020404" pitchFamily="49" charset="0"/>
-              </a:rPr>
-              <a:t>    RETURN c##</a:t>
-            </a:r>
-            <a:r>
-              <a:rPr lang="en-US" sz="1100" dirty="0" err="1">
-                <a:latin typeface="Courier New" panose="02070309020205020404" pitchFamily="49" charset="0"/>
-                <a:cs typeface="Courier New" panose="02070309020205020404" pitchFamily="49" charset="0"/>
-              </a:rPr>
-              <a:t>course.table_report</a:t>
-            </a:r>
-            <a:r>
-              <a:rPr lang="en-US" sz="1100" dirty="0">
-                <a:latin typeface="Courier New" panose="02070309020205020404" pitchFamily="49" charset="0"/>
-                <a:cs typeface="Courier New" panose="02070309020205020404" pitchFamily="49" charset="0"/>
-              </a:rPr>
-              <a:t> PIPELINED</a:t>
-            </a:r>
-          </a:p>
-          <a:p>
-            <a:r>
-              <a:rPr lang="en-US" sz="1100" dirty="0">
-                <a:latin typeface="Courier New" panose="02070309020205020404" pitchFamily="49" charset="0"/>
-                <a:cs typeface="Courier New" panose="02070309020205020404" pitchFamily="49" charset="0"/>
-              </a:rPr>
-              <a:t>    -- </a:t>
-            </a:r>
-            <a:r>
-              <a:rPr lang="ru-RU" sz="1100" dirty="0">
-                <a:latin typeface="Courier New" panose="02070309020205020404" pitchFamily="49" charset="0"/>
-                <a:cs typeface="Courier New" panose="02070309020205020404" pitchFamily="49" charset="0"/>
-              </a:rPr>
-              <a:t>Атрибут </a:t>
-            </a:r>
-            <a:r>
-              <a:rPr lang="en-US" sz="1100" dirty="0">
-                <a:latin typeface="Courier New" panose="02070309020205020404" pitchFamily="49" charset="0"/>
-                <a:cs typeface="Courier New" panose="02070309020205020404" pitchFamily="49" charset="0"/>
-              </a:rPr>
-              <a:t>pipelined </a:t>
-            </a:r>
-            <a:r>
-              <a:rPr lang="ru-RU" sz="1100" dirty="0">
-                <a:latin typeface="Courier New" panose="02070309020205020404" pitchFamily="49" charset="0"/>
-                <a:cs typeface="Courier New" panose="02070309020205020404" pitchFamily="49" charset="0"/>
-              </a:rPr>
-              <a:t>означает, что функция является конвейерной, результат возвращается клиенту немедленно при вызове директивы </a:t>
-            </a:r>
-            <a:r>
-              <a:rPr lang="en-US" sz="1100" dirty="0">
-                <a:latin typeface="Courier New" panose="02070309020205020404" pitchFamily="49" charset="0"/>
-                <a:cs typeface="Courier New" panose="02070309020205020404" pitchFamily="49" charset="0"/>
-              </a:rPr>
-              <a:t>pipe row, </a:t>
-            </a:r>
-          </a:p>
-          <a:p>
-            <a:r>
-              <a:rPr lang="en-US" sz="1100" dirty="0">
-                <a:latin typeface="Courier New" panose="02070309020205020404" pitchFamily="49" charset="0"/>
-                <a:cs typeface="Courier New" panose="02070309020205020404" pitchFamily="49" charset="0"/>
-              </a:rPr>
-              <a:t>    -- </a:t>
-            </a:r>
-            <a:r>
-              <a:rPr lang="ru-RU" sz="1100" dirty="0">
-                <a:latin typeface="Courier New" panose="02070309020205020404" pitchFamily="49" charset="0"/>
-                <a:cs typeface="Courier New" panose="02070309020205020404" pitchFamily="49" charset="0"/>
-              </a:rPr>
-              <a:t>поэтому оператор </a:t>
-            </a:r>
-            <a:r>
-              <a:rPr lang="en-US" sz="1100" dirty="0">
-                <a:latin typeface="Courier New" panose="02070309020205020404" pitchFamily="49" charset="0"/>
-                <a:cs typeface="Courier New" panose="02070309020205020404" pitchFamily="49" charset="0"/>
-              </a:rPr>
-              <a:t>return </a:t>
-            </a:r>
-            <a:r>
-              <a:rPr lang="ru-RU" sz="1100" dirty="0">
-                <a:latin typeface="Courier New" panose="02070309020205020404" pitchFamily="49" charset="0"/>
-                <a:cs typeface="Courier New" panose="02070309020205020404" pitchFamily="49" charset="0"/>
-              </a:rPr>
-              <a:t>необязателен.</a:t>
-            </a:r>
-          </a:p>
-          <a:p>
-            <a:r>
-              <a:rPr lang="ru-RU" sz="1100" dirty="0">
-                <a:latin typeface="Courier New" panose="02070309020205020404" pitchFamily="49" charset="0"/>
-                <a:cs typeface="Courier New" panose="02070309020205020404" pitchFamily="49" charset="0"/>
-              </a:rPr>
-              <a:t>    </a:t>
-            </a:r>
-            <a:r>
-              <a:rPr lang="en-US" sz="1100" dirty="0">
-                <a:latin typeface="Courier New" panose="02070309020205020404" pitchFamily="49" charset="0"/>
-                <a:cs typeface="Courier New" panose="02070309020205020404" pitchFamily="49" charset="0"/>
-              </a:rPr>
-              <a:t>AS</a:t>
-            </a:r>
-          </a:p>
-          <a:p>
-            <a:r>
-              <a:rPr lang="en-US" sz="1100" dirty="0">
-                <a:latin typeface="Courier New" panose="02070309020205020404" pitchFamily="49" charset="0"/>
-                <a:cs typeface="Courier New" panose="02070309020205020404" pitchFamily="49" charset="0"/>
-              </a:rPr>
-              <a:t>        </a:t>
-            </a:r>
-            <a:r>
-              <a:rPr lang="en-US" sz="1100" dirty="0" err="1">
-                <a:latin typeface="Courier New" panose="02070309020205020404" pitchFamily="49" charset="0"/>
-                <a:cs typeface="Courier New" panose="02070309020205020404" pitchFamily="49" charset="0"/>
-              </a:rPr>
-              <a:t>result_table_report</a:t>
-            </a:r>
-            <a:r>
-              <a:rPr lang="en-US" sz="1100" dirty="0">
-                <a:latin typeface="Courier New" panose="02070309020205020404" pitchFamily="49" charset="0"/>
-                <a:cs typeface="Courier New" panose="02070309020205020404" pitchFamily="49" charset="0"/>
-              </a:rPr>
-              <a:t> c##</a:t>
-            </a:r>
-            <a:r>
-              <a:rPr lang="en-US" sz="1100" dirty="0" err="1">
-                <a:latin typeface="Courier New" panose="02070309020205020404" pitchFamily="49" charset="0"/>
-                <a:cs typeface="Courier New" panose="02070309020205020404" pitchFamily="49" charset="0"/>
-              </a:rPr>
-              <a:t>course.table_report</a:t>
-            </a:r>
-            <a:r>
-              <a:rPr lang="en-US" sz="1100" dirty="0">
-                <a:latin typeface="Courier New" panose="02070309020205020404" pitchFamily="49" charset="0"/>
-                <a:cs typeface="Courier New" panose="02070309020205020404" pitchFamily="49" charset="0"/>
-              </a:rPr>
-              <a:t>;</a:t>
-            </a:r>
-          </a:p>
-          <a:p>
-            <a:r>
-              <a:rPr lang="en-US" sz="1100" dirty="0">
-                <a:latin typeface="Courier New" panose="02070309020205020404" pitchFamily="49" charset="0"/>
-                <a:cs typeface="Courier New" panose="02070309020205020404" pitchFamily="49" charset="0"/>
-              </a:rPr>
-              <a:t>BEGIN</a:t>
-            </a:r>
-          </a:p>
-          <a:p>
-            <a:endParaRPr lang="en-US" sz="1100" dirty="0">
-              <a:latin typeface="Courier New" panose="02070309020205020404" pitchFamily="49" charset="0"/>
-              <a:cs typeface="Courier New" panose="02070309020205020404" pitchFamily="49" charset="0"/>
-            </a:endParaRPr>
-          </a:p>
-          <a:p>
-            <a:r>
-              <a:rPr lang="en-US" sz="1100" dirty="0">
-                <a:latin typeface="Courier New" panose="02070309020205020404" pitchFamily="49" charset="0"/>
-                <a:cs typeface="Courier New" panose="02070309020205020404" pitchFamily="49" charset="0"/>
-              </a:rPr>
-              <a:t>SELECT </a:t>
-            </a:r>
-          </a:p>
-          <a:p>
-            <a:r>
-              <a:rPr lang="en-US" sz="1100" dirty="0">
-                <a:latin typeface="Courier New" panose="02070309020205020404" pitchFamily="49" charset="0"/>
-                <a:cs typeface="Courier New" panose="02070309020205020404" pitchFamily="49" charset="0"/>
-              </a:rPr>
-              <a:t>    </a:t>
-            </a:r>
-            <a:r>
-              <a:rPr lang="en-US" sz="1100" dirty="0" smtClean="0">
-                <a:latin typeface="Courier New" panose="02070309020205020404" pitchFamily="49" charset="0"/>
-                <a:cs typeface="Courier New" panose="02070309020205020404" pitchFamily="49" charset="0"/>
-              </a:rPr>
-              <a:t>c</a:t>
-            </a:r>
-            <a:r>
-              <a:rPr lang="en-US" sz="1100" dirty="0">
-                <a:latin typeface="Courier New" panose="02070309020205020404" pitchFamily="49" charset="0"/>
-                <a:cs typeface="Courier New" panose="02070309020205020404" pitchFamily="49" charset="0"/>
-              </a:rPr>
-              <a:t>##</a:t>
-            </a:r>
-            <a:r>
-              <a:rPr lang="en-US" sz="1100" dirty="0" err="1">
-                <a:latin typeface="Courier New" panose="02070309020205020404" pitchFamily="49" charset="0"/>
-                <a:cs typeface="Courier New" panose="02070309020205020404" pitchFamily="49" charset="0"/>
-              </a:rPr>
-              <a:t>course.report_row</a:t>
-            </a:r>
-            <a:endParaRPr lang="en-US" sz="1100" dirty="0">
-              <a:latin typeface="Courier New" panose="02070309020205020404" pitchFamily="49" charset="0"/>
-              <a:cs typeface="Courier New" panose="02070309020205020404" pitchFamily="49" charset="0"/>
-            </a:endParaRPr>
-          </a:p>
-          <a:p>
-            <a:r>
-              <a:rPr lang="en-US" sz="1100" dirty="0">
-                <a:latin typeface="Courier New" panose="02070309020205020404" pitchFamily="49" charset="0"/>
-                <a:cs typeface="Courier New" panose="02070309020205020404" pitchFamily="49" charset="0"/>
-              </a:rPr>
-              <a:t>    </a:t>
-            </a:r>
-            <a:r>
-              <a:rPr lang="en-US" sz="1100" dirty="0" smtClean="0">
-                <a:latin typeface="Courier New" panose="02070309020205020404" pitchFamily="49" charset="0"/>
-                <a:cs typeface="Courier New" panose="02070309020205020404" pitchFamily="49" charset="0"/>
-              </a:rPr>
-              <a:t>(</a:t>
-            </a:r>
-            <a:endParaRPr lang="en-US" sz="1100" dirty="0">
-              <a:latin typeface="Courier New" panose="02070309020205020404" pitchFamily="49" charset="0"/>
-              <a:cs typeface="Courier New" panose="02070309020205020404" pitchFamily="49" charset="0"/>
-            </a:endParaRPr>
-          </a:p>
-          <a:p>
-            <a:r>
-              <a:rPr lang="en-US" sz="1100" dirty="0">
-                <a:latin typeface="Courier New" panose="02070309020205020404" pitchFamily="49" charset="0"/>
-                <a:cs typeface="Courier New" panose="02070309020205020404" pitchFamily="49" charset="0"/>
-              </a:rPr>
-              <a:t>    </a:t>
-            </a:r>
-            <a:r>
-              <a:rPr lang="en-US" sz="1100" dirty="0" smtClean="0">
-                <a:latin typeface="Courier New" panose="02070309020205020404" pitchFamily="49" charset="0"/>
-                <a:cs typeface="Courier New" panose="02070309020205020404" pitchFamily="49" charset="0"/>
-              </a:rPr>
-              <a:t>   </a:t>
-            </a:r>
-            <a:r>
-              <a:rPr lang="en-US" sz="1100" dirty="0" err="1">
-                <a:latin typeface="Courier New" panose="02070309020205020404" pitchFamily="49" charset="0"/>
-                <a:cs typeface="Courier New" panose="02070309020205020404" pitchFamily="49" charset="0"/>
-              </a:rPr>
-              <a:t>dog.num_dog</a:t>
-            </a:r>
-            <a:endParaRPr lang="en-US" sz="1100" dirty="0">
-              <a:latin typeface="Courier New" panose="02070309020205020404" pitchFamily="49" charset="0"/>
-              <a:cs typeface="Courier New" panose="02070309020205020404" pitchFamily="49" charset="0"/>
-            </a:endParaRPr>
-          </a:p>
-          <a:p>
-            <a:r>
-              <a:rPr lang="en-US" sz="1100" dirty="0">
-                <a:latin typeface="Courier New" panose="02070309020205020404" pitchFamily="49" charset="0"/>
-                <a:cs typeface="Courier New" panose="02070309020205020404" pitchFamily="49" charset="0"/>
-              </a:rPr>
-              <a:t>    </a:t>
-            </a:r>
-            <a:r>
-              <a:rPr lang="en-US" sz="1100" dirty="0" smtClean="0">
-                <a:latin typeface="Courier New" panose="02070309020205020404" pitchFamily="49" charset="0"/>
-                <a:cs typeface="Courier New" panose="02070309020205020404" pitchFamily="49" charset="0"/>
-              </a:rPr>
-              <a:t> </a:t>
-            </a:r>
-            <a:r>
-              <a:rPr lang="en-US" sz="1100" dirty="0">
-                <a:latin typeface="Courier New" panose="02070309020205020404" pitchFamily="49" charset="0"/>
-                <a:cs typeface="Courier New" panose="02070309020205020404" pitchFamily="49" charset="0"/>
-              </a:rPr>
-              <a:t>, </a:t>
-            </a:r>
-            <a:r>
-              <a:rPr lang="en-US" sz="1100" dirty="0" err="1">
-                <a:latin typeface="Courier New" panose="02070309020205020404" pitchFamily="49" charset="0"/>
-                <a:cs typeface="Courier New" panose="02070309020205020404" pitchFamily="49" charset="0"/>
-              </a:rPr>
-              <a:t>cli.cl_name</a:t>
-            </a:r>
-            <a:endParaRPr lang="en-US" sz="1100" dirty="0">
-              <a:latin typeface="Courier New" panose="02070309020205020404" pitchFamily="49" charset="0"/>
-              <a:cs typeface="Courier New" panose="02070309020205020404" pitchFamily="49" charset="0"/>
-            </a:endParaRPr>
-          </a:p>
-          <a:p>
-            <a:r>
-              <a:rPr lang="en-US" sz="1100" dirty="0">
-                <a:latin typeface="Courier New" panose="02070309020205020404" pitchFamily="49" charset="0"/>
-                <a:cs typeface="Courier New" panose="02070309020205020404" pitchFamily="49" charset="0"/>
-              </a:rPr>
-              <a:t>    </a:t>
-            </a:r>
-            <a:r>
-              <a:rPr lang="en-US" sz="1100" dirty="0" smtClean="0">
-                <a:latin typeface="Courier New" panose="02070309020205020404" pitchFamily="49" charset="0"/>
-                <a:cs typeface="Courier New" panose="02070309020205020404" pitchFamily="49" charset="0"/>
-              </a:rPr>
-              <a:t> </a:t>
-            </a:r>
-            <a:r>
-              <a:rPr lang="en-US" sz="1100" dirty="0">
-                <a:latin typeface="Courier New" panose="02070309020205020404" pitchFamily="49" charset="0"/>
-                <a:cs typeface="Courier New" panose="02070309020205020404" pitchFamily="49" charset="0"/>
-              </a:rPr>
-              <a:t>, </a:t>
-            </a:r>
-            <a:r>
-              <a:rPr lang="en-US" sz="1100" dirty="0" err="1">
-                <a:latin typeface="Courier New" panose="02070309020205020404" pitchFamily="49" charset="0"/>
-                <a:cs typeface="Courier New" panose="02070309020205020404" pitchFamily="49" charset="0"/>
-              </a:rPr>
-              <a:t>dog.summa_dog</a:t>
-            </a:r>
-            <a:endParaRPr lang="en-US" sz="1100" dirty="0">
-              <a:latin typeface="Courier New" panose="02070309020205020404" pitchFamily="49" charset="0"/>
-              <a:cs typeface="Courier New" panose="02070309020205020404" pitchFamily="49" charset="0"/>
-            </a:endParaRPr>
-          </a:p>
-          <a:p>
-            <a:r>
-              <a:rPr lang="en-US" sz="1100" dirty="0">
-                <a:latin typeface="Courier New" panose="02070309020205020404" pitchFamily="49" charset="0"/>
-                <a:cs typeface="Courier New" panose="02070309020205020404" pitchFamily="49" charset="0"/>
-              </a:rPr>
-              <a:t>    </a:t>
-            </a:r>
-            <a:r>
-              <a:rPr lang="en-US" sz="1100" dirty="0" smtClean="0">
-                <a:latin typeface="Courier New" panose="02070309020205020404" pitchFamily="49" charset="0"/>
-                <a:cs typeface="Courier New" panose="02070309020205020404" pitchFamily="49" charset="0"/>
-              </a:rPr>
-              <a:t> </a:t>
-            </a:r>
-            <a:r>
-              <a:rPr lang="en-US" sz="1100" dirty="0">
-                <a:latin typeface="Courier New" panose="02070309020205020404" pitchFamily="49" charset="0"/>
-                <a:cs typeface="Courier New" panose="02070309020205020404" pitchFamily="49" charset="0"/>
-              </a:rPr>
-              <a:t>, </a:t>
-            </a:r>
-            <a:r>
-              <a:rPr lang="en-US" sz="1100" dirty="0" err="1">
-                <a:latin typeface="Courier New" panose="02070309020205020404" pitchFamily="49" charset="0"/>
-                <a:cs typeface="Courier New" panose="02070309020205020404" pitchFamily="49" charset="0"/>
-              </a:rPr>
-              <a:t>dog.date_begin</a:t>
-            </a:r>
-            <a:endParaRPr lang="en-US" sz="1100" dirty="0">
-              <a:latin typeface="Courier New" panose="02070309020205020404" pitchFamily="49" charset="0"/>
-              <a:cs typeface="Courier New" panose="02070309020205020404" pitchFamily="49" charset="0"/>
-            </a:endParaRPr>
-          </a:p>
-          <a:p>
-            <a:r>
-              <a:rPr lang="en-US" sz="1100" dirty="0">
-                <a:latin typeface="Courier New" panose="02070309020205020404" pitchFamily="49" charset="0"/>
-                <a:cs typeface="Courier New" panose="02070309020205020404" pitchFamily="49" charset="0"/>
-              </a:rPr>
-              <a:t>    </a:t>
-            </a:r>
-            <a:r>
-              <a:rPr lang="en-US" sz="1100" dirty="0" smtClean="0">
-                <a:latin typeface="Courier New" panose="02070309020205020404" pitchFamily="49" charset="0"/>
-                <a:cs typeface="Courier New" panose="02070309020205020404" pitchFamily="49" charset="0"/>
-              </a:rPr>
-              <a:t> </a:t>
-            </a:r>
-            <a:r>
-              <a:rPr lang="en-US" sz="1100" dirty="0">
-                <a:latin typeface="Courier New" panose="02070309020205020404" pitchFamily="49" charset="0"/>
-                <a:cs typeface="Courier New" panose="02070309020205020404" pitchFamily="49" charset="0"/>
-              </a:rPr>
-              <a:t>, </a:t>
-            </a:r>
-            <a:r>
-              <a:rPr lang="en-US" sz="1100" dirty="0" err="1">
-                <a:latin typeface="Courier New" panose="02070309020205020404" pitchFamily="49" charset="0"/>
-                <a:cs typeface="Courier New" panose="02070309020205020404" pitchFamily="49" charset="0"/>
-              </a:rPr>
-              <a:t>dog.date_end</a:t>
-            </a:r>
-            <a:endParaRPr lang="en-US" sz="1100" dirty="0">
-              <a:latin typeface="Courier New" panose="02070309020205020404" pitchFamily="49" charset="0"/>
-              <a:cs typeface="Courier New" panose="02070309020205020404" pitchFamily="49" charset="0"/>
-            </a:endParaRPr>
-          </a:p>
-          <a:p>
-            <a:r>
-              <a:rPr lang="ru-RU" sz="1100" dirty="0" smtClean="0">
-                <a:latin typeface="Courier New" panose="02070309020205020404" pitchFamily="49" charset="0"/>
-                <a:cs typeface="Courier New" panose="02070309020205020404" pitchFamily="49" charset="0"/>
-              </a:rPr>
-              <a:t>     -- </a:t>
-            </a:r>
-            <a:r>
-              <a:rPr lang="ru-RU" sz="1100" dirty="0">
-                <a:latin typeface="Courier New" panose="02070309020205020404" pitchFamily="49" charset="0"/>
-                <a:cs typeface="Courier New" panose="02070309020205020404" pitchFamily="49" charset="0"/>
-              </a:rPr>
-              <a:t>Остаток ссудной задолженности </a:t>
-            </a:r>
-          </a:p>
-          <a:p>
-            <a:r>
-              <a:rPr lang="ru-RU" sz="1100" dirty="0">
-                <a:latin typeface="Courier New" panose="02070309020205020404" pitchFamily="49" charset="0"/>
-                <a:cs typeface="Courier New" panose="02070309020205020404" pitchFamily="49" charset="0"/>
-              </a:rPr>
-              <a:t>     </a:t>
-            </a:r>
-            <a:r>
-              <a:rPr lang="ru-RU" sz="1100" dirty="0" smtClean="0">
-                <a:latin typeface="Courier New" panose="02070309020205020404" pitchFamily="49" charset="0"/>
-                <a:cs typeface="Courier New" panose="02070309020205020404" pitchFamily="49" charset="0"/>
-              </a:rPr>
-              <a:t>, </a:t>
-            </a:r>
-            <a:r>
-              <a:rPr lang="en-US" sz="1100" dirty="0" err="1">
-                <a:latin typeface="Courier New" panose="02070309020205020404" pitchFamily="49" charset="0"/>
-                <a:cs typeface="Courier New" panose="02070309020205020404" pitchFamily="49" charset="0"/>
-              </a:rPr>
-              <a:t>sum_fact.sum_vidano</a:t>
-            </a:r>
-            <a:r>
-              <a:rPr lang="en-US" sz="1100" dirty="0">
-                <a:latin typeface="Courier New" panose="02070309020205020404" pitchFamily="49" charset="0"/>
-                <a:cs typeface="Courier New" panose="02070309020205020404" pitchFamily="49" charset="0"/>
-              </a:rPr>
-              <a:t> - NVL(sum_fact.sum_pogasheno,0)</a:t>
-            </a:r>
-          </a:p>
-          <a:p>
-            <a:r>
-              <a:rPr lang="en-US" sz="1100" dirty="0">
-                <a:latin typeface="Courier New" panose="02070309020205020404" pitchFamily="49" charset="0"/>
-                <a:cs typeface="Courier New" panose="02070309020205020404" pitchFamily="49" charset="0"/>
-              </a:rPr>
-              <a:t>     </a:t>
-            </a:r>
-            <a:r>
-              <a:rPr lang="en-US" sz="1100" dirty="0" smtClean="0">
-                <a:latin typeface="Courier New" panose="02070309020205020404" pitchFamily="49" charset="0"/>
-                <a:cs typeface="Courier New" panose="02070309020205020404" pitchFamily="49" charset="0"/>
-              </a:rPr>
-              <a:t>-- </a:t>
-            </a:r>
-            <a:r>
-              <a:rPr lang="ru-RU" sz="1100" dirty="0">
-                <a:latin typeface="Courier New" panose="02070309020205020404" pitchFamily="49" charset="0"/>
-                <a:cs typeface="Courier New" panose="02070309020205020404" pitchFamily="49" charset="0"/>
-              </a:rPr>
-              <a:t>Сумма предстоящих процентов к </a:t>
-            </a:r>
-            <a:r>
-              <a:rPr lang="ru-RU" sz="1100" dirty="0" smtClean="0">
-                <a:latin typeface="Courier New" panose="02070309020205020404" pitchFamily="49" charset="0"/>
-                <a:cs typeface="Courier New" panose="02070309020205020404" pitchFamily="49" charset="0"/>
-              </a:rPr>
-              <a:t>погашению</a:t>
-            </a:r>
-          </a:p>
-          <a:p>
-            <a:r>
-              <a:rPr lang="ru-RU" sz="1100" dirty="0" smtClean="0">
-                <a:latin typeface="Courier New" panose="02070309020205020404" pitchFamily="49" charset="0"/>
-                <a:cs typeface="Courier New" panose="02070309020205020404" pitchFamily="49" charset="0"/>
-              </a:rPr>
-              <a:t>     </a:t>
-            </a:r>
-            <a:r>
-              <a:rPr lang="en-US" sz="1100" dirty="0" smtClean="0">
-                <a:latin typeface="Courier New" panose="02070309020205020404" pitchFamily="49" charset="0"/>
-                <a:cs typeface="Courier New" panose="02070309020205020404" pitchFamily="49" charset="0"/>
-              </a:rPr>
-              <a:t>NVL(sum_pogasheno_percent_plan.sum_pogasheno_percent_plan,0</a:t>
-            </a:r>
-            <a:r>
-              <a:rPr lang="en-US" sz="1100" dirty="0">
-                <a:latin typeface="Courier New" panose="02070309020205020404" pitchFamily="49" charset="0"/>
-                <a:cs typeface="Courier New" panose="02070309020205020404" pitchFamily="49" charset="0"/>
-              </a:rPr>
-              <a:t>) </a:t>
-            </a:r>
-            <a:r>
-              <a:rPr lang="en-US" sz="1100" dirty="0" smtClean="0">
-                <a:latin typeface="Courier New" panose="02070309020205020404" pitchFamily="49" charset="0"/>
-                <a:cs typeface="Courier New" panose="02070309020205020404" pitchFamily="49" charset="0"/>
-              </a:rPr>
-              <a:t>–</a:t>
-            </a:r>
-            <a:endParaRPr lang="ru-RU" sz="1100" dirty="0" smtClean="0">
-              <a:latin typeface="Courier New" panose="02070309020205020404" pitchFamily="49" charset="0"/>
-              <a:cs typeface="Courier New" panose="02070309020205020404" pitchFamily="49" charset="0"/>
-            </a:endParaRPr>
-          </a:p>
-          <a:p>
-            <a:r>
-              <a:rPr lang="ru-RU" sz="1100" dirty="0" smtClean="0">
-                <a:latin typeface="Courier New" panose="02070309020205020404" pitchFamily="49" charset="0"/>
-                <a:cs typeface="Courier New" panose="02070309020205020404" pitchFamily="49" charset="0"/>
-              </a:rPr>
-              <a:t>     </a:t>
-            </a:r>
-            <a:r>
-              <a:rPr lang="en-US" sz="1100" dirty="0" smtClean="0">
-                <a:latin typeface="Courier New" panose="02070309020205020404" pitchFamily="49" charset="0"/>
-                <a:cs typeface="Courier New" panose="02070309020205020404" pitchFamily="49" charset="0"/>
-              </a:rPr>
-              <a:t>NVL(sum_fact.sum_pogasheno_percent,0)</a:t>
-            </a:r>
-            <a:endParaRPr lang="ru-RU" sz="1100" dirty="0" smtClean="0">
-              <a:latin typeface="Courier New" panose="02070309020205020404" pitchFamily="49" charset="0"/>
-              <a:cs typeface="Courier New" panose="02070309020205020404" pitchFamily="49" charset="0"/>
-            </a:endParaRPr>
-          </a:p>
-          <a:p>
-            <a:r>
-              <a:rPr lang="ru-RU" sz="1100" dirty="0">
-                <a:latin typeface="Courier New" panose="02070309020205020404" pitchFamily="49" charset="0"/>
-                <a:cs typeface="Courier New" panose="02070309020205020404" pitchFamily="49" charset="0"/>
-              </a:rPr>
-              <a:t> </a:t>
-            </a:r>
-            <a:r>
-              <a:rPr lang="ru-RU" sz="1100" dirty="0" smtClean="0">
-                <a:latin typeface="Courier New" panose="02070309020205020404" pitchFamily="49" charset="0"/>
-                <a:cs typeface="Courier New" panose="02070309020205020404" pitchFamily="49" charset="0"/>
-              </a:rPr>
-              <a:t>   </a:t>
-            </a:r>
-            <a:r>
-              <a:rPr lang="en-US" sz="1100" dirty="0" smtClean="0">
-                <a:latin typeface="Courier New" panose="02070309020205020404" pitchFamily="49" charset="0"/>
-                <a:cs typeface="Courier New" panose="02070309020205020404" pitchFamily="49" charset="0"/>
-              </a:rPr>
-              <a:t>)</a:t>
-            </a:r>
-            <a:endParaRPr lang="en-US" sz="1100" dirty="0">
-              <a:latin typeface="Courier New" panose="02070309020205020404" pitchFamily="49" charset="0"/>
-              <a:cs typeface="Courier New" panose="02070309020205020404" pitchFamily="49" charset="0"/>
-            </a:endParaRPr>
-          </a:p>
-          <a:p>
-            <a:r>
-              <a:rPr lang="en-US" sz="1100" dirty="0">
-                <a:latin typeface="Courier New" panose="02070309020205020404" pitchFamily="49" charset="0"/>
-                <a:cs typeface="Courier New" panose="02070309020205020404" pitchFamily="49" charset="0"/>
-              </a:rPr>
-              <a:t>    BULK COLLECT INTO </a:t>
-            </a:r>
-            <a:r>
-              <a:rPr lang="en-US" sz="1100" dirty="0" err="1">
-                <a:latin typeface="Courier New" panose="02070309020205020404" pitchFamily="49" charset="0"/>
-                <a:cs typeface="Courier New" panose="02070309020205020404" pitchFamily="49" charset="0"/>
-              </a:rPr>
-              <a:t>result_table_report</a:t>
-            </a:r>
-            <a:endParaRPr lang="en-US" sz="1100" dirty="0">
-              <a:latin typeface="Courier New" panose="02070309020205020404" pitchFamily="49" charset="0"/>
-              <a:cs typeface="Courier New" panose="02070309020205020404" pitchFamily="49" charset="0"/>
-            </a:endParaRPr>
-          </a:p>
-          <a:p>
-            <a:r>
-              <a:rPr lang="en-US" sz="1100" dirty="0">
-                <a:latin typeface="Courier New" panose="02070309020205020404" pitchFamily="49" charset="0"/>
-                <a:cs typeface="Courier New" panose="02070309020205020404" pitchFamily="49" charset="0"/>
-              </a:rPr>
-              <a:t>    </a:t>
-            </a:r>
-            <a:r>
-              <a:rPr lang="en-US" sz="1100" dirty="0" smtClean="0">
-                <a:latin typeface="Courier New" panose="02070309020205020404" pitchFamily="49" charset="0"/>
-                <a:cs typeface="Courier New" panose="02070309020205020404" pitchFamily="49" charset="0"/>
-              </a:rPr>
-              <a:t>FROM</a:t>
-            </a:r>
-            <a:r>
-              <a:rPr lang="ru-RU" sz="1100" dirty="0" smtClean="0">
-                <a:latin typeface="Courier New" panose="02070309020205020404" pitchFamily="49" charset="0"/>
-                <a:cs typeface="Courier New" panose="02070309020205020404" pitchFamily="49" charset="0"/>
-              </a:rPr>
-              <a:t> </a:t>
-            </a:r>
-            <a:r>
-              <a:rPr lang="en-US" sz="1100" dirty="0" smtClean="0">
-                <a:latin typeface="Courier New" panose="02070309020205020404" pitchFamily="49" charset="0"/>
-                <a:cs typeface="Courier New" panose="02070309020205020404" pitchFamily="49" charset="0"/>
-              </a:rPr>
-              <a:t> </a:t>
-            </a:r>
-            <a:r>
-              <a:rPr lang="en-US" sz="1100" dirty="0">
-                <a:latin typeface="Courier New" panose="02070309020205020404" pitchFamily="49" charset="0"/>
-                <a:cs typeface="Courier New" panose="02070309020205020404" pitchFamily="49" charset="0"/>
-              </a:rPr>
-              <a:t>c##</a:t>
-            </a:r>
-            <a:r>
-              <a:rPr lang="en-US" sz="1100" dirty="0" err="1">
-                <a:latin typeface="Courier New" panose="02070309020205020404" pitchFamily="49" charset="0"/>
-                <a:cs typeface="Courier New" panose="02070309020205020404" pitchFamily="49" charset="0"/>
-              </a:rPr>
-              <a:t>course.pr_credit</a:t>
-            </a:r>
-            <a:r>
-              <a:rPr lang="en-US" sz="1100" dirty="0">
-                <a:latin typeface="Courier New" panose="02070309020205020404" pitchFamily="49" charset="0"/>
-                <a:cs typeface="Courier New" panose="02070309020205020404" pitchFamily="49" charset="0"/>
-              </a:rPr>
-              <a:t> dog</a:t>
-            </a:r>
-          </a:p>
-          <a:p>
-            <a:r>
-              <a:rPr lang="en-US" sz="1100" dirty="0" smtClean="0">
-                <a:latin typeface="Courier New" panose="02070309020205020404" pitchFamily="49" charset="0"/>
-                <a:cs typeface="Courier New" panose="02070309020205020404" pitchFamily="49" charset="0"/>
-              </a:rPr>
-              <a:t>    </a:t>
-            </a:r>
-            <a:r>
-              <a:rPr lang="en-US" sz="1100" dirty="0">
-                <a:latin typeface="Courier New" panose="02070309020205020404" pitchFamily="49" charset="0"/>
-                <a:cs typeface="Courier New" panose="02070309020205020404" pitchFamily="49" charset="0"/>
-              </a:rPr>
-              <a:t>INNER JOIN</a:t>
-            </a:r>
-          </a:p>
-          <a:p>
-            <a:r>
-              <a:rPr lang="en-US" sz="1100" dirty="0">
-                <a:latin typeface="Courier New" panose="02070309020205020404" pitchFamily="49" charset="0"/>
-                <a:cs typeface="Courier New" panose="02070309020205020404" pitchFamily="49" charset="0"/>
-              </a:rPr>
-              <a:t>        c##</a:t>
-            </a:r>
-            <a:r>
-              <a:rPr lang="en-US" sz="1100" dirty="0" err="1">
-                <a:latin typeface="Courier New" panose="02070309020205020404" pitchFamily="49" charset="0"/>
-                <a:cs typeface="Courier New" panose="02070309020205020404" pitchFamily="49" charset="0"/>
-              </a:rPr>
-              <a:t>course.client</a:t>
-            </a:r>
-            <a:r>
-              <a:rPr lang="en-US" sz="1100" dirty="0">
-                <a:latin typeface="Courier New" panose="02070309020205020404" pitchFamily="49" charset="0"/>
-                <a:cs typeface="Courier New" panose="02070309020205020404" pitchFamily="49" charset="0"/>
-              </a:rPr>
-              <a:t> cli</a:t>
-            </a:r>
-          </a:p>
-          <a:p>
-            <a:r>
-              <a:rPr lang="en-US" sz="1100" dirty="0">
-                <a:latin typeface="Courier New" panose="02070309020205020404" pitchFamily="49" charset="0"/>
-                <a:cs typeface="Courier New" panose="02070309020205020404" pitchFamily="49" charset="0"/>
-              </a:rPr>
-              <a:t>        ON (</a:t>
-            </a:r>
-            <a:r>
-              <a:rPr lang="en-US" sz="1100" dirty="0" err="1">
-                <a:latin typeface="Courier New" panose="02070309020205020404" pitchFamily="49" charset="0"/>
-                <a:cs typeface="Courier New" panose="02070309020205020404" pitchFamily="49" charset="0"/>
-              </a:rPr>
-              <a:t>dog.id_client</a:t>
-            </a:r>
-            <a:r>
-              <a:rPr lang="en-US" sz="1100" dirty="0">
-                <a:latin typeface="Courier New" panose="02070309020205020404" pitchFamily="49" charset="0"/>
-                <a:cs typeface="Courier New" panose="02070309020205020404" pitchFamily="49" charset="0"/>
-              </a:rPr>
-              <a:t> = cli.id</a:t>
-            </a:r>
-            <a:r>
-              <a:rPr lang="en-US" sz="1100" dirty="0" smtClean="0">
-                <a:latin typeface="Courier New" panose="02070309020205020404" pitchFamily="49" charset="0"/>
-                <a:cs typeface="Courier New" panose="02070309020205020404" pitchFamily="49" charset="0"/>
-              </a:rPr>
-              <a:t>)</a:t>
-            </a:r>
-            <a:endParaRPr lang="ru-RU" sz="1100" dirty="0" smtClean="0">
-              <a:latin typeface="Courier New" panose="02070309020205020404" pitchFamily="49" charset="0"/>
-              <a:cs typeface="Courier New" panose="02070309020205020404" pitchFamily="49" charset="0"/>
-            </a:endParaRPr>
-          </a:p>
-          <a:p>
-            <a:r>
-              <a:rPr lang="ru-RU" sz="1100" dirty="0" smtClean="0">
-                <a:latin typeface="Courier New" panose="02070309020205020404" pitchFamily="49" charset="0"/>
-                <a:cs typeface="Courier New" panose="02070309020205020404" pitchFamily="49" charset="0"/>
-              </a:rPr>
-              <a:t>...</a:t>
-            </a:r>
-            <a:r>
-              <a:rPr lang="en-US" sz="1100" dirty="0" smtClean="0">
-                <a:latin typeface="Courier New" panose="02070309020205020404" pitchFamily="49" charset="0"/>
-                <a:cs typeface="Courier New" panose="02070309020205020404" pitchFamily="49" charset="0"/>
-              </a:rPr>
-              <a:t>   </a:t>
-            </a:r>
-            <a:endParaRPr lang="en-US" sz="1100" dirty="0">
-              <a:latin typeface="Courier New" panose="02070309020205020404" pitchFamily="49" charset="0"/>
-              <a:cs typeface="Courier New" panose="02070309020205020404" pitchFamily="49" charset="0"/>
-            </a:endParaRPr>
-          </a:p>
-          <a:p>
-            <a:r>
-              <a:rPr lang="en-US" sz="1100" dirty="0">
-                <a:latin typeface="Courier New" panose="02070309020205020404" pitchFamily="49" charset="0"/>
-                <a:cs typeface="Courier New" panose="02070309020205020404" pitchFamily="49" charset="0"/>
-              </a:rPr>
-              <a:t>    </a:t>
-            </a:r>
-          </a:p>
-        </p:txBody>
-      </p:sp>
     </p:spTree>
     <p:extLst>
       <p:ext uri="{BB962C8B-B14F-4D97-AF65-F5344CB8AC3E}">
-        <p14:creationId xmlns:p14="http://schemas.microsoft.com/office/powerpoint/2010/main" val="460338939"/>
+        <p14:creationId xmlns:p14="http://schemas.microsoft.com/office/powerpoint/2010/main" val="2486868824"/>
       </p:ext>
     </p:extLst>
   </p:cSld>
@@ -10471,7 +9598,7 @@
           <p:cNvPr id="18" name="Title 7">
             <a:extLst>
               <a:ext uri="{FF2B5EF4-FFF2-40B4-BE49-F238E27FC236}">
-                <a16:creationId xmlns="" xmlns:a16="http://schemas.microsoft.com/office/drawing/2014/main" id="{E195DE7B-42F0-4CAA-AAB0-D33DB61C53CA}"/>
+                <a16:creationId xmlns:a16="http://schemas.microsoft.com/office/drawing/2014/main" xmlns="" id="{E195DE7B-42F0-4CAA-AAB0-D33DB61C53CA}"/>
               </a:ext>
             </a:extLst>
           </p:cNvPr>
@@ -10520,7 +9647,7 @@
                   <a:srgbClr val="333F48"/>
                 </a:solidFill>
               </a:rPr>
-              <a:t>3. Процедура экспортирует таблицу отчета в файл </a:t>
+              <a:t>3. Функция возвращающая таблицу отчета </a:t>
             </a:r>
             <a:endParaRPr lang="ru-RU" sz="1200" dirty="0"/>
           </a:p>
@@ -10588,7 +9715,7 @@
         <p:spPr>
           <a:xfrm>
             <a:off x="335360" y="725502"/>
-            <a:ext cx="5328592" cy="2800767"/>
+            <a:ext cx="5328592" cy="2631490"/>
           </a:xfrm>
           <a:prstGeom prst="rect">
             <a:avLst/>
@@ -10612,39 +9739,219 @@
           <a:lstStyle/>
           <a:p>
             <a:r>
-              <a:rPr lang="en-US" sz="1100" dirty="0">
-                <a:latin typeface="Courier New" panose="02070309020205020404" pitchFamily="49" charset="0"/>
-                <a:cs typeface="Courier New" panose="02070309020205020404" pitchFamily="49" charset="0"/>
-              </a:rPr>
-              <a:t>CREATE OR REPLACE PROCEDURE c##</a:t>
+              <a:rPr lang="ru-RU" sz="1100" dirty="0">
+                <a:latin typeface="Courier New" panose="02070309020205020404" pitchFamily="49" charset="0"/>
+                <a:cs typeface="Courier New" panose="02070309020205020404" pitchFamily="49" charset="0"/>
+              </a:rPr>
+              <a:t>------ Создаем типы данных</a:t>
+            </a:r>
+          </a:p>
+          <a:p>
+            <a:endParaRPr lang="ru-RU" sz="1100" dirty="0">
+              <a:latin typeface="Courier New" panose="02070309020205020404" pitchFamily="49" charset="0"/>
+              <a:cs typeface="Courier New" panose="02070309020205020404" pitchFamily="49" charset="0"/>
+            </a:endParaRPr>
+          </a:p>
+          <a:p>
+            <a:r>
+              <a:rPr lang="en-US" sz="1100" dirty="0">
+                <a:latin typeface="Courier New" panose="02070309020205020404" pitchFamily="49" charset="0"/>
+                <a:cs typeface="Courier New" panose="02070309020205020404" pitchFamily="49" charset="0"/>
+              </a:rPr>
+              <a:t>CREATE OR REPLACE TYPE c##</a:t>
             </a:r>
             <a:r>
               <a:rPr lang="en-US" sz="1100" dirty="0" err="1">
                 <a:latin typeface="Courier New" panose="02070309020205020404" pitchFamily="49" charset="0"/>
                 <a:cs typeface="Courier New" panose="02070309020205020404" pitchFamily="49" charset="0"/>
               </a:rPr>
-              <a:t>course.pr_make_report</a:t>
-            </a:r>
-            <a:r>
-              <a:rPr lang="en-US" sz="1100" dirty="0">
-                <a:latin typeface="Courier New" panose="02070309020205020404" pitchFamily="49" charset="0"/>
-                <a:cs typeface="Courier New" panose="02070309020205020404" pitchFamily="49" charset="0"/>
-              </a:rPr>
-              <a:t> (</a:t>
+              <a:t>course.report_row</a:t>
+            </a:r>
+            <a:r>
+              <a:rPr lang="en-US" sz="1100" dirty="0">
+                <a:latin typeface="Courier New" panose="02070309020205020404" pitchFamily="49" charset="0"/>
+                <a:cs typeface="Courier New" panose="02070309020205020404" pitchFamily="49" charset="0"/>
+              </a:rPr>
+              <a:t> AS OBJECT</a:t>
+            </a:r>
+          </a:p>
+          <a:p>
+            <a:r>
+              <a:rPr lang="en-US" sz="1100" dirty="0">
+                <a:latin typeface="Courier New" panose="02070309020205020404" pitchFamily="49" charset="0"/>
+                <a:cs typeface="Courier New" panose="02070309020205020404" pitchFamily="49" charset="0"/>
+              </a:rPr>
+              <a:t>( </a:t>
+            </a:r>
+          </a:p>
+          <a:p>
+            <a:r>
+              <a:rPr lang="en-US" sz="1100" dirty="0">
+                <a:latin typeface="Courier New" panose="02070309020205020404" pitchFamily="49" charset="0"/>
+                <a:cs typeface="Courier New" panose="02070309020205020404" pitchFamily="49" charset="0"/>
+              </a:rPr>
+              <a:t>      </a:t>
             </a:r>
             <a:r>
               <a:rPr lang="en-US" sz="1100" dirty="0" err="1">
                 <a:latin typeface="Courier New" panose="02070309020205020404" pitchFamily="49" charset="0"/>
                 <a:cs typeface="Courier New" panose="02070309020205020404" pitchFamily="49" charset="0"/>
               </a:rPr>
-              <a:t>report_dt</a:t>
-            </a:r>
-            <a:r>
-              <a:rPr lang="en-US" sz="1100" dirty="0">
-                <a:latin typeface="Courier New" panose="02070309020205020404" pitchFamily="49" charset="0"/>
-                <a:cs typeface="Courier New" panose="02070309020205020404" pitchFamily="49" charset="0"/>
-              </a:rPr>
-              <a:t> IN DATE)</a:t>
+              <a:t>num_dog</a:t>
+            </a:r>
+            <a:r>
+              <a:rPr lang="en-US" sz="1100" dirty="0">
+                <a:latin typeface="Courier New" panose="02070309020205020404" pitchFamily="49" charset="0"/>
+                <a:cs typeface="Courier New" panose="02070309020205020404" pitchFamily="49" charset="0"/>
+              </a:rPr>
+              <a:t>             varchar2(10)</a:t>
+            </a:r>
+          </a:p>
+          <a:p>
+            <a:r>
+              <a:rPr lang="en-US" sz="1100" dirty="0">
+                <a:latin typeface="Courier New" panose="02070309020205020404" pitchFamily="49" charset="0"/>
+                <a:cs typeface="Courier New" panose="02070309020205020404" pitchFamily="49" charset="0"/>
+              </a:rPr>
+              <a:t>    , </a:t>
+            </a:r>
+            <a:r>
+              <a:rPr lang="en-US" sz="1100" dirty="0" err="1">
+                <a:latin typeface="Courier New" panose="02070309020205020404" pitchFamily="49" charset="0"/>
+                <a:cs typeface="Courier New" panose="02070309020205020404" pitchFamily="49" charset="0"/>
+              </a:rPr>
+              <a:t>cl_name</a:t>
+            </a:r>
+            <a:r>
+              <a:rPr lang="en-US" sz="1100" dirty="0">
+                <a:latin typeface="Courier New" panose="02070309020205020404" pitchFamily="49" charset="0"/>
+                <a:cs typeface="Courier New" panose="02070309020205020404" pitchFamily="49" charset="0"/>
+              </a:rPr>
+              <a:t>             varchar2(100)</a:t>
+            </a:r>
+          </a:p>
+          <a:p>
+            <a:r>
+              <a:rPr lang="en-US" sz="1100" dirty="0">
+                <a:latin typeface="Courier New" panose="02070309020205020404" pitchFamily="49" charset="0"/>
+                <a:cs typeface="Courier New" panose="02070309020205020404" pitchFamily="49" charset="0"/>
+              </a:rPr>
+              <a:t>    , </a:t>
+            </a:r>
+            <a:r>
+              <a:rPr lang="en-US" sz="1100" dirty="0" err="1">
+                <a:latin typeface="Courier New" panose="02070309020205020404" pitchFamily="49" charset="0"/>
+                <a:cs typeface="Courier New" panose="02070309020205020404" pitchFamily="49" charset="0"/>
+              </a:rPr>
+              <a:t>summa_dog</a:t>
+            </a:r>
+            <a:r>
+              <a:rPr lang="en-US" sz="1100" dirty="0">
+                <a:latin typeface="Courier New" panose="02070309020205020404" pitchFamily="49" charset="0"/>
+                <a:cs typeface="Courier New" panose="02070309020205020404" pitchFamily="49" charset="0"/>
+              </a:rPr>
+              <a:t>           number</a:t>
+            </a:r>
+          </a:p>
+          <a:p>
+            <a:r>
+              <a:rPr lang="en-US" sz="1100" dirty="0">
+                <a:latin typeface="Courier New" panose="02070309020205020404" pitchFamily="49" charset="0"/>
+                <a:cs typeface="Courier New" panose="02070309020205020404" pitchFamily="49" charset="0"/>
+              </a:rPr>
+              <a:t>    , </a:t>
+            </a:r>
+            <a:r>
+              <a:rPr lang="en-US" sz="1100" dirty="0" err="1">
+                <a:latin typeface="Courier New" panose="02070309020205020404" pitchFamily="49" charset="0"/>
+                <a:cs typeface="Courier New" panose="02070309020205020404" pitchFamily="49" charset="0"/>
+              </a:rPr>
+              <a:t>date_begin</a:t>
+            </a:r>
+            <a:r>
+              <a:rPr lang="en-US" sz="1100" dirty="0">
+                <a:latin typeface="Courier New" panose="02070309020205020404" pitchFamily="49" charset="0"/>
+                <a:cs typeface="Courier New" panose="02070309020205020404" pitchFamily="49" charset="0"/>
+              </a:rPr>
+              <a:t>          date </a:t>
+            </a:r>
+          </a:p>
+          <a:p>
+            <a:r>
+              <a:rPr lang="en-US" sz="1100" dirty="0">
+                <a:latin typeface="Courier New" panose="02070309020205020404" pitchFamily="49" charset="0"/>
+                <a:cs typeface="Courier New" panose="02070309020205020404" pitchFamily="49" charset="0"/>
+              </a:rPr>
+              <a:t>    , </a:t>
+            </a:r>
+            <a:r>
+              <a:rPr lang="en-US" sz="1100" dirty="0" err="1">
+                <a:latin typeface="Courier New" panose="02070309020205020404" pitchFamily="49" charset="0"/>
+                <a:cs typeface="Courier New" panose="02070309020205020404" pitchFamily="49" charset="0"/>
+              </a:rPr>
+              <a:t>date_end</a:t>
+            </a:r>
+            <a:r>
+              <a:rPr lang="en-US" sz="1100" dirty="0">
+                <a:latin typeface="Courier New" panose="02070309020205020404" pitchFamily="49" charset="0"/>
+                <a:cs typeface="Courier New" panose="02070309020205020404" pitchFamily="49" charset="0"/>
+              </a:rPr>
+              <a:t>            date</a:t>
+            </a:r>
+          </a:p>
+          <a:p>
+            <a:r>
+              <a:rPr lang="en-US" sz="1100" dirty="0">
+                <a:latin typeface="Courier New" panose="02070309020205020404" pitchFamily="49" charset="0"/>
+                <a:cs typeface="Courier New" panose="02070309020205020404" pitchFamily="49" charset="0"/>
+              </a:rPr>
+              <a:t>    , </a:t>
+            </a:r>
+            <a:r>
+              <a:rPr lang="en-US" sz="1100" dirty="0" err="1">
+                <a:latin typeface="Courier New" panose="02070309020205020404" pitchFamily="49" charset="0"/>
+                <a:cs typeface="Courier New" panose="02070309020205020404" pitchFamily="49" charset="0"/>
+              </a:rPr>
+              <a:t>ostat_dolg</a:t>
+            </a:r>
+            <a:r>
+              <a:rPr lang="en-US" sz="1100" dirty="0">
+                <a:latin typeface="Courier New" panose="02070309020205020404" pitchFamily="49" charset="0"/>
+                <a:cs typeface="Courier New" panose="02070309020205020404" pitchFamily="49" charset="0"/>
+              </a:rPr>
+              <a:t>          number</a:t>
+            </a:r>
+          </a:p>
+          <a:p>
+            <a:r>
+              <a:rPr lang="en-US" sz="1100" dirty="0">
+                <a:latin typeface="Courier New" panose="02070309020205020404" pitchFamily="49" charset="0"/>
+                <a:cs typeface="Courier New" panose="02070309020205020404" pitchFamily="49" charset="0"/>
+              </a:rPr>
+              <a:t>    , </a:t>
+            </a:r>
+            <a:r>
+              <a:rPr lang="en-US" sz="1100" dirty="0" err="1">
+                <a:latin typeface="Courier New" panose="02070309020205020404" pitchFamily="49" charset="0"/>
+                <a:cs typeface="Courier New" panose="02070309020205020404" pitchFamily="49" charset="0"/>
+              </a:rPr>
+              <a:t>need_pogash_percent</a:t>
+            </a:r>
+            <a:r>
+              <a:rPr lang="en-US" sz="1100" dirty="0">
+                <a:latin typeface="Courier New" panose="02070309020205020404" pitchFamily="49" charset="0"/>
+                <a:cs typeface="Courier New" panose="02070309020205020404" pitchFamily="49" charset="0"/>
+              </a:rPr>
+              <a:t> number</a:t>
+            </a:r>
+          </a:p>
+          <a:p>
+            <a:r>
+              <a:rPr lang="en-US" sz="1100" dirty="0">
+                <a:latin typeface="Courier New" panose="02070309020205020404" pitchFamily="49" charset="0"/>
+                <a:cs typeface="Courier New" panose="02070309020205020404" pitchFamily="49" charset="0"/>
+              </a:rPr>
+              <a:t>);</a:t>
             </a:r>
           </a:p>
           <a:p>
@@ -10659,432 +9966,35 @@
                 <a:latin typeface="Courier New" panose="02070309020205020404" pitchFamily="49" charset="0"/>
                 <a:cs typeface="Courier New" panose="02070309020205020404" pitchFamily="49" charset="0"/>
               </a:rPr>
-              <a:t>AS</a:t>
-            </a:r>
-          </a:p>
-          <a:p>
-            <a:r>
-              <a:rPr lang="en-US" sz="1100" dirty="0">
-                <a:latin typeface="Courier New" panose="02070309020205020404" pitchFamily="49" charset="0"/>
-                <a:cs typeface="Courier New" panose="02070309020205020404" pitchFamily="49" charset="0"/>
-              </a:rPr>
-              <a:t>    t NUMBER := 0;</a:t>
-            </a:r>
-          </a:p>
-          <a:p>
-            <a:r>
-              <a:rPr lang="en-US" sz="1100" dirty="0">
-                <a:latin typeface="Courier New" panose="02070309020205020404" pitchFamily="49" charset="0"/>
-                <a:cs typeface="Courier New" panose="02070309020205020404" pitchFamily="49" charset="0"/>
-              </a:rPr>
-              <a:t>BEGIN</a:t>
-            </a:r>
-          </a:p>
-          <a:p>
-            <a:endParaRPr lang="en-US" sz="1100" dirty="0">
-              <a:latin typeface="Courier New" panose="02070309020205020404" pitchFamily="49" charset="0"/>
-              <a:cs typeface="Courier New" panose="02070309020205020404" pitchFamily="49" charset="0"/>
-            </a:endParaRPr>
-          </a:p>
-          <a:p>
-            <a:r>
-              <a:rPr lang="en-US" sz="1100" dirty="0">
-                <a:latin typeface="Courier New" panose="02070309020205020404" pitchFamily="49" charset="0"/>
-                <a:cs typeface="Courier New" panose="02070309020205020404" pitchFamily="49" charset="0"/>
-              </a:rPr>
-              <a:t>    t := 0</a:t>
-            </a:r>
-            <a:r>
-              <a:rPr lang="en-US" sz="1100" dirty="0" smtClean="0">
+              <a:t>CREATE OR REPLACE TYPE c##</a:t>
+            </a:r>
+            <a:r>
+              <a:rPr lang="en-US" sz="1100" dirty="0" err="1">
+                <a:latin typeface="Courier New" panose="02070309020205020404" pitchFamily="49" charset="0"/>
+                <a:cs typeface="Courier New" panose="02070309020205020404" pitchFamily="49" charset="0"/>
+              </a:rPr>
+              <a:t>course.table_report</a:t>
+            </a:r>
+            <a:r>
+              <a:rPr lang="en-US" sz="1100" dirty="0">
+                <a:latin typeface="Courier New" panose="02070309020205020404" pitchFamily="49" charset="0"/>
+                <a:cs typeface="Courier New" panose="02070309020205020404" pitchFamily="49" charset="0"/>
+              </a:rPr>
+              <a:t> AS TABLE OF c##</a:t>
+            </a:r>
+            <a:r>
+              <a:rPr lang="en-US" sz="1100" dirty="0" err="1">
+                <a:latin typeface="Courier New" panose="02070309020205020404" pitchFamily="49" charset="0"/>
+                <a:cs typeface="Courier New" panose="02070309020205020404" pitchFamily="49" charset="0"/>
+              </a:rPr>
+              <a:t>course.report_row</a:t>
+            </a:r>
+            <a:r>
+              <a:rPr lang="en-US" sz="1100" dirty="0">
                 <a:latin typeface="Courier New" panose="02070309020205020404" pitchFamily="49" charset="0"/>
                 <a:cs typeface="Courier New" panose="02070309020205020404" pitchFamily="49" charset="0"/>
               </a:rPr>
               <a:t>;</a:t>
-            </a:r>
-          </a:p>
-          <a:p>
-            <a:r>
-              <a:rPr lang="en-US" sz="1100" dirty="0" smtClean="0">
-                <a:latin typeface="Courier New" panose="02070309020205020404" pitchFamily="49" charset="0"/>
-                <a:cs typeface="Courier New" panose="02070309020205020404" pitchFamily="49" charset="0"/>
-              </a:rPr>
-              <a:t>    </a:t>
-            </a:r>
-          </a:p>
-          <a:p>
-            <a:r>
-              <a:rPr lang="en-US" sz="1100" dirty="0">
-                <a:latin typeface="Courier New" panose="02070309020205020404" pitchFamily="49" charset="0"/>
-                <a:cs typeface="Courier New" panose="02070309020205020404" pitchFamily="49" charset="0"/>
-              </a:rPr>
-              <a:t> </a:t>
-            </a:r>
-            <a:r>
-              <a:rPr lang="en-US" sz="1100" dirty="0" smtClean="0">
-                <a:latin typeface="Courier New" panose="02070309020205020404" pitchFamily="49" charset="0"/>
-                <a:cs typeface="Courier New" panose="02070309020205020404" pitchFamily="49" charset="0"/>
-              </a:rPr>
-              <a:t>   FOR </a:t>
-            </a:r>
-            <a:r>
-              <a:rPr lang="en-US" sz="1100" dirty="0" err="1">
-                <a:latin typeface="Courier New" panose="02070309020205020404" pitchFamily="49" charset="0"/>
-                <a:cs typeface="Courier New" panose="02070309020205020404" pitchFamily="49" charset="0"/>
-              </a:rPr>
-              <a:t>i</a:t>
-            </a:r>
-            <a:r>
-              <a:rPr lang="en-US" sz="1100" dirty="0">
-                <a:latin typeface="Courier New" panose="02070309020205020404" pitchFamily="49" charset="0"/>
-                <a:cs typeface="Courier New" panose="02070309020205020404" pitchFamily="49" charset="0"/>
-              </a:rPr>
-              <a:t> IN (</a:t>
-            </a:r>
-          </a:p>
-          <a:p>
-            <a:r>
-              <a:rPr lang="en-US" sz="1100" dirty="0">
-                <a:latin typeface="Courier New" panose="02070309020205020404" pitchFamily="49" charset="0"/>
-                <a:cs typeface="Courier New" panose="02070309020205020404" pitchFamily="49" charset="0"/>
-              </a:rPr>
-              <a:t>        SELECT * FROM c##</a:t>
-            </a:r>
-            <a:r>
-              <a:rPr lang="en-US" sz="1100" dirty="0" err="1">
-                <a:latin typeface="Courier New" panose="02070309020205020404" pitchFamily="49" charset="0"/>
-                <a:cs typeface="Courier New" panose="02070309020205020404" pitchFamily="49" charset="0"/>
-              </a:rPr>
-              <a:t>course.fn_get_report</a:t>
-            </a:r>
-            <a:r>
-              <a:rPr lang="en-US" sz="1100" dirty="0">
-                <a:latin typeface="Courier New" panose="02070309020205020404" pitchFamily="49" charset="0"/>
-                <a:cs typeface="Courier New" panose="02070309020205020404" pitchFamily="49" charset="0"/>
-              </a:rPr>
-              <a:t> (</a:t>
-            </a:r>
-            <a:r>
-              <a:rPr lang="en-US" sz="1100" dirty="0" err="1">
-                <a:latin typeface="Courier New" panose="02070309020205020404" pitchFamily="49" charset="0"/>
-                <a:cs typeface="Courier New" panose="02070309020205020404" pitchFamily="49" charset="0"/>
-              </a:rPr>
-              <a:t>report_dt</a:t>
-            </a:r>
-            <a:r>
-              <a:rPr lang="en-US" sz="1100" dirty="0">
-                <a:latin typeface="Courier New" panose="02070309020205020404" pitchFamily="49" charset="0"/>
-                <a:cs typeface="Courier New" panose="02070309020205020404" pitchFamily="49" charset="0"/>
-              </a:rPr>
-              <a:t>)</a:t>
-            </a:r>
-          </a:p>
-          <a:p>
-            <a:r>
-              <a:rPr lang="en-US" sz="1100" dirty="0">
-                <a:latin typeface="Courier New" panose="02070309020205020404" pitchFamily="49" charset="0"/>
-                <a:cs typeface="Courier New" panose="02070309020205020404" pitchFamily="49" charset="0"/>
-              </a:rPr>
-              <a:t>    ) LOOP</a:t>
-            </a:r>
-          </a:p>
-          <a:p>
-            <a:r>
-              <a:rPr lang="en-US" sz="1100" dirty="0">
-                <a:latin typeface="Courier New" panose="02070309020205020404" pitchFamily="49" charset="0"/>
-                <a:cs typeface="Courier New" panose="02070309020205020404" pitchFamily="49" charset="0"/>
-              </a:rPr>
-              <a:t>    </a:t>
-            </a:r>
-          </a:p>
-          <a:p>
-            <a:r>
-              <a:rPr lang="en-US" sz="1100" dirty="0">
-                <a:latin typeface="Courier New" panose="02070309020205020404" pitchFamily="49" charset="0"/>
-                <a:cs typeface="Courier New" panose="02070309020205020404" pitchFamily="49" charset="0"/>
-              </a:rPr>
-              <a:t>    t := t + 1</a:t>
-            </a:r>
-            <a:r>
-              <a:rPr lang="en-US" sz="1100" dirty="0" smtClean="0">
-                <a:latin typeface="Courier New" panose="02070309020205020404" pitchFamily="49" charset="0"/>
-                <a:cs typeface="Courier New" panose="02070309020205020404" pitchFamily="49" charset="0"/>
-              </a:rPr>
-              <a:t>;</a:t>
-            </a:r>
-          </a:p>
-          <a:p>
-            <a:r>
-              <a:rPr lang="en-US" sz="1100" dirty="0" smtClean="0">
-                <a:latin typeface="Courier New" panose="02070309020205020404" pitchFamily="49" charset="0"/>
-                <a:cs typeface="Courier New" panose="02070309020205020404" pitchFamily="49" charset="0"/>
-              </a:rPr>
-              <a:t>...</a:t>
-            </a:r>
-          </a:p>
-          <a:p>
-            <a:endParaRPr lang="en-US" sz="1100" dirty="0">
-              <a:latin typeface="Courier New" panose="02070309020205020404" pitchFamily="49" charset="0"/>
-              <a:cs typeface="Courier New" panose="02070309020205020404" pitchFamily="49" charset="0"/>
-            </a:endParaRPr>
-          </a:p>
-        </p:txBody>
-      </p:sp>
-      <p:sp>
-        <p:nvSpPr>
-          <p:cNvPr id="7" name="TextBox 6"/>
-          <p:cNvSpPr txBox="1"/>
-          <p:nvPr/>
-        </p:nvSpPr>
-        <p:spPr>
-          <a:xfrm>
-            <a:off x="5879976" y="728112"/>
-            <a:ext cx="6120680" cy="2462213"/>
-          </a:xfrm>
-          <a:prstGeom prst="rect">
-            <a:avLst/>
-          </a:prstGeom>
-          <a:solidFill>
-            <a:schemeClr val="accent2">
-              <a:lumMod val="20000"/>
-              <a:lumOff val="80000"/>
-            </a:schemeClr>
-          </a:solidFill>
-          <a:ln>
-            <a:solidFill>
-              <a:schemeClr val="accent1"/>
-            </a:solidFill>
-          </a:ln>
-        </p:spPr>
-        <p:txBody>
-          <a:bodyPr wrap="square" rtlCol="0">
-            <a:spAutoFit/>
-          </a:bodyPr>
-          <a:lstStyle/>
-          <a:p>
-            <a:endParaRPr lang="en-US" sz="1100" dirty="0">
-              <a:latin typeface="Courier New" panose="02070309020205020404" pitchFamily="49" charset="0"/>
-              <a:cs typeface="Courier New" panose="02070309020205020404" pitchFamily="49" charset="0"/>
-            </a:endParaRPr>
-          </a:p>
-          <a:p>
-            <a:r>
-              <a:rPr lang="en-US" sz="1100" dirty="0">
-                <a:latin typeface="Courier New" panose="02070309020205020404" pitchFamily="49" charset="0"/>
-                <a:cs typeface="Courier New" panose="02070309020205020404" pitchFamily="49" charset="0"/>
-              </a:rPr>
-              <a:t>SET ECHO OFF</a:t>
-            </a:r>
-          </a:p>
-          <a:p>
-            <a:r>
-              <a:rPr lang="en-US" sz="1100" dirty="0">
-                <a:latin typeface="Courier New" panose="02070309020205020404" pitchFamily="49" charset="0"/>
-                <a:cs typeface="Courier New" panose="02070309020205020404" pitchFamily="49" charset="0"/>
-              </a:rPr>
-              <a:t>SET VERIFY OFF</a:t>
-            </a:r>
-          </a:p>
-          <a:p>
-            <a:r>
-              <a:rPr lang="en-US" sz="1100" dirty="0">
-                <a:latin typeface="Courier New" panose="02070309020205020404" pitchFamily="49" charset="0"/>
-                <a:cs typeface="Courier New" panose="02070309020205020404" pitchFamily="49" charset="0"/>
-              </a:rPr>
-              <a:t>SET SERVEROUTPUT ON</a:t>
-            </a:r>
-          </a:p>
-          <a:p>
-            <a:endParaRPr lang="en-US" sz="1100" dirty="0">
-              <a:latin typeface="Courier New" panose="02070309020205020404" pitchFamily="49" charset="0"/>
-              <a:cs typeface="Courier New" panose="02070309020205020404" pitchFamily="49" charset="0"/>
-            </a:endParaRPr>
-          </a:p>
-          <a:p>
-            <a:r>
-              <a:rPr lang="en-US" sz="1100" dirty="0">
-                <a:latin typeface="Courier New" panose="02070309020205020404" pitchFamily="49" charset="0"/>
-                <a:cs typeface="Courier New" panose="02070309020205020404" pitchFamily="49" charset="0"/>
-              </a:rPr>
-              <a:t>ACCEPT </a:t>
-            </a:r>
-            <a:r>
-              <a:rPr lang="en-US" sz="1100" dirty="0" err="1">
-                <a:latin typeface="Courier New" panose="02070309020205020404" pitchFamily="49" charset="0"/>
-                <a:cs typeface="Courier New" panose="02070309020205020404" pitchFamily="49" charset="0"/>
-              </a:rPr>
-              <a:t>dt</a:t>
-            </a:r>
-            <a:r>
-              <a:rPr lang="en-US" sz="1100" dirty="0">
-                <a:latin typeface="Courier New" panose="02070309020205020404" pitchFamily="49" charset="0"/>
-                <a:cs typeface="Courier New" panose="02070309020205020404" pitchFamily="49" charset="0"/>
-              </a:rPr>
-              <a:t> DATE FORMAT '</a:t>
-            </a:r>
-            <a:r>
-              <a:rPr lang="en-US" sz="1100" dirty="0" err="1">
-                <a:latin typeface="Courier New" panose="02070309020205020404" pitchFamily="49" charset="0"/>
-                <a:cs typeface="Courier New" panose="02070309020205020404" pitchFamily="49" charset="0"/>
-              </a:rPr>
-              <a:t>dd.mm.yyyy</a:t>
-            </a:r>
-            <a:r>
-              <a:rPr lang="en-US" sz="1100" dirty="0">
-                <a:latin typeface="Courier New" panose="02070309020205020404" pitchFamily="49" charset="0"/>
-                <a:cs typeface="Courier New" panose="02070309020205020404" pitchFamily="49" charset="0"/>
-              </a:rPr>
-              <a:t>' PROMPT '</a:t>
-            </a:r>
-            <a:r>
-              <a:rPr lang="ru-RU" sz="1100" dirty="0">
-                <a:latin typeface="Courier New" panose="02070309020205020404" pitchFamily="49" charset="0"/>
-                <a:cs typeface="Courier New" panose="02070309020205020404" pitchFamily="49" charset="0"/>
-              </a:rPr>
-              <a:t>Введите дату отчета:  ';</a:t>
-            </a:r>
-          </a:p>
-          <a:p>
-            <a:endParaRPr lang="ru-RU" sz="1100" dirty="0">
-              <a:latin typeface="Courier New" panose="02070309020205020404" pitchFamily="49" charset="0"/>
-              <a:cs typeface="Courier New" panose="02070309020205020404" pitchFamily="49" charset="0"/>
-            </a:endParaRPr>
-          </a:p>
-          <a:p>
-            <a:r>
-              <a:rPr lang="en-US" sz="1100" dirty="0">
-                <a:latin typeface="Courier New" panose="02070309020205020404" pitchFamily="49" charset="0"/>
-                <a:cs typeface="Courier New" panose="02070309020205020404" pitchFamily="49" charset="0"/>
-              </a:rPr>
-              <a:t>DEFINE </a:t>
-            </a:r>
-            <a:r>
-              <a:rPr lang="en-US" sz="1100" dirty="0" err="1">
-                <a:latin typeface="Courier New" panose="02070309020205020404" pitchFamily="49" charset="0"/>
-                <a:cs typeface="Courier New" panose="02070309020205020404" pitchFamily="49" charset="0"/>
-              </a:rPr>
-              <a:t>spool_file</a:t>
-            </a:r>
-            <a:r>
-              <a:rPr lang="en-US" sz="1100" dirty="0">
-                <a:latin typeface="Courier New" panose="02070309020205020404" pitchFamily="49" charset="0"/>
-                <a:cs typeface="Courier New" panose="02070309020205020404" pitchFamily="49" charset="0"/>
-              </a:rPr>
-              <a:t> = 'c:\Temp\&amp;</a:t>
-            </a:r>
-            <a:r>
-              <a:rPr lang="en-US" sz="1100" dirty="0" err="1">
-                <a:latin typeface="Courier New" panose="02070309020205020404" pitchFamily="49" charset="0"/>
-                <a:cs typeface="Courier New" panose="02070309020205020404" pitchFamily="49" charset="0"/>
-              </a:rPr>
-              <a:t>dt</a:t>
-            </a:r>
-            <a:r>
-              <a:rPr lang="en-US" sz="1100" dirty="0">
-                <a:latin typeface="Courier New" panose="02070309020205020404" pitchFamily="49" charset="0"/>
-                <a:cs typeface="Courier New" panose="02070309020205020404" pitchFamily="49" charset="0"/>
-              </a:rPr>
-              <a:t>..</a:t>
-            </a:r>
-            <a:r>
-              <a:rPr lang="en-US" sz="1100" dirty="0" err="1">
-                <a:latin typeface="Courier New" panose="02070309020205020404" pitchFamily="49" charset="0"/>
-                <a:cs typeface="Courier New" panose="02070309020205020404" pitchFamily="49" charset="0"/>
-              </a:rPr>
-              <a:t>xls</a:t>
-            </a:r>
-            <a:r>
-              <a:rPr lang="en-US" sz="1100" dirty="0">
-                <a:latin typeface="Courier New" panose="02070309020205020404" pitchFamily="49" charset="0"/>
-                <a:cs typeface="Courier New" panose="02070309020205020404" pitchFamily="49" charset="0"/>
-              </a:rPr>
-              <a:t>';</a:t>
-            </a:r>
-          </a:p>
-          <a:p>
-            <a:r>
-              <a:rPr lang="en-US" sz="1100" dirty="0">
-                <a:latin typeface="Courier New" panose="02070309020205020404" pitchFamily="49" charset="0"/>
-                <a:cs typeface="Courier New" panose="02070309020205020404" pitchFamily="49" charset="0"/>
-              </a:rPr>
-              <a:t>SPOOL &amp;</a:t>
-            </a:r>
-            <a:r>
-              <a:rPr lang="en-US" sz="1100" dirty="0" err="1">
-                <a:latin typeface="Courier New" panose="02070309020205020404" pitchFamily="49" charset="0"/>
-                <a:cs typeface="Courier New" panose="02070309020205020404" pitchFamily="49" charset="0"/>
-              </a:rPr>
-              <a:t>spool_file</a:t>
-            </a:r>
-            <a:endParaRPr lang="en-US" sz="1100" dirty="0">
-              <a:latin typeface="Courier New" panose="02070309020205020404" pitchFamily="49" charset="0"/>
-              <a:cs typeface="Courier New" panose="02070309020205020404" pitchFamily="49" charset="0"/>
-            </a:endParaRPr>
-          </a:p>
-          <a:p>
-            <a:endParaRPr lang="en-US" sz="1100" dirty="0">
-              <a:latin typeface="Courier New" panose="02070309020205020404" pitchFamily="49" charset="0"/>
-              <a:cs typeface="Courier New" panose="02070309020205020404" pitchFamily="49" charset="0"/>
-            </a:endParaRPr>
-          </a:p>
-          <a:p>
-            <a:r>
-              <a:rPr lang="en-US" sz="1100" dirty="0">
-                <a:latin typeface="Courier New" panose="02070309020205020404" pitchFamily="49" charset="0"/>
-                <a:cs typeface="Courier New" panose="02070309020205020404" pitchFamily="49" charset="0"/>
-              </a:rPr>
-              <a:t>EXECUTE c##</a:t>
-            </a:r>
-            <a:r>
-              <a:rPr lang="en-US" sz="1100" dirty="0" err="1">
-                <a:latin typeface="Courier New" panose="02070309020205020404" pitchFamily="49" charset="0"/>
-                <a:cs typeface="Courier New" panose="02070309020205020404" pitchFamily="49" charset="0"/>
-              </a:rPr>
-              <a:t>course.pr_make_report</a:t>
-            </a:r>
-            <a:r>
-              <a:rPr lang="en-US" sz="1100" dirty="0">
-                <a:latin typeface="Courier New" panose="02070309020205020404" pitchFamily="49" charset="0"/>
-                <a:cs typeface="Courier New" panose="02070309020205020404" pitchFamily="49" charset="0"/>
-              </a:rPr>
-              <a:t> (TO_DATE('&amp;</a:t>
-            </a:r>
-            <a:r>
-              <a:rPr lang="en-US" sz="1100" dirty="0" err="1">
-                <a:latin typeface="Courier New" panose="02070309020205020404" pitchFamily="49" charset="0"/>
-                <a:cs typeface="Courier New" panose="02070309020205020404" pitchFamily="49" charset="0"/>
-              </a:rPr>
-              <a:t>dt</a:t>
-            </a:r>
-            <a:r>
-              <a:rPr lang="en-US" sz="1100" dirty="0">
-                <a:latin typeface="Courier New" panose="02070309020205020404" pitchFamily="49" charset="0"/>
-                <a:cs typeface="Courier New" panose="02070309020205020404" pitchFamily="49" charset="0"/>
-              </a:rPr>
-              <a:t>','DD.MM.YYYY'));</a:t>
-            </a:r>
-          </a:p>
-          <a:p>
-            <a:r>
-              <a:rPr lang="en-US" sz="1100" dirty="0">
-                <a:latin typeface="Courier New" panose="02070309020205020404" pitchFamily="49" charset="0"/>
-                <a:cs typeface="Courier New" panose="02070309020205020404" pitchFamily="49" charset="0"/>
-              </a:rPr>
-              <a:t>/</a:t>
-            </a:r>
-          </a:p>
-          <a:p>
-            <a:endParaRPr lang="en-US" sz="1100" dirty="0">
-              <a:latin typeface="Courier New" panose="02070309020205020404" pitchFamily="49" charset="0"/>
-              <a:cs typeface="Courier New" panose="02070309020205020404" pitchFamily="49" charset="0"/>
-            </a:endParaRPr>
-          </a:p>
-          <a:p>
-            <a:r>
-              <a:rPr lang="en-US" sz="1100" dirty="0">
-                <a:latin typeface="Courier New" panose="02070309020205020404" pitchFamily="49" charset="0"/>
-                <a:cs typeface="Courier New" panose="02070309020205020404" pitchFamily="49" charset="0"/>
-              </a:rPr>
-              <a:t>SPOOL OFF    </a:t>
             </a:r>
           </a:p>
         </p:txBody>
@@ -11097,7 +10007,7 @@
         </p:nvSpPr>
         <p:spPr bwMode="auto">
           <a:xfrm>
-            <a:off x="307850" y="6309320"/>
+            <a:off x="267299" y="6268274"/>
             <a:ext cx="10657184" cy="276999"/>
           </a:xfrm>
           <a:prstGeom prst="rect">
@@ -11121,7 +10031,7 @@
                 </a:solidFill>
                 <a:hlinkClick r:id="rId2"/>
               </a:rPr>
-              <a:t>https://github.com/AndrSor/Course_PLSQL_SB/blob/main/Course%20Work/03.2.EXPORT%20REPORT%20TO%20EXCEL%20TO%20DISK.sql</a:t>
+              <a:t>https://github.com/AndrSor/Course_PLSQL_SB/blob/main/Course%20Work/03.1.FUNCTION%20fn_get_report.sql</a:t>
             </a:r>
             <a:endParaRPr lang="ru-RU" sz="1200" dirty="0">
               <a:solidFill>
@@ -11172,9 +10082,821 @@
           </a:p>
         </p:txBody>
       </p:sp>
+      <p:sp>
+        <p:nvSpPr>
+          <p:cNvPr id="7" name="TextBox 6"/>
+          <p:cNvSpPr txBox="1"/>
+          <p:nvPr/>
+        </p:nvSpPr>
+        <p:spPr>
+          <a:xfrm>
+            <a:off x="5879976" y="728112"/>
+            <a:ext cx="6120680" cy="5509200"/>
+          </a:xfrm>
+          <a:prstGeom prst="rect">
+            <a:avLst/>
+          </a:prstGeom>
+          <a:solidFill>
+            <a:schemeClr val="accent2">
+              <a:lumMod val="20000"/>
+              <a:lumOff val="80000"/>
+            </a:schemeClr>
+          </a:solidFill>
+          <a:ln>
+            <a:solidFill>
+              <a:schemeClr val="accent1"/>
+            </a:solidFill>
+          </a:ln>
+        </p:spPr>
+        <p:txBody>
+          <a:bodyPr wrap="square" rtlCol="0">
+            <a:spAutoFit/>
+          </a:bodyPr>
+          <a:lstStyle/>
+          <a:p>
+            <a:r>
+              <a:rPr lang="en-US" sz="1100" dirty="0">
+                <a:latin typeface="Courier New" panose="02070309020205020404" pitchFamily="49" charset="0"/>
+                <a:cs typeface="Courier New" panose="02070309020205020404" pitchFamily="49" charset="0"/>
+              </a:rPr>
+              <a:t>CREATE OR REPLACE FUNCTION c##</a:t>
+            </a:r>
+            <a:r>
+              <a:rPr lang="en-US" sz="1100" dirty="0" err="1">
+                <a:latin typeface="Courier New" panose="02070309020205020404" pitchFamily="49" charset="0"/>
+                <a:cs typeface="Courier New" panose="02070309020205020404" pitchFamily="49" charset="0"/>
+              </a:rPr>
+              <a:t>course.fn_get_report</a:t>
+            </a:r>
+            <a:r>
+              <a:rPr lang="en-US" sz="1100" dirty="0">
+                <a:latin typeface="Courier New" panose="02070309020205020404" pitchFamily="49" charset="0"/>
+                <a:cs typeface="Courier New" panose="02070309020205020404" pitchFamily="49" charset="0"/>
+              </a:rPr>
+              <a:t> (</a:t>
+            </a:r>
+            <a:r>
+              <a:rPr lang="en-US" sz="1100" dirty="0" err="1">
+                <a:latin typeface="Courier New" panose="02070309020205020404" pitchFamily="49" charset="0"/>
+                <a:cs typeface="Courier New" panose="02070309020205020404" pitchFamily="49" charset="0"/>
+              </a:rPr>
+              <a:t>report_dt</a:t>
+            </a:r>
+            <a:r>
+              <a:rPr lang="en-US" sz="1100" dirty="0">
+                <a:latin typeface="Courier New" panose="02070309020205020404" pitchFamily="49" charset="0"/>
+                <a:cs typeface="Courier New" panose="02070309020205020404" pitchFamily="49" charset="0"/>
+              </a:rPr>
+              <a:t> DATE)</a:t>
+            </a:r>
+          </a:p>
+          <a:p>
+            <a:r>
+              <a:rPr lang="en-US" sz="1100" dirty="0">
+                <a:latin typeface="Courier New" panose="02070309020205020404" pitchFamily="49" charset="0"/>
+                <a:cs typeface="Courier New" panose="02070309020205020404" pitchFamily="49" charset="0"/>
+              </a:rPr>
+              <a:t>    RETURN c##</a:t>
+            </a:r>
+            <a:r>
+              <a:rPr lang="en-US" sz="1100" dirty="0" err="1">
+                <a:latin typeface="Courier New" panose="02070309020205020404" pitchFamily="49" charset="0"/>
+                <a:cs typeface="Courier New" panose="02070309020205020404" pitchFamily="49" charset="0"/>
+              </a:rPr>
+              <a:t>course.table_report</a:t>
+            </a:r>
+            <a:r>
+              <a:rPr lang="en-US" sz="1100" dirty="0">
+                <a:latin typeface="Courier New" panose="02070309020205020404" pitchFamily="49" charset="0"/>
+                <a:cs typeface="Courier New" panose="02070309020205020404" pitchFamily="49" charset="0"/>
+              </a:rPr>
+              <a:t> PIPELINED</a:t>
+            </a:r>
+          </a:p>
+          <a:p>
+            <a:r>
+              <a:rPr lang="en-US" sz="1100" dirty="0">
+                <a:latin typeface="Courier New" panose="02070309020205020404" pitchFamily="49" charset="0"/>
+                <a:cs typeface="Courier New" panose="02070309020205020404" pitchFamily="49" charset="0"/>
+              </a:rPr>
+              <a:t>    -- </a:t>
+            </a:r>
+            <a:r>
+              <a:rPr lang="ru-RU" sz="1100" dirty="0">
+                <a:latin typeface="Courier New" panose="02070309020205020404" pitchFamily="49" charset="0"/>
+                <a:cs typeface="Courier New" panose="02070309020205020404" pitchFamily="49" charset="0"/>
+              </a:rPr>
+              <a:t>Атрибут </a:t>
+            </a:r>
+            <a:r>
+              <a:rPr lang="en-US" sz="1100" dirty="0">
+                <a:latin typeface="Courier New" panose="02070309020205020404" pitchFamily="49" charset="0"/>
+                <a:cs typeface="Courier New" panose="02070309020205020404" pitchFamily="49" charset="0"/>
+              </a:rPr>
+              <a:t>pipelined </a:t>
+            </a:r>
+            <a:r>
+              <a:rPr lang="ru-RU" sz="1100" dirty="0">
+                <a:latin typeface="Courier New" panose="02070309020205020404" pitchFamily="49" charset="0"/>
+                <a:cs typeface="Courier New" panose="02070309020205020404" pitchFamily="49" charset="0"/>
+              </a:rPr>
+              <a:t>означает, что функция является конвейерной, результат возвращается клиенту немедленно при вызове директивы </a:t>
+            </a:r>
+            <a:r>
+              <a:rPr lang="en-US" sz="1100" dirty="0">
+                <a:latin typeface="Courier New" panose="02070309020205020404" pitchFamily="49" charset="0"/>
+                <a:cs typeface="Courier New" panose="02070309020205020404" pitchFamily="49" charset="0"/>
+              </a:rPr>
+              <a:t>pipe row, </a:t>
+            </a:r>
+          </a:p>
+          <a:p>
+            <a:r>
+              <a:rPr lang="en-US" sz="1100" dirty="0">
+                <a:latin typeface="Courier New" panose="02070309020205020404" pitchFamily="49" charset="0"/>
+                <a:cs typeface="Courier New" panose="02070309020205020404" pitchFamily="49" charset="0"/>
+              </a:rPr>
+              <a:t>    -- </a:t>
+            </a:r>
+            <a:r>
+              <a:rPr lang="ru-RU" sz="1100" dirty="0">
+                <a:latin typeface="Courier New" panose="02070309020205020404" pitchFamily="49" charset="0"/>
+                <a:cs typeface="Courier New" panose="02070309020205020404" pitchFamily="49" charset="0"/>
+              </a:rPr>
+              <a:t>поэтому оператор </a:t>
+            </a:r>
+            <a:r>
+              <a:rPr lang="en-US" sz="1100" dirty="0">
+                <a:latin typeface="Courier New" panose="02070309020205020404" pitchFamily="49" charset="0"/>
+                <a:cs typeface="Courier New" panose="02070309020205020404" pitchFamily="49" charset="0"/>
+              </a:rPr>
+              <a:t>return </a:t>
+            </a:r>
+            <a:r>
+              <a:rPr lang="ru-RU" sz="1100" dirty="0">
+                <a:latin typeface="Courier New" panose="02070309020205020404" pitchFamily="49" charset="0"/>
+                <a:cs typeface="Courier New" panose="02070309020205020404" pitchFamily="49" charset="0"/>
+              </a:rPr>
+              <a:t>необязателен.</a:t>
+            </a:r>
+          </a:p>
+          <a:p>
+            <a:r>
+              <a:rPr lang="ru-RU" sz="1100" dirty="0">
+                <a:latin typeface="Courier New" panose="02070309020205020404" pitchFamily="49" charset="0"/>
+                <a:cs typeface="Courier New" panose="02070309020205020404" pitchFamily="49" charset="0"/>
+              </a:rPr>
+              <a:t>    </a:t>
+            </a:r>
+            <a:r>
+              <a:rPr lang="en-US" sz="1100" dirty="0">
+                <a:latin typeface="Courier New" panose="02070309020205020404" pitchFamily="49" charset="0"/>
+                <a:cs typeface="Courier New" panose="02070309020205020404" pitchFamily="49" charset="0"/>
+              </a:rPr>
+              <a:t>AS</a:t>
+            </a:r>
+          </a:p>
+          <a:p>
+            <a:r>
+              <a:rPr lang="en-US" sz="1100" dirty="0">
+                <a:latin typeface="Courier New" panose="02070309020205020404" pitchFamily="49" charset="0"/>
+                <a:cs typeface="Courier New" panose="02070309020205020404" pitchFamily="49" charset="0"/>
+              </a:rPr>
+              <a:t>        </a:t>
+            </a:r>
+            <a:r>
+              <a:rPr lang="en-US" sz="1100" dirty="0" err="1">
+                <a:latin typeface="Courier New" panose="02070309020205020404" pitchFamily="49" charset="0"/>
+                <a:cs typeface="Courier New" panose="02070309020205020404" pitchFamily="49" charset="0"/>
+              </a:rPr>
+              <a:t>result_table_report</a:t>
+            </a:r>
+            <a:r>
+              <a:rPr lang="en-US" sz="1100" dirty="0">
+                <a:latin typeface="Courier New" panose="02070309020205020404" pitchFamily="49" charset="0"/>
+                <a:cs typeface="Courier New" panose="02070309020205020404" pitchFamily="49" charset="0"/>
+              </a:rPr>
+              <a:t> c##</a:t>
+            </a:r>
+            <a:r>
+              <a:rPr lang="en-US" sz="1100" dirty="0" err="1">
+                <a:latin typeface="Courier New" panose="02070309020205020404" pitchFamily="49" charset="0"/>
+                <a:cs typeface="Courier New" panose="02070309020205020404" pitchFamily="49" charset="0"/>
+              </a:rPr>
+              <a:t>course.table_report</a:t>
+            </a:r>
+            <a:r>
+              <a:rPr lang="en-US" sz="1100" dirty="0">
+                <a:latin typeface="Courier New" panose="02070309020205020404" pitchFamily="49" charset="0"/>
+                <a:cs typeface="Courier New" panose="02070309020205020404" pitchFamily="49" charset="0"/>
+              </a:rPr>
+              <a:t>;</a:t>
+            </a:r>
+          </a:p>
+          <a:p>
+            <a:r>
+              <a:rPr lang="en-US" sz="1100" dirty="0">
+                <a:latin typeface="Courier New" panose="02070309020205020404" pitchFamily="49" charset="0"/>
+                <a:cs typeface="Courier New" panose="02070309020205020404" pitchFamily="49" charset="0"/>
+              </a:rPr>
+              <a:t>BEGIN</a:t>
+            </a:r>
+          </a:p>
+          <a:p>
+            <a:endParaRPr lang="en-US" sz="1100" dirty="0">
+              <a:latin typeface="Courier New" panose="02070309020205020404" pitchFamily="49" charset="0"/>
+              <a:cs typeface="Courier New" panose="02070309020205020404" pitchFamily="49" charset="0"/>
+            </a:endParaRPr>
+          </a:p>
+          <a:p>
+            <a:r>
+              <a:rPr lang="en-US" sz="1100" dirty="0">
+                <a:latin typeface="Courier New" panose="02070309020205020404" pitchFamily="49" charset="0"/>
+                <a:cs typeface="Courier New" panose="02070309020205020404" pitchFamily="49" charset="0"/>
+              </a:rPr>
+              <a:t>SELECT </a:t>
+            </a:r>
+          </a:p>
+          <a:p>
+            <a:r>
+              <a:rPr lang="en-US" sz="1100" dirty="0">
+                <a:latin typeface="Courier New" panose="02070309020205020404" pitchFamily="49" charset="0"/>
+                <a:cs typeface="Courier New" panose="02070309020205020404" pitchFamily="49" charset="0"/>
+              </a:rPr>
+              <a:t>    </a:t>
+            </a:r>
+            <a:r>
+              <a:rPr lang="en-US" sz="1100" dirty="0" smtClean="0">
+                <a:latin typeface="Courier New" panose="02070309020205020404" pitchFamily="49" charset="0"/>
+                <a:cs typeface="Courier New" panose="02070309020205020404" pitchFamily="49" charset="0"/>
+              </a:rPr>
+              <a:t>c</a:t>
+            </a:r>
+            <a:r>
+              <a:rPr lang="en-US" sz="1100" dirty="0">
+                <a:latin typeface="Courier New" panose="02070309020205020404" pitchFamily="49" charset="0"/>
+                <a:cs typeface="Courier New" panose="02070309020205020404" pitchFamily="49" charset="0"/>
+              </a:rPr>
+              <a:t>##</a:t>
+            </a:r>
+            <a:r>
+              <a:rPr lang="en-US" sz="1100" dirty="0" err="1">
+                <a:latin typeface="Courier New" panose="02070309020205020404" pitchFamily="49" charset="0"/>
+                <a:cs typeface="Courier New" panose="02070309020205020404" pitchFamily="49" charset="0"/>
+              </a:rPr>
+              <a:t>course.report_row</a:t>
+            </a:r>
+            <a:endParaRPr lang="en-US" sz="1100" dirty="0">
+              <a:latin typeface="Courier New" panose="02070309020205020404" pitchFamily="49" charset="0"/>
+              <a:cs typeface="Courier New" panose="02070309020205020404" pitchFamily="49" charset="0"/>
+            </a:endParaRPr>
+          </a:p>
+          <a:p>
+            <a:r>
+              <a:rPr lang="en-US" sz="1100" dirty="0">
+                <a:latin typeface="Courier New" panose="02070309020205020404" pitchFamily="49" charset="0"/>
+                <a:cs typeface="Courier New" panose="02070309020205020404" pitchFamily="49" charset="0"/>
+              </a:rPr>
+              <a:t>    </a:t>
+            </a:r>
+            <a:r>
+              <a:rPr lang="en-US" sz="1100" dirty="0" smtClean="0">
+                <a:latin typeface="Courier New" panose="02070309020205020404" pitchFamily="49" charset="0"/>
+                <a:cs typeface="Courier New" panose="02070309020205020404" pitchFamily="49" charset="0"/>
+              </a:rPr>
+              <a:t>(</a:t>
+            </a:r>
+            <a:endParaRPr lang="en-US" sz="1100" dirty="0">
+              <a:latin typeface="Courier New" panose="02070309020205020404" pitchFamily="49" charset="0"/>
+              <a:cs typeface="Courier New" panose="02070309020205020404" pitchFamily="49" charset="0"/>
+            </a:endParaRPr>
+          </a:p>
+          <a:p>
+            <a:r>
+              <a:rPr lang="en-US" sz="1100" dirty="0">
+                <a:latin typeface="Courier New" panose="02070309020205020404" pitchFamily="49" charset="0"/>
+                <a:cs typeface="Courier New" panose="02070309020205020404" pitchFamily="49" charset="0"/>
+              </a:rPr>
+              <a:t>    </a:t>
+            </a:r>
+            <a:r>
+              <a:rPr lang="en-US" sz="1100" dirty="0" smtClean="0">
+                <a:latin typeface="Courier New" panose="02070309020205020404" pitchFamily="49" charset="0"/>
+                <a:cs typeface="Courier New" panose="02070309020205020404" pitchFamily="49" charset="0"/>
+              </a:rPr>
+              <a:t>   </a:t>
+            </a:r>
+            <a:r>
+              <a:rPr lang="en-US" sz="1100" dirty="0" err="1">
+                <a:latin typeface="Courier New" panose="02070309020205020404" pitchFamily="49" charset="0"/>
+                <a:cs typeface="Courier New" panose="02070309020205020404" pitchFamily="49" charset="0"/>
+              </a:rPr>
+              <a:t>dog.num_dog</a:t>
+            </a:r>
+            <a:endParaRPr lang="en-US" sz="1100" dirty="0">
+              <a:latin typeface="Courier New" panose="02070309020205020404" pitchFamily="49" charset="0"/>
+              <a:cs typeface="Courier New" panose="02070309020205020404" pitchFamily="49" charset="0"/>
+            </a:endParaRPr>
+          </a:p>
+          <a:p>
+            <a:r>
+              <a:rPr lang="en-US" sz="1100" dirty="0">
+                <a:latin typeface="Courier New" panose="02070309020205020404" pitchFamily="49" charset="0"/>
+                <a:cs typeface="Courier New" panose="02070309020205020404" pitchFamily="49" charset="0"/>
+              </a:rPr>
+              <a:t>    </a:t>
+            </a:r>
+            <a:r>
+              <a:rPr lang="en-US" sz="1100" dirty="0" smtClean="0">
+                <a:latin typeface="Courier New" panose="02070309020205020404" pitchFamily="49" charset="0"/>
+                <a:cs typeface="Courier New" panose="02070309020205020404" pitchFamily="49" charset="0"/>
+              </a:rPr>
+              <a:t> </a:t>
+            </a:r>
+            <a:r>
+              <a:rPr lang="en-US" sz="1100" dirty="0">
+                <a:latin typeface="Courier New" panose="02070309020205020404" pitchFamily="49" charset="0"/>
+                <a:cs typeface="Courier New" panose="02070309020205020404" pitchFamily="49" charset="0"/>
+              </a:rPr>
+              <a:t>, </a:t>
+            </a:r>
+            <a:r>
+              <a:rPr lang="en-US" sz="1100" dirty="0" err="1">
+                <a:latin typeface="Courier New" panose="02070309020205020404" pitchFamily="49" charset="0"/>
+                <a:cs typeface="Courier New" panose="02070309020205020404" pitchFamily="49" charset="0"/>
+              </a:rPr>
+              <a:t>cli.cl_name</a:t>
+            </a:r>
+            <a:endParaRPr lang="en-US" sz="1100" dirty="0">
+              <a:latin typeface="Courier New" panose="02070309020205020404" pitchFamily="49" charset="0"/>
+              <a:cs typeface="Courier New" panose="02070309020205020404" pitchFamily="49" charset="0"/>
+            </a:endParaRPr>
+          </a:p>
+          <a:p>
+            <a:r>
+              <a:rPr lang="en-US" sz="1100" dirty="0">
+                <a:latin typeface="Courier New" panose="02070309020205020404" pitchFamily="49" charset="0"/>
+                <a:cs typeface="Courier New" panose="02070309020205020404" pitchFamily="49" charset="0"/>
+              </a:rPr>
+              <a:t>    </a:t>
+            </a:r>
+            <a:r>
+              <a:rPr lang="en-US" sz="1100" dirty="0" smtClean="0">
+                <a:latin typeface="Courier New" panose="02070309020205020404" pitchFamily="49" charset="0"/>
+                <a:cs typeface="Courier New" panose="02070309020205020404" pitchFamily="49" charset="0"/>
+              </a:rPr>
+              <a:t> </a:t>
+            </a:r>
+            <a:r>
+              <a:rPr lang="en-US" sz="1100" dirty="0">
+                <a:latin typeface="Courier New" panose="02070309020205020404" pitchFamily="49" charset="0"/>
+                <a:cs typeface="Courier New" panose="02070309020205020404" pitchFamily="49" charset="0"/>
+              </a:rPr>
+              <a:t>, </a:t>
+            </a:r>
+            <a:r>
+              <a:rPr lang="en-US" sz="1100" dirty="0" err="1">
+                <a:latin typeface="Courier New" panose="02070309020205020404" pitchFamily="49" charset="0"/>
+                <a:cs typeface="Courier New" panose="02070309020205020404" pitchFamily="49" charset="0"/>
+              </a:rPr>
+              <a:t>dog.summa_dog</a:t>
+            </a:r>
+            <a:endParaRPr lang="en-US" sz="1100" dirty="0">
+              <a:latin typeface="Courier New" panose="02070309020205020404" pitchFamily="49" charset="0"/>
+              <a:cs typeface="Courier New" panose="02070309020205020404" pitchFamily="49" charset="0"/>
+            </a:endParaRPr>
+          </a:p>
+          <a:p>
+            <a:r>
+              <a:rPr lang="en-US" sz="1100" dirty="0">
+                <a:latin typeface="Courier New" panose="02070309020205020404" pitchFamily="49" charset="0"/>
+                <a:cs typeface="Courier New" panose="02070309020205020404" pitchFamily="49" charset="0"/>
+              </a:rPr>
+              <a:t>    </a:t>
+            </a:r>
+            <a:r>
+              <a:rPr lang="en-US" sz="1100" dirty="0" smtClean="0">
+                <a:latin typeface="Courier New" panose="02070309020205020404" pitchFamily="49" charset="0"/>
+                <a:cs typeface="Courier New" panose="02070309020205020404" pitchFamily="49" charset="0"/>
+              </a:rPr>
+              <a:t> </a:t>
+            </a:r>
+            <a:r>
+              <a:rPr lang="en-US" sz="1100" dirty="0">
+                <a:latin typeface="Courier New" panose="02070309020205020404" pitchFamily="49" charset="0"/>
+                <a:cs typeface="Courier New" panose="02070309020205020404" pitchFamily="49" charset="0"/>
+              </a:rPr>
+              <a:t>, </a:t>
+            </a:r>
+            <a:r>
+              <a:rPr lang="en-US" sz="1100" dirty="0" err="1">
+                <a:latin typeface="Courier New" panose="02070309020205020404" pitchFamily="49" charset="0"/>
+                <a:cs typeface="Courier New" panose="02070309020205020404" pitchFamily="49" charset="0"/>
+              </a:rPr>
+              <a:t>dog.date_begin</a:t>
+            </a:r>
+            <a:endParaRPr lang="en-US" sz="1100" dirty="0">
+              <a:latin typeface="Courier New" panose="02070309020205020404" pitchFamily="49" charset="0"/>
+              <a:cs typeface="Courier New" panose="02070309020205020404" pitchFamily="49" charset="0"/>
+            </a:endParaRPr>
+          </a:p>
+          <a:p>
+            <a:r>
+              <a:rPr lang="en-US" sz="1100" dirty="0">
+                <a:latin typeface="Courier New" panose="02070309020205020404" pitchFamily="49" charset="0"/>
+                <a:cs typeface="Courier New" panose="02070309020205020404" pitchFamily="49" charset="0"/>
+              </a:rPr>
+              <a:t>    </a:t>
+            </a:r>
+            <a:r>
+              <a:rPr lang="en-US" sz="1100" dirty="0" smtClean="0">
+                <a:latin typeface="Courier New" panose="02070309020205020404" pitchFamily="49" charset="0"/>
+                <a:cs typeface="Courier New" panose="02070309020205020404" pitchFamily="49" charset="0"/>
+              </a:rPr>
+              <a:t> </a:t>
+            </a:r>
+            <a:r>
+              <a:rPr lang="en-US" sz="1100" dirty="0">
+                <a:latin typeface="Courier New" panose="02070309020205020404" pitchFamily="49" charset="0"/>
+                <a:cs typeface="Courier New" panose="02070309020205020404" pitchFamily="49" charset="0"/>
+              </a:rPr>
+              <a:t>, </a:t>
+            </a:r>
+            <a:r>
+              <a:rPr lang="en-US" sz="1100" dirty="0" err="1">
+                <a:latin typeface="Courier New" panose="02070309020205020404" pitchFamily="49" charset="0"/>
+                <a:cs typeface="Courier New" panose="02070309020205020404" pitchFamily="49" charset="0"/>
+              </a:rPr>
+              <a:t>dog.date_end</a:t>
+            </a:r>
+            <a:endParaRPr lang="en-US" sz="1100" dirty="0">
+              <a:latin typeface="Courier New" panose="02070309020205020404" pitchFamily="49" charset="0"/>
+              <a:cs typeface="Courier New" panose="02070309020205020404" pitchFamily="49" charset="0"/>
+            </a:endParaRPr>
+          </a:p>
+          <a:p>
+            <a:r>
+              <a:rPr lang="ru-RU" sz="1100" dirty="0" smtClean="0">
+                <a:latin typeface="Courier New" panose="02070309020205020404" pitchFamily="49" charset="0"/>
+                <a:cs typeface="Courier New" panose="02070309020205020404" pitchFamily="49" charset="0"/>
+              </a:rPr>
+              <a:t>     -- </a:t>
+            </a:r>
+            <a:r>
+              <a:rPr lang="ru-RU" sz="1100" dirty="0">
+                <a:latin typeface="Courier New" panose="02070309020205020404" pitchFamily="49" charset="0"/>
+                <a:cs typeface="Courier New" panose="02070309020205020404" pitchFamily="49" charset="0"/>
+              </a:rPr>
+              <a:t>Остаток ссудной задолженности </a:t>
+            </a:r>
+          </a:p>
+          <a:p>
+            <a:r>
+              <a:rPr lang="ru-RU" sz="1100" dirty="0">
+                <a:latin typeface="Courier New" panose="02070309020205020404" pitchFamily="49" charset="0"/>
+                <a:cs typeface="Courier New" panose="02070309020205020404" pitchFamily="49" charset="0"/>
+              </a:rPr>
+              <a:t>     </a:t>
+            </a:r>
+            <a:r>
+              <a:rPr lang="ru-RU" sz="1100" dirty="0" smtClean="0">
+                <a:latin typeface="Courier New" panose="02070309020205020404" pitchFamily="49" charset="0"/>
+                <a:cs typeface="Courier New" panose="02070309020205020404" pitchFamily="49" charset="0"/>
+              </a:rPr>
+              <a:t>, </a:t>
+            </a:r>
+            <a:r>
+              <a:rPr lang="en-US" sz="1100" dirty="0" err="1" smtClean="0">
+                <a:latin typeface="Courier New" panose="02070309020205020404" pitchFamily="49" charset="0"/>
+                <a:cs typeface="Courier New" panose="02070309020205020404" pitchFamily="49" charset="0"/>
+              </a:rPr>
+              <a:t>fact.sum_vidano</a:t>
+            </a:r>
+            <a:r>
+              <a:rPr lang="en-US" sz="1100" dirty="0" smtClean="0">
+                <a:latin typeface="Courier New" panose="02070309020205020404" pitchFamily="49" charset="0"/>
+                <a:cs typeface="Courier New" panose="02070309020205020404" pitchFamily="49" charset="0"/>
+              </a:rPr>
+              <a:t> </a:t>
+            </a:r>
+            <a:r>
+              <a:rPr lang="en-US" sz="1100" dirty="0">
+                <a:latin typeface="Courier New" panose="02070309020205020404" pitchFamily="49" charset="0"/>
+                <a:cs typeface="Courier New" panose="02070309020205020404" pitchFamily="49" charset="0"/>
+              </a:rPr>
+              <a:t>- </a:t>
+            </a:r>
+            <a:r>
+              <a:rPr lang="en-US" sz="1100" dirty="0" smtClean="0">
+                <a:latin typeface="Courier New" panose="02070309020205020404" pitchFamily="49" charset="0"/>
+                <a:cs typeface="Courier New" panose="02070309020205020404" pitchFamily="49" charset="0"/>
+              </a:rPr>
+              <a:t>NVL(fact.sum_pogasheno,0</a:t>
+            </a:r>
+            <a:r>
+              <a:rPr lang="en-US" sz="1100" dirty="0">
+                <a:latin typeface="Courier New" panose="02070309020205020404" pitchFamily="49" charset="0"/>
+                <a:cs typeface="Courier New" panose="02070309020205020404" pitchFamily="49" charset="0"/>
+              </a:rPr>
+              <a:t>)</a:t>
+            </a:r>
+          </a:p>
+          <a:p>
+            <a:r>
+              <a:rPr lang="en-US" sz="1100" dirty="0">
+                <a:latin typeface="Courier New" panose="02070309020205020404" pitchFamily="49" charset="0"/>
+                <a:cs typeface="Courier New" panose="02070309020205020404" pitchFamily="49" charset="0"/>
+              </a:rPr>
+              <a:t>     </a:t>
+            </a:r>
+            <a:r>
+              <a:rPr lang="en-US" sz="1100" dirty="0" smtClean="0">
+                <a:latin typeface="Courier New" panose="02070309020205020404" pitchFamily="49" charset="0"/>
+                <a:cs typeface="Courier New" panose="02070309020205020404" pitchFamily="49" charset="0"/>
+              </a:rPr>
+              <a:t>-- </a:t>
+            </a:r>
+            <a:r>
+              <a:rPr lang="ru-RU" sz="1100" dirty="0">
+                <a:latin typeface="Courier New" panose="02070309020205020404" pitchFamily="49" charset="0"/>
+                <a:cs typeface="Courier New" panose="02070309020205020404" pitchFamily="49" charset="0"/>
+              </a:rPr>
+              <a:t>Сумма предстоящих процентов к </a:t>
+            </a:r>
+            <a:r>
+              <a:rPr lang="ru-RU" sz="1100" dirty="0" smtClean="0">
+                <a:latin typeface="Courier New" panose="02070309020205020404" pitchFamily="49" charset="0"/>
+                <a:cs typeface="Courier New" panose="02070309020205020404" pitchFamily="49" charset="0"/>
+              </a:rPr>
+              <a:t>погашению</a:t>
+            </a:r>
+          </a:p>
+          <a:p>
+            <a:r>
+              <a:rPr lang="ru-RU" sz="1100" dirty="0" smtClean="0">
+                <a:latin typeface="Courier New" panose="02070309020205020404" pitchFamily="49" charset="0"/>
+                <a:cs typeface="Courier New" panose="02070309020205020404" pitchFamily="49" charset="0"/>
+              </a:rPr>
+              <a:t>     </a:t>
+            </a:r>
+            <a:r>
+              <a:rPr lang="en-US" sz="1100" dirty="0" smtClean="0">
+                <a:latin typeface="Courier New" panose="02070309020205020404" pitchFamily="49" charset="0"/>
+                <a:cs typeface="Courier New" panose="02070309020205020404" pitchFamily="49" charset="0"/>
+              </a:rPr>
+              <a:t>NVL(plan.sum_pogasheno_percent,0</a:t>
+            </a:r>
+            <a:r>
+              <a:rPr lang="en-US" sz="1100" dirty="0">
+                <a:latin typeface="Courier New" panose="02070309020205020404" pitchFamily="49" charset="0"/>
+                <a:cs typeface="Courier New" panose="02070309020205020404" pitchFamily="49" charset="0"/>
+              </a:rPr>
+              <a:t>) </a:t>
+            </a:r>
+            <a:r>
+              <a:rPr lang="en-US" sz="1100" dirty="0" smtClean="0">
+                <a:latin typeface="Courier New" panose="02070309020205020404" pitchFamily="49" charset="0"/>
+                <a:cs typeface="Courier New" panose="02070309020205020404" pitchFamily="49" charset="0"/>
+              </a:rPr>
+              <a:t>–</a:t>
+            </a:r>
+            <a:endParaRPr lang="ru-RU" sz="1100" dirty="0" smtClean="0">
+              <a:latin typeface="Courier New" panose="02070309020205020404" pitchFamily="49" charset="0"/>
+              <a:cs typeface="Courier New" panose="02070309020205020404" pitchFamily="49" charset="0"/>
+            </a:endParaRPr>
+          </a:p>
+          <a:p>
+            <a:r>
+              <a:rPr lang="ru-RU" sz="1100" dirty="0" smtClean="0">
+                <a:latin typeface="Courier New" panose="02070309020205020404" pitchFamily="49" charset="0"/>
+                <a:cs typeface="Courier New" panose="02070309020205020404" pitchFamily="49" charset="0"/>
+              </a:rPr>
+              <a:t>     </a:t>
+            </a:r>
+            <a:r>
+              <a:rPr lang="en-US" sz="1100" dirty="0" smtClean="0">
+                <a:latin typeface="Courier New" panose="02070309020205020404" pitchFamily="49" charset="0"/>
+                <a:cs typeface="Courier New" panose="02070309020205020404" pitchFamily="49" charset="0"/>
+              </a:rPr>
+              <a:t>NVL(fact.sum_pogasheno_percent,0</a:t>
+            </a:r>
+            <a:r>
+              <a:rPr lang="en-US" sz="1100" dirty="0" smtClean="0">
+                <a:latin typeface="Courier New" panose="02070309020205020404" pitchFamily="49" charset="0"/>
+                <a:cs typeface="Courier New" panose="02070309020205020404" pitchFamily="49" charset="0"/>
+              </a:rPr>
+              <a:t>)</a:t>
+            </a:r>
+            <a:endParaRPr lang="ru-RU" sz="1100" dirty="0" smtClean="0">
+              <a:latin typeface="Courier New" panose="02070309020205020404" pitchFamily="49" charset="0"/>
+              <a:cs typeface="Courier New" panose="02070309020205020404" pitchFamily="49" charset="0"/>
+            </a:endParaRPr>
+          </a:p>
+          <a:p>
+            <a:r>
+              <a:rPr lang="ru-RU" sz="1100" dirty="0">
+                <a:latin typeface="Courier New" panose="02070309020205020404" pitchFamily="49" charset="0"/>
+                <a:cs typeface="Courier New" panose="02070309020205020404" pitchFamily="49" charset="0"/>
+              </a:rPr>
+              <a:t> </a:t>
+            </a:r>
+            <a:r>
+              <a:rPr lang="ru-RU" sz="1100" dirty="0" smtClean="0">
+                <a:latin typeface="Courier New" panose="02070309020205020404" pitchFamily="49" charset="0"/>
+                <a:cs typeface="Courier New" panose="02070309020205020404" pitchFamily="49" charset="0"/>
+              </a:rPr>
+              <a:t>   </a:t>
+            </a:r>
+            <a:r>
+              <a:rPr lang="en-US" sz="1100" dirty="0" smtClean="0">
+                <a:latin typeface="Courier New" panose="02070309020205020404" pitchFamily="49" charset="0"/>
+                <a:cs typeface="Courier New" panose="02070309020205020404" pitchFamily="49" charset="0"/>
+              </a:rPr>
+              <a:t>)</a:t>
+            </a:r>
+            <a:endParaRPr lang="en-US" sz="1100" dirty="0">
+              <a:latin typeface="Courier New" panose="02070309020205020404" pitchFamily="49" charset="0"/>
+              <a:cs typeface="Courier New" panose="02070309020205020404" pitchFamily="49" charset="0"/>
+            </a:endParaRPr>
+          </a:p>
+          <a:p>
+            <a:r>
+              <a:rPr lang="en-US" sz="1100" dirty="0">
+                <a:latin typeface="Courier New" panose="02070309020205020404" pitchFamily="49" charset="0"/>
+                <a:cs typeface="Courier New" panose="02070309020205020404" pitchFamily="49" charset="0"/>
+              </a:rPr>
+              <a:t>    BULK COLLECT INTO </a:t>
+            </a:r>
+            <a:r>
+              <a:rPr lang="en-US" sz="1100" dirty="0" err="1">
+                <a:latin typeface="Courier New" panose="02070309020205020404" pitchFamily="49" charset="0"/>
+                <a:cs typeface="Courier New" panose="02070309020205020404" pitchFamily="49" charset="0"/>
+              </a:rPr>
+              <a:t>result_table_report</a:t>
+            </a:r>
+            <a:endParaRPr lang="en-US" sz="1100" dirty="0">
+              <a:latin typeface="Courier New" panose="02070309020205020404" pitchFamily="49" charset="0"/>
+              <a:cs typeface="Courier New" panose="02070309020205020404" pitchFamily="49" charset="0"/>
+            </a:endParaRPr>
+          </a:p>
+          <a:p>
+            <a:r>
+              <a:rPr lang="en-US" sz="1100" dirty="0">
+                <a:latin typeface="Courier New" panose="02070309020205020404" pitchFamily="49" charset="0"/>
+                <a:cs typeface="Courier New" panose="02070309020205020404" pitchFamily="49" charset="0"/>
+              </a:rPr>
+              <a:t>    </a:t>
+            </a:r>
+            <a:r>
+              <a:rPr lang="en-US" sz="1100" dirty="0" smtClean="0">
+                <a:latin typeface="Courier New" panose="02070309020205020404" pitchFamily="49" charset="0"/>
+                <a:cs typeface="Courier New" panose="02070309020205020404" pitchFamily="49" charset="0"/>
+              </a:rPr>
+              <a:t>FROM</a:t>
+            </a:r>
+            <a:r>
+              <a:rPr lang="ru-RU" sz="1100" dirty="0" smtClean="0">
+                <a:latin typeface="Courier New" panose="02070309020205020404" pitchFamily="49" charset="0"/>
+                <a:cs typeface="Courier New" panose="02070309020205020404" pitchFamily="49" charset="0"/>
+              </a:rPr>
+              <a:t> </a:t>
+            </a:r>
+            <a:r>
+              <a:rPr lang="en-US" sz="1100" dirty="0" smtClean="0">
+                <a:latin typeface="Courier New" panose="02070309020205020404" pitchFamily="49" charset="0"/>
+                <a:cs typeface="Courier New" panose="02070309020205020404" pitchFamily="49" charset="0"/>
+              </a:rPr>
+              <a:t> </a:t>
+            </a:r>
+            <a:r>
+              <a:rPr lang="en-US" sz="1100" dirty="0">
+                <a:latin typeface="Courier New" panose="02070309020205020404" pitchFamily="49" charset="0"/>
+                <a:cs typeface="Courier New" panose="02070309020205020404" pitchFamily="49" charset="0"/>
+              </a:rPr>
+              <a:t>c##</a:t>
+            </a:r>
+            <a:r>
+              <a:rPr lang="en-US" sz="1100" dirty="0" err="1">
+                <a:latin typeface="Courier New" panose="02070309020205020404" pitchFamily="49" charset="0"/>
+                <a:cs typeface="Courier New" panose="02070309020205020404" pitchFamily="49" charset="0"/>
+              </a:rPr>
+              <a:t>course.pr_credit</a:t>
+            </a:r>
+            <a:r>
+              <a:rPr lang="en-US" sz="1100" dirty="0">
+                <a:latin typeface="Courier New" panose="02070309020205020404" pitchFamily="49" charset="0"/>
+                <a:cs typeface="Courier New" panose="02070309020205020404" pitchFamily="49" charset="0"/>
+              </a:rPr>
+              <a:t> dog</a:t>
+            </a:r>
+          </a:p>
+          <a:p>
+            <a:r>
+              <a:rPr lang="en-US" sz="1100" dirty="0" smtClean="0">
+                <a:latin typeface="Courier New" panose="02070309020205020404" pitchFamily="49" charset="0"/>
+                <a:cs typeface="Courier New" panose="02070309020205020404" pitchFamily="49" charset="0"/>
+              </a:rPr>
+              <a:t>    </a:t>
+            </a:r>
+            <a:r>
+              <a:rPr lang="en-US" sz="1100" dirty="0">
+                <a:latin typeface="Courier New" panose="02070309020205020404" pitchFamily="49" charset="0"/>
+                <a:cs typeface="Courier New" panose="02070309020205020404" pitchFamily="49" charset="0"/>
+              </a:rPr>
+              <a:t>INNER JOIN</a:t>
+            </a:r>
+          </a:p>
+          <a:p>
+            <a:r>
+              <a:rPr lang="en-US" sz="1100" dirty="0">
+                <a:latin typeface="Courier New" panose="02070309020205020404" pitchFamily="49" charset="0"/>
+                <a:cs typeface="Courier New" panose="02070309020205020404" pitchFamily="49" charset="0"/>
+              </a:rPr>
+              <a:t>        c##</a:t>
+            </a:r>
+            <a:r>
+              <a:rPr lang="en-US" sz="1100" dirty="0" err="1">
+                <a:latin typeface="Courier New" panose="02070309020205020404" pitchFamily="49" charset="0"/>
+                <a:cs typeface="Courier New" panose="02070309020205020404" pitchFamily="49" charset="0"/>
+              </a:rPr>
+              <a:t>course.client</a:t>
+            </a:r>
+            <a:r>
+              <a:rPr lang="en-US" sz="1100" dirty="0">
+                <a:latin typeface="Courier New" panose="02070309020205020404" pitchFamily="49" charset="0"/>
+                <a:cs typeface="Courier New" panose="02070309020205020404" pitchFamily="49" charset="0"/>
+              </a:rPr>
+              <a:t> cli</a:t>
+            </a:r>
+          </a:p>
+          <a:p>
+            <a:r>
+              <a:rPr lang="en-US" sz="1100" dirty="0">
+                <a:latin typeface="Courier New" panose="02070309020205020404" pitchFamily="49" charset="0"/>
+                <a:cs typeface="Courier New" panose="02070309020205020404" pitchFamily="49" charset="0"/>
+              </a:rPr>
+              <a:t>        ON (</a:t>
+            </a:r>
+            <a:r>
+              <a:rPr lang="en-US" sz="1100" dirty="0" err="1">
+                <a:latin typeface="Courier New" panose="02070309020205020404" pitchFamily="49" charset="0"/>
+                <a:cs typeface="Courier New" panose="02070309020205020404" pitchFamily="49" charset="0"/>
+              </a:rPr>
+              <a:t>dog.id_client</a:t>
+            </a:r>
+            <a:r>
+              <a:rPr lang="en-US" sz="1100" dirty="0">
+                <a:latin typeface="Courier New" panose="02070309020205020404" pitchFamily="49" charset="0"/>
+                <a:cs typeface="Courier New" panose="02070309020205020404" pitchFamily="49" charset="0"/>
+              </a:rPr>
+              <a:t> = cli.id</a:t>
+            </a:r>
+            <a:r>
+              <a:rPr lang="en-US" sz="1100" dirty="0" smtClean="0">
+                <a:latin typeface="Courier New" panose="02070309020205020404" pitchFamily="49" charset="0"/>
+                <a:cs typeface="Courier New" panose="02070309020205020404" pitchFamily="49" charset="0"/>
+              </a:rPr>
+              <a:t>)</a:t>
+            </a:r>
+            <a:endParaRPr lang="ru-RU" sz="1100" dirty="0" smtClean="0">
+              <a:latin typeface="Courier New" panose="02070309020205020404" pitchFamily="49" charset="0"/>
+              <a:cs typeface="Courier New" panose="02070309020205020404" pitchFamily="49" charset="0"/>
+            </a:endParaRPr>
+          </a:p>
+          <a:p>
+            <a:r>
+              <a:rPr lang="ru-RU" sz="1100" dirty="0" smtClean="0">
+                <a:latin typeface="Courier New" panose="02070309020205020404" pitchFamily="49" charset="0"/>
+                <a:cs typeface="Courier New" panose="02070309020205020404" pitchFamily="49" charset="0"/>
+              </a:rPr>
+              <a:t>...</a:t>
+            </a:r>
+            <a:r>
+              <a:rPr lang="en-US" sz="1100" dirty="0" smtClean="0">
+                <a:latin typeface="Courier New" panose="02070309020205020404" pitchFamily="49" charset="0"/>
+                <a:cs typeface="Courier New" panose="02070309020205020404" pitchFamily="49" charset="0"/>
+              </a:rPr>
+              <a:t>   </a:t>
+            </a:r>
+            <a:endParaRPr lang="en-US" sz="1100" dirty="0">
+              <a:latin typeface="Courier New" panose="02070309020205020404" pitchFamily="49" charset="0"/>
+              <a:cs typeface="Courier New" panose="02070309020205020404" pitchFamily="49" charset="0"/>
+            </a:endParaRPr>
+          </a:p>
+          <a:p>
+            <a:r>
+              <a:rPr lang="en-US" sz="1100" dirty="0">
+                <a:latin typeface="Courier New" panose="02070309020205020404" pitchFamily="49" charset="0"/>
+                <a:cs typeface="Courier New" panose="02070309020205020404" pitchFamily="49" charset="0"/>
+              </a:rPr>
+              <a:t>    </a:t>
+            </a:r>
+          </a:p>
+        </p:txBody>
+      </p:sp>
       <p:pic>
         <p:nvPicPr>
-          <p:cNvPr id="9" name="Рисунок 8"/>
+          <p:cNvPr id="3" name="Рисунок 2"/>
           <p:cNvPicPr>
             <a:picLocks noChangeAspect="1"/>
           </p:cNvPicPr>
@@ -11188,8 +10910,8 @@
         </p:blipFill>
         <p:spPr>
           <a:xfrm>
-            <a:off x="4799856" y="3334289"/>
-            <a:ext cx="7318027" cy="2898831"/>
+            <a:off x="350158" y="3585095"/>
+            <a:ext cx="5454493" cy="1572097"/>
           </a:xfrm>
           <a:prstGeom prst="rect">
             <a:avLst/>
@@ -11199,7 +10921,7 @@
     </p:spTree>
     <p:extLst>
       <p:ext uri="{BB962C8B-B14F-4D97-AF65-F5344CB8AC3E}">
-        <p14:creationId xmlns:p14="http://schemas.microsoft.com/office/powerpoint/2010/main" val="4115944381"/>
+        <p14:creationId xmlns:p14="http://schemas.microsoft.com/office/powerpoint/2010/main" val="460338939"/>
       </p:ext>
     </p:extLst>
   </p:cSld>
@@ -11238,7 +10960,7 @@
           <p:cNvPr id="18" name="Title 7">
             <a:extLst>
               <a:ext uri="{FF2B5EF4-FFF2-40B4-BE49-F238E27FC236}">
-                <a16:creationId xmlns="" xmlns:a16="http://schemas.microsoft.com/office/drawing/2014/main" id="{E195DE7B-42F0-4CAA-AAB0-D33DB61C53CA}"/>
+                <a16:creationId xmlns:a16="http://schemas.microsoft.com/office/drawing/2014/main" xmlns="" id="{E195DE7B-42F0-4CAA-AAB0-D33DB61C53CA}"/>
               </a:ext>
             </a:extLst>
           </p:cNvPr>
@@ -11287,7 +11009,7 @@
                   <a:srgbClr val="333F48"/>
                 </a:solidFill>
               </a:rPr>
-              <a:t>3. План Запроса </a:t>
+              <a:t>3. Процедура экспортирует таблицу отчета в файл </a:t>
             </a:r>
             <a:endParaRPr lang="ru-RU" sz="1200" dirty="0"/>
           </a:p>
@@ -11354,8 +11076,8 @@
         </p:nvSpPr>
         <p:spPr>
           <a:xfrm>
-            <a:off x="317532" y="980728"/>
-            <a:ext cx="10369152" cy="3139321"/>
+            <a:off x="335360" y="725502"/>
+            <a:ext cx="5328592" cy="2800767"/>
           </a:xfrm>
           <a:prstGeom prst="rect">
             <a:avLst/>
@@ -11383,172 +11105,476 @@
                 <a:latin typeface="Courier New" panose="02070309020205020404" pitchFamily="49" charset="0"/>
                 <a:cs typeface="Courier New" panose="02070309020205020404" pitchFamily="49" charset="0"/>
               </a:rPr>
-              <a:t>------------------------------------------------------------------------------------------------------------------</a:t>
-            </a:r>
-          </a:p>
-          <a:p>
-            <a:r>
-              <a:rPr lang="en-US" sz="1100" dirty="0">
-                <a:latin typeface="Courier New" panose="02070309020205020404" pitchFamily="49" charset="0"/>
-                <a:cs typeface="Courier New" panose="02070309020205020404" pitchFamily="49" charset="0"/>
-              </a:rPr>
-              <a:t>| Id  | Operation                                 | Name                 | Rows  | Bytes | Cost (%CPU)| Time     |</a:t>
-            </a:r>
-          </a:p>
-          <a:p>
-            <a:r>
-              <a:rPr lang="en-US" sz="1100" dirty="0">
-                <a:latin typeface="Courier New" panose="02070309020205020404" pitchFamily="49" charset="0"/>
-                <a:cs typeface="Courier New" panose="02070309020205020404" pitchFamily="49" charset="0"/>
-              </a:rPr>
-              <a:t>------------------------------------------------------------------------------------------------------------------</a:t>
-            </a:r>
-          </a:p>
-          <a:p>
-            <a:r>
-              <a:rPr lang="en-US" sz="1100" dirty="0">
-                <a:latin typeface="Courier New" panose="02070309020205020404" pitchFamily="49" charset="0"/>
-                <a:cs typeface="Courier New" panose="02070309020205020404" pitchFamily="49" charset="0"/>
-              </a:rPr>
-              <a:t>|   0 | SELECT STATEMENT                          |                      |    14 |  2576 |    16  (19)| 00:00:01 |</a:t>
-            </a:r>
-          </a:p>
-          <a:p>
-            <a:r>
-              <a:rPr lang="en-US" sz="1100" dirty="0">
-                <a:latin typeface="Courier New" panose="02070309020205020404" pitchFamily="49" charset="0"/>
-                <a:cs typeface="Courier New" panose="02070309020205020404" pitchFamily="49" charset="0"/>
-              </a:rPr>
-              <a:t>|   1 |  SORT ORDER BY                            |                      |    14 |  2576 |    16  (19)| 00:00:01 |</a:t>
-            </a:r>
-          </a:p>
-          <a:p>
-            <a:r>
-              <a:rPr lang="en-US" sz="1100" dirty="0">
-                <a:latin typeface="Courier New" panose="02070309020205020404" pitchFamily="49" charset="0"/>
-                <a:cs typeface="Courier New" panose="02070309020205020404" pitchFamily="49" charset="0"/>
-              </a:rPr>
-              <a:t>|*  2 |   HASH JOIN                               |                      |    14 |  2576 |    15  (14)| 00:00:01 |</a:t>
-            </a:r>
-          </a:p>
-          <a:p>
-            <a:r>
-              <a:rPr lang="en-US" sz="1100" dirty="0">
-                <a:latin typeface="Courier New" panose="02070309020205020404" pitchFamily="49" charset="0"/>
-                <a:cs typeface="Courier New" panose="02070309020205020404" pitchFamily="49" charset="0"/>
-              </a:rPr>
-              <a:t>|*  3 |    HASH JOIN OUTER                        |                      |    14 |  1736 |    12  (17)| 00:00:01 |</a:t>
-            </a:r>
-          </a:p>
-          <a:p>
-            <a:r>
-              <a:rPr lang="en-US" sz="1100" dirty="0">
-                <a:latin typeface="Courier New" panose="02070309020205020404" pitchFamily="49" charset="0"/>
-                <a:cs typeface="Courier New" panose="02070309020205020404" pitchFamily="49" charset="0"/>
-              </a:rPr>
-              <a:t>|*  4 |     HASH JOIN OUTER                       |                      |    14 |  1064 |     9  (12)| 00:00:01 |</a:t>
-            </a:r>
-          </a:p>
-          <a:p>
-            <a:r>
-              <a:rPr lang="en-US" sz="1100" dirty="0">
-                <a:latin typeface="Courier New" panose="02070309020205020404" pitchFamily="49" charset="0"/>
-                <a:cs typeface="Courier New" panose="02070309020205020404" pitchFamily="49" charset="0"/>
-              </a:rPr>
-              <a:t>|*  5 |      TABLE ACCESS FULL                    | PR_CREDIT            |    14 |   756 |     3   (0)| 00:00:01 </a:t>
-            </a:r>
-            <a:r>
-              <a:rPr lang="en-US" sz="1100" dirty="0" smtClean="0">
-                <a:latin typeface="Courier New" panose="02070309020205020404" pitchFamily="49" charset="0"/>
-                <a:cs typeface="Courier New" panose="02070309020205020404" pitchFamily="49" charset="0"/>
-              </a:rPr>
-              <a:t>|</a:t>
-            </a:r>
-          </a:p>
-          <a:p>
-            <a:r>
-              <a:rPr lang="en-US" sz="1100" dirty="0">
-                <a:latin typeface="Courier New" panose="02070309020205020404" pitchFamily="49" charset="0"/>
-                <a:cs typeface="Courier New" panose="02070309020205020404" pitchFamily="49" charset="0"/>
-              </a:rPr>
-              <a:t>|   6 |      VIEW                                 |                      |    18 |   396 |     6  (17)| 00:00:01 |</a:t>
-            </a:r>
-          </a:p>
-          <a:p>
-            <a:r>
-              <a:rPr lang="en-US" sz="1100" dirty="0">
-                <a:latin typeface="Courier New" panose="02070309020205020404" pitchFamily="49" charset="0"/>
-                <a:cs typeface="Courier New" panose="02070309020205020404" pitchFamily="49" charset="0"/>
-              </a:rPr>
-              <a:t>|   7 |       HASH GROUP BY                       |                      |    18 |  1044 |     6  (17)| 00:00:01 |</a:t>
-            </a:r>
-          </a:p>
-          <a:p>
-            <a:r>
-              <a:rPr lang="en-US" sz="1100" dirty="0">
-                <a:latin typeface="Courier New" panose="02070309020205020404" pitchFamily="49" charset="0"/>
-                <a:cs typeface="Courier New" panose="02070309020205020404" pitchFamily="49" charset="0"/>
-              </a:rPr>
-              <a:t>|*  8 |        TABLE ACCESS BY INDEX ROWID BATCHED| PLAN_OPER            |    31 |  1798 |     5   (0)| 00:00:01 |</a:t>
-            </a:r>
-          </a:p>
-          <a:p>
-            <a:r>
-              <a:rPr lang="en-US" sz="1100" dirty="0">
-                <a:latin typeface="Courier New" panose="02070309020205020404" pitchFamily="49" charset="0"/>
-                <a:cs typeface="Courier New" panose="02070309020205020404" pitchFamily="49" charset="0"/>
-              </a:rPr>
-              <a:t>|*  9 |         INDEX RANGE SCAN                  | IDX_PLAN_OPER_P_DATE |    67 |       |     2   (0)| 00:00:01 |</a:t>
-            </a:r>
-          </a:p>
-          <a:p>
-            <a:r>
-              <a:rPr lang="en-US" sz="1100" dirty="0">
-                <a:latin typeface="Courier New" panose="02070309020205020404" pitchFamily="49" charset="0"/>
-                <a:cs typeface="Courier New" panose="02070309020205020404" pitchFamily="49" charset="0"/>
-              </a:rPr>
-              <a:t>|  10 |     VIEW                                  |                      |    22 |  1056 |     3  (34)| 00:00:01 |</a:t>
-            </a:r>
-          </a:p>
-          <a:p>
-            <a:r>
-              <a:rPr lang="en-US" sz="1100" dirty="0">
-                <a:latin typeface="Courier New" panose="02070309020205020404" pitchFamily="49" charset="0"/>
-                <a:cs typeface="Courier New" panose="02070309020205020404" pitchFamily="49" charset="0"/>
-              </a:rPr>
-              <a:t>|  11 |      HASH GROUP BY                        |                      |    22 |  1254 |     3  (34)| 00:00:01 |</a:t>
-            </a:r>
-          </a:p>
-          <a:p>
-            <a:r>
-              <a:rPr lang="en-US" sz="1100" dirty="0">
-                <a:latin typeface="Courier New" panose="02070309020205020404" pitchFamily="49" charset="0"/>
-                <a:cs typeface="Courier New" panose="02070309020205020404" pitchFamily="49" charset="0"/>
-              </a:rPr>
-              <a:t>|  12 |       TABLE ACCESS BY INDEX ROWID BATCHED | FACT_OPER            |    66 |  3762 |     2   (0)| 00:00:01 |</a:t>
-            </a:r>
-          </a:p>
-          <a:p>
-            <a:r>
-              <a:rPr lang="en-US" sz="1100" dirty="0">
-                <a:latin typeface="Courier New" panose="02070309020205020404" pitchFamily="49" charset="0"/>
-                <a:cs typeface="Courier New" panose="02070309020205020404" pitchFamily="49" charset="0"/>
-              </a:rPr>
-              <a:t>|* 13 |        INDEX RANGE SCAN                   | IDX_FACT_OPER_F_DATE |    66 |       |     1   (0)| 00:00:01 |</a:t>
-            </a:r>
-          </a:p>
-          <a:p>
-            <a:r>
-              <a:rPr lang="en-US" sz="1100" dirty="0">
-                <a:latin typeface="Courier New" panose="02070309020205020404" pitchFamily="49" charset="0"/>
-                <a:cs typeface="Courier New" panose="02070309020205020404" pitchFamily="49" charset="0"/>
-              </a:rPr>
-              <a:t>|  14 |    TABLE ACCESS FULL                      | CLIENT               |    24 |  1440 |     3   (0)| 00:00:01 |</a:t>
-            </a:r>
+              <a:t>CREATE OR REPLACE PROCEDURE c##</a:t>
+            </a:r>
+            <a:r>
+              <a:rPr lang="en-US" sz="1100" dirty="0" err="1">
+                <a:latin typeface="Courier New" panose="02070309020205020404" pitchFamily="49" charset="0"/>
+                <a:cs typeface="Courier New" panose="02070309020205020404" pitchFamily="49" charset="0"/>
+              </a:rPr>
+              <a:t>course.pr_make_report</a:t>
+            </a:r>
+            <a:r>
+              <a:rPr lang="en-US" sz="1100" dirty="0">
+                <a:latin typeface="Courier New" panose="02070309020205020404" pitchFamily="49" charset="0"/>
+                <a:cs typeface="Courier New" panose="02070309020205020404" pitchFamily="49" charset="0"/>
+              </a:rPr>
+              <a:t> (</a:t>
+            </a:r>
+            <a:r>
+              <a:rPr lang="en-US" sz="1100" dirty="0" err="1">
+                <a:latin typeface="Courier New" panose="02070309020205020404" pitchFamily="49" charset="0"/>
+                <a:cs typeface="Courier New" panose="02070309020205020404" pitchFamily="49" charset="0"/>
+              </a:rPr>
+              <a:t>report_dt</a:t>
+            </a:r>
+            <a:r>
+              <a:rPr lang="en-US" sz="1100" dirty="0">
+                <a:latin typeface="Courier New" panose="02070309020205020404" pitchFamily="49" charset="0"/>
+                <a:cs typeface="Courier New" panose="02070309020205020404" pitchFamily="49" charset="0"/>
+              </a:rPr>
+              <a:t> IN DATE)</a:t>
+            </a:r>
+          </a:p>
+          <a:p>
             <a:endParaRPr lang="en-US" sz="1100" dirty="0">
               <a:latin typeface="Courier New" panose="02070309020205020404" pitchFamily="49" charset="0"/>
               <a:cs typeface="Courier New" panose="02070309020205020404" pitchFamily="49" charset="0"/>
             </a:endParaRPr>
+          </a:p>
+          <a:p>
+            <a:r>
+              <a:rPr lang="en-US" sz="1100" dirty="0">
+                <a:latin typeface="Courier New" panose="02070309020205020404" pitchFamily="49" charset="0"/>
+                <a:cs typeface="Courier New" panose="02070309020205020404" pitchFamily="49" charset="0"/>
+              </a:rPr>
+              <a:t>AS</a:t>
+            </a:r>
+          </a:p>
+          <a:p>
+            <a:r>
+              <a:rPr lang="en-US" sz="1100" dirty="0">
+                <a:latin typeface="Courier New" panose="02070309020205020404" pitchFamily="49" charset="0"/>
+                <a:cs typeface="Courier New" panose="02070309020205020404" pitchFamily="49" charset="0"/>
+              </a:rPr>
+              <a:t>    t NUMBER := 0;</a:t>
+            </a:r>
+          </a:p>
+          <a:p>
+            <a:r>
+              <a:rPr lang="en-US" sz="1100" dirty="0">
+                <a:latin typeface="Courier New" panose="02070309020205020404" pitchFamily="49" charset="0"/>
+                <a:cs typeface="Courier New" panose="02070309020205020404" pitchFamily="49" charset="0"/>
+              </a:rPr>
+              <a:t>BEGIN</a:t>
+            </a:r>
+          </a:p>
+          <a:p>
+            <a:endParaRPr lang="en-US" sz="1100" dirty="0">
+              <a:latin typeface="Courier New" panose="02070309020205020404" pitchFamily="49" charset="0"/>
+              <a:cs typeface="Courier New" panose="02070309020205020404" pitchFamily="49" charset="0"/>
+            </a:endParaRPr>
+          </a:p>
+          <a:p>
+            <a:r>
+              <a:rPr lang="en-US" sz="1100" dirty="0">
+                <a:latin typeface="Courier New" panose="02070309020205020404" pitchFamily="49" charset="0"/>
+                <a:cs typeface="Courier New" panose="02070309020205020404" pitchFamily="49" charset="0"/>
+              </a:rPr>
+              <a:t>    t := 0</a:t>
+            </a:r>
+            <a:r>
+              <a:rPr lang="en-US" sz="1100" dirty="0" smtClean="0">
+                <a:latin typeface="Courier New" panose="02070309020205020404" pitchFamily="49" charset="0"/>
+                <a:cs typeface="Courier New" panose="02070309020205020404" pitchFamily="49" charset="0"/>
+              </a:rPr>
+              <a:t>;</a:t>
+            </a:r>
+          </a:p>
+          <a:p>
+            <a:r>
+              <a:rPr lang="en-US" sz="1100" dirty="0" smtClean="0">
+                <a:latin typeface="Courier New" panose="02070309020205020404" pitchFamily="49" charset="0"/>
+                <a:cs typeface="Courier New" panose="02070309020205020404" pitchFamily="49" charset="0"/>
+              </a:rPr>
+              <a:t>    </a:t>
+            </a:r>
+          </a:p>
+          <a:p>
+            <a:r>
+              <a:rPr lang="en-US" sz="1100" dirty="0">
+                <a:latin typeface="Courier New" panose="02070309020205020404" pitchFamily="49" charset="0"/>
+                <a:cs typeface="Courier New" panose="02070309020205020404" pitchFamily="49" charset="0"/>
+              </a:rPr>
+              <a:t> </a:t>
+            </a:r>
+            <a:r>
+              <a:rPr lang="en-US" sz="1100" dirty="0" smtClean="0">
+                <a:latin typeface="Courier New" panose="02070309020205020404" pitchFamily="49" charset="0"/>
+                <a:cs typeface="Courier New" panose="02070309020205020404" pitchFamily="49" charset="0"/>
+              </a:rPr>
+              <a:t>   FOR </a:t>
+            </a:r>
+            <a:r>
+              <a:rPr lang="en-US" sz="1100" dirty="0" err="1">
+                <a:latin typeface="Courier New" panose="02070309020205020404" pitchFamily="49" charset="0"/>
+                <a:cs typeface="Courier New" panose="02070309020205020404" pitchFamily="49" charset="0"/>
+              </a:rPr>
+              <a:t>i</a:t>
+            </a:r>
+            <a:r>
+              <a:rPr lang="en-US" sz="1100" dirty="0">
+                <a:latin typeface="Courier New" panose="02070309020205020404" pitchFamily="49" charset="0"/>
+                <a:cs typeface="Courier New" panose="02070309020205020404" pitchFamily="49" charset="0"/>
+              </a:rPr>
+              <a:t> IN (</a:t>
+            </a:r>
+          </a:p>
+          <a:p>
+            <a:r>
+              <a:rPr lang="en-US" sz="1100" dirty="0">
+                <a:latin typeface="Courier New" panose="02070309020205020404" pitchFamily="49" charset="0"/>
+                <a:cs typeface="Courier New" panose="02070309020205020404" pitchFamily="49" charset="0"/>
+              </a:rPr>
+              <a:t>        SELECT * FROM c##</a:t>
+            </a:r>
+            <a:r>
+              <a:rPr lang="en-US" sz="1100" dirty="0" err="1">
+                <a:latin typeface="Courier New" panose="02070309020205020404" pitchFamily="49" charset="0"/>
+                <a:cs typeface="Courier New" panose="02070309020205020404" pitchFamily="49" charset="0"/>
+              </a:rPr>
+              <a:t>course.fn_get_report</a:t>
+            </a:r>
+            <a:r>
+              <a:rPr lang="en-US" sz="1100" dirty="0">
+                <a:latin typeface="Courier New" panose="02070309020205020404" pitchFamily="49" charset="0"/>
+                <a:cs typeface="Courier New" panose="02070309020205020404" pitchFamily="49" charset="0"/>
+              </a:rPr>
+              <a:t> (</a:t>
+            </a:r>
+            <a:r>
+              <a:rPr lang="en-US" sz="1100" dirty="0" err="1">
+                <a:latin typeface="Courier New" panose="02070309020205020404" pitchFamily="49" charset="0"/>
+                <a:cs typeface="Courier New" panose="02070309020205020404" pitchFamily="49" charset="0"/>
+              </a:rPr>
+              <a:t>report_dt</a:t>
+            </a:r>
+            <a:r>
+              <a:rPr lang="en-US" sz="1100" dirty="0">
+                <a:latin typeface="Courier New" panose="02070309020205020404" pitchFamily="49" charset="0"/>
+                <a:cs typeface="Courier New" panose="02070309020205020404" pitchFamily="49" charset="0"/>
+              </a:rPr>
+              <a:t>)</a:t>
+            </a:r>
+          </a:p>
+          <a:p>
+            <a:r>
+              <a:rPr lang="en-US" sz="1100" dirty="0">
+                <a:latin typeface="Courier New" panose="02070309020205020404" pitchFamily="49" charset="0"/>
+                <a:cs typeface="Courier New" panose="02070309020205020404" pitchFamily="49" charset="0"/>
+              </a:rPr>
+              <a:t>    ) LOOP</a:t>
+            </a:r>
+          </a:p>
+          <a:p>
+            <a:r>
+              <a:rPr lang="en-US" sz="1100" dirty="0">
+                <a:latin typeface="Courier New" panose="02070309020205020404" pitchFamily="49" charset="0"/>
+                <a:cs typeface="Courier New" panose="02070309020205020404" pitchFamily="49" charset="0"/>
+              </a:rPr>
+              <a:t>    </a:t>
+            </a:r>
+          </a:p>
+          <a:p>
+            <a:r>
+              <a:rPr lang="en-US" sz="1100" dirty="0">
+                <a:latin typeface="Courier New" panose="02070309020205020404" pitchFamily="49" charset="0"/>
+                <a:cs typeface="Courier New" panose="02070309020205020404" pitchFamily="49" charset="0"/>
+              </a:rPr>
+              <a:t>    t := t + 1</a:t>
+            </a:r>
+            <a:r>
+              <a:rPr lang="en-US" sz="1100" dirty="0" smtClean="0">
+                <a:latin typeface="Courier New" panose="02070309020205020404" pitchFamily="49" charset="0"/>
+                <a:cs typeface="Courier New" panose="02070309020205020404" pitchFamily="49" charset="0"/>
+              </a:rPr>
+              <a:t>;</a:t>
+            </a:r>
+          </a:p>
+          <a:p>
+            <a:r>
+              <a:rPr lang="en-US" sz="1100" dirty="0" smtClean="0">
+                <a:latin typeface="Courier New" panose="02070309020205020404" pitchFamily="49" charset="0"/>
+                <a:cs typeface="Courier New" panose="02070309020205020404" pitchFamily="49" charset="0"/>
+              </a:rPr>
+              <a:t>...</a:t>
+            </a:r>
+          </a:p>
+          <a:p>
+            <a:endParaRPr lang="en-US" sz="1100" dirty="0">
+              <a:latin typeface="Courier New" panose="02070309020205020404" pitchFamily="49" charset="0"/>
+              <a:cs typeface="Courier New" panose="02070309020205020404" pitchFamily="49" charset="0"/>
+            </a:endParaRPr>
+          </a:p>
+        </p:txBody>
+      </p:sp>
+      <p:sp>
+        <p:nvSpPr>
+          <p:cNvPr id="7" name="TextBox 6"/>
+          <p:cNvSpPr txBox="1"/>
+          <p:nvPr/>
+        </p:nvSpPr>
+        <p:spPr>
+          <a:xfrm>
+            <a:off x="5879976" y="728112"/>
+            <a:ext cx="6120680" cy="2462213"/>
+          </a:xfrm>
+          <a:prstGeom prst="rect">
+            <a:avLst/>
+          </a:prstGeom>
+          <a:solidFill>
+            <a:schemeClr val="accent2">
+              <a:lumMod val="20000"/>
+              <a:lumOff val="80000"/>
+            </a:schemeClr>
+          </a:solidFill>
+          <a:ln>
+            <a:solidFill>
+              <a:schemeClr val="accent1"/>
+            </a:solidFill>
+          </a:ln>
+        </p:spPr>
+        <p:txBody>
+          <a:bodyPr wrap="square" rtlCol="0">
+            <a:spAutoFit/>
+          </a:bodyPr>
+          <a:lstStyle/>
+          <a:p>
+            <a:endParaRPr lang="en-US" sz="1100" dirty="0">
+              <a:latin typeface="Courier New" panose="02070309020205020404" pitchFamily="49" charset="0"/>
+              <a:cs typeface="Courier New" panose="02070309020205020404" pitchFamily="49" charset="0"/>
+            </a:endParaRPr>
+          </a:p>
+          <a:p>
+            <a:r>
+              <a:rPr lang="en-US" sz="1100" dirty="0">
+                <a:latin typeface="Courier New" panose="02070309020205020404" pitchFamily="49" charset="0"/>
+                <a:cs typeface="Courier New" panose="02070309020205020404" pitchFamily="49" charset="0"/>
+              </a:rPr>
+              <a:t>SET ECHO OFF</a:t>
+            </a:r>
+          </a:p>
+          <a:p>
+            <a:r>
+              <a:rPr lang="en-US" sz="1100" dirty="0">
+                <a:latin typeface="Courier New" panose="02070309020205020404" pitchFamily="49" charset="0"/>
+                <a:cs typeface="Courier New" panose="02070309020205020404" pitchFamily="49" charset="0"/>
+              </a:rPr>
+              <a:t>SET VERIFY OFF</a:t>
+            </a:r>
+          </a:p>
+          <a:p>
+            <a:r>
+              <a:rPr lang="en-US" sz="1100" dirty="0">
+                <a:latin typeface="Courier New" panose="02070309020205020404" pitchFamily="49" charset="0"/>
+                <a:cs typeface="Courier New" panose="02070309020205020404" pitchFamily="49" charset="0"/>
+              </a:rPr>
+              <a:t>SET SERVEROUTPUT ON</a:t>
+            </a:r>
+          </a:p>
+          <a:p>
+            <a:endParaRPr lang="en-US" sz="1100" dirty="0">
+              <a:latin typeface="Courier New" panose="02070309020205020404" pitchFamily="49" charset="0"/>
+              <a:cs typeface="Courier New" panose="02070309020205020404" pitchFamily="49" charset="0"/>
+            </a:endParaRPr>
+          </a:p>
+          <a:p>
+            <a:r>
+              <a:rPr lang="en-US" sz="1100" dirty="0">
+                <a:latin typeface="Courier New" panose="02070309020205020404" pitchFamily="49" charset="0"/>
+                <a:cs typeface="Courier New" panose="02070309020205020404" pitchFamily="49" charset="0"/>
+              </a:rPr>
+              <a:t>ACCEPT </a:t>
+            </a:r>
+            <a:r>
+              <a:rPr lang="en-US" sz="1100" dirty="0" err="1">
+                <a:latin typeface="Courier New" panose="02070309020205020404" pitchFamily="49" charset="0"/>
+                <a:cs typeface="Courier New" panose="02070309020205020404" pitchFamily="49" charset="0"/>
+              </a:rPr>
+              <a:t>dt</a:t>
+            </a:r>
+            <a:r>
+              <a:rPr lang="en-US" sz="1100" dirty="0">
+                <a:latin typeface="Courier New" panose="02070309020205020404" pitchFamily="49" charset="0"/>
+                <a:cs typeface="Courier New" panose="02070309020205020404" pitchFamily="49" charset="0"/>
+              </a:rPr>
+              <a:t> DATE FORMAT '</a:t>
+            </a:r>
+            <a:r>
+              <a:rPr lang="en-US" sz="1100" dirty="0" err="1">
+                <a:latin typeface="Courier New" panose="02070309020205020404" pitchFamily="49" charset="0"/>
+                <a:cs typeface="Courier New" panose="02070309020205020404" pitchFamily="49" charset="0"/>
+              </a:rPr>
+              <a:t>dd.mm.yyyy</a:t>
+            </a:r>
+            <a:r>
+              <a:rPr lang="en-US" sz="1100" dirty="0">
+                <a:latin typeface="Courier New" panose="02070309020205020404" pitchFamily="49" charset="0"/>
+                <a:cs typeface="Courier New" panose="02070309020205020404" pitchFamily="49" charset="0"/>
+              </a:rPr>
+              <a:t>' PROMPT '</a:t>
+            </a:r>
+            <a:r>
+              <a:rPr lang="ru-RU" sz="1100" dirty="0">
+                <a:latin typeface="Courier New" panose="02070309020205020404" pitchFamily="49" charset="0"/>
+                <a:cs typeface="Courier New" panose="02070309020205020404" pitchFamily="49" charset="0"/>
+              </a:rPr>
+              <a:t>Введите дату отчета:  ';</a:t>
+            </a:r>
+          </a:p>
+          <a:p>
+            <a:endParaRPr lang="ru-RU" sz="1100" dirty="0">
+              <a:latin typeface="Courier New" panose="02070309020205020404" pitchFamily="49" charset="0"/>
+              <a:cs typeface="Courier New" panose="02070309020205020404" pitchFamily="49" charset="0"/>
+            </a:endParaRPr>
+          </a:p>
+          <a:p>
+            <a:r>
+              <a:rPr lang="en-US" sz="1100" dirty="0">
+                <a:latin typeface="Courier New" panose="02070309020205020404" pitchFamily="49" charset="0"/>
+                <a:cs typeface="Courier New" panose="02070309020205020404" pitchFamily="49" charset="0"/>
+              </a:rPr>
+              <a:t>DEFINE </a:t>
+            </a:r>
+            <a:r>
+              <a:rPr lang="en-US" sz="1100" dirty="0" err="1">
+                <a:latin typeface="Courier New" panose="02070309020205020404" pitchFamily="49" charset="0"/>
+                <a:cs typeface="Courier New" panose="02070309020205020404" pitchFamily="49" charset="0"/>
+              </a:rPr>
+              <a:t>spool_file</a:t>
+            </a:r>
+            <a:r>
+              <a:rPr lang="en-US" sz="1100" dirty="0">
+                <a:latin typeface="Courier New" panose="02070309020205020404" pitchFamily="49" charset="0"/>
+                <a:cs typeface="Courier New" panose="02070309020205020404" pitchFamily="49" charset="0"/>
+              </a:rPr>
+              <a:t> = 'c:\Temp\&amp;</a:t>
+            </a:r>
+            <a:r>
+              <a:rPr lang="en-US" sz="1100" dirty="0" err="1">
+                <a:latin typeface="Courier New" panose="02070309020205020404" pitchFamily="49" charset="0"/>
+                <a:cs typeface="Courier New" panose="02070309020205020404" pitchFamily="49" charset="0"/>
+              </a:rPr>
+              <a:t>dt</a:t>
+            </a:r>
+            <a:r>
+              <a:rPr lang="en-US" sz="1100" dirty="0">
+                <a:latin typeface="Courier New" panose="02070309020205020404" pitchFamily="49" charset="0"/>
+                <a:cs typeface="Courier New" panose="02070309020205020404" pitchFamily="49" charset="0"/>
+              </a:rPr>
+              <a:t>..</a:t>
+            </a:r>
+            <a:r>
+              <a:rPr lang="en-US" sz="1100" dirty="0" err="1">
+                <a:latin typeface="Courier New" panose="02070309020205020404" pitchFamily="49" charset="0"/>
+                <a:cs typeface="Courier New" panose="02070309020205020404" pitchFamily="49" charset="0"/>
+              </a:rPr>
+              <a:t>xls</a:t>
+            </a:r>
+            <a:r>
+              <a:rPr lang="en-US" sz="1100" dirty="0">
+                <a:latin typeface="Courier New" panose="02070309020205020404" pitchFamily="49" charset="0"/>
+                <a:cs typeface="Courier New" panose="02070309020205020404" pitchFamily="49" charset="0"/>
+              </a:rPr>
+              <a:t>';</a:t>
+            </a:r>
+          </a:p>
+          <a:p>
+            <a:r>
+              <a:rPr lang="en-US" sz="1100" dirty="0">
+                <a:latin typeface="Courier New" panose="02070309020205020404" pitchFamily="49" charset="0"/>
+                <a:cs typeface="Courier New" panose="02070309020205020404" pitchFamily="49" charset="0"/>
+              </a:rPr>
+              <a:t>SPOOL &amp;</a:t>
+            </a:r>
+            <a:r>
+              <a:rPr lang="en-US" sz="1100" dirty="0" err="1">
+                <a:latin typeface="Courier New" panose="02070309020205020404" pitchFamily="49" charset="0"/>
+                <a:cs typeface="Courier New" panose="02070309020205020404" pitchFamily="49" charset="0"/>
+              </a:rPr>
+              <a:t>spool_file</a:t>
+            </a:r>
+            <a:endParaRPr lang="en-US" sz="1100" dirty="0">
+              <a:latin typeface="Courier New" panose="02070309020205020404" pitchFamily="49" charset="0"/>
+              <a:cs typeface="Courier New" panose="02070309020205020404" pitchFamily="49" charset="0"/>
+            </a:endParaRPr>
+          </a:p>
+          <a:p>
+            <a:endParaRPr lang="en-US" sz="1100" dirty="0">
+              <a:latin typeface="Courier New" panose="02070309020205020404" pitchFamily="49" charset="0"/>
+              <a:cs typeface="Courier New" panose="02070309020205020404" pitchFamily="49" charset="0"/>
+            </a:endParaRPr>
+          </a:p>
+          <a:p>
+            <a:r>
+              <a:rPr lang="en-US" sz="1100" dirty="0">
+                <a:latin typeface="Courier New" panose="02070309020205020404" pitchFamily="49" charset="0"/>
+                <a:cs typeface="Courier New" panose="02070309020205020404" pitchFamily="49" charset="0"/>
+              </a:rPr>
+              <a:t>EXECUTE c##</a:t>
+            </a:r>
+            <a:r>
+              <a:rPr lang="en-US" sz="1100" dirty="0" err="1">
+                <a:latin typeface="Courier New" panose="02070309020205020404" pitchFamily="49" charset="0"/>
+                <a:cs typeface="Courier New" panose="02070309020205020404" pitchFamily="49" charset="0"/>
+              </a:rPr>
+              <a:t>course.pr_make_report</a:t>
+            </a:r>
+            <a:r>
+              <a:rPr lang="en-US" sz="1100" dirty="0">
+                <a:latin typeface="Courier New" panose="02070309020205020404" pitchFamily="49" charset="0"/>
+                <a:cs typeface="Courier New" panose="02070309020205020404" pitchFamily="49" charset="0"/>
+              </a:rPr>
+              <a:t> (TO_DATE('&amp;</a:t>
+            </a:r>
+            <a:r>
+              <a:rPr lang="en-US" sz="1100" dirty="0" err="1">
+                <a:latin typeface="Courier New" panose="02070309020205020404" pitchFamily="49" charset="0"/>
+                <a:cs typeface="Courier New" panose="02070309020205020404" pitchFamily="49" charset="0"/>
+              </a:rPr>
+              <a:t>dt</a:t>
+            </a:r>
+            <a:r>
+              <a:rPr lang="en-US" sz="1100" dirty="0">
+                <a:latin typeface="Courier New" panose="02070309020205020404" pitchFamily="49" charset="0"/>
+                <a:cs typeface="Courier New" panose="02070309020205020404" pitchFamily="49" charset="0"/>
+              </a:rPr>
+              <a:t>','DD.MM.YYYY'));</a:t>
+            </a:r>
+          </a:p>
+          <a:p>
+            <a:r>
+              <a:rPr lang="en-US" sz="1100" dirty="0">
+                <a:latin typeface="Courier New" panose="02070309020205020404" pitchFamily="49" charset="0"/>
+                <a:cs typeface="Courier New" panose="02070309020205020404" pitchFamily="49" charset="0"/>
+              </a:rPr>
+              <a:t>/</a:t>
+            </a:r>
+          </a:p>
+          <a:p>
+            <a:endParaRPr lang="en-US" sz="1100" dirty="0">
+              <a:latin typeface="Courier New" panose="02070309020205020404" pitchFamily="49" charset="0"/>
+              <a:cs typeface="Courier New" panose="02070309020205020404" pitchFamily="49" charset="0"/>
+            </a:endParaRPr>
+          </a:p>
+          <a:p>
+            <a:r>
+              <a:rPr lang="en-US" sz="1100" dirty="0">
+                <a:latin typeface="Courier New" panose="02070309020205020404" pitchFamily="49" charset="0"/>
+                <a:cs typeface="Courier New" panose="02070309020205020404" pitchFamily="49" charset="0"/>
+              </a:rPr>
+              <a:t>SPOOL OFF    </a:t>
+            </a:r>
           </a:p>
         </p:txBody>
       </p:sp>
@@ -11561,7 +11587,7 @@
         <p:spPr bwMode="auto">
           <a:xfrm>
             <a:off x="307850" y="6309320"/>
-            <a:ext cx="10657184" cy="461665"/>
+            <a:ext cx="10657184" cy="276999"/>
           </a:xfrm>
           <a:prstGeom prst="rect">
             <a:avLst/>
@@ -11575,7 +11601,7 @@
           <a:lstStyle/>
           <a:p>
             <a:r>
-              <a:rPr lang="en-US" sz="1200" smtClean="0">
+              <a:rPr lang="en-US" sz="1200" dirty="0" smtClean="0">
                 <a:solidFill>
                   <a:schemeClr val="tx2">
                     <a:lumMod val="60000"/>
@@ -11584,7 +11610,7 @@
                 </a:solidFill>
                 <a:hlinkClick r:id="rId2"/>
               </a:rPr>
-              <a:t>https://github.com/AndrSor/Course_PLSQL_SB/blob/main/Course%20Work/03.4.%D0%9F%D0%BB%D0%B0%D0%BD%20%D0%B7%D0%B0%D0%BF%D1%80%D0%BE%D1%81%D0%B0.sql</a:t>
+              <a:t>https://github.com/AndrSor/Course_PLSQL_SB/blob/main/Course%20Work/03.2.EXPORT%20REPORT%20TO%20EXCEL%20TO%20DISK.sql</a:t>
             </a:r>
             <a:endParaRPr lang="ru-RU" sz="1200" dirty="0">
               <a:solidFill>
@@ -11635,10 +11661,34 @@
           </a:p>
         </p:txBody>
       </p:sp>
+      <p:pic>
+        <p:nvPicPr>
+          <p:cNvPr id="2" name="Рисунок 1"/>
+          <p:cNvPicPr>
+            <a:picLocks noChangeAspect="1"/>
+          </p:cNvPicPr>
+          <p:nvPr/>
+        </p:nvPicPr>
+        <p:blipFill>
+          <a:blip r:embed="rId3"/>
+          <a:stretch>
+            <a:fillRect/>
+          </a:stretch>
+        </p:blipFill>
+        <p:spPr>
+          <a:xfrm>
+            <a:off x="5649994" y="3301234"/>
+            <a:ext cx="6422670" cy="2936078"/>
+          </a:xfrm>
+          <a:prstGeom prst="rect">
+            <a:avLst/>
+          </a:prstGeom>
+        </p:spPr>
+      </p:pic>
     </p:spTree>
     <p:extLst>
       <p:ext uri="{BB962C8B-B14F-4D97-AF65-F5344CB8AC3E}">
-        <p14:creationId xmlns:p14="http://schemas.microsoft.com/office/powerpoint/2010/main" val="314225480"/>
+        <p14:creationId xmlns:p14="http://schemas.microsoft.com/office/powerpoint/2010/main" val="4115944381"/>
       </p:ext>
     </p:extLst>
   </p:cSld>
@@ -11677,7 +11727,532 @@
           <p:cNvPr id="18" name="Title 7">
             <a:extLst>
               <a:ext uri="{FF2B5EF4-FFF2-40B4-BE49-F238E27FC236}">
-                <a16:creationId xmlns="" xmlns:a16="http://schemas.microsoft.com/office/drawing/2014/main" id="{E195DE7B-42F0-4CAA-AAB0-D33DB61C53CA}"/>
+                <a16:creationId xmlns:a16="http://schemas.microsoft.com/office/drawing/2014/main" xmlns="" id="{E195DE7B-42F0-4CAA-AAB0-D33DB61C53CA}"/>
+              </a:ext>
+            </a:extLst>
+          </p:cNvPr>
+          <p:cNvSpPr>
+            <a:spLocks/>
+          </p:cNvSpPr>
+          <p:nvPr/>
+        </p:nvSpPr>
+        <p:spPr bwMode="auto">
+          <a:xfrm>
+            <a:off x="191344" y="285978"/>
+            <a:ext cx="12169352" cy="550734"/>
+          </a:xfrm>
+          <a:prstGeom prst="rect">
+            <a:avLst/>
+          </a:prstGeom>
+        </p:spPr>
+        <p:txBody>
+          <a:bodyPr lIns="0" tIns="0" rIns="0" bIns="0"/>
+          <a:lstStyle>
+            <a:lvl1pPr algn="l" defTabSz="914400">
+              <a:lnSpc>
+                <a:spcPct val="90000"/>
+              </a:lnSpc>
+              <a:spcBef>
+                <a:spcPts val="0"/>
+              </a:spcBef>
+              <a:buNone/>
+              <a:defRPr sz="4400" b="0" i="0">
+                <a:solidFill>
+                  <a:schemeClr val="tx1"/>
+                </a:solidFill>
+                <a:latin typeface="SB Sans Display Regular"/>
+                <a:ea typeface="+mj-ea"/>
+                <a:cs typeface="+mj-cs"/>
+              </a:defRPr>
+            </a:lvl1pPr>
+          </a:lstStyle>
+          <a:p>
+            <a:pPr>
+              <a:defRPr/>
+            </a:pPr>
+            <a:r>
+              <a:rPr lang="ru-RU" sz="3200" dirty="0" smtClean="0">
+                <a:solidFill>
+                  <a:srgbClr val="333F48"/>
+                </a:solidFill>
+              </a:rPr>
+              <a:t>3. </a:t>
+            </a:r>
+            <a:r>
+              <a:rPr lang="ru-RU" sz="3200" dirty="0" smtClean="0">
+                <a:solidFill>
+                  <a:srgbClr val="333F48"/>
+                </a:solidFill>
+              </a:rPr>
+              <a:t>Объединение процедуры и функции в пакет </a:t>
+            </a:r>
+            <a:endParaRPr lang="ru-RU" sz="1200" dirty="0"/>
+          </a:p>
+          <a:p>
+            <a:pPr>
+              <a:defRPr/>
+            </a:pPr>
+            <a:r>
+              <a:rPr lang="ru-RU" sz="3200" dirty="0" smtClean="0">
+                <a:solidFill>
+                  <a:srgbClr val="333F48"/>
+                </a:solidFill>
+              </a:rPr>
+              <a:t> </a:t>
+            </a:r>
+            <a:endParaRPr lang="ru-RU" sz="1200" dirty="0"/>
+          </a:p>
+        </p:txBody>
+      </p:sp>
+      <p:sp>
+        <p:nvSpPr>
+          <p:cNvPr id="5" name="TextBox 4"/>
+          <p:cNvSpPr txBox="1"/>
+          <p:nvPr/>
+        </p:nvSpPr>
+        <p:spPr>
+          <a:xfrm>
+            <a:off x="5879976" y="614491"/>
+            <a:ext cx="6120680" cy="507831"/>
+          </a:xfrm>
+          <a:prstGeom prst="rect">
+            <a:avLst/>
+          </a:prstGeom>
+          <a:noFill/>
+        </p:spPr>
+        <p:txBody>
+          <a:bodyPr wrap="square" rtlCol="0">
+            <a:spAutoFit/>
+          </a:bodyPr>
+          <a:lstStyle/>
+          <a:p>
+            <a:r>
+              <a:rPr lang="en-US" sz="900" dirty="0"/>
+              <a:t> </a:t>
+            </a:r>
+          </a:p>
+          <a:p>
+            <a:endParaRPr lang="en-US" sz="900" dirty="0"/>
+          </a:p>
+          <a:p>
+            <a:r>
+              <a:rPr lang="en-US" sz="900" dirty="0" smtClean="0"/>
+              <a:t>   </a:t>
+            </a:r>
+            <a:endParaRPr lang="ru-RU" sz="900" dirty="0"/>
+          </a:p>
+        </p:txBody>
+      </p:sp>
+      <p:sp>
+        <p:nvSpPr>
+          <p:cNvPr id="4" name="TextBox 3"/>
+          <p:cNvSpPr txBox="1"/>
+          <p:nvPr/>
+        </p:nvSpPr>
+        <p:spPr>
+          <a:xfrm>
+            <a:off x="317532" y="980728"/>
+            <a:ext cx="10369152" cy="3308598"/>
+          </a:xfrm>
+          <a:prstGeom prst="rect">
+            <a:avLst/>
+          </a:prstGeom>
+          <a:solidFill>
+            <a:schemeClr val="accent2">
+              <a:lumMod val="20000"/>
+              <a:lumOff val="80000"/>
+            </a:schemeClr>
+          </a:solidFill>
+          <a:ln>
+            <a:solidFill>
+              <a:schemeClr val="accent1"/>
+            </a:solidFill>
+          </a:ln>
+        </p:spPr>
+        <p:txBody>
+          <a:bodyPr wrap="square" rtlCol="0">
+            <a:spAutoFit/>
+          </a:bodyPr>
+          <a:lstStyle/>
+          <a:p>
+            <a:r>
+              <a:rPr lang="en-US" sz="1100" dirty="0"/>
+              <a:t>CREATE OR REPLACE PACKAGE c##</a:t>
+            </a:r>
+            <a:r>
+              <a:rPr lang="en-US" sz="1100" dirty="0" err="1"/>
+              <a:t>course.pk_credit_report</a:t>
+            </a:r>
+            <a:r>
+              <a:rPr lang="en-US" sz="1100" dirty="0"/>
+              <a:t> AS   </a:t>
+            </a:r>
+          </a:p>
+          <a:p>
+            <a:r>
+              <a:rPr lang="en-US" sz="1100" dirty="0"/>
+              <a:t>    TYPE </a:t>
+            </a:r>
+            <a:r>
+              <a:rPr lang="en-US" sz="1100" dirty="0" err="1"/>
+              <a:t>report_row</a:t>
+            </a:r>
+            <a:r>
+              <a:rPr lang="en-US" sz="1100" dirty="0"/>
+              <a:t> IS RECORD</a:t>
+            </a:r>
+          </a:p>
+          <a:p>
+            <a:r>
+              <a:rPr lang="en-US" sz="1100" dirty="0"/>
+              <a:t>    ( </a:t>
+            </a:r>
+          </a:p>
+          <a:p>
+            <a:r>
+              <a:rPr lang="en-US" sz="1100" dirty="0"/>
+              <a:t>          </a:t>
+            </a:r>
+            <a:r>
+              <a:rPr lang="en-US" sz="1100" dirty="0" err="1"/>
+              <a:t>num_dog</a:t>
+            </a:r>
+            <a:r>
+              <a:rPr lang="en-US" sz="1100" dirty="0"/>
+              <a:t>             varchar2(10)</a:t>
+            </a:r>
+          </a:p>
+          <a:p>
+            <a:r>
+              <a:rPr lang="en-US" sz="1100" dirty="0"/>
+              <a:t>        , </a:t>
+            </a:r>
+            <a:r>
+              <a:rPr lang="en-US" sz="1100" dirty="0" err="1"/>
+              <a:t>cl_name</a:t>
+            </a:r>
+            <a:r>
+              <a:rPr lang="en-US" sz="1100" dirty="0"/>
+              <a:t>             varchar2(100)</a:t>
+            </a:r>
+          </a:p>
+          <a:p>
+            <a:r>
+              <a:rPr lang="en-US" sz="1100" dirty="0"/>
+              <a:t>        , </a:t>
+            </a:r>
+            <a:r>
+              <a:rPr lang="en-US" sz="1100" dirty="0" err="1"/>
+              <a:t>summa_dog</a:t>
+            </a:r>
+            <a:r>
+              <a:rPr lang="en-US" sz="1100" dirty="0"/>
+              <a:t>           number</a:t>
+            </a:r>
+          </a:p>
+          <a:p>
+            <a:r>
+              <a:rPr lang="en-US" sz="1100" dirty="0"/>
+              <a:t>        , </a:t>
+            </a:r>
+            <a:r>
+              <a:rPr lang="en-US" sz="1100" dirty="0" err="1"/>
+              <a:t>date_begin</a:t>
+            </a:r>
+            <a:r>
+              <a:rPr lang="en-US" sz="1100" dirty="0"/>
+              <a:t>          date </a:t>
+            </a:r>
+          </a:p>
+          <a:p>
+            <a:r>
+              <a:rPr lang="en-US" sz="1100" dirty="0"/>
+              <a:t>        , </a:t>
+            </a:r>
+            <a:r>
+              <a:rPr lang="en-US" sz="1100" dirty="0" err="1"/>
+              <a:t>date_end</a:t>
+            </a:r>
+            <a:r>
+              <a:rPr lang="en-US" sz="1100" dirty="0"/>
+              <a:t>            date</a:t>
+            </a:r>
+          </a:p>
+          <a:p>
+            <a:r>
+              <a:rPr lang="en-US" sz="1100" dirty="0"/>
+              <a:t>        , </a:t>
+            </a:r>
+            <a:r>
+              <a:rPr lang="en-US" sz="1100" dirty="0" err="1"/>
+              <a:t>ostat_dolg</a:t>
+            </a:r>
+            <a:r>
+              <a:rPr lang="en-US" sz="1100" dirty="0"/>
+              <a:t>          number</a:t>
+            </a:r>
+          </a:p>
+          <a:p>
+            <a:r>
+              <a:rPr lang="en-US" sz="1100" dirty="0"/>
+              <a:t>        , </a:t>
+            </a:r>
+            <a:r>
+              <a:rPr lang="en-US" sz="1100" dirty="0" err="1"/>
+              <a:t>need_pogash_percent</a:t>
+            </a:r>
+            <a:r>
+              <a:rPr lang="en-US" sz="1100" dirty="0"/>
+              <a:t> number</a:t>
+            </a:r>
+          </a:p>
+          <a:p>
+            <a:r>
+              <a:rPr lang="en-US" sz="1100" dirty="0"/>
+              <a:t>    );</a:t>
+            </a:r>
+          </a:p>
+          <a:p>
+            <a:r>
+              <a:rPr lang="en-US" sz="1100" dirty="0"/>
+              <a:t/>
+            </a:r>
+            <a:br>
+              <a:rPr lang="en-US" sz="1100" dirty="0"/>
+            </a:br>
+            <a:r>
+              <a:rPr lang="en-US" sz="1100" dirty="0"/>
+              <a:t>    TYPE </a:t>
+            </a:r>
+            <a:r>
+              <a:rPr lang="en-US" sz="1100" dirty="0" err="1"/>
+              <a:t>table_report</a:t>
+            </a:r>
+            <a:r>
+              <a:rPr lang="en-US" sz="1100" dirty="0"/>
+              <a:t> IS TABLE OF </a:t>
+            </a:r>
+            <a:r>
+              <a:rPr lang="en-US" sz="1100" dirty="0" err="1"/>
+              <a:t>report_row</a:t>
+            </a:r>
+            <a:r>
+              <a:rPr lang="en-US" sz="1100" dirty="0"/>
+              <a:t>;</a:t>
+            </a:r>
+          </a:p>
+          <a:p>
+            <a:r>
+              <a:rPr lang="en-US" sz="1100" dirty="0"/>
+              <a:t>    </a:t>
+            </a:r>
+          </a:p>
+          <a:p>
+            <a:r>
+              <a:rPr lang="en-US" sz="1100" dirty="0"/>
+              <a:t>    FUNCTION </a:t>
+            </a:r>
+            <a:r>
+              <a:rPr lang="en-US" sz="1100" dirty="0" err="1"/>
+              <a:t>fn_get_report</a:t>
+            </a:r>
+            <a:r>
+              <a:rPr lang="en-US" sz="1100" dirty="0"/>
+              <a:t> (</a:t>
+            </a:r>
+            <a:r>
+              <a:rPr lang="en-US" sz="1100" dirty="0" err="1"/>
+              <a:t>report_dt</a:t>
+            </a:r>
+            <a:r>
+              <a:rPr lang="en-US" sz="1100" dirty="0"/>
+              <a:t> DATE) RETURN </a:t>
+            </a:r>
+            <a:r>
+              <a:rPr lang="en-US" sz="1100" dirty="0" err="1"/>
+              <a:t>table_report</a:t>
+            </a:r>
+            <a:r>
+              <a:rPr lang="en-US" sz="1100" dirty="0"/>
+              <a:t>;</a:t>
+            </a:r>
+          </a:p>
+          <a:p>
+            <a:r>
+              <a:rPr lang="en-US" sz="1100" dirty="0"/>
+              <a:t>    </a:t>
+            </a:r>
+          </a:p>
+          <a:p>
+            <a:r>
+              <a:rPr lang="en-US" sz="1100" dirty="0"/>
+              <a:t>    PROCEDURE </a:t>
+            </a:r>
+            <a:r>
+              <a:rPr lang="en-US" sz="1100" dirty="0" err="1"/>
+              <a:t>pr_make_report</a:t>
+            </a:r>
+            <a:r>
+              <a:rPr lang="en-US" sz="1100" dirty="0"/>
+              <a:t> (</a:t>
+            </a:r>
+            <a:r>
+              <a:rPr lang="en-US" sz="1100" dirty="0" err="1"/>
+              <a:t>report_dt</a:t>
+            </a:r>
+            <a:r>
+              <a:rPr lang="en-US" sz="1100" dirty="0"/>
+              <a:t> IN DATE);</a:t>
+            </a:r>
+          </a:p>
+          <a:p>
+            <a:r>
+              <a:rPr lang="en-US" sz="1100" dirty="0"/>
+              <a:t>    </a:t>
+            </a:r>
+          </a:p>
+          <a:p>
+            <a:r>
+              <a:rPr lang="en-US" sz="1100" dirty="0"/>
+              <a:t>END </a:t>
+            </a:r>
+            <a:r>
+              <a:rPr lang="en-US" sz="1100" dirty="0" err="1"/>
+              <a:t>pk_credit_report</a:t>
+            </a:r>
+            <a:r>
+              <a:rPr lang="en-US" sz="1100" dirty="0"/>
+              <a:t>;</a:t>
+            </a:r>
+          </a:p>
+        </p:txBody>
+      </p:sp>
+      <p:sp>
+        <p:nvSpPr>
+          <p:cNvPr id="6" name="TextBox 5"/>
+          <p:cNvSpPr txBox="1"/>
+          <p:nvPr/>
+        </p:nvSpPr>
+        <p:spPr bwMode="auto">
+          <a:xfrm>
+            <a:off x="307850" y="6309320"/>
+            <a:ext cx="10657184" cy="276999"/>
+          </a:xfrm>
+          <a:prstGeom prst="rect">
+            <a:avLst/>
+          </a:prstGeom>
+          <a:noFill/>
+        </p:spPr>
+        <p:txBody>
+          <a:bodyPr wrap="square" rtlCol="0">
+            <a:spAutoFit/>
+          </a:bodyPr>
+          <a:lstStyle/>
+          <a:p>
+            <a:r>
+              <a:rPr lang="en-US" sz="1200" dirty="0" smtClean="0">
+                <a:solidFill>
+                  <a:schemeClr val="tx2">
+                    <a:lumMod val="60000"/>
+                    <a:lumOff val="40000"/>
+                  </a:schemeClr>
+                </a:solidFill>
+                <a:hlinkClick r:id="rId2"/>
+              </a:rPr>
+              <a:t>https://github.com/AndrSor/Course_PLSQL_SB/blob/main/Course%20Work/03.3.CREATE%20PACKAGE.sql</a:t>
+            </a:r>
+            <a:endParaRPr lang="ru-RU" sz="1200" dirty="0">
+              <a:solidFill>
+                <a:schemeClr val="tx2">
+                  <a:lumMod val="60000"/>
+                  <a:lumOff val="40000"/>
+                </a:schemeClr>
+              </a:solidFill>
+            </a:endParaRPr>
+          </a:p>
+        </p:txBody>
+      </p:sp>
+      <p:sp>
+        <p:nvSpPr>
+          <p:cNvPr id="8" name="TextBox 7"/>
+          <p:cNvSpPr txBox="1"/>
+          <p:nvPr/>
+        </p:nvSpPr>
+        <p:spPr bwMode="auto">
+          <a:xfrm>
+            <a:off x="335360" y="5939988"/>
+            <a:ext cx="4608512" cy="369332"/>
+          </a:xfrm>
+          <a:prstGeom prst="rect">
+            <a:avLst/>
+          </a:prstGeom>
+          <a:noFill/>
+        </p:spPr>
+        <p:txBody>
+          <a:bodyPr wrap="square" rtlCol="0">
+            <a:spAutoFit/>
+          </a:bodyPr>
+          <a:lstStyle/>
+          <a:p>
+            <a:r>
+              <a:rPr lang="ru-RU" dirty="0" smtClean="0"/>
+              <a:t>Ссылка на код скри</a:t>
+            </a:r>
+            <a:r>
+              <a:rPr lang="ru-RU" dirty="0"/>
+              <a:t>п</a:t>
+            </a:r>
+            <a:r>
+              <a:rPr lang="ru-RU" dirty="0" smtClean="0"/>
+              <a:t>та:</a:t>
+            </a:r>
+            <a:endParaRPr lang="ru-RU" dirty="0"/>
+          </a:p>
+        </p:txBody>
+      </p:sp>
+    </p:spTree>
+    <p:extLst>
+      <p:ext uri="{BB962C8B-B14F-4D97-AF65-F5344CB8AC3E}">
+        <p14:creationId xmlns:p14="http://schemas.microsoft.com/office/powerpoint/2010/main" val="314225480"/>
+      </p:ext>
+    </p:extLst>
+  </p:cSld>
+  <p:clrMapOvr>
+    <a:masterClrMapping/>
+  </p:clrMapOvr>
+  <p:timing>
+    <p:tnLst>
+      <p:par>
+        <p:cTn id="1" dur="indefinite" restart="never" nodeType="tmRoot"/>
+      </p:par>
+    </p:tnLst>
+  </p:timing>
+</p:sld>
+</file>
+
+<file path=ppt/slides/slide15.xml><?xml version="1.0" encoding="utf-8"?>
+<p:sld xmlns:a="http://schemas.openxmlformats.org/drawingml/2006/main" xmlns:r="http://schemas.openxmlformats.org/officeDocument/2006/relationships" xmlns:p="http://schemas.openxmlformats.org/presentationml/2006/main" showMasterPhAnim="0">
+  <p:cSld>
+    <p:spTree>
+      <p:nvGrpSpPr>
+        <p:cNvPr id="1" name=""/>
+        <p:cNvGrpSpPr/>
+        <p:nvPr/>
+      </p:nvGrpSpPr>
+      <p:grpSpPr bwMode="auto">
+        <a:xfrm>
+          <a:off x="0" y="0"/>
+          <a:ext cx="0" cy="0"/>
+          <a:chOff x="0" y="0"/>
+          <a:chExt cx="0" cy="0"/>
+        </a:xfrm>
+      </p:grpSpPr>
+      <p:sp>
+        <p:nvSpPr>
+          <p:cNvPr id="18" name="Title 7">
+            <a:extLst>
+              <a:ext uri="{FF2B5EF4-FFF2-40B4-BE49-F238E27FC236}">
+                <a16:creationId xmlns:a16="http://schemas.microsoft.com/office/drawing/2014/main" xmlns="" id="{E195DE7B-42F0-4CAA-AAB0-D33DB61C53CA}"/>
               </a:ext>
             </a:extLst>
           </p:cNvPr>
@@ -11726,15 +12301,7 @@
                   <a:srgbClr val="333F48"/>
                 </a:solidFill>
               </a:rPr>
-              <a:t>3. </a:t>
-            </a:r>
-            <a:r>
-              <a:rPr lang="ru-RU" sz="3200" dirty="0" smtClean="0">
-                <a:solidFill>
-                  <a:srgbClr val="333F48"/>
-                </a:solidFill>
-              </a:rPr>
-              <a:t>Вариант: Пакет содержит процедуру, возвращающую</a:t>
+              <a:t>3. Вариант: Пакет содержит процедуру, возвращающую</a:t>
             </a:r>
           </a:p>
           <a:p>
@@ -12273,18 +12840,39 @@
               <a:t>                        , </a:t>
             </a:r>
             <a:r>
-              <a:rPr lang="en-US" sz="1100" dirty="0" err="1">
-                <a:latin typeface="Courier New" panose="02070309020205020404" pitchFamily="49" charset="0"/>
-                <a:cs typeface="Courier New" panose="02070309020205020404" pitchFamily="49" charset="0"/>
-              </a:rPr>
-              <a:t>sum_fact.sum_vidano</a:t>
-            </a:r>
-            <a:r>
-              <a:rPr lang="en-US" sz="1100" dirty="0">
-                <a:latin typeface="Courier New" panose="02070309020205020404" pitchFamily="49" charset="0"/>
-                <a:cs typeface="Courier New" panose="02070309020205020404" pitchFamily="49" charset="0"/>
-              </a:rPr>
-              <a:t> - NVL(sum_fact.sum_pogasheno,0)</a:t>
+              <a:rPr lang="en-US" sz="1100" dirty="0" err="1" smtClean="0">
+                <a:latin typeface="Courier New" panose="02070309020205020404" pitchFamily="49" charset="0"/>
+                <a:cs typeface="Courier New" panose="02070309020205020404" pitchFamily="49" charset="0"/>
+              </a:rPr>
+              <a:t>fact.sum_vidano</a:t>
+            </a:r>
+            <a:r>
+              <a:rPr lang="en-US" sz="1100" dirty="0" smtClean="0">
+                <a:latin typeface="Courier New" panose="02070309020205020404" pitchFamily="49" charset="0"/>
+                <a:cs typeface="Courier New" panose="02070309020205020404" pitchFamily="49" charset="0"/>
+              </a:rPr>
+              <a:t> </a:t>
+            </a:r>
+            <a:r>
+              <a:rPr lang="en-US" sz="1100" dirty="0">
+                <a:latin typeface="Courier New" panose="02070309020205020404" pitchFamily="49" charset="0"/>
+                <a:cs typeface="Courier New" panose="02070309020205020404" pitchFamily="49" charset="0"/>
+              </a:rPr>
+              <a:t>- </a:t>
+            </a:r>
+            <a:r>
+              <a:rPr lang="en-US" sz="1100" dirty="0" smtClean="0">
+                <a:latin typeface="Courier New" panose="02070309020205020404" pitchFamily="49" charset="0"/>
+                <a:cs typeface="Courier New" panose="02070309020205020404" pitchFamily="49" charset="0"/>
+              </a:rPr>
+              <a:t>NVL(fact.sum_pogasheno,0</a:t>
+            </a:r>
+            <a:r>
+              <a:rPr lang="en-US" sz="1100" dirty="0">
+                <a:latin typeface="Courier New" panose="02070309020205020404" pitchFamily="49" charset="0"/>
+                <a:cs typeface="Courier New" panose="02070309020205020404" pitchFamily="49" charset="0"/>
+              </a:rPr>
+              <a:t>)</a:t>
             </a:r>
           </a:p>
           <a:p>
@@ -12313,7 +12901,35 @@
                 <a:latin typeface="Courier New" panose="02070309020205020404" pitchFamily="49" charset="0"/>
                 <a:cs typeface="Courier New" panose="02070309020205020404" pitchFamily="49" charset="0"/>
               </a:rPr>
-              <a:t>                        , NVL(sum_pogasheno_percent_plan.sum_pogasheno_percent_plan,0) - NVL(sum_fact.sum_pogasheno_percent,0)</a:t>
+              <a:t>                        , </a:t>
+            </a:r>
+            <a:r>
+              <a:rPr lang="en-US" sz="1100" dirty="0" smtClean="0">
+                <a:latin typeface="Courier New" panose="02070309020205020404" pitchFamily="49" charset="0"/>
+                <a:cs typeface="Courier New" panose="02070309020205020404" pitchFamily="49" charset="0"/>
+              </a:rPr>
+              <a:t>NVL(plan.sum_pogasheno_percent,0</a:t>
+            </a:r>
+            <a:r>
+              <a:rPr lang="en-US" sz="1100" dirty="0">
+                <a:latin typeface="Courier New" panose="02070309020205020404" pitchFamily="49" charset="0"/>
+                <a:cs typeface="Courier New" panose="02070309020205020404" pitchFamily="49" charset="0"/>
+              </a:rPr>
+              <a:t>) - </a:t>
+            </a:r>
+            <a:r>
+              <a:rPr lang="en-US" sz="1100" dirty="0" smtClean="0">
+                <a:latin typeface="Courier New" panose="02070309020205020404" pitchFamily="49" charset="0"/>
+                <a:cs typeface="Courier New" panose="02070309020205020404" pitchFamily="49" charset="0"/>
+              </a:rPr>
+              <a:t>NVL(fact.sum_pogasheno_percent,0</a:t>
+            </a:r>
+            <a:r>
+              <a:rPr lang="en-US" sz="1100" dirty="0">
+                <a:latin typeface="Courier New" panose="02070309020205020404" pitchFamily="49" charset="0"/>
+                <a:cs typeface="Courier New" panose="02070309020205020404" pitchFamily="49" charset="0"/>
+              </a:rPr>
+              <a:t>)</a:t>
             </a:r>
           </a:p>
           <a:p>
@@ -12441,7 +13057,7 @@
 </p:sld>
 </file>
 
-<file path=ppt/slides/slide15.xml><?xml version="1.0" encoding="utf-8"?>
+<file path=ppt/slides/slide16.xml><?xml version="1.0" encoding="utf-8"?>
 <p:sld xmlns:a="http://schemas.openxmlformats.org/drawingml/2006/main" xmlns:r="http://schemas.openxmlformats.org/officeDocument/2006/relationships" xmlns:p="http://schemas.openxmlformats.org/presentationml/2006/main" showMasterPhAnim="0">
   <p:cSld>
     <p:spTree>
@@ -12463,7 +13079,7 @@
           <p:cNvPr id="18" name="Title 7">
             <a:extLst>
               <a:ext uri="{FF2B5EF4-FFF2-40B4-BE49-F238E27FC236}">
-                <a16:creationId xmlns="" xmlns:a16="http://schemas.microsoft.com/office/drawing/2014/main" id="{E195DE7B-42F0-4CAA-AAB0-D33DB61C53CA}"/>
+                <a16:creationId xmlns:a16="http://schemas.microsoft.com/office/drawing/2014/main" xmlns="" id="{E195DE7B-42F0-4CAA-AAB0-D33DB61C53CA}"/>
               </a:ext>
             </a:extLst>
           </p:cNvPr>
@@ -12512,15 +13128,7 @@
                   <a:srgbClr val="333F48"/>
                 </a:solidFill>
               </a:rPr>
-              <a:t>3. </a:t>
-            </a:r>
-            <a:r>
-              <a:rPr lang="ru-RU" sz="3200" dirty="0" smtClean="0">
-                <a:solidFill>
-                  <a:srgbClr val="333F48"/>
-                </a:solidFill>
-              </a:rPr>
-              <a:t>Тест процедуры возвращающей </a:t>
+              <a:t>3. Тест процедуры возвращающей </a:t>
             </a:r>
             <a:r>
               <a:rPr lang="en-US" sz="3200" dirty="0" smtClean="0">
@@ -13468,7 +14076,7 @@
 </p:sld>
 </file>
 
-<file path=ppt/slides/slide16.xml><?xml version="1.0" encoding="utf-8"?>
+<file path=ppt/slides/slide17.xml><?xml version="1.0" encoding="utf-8"?>
 <p:sld xmlns:a="http://schemas.openxmlformats.org/drawingml/2006/main" xmlns:r="http://schemas.openxmlformats.org/officeDocument/2006/relationships" xmlns:p="http://schemas.openxmlformats.org/presentationml/2006/main" showMasterPhAnim="0">
   <p:cSld>
     <p:spTree>
@@ -13490,7 +14098,7 @@
           <p:cNvPr id="18" name="Title 7">
             <a:extLst>
               <a:ext uri="{FF2B5EF4-FFF2-40B4-BE49-F238E27FC236}">
-                <a16:creationId xmlns="" xmlns:a16="http://schemas.microsoft.com/office/drawing/2014/main" id="{E195DE7B-42F0-4CAA-AAB0-D33DB61C53CA}"/>
+                <a16:creationId xmlns:a16="http://schemas.microsoft.com/office/drawing/2014/main" xmlns="" id="{E195DE7B-42F0-4CAA-AAB0-D33DB61C53CA}"/>
               </a:ext>
             </a:extLst>
           </p:cNvPr>
@@ -13539,15 +14147,7 @@
                   <a:srgbClr val="333F48"/>
                 </a:solidFill>
               </a:rPr>
-              <a:t>3. </a:t>
-            </a:r>
-            <a:r>
-              <a:rPr lang="ru-RU" sz="3200" dirty="0" smtClean="0">
-                <a:solidFill>
-                  <a:srgbClr val="333F48"/>
-                </a:solidFill>
-              </a:rPr>
-              <a:t>Тест процедуры возвращающей </a:t>
+              <a:t>3. Тест процедуры возвращающей </a:t>
             </a:r>
             <a:r>
               <a:rPr lang="en-US" sz="3200" dirty="0" smtClean="0">
@@ -14347,10 +14947,6 @@
               </a:rPr>
               <a:t>;</a:t>
             </a:r>
-            <a:endParaRPr lang="en-US" sz="1100" dirty="0">
-              <a:latin typeface="Courier New" panose="02070309020205020404" pitchFamily="49" charset="0"/>
-              <a:cs typeface="Courier New" panose="02070309020205020404" pitchFamily="49" charset="0"/>
-            </a:endParaRPr>
           </a:p>
         </p:txBody>
       </p:sp>
@@ -14449,7 +15045,7 @@
 </p:sld>
 </file>
 
-<file path=ppt/slides/slide17.xml><?xml version="1.0" encoding="utf-8"?>
+<file path=ppt/slides/slide18.xml><?xml version="1.0" encoding="utf-8"?>
 <p:sld xmlns:a="http://schemas.openxmlformats.org/drawingml/2006/main" xmlns:r="http://schemas.openxmlformats.org/officeDocument/2006/relationships" xmlns:p="http://schemas.openxmlformats.org/presentationml/2006/main" showMasterPhAnim="0">
   <p:cSld>
     <p:spTree>
@@ -14471,7 +15067,7 @@
           <p:cNvPr id="18" name="Title 7">
             <a:extLst>
               <a:ext uri="{FF2B5EF4-FFF2-40B4-BE49-F238E27FC236}">
-                <a16:creationId xmlns="" xmlns:a16="http://schemas.microsoft.com/office/drawing/2014/main" id="{E195DE7B-42F0-4CAA-AAB0-D33DB61C53CA}"/>
+                <a16:creationId xmlns:a16="http://schemas.microsoft.com/office/drawing/2014/main" xmlns="" id="{E195DE7B-42F0-4CAA-AAB0-D33DB61C53CA}"/>
               </a:ext>
             </a:extLst>
           </p:cNvPr>
@@ -15569,7 +16165,7 @@
 </p:sld>
 </file>
 
-<file path=ppt/slides/slide18.xml><?xml version="1.0" encoding="utf-8"?>
+<file path=ppt/slides/slide19.xml><?xml version="1.0" encoding="utf-8"?>
 <p:sld xmlns:a="http://schemas.openxmlformats.org/drawingml/2006/main" xmlns:r="http://schemas.openxmlformats.org/officeDocument/2006/relationships" xmlns:p="http://schemas.openxmlformats.org/presentationml/2006/main" showMasterPhAnim="0">
   <p:cSld>
     <p:spTree>
@@ -15591,7 +16187,7 @@
           <p:cNvPr id="18" name="Title 7">
             <a:extLst>
               <a:ext uri="{FF2B5EF4-FFF2-40B4-BE49-F238E27FC236}">
-                <a16:creationId xmlns="" xmlns:a16="http://schemas.microsoft.com/office/drawing/2014/main" id="{E195DE7B-42F0-4CAA-AAB0-D33DB61C53CA}"/>
+                <a16:creationId xmlns:a16="http://schemas.microsoft.com/office/drawing/2014/main" xmlns="" id="{E195DE7B-42F0-4CAA-AAB0-D33DB61C53CA}"/>
               </a:ext>
             </a:extLst>
           </p:cNvPr>
@@ -16583,1317 +17179,6 @@
     <p:extLst>
       <p:ext uri="{BB962C8B-B14F-4D97-AF65-F5344CB8AC3E}">
         <p14:creationId xmlns:p14="http://schemas.microsoft.com/office/powerpoint/2010/main" val="539797188"/>
-      </p:ext>
-    </p:extLst>
-  </p:cSld>
-  <p:clrMapOvr>
-    <a:masterClrMapping/>
-  </p:clrMapOvr>
-  <p:timing>
-    <p:tnLst>
-      <p:par>
-        <p:cTn id="1" dur="indefinite" restart="never" nodeType="tmRoot"/>
-      </p:par>
-    </p:tnLst>
-  </p:timing>
-</p:sld>
-</file>
-
-<file path=ppt/slides/slide19.xml><?xml version="1.0" encoding="utf-8"?>
-<p:sld xmlns:a="http://schemas.openxmlformats.org/drawingml/2006/main" xmlns:r="http://schemas.openxmlformats.org/officeDocument/2006/relationships" xmlns:p="http://schemas.openxmlformats.org/presentationml/2006/main" showMasterPhAnim="0">
-  <p:cSld>
-    <p:spTree>
-      <p:nvGrpSpPr>
-        <p:cNvPr id="1" name=""/>
-        <p:cNvGrpSpPr/>
-        <p:nvPr/>
-      </p:nvGrpSpPr>
-      <p:grpSpPr bwMode="auto">
-        <a:xfrm>
-          <a:off x="0" y="0"/>
-          <a:ext cx="0" cy="0"/>
-          <a:chOff x="0" y="0"/>
-          <a:chExt cx="0" cy="0"/>
-        </a:xfrm>
-      </p:grpSpPr>
-      <p:sp>
-        <p:nvSpPr>
-          <p:cNvPr id="18" name="Title 7">
-            <a:extLst>
-              <a:ext uri="{FF2B5EF4-FFF2-40B4-BE49-F238E27FC236}">
-                <a16:creationId xmlns="" xmlns:a16="http://schemas.microsoft.com/office/drawing/2014/main" id="{E195DE7B-42F0-4CAA-AAB0-D33DB61C53CA}"/>
-              </a:ext>
-            </a:extLst>
-          </p:cNvPr>
-          <p:cNvSpPr>
-            <a:spLocks/>
-          </p:cNvSpPr>
-          <p:nvPr/>
-        </p:nvSpPr>
-        <p:spPr bwMode="auto">
-          <a:xfrm>
-            <a:off x="191344" y="285978"/>
-            <a:ext cx="12169352" cy="550734"/>
-          </a:xfrm>
-          <a:prstGeom prst="rect">
-            <a:avLst/>
-          </a:prstGeom>
-        </p:spPr>
-        <p:txBody>
-          <a:bodyPr lIns="0" tIns="0" rIns="0" bIns="0"/>
-          <a:lstStyle>
-            <a:lvl1pPr algn="l" defTabSz="914400">
-              <a:lnSpc>
-                <a:spcPct val="90000"/>
-              </a:lnSpc>
-              <a:spcBef>
-                <a:spcPts val="0"/>
-              </a:spcBef>
-              <a:buNone/>
-              <a:defRPr sz="4400" b="0" i="0">
-                <a:solidFill>
-                  <a:schemeClr val="tx1"/>
-                </a:solidFill>
-                <a:latin typeface="SB Sans Display Regular"/>
-                <a:ea typeface="+mj-ea"/>
-                <a:cs typeface="+mj-cs"/>
-              </a:defRPr>
-            </a:lvl1pPr>
-          </a:lstStyle>
-          <a:p>
-            <a:pPr>
-              <a:defRPr/>
-            </a:pPr>
-            <a:r>
-              <a:rPr lang="en-US" sz="3200" dirty="0">
-                <a:solidFill>
-                  <a:srgbClr val="333F48"/>
-                </a:solidFill>
-              </a:rPr>
-              <a:t>4</a:t>
-            </a:r>
-            <a:r>
-              <a:rPr lang="ru-RU" sz="3200" dirty="0" smtClean="0">
-                <a:solidFill>
-                  <a:srgbClr val="333F48"/>
-                </a:solidFill>
-              </a:rPr>
-              <a:t>. Новый договор и плановый график</a:t>
-            </a:r>
-            <a:endParaRPr lang="ru-RU" sz="1200" dirty="0"/>
-          </a:p>
-          <a:p>
-            <a:pPr>
-              <a:defRPr/>
-            </a:pPr>
-            <a:r>
-              <a:rPr lang="ru-RU" sz="3200" dirty="0" smtClean="0">
-                <a:solidFill>
-                  <a:srgbClr val="333F48"/>
-                </a:solidFill>
-              </a:rPr>
-              <a:t> </a:t>
-            </a:r>
-            <a:endParaRPr lang="ru-RU" sz="1200" dirty="0"/>
-          </a:p>
-        </p:txBody>
-      </p:sp>
-      <p:sp>
-        <p:nvSpPr>
-          <p:cNvPr id="5" name="TextBox 4"/>
-          <p:cNvSpPr txBox="1"/>
-          <p:nvPr/>
-        </p:nvSpPr>
-        <p:spPr>
-          <a:xfrm>
-            <a:off x="5879976" y="614491"/>
-            <a:ext cx="6120680" cy="507831"/>
-          </a:xfrm>
-          <a:prstGeom prst="rect">
-            <a:avLst/>
-          </a:prstGeom>
-          <a:noFill/>
-        </p:spPr>
-        <p:txBody>
-          <a:bodyPr wrap="square" rtlCol="0">
-            <a:spAutoFit/>
-          </a:bodyPr>
-          <a:lstStyle/>
-          <a:p>
-            <a:r>
-              <a:rPr lang="en-US" sz="900" dirty="0"/>
-              <a:t> </a:t>
-            </a:r>
-          </a:p>
-          <a:p>
-            <a:endParaRPr lang="en-US" sz="900" dirty="0"/>
-          </a:p>
-          <a:p>
-            <a:r>
-              <a:rPr lang="en-US" sz="900" dirty="0" smtClean="0"/>
-              <a:t>   </a:t>
-            </a:r>
-            <a:endParaRPr lang="ru-RU" sz="900" dirty="0"/>
-          </a:p>
-        </p:txBody>
-      </p:sp>
-      <p:sp>
-        <p:nvSpPr>
-          <p:cNvPr id="4" name="TextBox 3"/>
-          <p:cNvSpPr txBox="1"/>
-          <p:nvPr/>
-        </p:nvSpPr>
-        <p:spPr>
-          <a:xfrm>
-            <a:off x="335360" y="725502"/>
-            <a:ext cx="4969346" cy="5016758"/>
-          </a:xfrm>
-          <a:prstGeom prst="rect">
-            <a:avLst/>
-          </a:prstGeom>
-          <a:solidFill>
-            <a:schemeClr val="accent3">
-              <a:lumMod val="20000"/>
-              <a:lumOff val="80000"/>
-            </a:schemeClr>
-          </a:solidFill>
-          <a:ln>
-            <a:solidFill>
-              <a:schemeClr val="accent1"/>
-            </a:solidFill>
-          </a:ln>
-        </p:spPr>
-        <p:txBody>
-          <a:bodyPr wrap="square" rtlCol="0">
-            <a:spAutoFit/>
-          </a:bodyPr>
-          <a:lstStyle/>
-          <a:p>
-            <a:r>
-              <a:rPr lang="ru-RU" sz="2000" b="1" dirty="0">
-                <a:solidFill>
-                  <a:srgbClr val="C00000"/>
-                </a:solidFill>
-              </a:rPr>
-              <a:t>Формула расчета </a:t>
-            </a:r>
-            <a:r>
-              <a:rPr lang="ru-RU" sz="2000" b="1" dirty="0" err="1">
-                <a:solidFill>
-                  <a:srgbClr val="C00000"/>
-                </a:solidFill>
-              </a:rPr>
-              <a:t>аннуитетных</a:t>
-            </a:r>
-            <a:r>
-              <a:rPr lang="ru-RU" sz="2000" b="1" dirty="0">
-                <a:solidFill>
-                  <a:srgbClr val="C00000"/>
-                </a:solidFill>
-              </a:rPr>
-              <a:t> </a:t>
-            </a:r>
-            <a:r>
-              <a:rPr lang="ru-RU" sz="2000" b="1" dirty="0" smtClean="0">
-                <a:solidFill>
-                  <a:srgbClr val="C00000"/>
-                </a:solidFill>
-              </a:rPr>
-              <a:t>платежей</a:t>
-            </a:r>
-          </a:p>
-          <a:p>
-            <a:endParaRPr lang="ru-RU" sz="2000" b="1" dirty="0">
-              <a:solidFill>
-                <a:srgbClr val="C00000"/>
-              </a:solidFill>
-              <a:latin typeface="Courier New" panose="02070309020205020404" pitchFamily="49" charset="0"/>
-              <a:cs typeface="Courier New" panose="02070309020205020404" pitchFamily="49" charset="0"/>
-            </a:endParaRPr>
-          </a:p>
-          <a:p>
-            <a:endParaRPr lang="ru-RU" sz="2000" b="1" dirty="0" smtClean="0">
-              <a:solidFill>
-                <a:srgbClr val="C00000"/>
-              </a:solidFill>
-              <a:latin typeface="Courier New" panose="02070309020205020404" pitchFamily="49" charset="0"/>
-              <a:cs typeface="Courier New" panose="02070309020205020404" pitchFamily="49" charset="0"/>
-            </a:endParaRPr>
-          </a:p>
-          <a:p>
-            <a:endParaRPr lang="ru-RU" sz="2000" b="1" dirty="0">
-              <a:solidFill>
-                <a:srgbClr val="C00000"/>
-              </a:solidFill>
-              <a:latin typeface="Courier New" panose="02070309020205020404" pitchFamily="49" charset="0"/>
-              <a:cs typeface="Courier New" panose="02070309020205020404" pitchFamily="49" charset="0"/>
-            </a:endParaRPr>
-          </a:p>
-          <a:p>
-            <a:endParaRPr lang="ru-RU" sz="2000" b="1" dirty="0" smtClean="0">
-              <a:solidFill>
-                <a:srgbClr val="C00000"/>
-              </a:solidFill>
-              <a:latin typeface="Courier New" panose="02070309020205020404" pitchFamily="49" charset="0"/>
-              <a:cs typeface="Courier New" panose="02070309020205020404" pitchFamily="49" charset="0"/>
-            </a:endParaRPr>
-          </a:p>
-          <a:p>
-            <a:endParaRPr lang="ru-RU" sz="2000" b="1" dirty="0">
-              <a:solidFill>
-                <a:srgbClr val="C00000"/>
-              </a:solidFill>
-              <a:latin typeface="Courier New" panose="02070309020205020404" pitchFamily="49" charset="0"/>
-              <a:cs typeface="Courier New" panose="02070309020205020404" pitchFamily="49" charset="0"/>
-            </a:endParaRPr>
-          </a:p>
-          <a:p>
-            <a:r>
-              <a:rPr lang="ru-RU" sz="2000" b="1" i="1" dirty="0"/>
-              <a:t>P</a:t>
-            </a:r>
-            <a:r>
-              <a:rPr lang="ru-RU" sz="2000" dirty="0"/>
-              <a:t> – ежемесячный платёж по </a:t>
-            </a:r>
-            <a:r>
-              <a:rPr lang="ru-RU" sz="2000" dirty="0" err="1"/>
-              <a:t>аннуитетному</a:t>
-            </a:r>
-            <a:r>
-              <a:rPr lang="ru-RU" sz="2000" dirty="0"/>
-              <a:t> кредиту (тот самый </a:t>
-            </a:r>
-            <a:r>
-              <a:rPr lang="ru-RU" sz="2000" dirty="0" err="1"/>
-              <a:t>аннуитетный</a:t>
-            </a:r>
-            <a:r>
-              <a:rPr lang="ru-RU" sz="2000" dirty="0"/>
-              <a:t> платёж, который не изменяется в течение всего периода погашения кредита);</a:t>
-            </a:r>
-            <a:br>
-              <a:rPr lang="ru-RU" sz="2000" dirty="0"/>
-            </a:br>
-            <a:r>
-              <a:rPr lang="ru-RU" sz="2000" b="1" i="1" dirty="0"/>
-              <a:t>S</a:t>
-            </a:r>
-            <a:r>
-              <a:rPr lang="ru-RU" sz="2000" dirty="0"/>
-              <a:t> – сумма кредита;</a:t>
-            </a:r>
-            <a:br>
-              <a:rPr lang="ru-RU" sz="2000" dirty="0"/>
-            </a:br>
-            <a:r>
-              <a:rPr lang="ru-RU" sz="2000" b="1" i="1" dirty="0"/>
-              <a:t>i</a:t>
-            </a:r>
-            <a:r>
-              <a:rPr lang="ru-RU" sz="2000" dirty="0"/>
-              <a:t> – ежемесячная процентная ставка (рассчитывается по следующей формуле: годовая процентная ставка/100/12);</a:t>
-            </a:r>
-            <a:br>
-              <a:rPr lang="ru-RU" sz="2000" dirty="0"/>
-            </a:br>
-            <a:r>
-              <a:rPr lang="ru-RU" sz="2000" b="1" i="1" dirty="0"/>
-              <a:t>n</a:t>
-            </a:r>
-            <a:r>
-              <a:rPr lang="ru-RU" sz="2000" dirty="0"/>
-              <a:t> – срок, на который берётся кредит (указывается количество месяцев</a:t>
-            </a:r>
-            <a:r>
-              <a:rPr lang="ru-RU" sz="2000" dirty="0" smtClean="0"/>
-              <a:t>).</a:t>
-            </a:r>
-            <a:endParaRPr lang="ru-RU" sz="2000" b="1" dirty="0">
-              <a:solidFill>
-                <a:srgbClr val="C00000"/>
-              </a:solidFill>
-              <a:latin typeface="Courier New" panose="02070309020205020404" pitchFamily="49" charset="0"/>
-              <a:cs typeface="Courier New" panose="02070309020205020404" pitchFamily="49" charset="0"/>
-            </a:endParaRPr>
-          </a:p>
-        </p:txBody>
-      </p:sp>
-      <p:sp>
-        <p:nvSpPr>
-          <p:cNvPr id="7" name="TextBox 6"/>
-          <p:cNvSpPr txBox="1"/>
-          <p:nvPr/>
-        </p:nvSpPr>
-        <p:spPr>
-          <a:xfrm>
-            <a:off x="5448722" y="728112"/>
-            <a:ext cx="6551934" cy="5001369"/>
-          </a:xfrm>
-          <a:prstGeom prst="rect">
-            <a:avLst/>
-          </a:prstGeom>
-          <a:solidFill>
-            <a:schemeClr val="accent3">
-              <a:lumMod val="20000"/>
-              <a:lumOff val="80000"/>
-            </a:schemeClr>
-          </a:solidFill>
-          <a:ln>
-            <a:solidFill>
-              <a:schemeClr val="accent1"/>
-            </a:solidFill>
-          </a:ln>
-        </p:spPr>
-        <p:txBody>
-          <a:bodyPr wrap="square" rtlCol="0">
-            <a:spAutoFit/>
-          </a:bodyPr>
-          <a:lstStyle/>
-          <a:p>
-            <a:r>
-              <a:rPr lang="en-US" sz="1100" dirty="0">
-                <a:latin typeface="Courier New" panose="02070309020205020404" pitchFamily="49" charset="0"/>
-                <a:cs typeface="Courier New" panose="02070309020205020404" pitchFamily="49" charset="0"/>
-              </a:rPr>
-              <a:t>CREATE OR REPLACE PROCEDURE c##</a:t>
-            </a:r>
-            <a:r>
-              <a:rPr lang="en-US" sz="1100" dirty="0" err="1">
-                <a:latin typeface="Courier New" panose="02070309020205020404" pitchFamily="49" charset="0"/>
-                <a:cs typeface="Courier New" panose="02070309020205020404" pitchFamily="49" charset="0"/>
-              </a:rPr>
-              <a:t>course.pr_create_credit</a:t>
-            </a:r>
-            <a:r>
-              <a:rPr lang="en-US" sz="1100" dirty="0">
-                <a:latin typeface="Courier New" panose="02070309020205020404" pitchFamily="49" charset="0"/>
-                <a:cs typeface="Courier New" panose="02070309020205020404" pitchFamily="49" charset="0"/>
-              </a:rPr>
-              <a:t> (</a:t>
-            </a:r>
-          </a:p>
-          <a:p>
-            <a:r>
-              <a:rPr lang="en-US" sz="1100" dirty="0">
-                <a:latin typeface="Courier New" panose="02070309020205020404" pitchFamily="49" charset="0"/>
-                <a:cs typeface="Courier New" panose="02070309020205020404" pitchFamily="49" charset="0"/>
-              </a:rPr>
-              <a:t>    </a:t>
-            </a:r>
-            <a:r>
-              <a:rPr lang="en-US" sz="1100" dirty="0" err="1">
-                <a:latin typeface="Courier New" panose="02070309020205020404" pitchFamily="49" charset="0"/>
-                <a:cs typeface="Courier New" panose="02070309020205020404" pitchFamily="49" charset="0"/>
-              </a:rPr>
-              <a:t>client_name</a:t>
-            </a:r>
-            <a:r>
-              <a:rPr lang="en-US" sz="1100" dirty="0">
-                <a:latin typeface="Courier New" panose="02070309020205020404" pitchFamily="49" charset="0"/>
-                <a:cs typeface="Courier New" panose="02070309020205020404" pitchFamily="49" charset="0"/>
-              </a:rPr>
-              <a:t>     IN varchar2,        -- </a:t>
-            </a:r>
-            <a:r>
-              <a:rPr lang="ru-RU" sz="1100" dirty="0">
-                <a:latin typeface="Courier New" panose="02070309020205020404" pitchFamily="49" charset="0"/>
-                <a:cs typeface="Courier New" panose="02070309020205020404" pitchFamily="49" charset="0"/>
-              </a:rPr>
-              <a:t>Клиент ФИО</a:t>
-            </a:r>
-          </a:p>
-          <a:p>
-            <a:r>
-              <a:rPr lang="ru-RU" sz="1100" dirty="0">
-                <a:latin typeface="Courier New" panose="02070309020205020404" pitchFamily="49" charset="0"/>
-                <a:cs typeface="Courier New" panose="02070309020205020404" pitchFamily="49" charset="0"/>
-              </a:rPr>
-              <a:t>    </a:t>
-            </a:r>
-            <a:r>
-              <a:rPr lang="en-US" sz="1100" dirty="0" err="1">
-                <a:latin typeface="Courier New" panose="02070309020205020404" pitchFamily="49" charset="0"/>
-                <a:cs typeface="Courier New" panose="02070309020205020404" pitchFamily="49" charset="0"/>
-              </a:rPr>
-              <a:t>client_birth</a:t>
-            </a:r>
-            <a:r>
-              <a:rPr lang="en-US" sz="1100" dirty="0">
-                <a:latin typeface="Courier New" panose="02070309020205020404" pitchFamily="49" charset="0"/>
-                <a:cs typeface="Courier New" panose="02070309020205020404" pitchFamily="49" charset="0"/>
-              </a:rPr>
-              <a:t>    IN date,            -- </a:t>
-            </a:r>
-            <a:r>
-              <a:rPr lang="ru-RU" sz="1100" dirty="0">
-                <a:latin typeface="Courier New" panose="02070309020205020404" pitchFamily="49" charset="0"/>
-                <a:cs typeface="Courier New" panose="02070309020205020404" pitchFamily="49" charset="0"/>
-              </a:rPr>
-              <a:t>Дата рождения Клиента</a:t>
-            </a:r>
-          </a:p>
-          <a:p>
-            <a:r>
-              <a:rPr lang="ru-RU" sz="1100" dirty="0">
-                <a:latin typeface="Courier New" panose="02070309020205020404" pitchFamily="49" charset="0"/>
-                <a:cs typeface="Courier New" panose="02070309020205020404" pitchFamily="49" charset="0"/>
-              </a:rPr>
-              <a:t>    </a:t>
-            </a:r>
-            <a:r>
-              <a:rPr lang="en-US" sz="1100" dirty="0" err="1">
-                <a:latin typeface="Courier New" panose="02070309020205020404" pitchFamily="49" charset="0"/>
-                <a:cs typeface="Courier New" panose="02070309020205020404" pitchFamily="49" charset="0"/>
-              </a:rPr>
-              <a:t>summa_dog</a:t>
-            </a:r>
-            <a:r>
-              <a:rPr lang="en-US" sz="1100" dirty="0">
-                <a:latin typeface="Courier New" panose="02070309020205020404" pitchFamily="49" charset="0"/>
-                <a:cs typeface="Courier New" panose="02070309020205020404" pitchFamily="49" charset="0"/>
-              </a:rPr>
-              <a:t>       IN number,          -- </a:t>
-            </a:r>
-            <a:r>
-              <a:rPr lang="ru-RU" sz="1100" dirty="0">
-                <a:latin typeface="Courier New" panose="02070309020205020404" pitchFamily="49" charset="0"/>
-                <a:cs typeface="Courier New" panose="02070309020205020404" pitchFamily="49" charset="0"/>
-              </a:rPr>
-              <a:t>Сумма кредита</a:t>
-            </a:r>
-          </a:p>
-          <a:p>
-            <a:r>
-              <a:rPr lang="ru-RU" sz="1100" dirty="0">
-                <a:latin typeface="Courier New" panose="02070309020205020404" pitchFamily="49" charset="0"/>
-                <a:cs typeface="Courier New" panose="02070309020205020404" pitchFamily="49" charset="0"/>
-              </a:rPr>
-              <a:t>    </a:t>
-            </a:r>
-            <a:r>
-              <a:rPr lang="en-US" sz="1100" dirty="0" err="1">
-                <a:latin typeface="Courier New" panose="02070309020205020404" pitchFamily="49" charset="0"/>
-                <a:cs typeface="Courier New" panose="02070309020205020404" pitchFamily="49" charset="0"/>
-              </a:rPr>
-              <a:t>persent_dog</a:t>
-            </a:r>
-            <a:r>
-              <a:rPr lang="en-US" sz="1100" dirty="0">
-                <a:latin typeface="Courier New" panose="02070309020205020404" pitchFamily="49" charset="0"/>
-                <a:cs typeface="Courier New" panose="02070309020205020404" pitchFamily="49" charset="0"/>
-              </a:rPr>
-              <a:t>     IN number,          -- </a:t>
-            </a:r>
-            <a:r>
-              <a:rPr lang="ru-RU" sz="1100" dirty="0">
-                <a:latin typeface="Courier New" panose="02070309020205020404" pitchFamily="49" charset="0"/>
-                <a:cs typeface="Courier New" panose="02070309020205020404" pitchFamily="49" charset="0"/>
-              </a:rPr>
-              <a:t>Годовая процентная ставка</a:t>
-            </a:r>
-          </a:p>
-          <a:p>
-            <a:r>
-              <a:rPr lang="ru-RU" sz="1100" dirty="0">
-                <a:latin typeface="Courier New" panose="02070309020205020404" pitchFamily="49" charset="0"/>
-                <a:cs typeface="Courier New" panose="02070309020205020404" pitchFamily="49" charset="0"/>
-              </a:rPr>
-              <a:t>    </a:t>
-            </a:r>
-            <a:r>
-              <a:rPr lang="en-US" sz="1100" dirty="0" err="1">
-                <a:latin typeface="Courier New" panose="02070309020205020404" pitchFamily="49" charset="0"/>
-                <a:cs typeface="Courier New" panose="02070309020205020404" pitchFamily="49" charset="0"/>
-              </a:rPr>
-              <a:t>duration_dog</a:t>
-            </a:r>
-            <a:r>
-              <a:rPr lang="en-US" sz="1100" dirty="0">
-                <a:latin typeface="Courier New" panose="02070309020205020404" pitchFamily="49" charset="0"/>
-                <a:cs typeface="Courier New" panose="02070309020205020404" pitchFamily="49" charset="0"/>
-              </a:rPr>
-              <a:t>    IN number           -- </a:t>
-            </a:r>
-            <a:r>
-              <a:rPr lang="ru-RU" sz="1100" dirty="0">
-                <a:latin typeface="Courier New" panose="02070309020205020404" pitchFamily="49" charset="0"/>
-                <a:cs typeface="Courier New" panose="02070309020205020404" pitchFamily="49" charset="0"/>
-              </a:rPr>
-              <a:t>Срок кредитования месяцев</a:t>
-            </a:r>
-          </a:p>
-          <a:p>
-            <a:r>
-              <a:rPr lang="ru-RU" sz="1100" dirty="0">
-                <a:latin typeface="Courier New" panose="02070309020205020404" pitchFamily="49" charset="0"/>
-                <a:cs typeface="Courier New" panose="02070309020205020404" pitchFamily="49" charset="0"/>
-              </a:rPr>
-              <a:t>)</a:t>
-            </a:r>
-          </a:p>
-          <a:p>
-            <a:r>
-              <a:rPr lang="en-US" sz="1100" dirty="0">
-                <a:latin typeface="Courier New" panose="02070309020205020404" pitchFamily="49" charset="0"/>
-                <a:cs typeface="Courier New" panose="02070309020205020404" pitchFamily="49" charset="0"/>
-              </a:rPr>
-              <a:t>AS</a:t>
-            </a:r>
-          </a:p>
-          <a:p>
-            <a:r>
-              <a:rPr lang="en-US" sz="1100" dirty="0">
-                <a:latin typeface="Courier New" panose="02070309020205020404" pitchFamily="49" charset="0"/>
-                <a:cs typeface="Courier New" panose="02070309020205020404" pitchFamily="49" charset="0"/>
-              </a:rPr>
-              <a:t> </a:t>
-            </a:r>
-            <a:r>
-              <a:rPr lang="en-US" sz="1100" dirty="0" err="1" smtClean="0">
-                <a:latin typeface="Courier New" panose="02070309020205020404" pitchFamily="49" charset="0"/>
-                <a:cs typeface="Courier New" panose="02070309020205020404" pitchFamily="49" charset="0"/>
-              </a:rPr>
-              <a:t>client_id</a:t>
-            </a:r>
-            <a:r>
-              <a:rPr lang="en-US" sz="1100" dirty="0" smtClean="0">
-                <a:latin typeface="Courier New" panose="02070309020205020404" pitchFamily="49" charset="0"/>
-                <a:cs typeface="Courier New" panose="02070309020205020404" pitchFamily="49" charset="0"/>
-              </a:rPr>
-              <a:t>                   </a:t>
-            </a:r>
-            <a:r>
-              <a:rPr lang="en-US" sz="1100" dirty="0">
-                <a:latin typeface="Courier New" panose="02070309020205020404" pitchFamily="49" charset="0"/>
-                <a:cs typeface="Courier New" panose="02070309020205020404" pitchFamily="49" charset="0"/>
-              </a:rPr>
-              <a:t>number;</a:t>
-            </a:r>
-          </a:p>
-          <a:p>
-            <a:r>
-              <a:rPr lang="en-US" sz="1100" dirty="0">
-                <a:latin typeface="Courier New" panose="02070309020205020404" pitchFamily="49" charset="0"/>
-                <a:cs typeface="Courier New" panose="02070309020205020404" pitchFamily="49" charset="0"/>
-              </a:rPr>
-              <a:t> </a:t>
-            </a:r>
-            <a:r>
-              <a:rPr lang="en-US" sz="1100" dirty="0" err="1" smtClean="0">
-                <a:latin typeface="Courier New" panose="02070309020205020404" pitchFamily="49" charset="0"/>
-                <a:cs typeface="Courier New" panose="02070309020205020404" pitchFamily="49" charset="0"/>
-              </a:rPr>
-              <a:t>credit_id</a:t>
-            </a:r>
-            <a:r>
-              <a:rPr lang="en-US" sz="1100" dirty="0" smtClean="0">
-                <a:latin typeface="Courier New" panose="02070309020205020404" pitchFamily="49" charset="0"/>
-                <a:cs typeface="Courier New" panose="02070309020205020404" pitchFamily="49" charset="0"/>
-              </a:rPr>
-              <a:t>                   </a:t>
-            </a:r>
-            <a:r>
-              <a:rPr lang="en-US" sz="1100" dirty="0">
-                <a:latin typeface="Courier New" panose="02070309020205020404" pitchFamily="49" charset="0"/>
-                <a:cs typeface="Courier New" panose="02070309020205020404" pitchFamily="49" charset="0"/>
-              </a:rPr>
-              <a:t>number;</a:t>
-            </a:r>
-          </a:p>
-          <a:p>
-            <a:r>
-              <a:rPr lang="en-US" sz="1100" dirty="0">
-                <a:latin typeface="Courier New" panose="02070309020205020404" pitchFamily="49" charset="0"/>
-                <a:cs typeface="Courier New" panose="02070309020205020404" pitchFamily="49" charset="0"/>
-              </a:rPr>
-              <a:t> </a:t>
-            </a:r>
-            <a:r>
-              <a:rPr lang="en-US" sz="1100" dirty="0" err="1" smtClean="0">
-                <a:latin typeface="Courier New" panose="02070309020205020404" pitchFamily="49" charset="0"/>
-                <a:cs typeface="Courier New" panose="02070309020205020404" pitchFamily="49" charset="0"/>
-              </a:rPr>
-              <a:t>collect_plan_id</a:t>
-            </a:r>
-            <a:r>
-              <a:rPr lang="en-US" sz="1100" dirty="0" smtClean="0">
-                <a:latin typeface="Courier New" panose="02070309020205020404" pitchFamily="49" charset="0"/>
-                <a:cs typeface="Courier New" panose="02070309020205020404" pitchFamily="49" charset="0"/>
-              </a:rPr>
-              <a:t>             </a:t>
-            </a:r>
-            <a:r>
-              <a:rPr lang="en-US" sz="1100" dirty="0">
-                <a:latin typeface="Courier New" panose="02070309020205020404" pitchFamily="49" charset="0"/>
-                <a:cs typeface="Courier New" panose="02070309020205020404" pitchFamily="49" charset="0"/>
-              </a:rPr>
-              <a:t>number;</a:t>
-            </a:r>
-          </a:p>
-          <a:p>
-            <a:r>
-              <a:rPr lang="en-US" sz="1100" dirty="0">
-                <a:latin typeface="Courier New" panose="02070309020205020404" pitchFamily="49" charset="0"/>
-                <a:cs typeface="Courier New" panose="02070309020205020404" pitchFamily="49" charset="0"/>
-              </a:rPr>
-              <a:t> </a:t>
-            </a:r>
-            <a:r>
-              <a:rPr lang="en-US" sz="1100" dirty="0" err="1" smtClean="0">
-                <a:latin typeface="Courier New" panose="02070309020205020404" pitchFamily="49" charset="0"/>
-                <a:cs typeface="Courier New" panose="02070309020205020404" pitchFamily="49" charset="0"/>
-              </a:rPr>
-              <a:t>collect_fact_id</a:t>
-            </a:r>
-            <a:r>
-              <a:rPr lang="en-US" sz="1100" dirty="0" smtClean="0">
-                <a:latin typeface="Courier New" panose="02070309020205020404" pitchFamily="49" charset="0"/>
-                <a:cs typeface="Courier New" panose="02070309020205020404" pitchFamily="49" charset="0"/>
-              </a:rPr>
-              <a:t>             </a:t>
-            </a:r>
-            <a:r>
-              <a:rPr lang="en-US" sz="1100" dirty="0">
-                <a:latin typeface="Courier New" panose="02070309020205020404" pitchFamily="49" charset="0"/>
-                <a:cs typeface="Courier New" panose="02070309020205020404" pitchFamily="49" charset="0"/>
-              </a:rPr>
-              <a:t>number;</a:t>
-            </a:r>
-          </a:p>
-          <a:p>
-            <a:r>
-              <a:rPr lang="en-US" sz="1100" dirty="0">
-                <a:latin typeface="Courier New" panose="02070309020205020404" pitchFamily="49" charset="0"/>
-                <a:cs typeface="Courier New" panose="02070309020205020404" pitchFamily="49" charset="0"/>
-              </a:rPr>
-              <a:t> </a:t>
-            </a:r>
-            <a:r>
-              <a:rPr lang="en-US" sz="1100" dirty="0" err="1" smtClean="0">
-                <a:latin typeface="Courier New" panose="02070309020205020404" pitchFamily="49" charset="0"/>
-                <a:cs typeface="Courier New" panose="02070309020205020404" pitchFamily="49" charset="0"/>
-              </a:rPr>
-              <a:t>date_begin</a:t>
-            </a:r>
-            <a:r>
-              <a:rPr lang="en-US" sz="1100" dirty="0" smtClean="0">
-                <a:latin typeface="Courier New" panose="02070309020205020404" pitchFamily="49" charset="0"/>
-                <a:cs typeface="Courier New" panose="02070309020205020404" pitchFamily="49" charset="0"/>
-              </a:rPr>
-              <a:t>                  </a:t>
-            </a:r>
-            <a:r>
-              <a:rPr lang="en-US" sz="1100" dirty="0">
-                <a:latin typeface="Courier New" panose="02070309020205020404" pitchFamily="49" charset="0"/>
-                <a:cs typeface="Courier New" panose="02070309020205020404" pitchFamily="49" charset="0"/>
-              </a:rPr>
-              <a:t>date;</a:t>
-            </a:r>
-          </a:p>
-          <a:p>
-            <a:r>
-              <a:rPr lang="en-US" sz="1100" dirty="0">
-                <a:latin typeface="Courier New" panose="02070309020205020404" pitchFamily="49" charset="0"/>
-                <a:cs typeface="Courier New" panose="02070309020205020404" pitchFamily="49" charset="0"/>
-              </a:rPr>
-              <a:t> </a:t>
-            </a:r>
-            <a:r>
-              <a:rPr lang="en-US" sz="1100" dirty="0" err="1" smtClean="0">
-                <a:latin typeface="Courier New" panose="02070309020205020404" pitchFamily="49" charset="0"/>
-                <a:cs typeface="Courier New" panose="02070309020205020404" pitchFamily="49" charset="0"/>
-              </a:rPr>
-              <a:t>date_end</a:t>
-            </a:r>
-            <a:r>
-              <a:rPr lang="en-US" sz="1100" dirty="0" smtClean="0">
-                <a:latin typeface="Courier New" panose="02070309020205020404" pitchFamily="49" charset="0"/>
-                <a:cs typeface="Courier New" panose="02070309020205020404" pitchFamily="49" charset="0"/>
-              </a:rPr>
-              <a:t>                    </a:t>
-            </a:r>
-            <a:r>
-              <a:rPr lang="en-US" sz="1100" dirty="0">
-                <a:latin typeface="Courier New" panose="02070309020205020404" pitchFamily="49" charset="0"/>
-                <a:cs typeface="Courier New" panose="02070309020205020404" pitchFamily="49" charset="0"/>
-              </a:rPr>
-              <a:t>date;</a:t>
-            </a:r>
-          </a:p>
-          <a:p>
-            <a:r>
-              <a:rPr lang="en-US" sz="1100" dirty="0">
-                <a:latin typeface="Courier New" panose="02070309020205020404" pitchFamily="49" charset="0"/>
-                <a:cs typeface="Courier New" panose="02070309020205020404" pitchFamily="49" charset="0"/>
-              </a:rPr>
-              <a:t> </a:t>
-            </a:r>
-            <a:r>
-              <a:rPr lang="en-US" sz="1100" dirty="0" err="1" smtClean="0">
-                <a:latin typeface="Courier New" panose="02070309020205020404" pitchFamily="49" charset="0"/>
-                <a:cs typeface="Courier New" panose="02070309020205020404" pitchFamily="49" charset="0"/>
-              </a:rPr>
-              <a:t>year_dog</a:t>
-            </a:r>
-            <a:r>
-              <a:rPr lang="en-US" sz="1100" dirty="0" smtClean="0">
-                <a:latin typeface="Courier New" panose="02070309020205020404" pitchFamily="49" charset="0"/>
-                <a:cs typeface="Courier New" panose="02070309020205020404" pitchFamily="49" charset="0"/>
-              </a:rPr>
-              <a:t>                    </a:t>
-            </a:r>
-            <a:r>
-              <a:rPr lang="en-US" sz="1100" dirty="0">
-                <a:latin typeface="Courier New" panose="02070309020205020404" pitchFamily="49" charset="0"/>
-                <a:cs typeface="Courier New" panose="02070309020205020404" pitchFamily="49" charset="0"/>
-              </a:rPr>
-              <a:t>varchar2(4);</a:t>
-            </a:r>
-          </a:p>
-          <a:p>
-            <a:r>
-              <a:rPr lang="en-US" sz="1100" dirty="0">
-                <a:latin typeface="Courier New" panose="02070309020205020404" pitchFamily="49" charset="0"/>
-                <a:cs typeface="Courier New" panose="02070309020205020404" pitchFamily="49" charset="0"/>
-              </a:rPr>
-              <a:t> </a:t>
-            </a:r>
-            <a:r>
-              <a:rPr lang="en-US" sz="1100" dirty="0" err="1" smtClean="0">
-                <a:latin typeface="Courier New" panose="02070309020205020404" pitchFamily="49" charset="0"/>
-                <a:cs typeface="Courier New" panose="02070309020205020404" pitchFamily="49" charset="0"/>
-              </a:rPr>
-              <a:t>num_dog</a:t>
-            </a:r>
-            <a:r>
-              <a:rPr lang="en-US" sz="1100" dirty="0" smtClean="0">
-                <a:latin typeface="Courier New" panose="02070309020205020404" pitchFamily="49" charset="0"/>
-                <a:cs typeface="Courier New" panose="02070309020205020404" pitchFamily="49" charset="0"/>
-              </a:rPr>
-              <a:t>                     </a:t>
-            </a:r>
-            <a:r>
-              <a:rPr lang="en-US" sz="1100" dirty="0">
-                <a:latin typeface="Courier New" panose="02070309020205020404" pitchFamily="49" charset="0"/>
-                <a:cs typeface="Courier New" panose="02070309020205020404" pitchFamily="49" charset="0"/>
-              </a:rPr>
-              <a:t>number := 1;</a:t>
-            </a:r>
-          </a:p>
-          <a:p>
-            <a:r>
-              <a:rPr lang="en-US" sz="1100" dirty="0">
-                <a:latin typeface="Courier New" panose="02070309020205020404" pitchFamily="49" charset="0"/>
-                <a:cs typeface="Courier New" panose="02070309020205020404" pitchFamily="49" charset="0"/>
-              </a:rPr>
-              <a:t> </a:t>
-            </a:r>
-            <a:r>
-              <a:rPr lang="en-US" sz="1100" dirty="0" err="1" smtClean="0">
-                <a:latin typeface="Courier New" panose="02070309020205020404" pitchFamily="49" charset="0"/>
-                <a:cs typeface="Courier New" panose="02070309020205020404" pitchFamily="49" charset="0"/>
-              </a:rPr>
-              <a:t>amount_dog_in_current_year</a:t>
-            </a:r>
-            <a:r>
-              <a:rPr lang="en-US" sz="1100" dirty="0" smtClean="0">
-                <a:latin typeface="Courier New" panose="02070309020205020404" pitchFamily="49" charset="0"/>
-                <a:cs typeface="Courier New" panose="02070309020205020404" pitchFamily="49" charset="0"/>
-              </a:rPr>
-              <a:t>  </a:t>
-            </a:r>
-            <a:r>
-              <a:rPr lang="en-US" sz="1100" dirty="0">
-                <a:latin typeface="Courier New" panose="02070309020205020404" pitchFamily="49" charset="0"/>
-                <a:cs typeface="Courier New" panose="02070309020205020404" pitchFamily="49" charset="0"/>
-              </a:rPr>
-              <a:t>number := 0;</a:t>
-            </a:r>
-          </a:p>
-          <a:p>
-            <a:r>
-              <a:rPr lang="en-US" sz="1100" dirty="0">
-                <a:latin typeface="Courier New" panose="02070309020205020404" pitchFamily="49" charset="0"/>
-                <a:cs typeface="Courier New" panose="02070309020205020404" pitchFamily="49" charset="0"/>
-              </a:rPr>
-              <a:t> </a:t>
-            </a:r>
-            <a:r>
-              <a:rPr lang="en-US" sz="1100" dirty="0" err="1" smtClean="0">
-                <a:latin typeface="Courier New" panose="02070309020205020404" pitchFamily="49" charset="0"/>
-                <a:cs typeface="Courier New" panose="02070309020205020404" pitchFamily="49" charset="0"/>
-              </a:rPr>
-              <a:t>credit_month_percent</a:t>
-            </a:r>
-            <a:r>
-              <a:rPr lang="en-US" sz="1100" dirty="0" smtClean="0">
-                <a:latin typeface="Courier New" panose="02070309020205020404" pitchFamily="49" charset="0"/>
-                <a:cs typeface="Courier New" panose="02070309020205020404" pitchFamily="49" charset="0"/>
-              </a:rPr>
-              <a:t>        </a:t>
-            </a:r>
-            <a:r>
-              <a:rPr lang="en-US" sz="1100" dirty="0">
-                <a:latin typeface="Courier New" panose="02070309020205020404" pitchFamily="49" charset="0"/>
-                <a:cs typeface="Courier New" panose="02070309020205020404" pitchFamily="49" charset="0"/>
-              </a:rPr>
-              <a:t>number;   </a:t>
-            </a:r>
-            <a:r>
-              <a:rPr lang="en-US" sz="1100" dirty="0" smtClean="0">
-                <a:latin typeface="Courier New" panose="02070309020205020404" pitchFamily="49" charset="0"/>
-                <a:cs typeface="Courier New" panose="02070309020205020404" pitchFamily="49" charset="0"/>
-              </a:rPr>
-              <a:t>-- </a:t>
-            </a:r>
-            <a:r>
-              <a:rPr lang="ru-RU" sz="1100" dirty="0">
-                <a:latin typeface="Courier New" panose="02070309020205020404" pitchFamily="49" charset="0"/>
-                <a:cs typeface="Courier New" panose="02070309020205020404" pitchFamily="49" charset="0"/>
-              </a:rPr>
-              <a:t>ежемесячная процентная ставка</a:t>
-            </a:r>
-          </a:p>
-          <a:p>
-            <a:r>
-              <a:rPr lang="ru-RU" sz="1100" dirty="0">
-                <a:latin typeface="Courier New" panose="02070309020205020404" pitchFamily="49" charset="0"/>
-                <a:cs typeface="Courier New" panose="02070309020205020404" pitchFamily="49" charset="0"/>
-              </a:rPr>
-              <a:t> </a:t>
-            </a:r>
-            <a:r>
-              <a:rPr lang="en-US" sz="1100" dirty="0" err="1" smtClean="0">
-                <a:latin typeface="Courier New" panose="02070309020205020404" pitchFamily="49" charset="0"/>
-                <a:cs typeface="Courier New" panose="02070309020205020404" pitchFamily="49" charset="0"/>
-              </a:rPr>
-              <a:t>annuit_pay</a:t>
-            </a:r>
-            <a:r>
-              <a:rPr lang="en-US" sz="1100" dirty="0" smtClean="0">
-                <a:latin typeface="Courier New" panose="02070309020205020404" pitchFamily="49" charset="0"/>
-                <a:cs typeface="Courier New" panose="02070309020205020404" pitchFamily="49" charset="0"/>
-              </a:rPr>
-              <a:t>                  </a:t>
-            </a:r>
-            <a:r>
-              <a:rPr lang="en-US" sz="1100" dirty="0">
-                <a:latin typeface="Courier New" panose="02070309020205020404" pitchFamily="49" charset="0"/>
-                <a:cs typeface="Courier New" panose="02070309020205020404" pitchFamily="49" charset="0"/>
-              </a:rPr>
-              <a:t>number;   </a:t>
-            </a:r>
-            <a:r>
-              <a:rPr lang="en-US" sz="1100" dirty="0" smtClean="0">
-                <a:latin typeface="Courier New" panose="02070309020205020404" pitchFamily="49" charset="0"/>
-                <a:cs typeface="Courier New" panose="02070309020205020404" pitchFamily="49" charset="0"/>
-              </a:rPr>
-              <a:t>-- </a:t>
-            </a:r>
-            <a:r>
-              <a:rPr lang="ru-RU" sz="1100" dirty="0">
-                <a:latin typeface="Courier New" panose="02070309020205020404" pitchFamily="49" charset="0"/>
-                <a:cs typeface="Courier New" panose="02070309020205020404" pitchFamily="49" charset="0"/>
-              </a:rPr>
-              <a:t>размер </a:t>
-            </a:r>
-            <a:r>
-              <a:rPr lang="ru-RU" sz="1100" dirty="0" err="1">
-                <a:latin typeface="Courier New" panose="02070309020205020404" pitchFamily="49" charset="0"/>
-                <a:cs typeface="Courier New" panose="02070309020205020404" pitchFamily="49" charset="0"/>
-              </a:rPr>
-              <a:t>аннуитентного</a:t>
-            </a:r>
-            <a:r>
-              <a:rPr lang="ru-RU" sz="1100" dirty="0">
-                <a:latin typeface="Courier New" panose="02070309020205020404" pitchFamily="49" charset="0"/>
-                <a:cs typeface="Courier New" panose="02070309020205020404" pitchFamily="49" charset="0"/>
-              </a:rPr>
-              <a:t> платежа</a:t>
-            </a:r>
-          </a:p>
-          <a:p>
-            <a:r>
-              <a:rPr lang="ru-RU" sz="1100" dirty="0">
-                <a:latin typeface="Courier New" panose="02070309020205020404" pitchFamily="49" charset="0"/>
-                <a:cs typeface="Courier New" panose="02070309020205020404" pitchFamily="49" charset="0"/>
-              </a:rPr>
-              <a:t> </a:t>
-            </a:r>
-            <a:r>
-              <a:rPr lang="en-US" sz="1100" dirty="0" err="1" smtClean="0">
-                <a:latin typeface="Courier New" panose="02070309020205020404" pitchFamily="49" charset="0"/>
-                <a:cs typeface="Courier New" panose="02070309020205020404" pitchFamily="49" charset="0"/>
-              </a:rPr>
-              <a:t>p_date</a:t>
-            </a:r>
-            <a:r>
-              <a:rPr lang="en-US" sz="1100" dirty="0" smtClean="0">
-                <a:latin typeface="Courier New" panose="02070309020205020404" pitchFamily="49" charset="0"/>
-                <a:cs typeface="Courier New" panose="02070309020205020404" pitchFamily="49" charset="0"/>
-              </a:rPr>
-              <a:t>                      </a:t>
-            </a:r>
-            <a:r>
-              <a:rPr lang="en-US" sz="1100" dirty="0">
-                <a:latin typeface="Courier New" panose="02070309020205020404" pitchFamily="49" charset="0"/>
-                <a:cs typeface="Courier New" panose="02070309020205020404" pitchFamily="49" charset="0"/>
-              </a:rPr>
-              <a:t>date;     </a:t>
-            </a:r>
-            <a:r>
-              <a:rPr lang="en-US" sz="1100" dirty="0" smtClean="0">
-                <a:latin typeface="Courier New" panose="02070309020205020404" pitchFamily="49" charset="0"/>
-                <a:cs typeface="Courier New" panose="02070309020205020404" pitchFamily="49" charset="0"/>
-              </a:rPr>
-              <a:t>-- </a:t>
-            </a:r>
-            <a:r>
-              <a:rPr lang="ru-RU" sz="1100" dirty="0" err="1" smtClean="0">
-                <a:latin typeface="Courier New" panose="02070309020205020404" pitchFamily="49" charset="0"/>
-                <a:cs typeface="Courier New" panose="02070309020205020404" pitchFamily="49" charset="0"/>
-              </a:rPr>
-              <a:t>план.дата</a:t>
-            </a:r>
-            <a:r>
-              <a:rPr lang="ru-RU" sz="1100" dirty="0" smtClean="0">
-                <a:latin typeface="Courier New" panose="02070309020205020404" pitchFamily="49" charset="0"/>
-                <a:cs typeface="Courier New" panose="02070309020205020404" pitchFamily="49" charset="0"/>
-              </a:rPr>
-              <a:t> </a:t>
-            </a:r>
-            <a:r>
-              <a:rPr lang="ru-RU" sz="1100" dirty="0" err="1">
-                <a:latin typeface="Courier New" panose="02070309020205020404" pitchFamily="49" charset="0"/>
-                <a:cs typeface="Courier New" panose="02070309020205020404" pitchFamily="49" charset="0"/>
-              </a:rPr>
-              <a:t>аннуитентного</a:t>
-            </a:r>
-            <a:r>
-              <a:rPr lang="ru-RU" sz="1100" dirty="0">
-                <a:latin typeface="Courier New" panose="02070309020205020404" pitchFamily="49" charset="0"/>
-                <a:cs typeface="Courier New" panose="02070309020205020404" pitchFamily="49" charset="0"/>
-              </a:rPr>
-              <a:t> платежа</a:t>
-            </a:r>
-          </a:p>
-          <a:p>
-            <a:r>
-              <a:rPr lang="ru-RU" sz="1100" dirty="0">
-                <a:latin typeface="Courier New" panose="02070309020205020404" pitchFamily="49" charset="0"/>
-                <a:cs typeface="Courier New" panose="02070309020205020404" pitchFamily="49" charset="0"/>
-              </a:rPr>
-              <a:t> </a:t>
-            </a:r>
-            <a:r>
-              <a:rPr lang="en-US" sz="1100" dirty="0" err="1" smtClean="0">
-                <a:latin typeface="Courier New" panose="02070309020205020404" pitchFamily="49" charset="0"/>
-                <a:cs typeface="Courier New" panose="02070309020205020404" pitchFamily="49" charset="0"/>
-              </a:rPr>
-              <a:t>p_summa_percent</a:t>
-            </a:r>
-            <a:r>
-              <a:rPr lang="en-US" sz="1100" dirty="0" smtClean="0">
-                <a:latin typeface="Courier New" panose="02070309020205020404" pitchFamily="49" charset="0"/>
-                <a:cs typeface="Courier New" panose="02070309020205020404" pitchFamily="49" charset="0"/>
-              </a:rPr>
-              <a:t>             </a:t>
-            </a:r>
-            <a:r>
-              <a:rPr lang="en-US" sz="1100" dirty="0">
-                <a:latin typeface="Courier New" panose="02070309020205020404" pitchFamily="49" charset="0"/>
-                <a:cs typeface="Courier New" panose="02070309020205020404" pitchFamily="49" charset="0"/>
-              </a:rPr>
-              <a:t>number;   </a:t>
-            </a:r>
-            <a:r>
-              <a:rPr lang="en-US" sz="1100" dirty="0" smtClean="0">
-                <a:latin typeface="Courier New" panose="02070309020205020404" pitchFamily="49" charset="0"/>
-                <a:cs typeface="Courier New" panose="02070309020205020404" pitchFamily="49" charset="0"/>
-              </a:rPr>
-              <a:t>-- </a:t>
-            </a:r>
-            <a:r>
-              <a:rPr lang="ru-RU" sz="1100" dirty="0">
-                <a:latin typeface="Courier New" panose="02070309020205020404" pitchFamily="49" charset="0"/>
-                <a:cs typeface="Courier New" panose="02070309020205020404" pitchFamily="49" charset="0"/>
-              </a:rPr>
-              <a:t>ежемесячное погашение процентов</a:t>
-            </a:r>
-          </a:p>
-          <a:p>
-            <a:r>
-              <a:rPr lang="ru-RU" sz="1100" dirty="0">
-                <a:latin typeface="Courier New" panose="02070309020205020404" pitchFamily="49" charset="0"/>
-                <a:cs typeface="Courier New" panose="02070309020205020404" pitchFamily="49" charset="0"/>
-              </a:rPr>
-              <a:t> </a:t>
-            </a:r>
-            <a:r>
-              <a:rPr lang="en-US" sz="1100" dirty="0" err="1" smtClean="0">
-                <a:latin typeface="Courier New" panose="02070309020205020404" pitchFamily="49" charset="0"/>
-                <a:cs typeface="Courier New" panose="02070309020205020404" pitchFamily="49" charset="0"/>
-              </a:rPr>
-              <a:t>p_summa_body</a:t>
-            </a:r>
-            <a:r>
-              <a:rPr lang="en-US" sz="1100" dirty="0" smtClean="0">
-                <a:latin typeface="Courier New" panose="02070309020205020404" pitchFamily="49" charset="0"/>
-                <a:cs typeface="Courier New" panose="02070309020205020404" pitchFamily="49" charset="0"/>
-              </a:rPr>
-              <a:t>                </a:t>
-            </a:r>
-            <a:r>
-              <a:rPr lang="en-US" sz="1100" dirty="0">
-                <a:latin typeface="Courier New" panose="02070309020205020404" pitchFamily="49" charset="0"/>
-                <a:cs typeface="Courier New" panose="02070309020205020404" pitchFamily="49" charset="0"/>
-              </a:rPr>
-              <a:t>number;   </a:t>
-            </a:r>
-            <a:r>
-              <a:rPr lang="en-US" sz="1100" dirty="0" smtClean="0">
-                <a:latin typeface="Courier New" panose="02070309020205020404" pitchFamily="49" charset="0"/>
-                <a:cs typeface="Courier New" panose="02070309020205020404" pitchFamily="49" charset="0"/>
-              </a:rPr>
-              <a:t>-- </a:t>
-            </a:r>
-            <a:r>
-              <a:rPr lang="ru-RU" sz="1100" dirty="0">
-                <a:latin typeface="Courier New" panose="02070309020205020404" pitchFamily="49" charset="0"/>
-                <a:cs typeface="Courier New" panose="02070309020205020404" pitchFamily="49" charset="0"/>
-              </a:rPr>
-              <a:t>ежемесячное погашение кредита</a:t>
-            </a:r>
-          </a:p>
-          <a:p>
-            <a:r>
-              <a:rPr lang="ru-RU" sz="1100" dirty="0">
-                <a:latin typeface="Courier New" panose="02070309020205020404" pitchFamily="49" charset="0"/>
-                <a:cs typeface="Courier New" panose="02070309020205020404" pitchFamily="49" charset="0"/>
-              </a:rPr>
-              <a:t> </a:t>
-            </a:r>
-            <a:r>
-              <a:rPr lang="en-US" sz="1100" dirty="0" err="1" smtClean="0">
-                <a:latin typeface="Courier New" panose="02070309020205020404" pitchFamily="49" charset="0"/>
-                <a:cs typeface="Courier New" panose="02070309020205020404" pitchFamily="49" charset="0"/>
-              </a:rPr>
-              <a:t>summa_dog_ostat</a:t>
-            </a:r>
-            <a:r>
-              <a:rPr lang="en-US" sz="1100" dirty="0" smtClean="0">
-                <a:latin typeface="Courier New" panose="02070309020205020404" pitchFamily="49" charset="0"/>
-                <a:cs typeface="Courier New" panose="02070309020205020404" pitchFamily="49" charset="0"/>
-              </a:rPr>
-              <a:t>             </a:t>
-            </a:r>
-            <a:r>
-              <a:rPr lang="en-US" sz="1100" dirty="0">
-                <a:latin typeface="Courier New" panose="02070309020205020404" pitchFamily="49" charset="0"/>
-                <a:cs typeface="Courier New" panose="02070309020205020404" pitchFamily="49" charset="0"/>
-              </a:rPr>
-              <a:t>number;   </a:t>
-            </a:r>
-            <a:r>
-              <a:rPr lang="en-US" sz="1100" dirty="0" smtClean="0">
-                <a:latin typeface="Courier New" panose="02070309020205020404" pitchFamily="49" charset="0"/>
-                <a:cs typeface="Courier New" panose="02070309020205020404" pitchFamily="49" charset="0"/>
-              </a:rPr>
-              <a:t>-- </a:t>
-            </a:r>
-            <a:r>
-              <a:rPr lang="ru-RU" sz="1100" dirty="0">
-                <a:latin typeface="Courier New" panose="02070309020205020404" pitchFamily="49" charset="0"/>
-                <a:cs typeface="Courier New" panose="02070309020205020404" pitchFamily="49" charset="0"/>
-              </a:rPr>
-              <a:t>остаток по кредиту</a:t>
-            </a:r>
-          </a:p>
-          <a:p>
-            <a:endParaRPr lang="ru-RU" sz="1100" dirty="0">
-              <a:latin typeface="Courier New" panose="02070309020205020404" pitchFamily="49" charset="0"/>
-              <a:cs typeface="Courier New" panose="02070309020205020404" pitchFamily="49" charset="0"/>
-            </a:endParaRPr>
-          </a:p>
-          <a:p>
-            <a:r>
-              <a:rPr lang="en-US" sz="1100" dirty="0">
-                <a:latin typeface="Courier New" panose="02070309020205020404" pitchFamily="49" charset="0"/>
-                <a:cs typeface="Courier New" panose="02070309020205020404" pitchFamily="49" charset="0"/>
-              </a:rPr>
-              <a:t>BEGIN</a:t>
-            </a:r>
-          </a:p>
-          <a:p>
-            <a:endParaRPr lang="en-US" sz="1100" dirty="0">
-              <a:latin typeface="Courier New" panose="02070309020205020404" pitchFamily="49" charset="0"/>
-              <a:cs typeface="Courier New" panose="02070309020205020404" pitchFamily="49" charset="0"/>
-            </a:endParaRPr>
-          </a:p>
-          <a:p>
-            <a:r>
-              <a:rPr lang="en-US" sz="1100" dirty="0">
-                <a:latin typeface="Courier New" panose="02070309020205020404" pitchFamily="49" charset="0"/>
-                <a:cs typeface="Courier New" panose="02070309020205020404" pitchFamily="49" charset="0"/>
-              </a:rPr>
-              <a:t>    c##</a:t>
-            </a:r>
-            <a:r>
-              <a:rPr lang="en-US" sz="1100" dirty="0" err="1">
-                <a:latin typeface="Courier New" panose="02070309020205020404" pitchFamily="49" charset="0"/>
-                <a:cs typeface="Courier New" panose="02070309020205020404" pitchFamily="49" charset="0"/>
-              </a:rPr>
-              <a:t>course.pr_create_client</a:t>
-            </a:r>
-            <a:r>
-              <a:rPr lang="en-US" sz="1100" dirty="0">
-                <a:latin typeface="Courier New" panose="02070309020205020404" pitchFamily="49" charset="0"/>
-                <a:cs typeface="Courier New" panose="02070309020205020404" pitchFamily="49" charset="0"/>
-              </a:rPr>
-              <a:t>(</a:t>
-            </a:r>
-            <a:r>
-              <a:rPr lang="en-US" sz="1100" dirty="0" err="1">
-                <a:latin typeface="Courier New" panose="02070309020205020404" pitchFamily="49" charset="0"/>
-                <a:cs typeface="Courier New" panose="02070309020205020404" pitchFamily="49" charset="0"/>
-              </a:rPr>
-              <a:t>client_name,client_birth,client_id</a:t>
-            </a:r>
-            <a:r>
-              <a:rPr lang="en-US" sz="1100" dirty="0">
-                <a:latin typeface="Courier New" panose="02070309020205020404" pitchFamily="49" charset="0"/>
-                <a:cs typeface="Courier New" panose="02070309020205020404" pitchFamily="49" charset="0"/>
-              </a:rPr>
-              <a:t>);</a:t>
-            </a:r>
-          </a:p>
-          <a:p>
-            <a:r>
-              <a:rPr lang="ru-RU" sz="1100" dirty="0" smtClean="0">
-                <a:latin typeface="Courier New" panose="02070309020205020404" pitchFamily="49" charset="0"/>
-                <a:cs typeface="Courier New" panose="02070309020205020404" pitchFamily="49" charset="0"/>
-              </a:rPr>
-              <a:t>...</a:t>
-            </a:r>
-            <a:endParaRPr lang="en-US" sz="1100" dirty="0">
-              <a:latin typeface="Courier New" panose="02070309020205020404" pitchFamily="49" charset="0"/>
-              <a:cs typeface="Courier New" panose="02070309020205020404" pitchFamily="49" charset="0"/>
-            </a:endParaRPr>
-          </a:p>
-        </p:txBody>
-      </p:sp>
-      <p:sp>
-        <p:nvSpPr>
-          <p:cNvPr id="6" name="TextBox 5"/>
-          <p:cNvSpPr txBox="1"/>
-          <p:nvPr/>
-        </p:nvSpPr>
-        <p:spPr bwMode="auto">
-          <a:xfrm>
-            <a:off x="307850" y="6309320"/>
-            <a:ext cx="10657184" cy="461665"/>
-          </a:xfrm>
-          <a:prstGeom prst="rect">
-            <a:avLst/>
-          </a:prstGeom>
-          <a:noFill/>
-        </p:spPr>
-        <p:txBody>
-          <a:bodyPr wrap="square" rtlCol="0">
-            <a:spAutoFit/>
-          </a:bodyPr>
-          <a:lstStyle/>
-          <a:p>
-            <a:r>
-              <a:rPr lang="en-US" sz="1200" dirty="0" smtClean="0">
-                <a:solidFill>
-                  <a:schemeClr val="tx2">
-                    <a:lumMod val="60000"/>
-                    <a:lumOff val="40000"/>
-                  </a:schemeClr>
-                </a:solidFill>
-                <a:hlinkClick r:id="rId2"/>
-              </a:rPr>
-              <a:t>https://github.com/AndrSor/Course_PLSQL_SB/blob/main/Course%20Work/04.2.%D0%9D%D0%BE%D0%B2%D1%8B%D0%B9%20%D0%B8%D0%BB%D0%B8%20%D1%81%D1%83%D1%89%D0%B5%D1%81%D1%82%D0%B2%D1%83%D1%8E%D1%89%D0%B8%D0%B9%20%D0%BA%D0%BB%D0%B8%D0%B5%D0%BD%D1%82.sql</a:t>
-            </a:r>
-            <a:endParaRPr lang="ru-RU" sz="1200" dirty="0">
-              <a:solidFill>
-                <a:schemeClr val="tx2">
-                  <a:lumMod val="60000"/>
-                  <a:lumOff val="40000"/>
-                </a:schemeClr>
-              </a:solidFill>
-            </a:endParaRPr>
-          </a:p>
-        </p:txBody>
-      </p:sp>
-      <p:sp>
-        <p:nvSpPr>
-          <p:cNvPr id="8" name="TextBox 7"/>
-          <p:cNvSpPr txBox="1"/>
-          <p:nvPr/>
-        </p:nvSpPr>
-        <p:spPr bwMode="auto">
-          <a:xfrm>
-            <a:off x="335360" y="5939988"/>
-            <a:ext cx="4608512" cy="369332"/>
-          </a:xfrm>
-          <a:prstGeom prst="rect">
-            <a:avLst/>
-          </a:prstGeom>
-          <a:noFill/>
-        </p:spPr>
-        <p:txBody>
-          <a:bodyPr wrap="square" rtlCol="0">
-            <a:spAutoFit/>
-          </a:bodyPr>
-          <a:lstStyle/>
-          <a:p>
-            <a:r>
-              <a:rPr lang="ru-RU" dirty="0" smtClean="0"/>
-              <a:t>Ссылка на код скри</a:t>
-            </a:r>
-            <a:r>
-              <a:rPr lang="ru-RU" dirty="0"/>
-              <a:t>п</a:t>
-            </a:r>
-            <a:r>
-              <a:rPr lang="ru-RU" dirty="0" smtClean="0"/>
-              <a:t>та:</a:t>
-            </a:r>
-            <a:endParaRPr lang="ru-RU" dirty="0"/>
-          </a:p>
-        </p:txBody>
-      </p:sp>
-      <p:pic>
-        <p:nvPicPr>
-          <p:cNvPr id="3" name="Рисунок 2"/>
-          <p:cNvPicPr>
-            <a:picLocks noChangeAspect="1"/>
-          </p:cNvPicPr>
-          <p:nvPr/>
-        </p:nvPicPr>
-        <p:blipFill>
-          <a:blip r:embed="rId3"/>
-          <a:stretch>
-            <a:fillRect/>
-          </a:stretch>
-        </p:blipFill>
-        <p:spPr>
-          <a:xfrm>
-            <a:off x="479376" y="1177469"/>
-            <a:ext cx="4610100" cy="1285875"/>
-          </a:xfrm>
-          <a:prstGeom prst="rect">
-            <a:avLst/>
-          </a:prstGeom>
-        </p:spPr>
-      </p:pic>
-    </p:spTree>
-    <p:extLst>
-      <p:ext uri="{BB962C8B-B14F-4D97-AF65-F5344CB8AC3E}">
-        <p14:creationId xmlns:p14="http://schemas.microsoft.com/office/powerpoint/2010/main" val="546599934"/>
       </p:ext>
     </p:extLst>
   </p:cSld>
@@ -18039,7 +17324,7 @@
           <p:cNvPr id="17" name="Рисунок 2">
             <a:extLst>
               <a:ext uri="{FF2B5EF4-FFF2-40B4-BE49-F238E27FC236}">
-                <a16:creationId xmlns="" xmlns:a16="http://schemas.microsoft.com/office/drawing/2014/main" id="{0DCCFB52-7D2B-4BA7-8FE3-E7C19E143E4E}"/>
+                <a16:creationId xmlns:a16="http://schemas.microsoft.com/office/drawing/2014/main" xmlns="" id="{0DCCFB52-7D2B-4BA7-8FE3-E7C19E143E4E}"/>
               </a:ext>
             </a:extLst>
           </p:cNvPr>
@@ -18068,7 +17353,7 @@
           <p:cNvPr id="20" name="object 26">
             <a:extLst>
               <a:ext uri="{FF2B5EF4-FFF2-40B4-BE49-F238E27FC236}">
-                <a16:creationId xmlns="" xmlns:a16="http://schemas.microsoft.com/office/drawing/2014/main" id="{4DE54BB7-929A-4B8A-9DA0-D0EEC7053A84}"/>
+                <a16:creationId xmlns:a16="http://schemas.microsoft.com/office/drawing/2014/main" xmlns="" id="{4DE54BB7-929A-4B8A-9DA0-D0EEC7053A84}"/>
               </a:ext>
             </a:extLst>
           </p:cNvPr>
@@ -18127,7 +17412,7 @@
           <p:cNvPr id="22" name="Рисунок 12">
             <a:extLst>
               <a:ext uri="{FF2B5EF4-FFF2-40B4-BE49-F238E27FC236}">
-                <a16:creationId xmlns="" xmlns:a16="http://schemas.microsoft.com/office/drawing/2014/main" id="{436EC55F-517B-4FC1-85F8-ED7FCD662E5D}"/>
+                <a16:creationId xmlns:a16="http://schemas.microsoft.com/office/drawing/2014/main" xmlns="" id="{436EC55F-517B-4FC1-85F8-ED7FCD662E5D}"/>
               </a:ext>
             </a:extLst>
           </p:cNvPr>
@@ -18156,7 +17441,7 @@
           <p:cNvPr id="23" name="object 26">
             <a:extLst>
               <a:ext uri="{FF2B5EF4-FFF2-40B4-BE49-F238E27FC236}">
-                <a16:creationId xmlns="" xmlns:a16="http://schemas.microsoft.com/office/drawing/2014/main" id="{A8F6E936-17AA-460E-A5F3-7295B64C51D9}"/>
+                <a16:creationId xmlns:a16="http://schemas.microsoft.com/office/drawing/2014/main" xmlns="" id="{A8F6E936-17AA-460E-A5F3-7295B64C51D9}"/>
               </a:ext>
             </a:extLst>
           </p:cNvPr>
@@ -18208,7 +17493,7 @@
           <p:cNvPr id="24" name="Рисунок 23">
             <a:extLst>
               <a:ext uri="{FF2B5EF4-FFF2-40B4-BE49-F238E27FC236}">
-                <a16:creationId xmlns="" xmlns:a16="http://schemas.microsoft.com/office/drawing/2014/main" id="{C8D1253D-2E3F-4357-A3C7-FF90F8F21EDF}"/>
+                <a16:creationId xmlns:a16="http://schemas.microsoft.com/office/drawing/2014/main" xmlns="" id="{C8D1253D-2E3F-4357-A3C7-FF90F8F21EDF}"/>
               </a:ext>
             </a:extLst>
           </p:cNvPr>
@@ -18237,7 +17522,7 @@
           <p:cNvPr id="25" name="object 26">
             <a:extLst>
               <a:ext uri="{FF2B5EF4-FFF2-40B4-BE49-F238E27FC236}">
-                <a16:creationId xmlns="" xmlns:a16="http://schemas.microsoft.com/office/drawing/2014/main" id="{00AF5FF0-543F-426D-85A1-4D4DBAB934D8}"/>
+                <a16:creationId xmlns:a16="http://schemas.microsoft.com/office/drawing/2014/main" xmlns="" id="{00AF5FF0-543F-426D-85A1-4D4DBAB934D8}"/>
               </a:ext>
             </a:extLst>
           </p:cNvPr>
@@ -18317,7 +17602,7 @@
           <p:cNvPr id="26" name="object 26">
             <a:extLst>
               <a:ext uri="{FF2B5EF4-FFF2-40B4-BE49-F238E27FC236}">
-                <a16:creationId xmlns="" xmlns:a16="http://schemas.microsoft.com/office/drawing/2014/main" id="{453BB67C-6BE9-45B5-B1FA-AD1EE9AB42E3}"/>
+                <a16:creationId xmlns:a16="http://schemas.microsoft.com/office/drawing/2014/main" xmlns="" id="{453BB67C-6BE9-45B5-B1FA-AD1EE9AB42E3}"/>
               </a:ext>
             </a:extLst>
           </p:cNvPr>
@@ -18397,7 +17682,7 @@
           <p:cNvPr id="15" name="TextBox 14">
             <a:extLst>
               <a:ext uri="{FF2B5EF4-FFF2-40B4-BE49-F238E27FC236}">
-                <a16:creationId xmlns="" xmlns:a16="http://schemas.microsoft.com/office/drawing/2014/main" id="{F4B1282C-1EE6-4516-8528-4C3B699AF9DB}"/>
+                <a16:creationId xmlns:a16="http://schemas.microsoft.com/office/drawing/2014/main" xmlns="" id="{F4B1282C-1EE6-4516-8528-4C3B699AF9DB}"/>
               </a:ext>
             </a:extLst>
           </p:cNvPr>
@@ -18510,7 +17795,7 @@
           <p:cNvPr id="16" name="Рисунок 15">
             <a:extLst>
               <a:ext uri="{FF2B5EF4-FFF2-40B4-BE49-F238E27FC236}">
-                <a16:creationId xmlns="" xmlns:a16="http://schemas.microsoft.com/office/drawing/2014/main" id="{5AE95B28-B2FC-43A5-8B6E-FD95AA24B1B8}"/>
+                <a16:creationId xmlns:a16="http://schemas.microsoft.com/office/drawing/2014/main" xmlns="" id="{5AE95B28-B2FC-43A5-8B6E-FD95AA24B1B8}"/>
               </a:ext>
             </a:extLst>
           </p:cNvPr>
@@ -18539,7 +17824,7 @@
           <p:cNvPr id="27" name="object 26">
             <a:extLst>
               <a:ext uri="{FF2B5EF4-FFF2-40B4-BE49-F238E27FC236}">
-                <a16:creationId xmlns="" xmlns:a16="http://schemas.microsoft.com/office/drawing/2014/main" id="{D96035DE-DB7E-4A03-A568-62EAA55D76F0}"/>
+                <a16:creationId xmlns:a16="http://schemas.microsoft.com/office/drawing/2014/main" xmlns="" id="{D96035DE-DB7E-4A03-A568-62EAA55D76F0}"/>
               </a:ext>
             </a:extLst>
           </p:cNvPr>
@@ -18759,7 +18044,1318 @@
           <p:cNvPr id="18" name="Title 7">
             <a:extLst>
               <a:ext uri="{FF2B5EF4-FFF2-40B4-BE49-F238E27FC236}">
-                <a16:creationId xmlns="" xmlns:a16="http://schemas.microsoft.com/office/drawing/2014/main" id="{E195DE7B-42F0-4CAA-AAB0-D33DB61C53CA}"/>
+                <a16:creationId xmlns:a16="http://schemas.microsoft.com/office/drawing/2014/main" xmlns="" id="{E195DE7B-42F0-4CAA-AAB0-D33DB61C53CA}"/>
+              </a:ext>
+            </a:extLst>
+          </p:cNvPr>
+          <p:cNvSpPr>
+            <a:spLocks/>
+          </p:cNvSpPr>
+          <p:nvPr/>
+        </p:nvSpPr>
+        <p:spPr bwMode="auto">
+          <a:xfrm>
+            <a:off x="191344" y="285978"/>
+            <a:ext cx="12169352" cy="550734"/>
+          </a:xfrm>
+          <a:prstGeom prst="rect">
+            <a:avLst/>
+          </a:prstGeom>
+        </p:spPr>
+        <p:txBody>
+          <a:bodyPr lIns="0" tIns="0" rIns="0" bIns="0"/>
+          <a:lstStyle>
+            <a:lvl1pPr algn="l" defTabSz="914400">
+              <a:lnSpc>
+                <a:spcPct val="90000"/>
+              </a:lnSpc>
+              <a:spcBef>
+                <a:spcPts val="0"/>
+              </a:spcBef>
+              <a:buNone/>
+              <a:defRPr sz="4400" b="0" i="0">
+                <a:solidFill>
+                  <a:schemeClr val="tx1"/>
+                </a:solidFill>
+                <a:latin typeface="SB Sans Display Regular"/>
+                <a:ea typeface="+mj-ea"/>
+                <a:cs typeface="+mj-cs"/>
+              </a:defRPr>
+            </a:lvl1pPr>
+          </a:lstStyle>
+          <a:p>
+            <a:pPr>
+              <a:defRPr/>
+            </a:pPr>
+            <a:r>
+              <a:rPr lang="en-US" sz="3200" dirty="0">
+                <a:solidFill>
+                  <a:srgbClr val="333F48"/>
+                </a:solidFill>
+              </a:rPr>
+              <a:t>4</a:t>
+            </a:r>
+            <a:r>
+              <a:rPr lang="ru-RU" sz="3200" dirty="0" smtClean="0">
+                <a:solidFill>
+                  <a:srgbClr val="333F48"/>
+                </a:solidFill>
+              </a:rPr>
+              <a:t>. Новый договор и плановый график</a:t>
+            </a:r>
+            <a:endParaRPr lang="ru-RU" sz="1200" dirty="0"/>
+          </a:p>
+          <a:p>
+            <a:pPr>
+              <a:defRPr/>
+            </a:pPr>
+            <a:r>
+              <a:rPr lang="ru-RU" sz="3200" dirty="0" smtClean="0">
+                <a:solidFill>
+                  <a:srgbClr val="333F48"/>
+                </a:solidFill>
+              </a:rPr>
+              <a:t> </a:t>
+            </a:r>
+            <a:endParaRPr lang="ru-RU" sz="1200" dirty="0"/>
+          </a:p>
+        </p:txBody>
+      </p:sp>
+      <p:sp>
+        <p:nvSpPr>
+          <p:cNvPr id="5" name="TextBox 4"/>
+          <p:cNvSpPr txBox="1"/>
+          <p:nvPr/>
+        </p:nvSpPr>
+        <p:spPr>
+          <a:xfrm>
+            <a:off x="5879976" y="614491"/>
+            <a:ext cx="6120680" cy="507831"/>
+          </a:xfrm>
+          <a:prstGeom prst="rect">
+            <a:avLst/>
+          </a:prstGeom>
+          <a:noFill/>
+        </p:spPr>
+        <p:txBody>
+          <a:bodyPr wrap="square" rtlCol="0">
+            <a:spAutoFit/>
+          </a:bodyPr>
+          <a:lstStyle/>
+          <a:p>
+            <a:r>
+              <a:rPr lang="en-US" sz="900" dirty="0"/>
+              <a:t> </a:t>
+            </a:r>
+          </a:p>
+          <a:p>
+            <a:endParaRPr lang="en-US" sz="900" dirty="0"/>
+          </a:p>
+          <a:p>
+            <a:r>
+              <a:rPr lang="en-US" sz="900" dirty="0" smtClean="0"/>
+              <a:t>   </a:t>
+            </a:r>
+            <a:endParaRPr lang="ru-RU" sz="900" dirty="0"/>
+          </a:p>
+        </p:txBody>
+      </p:sp>
+      <p:sp>
+        <p:nvSpPr>
+          <p:cNvPr id="4" name="TextBox 3"/>
+          <p:cNvSpPr txBox="1"/>
+          <p:nvPr/>
+        </p:nvSpPr>
+        <p:spPr>
+          <a:xfrm>
+            <a:off x="335360" y="725502"/>
+            <a:ext cx="4969346" cy="5016758"/>
+          </a:xfrm>
+          <a:prstGeom prst="rect">
+            <a:avLst/>
+          </a:prstGeom>
+          <a:solidFill>
+            <a:schemeClr val="accent3">
+              <a:lumMod val="20000"/>
+              <a:lumOff val="80000"/>
+            </a:schemeClr>
+          </a:solidFill>
+          <a:ln>
+            <a:solidFill>
+              <a:schemeClr val="accent1"/>
+            </a:solidFill>
+          </a:ln>
+        </p:spPr>
+        <p:txBody>
+          <a:bodyPr wrap="square" rtlCol="0">
+            <a:spAutoFit/>
+          </a:bodyPr>
+          <a:lstStyle/>
+          <a:p>
+            <a:r>
+              <a:rPr lang="ru-RU" sz="2000" b="1" dirty="0">
+                <a:solidFill>
+                  <a:srgbClr val="C00000"/>
+                </a:solidFill>
+              </a:rPr>
+              <a:t>Формула расчета </a:t>
+            </a:r>
+            <a:r>
+              <a:rPr lang="ru-RU" sz="2000" b="1" dirty="0" err="1">
+                <a:solidFill>
+                  <a:srgbClr val="C00000"/>
+                </a:solidFill>
+              </a:rPr>
+              <a:t>аннуитетных</a:t>
+            </a:r>
+            <a:r>
+              <a:rPr lang="ru-RU" sz="2000" b="1" dirty="0">
+                <a:solidFill>
+                  <a:srgbClr val="C00000"/>
+                </a:solidFill>
+              </a:rPr>
+              <a:t> </a:t>
+            </a:r>
+            <a:r>
+              <a:rPr lang="ru-RU" sz="2000" b="1" dirty="0" smtClean="0">
+                <a:solidFill>
+                  <a:srgbClr val="C00000"/>
+                </a:solidFill>
+              </a:rPr>
+              <a:t>платежей</a:t>
+            </a:r>
+          </a:p>
+          <a:p>
+            <a:endParaRPr lang="ru-RU" sz="2000" b="1" dirty="0">
+              <a:solidFill>
+                <a:srgbClr val="C00000"/>
+              </a:solidFill>
+              <a:latin typeface="Courier New" panose="02070309020205020404" pitchFamily="49" charset="0"/>
+              <a:cs typeface="Courier New" panose="02070309020205020404" pitchFamily="49" charset="0"/>
+            </a:endParaRPr>
+          </a:p>
+          <a:p>
+            <a:endParaRPr lang="ru-RU" sz="2000" b="1" dirty="0" smtClean="0">
+              <a:solidFill>
+                <a:srgbClr val="C00000"/>
+              </a:solidFill>
+              <a:latin typeface="Courier New" panose="02070309020205020404" pitchFamily="49" charset="0"/>
+              <a:cs typeface="Courier New" panose="02070309020205020404" pitchFamily="49" charset="0"/>
+            </a:endParaRPr>
+          </a:p>
+          <a:p>
+            <a:endParaRPr lang="ru-RU" sz="2000" b="1" dirty="0">
+              <a:solidFill>
+                <a:srgbClr val="C00000"/>
+              </a:solidFill>
+              <a:latin typeface="Courier New" panose="02070309020205020404" pitchFamily="49" charset="0"/>
+              <a:cs typeface="Courier New" panose="02070309020205020404" pitchFamily="49" charset="0"/>
+            </a:endParaRPr>
+          </a:p>
+          <a:p>
+            <a:endParaRPr lang="ru-RU" sz="2000" b="1" dirty="0" smtClean="0">
+              <a:solidFill>
+                <a:srgbClr val="C00000"/>
+              </a:solidFill>
+              <a:latin typeface="Courier New" panose="02070309020205020404" pitchFamily="49" charset="0"/>
+              <a:cs typeface="Courier New" panose="02070309020205020404" pitchFamily="49" charset="0"/>
+            </a:endParaRPr>
+          </a:p>
+          <a:p>
+            <a:endParaRPr lang="ru-RU" sz="2000" b="1" dirty="0">
+              <a:solidFill>
+                <a:srgbClr val="C00000"/>
+              </a:solidFill>
+              <a:latin typeface="Courier New" panose="02070309020205020404" pitchFamily="49" charset="0"/>
+              <a:cs typeface="Courier New" panose="02070309020205020404" pitchFamily="49" charset="0"/>
+            </a:endParaRPr>
+          </a:p>
+          <a:p>
+            <a:r>
+              <a:rPr lang="ru-RU" sz="2000" b="1" i="1" dirty="0"/>
+              <a:t>P</a:t>
+            </a:r>
+            <a:r>
+              <a:rPr lang="ru-RU" sz="2000" dirty="0"/>
+              <a:t> – ежемесячный платёж по </a:t>
+            </a:r>
+            <a:r>
+              <a:rPr lang="ru-RU" sz="2000" dirty="0" err="1"/>
+              <a:t>аннуитетному</a:t>
+            </a:r>
+            <a:r>
+              <a:rPr lang="ru-RU" sz="2000" dirty="0"/>
+              <a:t> кредиту (тот самый </a:t>
+            </a:r>
+            <a:r>
+              <a:rPr lang="ru-RU" sz="2000" dirty="0" err="1"/>
+              <a:t>аннуитетный</a:t>
+            </a:r>
+            <a:r>
+              <a:rPr lang="ru-RU" sz="2000" dirty="0"/>
+              <a:t> платёж, который не изменяется в течение всего периода погашения кредита);</a:t>
+            </a:r>
+            <a:br>
+              <a:rPr lang="ru-RU" sz="2000" dirty="0"/>
+            </a:br>
+            <a:r>
+              <a:rPr lang="ru-RU" sz="2000" b="1" i="1" dirty="0"/>
+              <a:t>S</a:t>
+            </a:r>
+            <a:r>
+              <a:rPr lang="ru-RU" sz="2000" dirty="0"/>
+              <a:t> – сумма кредита;</a:t>
+            </a:r>
+            <a:br>
+              <a:rPr lang="ru-RU" sz="2000" dirty="0"/>
+            </a:br>
+            <a:r>
+              <a:rPr lang="ru-RU" sz="2000" b="1" i="1" dirty="0"/>
+              <a:t>i</a:t>
+            </a:r>
+            <a:r>
+              <a:rPr lang="ru-RU" sz="2000" dirty="0"/>
+              <a:t> – ежемесячная процентная ставка (рассчитывается по следующей формуле: годовая процентная ставка/100/12);</a:t>
+            </a:r>
+            <a:br>
+              <a:rPr lang="ru-RU" sz="2000" dirty="0"/>
+            </a:br>
+            <a:r>
+              <a:rPr lang="ru-RU" sz="2000" b="1" i="1" dirty="0"/>
+              <a:t>n</a:t>
+            </a:r>
+            <a:r>
+              <a:rPr lang="ru-RU" sz="2000" dirty="0"/>
+              <a:t> – срок, на который берётся кредит (указывается количество месяцев</a:t>
+            </a:r>
+            <a:r>
+              <a:rPr lang="ru-RU" sz="2000" dirty="0" smtClean="0"/>
+              <a:t>).</a:t>
+            </a:r>
+            <a:endParaRPr lang="ru-RU" sz="2000" b="1" dirty="0">
+              <a:solidFill>
+                <a:srgbClr val="C00000"/>
+              </a:solidFill>
+              <a:latin typeface="Courier New" panose="02070309020205020404" pitchFamily="49" charset="0"/>
+              <a:cs typeface="Courier New" panose="02070309020205020404" pitchFamily="49" charset="0"/>
+            </a:endParaRPr>
+          </a:p>
+        </p:txBody>
+      </p:sp>
+      <p:sp>
+        <p:nvSpPr>
+          <p:cNvPr id="7" name="TextBox 6"/>
+          <p:cNvSpPr txBox="1"/>
+          <p:nvPr/>
+        </p:nvSpPr>
+        <p:spPr>
+          <a:xfrm>
+            <a:off x="5448722" y="728112"/>
+            <a:ext cx="6551934" cy="5001369"/>
+          </a:xfrm>
+          <a:prstGeom prst="rect">
+            <a:avLst/>
+          </a:prstGeom>
+          <a:solidFill>
+            <a:schemeClr val="accent3">
+              <a:lumMod val="20000"/>
+              <a:lumOff val="80000"/>
+            </a:schemeClr>
+          </a:solidFill>
+          <a:ln>
+            <a:solidFill>
+              <a:schemeClr val="accent1"/>
+            </a:solidFill>
+          </a:ln>
+        </p:spPr>
+        <p:txBody>
+          <a:bodyPr wrap="square" rtlCol="0">
+            <a:spAutoFit/>
+          </a:bodyPr>
+          <a:lstStyle/>
+          <a:p>
+            <a:r>
+              <a:rPr lang="en-US" sz="1100" dirty="0">
+                <a:latin typeface="Courier New" panose="02070309020205020404" pitchFamily="49" charset="0"/>
+                <a:cs typeface="Courier New" panose="02070309020205020404" pitchFamily="49" charset="0"/>
+              </a:rPr>
+              <a:t>CREATE OR REPLACE PROCEDURE c##</a:t>
+            </a:r>
+            <a:r>
+              <a:rPr lang="en-US" sz="1100" dirty="0" err="1">
+                <a:latin typeface="Courier New" panose="02070309020205020404" pitchFamily="49" charset="0"/>
+                <a:cs typeface="Courier New" panose="02070309020205020404" pitchFamily="49" charset="0"/>
+              </a:rPr>
+              <a:t>course.pr_create_credit</a:t>
+            </a:r>
+            <a:r>
+              <a:rPr lang="en-US" sz="1100" dirty="0">
+                <a:latin typeface="Courier New" panose="02070309020205020404" pitchFamily="49" charset="0"/>
+                <a:cs typeface="Courier New" panose="02070309020205020404" pitchFamily="49" charset="0"/>
+              </a:rPr>
+              <a:t> (</a:t>
+            </a:r>
+          </a:p>
+          <a:p>
+            <a:r>
+              <a:rPr lang="en-US" sz="1100" dirty="0">
+                <a:latin typeface="Courier New" panose="02070309020205020404" pitchFamily="49" charset="0"/>
+                <a:cs typeface="Courier New" panose="02070309020205020404" pitchFamily="49" charset="0"/>
+              </a:rPr>
+              <a:t>    </a:t>
+            </a:r>
+            <a:r>
+              <a:rPr lang="en-US" sz="1100" dirty="0" err="1">
+                <a:latin typeface="Courier New" panose="02070309020205020404" pitchFamily="49" charset="0"/>
+                <a:cs typeface="Courier New" panose="02070309020205020404" pitchFamily="49" charset="0"/>
+              </a:rPr>
+              <a:t>client_name</a:t>
+            </a:r>
+            <a:r>
+              <a:rPr lang="en-US" sz="1100" dirty="0">
+                <a:latin typeface="Courier New" panose="02070309020205020404" pitchFamily="49" charset="0"/>
+                <a:cs typeface="Courier New" panose="02070309020205020404" pitchFamily="49" charset="0"/>
+              </a:rPr>
+              <a:t>     IN varchar2,        -- </a:t>
+            </a:r>
+            <a:r>
+              <a:rPr lang="ru-RU" sz="1100" dirty="0">
+                <a:latin typeface="Courier New" panose="02070309020205020404" pitchFamily="49" charset="0"/>
+                <a:cs typeface="Courier New" panose="02070309020205020404" pitchFamily="49" charset="0"/>
+              </a:rPr>
+              <a:t>Клиент ФИО</a:t>
+            </a:r>
+          </a:p>
+          <a:p>
+            <a:r>
+              <a:rPr lang="ru-RU" sz="1100" dirty="0">
+                <a:latin typeface="Courier New" panose="02070309020205020404" pitchFamily="49" charset="0"/>
+                <a:cs typeface="Courier New" panose="02070309020205020404" pitchFamily="49" charset="0"/>
+              </a:rPr>
+              <a:t>    </a:t>
+            </a:r>
+            <a:r>
+              <a:rPr lang="en-US" sz="1100" dirty="0" err="1">
+                <a:latin typeface="Courier New" panose="02070309020205020404" pitchFamily="49" charset="0"/>
+                <a:cs typeface="Courier New" panose="02070309020205020404" pitchFamily="49" charset="0"/>
+              </a:rPr>
+              <a:t>client_birth</a:t>
+            </a:r>
+            <a:r>
+              <a:rPr lang="en-US" sz="1100" dirty="0">
+                <a:latin typeface="Courier New" panose="02070309020205020404" pitchFamily="49" charset="0"/>
+                <a:cs typeface="Courier New" panose="02070309020205020404" pitchFamily="49" charset="0"/>
+              </a:rPr>
+              <a:t>    IN date,            -- </a:t>
+            </a:r>
+            <a:r>
+              <a:rPr lang="ru-RU" sz="1100" dirty="0">
+                <a:latin typeface="Courier New" panose="02070309020205020404" pitchFamily="49" charset="0"/>
+                <a:cs typeface="Courier New" panose="02070309020205020404" pitchFamily="49" charset="0"/>
+              </a:rPr>
+              <a:t>Дата рождения Клиента</a:t>
+            </a:r>
+          </a:p>
+          <a:p>
+            <a:r>
+              <a:rPr lang="ru-RU" sz="1100" dirty="0">
+                <a:latin typeface="Courier New" panose="02070309020205020404" pitchFamily="49" charset="0"/>
+                <a:cs typeface="Courier New" panose="02070309020205020404" pitchFamily="49" charset="0"/>
+              </a:rPr>
+              <a:t>    </a:t>
+            </a:r>
+            <a:r>
+              <a:rPr lang="en-US" sz="1100" dirty="0" err="1">
+                <a:latin typeface="Courier New" panose="02070309020205020404" pitchFamily="49" charset="0"/>
+                <a:cs typeface="Courier New" panose="02070309020205020404" pitchFamily="49" charset="0"/>
+              </a:rPr>
+              <a:t>summa_dog</a:t>
+            </a:r>
+            <a:r>
+              <a:rPr lang="en-US" sz="1100" dirty="0">
+                <a:latin typeface="Courier New" panose="02070309020205020404" pitchFamily="49" charset="0"/>
+                <a:cs typeface="Courier New" panose="02070309020205020404" pitchFamily="49" charset="0"/>
+              </a:rPr>
+              <a:t>       IN number,          -- </a:t>
+            </a:r>
+            <a:r>
+              <a:rPr lang="ru-RU" sz="1100" dirty="0">
+                <a:latin typeface="Courier New" panose="02070309020205020404" pitchFamily="49" charset="0"/>
+                <a:cs typeface="Courier New" panose="02070309020205020404" pitchFamily="49" charset="0"/>
+              </a:rPr>
+              <a:t>Сумма кредита</a:t>
+            </a:r>
+          </a:p>
+          <a:p>
+            <a:r>
+              <a:rPr lang="ru-RU" sz="1100" dirty="0">
+                <a:latin typeface="Courier New" panose="02070309020205020404" pitchFamily="49" charset="0"/>
+                <a:cs typeface="Courier New" panose="02070309020205020404" pitchFamily="49" charset="0"/>
+              </a:rPr>
+              <a:t>    </a:t>
+            </a:r>
+            <a:r>
+              <a:rPr lang="en-US" sz="1100" dirty="0" err="1">
+                <a:latin typeface="Courier New" panose="02070309020205020404" pitchFamily="49" charset="0"/>
+                <a:cs typeface="Courier New" panose="02070309020205020404" pitchFamily="49" charset="0"/>
+              </a:rPr>
+              <a:t>persent_dog</a:t>
+            </a:r>
+            <a:r>
+              <a:rPr lang="en-US" sz="1100" dirty="0">
+                <a:latin typeface="Courier New" panose="02070309020205020404" pitchFamily="49" charset="0"/>
+                <a:cs typeface="Courier New" panose="02070309020205020404" pitchFamily="49" charset="0"/>
+              </a:rPr>
+              <a:t>     IN number,          -- </a:t>
+            </a:r>
+            <a:r>
+              <a:rPr lang="ru-RU" sz="1100" dirty="0">
+                <a:latin typeface="Courier New" panose="02070309020205020404" pitchFamily="49" charset="0"/>
+                <a:cs typeface="Courier New" panose="02070309020205020404" pitchFamily="49" charset="0"/>
+              </a:rPr>
+              <a:t>Годовая процентная ставка</a:t>
+            </a:r>
+          </a:p>
+          <a:p>
+            <a:r>
+              <a:rPr lang="ru-RU" sz="1100" dirty="0">
+                <a:latin typeface="Courier New" panose="02070309020205020404" pitchFamily="49" charset="0"/>
+                <a:cs typeface="Courier New" panose="02070309020205020404" pitchFamily="49" charset="0"/>
+              </a:rPr>
+              <a:t>    </a:t>
+            </a:r>
+            <a:r>
+              <a:rPr lang="en-US" sz="1100" dirty="0" err="1">
+                <a:latin typeface="Courier New" panose="02070309020205020404" pitchFamily="49" charset="0"/>
+                <a:cs typeface="Courier New" panose="02070309020205020404" pitchFamily="49" charset="0"/>
+              </a:rPr>
+              <a:t>duration_dog</a:t>
+            </a:r>
+            <a:r>
+              <a:rPr lang="en-US" sz="1100" dirty="0">
+                <a:latin typeface="Courier New" panose="02070309020205020404" pitchFamily="49" charset="0"/>
+                <a:cs typeface="Courier New" panose="02070309020205020404" pitchFamily="49" charset="0"/>
+              </a:rPr>
+              <a:t>    IN number           -- </a:t>
+            </a:r>
+            <a:r>
+              <a:rPr lang="ru-RU" sz="1100" dirty="0">
+                <a:latin typeface="Courier New" panose="02070309020205020404" pitchFamily="49" charset="0"/>
+                <a:cs typeface="Courier New" panose="02070309020205020404" pitchFamily="49" charset="0"/>
+              </a:rPr>
+              <a:t>Срок кредитования месяцев</a:t>
+            </a:r>
+          </a:p>
+          <a:p>
+            <a:r>
+              <a:rPr lang="ru-RU" sz="1100" dirty="0">
+                <a:latin typeface="Courier New" panose="02070309020205020404" pitchFamily="49" charset="0"/>
+                <a:cs typeface="Courier New" panose="02070309020205020404" pitchFamily="49" charset="0"/>
+              </a:rPr>
+              <a:t>)</a:t>
+            </a:r>
+          </a:p>
+          <a:p>
+            <a:r>
+              <a:rPr lang="en-US" sz="1100" dirty="0">
+                <a:latin typeface="Courier New" panose="02070309020205020404" pitchFamily="49" charset="0"/>
+                <a:cs typeface="Courier New" panose="02070309020205020404" pitchFamily="49" charset="0"/>
+              </a:rPr>
+              <a:t>AS</a:t>
+            </a:r>
+          </a:p>
+          <a:p>
+            <a:r>
+              <a:rPr lang="en-US" sz="1100" dirty="0">
+                <a:latin typeface="Courier New" panose="02070309020205020404" pitchFamily="49" charset="0"/>
+                <a:cs typeface="Courier New" panose="02070309020205020404" pitchFamily="49" charset="0"/>
+              </a:rPr>
+              <a:t> </a:t>
+            </a:r>
+            <a:r>
+              <a:rPr lang="en-US" sz="1100" dirty="0" err="1" smtClean="0">
+                <a:latin typeface="Courier New" panose="02070309020205020404" pitchFamily="49" charset="0"/>
+                <a:cs typeface="Courier New" panose="02070309020205020404" pitchFamily="49" charset="0"/>
+              </a:rPr>
+              <a:t>client_id</a:t>
+            </a:r>
+            <a:r>
+              <a:rPr lang="en-US" sz="1100" dirty="0" smtClean="0">
+                <a:latin typeface="Courier New" panose="02070309020205020404" pitchFamily="49" charset="0"/>
+                <a:cs typeface="Courier New" panose="02070309020205020404" pitchFamily="49" charset="0"/>
+              </a:rPr>
+              <a:t>                   </a:t>
+            </a:r>
+            <a:r>
+              <a:rPr lang="en-US" sz="1100" dirty="0">
+                <a:latin typeface="Courier New" panose="02070309020205020404" pitchFamily="49" charset="0"/>
+                <a:cs typeface="Courier New" panose="02070309020205020404" pitchFamily="49" charset="0"/>
+              </a:rPr>
+              <a:t>number;</a:t>
+            </a:r>
+          </a:p>
+          <a:p>
+            <a:r>
+              <a:rPr lang="en-US" sz="1100" dirty="0">
+                <a:latin typeface="Courier New" panose="02070309020205020404" pitchFamily="49" charset="0"/>
+                <a:cs typeface="Courier New" panose="02070309020205020404" pitchFamily="49" charset="0"/>
+              </a:rPr>
+              <a:t> </a:t>
+            </a:r>
+            <a:r>
+              <a:rPr lang="en-US" sz="1100" dirty="0" err="1" smtClean="0">
+                <a:latin typeface="Courier New" panose="02070309020205020404" pitchFamily="49" charset="0"/>
+                <a:cs typeface="Courier New" panose="02070309020205020404" pitchFamily="49" charset="0"/>
+              </a:rPr>
+              <a:t>credit_id</a:t>
+            </a:r>
+            <a:r>
+              <a:rPr lang="en-US" sz="1100" dirty="0" smtClean="0">
+                <a:latin typeface="Courier New" panose="02070309020205020404" pitchFamily="49" charset="0"/>
+                <a:cs typeface="Courier New" panose="02070309020205020404" pitchFamily="49" charset="0"/>
+              </a:rPr>
+              <a:t>                   </a:t>
+            </a:r>
+            <a:r>
+              <a:rPr lang="en-US" sz="1100" dirty="0">
+                <a:latin typeface="Courier New" panose="02070309020205020404" pitchFamily="49" charset="0"/>
+                <a:cs typeface="Courier New" panose="02070309020205020404" pitchFamily="49" charset="0"/>
+              </a:rPr>
+              <a:t>number;</a:t>
+            </a:r>
+          </a:p>
+          <a:p>
+            <a:r>
+              <a:rPr lang="en-US" sz="1100" dirty="0">
+                <a:latin typeface="Courier New" panose="02070309020205020404" pitchFamily="49" charset="0"/>
+                <a:cs typeface="Courier New" panose="02070309020205020404" pitchFamily="49" charset="0"/>
+              </a:rPr>
+              <a:t> </a:t>
+            </a:r>
+            <a:r>
+              <a:rPr lang="en-US" sz="1100" dirty="0" err="1" smtClean="0">
+                <a:latin typeface="Courier New" panose="02070309020205020404" pitchFamily="49" charset="0"/>
+                <a:cs typeface="Courier New" panose="02070309020205020404" pitchFamily="49" charset="0"/>
+              </a:rPr>
+              <a:t>collect_plan_id</a:t>
+            </a:r>
+            <a:r>
+              <a:rPr lang="en-US" sz="1100" dirty="0" smtClean="0">
+                <a:latin typeface="Courier New" panose="02070309020205020404" pitchFamily="49" charset="0"/>
+                <a:cs typeface="Courier New" panose="02070309020205020404" pitchFamily="49" charset="0"/>
+              </a:rPr>
+              <a:t>             </a:t>
+            </a:r>
+            <a:r>
+              <a:rPr lang="en-US" sz="1100" dirty="0">
+                <a:latin typeface="Courier New" panose="02070309020205020404" pitchFamily="49" charset="0"/>
+                <a:cs typeface="Courier New" panose="02070309020205020404" pitchFamily="49" charset="0"/>
+              </a:rPr>
+              <a:t>number;</a:t>
+            </a:r>
+          </a:p>
+          <a:p>
+            <a:r>
+              <a:rPr lang="en-US" sz="1100" dirty="0">
+                <a:latin typeface="Courier New" panose="02070309020205020404" pitchFamily="49" charset="0"/>
+                <a:cs typeface="Courier New" panose="02070309020205020404" pitchFamily="49" charset="0"/>
+              </a:rPr>
+              <a:t> </a:t>
+            </a:r>
+            <a:r>
+              <a:rPr lang="en-US" sz="1100" dirty="0" err="1" smtClean="0">
+                <a:latin typeface="Courier New" panose="02070309020205020404" pitchFamily="49" charset="0"/>
+                <a:cs typeface="Courier New" panose="02070309020205020404" pitchFamily="49" charset="0"/>
+              </a:rPr>
+              <a:t>collect_fact_id</a:t>
+            </a:r>
+            <a:r>
+              <a:rPr lang="en-US" sz="1100" dirty="0" smtClean="0">
+                <a:latin typeface="Courier New" panose="02070309020205020404" pitchFamily="49" charset="0"/>
+                <a:cs typeface="Courier New" panose="02070309020205020404" pitchFamily="49" charset="0"/>
+              </a:rPr>
+              <a:t>             </a:t>
+            </a:r>
+            <a:r>
+              <a:rPr lang="en-US" sz="1100" dirty="0">
+                <a:latin typeface="Courier New" panose="02070309020205020404" pitchFamily="49" charset="0"/>
+                <a:cs typeface="Courier New" panose="02070309020205020404" pitchFamily="49" charset="0"/>
+              </a:rPr>
+              <a:t>number;</a:t>
+            </a:r>
+          </a:p>
+          <a:p>
+            <a:r>
+              <a:rPr lang="en-US" sz="1100" dirty="0">
+                <a:latin typeface="Courier New" panose="02070309020205020404" pitchFamily="49" charset="0"/>
+                <a:cs typeface="Courier New" panose="02070309020205020404" pitchFamily="49" charset="0"/>
+              </a:rPr>
+              <a:t> </a:t>
+            </a:r>
+            <a:r>
+              <a:rPr lang="en-US" sz="1100" dirty="0" err="1" smtClean="0">
+                <a:latin typeface="Courier New" panose="02070309020205020404" pitchFamily="49" charset="0"/>
+                <a:cs typeface="Courier New" panose="02070309020205020404" pitchFamily="49" charset="0"/>
+              </a:rPr>
+              <a:t>date_begin</a:t>
+            </a:r>
+            <a:r>
+              <a:rPr lang="en-US" sz="1100" dirty="0" smtClean="0">
+                <a:latin typeface="Courier New" panose="02070309020205020404" pitchFamily="49" charset="0"/>
+                <a:cs typeface="Courier New" panose="02070309020205020404" pitchFamily="49" charset="0"/>
+              </a:rPr>
+              <a:t>                  </a:t>
+            </a:r>
+            <a:r>
+              <a:rPr lang="en-US" sz="1100" dirty="0">
+                <a:latin typeface="Courier New" panose="02070309020205020404" pitchFamily="49" charset="0"/>
+                <a:cs typeface="Courier New" panose="02070309020205020404" pitchFamily="49" charset="0"/>
+              </a:rPr>
+              <a:t>date;</a:t>
+            </a:r>
+          </a:p>
+          <a:p>
+            <a:r>
+              <a:rPr lang="en-US" sz="1100" dirty="0">
+                <a:latin typeface="Courier New" panose="02070309020205020404" pitchFamily="49" charset="0"/>
+                <a:cs typeface="Courier New" panose="02070309020205020404" pitchFamily="49" charset="0"/>
+              </a:rPr>
+              <a:t> </a:t>
+            </a:r>
+            <a:r>
+              <a:rPr lang="en-US" sz="1100" dirty="0" err="1" smtClean="0">
+                <a:latin typeface="Courier New" panose="02070309020205020404" pitchFamily="49" charset="0"/>
+                <a:cs typeface="Courier New" panose="02070309020205020404" pitchFamily="49" charset="0"/>
+              </a:rPr>
+              <a:t>date_end</a:t>
+            </a:r>
+            <a:r>
+              <a:rPr lang="en-US" sz="1100" dirty="0" smtClean="0">
+                <a:latin typeface="Courier New" panose="02070309020205020404" pitchFamily="49" charset="0"/>
+                <a:cs typeface="Courier New" panose="02070309020205020404" pitchFamily="49" charset="0"/>
+              </a:rPr>
+              <a:t>                    </a:t>
+            </a:r>
+            <a:r>
+              <a:rPr lang="en-US" sz="1100" dirty="0">
+                <a:latin typeface="Courier New" panose="02070309020205020404" pitchFamily="49" charset="0"/>
+                <a:cs typeface="Courier New" panose="02070309020205020404" pitchFamily="49" charset="0"/>
+              </a:rPr>
+              <a:t>date;</a:t>
+            </a:r>
+          </a:p>
+          <a:p>
+            <a:r>
+              <a:rPr lang="en-US" sz="1100" dirty="0">
+                <a:latin typeface="Courier New" panose="02070309020205020404" pitchFamily="49" charset="0"/>
+                <a:cs typeface="Courier New" panose="02070309020205020404" pitchFamily="49" charset="0"/>
+              </a:rPr>
+              <a:t> </a:t>
+            </a:r>
+            <a:r>
+              <a:rPr lang="en-US" sz="1100" dirty="0" err="1" smtClean="0">
+                <a:latin typeface="Courier New" panose="02070309020205020404" pitchFamily="49" charset="0"/>
+                <a:cs typeface="Courier New" panose="02070309020205020404" pitchFamily="49" charset="0"/>
+              </a:rPr>
+              <a:t>year_dog</a:t>
+            </a:r>
+            <a:r>
+              <a:rPr lang="en-US" sz="1100" dirty="0" smtClean="0">
+                <a:latin typeface="Courier New" panose="02070309020205020404" pitchFamily="49" charset="0"/>
+                <a:cs typeface="Courier New" panose="02070309020205020404" pitchFamily="49" charset="0"/>
+              </a:rPr>
+              <a:t>                    </a:t>
+            </a:r>
+            <a:r>
+              <a:rPr lang="en-US" sz="1100" dirty="0">
+                <a:latin typeface="Courier New" panose="02070309020205020404" pitchFamily="49" charset="0"/>
+                <a:cs typeface="Courier New" panose="02070309020205020404" pitchFamily="49" charset="0"/>
+              </a:rPr>
+              <a:t>varchar2(4);</a:t>
+            </a:r>
+          </a:p>
+          <a:p>
+            <a:r>
+              <a:rPr lang="en-US" sz="1100" dirty="0">
+                <a:latin typeface="Courier New" panose="02070309020205020404" pitchFamily="49" charset="0"/>
+                <a:cs typeface="Courier New" panose="02070309020205020404" pitchFamily="49" charset="0"/>
+              </a:rPr>
+              <a:t> </a:t>
+            </a:r>
+            <a:r>
+              <a:rPr lang="en-US" sz="1100" dirty="0" err="1" smtClean="0">
+                <a:latin typeface="Courier New" panose="02070309020205020404" pitchFamily="49" charset="0"/>
+                <a:cs typeface="Courier New" panose="02070309020205020404" pitchFamily="49" charset="0"/>
+              </a:rPr>
+              <a:t>num_dog</a:t>
+            </a:r>
+            <a:r>
+              <a:rPr lang="en-US" sz="1100" dirty="0" smtClean="0">
+                <a:latin typeface="Courier New" panose="02070309020205020404" pitchFamily="49" charset="0"/>
+                <a:cs typeface="Courier New" panose="02070309020205020404" pitchFamily="49" charset="0"/>
+              </a:rPr>
+              <a:t>                     </a:t>
+            </a:r>
+            <a:r>
+              <a:rPr lang="en-US" sz="1100" dirty="0">
+                <a:latin typeface="Courier New" panose="02070309020205020404" pitchFamily="49" charset="0"/>
+                <a:cs typeface="Courier New" panose="02070309020205020404" pitchFamily="49" charset="0"/>
+              </a:rPr>
+              <a:t>number := 1;</a:t>
+            </a:r>
+          </a:p>
+          <a:p>
+            <a:r>
+              <a:rPr lang="en-US" sz="1100" dirty="0">
+                <a:latin typeface="Courier New" panose="02070309020205020404" pitchFamily="49" charset="0"/>
+                <a:cs typeface="Courier New" panose="02070309020205020404" pitchFamily="49" charset="0"/>
+              </a:rPr>
+              <a:t> </a:t>
+            </a:r>
+            <a:r>
+              <a:rPr lang="en-US" sz="1100" dirty="0" err="1" smtClean="0">
+                <a:latin typeface="Courier New" panose="02070309020205020404" pitchFamily="49" charset="0"/>
+                <a:cs typeface="Courier New" panose="02070309020205020404" pitchFamily="49" charset="0"/>
+              </a:rPr>
+              <a:t>amount_dog_in_current_year</a:t>
+            </a:r>
+            <a:r>
+              <a:rPr lang="en-US" sz="1100" dirty="0" smtClean="0">
+                <a:latin typeface="Courier New" panose="02070309020205020404" pitchFamily="49" charset="0"/>
+                <a:cs typeface="Courier New" panose="02070309020205020404" pitchFamily="49" charset="0"/>
+              </a:rPr>
+              <a:t>  </a:t>
+            </a:r>
+            <a:r>
+              <a:rPr lang="en-US" sz="1100" dirty="0">
+                <a:latin typeface="Courier New" panose="02070309020205020404" pitchFamily="49" charset="0"/>
+                <a:cs typeface="Courier New" panose="02070309020205020404" pitchFamily="49" charset="0"/>
+              </a:rPr>
+              <a:t>number := 0;</a:t>
+            </a:r>
+          </a:p>
+          <a:p>
+            <a:r>
+              <a:rPr lang="en-US" sz="1100" dirty="0">
+                <a:latin typeface="Courier New" panose="02070309020205020404" pitchFamily="49" charset="0"/>
+                <a:cs typeface="Courier New" panose="02070309020205020404" pitchFamily="49" charset="0"/>
+              </a:rPr>
+              <a:t> </a:t>
+            </a:r>
+            <a:r>
+              <a:rPr lang="en-US" sz="1100" dirty="0" err="1" smtClean="0">
+                <a:latin typeface="Courier New" panose="02070309020205020404" pitchFamily="49" charset="0"/>
+                <a:cs typeface="Courier New" panose="02070309020205020404" pitchFamily="49" charset="0"/>
+              </a:rPr>
+              <a:t>credit_month_percent</a:t>
+            </a:r>
+            <a:r>
+              <a:rPr lang="en-US" sz="1100" dirty="0" smtClean="0">
+                <a:latin typeface="Courier New" panose="02070309020205020404" pitchFamily="49" charset="0"/>
+                <a:cs typeface="Courier New" panose="02070309020205020404" pitchFamily="49" charset="0"/>
+              </a:rPr>
+              <a:t>        </a:t>
+            </a:r>
+            <a:r>
+              <a:rPr lang="en-US" sz="1100" dirty="0">
+                <a:latin typeface="Courier New" panose="02070309020205020404" pitchFamily="49" charset="0"/>
+                <a:cs typeface="Courier New" panose="02070309020205020404" pitchFamily="49" charset="0"/>
+              </a:rPr>
+              <a:t>number;   </a:t>
+            </a:r>
+            <a:r>
+              <a:rPr lang="en-US" sz="1100" dirty="0" smtClean="0">
+                <a:latin typeface="Courier New" panose="02070309020205020404" pitchFamily="49" charset="0"/>
+                <a:cs typeface="Courier New" panose="02070309020205020404" pitchFamily="49" charset="0"/>
+              </a:rPr>
+              <a:t>-- </a:t>
+            </a:r>
+            <a:r>
+              <a:rPr lang="ru-RU" sz="1100" dirty="0">
+                <a:latin typeface="Courier New" panose="02070309020205020404" pitchFamily="49" charset="0"/>
+                <a:cs typeface="Courier New" panose="02070309020205020404" pitchFamily="49" charset="0"/>
+              </a:rPr>
+              <a:t>ежемесячная процентная ставка</a:t>
+            </a:r>
+          </a:p>
+          <a:p>
+            <a:r>
+              <a:rPr lang="ru-RU" sz="1100" dirty="0">
+                <a:latin typeface="Courier New" panose="02070309020205020404" pitchFamily="49" charset="0"/>
+                <a:cs typeface="Courier New" panose="02070309020205020404" pitchFamily="49" charset="0"/>
+              </a:rPr>
+              <a:t> </a:t>
+            </a:r>
+            <a:r>
+              <a:rPr lang="en-US" sz="1100" dirty="0" err="1" smtClean="0">
+                <a:latin typeface="Courier New" panose="02070309020205020404" pitchFamily="49" charset="0"/>
+                <a:cs typeface="Courier New" panose="02070309020205020404" pitchFamily="49" charset="0"/>
+              </a:rPr>
+              <a:t>annuit_pay</a:t>
+            </a:r>
+            <a:r>
+              <a:rPr lang="en-US" sz="1100" dirty="0" smtClean="0">
+                <a:latin typeface="Courier New" panose="02070309020205020404" pitchFamily="49" charset="0"/>
+                <a:cs typeface="Courier New" panose="02070309020205020404" pitchFamily="49" charset="0"/>
+              </a:rPr>
+              <a:t>                  </a:t>
+            </a:r>
+            <a:r>
+              <a:rPr lang="en-US" sz="1100" dirty="0">
+                <a:latin typeface="Courier New" panose="02070309020205020404" pitchFamily="49" charset="0"/>
+                <a:cs typeface="Courier New" panose="02070309020205020404" pitchFamily="49" charset="0"/>
+              </a:rPr>
+              <a:t>number;   </a:t>
+            </a:r>
+            <a:r>
+              <a:rPr lang="en-US" sz="1100" dirty="0" smtClean="0">
+                <a:latin typeface="Courier New" panose="02070309020205020404" pitchFamily="49" charset="0"/>
+                <a:cs typeface="Courier New" panose="02070309020205020404" pitchFamily="49" charset="0"/>
+              </a:rPr>
+              <a:t>-- </a:t>
+            </a:r>
+            <a:r>
+              <a:rPr lang="ru-RU" sz="1100" dirty="0">
+                <a:latin typeface="Courier New" panose="02070309020205020404" pitchFamily="49" charset="0"/>
+                <a:cs typeface="Courier New" panose="02070309020205020404" pitchFamily="49" charset="0"/>
+              </a:rPr>
+              <a:t>размер </a:t>
+            </a:r>
+            <a:r>
+              <a:rPr lang="ru-RU" sz="1100" dirty="0" err="1">
+                <a:latin typeface="Courier New" panose="02070309020205020404" pitchFamily="49" charset="0"/>
+                <a:cs typeface="Courier New" panose="02070309020205020404" pitchFamily="49" charset="0"/>
+              </a:rPr>
+              <a:t>аннуитентного</a:t>
+            </a:r>
+            <a:r>
+              <a:rPr lang="ru-RU" sz="1100" dirty="0">
+                <a:latin typeface="Courier New" panose="02070309020205020404" pitchFamily="49" charset="0"/>
+                <a:cs typeface="Courier New" panose="02070309020205020404" pitchFamily="49" charset="0"/>
+              </a:rPr>
+              <a:t> платежа</a:t>
+            </a:r>
+          </a:p>
+          <a:p>
+            <a:r>
+              <a:rPr lang="ru-RU" sz="1100" dirty="0">
+                <a:latin typeface="Courier New" panose="02070309020205020404" pitchFamily="49" charset="0"/>
+                <a:cs typeface="Courier New" panose="02070309020205020404" pitchFamily="49" charset="0"/>
+              </a:rPr>
+              <a:t> </a:t>
+            </a:r>
+            <a:r>
+              <a:rPr lang="en-US" sz="1100" dirty="0" err="1" smtClean="0">
+                <a:latin typeface="Courier New" panose="02070309020205020404" pitchFamily="49" charset="0"/>
+                <a:cs typeface="Courier New" panose="02070309020205020404" pitchFamily="49" charset="0"/>
+              </a:rPr>
+              <a:t>p_date</a:t>
+            </a:r>
+            <a:r>
+              <a:rPr lang="en-US" sz="1100" dirty="0" smtClean="0">
+                <a:latin typeface="Courier New" panose="02070309020205020404" pitchFamily="49" charset="0"/>
+                <a:cs typeface="Courier New" panose="02070309020205020404" pitchFamily="49" charset="0"/>
+              </a:rPr>
+              <a:t>                      </a:t>
+            </a:r>
+            <a:r>
+              <a:rPr lang="en-US" sz="1100" dirty="0">
+                <a:latin typeface="Courier New" panose="02070309020205020404" pitchFamily="49" charset="0"/>
+                <a:cs typeface="Courier New" panose="02070309020205020404" pitchFamily="49" charset="0"/>
+              </a:rPr>
+              <a:t>date;     </a:t>
+            </a:r>
+            <a:r>
+              <a:rPr lang="en-US" sz="1100" dirty="0" smtClean="0">
+                <a:latin typeface="Courier New" panose="02070309020205020404" pitchFamily="49" charset="0"/>
+                <a:cs typeface="Courier New" panose="02070309020205020404" pitchFamily="49" charset="0"/>
+              </a:rPr>
+              <a:t>-- </a:t>
+            </a:r>
+            <a:r>
+              <a:rPr lang="ru-RU" sz="1100" dirty="0" err="1" smtClean="0">
+                <a:latin typeface="Courier New" panose="02070309020205020404" pitchFamily="49" charset="0"/>
+                <a:cs typeface="Courier New" panose="02070309020205020404" pitchFamily="49" charset="0"/>
+              </a:rPr>
+              <a:t>план.дата</a:t>
+            </a:r>
+            <a:r>
+              <a:rPr lang="ru-RU" sz="1100" dirty="0" smtClean="0">
+                <a:latin typeface="Courier New" panose="02070309020205020404" pitchFamily="49" charset="0"/>
+                <a:cs typeface="Courier New" panose="02070309020205020404" pitchFamily="49" charset="0"/>
+              </a:rPr>
+              <a:t> </a:t>
+            </a:r>
+            <a:r>
+              <a:rPr lang="ru-RU" sz="1100" dirty="0" err="1">
+                <a:latin typeface="Courier New" panose="02070309020205020404" pitchFamily="49" charset="0"/>
+                <a:cs typeface="Courier New" panose="02070309020205020404" pitchFamily="49" charset="0"/>
+              </a:rPr>
+              <a:t>аннуитентного</a:t>
+            </a:r>
+            <a:r>
+              <a:rPr lang="ru-RU" sz="1100" dirty="0">
+                <a:latin typeface="Courier New" panose="02070309020205020404" pitchFamily="49" charset="0"/>
+                <a:cs typeface="Courier New" panose="02070309020205020404" pitchFamily="49" charset="0"/>
+              </a:rPr>
+              <a:t> платежа</a:t>
+            </a:r>
+          </a:p>
+          <a:p>
+            <a:r>
+              <a:rPr lang="ru-RU" sz="1100" dirty="0">
+                <a:latin typeface="Courier New" panose="02070309020205020404" pitchFamily="49" charset="0"/>
+                <a:cs typeface="Courier New" panose="02070309020205020404" pitchFamily="49" charset="0"/>
+              </a:rPr>
+              <a:t> </a:t>
+            </a:r>
+            <a:r>
+              <a:rPr lang="en-US" sz="1100" dirty="0" err="1" smtClean="0">
+                <a:latin typeface="Courier New" panose="02070309020205020404" pitchFamily="49" charset="0"/>
+                <a:cs typeface="Courier New" panose="02070309020205020404" pitchFamily="49" charset="0"/>
+              </a:rPr>
+              <a:t>p_summa_percent</a:t>
+            </a:r>
+            <a:r>
+              <a:rPr lang="en-US" sz="1100" dirty="0" smtClean="0">
+                <a:latin typeface="Courier New" panose="02070309020205020404" pitchFamily="49" charset="0"/>
+                <a:cs typeface="Courier New" panose="02070309020205020404" pitchFamily="49" charset="0"/>
+              </a:rPr>
+              <a:t>             </a:t>
+            </a:r>
+            <a:r>
+              <a:rPr lang="en-US" sz="1100" dirty="0">
+                <a:latin typeface="Courier New" panose="02070309020205020404" pitchFamily="49" charset="0"/>
+                <a:cs typeface="Courier New" panose="02070309020205020404" pitchFamily="49" charset="0"/>
+              </a:rPr>
+              <a:t>number;   </a:t>
+            </a:r>
+            <a:r>
+              <a:rPr lang="en-US" sz="1100" dirty="0" smtClean="0">
+                <a:latin typeface="Courier New" panose="02070309020205020404" pitchFamily="49" charset="0"/>
+                <a:cs typeface="Courier New" panose="02070309020205020404" pitchFamily="49" charset="0"/>
+              </a:rPr>
+              <a:t>-- </a:t>
+            </a:r>
+            <a:r>
+              <a:rPr lang="ru-RU" sz="1100" dirty="0">
+                <a:latin typeface="Courier New" panose="02070309020205020404" pitchFamily="49" charset="0"/>
+                <a:cs typeface="Courier New" panose="02070309020205020404" pitchFamily="49" charset="0"/>
+              </a:rPr>
+              <a:t>ежемесячное погашение процентов</a:t>
+            </a:r>
+          </a:p>
+          <a:p>
+            <a:r>
+              <a:rPr lang="ru-RU" sz="1100" dirty="0">
+                <a:latin typeface="Courier New" panose="02070309020205020404" pitchFamily="49" charset="0"/>
+                <a:cs typeface="Courier New" panose="02070309020205020404" pitchFamily="49" charset="0"/>
+              </a:rPr>
+              <a:t> </a:t>
+            </a:r>
+            <a:r>
+              <a:rPr lang="en-US" sz="1100" dirty="0" err="1" smtClean="0">
+                <a:latin typeface="Courier New" panose="02070309020205020404" pitchFamily="49" charset="0"/>
+                <a:cs typeface="Courier New" panose="02070309020205020404" pitchFamily="49" charset="0"/>
+              </a:rPr>
+              <a:t>p_summa_body</a:t>
+            </a:r>
+            <a:r>
+              <a:rPr lang="en-US" sz="1100" dirty="0" smtClean="0">
+                <a:latin typeface="Courier New" panose="02070309020205020404" pitchFamily="49" charset="0"/>
+                <a:cs typeface="Courier New" panose="02070309020205020404" pitchFamily="49" charset="0"/>
+              </a:rPr>
+              <a:t>                </a:t>
+            </a:r>
+            <a:r>
+              <a:rPr lang="en-US" sz="1100" dirty="0">
+                <a:latin typeface="Courier New" panose="02070309020205020404" pitchFamily="49" charset="0"/>
+                <a:cs typeface="Courier New" panose="02070309020205020404" pitchFamily="49" charset="0"/>
+              </a:rPr>
+              <a:t>number;   </a:t>
+            </a:r>
+            <a:r>
+              <a:rPr lang="en-US" sz="1100" dirty="0" smtClean="0">
+                <a:latin typeface="Courier New" panose="02070309020205020404" pitchFamily="49" charset="0"/>
+                <a:cs typeface="Courier New" panose="02070309020205020404" pitchFamily="49" charset="0"/>
+              </a:rPr>
+              <a:t>-- </a:t>
+            </a:r>
+            <a:r>
+              <a:rPr lang="ru-RU" sz="1100" dirty="0">
+                <a:latin typeface="Courier New" panose="02070309020205020404" pitchFamily="49" charset="0"/>
+                <a:cs typeface="Courier New" panose="02070309020205020404" pitchFamily="49" charset="0"/>
+              </a:rPr>
+              <a:t>ежемесячное погашение кредита</a:t>
+            </a:r>
+          </a:p>
+          <a:p>
+            <a:r>
+              <a:rPr lang="ru-RU" sz="1100" dirty="0">
+                <a:latin typeface="Courier New" panose="02070309020205020404" pitchFamily="49" charset="0"/>
+                <a:cs typeface="Courier New" panose="02070309020205020404" pitchFamily="49" charset="0"/>
+              </a:rPr>
+              <a:t> </a:t>
+            </a:r>
+            <a:r>
+              <a:rPr lang="en-US" sz="1100" dirty="0" err="1" smtClean="0">
+                <a:latin typeface="Courier New" panose="02070309020205020404" pitchFamily="49" charset="0"/>
+                <a:cs typeface="Courier New" panose="02070309020205020404" pitchFamily="49" charset="0"/>
+              </a:rPr>
+              <a:t>summa_dog_ostat</a:t>
+            </a:r>
+            <a:r>
+              <a:rPr lang="en-US" sz="1100" dirty="0" smtClean="0">
+                <a:latin typeface="Courier New" panose="02070309020205020404" pitchFamily="49" charset="0"/>
+                <a:cs typeface="Courier New" panose="02070309020205020404" pitchFamily="49" charset="0"/>
+              </a:rPr>
+              <a:t>             </a:t>
+            </a:r>
+            <a:r>
+              <a:rPr lang="en-US" sz="1100" dirty="0">
+                <a:latin typeface="Courier New" panose="02070309020205020404" pitchFamily="49" charset="0"/>
+                <a:cs typeface="Courier New" panose="02070309020205020404" pitchFamily="49" charset="0"/>
+              </a:rPr>
+              <a:t>number;   </a:t>
+            </a:r>
+            <a:r>
+              <a:rPr lang="en-US" sz="1100" dirty="0" smtClean="0">
+                <a:latin typeface="Courier New" panose="02070309020205020404" pitchFamily="49" charset="0"/>
+                <a:cs typeface="Courier New" panose="02070309020205020404" pitchFamily="49" charset="0"/>
+              </a:rPr>
+              <a:t>-- </a:t>
+            </a:r>
+            <a:r>
+              <a:rPr lang="ru-RU" sz="1100" dirty="0">
+                <a:latin typeface="Courier New" panose="02070309020205020404" pitchFamily="49" charset="0"/>
+                <a:cs typeface="Courier New" panose="02070309020205020404" pitchFamily="49" charset="0"/>
+              </a:rPr>
+              <a:t>остаток по кредиту</a:t>
+            </a:r>
+          </a:p>
+          <a:p>
+            <a:endParaRPr lang="ru-RU" sz="1100" dirty="0">
+              <a:latin typeface="Courier New" panose="02070309020205020404" pitchFamily="49" charset="0"/>
+              <a:cs typeface="Courier New" panose="02070309020205020404" pitchFamily="49" charset="0"/>
+            </a:endParaRPr>
+          </a:p>
+          <a:p>
+            <a:r>
+              <a:rPr lang="en-US" sz="1100" dirty="0">
+                <a:latin typeface="Courier New" panose="02070309020205020404" pitchFamily="49" charset="0"/>
+                <a:cs typeface="Courier New" panose="02070309020205020404" pitchFamily="49" charset="0"/>
+              </a:rPr>
+              <a:t>BEGIN</a:t>
+            </a:r>
+          </a:p>
+          <a:p>
+            <a:endParaRPr lang="en-US" sz="1100" dirty="0">
+              <a:latin typeface="Courier New" panose="02070309020205020404" pitchFamily="49" charset="0"/>
+              <a:cs typeface="Courier New" panose="02070309020205020404" pitchFamily="49" charset="0"/>
+            </a:endParaRPr>
+          </a:p>
+          <a:p>
+            <a:r>
+              <a:rPr lang="en-US" sz="1100" dirty="0">
+                <a:latin typeface="Courier New" panose="02070309020205020404" pitchFamily="49" charset="0"/>
+                <a:cs typeface="Courier New" panose="02070309020205020404" pitchFamily="49" charset="0"/>
+              </a:rPr>
+              <a:t>    c##</a:t>
+            </a:r>
+            <a:r>
+              <a:rPr lang="en-US" sz="1100" dirty="0" err="1">
+                <a:latin typeface="Courier New" panose="02070309020205020404" pitchFamily="49" charset="0"/>
+                <a:cs typeface="Courier New" panose="02070309020205020404" pitchFamily="49" charset="0"/>
+              </a:rPr>
+              <a:t>course.pr_create_client</a:t>
+            </a:r>
+            <a:r>
+              <a:rPr lang="en-US" sz="1100" dirty="0">
+                <a:latin typeface="Courier New" panose="02070309020205020404" pitchFamily="49" charset="0"/>
+                <a:cs typeface="Courier New" panose="02070309020205020404" pitchFamily="49" charset="0"/>
+              </a:rPr>
+              <a:t>(</a:t>
+            </a:r>
+            <a:r>
+              <a:rPr lang="en-US" sz="1100" dirty="0" err="1">
+                <a:latin typeface="Courier New" panose="02070309020205020404" pitchFamily="49" charset="0"/>
+                <a:cs typeface="Courier New" panose="02070309020205020404" pitchFamily="49" charset="0"/>
+              </a:rPr>
+              <a:t>client_name,client_birth,client_id</a:t>
+            </a:r>
+            <a:r>
+              <a:rPr lang="en-US" sz="1100" dirty="0">
+                <a:latin typeface="Courier New" panose="02070309020205020404" pitchFamily="49" charset="0"/>
+                <a:cs typeface="Courier New" panose="02070309020205020404" pitchFamily="49" charset="0"/>
+              </a:rPr>
+              <a:t>);</a:t>
+            </a:r>
+          </a:p>
+          <a:p>
+            <a:r>
+              <a:rPr lang="ru-RU" sz="1100" dirty="0" smtClean="0">
+                <a:latin typeface="Courier New" panose="02070309020205020404" pitchFamily="49" charset="0"/>
+                <a:cs typeface="Courier New" panose="02070309020205020404" pitchFamily="49" charset="0"/>
+              </a:rPr>
+              <a:t>...</a:t>
+            </a:r>
+            <a:endParaRPr lang="en-US" sz="1100" dirty="0">
+              <a:latin typeface="Courier New" panose="02070309020205020404" pitchFamily="49" charset="0"/>
+              <a:cs typeface="Courier New" panose="02070309020205020404" pitchFamily="49" charset="0"/>
+            </a:endParaRPr>
+          </a:p>
+        </p:txBody>
+      </p:sp>
+      <p:sp>
+        <p:nvSpPr>
+          <p:cNvPr id="6" name="TextBox 5"/>
+          <p:cNvSpPr txBox="1"/>
+          <p:nvPr/>
+        </p:nvSpPr>
+        <p:spPr bwMode="auto">
+          <a:xfrm>
+            <a:off x="307850" y="6309320"/>
+            <a:ext cx="10657184" cy="461665"/>
+          </a:xfrm>
+          <a:prstGeom prst="rect">
+            <a:avLst/>
+          </a:prstGeom>
+          <a:noFill/>
+        </p:spPr>
+        <p:txBody>
+          <a:bodyPr wrap="square" rtlCol="0">
+            <a:spAutoFit/>
+          </a:bodyPr>
+          <a:lstStyle/>
+          <a:p>
+            <a:r>
+              <a:rPr lang="en-US" sz="1200" dirty="0" smtClean="0">
+                <a:solidFill>
+                  <a:schemeClr val="tx2">
+                    <a:lumMod val="60000"/>
+                    <a:lumOff val="40000"/>
+                  </a:schemeClr>
+                </a:solidFill>
+                <a:hlinkClick r:id="rId2"/>
+              </a:rPr>
+              <a:t>https://github.com/AndrSor/Course_PLSQL_SB/blob/main/Course%20Work/04.2.%D0%9D%D0%BE%D0%B2%D1%8B%D0%B9%20%D0%B8%D0%BB%D0%B8%20%D1%81%D1%83%D1%89%D0%B5%D1%81%D1%82%D0%B2%D1%83%D1%8E%D1%89%D0%B8%D0%B9%20%D0%BA%D0%BB%D0%B8%D0%B5%D0%BD%D1%82.sql</a:t>
+            </a:r>
+            <a:endParaRPr lang="ru-RU" sz="1200" dirty="0">
+              <a:solidFill>
+                <a:schemeClr val="tx2">
+                  <a:lumMod val="60000"/>
+                  <a:lumOff val="40000"/>
+                </a:schemeClr>
+              </a:solidFill>
+            </a:endParaRPr>
+          </a:p>
+        </p:txBody>
+      </p:sp>
+      <p:sp>
+        <p:nvSpPr>
+          <p:cNvPr id="8" name="TextBox 7"/>
+          <p:cNvSpPr txBox="1"/>
+          <p:nvPr/>
+        </p:nvSpPr>
+        <p:spPr bwMode="auto">
+          <a:xfrm>
+            <a:off x="335360" y="5939988"/>
+            <a:ext cx="4608512" cy="369332"/>
+          </a:xfrm>
+          <a:prstGeom prst="rect">
+            <a:avLst/>
+          </a:prstGeom>
+          <a:noFill/>
+        </p:spPr>
+        <p:txBody>
+          <a:bodyPr wrap="square" rtlCol="0">
+            <a:spAutoFit/>
+          </a:bodyPr>
+          <a:lstStyle/>
+          <a:p>
+            <a:r>
+              <a:rPr lang="ru-RU" dirty="0" smtClean="0"/>
+              <a:t>Ссылка на код скри</a:t>
+            </a:r>
+            <a:r>
+              <a:rPr lang="ru-RU" dirty="0"/>
+              <a:t>п</a:t>
+            </a:r>
+            <a:r>
+              <a:rPr lang="ru-RU" dirty="0" smtClean="0"/>
+              <a:t>та:</a:t>
+            </a:r>
+            <a:endParaRPr lang="ru-RU" dirty="0"/>
+          </a:p>
+        </p:txBody>
+      </p:sp>
+      <p:pic>
+        <p:nvPicPr>
+          <p:cNvPr id="3" name="Рисунок 2"/>
+          <p:cNvPicPr>
+            <a:picLocks noChangeAspect="1"/>
+          </p:cNvPicPr>
+          <p:nvPr/>
+        </p:nvPicPr>
+        <p:blipFill>
+          <a:blip r:embed="rId3"/>
+          <a:stretch>
+            <a:fillRect/>
+          </a:stretch>
+        </p:blipFill>
+        <p:spPr>
+          <a:xfrm>
+            <a:off x="479376" y="1177469"/>
+            <a:ext cx="4610100" cy="1285875"/>
+          </a:xfrm>
+          <a:prstGeom prst="rect">
+            <a:avLst/>
+          </a:prstGeom>
+        </p:spPr>
+      </p:pic>
+    </p:spTree>
+    <p:extLst>
+      <p:ext uri="{BB962C8B-B14F-4D97-AF65-F5344CB8AC3E}">
+        <p14:creationId xmlns:p14="http://schemas.microsoft.com/office/powerpoint/2010/main" val="546599934"/>
+      </p:ext>
+    </p:extLst>
+  </p:cSld>
+  <p:clrMapOvr>
+    <a:masterClrMapping/>
+  </p:clrMapOvr>
+  <p:timing>
+    <p:tnLst>
+      <p:par>
+        <p:cTn id="1" dur="indefinite" restart="never" nodeType="tmRoot"/>
+      </p:par>
+    </p:tnLst>
+  </p:timing>
+</p:sld>
+</file>
+
+<file path=ppt/slides/slide21.xml><?xml version="1.0" encoding="utf-8"?>
+<p:sld xmlns:a="http://schemas.openxmlformats.org/drawingml/2006/main" xmlns:r="http://schemas.openxmlformats.org/officeDocument/2006/relationships" xmlns:p="http://schemas.openxmlformats.org/presentationml/2006/main" showMasterPhAnim="0">
+  <p:cSld>
+    <p:spTree>
+      <p:nvGrpSpPr>
+        <p:cNvPr id="1" name=""/>
+        <p:cNvGrpSpPr/>
+        <p:nvPr/>
+      </p:nvGrpSpPr>
+      <p:grpSpPr bwMode="auto">
+        <a:xfrm>
+          <a:off x="0" y="0"/>
+          <a:ext cx="0" cy="0"/>
+          <a:chOff x="0" y="0"/>
+          <a:chExt cx="0" cy="0"/>
+        </a:xfrm>
+      </p:grpSpPr>
+      <p:sp>
+        <p:nvSpPr>
+          <p:cNvPr id="18" name="Title 7">
+            <a:extLst>
+              <a:ext uri="{FF2B5EF4-FFF2-40B4-BE49-F238E27FC236}">
+                <a16:creationId xmlns:a16="http://schemas.microsoft.com/office/drawing/2014/main" xmlns="" id="{E195DE7B-42F0-4CAA-AAB0-D33DB61C53CA}"/>
               </a:ext>
             </a:extLst>
           </p:cNvPr>
@@ -19430,7 +20026,7 @@
 </p:sld>
 </file>
 
-<file path=ppt/slides/slide21.xml><?xml version="1.0" encoding="utf-8"?>
+<file path=ppt/slides/slide22.xml><?xml version="1.0" encoding="utf-8"?>
 <p:sld xmlns:a="http://schemas.openxmlformats.org/drawingml/2006/main" xmlns:r="http://schemas.openxmlformats.org/officeDocument/2006/relationships" xmlns:p="http://schemas.openxmlformats.org/presentationml/2006/main" showMasterPhAnim="0">
   <p:cSld>
     <p:spTree>
@@ -19567,7 +20163,7 @@
           <p:cNvPr id="26" name="Text Placeholder 6">
             <a:extLst>
               <a:ext uri="{FF2B5EF4-FFF2-40B4-BE49-F238E27FC236}">
-                <a16:creationId xmlns="" xmlns:a16="http://schemas.microsoft.com/office/drawing/2014/main" id="{ADFA65C8-DB2C-4270-845A-546993EAE8E4}"/>
+                <a16:creationId xmlns:a16="http://schemas.microsoft.com/office/drawing/2014/main" xmlns="" id="{ADFA65C8-DB2C-4270-845A-546993EAE8E4}"/>
               </a:ext>
             </a:extLst>
           </p:cNvPr>
@@ -19778,7 +20374,7 @@
           <p:cNvPr id="27" name="object 26">
             <a:extLst>
               <a:ext uri="{FF2B5EF4-FFF2-40B4-BE49-F238E27FC236}">
-                <a16:creationId xmlns="" xmlns:a16="http://schemas.microsoft.com/office/drawing/2014/main" id="{DD5C6CE0-87F9-47EA-BC0C-34E221B343F1}"/>
+                <a16:creationId xmlns:a16="http://schemas.microsoft.com/office/drawing/2014/main" xmlns="" id="{DD5C6CE0-87F9-47EA-BC0C-34E221B343F1}"/>
               </a:ext>
             </a:extLst>
           </p:cNvPr>
@@ -19814,7 +20410,7 @@
           <p:cNvPr id="29" name="Овал 32">
             <a:extLst>
               <a:ext uri="{FF2B5EF4-FFF2-40B4-BE49-F238E27FC236}">
-                <a16:creationId xmlns="" xmlns:a16="http://schemas.microsoft.com/office/drawing/2014/main" id="{6686EE33-C339-4BAF-B603-2EA81CB3B361}"/>
+                <a16:creationId xmlns:a16="http://schemas.microsoft.com/office/drawing/2014/main" xmlns="" id="{6686EE33-C339-4BAF-B603-2EA81CB3B361}"/>
               </a:ext>
             </a:extLst>
           </p:cNvPr>
@@ -19870,7 +20466,7 @@
           <p:cNvPr id="30" name="Text Placeholder 6">
             <a:extLst>
               <a:ext uri="{FF2B5EF4-FFF2-40B4-BE49-F238E27FC236}">
-                <a16:creationId xmlns="" xmlns:a16="http://schemas.microsoft.com/office/drawing/2014/main" id="{551FBEEF-6CFE-4D83-B064-2FD2F5AE8315}"/>
+                <a16:creationId xmlns:a16="http://schemas.microsoft.com/office/drawing/2014/main" xmlns="" id="{551FBEEF-6CFE-4D83-B064-2FD2F5AE8315}"/>
               </a:ext>
             </a:extLst>
           </p:cNvPr>
@@ -20081,7 +20677,7 @@
           <p:cNvPr id="31" name="object 26">
             <a:extLst>
               <a:ext uri="{FF2B5EF4-FFF2-40B4-BE49-F238E27FC236}">
-                <a16:creationId xmlns="" xmlns:a16="http://schemas.microsoft.com/office/drawing/2014/main" id="{E0D4687E-F657-40E8-9748-B026E6622E09}"/>
+                <a16:creationId xmlns:a16="http://schemas.microsoft.com/office/drawing/2014/main" xmlns="" id="{E0D4687E-F657-40E8-9748-B026E6622E09}"/>
               </a:ext>
             </a:extLst>
           </p:cNvPr>
@@ -20190,7 +20786,7 @@
           <p:cNvPr id="32" name="Овал 32">
             <a:extLst>
               <a:ext uri="{FF2B5EF4-FFF2-40B4-BE49-F238E27FC236}">
-                <a16:creationId xmlns="" xmlns:a16="http://schemas.microsoft.com/office/drawing/2014/main" id="{AF9F00E1-44FD-4D73-A055-5AEA46ECC510}"/>
+                <a16:creationId xmlns:a16="http://schemas.microsoft.com/office/drawing/2014/main" xmlns="" id="{AF9F00E1-44FD-4D73-A055-5AEA46ECC510}"/>
               </a:ext>
             </a:extLst>
           </p:cNvPr>
@@ -20246,7 +20842,7 @@
           <p:cNvPr id="35" name="Text Placeholder 6">
             <a:extLst>
               <a:ext uri="{FF2B5EF4-FFF2-40B4-BE49-F238E27FC236}">
-                <a16:creationId xmlns="" xmlns:a16="http://schemas.microsoft.com/office/drawing/2014/main" id="{73F05052-6FAE-4644-8A21-B5ED91519995}"/>
+                <a16:creationId xmlns:a16="http://schemas.microsoft.com/office/drawing/2014/main" xmlns="" id="{73F05052-6FAE-4644-8A21-B5ED91519995}"/>
               </a:ext>
             </a:extLst>
           </p:cNvPr>
@@ -20456,7 +21052,7 @@
           <p:cNvPr id="36" name="object 26">
             <a:extLst>
               <a:ext uri="{FF2B5EF4-FFF2-40B4-BE49-F238E27FC236}">
-                <a16:creationId xmlns="" xmlns:a16="http://schemas.microsoft.com/office/drawing/2014/main" id="{45041879-81CE-4E4B-99CC-0F987E10D7B8}"/>
+                <a16:creationId xmlns:a16="http://schemas.microsoft.com/office/drawing/2014/main" xmlns="" id="{45041879-81CE-4E4B-99CC-0F987E10D7B8}"/>
               </a:ext>
             </a:extLst>
           </p:cNvPr>
@@ -20596,7 +21192,7 @@
           <p:cNvPr id="37" name="Овал 32">
             <a:extLst>
               <a:ext uri="{FF2B5EF4-FFF2-40B4-BE49-F238E27FC236}">
-                <a16:creationId xmlns="" xmlns:a16="http://schemas.microsoft.com/office/drawing/2014/main" id="{C01C9148-F585-40ED-A7B6-F169D2540C0B}"/>
+                <a16:creationId xmlns:a16="http://schemas.microsoft.com/office/drawing/2014/main" xmlns="" id="{C01C9148-F585-40ED-A7B6-F169D2540C0B}"/>
               </a:ext>
             </a:extLst>
           </p:cNvPr>
@@ -20689,7 +21285,7 @@
           <p:cNvPr id="47" name="object 2">
             <a:extLst>
               <a:ext uri="{FF2B5EF4-FFF2-40B4-BE49-F238E27FC236}">
-                <a16:creationId xmlns="" xmlns:a16="http://schemas.microsoft.com/office/drawing/2014/main" id="{848A309A-4C3E-4A71-A079-FF47B7F9A226}"/>
+                <a16:creationId xmlns:a16="http://schemas.microsoft.com/office/drawing/2014/main" xmlns="" id="{848A309A-4C3E-4A71-A079-FF47B7F9A226}"/>
               </a:ext>
             </a:extLst>
           </p:cNvPr>
@@ -20726,7 +21322,7 @@
           <p:cNvPr id="18" name="Title 7">
             <a:extLst>
               <a:ext uri="{FF2B5EF4-FFF2-40B4-BE49-F238E27FC236}">
-                <a16:creationId xmlns="" xmlns:a16="http://schemas.microsoft.com/office/drawing/2014/main" id="{E195DE7B-42F0-4CAA-AAB0-D33DB61C53CA}"/>
+                <a16:creationId xmlns:a16="http://schemas.microsoft.com/office/drawing/2014/main" xmlns="" id="{E195DE7B-42F0-4CAA-AAB0-D33DB61C53CA}"/>
               </a:ext>
             </a:extLst>
           </p:cNvPr>
@@ -20786,7 +21382,7 @@
           <p:cNvPr id="41" name="object 4">
             <a:extLst>
               <a:ext uri="{FF2B5EF4-FFF2-40B4-BE49-F238E27FC236}">
-                <a16:creationId xmlns="" xmlns:a16="http://schemas.microsoft.com/office/drawing/2014/main" id="{0185576A-0A39-4C7A-B15A-6776F7BBF1ED}"/>
+                <a16:creationId xmlns:a16="http://schemas.microsoft.com/office/drawing/2014/main" xmlns="" id="{0185576A-0A39-4C7A-B15A-6776F7BBF1ED}"/>
               </a:ext>
             </a:extLst>
           </p:cNvPr>
@@ -20979,7 +21575,7 @@
           <p:cNvPr id="48" name="object 4">
             <a:extLst>
               <a:ext uri="{FF2B5EF4-FFF2-40B4-BE49-F238E27FC236}">
-                <a16:creationId xmlns="" xmlns:a16="http://schemas.microsoft.com/office/drawing/2014/main" id="{6D9B929B-4B69-43A2-88BA-CA66983BAB05}"/>
+                <a16:creationId xmlns:a16="http://schemas.microsoft.com/office/drawing/2014/main" xmlns="" id="{6D9B929B-4B69-43A2-88BA-CA66983BAB05}"/>
               </a:ext>
             </a:extLst>
           </p:cNvPr>
@@ -21172,7 +21768,7 @@
           <p:cNvPr id="49" name="object 26">
             <a:extLst>
               <a:ext uri="{FF2B5EF4-FFF2-40B4-BE49-F238E27FC236}">
-                <a16:creationId xmlns="" xmlns:a16="http://schemas.microsoft.com/office/drawing/2014/main" id="{41E6CF51-7C08-4948-BE8D-3AC2595CA00D}"/>
+                <a16:creationId xmlns:a16="http://schemas.microsoft.com/office/drawing/2014/main" xmlns="" id="{41E6CF51-7C08-4948-BE8D-3AC2595CA00D}"/>
               </a:ext>
             </a:extLst>
           </p:cNvPr>
@@ -21238,7 +21834,7 @@
           <p:cNvPr id="50" name="object 26">
             <a:extLst>
               <a:ext uri="{FF2B5EF4-FFF2-40B4-BE49-F238E27FC236}">
-                <a16:creationId xmlns="" xmlns:a16="http://schemas.microsoft.com/office/drawing/2014/main" id="{39F18E2F-64B0-46B3-BFCE-A498DAD536BA}"/>
+                <a16:creationId xmlns:a16="http://schemas.microsoft.com/office/drawing/2014/main" xmlns="" id="{39F18E2F-64B0-46B3-BFCE-A498DAD536BA}"/>
               </a:ext>
             </a:extLst>
           </p:cNvPr>
@@ -21311,7 +21907,7 @@
           <p:cNvPr id="51" name="object 26">
             <a:extLst>
               <a:ext uri="{FF2B5EF4-FFF2-40B4-BE49-F238E27FC236}">
-                <a16:creationId xmlns="" xmlns:a16="http://schemas.microsoft.com/office/drawing/2014/main" id="{BA040D41-001F-4A17-9C83-14A15BEB559D}"/>
+                <a16:creationId xmlns:a16="http://schemas.microsoft.com/office/drawing/2014/main" xmlns="" id="{BA040D41-001F-4A17-9C83-14A15BEB559D}"/>
               </a:ext>
             </a:extLst>
           </p:cNvPr>
@@ -21377,7 +21973,7 @@
           <p:cNvPr id="52" name="object 26">
             <a:extLst>
               <a:ext uri="{FF2B5EF4-FFF2-40B4-BE49-F238E27FC236}">
-                <a16:creationId xmlns="" xmlns:a16="http://schemas.microsoft.com/office/drawing/2014/main" id="{6F3D47F9-FCB5-402A-B391-B395C9BDBB9D}"/>
+                <a16:creationId xmlns:a16="http://schemas.microsoft.com/office/drawing/2014/main" xmlns="" id="{6F3D47F9-FCB5-402A-B391-B395C9BDBB9D}"/>
               </a:ext>
             </a:extLst>
           </p:cNvPr>
@@ -21429,7 +22025,7 @@
           <p:cNvPr id="53" name="TextBox 35">
             <a:extLst>
               <a:ext uri="{FF2B5EF4-FFF2-40B4-BE49-F238E27FC236}">
-                <a16:creationId xmlns="" xmlns:a16="http://schemas.microsoft.com/office/drawing/2014/main" id="{86212FD8-B651-405D-8E12-CCCEB501EED8}"/>
+                <a16:creationId xmlns:a16="http://schemas.microsoft.com/office/drawing/2014/main" xmlns="" id="{86212FD8-B651-405D-8E12-CCCEB501EED8}"/>
               </a:ext>
             </a:extLst>
           </p:cNvPr>
@@ -21510,7 +22106,7 @@
           <p:cNvPr id="54" name="TextBox 36">
             <a:extLst>
               <a:ext uri="{FF2B5EF4-FFF2-40B4-BE49-F238E27FC236}">
-                <a16:creationId xmlns="" xmlns:a16="http://schemas.microsoft.com/office/drawing/2014/main" id="{8AEFDD10-4264-48BB-81BB-E120AE25E70D}"/>
+                <a16:creationId xmlns:a16="http://schemas.microsoft.com/office/drawing/2014/main" xmlns="" id="{8AEFDD10-4264-48BB-81BB-E120AE25E70D}"/>
               </a:ext>
             </a:extLst>
           </p:cNvPr>
@@ -21591,7 +22187,7 @@
           <p:cNvPr id="55" name="TextBox 37">
             <a:extLst>
               <a:ext uri="{FF2B5EF4-FFF2-40B4-BE49-F238E27FC236}">
-                <a16:creationId xmlns="" xmlns:a16="http://schemas.microsoft.com/office/drawing/2014/main" id="{AEF7DEB2-AEE3-41E1-A70D-1D1546A77172}"/>
+                <a16:creationId xmlns:a16="http://schemas.microsoft.com/office/drawing/2014/main" xmlns="" id="{AEF7DEB2-AEE3-41E1-A70D-1D1546A77172}"/>
               </a:ext>
             </a:extLst>
           </p:cNvPr>
@@ -21672,7 +22268,7 @@
           <p:cNvPr id="56" name="TextBox 38">
             <a:extLst>
               <a:ext uri="{FF2B5EF4-FFF2-40B4-BE49-F238E27FC236}">
-                <a16:creationId xmlns="" xmlns:a16="http://schemas.microsoft.com/office/drawing/2014/main" id="{203EE7E6-7D12-40D9-AD45-3AB16EDB4EC8}"/>
+                <a16:creationId xmlns:a16="http://schemas.microsoft.com/office/drawing/2014/main" xmlns="" id="{203EE7E6-7D12-40D9-AD45-3AB16EDB4EC8}"/>
               </a:ext>
             </a:extLst>
           </p:cNvPr>
@@ -21753,7 +22349,7 @@
           <p:cNvPr id="57" name="Рисунок 56">
             <a:extLst>
               <a:ext uri="{FF2B5EF4-FFF2-40B4-BE49-F238E27FC236}">
-                <a16:creationId xmlns="" xmlns:a16="http://schemas.microsoft.com/office/drawing/2014/main" id="{ACBA108A-C7F6-499D-BB64-F455B9BEF036}"/>
+                <a16:creationId xmlns:a16="http://schemas.microsoft.com/office/drawing/2014/main" xmlns="" id="{ACBA108A-C7F6-499D-BB64-F455B9BEF036}"/>
               </a:ext>
             </a:extLst>
           </p:cNvPr>
@@ -21782,7 +22378,7 @@
           <p:cNvPr id="58" name="TextBox 57">
             <a:extLst>
               <a:ext uri="{FF2B5EF4-FFF2-40B4-BE49-F238E27FC236}">
-                <a16:creationId xmlns="" xmlns:a16="http://schemas.microsoft.com/office/drawing/2014/main" id="{7239046A-E6F0-43E6-B176-08CC1BBF49E0}"/>
+                <a16:creationId xmlns:a16="http://schemas.microsoft.com/office/drawing/2014/main" xmlns="" id="{7239046A-E6F0-43E6-B176-08CC1BBF49E0}"/>
               </a:ext>
             </a:extLst>
           </p:cNvPr>
@@ -21858,7 +22454,7 @@
           <p:cNvPr id="61" name="Рисунок 33">
             <a:extLst>
               <a:ext uri="{FF2B5EF4-FFF2-40B4-BE49-F238E27FC236}">
-                <a16:creationId xmlns="" xmlns:a16="http://schemas.microsoft.com/office/drawing/2014/main" id="{03F0A934-8727-4150-AD5E-F9F80D3C5646}"/>
+                <a16:creationId xmlns:a16="http://schemas.microsoft.com/office/drawing/2014/main" xmlns="" id="{03F0A934-8727-4150-AD5E-F9F80D3C5646}"/>
               </a:ext>
             </a:extLst>
           </p:cNvPr>
@@ -21887,7 +22483,7 @@
           <p:cNvPr id="62" name="TextBox 61">
             <a:extLst>
               <a:ext uri="{FF2B5EF4-FFF2-40B4-BE49-F238E27FC236}">
-                <a16:creationId xmlns="" xmlns:a16="http://schemas.microsoft.com/office/drawing/2014/main" id="{CCB2FA9B-B787-4EA3-9CBB-8AD4574C261C}"/>
+                <a16:creationId xmlns:a16="http://schemas.microsoft.com/office/drawing/2014/main" xmlns="" id="{CCB2FA9B-B787-4EA3-9CBB-8AD4574C261C}"/>
               </a:ext>
             </a:extLst>
           </p:cNvPr>
@@ -21960,7 +22556,7 @@
           <p:cNvPr id="18" name="Title 7">
             <a:extLst>
               <a:ext uri="{FF2B5EF4-FFF2-40B4-BE49-F238E27FC236}">
-                <a16:creationId xmlns="" xmlns:a16="http://schemas.microsoft.com/office/drawing/2014/main" id="{E195DE7B-42F0-4CAA-AAB0-D33DB61C53CA}"/>
+                <a16:creationId xmlns:a16="http://schemas.microsoft.com/office/drawing/2014/main" xmlns="" id="{E195DE7B-42F0-4CAA-AAB0-D33DB61C53CA}"/>
               </a:ext>
             </a:extLst>
           </p:cNvPr>
@@ -22438,7 +23034,7 @@
           <p:cNvPr id="18" name="Title 7">
             <a:extLst>
               <a:ext uri="{FF2B5EF4-FFF2-40B4-BE49-F238E27FC236}">
-                <a16:creationId xmlns="" xmlns:a16="http://schemas.microsoft.com/office/drawing/2014/main" id="{E195DE7B-42F0-4CAA-AAB0-D33DB61C53CA}"/>
+                <a16:creationId xmlns:a16="http://schemas.microsoft.com/office/drawing/2014/main" xmlns="" id="{E195DE7B-42F0-4CAA-AAB0-D33DB61C53CA}"/>
               </a:ext>
             </a:extLst>
           </p:cNvPr>
@@ -22904,7 +23500,7 @@
           <p:cNvPr id="18" name="Title 7">
             <a:extLst>
               <a:ext uri="{FF2B5EF4-FFF2-40B4-BE49-F238E27FC236}">
-                <a16:creationId xmlns="" xmlns:a16="http://schemas.microsoft.com/office/drawing/2014/main" id="{E195DE7B-42F0-4CAA-AAB0-D33DB61C53CA}"/>
+                <a16:creationId xmlns:a16="http://schemas.microsoft.com/office/drawing/2014/main" xmlns="" id="{E195DE7B-42F0-4CAA-AAB0-D33DB61C53CA}"/>
               </a:ext>
             </a:extLst>
           </p:cNvPr>
@@ -24193,7 +24789,7 @@
           <p:cNvPr id="18" name="Title 7">
             <a:extLst>
               <a:ext uri="{FF2B5EF4-FFF2-40B4-BE49-F238E27FC236}">
-                <a16:creationId xmlns="" xmlns:a16="http://schemas.microsoft.com/office/drawing/2014/main" id="{E195DE7B-42F0-4CAA-AAB0-D33DB61C53CA}"/>
+                <a16:creationId xmlns:a16="http://schemas.microsoft.com/office/drawing/2014/main" xmlns="" id="{E195DE7B-42F0-4CAA-AAB0-D33DB61C53CA}"/>
               </a:ext>
             </a:extLst>
           </p:cNvPr>
@@ -25487,7 +26083,7 @@
           <p:cNvPr id="18" name="Title 7">
             <a:extLst>
               <a:ext uri="{FF2B5EF4-FFF2-40B4-BE49-F238E27FC236}">
-                <a16:creationId xmlns="" xmlns:a16="http://schemas.microsoft.com/office/drawing/2014/main" id="{E195DE7B-42F0-4CAA-AAB0-D33DB61C53CA}"/>
+                <a16:creationId xmlns:a16="http://schemas.microsoft.com/office/drawing/2014/main" xmlns="" id="{E195DE7B-42F0-4CAA-AAB0-D33DB61C53CA}"/>
               </a:ext>
             </a:extLst>
           </p:cNvPr>
